--- a/docs/Angular-Workshop-20.10.pptx
+++ b/docs/Angular-Workshop-20.10.pptx
@@ -1474,7 +1474,7 @@
           <a:noFill/>
           <a:extLst>
             <a:ext uri="{909E8E84-426E-40dd-AFC4-6F175D3DCCD1}">
-              <a14:hiddenFill xmlns:a14="http://schemas.microsoft.com/office/drawing/2010/main" xmlns="">
+              <a14:hiddenFill xmlns="" xmlns:a14="http://schemas.microsoft.com/office/drawing/2010/main">
                 <a:solidFill>
                   <a:srgbClr val="FFFFFF"/>
                 </a:solidFill>
@@ -1674,7 +1674,7 @@
           <p:cNvPr id="2" name="Datumsplatzhalter 1">
             <a:extLst>
               <a:ext uri="{FF2B5EF4-FFF2-40B4-BE49-F238E27FC236}">
-                <a16:creationId xmlns:a16="http://schemas.microsoft.com/office/drawing/2014/main" xmlns="" id="{0EE9CECA-FE53-4E0D-AD22-D4AB49ECF809}"/>
+                <a16:creationId xmlns="" xmlns:a16="http://schemas.microsoft.com/office/drawing/2014/main" id="{0EE9CECA-FE53-4E0D-AD22-D4AB49ECF809}"/>
               </a:ext>
             </a:extLst>
           </p:cNvPr>
@@ -1704,7 +1704,7 @@
           <p:cNvPr id="7" name="Fußzeilenplatzhalter 6">
             <a:extLst>
               <a:ext uri="{FF2B5EF4-FFF2-40B4-BE49-F238E27FC236}">
-                <a16:creationId xmlns:a16="http://schemas.microsoft.com/office/drawing/2014/main" xmlns="" id="{C07A299E-41A7-4A08-81FA-6FBA6806F0A5}"/>
+                <a16:creationId xmlns="" xmlns:a16="http://schemas.microsoft.com/office/drawing/2014/main" id="{C07A299E-41A7-4A08-81FA-6FBA6806F0A5}"/>
               </a:ext>
             </a:extLst>
           </p:cNvPr>
@@ -1729,7 +1729,7 @@
           <p:cNvPr id="8" name="Foliennummernplatzhalter 7">
             <a:extLst>
               <a:ext uri="{FF2B5EF4-FFF2-40B4-BE49-F238E27FC236}">
-                <a16:creationId xmlns:a16="http://schemas.microsoft.com/office/drawing/2014/main" xmlns="" id="{9151A28C-FF21-4CC9-B28E-CF780807FE34}"/>
+                <a16:creationId xmlns="" xmlns:a16="http://schemas.microsoft.com/office/drawing/2014/main" id="{9151A28C-FF21-4CC9-B28E-CF780807FE34}"/>
               </a:ext>
             </a:extLst>
           </p:cNvPr>
@@ -1984,7 +1984,7 @@
           <p:cNvPr id="3" name="Datumsplatzhalter 2">
             <a:extLst>
               <a:ext uri="{FF2B5EF4-FFF2-40B4-BE49-F238E27FC236}">
-                <a16:creationId xmlns:a16="http://schemas.microsoft.com/office/drawing/2014/main" xmlns="" id="{3D332A91-9158-4543-9295-8484F133E109}"/>
+                <a16:creationId xmlns="" xmlns:a16="http://schemas.microsoft.com/office/drawing/2014/main" id="{3D332A91-9158-4543-9295-8484F133E109}"/>
               </a:ext>
             </a:extLst>
           </p:cNvPr>
@@ -2014,7 +2014,7 @@
           <p:cNvPr id="7" name="Fußzeilenplatzhalter 6">
             <a:extLst>
               <a:ext uri="{FF2B5EF4-FFF2-40B4-BE49-F238E27FC236}">
-                <a16:creationId xmlns:a16="http://schemas.microsoft.com/office/drawing/2014/main" xmlns="" id="{C426E4CE-7F9D-4A7E-A795-EDD7185E3A7A}"/>
+                <a16:creationId xmlns="" xmlns:a16="http://schemas.microsoft.com/office/drawing/2014/main" id="{C426E4CE-7F9D-4A7E-A795-EDD7185E3A7A}"/>
               </a:ext>
             </a:extLst>
           </p:cNvPr>
@@ -2039,7 +2039,7 @@
           <p:cNvPr id="8" name="Foliennummernplatzhalter 7">
             <a:extLst>
               <a:ext uri="{FF2B5EF4-FFF2-40B4-BE49-F238E27FC236}">
-                <a16:creationId xmlns:a16="http://schemas.microsoft.com/office/drawing/2014/main" xmlns="" id="{73459CEF-058C-4C7D-9907-D7A5E4B23A28}"/>
+                <a16:creationId xmlns="" xmlns:a16="http://schemas.microsoft.com/office/drawing/2014/main" id="{73459CEF-058C-4C7D-9907-D7A5E4B23A28}"/>
               </a:ext>
             </a:extLst>
           </p:cNvPr>
@@ -2287,7 +2287,7 @@
           <p:cNvPr id="2" name="Datumsplatzhalter 1">
             <a:extLst>
               <a:ext uri="{FF2B5EF4-FFF2-40B4-BE49-F238E27FC236}">
-                <a16:creationId xmlns:a16="http://schemas.microsoft.com/office/drawing/2014/main" xmlns="" id="{64A9B900-82AE-4D1E-B11E-155C1B825004}"/>
+                <a16:creationId xmlns="" xmlns:a16="http://schemas.microsoft.com/office/drawing/2014/main" id="{64A9B900-82AE-4D1E-B11E-155C1B825004}"/>
               </a:ext>
             </a:extLst>
           </p:cNvPr>
@@ -2317,7 +2317,7 @@
           <p:cNvPr id="7" name="Fußzeilenplatzhalter 6">
             <a:extLst>
               <a:ext uri="{FF2B5EF4-FFF2-40B4-BE49-F238E27FC236}">
-                <a16:creationId xmlns:a16="http://schemas.microsoft.com/office/drawing/2014/main" xmlns="" id="{41953AE8-A571-4BCE-AF9C-CC7A649DD8C5}"/>
+                <a16:creationId xmlns="" xmlns:a16="http://schemas.microsoft.com/office/drawing/2014/main" id="{41953AE8-A571-4BCE-AF9C-CC7A649DD8C5}"/>
               </a:ext>
             </a:extLst>
           </p:cNvPr>
@@ -2342,7 +2342,7 @@
           <p:cNvPr id="8" name="Foliennummernplatzhalter 7">
             <a:extLst>
               <a:ext uri="{FF2B5EF4-FFF2-40B4-BE49-F238E27FC236}">
-                <a16:creationId xmlns:a16="http://schemas.microsoft.com/office/drawing/2014/main" xmlns="" id="{6DCAD949-98D9-4F76-BE67-6629B37422CB}"/>
+                <a16:creationId xmlns="" xmlns:a16="http://schemas.microsoft.com/office/drawing/2014/main" id="{6DCAD949-98D9-4F76-BE67-6629B37422CB}"/>
               </a:ext>
             </a:extLst>
           </p:cNvPr>
@@ -2443,7 +2443,7 @@
           <p:cNvPr id="2" name="Datumsplatzhalter 1">
             <a:extLst>
               <a:ext uri="{FF2B5EF4-FFF2-40B4-BE49-F238E27FC236}">
-                <a16:creationId xmlns:a16="http://schemas.microsoft.com/office/drawing/2014/main" xmlns="" id="{0F48F7B5-AF2D-4886-B660-ACFD0F3CA06C}"/>
+                <a16:creationId xmlns="" xmlns:a16="http://schemas.microsoft.com/office/drawing/2014/main" id="{0F48F7B5-AF2D-4886-B660-ACFD0F3CA06C}"/>
               </a:ext>
             </a:extLst>
           </p:cNvPr>
@@ -2473,7 +2473,7 @@
           <p:cNvPr id="7" name="Fußzeilenplatzhalter 6">
             <a:extLst>
               <a:ext uri="{FF2B5EF4-FFF2-40B4-BE49-F238E27FC236}">
-                <a16:creationId xmlns:a16="http://schemas.microsoft.com/office/drawing/2014/main" xmlns="" id="{C01D3F89-6DF4-4DC1-ABFC-4B69E0299624}"/>
+                <a16:creationId xmlns="" xmlns:a16="http://schemas.microsoft.com/office/drawing/2014/main" id="{C01D3F89-6DF4-4DC1-ABFC-4B69E0299624}"/>
               </a:ext>
             </a:extLst>
           </p:cNvPr>
@@ -2498,7 +2498,7 @@
           <p:cNvPr id="8" name="Foliennummernplatzhalter 7">
             <a:extLst>
               <a:ext uri="{FF2B5EF4-FFF2-40B4-BE49-F238E27FC236}">
-                <a16:creationId xmlns:a16="http://schemas.microsoft.com/office/drawing/2014/main" xmlns="" id="{BFD42FBE-0754-4285-A3CE-566D22A33C59}"/>
+                <a16:creationId xmlns="" xmlns:a16="http://schemas.microsoft.com/office/drawing/2014/main" id="{BFD42FBE-0754-4285-A3CE-566D22A33C59}"/>
               </a:ext>
             </a:extLst>
           </p:cNvPr>
@@ -2739,7 +2739,7 @@
           <p:cNvPr id="3" name="Datumsplatzhalter 2">
             <a:extLst>
               <a:ext uri="{FF2B5EF4-FFF2-40B4-BE49-F238E27FC236}">
-                <a16:creationId xmlns:a16="http://schemas.microsoft.com/office/drawing/2014/main" xmlns="" id="{434AC82E-1F55-4D6D-B12A-7355E3927B04}"/>
+                <a16:creationId xmlns="" xmlns:a16="http://schemas.microsoft.com/office/drawing/2014/main" id="{434AC82E-1F55-4D6D-B12A-7355E3927B04}"/>
               </a:ext>
             </a:extLst>
           </p:cNvPr>
@@ -2769,7 +2769,7 @@
           <p:cNvPr id="7" name="Fußzeilenplatzhalter 6">
             <a:extLst>
               <a:ext uri="{FF2B5EF4-FFF2-40B4-BE49-F238E27FC236}">
-                <a16:creationId xmlns:a16="http://schemas.microsoft.com/office/drawing/2014/main" xmlns="" id="{95F90759-2A54-4A06-B304-DFA3C45AF309}"/>
+                <a16:creationId xmlns="" xmlns:a16="http://schemas.microsoft.com/office/drawing/2014/main" id="{95F90759-2A54-4A06-B304-DFA3C45AF309}"/>
               </a:ext>
             </a:extLst>
           </p:cNvPr>
@@ -2794,7 +2794,7 @@
           <p:cNvPr id="8" name="Foliennummernplatzhalter 7">
             <a:extLst>
               <a:ext uri="{FF2B5EF4-FFF2-40B4-BE49-F238E27FC236}">
-                <a16:creationId xmlns:a16="http://schemas.microsoft.com/office/drawing/2014/main" xmlns="" id="{AAA489C6-E63E-4078-89A4-7CC1709D7206}"/>
+                <a16:creationId xmlns="" xmlns:a16="http://schemas.microsoft.com/office/drawing/2014/main" id="{AAA489C6-E63E-4078-89A4-7CC1709D7206}"/>
               </a:ext>
             </a:extLst>
           </p:cNvPr>
@@ -3076,7 +3076,7 @@
           <p:cNvPr id="3" name="Datumsplatzhalter 2">
             <a:extLst>
               <a:ext uri="{FF2B5EF4-FFF2-40B4-BE49-F238E27FC236}">
-                <a16:creationId xmlns:a16="http://schemas.microsoft.com/office/drawing/2014/main" xmlns="" id="{24A5A6B0-652D-48FC-AF73-17BD8D217D8E}"/>
+                <a16:creationId xmlns="" xmlns:a16="http://schemas.microsoft.com/office/drawing/2014/main" id="{24A5A6B0-652D-48FC-AF73-17BD8D217D8E}"/>
               </a:ext>
             </a:extLst>
           </p:cNvPr>
@@ -3106,7 +3106,7 @@
           <p:cNvPr id="7" name="Fußzeilenplatzhalter 6">
             <a:extLst>
               <a:ext uri="{FF2B5EF4-FFF2-40B4-BE49-F238E27FC236}">
-                <a16:creationId xmlns:a16="http://schemas.microsoft.com/office/drawing/2014/main" xmlns="" id="{239BA7E1-F103-432E-BC27-0127D2228DA4}"/>
+                <a16:creationId xmlns="" xmlns:a16="http://schemas.microsoft.com/office/drawing/2014/main" id="{239BA7E1-F103-432E-BC27-0127D2228DA4}"/>
               </a:ext>
             </a:extLst>
           </p:cNvPr>
@@ -3131,7 +3131,7 @@
           <p:cNvPr id="9" name="Foliennummernplatzhalter 8">
             <a:extLst>
               <a:ext uri="{FF2B5EF4-FFF2-40B4-BE49-F238E27FC236}">
-                <a16:creationId xmlns:a16="http://schemas.microsoft.com/office/drawing/2014/main" xmlns="" id="{E398A7F9-A765-46A7-B1D7-8FF6247ED6E8}"/>
+                <a16:creationId xmlns="" xmlns:a16="http://schemas.microsoft.com/office/drawing/2014/main" id="{E398A7F9-A765-46A7-B1D7-8FF6247ED6E8}"/>
               </a:ext>
             </a:extLst>
           </p:cNvPr>
@@ -3552,7 +3552,7 @@
           <p:cNvPr id="3" name="Datumsplatzhalter 2">
             <a:extLst>
               <a:ext uri="{FF2B5EF4-FFF2-40B4-BE49-F238E27FC236}">
-                <a16:creationId xmlns:a16="http://schemas.microsoft.com/office/drawing/2014/main" xmlns="" id="{E251BDE8-F6CD-4379-B02C-D58055E91CB7}"/>
+                <a16:creationId xmlns="" xmlns:a16="http://schemas.microsoft.com/office/drawing/2014/main" id="{E251BDE8-F6CD-4379-B02C-D58055E91CB7}"/>
               </a:ext>
             </a:extLst>
           </p:cNvPr>
@@ -3582,7 +3582,7 @@
           <p:cNvPr id="7" name="Fußzeilenplatzhalter 6">
             <a:extLst>
               <a:ext uri="{FF2B5EF4-FFF2-40B4-BE49-F238E27FC236}">
-                <a16:creationId xmlns:a16="http://schemas.microsoft.com/office/drawing/2014/main" xmlns="" id="{F684EDD4-7234-4CF4-A5B8-FCC6419FE199}"/>
+                <a16:creationId xmlns="" xmlns:a16="http://schemas.microsoft.com/office/drawing/2014/main" id="{F684EDD4-7234-4CF4-A5B8-FCC6419FE199}"/>
               </a:ext>
             </a:extLst>
           </p:cNvPr>
@@ -3607,7 +3607,7 @@
           <p:cNvPr id="8" name="Foliennummernplatzhalter 7">
             <a:extLst>
               <a:ext uri="{FF2B5EF4-FFF2-40B4-BE49-F238E27FC236}">
-                <a16:creationId xmlns:a16="http://schemas.microsoft.com/office/drawing/2014/main" xmlns="" id="{81EB7AF2-AEA0-439E-B5DA-DF760778341F}"/>
+                <a16:creationId xmlns="" xmlns:a16="http://schemas.microsoft.com/office/drawing/2014/main" id="{81EB7AF2-AEA0-439E-B5DA-DF760778341F}"/>
               </a:ext>
             </a:extLst>
           </p:cNvPr>
@@ -3935,7 +3935,7 @@
           <p:cNvPr id="3" name="Datumsplatzhalter 2">
             <a:extLst>
               <a:ext uri="{FF2B5EF4-FFF2-40B4-BE49-F238E27FC236}">
-                <a16:creationId xmlns:a16="http://schemas.microsoft.com/office/drawing/2014/main" xmlns="" id="{C2E5ECD2-BEB5-47D1-A89E-69496048A8D5}"/>
+                <a16:creationId xmlns="" xmlns:a16="http://schemas.microsoft.com/office/drawing/2014/main" id="{C2E5ECD2-BEB5-47D1-A89E-69496048A8D5}"/>
               </a:ext>
             </a:extLst>
           </p:cNvPr>
@@ -3965,7 +3965,7 @@
           <p:cNvPr id="7" name="Fußzeilenplatzhalter 6">
             <a:extLst>
               <a:ext uri="{FF2B5EF4-FFF2-40B4-BE49-F238E27FC236}">
-                <a16:creationId xmlns:a16="http://schemas.microsoft.com/office/drawing/2014/main" xmlns="" id="{8DADA64D-3A7A-4438-9197-BD2830657223}"/>
+                <a16:creationId xmlns="" xmlns:a16="http://schemas.microsoft.com/office/drawing/2014/main" id="{8DADA64D-3A7A-4438-9197-BD2830657223}"/>
               </a:ext>
             </a:extLst>
           </p:cNvPr>
@@ -3990,7 +3990,7 @@
           <p:cNvPr id="9" name="Foliennummernplatzhalter 8">
             <a:extLst>
               <a:ext uri="{FF2B5EF4-FFF2-40B4-BE49-F238E27FC236}">
-                <a16:creationId xmlns:a16="http://schemas.microsoft.com/office/drawing/2014/main" xmlns="" id="{3D8A091A-178E-435F-9EA9-84BA66D378CC}"/>
+                <a16:creationId xmlns="" xmlns:a16="http://schemas.microsoft.com/office/drawing/2014/main" id="{3D8A091A-178E-435F-9EA9-84BA66D378CC}"/>
               </a:ext>
             </a:extLst>
           </p:cNvPr>
@@ -4621,7 +4621,7 @@
           <p:cNvPr id="6" name="Datumsplatzhalter 5">
             <a:extLst>
               <a:ext uri="{FF2B5EF4-FFF2-40B4-BE49-F238E27FC236}">
-                <a16:creationId xmlns:a16="http://schemas.microsoft.com/office/drawing/2014/main" xmlns="" id="{E75B6010-F5BB-4F22-8221-D75D21F6EB55}"/>
+                <a16:creationId xmlns="" xmlns:a16="http://schemas.microsoft.com/office/drawing/2014/main" id="{E75B6010-F5BB-4F22-8221-D75D21F6EB55}"/>
               </a:ext>
             </a:extLst>
           </p:cNvPr>
@@ -4651,7 +4651,7 @@
           <p:cNvPr id="7" name="Fußzeilenplatzhalter 6">
             <a:extLst>
               <a:ext uri="{FF2B5EF4-FFF2-40B4-BE49-F238E27FC236}">
-                <a16:creationId xmlns:a16="http://schemas.microsoft.com/office/drawing/2014/main" xmlns="" id="{26547C97-5C9B-4C14-8D49-A5E83DFFB45A}"/>
+                <a16:creationId xmlns="" xmlns:a16="http://schemas.microsoft.com/office/drawing/2014/main" id="{26547C97-5C9B-4C14-8D49-A5E83DFFB45A}"/>
               </a:ext>
             </a:extLst>
           </p:cNvPr>
@@ -4676,7 +4676,7 @@
           <p:cNvPr id="11" name="Foliennummernplatzhalter 10">
             <a:extLst>
               <a:ext uri="{FF2B5EF4-FFF2-40B4-BE49-F238E27FC236}">
-                <a16:creationId xmlns:a16="http://schemas.microsoft.com/office/drawing/2014/main" xmlns="" id="{98B57AAA-67F4-4EFE-A062-411C04E4F8A2}"/>
+                <a16:creationId xmlns="" xmlns:a16="http://schemas.microsoft.com/office/drawing/2014/main" id="{98B57AAA-67F4-4EFE-A062-411C04E4F8A2}"/>
               </a:ext>
             </a:extLst>
           </p:cNvPr>
@@ -5215,7 +5215,7 @@
           <p:cNvPr id="5" name="Datumsplatzhalter 4">
             <a:extLst>
               <a:ext uri="{FF2B5EF4-FFF2-40B4-BE49-F238E27FC236}">
-                <a16:creationId xmlns:a16="http://schemas.microsoft.com/office/drawing/2014/main" xmlns="" id="{0C7C8404-609B-40A1-85F0-0C1D3C5C6357}"/>
+                <a16:creationId xmlns="" xmlns:a16="http://schemas.microsoft.com/office/drawing/2014/main" id="{0C7C8404-609B-40A1-85F0-0C1D3C5C6357}"/>
               </a:ext>
             </a:extLst>
           </p:cNvPr>
@@ -5245,7 +5245,7 @@
           <p:cNvPr id="8" name="Fußzeilenplatzhalter 7">
             <a:extLst>
               <a:ext uri="{FF2B5EF4-FFF2-40B4-BE49-F238E27FC236}">
-                <a16:creationId xmlns:a16="http://schemas.microsoft.com/office/drawing/2014/main" xmlns="" id="{3C29D00E-B305-494B-A605-238A832848F3}"/>
+                <a16:creationId xmlns="" xmlns:a16="http://schemas.microsoft.com/office/drawing/2014/main" id="{3C29D00E-B305-494B-A605-238A832848F3}"/>
               </a:ext>
             </a:extLst>
           </p:cNvPr>
@@ -5270,7 +5270,7 @@
           <p:cNvPr id="9" name="Foliennummernplatzhalter 8">
             <a:extLst>
               <a:ext uri="{FF2B5EF4-FFF2-40B4-BE49-F238E27FC236}">
-                <a16:creationId xmlns:a16="http://schemas.microsoft.com/office/drawing/2014/main" xmlns="" id="{7FC7C27A-51A6-4577-BAAE-22B90EFD1D16}"/>
+                <a16:creationId xmlns="" xmlns:a16="http://schemas.microsoft.com/office/drawing/2014/main" id="{7FC7C27A-51A6-4577-BAAE-22B90EFD1D16}"/>
               </a:ext>
             </a:extLst>
           </p:cNvPr>
@@ -6039,7 +6039,7 @@
           <p:cNvPr id="5" name="Datumsplatzhalter 4">
             <a:extLst>
               <a:ext uri="{FF2B5EF4-FFF2-40B4-BE49-F238E27FC236}">
-                <a16:creationId xmlns:a16="http://schemas.microsoft.com/office/drawing/2014/main" xmlns="" id="{33D616DE-E3B4-4D35-BB61-A1FFAD7A5AAF}"/>
+                <a16:creationId xmlns="" xmlns:a16="http://schemas.microsoft.com/office/drawing/2014/main" id="{33D616DE-E3B4-4D35-BB61-A1FFAD7A5AAF}"/>
               </a:ext>
             </a:extLst>
           </p:cNvPr>
@@ -6069,7 +6069,7 @@
           <p:cNvPr id="7" name="Fußzeilenplatzhalter 6">
             <a:extLst>
               <a:ext uri="{FF2B5EF4-FFF2-40B4-BE49-F238E27FC236}">
-                <a16:creationId xmlns:a16="http://schemas.microsoft.com/office/drawing/2014/main" xmlns="" id="{009571DE-76C3-4B92-A98C-31AD1C84E96F}"/>
+                <a16:creationId xmlns="" xmlns:a16="http://schemas.microsoft.com/office/drawing/2014/main" id="{009571DE-76C3-4B92-A98C-31AD1C84E96F}"/>
               </a:ext>
             </a:extLst>
           </p:cNvPr>
@@ -6094,7 +6094,7 @@
           <p:cNvPr id="10" name="Foliennummernplatzhalter 9">
             <a:extLst>
               <a:ext uri="{FF2B5EF4-FFF2-40B4-BE49-F238E27FC236}">
-                <a16:creationId xmlns:a16="http://schemas.microsoft.com/office/drawing/2014/main" xmlns="" id="{A873DEEA-A3E3-4201-A6F9-C92D0EB9E730}"/>
+                <a16:creationId xmlns="" xmlns:a16="http://schemas.microsoft.com/office/drawing/2014/main" id="{A873DEEA-A3E3-4201-A6F9-C92D0EB9E730}"/>
               </a:ext>
             </a:extLst>
           </p:cNvPr>
@@ -6519,7 +6519,7 @@
           <p:cNvPr id="6" name="Datumsplatzhalter 5">
             <a:extLst>
               <a:ext uri="{FF2B5EF4-FFF2-40B4-BE49-F238E27FC236}">
-                <a16:creationId xmlns:a16="http://schemas.microsoft.com/office/drawing/2014/main" xmlns="" id="{BE1F9E44-CCA9-4032-B773-94D7E2DF8ED5}"/>
+                <a16:creationId xmlns="" xmlns:a16="http://schemas.microsoft.com/office/drawing/2014/main" id="{BE1F9E44-CCA9-4032-B773-94D7E2DF8ED5}"/>
               </a:ext>
             </a:extLst>
           </p:cNvPr>
@@ -6549,7 +6549,7 @@
           <p:cNvPr id="7" name="Fußzeilenplatzhalter 6">
             <a:extLst>
               <a:ext uri="{FF2B5EF4-FFF2-40B4-BE49-F238E27FC236}">
-                <a16:creationId xmlns:a16="http://schemas.microsoft.com/office/drawing/2014/main" xmlns="" id="{4D3B4066-4E5D-4AAB-A33C-01B8A1CAA20D}"/>
+                <a16:creationId xmlns="" xmlns:a16="http://schemas.microsoft.com/office/drawing/2014/main" id="{4D3B4066-4E5D-4AAB-A33C-01B8A1CAA20D}"/>
               </a:ext>
             </a:extLst>
           </p:cNvPr>
@@ -6574,7 +6574,7 @@
           <p:cNvPr id="8" name="Foliennummernplatzhalter 7">
             <a:extLst>
               <a:ext uri="{FF2B5EF4-FFF2-40B4-BE49-F238E27FC236}">
-                <a16:creationId xmlns:a16="http://schemas.microsoft.com/office/drawing/2014/main" xmlns="" id="{52AE4811-CB7B-4E63-92A7-E2967B6AEBEE}"/>
+                <a16:creationId xmlns="" xmlns:a16="http://schemas.microsoft.com/office/drawing/2014/main" id="{52AE4811-CB7B-4E63-92A7-E2967B6AEBEE}"/>
               </a:ext>
             </a:extLst>
           </p:cNvPr>
@@ -7361,7 +7361,7 @@
           <p:cNvPr id="5" name="Datumsplatzhalter 4">
             <a:extLst>
               <a:ext uri="{FF2B5EF4-FFF2-40B4-BE49-F238E27FC236}">
-                <a16:creationId xmlns:a16="http://schemas.microsoft.com/office/drawing/2014/main" xmlns="" id="{7AEDF8C5-F6FB-4119-B6A3-908B246DAB0B}"/>
+                <a16:creationId xmlns="" xmlns:a16="http://schemas.microsoft.com/office/drawing/2014/main" id="{7AEDF8C5-F6FB-4119-B6A3-908B246DAB0B}"/>
               </a:ext>
             </a:extLst>
           </p:cNvPr>
@@ -7391,7 +7391,7 @@
           <p:cNvPr id="7" name="Fußzeilenplatzhalter 6">
             <a:extLst>
               <a:ext uri="{FF2B5EF4-FFF2-40B4-BE49-F238E27FC236}">
-                <a16:creationId xmlns:a16="http://schemas.microsoft.com/office/drawing/2014/main" xmlns="" id="{4CCDEB9D-85DD-4CF0-96C7-BA711D11F2BE}"/>
+                <a16:creationId xmlns="" xmlns:a16="http://schemas.microsoft.com/office/drawing/2014/main" id="{4CCDEB9D-85DD-4CF0-96C7-BA711D11F2BE}"/>
               </a:ext>
             </a:extLst>
           </p:cNvPr>
@@ -7416,7 +7416,7 @@
           <p:cNvPr id="9" name="Foliennummernplatzhalter 8">
             <a:extLst>
               <a:ext uri="{FF2B5EF4-FFF2-40B4-BE49-F238E27FC236}">
-                <a16:creationId xmlns:a16="http://schemas.microsoft.com/office/drawing/2014/main" xmlns="" id="{418E80D9-3450-43BD-94A9-22C9BF91B1C0}"/>
+                <a16:creationId xmlns="" xmlns:a16="http://schemas.microsoft.com/office/drawing/2014/main" id="{418E80D9-3450-43BD-94A9-22C9BF91B1C0}"/>
               </a:ext>
             </a:extLst>
           </p:cNvPr>
@@ -8162,7 +8162,7 @@
           <p:cNvPr id="3" name="Datumsplatzhalter 2">
             <a:extLst>
               <a:ext uri="{FF2B5EF4-FFF2-40B4-BE49-F238E27FC236}">
-                <a16:creationId xmlns:a16="http://schemas.microsoft.com/office/drawing/2014/main" xmlns="" id="{25D8C277-6F42-4B11-AB90-EBE3A1238A85}"/>
+                <a16:creationId xmlns="" xmlns:a16="http://schemas.microsoft.com/office/drawing/2014/main" id="{25D8C277-6F42-4B11-AB90-EBE3A1238A85}"/>
               </a:ext>
             </a:extLst>
           </p:cNvPr>
@@ -8192,7 +8192,7 @@
           <p:cNvPr id="4" name="Fußzeilenplatzhalter 3">
             <a:extLst>
               <a:ext uri="{FF2B5EF4-FFF2-40B4-BE49-F238E27FC236}">
-                <a16:creationId xmlns:a16="http://schemas.microsoft.com/office/drawing/2014/main" xmlns="" id="{4815A052-9443-41A9-9F46-0AA437EEDDA5}"/>
+                <a16:creationId xmlns="" xmlns:a16="http://schemas.microsoft.com/office/drawing/2014/main" id="{4815A052-9443-41A9-9F46-0AA437EEDDA5}"/>
               </a:ext>
             </a:extLst>
           </p:cNvPr>
@@ -8217,7 +8217,7 @@
           <p:cNvPr id="5" name="Foliennummernplatzhalter 4">
             <a:extLst>
               <a:ext uri="{FF2B5EF4-FFF2-40B4-BE49-F238E27FC236}">
-                <a16:creationId xmlns:a16="http://schemas.microsoft.com/office/drawing/2014/main" xmlns="" id="{5F7C50D9-9DEA-4EFD-ACE3-677BBD4DEB55}"/>
+                <a16:creationId xmlns="" xmlns:a16="http://schemas.microsoft.com/office/drawing/2014/main" id="{5F7C50D9-9DEA-4EFD-ACE3-677BBD4DEB55}"/>
               </a:ext>
             </a:extLst>
           </p:cNvPr>
@@ -8683,7 +8683,7 @@
           <p:cNvPr id="5" name="Datumsplatzhalter 4">
             <a:extLst>
               <a:ext uri="{FF2B5EF4-FFF2-40B4-BE49-F238E27FC236}">
-                <a16:creationId xmlns:a16="http://schemas.microsoft.com/office/drawing/2014/main" xmlns="" id="{6B4135B1-E114-41F0-9C64-3A26186B834F}"/>
+                <a16:creationId xmlns="" xmlns:a16="http://schemas.microsoft.com/office/drawing/2014/main" id="{6B4135B1-E114-41F0-9C64-3A26186B834F}"/>
               </a:ext>
             </a:extLst>
           </p:cNvPr>
@@ -8713,7 +8713,7 @@
           <p:cNvPr id="7" name="Fußzeilenplatzhalter 6">
             <a:extLst>
               <a:ext uri="{FF2B5EF4-FFF2-40B4-BE49-F238E27FC236}">
-                <a16:creationId xmlns:a16="http://schemas.microsoft.com/office/drawing/2014/main" xmlns="" id="{84D81854-B37F-4ADF-A34F-BF0CCA2926F2}"/>
+                <a16:creationId xmlns="" xmlns:a16="http://schemas.microsoft.com/office/drawing/2014/main" id="{84D81854-B37F-4ADF-A34F-BF0CCA2926F2}"/>
               </a:ext>
             </a:extLst>
           </p:cNvPr>
@@ -8738,7 +8738,7 @@
           <p:cNvPr id="9" name="Foliennummernplatzhalter 8">
             <a:extLst>
               <a:ext uri="{FF2B5EF4-FFF2-40B4-BE49-F238E27FC236}">
-                <a16:creationId xmlns:a16="http://schemas.microsoft.com/office/drawing/2014/main" xmlns="" id="{2EE17D9C-06FE-45C8-B312-4C5617C49000}"/>
+                <a16:creationId xmlns="" xmlns:a16="http://schemas.microsoft.com/office/drawing/2014/main" id="{2EE17D9C-06FE-45C8-B312-4C5617C49000}"/>
               </a:ext>
             </a:extLst>
           </p:cNvPr>
@@ -9163,7 +9163,7 @@
           <p:cNvPr id="10" name="Datumsplatzhalter 9">
             <a:extLst>
               <a:ext uri="{FF2B5EF4-FFF2-40B4-BE49-F238E27FC236}">
-                <a16:creationId xmlns:a16="http://schemas.microsoft.com/office/drawing/2014/main" xmlns="" id="{F92E0490-C295-4C99-B9D1-6310B9164EDD}"/>
+                <a16:creationId xmlns="" xmlns:a16="http://schemas.microsoft.com/office/drawing/2014/main" id="{F92E0490-C295-4C99-B9D1-6310B9164EDD}"/>
               </a:ext>
             </a:extLst>
           </p:cNvPr>
@@ -9193,7 +9193,7 @@
           <p:cNvPr id="11" name="Fußzeilenplatzhalter 10">
             <a:extLst>
               <a:ext uri="{FF2B5EF4-FFF2-40B4-BE49-F238E27FC236}">
-                <a16:creationId xmlns:a16="http://schemas.microsoft.com/office/drawing/2014/main" xmlns="" id="{DD98C48F-3C69-4703-B4CC-632DDDDB497C}"/>
+                <a16:creationId xmlns="" xmlns:a16="http://schemas.microsoft.com/office/drawing/2014/main" id="{DD98C48F-3C69-4703-B4CC-632DDDDB497C}"/>
               </a:ext>
             </a:extLst>
           </p:cNvPr>
@@ -9218,7 +9218,7 @@
           <p:cNvPr id="15" name="Foliennummernplatzhalter 14">
             <a:extLst>
               <a:ext uri="{FF2B5EF4-FFF2-40B4-BE49-F238E27FC236}">
-                <a16:creationId xmlns:a16="http://schemas.microsoft.com/office/drawing/2014/main" xmlns="" id="{1968527D-44A1-407F-99A6-2ACAB46FBD28}"/>
+                <a16:creationId xmlns="" xmlns:a16="http://schemas.microsoft.com/office/drawing/2014/main" id="{1968527D-44A1-407F-99A6-2ACAB46FBD28}"/>
               </a:ext>
             </a:extLst>
           </p:cNvPr>
@@ -10005,7 +10005,7 @@
           <p:cNvPr id="5" name="Datumsplatzhalter 4">
             <a:extLst>
               <a:ext uri="{FF2B5EF4-FFF2-40B4-BE49-F238E27FC236}">
-                <a16:creationId xmlns:a16="http://schemas.microsoft.com/office/drawing/2014/main" xmlns="" id="{8AFAB162-0FDB-4A37-A4FD-CBFC89474486}"/>
+                <a16:creationId xmlns="" xmlns:a16="http://schemas.microsoft.com/office/drawing/2014/main" id="{8AFAB162-0FDB-4A37-A4FD-CBFC89474486}"/>
               </a:ext>
             </a:extLst>
           </p:cNvPr>
@@ -10035,7 +10035,7 @@
           <p:cNvPr id="7" name="Fußzeilenplatzhalter 6">
             <a:extLst>
               <a:ext uri="{FF2B5EF4-FFF2-40B4-BE49-F238E27FC236}">
-                <a16:creationId xmlns:a16="http://schemas.microsoft.com/office/drawing/2014/main" xmlns="" id="{46B12C25-0691-43C5-8596-6B8AD0039874}"/>
+                <a16:creationId xmlns="" xmlns:a16="http://schemas.microsoft.com/office/drawing/2014/main" id="{46B12C25-0691-43C5-8596-6B8AD0039874}"/>
               </a:ext>
             </a:extLst>
           </p:cNvPr>
@@ -10060,7 +10060,7 @@
           <p:cNvPr id="9" name="Foliennummernplatzhalter 8">
             <a:extLst>
               <a:ext uri="{FF2B5EF4-FFF2-40B4-BE49-F238E27FC236}">
-                <a16:creationId xmlns:a16="http://schemas.microsoft.com/office/drawing/2014/main" xmlns="" id="{7C5C2594-4A54-4AE0-88EE-FB17FDD4570C}"/>
+                <a16:creationId xmlns="" xmlns:a16="http://schemas.microsoft.com/office/drawing/2014/main" id="{7C5C2594-4A54-4AE0-88EE-FB17FDD4570C}"/>
               </a:ext>
             </a:extLst>
           </p:cNvPr>
@@ -10806,7 +10806,7 @@
           <p:cNvPr id="5" name="Datumsplatzhalter 4">
             <a:extLst>
               <a:ext uri="{FF2B5EF4-FFF2-40B4-BE49-F238E27FC236}">
-                <a16:creationId xmlns:a16="http://schemas.microsoft.com/office/drawing/2014/main" xmlns="" id="{D1D6952B-45CB-46FF-9F9B-1F98CC255417}"/>
+                <a16:creationId xmlns="" xmlns:a16="http://schemas.microsoft.com/office/drawing/2014/main" id="{D1D6952B-45CB-46FF-9F9B-1F98CC255417}"/>
               </a:ext>
             </a:extLst>
           </p:cNvPr>
@@ -10836,7 +10836,7 @@
           <p:cNvPr id="7" name="Fußzeilenplatzhalter 6">
             <a:extLst>
               <a:ext uri="{FF2B5EF4-FFF2-40B4-BE49-F238E27FC236}">
-                <a16:creationId xmlns:a16="http://schemas.microsoft.com/office/drawing/2014/main" xmlns="" id="{3C08D0C6-0E40-46E2-9D6C-74181D953DFE}"/>
+                <a16:creationId xmlns="" xmlns:a16="http://schemas.microsoft.com/office/drawing/2014/main" id="{3C08D0C6-0E40-46E2-9D6C-74181D953DFE}"/>
               </a:ext>
             </a:extLst>
           </p:cNvPr>
@@ -10861,7 +10861,7 @@
           <p:cNvPr id="8" name="Foliennummernplatzhalter 7">
             <a:extLst>
               <a:ext uri="{FF2B5EF4-FFF2-40B4-BE49-F238E27FC236}">
-                <a16:creationId xmlns:a16="http://schemas.microsoft.com/office/drawing/2014/main" xmlns="" id="{EA500A2A-E0AD-4AD6-AB58-61BF900F0E2C}"/>
+                <a16:creationId xmlns="" xmlns:a16="http://schemas.microsoft.com/office/drawing/2014/main" id="{EA500A2A-E0AD-4AD6-AB58-61BF900F0E2C}"/>
               </a:ext>
             </a:extLst>
           </p:cNvPr>
@@ -10965,7 +10965,7 @@
           <p:cNvPr id="5" name="Datumsplatzhalter 4">
             <a:extLst>
               <a:ext uri="{FF2B5EF4-FFF2-40B4-BE49-F238E27FC236}">
-                <a16:creationId xmlns:a16="http://schemas.microsoft.com/office/drawing/2014/main" xmlns="" id="{A181F7F8-D379-4070-8216-3B81228BAEC6}"/>
+                <a16:creationId xmlns="" xmlns:a16="http://schemas.microsoft.com/office/drawing/2014/main" id="{A181F7F8-D379-4070-8216-3B81228BAEC6}"/>
               </a:ext>
             </a:extLst>
           </p:cNvPr>
@@ -10995,7 +10995,7 @@
           <p:cNvPr id="7" name="Fußzeilenplatzhalter 6">
             <a:extLst>
               <a:ext uri="{FF2B5EF4-FFF2-40B4-BE49-F238E27FC236}">
-                <a16:creationId xmlns:a16="http://schemas.microsoft.com/office/drawing/2014/main" xmlns="" id="{D8E0E4FD-5CC1-4D23-A3E8-7DAB1134A4FA}"/>
+                <a16:creationId xmlns="" xmlns:a16="http://schemas.microsoft.com/office/drawing/2014/main" id="{D8E0E4FD-5CC1-4D23-A3E8-7DAB1134A4FA}"/>
               </a:ext>
             </a:extLst>
           </p:cNvPr>
@@ -11020,7 +11020,7 @@
           <p:cNvPr id="8" name="Foliennummernplatzhalter 7">
             <a:extLst>
               <a:ext uri="{FF2B5EF4-FFF2-40B4-BE49-F238E27FC236}">
-                <a16:creationId xmlns:a16="http://schemas.microsoft.com/office/drawing/2014/main" xmlns="" id="{6D72C792-B02A-4A44-BF65-9B261DE5D43D}"/>
+                <a16:creationId xmlns="" xmlns:a16="http://schemas.microsoft.com/office/drawing/2014/main" id="{6D72C792-B02A-4A44-BF65-9B261DE5D43D}"/>
               </a:ext>
             </a:extLst>
           </p:cNvPr>
@@ -11417,7 +11417,7 @@
           <p:cNvPr id="2" name="Datumsplatzhalter 1">
             <a:extLst>
               <a:ext uri="{FF2B5EF4-FFF2-40B4-BE49-F238E27FC236}">
-                <a16:creationId xmlns:a16="http://schemas.microsoft.com/office/drawing/2014/main" xmlns="" id="{B1E6CA30-BA19-47F1-BFEE-B5E43CCEC731}"/>
+                <a16:creationId xmlns="" xmlns:a16="http://schemas.microsoft.com/office/drawing/2014/main" id="{B1E6CA30-BA19-47F1-BFEE-B5E43CCEC731}"/>
               </a:ext>
             </a:extLst>
           </p:cNvPr>
@@ -11447,7 +11447,7 @@
           <p:cNvPr id="14" name="Fußzeilenplatzhalter 13">
             <a:extLst>
               <a:ext uri="{FF2B5EF4-FFF2-40B4-BE49-F238E27FC236}">
-                <a16:creationId xmlns:a16="http://schemas.microsoft.com/office/drawing/2014/main" xmlns="" id="{06236A5B-AF48-4E5C-BD02-27BC73328D88}"/>
+                <a16:creationId xmlns="" xmlns:a16="http://schemas.microsoft.com/office/drawing/2014/main" id="{06236A5B-AF48-4E5C-BD02-27BC73328D88}"/>
               </a:ext>
             </a:extLst>
           </p:cNvPr>
@@ -11472,7 +11472,7 @@
           <p:cNvPr id="15" name="Foliennummernplatzhalter 14">
             <a:extLst>
               <a:ext uri="{FF2B5EF4-FFF2-40B4-BE49-F238E27FC236}">
-                <a16:creationId xmlns:a16="http://schemas.microsoft.com/office/drawing/2014/main" xmlns="" id="{6C539E6F-C163-4DFD-A93D-F463843C6D4E}"/>
+                <a16:creationId xmlns="" xmlns:a16="http://schemas.microsoft.com/office/drawing/2014/main" id="{6C539E6F-C163-4DFD-A93D-F463843C6D4E}"/>
               </a:ext>
             </a:extLst>
           </p:cNvPr>
@@ -11788,7 +11788,7 @@
           <p:cNvPr id="7" name="Datumsplatzhalter 6">
             <a:extLst>
               <a:ext uri="{FF2B5EF4-FFF2-40B4-BE49-F238E27FC236}">
-                <a16:creationId xmlns:a16="http://schemas.microsoft.com/office/drawing/2014/main" xmlns="" id="{E9F2D5EB-EB07-4AC4-94D4-FA6BD7E87398}"/>
+                <a16:creationId xmlns="" xmlns:a16="http://schemas.microsoft.com/office/drawing/2014/main" id="{E9F2D5EB-EB07-4AC4-94D4-FA6BD7E87398}"/>
               </a:ext>
             </a:extLst>
           </p:cNvPr>
@@ -11818,7 +11818,7 @@
           <p:cNvPr id="8" name="Fußzeilenplatzhalter 7">
             <a:extLst>
               <a:ext uri="{FF2B5EF4-FFF2-40B4-BE49-F238E27FC236}">
-                <a16:creationId xmlns:a16="http://schemas.microsoft.com/office/drawing/2014/main" xmlns="" id="{947F1BF2-5B5A-4E3F-9A69-A7FC06CEE6DA}"/>
+                <a16:creationId xmlns="" xmlns:a16="http://schemas.microsoft.com/office/drawing/2014/main" id="{947F1BF2-5B5A-4E3F-9A69-A7FC06CEE6DA}"/>
               </a:ext>
             </a:extLst>
           </p:cNvPr>
@@ -11843,7 +11843,7 @@
           <p:cNvPr id="9" name="Foliennummernplatzhalter 8">
             <a:extLst>
               <a:ext uri="{FF2B5EF4-FFF2-40B4-BE49-F238E27FC236}">
-                <a16:creationId xmlns:a16="http://schemas.microsoft.com/office/drawing/2014/main" xmlns="" id="{B0D6E36A-E68C-4CFF-A1B3-ADE80884E18E}"/>
+                <a16:creationId xmlns="" xmlns:a16="http://schemas.microsoft.com/office/drawing/2014/main" id="{B0D6E36A-E68C-4CFF-A1B3-ADE80884E18E}"/>
               </a:ext>
             </a:extLst>
           </p:cNvPr>
@@ -11934,7 +11934,7 @@
           <a:noFill/>
           <a:extLst>
             <a:ext uri="{909E8E84-426E-40dd-AFC4-6F175D3DCCD1}">
-              <a14:hiddenFill xmlns:a14="http://schemas.microsoft.com/office/drawing/2010/main" xmlns="">
+              <a14:hiddenFill xmlns="" xmlns:a14="http://schemas.microsoft.com/office/drawing/2010/main">
                 <a:solidFill>
                   <a:srgbClr val="FFFFFF"/>
                 </a:solidFill>
@@ -12014,7 +12014,7 @@
           <a:noFill/>
           <a:extLst>
             <a:ext uri="{909E8E84-426E-40dd-AFC4-6F175D3DCCD1}">
-              <a14:hiddenFill xmlns:a14="http://schemas.microsoft.com/office/drawing/2010/main" xmlns="">
+              <a14:hiddenFill xmlns="" xmlns:a14="http://schemas.microsoft.com/office/drawing/2010/main">
                 <a:solidFill>
                   <a:srgbClr val="FFFFFF"/>
                 </a:solidFill>
@@ -12317,7 +12317,7 @@
           <p:cNvPr id="5" name="Datumsplatzhalter 4">
             <a:extLst>
               <a:ext uri="{FF2B5EF4-FFF2-40B4-BE49-F238E27FC236}">
-                <a16:creationId xmlns:a16="http://schemas.microsoft.com/office/drawing/2014/main" xmlns="" id="{368DD9D8-7FE8-48F0-AE91-AE98EA3DCA20}"/>
+                <a16:creationId xmlns="" xmlns:a16="http://schemas.microsoft.com/office/drawing/2014/main" id="{368DD9D8-7FE8-48F0-AE91-AE98EA3DCA20}"/>
               </a:ext>
             </a:extLst>
           </p:cNvPr>
@@ -12347,7 +12347,7 @@
           <p:cNvPr id="7" name="Fußzeilenplatzhalter 6">
             <a:extLst>
               <a:ext uri="{FF2B5EF4-FFF2-40B4-BE49-F238E27FC236}">
-                <a16:creationId xmlns:a16="http://schemas.microsoft.com/office/drawing/2014/main" xmlns="" id="{DD743ADB-89F1-48B5-A397-7FB83734730F}"/>
+                <a16:creationId xmlns="" xmlns:a16="http://schemas.microsoft.com/office/drawing/2014/main" id="{DD743ADB-89F1-48B5-A397-7FB83734730F}"/>
               </a:ext>
             </a:extLst>
           </p:cNvPr>
@@ -12372,7 +12372,7 @@
           <p:cNvPr id="8" name="Foliennummernplatzhalter 7">
             <a:extLst>
               <a:ext uri="{FF2B5EF4-FFF2-40B4-BE49-F238E27FC236}">
-                <a16:creationId xmlns:a16="http://schemas.microsoft.com/office/drawing/2014/main" xmlns="" id="{E9AACC46-EA1E-4E6F-8F9D-AC4B57F09904}"/>
+                <a16:creationId xmlns="" xmlns:a16="http://schemas.microsoft.com/office/drawing/2014/main" id="{E9AACC46-EA1E-4E6F-8F9D-AC4B57F09904}"/>
               </a:ext>
             </a:extLst>
           </p:cNvPr>
@@ -12679,7 +12679,7 @@
           <p:cNvPr id="6" name="Datumsplatzhalter 5">
             <a:extLst>
               <a:ext uri="{FF2B5EF4-FFF2-40B4-BE49-F238E27FC236}">
-                <a16:creationId xmlns:a16="http://schemas.microsoft.com/office/drawing/2014/main" xmlns="" id="{39EC82D5-F468-46F1-8BE2-F62E4D04C5CD}"/>
+                <a16:creationId xmlns="" xmlns:a16="http://schemas.microsoft.com/office/drawing/2014/main" id="{39EC82D5-F468-46F1-8BE2-F62E4D04C5CD}"/>
               </a:ext>
             </a:extLst>
           </p:cNvPr>
@@ -12709,7 +12709,7 @@
           <p:cNvPr id="7" name="Fußzeilenplatzhalter 6">
             <a:extLst>
               <a:ext uri="{FF2B5EF4-FFF2-40B4-BE49-F238E27FC236}">
-                <a16:creationId xmlns:a16="http://schemas.microsoft.com/office/drawing/2014/main" xmlns="" id="{32A29AE2-1FA8-458C-9BDD-E35CA69A9340}"/>
+                <a16:creationId xmlns="" xmlns:a16="http://schemas.microsoft.com/office/drawing/2014/main" id="{32A29AE2-1FA8-458C-9BDD-E35CA69A9340}"/>
               </a:ext>
             </a:extLst>
           </p:cNvPr>
@@ -12734,7 +12734,7 @@
           <p:cNvPr id="8" name="Foliennummernplatzhalter 7">
             <a:extLst>
               <a:ext uri="{FF2B5EF4-FFF2-40B4-BE49-F238E27FC236}">
-                <a16:creationId xmlns:a16="http://schemas.microsoft.com/office/drawing/2014/main" xmlns="" id="{DC4135BE-88E8-4C4B-B3FF-FC61855E0C9F}"/>
+                <a16:creationId xmlns="" xmlns:a16="http://schemas.microsoft.com/office/drawing/2014/main" id="{DC4135BE-88E8-4C4B-B3FF-FC61855E0C9F}"/>
               </a:ext>
             </a:extLst>
           </p:cNvPr>
@@ -13045,7 +13045,7 @@
           <p:cNvPr id="5" name="Datumsplatzhalter 4">
             <a:extLst>
               <a:ext uri="{FF2B5EF4-FFF2-40B4-BE49-F238E27FC236}">
-                <a16:creationId xmlns:a16="http://schemas.microsoft.com/office/drawing/2014/main" xmlns="" id="{42621BA8-D298-4AAA-B27E-2D5702596736}"/>
+                <a16:creationId xmlns="" xmlns:a16="http://schemas.microsoft.com/office/drawing/2014/main" id="{42621BA8-D298-4AAA-B27E-2D5702596736}"/>
               </a:ext>
             </a:extLst>
           </p:cNvPr>
@@ -13075,7 +13075,7 @@
           <p:cNvPr id="6" name="Fußzeilenplatzhalter 5">
             <a:extLst>
               <a:ext uri="{FF2B5EF4-FFF2-40B4-BE49-F238E27FC236}">
-                <a16:creationId xmlns:a16="http://schemas.microsoft.com/office/drawing/2014/main" xmlns="" id="{59687A69-8E9C-4168-AA2A-7D487587D19D}"/>
+                <a16:creationId xmlns="" xmlns:a16="http://schemas.microsoft.com/office/drawing/2014/main" id="{59687A69-8E9C-4168-AA2A-7D487587D19D}"/>
               </a:ext>
             </a:extLst>
           </p:cNvPr>
@@ -13100,7 +13100,7 @@
           <p:cNvPr id="7" name="Foliennummernplatzhalter 6">
             <a:extLst>
               <a:ext uri="{FF2B5EF4-FFF2-40B4-BE49-F238E27FC236}">
-                <a16:creationId xmlns:a16="http://schemas.microsoft.com/office/drawing/2014/main" xmlns="" id="{536244A4-4C24-4CD2-82E9-C547A6F8C84B}"/>
+                <a16:creationId xmlns="" xmlns:a16="http://schemas.microsoft.com/office/drawing/2014/main" id="{536244A4-4C24-4CD2-82E9-C547A6F8C84B}"/>
               </a:ext>
             </a:extLst>
           </p:cNvPr>
@@ -13404,7 +13404,7 @@
           <p:cNvPr id="6" name="Datumsplatzhalter 5">
             <a:extLst>
               <a:ext uri="{FF2B5EF4-FFF2-40B4-BE49-F238E27FC236}">
-                <a16:creationId xmlns:a16="http://schemas.microsoft.com/office/drawing/2014/main" xmlns="" id="{BF6F2AC7-7673-45B2-B727-C8AE32F0AB56}"/>
+                <a16:creationId xmlns="" xmlns:a16="http://schemas.microsoft.com/office/drawing/2014/main" id="{BF6F2AC7-7673-45B2-B727-C8AE32F0AB56}"/>
               </a:ext>
             </a:extLst>
           </p:cNvPr>
@@ -13434,7 +13434,7 @@
           <p:cNvPr id="7" name="Fußzeilenplatzhalter 6">
             <a:extLst>
               <a:ext uri="{FF2B5EF4-FFF2-40B4-BE49-F238E27FC236}">
-                <a16:creationId xmlns:a16="http://schemas.microsoft.com/office/drawing/2014/main" xmlns="" id="{92A772BA-DCE7-4C4E-83BA-CF4FFCC183EE}"/>
+                <a16:creationId xmlns="" xmlns:a16="http://schemas.microsoft.com/office/drawing/2014/main" id="{92A772BA-DCE7-4C4E-83BA-CF4FFCC183EE}"/>
               </a:ext>
             </a:extLst>
           </p:cNvPr>
@@ -13459,7 +13459,7 @@
           <p:cNvPr id="8" name="Foliennummernplatzhalter 7">
             <a:extLst>
               <a:ext uri="{FF2B5EF4-FFF2-40B4-BE49-F238E27FC236}">
-                <a16:creationId xmlns:a16="http://schemas.microsoft.com/office/drawing/2014/main" xmlns="" id="{E51D4D1D-A3D0-476F-93F4-F41207D05396}"/>
+                <a16:creationId xmlns="" xmlns:a16="http://schemas.microsoft.com/office/drawing/2014/main" id="{E51D4D1D-A3D0-476F-93F4-F41207D05396}"/>
               </a:ext>
             </a:extLst>
           </p:cNvPr>
@@ -13759,7 +13759,7 @@
           <p:cNvPr id="4" name="Datumsplatzhalter 3">
             <a:extLst>
               <a:ext uri="{FF2B5EF4-FFF2-40B4-BE49-F238E27FC236}">
-                <a16:creationId xmlns:a16="http://schemas.microsoft.com/office/drawing/2014/main" xmlns="" id="{37D39D12-6498-4172-8CA5-163DBEBBD0CB}"/>
+                <a16:creationId xmlns="" xmlns:a16="http://schemas.microsoft.com/office/drawing/2014/main" id="{37D39D12-6498-4172-8CA5-163DBEBBD0CB}"/>
               </a:ext>
             </a:extLst>
           </p:cNvPr>
@@ -13789,7 +13789,7 @@
           <p:cNvPr id="7" name="Fußzeilenplatzhalter 6">
             <a:extLst>
               <a:ext uri="{FF2B5EF4-FFF2-40B4-BE49-F238E27FC236}">
-                <a16:creationId xmlns:a16="http://schemas.microsoft.com/office/drawing/2014/main" xmlns="" id="{F310451D-2AF2-4222-AA5C-04DDCF6CA55F}"/>
+                <a16:creationId xmlns="" xmlns:a16="http://schemas.microsoft.com/office/drawing/2014/main" id="{F310451D-2AF2-4222-AA5C-04DDCF6CA55F}"/>
               </a:ext>
             </a:extLst>
           </p:cNvPr>
@@ -13814,7 +13814,7 @@
           <p:cNvPr id="8" name="Foliennummernplatzhalter 7">
             <a:extLst>
               <a:ext uri="{FF2B5EF4-FFF2-40B4-BE49-F238E27FC236}">
-                <a16:creationId xmlns:a16="http://schemas.microsoft.com/office/drawing/2014/main" xmlns="" id="{8546ADD4-A434-4A15-B639-BB0897136588}"/>
+                <a16:creationId xmlns="" xmlns:a16="http://schemas.microsoft.com/office/drawing/2014/main" id="{8546ADD4-A434-4A15-B639-BB0897136588}"/>
               </a:ext>
             </a:extLst>
           </p:cNvPr>
@@ -14053,7 +14053,7 @@
           <p:cNvPr id="2" name="Datumsplatzhalter 1">
             <a:extLst>
               <a:ext uri="{FF2B5EF4-FFF2-40B4-BE49-F238E27FC236}">
-                <a16:creationId xmlns:a16="http://schemas.microsoft.com/office/drawing/2014/main" xmlns="" id="{A19FBC2B-4138-47A7-96C3-6075667C774D}"/>
+                <a16:creationId xmlns="" xmlns:a16="http://schemas.microsoft.com/office/drawing/2014/main" id="{A19FBC2B-4138-47A7-96C3-6075667C774D}"/>
               </a:ext>
             </a:extLst>
           </p:cNvPr>
@@ -14083,7 +14083,7 @@
           <p:cNvPr id="8" name="Fußzeilenplatzhalter 7">
             <a:extLst>
               <a:ext uri="{FF2B5EF4-FFF2-40B4-BE49-F238E27FC236}">
-                <a16:creationId xmlns:a16="http://schemas.microsoft.com/office/drawing/2014/main" xmlns="" id="{193B0760-28CB-4559-9AEF-4866F2FCE0E4}"/>
+                <a16:creationId xmlns="" xmlns:a16="http://schemas.microsoft.com/office/drawing/2014/main" id="{193B0760-28CB-4559-9AEF-4866F2FCE0E4}"/>
               </a:ext>
             </a:extLst>
           </p:cNvPr>
@@ -14108,7 +14108,7 @@
           <p:cNvPr id="11" name="Foliennummernplatzhalter 10">
             <a:extLst>
               <a:ext uri="{FF2B5EF4-FFF2-40B4-BE49-F238E27FC236}">
-                <a16:creationId xmlns:a16="http://schemas.microsoft.com/office/drawing/2014/main" xmlns="" id="{A263DBAA-5BAE-421E-BCAE-39992A39B610}"/>
+                <a16:creationId xmlns="" xmlns:a16="http://schemas.microsoft.com/office/drawing/2014/main" id="{A263DBAA-5BAE-421E-BCAE-39992A39B610}"/>
               </a:ext>
             </a:extLst>
           </p:cNvPr>
@@ -15014,7 +15014,7 @@
           <p:cNvPr id="11" name="Titel 1">
             <a:extLst>
               <a:ext uri="{FF2B5EF4-FFF2-40B4-BE49-F238E27FC236}">
-                <a16:creationId xmlns:a16="http://schemas.microsoft.com/office/drawing/2014/main" xmlns="" id="{251058B0-31BE-410A-BE50-41D5389B0AAB}"/>
+                <a16:creationId xmlns="" xmlns:a16="http://schemas.microsoft.com/office/drawing/2014/main" id="{251058B0-31BE-410A-BE50-41D5389B0AAB}"/>
               </a:ext>
             </a:extLst>
           </p:cNvPr>
@@ -16479,7 +16479,7 @@
           <p:cNvPr id="2" name="Textplatzhalter 1">
             <a:extLst>
               <a:ext uri="{FF2B5EF4-FFF2-40B4-BE49-F238E27FC236}">
-                <a16:creationId xmlns:a16="http://schemas.microsoft.com/office/drawing/2014/main" xmlns="" id="{45003885-0277-4A8A-9B32-2C0872306E13}"/>
+                <a16:creationId xmlns="" xmlns:a16="http://schemas.microsoft.com/office/drawing/2014/main" id="{45003885-0277-4A8A-9B32-2C0872306E13}"/>
               </a:ext>
             </a:extLst>
           </p:cNvPr>
@@ -16519,7 +16519,7 @@
           <p:cNvPr id="3" name="Titel 2">
             <a:extLst>
               <a:ext uri="{FF2B5EF4-FFF2-40B4-BE49-F238E27FC236}">
-                <a16:creationId xmlns:a16="http://schemas.microsoft.com/office/drawing/2014/main" xmlns="" id="{EA92ABC8-8A1F-45BA-8C5F-D5DEF58C8920}"/>
+                <a16:creationId xmlns="" xmlns:a16="http://schemas.microsoft.com/office/drawing/2014/main" id="{EA92ABC8-8A1F-45BA-8C5F-D5DEF58C8920}"/>
               </a:ext>
             </a:extLst>
           </p:cNvPr>
@@ -19152,9 +19152,10 @@
               </a:lnSpc>
             </a:pPr>
             <a:r>
-              <a:rPr lang="de-DE" dirty="0"/>
-              <a:t>Anrede</a:t>
-            </a:r>
+              <a:rPr lang="de-DE" dirty="0" smtClean="0"/>
+              <a:t>Anrede, Namensschilder</a:t>
+            </a:r>
+            <a:endParaRPr lang="de-DE" dirty="0"/>
           </a:p>
           <a:p>
             <a:pPr>
@@ -19164,7 +19165,52 @@
             </a:pPr>
             <a:r>
               <a:rPr lang="de-DE" dirty="0"/>
-              <a:t>Namensschilder</a:t>
+              <a:t>Zeiten </a:t>
+            </a:r>
+          </a:p>
+          <a:p>
+            <a:pPr lvl="1">
+              <a:lnSpc>
+                <a:spcPct val="150000"/>
+              </a:lnSpc>
+            </a:pPr>
+            <a:r>
+              <a:rPr lang="de-DE" dirty="0"/>
+              <a:t>Start 14:15</a:t>
+            </a:r>
+          </a:p>
+          <a:p>
+            <a:pPr lvl="1">
+              <a:lnSpc>
+                <a:spcPct val="150000"/>
+              </a:lnSpc>
+            </a:pPr>
+            <a:r>
+              <a:rPr lang="de-DE" dirty="0"/>
+              <a:t>Pause 16:00 </a:t>
+            </a:r>
+            <a:r>
+              <a:rPr lang="mr-IN" dirty="0"/>
+              <a:t>–</a:t>
+            </a:r>
+            <a:r>
+              <a:rPr lang="de-DE" dirty="0"/>
+              <a:t> 16:15 Uhr</a:t>
+            </a:r>
+          </a:p>
+          <a:p>
+            <a:pPr lvl="1">
+              <a:lnSpc>
+                <a:spcPct val="150000"/>
+              </a:lnSpc>
+            </a:pPr>
+            <a:r>
+              <a:rPr lang="de-DE" dirty="0"/>
+              <a:t>Ende 18:15 </a:t>
+            </a:r>
+            <a:r>
+              <a:rPr lang="de-DE" dirty="0" smtClean="0"/>
+              <a:t>Uhr</a:t>
             </a:r>
           </a:p>
           <a:p>
@@ -19174,54 +19220,22 @@
               </a:lnSpc>
             </a:pPr>
             <a:r>
-              <a:rPr lang="de-DE" dirty="0"/>
-              <a:t>Zeiten </a:t>
-            </a:r>
-          </a:p>
-          <a:p>
-            <a:pPr lvl="1">
-              <a:lnSpc>
-                <a:spcPct val="150000"/>
-              </a:lnSpc>
-            </a:pPr>
-            <a:r>
-              <a:rPr lang="de-DE" dirty="0"/>
-              <a:t>Start 14:15</a:t>
-            </a:r>
-          </a:p>
-          <a:p>
-            <a:pPr lvl="1">
-              <a:lnSpc>
-                <a:spcPct val="150000"/>
-              </a:lnSpc>
-            </a:pPr>
-            <a:r>
-              <a:rPr lang="de-DE" dirty="0"/>
-              <a:t>Pause 16:00 </a:t>
-            </a:r>
-            <a:r>
-              <a:rPr lang="mr-IN" dirty="0"/>
-              <a:t>–</a:t>
-            </a:r>
-            <a:r>
-              <a:rPr lang="de-DE" dirty="0"/>
-              <a:t> 16:15 Uhr</a:t>
-            </a:r>
-          </a:p>
-          <a:p>
-            <a:pPr lvl="1">
-              <a:lnSpc>
-                <a:spcPct val="150000"/>
-              </a:lnSpc>
-            </a:pPr>
-            <a:r>
-              <a:rPr lang="de-DE" dirty="0"/>
-              <a:t>Ende 18:15 </a:t>
-            </a:r>
-            <a:r>
               <a:rPr lang="de-DE" dirty="0" smtClean="0"/>
-              <a:t>Uhr</a:t>
-            </a:r>
+              <a:t>Praxisbeispiel: </a:t>
+            </a:r>
+            <a:r>
+              <a:rPr lang="de-DE" dirty="0">
+                <a:hlinkClick r:id="rId2"/>
+              </a:rPr>
+              <a:t>https://</a:t>
+            </a:r>
+            <a:r>
+              <a:rPr lang="de-DE" dirty="0" smtClean="0">
+                <a:hlinkClick r:id="rId2"/>
+              </a:rPr>
+              <a:t>github.com/aawada78/angular-workshop.git</a:t>
+            </a:r>
+            <a:endParaRPr lang="de-DE" dirty="0" smtClean="0"/>
           </a:p>
           <a:p>
             <a:pPr>
@@ -19230,24 +19244,22 @@
               </a:lnSpc>
             </a:pPr>
             <a:r>
+              <a:rPr lang="de-DE" smtClean="0"/>
+              <a:t>Workshop Folien</a:t>
+            </a:r>
+            <a:r>
               <a:rPr lang="de-DE" dirty="0" smtClean="0"/>
-              <a:t>Praxisbeispiel: </a:t>
-            </a:r>
-            <a:r>
-              <a:rPr lang="de-DE" dirty="0">
-                <a:hlinkClick r:id="rId2"/>
+              <a:t>: </a:t>
+            </a:r>
+            <a:r>
+              <a:rPr lang="de-DE" dirty="0"/>
+              <a:t> </a:t>
+            </a:r>
+            <a:r>
+              <a:rPr lang="de-DE" dirty="0" smtClean="0">
+                <a:hlinkClick r:id="rId3"/>
               </a:rPr>
-              <a:t>https://</a:t>
-            </a:r>
-            <a:r>
-              <a:rPr lang="de-DE" dirty="0" smtClean="0">
-                <a:hlinkClick r:id="rId2"/>
-              </a:rPr>
-              <a:t>github.com/aawada78/angular-workshop.git</a:t>
-            </a:r>
-            <a:r>
-              <a:rPr lang="de-DE" dirty="0" smtClean="0"/>
-              <a:t> </a:t>
+              <a:t>Link</a:t>
             </a:r>
             <a:endParaRPr lang="de-DE" dirty="0"/>
           </a:p>
@@ -19261,7 +19273,7 @@
           <p:cNvPr id="5" name="Datumsplatzhalter 4">
             <a:extLst>
               <a:ext uri="{FF2B5EF4-FFF2-40B4-BE49-F238E27FC236}">
-                <a16:creationId xmlns:a16="http://schemas.microsoft.com/office/drawing/2014/main" xmlns="" id="{D471591C-E430-45E7-A587-2CEC0AF88DA0}"/>
+                <a16:creationId xmlns="" xmlns:a16="http://schemas.microsoft.com/office/drawing/2014/main" id="{D471591C-E430-45E7-A587-2CEC0AF88DA0}"/>
               </a:ext>
             </a:extLst>
           </p:cNvPr>
@@ -19290,7 +19302,7 @@
           <p:cNvPr id="6" name="Fußzeilenplatzhalter 5">
             <a:extLst>
               <a:ext uri="{FF2B5EF4-FFF2-40B4-BE49-F238E27FC236}">
-                <a16:creationId xmlns:a16="http://schemas.microsoft.com/office/drawing/2014/main" xmlns="" id="{B488671B-A101-43AC-84F6-1F2F8515424C}"/>
+                <a16:creationId xmlns="" xmlns:a16="http://schemas.microsoft.com/office/drawing/2014/main" id="{B488671B-A101-43AC-84F6-1F2F8515424C}"/>
               </a:ext>
             </a:extLst>
           </p:cNvPr>
@@ -19315,7 +19327,7 @@
           <p:cNvPr id="7" name="Foliennummernplatzhalter 6">
             <a:extLst>
               <a:ext uri="{FF2B5EF4-FFF2-40B4-BE49-F238E27FC236}">
-                <a16:creationId xmlns:a16="http://schemas.microsoft.com/office/drawing/2014/main" xmlns="" id="{8E977D85-C22B-4016-AC2C-F3FDCE1BCBEB}"/>
+                <a16:creationId xmlns="" xmlns:a16="http://schemas.microsoft.com/office/drawing/2014/main" id="{8E977D85-C22B-4016-AC2C-F3FDCE1BCBEB}"/>
               </a:ext>
             </a:extLst>
           </p:cNvPr>

--- a/docs/Angular-Workshop-20.10.pptx
+++ b/docs/Angular-Workshop-20.10.pptx
@@ -8,10 +8,10 @@
     <p:sldMasterId id="2147483721" r:id="rId4"/>
   </p:sldMasterIdLst>
   <p:notesMasterIdLst>
-    <p:notesMasterId r:id="rId25"/>
+    <p:notesMasterId r:id="rId27"/>
   </p:notesMasterIdLst>
   <p:handoutMasterIdLst>
-    <p:handoutMasterId r:id="rId26"/>
+    <p:handoutMasterId r:id="rId28"/>
   </p:handoutMasterIdLst>
   <p:sldIdLst>
     <p:sldId id="256" r:id="rId5"/>
@@ -28,12 +28,14 @@
     <p:sldId id="275" r:id="rId16"/>
     <p:sldId id="271" r:id="rId17"/>
     <p:sldId id="276" r:id="rId18"/>
-    <p:sldId id="272" r:id="rId19"/>
-    <p:sldId id="277" r:id="rId20"/>
-    <p:sldId id="273" r:id="rId21"/>
-    <p:sldId id="274" r:id="rId22"/>
-    <p:sldId id="278" r:id="rId23"/>
-    <p:sldId id="279" r:id="rId24"/>
+    <p:sldId id="273" r:id="rId19"/>
+    <p:sldId id="274" r:id="rId20"/>
+    <p:sldId id="278" r:id="rId21"/>
+    <p:sldId id="283" r:id="rId22"/>
+    <p:sldId id="284" r:id="rId23"/>
+    <p:sldId id="285" r:id="rId24"/>
+    <p:sldId id="286" r:id="rId25"/>
+    <p:sldId id="279" r:id="rId26"/>
   </p:sldIdLst>
   <p:sldSz cx="13004800" cy="7315200"/>
   <p:notesSz cx="6858000" cy="9144000"/>
@@ -257,7 +259,7 @@
                 <a:latin typeface="Segoe UI" pitchFamily="34" charset="0"/>
               </a:rPr>
               <a:pPr/>
-              <a:t>15.10.17</a:t>
+              <a:t>18.10.17</a:t>
             </a:fld>
             <a:endParaRPr lang="de-DE" dirty="0">
               <a:latin typeface="Segoe UI" pitchFamily="34" charset="0"/>
@@ -436,7 +438,7 @@
             <a:fld id="{D2E1CCC5-01B8-284F-B77B-84D835A7601B}" type="datetimeFigureOut">
               <a:rPr lang="de-DE" smtClean="0"/>
               <a:pPr/>
-              <a:t>15.10.17</a:t>
+              <a:t>18.10.17</a:t>
             </a:fld>
             <a:endParaRPr lang="de-DE" dirty="0"/>
           </a:p>
@@ -1332,6 +1334,763 @@
 </p:notes>
 </file>
 
+<file path=ppt/notesSlides/notesSlide4.xml><?xml version="1.0" encoding="utf-8"?>
+<p:notes xmlns:a="http://schemas.openxmlformats.org/drawingml/2006/main" xmlns:r="http://schemas.openxmlformats.org/officeDocument/2006/relationships" xmlns:p="http://schemas.openxmlformats.org/presentationml/2006/main">
+  <p:cSld>
+    <p:spTree>
+      <p:nvGrpSpPr>
+        <p:cNvPr id="1" name=""/>
+        <p:cNvGrpSpPr/>
+        <p:nvPr/>
+      </p:nvGrpSpPr>
+      <p:grpSpPr>
+        <a:xfrm>
+          <a:off x="0" y="0"/>
+          <a:ext cx="0" cy="0"/>
+          <a:chOff x="0" y="0"/>
+          <a:chExt cx="0" cy="0"/>
+        </a:xfrm>
+      </p:grpSpPr>
+      <p:sp>
+        <p:nvSpPr>
+          <p:cNvPr id="2" name="Folienbildplatzhalter 1"/>
+          <p:cNvSpPr>
+            <a:spLocks noGrp="1" noRot="1" noChangeAspect="1"/>
+          </p:cNvSpPr>
+          <p:nvPr>
+            <p:ph type="sldImg"/>
+          </p:nvPr>
+        </p:nvSpPr>
+        <p:spPr/>
+      </p:sp>
+      <p:sp>
+        <p:nvSpPr>
+          <p:cNvPr id="3" name="Notizenplatzhalter 2"/>
+          <p:cNvSpPr>
+            <a:spLocks noGrp="1"/>
+          </p:cNvSpPr>
+          <p:nvPr>
+            <p:ph type="body" idx="1"/>
+          </p:nvPr>
+        </p:nvSpPr>
+        <p:spPr/>
+        <p:txBody>
+          <a:bodyPr/>
+          <a:lstStyle/>
+          <a:p>
+            <a:r>
+              <a:rPr lang="de-DE" sz="1700" b="0" i="0" kern="1200" dirty="0" smtClean="0">
+                <a:solidFill>
+                  <a:schemeClr val="tx1"/>
+                </a:solidFill>
+                <a:effectLst/>
+                <a:latin typeface="Segoe UI" pitchFamily="34" charset="0"/>
+                <a:ea typeface="+mn-ea"/>
+                <a:cs typeface="+mn-cs"/>
+              </a:rPr>
+              <a:t>The </a:t>
+            </a:r>
+            <a:r>
+              <a:rPr lang="de-DE" sz="1700" b="1" i="0" kern="1200" dirty="0" err="1" smtClean="0">
+                <a:solidFill>
+                  <a:schemeClr val="tx1"/>
+                </a:solidFill>
+                <a:effectLst/>
+                <a:latin typeface="Segoe UI" pitchFamily="34" charset="0"/>
+                <a:ea typeface="+mn-ea"/>
+                <a:cs typeface="+mn-cs"/>
+              </a:rPr>
+              <a:t>History</a:t>
+            </a:r>
+            <a:r>
+              <a:rPr lang="de-DE" sz="1700" b="0" i="0" kern="1200" dirty="0" smtClean="0">
+                <a:solidFill>
+                  <a:schemeClr val="tx1"/>
+                </a:solidFill>
+                <a:effectLst/>
+                <a:latin typeface="Segoe UI" pitchFamily="34" charset="0"/>
+                <a:ea typeface="+mn-ea"/>
+                <a:cs typeface="+mn-cs"/>
+              </a:rPr>
+              <a:t> </a:t>
+            </a:r>
+            <a:r>
+              <a:rPr lang="de-DE" sz="1700" b="0" i="0" kern="1200" dirty="0" err="1" smtClean="0">
+                <a:solidFill>
+                  <a:schemeClr val="tx1"/>
+                </a:solidFill>
+                <a:effectLst/>
+                <a:latin typeface="Segoe UI" pitchFamily="34" charset="0"/>
+                <a:ea typeface="+mn-ea"/>
+                <a:cs typeface="+mn-cs"/>
+              </a:rPr>
+              <a:t>interface</a:t>
+            </a:r>
+            <a:r>
+              <a:rPr lang="de-DE" sz="1700" b="0" i="0" kern="1200" dirty="0" smtClean="0">
+                <a:solidFill>
+                  <a:schemeClr val="tx1"/>
+                </a:solidFill>
+                <a:effectLst/>
+                <a:latin typeface="Segoe UI" pitchFamily="34" charset="0"/>
+                <a:ea typeface="+mn-ea"/>
+                <a:cs typeface="+mn-cs"/>
+              </a:rPr>
+              <a:t> </a:t>
+            </a:r>
+            <a:r>
+              <a:rPr lang="de-DE" sz="1700" b="0" i="0" kern="1200" dirty="0" err="1" smtClean="0">
+                <a:solidFill>
+                  <a:schemeClr val="tx1"/>
+                </a:solidFill>
+                <a:effectLst/>
+                <a:latin typeface="Segoe UI" pitchFamily="34" charset="0"/>
+                <a:ea typeface="+mn-ea"/>
+                <a:cs typeface="+mn-cs"/>
+              </a:rPr>
+              <a:t>allows</a:t>
+            </a:r>
+            <a:r>
+              <a:rPr lang="de-DE" sz="1700" b="0" i="0" kern="1200" dirty="0" smtClean="0">
+                <a:solidFill>
+                  <a:schemeClr val="tx1"/>
+                </a:solidFill>
+                <a:effectLst/>
+                <a:latin typeface="Segoe UI" pitchFamily="34" charset="0"/>
+                <a:ea typeface="+mn-ea"/>
+                <a:cs typeface="+mn-cs"/>
+              </a:rPr>
+              <a:t> </a:t>
+            </a:r>
+            <a:r>
+              <a:rPr lang="de-DE" sz="1700" b="0" i="0" kern="1200" dirty="0" err="1" smtClean="0">
+                <a:solidFill>
+                  <a:schemeClr val="tx1"/>
+                </a:solidFill>
+                <a:effectLst/>
+                <a:latin typeface="Segoe UI" pitchFamily="34" charset="0"/>
+                <a:ea typeface="+mn-ea"/>
+                <a:cs typeface="+mn-cs"/>
+              </a:rPr>
+              <a:t>manipulation</a:t>
+            </a:r>
+            <a:r>
+              <a:rPr lang="de-DE" sz="1700" b="0" i="0" kern="1200" dirty="0" smtClean="0">
+                <a:solidFill>
+                  <a:schemeClr val="tx1"/>
+                </a:solidFill>
+                <a:effectLst/>
+                <a:latin typeface="Segoe UI" pitchFamily="34" charset="0"/>
+                <a:ea typeface="+mn-ea"/>
+                <a:cs typeface="+mn-cs"/>
+              </a:rPr>
+              <a:t> </a:t>
+            </a:r>
+            <a:r>
+              <a:rPr lang="de-DE" sz="1700" b="0" i="0" kern="1200" dirty="0" err="1" smtClean="0">
+                <a:solidFill>
+                  <a:schemeClr val="tx1"/>
+                </a:solidFill>
+                <a:effectLst/>
+                <a:latin typeface="Segoe UI" pitchFamily="34" charset="0"/>
+                <a:ea typeface="+mn-ea"/>
+                <a:cs typeface="+mn-cs"/>
+              </a:rPr>
+              <a:t>of</a:t>
+            </a:r>
+            <a:r>
+              <a:rPr lang="de-DE" sz="1700" b="0" i="0" kern="1200" dirty="0" smtClean="0">
+                <a:solidFill>
+                  <a:schemeClr val="tx1"/>
+                </a:solidFill>
+                <a:effectLst/>
+                <a:latin typeface="Segoe UI" pitchFamily="34" charset="0"/>
+                <a:ea typeface="+mn-ea"/>
+                <a:cs typeface="+mn-cs"/>
+              </a:rPr>
+              <a:t> </a:t>
+            </a:r>
+            <a:r>
+              <a:rPr lang="de-DE" sz="1700" b="0" i="0" kern="1200" dirty="0" err="1" smtClean="0">
+                <a:solidFill>
+                  <a:schemeClr val="tx1"/>
+                </a:solidFill>
+                <a:effectLst/>
+                <a:latin typeface="Segoe UI" pitchFamily="34" charset="0"/>
+                <a:ea typeface="+mn-ea"/>
+                <a:cs typeface="+mn-cs"/>
+              </a:rPr>
+              <a:t>the</a:t>
+            </a:r>
+            <a:r>
+              <a:rPr lang="de-DE" sz="1700" b="0" i="0" kern="1200" dirty="0" smtClean="0">
+                <a:solidFill>
+                  <a:schemeClr val="tx1"/>
+                </a:solidFill>
+                <a:effectLst/>
+                <a:latin typeface="Segoe UI" pitchFamily="34" charset="0"/>
+                <a:ea typeface="+mn-ea"/>
+                <a:cs typeface="+mn-cs"/>
+              </a:rPr>
+              <a:t> </a:t>
+            </a:r>
+            <a:r>
+              <a:rPr lang="de-DE" sz="1700" b="0" i="0" kern="1200" dirty="0" err="1" smtClean="0">
+                <a:solidFill>
+                  <a:schemeClr val="tx1"/>
+                </a:solidFill>
+                <a:effectLst/>
+                <a:latin typeface="Segoe UI" pitchFamily="34" charset="0"/>
+                <a:ea typeface="+mn-ea"/>
+                <a:cs typeface="+mn-cs"/>
+              </a:rPr>
+              <a:t>browser</a:t>
+            </a:r>
+            <a:r>
+              <a:rPr lang="de-DE" sz="1700" b="0" i="0" kern="1200" dirty="0" smtClean="0">
+                <a:solidFill>
+                  <a:schemeClr val="tx1"/>
+                </a:solidFill>
+                <a:effectLst/>
+                <a:latin typeface="Segoe UI" pitchFamily="34" charset="0"/>
+                <a:ea typeface="+mn-ea"/>
+                <a:cs typeface="+mn-cs"/>
+              </a:rPr>
+              <a:t> </a:t>
+            </a:r>
+            <a:r>
+              <a:rPr lang="de-DE" sz="1700" b="0" i="1" kern="1200" dirty="0" err="1" smtClean="0">
+                <a:solidFill>
+                  <a:schemeClr val="tx1"/>
+                </a:solidFill>
+                <a:effectLst/>
+                <a:latin typeface="Segoe UI" pitchFamily="34" charset="0"/>
+                <a:ea typeface="+mn-ea"/>
+                <a:cs typeface="+mn-cs"/>
+              </a:rPr>
+              <a:t>session</a:t>
+            </a:r>
+            <a:r>
+              <a:rPr lang="de-DE" sz="1700" b="0" i="1" kern="1200" dirty="0" smtClean="0">
+                <a:solidFill>
+                  <a:schemeClr val="tx1"/>
+                </a:solidFill>
+                <a:effectLst/>
+                <a:latin typeface="Segoe UI" pitchFamily="34" charset="0"/>
+                <a:ea typeface="+mn-ea"/>
+                <a:cs typeface="+mn-cs"/>
+              </a:rPr>
+              <a:t> </a:t>
+            </a:r>
+            <a:r>
+              <a:rPr lang="de-DE" sz="1700" b="0" i="1" kern="1200" dirty="0" err="1" smtClean="0">
+                <a:solidFill>
+                  <a:schemeClr val="tx1"/>
+                </a:solidFill>
+                <a:effectLst/>
+                <a:latin typeface="Segoe UI" pitchFamily="34" charset="0"/>
+                <a:ea typeface="+mn-ea"/>
+                <a:cs typeface="+mn-cs"/>
+              </a:rPr>
+              <a:t>history</a:t>
+            </a:r>
+            <a:r>
+              <a:rPr lang="de-DE" sz="1700" b="0" i="0" kern="1200" dirty="0" smtClean="0">
+                <a:solidFill>
+                  <a:schemeClr val="tx1"/>
+                </a:solidFill>
+                <a:effectLst/>
+                <a:latin typeface="Segoe UI" pitchFamily="34" charset="0"/>
+                <a:ea typeface="+mn-ea"/>
+                <a:cs typeface="+mn-cs"/>
+              </a:rPr>
+              <a:t>, </a:t>
+            </a:r>
+            <a:r>
+              <a:rPr lang="de-DE" sz="1700" b="0" i="0" kern="1200" dirty="0" err="1" smtClean="0">
+                <a:solidFill>
+                  <a:schemeClr val="tx1"/>
+                </a:solidFill>
+                <a:effectLst/>
+                <a:latin typeface="Segoe UI" pitchFamily="34" charset="0"/>
+                <a:ea typeface="+mn-ea"/>
+                <a:cs typeface="+mn-cs"/>
+              </a:rPr>
+              <a:t>that</a:t>
+            </a:r>
+            <a:r>
+              <a:rPr lang="de-DE" sz="1700" b="0" i="0" kern="1200" dirty="0" smtClean="0">
+                <a:solidFill>
+                  <a:schemeClr val="tx1"/>
+                </a:solidFill>
+                <a:effectLst/>
+                <a:latin typeface="Segoe UI" pitchFamily="34" charset="0"/>
+                <a:ea typeface="+mn-ea"/>
+                <a:cs typeface="+mn-cs"/>
+              </a:rPr>
+              <a:t> </a:t>
+            </a:r>
+            <a:r>
+              <a:rPr lang="de-DE" sz="1700" b="0" i="0" kern="1200" dirty="0" err="1" smtClean="0">
+                <a:solidFill>
+                  <a:schemeClr val="tx1"/>
+                </a:solidFill>
+                <a:effectLst/>
+                <a:latin typeface="Segoe UI" pitchFamily="34" charset="0"/>
+                <a:ea typeface="+mn-ea"/>
+                <a:cs typeface="+mn-cs"/>
+              </a:rPr>
+              <a:t>is</a:t>
+            </a:r>
+            <a:r>
+              <a:rPr lang="de-DE" sz="1700" b="0" i="0" kern="1200" dirty="0" smtClean="0">
+                <a:solidFill>
+                  <a:schemeClr val="tx1"/>
+                </a:solidFill>
+                <a:effectLst/>
+                <a:latin typeface="Segoe UI" pitchFamily="34" charset="0"/>
+                <a:ea typeface="+mn-ea"/>
+                <a:cs typeface="+mn-cs"/>
+              </a:rPr>
+              <a:t> </a:t>
+            </a:r>
+            <a:r>
+              <a:rPr lang="de-DE" sz="1700" b="0" i="0" kern="1200" dirty="0" err="1" smtClean="0">
+                <a:solidFill>
+                  <a:schemeClr val="tx1"/>
+                </a:solidFill>
+                <a:effectLst/>
+                <a:latin typeface="Segoe UI" pitchFamily="34" charset="0"/>
+                <a:ea typeface="+mn-ea"/>
+                <a:cs typeface="+mn-cs"/>
+              </a:rPr>
+              <a:t>the</a:t>
+            </a:r>
+            <a:r>
+              <a:rPr lang="de-DE" sz="1700" b="0" i="0" kern="1200" dirty="0" smtClean="0">
+                <a:solidFill>
+                  <a:schemeClr val="tx1"/>
+                </a:solidFill>
+                <a:effectLst/>
+                <a:latin typeface="Segoe UI" pitchFamily="34" charset="0"/>
+                <a:ea typeface="+mn-ea"/>
+                <a:cs typeface="+mn-cs"/>
+              </a:rPr>
+              <a:t> </a:t>
+            </a:r>
+            <a:r>
+              <a:rPr lang="de-DE" sz="1700" b="0" i="0" kern="1200" dirty="0" err="1" smtClean="0">
+                <a:solidFill>
+                  <a:schemeClr val="tx1"/>
+                </a:solidFill>
+                <a:effectLst/>
+                <a:latin typeface="Segoe UI" pitchFamily="34" charset="0"/>
+                <a:ea typeface="+mn-ea"/>
+                <a:cs typeface="+mn-cs"/>
+              </a:rPr>
+              <a:t>pages</a:t>
+            </a:r>
+            <a:r>
+              <a:rPr lang="de-DE" sz="1700" b="0" i="0" kern="1200" dirty="0" smtClean="0">
+                <a:solidFill>
+                  <a:schemeClr val="tx1"/>
+                </a:solidFill>
+                <a:effectLst/>
+                <a:latin typeface="Segoe UI" pitchFamily="34" charset="0"/>
+                <a:ea typeface="+mn-ea"/>
+                <a:cs typeface="+mn-cs"/>
+              </a:rPr>
+              <a:t> </a:t>
+            </a:r>
+            <a:r>
+              <a:rPr lang="de-DE" sz="1700" b="0" i="0" kern="1200" dirty="0" err="1" smtClean="0">
+                <a:solidFill>
+                  <a:schemeClr val="tx1"/>
+                </a:solidFill>
+                <a:effectLst/>
+                <a:latin typeface="Segoe UI" pitchFamily="34" charset="0"/>
+                <a:ea typeface="+mn-ea"/>
+                <a:cs typeface="+mn-cs"/>
+              </a:rPr>
+              <a:t>visited</a:t>
+            </a:r>
+            <a:r>
+              <a:rPr lang="de-DE" sz="1700" b="0" i="0" kern="1200" dirty="0" smtClean="0">
+                <a:solidFill>
+                  <a:schemeClr val="tx1"/>
+                </a:solidFill>
+                <a:effectLst/>
+                <a:latin typeface="Segoe UI" pitchFamily="34" charset="0"/>
+                <a:ea typeface="+mn-ea"/>
+                <a:cs typeface="+mn-cs"/>
+              </a:rPr>
+              <a:t> in </a:t>
+            </a:r>
+            <a:r>
+              <a:rPr lang="de-DE" sz="1700" b="0" i="0" kern="1200" dirty="0" err="1" smtClean="0">
+                <a:solidFill>
+                  <a:schemeClr val="tx1"/>
+                </a:solidFill>
+                <a:effectLst/>
+                <a:latin typeface="Segoe UI" pitchFamily="34" charset="0"/>
+                <a:ea typeface="+mn-ea"/>
+                <a:cs typeface="+mn-cs"/>
+              </a:rPr>
+              <a:t>the</a:t>
+            </a:r>
+            <a:r>
+              <a:rPr lang="de-DE" sz="1700" b="0" i="0" kern="1200" dirty="0" smtClean="0">
+                <a:solidFill>
+                  <a:schemeClr val="tx1"/>
+                </a:solidFill>
+                <a:effectLst/>
+                <a:latin typeface="Segoe UI" pitchFamily="34" charset="0"/>
+                <a:ea typeface="+mn-ea"/>
+                <a:cs typeface="+mn-cs"/>
+              </a:rPr>
+              <a:t> </a:t>
+            </a:r>
+            <a:r>
+              <a:rPr lang="de-DE" sz="1700" b="0" i="0" kern="1200" dirty="0" err="1" smtClean="0">
+                <a:solidFill>
+                  <a:schemeClr val="tx1"/>
+                </a:solidFill>
+                <a:effectLst/>
+                <a:latin typeface="Segoe UI" pitchFamily="34" charset="0"/>
+                <a:ea typeface="+mn-ea"/>
+                <a:cs typeface="+mn-cs"/>
+              </a:rPr>
+              <a:t>tab</a:t>
+            </a:r>
+            <a:r>
+              <a:rPr lang="de-DE" sz="1700" b="0" i="0" kern="1200" dirty="0" smtClean="0">
+                <a:solidFill>
+                  <a:schemeClr val="tx1"/>
+                </a:solidFill>
+                <a:effectLst/>
+                <a:latin typeface="Segoe UI" pitchFamily="34" charset="0"/>
+                <a:ea typeface="+mn-ea"/>
+                <a:cs typeface="+mn-cs"/>
+              </a:rPr>
+              <a:t> </a:t>
+            </a:r>
+            <a:r>
+              <a:rPr lang="de-DE" sz="1700" b="0" i="0" kern="1200" dirty="0" err="1" smtClean="0">
+                <a:solidFill>
+                  <a:schemeClr val="tx1"/>
+                </a:solidFill>
+                <a:effectLst/>
+                <a:latin typeface="Segoe UI" pitchFamily="34" charset="0"/>
+                <a:ea typeface="+mn-ea"/>
+                <a:cs typeface="+mn-cs"/>
+              </a:rPr>
+              <a:t>or</a:t>
+            </a:r>
+            <a:r>
+              <a:rPr lang="de-DE" sz="1700" b="0" i="0" kern="1200" dirty="0" smtClean="0">
+                <a:solidFill>
+                  <a:schemeClr val="tx1"/>
+                </a:solidFill>
+                <a:effectLst/>
+                <a:latin typeface="Segoe UI" pitchFamily="34" charset="0"/>
+                <a:ea typeface="+mn-ea"/>
+                <a:cs typeface="+mn-cs"/>
+              </a:rPr>
+              <a:t> </a:t>
+            </a:r>
+            <a:r>
+              <a:rPr lang="de-DE" sz="1700" b="0" i="0" kern="1200" dirty="0" err="1" smtClean="0">
+                <a:solidFill>
+                  <a:schemeClr val="tx1"/>
+                </a:solidFill>
+                <a:effectLst/>
+                <a:latin typeface="Segoe UI" pitchFamily="34" charset="0"/>
+                <a:ea typeface="+mn-ea"/>
+                <a:cs typeface="+mn-cs"/>
+              </a:rPr>
+              <a:t>frame</a:t>
+            </a:r>
+            <a:r>
+              <a:rPr lang="de-DE" sz="1700" b="0" i="0" kern="1200" dirty="0" smtClean="0">
+                <a:solidFill>
+                  <a:schemeClr val="tx1"/>
+                </a:solidFill>
+                <a:effectLst/>
+                <a:latin typeface="Segoe UI" pitchFamily="34" charset="0"/>
+                <a:ea typeface="+mn-ea"/>
+                <a:cs typeface="+mn-cs"/>
+              </a:rPr>
+              <a:t> </a:t>
+            </a:r>
+            <a:r>
+              <a:rPr lang="de-DE" sz="1700" b="0" i="0" kern="1200" dirty="0" err="1" smtClean="0">
+                <a:solidFill>
+                  <a:schemeClr val="tx1"/>
+                </a:solidFill>
+                <a:effectLst/>
+                <a:latin typeface="Segoe UI" pitchFamily="34" charset="0"/>
+                <a:ea typeface="+mn-ea"/>
+                <a:cs typeface="+mn-cs"/>
+              </a:rPr>
+              <a:t>that</a:t>
+            </a:r>
+            <a:r>
+              <a:rPr lang="de-DE" sz="1700" b="0" i="0" kern="1200" dirty="0" smtClean="0">
+                <a:solidFill>
+                  <a:schemeClr val="tx1"/>
+                </a:solidFill>
+                <a:effectLst/>
+                <a:latin typeface="Segoe UI" pitchFamily="34" charset="0"/>
+                <a:ea typeface="+mn-ea"/>
+                <a:cs typeface="+mn-cs"/>
+              </a:rPr>
+              <a:t> </a:t>
+            </a:r>
+            <a:r>
+              <a:rPr lang="de-DE" sz="1700" b="0" i="0" kern="1200" dirty="0" err="1" smtClean="0">
+                <a:solidFill>
+                  <a:schemeClr val="tx1"/>
+                </a:solidFill>
+                <a:effectLst/>
+                <a:latin typeface="Segoe UI" pitchFamily="34" charset="0"/>
+                <a:ea typeface="+mn-ea"/>
+                <a:cs typeface="+mn-cs"/>
+              </a:rPr>
+              <a:t>the</a:t>
+            </a:r>
+            <a:r>
+              <a:rPr lang="de-DE" sz="1700" b="0" i="0" kern="1200" dirty="0" smtClean="0">
+                <a:solidFill>
+                  <a:schemeClr val="tx1"/>
+                </a:solidFill>
+                <a:effectLst/>
+                <a:latin typeface="Segoe UI" pitchFamily="34" charset="0"/>
+                <a:ea typeface="+mn-ea"/>
+                <a:cs typeface="+mn-cs"/>
+              </a:rPr>
+              <a:t> </a:t>
+            </a:r>
+            <a:r>
+              <a:rPr lang="de-DE" sz="1700" b="0" i="0" kern="1200" dirty="0" err="1" smtClean="0">
+                <a:solidFill>
+                  <a:schemeClr val="tx1"/>
+                </a:solidFill>
+                <a:effectLst/>
+                <a:latin typeface="Segoe UI" pitchFamily="34" charset="0"/>
+                <a:ea typeface="+mn-ea"/>
+                <a:cs typeface="+mn-cs"/>
+              </a:rPr>
+              <a:t>current</a:t>
+            </a:r>
+            <a:r>
+              <a:rPr lang="de-DE" sz="1700" b="0" i="0" kern="1200" dirty="0" smtClean="0">
+                <a:solidFill>
+                  <a:schemeClr val="tx1"/>
+                </a:solidFill>
+                <a:effectLst/>
+                <a:latin typeface="Segoe UI" pitchFamily="34" charset="0"/>
+                <a:ea typeface="+mn-ea"/>
+                <a:cs typeface="+mn-cs"/>
+              </a:rPr>
+              <a:t> </a:t>
+            </a:r>
+            <a:r>
+              <a:rPr lang="de-DE" sz="1700" b="0" i="0" kern="1200" dirty="0" err="1" smtClean="0">
+                <a:solidFill>
+                  <a:schemeClr val="tx1"/>
+                </a:solidFill>
+                <a:effectLst/>
+                <a:latin typeface="Segoe UI" pitchFamily="34" charset="0"/>
+                <a:ea typeface="+mn-ea"/>
+                <a:cs typeface="+mn-cs"/>
+              </a:rPr>
+              <a:t>page</a:t>
+            </a:r>
+            <a:r>
+              <a:rPr lang="de-DE" sz="1700" b="0" i="0" kern="1200" dirty="0" smtClean="0">
+                <a:solidFill>
+                  <a:schemeClr val="tx1"/>
+                </a:solidFill>
+                <a:effectLst/>
+                <a:latin typeface="Segoe UI" pitchFamily="34" charset="0"/>
+                <a:ea typeface="+mn-ea"/>
+                <a:cs typeface="+mn-cs"/>
+              </a:rPr>
+              <a:t> </a:t>
+            </a:r>
+            <a:r>
+              <a:rPr lang="de-DE" sz="1700" b="0" i="0" kern="1200" dirty="0" err="1" smtClean="0">
+                <a:solidFill>
+                  <a:schemeClr val="tx1"/>
+                </a:solidFill>
+                <a:effectLst/>
+                <a:latin typeface="Segoe UI" pitchFamily="34" charset="0"/>
+                <a:ea typeface="+mn-ea"/>
+                <a:cs typeface="+mn-cs"/>
+              </a:rPr>
+              <a:t>is</a:t>
+            </a:r>
+            <a:r>
+              <a:rPr lang="de-DE" sz="1700" b="0" i="0" kern="1200" dirty="0" smtClean="0">
+                <a:solidFill>
+                  <a:schemeClr val="tx1"/>
+                </a:solidFill>
+                <a:effectLst/>
+                <a:latin typeface="Segoe UI" pitchFamily="34" charset="0"/>
+                <a:ea typeface="+mn-ea"/>
+                <a:cs typeface="+mn-cs"/>
+              </a:rPr>
+              <a:t> </a:t>
+            </a:r>
+            <a:r>
+              <a:rPr lang="de-DE" sz="1700" b="0" i="0" kern="1200" dirty="0" err="1" smtClean="0">
+                <a:solidFill>
+                  <a:schemeClr val="tx1"/>
+                </a:solidFill>
+                <a:effectLst/>
+                <a:latin typeface="Segoe UI" pitchFamily="34" charset="0"/>
+                <a:ea typeface="+mn-ea"/>
+                <a:cs typeface="+mn-cs"/>
+              </a:rPr>
+              <a:t>loaded</a:t>
+            </a:r>
+            <a:r>
+              <a:rPr lang="de-DE" sz="1700" b="0" i="0" kern="1200" dirty="0" smtClean="0">
+                <a:solidFill>
+                  <a:schemeClr val="tx1"/>
+                </a:solidFill>
+                <a:effectLst/>
+                <a:latin typeface="Segoe UI" pitchFamily="34" charset="0"/>
+                <a:ea typeface="+mn-ea"/>
+                <a:cs typeface="+mn-cs"/>
+              </a:rPr>
+              <a:t> in. (Quelle:</a:t>
+            </a:r>
+            <a:r>
+              <a:rPr lang="de-DE" sz="1700" b="0" i="0" kern="1200" baseline="0" dirty="0" smtClean="0">
+                <a:solidFill>
+                  <a:schemeClr val="tx1"/>
+                </a:solidFill>
+                <a:effectLst/>
+                <a:latin typeface="Segoe UI" pitchFamily="34" charset="0"/>
+                <a:ea typeface="+mn-ea"/>
+                <a:cs typeface="+mn-cs"/>
+              </a:rPr>
+              <a:t> https://</a:t>
+            </a:r>
+            <a:r>
+              <a:rPr lang="de-DE" sz="1700" b="0" i="0" kern="1200" baseline="0" dirty="0" err="1" smtClean="0">
+                <a:solidFill>
+                  <a:schemeClr val="tx1"/>
+                </a:solidFill>
+                <a:effectLst/>
+                <a:latin typeface="Segoe UI" pitchFamily="34" charset="0"/>
+                <a:ea typeface="+mn-ea"/>
+                <a:cs typeface="+mn-cs"/>
+              </a:rPr>
+              <a:t>developer.mozilla.org</a:t>
+            </a:r>
+            <a:r>
+              <a:rPr lang="de-DE" sz="1700" b="0" i="0" kern="1200" baseline="0" dirty="0" smtClean="0">
+                <a:solidFill>
+                  <a:schemeClr val="tx1"/>
+                </a:solidFill>
+                <a:effectLst/>
+                <a:latin typeface="Segoe UI" pitchFamily="34" charset="0"/>
+                <a:ea typeface="+mn-ea"/>
+                <a:cs typeface="+mn-cs"/>
+              </a:rPr>
+              <a:t>/de/</a:t>
+            </a:r>
+            <a:r>
+              <a:rPr lang="de-DE" sz="1700" b="0" i="0" kern="1200" baseline="0" dirty="0" err="1" smtClean="0">
+                <a:solidFill>
+                  <a:schemeClr val="tx1"/>
+                </a:solidFill>
+                <a:effectLst/>
+                <a:latin typeface="Segoe UI" pitchFamily="34" charset="0"/>
+                <a:ea typeface="+mn-ea"/>
+                <a:cs typeface="+mn-cs"/>
+              </a:rPr>
+              <a:t>docs</a:t>
+            </a:r>
+            <a:r>
+              <a:rPr lang="de-DE" sz="1700" b="0" i="0" kern="1200" baseline="0" dirty="0" smtClean="0">
+                <a:solidFill>
+                  <a:schemeClr val="tx1"/>
+                </a:solidFill>
+                <a:effectLst/>
+                <a:latin typeface="Segoe UI" pitchFamily="34" charset="0"/>
+                <a:ea typeface="+mn-ea"/>
+                <a:cs typeface="+mn-cs"/>
+              </a:rPr>
+              <a:t>/Web/API/</a:t>
+            </a:r>
+            <a:r>
+              <a:rPr lang="de-DE" sz="1700" b="0" i="0" kern="1200" baseline="0" dirty="0" err="1" smtClean="0">
+                <a:solidFill>
+                  <a:schemeClr val="tx1"/>
+                </a:solidFill>
+                <a:effectLst/>
+                <a:latin typeface="Segoe UI" pitchFamily="34" charset="0"/>
+                <a:ea typeface="+mn-ea"/>
+                <a:cs typeface="+mn-cs"/>
+              </a:rPr>
+              <a:t>History</a:t>
+            </a:r>
+            <a:r>
+              <a:rPr lang="de-DE" sz="1700" b="0" i="0" kern="1200" baseline="0" dirty="0" smtClean="0">
+                <a:solidFill>
+                  <a:schemeClr val="tx1"/>
+                </a:solidFill>
+                <a:effectLst/>
+                <a:latin typeface="Segoe UI" pitchFamily="34" charset="0"/>
+                <a:ea typeface="+mn-ea"/>
+                <a:cs typeface="+mn-cs"/>
+              </a:rPr>
+              <a:t>)</a:t>
+            </a:r>
+            <a:endParaRPr lang="de-DE" dirty="0"/>
+          </a:p>
+        </p:txBody>
+      </p:sp>
+      <p:sp>
+        <p:nvSpPr>
+          <p:cNvPr id="4" name="Foliennummernplatzhalter 3"/>
+          <p:cNvSpPr>
+            <a:spLocks noGrp="1"/>
+          </p:cNvSpPr>
+          <p:nvPr>
+            <p:ph type="sldNum" sz="quarter" idx="10"/>
+          </p:nvPr>
+        </p:nvSpPr>
+        <p:spPr/>
+        <p:txBody>
+          <a:bodyPr/>
+          <a:lstStyle/>
+          <a:p>
+            <a:fld id="{C873CC87-18E6-904B-91DF-7AB1BE26DDED}" type="slidenum">
+              <a:rPr lang="de-DE" smtClean="0"/>
+              <a:pPr/>
+              <a:t>20</a:t>
+            </a:fld>
+            <a:endParaRPr lang="de-DE" dirty="0"/>
+          </a:p>
+        </p:txBody>
+      </p:sp>
+    </p:spTree>
+    <p:extLst>
+      <p:ext uri="{BB962C8B-B14F-4D97-AF65-F5344CB8AC3E}">
+        <p14:creationId xmlns:p14="http://schemas.microsoft.com/office/powerpoint/2010/main" val="2112649886"/>
+      </p:ext>
+    </p:extLst>
+  </p:cSld>
+  <p:clrMapOvr>
+    <a:masterClrMapping/>
+  </p:clrMapOvr>
+</p:notes>
+</file>
+
 <file path=ppt/slideLayouts/slideLayout1.xml><?xml version="1.0" encoding="utf-8"?>
 <p:sldLayout xmlns:a="http://schemas.openxmlformats.org/drawingml/2006/main" xmlns:r="http://schemas.openxmlformats.org/officeDocument/2006/relationships" xmlns:p="http://schemas.openxmlformats.org/presentationml/2006/main" preserve="1" userDrawn="1">
   <p:cSld name="Titel-Variation_#1">
@@ -1474,7 +2233,7 @@
           <a:noFill/>
           <a:extLst>
             <a:ext uri="{909E8E84-426E-40dd-AFC4-6F175D3DCCD1}">
-              <a14:hiddenFill xmlns="" xmlns:a14="http://schemas.microsoft.com/office/drawing/2010/main">
+              <a14:hiddenFill xmlns:a14="http://schemas.microsoft.com/office/drawing/2010/main" xmlns="">
                 <a:solidFill>
                   <a:srgbClr val="FFFFFF"/>
                 </a:solidFill>
@@ -1674,7 +2433,7 @@
           <p:cNvPr id="2" name="Datumsplatzhalter 1">
             <a:extLst>
               <a:ext uri="{FF2B5EF4-FFF2-40B4-BE49-F238E27FC236}">
-                <a16:creationId xmlns="" xmlns:a16="http://schemas.microsoft.com/office/drawing/2014/main" id="{0EE9CECA-FE53-4E0D-AD22-D4AB49ECF809}"/>
+                <a16:creationId xmlns:a16="http://schemas.microsoft.com/office/drawing/2014/main" xmlns="" id="{0EE9CECA-FE53-4E0D-AD22-D4AB49ECF809}"/>
               </a:ext>
             </a:extLst>
           </p:cNvPr>
@@ -1693,7 +2452,7 @@
             <a:fld id="{17C2562E-359A-3C42-BBEF-E02CE97BECB1}" type="datetimeFigureOut">
               <a:rPr lang="de-DE" smtClean="0"/>
               <a:pPr/>
-              <a:t>15.10.17</a:t>
+              <a:t>18.10.17</a:t>
             </a:fld>
             <a:endParaRPr lang="de-DE" dirty="0"/>
           </a:p>
@@ -1704,7 +2463,7 @@
           <p:cNvPr id="7" name="Fußzeilenplatzhalter 6">
             <a:extLst>
               <a:ext uri="{FF2B5EF4-FFF2-40B4-BE49-F238E27FC236}">
-                <a16:creationId xmlns="" xmlns:a16="http://schemas.microsoft.com/office/drawing/2014/main" id="{C07A299E-41A7-4A08-81FA-6FBA6806F0A5}"/>
+                <a16:creationId xmlns:a16="http://schemas.microsoft.com/office/drawing/2014/main" xmlns="" id="{C07A299E-41A7-4A08-81FA-6FBA6806F0A5}"/>
               </a:ext>
             </a:extLst>
           </p:cNvPr>
@@ -1729,7 +2488,7 @@
           <p:cNvPr id="8" name="Foliennummernplatzhalter 7">
             <a:extLst>
               <a:ext uri="{FF2B5EF4-FFF2-40B4-BE49-F238E27FC236}">
-                <a16:creationId xmlns="" xmlns:a16="http://schemas.microsoft.com/office/drawing/2014/main" id="{9151A28C-FF21-4CC9-B28E-CF780807FE34}"/>
+                <a16:creationId xmlns:a16="http://schemas.microsoft.com/office/drawing/2014/main" xmlns="" id="{9151A28C-FF21-4CC9-B28E-CF780807FE34}"/>
               </a:ext>
             </a:extLst>
           </p:cNvPr>
@@ -1984,7 +2743,7 @@
           <p:cNvPr id="3" name="Datumsplatzhalter 2">
             <a:extLst>
               <a:ext uri="{FF2B5EF4-FFF2-40B4-BE49-F238E27FC236}">
-                <a16:creationId xmlns="" xmlns:a16="http://schemas.microsoft.com/office/drawing/2014/main" id="{3D332A91-9158-4543-9295-8484F133E109}"/>
+                <a16:creationId xmlns:a16="http://schemas.microsoft.com/office/drawing/2014/main" xmlns="" id="{3D332A91-9158-4543-9295-8484F133E109}"/>
               </a:ext>
             </a:extLst>
           </p:cNvPr>
@@ -2003,7 +2762,7 @@
             <a:fld id="{17C2562E-359A-3C42-BBEF-E02CE97BECB1}" type="datetimeFigureOut">
               <a:rPr lang="de-DE" smtClean="0"/>
               <a:pPr/>
-              <a:t>15.10.17</a:t>
+              <a:t>18.10.17</a:t>
             </a:fld>
             <a:endParaRPr lang="de-DE" dirty="0"/>
           </a:p>
@@ -2014,7 +2773,7 @@
           <p:cNvPr id="7" name="Fußzeilenplatzhalter 6">
             <a:extLst>
               <a:ext uri="{FF2B5EF4-FFF2-40B4-BE49-F238E27FC236}">
-                <a16:creationId xmlns="" xmlns:a16="http://schemas.microsoft.com/office/drawing/2014/main" id="{C426E4CE-7F9D-4A7E-A795-EDD7185E3A7A}"/>
+                <a16:creationId xmlns:a16="http://schemas.microsoft.com/office/drawing/2014/main" xmlns="" id="{C426E4CE-7F9D-4A7E-A795-EDD7185E3A7A}"/>
               </a:ext>
             </a:extLst>
           </p:cNvPr>
@@ -2039,7 +2798,7 @@
           <p:cNvPr id="8" name="Foliennummernplatzhalter 7">
             <a:extLst>
               <a:ext uri="{FF2B5EF4-FFF2-40B4-BE49-F238E27FC236}">
-                <a16:creationId xmlns="" xmlns:a16="http://schemas.microsoft.com/office/drawing/2014/main" id="{73459CEF-058C-4C7D-9907-D7A5E4B23A28}"/>
+                <a16:creationId xmlns:a16="http://schemas.microsoft.com/office/drawing/2014/main" xmlns="" id="{73459CEF-058C-4C7D-9907-D7A5E4B23A28}"/>
               </a:ext>
             </a:extLst>
           </p:cNvPr>
@@ -2287,7 +3046,7 @@
           <p:cNvPr id="2" name="Datumsplatzhalter 1">
             <a:extLst>
               <a:ext uri="{FF2B5EF4-FFF2-40B4-BE49-F238E27FC236}">
-                <a16:creationId xmlns="" xmlns:a16="http://schemas.microsoft.com/office/drawing/2014/main" id="{64A9B900-82AE-4D1E-B11E-155C1B825004}"/>
+                <a16:creationId xmlns:a16="http://schemas.microsoft.com/office/drawing/2014/main" xmlns="" id="{64A9B900-82AE-4D1E-B11E-155C1B825004}"/>
               </a:ext>
             </a:extLst>
           </p:cNvPr>
@@ -2306,7 +3065,7 @@
             <a:fld id="{17C2562E-359A-3C42-BBEF-E02CE97BECB1}" type="datetimeFigureOut">
               <a:rPr lang="de-DE" smtClean="0"/>
               <a:pPr/>
-              <a:t>15.10.17</a:t>
+              <a:t>18.10.17</a:t>
             </a:fld>
             <a:endParaRPr lang="de-DE" dirty="0"/>
           </a:p>
@@ -2317,7 +3076,7 @@
           <p:cNvPr id="7" name="Fußzeilenplatzhalter 6">
             <a:extLst>
               <a:ext uri="{FF2B5EF4-FFF2-40B4-BE49-F238E27FC236}">
-                <a16:creationId xmlns="" xmlns:a16="http://schemas.microsoft.com/office/drawing/2014/main" id="{41953AE8-A571-4BCE-AF9C-CC7A649DD8C5}"/>
+                <a16:creationId xmlns:a16="http://schemas.microsoft.com/office/drawing/2014/main" xmlns="" id="{41953AE8-A571-4BCE-AF9C-CC7A649DD8C5}"/>
               </a:ext>
             </a:extLst>
           </p:cNvPr>
@@ -2342,7 +3101,7 @@
           <p:cNvPr id="8" name="Foliennummernplatzhalter 7">
             <a:extLst>
               <a:ext uri="{FF2B5EF4-FFF2-40B4-BE49-F238E27FC236}">
-                <a16:creationId xmlns="" xmlns:a16="http://schemas.microsoft.com/office/drawing/2014/main" id="{6DCAD949-98D9-4F76-BE67-6629B37422CB}"/>
+                <a16:creationId xmlns:a16="http://schemas.microsoft.com/office/drawing/2014/main" xmlns="" id="{6DCAD949-98D9-4F76-BE67-6629B37422CB}"/>
               </a:ext>
             </a:extLst>
           </p:cNvPr>
@@ -2443,7 +3202,7 @@
           <p:cNvPr id="2" name="Datumsplatzhalter 1">
             <a:extLst>
               <a:ext uri="{FF2B5EF4-FFF2-40B4-BE49-F238E27FC236}">
-                <a16:creationId xmlns="" xmlns:a16="http://schemas.microsoft.com/office/drawing/2014/main" id="{0F48F7B5-AF2D-4886-B660-ACFD0F3CA06C}"/>
+                <a16:creationId xmlns:a16="http://schemas.microsoft.com/office/drawing/2014/main" xmlns="" id="{0F48F7B5-AF2D-4886-B660-ACFD0F3CA06C}"/>
               </a:ext>
             </a:extLst>
           </p:cNvPr>
@@ -2462,7 +3221,7 @@
             <a:fld id="{17C2562E-359A-3C42-BBEF-E02CE97BECB1}" type="datetimeFigureOut">
               <a:rPr lang="de-DE" smtClean="0"/>
               <a:pPr/>
-              <a:t>15.10.17</a:t>
+              <a:t>18.10.17</a:t>
             </a:fld>
             <a:endParaRPr lang="de-DE" dirty="0"/>
           </a:p>
@@ -2473,7 +3232,7 @@
           <p:cNvPr id="7" name="Fußzeilenplatzhalter 6">
             <a:extLst>
               <a:ext uri="{FF2B5EF4-FFF2-40B4-BE49-F238E27FC236}">
-                <a16:creationId xmlns="" xmlns:a16="http://schemas.microsoft.com/office/drawing/2014/main" id="{C01D3F89-6DF4-4DC1-ABFC-4B69E0299624}"/>
+                <a16:creationId xmlns:a16="http://schemas.microsoft.com/office/drawing/2014/main" xmlns="" id="{C01D3F89-6DF4-4DC1-ABFC-4B69E0299624}"/>
               </a:ext>
             </a:extLst>
           </p:cNvPr>
@@ -2498,7 +3257,7 @@
           <p:cNvPr id="8" name="Foliennummernplatzhalter 7">
             <a:extLst>
               <a:ext uri="{FF2B5EF4-FFF2-40B4-BE49-F238E27FC236}">
-                <a16:creationId xmlns="" xmlns:a16="http://schemas.microsoft.com/office/drawing/2014/main" id="{BFD42FBE-0754-4285-A3CE-566D22A33C59}"/>
+                <a16:creationId xmlns:a16="http://schemas.microsoft.com/office/drawing/2014/main" xmlns="" id="{BFD42FBE-0754-4285-A3CE-566D22A33C59}"/>
               </a:ext>
             </a:extLst>
           </p:cNvPr>
@@ -2739,7 +3498,7 @@
           <p:cNvPr id="3" name="Datumsplatzhalter 2">
             <a:extLst>
               <a:ext uri="{FF2B5EF4-FFF2-40B4-BE49-F238E27FC236}">
-                <a16:creationId xmlns="" xmlns:a16="http://schemas.microsoft.com/office/drawing/2014/main" id="{434AC82E-1F55-4D6D-B12A-7355E3927B04}"/>
+                <a16:creationId xmlns:a16="http://schemas.microsoft.com/office/drawing/2014/main" xmlns="" id="{434AC82E-1F55-4D6D-B12A-7355E3927B04}"/>
               </a:ext>
             </a:extLst>
           </p:cNvPr>
@@ -2758,7 +3517,7 @@
             <a:fld id="{17C2562E-359A-3C42-BBEF-E02CE97BECB1}" type="datetimeFigureOut">
               <a:rPr lang="de-DE" smtClean="0"/>
               <a:pPr/>
-              <a:t>15.10.17</a:t>
+              <a:t>18.10.17</a:t>
             </a:fld>
             <a:endParaRPr lang="de-DE" dirty="0"/>
           </a:p>
@@ -2769,7 +3528,7 @@
           <p:cNvPr id="7" name="Fußzeilenplatzhalter 6">
             <a:extLst>
               <a:ext uri="{FF2B5EF4-FFF2-40B4-BE49-F238E27FC236}">
-                <a16:creationId xmlns="" xmlns:a16="http://schemas.microsoft.com/office/drawing/2014/main" id="{95F90759-2A54-4A06-B304-DFA3C45AF309}"/>
+                <a16:creationId xmlns:a16="http://schemas.microsoft.com/office/drawing/2014/main" xmlns="" id="{95F90759-2A54-4A06-B304-DFA3C45AF309}"/>
               </a:ext>
             </a:extLst>
           </p:cNvPr>
@@ -2794,7 +3553,7 @@
           <p:cNvPr id="8" name="Foliennummernplatzhalter 7">
             <a:extLst>
               <a:ext uri="{FF2B5EF4-FFF2-40B4-BE49-F238E27FC236}">
-                <a16:creationId xmlns="" xmlns:a16="http://schemas.microsoft.com/office/drawing/2014/main" id="{AAA489C6-E63E-4078-89A4-7CC1709D7206}"/>
+                <a16:creationId xmlns:a16="http://schemas.microsoft.com/office/drawing/2014/main" xmlns="" id="{AAA489C6-E63E-4078-89A4-7CC1709D7206}"/>
               </a:ext>
             </a:extLst>
           </p:cNvPr>
@@ -3076,7 +3835,7 @@
           <p:cNvPr id="3" name="Datumsplatzhalter 2">
             <a:extLst>
               <a:ext uri="{FF2B5EF4-FFF2-40B4-BE49-F238E27FC236}">
-                <a16:creationId xmlns="" xmlns:a16="http://schemas.microsoft.com/office/drawing/2014/main" id="{24A5A6B0-652D-48FC-AF73-17BD8D217D8E}"/>
+                <a16:creationId xmlns:a16="http://schemas.microsoft.com/office/drawing/2014/main" xmlns="" id="{24A5A6B0-652D-48FC-AF73-17BD8D217D8E}"/>
               </a:ext>
             </a:extLst>
           </p:cNvPr>
@@ -3095,7 +3854,7 @@
             <a:fld id="{17C2562E-359A-3C42-BBEF-E02CE97BECB1}" type="datetimeFigureOut">
               <a:rPr lang="de-DE" smtClean="0"/>
               <a:pPr/>
-              <a:t>15.10.17</a:t>
+              <a:t>18.10.17</a:t>
             </a:fld>
             <a:endParaRPr lang="de-DE" dirty="0"/>
           </a:p>
@@ -3106,7 +3865,7 @@
           <p:cNvPr id="7" name="Fußzeilenplatzhalter 6">
             <a:extLst>
               <a:ext uri="{FF2B5EF4-FFF2-40B4-BE49-F238E27FC236}">
-                <a16:creationId xmlns="" xmlns:a16="http://schemas.microsoft.com/office/drawing/2014/main" id="{239BA7E1-F103-432E-BC27-0127D2228DA4}"/>
+                <a16:creationId xmlns:a16="http://schemas.microsoft.com/office/drawing/2014/main" xmlns="" id="{239BA7E1-F103-432E-BC27-0127D2228DA4}"/>
               </a:ext>
             </a:extLst>
           </p:cNvPr>
@@ -3131,7 +3890,7 @@
           <p:cNvPr id="9" name="Foliennummernplatzhalter 8">
             <a:extLst>
               <a:ext uri="{FF2B5EF4-FFF2-40B4-BE49-F238E27FC236}">
-                <a16:creationId xmlns="" xmlns:a16="http://schemas.microsoft.com/office/drawing/2014/main" id="{E398A7F9-A765-46A7-B1D7-8FF6247ED6E8}"/>
+                <a16:creationId xmlns:a16="http://schemas.microsoft.com/office/drawing/2014/main" xmlns="" id="{E398A7F9-A765-46A7-B1D7-8FF6247ED6E8}"/>
               </a:ext>
             </a:extLst>
           </p:cNvPr>
@@ -3552,7 +4311,7 @@
           <p:cNvPr id="3" name="Datumsplatzhalter 2">
             <a:extLst>
               <a:ext uri="{FF2B5EF4-FFF2-40B4-BE49-F238E27FC236}">
-                <a16:creationId xmlns="" xmlns:a16="http://schemas.microsoft.com/office/drawing/2014/main" id="{E251BDE8-F6CD-4379-B02C-D58055E91CB7}"/>
+                <a16:creationId xmlns:a16="http://schemas.microsoft.com/office/drawing/2014/main" xmlns="" id="{E251BDE8-F6CD-4379-B02C-D58055E91CB7}"/>
               </a:ext>
             </a:extLst>
           </p:cNvPr>
@@ -3571,7 +4330,7 @@
             <a:fld id="{17C2562E-359A-3C42-BBEF-E02CE97BECB1}" type="datetimeFigureOut">
               <a:rPr lang="de-DE" smtClean="0"/>
               <a:pPr/>
-              <a:t>15.10.17</a:t>
+              <a:t>18.10.17</a:t>
             </a:fld>
             <a:endParaRPr lang="de-DE" dirty="0"/>
           </a:p>
@@ -3582,7 +4341,7 @@
           <p:cNvPr id="7" name="Fußzeilenplatzhalter 6">
             <a:extLst>
               <a:ext uri="{FF2B5EF4-FFF2-40B4-BE49-F238E27FC236}">
-                <a16:creationId xmlns="" xmlns:a16="http://schemas.microsoft.com/office/drawing/2014/main" id="{F684EDD4-7234-4CF4-A5B8-FCC6419FE199}"/>
+                <a16:creationId xmlns:a16="http://schemas.microsoft.com/office/drawing/2014/main" xmlns="" id="{F684EDD4-7234-4CF4-A5B8-FCC6419FE199}"/>
               </a:ext>
             </a:extLst>
           </p:cNvPr>
@@ -3607,7 +4366,7 @@
           <p:cNvPr id="8" name="Foliennummernplatzhalter 7">
             <a:extLst>
               <a:ext uri="{FF2B5EF4-FFF2-40B4-BE49-F238E27FC236}">
-                <a16:creationId xmlns="" xmlns:a16="http://schemas.microsoft.com/office/drawing/2014/main" id="{81EB7AF2-AEA0-439E-B5DA-DF760778341F}"/>
+                <a16:creationId xmlns:a16="http://schemas.microsoft.com/office/drawing/2014/main" xmlns="" id="{81EB7AF2-AEA0-439E-B5DA-DF760778341F}"/>
               </a:ext>
             </a:extLst>
           </p:cNvPr>
@@ -3935,7 +4694,7 @@
           <p:cNvPr id="3" name="Datumsplatzhalter 2">
             <a:extLst>
               <a:ext uri="{FF2B5EF4-FFF2-40B4-BE49-F238E27FC236}">
-                <a16:creationId xmlns="" xmlns:a16="http://schemas.microsoft.com/office/drawing/2014/main" id="{C2E5ECD2-BEB5-47D1-A89E-69496048A8D5}"/>
+                <a16:creationId xmlns:a16="http://schemas.microsoft.com/office/drawing/2014/main" xmlns="" id="{C2E5ECD2-BEB5-47D1-A89E-69496048A8D5}"/>
               </a:ext>
             </a:extLst>
           </p:cNvPr>
@@ -3954,7 +4713,7 @@
             <a:fld id="{17C2562E-359A-3C42-BBEF-E02CE97BECB1}" type="datetimeFigureOut">
               <a:rPr lang="de-DE" smtClean="0"/>
               <a:pPr/>
-              <a:t>15.10.17</a:t>
+              <a:t>18.10.17</a:t>
             </a:fld>
             <a:endParaRPr lang="de-DE" dirty="0"/>
           </a:p>
@@ -3965,7 +4724,7 @@
           <p:cNvPr id="7" name="Fußzeilenplatzhalter 6">
             <a:extLst>
               <a:ext uri="{FF2B5EF4-FFF2-40B4-BE49-F238E27FC236}">
-                <a16:creationId xmlns="" xmlns:a16="http://schemas.microsoft.com/office/drawing/2014/main" id="{8DADA64D-3A7A-4438-9197-BD2830657223}"/>
+                <a16:creationId xmlns:a16="http://schemas.microsoft.com/office/drawing/2014/main" xmlns="" id="{8DADA64D-3A7A-4438-9197-BD2830657223}"/>
               </a:ext>
             </a:extLst>
           </p:cNvPr>
@@ -3990,7 +4749,7 @@
           <p:cNvPr id="9" name="Foliennummernplatzhalter 8">
             <a:extLst>
               <a:ext uri="{FF2B5EF4-FFF2-40B4-BE49-F238E27FC236}">
-                <a16:creationId xmlns="" xmlns:a16="http://schemas.microsoft.com/office/drawing/2014/main" id="{3D8A091A-178E-435F-9EA9-84BA66D378CC}"/>
+                <a16:creationId xmlns:a16="http://schemas.microsoft.com/office/drawing/2014/main" xmlns="" id="{3D8A091A-178E-435F-9EA9-84BA66D378CC}"/>
               </a:ext>
             </a:extLst>
           </p:cNvPr>
@@ -4621,7 +5380,7 @@
           <p:cNvPr id="6" name="Datumsplatzhalter 5">
             <a:extLst>
               <a:ext uri="{FF2B5EF4-FFF2-40B4-BE49-F238E27FC236}">
-                <a16:creationId xmlns="" xmlns:a16="http://schemas.microsoft.com/office/drawing/2014/main" id="{E75B6010-F5BB-4F22-8221-D75D21F6EB55}"/>
+                <a16:creationId xmlns:a16="http://schemas.microsoft.com/office/drawing/2014/main" xmlns="" id="{E75B6010-F5BB-4F22-8221-D75D21F6EB55}"/>
               </a:ext>
             </a:extLst>
           </p:cNvPr>
@@ -4640,7 +5399,7 @@
             <a:fld id="{17C2562E-359A-3C42-BBEF-E02CE97BECB1}" type="datetimeFigureOut">
               <a:rPr lang="de-DE" smtClean="0"/>
               <a:pPr/>
-              <a:t>15.10.17</a:t>
+              <a:t>18.10.17</a:t>
             </a:fld>
             <a:endParaRPr lang="de-DE" dirty="0"/>
           </a:p>
@@ -4651,7 +5410,7 @@
           <p:cNvPr id="7" name="Fußzeilenplatzhalter 6">
             <a:extLst>
               <a:ext uri="{FF2B5EF4-FFF2-40B4-BE49-F238E27FC236}">
-                <a16:creationId xmlns="" xmlns:a16="http://schemas.microsoft.com/office/drawing/2014/main" id="{26547C97-5C9B-4C14-8D49-A5E83DFFB45A}"/>
+                <a16:creationId xmlns:a16="http://schemas.microsoft.com/office/drawing/2014/main" xmlns="" id="{26547C97-5C9B-4C14-8D49-A5E83DFFB45A}"/>
               </a:ext>
             </a:extLst>
           </p:cNvPr>
@@ -4676,7 +5435,7 @@
           <p:cNvPr id="11" name="Foliennummernplatzhalter 10">
             <a:extLst>
               <a:ext uri="{FF2B5EF4-FFF2-40B4-BE49-F238E27FC236}">
-                <a16:creationId xmlns="" xmlns:a16="http://schemas.microsoft.com/office/drawing/2014/main" id="{98B57AAA-67F4-4EFE-A062-411C04E4F8A2}"/>
+                <a16:creationId xmlns:a16="http://schemas.microsoft.com/office/drawing/2014/main" xmlns="" id="{98B57AAA-67F4-4EFE-A062-411C04E4F8A2}"/>
               </a:ext>
             </a:extLst>
           </p:cNvPr>
@@ -5215,7 +5974,7 @@
           <p:cNvPr id="5" name="Datumsplatzhalter 4">
             <a:extLst>
               <a:ext uri="{FF2B5EF4-FFF2-40B4-BE49-F238E27FC236}">
-                <a16:creationId xmlns="" xmlns:a16="http://schemas.microsoft.com/office/drawing/2014/main" id="{0C7C8404-609B-40A1-85F0-0C1D3C5C6357}"/>
+                <a16:creationId xmlns:a16="http://schemas.microsoft.com/office/drawing/2014/main" xmlns="" id="{0C7C8404-609B-40A1-85F0-0C1D3C5C6357}"/>
               </a:ext>
             </a:extLst>
           </p:cNvPr>
@@ -5234,7 +5993,7 @@
             <a:fld id="{17C2562E-359A-3C42-BBEF-E02CE97BECB1}" type="datetimeFigureOut">
               <a:rPr lang="de-DE" smtClean="0"/>
               <a:pPr/>
-              <a:t>15.10.17</a:t>
+              <a:t>18.10.17</a:t>
             </a:fld>
             <a:endParaRPr lang="de-DE" dirty="0"/>
           </a:p>
@@ -5245,7 +6004,7 @@
           <p:cNvPr id="8" name="Fußzeilenplatzhalter 7">
             <a:extLst>
               <a:ext uri="{FF2B5EF4-FFF2-40B4-BE49-F238E27FC236}">
-                <a16:creationId xmlns="" xmlns:a16="http://schemas.microsoft.com/office/drawing/2014/main" id="{3C29D00E-B305-494B-A605-238A832848F3}"/>
+                <a16:creationId xmlns:a16="http://schemas.microsoft.com/office/drawing/2014/main" xmlns="" id="{3C29D00E-B305-494B-A605-238A832848F3}"/>
               </a:ext>
             </a:extLst>
           </p:cNvPr>
@@ -5270,7 +6029,7 @@
           <p:cNvPr id="9" name="Foliennummernplatzhalter 8">
             <a:extLst>
               <a:ext uri="{FF2B5EF4-FFF2-40B4-BE49-F238E27FC236}">
-                <a16:creationId xmlns="" xmlns:a16="http://schemas.microsoft.com/office/drawing/2014/main" id="{7FC7C27A-51A6-4577-BAAE-22B90EFD1D16}"/>
+                <a16:creationId xmlns:a16="http://schemas.microsoft.com/office/drawing/2014/main" xmlns="" id="{7FC7C27A-51A6-4577-BAAE-22B90EFD1D16}"/>
               </a:ext>
             </a:extLst>
           </p:cNvPr>
@@ -6039,7 +6798,7 @@
           <p:cNvPr id="5" name="Datumsplatzhalter 4">
             <a:extLst>
               <a:ext uri="{FF2B5EF4-FFF2-40B4-BE49-F238E27FC236}">
-                <a16:creationId xmlns="" xmlns:a16="http://schemas.microsoft.com/office/drawing/2014/main" id="{33D616DE-E3B4-4D35-BB61-A1FFAD7A5AAF}"/>
+                <a16:creationId xmlns:a16="http://schemas.microsoft.com/office/drawing/2014/main" xmlns="" id="{33D616DE-E3B4-4D35-BB61-A1FFAD7A5AAF}"/>
               </a:ext>
             </a:extLst>
           </p:cNvPr>
@@ -6058,7 +6817,7 @@
             <a:fld id="{17C2562E-359A-3C42-BBEF-E02CE97BECB1}" type="datetimeFigureOut">
               <a:rPr lang="de-DE" smtClean="0"/>
               <a:pPr/>
-              <a:t>15.10.17</a:t>
+              <a:t>18.10.17</a:t>
             </a:fld>
             <a:endParaRPr lang="de-DE" dirty="0"/>
           </a:p>
@@ -6069,7 +6828,7 @@
           <p:cNvPr id="7" name="Fußzeilenplatzhalter 6">
             <a:extLst>
               <a:ext uri="{FF2B5EF4-FFF2-40B4-BE49-F238E27FC236}">
-                <a16:creationId xmlns="" xmlns:a16="http://schemas.microsoft.com/office/drawing/2014/main" id="{009571DE-76C3-4B92-A98C-31AD1C84E96F}"/>
+                <a16:creationId xmlns:a16="http://schemas.microsoft.com/office/drawing/2014/main" xmlns="" id="{009571DE-76C3-4B92-A98C-31AD1C84E96F}"/>
               </a:ext>
             </a:extLst>
           </p:cNvPr>
@@ -6094,7 +6853,7 @@
           <p:cNvPr id="10" name="Foliennummernplatzhalter 9">
             <a:extLst>
               <a:ext uri="{FF2B5EF4-FFF2-40B4-BE49-F238E27FC236}">
-                <a16:creationId xmlns="" xmlns:a16="http://schemas.microsoft.com/office/drawing/2014/main" id="{A873DEEA-A3E3-4201-A6F9-C92D0EB9E730}"/>
+                <a16:creationId xmlns:a16="http://schemas.microsoft.com/office/drawing/2014/main" xmlns="" id="{A873DEEA-A3E3-4201-A6F9-C92D0EB9E730}"/>
               </a:ext>
             </a:extLst>
           </p:cNvPr>
@@ -6519,7 +7278,7 @@
           <p:cNvPr id="6" name="Datumsplatzhalter 5">
             <a:extLst>
               <a:ext uri="{FF2B5EF4-FFF2-40B4-BE49-F238E27FC236}">
-                <a16:creationId xmlns="" xmlns:a16="http://schemas.microsoft.com/office/drawing/2014/main" id="{BE1F9E44-CCA9-4032-B773-94D7E2DF8ED5}"/>
+                <a16:creationId xmlns:a16="http://schemas.microsoft.com/office/drawing/2014/main" xmlns="" id="{BE1F9E44-CCA9-4032-B773-94D7E2DF8ED5}"/>
               </a:ext>
             </a:extLst>
           </p:cNvPr>
@@ -6538,7 +7297,7 @@
             <a:fld id="{17C2562E-359A-3C42-BBEF-E02CE97BECB1}" type="datetimeFigureOut">
               <a:rPr lang="de-DE" smtClean="0"/>
               <a:pPr/>
-              <a:t>15.10.17</a:t>
+              <a:t>18.10.17</a:t>
             </a:fld>
             <a:endParaRPr lang="de-DE" dirty="0"/>
           </a:p>
@@ -6549,7 +7308,7 @@
           <p:cNvPr id="7" name="Fußzeilenplatzhalter 6">
             <a:extLst>
               <a:ext uri="{FF2B5EF4-FFF2-40B4-BE49-F238E27FC236}">
-                <a16:creationId xmlns="" xmlns:a16="http://schemas.microsoft.com/office/drawing/2014/main" id="{4D3B4066-4E5D-4AAB-A33C-01B8A1CAA20D}"/>
+                <a16:creationId xmlns:a16="http://schemas.microsoft.com/office/drawing/2014/main" xmlns="" id="{4D3B4066-4E5D-4AAB-A33C-01B8A1CAA20D}"/>
               </a:ext>
             </a:extLst>
           </p:cNvPr>
@@ -6574,7 +7333,7 @@
           <p:cNvPr id="8" name="Foliennummernplatzhalter 7">
             <a:extLst>
               <a:ext uri="{FF2B5EF4-FFF2-40B4-BE49-F238E27FC236}">
-                <a16:creationId xmlns="" xmlns:a16="http://schemas.microsoft.com/office/drawing/2014/main" id="{52AE4811-CB7B-4E63-92A7-E2967B6AEBEE}"/>
+                <a16:creationId xmlns:a16="http://schemas.microsoft.com/office/drawing/2014/main" xmlns="" id="{52AE4811-CB7B-4E63-92A7-E2967B6AEBEE}"/>
               </a:ext>
             </a:extLst>
           </p:cNvPr>
@@ -7361,7 +8120,7 @@
           <p:cNvPr id="5" name="Datumsplatzhalter 4">
             <a:extLst>
               <a:ext uri="{FF2B5EF4-FFF2-40B4-BE49-F238E27FC236}">
-                <a16:creationId xmlns="" xmlns:a16="http://schemas.microsoft.com/office/drawing/2014/main" id="{7AEDF8C5-F6FB-4119-B6A3-908B246DAB0B}"/>
+                <a16:creationId xmlns:a16="http://schemas.microsoft.com/office/drawing/2014/main" xmlns="" id="{7AEDF8C5-F6FB-4119-B6A3-908B246DAB0B}"/>
               </a:ext>
             </a:extLst>
           </p:cNvPr>
@@ -7380,7 +8139,7 @@
             <a:fld id="{17C2562E-359A-3C42-BBEF-E02CE97BECB1}" type="datetimeFigureOut">
               <a:rPr lang="de-DE" smtClean="0"/>
               <a:pPr/>
-              <a:t>15.10.17</a:t>
+              <a:t>18.10.17</a:t>
             </a:fld>
             <a:endParaRPr lang="de-DE" dirty="0"/>
           </a:p>
@@ -7391,7 +8150,7 @@
           <p:cNvPr id="7" name="Fußzeilenplatzhalter 6">
             <a:extLst>
               <a:ext uri="{FF2B5EF4-FFF2-40B4-BE49-F238E27FC236}">
-                <a16:creationId xmlns="" xmlns:a16="http://schemas.microsoft.com/office/drawing/2014/main" id="{4CCDEB9D-85DD-4CF0-96C7-BA711D11F2BE}"/>
+                <a16:creationId xmlns:a16="http://schemas.microsoft.com/office/drawing/2014/main" xmlns="" id="{4CCDEB9D-85DD-4CF0-96C7-BA711D11F2BE}"/>
               </a:ext>
             </a:extLst>
           </p:cNvPr>
@@ -7416,7 +8175,7 @@
           <p:cNvPr id="9" name="Foliennummernplatzhalter 8">
             <a:extLst>
               <a:ext uri="{FF2B5EF4-FFF2-40B4-BE49-F238E27FC236}">
-                <a16:creationId xmlns="" xmlns:a16="http://schemas.microsoft.com/office/drawing/2014/main" id="{418E80D9-3450-43BD-94A9-22C9BF91B1C0}"/>
+                <a16:creationId xmlns:a16="http://schemas.microsoft.com/office/drawing/2014/main" xmlns="" id="{418E80D9-3450-43BD-94A9-22C9BF91B1C0}"/>
               </a:ext>
             </a:extLst>
           </p:cNvPr>
@@ -8162,7 +8921,7 @@
           <p:cNvPr id="3" name="Datumsplatzhalter 2">
             <a:extLst>
               <a:ext uri="{FF2B5EF4-FFF2-40B4-BE49-F238E27FC236}">
-                <a16:creationId xmlns="" xmlns:a16="http://schemas.microsoft.com/office/drawing/2014/main" id="{25D8C277-6F42-4B11-AB90-EBE3A1238A85}"/>
+                <a16:creationId xmlns:a16="http://schemas.microsoft.com/office/drawing/2014/main" xmlns="" id="{25D8C277-6F42-4B11-AB90-EBE3A1238A85}"/>
               </a:ext>
             </a:extLst>
           </p:cNvPr>
@@ -8181,7 +8940,7 @@
             <a:fld id="{17C2562E-359A-3C42-BBEF-E02CE97BECB1}" type="datetimeFigureOut">
               <a:rPr lang="de-DE" smtClean="0"/>
               <a:pPr/>
-              <a:t>15.10.17</a:t>
+              <a:t>18.10.17</a:t>
             </a:fld>
             <a:endParaRPr lang="de-DE" dirty="0"/>
           </a:p>
@@ -8192,7 +8951,7 @@
           <p:cNvPr id="4" name="Fußzeilenplatzhalter 3">
             <a:extLst>
               <a:ext uri="{FF2B5EF4-FFF2-40B4-BE49-F238E27FC236}">
-                <a16:creationId xmlns="" xmlns:a16="http://schemas.microsoft.com/office/drawing/2014/main" id="{4815A052-9443-41A9-9F46-0AA437EEDDA5}"/>
+                <a16:creationId xmlns:a16="http://schemas.microsoft.com/office/drawing/2014/main" xmlns="" id="{4815A052-9443-41A9-9F46-0AA437EEDDA5}"/>
               </a:ext>
             </a:extLst>
           </p:cNvPr>
@@ -8217,7 +8976,7 @@
           <p:cNvPr id="5" name="Foliennummernplatzhalter 4">
             <a:extLst>
               <a:ext uri="{FF2B5EF4-FFF2-40B4-BE49-F238E27FC236}">
-                <a16:creationId xmlns="" xmlns:a16="http://schemas.microsoft.com/office/drawing/2014/main" id="{5F7C50D9-9DEA-4EFD-ACE3-677BBD4DEB55}"/>
+                <a16:creationId xmlns:a16="http://schemas.microsoft.com/office/drawing/2014/main" xmlns="" id="{5F7C50D9-9DEA-4EFD-ACE3-677BBD4DEB55}"/>
               </a:ext>
             </a:extLst>
           </p:cNvPr>
@@ -8683,7 +9442,7 @@
           <p:cNvPr id="5" name="Datumsplatzhalter 4">
             <a:extLst>
               <a:ext uri="{FF2B5EF4-FFF2-40B4-BE49-F238E27FC236}">
-                <a16:creationId xmlns="" xmlns:a16="http://schemas.microsoft.com/office/drawing/2014/main" id="{6B4135B1-E114-41F0-9C64-3A26186B834F}"/>
+                <a16:creationId xmlns:a16="http://schemas.microsoft.com/office/drawing/2014/main" xmlns="" id="{6B4135B1-E114-41F0-9C64-3A26186B834F}"/>
               </a:ext>
             </a:extLst>
           </p:cNvPr>
@@ -8702,7 +9461,7 @@
             <a:fld id="{17C2562E-359A-3C42-BBEF-E02CE97BECB1}" type="datetimeFigureOut">
               <a:rPr lang="de-DE" smtClean="0"/>
               <a:pPr/>
-              <a:t>15.10.17</a:t>
+              <a:t>18.10.17</a:t>
             </a:fld>
             <a:endParaRPr lang="de-DE" dirty="0"/>
           </a:p>
@@ -8713,7 +9472,7 @@
           <p:cNvPr id="7" name="Fußzeilenplatzhalter 6">
             <a:extLst>
               <a:ext uri="{FF2B5EF4-FFF2-40B4-BE49-F238E27FC236}">
-                <a16:creationId xmlns="" xmlns:a16="http://schemas.microsoft.com/office/drawing/2014/main" id="{84D81854-B37F-4ADF-A34F-BF0CCA2926F2}"/>
+                <a16:creationId xmlns:a16="http://schemas.microsoft.com/office/drawing/2014/main" xmlns="" id="{84D81854-B37F-4ADF-A34F-BF0CCA2926F2}"/>
               </a:ext>
             </a:extLst>
           </p:cNvPr>
@@ -8738,7 +9497,7 @@
           <p:cNvPr id="9" name="Foliennummernplatzhalter 8">
             <a:extLst>
               <a:ext uri="{FF2B5EF4-FFF2-40B4-BE49-F238E27FC236}">
-                <a16:creationId xmlns="" xmlns:a16="http://schemas.microsoft.com/office/drawing/2014/main" id="{2EE17D9C-06FE-45C8-B312-4C5617C49000}"/>
+                <a16:creationId xmlns:a16="http://schemas.microsoft.com/office/drawing/2014/main" xmlns="" id="{2EE17D9C-06FE-45C8-B312-4C5617C49000}"/>
               </a:ext>
             </a:extLst>
           </p:cNvPr>
@@ -9163,7 +9922,7 @@
           <p:cNvPr id="10" name="Datumsplatzhalter 9">
             <a:extLst>
               <a:ext uri="{FF2B5EF4-FFF2-40B4-BE49-F238E27FC236}">
-                <a16:creationId xmlns="" xmlns:a16="http://schemas.microsoft.com/office/drawing/2014/main" id="{F92E0490-C295-4C99-B9D1-6310B9164EDD}"/>
+                <a16:creationId xmlns:a16="http://schemas.microsoft.com/office/drawing/2014/main" xmlns="" id="{F92E0490-C295-4C99-B9D1-6310B9164EDD}"/>
               </a:ext>
             </a:extLst>
           </p:cNvPr>
@@ -9182,7 +9941,7 @@
             <a:fld id="{17C2562E-359A-3C42-BBEF-E02CE97BECB1}" type="datetimeFigureOut">
               <a:rPr lang="de-DE" smtClean="0"/>
               <a:pPr/>
-              <a:t>15.10.17</a:t>
+              <a:t>18.10.17</a:t>
             </a:fld>
             <a:endParaRPr lang="de-DE" dirty="0"/>
           </a:p>
@@ -9193,7 +9952,7 @@
           <p:cNvPr id="11" name="Fußzeilenplatzhalter 10">
             <a:extLst>
               <a:ext uri="{FF2B5EF4-FFF2-40B4-BE49-F238E27FC236}">
-                <a16:creationId xmlns="" xmlns:a16="http://schemas.microsoft.com/office/drawing/2014/main" id="{DD98C48F-3C69-4703-B4CC-632DDDDB497C}"/>
+                <a16:creationId xmlns:a16="http://schemas.microsoft.com/office/drawing/2014/main" xmlns="" id="{DD98C48F-3C69-4703-B4CC-632DDDDB497C}"/>
               </a:ext>
             </a:extLst>
           </p:cNvPr>
@@ -9218,7 +9977,7 @@
           <p:cNvPr id="15" name="Foliennummernplatzhalter 14">
             <a:extLst>
               <a:ext uri="{FF2B5EF4-FFF2-40B4-BE49-F238E27FC236}">
-                <a16:creationId xmlns="" xmlns:a16="http://schemas.microsoft.com/office/drawing/2014/main" id="{1968527D-44A1-407F-99A6-2ACAB46FBD28}"/>
+                <a16:creationId xmlns:a16="http://schemas.microsoft.com/office/drawing/2014/main" xmlns="" id="{1968527D-44A1-407F-99A6-2ACAB46FBD28}"/>
               </a:ext>
             </a:extLst>
           </p:cNvPr>
@@ -10005,7 +10764,7 @@
           <p:cNvPr id="5" name="Datumsplatzhalter 4">
             <a:extLst>
               <a:ext uri="{FF2B5EF4-FFF2-40B4-BE49-F238E27FC236}">
-                <a16:creationId xmlns="" xmlns:a16="http://schemas.microsoft.com/office/drawing/2014/main" id="{8AFAB162-0FDB-4A37-A4FD-CBFC89474486}"/>
+                <a16:creationId xmlns:a16="http://schemas.microsoft.com/office/drawing/2014/main" xmlns="" id="{8AFAB162-0FDB-4A37-A4FD-CBFC89474486}"/>
               </a:ext>
             </a:extLst>
           </p:cNvPr>
@@ -10024,7 +10783,7 @@
             <a:fld id="{17C2562E-359A-3C42-BBEF-E02CE97BECB1}" type="datetimeFigureOut">
               <a:rPr lang="de-DE" smtClean="0"/>
               <a:pPr/>
-              <a:t>15.10.17</a:t>
+              <a:t>18.10.17</a:t>
             </a:fld>
             <a:endParaRPr lang="de-DE" dirty="0"/>
           </a:p>
@@ -10035,7 +10794,7 @@
           <p:cNvPr id="7" name="Fußzeilenplatzhalter 6">
             <a:extLst>
               <a:ext uri="{FF2B5EF4-FFF2-40B4-BE49-F238E27FC236}">
-                <a16:creationId xmlns="" xmlns:a16="http://schemas.microsoft.com/office/drawing/2014/main" id="{46B12C25-0691-43C5-8596-6B8AD0039874}"/>
+                <a16:creationId xmlns:a16="http://schemas.microsoft.com/office/drawing/2014/main" xmlns="" id="{46B12C25-0691-43C5-8596-6B8AD0039874}"/>
               </a:ext>
             </a:extLst>
           </p:cNvPr>
@@ -10060,7 +10819,7 @@
           <p:cNvPr id="9" name="Foliennummernplatzhalter 8">
             <a:extLst>
               <a:ext uri="{FF2B5EF4-FFF2-40B4-BE49-F238E27FC236}">
-                <a16:creationId xmlns="" xmlns:a16="http://schemas.microsoft.com/office/drawing/2014/main" id="{7C5C2594-4A54-4AE0-88EE-FB17FDD4570C}"/>
+                <a16:creationId xmlns:a16="http://schemas.microsoft.com/office/drawing/2014/main" xmlns="" id="{7C5C2594-4A54-4AE0-88EE-FB17FDD4570C}"/>
               </a:ext>
             </a:extLst>
           </p:cNvPr>
@@ -10806,7 +11565,7 @@
           <p:cNvPr id="5" name="Datumsplatzhalter 4">
             <a:extLst>
               <a:ext uri="{FF2B5EF4-FFF2-40B4-BE49-F238E27FC236}">
-                <a16:creationId xmlns="" xmlns:a16="http://schemas.microsoft.com/office/drawing/2014/main" id="{D1D6952B-45CB-46FF-9F9B-1F98CC255417}"/>
+                <a16:creationId xmlns:a16="http://schemas.microsoft.com/office/drawing/2014/main" xmlns="" id="{D1D6952B-45CB-46FF-9F9B-1F98CC255417}"/>
               </a:ext>
             </a:extLst>
           </p:cNvPr>
@@ -10825,7 +11584,7 @@
             <a:fld id="{17C2562E-359A-3C42-BBEF-E02CE97BECB1}" type="datetimeFigureOut">
               <a:rPr lang="de-DE" smtClean="0"/>
               <a:pPr/>
-              <a:t>15.10.17</a:t>
+              <a:t>18.10.17</a:t>
             </a:fld>
             <a:endParaRPr lang="de-DE" dirty="0"/>
           </a:p>
@@ -10836,7 +11595,7 @@
           <p:cNvPr id="7" name="Fußzeilenplatzhalter 6">
             <a:extLst>
               <a:ext uri="{FF2B5EF4-FFF2-40B4-BE49-F238E27FC236}">
-                <a16:creationId xmlns="" xmlns:a16="http://schemas.microsoft.com/office/drawing/2014/main" id="{3C08D0C6-0E40-46E2-9D6C-74181D953DFE}"/>
+                <a16:creationId xmlns:a16="http://schemas.microsoft.com/office/drawing/2014/main" xmlns="" id="{3C08D0C6-0E40-46E2-9D6C-74181D953DFE}"/>
               </a:ext>
             </a:extLst>
           </p:cNvPr>
@@ -10861,7 +11620,7 @@
           <p:cNvPr id="8" name="Foliennummernplatzhalter 7">
             <a:extLst>
               <a:ext uri="{FF2B5EF4-FFF2-40B4-BE49-F238E27FC236}">
-                <a16:creationId xmlns="" xmlns:a16="http://schemas.microsoft.com/office/drawing/2014/main" id="{EA500A2A-E0AD-4AD6-AB58-61BF900F0E2C}"/>
+                <a16:creationId xmlns:a16="http://schemas.microsoft.com/office/drawing/2014/main" xmlns="" id="{EA500A2A-E0AD-4AD6-AB58-61BF900F0E2C}"/>
               </a:ext>
             </a:extLst>
           </p:cNvPr>
@@ -10965,7 +11724,7 @@
           <p:cNvPr id="5" name="Datumsplatzhalter 4">
             <a:extLst>
               <a:ext uri="{FF2B5EF4-FFF2-40B4-BE49-F238E27FC236}">
-                <a16:creationId xmlns="" xmlns:a16="http://schemas.microsoft.com/office/drawing/2014/main" id="{A181F7F8-D379-4070-8216-3B81228BAEC6}"/>
+                <a16:creationId xmlns:a16="http://schemas.microsoft.com/office/drawing/2014/main" xmlns="" id="{A181F7F8-D379-4070-8216-3B81228BAEC6}"/>
               </a:ext>
             </a:extLst>
           </p:cNvPr>
@@ -10984,7 +11743,7 @@
             <a:fld id="{17C2562E-359A-3C42-BBEF-E02CE97BECB1}" type="datetimeFigureOut">
               <a:rPr lang="de-DE" smtClean="0"/>
               <a:pPr/>
-              <a:t>15.10.17</a:t>
+              <a:t>18.10.17</a:t>
             </a:fld>
             <a:endParaRPr lang="de-DE" dirty="0"/>
           </a:p>
@@ -10995,7 +11754,7 @@
           <p:cNvPr id="7" name="Fußzeilenplatzhalter 6">
             <a:extLst>
               <a:ext uri="{FF2B5EF4-FFF2-40B4-BE49-F238E27FC236}">
-                <a16:creationId xmlns="" xmlns:a16="http://schemas.microsoft.com/office/drawing/2014/main" id="{D8E0E4FD-5CC1-4D23-A3E8-7DAB1134A4FA}"/>
+                <a16:creationId xmlns:a16="http://schemas.microsoft.com/office/drawing/2014/main" xmlns="" id="{D8E0E4FD-5CC1-4D23-A3E8-7DAB1134A4FA}"/>
               </a:ext>
             </a:extLst>
           </p:cNvPr>
@@ -11020,7 +11779,7 @@
           <p:cNvPr id="8" name="Foliennummernplatzhalter 7">
             <a:extLst>
               <a:ext uri="{FF2B5EF4-FFF2-40B4-BE49-F238E27FC236}">
-                <a16:creationId xmlns="" xmlns:a16="http://schemas.microsoft.com/office/drawing/2014/main" id="{6D72C792-B02A-4A44-BF65-9B261DE5D43D}"/>
+                <a16:creationId xmlns:a16="http://schemas.microsoft.com/office/drawing/2014/main" xmlns="" id="{6D72C792-B02A-4A44-BF65-9B261DE5D43D}"/>
               </a:ext>
             </a:extLst>
           </p:cNvPr>
@@ -11417,7 +12176,7 @@
           <p:cNvPr id="2" name="Datumsplatzhalter 1">
             <a:extLst>
               <a:ext uri="{FF2B5EF4-FFF2-40B4-BE49-F238E27FC236}">
-                <a16:creationId xmlns="" xmlns:a16="http://schemas.microsoft.com/office/drawing/2014/main" id="{B1E6CA30-BA19-47F1-BFEE-B5E43CCEC731}"/>
+                <a16:creationId xmlns:a16="http://schemas.microsoft.com/office/drawing/2014/main" xmlns="" id="{B1E6CA30-BA19-47F1-BFEE-B5E43CCEC731}"/>
               </a:ext>
             </a:extLst>
           </p:cNvPr>
@@ -11436,7 +12195,7 @@
             <a:fld id="{17C2562E-359A-3C42-BBEF-E02CE97BECB1}" type="datetimeFigureOut">
               <a:rPr lang="de-DE" smtClean="0"/>
               <a:pPr/>
-              <a:t>15.10.17</a:t>
+              <a:t>18.10.17</a:t>
             </a:fld>
             <a:endParaRPr lang="de-DE" dirty="0"/>
           </a:p>
@@ -11447,7 +12206,7 @@
           <p:cNvPr id="14" name="Fußzeilenplatzhalter 13">
             <a:extLst>
               <a:ext uri="{FF2B5EF4-FFF2-40B4-BE49-F238E27FC236}">
-                <a16:creationId xmlns="" xmlns:a16="http://schemas.microsoft.com/office/drawing/2014/main" id="{06236A5B-AF48-4E5C-BD02-27BC73328D88}"/>
+                <a16:creationId xmlns:a16="http://schemas.microsoft.com/office/drawing/2014/main" xmlns="" id="{06236A5B-AF48-4E5C-BD02-27BC73328D88}"/>
               </a:ext>
             </a:extLst>
           </p:cNvPr>
@@ -11472,7 +12231,7 @@
           <p:cNvPr id="15" name="Foliennummernplatzhalter 14">
             <a:extLst>
               <a:ext uri="{FF2B5EF4-FFF2-40B4-BE49-F238E27FC236}">
-                <a16:creationId xmlns="" xmlns:a16="http://schemas.microsoft.com/office/drawing/2014/main" id="{6C539E6F-C163-4DFD-A93D-F463843C6D4E}"/>
+                <a16:creationId xmlns:a16="http://schemas.microsoft.com/office/drawing/2014/main" xmlns="" id="{6C539E6F-C163-4DFD-A93D-F463843C6D4E}"/>
               </a:ext>
             </a:extLst>
           </p:cNvPr>
@@ -11788,7 +12547,7 @@
           <p:cNvPr id="7" name="Datumsplatzhalter 6">
             <a:extLst>
               <a:ext uri="{FF2B5EF4-FFF2-40B4-BE49-F238E27FC236}">
-                <a16:creationId xmlns="" xmlns:a16="http://schemas.microsoft.com/office/drawing/2014/main" id="{E9F2D5EB-EB07-4AC4-94D4-FA6BD7E87398}"/>
+                <a16:creationId xmlns:a16="http://schemas.microsoft.com/office/drawing/2014/main" xmlns="" id="{E9F2D5EB-EB07-4AC4-94D4-FA6BD7E87398}"/>
               </a:ext>
             </a:extLst>
           </p:cNvPr>
@@ -11807,7 +12566,7 @@
             <a:fld id="{17C2562E-359A-3C42-BBEF-E02CE97BECB1}" type="datetimeFigureOut">
               <a:rPr lang="de-DE" smtClean="0"/>
               <a:pPr/>
-              <a:t>15.10.17</a:t>
+              <a:t>18.10.17</a:t>
             </a:fld>
             <a:endParaRPr lang="de-DE" dirty="0"/>
           </a:p>
@@ -11818,7 +12577,7 @@
           <p:cNvPr id="8" name="Fußzeilenplatzhalter 7">
             <a:extLst>
               <a:ext uri="{FF2B5EF4-FFF2-40B4-BE49-F238E27FC236}">
-                <a16:creationId xmlns="" xmlns:a16="http://schemas.microsoft.com/office/drawing/2014/main" id="{947F1BF2-5B5A-4E3F-9A69-A7FC06CEE6DA}"/>
+                <a16:creationId xmlns:a16="http://schemas.microsoft.com/office/drawing/2014/main" xmlns="" id="{947F1BF2-5B5A-4E3F-9A69-A7FC06CEE6DA}"/>
               </a:ext>
             </a:extLst>
           </p:cNvPr>
@@ -11843,7 +12602,7 @@
           <p:cNvPr id="9" name="Foliennummernplatzhalter 8">
             <a:extLst>
               <a:ext uri="{FF2B5EF4-FFF2-40B4-BE49-F238E27FC236}">
-                <a16:creationId xmlns="" xmlns:a16="http://schemas.microsoft.com/office/drawing/2014/main" id="{B0D6E36A-E68C-4CFF-A1B3-ADE80884E18E}"/>
+                <a16:creationId xmlns:a16="http://schemas.microsoft.com/office/drawing/2014/main" xmlns="" id="{B0D6E36A-E68C-4CFF-A1B3-ADE80884E18E}"/>
               </a:ext>
             </a:extLst>
           </p:cNvPr>
@@ -11934,7 +12693,7 @@
           <a:noFill/>
           <a:extLst>
             <a:ext uri="{909E8E84-426E-40dd-AFC4-6F175D3DCCD1}">
-              <a14:hiddenFill xmlns="" xmlns:a14="http://schemas.microsoft.com/office/drawing/2010/main">
+              <a14:hiddenFill xmlns:a14="http://schemas.microsoft.com/office/drawing/2010/main" xmlns="">
                 <a:solidFill>
                   <a:srgbClr val="FFFFFF"/>
                 </a:solidFill>
@@ -12014,7 +12773,7 @@
           <a:noFill/>
           <a:extLst>
             <a:ext uri="{909E8E84-426E-40dd-AFC4-6F175D3DCCD1}">
-              <a14:hiddenFill xmlns="" xmlns:a14="http://schemas.microsoft.com/office/drawing/2010/main">
+              <a14:hiddenFill xmlns:a14="http://schemas.microsoft.com/office/drawing/2010/main" xmlns="">
                 <a:solidFill>
                   <a:srgbClr val="FFFFFF"/>
                 </a:solidFill>
@@ -12317,7 +13076,7 @@
           <p:cNvPr id="5" name="Datumsplatzhalter 4">
             <a:extLst>
               <a:ext uri="{FF2B5EF4-FFF2-40B4-BE49-F238E27FC236}">
-                <a16:creationId xmlns="" xmlns:a16="http://schemas.microsoft.com/office/drawing/2014/main" id="{368DD9D8-7FE8-48F0-AE91-AE98EA3DCA20}"/>
+                <a16:creationId xmlns:a16="http://schemas.microsoft.com/office/drawing/2014/main" xmlns="" id="{368DD9D8-7FE8-48F0-AE91-AE98EA3DCA20}"/>
               </a:ext>
             </a:extLst>
           </p:cNvPr>
@@ -12336,7 +13095,7 @@
             <a:fld id="{17C2562E-359A-3C42-BBEF-E02CE97BECB1}" type="datetimeFigureOut">
               <a:rPr lang="de-DE" smtClean="0"/>
               <a:pPr/>
-              <a:t>15.10.17</a:t>
+              <a:t>18.10.17</a:t>
             </a:fld>
             <a:endParaRPr lang="de-DE" dirty="0"/>
           </a:p>
@@ -12347,7 +13106,7 @@
           <p:cNvPr id="7" name="Fußzeilenplatzhalter 6">
             <a:extLst>
               <a:ext uri="{FF2B5EF4-FFF2-40B4-BE49-F238E27FC236}">
-                <a16:creationId xmlns="" xmlns:a16="http://schemas.microsoft.com/office/drawing/2014/main" id="{DD743ADB-89F1-48B5-A397-7FB83734730F}"/>
+                <a16:creationId xmlns:a16="http://schemas.microsoft.com/office/drawing/2014/main" xmlns="" id="{DD743ADB-89F1-48B5-A397-7FB83734730F}"/>
               </a:ext>
             </a:extLst>
           </p:cNvPr>
@@ -12372,7 +13131,7 @@
           <p:cNvPr id="8" name="Foliennummernplatzhalter 7">
             <a:extLst>
               <a:ext uri="{FF2B5EF4-FFF2-40B4-BE49-F238E27FC236}">
-                <a16:creationId xmlns="" xmlns:a16="http://schemas.microsoft.com/office/drawing/2014/main" id="{E9AACC46-EA1E-4E6F-8F9D-AC4B57F09904}"/>
+                <a16:creationId xmlns:a16="http://schemas.microsoft.com/office/drawing/2014/main" xmlns="" id="{E9AACC46-EA1E-4E6F-8F9D-AC4B57F09904}"/>
               </a:ext>
             </a:extLst>
           </p:cNvPr>
@@ -12679,7 +13438,7 @@
           <p:cNvPr id="6" name="Datumsplatzhalter 5">
             <a:extLst>
               <a:ext uri="{FF2B5EF4-FFF2-40B4-BE49-F238E27FC236}">
-                <a16:creationId xmlns="" xmlns:a16="http://schemas.microsoft.com/office/drawing/2014/main" id="{39EC82D5-F468-46F1-8BE2-F62E4D04C5CD}"/>
+                <a16:creationId xmlns:a16="http://schemas.microsoft.com/office/drawing/2014/main" xmlns="" id="{39EC82D5-F468-46F1-8BE2-F62E4D04C5CD}"/>
               </a:ext>
             </a:extLst>
           </p:cNvPr>
@@ -12698,7 +13457,7 @@
             <a:fld id="{17C2562E-359A-3C42-BBEF-E02CE97BECB1}" type="datetimeFigureOut">
               <a:rPr lang="de-DE" smtClean="0"/>
               <a:pPr/>
-              <a:t>15.10.17</a:t>
+              <a:t>18.10.17</a:t>
             </a:fld>
             <a:endParaRPr lang="de-DE" dirty="0"/>
           </a:p>
@@ -12709,7 +13468,7 @@
           <p:cNvPr id="7" name="Fußzeilenplatzhalter 6">
             <a:extLst>
               <a:ext uri="{FF2B5EF4-FFF2-40B4-BE49-F238E27FC236}">
-                <a16:creationId xmlns="" xmlns:a16="http://schemas.microsoft.com/office/drawing/2014/main" id="{32A29AE2-1FA8-458C-9BDD-E35CA69A9340}"/>
+                <a16:creationId xmlns:a16="http://schemas.microsoft.com/office/drawing/2014/main" xmlns="" id="{32A29AE2-1FA8-458C-9BDD-E35CA69A9340}"/>
               </a:ext>
             </a:extLst>
           </p:cNvPr>
@@ -12734,7 +13493,7 @@
           <p:cNvPr id="8" name="Foliennummernplatzhalter 7">
             <a:extLst>
               <a:ext uri="{FF2B5EF4-FFF2-40B4-BE49-F238E27FC236}">
-                <a16:creationId xmlns="" xmlns:a16="http://schemas.microsoft.com/office/drawing/2014/main" id="{DC4135BE-88E8-4C4B-B3FF-FC61855E0C9F}"/>
+                <a16:creationId xmlns:a16="http://schemas.microsoft.com/office/drawing/2014/main" xmlns="" id="{DC4135BE-88E8-4C4B-B3FF-FC61855E0C9F}"/>
               </a:ext>
             </a:extLst>
           </p:cNvPr>
@@ -13045,7 +13804,7 @@
           <p:cNvPr id="5" name="Datumsplatzhalter 4">
             <a:extLst>
               <a:ext uri="{FF2B5EF4-FFF2-40B4-BE49-F238E27FC236}">
-                <a16:creationId xmlns="" xmlns:a16="http://schemas.microsoft.com/office/drawing/2014/main" id="{42621BA8-D298-4AAA-B27E-2D5702596736}"/>
+                <a16:creationId xmlns:a16="http://schemas.microsoft.com/office/drawing/2014/main" xmlns="" id="{42621BA8-D298-4AAA-B27E-2D5702596736}"/>
               </a:ext>
             </a:extLst>
           </p:cNvPr>
@@ -13064,7 +13823,7 @@
             <a:fld id="{17C2562E-359A-3C42-BBEF-E02CE97BECB1}" type="datetimeFigureOut">
               <a:rPr lang="de-DE" smtClean="0"/>
               <a:pPr/>
-              <a:t>15.10.17</a:t>
+              <a:t>18.10.17</a:t>
             </a:fld>
             <a:endParaRPr lang="de-DE" dirty="0"/>
           </a:p>
@@ -13075,7 +13834,7 @@
           <p:cNvPr id="6" name="Fußzeilenplatzhalter 5">
             <a:extLst>
               <a:ext uri="{FF2B5EF4-FFF2-40B4-BE49-F238E27FC236}">
-                <a16:creationId xmlns="" xmlns:a16="http://schemas.microsoft.com/office/drawing/2014/main" id="{59687A69-8E9C-4168-AA2A-7D487587D19D}"/>
+                <a16:creationId xmlns:a16="http://schemas.microsoft.com/office/drawing/2014/main" xmlns="" id="{59687A69-8E9C-4168-AA2A-7D487587D19D}"/>
               </a:ext>
             </a:extLst>
           </p:cNvPr>
@@ -13100,7 +13859,7 @@
           <p:cNvPr id="7" name="Foliennummernplatzhalter 6">
             <a:extLst>
               <a:ext uri="{FF2B5EF4-FFF2-40B4-BE49-F238E27FC236}">
-                <a16:creationId xmlns="" xmlns:a16="http://schemas.microsoft.com/office/drawing/2014/main" id="{536244A4-4C24-4CD2-82E9-C547A6F8C84B}"/>
+                <a16:creationId xmlns:a16="http://schemas.microsoft.com/office/drawing/2014/main" xmlns="" id="{536244A4-4C24-4CD2-82E9-C547A6F8C84B}"/>
               </a:ext>
             </a:extLst>
           </p:cNvPr>
@@ -13404,7 +14163,7 @@
           <p:cNvPr id="6" name="Datumsplatzhalter 5">
             <a:extLst>
               <a:ext uri="{FF2B5EF4-FFF2-40B4-BE49-F238E27FC236}">
-                <a16:creationId xmlns="" xmlns:a16="http://schemas.microsoft.com/office/drawing/2014/main" id="{BF6F2AC7-7673-45B2-B727-C8AE32F0AB56}"/>
+                <a16:creationId xmlns:a16="http://schemas.microsoft.com/office/drawing/2014/main" xmlns="" id="{BF6F2AC7-7673-45B2-B727-C8AE32F0AB56}"/>
               </a:ext>
             </a:extLst>
           </p:cNvPr>
@@ -13423,7 +14182,7 @@
             <a:fld id="{17C2562E-359A-3C42-BBEF-E02CE97BECB1}" type="datetimeFigureOut">
               <a:rPr lang="de-DE" smtClean="0"/>
               <a:pPr/>
-              <a:t>15.10.17</a:t>
+              <a:t>18.10.17</a:t>
             </a:fld>
             <a:endParaRPr lang="de-DE" dirty="0"/>
           </a:p>
@@ -13434,7 +14193,7 @@
           <p:cNvPr id="7" name="Fußzeilenplatzhalter 6">
             <a:extLst>
               <a:ext uri="{FF2B5EF4-FFF2-40B4-BE49-F238E27FC236}">
-                <a16:creationId xmlns="" xmlns:a16="http://schemas.microsoft.com/office/drawing/2014/main" id="{92A772BA-DCE7-4C4E-83BA-CF4FFCC183EE}"/>
+                <a16:creationId xmlns:a16="http://schemas.microsoft.com/office/drawing/2014/main" xmlns="" id="{92A772BA-DCE7-4C4E-83BA-CF4FFCC183EE}"/>
               </a:ext>
             </a:extLst>
           </p:cNvPr>
@@ -13459,7 +14218,7 @@
           <p:cNvPr id="8" name="Foliennummernplatzhalter 7">
             <a:extLst>
               <a:ext uri="{FF2B5EF4-FFF2-40B4-BE49-F238E27FC236}">
-                <a16:creationId xmlns="" xmlns:a16="http://schemas.microsoft.com/office/drawing/2014/main" id="{E51D4D1D-A3D0-476F-93F4-F41207D05396}"/>
+                <a16:creationId xmlns:a16="http://schemas.microsoft.com/office/drawing/2014/main" xmlns="" id="{E51D4D1D-A3D0-476F-93F4-F41207D05396}"/>
               </a:ext>
             </a:extLst>
           </p:cNvPr>
@@ -13759,7 +14518,7 @@
           <p:cNvPr id="4" name="Datumsplatzhalter 3">
             <a:extLst>
               <a:ext uri="{FF2B5EF4-FFF2-40B4-BE49-F238E27FC236}">
-                <a16:creationId xmlns="" xmlns:a16="http://schemas.microsoft.com/office/drawing/2014/main" id="{37D39D12-6498-4172-8CA5-163DBEBBD0CB}"/>
+                <a16:creationId xmlns:a16="http://schemas.microsoft.com/office/drawing/2014/main" xmlns="" id="{37D39D12-6498-4172-8CA5-163DBEBBD0CB}"/>
               </a:ext>
             </a:extLst>
           </p:cNvPr>
@@ -13778,7 +14537,7 @@
             <a:fld id="{17C2562E-359A-3C42-BBEF-E02CE97BECB1}" type="datetimeFigureOut">
               <a:rPr lang="de-DE" smtClean="0"/>
               <a:pPr/>
-              <a:t>15.10.17</a:t>
+              <a:t>18.10.17</a:t>
             </a:fld>
             <a:endParaRPr lang="de-DE" dirty="0"/>
           </a:p>
@@ -13789,7 +14548,7 @@
           <p:cNvPr id="7" name="Fußzeilenplatzhalter 6">
             <a:extLst>
               <a:ext uri="{FF2B5EF4-FFF2-40B4-BE49-F238E27FC236}">
-                <a16:creationId xmlns="" xmlns:a16="http://schemas.microsoft.com/office/drawing/2014/main" id="{F310451D-2AF2-4222-AA5C-04DDCF6CA55F}"/>
+                <a16:creationId xmlns:a16="http://schemas.microsoft.com/office/drawing/2014/main" xmlns="" id="{F310451D-2AF2-4222-AA5C-04DDCF6CA55F}"/>
               </a:ext>
             </a:extLst>
           </p:cNvPr>
@@ -13814,7 +14573,7 @@
           <p:cNvPr id="8" name="Foliennummernplatzhalter 7">
             <a:extLst>
               <a:ext uri="{FF2B5EF4-FFF2-40B4-BE49-F238E27FC236}">
-                <a16:creationId xmlns="" xmlns:a16="http://schemas.microsoft.com/office/drawing/2014/main" id="{8546ADD4-A434-4A15-B639-BB0897136588}"/>
+                <a16:creationId xmlns:a16="http://schemas.microsoft.com/office/drawing/2014/main" xmlns="" id="{8546ADD4-A434-4A15-B639-BB0897136588}"/>
               </a:ext>
             </a:extLst>
           </p:cNvPr>
@@ -14053,7 +14812,7 @@
           <p:cNvPr id="2" name="Datumsplatzhalter 1">
             <a:extLst>
               <a:ext uri="{FF2B5EF4-FFF2-40B4-BE49-F238E27FC236}">
-                <a16:creationId xmlns="" xmlns:a16="http://schemas.microsoft.com/office/drawing/2014/main" id="{A19FBC2B-4138-47A7-96C3-6075667C774D}"/>
+                <a16:creationId xmlns:a16="http://schemas.microsoft.com/office/drawing/2014/main" xmlns="" id="{A19FBC2B-4138-47A7-96C3-6075667C774D}"/>
               </a:ext>
             </a:extLst>
           </p:cNvPr>
@@ -14072,7 +14831,7 @@
             <a:fld id="{17C2562E-359A-3C42-BBEF-E02CE97BECB1}" type="datetimeFigureOut">
               <a:rPr lang="de-DE" smtClean="0"/>
               <a:pPr/>
-              <a:t>15.10.17</a:t>
+              <a:t>18.10.17</a:t>
             </a:fld>
             <a:endParaRPr lang="de-DE" dirty="0"/>
           </a:p>
@@ -14083,7 +14842,7 @@
           <p:cNvPr id="8" name="Fußzeilenplatzhalter 7">
             <a:extLst>
               <a:ext uri="{FF2B5EF4-FFF2-40B4-BE49-F238E27FC236}">
-                <a16:creationId xmlns="" xmlns:a16="http://schemas.microsoft.com/office/drawing/2014/main" id="{193B0760-28CB-4559-9AEF-4866F2FCE0E4}"/>
+                <a16:creationId xmlns:a16="http://schemas.microsoft.com/office/drawing/2014/main" xmlns="" id="{193B0760-28CB-4559-9AEF-4866F2FCE0E4}"/>
               </a:ext>
             </a:extLst>
           </p:cNvPr>
@@ -14108,7 +14867,7 @@
           <p:cNvPr id="11" name="Foliennummernplatzhalter 10">
             <a:extLst>
               <a:ext uri="{FF2B5EF4-FFF2-40B4-BE49-F238E27FC236}">
-                <a16:creationId xmlns="" xmlns:a16="http://schemas.microsoft.com/office/drawing/2014/main" id="{A263DBAA-5BAE-421E-BCAE-39992A39B610}"/>
+                <a16:creationId xmlns:a16="http://schemas.microsoft.com/office/drawing/2014/main" xmlns="" id="{A263DBAA-5BAE-421E-BCAE-39992A39B610}"/>
               </a:ext>
             </a:extLst>
           </p:cNvPr>
@@ -14315,7 +15074,7 @@
             <a:fld id="{17C2562E-359A-3C42-BBEF-E02CE97BECB1}" type="datetimeFigureOut">
               <a:rPr lang="de-DE" smtClean="0"/>
               <a:pPr/>
-              <a:t>15.10.17</a:t>
+              <a:t>18.10.17</a:t>
             </a:fld>
             <a:endParaRPr lang="de-DE" dirty="0"/>
           </a:p>
@@ -14890,7 +15649,7 @@
             <a:fld id="{17C2562E-359A-3C42-BBEF-E02CE97BECB1}" type="datetimeFigureOut">
               <a:rPr lang="de-DE" smtClean="0"/>
               <a:pPr/>
-              <a:t>15.10.17</a:t>
+              <a:t>18.10.17</a:t>
             </a:fld>
             <a:endParaRPr lang="de-DE" dirty="0"/>
           </a:p>
@@ -15014,7 +15773,7 @@
           <p:cNvPr id="11" name="Titel 1">
             <a:extLst>
               <a:ext uri="{FF2B5EF4-FFF2-40B4-BE49-F238E27FC236}">
-                <a16:creationId xmlns="" xmlns:a16="http://schemas.microsoft.com/office/drawing/2014/main" id="{251058B0-31BE-410A-BE50-41D5389B0AAB}"/>
+                <a16:creationId xmlns:a16="http://schemas.microsoft.com/office/drawing/2014/main" xmlns="" id="{251058B0-31BE-410A-BE50-41D5389B0AAB}"/>
               </a:ext>
             </a:extLst>
           </p:cNvPr>
@@ -16479,7 +17238,7 @@
           <p:cNvPr id="2" name="Textplatzhalter 1">
             <a:extLst>
               <a:ext uri="{FF2B5EF4-FFF2-40B4-BE49-F238E27FC236}">
-                <a16:creationId xmlns="" xmlns:a16="http://schemas.microsoft.com/office/drawing/2014/main" id="{45003885-0277-4A8A-9B32-2C0872306E13}"/>
+                <a16:creationId xmlns:a16="http://schemas.microsoft.com/office/drawing/2014/main" xmlns="" id="{45003885-0277-4A8A-9B32-2C0872306E13}"/>
               </a:ext>
             </a:extLst>
           </p:cNvPr>
@@ -16519,7 +17278,7 @@
           <p:cNvPr id="3" name="Titel 2">
             <a:extLst>
               <a:ext uri="{FF2B5EF4-FFF2-40B4-BE49-F238E27FC236}">
-                <a16:creationId xmlns="" xmlns:a16="http://schemas.microsoft.com/office/drawing/2014/main" id="{EA92ABC8-8A1F-45BA-8C5F-D5DEF58C8920}"/>
+                <a16:creationId xmlns:a16="http://schemas.microsoft.com/office/drawing/2014/main" xmlns="" id="{EA92ABC8-8A1F-45BA-8C5F-D5DEF58C8920}"/>
               </a:ext>
             </a:extLst>
           </p:cNvPr>
@@ -16635,7 +17394,7 @@
             <a:fld id="{17C2562E-359A-3C42-BBEF-E02CE97BECB1}" type="datetimeFigureOut">
               <a:rPr lang="de-DE" smtClean="0"/>
               <a:pPr/>
-              <a:t>15.10.17</a:t>
+              <a:t>18.10.17</a:t>
             </a:fld>
             <a:endParaRPr lang="de-DE" dirty="0"/>
           </a:p>
@@ -17017,7 +17776,7 @@
             <a:fld id="{17C2562E-359A-3C42-BBEF-E02CE97BECB1}" type="datetimeFigureOut">
               <a:rPr lang="de-DE" smtClean="0"/>
               <a:pPr/>
-              <a:t>15.10.17</a:t>
+              <a:t>18.10.17</a:t>
             </a:fld>
             <a:endParaRPr lang="de-DE" dirty="0"/>
           </a:p>
@@ -17197,7 +17956,7 @@
             <a:fld id="{17C2562E-359A-3C42-BBEF-E02CE97BECB1}" type="datetimeFigureOut">
               <a:rPr lang="de-DE" smtClean="0"/>
               <a:pPr/>
-              <a:t>15.10.17</a:t>
+              <a:t>18.10.17</a:t>
             </a:fld>
             <a:endParaRPr lang="de-DE" dirty="0"/>
           </a:p>
@@ -17446,7 +18205,7 @@
             <a:fld id="{17C2562E-359A-3C42-BBEF-E02CE97BECB1}" type="datetimeFigureOut">
               <a:rPr lang="de-DE" smtClean="0"/>
               <a:pPr/>
-              <a:t>15.10.17</a:t>
+              <a:t>18.10.17</a:t>
             </a:fld>
             <a:endParaRPr lang="de-DE" dirty="0"/>
           </a:p>
@@ -17717,7 +18476,7 @@
             <a:fld id="{17C2562E-359A-3C42-BBEF-E02CE97BECB1}" type="datetimeFigureOut">
               <a:rPr lang="de-DE" smtClean="0"/>
               <a:pPr/>
-              <a:t>15.10.17</a:t>
+              <a:t>18.10.17</a:t>
             </a:fld>
             <a:endParaRPr lang="de-DE" dirty="0"/>
           </a:p>
@@ -17823,10 +18582,9 @@
           <a:lstStyle/>
           <a:p>
             <a:r>
-              <a:rPr lang="de-DE" dirty="0" smtClean="0"/>
-              <a:t>Service</a:t>
-            </a:r>
-            <a:endParaRPr lang="de-DE" dirty="0"/>
+              <a:rPr lang="de-DE" dirty="0"/>
+              <a:t>Formulare in Angular</a:t>
+            </a:r>
           </a:p>
         </p:txBody>
       </p:sp>
@@ -17840,126 +18598,154 @@
             <p:ph type="body" sz="quarter" idx="30"/>
           </p:nvPr>
         </p:nvSpPr>
-        <p:spPr>
-          <a:xfrm>
-            <a:off x="381600" y="1569368"/>
-            <a:ext cx="7812000" cy="5050507"/>
-          </a:xfrm>
-        </p:spPr>
+        <p:spPr/>
         <p:txBody>
           <a:bodyPr/>
           <a:lstStyle/>
           <a:p>
-            <a:r>
-              <a:rPr lang="de-DE" dirty="0" smtClean="0"/>
-              <a:t>Service enthält Businesslogik</a:t>
-            </a:r>
-          </a:p>
-          <a:p>
-            <a:endParaRPr lang="de-DE" dirty="0"/>
-          </a:p>
-          <a:p>
-            <a:r>
-              <a:rPr lang="de-DE" dirty="0" smtClean="0"/>
-              <a:t>Bietet Daten, Funktionen und Features anwendungsübergreifend an</a:t>
-            </a:r>
-          </a:p>
-          <a:p>
+            <a:pPr>
+              <a:lnSpc>
+                <a:spcPct val="150000"/>
+              </a:lnSpc>
+            </a:pPr>
+            <a:r>
+              <a:rPr lang="de-DE" dirty="0"/>
+              <a:t>Eigenständiges </a:t>
+            </a:r>
+            <a:r>
+              <a:rPr lang="de-DE" dirty="0" err="1"/>
+              <a:t>npm</a:t>
+            </a:r>
+            <a:r>
+              <a:rPr lang="de-DE" dirty="0"/>
+              <a:t>-Paket: </a:t>
+            </a:r>
+            <a:r>
+              <a:rPr lang="de-DE" dirty="0">
+                <a:latin typeface="Consolas" panose="020B0609020204030204" pitchFamily="49" charset="0"/>
+                <a:cs typeface="Consolas" panose="020B0609020204030204" pitchFamily="49" charset="0"/>
+              </a:rPr>
+              <a:t>@angular/</a:t>
+            </a:r>
+            <a:r>
+              <a:rPr lang="de-DE" dirty="0" err="1">
+                <a:latin typeface="Consolas" panose="020B0609020204030204" pitchFamily="49" charset="0"/>
+                <a:cs typeface="Consolas" panose="020B0609020204030204" pitchFamily="49" charset="0"/>
+              </a:rPr>
+              <a:t>forms</a:t>
+            </a:r>
+            <a:endParaRPr lang="de-DE" dirty="0">
+              <a:latin typeface="Consolas" panose="020B0609020204030204" pitchFamily="49" charset="0"/>
+              <a:cs typeface="Consolas" panose="020B0609020204030204" pitchFamily="49" charset="0"/>
+            </a:endParaRPr>
+          </a:p>
+          <a:p>
+            <a:pPr>
+              <a:lnSpc>
+                <a:spcPct val="150000"/>
+              </a:lnSpc>
+            </a:pPr>
+            <a:r>
+              <a:rPr lang="de-DE" dirty="0"/>
+              <a:t>Zentraler Anwendungsfall für Data-Binding (</a:t>
+            </a:r>
+            <a:r>
+              <a:rPr lang="de-DE" dirty="0" err="1"/>
+              <a:t>One</a:t>
+            </a:r>
+            <a:r>
+              <a:rPr lang="de-DE" dirty="0"/>
+              <a:t>-Way / </a:t>
+            </a:r>
+            <a:r>
+              <a:rPr lang="de-DE" dirty="0" err="1"/>
+              <a:t>Two</a:t>
+            </a:r>
+            <a:r>
+              <a:rPr lang="de-DE" dirty="0"/>
+              <a:t>-Way)</a:t>
+            </a:r>
+          </a:p>
+          <a:p>
+            <a:pPr>
+              <a:lnSpc>
+                <a:spcPct val="150000"/>
+              </a:lnSpc>
+            </a:pPr>
+            <a:r>
+              <a:rPr lang="de-DE" dirty="0"/>
+              <a:t>Zwei grundsätzlich unterschiedliche Entwicklungsverfahren</a:t>
+            </a:r>
+          </a:p>
+          <a:p>
+            <a:pPr lvl="1">
+              <a:lnSpc>
+                <a:spcPct val="150000"/>
+              </a:lnSpc>
+            </a:pPr>
+            <a:r>
+              <a:rPr lang="de-DE" b="1" dirty="0"/>
+              <a:t>Template-</a:t>
+            </a:r>
+            <a:r>
+              <a:rPr lang="de-DE" b="1" dirty="0" err="1"/>
+              <a:t>Driven</a:t>
+            </a:r>
+            <a:r>
+              <a:rPr lang="de-DE" dirty="0"/>
+              <a:t>: Deklarative (Markup-orientierte) Umsetzung</a:t>
+            </a:r>
+          </a:p>
+          <a:p>
+            <a:pPr lvl="1">
+              <a:lnSpc>
+                <a:spcPct val="150000"/>
+              </a:lnSpc>
+            </a:pPr>
+            <a:r>
+              <a:rPr lang="de-DE" b="1" dirty="0"/>
+              <a:t>Model-</a:t>
+            </a:r>
+            <a:r>
+              <a:rPr lang="de-DE" b="1" dirty="0" err="1"/>
+              <a:t>Driven</a:t>
+            </a:r>
+            <a:r>
+              <a:rPr lang="de-DE" dirty="0"/>
+              <a:t>: Programmatische (Code-orientierte) Umsetzung</a:t>
+            </a:r>
+          </a:p>
+          <a:p>
+            <a:pPr>
+              <a:lnSpc>
+                <a:spcPct val="150000"/>
+              </a:lnSpc>
+            </a:pPr>
+            <a:r>
+              <a:rPr lang="de-DE" dirty="0"/>
+              <a:t>Praxisbeispiel: </a:t>
+            </a:r>
+            <a:r>
+              <a:rPr lang="de-DE" dirty="0">
+                <a:hlinkClick r:id="rId2"/>
+              </a:rPr>
+              <a:t>https://</a:t>
+            </a:r>
+            <a:r>
+              <a:rPr lang="de-DE" dirty="0" smtClean="0">
+                <a:hlinkClick r:id="rId2"/>
+              </a:rPr>
+              <a:t>github.com/aawada78/angular-workshop.git</a:t>
+            </a:r>
             <a:endParaRPr lang="de-DE" dirty="0" smtClean="0"/>
           </a:p>
           <a:p>
-            <a:r>
-              <a:rPr lang="de-DE" dirty="0" smtClean="0"/>
-              <a:t>Ein Service wird per </a:t>
-            </a:r>
-            <a:r>
-              <a:rPr lang="de-DE" i="1" dirty="0" err="1" smtClean="0"/>
-              <a:t>Dependency</a:t>
-            </a:r>
-            <a:r>
-              <a:rPr lang="de-DE" i="1" dirty="0" smtClean="0"/>
-              <a:t> </a:t>
-            </a:r>
-            <a:r>
-              <a:rPr lang="de-DE" i="1" dirty="0" err="1" smtClean="0"/>
-              <a:t>Injection</a:t>
-            </a:r>
-            <a:r>
-              <a:rPr lang="de-DE" dirty="0" smtClean="0"/>
-              <a:t> in eine Komponente injiziert</a:t>
-            </a:r>
-          </a:p>
-          <a:p>
-            <a:endParaRPr lang="de-DE" dirty="0" smtClean="0"/>
-          </a:p>
-          <a:p>
-            <a:pPr lvl="0"/>
-            <a:r>
-              <a:rPr lang="de-DE" dirty="0" smtClean="0"/>
-              <a:t>Ist ein </a:t>
-            </a:r>
-            <a:r>
-              <a:rPr lang="de-DE" dirty="0" err="1" smtClean="0"/>
-              <a:t>Singelton</a:t>
-            </a:r>
-            <a:endParaRPr lang="de-DE" dirty="0"/>
-          </a:p>
-          <a:p>
-            <a:pPr lvl="0"/>
-            <a:endParaRPr lang="de-DE" dirty="0"/>
-          </a:p>
-          <a:p>
-            <a:pPr lvl="0"/>
-            <a:r>
-              <a:rPr lang="de-DE" dirty="0"/>
-              <a:t>Anlegen </a:t>
-            </a:r>
-            <a:r>
-              <a:rPr lang="de-DE" dirty="0" smtClean="0"/>
-              <a:t>eines Services mittels </a:t>
-            </a:r>
-            <a:r>
-              <a:rPr lang="de-DE" dirty="0"/>
-              <a:t>CLI </a:t>
-            </a:r>
-          </a:p>
-          <a:p>
-            <a:pPr lvl="1"/>
-            <a:r>
-              <a:rPr lang="de-DE" dirty="0" err="1"/>
-              <a:t>ng</a:t>
-            </a:r>
-            <a:r>
-              <a:rPr lang="de-DE" dirty="0"/>
-              <a:t> </a:t>
-            </a:r>
-            <a:r>
-              <a:rPr lang="de-DE" dirty="0" err="1"/>
-              <a:t>g</a:t>
-            </a:r>
-            <a:r>
-              <a:rPr lang="de-DE" dirty="0"/>
-              <a:t> </a:t>
-            </a:r>
-            <a:r>
-              <a:rPr lang="de-DE" dirty="0" err="1"/>
-              <a:t>service</a:t>
-            </a:r>
-            <a:r>
-              <a:rPr lang="de-DE" dirty="0"/>
-              <a:t> &lt;</a:t>
-            </a:r>
-            <a:r>
-              <a:rPr lang="de-DE" dirty="0" err="1"/>
-              <a:t>name</a:t>
-            </a:r>
-            <a:r>
-              <a:rPr lang="de-DE" dirty="0"/>
-              <a:t>&gt; </a:t>
-            </a:r>
-          </a:p>
-          <a:p>
-            <a:endParaRPr lang="de-DE" dirty="0"/>
+            <a:pPr>
+              <a:lnSpc>
+                <a:spcPct val="150000"/>
+              </a:lnSpc>
+            </a:pPr>
+            <a:endParaRPr lang="de-DE" sz="2000" dirty="0"/>
           </a:p>
         </p:txBody>
       </p:sp>
@@ -17981,7 +18767,7 @@
             <a:fld id="{17C2562E-359A-3C42-BBEF-E02CE97BECB1}" type="datetimeFigureOut">
               <a:rPr lang="de-DE" smtClean="0"/>
               <a:pPr/>
-              <a:t>15.10.17</a:t>
+              <a:t>18.10.17</a:t>
             </a:fld>
             <a:endParaRPr lang="de-DE" dirty="0"/>
           </a:p>
@@ -18034,68 +18820,10 @@
           </a:p>
         </p:txBody>
       </p:sp>
-      <p:pic>
-        <p:nvPicPr>
-          <p:cNvPr id="7" name="Bild 6"/>
-          <p:cNvPicPr>
-            <a:picLocks noChangeAspect="1"/>
-          </p:cNvPicPr>
-          <p:nvPr/>
-        </p:nvPicPr>
-        <p:blipFill>
-          <a:blip r:embed="rId2"/>
-          <a:stretch>
-            <a:fillRect/>
-          </a:stretch>
-        </p:blipFill>
-        <p:spPr>
-          <a:xfrm>
-            <a:off x="8549251" y="1387777"/>
-            <a:ext cx="3360565" cy="2609134"/>
-          </a:xfrm>
-          <a:prstGeom prst="rect">
-            <a:avLst/>
-          </a:prstGeom>
-        </p:spPr>
-      </p:pic>
-      <p:sp>
-        <p:nvSpPr>
-          <p:cNvPr id="8" name="Textfeld 7"/>
-          <p:cNvSpPr txBox="1"/>
-          <p:nvPr/>
-        </p:nvSpPr>
-        <p:spPr>
-          <a:xfrm>
-            <a:off x="11184004" y="6568223"/>
-            <a:ext cx="1465145" cy="307777"/>
-          </a:xfrm>
-          <a:prstGeom prst="rect">
-            <a:avLst/>
-          </a:prstGeom>
-          <a:noFill/>
-        </p:spPr>
-        <p:txBody>
-          <a:bodyPr wrap="none" rtlCol="0">
-            <a:spAutoFit/>
-          </a:bodyPr>
-          <a:lstStyle/>
-          <a:p>
-            <a:r>
-              <a:rPr lang="de-DE" sz="1400" dirty="0" smtClean="0"/>
-              <a:t>Quelle: </a:t>
-            </a:r>
-            <a:r>
-              <a:rPr lang="de-DE" sz="1400" dirty="0" err="1" smtClean="0"/>
-              <a:t>angular.io</a:t>
-            </a:r>
-            <a:endParaRPr lang="de-DE" sz="1400" dirty="0"/>
-          </a:p>
-        </p:txBody>
-      </p:sp>
     </p:spTree>
     <p:extLst>
       <p:ext uri="{BB962C8B-B14F-4D97-AF65-F5344CB8AC3E}">
-        <p14:creationId xmlns:p14="http://schemas.microsoft.com/office/powerpoint/2010/main" val="1932745049"/>
+        <p14:creationId xmlns:p14="http://schemas.microsoft.com/office/powerpoint/2010/main" val="195296844"/>
       </p:ext>
     </p:extLst>
   </p:cSld>
@@ -18145,55 +18873,190 @@
           <a:lstStyle/>
           <a:p>
             <a:r>
-              <a:rPr lang="de-DE" dirty="0" smtClean="0"/>
-              <a:t>Service</a:t>
+              <a:rPr lang="de-DE" dirty="0"/>
+              <a:t>Template-</a:t>
+            </a:r>
+            <a:r>
+              <a:rPr lang="de-DE" dirty="0" err="1"/>
+              <a:t>Driven</a:t>
+            </a:r>
+            <a:r>
+              <a:rPr lang="de-DE" dirty="0"/>
+              <a:t> Forms</a:t>
+            </a:r>
+          </a:p>
+        </p:txBody>
+      </p:sp>
+      <p:sp>
+        <p:nvSpPr>
+          <p:cNvPr id="3" name="Textplatzhalter 2"/>
+          <p:cNvSpPr>
+            <a:spLocks noGrp="1"/>
+          </p:cNvSpPr>
+          <p:nvPr>
+            <p:ph type="body" sz="quarter" idx="30"/>
+          </p:nvPr>
+        </p:nvSpPr>
+        <p:spPr/>
+        <p:txBody>
+          <a:bodyPr/>
+          <a:lstStyle/>
+          <a:p>
+            <a:pPr>
+              <a:lnSpc>
+                <a:spcPct val="150000"/>
+              </a:lnSpc>
+            </a:pPr>
+            <a:r>
+              <a:rPr lang="de-DE" dirty="0"/>
+              <a:t>Integration mittels </a:t>
+            </a:r>
+            <a:r>
+              <a:rPr lang="de-DE" dirty="0">
+                <a:latin typeface="Consolas" panose="020B0609020204030204" pitchFamily="49" charset="0"/>
+                <a:cs typeface="Consolas" panose="020B0609020204030204" pitchFamily="49" charset="0"/>
+              </a:rPr>
+              <a:t>@</a:t>
+            </a:r>
+            <a:r>
+              <a:rPr lang="de-DE" dirty="0" err="1">
+                <a:latin typeface="Consolas" panose="020B0609020204030204" pitchFamily="49" charset="0"/>
+                <a:cs typeface="Consolas" panose="020B0609020204030204" pitchFamily="49" charset="0"/>
+              </a:rPr>
+              <a:t>NgModule</a:t>
+            </a:r>
+            <a:r>
+              <a:rPr lang="de-DE" dirty="0">
+                <a:latin typeface="Consolas" panose="020B0609020204030204" pitchFamily="49" charset="0"/>
+                <a:cs typeface="Consolas" panose="020B0609020204030204" pitchFamily="49" charset="0"/>
+              </a:rPr>
+              <a:t> </a:t>
+            </a:r>
+            <a:r>
+              <a:rPr lang="de-DE" dirty="0" err="1">
+                <a:latin typeface="Consolas" panose="020B0609020204030204" pitchFamily="49" charset="0"/>
+                <a:cs typeface="Consolas" panose="020B0609020204030204" pitchFamily="49" charset="0"/>
+              </a:rPr>
+              <a:t>FormsModule</a:t>
+            </a:r>
+            <a:endParaRPr lang="de-DE" dirty="0">
+              <a:latin typeface="Consolas" panose="020B0609020204030204" pitchFamily="49" charset="0"/>
+              <a:cs typeface="Consolas" panose="020B0609020204030204" pitchFamily="49" charset="0"/>
+            </a:endParaRPr>
+          </a:p>
+          <a:p>
+            <a:pPr>
+              <a:lnSpc>
+                <a:spcPct val="150000"/>
+              </a:lnSpc>
+            </a:pPr>
+            <a:r>
+              <a:rPr lang="de-DE" dirty="0">
+                <a:cs typeface="Consolas" panose="020B0609020204030204" pitchFamily="49" charset="0"/>
+              </a:rPr>
+              <a:t>Rein deklarative Realisierung im Markup durch Direktiven und lokale Template-Variablen</a:t>
+            </a:r>
+          </a:p>
+          <a:p>
+            <a:pPr>
+              <a:lnSpc>
+                <a:spcPct val="150000"/>
+              </a:lnSpc>
+            </a:pPr>
+            <a:r>
+              <a:rPr lang="de-DE" dirty="0"/>
+              <a:t>Grundlage: </a:t>
+            </a:r>
+            <a:r>
+              <a:rPr lang="de-DE" dirty="0" err="1"/>
+              <a:t>Two</a:t>
+            </a:r>
+            <a:r>
+              <a:rPr lang="de-DE" dirty="0"/>
+              <a:t>-Way-Data-Binding via </a:t>
+            </a:r>
+            <a:r>
+              <a:rPr lang="de-DE" dirty="0">
+                <a:latin typeface="Consolas" panose="020B0609020204030204" pitchFamily="49" charset="0"/>
+                <a:cs typeface="Consolas" panose="020B0609020204030204" pitchFamily="49" charset="0"/>
+              </a:rPr>
+              <a:t>[(</a:t>
+            </a:r>
+            <a:r>
+              <a:rPr lang="de-DE" dirty="0" err="1">
+                <a:latin typeface="Consolas" panose="020B0609020204030204" pitchFamily="49" charset="0"/>
+                <a:cs typeface="Consolas" panose="020B0609020204030204" pitchFamily="49" charset="0"/>
+              </a:rPr>
+              <a:t>ngModel</a:t>
+            </a:r>
+            <a:r>
+              <a:rPr lang="de-DE" dirty="0">
+                <a:latin typeface="Consolas" panose="020B0609020204030204" pitchFamily="49" charset="0"/>
+                <a:cs typeface="Consolas" panose="020B0609020204030204" pitchFamily="49" charset="0"/>
+              </a:rPr>
+              <a:t>)]</a:t>
+            </a:r>
+          </a:p>
+          <a:p>
+            <a:pPr>
+              <a:lnSpc>
+                <a:spcPct val="150000"/>
+              </a:lnSpc>
+            </a:pPr>
+            <a:r>
+              <a:rPr lang="de-DE" dirty="0"/>
+              <a:t>Verringerung des Testaufwands durch Verlagerung der Logik ins Markup</a:t>
+            </a:r>
+          </a:p>
+          <a:p>
+            <a:pPr>
+              <a:lnSpc>
+                <a:spcPct val="150000"/>
+              </a:lnSpc>
+            </a:pPr>
+            <a:r>
+              <a:rPr lang="de-DE" dirty="0"/>
+              <a:t>Geeignet für schnelle Umsetzung einfacher Formulare</a:t>
+            </a:r>
+          </a:p>
+          <a:p>
+            <a:pPr>
+              <a:lnSpc>
+                <a:spcPct val="150000"/>
+              </a:lnSpc>
+            </a:pPr>
+            <a:r>
+              <a:rPr lang="de-DE" dirty="0"/>
+              <a:t>Unterstützung für Property-Binding von </a:t>
+            </a:r>
+            <a:r>
+              <a:rPr lang="de-DE" dirty="0" err="1">
+                <a:latin typeface="Consolas" panose="020B0609020204030204" pitchFamily="49" charset="0"/>
+                <a:cs typeface="Consolas" panose="020B0609020204030204" pitchFamily="49" charset="0"/>
+              </a:rPr>
+              <a:t>disabled</a:t>
+            </a:r>
+            <a:endParaRPr lang="de-DE" dirty="0">
+              <a:latin typeface="Consolas" panose="020B0609020204030204" pitchFamily="49" charset="0"/>
+              <a:cs typeface="Consolas" panose="020B0609020204030204" pitchFamily="49" charset="0"/>
+            </a:endParaRPr>
+          </a:p>
+          <a:p>
+            <a:pPr>
+              <a:lnSpc>
+                <a:spcPct val="150000"/>
+              </a:lnSpc>
+            </a:pPr>
+            <a:r>
+              <a:rPr lang="de-DE" dirty="0">
+                <a:cs typeface="Consolas" panose="020B0609020204030204" pitchFamily="49" charset="0"/>
+              </a:rPr>
+              <a:t>Keine Direktive für Form Arrays</a:t>
             </a:r>
             <a:endParaRPr lang="de-DE" dirty="0"/>
           </a:p>
-        </p:txBody>
-      </p:sp>
-      <p:sp>
-        <p:nvSpPr>
-          <p:cNvPr id="3" name="Textplatzhalter 2"/>
-          <p:cNvSpPr>
-            <a:spLocks noGrp="1"/>
-          </p:cNvSpPr>
-          <p:nvPr>
-            <p:ph type="body" sz="quarter" idx="30"/>
-          </p:nvPr>
-        </p:nvSpPr>
-        <p:spPr/>
-        <p:txBody>
-          <a:bodyPr anchor="ctr"/>
-          <a:lstStyle/>
-          <a:p>
-            <a:pPr marL="0" indent="0" algn="ctr">
-              <a:buNone/>
-            </a:pPr>
-            <a:r>
-              <a:rPr lang="de-DE" sz="6600" dirty="0">
-                <a:solidFill>
-                  <a:schemeClr val="tx2"/>
-                </a:solidFill>
-                <a:latin typeface="+mj-lt"/>
-              </a:rPr>
-              <a:t>Live </a:t>
-            </a:r>
-            <a:r>
-              <a:rPr lang="de-DE" sz="6600" dirty="0" err="1">
-                <a:solidFill>
-                  <a:schemeClr val="tx2"/>
-                </a:solidFill>
-                <a:latin typeface="+mj-lt"/>
-              </a:rPr>
-              <a:t>Coding</a:t>
-            </a:r>
-            <a:endParaRPr lang="de-DE" sz="6600" dirty="0">
-              <a:solidFill>
-                <a:schemeClr val="tx2"/>
-              </a:solidFill>
-              <a:latin typeface="+mj-lt"/>
-            </a:endParaRPr>
+          <a:p>
+            <a:endParaRPr lang="de-DE" dirty="0"/>
           </a:p>
         </p:txBody>
       </p:sp>
@@ -18215,7 +19078,7 @@
             <a:fld id="{17C2562E-359A-3C42-BBEF-E02CE97BECB1}" type="datetimeFigureOut">
               <a:rPr lang="de-DE" smtClean="0"/>
               <a:pPr/>
-              <a:t>15.10.17</a:t>
+              <a:t>18.10.17</a:t>
             </a:fld>
             <a:endParaRPr lang="de-DE" dirty="0"/>
           </a:p>
@@ -18271,7 +19134,7 @@
     </p:spTree>
     <p:extLst>
       <p:ext uri="{BB962C8B-B14F-4D97-AF65-F5344CB8AC3E}">
-        <p14:creationId xmlns:p14="http://schemas.microsoft.com/office/powerpoint/2010/main" val="1910797794"/>
+        <p14:creationId xmlns:p14="http://schemas.microsoft.com/office/powerpoint/2010/main" val="1657213088"/>
       </p:ext>
     </p:extLst>
   </p:cSld>
@@ -18322,7 +19185,15 @@
           <a:p>
             <a:r>
               <a:rPr lang="de-DE" dirty="0"/>
-              <a:t>Formulare in Angular</a:t>
+              <a:t>Template-</a:t>
+            </a:r>
+            <a:r>
+              <a:rPr lang="de-DE" dirty="0" err="1"/>
+              <a:t>Driven</a:t>
+            </a:r>
+            <a:r>
+              <a:rPr lang="de-DE" dirty="0"/>
+              <a:t> Forms</a:t>
             </a:r>
           </a:p>
         </p:txBody>
@@ -18339,152 +19210,36 @@
         </p:nvSpPr>
         <p:spPr/>
         <p:txBody>
-          <a:bodyPr/>
+          <a:bodyPr anchor="ctr"/>
           <a:lstStyle/>
           <a:p>
-            <a:pPr>
-              <a:lnSpc>
-                <a:spcPct val="150000"/>
-              </a:lnSpc>
+            <a:pPr marL="0" indent="0" algn="ctr">
+              <a:buNone/>
             </a:pPr>
             <a:r>
-              <a:rPr lang="de-DE" dirty="0"/>
-              <a:t>Eigenständiges </a:t>
-            </a:r>
-            <a:r>
-              <a:rPr lang="de-DE" dirty="0" err="1"/>
-              <a:t>npm</a:t>
-            </a:r>
-            <a:r>
-              <a:rPr lang="de-DE" dirty="0"/>
-              <a:t>-Paket: </a:t>
-            </a:r>
-            <a:r>
-              <a:rPr lang="de-DE" dirty="0">
-                <a:latin typeface="Consolas" panose="020B0609020204030204" pitchFamily="49" charset="0"/>
-                <a:cs typeface="Consolas" panose="020B0609020204030204" pitchFamily="49" charset="0"/>
+              <a:rPr lang="de-DE" sz="6600" dirty="0">
+                <a:solidFill>
+                  <a:schemeClr val="tx2"/>
+                </a:solidFill>
+                <a:latin typeface="+mj-lt"/>
               </a:rPr>
-              <a:t>@angular/</a:t>
-            </a:r>
-            <a:r>
-              <a:rPr lang="de-DE" dirty="0" err="1">
-                <a:latin typeface="Consolas" panose="020B0609020204030204" pitchFamily="49" charset="0"/>
-                <a:cs typeface="Consolas" panose="020B0609020204030204" pitchFamily="49" charset="0"/>
+              <a:t>Live </a:t>
+            </a:r>
+            <a:r>
+              <a:rPr lang="de-DE" sz="6600" dirty="0" err="1">
+                <a:solidFill>
+                  <a:schemeClr val="tx2"/>
+                </a:solidFill>
+                <a:latin typeface="+mj-lt"/>
               </a:rPr>
-              <a:t>forms</a:t>
-            </a:r>
-            <a:endParaRPr lang="de-DE" dirty="0">
-              <a:latin typeface="Consolas" panose="020B0609020204030204" pitchFamily="49" charset="0"/>
-              <a:cs typeface="Consolas" panose="020B0609020204030204" pitchFamily="49" charset="0"/>
+              <a:t>Coding</a:t>
+            </a:r>
+            <a:endParaRPr lang="de-DE" sz="6600" dirty="0">
+              <a:solidFill>
+                <a:schemeClr val="tx2"/>
+              </a:solidFill>
+              <a:latin typeface="+mj-lt"/>
             </a:endParaRPr>
-          </a:p>
-          <a:p>
-            <a:pPr>
-              <a:lnSpc>
-                <a:spcPct val="150000"/>
-              </a:lnSpc>
-            </a:pPr>
-            <a:r>
-              <a:rPr lang="de-DE" dirty="0"/>
-              <a:t>Zentraler Anwendungsfall für Data-Binding (</a:t>
-            </a:r>
-            <a:r>
-              <a:rPr lang="de-DE" dirty="0" err="1"/>
-              <a:t>One</a:t>
-            </a:r>
-            <a:r>
-              <a:rPr lang="de-DE" dirty="0"/>
-              <a:t>-Way / </a:t>
-            </a:r>
-            <a:r>
-              <a:rPr lang="de-DE" dirty="0" err="1"/>
-              <a:t>Two</a:t>
-            </a:r>
-            <a:r>
-              <a:rPr lang="de-DE" dirty="0"/>
-              <a:t>-Way)</a:t>
-            </a:r>
-          </a:p>
-          <a:p>
-            <a:pPr>
-              <a:lnSpc>
-                <a:spcPct val="150000"/>
-              </a:lnSpc>
-            </a:pPr>
-            <a:r>
-              <a:rPr lang="de-DE" dirty="0"/>
-              <a:t>Zwei grundsätzlich unterschiedliche Entwicklungsverfahren</a:t>
-            </a:r>
-          </a:p>
-          <a:p>
-            <a:pPr lvl="1">
-              <a:lnSpc>
-                <a:spcPct val="150000"/>
-              </a:lnSpc>
-            </a:pPr>
-            <a:r>
-              <a:rPr lang="de-DE" b="1" dirty="0"/>
-              <a:t>Template-</a:t>
-            </a:r>
-            <a:r>
-              <a:rPr lang="de-DE" b="1" dirty="0" err="1"/>
-              <a:t>Driven</a:t>
-            </a:r>
-            <a:r>
-              <a:rPr lang="de-DE" dirty="0"/>
-              <a:t>: Deklarative (Markup-orientierte) Umsetzung</a:t>
-            </a:r>
-          </a:p>
-          <a:p>
-            <a:pPr lvl="1">
-              <a:lnSpc>
-                <a:spcPct val="150000"/>
-              </a:lnSpc>
-            </a:pPr>
-            <a:r>
-              <a:rPr lang="de-DE" b="1" dirty="0"/>
-              <a:t>Model-</a:t>
-            </a:r>
-            <a:r>
-              <a:rPr lang="de-DE" b="1" dirty="0" err="1"/>
-              <a:t>Driven</a:t>
-            </a:r>
-            <a:r>
-              <a:rPr lang="de-DE" dirty="0"/>
-              <a:t>: Programmatische (Code-orientierte) Umsetzung</a:t>
-            </a:r>
-          </a:p>
-          <a:p>
-            <a:pPr>
-              <a:lnSpc>
-                <a:spcPct val="150000"/>
-              </a:lnSpc>
-            </a:pPr>
-            <a:r>
-              <a:rPr lang="de-DE" dirty="0"/>
-              <a:t>Praxisbeispiel: </a:t>
-            </a:r>
-            <a:r>
-              <a:rPr lang="de-DE" dirty="0">
-                <a:hlinkClick r:id="rId2"/>
-              </a:rPr>
-              <a:t>https://</a:t>
-            </a:r>
-            <a:r>
-              <a:rPr lang="de-DE" dirty="0" smtClean="0">
-                <a:hlinkClick r:id="rId2"/>
-              </a:rPr>
-              <a:t>github.com/aawada78/angular-workshop.git</a:t>
-            </a:r>
-            <a:endParaRPr lang="de-DE" dirty="0" smtClean="0"/>
-          </a:p>
-          <a:p>
-            <a:pPr>
-              <a:lnSpc>
-                <a:spcPct val="150000"/>
-              </a:lnSpc>
-            </a:pPr>
-            <a:endParaRPr lang="de-DE" sz="2000" dirty="0"/>
           </a:p>
         </p:txBody>
       </p:sp>
@@ -18506,7 +19261,7 @@
             <a:fld id="{17C2562E-359A-3C42-BBEF-E02CE97BECB1}" type="datetimeFigureOut">
               <a:rPr lang="de-DE" smtClean="0"/>
               <a:pPr/>
-              <a:t>15.10.17</a:t>
+              <a:t>18.10.17</a:t>
             </a:fld>
             <a:endParaRPr lang="de-DE" dirty="0"/>
           </a:p>
@@ -18562,7 +19317,7 @@
     </p:spTree>
     <p:extLst>
       <p:ext uri="{BB962C8B-B14F-4D97-AF65-F5344CB8AC3E}">
-        <p14:creationId xmlns:p14="http://schemas.microsoft.com/office/powerpoint/2010/main" val="195296844"/>
+        <p14:creationId xmlns:p14="http://schemas.microsoft.com/office/powerpoint/2010/main" val="1308066520"/>
       </p:ext>
     </p:extLst>
   </p:cSld>
@@ -18612,17 +19367,10 @@
           <a:lstStyle/>
           <a:p>
             <a:r>
-              <a:rPr lang="de-DE" dirty="0"/>
-              <a:t>Template-</a:t>
-            </a:r>
-            <a:r>
-              <a:rPr lang="de-DE" dirty="0" err="1"/>
-              <a:t>Driven</a:t>
-            </a:r>
-            <a:r>
-              <a:rPr lang="de-DE" dirty="0"/>
-              <a:t> Forms</a:t>
-            </a:r>
+              <a:rPr lang="de-DE" dirty="0" smtClean="0"/>
+              <a:t>Service</a:t>
+            </a:r>
+            <a:endParaRPr lang="de-DE" dirty="0"/>
           </a:p>
         </p:txBody>
       </p:sp>
@@ -18636,7 +19384,12 @@
             <p:ph type="body" sz="quarter" idx="30"/>
           </p:nvPr>
         </p:nvSpPr>
-        <p:spPr/>
+        <p:spPr>
+          <a:xfrm>
+            <a:off x="381600" y="1569368"/>
+            <a:ext cx="7812000" cy="5050507"/>
+          </a:xfrm>
+        </p:spPr>
         <p:txBody>
           <a:bodyPr/>
           <a:lstStyle/>
@@ -18647,41 +19400,14 @@
               </a:lnSpc>
             </a:pPr>
             <a:r>
-              <a:rPr lang="de-DE" dirty="0"/>
-              <a:t>Integration mittels </a:t>
-            </a:r>
-            <a:r>
-              <a:rPr lang="de-DE" dirty="0">
-                <a:latin typeface="Consolas" panose="020B0609020204030204" pitchFamily="49" charset="0"/>
-                <a:cs typeface="Consolas" panose="020B0609020204030204" pitchFamily="49" charset="0"/>
-              </a:rPr>
-              <a:t>@</a:t>
-            </a:r>
-            <a:r>
-              <a:rPr lang="de-DE" dirty="0" err="1">
-                <a:latin typeface="Consolas" panose="020B0609020204030204" pitchFamily="49" charset="0"/>
-                <a:cs typeface="Consolas" panose="020B0609020204030204" pitchFamily="49" charset="0"/>
-              </a:rPr>
-              <a:t>NgModule</a:t>
-            </a:r>
-            <a:r>
-              <a:rPr lang="de-DE" dirty="0">
-                <a:latin typeface="Consolas" panose="020B0609020204030204" pitchFamily="49" charset="0"/>
-                <a:cs typeface="Consolas" panose="020B0609020204030204" pitchFamily="49" charset="0"/>
-              </a:rPr>
-              <a:t> </a:t>
-            </a:r>
-            <a:r>
-              <a:rPr lang="de-DE" dirty="0" err="1">
-                <a:latin typeface="Consolas" panose="020B0609020204030204" pitchFamily="49" charset="0"/>
-                <a:cs typeface="Consolas" panose="020B0609020204030204" pitchFamily="49" charset="0"/>
-              </a:rPr>
-              <a:t>FormsModule</a:t>
-            </a:r>
-            <a:endParaRPr lang="de-DE" dirty="0">
-              <a:latin typeface="Consolas" panose="020B0609020204030204" pitchFamily="49" charset="0"/>
-              <a:cs typeface="Consolas" panose="020B0609020204030204" pitchFamily="49" charset="0"/>
-            </a:endParaRPr>
+              <a:rPr lang="de-DE" dirty="0" smtClean="0"/>
+              <a:t>Service enthält </a:t>
+            </a:r>
+            <a:r>
+              <a:rPr lang="de-DE" dirty="0" smtClean="0"/>
+              <a:t>Businesslogik</a:t>
+            </a:r>
+            <a:endParaRPr lang="de-DE" dirty="0"/>
           </a:p>
           <a:p>
             <a:pPr>
@@ -18690,11 +19416,14 @@
               </a:lnSpc>
             </a:pPr>
             <a:r>
-              <a:rPr lang="de-DE" dirty="0">
-                <a:cs typeface="Consolas" panose="020B0609020204030204" pitchFamily="49" charset="0"/>
-              </a:rPr>
-              <a:t>Rein deklarative Realisierung im Markup durch Direktiven und lokale Template-Variablen</a:t>
-            </a:r>
+              <a:rPr lang="de-DE" dirty="0" smtClean="0"/>
+              <a:t>Bietet Daten, Funktionen und Features anwendungsübergreifend </a:t>
+            </a:r>
+            <a:r>
+              <a:rPr lang="de-DE" dirty="0" smtClean="0"/>
+              <a:t>an</a:t>
+            </a:r>
+            <a:endParaRPr lang="de-DE" dirty="0" smtClean="0"/>
           </a:p>
           <a:p>
             <a:pPr>
@@ -18703,99 +19432,104 @@
               </a:lnSpc>
             </a:pPr>
             <a:r>
-              <a:rPr lang="de-DE" dirty="0"/>
-              <a:t>Grundlage: </a:t>
-            </a:r>
-            <a:r>
-              <a:rPr lang="de-DE" dirty="0" err="1"/>
-              <a:t>Two</a:t>
-            </a:r>
-            <a:r>
-              <a:rPr lang="de-DE" dirty="0"/>
-              <a:t>-Way-Data-Binding via </a:t>
-            </a:r>
-            <a:r>
-              <a:rPr lang="de-DE" dirty="0">
-                <a:latin typeface="Consolas" panose="020B0609020204030204" pitchFamily="49" charset="0"/>
-                <a:cs typeface="Consolas" panose="020B0609020204030204" pitchFamily="49" charset="0"/>
-              </a:rPr>
-              <a:t>[(</a:t>
-            </a:r>
-            <a:r>
-              <a:rPr lang="de-DE" dirty="0" err="1">
-                <a:latin typeface="Consolas" panose="020B0609020204030204" pitchFamily="49" charset="0"/>
-                <a:cs typeface="Consolas" panose="020B0609020204030204" pitchFamily="49" charset="0"/>
-              </a:rPr>
-              <a:t>ngModel</a:t>
-            </a:r>
-            <a:r>
-              <a:rPr lang="de-DE" dirty="0">
-                <a:latin typeface="Consolas" panose="020B0609020204030204" pitchFamily="49" charset="0"/>
-                <a:cs typeface="Consolas" panose="020B0609020204030204" pitchFamily="49" charset="0"/>
-              </a:rPr>
-              <a:t>)]</a:t>
-            </a:r>
-          </a:p>
-          <a:p>
-            <a:pPr>
+              <a:rPr lang="de-DE" dirty="0" smtClean="0"/>
+              <a:t>Ein Service wird per </a:t>
+            </a:r>
+            <a:r>
+              <a:rPr lang="de-DE" i="1" dirty="0" err="1" smtClean="0"/>
+              <a:t>Dependency</a:t>
+            </a:r>
+            <a:r>
+              <a:rPr lang="de-DE" i="1" dirty="0" smtClean="0"/>
+              <a:t> </a:t>
+            </a:r>
+            <a:r>
+              <a:rPr lang="de-DE" i="1" dirty="0" err="1" smtClean="0"/>
+              <a:t>Injection</a:t>
+            </a:r>
+            <a:r>
+              <a:rPr lang="de-DE" dirty="0" smtClean="0"/>
+              <a:t> in eine Komponente </a:t>
+            </a:r>
+            <a:r>
+              <a:rPr lang="de-DE" dirty="0" smtClean="0"/>
+              <a:t>injiziert</a:t>
+            </a:r>
+            <a:endParaRPr lang="de-DE" dirty="0" smtClean="0"/>
+          </a:p>
+          <a:p>
+            <a:pPr lvl="0">
               <a:lnSpc>
                 <a:spcPct val="150000"/>
               </a:lnSpc>
             </a:pPr>
             <a:r>
-              <a:rPr lang="de-DE" dirty="0"/>
-              <a:t>Verringerung des Testaufwands durch Verlagerung der Logik ins Markup</a:t>
-            </a:r>
-          </a:p>
-          <a:p>
-            <a:pPr>
+              <a:rPr lang="de-DE" dirty="0" smtClean="0"/>
+              <a:t>Ist ein </a:t>
+            </a:r>
+            <a:r>
+              <a:rPr lang="de-DE" dirty="0" err="1" smtClean="0"/>
+              <a:t>Singelton</a:t>
+            </a:r>
+            <a:endParaRPr lang="de-DE" dirty="0"/>
+          </a:p>
+          <a:p>
+            <a:pPr lvl="0">
               <a:lnSpc>
                 <a:spcPct val="150000"/>
               </a:lnSpc>
             </a:pPr>
             <a:r>
               <a:rPr lang="de-DE" dirty="0"/>
-              <a:t>Geeignet für schnelle Umsetzung einfacher Formulare</a:t>
-            </a:r>
-          </a:p>
-          <a:p>
-            <a:pPr>
+              <a:t>Anlegen </a:t>
+            </a:r>
+            <a:r>
+              <a:rPr lang="de-DE" dirty="0" smtClean="0"/>
+              <a:t>eines Services mittels </a:t>
+            </a:r>
+            <a:r>
+              <a:rPr lang="de-DE" dirty="0"/>
+              <a:t>CLI </a:t>
+            </a:r>
+          </a:p>
+          <a:p>
+            <a:pPr lvl="1">
               <a:lnSpc>
                 <a:spcPct val="150000"/>
               </a:lnSpc>
             </a:pPr>
             <a:r>
-              <a:rPr lang="de-DE" dirty="0"/>
-              <a:t>Unterstützung für Property-Binding von </a:t>
-            </a:r>
-            <a:r>
-              <a:rPr lang="de-DE" dirty="0" err="1">
-                <a:latin typeface="Consolas" panose="020B0609020204030204" pitchFamily="49" charset="0"/>
-                <a:cs typeface="Consolas" panose="020B0609020204030204" pitchFamily="49" charset="0"/>
-              </a:rPr>
-              <a:t>disabled</a:t>
-            </a:r>
-            <a:endParaRPr lang="de-DE" dirty="0">
-              <a:latin typeface="Consolas" panose="020B0609020204030204" pitchFamily="49" charset="0"/>
-              <a:cs typeface="Consolas" panose="020B0609020204030204" pitchFamily="49" charset="0"/>
-            </a:endParaRPr>
-          </a:p>
-          <a:p>
-            <a:pPr>
-              <a:lnSpc>
-                <a:spcPct val="150000"/>
-              </a:lnSpc>
-            </a:pPr>
-            <a:r>
-              <a:rPr lang="de-DE" dirty="0">
-                <a:cs typeface="Consolas" panose="020B0609020204030204" pitchFamily="49" charset="0"/>
-              </a:rPr>
-              <a:t>Keine Direktive für Form Arrays</a:t>
-            </a:r>
-            <a:endParaRPr lang="de-DE" dirty="0"/>
-          </a:p>
-          <a:p>
-            <a:endParaRPr lang="de-DE" dirty="0"/>
+              <a:rPr lang="de-DE" dirty="0" err="1"/>
+              <a:t>ng</a:t>
+            </a:r>
+            <a:r>
+              <a:rPr lang="de-DE" dirty="0"/>
+              <a:t> </a:t>
+            </a:r>
+            <a:r>
+              <a:rPr lang="de-DE" dirty="0" err="1"/>
+              <a:t>g</a:t>
+            </a:r>
+            <a:r>
+              <a:rPr lang="de-DE" dirty="0"/>
+              <a:t> </a:t>
+            </a:r>
+            <a:r>
+              <a:rPr lang="de-DE" dirty="0" err="1"/>
+              <a:t>service</a:t>
+            </a:r>
+            <a:r>
+              <a:rPr lang="de-DE" dirty="0"/>
+              <a:t> &lt;</a:t>
+            </a:r>
+            <a:r>
+              <a:rPr lang="de-DE" dirty="0" err="1"/>
+              <a:t>name</a:t>
+            </a:r>
+            <a:r>
+              <a:rPr lang="de-DE" dirty="0"/>
+              <a:t>&gt; </a:t>
+            </a:r>
           </a:p>
         </p:txBody>
       </p:sp>
@@ -18817,7 +19551,7 @@
             <a:fld id="{17C2562E-359A-3C42-BBEF-E02CE97BECB1}" type="datetimeFigureOut">
               <a:rPr lang="de-DE" smtClean="0"/>
               <a:pPr/>
-              <a:t>15.10.17</a:t>
+              <a:t>18.10.17</a:t>
             </a:fld>
             <a:endParaRPr lang="de-DE" dirty="0"/>
           </a:p>
@@ -18870,10 +19604,68 @@
           </a:p>
         </p:txBody>
       </p:sp>
+      <p:pic>
+        <p:nvPicPr>
+          <p:cNvPr id="7" name="Bild 6"/>
+          <p:cNvPicPr>
+            <a:picLocks noChangeAspect="1"/>
+          </p:cNvPicPr>
+          <p:nvPr/>
+        </p:nvPicPr>
+        <p:blipFill>
+          <a:blip r:embed="rId2"/>
+          <a:stretch>
+            <a:fillRect/>
+          </a:stretch>
+        </p:blipFill>
+        <p:spPr>
+          <a:xfrm>
+            <a:off x="8549251" y="1387777"/>
+            <a:ext cx="3360565" cy="2609134"/>
+          </a:xfrm>
+          <a:prstGeom prst="rect">
+            <a:avLst/>
+          </a:prstGeom>
+        </p:spPr>
+      </p:pic>
+      <p:sp>
+        <p:nvSpPr>
+          <p:cNvPr id="8" name="Textfeld 7"/>
+          <p:cNvSpPr txBox="1"/>
+          <p:nvPr/>
+        </p:nvSpPr>
+        <p:spPr>
+          <a:xfrm>
+            <a:off x="11184004" y="6568223"/>
+            <a:ext cx="1465145" cy="307777"/>
+          </a:xfrm>
+          <a:prstGeom prst="rect">
+            <a:avLst/>
+          </a:prstGeom>
+          <a:noFill/>
+        </p:spPr>
+        <p:txBody>
+          <a:bodyPr wrap="none" rtlCol="0">
+            <a:spAutoFit/>
+          </a:bodyPr>
+          <a:lstStyle/>
+          <a:p>
+            <a:r>
+              <a:rPr lang="de-DE" sz="1400" dirty="0" smtClean="0"/>
+              <a:t>Quelle: </a:t>
+            </a:r>
+            <a:r>
+              <a:rPr lang="de-DE" sz="1400" dirty="0" err="1" smtClean="0"/>
+              <a:t>angular.io</a:t>
+            </a:r>
+            <a:endParaRPr lang="de-DE" sz="1400" dirty="0"/>
+          </a:p>
+        </p:txBody>
+      </p:sp>
     </p:spTree>
     <p:extLst>
       <p:ext uri="{BB962C8B-B14F-4D97-AF65-F5344CB8AC3E}">
-        <p14:creationId xmlns:p14="http://schemas.microsoft.com/office/powerpoint/2010/main" val="1657213088"/>
+        <p14:creationId xmlns:p14="http://schemas.microsoft.com/office/powerpoint/2010/main" val="23653658"/>
       </p:ext>
     </p:extLst>
   </p:cSld>
@@ -18923,17 +19715,10 @@
           <a:lstStyle/>
           <a:p>
             <a:r>
-              <a:rPr lang="de-DE" dirty="0"/>
-              <a:t>Template-</a:t>
-            </a:r>
-            <a:r>
-              <a:rPr lang="de-DE" dirty="0" err="1"/>
-              <a:t>Driven</a:t>
-            </a:r>
-            <a:r>
-              <a:rPr lang="de-DE" dirty="0"/>
-              <a:t> Forms</a:t>
-            </a:r>
+              <a:rPr lang="de-DE" dirty="0" smtClean="0"/>
+              <a:t>Service</a:t>
+            </a:r>
+            <a:endParaRPr lang="de-DE" dirty="0"/>
           </a:p>
         </p:txBody>
       </p:sp>
@@ -19000,7 +19785,7 @@
             <a:fld id="{17C2562E-359A-3C42-BBEF-E02CE97BECB1}" type="datetimeFigureOut">
               <a:rPr lang="de-DE" smtClean="0"/>
               <a:pPr/>
-              <a:t>15.10.17</a:t>
+              <a:t>18.10.17</a:t>
             </a:fld>
             <a:endParaRPr lang="de-DE" dirty="0"/>
           </a:p>
@@ -19056,7 +19841,7 @@
     </p:spTree>
     <p:extLst>
       <p:ext uri="{BB962C8B-B14F-4D97-AF65-F5344CB8AC3E}">
-        <p14:creationId xmlns:p14="http://schemas.microsoft.com/office/powerpoint/2010/main" val="1308066520"/>
+        <p14:creationId xmlns:p14="http://schemas.microsoft.com/office/powerpoint/2010/main" val="262555311"/>
       </p:ext>
     </p:extLst>
   </p:cSld>
@@ -19273,7 +20058,7 @@
           <p:cNvPr id="5" name="Datumsplatzhalter 4">
             <a:extLst>
               <a:ext uri="{FF2B5EF4-FFF2-40B4-BE49-F238E27FC236}">
-                <a16:creationId xmlns="" xmlns:a16="http://schemas.microsoft.com/office/drawing/2014/main" id="{D471591C-E430-45E7-A587-2CEC0AF88DA0}"/>
+                <a16:creationId xmlns:a16="http://schemas.microsoft.com/office/drawing/2014/main" xmlns="" id="{D471591C-E430-45E7-A587-2CEC0AF88DA0}"/>
               </a:ext>
             </a:extLst>
           </p:cNvPr>
@@ -19291,7 +20076,7 @@
           <a:p>
             <a:fld id="{D3ADFBD6-4690-496C-B9C9-0BEF0B938F74}" type="datetime1">
               <a:rPr lang="de-DE" smtClean="0"/>
-              <a:t>15.10.17</a:t>
+              <a:t>18.10.17</a:t>
             </a:fld>
             <a:endParaRPr lang="de-DE" dirty="0"/>
           </a:p>
@@ -19302,7 +20087,7 @@
           <p:cNvPr id="6" name="Fußzeilenplatzhalter 5">
             <a:extLst>
               <a:ext uri="{FF2B5EF4-FFF2-40B4-BE49-F238E27FC236}">
-                <a16:creationId xmlns="" xmlns:a16="http://schemas.microsoft.com/office/drawing/2014/main" id="{B488671B-A101-43AC-84F6-1F2F8515424C}"/>
+                <a16:creationId xmlns:a16="http://schemas.microsoft.com/office/drawing/2014/main" xmlns="" id="{B488671B-A101-43AC-84F6-1F2F8515424C}"/>
               </a:ext>
             </a:extLst>
           </p:cNvPr>
@@ -19327,7 +20112,7 @@
           <p:cNvPr id="7" name="Foliennummernplatzhalter 6">
             <a:extLst>
               <a:ext uri="{FF2B5EF4-FFF2-40B4-BE49-F238E27FC236}">
-                <a16:creationId xmlns="" xmlns:a16="http://schemas.microsoft.com/office/drawing/2014/main" id="{8E977D85-C22B-4016-AC2C-F3FDCE1BCBEB}"/>
+                <a16:creationId xmlns:a16="http://schemas.microsoft.com/office/drawing/2014/main" xmlns="" id="{8E977D85-C22B-4016-AC2C-F3FDCE1BCBEB}"/>
               </a:ext>
             </a:extLst>
           </p:cNvPr>
@@ -19408,6 +20193,494 @@
           <a:bodyPr/>
           <a:lstStyle/>
           <a:p>
+            <a:r>
+              <a:rPr lang="de-DE" dirty="0" smtClean="0"/>
+              <a:t>Routing</a:t>
+            </a:r>
+            <a:endParaRPr lang="de-DE" dirty="0"/>
+          </a:p>
+        </p:txBody>
+      </p:sp>
+      <p:sp>
+        <p:nvSpPr>
+          <p:cNvPr id="3" name="Textplatzhalter 2"/>
+          <p:cNvSpPr>
+            <a:spLocks noGrp="1"/>
+          </p:cNvSpPr>
+          <p:nvPr>
+            <p:ph type="body" sz="quarter" idx="30"/>
+          </p:nvPr>
+        </p:nvSpPr>
+        <p:spPr>
+          <a:xfrm>
+            <a:off x="381599" y="1569368"/>
+            <a:ext cx="12267549" cy="5050507"/>
+          </a:xfrm>
+        </p:spPr>
+        <p:txBody>
+          <a:bodyPr/>
+          <a:lstStyle/>
+          <a:p>
+            <a:pPr>
+              <a:lnSpc>
+                <a:spcPct val="150000"/>
+              </a:lnSpc>
+            </a:pPr>
+            <a:r>
+              <a:rPr lang="de-DE" dirty="0"/>
+              <a:t>Eigenständiges </a:t>
+            </a:r>
+            <a:r>
+              <a:rPr lang="de-DE" dirty="0" err="1"/>
+              <a:t>npm</a:t>
+            </a:r>
+            <a:r>
+              <a:rPr lang="de-DE" dirty="0"/>
+              <a:t>-Paket: </a:t>
+            </a:r>
+            <a:r>
+              <a:rPr lang="de-DE" dirty="0">
+                <a:latin typeface="Consolas" panose="020B0609020204030204" pitchFamily="49" charset="0"/>
+                <a:cs typeface="Consolas" panose="020B0609020204030204" pitchFamily="49" charset="0"/>
+              </a:rPr>
+              <a:t>@</a:t>
+            </a:r>
+            <a:r>
+              <a:rPr lang="de-DE" dirty="0" smtClean="0">
+                <a:latin typeface="Consolas" panose="020B0609020204030204" pitchFamily="49" charset="0"/>
+                <a:cs typeface="Consolas" panose="020B0609020204030204" pitchFamily="49" charset="0"/>
+              </a:rPr>
+              <a:t>angular/</a:t>
+            </a:r>
+            <a:r>
+              <a:rPr lang="de-DE" dirty="0" err="1" smtClean="0">
+                <a:latin typeface="Consolas" panose="020B0609020204030204" pitchFamily="49" charset="0"/>
+                <a:cs typeface="Consolas" panose="020B0609020204030204" pitchFamily="49" charset="0"/>
+              </a:rPr>
+              <a:t>router</a:t>
+            </a:r>
+            <a:endParaRPr lang="de-DE" dirty="0">
+              <a:latin typeface="Consolas" panose="020B0609020204030204" pitchFamily="49" charset="0"/>
+              <a:cs typeface="Consolas" panose="020B0609020204030204" pitchFamily="49" charset="0"/>
+            </a:endParaRPr>
+          </a:p>
+          <a:p>
+            <a:pPr>
+              <a:lnSpc>
+                <a:spcPct val="150000"/>
+              </a:lnSpc>
+            </a:pPr>
+            <a:r>
+              <a:rPr lang="de-DE" dirty="0" smtClean="0"/>
+              <a:t>Navigation im Browser</a:t>
+            </a:r>
+          </a:p>
+          <a:p>
+            <a:pPr lvl="1">
+              <a:lnSpc>
+                <a:spcPct val="150000"/>
+              </a:lnSpc>
+            </a:pPr>
+            <a:r>
+              <a:rPr lang="de-DE" dirty="0" smtClean="0"/>
+              <a:t>In der Regel mittels Hyperlinks</a:t>
+            </a:r>
+          </a:p>
+          <a:p>
+            <a:pPr lvl="1">
+              <a:lnSpc>
+                <a:spcPct val="150000"/>
+              </a:lnSpc>
+            </a:pPr>
+            <a:r>
+              <a:rPr lang="de-DE" dirty="0" smtClean="0"/>
+              <a:t>Lesezeichen können gesetzt und geteilt werden</a:t>
+            </a:r>
+            <a:endParaRPr lang="de-DE" dirty="0" smtClean="0"/>
+          </a:p>
+          <a:p>
+            <a:pPr>
+              <a:lnSpc>
+                <a:spcPct val="150000"/>
+              </a:lnSpc>
+            </a:pPr>
+            <a:r>
+              <a:rPr lang="de-DE" dirty="0" smtClean="0"/>
+              <a:t>Angular Router ermöglicht die Navigation innerhalb der Anwendung</a:t>
+            </a:r>
+            <a:endParaRPr lang="de-DE" dirty="0"/>
+          </a:p>
+          <a:p>
+            <a:pPr lvl="1">
+              <a:lnSpc>
+                <a:spcPct val="150000"/>
+              </a:lnSpc>
+            </a:pPr>
+            <a:r>
+              <a:rPr lang="de-DE" dirty="0" smtClean="0"/>
+              <a:t>Server liefert die </a:t>
+            </a:r>
+            <a:r>
+              <a:rPr lang="de-DE" dirty="0" err="1" smtClean="0"/>
+              <a:t>index.html</a:t>
+            </a:r>
+            <a:r>
+              <a:rPr lang="de-DE" dirty="0" smtClean="0"/>
+              <a:t>, A</a:t>
+            </a:r>
+            <a:r>
+              <a:rPr lang="de-DE" dirty="0" smtClean="0"/>
+              <a:t>ngular analysiert den Rest der Route und löst diese auf</a:t>
+            </a:r>
+          </a:p>
+          <a:p>
+            <a:pPr lvl="1">
+              <a:lnSpc>
+                <a:spcPct val="150000"/>
+              </a:lnSpc>
+            </a:pPr>
+            <a:r>
+              <a:rPr lang="de-DE" dirty="0" smtClean="0"/>
+              <a:t>Klinkt sich in die </a:t>
+            </a:r>
+            <a:r>
+              <a:rPr lang="de-DE" dirty="0" err="1" smtClean="0">
+                <a:hlinkClick r:id="rId3"/>
+              </a:rPr>
+              <a:t>History</a:t>
+            </a:r>
+            <a:r>
+              <a:rPr lang="de-DE" dirty="0" smtClean="0">
+                <a:hlinkClick r:id="rId3"/>
+              </a:rPr>
+              <a:t>-API</a:t>
+            </a:r>
+            <a:r>
+              <a:rPr lang="de-DE" dirty="0" smtClean="0"/>
+              <a:t> des Browsers ein </a:t>
+            </a:r>
+          </a:p>
+          <a:p>
+            <a:pPr lvl="1">
+              <a:lnSpc>
+                <a:spcPct val="150000"/>
+              </a:lnSpc>
+            </a:pPr>
+            <a:r>
+              <a:rPr lang="de-DE" dirty="0" smtClean="0"/>
+              <a:t>Bildet das Navigationskonzept des Browsers für </a:t>
+            </a:r>
+            <a:r>
+              <a:rPr lang="de-DE" dirty="0" err="1" smtClean="0"/>
+              <a:t>SPA‘s</a:t>
+            </a:r>
+            <a:r>
+              <a:rPr lang="de-DE" dirty="0" smtClean="0"/>
+              <a:t> nach</a:t>
+            </a:r>
+            <a:endParaRPr lang="de-DE" dirty="0"/>
+          </a:p>
+        </p:txBody>
+      </p:sp>
+      <p:sp>
+        <p:nvSpPr>
+          <p:cNvPr id="4" name="Datumsplatzhalter 3"/>
+          <p:cNvSpPr>
+            <a:spLocks noGrp="1"/>
+          </p:cNvSpPr>
+          <p:nvPr>
+            <p:ph type="dt" sz="half" idx="31"/>
+          </p:nvPr>
+        </p:nvSpPr>
+        <p:spPr/>
+        <p:txBody>
+          <a:bodyPr/>
+          <a:lstStyle/>
+          <a:p>
+            <a:fld id="{17C2562E-359A-3C42-BBEF-E02CE97BECB1}" type="datetimeFigureOut">
+              <a:rPr lang="de-DE" smtClean="0"/>
+              <a:pPr/>
+              <a:t>19.10.17</a:t>
+            </a:fld>
+            <a:endParaRPr lang="de-DE" dirty="0"/>
+          </a:p>
+        </p:txBody>
+      </p:sp>
+      <p:sp>
+        <p:nvSpPr>
+          <p:cNvPr id="5" name="Fußzeilenplatzhalter 4"/>
+          <p:cNvSpPr>
+            <a:spLocks noGrp="1"/>
+          </p:cNvSpPr>
+          <p:nvPr>
+            <p:ph type="ftr" sz="quarter" idx="32"/>
+          </p:nvPr>
+        </p:nvSpPr>
+        <p:spPr/>
+        <p:txBody>
+          <a:bodyPr/>
+          <a:lstStyle/>
+          <a:p>
+            <a:endParaRPr lang="de-DE" dirty="0"/>
+          </a:p>
+        </p:txBody>
+      </p:sp>
+      <p:sp>
+        <p:nvSpPr>
+          <p:cNvPr id="6" name="Foliennummernplatzhalter 5"/>
+          <p:cNvSpPr>
+            <a:spLocks noGrp="1"/>
+          </p:cNvSpPr>
+          <p:nvPr>
+            <p:ph type="sldNum" sz="quarter" idx="33"/>
+          </p:nvPr>
+        </p:nvSpPr>
+        <p:spPr/>
+        <p:txBody>
+          <a:bodyPr/>
+          <a:lstStyle/>
+          <a:p>
+            <a:r>
+              <a:rPr lang="de-DE"/>
+              <a:t>Seite </a:t>
+            </a:r>
+            <a:fld id="{38661448-4A48-D446-A2DB-27E795148D92}" type="slidenum">
+              <a:rPr lang="de-DE" smtClean="0"/>
+              <a:pPr/>
+              <a:t>20</a:t>
+            </a:fld>
+            <a:endParaRPr lang="de-DE" dirty="0"/>
+          </a:p>
+        </p:txBody>
+      </p:sp>
+    </p:spTree>
+    <p:extLst>
+      <p:ext uri="{BB962C8B-B14F-4D97-AF65-F5344CB8AC3E}">
+        <p14:creationId xmlns:p14="http://schemas.microsoft.com/office/powerpoint/2010/main" val="1835701039"/>
+      </p:ext>
+    </p:extLst>
+  </p:cSld>
+  <p:clrMapOvr>
+    <a:masterClrMapping/>
+  </p:clrMapOvr>
+  <p:timing>
+    <p:tnLst>
+      <p:par>
+        <p:cTn id="1" dur="indefinite" restart="never" nodeType="tmRoot"/>
+      </p:par>
+    </p:tnLst>
+  </p:timing>
+</p:sld>
+</file>
+
+<file path=ppt/slides/slide21.xml><?xml version="1.0" encoding="utf-8"?>
+<p:sld xmlns:a="http://schemas.openxmlformats.org/drawingml/2006/main" xmlns:r="http://schemas.openxmlformats.org/officeDocument/2006/relationships" xmlns:p="http://schemas.openxmlformats.org/presentationml/2006/main">
+  <p:cSld>
+    <p:spTree>
+      <p:nvGrpSpPr>
+        <p:cNvPr id="1" name=""/>
+        <p:cNvGrpSpPr/>
+        <p:nvPr/>
+      </p:nvGrpSpPr>
+      <p:grpSpPr>
+        <a:xfrm>
+          <a:off x="0" y="0"/>
+          <a:ext cx="0" cy="0"/>
+          <a:chOff x="0" y="0"/>
+          <a:chExt cx="0" cy="0"/>
+        </a:xfrm>
+      </p:grpSpPr>
+      <p:sp>
+        <p:nvSpPr>
+          <p:cNvPr id="2" name="Titel 1"/>
+          <p:cNvSpPr>
+            <a:spLocks noGrp="1"/>
+          </p:cNvSpPr>
+          <p:nvPr>
+            <p:ph type="title"/>
+          </p:nvPr>
+        </p:nvSpPr>
+        <p:spPr/>
+        <p:txBody>
+          <a:bodyPr/>
+          <a:lstStyle/>
+          <a:p>
+            <a:r>
+              <a:rPr lang="de-DE" dirty="0" smtClean="0"/>
+              <a:t>Routing</a:t>
+            </a:r>
+            <a:endParaRPr lang="de-DE" dirty="0"/>
+          </a:p>
+        </p:txBody>
+      </p:sp>
+      <p:sp>
+        <p:nvSpPr>
+          <p:cNvPr id="3" name="Textplatzhalter 2"/>
+          <p:cNvSpPr>
+            <a:spLocks noGrp="1"/>
+          </p:cNvSpPr>
+          <p:nvPr>
+            <p:ph type="body" sz="quarter" idx="30"/>
+          </p:nvPr>
+        </p:nvSpPr>
+        <p:spPr/>
+        <p:txBody>
+          <a:bodyPr anchor="ctr"/>
+          <a:lstStyle/>
+          <a:p>
+            <a:pPr marL="0" indent="0" algn="ctr">
+              <a:buNone/>
+            </a:pPr>
+            <a:r>
+              <a:rPr lang="de-DE" sz="6600" dirty="0">
+                <a:solidFill>
+                  <a:schemeClr val="tx2"/>
+                </a:solidFill>
+                <a:latin typeface="+mj-lt"/>
+              </a:rPr>
+              <a:t>Live </a:t>
+            </a:r>
+            <a:r>
+              <a:rPr lang="de-DE" sz="6600" dirty="0" err="1">
+                <a:solidFill>
+                  <a:schemeClr val="tx2"/>
+                </a:solidFill>
+                <a:latin typeface="+mj-lt"/>
+              </a:rPr>
+              <a:t>Coding</a:t>
+            </a:r>
+            <a:endParaRPr lang="de-DE" sz="6600" dirty="0">
+              <a:solidFill>
+                <a:schemeClr val="tx2"/>
+              </a:solidFill>
+              <a:latin typeface="+mj-lt"/>
+            </a:endParaRPr>
+          </a:p>
+        </p:txBody>
+      </p:sp>
+      <p:sp>
+        <p:nvSpPr>
+          <p:cNvPr id="4" name="Datumsplatzhalter 3"/>
+          <p:cNvSpPr>
+            <a:spLocks noGrp="1"/>
+          </p:cNvSpPr>
+          <p:nvPr>
+            <p:ph type="dt" sz="half" idx="31"/>
+          </p:nvPr>
+        </p:nvSpPr>
+        <p:spPr/>
+        <p:txBody>
+          <a:bodyPr/>
+          <a:lstStyle/>
+          <a:p>
+            <a:fld id="{17C2562E-359A-3C42-BBEF-E02CE97BECB1}" type="datetimeFigureOut">
+              <a:rPr lang="de-DE" smtClean="0"/>
+              <a:pPr/>
+              <a:t>18.10.17</a:t>
+            </a:fld>
+            <a:endParaRPr lang="de-DE" dirty="0"/>
+          </a:p>
+        </p:txBody>
+      </p:sp>
+      <p:sp>
+        <p:nvSpPr>
+          <p:cNvPr id="5" name="Fußzeilenplatzhalter 4"/>
+          <p:cNvSpPr>
+            <a:spLocks noGrp="1"/>
+          </p:cNvSpPr>
+          <p:nvPr>
+            <p:ph type="ftr" sz="quarter" idx="32"/>
+          </p:nvPr>
+        </p:nvSpPr>
+        <p:spPr/>
+        <p:txBody>
+          <a:bodyPr/>
+          <a:lstStyle/>
+          <a:p>
+            <a:endParaRPr lang="de-DE" dirty="0"/>
+          </a:p>
+        </p:txBody>
+      </p:sp>
+      <p:sp>
+        <p:nvSpPr>
+          <p:cNvPr id="6" name="Foliennummernplatzhalter 5"/>
+          <p:cNvSpPr>
+            <a:spLocks noGrp="1"/>
+          </p:cNvSpPr>
+          <p:nvPr>
+            <p:ph type="sldNum" sz="quarter" idx="33"/>
+          </p:nvPr>
+        </p:nvSpPr>
+        <p:spPr/>
+        <p:txBody>
+          <a:bodyPr/>
+          <a:lstStyle/>
+          <a:p>
+            <a:r>
+              <a:rPr lang="de-DE"/>
+              <a:t>Seite </a:t>
+            </a:r>
+            <a:fld id="{38661448-4A48-D446-A2DB-27E795148D92}" type="slidenum">
+              <a:rPr lang="de-DE" smtClean="0"/>
+              <a:pPr/>
+              <a:t>21</a:t>
+            </a:fld>
+            <a:endParaRPr lang="de-DE" dirty="0"/>
+          </a:p>
+        </p:txBody>
+      </p:sp>
+    </p:spTree>
+    <p:extLst>
+      <p:ext uri="{BB962C8B-B14F-4D97-AF65-F5344CB8AC3E}">
+        <p14:creationId xmlns:p14="http://schemas.microsoft.com/office/powerpoint/2010/main" val="1877289671"/>
+      </p:ext>
+    </p:extLst>
+  </p:cSld>
+  <p:clrMapOvr>
+    <a:masterClrMapping/>
+  </p:clrMapOvr>
+  <p:timing>
+    <p:tnLst>
+      <p:par>
+        <p:cTn id="1" dur="indefinite" restart="never" nodeType="tmRoot"/>
+      </p:par>
+    </p:tnLst>
+  </p:timing>
+</p:sld>
+</file>
+
+<file path=ppt/slides/slide22.xml><?xml version="1.0" encoding="utf-8"?>
+<p:sld xmlns:a="http://schemas.openxmlformats.org/drawingml/2006/main" xmlns:r="http://schemas.openxmlformats.org/officeDocument/2006/relationships" xmlns:p="http://schemas.openxmlformats.org/presentationml/2006/main">
+  <p:cSld>
+    <p:spTree>
+      <p:nvGrpSpPr>
+        <p:cNvPr id="1" name=""/>
+        <p:cNvGrpSpPr/>
+        <p:nvPr/>
+      </p:nvGrpSpPr>
+      <p:grpSpPr>
+        <a:xfrm>
+          <a:off x="0" y="0"/>
+          <a:ext cx="0" cy="0"/>
+          <a:chOff x="0" y="0"/>
+          <a:chExt cx="0" cy="0"/>
+        </a:xfrm>
+      </p:grpSpPr>
+      <p:sp>
+        <p:nvSpPr>
+          <p:cNvPr id="2" name="Titel 1"/>
+          <p:cNvSpPr>
+            <a:spLocks noGrp="1"/>
+          </p:cNvSpPr>
+          <p:nvPr>
+            <p:ph type="title"/>
+          </p:nvPr>
+        </p:nvSpPr>
+        <p:spPr/>
+        <p:txBody>
+          <a:bodyPr/>
+          <a:lstStyle/>
+          <a:p>
             <a:endParaRPr lang="de-DE" dirty="0"/>
           </a:p>
         </p:txBody>
@@ -19460,7 +20733,7 @@
             <a:fld id="{17C2562E-359A-3C42-BBEF-E02CE97BECB1}" type="datetimeFigureOut">
               <a:rPr lang="de-DE" smtClean="0"/>
               <a:pPr/>
-              <a:t>15.10.17</a:t>
+              <a:t>18.10.17</a:t>
             </a:fld>
             <a:endParaRPr lang="de-DE" dirty="0"/>
           </a:p>
@@ -19507,7 +20780,7 @@
             <a:fld id="{38661448-4A48-D446-A2DB-27E795148D92}" type="slidenum">
               <a:rPr lang="de-DE" smtClean="0"/>
               <a:pPr/>
-              <a:t>20</a:t>
+              <a:t>22</a:t>
             </a:fld>
             <a:endParaRPr lang="de-DE" dirty="0"/>
           </a:p>
@@ -19650,9 +20923,8 @@
             </a:pPr>
             <a:r>
               <a:rPr lang="de-DE" dirty="0" smtClean="0"/>
-              <a:t>Service</a:t>
-            </a:r>
-            <a:endParaRPr lang="de-DE" dirty="0"/>
+              <a:t>Formulare in Angular</a:t>
+            </a:r>
           </a:p>
           <a:p>
             <a:pPr>
@@ -19661,8 +20933,16 @@
               </a:lnSpc>
             </a:pPr>
             <a:r>
-              <a:rPr lang="de-DE" dirty="0"/>
-              <a:t>Formulare in Angular</a:t>
+              <a:rPr lang="de-DE" dirty="0" smtClean="0"/>
+              <a:t>Template-</a:t>
+            </a:r>
+            <a:r>
+              <a:rPr lang="de-DE" dirty="0" err="1" smtClean="0"/>
+              <a:t>Driven</a:t>
+            </a:r>
+            <a:r>
+              <a:rPr lang="de-DE" dirty="0" smtClean="0"/>
+              <a:t> Forms</a:t>
             </a:r>
           </a:p>
           <a:p>
@@ -19672,17 +20952,10 @@
               </a:lnSpc>
             </a:pPr>
             <a:r>
-              <a:rPr lang="de-DE" dirty="0"/>
-              <a:t>Template-</a:t>
-            </a:r>
-            <a:r>
-              <a:rPr lang="de-DE" dirty="0" err="1"/>
-              <a:t>Driven</a:t>
-            </a:r>
-            <a:r>
-              <a:rPr lang="de-DE" dirty="0"/>
-              <a:t> Forms</a:t>
-            </a:r>
+              <a:rPr lang="de-DE" dirty="0" smtClean="0"/>
+              <a:t>Service</a:t>
+            </a:r>
+            <a:endParaRPr lang="de-DE" dirty="0"/>
           </a:p>
         </p:txBody>
       </p:sp>
@@ -19704,7 +20977,7 @@
             <a:fld id="{17C2562E-359A-3C42-BBEF-E02CE97BECB1}" type="datetimeFigureOut">
               <a:rPr lang="de-DE" smtClean="0"/>
               <a:pPr/>
-              <a:t>15.10.17</a:t>
+              <a:t>18.10.17</a:t>
             </a:fld>
             <a:endParaRPr lang="de-DE" dirty="0"/>
           </a:p>
@@ -20056,7 +21329,7 @@
             <a:fld id="{17C2562E-359A-3C42-BBEF-E02CE97BECB1}" type="datetimeFigureOut">
               <a:rPr lang="de-DE" smtClean="0"/>
               <a:pPr/>
-              <a:t>15.10.17</a:t>
+              <a:t>18.10.17</a:t>
             </a:fld>
             <a:endParaRPr lang="de-DE" dirty="0"/>
           </a:p>
@@ -20355,7 +21628,7 @@
             <a:fld id="{17C2562E-359A-3C42-BBEF-E02CE97BECB1}" type="datetimeFigureOut">
               <a:rPr lang="de-DE" smtClean="0"/>
               <a:pPr/>
-              <a:t>15.10.17</a:t>
+              <a:t>18.10.17</a:t>
             </a:fld>
             <a:endParaRPr lang="de-DE" dirty="0"/>
           </a:p>
@@ -20614,7 +21887,7 @@
             <a:fld id="{17C2562E-359A-3C42-BBEF-E02CE97BECB1}" type="datetimeFigureOut">
               <a:rPr lang="de-DE" smtClean="0"/>
               <a:pPr/>
-              <a:t>15.10.17</a:t>
+              <a:t>18.10.17</a:t>
             </a:fld>
             <a:endParaRPr lang="de-DE" dirty="0"/>
           </a:p>
@@ -20923,7 +22196,7 @@
             <a:fld id="{17C2562E-359A-3C42-BBEF-E02CE97BECB1}" type="datetimeFigureOut">
               <a:rPr lang="de-DE" smtClean="0"/>
               <a:pPr/>
-              <a:t>15.10.17</a:t>
+              <a:t>18.10.17</a:t>
             </a:fld>
             <a:endParaRPr lang="de-DE" dirty="0"/>
           </a:p>
@@ -21186,7 +22459,7 @@
             <a:fld id="{17C2562E-359A-3C42-BBEF-E02CE97BECB1}" type="datetimeFigureOut">
               <a:rPr lang="de-DE" smtClean="0"/>
               <a:pPr/>
-              <a:t>15.10.17</a:t>
+              <a:t>18.10.17</a:t>
             </a:fld>
             <a:endParaRPr lang="de-DE" dirty="0"/>
           </a:p>
@@ -21378,7 +22651,7 @@
             <a:fld id="{17C2562E-359A-3C42-BBEF-E02CE97BECB1}" type="datetimeFigureOut">
               <a:rPr lang="de-DE" smtClean="0"/>
               <a:pPr/>
-              <a:t>15.10.17</a:t>
+              <a:t>18.10.17</a:t>
             </a:fld>
             <a:endParaRPr lang="de-DE" dirty="0"/>
           </a:p>

--- a/docs/Angular-Workshop-20.10.pptx
+++ b/docs/Angular-Workshop-20.10.pptx
@@ -259,7 +259,7 @@
                 <a:latin typeface="Segoe UI" pitchFamily="34" charset="0"/>
               </a:rPr>
               <a:pPr/>
-              <a:t>18.10.17</a:t>
+              <a:t>19.10.17</a:t>
             </a:fld>
             <a:endParaRPr lang="de-DE" dirty="0">
               <a:latin typeface="Segoe UI" pitchFamily="34" charset="0"/>
@@ -438,7 +438,7 @@
             <a:fld id="{D2E1CCC5-01B8-284F-B77B-84D835A7601B}" type="datetimeFigureOut">
               <a:rPr lang="de-DE" smtClean="0"/>
               <a:pPr/>
-              <a:t>18.10.17</a:t>
+              <a:t>19.10.17</a:t>
             </a:fld>
             <a:endParaRPr lang="de-DE" dirty="0"/>
           </a:p>
@@ -2233,7 +2233,7 @@
           <a:noFill/>
           <a:extLst>
             <a:ext uri="{909E8E84-426E-40dd-AFC4-6F175D3DCCD1}">
-              <a14:hiddenFill xmlns:a14="http://schemas.microsoft.com/office/drawing/2010/main" xmlns="">
+              <a14:hiddenFill xmlns="" xmlns:a14="http://schemas.microsoft.com/office/drawing/2010/main">
                 <a:solidFill>
                   <a:srgbClr val="FFFFFF"/>
                 </a:solidFill>
@@ -2433,7 +2433,7 @@
           <p:cNvPr id="2" name="Datumsplatzhalter 1">
             <a:extLst>
               <a:ext uri="{FF2B5EF4-FFF2-40B4-BE49-F238E27FC236}">
-                <a16:creationId xmlns:a16="http://schemas.microsoft.com/office/drawing/2014/main" xmlns="" id="{0EE9CECA-FE53-4E0D-AD22-D4AB49ECF809}"/>
+                <a16:creationId xmlns="" xmlns:a16="http://schemas.microsoft.com/office/drawing/2014/main" id="{0EE9CECA-FE53-4E0D-AD22-D4AB49ECF809}"/>
               </a:ext>
             </a:extLst>
           </p:cNvPr>
@@ -2452,7 +2452,7 @@
             <a:fld id="{17C2562E-359A-3C42-BBEF-E02CE97BECB1}" type="datetimeFigureOut">
               <a:rPr lang="de-DE" smtClean="0"/>
               <a:pPr/>
-              <a:t>18.10.17</a:t>
+              <a:t>19.10.17</a:t>
             </a:fld>
             <a:endParaRPr lang="de-DE" dirty="0"/>
           </a:p>
@@ -2463,7 +2463,7 @@
           <p:cNvPr id="7" name="Fußzeilenplatzhalter 6">
             <a:extLst>
               <a:ext uri="{FF2B5EF4-FFF2-40B4-BE49-F238E27FC236}">
-                <a16:creationId xmlns:a16="http://schemas.microsoft.com/office/drawing/2014/main" xmlns="" id="{C07A299E-41A7-4A08-81FA-6FBA6806F0A5}"/>
+                <a16:creationId xmlns="" xmlns:a16="http://schemas.microsoft.com/office/drawing/2014/main" id="{C07A299E-41A7-4A08-81FA-6FBA6806F0A5}"/>
               </a:ext>
             </a:extLst>
           </p:cNvPr>
@@ -2488,7 +2488,7 @@
           <p:cNvPr id="8" name="Foliennummernplatzhalter 7">
             <a:extLst>
               <a:ext uri="{FF2B5EF4-FFF2-40B4-BE49-F238E27FC236}">
-                <a16:creationId xmlns:a16="http://schemas.microsoft.com/office/drawing/2014/main" xmlns="" id="{9151A28C-FF21-4CC9-B28E-CF780807FE34}"/>
+                <a16:creationId xmlns="" xmlns:a16="http://schemas.microsoft.com/office/drawing/2014/main" id="{9151A28C-FF21-4CC9-B28E-CF780807FE34}"/>
               </a:ext>
             </a:extLst>
           </p:cNvPr>
@@ -2743,7 +2743,7 @@
           <p:cNvPr id="3" name="Datumsplatzhalter 2">
             <a:extLst>
               <a:ext uri="{FF2B5EF4-FFF2-40B4-BE49-F238E27FC236}">
-                <a16:creationId xmlns:a16="http://schemas.microsoft.com/office/drawing/2014/main" xmlns="" id="{3D332A91-9158-4543-9295-8484F133E109}"/>
+                <a16:creationId xmlns="" xmlns:a16="http://schemas.microsoft.com/office/drawing/2014/main" id="{3D332A91-9158-4543-9295-8484F133E109}"/>
               </a:ext>
             </a:extLst>
           </p:cNvPr>
@@ -2762,7 +2762,7 @@
             <a:fld id="{17C2562E-359A-3C42-BBEF-E02CE97BECB1}" type="datetimeFigureOut">
               <a:rPr lang="de-DE" smtClean="0"/>
               <a:pPr/>
-              <a:t>18.10.17</a:t>
+              <a:t>19.10.17</a:t>
             </a:fld>
             <a:endParaRPr lang="de-DE" dirty="0"/>
           </a:p>
@@ -2773,7 +2773,7 @@
           <p:cNvPr id="7" name="Fußzeilenplatzhalter 6">
             <a:extLst>
               <a:ext uri="{FF2B5EF4-FFF2-40B4-BE49-F238E27FC236}">
-                <a16:creationId xmlns:a16="http://schemas.microsoft.com/office/drawing/2014/main" xmlns="" id="{C426E4CE-7F9D-4A7E-A795-EDD7185E3A7A}"/>
+                <a16:creationId xmlns="" xmlns:a16="http://schemas.microsoft.com/office/drawing/2014/main" id="{C426E4CE-7F9D-4A7E-A795-EDD7185E3A7A}"/>
               </a:ext>
             </a:extLst>
           </p:cNvPr>
@@ -2798,7 +2798,7 @@
           <p:cNvPr id="8" name="Foliennummernplatzhalter 7">
             <a:extLst>
               <a:ext uri="{FF2B5EF4-FFF2-40B4-BE49-F238E27FC236}">
-                <a16:creationId xmlns:a16="http://schemas.microsoft.com/office/drawing/2014/main" xmlns="" id="{73459CEF-058C-4C7D-9907-D7A5E4B23A28}"/>
+                <a16:creationId xmlns="" xmlns:a16="http://schemas.microsoft.com/office/drawing/2014/main" id="{73459CEF-058C-4C7D-9907-D7A5E4B23A28}"/>
               </a:ext>
             </a:extLst>
           </p:cNvPr>
@@ -3046,7 +3046,7 @@
           <p:cNvPr id="2" name="Datumsplatzhalter 1">
             <a:extLst>
               <a:ext uri="{FF2B5EF4-FFF2-40B4-BE49-F238E27FC236}">
-                <a16:creationId xmlns:a16="http://schemas.microsoft.com/office/drawing/2014/main" xmlns="" id="{64A9B900-82AE-4D1E-B11E-155C1B825004}"/>
+                <a16:creationId xmlns="" xmlns:a16="http://schemas.microsoft.com/office/drawing/2014/main" id="{64A9B900-82AE-4D1E-B11E-155C1B825004}"/>
               </a:ext>
             </a:extLst>
           </p:cNvPr>
@@ -3065,7 +3065,7 @@
             <a:fld id="{17C2562E-359A-3C42-BBEF-E02CE97BECB1}" type="datetimeFigureOut">
               <a:rPr lang="de-DE" smtClean="0"/>
               <a:pPr/>
-              <a:t>18.10.17</a:t>
+              <a:t>19.10.17</a:t>
             </a:fld>
             <a:endParaRPr lang="de-DE" dirty="0"/>
           </a:p>
@@ -3076,7 +3076,7 @@
           <p:cNvPr id="7" name="Fußzeilenplatzhalter 6">
             <a:extLst>
               <a:ext uri="{FF2B5EF4-FFF2-40B4-BE49-F238E27FC236}">
-                <a16:creationId xmlns:a16="http://schemas.microsoft.com/office/drawing/2014/main" xmlns="" id="{41953AE8-A571-4BCE-AF9C-CC7A649DD8C5}"/>
+                <a16:creationId xmlns="" xmlns:a16="http://schemas.microsoft.com/office/drawing/2014/main" id="{41953AE8-A571-4BCE-AF9C-CC7A649DD8C5}"/>
               </a:ext>
             </a:extLst>
           </p:cNvPr>
@@ -3101,7 +3101,7 @@
           <p:cNvPr id="8" name="Foliennummernplatzhalter 7">
             <a:extLst>
               <a:ext uri="{FF2B5EF4-FFF2-40B4-BE49-F238E27FC236}">
-                <a16:creationId xmlns:a16="http://schemas.microsoft.com/office/drawing/2014/main" xmlns="" id="{6DCAD949-98D9-4F76-BE67-6629B37422CB}"/>
+                <a16:creationId xmlns="" xmlns:a16="http://schemas.microsoft.com/office/drawing/2014/main" id="{6DCAD949-98D9-4F76-BE67-6629B37422CB}"/>
               </a:ext>
             </a:extLst>
           </p:cNvPr>
@@ -3202,7 +3202,7 @@
           <p:cNvPr id="2" name="Datumsplatzhalter 1">
             <a:extLst>
               <a:ext uri="{FF2B5EF4-FFF2-40B4-BE49-F238E27FC236}">
-                <a16:creationId xmlns:a16="http://schemas.microsoft.com/office/drawing/2014/main" xmlns="" id="{0F48F7B5-AF2D-4886-B660-ACFD0F3CA06C}"/>
+                <a16:creationId xmlns="" xmlns:a16="http://schemas.microsoft.com/office/drawing/2014/main" id="{0F48F7B5-AF2D-4886-B660-ACFD0F3CA06C}"/>
               </a:ext>
             </a:extLst>
           </p:cNvPr>
@@ -3221,7 +3221,7 @@
             <a:fld id="{17C2562E-359A-3C42-BBEF-E02CE97BECB1}" type="datetimeFigureOut">
               <a:rPr lang="de-DE" smtClean="0"/>
               <a:pPr/>
-              <a:t>18.10.17</a:t>
+              <a:t>19.10.17</a:t>
             </a:fld>
             <a:endParaRPr lang="de-DE" dirty="0"/>
           </a:p>
@@ -3232,7 +3232,7 @@
           <p:cNvPr id="7" name="Fußzeilenplatzhalter 6">
             <a:extLst>
               <a:ext uri="{FF2B5EF4-FFF2-40B4-BE49-F238E27FC236}">
-                <a16:creationId xmlns:a16="http://schemas.microsoft.com/office/drawing/2014/main" xmlns="" id="{C01D3F89-6DF4-4DC1-ABFC-4B69E0299624}"/>
+                <a16:creationId xmlns="" xmlns:a16="http://schemas.microsoft.com/office/drawing/2014/main" id="{C01D3F89-6DF4-4DC1-ABFC-4B69E0299624}"/>
               </a:ext>
             </a:extLst>
           </p:cNvPr>
@@ -3257,7 +3257,7 @@
           <p:cNvPr id="8" name="Foliennummernplatzhalter 7">
             <a:extLst>
               <a:ext uri="{FF2B5EF4-FFF2-40B4-BE49-F238E27FC236}">
-                <a16:creationId xmlns:a16="http://schemas.microsoft.com/office/drawing/2014/main" xmlns="" id="{BFD42FBE-0754-4285-A3CE-566D22A33C59}"/>
+                <a16:creationId xmlns="" xmlns:a16="http://schemas.microsoft.com/office/drawing/2014/main" id="{BFD42FBE-0754-4285-A3CE-566D22A33C59}"/>
               </a:ext>
             </a:extLst>
           </p:cNvPr>
@@ -3498,7 +3498,7 @@
           <p:cNvPr id="3" name="Datumsplatzhalter 2">
             <a:extLst>
               <a:ext uri="{FF2B5EF4-FFF2-40B4-BE49-F238E27FC236}">
-                <a16:creationId xmlns:a16="http://schemas.microsoft.com/office/drawing/2014/main" xmlns="" id="{434AC82E-1F55-4D6D-B12A-7355E3927B04}"/>
+                <a16:creationId xmlns="" xmlns:a16="http://schemas.microsoft.com/office/drawing/2014/main" id="{434AC82E-1F55-4D6D-B12A-7355E3927B04}"/>
               </a:ext>
             </a:extLst>
           </p:cNvPr>
@@ -3517,7 +3517,7 @@
             <a:fld id="{17C2562E-359A-3C42-BBEF-E02CE97BECB1}" type="datetimeFigureOut">
               <a:rPr lang="de-DE" smtClean="0"/>
               <a:pPr/>
-              <a:t>18.10.17</a:t>
+              <a:t>19.10.17</a:t>
             </a:fld>
             <a:endParaRPr lang="de-DE" dirty="0"/>
           </a:p>
@@ -3528,7 +3528,7 @@
           <p:cNvPr id="7" name="Fußzeilenplatzhalter 6">
             <a:extLst>
               <a:ext uri="{FF2B5EF4-FFF2-40B4-BE49-F238E27FC236}">
-                <a16:creationId xmlns:a16="http://schemas.microsoft.com/office/drawing/2014/main" xmlns="" id="{95F90759-2A54-4A06-B304-DFA3C45AF309}"/>
+                <a16:creationId xmlns="" xmlns:a16="http://schemas.microsoft.com/office/drawing/2014/main" id="{95F90759-2A54-4A06-B304-DFA3C45AF309}"/>
               </a:ext>
             </a:extLst>
           </p:cNvPr>
@@ -3553,7 +3553,7 @@
           <p:cNvPr id="8" name="Foliennummernplatzhalter 7">
             <a:extLst>
               <a:ext uri="{FF2B5EF4-FFF2-40B4-BE49-F238E27FC236}">
-                <a16:creationId xmlns:a16="http://schemas.microsoft.com/office/drawing/2014/main" xmlns="" id="{AAA489C6-E63E-4078-89A4-7CC1709D7206}"/>
+                <a16:creationId xmlns="" xmlns:a16="http://schemas.microsoft.com/office/drawing/2014/main" id="{AAA489C6-E63E-4078-89A4-7CC1709D7206}"/>
               </a:ext>
             </a:extLst>
           </p:cNvPr>
@@ -3835,7 +3835,7 @@
           <p:cNvPr id="3" name="Datumsplatzhalter 2">
             <a:extLst>
               <a:ext uri="{FF2B5EF4-FFF2-40B4-BE49-F238E27FC236}">
-                <a16:creationId xmlns:a16="http://schemas.microsoft.com/office/drawing/2014/main" xmlns="" id="{24A5A6B0-652D-48FC-AF73-17BD8D217D8E}"/>
+                <a16:creationId xmlns="" xmlns:a16="http://schemas.microsoft.com/office/drawing/2014/main" id="{24A5A6B0-652D-48FC-AF73-17BD8D217D8E}"/>
               </a:ext>
             </a:extLst>
           </p:cNvPr>
@@ -3854,7 +3854,7 @@
             <a:fld id="{17C2562E-359A-3C42-BBEF-E02CE97BECB1}" type="datetimeFigureOut">
               <a:rPr lang="de-DE" smtClean="0"/>
               <a:pPr/>
-              <a:t>18.10.17</a:t>
+              <a:t>19.10.17</a:t>
             </a:fld>
             <a:endParaRPr lang="de-DE" dirty="0"/>
           </a:p>
@@ -3865,7 +3865,7 @@
           <p:cNvPr id="7" name="Fußzeilenplatzhalter 6">
             <a:extLst>
               <a:ext uri="{FF2B5EF4-FFF2-40B4-BE49-F238E27FC236}">
-                <a16:creationId xmlns:a16="http://schemas.microsoft.com/office/drawing/2014/main" xmlns="" id="{239BA7E1-F103-432E-BC27-0127D2228DA4}"/>
+                <a16:creationId xmlns="" xmlns:a16="http://schemas.microsoft.com/office/drawing/2014/main" id="{239BA7E1-F103-432E-BC27-0127D2228DA4}"/>
               </a:ext>
             </a:extLst>
           </p:cNvPr>
@@ -3890,7 +3890,7 @@
           <p:cNvPr id="9" name="Foliennummernplatzhalter 8">
             <a:extLst>
               <a:ext uri="{FF2B5EF4-FFF2-40B4-BE49-F238E27FC236}">
-                <a16:creationId xmlns:a16="http://schemas.microsoft.com/office/drawing/2014/main" xmlns="" id="{E398A7F9-A765-46A7-B1D7-8FF6247ED6E8}"/>
+                <a16:creationId xmlns="" xmlns:a16="http://schemas.microsoft.com/office/drawing/2014/main" id="{E398A7F9-A765-46A7-B1D7-8FF6247ED6E8}"/>
               </a:ext>
             </a:extLst>
           </p:cNvPr>
@@ -4311,7 +4311,7 @@
           <p:cNvPr id="3" name="Datumsplatzhalter 2">
             <a:extLst>
               <a:ext uri="{FF2B5EF4-FFF2-40B4-BE49-F238E27FC236}">
-                <a16:creationId xmlns:a16="http://schemas.microsoft.com/office/drawing/2014/main" xmlns="" id="{E251BDE8-F6CD-4379-B02C-D58055E91CB7}"/>
+                <a16:creationId xmlns="" xmlns:a16="http://schemas.microsoft.com/office/drawing/2014/main" id="{E251BDE8-F6CD-4379-B02C-D58055E91CB7}"/>
               </a:ext>
             </a:extLst>
           </p:cNvPr>
@@ -4330,7 +4330,7 @@
             <a:fld id="{17C2562E-359A-3C42-BBEF-E02CE97BECB1}" type="datetimeFigureOut">
               <a:rPr lang="de-DE" smtClean="0"/>
               <a:pPr/>
-              <a:t>18.10.17</a:t>
+              <a:t>19.10.17</a:t>
             </a:fld>
             <a:endParaRPr lang="de-DE" dirty="0"/>
           </a:p>
@@ -4341,7 +4341,7 @@
           <p:cNvPr id="7" name="Fußzeilenplatzhalter 6">
             <a:extLst>
               <a:ext uri="{FF2B5EF4-FFF2-40B4-BE49-F238E27FC236}">
-                <a16:creationId xmlns:a16="http://schemas.microsoft.com/office/drawing/2014/main" xmlns="" id="{F684EDD4-7234-4CF4-A5B8-FCC6419FE199}"/>
+                <a16:creationId xmlns="" xmlns:a16="http://schemas.microsoft.com/office/drawing/2014/main" id="{F684EDD4-7234-4CF4-A5B8-FCC6419FE199}"/>
               </a:ext>
             </a:extLst>
           </p:cNvPr>
@@ -4366,7 +4366,7 @@
           <p:cNvPr id="8" name="Foliennummernplatzhalter 7">
             <a:extLst>
               <a:ext uri="{FF2B5EF4-FFF2-40B4-BE49-F238E27FC236}">
-                <a16:creationId xmlns:a16="http://schemas.microsoft.com/office/drawing/2014/main" xmlns="" id="{81EB7AF2-AEA0-439E-B5DA-DF760778341F}"/>
+                <a16:creationId xmlns="" xmlns:a16="http://schemas.microsoft.com/office/drawing/2014/main" id="{81EB7AF2-AEA0-439E-B5DA-DF760778341F}"/>
               </a:ext>
             </a:extLst>
           </p:cNvPr>
@@ -4694,7 +4694,7 @@
           <p:cNvPr id="3" name="Datumsplatzhalter 2">
             <a:extLst>
               <a:ext uri="{FF2B5EF4-FFF2-40B4-BE49-F238E27FC236}">
-                <a16:creationId xmlns:a16="http://schemas.microsoft.com/office/drawing/2014/main" xmlns="" id="{C2E5ECD2-BEB5-47D1-A89E-69496048A8D5}"/>
+                <a16:creationId xmlns="" xmlns:a16="http://schemas.microsoft.com/office/drawing/2014/main" id="{C2E5ECD2-BEB5-47D1-A89E-69496048A8D5}"/>
               </a:ext>
             </a:extLst>
           </p:cNvPr>
@@ -4713,7 +4713,7 @@
             <a:fld id="{17C2562E-359A-3C42-BBEF-E02CE97BECB1}" type="datetimeFigureOut">
               <a:rPr lang="de-DE" smtClean="0"/>
               <a:pPr/>
-              <a:t>18.10.17</a:t>
+              <a:t>19.10.17</a:t>
             </a:fld>
             <a:endParaRPr lang="de-DE" dirty="0"/>
           </a:p>
@@ -4724,7 +4724,7 @@
           <p:cNvPr id="7" name="Fußzeilenplatzhalter 6">
             <a:extLst>
               <a:ext uri="{FF2B5EF4-FFF2-40B4-BE49-F238E27FC236}">
-                <a16:creationId xmlns:a16="http://schemas.microsoft.com/office/drawing/2014/main" xmlns="" id="{8DADA64D-3A7A-4438-9197-BD2830657223}"/>
+                <a16:creationId xmlns="" xmlns:a16="http://schemas.microsoft.com/office/drawing/2014/main" id="{8DADA64D-3A7A-4438-9197-BD2830657223}"/>
               </a:ext>
             </a:extLst>
           </p:cNvPr>
@@ -4749,7 +4749,7 @@
           <p:cNvPr id="9" name="Foliennummernplatzhalter 8">
             <a:extLst>
               <a:ext uri="{FF2B5EF4-FFF2-40B4-BE49-F238E27FC236}">
-                <a16:creationId xmlns:a16="http://schemas.microsoft.com/office/drawing/2014/main" xmlns="" id="{3D8A091A-178E-435F-9EA9-84BA66D378CC}"/>
+                <a16:creationId xmlns="" xmlns:a16="http://schemas.microsoft.com/office/drawing/2014/main" id="{3D8A091A-178E-435F-9EA9-84BA66D378CC}"/>
               </a:ext>
             </a:extLst>
           </p:cNvPr>
@@ -5380,7 +5380,7 @@
           <p:cNvPr id="6" name="Datumsplatzhalter 5">
             <a:extLst>
               <a:ext uri="{FF2B5EF4-FFF2-40B4-BE49-F238E27FC236}">
-                <a16:creationId xmlns:a16="http://schemas.microsoft.com/office/drawing/2014/main" xmlns="" id="{E75B6010-F5BB-4F22-8221-D75D21F6EB55}"/>
+                <a16:creationId xmlns="" xmlns:a16="http://schemas.microsoft.com/office/drawing/2014/main" id="{E75B6010-F5BB-4F22-8221-D75D21F6EB55}"/>
               </a:ext>
             </a:extLst>
           </p:cNvPr>
@@ -5399,7 +5399,7 @@
             <a:fld id="{17C2562E-359A-3C42-BBEF-E02CE97BECB1}" type="datetimeFigureOut">
               <a:rPr lang="de-DE" smtClean="0"/>
               <a:pPr/>
-              <a:t>18.10.17</a:t>
+              <a:t>19.10.17</a:t>
             </a:fld>
             <a:endParaRPr lang="de-DE" dirty="0"/>
           </a:p>
@@ -5410,7 +5410,7 @@
           <p:cNvPr id="7" name="Fußzeilenplatzhalter 6">
             <a:extLst>
               <a:ext uri="{FF2B5EF4-FFF2-40B4-BE49-F238E27FC236}">
-                <a16:creationId xmlns:a16="http://schemas.microsoft.com/office/drawing/2014/main" xmlns="" id="{26547C97-5C9B-4C14-8D49-A5E83DFFB45A}"/>
+                <a16:creationId xmlns="" xmlns:a16="http://schemas.microsoft.com/office/drawing/2014/main" id="{26547C97-5C9B-4C14-8D49-A5E83DFFB45A}"/>
               </a:ext>
             </a:extLst>
           </p:cNvPr>
@@ -5435,7 +5435,7 @@
           <p:cNvPr id="11" name="Foliennummernplatzhalter 10">
             <a:extLst>
               <a:ext uri="{FF2B5EF4-FFF2-40B4-BE49-F238E27FC236}">
-                <a16:creationId xmlns:a16="http://schemas.microsoft.com/office/drawing/2014/main" xmlns="" id="{98B57AAA-67F4-4EFE-A062-411C04E4F8A2}"/>
+                <a16:creationId xmlns="" xmlns:a16="http://schemas.microsoft.com/office/drawing/2014/main" id="{98B57AAA-67F4-4EFE-A062-411C04E4F8A2}"/>
               </a:ext>
             </a:extLst>
           </p:cNvPr>
@@ -5974,7 +5974,7 @@
           <p:cNvPr id="5" name="Datumsplatzhalter 4">
             <a:extLst>
               <a:ext uri="{FF2B5EF4-FFF2-40B4-BE49-F238E27FC236}">
-                <a16:creationId xmlns:a16="http://schemas.microsoft.com/office/drawing/2014/main" xmlns="" id="{0C7C8404-609B-40A1-85F0-0C1D3C5C6357}"/>
+                <a16:creationId xmlns="" xmlns:a16="http://schemas.microsoft.com/office/drawing/2014/main" id="{0C7C8404-609B-40A1-85F0-0C1D3C5C6357}"/>
               </a:ext>
             </a:extLst>
           </p:cNvPr>
@@ -5993,7 +5993,7 @@
             <a:fld id="{17C2562E-359A-3C42-BBEF-E02CE97BECB1}" type="datetimeFigureOut">
               <a:rPr lang="de-DE" smtClean="0"/>
               <a:pPr/>
-              <a:t>18.10.17</a:t>
+              <a:t>19.10.17</a:t>
             </a:fld>
             <a:endParaRPr lang="de-DE" dirty="0"/>
           </a:p>
@@ -6004,7 +6004,7 @@
           <p:cNvPr id="8" name="Fußzeilenplatzhalter 7">
             <a:extLst>
               <a:ext uri="{FF2B5EF4-FFF2-40B4-BE49-F238E27FC236}">
-                <a16:creationId xmlns:a16="http://schemas.microsoft.com/office/drawing/2014/main" xmlns="" id="{3C29D00E-B305-494B-A605-238A832848F3}"/>
+                <a16:creationId xmlns="" xmlns:a16="http://schemas.microsoft.com/office/drawing/2014/main" id="{3C29D00E-B305-494B-A605-238A832848F3}"/>
               </a:ext>
             </a:extLst>
           </p:cNvPr>
@@ -6029,7 +6029,7 @@
           <p:cNvPr id="9" name="Foliennummernplatzhalter 8">
             <a:extLst>
               <a:ext uri="{FF2B5EF4-FFF2-40B4-BE49-F238E27FC236}">
-                <a16:creationId xmlns:a16="http://schemas.microsoft.com/office/drawing/2014/main" xmlns="" id="{7FC7C27A-51A6-4577-BAAE-22B90EFD1D16}"/>
+                <a16:creationId xmlns="" xmlns:a16="http://schemas.microsoft.com/office/drawing/2014/main" id="{7FC7C27A-51A6-4577-BAAE-22B90EFD1D16}"/>
               </a:ext>
             </a:extLst>
           </p:cNvPr>
@@ -6798,7 +6798,7 @@
           <p:cNvPr id="5" name="Datumsplatzhalter 4">
             <a:extLst>
               <a:ext uri="{FF2B5EF4-FFF2-40B4-BE49-F238E27FC236}">
-                <a16:creationId xmlns:a16="http://schemas.microsoft.com/office/drawing/2014/main" xmlns="" id="{33D616DE-E3B4-4D35-BB61-A1FFAD7A5AAF}"/>
+                <a16:creationId xmlns="" xmlns:a16="http://schemas.microsoft.com/office/drawing/2014/main" id="{33D616DE-E3B4-4D35-BB61-A1FFAD7A5AAF}"/>
               </a:ext>
             </a:extLst>
           </p:cNvPr>
@@ -6817,7 +6817,7 @@
             <a:fld id="{17C2562E-359A-3C42-BBEF-E02CE97BECB1}" type="datetimeFigureOut">
               <a:rPr lang="de-DE" smtClean="0"/>
               <a:pPr/>
-              <a:t>18.10.17</a:t>
+              <a:t>19.10.17</a:t>
             </a:fld>
             <a:endParaRPr lang="de-DE" dirty="0"/>
           </a:p>
@@ -6828,7 +6828,7 @@
           <p:cNvPr id="7" name="Fußzeilenplatzhalter 6">
             <a:extLst>
               <a:ext uri="{FF2B5EF4-FFF2-40B4-BE49-F238E27FC236}">
-                <a16:creationId xmlns:a16="http://schemas.microsoft.com/office/drawing/2014/main" xmlns="" id="{009571DE-76C3-4B92-A98C-31AD1C84E96F}"/>
+                <a16:creationId xmlns="" xmlns:a16="http://schemas.microsoft.com/office/drawing/2014/main" id="{009571DE-76C3-4B92-A98C-31AD1C84E96F}"/>
               </a:ext>
             </a:extLst>
           </p:cNvPr>
@@ -6853,7 +6853,7 @@
           <p:cNvPr id="10" name="Foliennummernplatzhalter 9">
             <a:extLst>
               <a:ext uri="{FF2B5EF4-FFF2-40B4-BE49-F238E27FC236}">
-                <a16:creationId xmlns:a16="http://schemas.microsoft.com/office/drawing/2014/main" xmlns="" id="{A873DEEA-A3E3-4201-A6F9-C92D0EB9E730}"/>
+                <a16:creationId xmlns="" xmlns:a16="http://schemas.microsoft.com/office/drawing/2014/main" id="{A873DEEA-A3E3-4201-A6F9-C92D0EB9E730}"/>
               </a:ext>
             </a:extLst>
           </p:cNvPr>
@@ -7278,7 +7278,7 @@
           <p:cNvPr id="6" name="Datumsplatzhalter 5">
             <a:extLst>
               <a:ext uri="{FF2B5EF4-FFF2-40B4-BE49-F238E27FC236}">
-                <a16:creationId xmlns:a16="http://schemas.microsoft.com/office/drawing/2014/main" xmlns="" id="{BE1F9E44-CCA9-4032-B773-94D7E2DF8ED5}"/>
+                <a16:creationId xmlns="" xmlns:a16="http://schemas.microsoft.com/office/drawing/2014/main" id="{BE1F9E44-CCA9-4032-B773-94D7E2DF8ED5}"/>
               </a:ext>
             </a:extLst>
           </p:cNvPr>
@@ -7297,7 +7297,7 @@
             <a:fld id="{17C2562E-359A-3C42-BBEF-E02CE97BECB1}" type="datetimeFigureOut">
               <a:rPr lang="de-DE" smtClean="0"/>
               <a:pPr/>
-              <a:t>18.10.17</a:t>
+              <a:t>19.10.17</a:t>
             </a:fld>
             <a:endParaRPr lang="de-DE" dirty="0"/>
           </a:p>
@@ -7308,7 +7308,7 @@
           <p:cNvPr id="7" name="Fußzeilenplatzhalter 6">
             <a:extLst>
               <a:ext uri="{FF2B5EF4-FFF2-40B4-BE49-F238E27FC236}">
-                <a16:creationId xmlns:a16="http://schemas.microsoft.com/office/drawing/2014/main" xmlns="" id="{4D3B4066-4E5D-4AAB-A33C-01B8A1CAA20D}"/>
+                <a16:creationId xmlns="" xmlns:a16="http://schemas.microsoft.com/office/drawing/2014/main" id="{4D3B4066-4E5D-4AAB-A33C-01B8A1CAA20D}"/>
               </a:ext>
             </a:extLst>
           </p:cNvPr>
@@ -7333,7 +7333,7 @@
           <p:cNvPr id="8" name="Foliennummernplatzhalter 7">
             <a:extLst>
               <a:ext uri="{FF2B5EF4-FFF2-40B4-BE49-F238E27FC236}">
-                <a16:creationId xmlns:a16="http://schemas.microsoft.com/office/drawing/2014/main" xmlns="" id="{52AE4811-CB7B-4E63-92A7-E2967B6AEBEE}"/>
+                <a16:creationId xmlns="" xmlns:a16="http://schemas.microsoft.com/office/drawing/2014/main" id="{52AE4811-CB7B-4E63-92A7-E2967B6AEBEE}"/>
               </a:ext>
             </a:extLst>
           </p:cNvPr>
@@ -8120,7 +8120,7 @@
           <p:cNvPr id="5" name="Datumsplatzhalter 4">
             <a:extLst>
               <a:ext uri="{FF2B5EF4-FFF2-40B4-BE49-F238E27FC236}">
-                <a16:creationId xmlns:a16="http://schemas.microsoft.com/office/drawing/2014/main" xmlns="" id="{7AEDF8C5-F6FB-4119-B6A3-908B246DAB0B}"/>
+                <a16:creationId xmlns="" xmlns:a16="http://schemas.microsoft.com/office/drawing/2014/main" id="{7AEDF8C5-F6FB-4119-B6A3-908B246DAB0B}"/>
               </a:ext>
             </a:extLst>
           </p:cNvPr>
@@ -8139,7 +8139,7 @@
             <a:fld id="{17C2562E-359A-3C42-BBEF-E02CE97BECB1}" type="datetimeFigureOut">
               <a:rPr lang="de-DE" smtClean="0"/>
               <a:pPr/>
-              <a:t>18.10.17</a:t>
+              <a:t>19.10.17</a:t>
             </a:fld>
             <a:endParaRPr lang="de-DE" dirty="0"/>
           </a:p>
@@ -8150,7 +8150,7 @@
           <p:cNvPr id="7" name="Fußzeilenplatzhalter 6">
             <a:extLst>
               <a:ext uri="{FF2B5EF4-FFF2-40B4-BE49-F238E27FC236}">
-                <a16:creationId xmlns:a16="http://schemas.microsoft.com/office/drawing/2014/main" xmlns="" id="{4CCDEB9D-85DD-4CF0-96C7-BA711D11F2BE}"/>
+                <a16:creationId xmlns="" xmlns:a16="http://schemas.microsoft.com/office/drawing/2014/main" id="{4CCDEB9D-85DD-4CF0-96C7-BA711D11F2BE}"/>
               </a:ext>
             </a:extLst>
           </p:cNvPr>
@@ -8175,7 +8175,7 @@
           <p:cNvPr id="9" name="Foliennummernplatzhalter 8">
             <a:extLst>
               <a:ext uri="{FF2B5EF4-FFF2-40B4-BE49-F238E27FC236}">
-                <a16:creationId xmlns:a16="http://schemas.microsoft.com/office/drawing/2014/main" xmlns="" id="{418E80D9-3450-43BD-94A9-22C9BF91B1C0}"/>
+                <a16:creationId xmlns="" xmlns:a16="http://schemas.microsoft.com/office/drawing/2014/main" id="{418E80D9-3450-43BD-94A9-22C9BF91B1C0}"/>
               </a:ext>
             </a:extLst>
           </p:cNvPr>
@@ -8921,7 +8921,7 @@
           <p:cNvPr id="3" name="Datumsplatzhalter 2">
             <a:extLst>
               <a:ext uri="{FF2B5EF4-FFF2-40B4-BE49-F238E27FC236}">
-                <a16:creationId xmlns:a16="http://schemas.microsoft.com/office/drawing/2014/main" xmlns="" id="{25D8C277-6F42-4B11-AB90-EBE3A1238A85}"/>
+                <a16:creationId xmlns="" xmlns:a16="http://schemas.microsoft.com/office/drawing/2014/main" id="{25D8C277-6F42-4B11-AB90-EBE3A1238A85}"/>
               </a:ext>
             </a:extLst>
           </p:cNvPr>
@@ -8940,7 +8940,7 @@
             <a:fld id="{17C2562E-359A-3C42-BBEF-E02CE97BECB1}" type="datetimeFigureOut">
               <a:rPr lang="de-DE" smtClean="0"/>
               <a:pPr/>
-              <a:t>18.10.17</a:t>
+              <a:t>19.10.17</a:t>
             </a:fld>
             <a:endParaRPr lang="de-DE" dirty="0"/>
           </a:p>
@@ -8951,7 +8951,7 @@
           <p:cNvPr id="4" name="Fußzeilenplatzhalter 3">
             <a:extLst>
               <a:ext uri="{FF2B5EF4-FFF2-40B4-BE49-F238E27FC236}">
-                <a16:creationId xmlns:a16="http://schemas.microsoft.com/office/drawing/2014/main" xmlns="" id="{4815A052-9443-41A9-9F46-0AA437EEDDA5}"/>
+                <a16:creationId xmlns="" xmlns:a16="http://schemas.microsoft.com/office/drawing/2014/main" id="{4815A052-9443-41A9-9F46-0AA437EEDDA5}"/>
               </a:ext>
             </a:extLst>
           </p:cNvPr>
@@ -8976,7 +8976,7 @@
           <p:cNvPr id="5" name="Foliennummernplatzhalter 4">
             <a:extLst>
               <a:ext uri="{FF2B5EF4-FFF2-40B4-BE49-F238E27FC236}">
-                <a16:creationId xmlns:a16="http://schemas.microsoft.com/office/drawing/2014/main" xmlns="" id="{5F7C50D9-9DEA-4EFD-ACE3-677BBD4DEB55}"/>
+                <a16:creationId xmlns="" xmlns:a16="http://schemas.microsoft.com/office/drawing/2014/main" id="{5F7C50D9-9DEA-4EFD-ACE3-677BBD4DEB55}"/>
               </a:ext>
             </a:extLst>
           </p:cNvPr>
@@ -9442,7 +9442,7 @@
           <p:cNvPr id="5" name="Datumsplatzhalter 4">
             <a:extLst>
               <a:ext uri="{FF2B5EF4-FFF2-40B4-BE49-F238E27FC236}">
-                <a16:creationId xmlns:a16="http://schemas.microsoft.com/office/drawing/2014/main" xmlns="" id="{6B4135B1-E114-41F0-9C64-3A26186B834F}"/>
+                <a16:creationId xmlns="" xmlns:a16="http://schemas.microsoft.com/office/drawing/2014/main" id="{6B4135B1-E114-41F0-9C64-3A26186B834F}"/>
               </a:ext>
             </a:extLst>
           </p:cNvPr>
@@ -9461,7 +9461,7 @@
             <a:fld id="{17C2562E-359A-3C42-BBEF-E02CE97BECB1}" type="datetimeFigureOut">
               <a:rPr lang="de-DE" smtClean="0"/>
               <a:pPr/>
-              <a:t>18.10.17</a:t>
+              <a:t>19.10.17</a:t>
             </a:fld>
             <a:endParaRPr lang="de-DE" dirty="0"/>
           </a:p>
@@ -9472,7 +9472,7 @@
           <p:cNvPr id="7" name="Fußzeilenplatzhalter 6">
             <a:extLst>
               <a:ext uri="{FF2B5EF4-FFF2-40B4-BE49-F238E27FC236}">
-                <a16:creationId xmlns:a16="http://schemas.microsoft.com/office/drawing/2014/main" xmlns="" id="{84D81854-B37F-4ADF-A34F-BF0CCA2926F2}"/>
+                <a16:creationId xmlns="" xmlns:a16="http://schemas.microsoft.com/office/drawing/2014/main" id="{84D81854-B37F-4ADF-A34F-BF0CCA2926F2}"/>
               </a:ext>
             </a:extLst>
           </p:cNvPr>
@@ -9497,7 +9497,7 @@
           <p:cNvPr id="9" name="Foliennummernplatzhalter 8">
             <a:extLst>
               <a:ext uri="{FF2B5EF4-FFF2-40B4-BE49-F238E27FC236}">
-                <a16:creationId xmlns:a16="http://schemas.microsoft.com/office/drawing/2014/main" xmlns="" id="{2EE17D9C-06FE-45C8-B312-4C5617C49000}"/>
+                <a16:creationId xmlns="" xmlns:a16="http://schemas.microsoft.com/office/drawing/2014/main" id="{2EE17D9C-06FE-45C8-B312-4C5617C49000}"/>
               </a:ext>
             </a:extLst>
           </p:cNvPr>
@@ -9922,7 +9922,7 @@
           <p:cNvPr id="10" name="Datumsplatzhalter 9">
             <a:extLst>
               <a:ext uri="{FF2B5EF4-FFF2-40B4-BE49-F238E27FC236}">
-                <a16:creationId xmlns:a16="http://schemas.microsoft.com/office/drawing/2014/main" xmlns="" id="{F92E0490-C295-4C99-B9D1-6310B9164EDD}"/>
+                <a16:creationId xmlns="" xmlns:a16="http://schemas.microsoft.com/office/drawing/2014/main" id="{F92E0490-C295-4C99-B9D1-6310B9164EDD}"/>
               </a:ext>
             </a:extLst>
           </p:cNvPr>
@@ -9941,7 +9941,7 @@
             <a:fld id="{17C2562E-359A-3C42-BBEF-E02CE97BECB1}" type="datetimeFigureOut">
               <a:rPr lang="de-DE" smtClean="0"/>
               <a:pPr/>
-              <a:t>18.10.17</a:t>
+              <a:t>19.10.17</a:t>
             </a:fld>
             <a:endParaRPr lang="de-DE" dirty="0"/>
           </a:p>
@@ -9952,7 +9952,7 @@
           <p:cNvPr id="11" name="Fußzeilenplatzhalter 10">
             <a:extLst>
               <a:ext uri="{FF2B5EF4-FFF2-40B4-BE49-F238E27FC236}">
-                <a16:creationId xmlns:a16="http://schemas.microsoft.com/office/drawing/2014/main" xmlns="" id="{DD98C48F-3C69-4703-B4CC-632DDDDB497C}"/>
+                <a16:creationId xmlns="" xmlns:a16="http://schemas.microsoft.com/office/drawing/2014/main" id="{DD98C48F-3C69-4703-B4CC-632DDDDB497C}"/>
               </a:ext>
             </a:extLst>
           </p:cNvPr>
@@ -9977,7 +9977,7 @@
           <p:cNvPr id="15" name="Foliennummernplatzhalter 14">
             <a:extLst>
               <a:ext uri="{FF2B5EF4-FFF2-40B4-BE49-F238E27FC236}">
-                <a16:creationId xmlns:a16="http://schemas.microsoft.com/office/drawing/2014/main" xmlns="" id="{1968527D-44A1-407F-99A6-2ACAB46FBD28}"/>
+                <a16:creationId xmlns="" xmlns:a16="http://schemas.microsoft.com/office/drawing/2014/main" id="{1968527D-44A1-407F-99A6-2ACAB46FBD28}"/>
               </a:ext>
             </a:extLst>
           </p:cNvPr>
@@ -10764,7 +10764,7 @@
           <p:cNvPr id="5" name="Datumsplatzhalter 4">
             <a:extLst>
               <a:ext uri="{FF2B5EF4-FFF2-40B4-BE49-F238E27FC236}">
-                <a16:creationId xmlns:a16="http://schemas.microsoft.com/office/drawing/2014/main" xmlns="" id="{8AFAB162-0FDB-4A37-A4FD-CBFC89474486}"/>
+                <a16:creationId xmlns="" xmlns:a16="http://schemas.microsoft.com/office/drawing/2014/main" id="{8AFAB162-0FDB-4A37-A4FD-CBFC89474486}"/>
               </a:ext>
             </a:extLst>
           </p:cNvPr>
@@ -10783,7 +10783,7 @@
             <a:fld id="{17C2562E-359A-3C42-BBEF-E02CE97BECB1}" type="datetimeFigureOut">
               <a:rPr lang="de-DE" smtClean="0"/>
               <a:pPr/>
-              <a:t>18.10.17</a:t>
+              <a:t>19.10.17</a:t>
             </a:fld>
             <a:endParaRPr lang="de-DE" dirty="0"/>
           </a:p>
@@ -10794,7 +10794,7 @@
           <p:cNvPr id="7" name="Fußzeilenplatzhalter 6">
             <a:extLst>
               <a:ext uri="{FF2B5EF4-FFF2-40B4-BE49-F238E27FC236}">
-                <a16:creationId xmlns:a16="http://schemas.microsoft.com/office/drawing/2014/main" xmlns="" id="{46B12C25-0691-43C5-8596-6B8AD0039874}"/>
+                <a16:creationId xmlns="" xmlns:a16="http://schemas.microsoft.com/office/drawing/2014/main" id="{46B12C25-0691-43C5-8596-6B8AD0039874}"/>
               </a:ext>
             </a:extLst>
           </p:cNvPr>
@@ -10819,7 +10819,7 @@
           <p:cNvPr id="9" name="Foliennummernplatzhalter 8">
             <a:extLst>
               <a:ext uri="{FF2B5EF4-FFF2-40B4-BE49-F238E27FC236}">
-                <a16:creationId xmlns:a16="http://schemas.microsoft.com/office/drawing/2014/main" xmlns="" id="{7C5C2594-4A54-4AE0-88EE-FB17FDD4570C}"/>
+                <a16:creationId xmlns="" xmlns:a16="http://schemas.microsoft.com/office/drawing/2014/main" id="{7C5C2594-4A54-4AE0-88EE-FB17FDD4570C}"/>
               </a:ext>
             </a:extLst>
           </p:cNvPr>
@@ -11565,7 +11565,7 @@
           <p:cNvPr id="5" name="Datumsplatzhalter 4">
             <a:extLst>
               <a:ext uri="{FF2B5EF4-FFF2-40B4-BE49-F238E27FC236}">
-                <a16:creationId xmlns:a16="http://schemas.microsoft.com/office/drawing/2014/main" xmlns="" id="{D1D6952B-45CB-46FF-9F9B-1F98CC255417}"/>
+                <a16:creationId xmlns="" xmlns:a16="http://schemas.microsoft.com/office/drawing/2014/main" id="{D1D6952B-45CB-46FF-9F9B-1F98CC255417}"/>
               </a:ext>
             </a:extLst>
           </p:cNvPr>
@@ -11584,7 +11584,7 @@
             <a:fld id="{17C2562E-359A-3C42-BBEF-E02CE97BECB1}" type="datetimeFigureOut">
               <a:rPr lang="de-DE" smtClean="0"/>
               <a:pPr/>
-              <a:t>18.10.17</a:t>
+              <a:t>19.10.17</a:t>
             </a:fld>
             <a:endParaRPr lang="de-DE" dirty="0"/>
           </a:p>
@@ -11595,7 +11595,7 @@
           <p:cNvPr id="7" name="Fußzeilenplatzhalter 6">
             <a:extLst>
               <a:ext uri="{FF2B5EF4-FFF2-40B4-BE49-F238E27FC236}">
-                <a16:creationId xmlns:a16="http://schemas.microsoft.com/office/drawing/2014/main" xmlns="" id="{3C08D0C6-0E40-46E2-9D6C-74181D953DFE}"/>
+                <a16:creationId xmlns="" xmlns:a16="http://schemas.microsoft.com/office/drawing/2014/main" id="{3C08D0C6-0E40-46E2-9D6C-74181D953DFE}"/>
               </a:ext>
             </a:extLst>
           </p:cNvPr>
@@ -11620,7 +11620,7 @@
           <p:cNvPr id="8" name="Foliennummernplatzhalter 7">
             <a:extLst>
               <a:ext uri="{FF2B5EF4-FFF2-40B4-BE49-F238E27FC236}">
-                <a16:creationId xmlns:a16="http://schemas.microsoft.com/office/drawing/2014/main" xmlns="" id="{EA500A2A-E0AD-4AD6-AB58-61BF900F0E2C}"/>
+                <a16:creationId xmlns="" xmlns:a16="http://schemas.microsoft.com/office/drawing/2014/main" id="{EA500A2A-E0AD-4AD6-AB58-61BF900F0E2C}"/>
               </a:ext>
             </a:extLst>
           </p:cNvPr>
@@ -11724,7 +11724,7 @@
           <p:cNvPr id="5" name="Datumsplatzhalter 4">
             <a:extLst>
               <a:ext uri="{FF2B5EF4-FFF2-40B4-BE49-F238E27FC236}">
-                <a16:creationId xmlns:a16="http://schemas.microsoft.com/office/drawing/2014/main" xmlns="" id="{A181F7F8-D379-4070-8216-3B81228BAEC6}"/>
+                <a16:creationId xmlns="" xmlns:a16="http://schemas.microsoft.com/office/drawing/2014/main" id="{A181F7F8-D379-4070-8216-3B81228BAEC6}"/>
               </a:ext>
             </a:extLst>
           </p:cNvPr>
@@ -11743,7 +11743,7 @@
             <a:fld id="{17C2562E-359A-3C42-BBEF-E02CE97BECB1}" type="datetimeFigureOut">
               <a:rPr lang="de-DE" smtClean="0"/>
               <a:pPr/>
-              <a:t>18.10.17</a:t>
+              <a:t>19.10.17</a:t>
             </a:fld>
             <a:endParaRPr lang="de-DE" dirty="0"/>
           </a:p>
@@ -11754,7 +11754,7 @@
           <p:cNvPr id="7" name="Fußzeilenplatzhalter 6">
             <a:extLst>
               <a:ext uri="{FF2B5EF4-FFF2-40B4-BE49-F238E27FC236}">
-                <a16:creationId xmlns:a16="http://schemas.microsoft.com/office/drawing/2014/main" xmlns="" id="{D8E0E4FD-5CC1-4D23-A3E8-7DAB1134A4FA}"/>
+                <a16:creationId xmlns="" xmlns:a16="http://schemas.microsoft.com/office/drawing/2014/main" id="{D8E0E4FD-5CC1-4D23-A3E8-7DAB1134A4FA}"/>
               </a:ext>
             </a:extLst>
           </p:cNvPr>
@@ -11779,7 +11779,7 @@
           <p:cNvPr id="8" name="Foliennummernplatzhalter 7">
             <a:extLst>
               <a:ext uri="{FF2B5EF4-FFF2-40B4-BE49-F238E27FC236}">
-                <a16:creationId xmlns:a16="http://schemas.microsoft.com/office/drawing/2014/main" xmlns="" id="{6D72C792-B02A-4A44-BF65-9B261DE5D43D}"/>
+                <a16:creationId xmlns="" xmlns:a16="http://schemas.microsoft.com/office/drawing/2014/main" id="{6D72C792-B02A-4A44-BF65-9B261DE5D43D}"/>
               </a:ext>
             </a:extLst>
           </p:cNvPr>
@@ -12176,7 +12176,7 @@
           <p:cNvPr id="2" name="Datumsplatzhalter 1">
             <a:extLst>
               <a:ext uri="{FF2B5EF4-FFF2-40B4-BE49-F238E27FC236}">
-                <a16:creationId xmlns:a16="http://schemas.microsoft.com/office/drawing/2014/main" xmlns="" id="{B1E6CA30-BA19-47F1-BFEE-B5E43CCEC731}"/>
+                <a16:creationId xmlns="" xmlns:a16="http://schemas.microsoft.com/office/drawing/2014/main" id="{B1E6CA30-BA19-47F1-BFEE-B5E43CCEC731}"/>
               </a:ext>
             </a:extLst>
           </p:cNvPr>
@@ -12195,7 +12195,7 @@
             <a:fld id="{17C2562E-359A-3C42-BBEF-E02CE97BECB1}" type="datetimeFigureOut">
               <a:rPr lang="de-DE" smtClean="0"/>
               <a:pPr/>
-              <a:t>18.10.17</a:t>
+              <a:t>19.10.17</a:t>
             </a:fld>
             <a:endParaRPr lang="de-DE" dirty="0"/>
           </a:p>
@@ -12206,7 +12206,7 @@
           <p:cNvPr id="14" name="Fußzeilenplatzhalter 13">
             <a:extLst>
               <a:ext uri="{FF2B5EF4-FFF2-40B4-BE49-F238E27FC236}">
-                <a16:creationId xmlns:a16="http://schemas.microsoft.com/office/drawing/2014/main" xmlns="" id="{06236A5B-AF48-4E5C-BD02-27BC73328D88}"/>
+                <a16:creationId xmlns="" xmlns:a16="http://schemas.microsoft.com/office/drawing/2014/main" id="{06236A5B-AF48-4E5C-BD02-27BC73328D88}"/>
               </a:ext>
             </a:extLst>
           </p:cNvPr>
@@ -12231,7 +12231,7 @@
           <p:cNvPr id="15" name="Foliennummernplatzhalter 14">
             <a:extLst>
               <a:ext uri="{FF2B5EF4-FFF2-40B4-BE49-F238E27FC236}">
-                <a16:creationId xmlns:a16="http://schemas.microsoft.com/office/drawing/2014/main" xmlns="" id="{6C539E6F-C163-4DFD-A93D-F463843C6D4E}"/>
+                <a16:creationId xmlns="" xmlns:a16="http://schemas.microsoft.com/office/drawing/2014/main" id="{6C539E6F-C163-4DFD-A93D-F463843C6D4E}"/>
               </a:ext>
             </a:extLst>
           </p:cNvPr>
@@ -12547,7 +12547,7 @@
           <p:cNvPr id="7" name="Datumsplatzhalter 6">
             <a:extLst>
               <a:ext uri="{FF2B5EF4-FFF2-40B4-BE49-F238E27FC236}">
-                <a16:creationId xmlns:a16="http://schemas.microsoft.com/office/drawing/2014/main" xmlns="" id="{E9F2D5EB-EB07-4AC4-94D4-FA6BD7E87398}"/>
+                <a16:creationId xmlns="" xmlns:a16="http://schemas.microsoft.com/office/drawing/2014/main" id="{E9F2D5EB-EB07-4AC4-94D4-FA6BD7E87398}"/>
               </a:ext>
             </a:extLst>
           </p:cNvPr>
@@ -12566,7 +12566,7 @@
             <a:fld id="{17C2562E-359A-3C42-BBEF-E02CE97BECB1}" type="datetimeFigureOut">
               <a:rPr lang="de-DE" smtClean="0"/>
               <a:pPr/>
-              <a:t>18.10.17</a:t>
+              <a:t>19.10.17</a:t>
             </a:fld>
             <a:endParaRPr lang="de-DE" dirty="0"/>
           </a:p>
@@ -12577,7 +12577,7 @@
           <p:cNvPr id="8" name="Fußzeilenplatzhalter 7">
             <a:extLst>
               <a:ext uri="{FF2B5EF4-FFF2-40B4-BE49-F238E27FC236}">
-                <a16:creationId xmlns:a16="http://schemas.microsoft.com/office/drawing/2014/main" xmlns="" id="{947F1BF2-5B5A-4E3F-9A69-A7FC06CEE6DA}"/>
+                <a16:creationId xmlns="" xmlns:a16="http://schemas.microsoft.com/office/drawing/2014/main" id="{947F1BF2-5B5A-4E3F-9A69-A7FC06CEE6DA}"/>
               </a:ext>
             </a:extLst>
           </p:cNvPr>
@@ -12602,7 +12602,7 @@
           <p:cNvPr id="9" name="Foliennummernplatzhalter 8">
             <a:extLst>
               <a:ext uri="{FF2B5EF4-FFF2-40B4-BE49-F238E27FC236}">
-                <a16:creationId xmlns:a16="http://schemas.microsoft.com/office/drawing/2014/main" xmlns="" id="{B0D6E36A-E68C-4CFF-A1B3-ADE80884E18E}"/>
+                <a16:creationId xmlns="" xmlns:a16="http://schemas.microsoft.com/office/drawing/2014/main" id="{B0D6E36A-E68C-4CFF-A1B3-ADE80884E18E}"/>
               </a:ext>
             </a:extLst>
           </p:cNvPr>
@@ -12693,7 +12693,7 @@
           <a:noFill/>
           <a:extLst>
             <a:ext uri="{909E8E84-426E-40dd-AFC4-6F175D3DCCD1}">
-              <a14:hiddenFill xmlns:a14="http://schemas.microsoft.com/office/drawing/2010/main" xmlns="">
+              <a14:hiddenFill xmlns="" xmlns:a14="http://schemas.microsoft.com/office/drawing/2010/main">
                 <a:solidFill>
                   <a:srgbClr val="FFFFFF"/>
                 </a:solidFill>
@@ -12773,7 +12773,7 @@
           <a:noFill/>
           <a:extLst>
             <a:ext uri="{909E8E84-426E-40dd-AFC4-6F175D3DCCD1}">
-              <a14:hiddenFill xmlns:a14="http://schemas.microsoft.com/office/drawing/2010/main" xmlns="">
+              <a14:hiddenFill xmlns="" xmlns:a14="http://schemas.microsoft.com/office/drawing/2010/main">
                 <a:solidFill>
                   <a:srgbClr val="FFFFFF"/>
                 </a:solidFill>
@@ -13076,7 +13076,7 @@
           <p:cNvPr id="5" name="Datumsplatzhalter 4">
             <a:extLst>
               <a:ext uri="{FF2B5EF4-FFF2-40B4-BE49-F238E27FC236}">
-                <a16:creationId xmlns:a16="http://schemas.microsoft.com/office/drawing/2014/main" xmlns="" id="{368DD9D8-7FE8-48F0-AE91-AE98EA3DCA20}"/>
+                <a16:creationId xmlns="" xmlns:a16="http://schemas.microsoft.com/office/drawing/2014/main" id="{368DD9D8-7FE8-48F0-AE91-AE98EA3DCA20}"/>
               </a:ext>
             </a:extLst>
           </p:cNvPr>
@@ -13095,7 +13095,7 @@
             <a:fld id="{17C2562E-359A-3C42-BBEF-E02CE97BECB1}" type="datetimeFigureOut">
               <a:rPr lang="de-DE" smtClean="0"/>
               <a:pPr/>
-              <a:t>18.10.17</a:t>
+              <a:t>19.10.17</a:t>
             </a:fld>
             <a:endParaRPr lang="de-DE" dirty="0"/>
           </a:p>
@@ -13106,7 +13106,7 @@
           <p:cNvPr id="7" name="Fußzeilenplatzhalter 6">
             <a:extLst>
               <a:ext uri="{FF2B5EF4-FFF2-40B4-BE49-F238E27FC236}">
-                <a16:creationId xmlns:a16="http://schemas.microsoft.com/office/drawing/2014/main" xmlns="" id="{DD743ADB-89F1-48B5-A397-7FB83734730F}"/>
+                <a16:creationId xmlns="" xmlns:a16="http://schemas.microsoft.com/office/drawing/2014/main" id="{DD743ADB-89F1-48B5-A397-7FB83734730F}"/>
               </a:ext>
             </a:extLst>
           </p:cNvPr>
@@ -13131,7 +13131,7 @@
           <p:cNvPr id="8" name="Foliennummernplatzhalter 7">
             <a:extLst>
               <a:ext uri="{FF2B5EF4-FFF2-40B4-BE49-F238E27FC236}">
-                <a16:creationId xmlns:a16="http://schemas.microsoft.com/office/drawing/2014/main" xmlns="" id="{E9AACC46-EA1E-4E6F-8F9D-AC4B57F09904}"/>
+                <a16:creationId xmlns="" xmlns:a16="http://schemas.microsoft.com/office/drawing/2014/main" id="{E9AACC46-EA1E-4E6F-8F9D-AC4B57F09904}"/>
               </a:ext>
             </a:extLst>
           </p:cNvPr>
@@ -13438,7 +13438,7 @@
           <p:cNvPr id="6" name="Datumsplatzhalter 5">
             <a:extLst>
               <a:ext uri="{FF2B5EF4-FFF2-40B4-BE49-F238E27FC236}">
-                <a16:creationId xmlns:a16="http://schemas.microsoft.com/office/drawing/2014/main" xmlns="" id="{39EC82D5-F468-46F1-8BE2-F62E4D04C5CD}"/>
+                <a16:creationId xmlns="" xmlns:a16="http://schemas.microsoft.com/office/drawing/2014/main" id="{39EC82D5-F468-46F1-8BE2-F62E4D04C5CD}"/>
               </a:ext>
             </a:extLst>
           </p:cNvPr>
@@ -13457,7 +13457,7 @@
             <a:fld id="{17C2562E-359A-3C42-BBEF-E02CE97BECB1}" type="datetimeFigureOut">
               <a:rPr lang="de-DE" smtClean="0"/>
               <a:pPr/>
-              <a:t>18.10.17</a:t>
+              <a:t>19.10.17</a:t>
             </a:fld>
             <a:endParaRPr lang="de-DE" dirty="0"/>
           </a:p>
@@ -13468,7 +13468,7 @@
           <p:cNvPr id="7" name="Fußzeilenplatzhalter 6">
             <a:extLst>
               <a:ext uri="{FF2B5EF4-FFF2-40B4-BE49-F238E27FC236}">
-                <a16:creationId xmlns:a16="http://schemas.microsoft.com/office/drawing/2014/main" xmlns="" id="{32A29AE2-1FA8-458C-9BDD-E35CA69A9340}"/>
+                <a16:creationId xmlns="" xmlns:a16="http://schemas.microsoft.com/office/drawing/2014/main" id="{32A29AE2-1FA8-458C-9BDD-E35CA69A9340}"/>
               </a:ext>
             </a:extLst>
           </p:cNvPr>
@@ -13493,7 +13493,7 @@
           <p:cNvPr id="8" name="Foliennummernplatzhalter 7">
             <a:extLst>
               <a:ext uri="{FF2B5EF4-FFF2-40B4-BE49-F238E27FC236}">
-                <a16:creationId xmlns:a16="http://schemas.microsoft.com/office/drawing/2014/main" xmlns="" id="{DC4135BE-88E8-4C4B-B3FF-FC61855E0C9F}"/>
+                <a16:creationId xmlns="" xmlns:a16="http://schemas.microsoft.com/office/drawing/2014/main" id="{DC4135BE-88E8-4C4B-B3FF-FC61855E0C9F}"/>
               </a:ext>
             </a:extLst>
           </p:cNvPr>
@@ -13804,7 +13804,7 @@
           <p:cNvPr id="5" name="Datumsplatzhalter 4">
             <a:extLst>
               <a:ext uri="{FF2B5EF4-FFF2-40B4-BE49-F238E27FC236}">
-                <a16:creationId xmlns:a16="http://schemas.microsoft.com/office/drawing/2014/main" xmlns="" id="{42621BA8-D298-4AAA-B27E-2D5702596736}"/>
+                <a16:creationId xmlns="" xmlns:a16="http://schemas.microsoft.com/office/drawing/2014/main" id="{42621BA8-D298-4AAA-B27E-2D5702596736}"/>
               </a:ext>
             </a:extLst>
           </p:cNvPr>
@@ -13823,7 +13823,7 @@
             <a:fld id="{17C2562E-359A-3C42-BBEF-E02CE97BECB1}" type="datetimeFigureOut">
               <a:rPr lang="de-DE" smtClean="0"/>
               <a:pPr/>
-              <a:t>18.10.17</a:t>
+              <a:t>19.10.17</a:t>
             </a:fld>
             <a:endParaRPr lang="de-DE" dirty="0"/>
           </a:p>
@@ -13834,7 +13834,7 @@
           <p:cNvPr id="6" name="Fußzeilenplatzhalter 5">
             <a:extLst>
               <a:ext uri="{FF2B5EF4-FFF2-40B4-BE49-F238E27FC236}">
-                <a16:creationId xmlns:a16="http://schemas.microsoft.com/office/drawing/2014/main" xmlns="" id="{59687A69-8E9C-4168-AA2A-7D487587D19D}"/>
+                <a16:creationId xmlns="" xmlns:a16="http://schemas.microsoft.com/office/drawing/2014/main" id="{59687A69-8E9C-4168-AA2A-7D487587D19D}"/>
               </a:ext>
             </a:extLst>
           </p:cNvPr>
@@ -13859,7 +13859,7 @@
           <p:cNvPr id="7" name="Foliennummernplatzhalter 6">
             <a:extLst>
               <a:ext uri="{FF2B5EF4-FFF2-40B4-BE49-F238E27FC236}">
-                <a16:creationId xmlns:a16="http://schemas.microsoft.com/office/drawing/2014/main" xmlns="" id="{536244A4-4C24-4CD2-82E9-C547A6F8C84B}"/>
+                <a16:creationId xmlns="" xmlns:a16="http://schemas.microsoft.com/office/drawing/2014/main" id="{536244A4-4C24-4CD2-82E9-C547A6F8C84B}"/>
               </a:ext>
             </a:extLst>
           </p:cNvPr>
@@ -14163,7 +14163,7 @@
           <p:cNvPr id="6" name="Datumsplatzhalter 5">
             <a:extLst>
               <a:ext uri="{FF2B5EF4-FFF2-40B4-BE49-F238E27FC236}">
-                <a16:creationId xmlns:a16="http://schemas.microsoft.com/office/drawing/2014/main" xmlns="" id="{BF6F2AC7-7673-45B2-B727-C8AE32F0AB56}"/>
+                <a16:creationId xmlns="" xmlns:a16="http://schemas.microsoft.com/office/drawing/2014/main" id="{BF6F2AC7-7673-45B2-B727-C8AE32F0AB56}"/>
               </a:ext>
             </a:extLst>
           </p:cNvPr>
@@ -14182,7 +14182,7 @@
             <a:fld id="{17C2562E-359A-3C42-BBEF-E02CE97BECB1}" type="datetimeFigureOut">
               <a:rPr lang="de-DE" smtClean="0"/>
               <a:pPr/>
-              <a:t>18.10.17</a:t>
+              <a:t>19.10.17</a:t>
             </a:fld>
             <a:endParaRPr lang="de-DE" dirty="0"/>
           </a:p>
@@ -14193,7 +14193,7 @@
           <p:cNvPr id="7" name="Fußzeilenplatzhalter 6">
             <a:extLst>
               <a:ext uri="{FF2B5EF4-FFF2-40B4-BE49-F238E27FC236}">
-                <a16:creationId xmlns:a16="http://schemas.microsoft.com/office/drawing/2014/main" xmlns="" id="{92A772BA-DCE7-4C4E-83BA-CF4FFCC183EE}"/>
+                <a16:creationId xmlns="" xmlns:a16="http://schemas.microsoft.com/office/drawing/2014/main" id="{92A772BA-DCE7-4C4E-83BA-CF4FFCC183EE}"/>
               </a:ext>
             </a:extLst>
           </p:cNvPr>
@@ -14218,7 +14218,7 @@
           <p:cNvPr id="8" name="Foliennummernplatzhalter 7">
             <a:extLst>
               <a:ext uri="{FF2B5EF4-FFF2-40B4-BE49-F238E27FC236}">
-                <a16:creationId xmlns:a16="http://schemas.microsoft.com/office/drawing/2014/main" xmlns="" id="{E51D4D1D-A3D0-476F-93F4-F41207D05396}"/>
+                <a16:creationId xmlns="" xmlns:a16="http://schemas.microsoft.com/office/drawing/2014/main" id="{E51D4D1D-A3D0-476F-93F4-F41207D05396}"/>
               </a:ext>
             </a:extLst>
           </p:cNvPr>
@@ -14518,7 +14518,7 @@
           <p:cNvPr id="4" name="Datumsplatzhalter 3">
             <a:extLst>
               <a:ext uri="{FF2B5EF4-FFF2-40B4-BE49-F238E27FC236}">
-                <a16:creationId xmlns:a16="http://schemas.microsoft.com/office/drawing/2014/main" xmlns="" id="{37D39D12-6498-4172-8CA5-163DBEBBD0CB}"/>
+                <a16:creationId xmlns="" xmlns:a16="http://schemas.microsoft.com/office/drawing/2014/main" id="{37D39D12-6498-4172-8CA5-163DBEBBD0CB}"/>
               </a:ext>
             </a:extLst>
           </p:cNvPr>
@@ -14537,7 +14537,7 @@
             <a:fld id="{17C2562E-359A-3C42-BBEF-E02CE97BECB1}" type="datetimeFigureOut">
               <a:rPr lang="de-DE" smtClean="0"/>
               <a:pPr/>
-              <a:t>18.10.17</a:t>
+              <a:t>19.10.17</a:t>
             </a:fld>
             <a:endParaRPr lang="de-DE" dirty="0"/>
           </a:p>
@@ -14548,7 +14548,7 @@
           <p:cNvPr id="7" name="Fußzeilenplatzhalter 6">
             <a:extLst>
               <a:ext uri="{FF2B5EF4-FFF2-40B4-BE49-F238E27FC236}">
-                <a16:creationId xmlns:a16="http://schemas.microsoft.com/office/drawing/2014/main" xmlns="" id="{F310451D-2AF2-4222-AA5C-04DDCF6CA55F}"/>
+                <a16:creationId xmlns="" xmlns:a16="http://schemas.microsoft.com/office/drawing/2014/main" id="{F310451D-2AF2-4222-AA5C-04DDCF6CA55F}"/>
               </a:ext>
             </a:extLst>
           </p:cNvPr>
@@ -14573,7 +14573,7 @@
           <p:cNvPr id="8" name="Foliennummernplatzhalter 7">
             <a:extLst>
               <a:ext uri="{FF2B5EF4-FFF2-40B4-BE49-F238E27FC236}">
-                <a16:creationId xmlns:a16="http://schemas.microsoft.com/office/drawing/2014/main" xmlns="" id="{8546ADD4-A434-4A15-B639-BB0897136588}"/>
+                <a16:creationId xmlns="" xmlns:a16="http://schemas.microsoft.com/office/drawing/2014/main" id="{8546ADD4-A434-4A15-B639-BB0897136588}"/>
               </a:ext>
             </a:extLst>
           </p:cNvPr>
@@ -14812,7 +14812,7 @@
           <p:cNvPr id="2" name="Datumsplatzhalter 1">
             <a:extLst>
               <a:ext uri="{FF2B5EF4-FFF2-40B4-BE49-F238E27FC236}">
-                <a16:creationId xmlns:a16="http://schemas.microsoft.com/office/drawing/2014/main" xmlns="" id="{A19FBC2B-4138-47A7-96C3-6075667C774D}"/>
+                <a16:creationId xmlns="" xmlns:a16="http://schemas.microsoft.com/office/drawing/2014/main" id="{A19FBC2B-4138-47A7-96C3-6075667C774D}"/>
               </a:ext>
             </a:extLst>
           </p:cNvPr>
@@ -14831,7 +14831,7 @@
             <a:fld id="{17C2562E-359A-3C42-BBEF-E02CE97BECB1}" type="datetimeFigureOut">
               <a:rPr lang="de-DE" smtClean="0"/>
               <a:pPr/>
-              <a:t>18.10.17</a:t>
+              <a:t>19.10.17</a:t>
             </a:fld>
             <a:endParaRPr lang="de-DE" dirty="0"/>
           </a:p>
@@ -14842,7 +14842,7 @@
           <p:cNvPr id="8" name="Fußzeilenplatzhalter 7">
             <a:extLst>
               <a:ext uri="{FF2B5EF4-FFF2-40B4-BE49-F238E27FC236}">
-                <a16:creationId xmlns:a16="http://schemas.microsoft.com/office/drawing/2014/main" xmlns="" id="{193B0760-28CB-4559-9AEF-4866F2FCE0E4}"/>
+                <a16:creationId xmlns="" xmlns:a16="http://schemas.microsoft.com/office/drawing/2014/main" id="{193B0760-28CB-4559-9AEF-4866F2FCE0E4}"/>
               </a:ext>
             </a:extLst>
           </p:cNvPr>
@@ -14867,7 +14867,7 @@
           <p:cNvPr id="11" name="Foliennummernplatzhalter 10">
             <a:extLst>
               <a:ext uri="{FF2B5EF4-FFF2-40B4-BE49-F238E27FC236}">
-                <a16:creationId xmlns:a16="http://schemas.microsoft.com/office/drawing/2014/main" xmlns="" id="{A263DBAA-5BAE-421E-BCAE-39992A39B610}"/>
+                <a16:creationId xmlns="" xmlns:a16="http://schemas.microsoft.com/office/drawing/2014/main" id="{A263DBAA-5BAE-421E-BCAE-39992A39B610}"/>
               </a:ext>
             </a:extLst>
           </p:cNvPr>
@@ -15074,7 +15074,7 @@
             <a:fld id="{17C2562E-359A-3C42-BBEF-E02CE97BECB1}" type="datetimeFigureOut">
               <a:rPr lang="de-DE" smtClean="0"/>
               <a:pPr/>
-              <a:t>18.10.17</a:t>
+              <a:t>19.10.17</a:t>
             </a:fld>
             <a:endParaRPr lang="de-DE" dirty="0"/>
           </a:p>
@@ -15649,7 +15649,7 @@
             <a:fld id="{17C2562E-359A-3C42-BBEF-E02CE97BECB1}" type="datetimeFigureOut">
               <a:rPr lang="de-DE" smtClean="0"/>
               <a:pPr/>
-              <a:t>18.10.17</a:t>
+              <a:t>19.10.17</a:t>
             </a:fld>
             <a:endParaRPr lang="de-DE" dirty="0"/>
           </a:p>
@@ -15773,7 +15773,7 @@
           <p:cNvPr id="11" name="Titel 1">
             <a:extLst>
               <a:ext uri="{FF2B5EF4-FFF2-40B4-BE49-F238E27FC236}">
-                <a16:creationId xmlns:a16="http://schemas.microsoft.com/office/drawing/2014/main" xmlns="" id="{251058B0-31BE-410A-BE50-41D5389B0AAB}"/>
+                <a16:creationId xmlns="" xmlns:a16="http://schemas.microsoft.com/office/drawing/2014/main" id="{251058B0-31BE-410A-BE50-41D5389B0AAB}"/>
               </a:ext>
             </a:extLst>
           </p:cNvPr>
@@ -17238,7 +17238,7 @@
           <p:cNvPr id="2" name="Textplatzhalter 1">
             <a:extLst>
               <a:ext uri="{FF2B5EF4-FFF2-40B4-BE49-F238E27FC236}">
-                <a16:creationId xmlns:a16="http://schemas.microsoft.com/office/drawing/2014/main" xmlns="" id="{45003885-0277-4A8A-9B32-2C0872306E13}"/>
+                <a16:creationId xmlns="" xmlns:a16="http://schemas.microsoft.com/office/drawing/2014/main" id="{45003885-0277-4A8A-9B32-2C0872306E13}"/>
               </a:ext>
             </a:extLst>
           </p:cNvPr>
@@ -17278,7 +17278,7 @@
           <p:cNvPr id="3" name="Titel 2">
             <a:extLst>
               <a:ext uri="{FF2B5EF4-FFF2-40B4-BE49-F238E27FC236}">
-                <a16:creationId xmlns:a16="http://schemas.microsoft.com/office/drawing/2014/main" xmlns="" id="{EA92ABC8-8A1F-45BA-8C5F-D5DEF58C8920}"/>
+                <a16:creationId xmlns="" xmlns:a16="http://schemas.microsoft.com/office/drawing/2014/main" id="{EA92ABC8-8A1F-45BA-8C5F-D5DEF58C8920}"/>
               </a:ext>
             </a:extLst>
           </p:cNvPr>
@@ -17394,7 +17394,7 @@
             <a:fld id="{17C2562E-359A-3C42-BBEF-E02CE97BECB1}" type="datetimeFigureOut">
               <a:rPr lang="de-DE" smtClean="0"/>
               <a:pPr/>
-              <a:t>18.10.17</a:t>
+              <a:t>19.10.17</a:t>
             </a:fld>
             <a:endParaRPr lang="de-DE" dirty="0"/>
           </a:p>
@@ -17776,7 +17776,7 @@
             <a:fld id="{17C2562E-359A-3C42-BBEF-E02CE97BECB1}" type="datetimeFigureOut">
               <a:rPr lang="de-DE" smtClean="0"/>
               <a:pPr/>
-              <a:t>18.10.17</a:t>
+              <a:t>19.10.17</a:t>
             </a:fld>
             <a:endParaRPr lang="de-DE" dirty="0"/>
           </a:p>
@@ -17956,7 +17956,7 @@
             <a:fld id="{17C2562E-359A-3C42-BBEF-E02CE97BECB1}" type="datetimeFigureOut">
               <a:rPr lang="de-DE" smtClean="0"/>
               <a:pPr/>
-              <a:t>18.10.17</a:t>
+              <a:t>19.10.17</a:t>
             </a:fld>
             <a:endParaRPr lang="de-DE" dirty="0"/>
           </a:p>
@@ -18205,7 +18205,7 @@
             <a:fld id="{17C2562E-359A-3C42-BBEF-E02CE97BECB1}" type="datetimeFigureOut">
               <a:rPr lang="de-DE" smtClean="0"/>
               <a:pPr/>
-              <a:t>18.10.17</a:t>
+              <a:t>19.10.17</a:t>
             </a:fld>
             <a:endParaRPr lang="de-DE" dirty="0"/>
           </a:p>
@@ -18476,7 +18476,7 @@
             <a:fld id="{17C2562E-359A-3C42-BBEF-E02CE97BECB1}" type="datetimeFigureOut">
               <a:rPr lang="de-DE" smtClean="0"/>
               <a:pPr/>
-              <a:t>18.10.17</a:t>
+              <a:t>19.10.17</a:t>
             </a:fld>
             <a:endParaRPr lang="de-DE" dirty="0"/>
           </a:p>
@@ -18767,7 +18767,7 @@
             <a:fld id="{17C2562E-359A-3C42-BBEF-E02CE97BECB1}" type="datetimeFigureOut">
               <a:rPr lang="de-DE" smtClean="0"/>
               <a:pPr/>
-              <a:t>18.10.17</a:t>
+              <a:t>19.10.17</a:t>
             </a:fld>
             <a:endParaRPr lang="de-DE" dirty="0"/>
           </a:p>
@@ -19078,7 +19078,7 @@
             <a:fld id="{17C2562E-359A-3C42-BBEF-E02CE97BECB1}" type="datetimeFigureOut">
               <a:rPr lang="de-DE" smtClean="0"/>
               <a:pPr/>
-              <a:t>18.10.17</a:t>
+              <a:t>19.10.17</a:t>
             </a:fld>
             <a:endParaRPr lang="de-DE" dirty="0"/>
           </a:p>
@@ -19261,7 +19261,7 @@
             <a:fld id="{17C2562E-359A-3C42-BBEF-E02CE97BECB1}" type="datetimeFigureOut">
               <a:rPr lang="de-DE" smtClean="0"/>
               <a:pPr/>
-              <a:t>18.10.17</a:t>
+              <a:t>19.10.17</a:t>
             </a:fld>
             <a:endParaRPr lang="de-DE" dirty="0"/>
           </a:p>
@@ -19401,11 +19401,7 @@
             </a:pPr>
             <a:r>
               <a:rPr lang="de-DE" dirty="0" smtClean="0"/>
-              <a:t>Service enthält </a:t>
-            </a:r>
-            <a:r>
-              <a:rPr lang="de-DE" dirty="0" smtClean="0"/>
-              <a:t>Businesslogik</a:t>
+              <a:t>Service enthält Businesslogik</a:t>
             </a:r>
             <a:endParaRPr lang="de-DE" dirty="0"/>
           </a:p>
@@ -19417,13 +19413,8 @@
             </a:pPr>
             <a:r>
               <a:rPr lang="de-DE" dirty="0" smtClean="0"/>
-              <a:t>Bietet Daten, Funktionen und Features anwendungsübergreifend </a:t>
-            </a:r>
-            <a:r>
-              <a:rPr lang="de-DE" dirty="0" smtClean="0"/>
-              <a:t>an</a:t>
-            </a:r>
-            <a:endParaRPr lang="de-DE" dirty="0" smtClean="0"/>
+              <a:t>Bietet Daten, Funktionen und Features anwendungsübergreifend an</a:t>
+            </a:r>
           </a:p>
           <a:p>
             <a:pPr>
@@ -19449,13 +19440,8 @@
             </a:r>
             <a:r>
               <a:rPr lang="de-DE" dirty="0" smtClean="0"/>
-              <a:t> in eine Komponente </a:t>
-            </a:r>
-            <a:r>
-              <a:rPr lang="de-DE" dirty="0" smtClean="0"/>
-              <a:t>injiziert</a:t>
-            </a:r>
-            <a:endParaRPr lang="de-DE" dirty="0" smtClean="0"/>
+              <a:t> in eine Komponente injiziert</a:t>
+            </a:r>
           </a:p>
           <a:p>
             <a:pPr lvl="0">
@@ -19551,7 +19537,7 @@
             <a:fld id="{17C2562E-359A-3C42-BBEF-E02CE97BECB1}" type="datetimeFigureOut">
               <a:rPr lang="de-DE" smtClean="0"/>
               <a:pPr/>
-              <a:t>18.10.17</a:t>
+              <a:t>19.10.17</a:t>
             </a:fld>
             <a:endParaRPr lang="de-DE" dirty="0"/>
           </a:p>
@@ -19785,7 +19771,7 @@
             <a:fld id="{17C2562E-359A-3C42-BBEF-E02CE97BECB1}" type="datetimeFigureOut">
               <a:rPr lang="de-DE" smtClean="0"/>
               <a:pPr/>
-              <a:t>18.10.17</a:t>
+              <a:t>19.10.17</a:t>
             </a:fld>
             <a:endParaRPr lang="de-DE" dirty="0"/>
           </a:p>
@@ -20058,7 +20044,7 @@
           <p:cNvPr id="5" name="Datumsplatzhalter 4">
             <a:extLst>
               <a:ext uri="{FF2B5EF4-FFF2-40B4-BE49-F238E27FC236}">
-                <a16:creationId xmlns:a16="http://schemas.microsoft.com/office/drawing/2014/main" xmlns="" id="{D471591C-E430-45E7-A587-2CEC0AF88DA0}"/>
+                <a16:creationId xmlns="" xmlns:a16="http://schemas.microsoft.com/office/drawing/2014/main" id="{D471591C-E430-45E7-A587-2CEC0AF88DA0}"/>
               </a:ext>
             </a:extLst>
           </p:cNvPr>
@@ -20076,7 +20062,7 @@
           <a:p>
             <a:fld id="{D3ADFBD6-4690-496C-B9C9-0BEF0B938F74}" type="datetime1">
               <a:rPr lang="de-DE" smtClean="0"/>
-              <a:t>18.10.17</a:t>
+              <a:t>19.10.17</a:t>
             </a:fld>
             <a:endParaRPr lang="de-DE" dirty="0"/>
           </a:p>
@@ -20087,7 +20073,7 @@
           <p:cNvPr id="6" name="Fußzeilenplatzhalter 5">
             <a:extLst>
               <a:ext uri="{FF2B5EF4-FFF2-40B4-BE49-F238E27FC236}">
-                <a16:creationId xmlns:a16="http://schemas.microsoft.com/office/drawing/2014/main" xmlns="" id="{B488671B-A101-43AC-84F6-1F2F8515424C}"/>
+                <a16:creationId xmlns="" xmlns:a16="http://schemas.microsoft.com/office/drawing/2014/main" id="{B488671B-A101-43AC-84F6-1F2F8515424C}"/>
               </a:ext>
             </a:extLst>
           </p:cNvPr>
@@ -20112,7 +20098,7 @@
           <p:cNvPr id="7" name="Foliennummernplatzhalter 6">
             <a:extLst>
               <a:ext uri="{FF2B5EF4-FFF2-40B4-BE49-F238E27FC236}">
-                <a16:creationId xmlns:a16="http://schemas.microsoft.com/office/drawing/2014/main" xmlns="" id="{8E977D85-C22B-4016-AC2C-F3FDCE1BCBEB}"/>
+                <a16:creationId xmlns="" xmlns:a16="http://schemas.microsoft.com/office/drawing/2014/main" id="{8E977D85-C22B-4016-AC2C-F3FDCE1BCBEB}"/>
               </a:ext>
             </a:extLst>
           </p:cNvPr>
@@ -20296,7 +20282,6 @@
               <a:rPr lang="de-DE" dirty="0" smtClean="0"/>
               <a:t>Lesezeichen können gesetzt und geteilt werden</a:t>
             </a:r>
-            <a:endParaRPr lang="de-DE" dirty="0" smtClean="0"/>
           </a:p>
           <a:p>
             <a:pPr>
@@ -20326,11 +20311,7 @@
             </a:r>
             <a:r>
               <a:rPr lang="de-DE" dirty="0" smtClean="0"/>
-              <a:t>, A</a:t>
-            </a:r>
-            <a:r>
-              <a:rPr lang="de-DE" dirty="0" smtClean="0"/>
-              <a:t>ngular analysiert den Rest der Route und löst diese auf</a:t>
+              <a:t>, Angular analysiert den Rest der Route und löst diese auf</a:t>
             </a:r>
           </a:p>
           <a:p>
@@ -20576,7 +20557,7 @@
             <a:fld id="{17C2562E-359A-3C42-BBEF-E02CE97BECB1}" type="datetimeFigureOut">
               <a:rPr lang="de-DE" smtClean="0"/>
               <a:pPr/>
-              <a:t>18.10.17</a:t>
+              <a:t>19.10.17</a:t>
             </a:fld>
             <a:endParaRPr lang="de-DE" dirty="0"/>
           </a:p>
@@ -20733,7 +20714,7 @@
             <a:fld id="{17C2562E-359A-3C42-BBEF-E02CE97BECB1}" type="datetimeFigureOut">
               <a:rPr lang="de-DE" smtClean="0"/>
               <a:pPr/>
-              <a:t>18.10.17</a:t>
+              <a:t>19.10.17</a:t>
             </a:fld>
             <a:endParaRPr lang="de-DE" dirty="0"/>
           </a:p>
@@ -20977,7 +20958,7 @@
             <a:fld id="{17C2562E-359A-3C42-BBEF-E02CE97BECB1}" type="datetimeFigureOut">
               <a:rPr lang="de-DE" smtClean="0"/>
               <a:pPr/>
-              <a:t>18.10.17</a:t>
+              <a:t>19.10.17</a:t>
             </a:fld>
             <a:endParaRPr lang="de-DE" dirty="0"/>
           </a:p>
@@ -21329,7 +21310,7 @@
             <a:fld id="{17C2562E-359A-3C42-BBEF-E02CE97BECB1}" type="datetimeFigureOut">
               <a:rPr lang="de-DE" smtClean="0"/>
               <a:pPr/>
-              <a:t>18.10.17</a:t>
+              <a:t>19.10.17</a:t>
             </a:fld>
             <a:endParaRPr lang="de-DE" dirty="0"/>
           </a:p>
@@ -21628,7 +21609,7 @@
             <a:fld id="{17C2562E-359A-3C42-BBEF-E02CE97BECB1}" type="datetimeFigureOut">
               <a:rPr lang="de-DE" smtClean="0"/>
               <a:pPr/>
-              <a:t>18.10.17</a:t>
+              <a:t>19.10.17</a:t>
             </a:fld>
             <a:endParaRPr lang="de-DE" dirty="0"/>
           </a:p>
@@ -21887,7 +21868,7 @@
             <a:fld id="{17C2562E-359A-3C42-BBEF-E02CE97BECB1}" type="datetimeFigureOut">
               <a:rPr lang="de-DE" smtClean="0"/>
               <a:pPr/>
-              <a:t>18.10.17</a:t>
+              <a:t>19.10.17</a:t>
             </a:fld>
             <a:endParaRPr lang="de-DE" dirty="0"/>
           </a:p>
@@ -22160,7 +22141,7 @@
               <a:t>Dart</a:t>
             </a:r>
             <a:r>
-              <a:rPr lang="de-DE" smtClean="0"/>
+              <a:rPr lang="de-DE" dirty="0" smtClean="0"/>
               <a:t>)</a:t>
             </a:r>
             <a:endParaRPr lang="de-DE" dirty="0"/>
@@ -22173,8 +22154,17 @@
             </a:pPr>
             <a:r>
               <a:rPr lang="de-DE" dirty="0"/>
-              <a:t>Aktuelle Release Version 4.4.4</a:t>
-            </a:r>
+              <a:t>Aktuelle Release </a:t>
+            </a:r>
+            <a:r>
+              <a:rPr lang="de-DE"/>
+              <a:t>Version </a:t>
+            </a:r>
+            <a:r>
+              <a:rPr lang="de-DE" smtClean="0"/>
+              <a:t>4.4.6</a:t>
+            </a:r>
+            <a:endParaRPr lang="de-DE" dirty="0"/>
           </a:p>
         </p:txBody>
       </p:sp>
@@ -22196,7 +22186,7 @@
             <a:fld id="{17C2562E-359A-3C42-BBEF-E02CE97BECB1}" type="datetimeFigureOut">
               <a:rPr lang="de-DE" smtClean="0"/>
               <a:pPr/>
-              <a:t>18.10.17</a:t>
+              <a:t>19.10.17</a:t>
             </a:fld>
             <a:endParaRPr lang="de-DE" dirty="0"/>
           </a:p>
@@ -22459,7 +22449,7 @@
             <a:fld id="{17C2562E-359A-3C42-BBEF-E02CE97BECB1}" type="datetimeFigureOut">
               <a:rPr lang="de-DE" smtClean="0"/>
               <a:pPr/>
-              <a:t>18.10.17</a:t>
+              <a:t>19.10.17</a:t>
             </a:fld>
             <a:endParaRPr lang="de-DE" dirty="0"/>
           </a:p>
@@ -22651,7 +22641,7 @@
             <a:fld id="{17C2562E-359A-3C42-BBEF-E02CE97BECB1}" type="datetimeFigureOut">
               <a:rPr lang="de-DE" smtClean="0"/>
               <a:pPr/>
-              <a:t>18.10.17</a:t>
+              <a:t>19.10.17</a:t>
             </a:fld>
             <a:endParaRPr lang="de-DE" dirty="0"/>
           </a:p>

--- a/docs/Angular-Workshop-20.10.pptx
+++ b/docs/Angular-Workshop-20.10.pptx
@@ -39729,13 +39729,13 @@
           <a:bodyPr/>
           <a:lstStyle/>
           <a:p>
-            <a:endParaRPr lang="de-DE"/>
+            <a:endParaRPr lang="de-DE" dirty="0"/>
           </a:p>
         </p:txBody>
       </p:sp>
       <p:pic>
         <p:nvPicPr>
-          <p:cNvPr id="3" name="Bild 2"/>
+          <p:cNvPr id="11" name="Bild 10"/>
           <p:cNvPicPr>
             <a:picLocks noChangeAspect="1"/>
           </p:cNvPicPr>
@@ -39749,8 +39749,8 @@
         </p:blipFill>
         <p:spPr>
           <a:xfrm>
-            <a:off x="1007850" y="1569368"/>
-            <a:ext cx="4840446" cy="5051186"/>
+            <a:off x="1098259" y="1589415"/>
+            <a:ext cx="4674662" cy="5010411"/>
           </a:xfrm>
           <a:prstGeom prst="rect">
             <a:avLst/>
@@ -39759,7 +39759,7 @@
       </p:pic>
       <p:pic>
         <p:nvPicPr>
-          <p:cNvPr id="8" name="Bild 7"/>
+          <p:cNvPr id="12" name="Bild 11"/>
           <p:cNvPicPr>
             <a:picLocks noChangeAspect="1"/>
           </p:cNvPicPr>
@@ -39767,13 +39767,13 @@
         </p:nvPicPr>
         <p:blipFill rotWithShape="1">
           <a:blip r:embed="rId3"/>
-          <a:srcRect b="2099"/>
+          <a:srcRect b="3249"/>
           <a:stretch/>
         </p:blipFill>
         <p:spPr>
           <a:xfrm>
-            <a:off x="6753877" y="1569368"/>
-            <a:ext cx="4957958" cy="5065188"/>
+            <a:off x="6980971" y="1589415"/>
+            <a:ext cx="4928845" cy="5030460"/>
           </a:xfrm>
           <a:prstGeom prst="rect">
             <a:avLst/>

--- a/docs/Angular-Workshop-20.10.pptx
+++ b/docs/Angular-Workshop-20.10.pptx
@@ -37610,9 +37610,10 @@
               </a:lnSpc>
             </a:pPr>
             <a:r>
-              <a:rPr lang="de-DE" dirty="0"/>
-              <a:t>Systemarchitekt</a:t>
-            </a:r>
+              <a:rPr lang="de-DE" dirty="0" smtClean="0"/>
+              <a:t>Architekt</a:t>
+            </a:r>
+            <a:endParaRPr lang="de-DE" dirty="0"/>
           </a:p>
           <a:p>
             <a:pPr>
@@ -37665,7 +37666,13 @@
               <a:rPr lang="de-DE" dirty="0">
                 <a:hlinkClick r:id="rId3"/>
               </a:rPr>
-              <a:t>Patrick.rupp@datev.de</a:t>
+              <a:t>p</a:t>
+            </a:r>
+            <a:r>
+              <a:rPr lang="de-DE" dirty="0" smtClean="0">
+                <a:hlinkClick r:id="rId3"/>
+              </a:rPr>
+              <a:t>atrick.rupp@datev.de</a:t>
             </a:r>
             <a:endParaRPr lang="de-DE" dirty="0"/>
           </a:p>
@@ -37765,6 +37772,29 @@
           <a:xfrm>
             <a:off x="5230604" y="1411303"/>
             <a:ext cx="1146665" cy="1548000"/>
+          </a:xfrm>
+          <a:prstGeom prst="rect">
+            <a:avLst/>
+          </a:prstGeom>
+        </p:spPr>
+      </p:pic>
+      <p:pic>
+        <p:nvPicPr>
+          <p:cNvPr id="5" name="Bild 4"/>
+          <p:cNvPicPr>
+            <a:picLocks noChangeAspect="1"/>
+          </p:cNvPicPr>
+          <p:nvPr/>
+        </p:nvPicPr>
+        <p:blipFill rotWithShape="1">
+          <a:blip r:embed="rId5"/>
+          <a:srcRect l="11044" t="2387" r="15754"/>
+          <a:stretch/>
+        </p:blipFill>
+        <p:spPr>
+          <a:xfrm>
+            <a:off x="11485801" y="1407937"/>
+            <a:ext cx="1163399" cy="1551366"/>
           </a:xfrm>
           <a:prstGeom prst="rect">
             <a:avLst/>

--- a/docs/Angular-Workshop-20.10.pptx
+++ b/docs/Angular-Workshop-20.10.pptx
@@ -8,10 +8,10 @@
     <p:sldMasterId id="2147483721" r:id="rId4"/>
   </p:sldMasterIdLst>
   <p:notesMasterIdLst>
-    <p:notesMasterId r:id="rId30"/>
+    <p:notesMasterId r:id="rId32"/>
   </p:notesMasterIdLst>
   <p:handoutMasterIdLst>
-    <p:handoutMasterId r:id="rId31"/>
+    <p:handoutMasterId r:id="rId33"/>
   </p:handoutMasterIdLst>
   <p:sldIdLst>
     <p:sldId id="256" r:id="rId5"/>
@@ -29,16 +29,18 @@
     <p:sldId id="275" r:id="rId17"/>
     <p:sldId id="271" r:id="rId18"/>
     <p:sldId id="288" r:id="rId19"/>
-    <p:sldId id="273" r:id="rId20"/>
-    <p:sldId id="274" r:id="rId21"/>
-    <p:sldId id="289" r:id="rId22"/>
-    <p:sldId id="283" r:id="rId23"/>
-    <p:sldId id="290" r:id="rId24"/>
-    <p:sldId id="285" r:id="rId25"/>
-    <p:sldId id="291" r:id="rId26"/>
-    <p:sldId id="292" r:id="rId27"/>
-    <p:sldId id="293" r:id="rId28"/>
-    <p:sldId id="279" r:id="rId29"/>
+    <p:sldId id="295" r:id="rId20"/>
+    <p:sldId id="294" r:id="rId21"/>
+    <p:sldId id="273" r:id="rId22"/>
+    <p:sldId id="274" r:id="rId23"/>
+    <p:sldId id="289" r:id="rId24"/>
+    <p:sldId id="283" r:id="rId25"/>
+    <p:sldId id="290" r:id="rId26"/>
+    <p:sldId id="285" r:id="rId27"/>
+    <p:sldId id="291" r:id="rId28"/>
+    <p:sldId id="292" r:id="rId29"/>
+    <p:sldId id="293" r:id="rId30"/>
+    <p:sldId id="279" r:id="rId31"/>
   </p:sldIdLst>
   <p:sldSz cx="13004800" cy="7315200"/>
   <p:notesSz cx="6858000" cy="9144000"/>
@@ -6099,8 +6101,8 @@
   <dgm:cxnLst>
     <dgm:cxn modelId="{3BD5FD7F-ACAD-2444-B596-B7307DC983E4}" type="presOf" srcId="{EE7B1B78-2CB7-C647-875E-937A240D7736}" destId="{30EAC814-8F64-D74A-9EBA-0CBC6BE058AA}" srcOrd="0" destOrd="0" presId="urn:microsoft.com/office/officeart/2005/8/layout/process1"/>
     <dgm:cxn modelId="{382F1465-D27C-FD49-9140-08DA3B39E4DF}" srcId="{82BD223D-4D97-664B-8FA2-F811E68132B9}" destId="{71D68F48-EF39-0D4B-9727-81BBE7C36DFA}" srcOrd="1" destOrd="0" parTransId="{98EAC6FD-7FB1-F24A-8C95-19E6E4834FF9}" sibTransId="{223C2E35-3AE7-F640-AE72-FAF240D76888}"/>
+    <dgm:cxn modelId="{C864D32C-D202-D649-84A6-DF938C126F4D}" type="presOf" srcId="{EE7B1B78-2CB7-C647-875E-937A240D7736}" destId="{26BA574D-A9C9-D847-8AAF-A8F48018C2C1}" srcOrd="1" destOrd="0" presId="urn:microsoft.com/office/officeart/2005/8/layout/process1"/>
     <dgm:cxn modelId="{2274EC66-D9A7-7D44-A799-6CA5B5A963AC}" type="presOf" srcId="{9E409708-FC7B-604D-AE00-C59A3BC6C774}" destId="{AC19049A-FF2E-864B-A995-C88CCE14464E}" srcOrd="0" destOrd="0" presId="urn:microsoft.com/office/officeart/2005/8/layout/process1"/>
-    <dgm:cxn modelId="{C864D32C-D202-D649-84A6-DF938C126F4D}" type="presOf" srcId="{EE7B1B78-2CB7-C647-875E-937A240D7736}" destId="{26BA574D-A9C9-D847-8AAF-A8F48018C2C1}" srcOrd="1" destOrd="0" presId="urn:microsoft.com/office/officeart/2005/8/layout/process1"/>
     <dgm:cxn modelId="{A9BCD256-481B-3844-887A-D74D5A833AAF}" type="presOf" srcId="{82BD223D-4D97-664B-8FA2-F811E68132B9}" destId="{5C4E5A0B-1B12-EC4C-BCB7-F3E190AFE040}" srcOrd="0" destOrd="0" presId="urn:microsoft.com/office/officeart/2005/8/layout/process1"/>
     <dgm:cxn modelId="{E198D6D4-91AD-F643-8652-6843F8F235B1}" srcId="{82BD223D-4D97-664B-8FA2-F811E68132B9}" destId="{9E409708-FC7B-604D-AE00-C59A3BC6C774}" srcOrd="0" destOrd="0" parTransId="{AF54B174-D1EC-FF4E-9C8F-E68F41ABE717}" sibTransId="{EE7B1B78-2CB7-C647-875E-937A240D7736}"/>
     <dgm:cxn modelId="{C1FB551E-AA5C-5F42-992A-765D9395B3F3}" type="presOf" srcId="{71D68F48-EF39-0D4B-9727-81BBE7C36DFA}" destId="{F3798565-47D6-9C41-8AE7-D9D9868DAAE8}" srcOrd="0" destOrd="0" presId="urn:microsoft.com/office/officeart/2005/8/layout/process1"/>
@@ -6265,8 +6267,8 @@
   <dgm:cxnLst>
     <dgm:cxn modelId="{B0721CA3-19A8-D04D-857E-407EB9BC671A}" type="presOf" srcId="{9E409708-FC7B-604D-AE00-C59A3BC6C774}" destId="{AC19049A-FF2E-864B-A995-C88CCE14464E}" srcOrd="0" destOrd="0" presId="urn:microsoft.com/office/officeart/2005/8/layout/process1"/>
     <dgm:cxn modelId="{E198D6D4-91AD-F643-8652-6843F8F235B1}" srcId="{82BD223D-4D97-664B-8FA2-F811E68132B9}" destId="{9E409708-FC7B-604D-AE00-C59A3BC6C774}" srcOrd="0" destOrd="0" parTransId="{AF54B174-D1EC-FF4E-9C8F-E68F41ABE717}" sibTransId="{EE7B1B78-2CB7-C647-875E-937A240D7736}"/>
+    <dgm:cxn modelId="{E033EC1A-0A6B-414C-BA47-A69CB3DDC2D8}" type="presOf" srcId="{EE7B1B78-2CB7-C647-875E-937A240D7736}" destId="{26BA574D-A9C9-D847-8AAF-A8F48018C2C1}" srcOrd="1" destOrd="0" presId="urn:microsoft.com/office/officeart/2005/8/layout/process1"/>
     <dgm:cxn modelId="{9AD13F03-FA98-2546-A1F6-086D6D749FC5}" srcId="{82BD223D-4D97-664B-8FA2-F811E68132B9}" destId="{9F5FBEB5-0D91-6442-BAE6-3C8FE451890E}" srcOrd="1" destOrd="0" parTransId="{44185C10-A566-584D-8792-6F8CDA31CFEF}" sibTransId="{D96BFFC3-C37B-F740-8CDD-799CDA9C29AF}"/>
-    <dgm:cxn modelId="{E033EC1A-0A6B-414C-BA47-A69CB3DDC2D8}" type="presOf" srcId="{EE7B1B78-2CB7-C647-875E-937A240D7736}" destId="{26BA574D-A9C9-D847-8AAF-A8F48018C2C1}" srcOrd="1" destOrd="0" presId="urn:microsoft.com/office/officeart/2005/8/layout/process1"/>
     <dgm:cxn modelId="{E6A75DB5-821C-E345-A783-C1FE436C1B5F}" type="presOf" srcId="{EE7B1B78-2CB7-C647-875E-937A240D7736}" destId="{30EAC814-8F64-D74A-9EBA-0CBC6BE058AA}" srcOrd="0" destOrd="0" presId="urn:microsoft.com/office/officeart/2005/8/layout/process1"/>
     <dgm:cxn modelId="{1B0CBD2C-F6A5-BE47-AA25-80FF0DBC223D}" type="presOf" srcId="{82BD223D-4D97-664B-8FA2-F811E68132B9}" destId="{5C4E5A0B-1B12-EC4C-BCB7-F3E190AFE040}" srcOrd="0" destOrd="0" presId="urn:microsoft.com/office/officeart/2005/8/layout/process1"/>
     <dgm:cxn modelId="{32CD821A-B520-014C-9995-1247839A1615}" type="presOf" srcId="{9F5FBEB5-0D91-6442-BAE6-3C8FE451890E}" destId="{942B2FD4-F953-1241-B452-E01505D35646}" srcOrd="0" destOrd="0" presId="urn:microsoft.com/office/officeart/2005/8/layout/process1"/>
@@ -18713,7 +18715,7 @@
             <a:fld id="{C873CC87-18E6-904B-91DF-7AB1BE26DDED}" type="slidenum">
               <a:rPr lang="de-DE" smtClean="0"/>
               <a:pPr/>
-              <a:t>21</a:t>
+              <a:t>23</a:t>
             </a:fld>
             <a:endParaRPr lang="de-DE" dirty="0"/>
           </a:p>
@@ -19470,7 +19472,7 @@
             <a:fld id="{C873CC87-18E6-904B-91DF-7AB1BE26DDED}" type="slidenum">
               <a:rPr lang="de-DE" smtClean="0"/>
               <a:pPr/>
-              <a:t>23</a:t>
+              <a:t>25</a:t>
             </a:fld>
             <a:endParaRPr lang="de-DE" dirty="0"/>
           </a:p>
@@ -19631,7 +19633,7 @@
           <a:noFill/>
           <a:extLst>
             <a:ext uri="{909E8E84-426E-40dd-AFC4-6F175D3DCCD1}">
-              <a14:hiddenFill xmlns:a14="http://schemas.microsoft.com/office/drawing/2010/main" xmlns="">
+              <a14:hiddenFill xmlns="" xmlns:a14="http://schemas.microsoft.com/office/drawing/2010/main">
                 <a:solidFill>
                   <a:srgbClr val="FFFFFF"/>
                 </a:solidFill>
@@ -19831,7 +19833,7 @@
           <p:cNvPr id="2" name="Datumsplatzhalter 1">
             <a:extLst>
               <a:ext uri="{FF2B5EF4-FFF2-40B4-BE49-F238E27FC236}">
-                <a16:creationId xmlns:a16="http://schemas.microsoft.com/office/drawing/2014/main" xmlns="" id="{0EE9CECA-FE53-4E0D-AD22-D4AB49ECF809}"/>
+                <a16:creationId xmlns="" xmlns:a16="http://schemas.microsoft.com/office/drawing/2014/main" id="{0EE9CECA-FE53-4E0D-AD22-D4AB49ECF809}"/>
               </a:ext>
             </a:extLst>
           </p:cNvPr>
@@ -19861,7 +19863,7 @@
           <p:cNvPr id="7" name="Fußzeilenplatzhalter 6">
             <a:extLst>
               <a:ext uri="{FF2B5EF4-FFF2-40B4-BE49-F238E27FC236}">
-                <a16:creationId xmlns:a16="http://schemas.microsoft.com/office/drawing/2014/main" xmlns="" id="{C07A299E-41A7-4A08-81FA-6FBA6806F0A5}"/>
+                <a16:creationId xmlns="" xmlns:a16="http://schemas.microsoft.com/office/drawing/2014/main" id="{C07A299E-41A7-4A08-81FA-6FBA6806F0A5}"/>
               </a:ext>
             </a:extLst>
           </p:cNvPr>
@@ -19886,7 +19888,7 @@
           <p:cNvPr id="8" name="Foliennummernplatzhalter 7">
             <a:extLst>
               <a:ext uri="{FF2B5EF4-FFF2-40B4-BE49-F238E27FC236}">
-                <a16:creationId xmlns:a16="http://schemas.microsoft.com/office/drawing/2014/main" xmlns="" id="{9151A28C-FF21-4CC9-B28E-CF780807FE34}"/>
+                <a16:creationId xmlns="" xmlns:a16="http://schemas.microsoft.com/office/drawing/2014/main" id="{9151A28C-FF21-4CC9-B28E-CF780807FE34}"/>
               </a:ext>
             </a:extLst>
           </p:cNvPr>
@@ -20141,7 +20143,7 @@
           <p:cNvPr id="3" name="Datumsplatzhalter 2">
             <a:extLst>
               <a:ext uri="{FF2B5EF4-FFF2-40B4-BE49-F238E27FC236}">
-                <a16:creationId xmlns:a16="http://schemas.microsoft.com/office/drawing/2014/main" xmlns="" id="{3D332A91-9158-4543-9295-8484F133E109}"/>
+                <a16:creationId xmlns="" xmlns:a16="http://schemas.microsoft.com/office/drawing/2014/main" id="{3D332A91-9158-4543-9295-8484F133E109}"/>
               </a:ext>
             </a:extLst>
           </p:cNvPr>
@@ -20171,7 +20173,7 @@
           <p:cNvPr id="7" name="Fußzeilenplatzhalter 6">
             <a:extLst>
               <a:ext uri="{FF2B5EF4-FFF2-40B4-BE49-F238E27FC236}">
-                <a16:creationId xmlns:a16="http://schemas.microsoft.com/office/drawing/2014/main" xmlns="" id="{C426E4CE-7F9D-4A7E-A795-EDD7185E3A7A}"/>
+                <a16:creationId xmlns="" xmlns:a16="http://schemas.microsoft.com/office/drawing/2014/main" id="{C426E4CE-7F9D-4A7E-A795-EDD7185E3A7A}"/>
               </a:ext>
             </a:extLst>
           </p:cNvPr>
@@ -20196,7 +20198,7 @@
           <p:cNvPr id="8" name="Foliennummernplatzhalter 7">
             <a:extLst>
               <a:ext uri="{FF2B5EF4-FFF2-40B4-BE49-F238E27FC236}">
-                <a16:creationId xmlns:a16="http://schemas.microsoft.com/office/drawing/2014/main" xmlns="" id="{73459CEF-058C-4C7D-9907-D7A5E4B23A28}"/>
+                <a16:creationId xmlns="" xmlns:a16="http://schemas.microsoft.com/office/drawing/2014/main" id="{73459CEF-058C-4C7D-9907-D7A5E4B23A28}"/>
               </a:ext>
             </a:extLst>
           </p:cNvPr>
@@ -20444,7 +20446,7 @@
           <p:cNvPr id="2" name="Datumsplatzhalter 1">
             <a:extLst>
               <a:ext uri="{FF2B5EF4-FFF2-40B4-BE49-F238E27FC236}">
-                <a16:creationId xmlns:a16="http://schemas.microsoft.com/office/drawing/2014/main" xmlns="" id="{64A9B900-82AE-4D1E-B11E-155C1B825004}"/>
+                <a16:creationId xmlns="" xmlns:a16="http://schemas.microsoft.com/office/drawing/2014/main" id="{64A9B900-82AE-4D1E-B11E-155C1B825004}"/>
               </a:ext>
             </a:extLst>
           </p:cNvPr>
@@ -20474,7 +20476,7 @@
           <p:cNvPr id="7" name="Fußzeilenplatzhalter 6">
             <a:extLst>
               <a:ext uri="{FF2B5EF4-FFF2-40B4-BE49-F238E27FC236}">
-                <a16:creationId xmlns:a16="http://schemas.microsoft.com/office/drawing/2014/main" xmlns="" id="{41953AE8-A571-4BCE-AF9C-CC7A649DD8C5}"/>
+                <a16:creationId xmlns="" xmlns:a16="http://schemas.microsoft.com/office/drawing/2014/main" id="{41953AE8-A571-4BCE-AF9C-CC7A649DD8C5}"/>
               </a:ext>
             </a:extLst>
           </p:cNvPr>
@@ -20499,7 +20501,7 @@
           <p:cNvPr id="8" name="Foliennummernplatzhalter 7">
             <a:extLst>
               <a:ext uri="{FF2B5EF4-FFF2-40B4-BE49-F238E27FC236}">
-                <a16:creationId xmlns:a16="http://schemas.microsoft.com/office/drawing/2014/main" xmlns="" id="{6DCAD949-98D9-4F76-BE67-6629B37422CB}"/>
+                <a16:creationId xmlns="" xmlns:a16="http://schemas.microsoft.com/office/drawing/2014/main" id="{6DCAD949-98D9-4F76-BE67-6629B37422CB}"/>
               </a:ext>
             </a:extLst>
           </p:cNvPr>
@@ -20600,7 +20602,7 @@
           <p:cNvPr id="2" name="Datumsplatzhalter 1">
             <a:extLst>
               <a:ext uri="{FF2B5EF4-FFF2-40B4-BE49-F238E27FC236}">
-                <a16:creationId xmlns:a16="http://schemas.microsoft.com/office/drawing/2014/main" xmlns="" id="{0F48F7B5-AF2D-4886-B660-ACFD0F3CA06C}"/>
+                <a16:creationId xmlns="" xmlns:a16="http://schemas.microsoft.com/office/drawing/2014/main" id="{0F48F7B5-AF2D-4886-B660-ACFD0F3CA06C}"/>
               </a:ext>
             </a:extLst>
           </p:cNvPr>
@@ -20630,7 +20632,7 @@
           <p:cNvPr id="7" name="Fußzeilenplatzhalter 6">
             <a:extLst>
               <a:ext uri="{FF2B5EF4-FFF2-40B4-BE49-F238E27FC236}">
-                <a16:creationId xmlns:a16="http://schemas.microsoft.com/office/drawing/2014/main" xmlns="" id="{C01D3F89-6DF4-4DC1-ABFC-4B69E0299624}"/>
+                <a16:creationId xmlns="" xmlns:a16="http://schemas.microsoft.com/office/drawing/2014/main" id="{C01D3F89-6DF4-4DC1-ABFC-4B69E0299624}"/>
               </a:ext>
             </a:extLst>
           </p:cNvPr>
@@ -20655,7 +20657,7 @@
           <p:cNvPr id="8" name="Foliennummernplatzhalter 7">
             <a:extLst>
               <a:ext uri="{FF2B5EF4-FFF2-40B4-BE49-F238E27FC236}">
-                <a16:creationId xmlns:a16="http://schemas.microsoft.com/office/drawing/2014/main" xmlns="" id="{BFD42FBE-0754-4285-A3CE-566D22A33C59}"/>
+                <a16:creationId xmlns="" xmlns:a16="http://schemas.microsoft.com/office/drawing/2014/main" id="{BFD42FBE-0754-4285-A3CE-566D22A33C59}"/>
               </a:ext>
             </a:extLst>
           </p:cNvPr>
@@ -20896,7 +20898,7 @@
           <p:cNvPr id="3" name="Datumsplatzhalter 2">
             <a:extLst>
               <a:ext uri="{FF2B5EF4-FFF2-40B4-BE49-F238E27FC236}">
-                <a16:creationId xmlns:a16="http://schemas.microsoft.com/office/drawing/2014/main" xmlns="" id="{434AC82E-1F55-4D6D-B12A-7355E3927B04}"/>
+                <a16:creationId xmlns="" xmlns:a16="http://schemas.microsoft.com/office/drawing/2014/main" id="{434AC82E-1F55-4D6D-B12A-7355E3927B04}"/>
               </a:ext>
             </a:extLst>
           </p:cNvPr>
@@ -20926,7 +20928,7 @@
           <p:cNvPr id="7" name="Fußzeilenplatzhalter 6">
             <a:extLst>
               <a:ext uri="{FF2B5EF4-FFF2-40B4-BE49-F238E27FC236}">
-                <a16:creationId xmlns:a16="http://schemas.microsoft.com/office/drawing/2014/main" xmlns="" id="{95F90759-2A54-4A06-B304-DFA3C45AF309}"/>
+                <a16:creationId xmlns="" xmlns:a16="http://schemas.microsoft.com/office/drawing/2014/main" id="{95F90759-2A54-4A06-B304-DFA3C45AF309}"/>
               </a:ext>
             </a:extLst>
           </p:cNvPr>
@@ -20951,7 +20953,7 @@
           <p:cNvPr id="8" name="Foliennummernplatzhalter 7">
             <a:extLst>
               <a:ext uri="{FF2B5EF4-FFF2-40B4-BE49-F238E27FC236}">
-                <a16:creationId xmlns:a16="http://schemas.microsoft.com/office/drawing/2014/main" xmlns="" id="{AAA489C6-E63E-4078-89A4-7CC1709D7206}"/>
+                <a16:creationId xmlns="" xmlns:a16="http://schemas.microsoft.com/office/drawing/2014/main" id="{AAA489C6-E63E-4078-89A4-7CC1709D7206}"/>
               </a:ext>
             </a:extLst>
           </p:cNvPr>
@@ -21233,7 +21235,7 @@
           <p:cNvPr id="3" name="Datumsplatzhalter 2">
             <a:extLst>
               <a:ext uri="{FF2B5EF4-FFF2-40B4-BE49-F238E27FC236}">
-                <a16:creationId xmlns:a16="http://schemas.microsoft.com/office/drawing/2014/main" xmlns="" id="{24A5A6B0-652D-48FC-AF73-17BD8D217D8E}"/>
+                <a16:creationId xmlns="" xmlns:a16="http://schemas.microsoft.com/office/drawing/2014/main" id="{24A5A6B0-652D-48FC-AF73-17BD8D217D8E}"/>
               </a:ext>
             </a:extLst>
           </p:cNvPr>
@@ -21263,7 +21265,7 @@
           <p:cNvPr id="7" name="Fußzeilenplatzhalter 6">
             <a:extLst>
               <a:ext uri="{FF2B5EF4-FFF2-40B4-BE49-F238E27FC236}">
-                <a16:creationId xmlns:a16="http://schemas.microsoft.com/office/drawing/2014/main" xmlns="" id="{239BA7E1-F103-432E-BC27-0127D2228DA4}"/>
+                <a16:creationId xmlns="" xmlns:a16="http://schemas.microsoft.com/office/drawing/2014/main" id="{239BA7E1-F103-432E-BC27-0127D2228DA4}"/>
               </a:ext>
             </a:extLst>
           </p:cNvPr>
@@ -21288,7 +21290,7 @@
           <p:cNvPr id="9" name="Foliennummernplatzhalter 8">
             <a:extLst>
               <a:ext uri="{FF2B5EF4-FFF2-40B4-BE49-F238E27FC236}">
-                <a16:creationId xmlns:a16="http://schemas.microsoft.com/office/drawing/2014/main" xmlns="" id="{E398A7F9-A765-46A7-B1D7-8FF6247ED6E8}"/>
+                <a16:creationId xmlns="" xmlns:a16="http://schemas.microsoft.com/office/drawing/2014/main" id="{E398A7F9-A765-46A7-B1D7-8FF6247ED6E8}"/>
               </a:ext>
             </a:extLst>
           </p:cNvPr>
@@ -21709,7 +21711,7 @@
           <p:cNvPr id="3" name="Datumsplatzhalter 2">
             <a:extLst>
               <a:ext uri="{FF2B5EF4-FFF2-40B4-BE49-F238E27FC236}">
-                <a16:creationId xmlns:a16="http://schemas.microsoft.com/office/drawing/2014/main" xmlns="" id="{E251BDE8-F6CD-4379-B02C-D58055E91CB7}"/>
+                <a16:creationId xmlns="" xmlns:a16="http://schemas.microsoft.com/office/drawing/2014/main" id="{E251BDE8-F6CD-4379-B02C-D58055E91CB7}"/>
               </a:ext>
             </a:extLst>
           </p:cNvPr>
@@ -21739,7 +21741,7 @@
           <p:cNvPr id="7" name="Fußzeilenplatzhalter 6">
             <a:extLst>
               <a:ext uri="{FF2B5EF4-FFF2-40B4-BE49-F238E27FC236}">
-                <a16:creationId xmlns:a16="http://schemas.microsoft.com/office/drawing/2014/main" xmlns="" id="{F684EDD4-7234-4CF4-A5B8-FCC6419FE199}"/>
+                <a16:creationId xmlns="" xmlns:a16="http://schemas.microsoft.com/office/drawing/2014/main" id="{F684EDD4-7234-4CF4-A5B8-FCC6419FE199}"/>
               </a:ext>
             </a:extLst>
           </p:cNvPr>
@@ -21764,7 +21766,7 @@
           <p:cNvPr id="8" name="Foliennummernplatzhalter 7">
             <a:extLst>
               <a:ext uri="{FF2B5EF4-FFF2-40B4-BE49-F238E27FC236}">
-                <a16:creationId xmlns:a16="http://schemas.microsoft.com/office/drawing/2014/main" xmlns="" id="{81EB7AF2-AEA0-439E-B5DA-DF760778341F}"/>
+                <a16:creationId xmlns="" xmlns:a16="http://schemas.microsoft.com/office/drawing/2014/main" id="{81EB7AF2-AEA0-439E-B5DA-DF760778341F}"/>
               </a:ext>
             </a:extLst>
           </p:cNvPr>
@@ -22092,7 +22094,7 @@
           <p:cNvPr id="3" name="Datumsplatzhalter 2">
             <a:extLst>
               <a:ext uri="{FF2B5EF4-FFF2-40B4-BE49-F238E27FC236}">
-                <a16:creationId xmlns:a16="http://schemas.microsoft.com/office/drawing/2014/main" xmlns="" id="{C2E5ECD2-BEB5-47D1-A89E-69496048A8D5}"/>
+                <a16:creationId xmlns="" xmlns:a16="http://schemas.microsoft.com/office/drawing/2014/main" id="{C2E5ECD2-BEB5-47D1-A89E-69496048A8D5}"/>
               </a:ext>
             </a:extLst>
           </p:cNvPr>
@@ -22122,7 +22124,7 @@
           <p:cNvPr id="7" name="Fußzeilenplatzhalter 6">
             <a:extLst>
               <a:ext uri="{FF2B5EF4-FFF2-40B4-BE49-F238E27FC236}">
-                <a16:creationId xmlns:a16="http://schemas.microsoft.com/office/drawing/2014/main" xmlns="" id="{8DADA64D-3A7A-4438-9197-BD2830657223}"/>
+                <a16:creationId xmlns="" xmlns:a16="http://schemas.microsoft.com/office/drawing/2014/main" id="{8DADA64D-3A7A-4438-9197-BD2830657223}"/>
               </a:ext>
             </a:extLst>
           </p:cNvPr>
@@ -22147,7 +22149,7 @@
           <p:cNvPr id="9" name="Foliennummernplatzhalter 8">
             <a:extLst>
               <a:ext uri="{FF2B5EF4-FFF2-40B4-BE49-F238E27FC236}">
-                <a16:creationId xmlns:a16="http://schemas.microsoft.com/office/drawing/2014/main" xmlns="" id="{3D8A091A-178E-435F-9EA9-84BA66D378CC}"/>
+                <a16:creationId xmlns="" xmlns:a16="http://schemas.microsoft.com/office/drawing/2014/main" id="{3D8A091A-178E-435F-9EA9-84BA66D378CC}"/>
               </a:ext>
             </a:extLst>
           </p:cNvPr>
@@ -22778,7 +22780,7 @@
           <p:cNvPr id="6" name="Datumsplatzhalter 5">
             <a:extLst>
               <a:ext uri="{FF2B5EF4-FFF2-40B4-BE49-F238E27FC236}">
-                <a16:creationId xmlns:a16="http://schemas.microsoft.com/office/drawing/2014/main" xmlns="" id="{E75B6010-F5BB-4F22-8221-D75D21F6EB55}"/>
+                <a16:creationId xmlns="" xmlns:a16="http://schemas.microsoft.com/office/drawing/2014/main" id="{E75B6010-F5BB-4F22-8221-D75D21F6EB55}"/>
               </a:ext>
             </a:extLst>
           </p:cNvPr>
@@ -22808,7 +22810,7 @@
           <p:cNvPr id="7" name="Fußzeilenplatzhalter 6">
             <a:extLst>
               <a:ext uri="{FF2B5EF4-FFF2-40B4-BE49-F238E27FC236}">
-                <a16:creationId xmlns:a16="http://schemas.microsoft.com/office/drawing/2014/main" xmlns="" id="{26547C97-5C9B-4C14-8D49-A5E83DFFB45A}"/>
+                <a16:creationId xmlns="" xmlns:a16="http://schemas.microsoft.com/office/drawing/2014/main" id="{26547C97-5C9B-4C14-8D49-A5E83DFFB45A}"/>
               </a:ext>
             </a:extLst>
           </p:cNvPr>
@@ -22833,7 +22835,7 @@
           <p:cNvPr id="11" name="Foliennummernplatzhalter 10">
             <a:extLst>
               <a:ext uri="{FF2B5EF4-FFF2-40B4-BE49-F238E27FC236}">
-                <a16:creationId xmlns:a16="http://schemas.microsoft.com/office/drawing/2014/main" xmlns="" id="{98B57AAA-67F4-4EFE-A062-411C04E4F8A2}"/>
+                <a16:creationId xmlns="" xmlns:a16="http://schemas.microsoft.com/office/drawing/2014/main" id="{98B57AAA-67F4-4EFE-A062-411C04E4F8A2}"/>
               </a:ext>
             </a:extLst>
           </p:cNvPr>
@@ -23372,7 +23374,7 @@
           <p:cNvPr id="5" name="Datumsplatzhalter 4">
             <a:extLst>
               <a:ext uri="{FF2B5EF4-FFF2-40B4-BE49-F238E27FC236}">
-                <a16:creationId xmlns:a16="http://schemas.microsoft.com/office/drawing/2014/main" xmlns="" id="{0C7C8404-609B-40A1-85F0-0C1D3C5C6357}"/>
+                <a16:creationId xmlns="" xmlns:a16="http://schemas.microsoft.com/office/drawing/2014/main" id="{0C7C8404-609B-40A1-85F0-0C1D3C5C6357}"/>
               </a:ext>
             </a:extLst>
           </p:cNvPr>
@@ -23402,7 +23404,7 @@
           <p:cNvPr id="8" name="Fußzeilenplatzhalter 7">
             <a:extLst>
               <a:ext uri="{FF2B5EF4-FFF2-40B4-BE49-F238E27FC236}">
-                <a16:creationId xmlns:a16="http://schemas.microsoft.com/office/drawing/2014/main" xmlns="" id="{3C29D00E-B305-494B-A605-238A832848F3}"/>
+                <a16:creationId xmlns="" xmlns:a16="http://schemas.microsoft.com/office/drawing/2014/main" id="{3C29D00E-B305-494B-A605-238A832848F3}"/>
               </a:ext>
             </a:extLst>
           </p:cNvPr>
@@ -23427,7 +23429,7 @@
           <p:cNvPr id="9" name="Foliennummernplatzhalter 8">
             <a:extLst>
               <a:ext uri="{FF2B5EF4-FFF2-40B4-BE49-F238E27FC236}">
-                <a16:creationId xmlns:a16="http://schemas.microsoft.com/office/drawing/2014/main" xmlns="" id="{7FC7C27A-51A6-4577-BAAE-22B90EFD1D16}"/>
+                <a16:creationId xmlns="" xmlns:a16="http://schemas.microsoft.com/office/drawing/2014/main" id="{7FC7C27A-51A6-4577-BAAE-22B90EFD1D16}"/>
               </a:ext>
             </a:extLst>
           </p:cNvPr>
@@ -24196,7 +24198,7 @@
           <p:cNvPr id="5" name="Datumsplatzhalter 4">
             <a:extLst>
               <a:ext uri="{FF2B5EF4-FFF2-40B4-BE49-F238E27FC236}">
-                <a16:creationId xmlns:a16="http://schemas.microsoft.com/office/drawing/2014/main" xmlns="" id="{33D616DE-E3B4-4D35-BB61-A1FFAD7A5AAF}"/>
+                <a16:creationId xmlns="" xmlns:a16="http://schemas.microsoft.com/office/drawing/2014/main" id="{33D616DE-E3B4-4D35-BB61-A1FFAD7A5AAF}"/>
               </a:ext>
             </a:extLst>
           </p:cNvPr>
@@ -24226,7 +24228,7 @@
           <p:cNvPr id="7" name="Fußzeilenplatzhalter 6">
             <a:extLst>
               <a:ext uri="{FF2B5EF4-FFF2-40B4-BE49-F238E27FC236}">
-                <a16:creationId xmlns:a16="http://schemas.microsoft.com/office/drawing/2014/main" xmlns="" id="{009571DE-76C3-4B92-A98C-31AD1C84E96F}"/>
+                <a16:creationId xmlns="" xmlns:a16="http://schemas.microsoft.com/office/drawing/2014/main" id="{009571DE-76C3-4B92-A98C-31AD1C84E96F}"/>
               </a:ext>
             </a:extLst>
           </p:cNvPr>
@@ -24251,7 +24253,7 @@
           <p:cNvPr id="10" name="Foliennummernplatzhalter 9">
             <a:extLst>
               <a:ext uri="{FF2B5EF4-FFF2-40B4-BE49-F238E27FC236}">
-                <a16:creationId xmlns:a16="http://schemas.microsoft.com/office/drawing/2014/main" xmlns="" id="{A873DEEA-A3E3-4201-A6F9-C92D0EB9E730}"/>
+                <a16:creationId xmlns="" xmlns:a16="http://schemas.microsoft.com/office/drawing/2014/main" id="{A873DEEA-A3E3-4201-A6F9-C92D0EB9E730}"/>
               </a:ext>
             </a:extLst>
           </p:cNvPr>
@@ -24676,7 +24678,7 @@
           <p:cNvPr id="6" name="Datumsplatzhalter 5">
             <a:extLst>
               <a:ext uri="{FF2B5EF4-FFF2-40B4-BE49-F238E27FC236}">
-                <a16:creationId xmlns:a16="http://schemas.microsoft.com/office/drawing/2014/main" xmlns="" id="{BE1F9E44-CCA9-4032-B773-94D7E2DF8ED5}"/>
+                <a16:creationId xmlns="" xmlns:a16="http://schemas.microsoft.com/office/drawing/2014/main" id="{BE1F9E44-CCA9-4032-B773-94D7E2DF8ED5}"/>
               </a:ext>
             </a:extLst>
           </p:cNvPr>
@@ -24706,7 +24708,7 @@
           <p:cNvPr id="7" name="Fußzeilenplatzhalter 6">
             <a:extLst>
               <a:ext uri="{FF2B5EF4-FFF2-40B4-BE49-F238E27FC236}">
-                <a16:creationId xmlns:a16="http://schemas.microsoft.com/office/drawing/2014/main" xmlns="" id="{4D3B4066-4E5D-4AAB-A33C-01B8A1CAA20D}"/>
+                <a16:creationId xmlns="" xmlns:a16="http://schemas.microsoft.com/office/drawing/2014/main" id="{4D3B4066-4E5D-4AAB-A33C-01B8A1CAA20D}"/>
               </a:ext>
             </a:extLst>
           </p:cNvPr>
@@ -24731,7 +24733,7 @@
           <p:cNvPr id="8" name="Foliennummernplatzhalter 7">
             <a:extLst>
               <a:ext uri="{FF2B5EF4-FFF2-40B4-BE49-F238E27FC236}">
-                <a16:creationId xmlns:a16="http://schemas.microsoft.com/office/drawing/2014/main" xmlns="" id="{52AE4811-CB7B-4E63-92A7-E2967B6AEBEE}"/>
+                <a16:creationId xmlns="" xmlns:a16="http://schemas.microsoft.com/office/drawing/2014/main" id="{52AE4811-CB7B-4E63-92A7-E2967B6AEBEE}"/>
               </a:ext>
             </a:extLst>
           </p:cNvPr>
@@ -25518,7 +25520,7 @@
           <p:cNvPr id="5" name="Datumsplatzhalter 4">
             <a:extLst>
               <a:ext uri="{FF2B5EF4-FFF2-40B4-BE49-F238E27FC236}">
-                <a16:creationId xmlns:a16="http://schemas.microsoft.com/office/drawing/2014/main" xmlns="" id="{7AEDF8C5-F6FB-4119-B6A3-908B246DAB0B}"/>
+                <a16:creationId xmlns="" xmlns:a16="http://schemas.microsoft.com/office/drawing/2014/main" id="{7AEDF8C5-F6FB-4119-B6A3-908B246DAB0B}"/>
               </a:ext>
             </a:extLst>
           </p:cNvPr>
@@ -25548,7 +25550,7 @@
           <p:cNvPr id="7" name="Fußzeilenplatzhalter 6">
             <a:extLst>
               <a:ext uri="{FF2B5EF4-FFF2-40B4-BE49-F238E27FC236}">
-                <a16:creationId xmlns:a16="http://schemas.microsoft.com/office/drawing/2014/main" xmlns="" id="{4CCDEB9D-85DD-4CF0-96C7-BA711D11F2BE}"/>
+                <a16:creationId xmlns="" xmlns:a16="http://schemas.microsoft.com/office/drawing/2014/main" id="{4CCDEB9D-85DD-4CF0-96C7-BA711D11F2BE}"/>
               </a:ext>
             </a:extLst>
           </p:cNvPr>
@@ -25573,7 +25575,7 @@
           <p:cNvPr id="9" name="Foliennummernplatzhalter 8">
             <a:extLst>
               <a:ext uri="{FF2B5EF4-FFF2-40B4-BE49-F238E27FC236}">
-                <a16:creationId xmlns:a16="http://schemas.microsoft.com/office/drawing/2014/main" xmlns="" id="{418E80D9-3450-43BD-94A9-22C9BF91B1C0}"/>
+                <a16:creationId xmlns="" xmlns:a16="http://schemas.microsoft.com/office/drawing/2014/main" id="{418E80D9-3450-43BD-94A9-22C9BF91B1C0}"/>
               </a:ext>
             </a:extLst>
           </p:cNvPr>
@@ -26319,7 +26321,7 @@
           <p:cNvPr id="3" name="Datumsplatzhalter 2">
             <a:extLst>
               <a:ext uri="{FF2B5EF4-FFF2-40B4-BE49-F238E27FC236}">
-                <a16:creationId xmlns:a16="http://schemas.microsoft.com/office/drawing/2014/main" xmlns="" id="{25D8C277-6F42-4B11-AB90-EBE3A1238A85}"/>
+                <a16:creationId xmlns="" xmlns:a16="http://schemas.microsoft.com/office/drawing/2014/main" id="{25D8C277-6F42-4B11-AB90-EBE3A1238A85}"/>
               </a:ext>
             </a:extLst>
           </p:cNvPr>
@@ -26349,7 +26351,7 @@
           <p:cNvPr id="4" name="Fußzeilenplatzhalter 3">
             <a:extLst>
               <a:ext uri="{FF2B5EF4-FFF2-40B4-BE49-F238E27FC236}">
-                <a16:creationId xmlns:a16="http://schemas.microsoft.com/office/drawing/2014/main" xmlns="" id="{4815A052-9443-41A9-9F46-0AA437EEDDA5}"/>
+                <a16:creationId xmlns="" xmlns:a16="http://schemas.microsoft.com/office/drawing/2014/main" id="{4815A052-9443-41A9-9F46-0AA437EEDDA5}"/>
               </a:ext>
             </a:extLst>
           </p:cNvPr>
@@ -26374,7 +26376,7 @@
           <p:cNvPr id="5" name="Foliennummernplatzhalter 4">
             <a:extLst>
               <a:ext uri="{FF2B5EF4-FFF2-40B4-BE49-F238E27FC236}">
-                <a16:creationId xmlns:a16="http://schemas.microsoft.com/office/drawing/2014/main" xmlns="" id="{5F7C50D9-9DEA-4EFD-ACE3-677BBD4DEB55}"/>
+                <a16:creationId xmlns="" xmlns:a16="http://schemas.microsoft.com/office/drawing/2014/main" id="{5F7C50D9-9DEA-4EFD-ACE3-677BBD4DEB55}"/>
               </a:ext>
             </a:extLst>
           </p:cNvPr>
@@ -26840,7 +26842,7 @@
           <p:cNvPr id="5" name="Datumsplatzhalter 4">
             <a:extLst>
               <a:ext uri="{FF2B5EF4-FFF2-40B4-BE49-F238E27FC236}">
-                <a16:creationId xmlns:a16="http://schemas.microsoft.com/office/drawing/2014/main" xmlns="" id="{6B4135B1-E114-41F0-9C64-3A26186B834F}"/>
+                <a16:creationId xmlns="" xmlns:a16="http://schemas.microsoft.com/office/drawing/2014/main" id="{6B4135B1-E114-41F0-9C64-3A26186B834F}"/>
               </a:ext>
             </a:extLst>
           </p:cNvPr>
@@ -26870,7 +26872,7 @@
           <p:cNvPr id="7" name="Fußzeilenplatzhalter 6">
             <a:extLst>
               <a:ext uri="{FF2B5EF4-FFF2-40B4-BE49-F238E27FC236}">
-                <a16:creationId xmlns:a16="http://schemas.microsoft.com/office/drawing/2014/main" xmlns="" id="{84D81854-B37F-4ADF-A34F-BF0CCA2926F2}"/>
+                <a16:creationId xmlns="" xmlns:a16="http://schemas.microsoft.com/office/drawing/2014/main" id="{84D81854-B37F-4ADF-A34F-BF0CCA2926F2}"/>
               </a:ext>
             </a:extLst>
           </p:cNvPr>
@@ -26895,7 +26897,7 @@
           <p:cNvPr id="9" name="Foliennummernplatzhalter 8">
             <a:extLst>
               <a:ext uri="{FF2B5EF4-FFF2-40B4-BE49-F238E27FC236}">
-                <a16:creationId xmlns:a16="http://schemas.microsoft.com/office/drawing/2014/main" xmlns="" id="{2EE17D9C-06FE-45C8-B312-4C5617C49000}"/>
+                <a16:creationId xmlns="" xmlns:a16="http://schemas.microsoft.com/office/drawing/2014/main" id="{2EE17D9C-06FE-45C8-B312-4C5617C49000}"/>
               </a:ext>
             </a:extLst>
           </p:cNvPr>
@@ -27320,7 +27322,7 @@
           <p:cNvPr id="10" name="Datumsplatzhalter 9">
             <a:extLst>
               <a:ext uri="{FF2B5EF4-FFF2-40B4-BE49-F238E27FC236}">
-                <a16:creationId xmlns:a16="http://schemas.microsoft.com/office/drawing/2014/main" xmlns="" id="{F92E0490-C295-4C99-B9D1-6310B9164EDD}"/>
+                <a16:creationId xmlns="" xmlns:a16="http://schemas.microsoft.com/office/drawing/2014/main" id="{F92E0490-C295-4C99-B9D1-6310B9164EDD}"/>
               </a:ext>
             </a:extLst>
           </p:cNvPr>
@@ -27350,7 +27352,7 @@
           <p:cNvPr id="11" name="Fußzeilenplatzhalter 10">
             <a:extLst>
               <a:ext uri="{FF2B5EF4-FFF2-40B4-BE49-F238E27FC236}">
-                <a16:creationId xmlns:a16="http://schemas.microsoft.com/office/drawing/2014/main" xmlns="" id="{DD98C48F-3C69-4703-B4CC-632DDDDB497C}"/>
+                <a16:creationId xmlns="" xmlns:a16="http://schemas.microsoft.com/office/drawing/2014/main" id="{DD98C48F-3C69-4703-B4CC-632DDDDB497C}"/>
               </a:ext>
             </a:extLst>
           </p:cNvPr>
@@ -27375,7 +27377,7 @@
           <p:cNvPr id="15" name="Foliennummernplatzhalter 14">
             <a:extLst>
               <a:ext uri="{FF2B5EF4-FFF2-40B4-BE49-F238E27FC236}">
-                <a16:creationId xmlns:a16="http://schemas.microsoft.com/office/drawing/2014/main" xmlns="" id="{1968527D-44A1-407F-99A6-2ACAB46FBD28}"/>
+                <a16:creationId xmlns="" xmlns:a16="http://schemas.microsoft.com/office/drawing/2014/main" id="{1968527D-44A1-407F-99A6-2ACAB46FBD28}"/>
               </a:ext>
             </a:extLst>
           </p:cNvPr>
@@ -28162,7 +28164,7 @@
           <p:cNvPr id="5" name="Datumsplatzhalter 4">
             <a:extLst>
               <a:ext uri="{FF2B5EF4-FFF2-40B4-BE49-F238E27FC236}">
-                <a16:creationId xmlns:a16="http://schemas.microsoft.com/office/drawing/2014/main" xmlns="" id="{8AFAB162-0FDB-4A37-A4FD-CBFC89474486}"/>
+                <a16:creationId xmlns="" xmlns:a16="http://schemas.microsoft.com/office/drawing/2014/main" id="{8AFAB162-0FDB-4A37-A4FD-CBFC89474486}"/>
               </a:ext>
             </a:extLst>
           </p:cNvPr>
@@ -28192,7 +28194,7 @@
           <p:cNvPr id="7" name="Fußzeilenplatzhalter 6">
             <a:extLst>
               <a:ext uri="{FF2B5EF4-FFF2-40B4-BE49-F238E27FC236}">
-                <a16:creationId xmlns:a16="http://schemas.microsoft.com/office/drawing/2014/main" xmlns="" id="{46B12C25-0691-43C5-8596-6B8AD0039874}"/>
+                <a16:creationId xmlns="" xmlns:a16="http://schemas.microsoft.com/office/drawing/2014/main" id="{46B12C25-0691-43C5-8596-6B8AD0039874}"/>
               </a:ext>
             </a:extLst>
           </p:cNvPr>
@@ -28217,7 +28219,7 @@
           <p:cNvPr id="9" name="Foliennummernplatzhalter 8">
             <a:extLst>
               <a:ext uri="{FF2B5EF4-FFF2-40B4-BE49-F238E27FC236}">
-                <a16:creationId xmlns:a16="http://schemas.microsoft.com/office/drawing/2014/main" xmlns="" id="{7C5C2594-4A54-4AE0-88EE-FB17FDD4570C}"/>
+                <a16:creationId xmlns="" xmlns:a16="http://schemas.microsoft.com/office/drawing/2014/main" id="{7C5C2594-4A54-4AE0-88EE-FB17FDD4570C}"/>
               </a:ext>
             </a:extLst>
           </p:cNvPr>
@@ -28963,7 +28965,7 @@
           <p:cNvPr id="5" name="Datumsplatzhalter 4">
             <a:extLst>
               <a:ext uri="{FF2B5EF4-FFF2-40B4-BE49-F238E27FC236}">
-                <a16:creationId xmlns:a16="http://schemas.microsoft.com/office/drawing/2014/main" xmlns="" id="{D1D6952B-45CB-46FF-9F9B-1F98CC255417}"/>
+                <a16:creationId xmlns="" xmlns:a16="http://schemas.microsoft.com/office/drawing/2014/main" id="{D1D6952B-45CB-46FF-9F9B-1F98CC255417}"/>
               </a:ext>
             </a:extLst>
           </p:cNvPr>
@@ -28993,7 +28995,7 @@
           <p:cNvPr id="7" name="Fußzeilenplatzhalter 6">
             <a:extLst>
               <a:ext uri="{FF2B5EF4-FFF2-40B4-BE49-F238E27FC236}">
-                <a16:creationId xmlns:a16="http://schemas.microsoft.com/office/drawing/2014/main" xmlns="" id="{3C08D0C6-0E40-46E2-9D6C-74181D953DFE}"/>
+                <a16:creationId xmlns="" xmlns:a16="http://schemas.microsoft.com/office/drawing/2014/main" id="{3C08D0C6-0E40-46E2-9D6C-74181D953DFE}"/>
               </a:ext>
             </a:extLst>
           </p:cNvPr>
@@ -29018,7 +29020,7 @@
           <p:cNvPr id="8" name="Foliennummernplatzhalter 7">
             <a:extLst>
               <a:ext uri="{FF2B5EF4-FFF2-40B4-BE49-F238E27FC236}">
-                <a16:creationId xmlns:a16="http://schemas.microsoft.com/office/drawing/2014/main" xmlns="" id="{EA500A2A-E0AD-4AD6-AB58-61BF900F0E2C}"/>
+                <a16:creationId xmlns="" xmlns:a16="http://schemas.microsoft.com/office/drawing/2014/main" id="{EA500A2A-E0AD-4AD6-AB58-61BF900F0E2C}"/>
               </a:ext>
             </a:extLst>
           </p:cNvPr>
@@ -29122,7 +29124,7 @@
           <p:cNvPr id="5" name="Datumsplatzhalter 4">
             <a:extLst>
               <a:ext uri="{FF2B5EF4-FFF2-40B4-BE49-F238E27FC236}">
-                <a16:creationId xmlns:a16="http://schemas.microsoft.com/office/drawing/2014/main" xmlns="" id="{A181F7F8-D379-4070-8216-3B81228BAEC6}"/>
+                <a16:creationId xmlns="" xmlns:a16="http://schemas.microsoft.com/office/drawing/2014/main" id="{A181F7F8-D379-4070-8216-3B81228BAEC6}"/>
               </a:ext>
             </a:extLst>
           </p:cNvPr>
@@ -29152,7 +29154,7 @@
           <p:cNvPr id="7" name="Fußzeilenplatzhalter 6">
             <a:extLst>
               <a:ext uri="{FF2B5EF4-FFF2-40B4-BE49-F238E27FC236}">
-                <a16:creationId xmlns:a16="http://schemas.microsoft.com/office/drawing/2014/main" xmlns="" id="{D8E0E4FD-5CC1-4D23-A3E8-7DAB1134A4FA}"/>
+                <a16:creationId xmlns="" xmlns:a16="http://schemas.microsoft.com/office/drawing/2014/main" id="{D8E0E4FD-5CC1-4D23-A3E8-7DAB1134A4FA}"/>
               </a:ext>
             </a:extLst>
           </p:cNvPr>
@@ -29177,7 +29179,7 @@
           <p:cNvPr id="8" name="Foliennummernplatzhalter 7">
             <a:extLst>
               <a:ext uri="{FF2B5EF4-FFF2-40B4-BE49-F238E27FC236}">
-                <a16:creationId xmlns:a16="http://schemas.microsoft.com/office/drawing/2014/main" xmlns="" id="{6D72C792-B02A-4A44-BF65-9B261DE5D43D}"/>
+                <a16:creationId xmlns="" xmlns:a16="http://schemas.microsoft.com/office/drawing/2014/main" id="{6D72C792-B02A-4A44-BF65-9B261DE5D43D}"/>
               </a:ext>
             </a:extLst>
           </p:cNvPr>
@@ -29574,7 +29576,7 @@
           <p:cNvPr id="2" name="Datumsplatzhalter 1">
             <a:extLst>
               <a:ext uri="{FF2B5EF4-FFF2-40B4-BE49-F238E27FC236}">
-                <a16:creationId xmlns:a16="http://schemas.microsoft.com/office/drawing/2014/main" xmlns="" id="{B1E6CA30-BA19-47F1-BFEE-B5E43CCEC731}"/>
+                <a16:creationId xmlns="" xmlns:a16="http://schemas.microsoft.com/office/drawing/2014/main" id="{B1E6CA30-BA19-47F1-BFEE-B5E43CCEC731}"/>
               </a:ext>
             </a:extLst>
           </p:cNvPr>
@@ -29604,7 +29606,7 @@
           <p:cNvPr id="14" name="Fußzeilenplatzhalter 13">
             <a:extLst>
               <a:ext uri="{FF2B5EF4-FFF2-40B4-BE49-F238E27FC236}">
-                <a16:creationId xmlns:a16="http://schemas.microsoft.com/office/drawing/2014/main" xmlns="" id="{06236A5B-AF48-4E5C-BD02-27BC73328D88}"/>
+                <a16:creationId xmlns="" xmlns:a16="http://schemas.microsoft.com/office/drawing/2014/main" id="{06236A5B-AF48-4E5C-BD02-27BC73328D88}"/>
               </a:ext>
             </a:extLst>
           </p:cNvPr>
@@ -29629,7 +29631,7 @@
           <p:cNvPr id="15" name="Foliennummernplatzhalter 14">
             <a:extLst>
               <a:ext uri="{FF2B5EF4-FFF2-40B4-BE49-F238E27FC236}">
-                <a16:creationId xmlns:a16="http://schemas.microsoft.com/office/drawing/2014/main" xmlns="" id="{6C539E6F-C163-4DFD-A93D-F463843C6D4E}"/>
+                <a16:creationId xmlns="" xmlns:a16="http://schemas.microsoft.com/office/drawing/2014/main" id="{6C539E6F-C163-4DFD-A93D-F463843C6D4E}"/>
               </a:ext>
             </a:extLst>
           </p:cNvPr>
@@ -29945,7 +29947,7 @@
           <p:cNvPr id="7" name="Datumsplatzhalter 6">
             <a:extLst>
               <a:ext uri="{FF2B5EF4-FFF2-40B4-BE49-F238E27FC236}">
-                <a16:creationId xmlns:a16="http://schemas.microsoft.com/office/drawing/2014/main" xmlns="" id="{E9F2D5EB-EB07-4AC4-94D4-FA6BD7E87398}"/>
+                <a16:creationId xmlns="" xmlns:a16="http://schemas.microsoft.com/office/drawing/2014/main" id="{E9F2D5EB-EB07-4AC4-94D4-FA6BD7E87398}"/>
               </a:ext>
             </a:extLst>
           </p:cNvPr>
@@ -29975,7 +29977,7 @@
           <p:cNvPr id="8" name="Fußzeilenplatzhalter 7">
             <a:extLst>
               <a:ext uri="{FF2B5EF4-FFF2-40B4-BE49-F238E27FC236}">
-                <a16:creationId xmlns:a16="http://schemas.microsoft.com/office/drawing/2014/main" xmlns="" id="{947F1BF2-5B5A-4E3F-9A69-A7FC06CEE6DA}"/>
+                <a16:creationId xmlns="" xmlns:a16="http://schemas.microsoft.com/office/drawing/2014/main" id="{947F1BF2-5B5A-4E3F-9A69-A7FC06CEE6DA}"/>
               </a:ext>
             </a:extLst>
           </p:cNvPr>
@@ -30000,7 +30002,7 @@
           <p:cNvPr id="9" name="Foliennummernplatzhalter 8">
             <a:extLst>
               <a:ext uri="{FF2B5EF4-FFF2-40B4-BE49-F238E27FC236}">
-                <a16:creationId xmlns:a16="http://schemas.microsoft.com/office/drawing/2014/main" xmlns="" id="{B0D6E36A-E68C-4CFF-A1B3-ADE80884E18E}"/>
+                <a16:creationId xmlns="" xmlns:a16="http://schemas.microsoft.com/office/drawing/2014/main" id="{B0D6E36A-E68C-4CFF-A1B3-ADE80884E18E}"/>
               </a:ext>
             </a:extLst>
           </p:cNvPr>
@@ -30091,7 +30093,7 @@
           <a:noFill/>
           <a:extLst>
             <a:ext uri="{909E8E84-426E-40dd-AFC4-6F175D3DCCD1}">
-              <a14:hiddenFill xmlns:a14="http://schemas.microsoft.com/office/drawing/2010/main" xmlns="">
+              <a14:hiddenFill xmlns="" xmlns:a14="http://schemas.microsoft.com/office/drawing/2010/main">
                 <a:solidFill>
                   <a:srgbClr val="FFFFFF"/>
                 </a:solidFill>
@@ -30171,7 +30173,7 @@
           <a:noFill/>
           <a:extLst>
             <a:ext uri="{909E8E84-426E-40dd-AFC4-6F175D3DCCD1}">
-              <a14:hiddenFill xmlns:a14="http://schemas.microsoft.com/office/drawing/2010/main" xmlns="">
+              <a14:hiddenFill xmlns="" xmlns:a14="http://schemas.microsoft.com/office/drawing/2010/main">
                 <a:solidFill>
                   <a:srgbClr val="FFFFFF"/>
                 </a:solidFill>
@@ -30474,7 +30476,7 @@
           <p:cNvPr id="5" name="Datumsplatzhalter 4">
             <a:extLst>
               <a:ext uri="{FF2B5EF4-FFF2-40B4-BE49-F238E27FC236}">
-                <a16:creationId xmlns:a16="http://schemas.microsoft.com/office/drawing/2014/main" xmlns="" id="{368DD9D8-7FE8-48F0-AE91-AE98EA3DCA20}"/>
+                <a16:creationId xmlns="" xmlns:a16="http://schemas.microsoft.com/office/drawing/2014/main" id="{368DD9D8-7FE8-48F0-AE91-AE98EA3DCA20}"/>
               </a:ext>
             </a:extLst>
           </p:cNvPr>
@@ -30504,7 +30506,7 @@
           <p:cNvPr id="7" name="Fußzeilenplatzhalter 6">
             <a:extLst>
               <a:ext uri="{FF2B5EF4-FFF2-40B4-BE49-F238E27FC236}">
-                <a16:creationId xmlns:a16="http://schemas.microsoft.com/office/drawing/2014/main" xmlns="" id="{DD743ADB-89F1-48B5-A397-7FB83734730F}"/>
+                <a16:creationId xmlns="" xmlns:a16="http://schemas.microsoft.com/office/drawing/2014/main" id="{DD743ADB-89F1-48B5-A397-7FB83734730F}"/>
               </a:ext>
             </a:extLst>
           </p:cNvPr>
@@ -30529,7 +30531,7 @@
           <p:cNvPr id="8" name="Foliennummernplatzhalter 7">
             <a:extLst>
               <a:ext uri="{FF2B5EF4-FFF2-40B4-BE49-F238E27FC236}">
-                <a16:creationId xmlns:a16="http://schemas.microsoft.com/office/drawing/2014/main" xmlns="" id="{E9AACC46-EA1E-4E6F-8F9D-AC4B57F09904}"/>
+                <a16:creationId xmlns="" xmlns:a16="http://schemas.microsoft.com/office/drawing/2014/main" id="{E9AACC46-EA1E-4E6F-8F9D-AC4B57F09904}"/>
               </a:ext>
             </a:extLst>
           </p:cNvPr>
@@ -30836,7 +30838,7 @@
           <p:cNvPr id="6" name="Datumsplatzhalter 5">
             <a:extLst>
               <a:ext uri="{FF2B5EF4-FFF2-40B4-BE49-F238E27FC236}">
-                <a16:creationId xmlns:a16="http://schemas.microsoft.com/office/drawing/2014/main" xmlns="" id="{39EC82D5-F468-46F1-8BE2-F62E4D04C5CD}"/>
+                <a16:creationId xmlns="" xmlns:a16="http://schemas.microsoft.com/office/drawing/2014/main" id="{39EC82D5-F468-46F1-8BE2-F62E4D04C5CD}"/>
               </a:ext>
             </a:extLst>
           </p:cNvPr>
@@ -30866,7 +30868,7 @@
           <p:cNvPr id="7" name="Fußzeilenplatzhalter 6">
             <a:extLst>
               <a:ext uri="{FF2B5EF4-FFF2-40B4-BE49-F238E27FC236}">
-                <a16:creationId xmlns:a16="http://schemas.microsoft.com/office/drawing/2014/main" xmlns="" id="{32A29AE2-1FA8-458C-9BDD-E35CA69A9340}"/>
+                <a16:creationId xmlns="" xmlns:a16="http://schemas.microsoft.com/office/drawing/2014/main" id="{32A29AE2-1FA8-458C-9BDD-E35CA69A9340}"/>
               </a:ext>
             </a:extLst>
           </p:cNvPr>
@@ -30891,7 +30893,7 @@
           <p:cNvPr id="8" name="Foliennummernplatzhalter 7">
             <a:extLst>
               <a:ext uri="{FF2B5EF4-FFF2-40B4-BE49-F238E27FC236}">
-                <a16:creationId xmlns:a16="http://schemas.microsoft.com/office/drawing/2014/main" xmlns="" id="{DC4135BE-88E8-4C4B-B3FF-FC61855E0C9F}"/>
+                <a16:creationId xmlns="" xmlns:a16="http://schemas.microsoft.com/office/drawing/2014/main" id="{DC4135BE-88E8-4C4B-B3FF-FC61855E0C9F}"/>
               </a:ext>
             </a:extLst>
           </p:cNvPr>
@@ -31202,7 +31204,7 @@
           <p:cNvPr id="5" name="Datumsplatzhalter 4">
             <a:extLst>
               <a:ext uri="{FF2B5EF4-FFF2-40B4-BE49-F238E27FC236}">
-                <a16:creationId xmlns:a16="http://schemas.microsoft.com/office/drawing/2014/main" xmlns="" id="{42621BA8-D298-4AAA-B27E-2D5702596736}"/>
+                <a16:creationId xmlns="" xmlns:a16="http://schemas.microsoft.com/office/drawing/2014/main" id="{42621BA8-D298-4AAA-B27E-2D5702596736}"/>
               </a:ext>
             </a:extLst>
           </p:cNvPr>
@@ -31232,7 +31234,7 @@
           <p:cNvPr id="6" name="Fußzeilenplatzhalter 5">
             <a:extLst>
               <a:ext uri="{FF2B5EF4-FFF2-40B4-BE49-F238E27FC236}">
-                <a16:creationId xmlns:a16="http://schemas.microsoft.com/office/drawing/2014/main" xmlns="" id="{59687A69-8E9C-4168-AA2A-7D487587D19D}"/>
+                <a16:creationId xmlns="" xmlns:a16="http://schemas.microsoft.com/office/drawing/2014/main" id="{59687A69-8E9C-4168-AA2A-7D487587D19D}"/>
               </a:ext>
             </a:extLst>
           </p:cNvPr>
@@ -31257,7 +31259,7 @@
           <p:cNvPr id="7" name="Foliennummernplatzhalter 6">
             <a:extLst>
               <a:ext uri="{FF2B5EF4-FFF2-40B4-BE49-F238E27FC236}">
-                <a16:creationId xmlns:a16="http://schemas.microsoft.com/office/drawing/2014/main" xmlns="" id="{536244A4-4C24-4CD2-82E9-C547A6F8C84B}"/>
+                <a16:creationId xmlns="" xmlns:a16="http://schemas.microsoft.com/office/drawing/2014/main" id="{536244A4-4C24-4CD2-82E9-C547A6F8C84B}"/>
               </a:ext>
             </a:extLst>
           </p:cNvPr>
@@ -31561,7 +31563,7 @@
           <p:cNvPr id="6" name="Datumsplatzhalter 5">
             <a:extLst>
               <a:ext uri="{FF2B5EF4-FFF2-40B4-BE49-F238E27FC236}">
-                <a16:creationId xmlns:a16="http://schemas.microsoft.com/office/drawing/2014/main" xmlns="" id="{BF6F2AC7-7673-45B2-B727-C8AE32F0AB56}"/>
+                <a16:creationId xmlns="" xmlns:a16="http://schemas.microsoft.com/office/drawing/2014/main" id="{BF6F2AC7-7673-45B2-B727-C8AE32F0AB56}"/>
               </a:ext>
             </a:extLst>
           </p:cNvPr>
@@ -31591,7 +31593,7 @@
           <p:cNvPr id="7" name="Fußzeilenplatzhalter 6">
             <a:extLst>
               <a:ext uri="{FF2B5EF4-FFF2-40B4-BE49-F238E27FC236}">
-                <a16:creationId xmlns:a16="http://schemas.microsoft.com/office/drawing/2014/main" xmlns="" id="{92A772BA-DCE7-4C4E-83BA-CF4FFCC183EE}"/>
+                <a16:creationId xmlns="" xmlns:a16="http://schemas.microsoft.com/office/drawing/2014/main" id="{92A772BA-DCE7-4C4E-83BA-CF4FFCC183EE}"/>
               </a:ext>
             </a:extLst>
           </p:cNvPr>
@@ -31616,7 +31618,7 @@
           <p:cNvPr id="8" name="Foliennummernplatzhalter 7">
             <a:extLst>
               <a:ext uri="{FF2B5EF4-FFF2-40B4-BE49-F238E27FC236}">
-                <a16:creationId xmlns:a16="http://schemas.microsoft.com/office/drawing/2014/main" xmlns="" id="{E51D4D1D-A3D0-476F-93F4-F41207D05396}"/>
+                <a16:creationId xmlns="" xmlns:a16="http://schemas.microsoft.com/office/drawing/2014/main" id="{E51D4D1D-A3D0-476F-93F4-F41207D05396}"/>
               </a:ext>
             </a:extLst>
           </p:cNvPr>
@@ -31916,7 +31918,7 @@
           <p:cNvPr id="4" name="Datumsplatzhalter 3">
             <a:extLst>
               <a:ext uri="{FF2B5EF4-FFF2-40B4-BE49-F238E27FC236}">
-                <a16:creationId xmlns:a16="http://schemas.microsoft.com/office/drawing/2014/main" xmlns="" id="{37D39D12-6498-4172-8CA5-163DBEBBD0CB}"/>
+                <a16:creationId xmlns="" xmlns:a16="http://schemas.microsoft.com/office/drawing/2014/main" id="{37D39D12-6498-4172-8CA5-163DBEBBD0CB}"/>
               </a:ext>
             </a:extLst>
           </p:cNvPr>
@@ -31946,7 +31948,7 @@
           <p:cNvPr id="7" name="Fußzeilenplatzhalter 6">
             <a:extLst>
               <a:ext uri="{FF2B5EF4-FFF2-40B4-BE49-F238E27FC236}">
-                <a16:creationId xmlns:a16="http://schemas.microsoft.com/office/drawing/2014/main" xmlns="" id="{F310451D-2AF2-4222-AA5C-04DDCF6CA55F}"/>
+                <a16:creationId xmlns="" xmlns:a16="http://schemas.microsoft.com/office/drawing/2014/main" id="{F310451D-2AF2-4222-AA5C-04DDCF6CA55F}"/>
               </a:ext>
             </a:extLst>
           </p:cNvPr>
@@ -31971,7 +31973,7 @@
           <p:cNvPr id="8" name="Foliennummernplatzhalter 7">
             <a:extLst>
               <a:ext uri="{FF2B5EF4-FFF2-40B4-BE49-F238E27FC236}">
-                <a16:creationId xmlns:a16="http://schemas.microsoft.com/office/drawing/2014/main" xmlns="" id="{8546ADD4-A434-4A15-B639-BB0897136588}"/>
+                <a16:creationId xmlns="" xmlns:a16="http://schemas.microsoft.com/office/drawing/2014/main" id="{8546ADD4-A434-4A15-B639-BB0897136588}"/>
               </a:ext>
             </a:extLst>
           </p:cNvPr>
@@ -32210,7 +32212,7 @@
           <p:cNvPr id="2" name="Datumsplatzhalter 1">
             <a:extLst>
               <a:ext uri="{FF2B5EF4-FFF2-40B4-BE49-F238E27FC236}">
-                <a16:creationId xmlns:a16="http://schemas.microsoft.com/office/drawing/2014/main" xmlns="" id="{A19FBC2B-4138-47A7-96C3-6075667C774D}"/>
+                <a16:creationId xmlns="" xmlns:a16="http://schemas.microsoft.com/office/drawing/2014/main" id="{A19FBC2B-4138-47A7-96C3-6075667C774D}"/>
               </a:ext>
             </a:extLst>
           </p:cNvPr>
@@ -32240,7 +32242,7 @@
           <p:cNvPr id="8" name="Fußzeilenplatzhalter 7">
             <a:extLst>
               <a:ext uri="{FF2B5EF4-FFF2-40B4-BE49-F238E27FC236}">
-                <a16:creationId xmlns:a16="http://schemas.microsoft.com/office/drawing/2014/main" xmlns="" id="{193B0760-28CB-4559-9AEF-4866F2FCE0E4}"/>
+                <a16:creationId xmlns="" xmlns:a16="http://schemas.microsoft.com/office/drawing/2014/main" id="{193B0760-28CB-4559-9AEF-4866F2FCE0E4}"/>
               </a:ext>
             </a:extLst>
           </p:cNvPr>
@@ -32265,7 +32267,7 @@
           <p:cNvPr id="11" name="Foliennummernplatzhalter 10">
             <a:extLst>
               <a:ext uri="{FF2B5EF4-FFF2-40B4-BE49-F238E27FC236}">
-                <a16:creationId xmlns:a16="http://schemas.microsoft.com/office/drawing/2014/main" xmlns="" id="{A263DBAA-5BAE-421E-BCAE-39992A39B610}"/>
+                <a16:creationId xmlns="" xmlns:a16="http://schemas.microsoft.com/office/drawing/2014/main" id="{A263DBAA-5BAE-421E-BCAE-39992A39B610}"/>
               </a:ext>
             </a:extLst>
           </p:cNvPr>
@@ -33171,7 +33173,7 @@
           <p:cNvPr id="11" name="Titel 1">
             <a:extLst>
               <a:ext uri="{FF2B5EF4-FFF2-40B4-BE49-F238E27FC236}">
-                <a16:creationId xmlns:a16="http://schemas.microsoft.com/office/drawing/2014/main" xmlns="" id="{251058B0-31BE-410A-BE50-41D5389B0AAB}"/>
+                <a16:creationId xmlns="" xmlns:a16="http://schemas.microsoft.com/office/drawing/2014/main" id="{251058B0-31BE-410A-BE50-41D5389B0AAB}"/>
               </a:ext>
             </a:extLst>
           </p:cNvPr>
@@ -34636,7 +34638,7 @@
           <p:cNvPr id="2" name="Textplatzhalter 1">
             <a:extLst>
               <a:ext uri="{FF2B5EF4-FFF2-40B4-BE49-F238E27FC236}">
-                <a16:creationId xmlns:a16="http://schemas.microsoft.com/office/drawing/2014/main" xmlns="" id="{45003885-0277-4A8A-9B32-2C0872306E13}"/>
+                <a16:creationId xmlns="" xmlns:a16="http://schemas.microsoft.com/office/drawing/2014/main" id="{45003885-0277-4A8A-9B32-2C0872306E13}"/>
               </a:ext>
             </a:extLst>
           </p:cNvPr>
@@ -34676,7 +34678,7 @@
           <p:cNvPr id="3" name="Titel 2">
             <a:extLst>
               <a:ext uri="{FF2B5EF4-FFF2-40B4-BE49-F238E27FC236}">
-                <a16:creationId xmlns:a16="http://schemas.microsoft.com/office/drawing/2014/main" xmlns="" id="{EA92ABC8-8A1F-45BA-8C5F-D5DEF58C8920}"/>
+                <a16:creationId xmlns="" xmlns:a16="http://schemas.microsoft.com/office/drawing/2014/main" id="{EA92ABC8-8A1F-45BA-8C5F-D5DEF58C8920}"/>
               </a:ext>
             </a:extLst>
           </p:cNvPr>
@@ -36296,10 +36298,6 @@
           <a:bodyPr/>
           <a:lstStyle/>
           <a:p>
-            <a:r>
-              <a:rPr lang="de-DE" dirty="0" smtClean="0"/>
-              <a:t>Formulare</a:t>
-            </a:r>
             <a:endParaRPr lang="de-DE" dirty="0"/>
           </a:p>
         </p:txBody>
@@ -36316,152 +36314,37 @@
         </p:nvSpPr>
         <p:spPr/>
         <p:txBody>
-          <a:bodyPr/>
+          <a:bodyPr anchor="ctr"/>
           <a:lstStyle/>
           <a:p>
-            <a:pPr>
-              <a:lnSpc>
-                <a:spcPct val="150000"/>
-              </a:lnSpc>
+            <a:pPr marL="0" indent="0" algn="ctr">
+              <a:buNone/>
             </a:pPr>
             <a:r>
-              <a:rPr lang="de-DE" dirty="0"/>
-              <a:t>Eigenständiges </a:t>
-            </a:r>
-            <a:r>
-              <a:rPr lang="de-DE" dirty="0" err="1"/>
-              <a:t>npm</a:t>
-            </a:r>
-            <a:r>
-              <a:rPr lang="de-DE" dirty="0"/>
-              <a:t>-Paket: </a:t>
-            </a:r>
-            <a:r>
-              <a:rPr lang="de-DE" dirty="0">
-                <a:latin typeface="Consolas" panose="020B0609020204030204" pitchFamily="49" charset="0"/>
-                <a:cs typeface="Consolas" panose="020B0609020204030204" pitchFamily="49" charset="0"/>
+              <a:rPr lang="de-DE" sz="6600" dirty="0" smtClean="0">
+                <a:solidFill>
+                  <a:schemeClr val="tx2"/>
+                </a:solidFill>
+                <a:latin typeface="+mj-lt"/>
               </a:rPr>
-              <a:t>@angular/</a:t>
-            </a:r>
-            <a:r>
-              <a:rPr lang="de-DE" dirty="0" err="1">
-                <a:latin typeface="Consolas" panose="020B0609020204030204" pitchFamily="49" charset="0"/>
-                <a:cs typeface="Consolas" panose="020B0609020204030204" pitchFamily="49" charset="0"/>
+              <a:t>Pause </a:t>
+            </a:r>
+            <a:r>
+              <a:rPr lang="de-DE" sz="6600" dirty="0" smtClean="0">
+                <a:solidFill>
+                  <a:schemeClr val="tx2"/>
+                </a:solidFill>
+                <a:latin typeface="+mj-lt"/>
+                <a:sym typeface="Wingdings"/>
               </a:rPr>
-              <a:t>forms</a:t>
-            </a:r>
-            <a:endParaRPr lang="de-DE" dirty="0">
-              <a:latin typeface="Consolas" panose="020B0609020204030204" pitchFamily="49" charset="0"/>
-              <a:cs typeface="Consolas" panose="020B0609020204030204" pitchFamily="49" charset="0"/>
+              <a:t></a:t>
+            </a:r>
+            <a:endParaRPr lang="de-DE" sz="6600" dirty="0">
+              <a:solidFill>
+                <a:schemeClr val="tx2"/>
+              </a:solidFill>
+              <a:latin typeface="+mj-lt"/>
             </a:endParaRPr>
-          </a:p>
-          <a:p>
-            <a:pPr>
-              <a:lnSpc>
-                <a:spcPct val="150000"/>
-              </a:lnSpc>
-            </a:pPr>
-            <a:r>
-              <a:rPr lang="de-DE" dirty="0"/>
-              <a:t>Zentraler Anwendungsfall für Data-Binding (</a:t>
-            </a:r>
-            <a:r>
-              <a:rPr lang="de-DE" dirty="0" err="1"/>
-              <a:t>One</a:t>
-            </a:r>
-            <a:r>
-              <a:rPr lang="de-DE" dirty="0"/>
-              <a:t>-Way / </a:t>
-            </a:r>
-            <a:r>
-              <a:rPr lang="de-DE" dirty="0" err="1"/>
-              <a:t>Two</a:t>
-            </a:r>
-            <a:r>
-              <a:rPr lang="de-DE" dirty="0"/>
-              <a:t>-Way)</a:t>
-            </a:r>
-          </a:p>
-          <a:p>
-            <a:pPr>
-              <a:lnSpc>
-                <a:spcPct val="150000"/>
-              </a:lnSpc>
-            </a:pPr>
-            <a:r>
-              <a:rPr lang="de-DE" dirty="0"/>
-              <a:t>Zwei grundsätzlich unterschiedliche Entwicklungsverfahren</a:t>
-            </a:r>
-          </a:p>
-          <a:p>
-            <a:pPr lvl="1">
-              <a:lnSpc>
-                <a:spcPct val="150000"/>
-              </a:lnSpc>
-            </a:pPr>
-            <a:r>
-              <a:rPr lang="de-DE" b="1" dirty="0"/>
-              <a:t>Template-</a:t>
-            </a:r>
-            <a:r>
-              <a:rPr lang="de-DE" b="1" dirty="0" err="1"/>
-              <a:t>Driven</a:t>
-            </a:r>
-            <a:r>
-              <a:rPr lang="de-DE" dirty="0"/>
-              <a:t>: Deklarative (Markup-orientierte) Umsetzung</a:t>
-            </a:r>
-          </a:p>
-          <a:p>
-            <a:pPr lvl="1">
-              <a:lnSpc>
-                <a:spcPct val="150000"/>
-              </a:lnSpc>
-            </a:pPr>
-            <a:r>
-              <a:rPr lang="de-DE" b="1" dirty="0"/>
-              <a:t>Model-</a:t>
-            </a:r>
-            <a:r>
-              <a:rPr lang="de-DE" b="1" dirty="0" err="1"/>
-              <a:t>Driven</a:t>
-            </a:r>
-            <a:r>
-              <a:rPr lang="de-DE" dirty="0"/>
-              <a:t>: Programmatische (Code-orientierte) Umsetzung</a:t>
-            </a:r>
-          </a:p>
-          <a:p>
-            <a:pPr>
-              <a:lnSpc>
-                <a:spcPct val="150000"/>
-              </a:lnSpc>
-            </a:pPr>
-            <a:r>
-              <a:rPr lang="de-DE" dirty="0"/>
-              <a:t>Praxisbeispiel: </a:t>
-            </a:r>
-            <a:r>
-              <a:rPr lang="de-DE" dirty="0">
-                <a:hlinkClick r:id="rId2"/>
-              </a:rPr>
-              <a:t>https://</a:t>
-            </a:r>
-            <a:r>
-              <a:rPr lang="de-DE" dirty="0" smtClean="0">
-                <a:hlinkClick r:id="rId2"/>
-              </a:rPr>
-              <a:t>github.com/aawada78/angular-workshop.git</a:t>
-            </a:r>
-            <a:endParaRPr lang="de-DE" dirty="0" smtClean="0"/>
-          </a:p>
-          <a:p>
-            <a:pPr>
-              <a:lnSpc>
-                <a:spcPct val="150000"/>
-              </a:lnSpc>
-            </a:pPr>
-            <a:endParaRPr lang="de-DE" sz="2000" dirty="0"/>
           </a:p>
         </p:txBody>
       </p:sp>
@@ -36539,7 +36422,7 @@
     </p:spTree>
     <p:extLst>
       <p:ext uri="{BB962C8B-B14F-4D97-AF65-F5344CB8AC3E}">
-        <p14:creationId xmlns:p14="http://schemas.microsoft.com/office/powerpoint/2010/main" val="195296844"/>
+        <p14:creationId xmlns:p14="http://schemas.microsoft.com/office/powerpoint/2010/main" val="1026775767"/>
       </p:ext>
     </p:extLst>
   </p:cSld>
@@ -36573,6 +36456,47 @@
           <a:chExt cx="0" cy="0"/>
         </a:xfrm>
       </p:grpSpPr>
+      <p:pic>
+        <p:nvPicPr>
+          <p:cNvPr id="1025" name="Picture 1" descr="age1image272"/>
+          <p:cNvPicPr>
+            <a:picLocks noChangeAspect="1" noChangeArrowheads="1"/>
+          </p:cNvPicPr>
+          <p:nvPr/>
+        </p:nvPicPr>
+        <p:blipFill>
+          <a:blip r:embed="rId2">
+            <a:extLst>
+              <a:ext uri="{28A0092B-C50C-407E-A947-70E740481C1C}">
+                <a14:useLocalDpi xmlns:a14="http://schemas.microsoft.com/office/drawing/2010/main" val="0"/>
+              </a:ext>
+            </a:extLst>
+          </a:blip>
+          <a:srcRect/>
+          <a:stretch>
+            <a:fillRect/>
+          </a:stretch>
+        </p:blipFill>
+        <p:spPr bwMode="auto">
+          <a:xfrm>
+            <a:off x="5026622" y="1226969"/>
+            <a:ext cx="7622577" cy="5392906"/>
+          </a:xfrm>
+          <a:prstGeom prst="rect">
+            <a:avLst/>
+          </a:prstGeom>
+          <a:noFill/>
+          <a:extLst>
+            <a:ext uri="{909E8E84-426E-40DD-AFC4-6F175D3DCCD1}">
+              <a14:hiddenFill xmlns:a14="http://schemas.microsoft.com/office/drawing/2010/main">
+                <a:solidFill>
+                  <a:srgbClr val="FFFFFF"/>
+                </a:solidFill>
+              </a14:hiddenFill>
+            </a:ext>
+          </a:extLst>
+        </p:spPr>
+      </p:pic>
       <p:sp>
         <p:nvSpPr>
           <p:cNvPr id="2" name="Titel 1"/>
@@ -36590,26 +36514,23 @@
           <a:p>
             <a:r>
               <a:rPr lang="de-DE" dirty="0" smtClean="0"/>
-              <a:t>Formulare - Template-</a:t>
+              <a:t>Software </a:t>
             </a:r>
             <a:r>
               <a:rPr lang="de-DE" dirty="0" err="1" smtClean="0"/>
-              <a:t>Driven</a:t>
+              <a:t>Craftsmanship</a:t>
             </a:r>
             <a:r>
               <a:rPr lang="de-DE" dirty="0" smtClean="0"/>
-              <a:t> </a:t>
-            </a:r>
-            <a:r>
-              <a:rPr lang="de-DE" dirty="0"/>
-              <a:t>Forms</a:t>
-            </a:r>
+              <a:t> Community</a:t>
+            </a:r>
+            <a:endParaRPr lang="de-DE" dirty="0"/>
           </a:p>
         </p:txBody>
       </p:sp>
       <p:sp>
         <p:nvSpPr>
-          <p:cNvPr id="3" name="Textplatzhalter 2"/>
+          <p:cNvPr id="8" name="Textplatzhalter 7"/>
           <p:cNvSpPr>
             <a:spLocks noGrp="1"/>
           </p:cNvSpPr>
@@ -36617,166 +36538,100 @@
             <p:ph type="body" sz="quarter" idx="30"/>
           </p:nvPr>
         </p:nvSpPr>
+        <p:spPr>
+          <a:xfrm>
+            <a:off x="380990" y="1569368"/>
+            <a:ext cx="5601169" cy="5050507"/>
+          </a:xfrm>
+        </p:spPr>
+        <p:txBody>
+          <a:bodyPr/>
+          <a:lstStyle/>
+          <a:p>
+            <a:r>
+              <a:rPr lang="de-DE" dirty="0" smtClean="0"/>
+              <a:t>Twitter: </a:t>
+            </a:r>
+            <a:r>
+              <a:rPr lang="mr-IN" dirty="0" smtClean="0"/>
+              <a:t>…</a:t>
+            </a:r>
+            <a:endParaRPr lang="de-DE" dirty="0" smtClean="0"/>
+          </a:p>
+          <a:p>
+            <a:r>
+              <a:rPr lang="mr-IN" dirty="0" smtClean="0"/>
+              <a:t>…</a:t>
+            </a:r>
+            <a:endParaRPr lang="de-DE" smtClean="0"/>
+          </a:p>
+          <a:p>
+            <a:endParaRPr lang="de-DE" dirty="0" smtClean="0"/>
+          </a:p>
+          <a:p>
+            <a:r>
+              <a:rPr lang="de-DE" dirty="0" smtClean="0"/>
+              <a:t>Global Day </a:t>
+            </a:r>
+            <a:r>
+              <a:rPr lang="de-DE" dirty="0" err="1" smtClean="0"/>
+              <a:t>of</a:t>
+            </a:r>
+            <a:r>
+              <a:rPr lang="de-DE" dirty="0" smtClean="0"/>
+              <a:t> Code Retreat </a:t>
+            </a:r>
+          </a:p>
+          <a:p>
+            <a:r>
+              <a:rPr lang="de-DE" dirty="0"/>
+              <a:t> </a:t>
+            </a:r>
+            <a:r>
+              <a:rPr lang="de-DE" dirty="0">
+                <a:hlinkClick r:id="rId3"/>
+              </a:rPr>
+              <a:t>https://ti.to/gdcr-nuernberg/2017</a:t>
+            </a:r>
+            <a:endParaRPr lang="de-DE" dirty="0"/>
+          </a:p>
+        </p:txBody>
+      </p:sp>
+      <p:sp>
+        <p:nvSpPr>
+          <p:cNvPr id="10" name="Textplatzhalter 9"/>
+          <p:cNvSpPr>
+            <a:spLocks noGrp="1"/>
+          </p:cNvSpPr>
+          <p:nvPr>
+            <p:ph type="body" sz="quarter" idx="34"/>
+          </p:nvPr>
+        </p:nvSpPr>
         <p:spPr/>
         <p:txBody>
           <a:bodyPr/>
           <a:lstStyle/>
           <a:p>
-            <a:pPr>
-              <a:lnSpc>
-                <a:spcPct val="150000"/>
-              </a:lnSpc>
-            </a:pPr>
-            <a:r>
-              <a:rPr lang="de-DE" dirty="0"/>
-              <a:t>Integration mittels </a:t>
-            </a:r>
-            <a:r>
-              <a:rPr lang="de-DE" dirty="0">
-                <a:latin typeface="Consolas" panose="020B0609020204030204" pitchFamily="49" charset="0"/>
-                <a:cs typeface="Consolas" panose="020B0609020204030204" pitchFamily="49" charset="0"/>
-              </a:rPr>
-              <a:t>@</a:t>
-            </a:r>
-            <a:r>
-              <a:rPr lang="de-DE" dirty="0" err="1">
-                <a:latin typeface="Consolas" panose="020B0609020204030204" pitchFamily="49" charset="0"/>
-                <a:cs typeface="Consolas" panose="020B0609020204030204" pitchFamily="49" charset="0"/>
-              </a:rPr>
-              <a:t>NgModule</a:t>
-            </a:r>
-            <a:r>
-              <a:rPr lang="de-DE" dirty="0">
-                <a:latin typeface="Consolas" panose="020B0609020204030204" pitchFamily="49" charset="0"/>
-                <a:cs typeface="Consolas" panose="020B0609020204030204" pitchFamily="49" charset="0"/>
-              </a:rPr>
-              <a:t> </a:t>
-            </a:r>
-            <a:r>
-              <a:rPr lang="de-DE" dirty="0" err="1">
-                <a:latin typeface="Consolas" panose="020B0609020204030204" pitchFamily="49" charset="0"/>
-                <a:cs typeface="Consolas" panose="020B0609020204030204" pitchFamily="49" charset="0"/>
-              </a:rPr>
-              <a:t>FormsModule</a:t>
-            </a:r>
-            <a:endParaRPr lang="de-DE" dirty="0">
-              <a:latin typeface="Consolas" panose="020B0609020204030204" pitchFamily="49" charset="0"/>
-              <a:cs typeface="Consolas" panose="020B0609020204030204" pitchFamily="49" charset="0"/>
-            </a:endParaRPr>
-          </a:p>
-          <a:p>
-            <a:pPr>
-              <a:lnSpc>
-                <a:spcPct val="150000"/>
-              </a:lnSpc>
-            </a:pPr>
-            <a:r>
-              <a:rPr lang="de-DE" dirty="0">
-                <a:cs typeface="Consolas" panose="020B0609020204030204" pitchFamily="49" charset="0"/>
-              </a:rPr>
-              <a:t>Rein deklarative Realisierung im Markup durch Direktiven und lokale Template-Variablen</a:t>
-            </a:r>
-          </a:p>
-          <a:p>
-            <a:pPr>
-              <a:lnSpc>
-                <a:spcPct val="150000"/>
-              </a:lnSpc>
-            </a:pPr>
-            <a:r>
-              <a:rPr lang="de-DE" dirty="0"/>
-              <a:t>Grundlage: </a:t>
-            </a:r>
-            <a:r>
-              <a:rPr lang="de-DE" dirty="0" err="1"/>
-              <a:t>Two</a:t>
-            </a:r>
-            <a:r>
-              <a:rPr lang="de-DE" dirty="0"/>
-              <a:t>-Way-Data-Binding via </a:t>
-            </a:r>
-            <a:r>
-              <a:rPr lang="de-DE" dirty="0">
-                <a:latin typeface="Consolas" panose="020B0609020204030204" pitchFamily="49" charset="0"/>
-                <a:cs typeface="Consolas" panose="020B0609020204030204" pitchFamily="49" charset="0"/>
-              </a:rPr>
-              <a:t>[(</a:t>
-            </a:r>
-            <a:r>
-              <a:rPr lang="de-DE" dirty="0" err="1">
-                <a:latin typeface="Consolas" panose="020B0609020204030204" pitchFamily="49" charset="0"/>
-                <a:cs typeface="Consolas" panose="020B0609020204030204" pitchFamily="49" charset="0"/>
-              </a:rPr>
-              <a:t>ngModel</a:t>
-            </a:r>
-            <a:r>
-              <a:rPr lang="de-DE" dirty="0">
-                <a:latin typeface="Consolas" panose="020B0609020204030204" pitchFamily="49" charset="0"/>
-                <a:cs typeface="Consolas" panose="020B0609020204030204" pitchFamily="49" charset="0"/>
-              </a:rPr>
-              <a:t>)]</a:t>
-            </a:r>
-          </a:p>
-          <a:p>
-            <a:pPr>
-              <a:lnSpc>
-                <a:spcPct val="150000"/>
-              </a:lnSpc>
-            </a:pPr>
-            <a:r>
-              <a:rPr lang="de-DE" dirty="0"/>
-              <a:t>Verringerung des Testaufwands durch Verlagerung der Logik ins Markup</a:t>
-            </a:r>
-          </a:p>
-          <a:p>
-            <a:pPr>
-              <a:lnSpc>
-                <a:spcPct val="150000"/>
-              </a:lnSpc>
-            </a:pPr>
-            <a:r>
-              <a:rPr lang="de-DE" dirty="0"/>
-              <a:t>Geeignet für schnelle Umsetzung einfacher Formulare</a:t>
-            </a:r>
-          </a:p>
-          <a:p>
-            <a:pPr>
-              <a:lnSpc>
-                <a:spcPct val="150000"/>
-              </a:lnSpc>
-            </a:pPr>
-            <a:r>
-              <a:rPr lang="de-DE" dirty="0"/>
-              <a:t>Unterstützung für Property-Binding von </a:t>
-            </a:r>
-            <a:r>
-              <a:rPr lang="de-DE" dirty="0" err="1">
-                <a:latin typeface="Consolas" panose="020B0609020204030204" pitchFamily="49" charset="0"/>
-                <a:cs typeface="Consolas" panose="020B0609020204030204" pitchFamily="49" charset="0"/>
-              </a:rPr>
-              <a:t>disabled</a:t>
-            </a:r>
-            <a:endParaRPr lang="de-DE" dirty="0">
-              <a:latin typeface="Consolas" panose="020B0609020204030204" pitchFamily="49" charset="0"/>
-              <a:cs typeface="Consolas" panose="020B0609020204030204" pitchFamily="49" charset="0"/>
-            </a:endParaRPr>
-          </a:p>
-          <a:p>
-            <a:pPr>
-              <a:lnSpc>
-                <a:spcPct val="150000"/>
-              </a:lnSpc>
-            </a:pPr>
-            <a:r>
-              <a:rPr lang="de-DE" dirty="0">
-                <a:cs typeface="Consolas" panose="020B0609020204030204" pitchFamily="49" charset="0"/>
-              </a:rPr>
-              <a:t>Keine Direktive für Form Arrays</a:t>
-            </a:r>
-            <a:endParaRPr lang="de-DE" dirty="0"/>
-          </a:p>
-          <a:p>
-            <a:endParaRPr lang="de-DE" dirty="0"/>
+            <a:endParaRPr lang="de-DE"/>
+          </a:p>
+        </p:txBody>
+      </p:sp>
+      <p:sp>
+        <p:nvSpPr>
+          <p:cNvPr id="11" name="Textplatzhalter 10"/>
+          <p:cNvSpPr>
+            <a:spLocks noGrp="1"/>
+          </p:cNvSpPr>
+          <p:nvPr>
+            <p:ph type="body" sz="quarter" idx="35"/>
+          </p:nvPr>
+        </p:nvSpPr>
+        <p:spPr/>
+        <p:txBody>
+          <a:bodyPr/>
+          <a:lstStyle/>
+          <a:p>
+            <a:endParaRPr lang="de-DE"/>
           </a:p>
         </p:txBody>
       </p:sp>
@@ -36787,7 +36642,7 @@
             <a:spLocks noGrp="1"/>
           </p:cNvSpPr>
           <p:nvPr>
-            <p:ph type="dt" sz="half" idx="31"/>
+            <p:ph type="dt" sz="half" idx="36"/>
           </p:nvPr>
         </p:nvSpPr>
         <p:spPr/>
@@ -36811,7 +36666,7 @@
             <a:spLocks noGrp="1"/>
           </p:cNvSpPr>
           <p:nvPr>
-            <p:ph type="ftr" sz="quarter" idx="32"/>
+            <p:ph type="ftr" sz="quarter" idx="37"/>
           </p:nvPr>
         </p:nvSpPr>
         <p:spPr/>
@@ -36830,7 +36685,7 @@
             <a:spLocks noGrp="1"/>
           </p:cNvSpPr>
           <p:nvPr>
-            <p:ph type="sldNum" sz="quarter" idx="33"/>
+            <p:ph type="sldNum" sz="quarter" idx="38"/>
           </p:nvPr>
         </p:nvSpPr>
         <p:spPr/>
@@ -36839,7 +36694,7 @@
           <a:lstStyle/>
           <a:p>
             <a:r>
-              <a:rPr lang="de-DE"/>
+              <a:rPr lang="de-DE" smtClean="0"/>
               <a:t>Seite </a:t>
             </a:r>
             <a:fld id="{38661448-4A48-D446-A2DB-27E795148D92}" type="slidenum">
@@ -36854,20 +36709,13 @@
     </p:spTree>
     <p:extLst>
       <p:ext uri="{BB962C8B-B14F-4D97-AF65-F5344CB8AC3E}">
-        <p14:creationId xmlns:p14="http://schemas.microsoft.com/office/powerpoint/2010/main" val="1657213088"/>
+        <p14:creationId xmlns:p14="http://schemas.microsoft.com/office/powerpoint/2010/main" val="1665678564"/>
       </p:ext>
     </p:extLst>
   </p:cSld>
   <p:clrMapOvr>
     <a:masterClrMapping/>
   </p:clrMapOvr>
-  <p:timing>
-    <p:tnLst>
-      <p:par>
-        <p:cTn id="1" dur="indefinite" restart="never" nodeType="tmRoot"/>
-      </p:par>
-    </p:tnLst>
-  </p:timing>
 </p:sld>
 </file>
 
@@ -36898,61 +36746,180 @@
             <p:ph type="title"/>
           </p:nvPr>
         </p:nvSpPr>
-        <p:spPr>
-          <a:solidFill>
-            <a:schemeClr val="accent2"/>
-          </a:solidFill>
-        </p:spPr>
+        <p:spPr/>
         <p:txBody>
           <a:bodyPr/>
           <a:lstStyle/>
           <a:p>
             <a:r>
-              <a:rPr lang="de-DE" dirty="0" smtClean="0">
-                <a:solidFill>
-                  <a:schemeClr val="bg1"/>
-                </a:solidFill>
-              </a:rPr>
-              <a:t>Live </a:t>
-            </a:r>
-            <a:r>
-              <a:rPr lang="de-DE" dirty="0" err="1" smtClean="0">
-                <a:solidFill>
-                  <a:schemeClr val="bg1"/>
-                </a:solidFill>
-              </a:rPr>
-              <a:t>Coding</a:t>
-            </a:r>
-            <a:endParaRPr lang="de-DE" dirty="0">
-              <a:solidFill>
-                <a:schemeClr val="bg1"/>
-              </a:solidFill>
-            </a:endParaRPr>
+              <a:rPr lang="de-DE" dirty="0" smtClean="0"/>
+              <a:t>Formulare</a:t>
+            </a:r>
+            <a:endParaRPr lang="de-DE" dirty="0"/>
           </a:p>
         </p:txBody>
       </p:sp>
-      <p:graphicFrame>
-        <p:nvGraphicFramePr>
-          <p:cNvPr id="7" name="Diagramm 6"/>
-          <p:cNvGraphicFramePr/>
+      <p:sp>
+        <p:nvSpPr>
+          <p:cNvPr id="3" name="Textplatzhalter 2"/>
+          <p:cNvSpPr>
+            <a:spLocks noGrp="1"/>
+          </p:cNvSpPr>
           <p:nvPr>
-            <p:extLst>
-              <p:ext uri="{D42A27DB-BD31-4B8C-83A1-F6EECF244321}">
-                <p14:modId xmlns:p14="http://schemas.microsoft.com/office/powerpoint/2010/main" val="1628312812"/>
-              </p:ext>
-            </p:extLst>
+            <p:ph type="body" sz="quarter" idx="30"/>
           </p:nvPr>
-        </p:nvGraphicFramePr>
-        <p:xfrm>
-          <a:off x="381600" y="1569368"/>
-          <a:ext cx="12267600" cy="5050507"/>
-        </p:xfrm>
-        <a:graphic>
-          <a:graphicData uri="http://schemas.openxmlformats.org/drawingml/2006/diagram">
-            <dgm:relIds xmlns:dgm="http://schemas.openxmlformats.org/drawingml/2006/diagram" xmlns:r="http://schemas.openxmlformats.org/officeDocument/2006/relationships" r:dm="rId2" r:lo="rId3" r:qs="rId4" r:cs="rId5"/>
-          </a:graphicData>
-        </a:graphic>
-      </p:graphicFrame>
+        </p:nvSpPr>
+        <p:spPr/>
+        <p:txBody>
+          <a:bodyPr/>
+          <a:lstStyle/>
+          <a:p>
+            <a:pPr>
+              <a:lnSpc>
+                <a:spcPct val="150000"/>
+              </a:lnSpc>
+            </a:pPr>
+            <a:r>
+              <a:rPr lang="de-DE" dirty="0"/>
+              <a:t>Eigenständiges </a:t>
+            </a:r>
+            <a:r>
+              <a:rPr lang="de-DE" dirty="0" err="1"/>
+              <a:t>npm</a:t>
+            </a:r>
+            <a:r>
+              <a:rPr lang="de-DE" dirty="0"/>
+              <a:t>-Paket: </a:t>
+            </a:r>
+            <a:r>
+              <a:rPr lang="de-DE" dirty="0">
+                <a:latin typeface="Consolas" panose="020B0609020204030204" pitchFamily="49" charset="0"/>
+                <a:cs typeface="Consolas" panose="020B0609020204030204" pitchFamily="49" charset="0"/>
+              </a:rPr>
+              <a:t>@angular/</a:t>
+            </a:r>
+            <a:r>
+              <a:rPr lang="de-DE" dirty="0" err="1">
+                <a:latin typeface="Consolas" panose="020B0609020204030204" pitchFamily="49" charset="0"/>
+                <a:cs typeface="Consolas" panose="020B0609020204030204" pitchFamily="49" charset="0"/>
+              </a:rPr>
+              <a:t>forms</a:t>
+            </a:r>
+            <a:endParaRPr lang="de-DE" dirty="0">
+              <a:latin typeface="Consolas" panose="020B0609020204030204" pitchFamily="49" charset="0"/>
+              <a:cs typeface="Consolas" panose="020B0609020204030204" pitchFamily="49" charset="0"/>
+            </a:endParaRPr>
+          </a:p>
+          <a:p>
+            <a:pPr>
+              <a:lnSpc>
+                <a:spcPct val="150000"/>
+              </a:lnSpc>
+            </a:pPr>
+            <a:r>
+              <a:rPr lang="de-DE" dirty="0"/>
+              <a:t>Zentraler Anwendungsfall für Data-Binding (</a:t>
+            </a:r>
+            <a:r>
+              <a:rPr lang="de-DE" dirty="0" err="1"/>
+              <a:t>One</a:t>
+            </a:r>
+            <a:r>
+              <a:rPr lang="de-DE" dirty="0"/>
+              <a:t>-Way / </a:t>
+            </a:r>
+            <a:r>
+              <a:rPr lang="de-DE" dirty="0" err="1"/>
+              <a:t>Two</a:t>
+            </a:r>
+            <a:r>
+              <a:rPr lang="de-DE" dirty="0"/>
+              <a:t>-Way)</a:t>
+            </a:r>
+          </a:p>
+          <a:p>
+            <a:pPr>
+              <a:lnSpc>
+                <a:spcPct val="150000"/>
+              </a:lnSpc>
+            </a:pPr>
+            <a:r>
+              <a:rPr lang="de-DE" dirty="0"/>
+              <a:t>Zwei grundsätzlich unterschiedliche Entwicklungsverfahren</a:t>
+            </a:r>
+          </a:p>
+          <a:p>
+            <a:pPr lvl="1">
+              <a:lnSpc>
+                <a:spcPct val="150000"/>
+              </a:lnSpc>
+            </a:pPr>
+            <a:r>
+              <a:rPr lang="de-DE" b="1" dirty="0"/>
+              <a:t>Template-</a:t>
+            </a:r>
+            <a:r>
+              <a:rPr lang="de-DE" b="1" dirty="0" err="1"/>
+              <a:t>Driven</a:t>
+            </a:r>
+            <a:r>
+              <a:rPr lang="de-DE" dirty="0"/>
+              <a:t>: Deklarative (Markup-orientierte) Umsetzung</a:t>
+            </a:r>
+          </a:p>
+          <a:p>
+            <a:pPr lvl="1">
+              <a:lnSpc>
+                <a:spcPct val="150000"/>
+              </a:lnSpc>
+            </a:pPr>
+            <a:r>
+              <a:rPr lang="de-DE" b="1" dirty="0"/>
+              <a:t>Model-</a:t>
+            </a:r>
+            <a:r>
+              <a:rPr lang="de-DE" b="1" dirty="0" err="1"/>
+              <a:t>Driven</a:t>
+            </a:r>
+            <a:r>
+              <a:rPr lang="de-DE" dirty="0"/>
+              <a:t>: Programmatische (Code-orientierte) Umsetzung</a:t>
+            </a:r>
+          </a:p>
+          <a:p>
+            <a:pPr>
+              <a:lnSpc>
+                <a:spcPct val="150000"/>
+              </a:lnSpc>
+            </a:pPr>
+            <a:r>
+              <a:rPr lang="de-DE" dirty="0"/>
+              <a:t>Praxisbeispiel: </a:t>
+            </a:r>
+            <a:r>
+              <a:rPr lang="de-DE" dirty="0">
+                <a:hlinkClick r:id="rId2"/>
+              </a:rPr>
+              <a:t>https://</a:t>
+            </a:r>
+            <a:r>
+              <a:rPr lang="de-DE" dirty="0" smtClean="0">
+                <a:hlinkClick r:id="rId2"/>
+              </a:rPr>
+              <a:t>github.com/aawada78/angular-workshop.git</a:t>
+            </a:r>
+            <a:endParaRPr lang="de-DE" dirty="0" smtClean="0"/>
+          </a:p>
+          <a:p>
+            <a:pPr>
+              <a:lnSpc>
+                <a:spcPct val="150000"/>
+              </a:lnSpc>
+            </a:pPr>
+            <a:endParaRPr lang="de-DE" sz="2000" dirty="0"/>
+          </a:p>
+        </p:txBody>
+      </p:sp>
       <p:sp>
         <p:nvSpPr>
           <p:cNvPr id="4" name="Datumsplatzhalter 3"/>
@@ -37027,7 +36994,7 @@
     </p:spTree>
     <p:extLst>
       <p:ext uri="{BB962C8B-B14F-4D97-AF65-F5344CB8AC3E}">
-        <p14:creationId xmlns:p14="http://schemas.microsoft.com/office/powerpoint/2010/main" val="1136829679"/>
+        <p14:creationId xmlns:p14="http://schemas.microsoft.com/office/powerpoint/2010/main" val="195296844"/>
       </p:ext>
     </p:extLst>
   </p:cSld>
@@ -37078,9 +37045,20 @@
           <a:p>
             <a:r>
               <a:rPr lang="de-DE" dirty="0" smtClean="0"/>
-              <a:t>Service</a:t>
-            </a:r>
-            <a:endParaRPr lang="de-DE" dirty="0"/>
+              <a:t>Formulare - Template-</a:t>
+            </a:r>
+            <a:r>
+              <a:rPr lang="de-DE" dirty="0" err="1" smtClean="0"/>
+              <a:t>Driven</a:t>
+            </a:r>
+            <a:r>
+              <a:rPr lang="de-DE" dirty="0" smtClean="0"/>
+              <a:t> </a:t>
+            </a:r>
+            <a:r>
+              <a:rPr lang="de-DE" dirty="0"/>
+              <a:t>Forms</a:t>
+            </a:r>
           </a:p>
         </p:txBody>
       </p:sp>
@@ -37094,12 +37072,7 @@
             <p:ph type="body" sz="quarter" idx="30"/>
           </p:nvPr>
         </p:nvSpPr>
-        <p:spPr>
-          <a:xfrm>
-            <a:off x="381600" y="1569368"/>
-            <a:ext cx="7812000" cy="5050507"/>
-          </a:xfrm>
-        </p:spPr>
+        <p:spPr/>
         <p:txBody>
           <a:bodyPr/>
           <a:lstStyle/>
@@ -37110,10 +37083,41 @@
               </a:lnSpc>
             </a:pPr>
             <a:r>
-              <a:rPr lang="de-DE" dirty="0" smtClean="0"/>
-              <a:t>Service enthält Businesslogik</a:t>
-            </a:r>
-            <a:endParaRPr lang="de-DE" dirty="0"/>
+              <a:rPr lang="de-DE" dirty="0"/>
+              <a:t>Integration mittels </a:t>
+            </a:r>
+            <a:r>
+              <a:rPr lang="de-DE" dirty="0">
+                <a:latin typeface="Consolas" panose="020B0609020204030204" pitchFamily="49" charset="0"/>
+                <a:cs typeface="Consolas" panose="020B0609020204030204" pitchFamily="49" charset="0"/>
+              </a:rPr>
+              <a:t>@</a:t>
+            </a:r>
+            <a:r>
+              <a:rPr lang="de-DE" dirty="0" err="1">
+                <a:latin typeface="Consolas" panose="020B0609020204030204" pitchFamily="49" charset="0"/>
+                <a:cs typeface="Consolas" panose="020B0609020204030204" pitchFamily="49" charset="0"/>
+              </a:rPr>
+              <a:t>NgModule</a:t>
+            </a:r>
+            <a:r>
+              <a:rPr lang="de-DE" dirty="0">
+                <a:latin typeface="Consolas" panose="020B0609020204030204" pitchFamily="49" charset="0"/>
+                <a:cs typeface="Consolas" panose="020B0609020204030204" pitchFamily="49" charset="0"/>
+              </a:rPr>
+              <a:t> </a:t>
+            </a:r>
+            <a:r>
+              <a:rPr lang="de-DE" dirty="0" err="1">
+                <a:latin typeface="Consolas" panose="020B0609020204030204" pitchFamily="49" charset="0"/>
+                <a:cs typeface="Consolas" panose="020B0609020204030204" pitchFamily="49" charset="0"/>
+              </a:rPr>
+              <a:t>FormsModule</a:t>
+            </a:r>
+            <a:endParaRPr lang="de-DE" dirty="0">
+              <a:latin typeface="Consolas" panose="020B0609020204030204" pitchFamily="49" charset="0"/>
+              <a:cs typeface="Consolas" panose="020B0609020204030204" pitchFamily="49" charset="0"/>
+            </a:endParaRPr>
           </a:p>
           <a:p>
             <a:pPr>
@@ -37122,8 +37126,10 @@
               </a:lnSpc>
             </a:pPr>
             <a:r>
-              <a:rPr lang="de-DE" dirty="0" smtClean="0"/>
-              <a:t>Bietet Daten, Funktionen und Features anwendungsübergreifend an</a:t>
+              <a:rPr lang="de-DE" dirty="0">
+                <a:cs typeface="Consolas" panose="020B0609020204030204" pitchFamily="49" charset="0"/>
+              </a:rPr>
+              <a:t>Rein deklarative Realisierung im Markup durch Direktiven und lokale Template-Variablen</a:t>
             </a:r>
           </a:p>
           <a:p>
@@ -37133,131 +37139,99 @@
               </a:lnSpc>
             </a:pPr>
             <a:r>
-              <a:rPr lang="de-DE" dirty="0" smtClean="0"/>
-              <a:t>Ein Service wird per </a:t>
-            </a:r>
-            <a:r>
-              <a:rPr lang="de-DE" i="1" dirty="0" err="1" smtClean="0"/>
-              <a:t>Dependency</a:t>
-            </a:r>
-            <a:r>
-              <a:rPr lang="de-DE" i="1" dirty="0" smtClean="0"/>
-              <a:t> </a:t>
-            </a:r>
-            <a:r>
-              <a:rPr lang="de-DE" i="1" dirty="0" err="1" smtClean="0"/>
-              <a:t>Injection</a:t>
-            </a:r>
-            <a:r>
-              <a:rPr lang="de-DE" dirty="0" smtClean="0"/>
-              <a:t> in eine Komponente injiziert</a:t>
-            </a:r>
-          </a:p>
-          <a:p>
-            <a:pPr lvl="0">
+              <a:rPr lang="de-DE" dirty="0"/>
+              <a:t>Grundlage: </a:t>
+            </a:r>
+            <a:r>
+              <a:rPr lang="de-DE" dirty="0" err="1"/>
+              <a:t>Two</a:t>
+            </a:r>
+            <a:r>
+              <a:rPr lang="de-DE" dirty="0"/>
+              <a:t>-Way-Data-Binding via </a:t>
+            </a:r>
+            <a:r>
+              <a:rPr lang="de-DE" dirty="0">
+                <a:latin typeface="Consolas" panose="020B0609020204030204" pitchFamily="49" charset="0"/>
+                <a:cs typeface="Consolas" panose="020B0609020204030204" pitchFamily="49" charset="0"/>
+              </a:rPr>
+              <a:t>[(</a:t>
+            </a:r>
+            <a:r>
+              <a:rPr lang="de-DE" dirty="0" err="1">
+                <a:latin typeface="Consolas" panose="020B0609020204030204" pitchFamily="49" charset="0"/>
+                <a:cs typeface="Consolas" panose="020B0609020204030204" pitchFamily="49" charset="0"/>
+              </a:rPr>
+              <a:t>ngModel</a:t>
+            </a:r>
+            <a:r>
+              <a:rPr lang="de-DE" dirty="0">
+                <a:latin typeface="Consolas" panose="020B0609020204030204" pitchFamily="49" charset="0"/>
+                <a:cs typeface="Consolas" panose="020B0609020204030204" pitchFamily="49" charset="0"/>
+              </a:rPr>
+              <a:t>)]</a:t>
+            </a:r>
+          </a:p>
+          <a:p>
+            <a:pPr>
               <a:lnSpc>
                 <a:spcPct val="150000"/>
               </a:lnSpc>
             </a:pPr>
             <a:r>
-              <a:rPr lang="de-DE" dirty="0" smtClean="0"/>
-              <a:t>Ist ein </a:t>
-            </a:r>
-            <a:r>
-              <a:rPr lang="de-DE" dirty="0" err="1" smtClean="0"/>
-              <a:t>Singelton</a:t>
-            </a:r>
-            <a:endParaRPr lang="de-DE" dirty="0"/>
-          </a:p>
-          <a:p>
-            <a:pPr lvl="0">
+              <a:rPr lang="de-DE" dirty="0"/>
+              <a:t>Verringerung des Testaufwands durch Verlagerung der Logik ins Markup</a:t>
+            </a:r>
+          </a:p>
+          <a:p>
+            <a:pPr>
               <a:lnSpc>
                 <a:spcPct val="150000"/>
               </a:lnSpc>
             </a:pPr>
             <a:r>
               <a:rPr lang="de-DE" dirty="0"/>
-              <a:t>Anlegen </a:t>
-            </a:r>
-            <a:r>
-              <a:rPr lang="de-DE" dirty="0" smtClean="0"/>
-              <a:t>eines Services mittels </a:t>
-            </a:r>
-            <a:r>
-              <a:rPr lang="de-DE" dirty="0"/>
-              <a:t>CLI </a:t>
-            </a:r>
-          </a:p>
-          <a:p>
-            <a:pPr lvl="1">
+              <a:t>Geeignet für schnelle Umsetzung einfacher Formulare</a:t>
+            </a:r>
+          </a:p>
+          <a:p>
+            <a:pPr>
               <a:lnSpc>
                 <a:spcPct val="150000"/>
               </a:lnSpc>
             </a:pPr>
             <a:r>
+              <a:rPr lang="de-DE" dirty="0"/>
+              <a:t>Unterstützung für Property-Binding von </a:t>
+            </a:r>
+            <a:r>
               <a:rPr lang="de-DE" dirty="0" err="1">
-                <a:latin typeface="Consolas" charset="0"/>
-                <a:ea typeface="Consolas" charset="0"/>
-                <a:cs typeface="Consolas" charset="0"/>
+                <a:latin typeface="Consolas" panose="020B0609020204030204" pitchFamily="49" charset="0"/>
+                <a:cs typeface="Consolas" panose="020B0609020204030204" pitchFamily="49" charset="0"/>
               </a:rPr>
-              <a:t>ng</a:t>
-            </a:r>
+              <a:t>disabled</a:t>
+            </a:r>
+            <a:endParaRPr lang="de-DE" dirty="0">
+              <a:latin typeface="Consolas" panose="020B0609020204030204" pitchFamily="49" charset="0"/>
+              <a:cs typeface="Consolas" panose="020B0609020204030204" pitchFamily="49" charset="0"/>
+            </a:endParaRPr>
+          </a:p>
+          <a:p>
+            <a:pPr>
+              <a:lnSpc>
+                <a:spcPct val="150000"/>
+              </a:lnSpc>
+            </a:pPr>
             <a:r>
               <a:rPr lang="de-DE" dirty="0">
-                <a:latin typeface="Consolas" charset="0"/>
-                <a:ea typeface="Consolas" charset="0"/>
-                <a:cs typeface="Consolas" charset="0"/>
+                <a:cs typeface="Consolas" panose="020B0609020204030204" pitchFamily="49" charset="0"/>
               </a:rPr>
-              <a:t> </a:t>
-            </a:r>
-            <a:r>
-              <a:rPr lang="de-DE" dirty="0" err="1">
-                <a:latin typeface="Consolas" charset="0"/>
-                <a:ea typeface="Consolas" charset="0"/>
-                <a:cs typeface="Consolas" charset="0"/>
-              </a:rPr>
-              <a:t>g</a:t>
-            </a:r>
-            <a:r>
-              <a:rPr lang="de-DE" dirty="0">
-                <a:latin typeface="Consolas" charset="0"/>
-                <a:ea typeface="Consolas" charset="0"/>
-                <a:cs typeface="Consolas" charset="0"/>
-              </a:rPr>
-              <a:t> </a:t>
-            </a:r>
-            <a:r>
-              <a:rPr lang="de-DE" dirty="0" err="1">
-                <a:latin typeface="Consolas" charset="0"/>
-                <a:ea typeface="Consolas" charset="0"/>
-                <a:cs typeface="Consolas" charset="0"/>
-              </a:rPr>
-              <a:t>service</a:t>
-            </a:r>
-            <a:r>
-              <a:rPr lang="de-DE" dirty="0">
-                <a:latin typeface="Consolas" charset="0"/>
-                <a:ea typeface="Consolas" charset="0"/>
-                <a:cs typeface="Consolas" charset="0"/>
-              </a:rPr>
-              <a:t> &lt;</a:t>
-            </a:r>
-            <a:r>
-              <a:rPr lang="de-DE" dirty="0" err="1">
-                <a:latin typeface="Consolas" charset="0"/>
-                <a:ea typeface="Consolas" charset="0"/>
-                <a:cs typeface="Consolas" charset="0"/>
-              </a:rPr>
-              <a:t>name</a:t>
-            </a:r>
-            <a:r>
-              <a:rPr lang="de-DE" dirty="0">
-                <a:latin typeface="Consolas" charset="0"/>
-                <a:ea typeface="Consolas" charset="0"/>
-                <a:cs typeface="Consolas" charset="0"/>
-              </a:rPr>
-              <a:t>&gt; </a:t>
-            </a:r>
+              <a:t>Keine Direktive für Form Arrays</a:t>
+            </a:r>
+            <a:endParaRPr lang="de-DE" dirty="0"/>
+          </a:p>
+          <a:p>
+            <a:endParaRPr lang="de-DE" dirty="0"/>
           </a:p>
         </p:txBody>
       </p:sp>
@@ -37332,68 +37306,10 @@
           </a:p>
         </p:txBody>
       </p:sp>
-      <p:pic>
-        <p:nvPicPr>
-          <p:cNvPr id="7" name="Bild 6"/>
-          <p:cNvPicPr>
-            <a:picLocks noChangeAspect="1"/>
-          </p:cNvPicPr>
-          <p:nvPr/>
-        </p:nvPicPr>
-        <p:blipFill>
-          <a:blip r:embed="rId2"/>
-          <a:stretch>
-            <a:fillRect/>
-          </a:stretch>
-        </p:blipFill>
-        <p:spPr>
-          <a:xfrm>
-            <a:off x="8549251" y="1387777"/>
-            <a:ext cx="3360565" cy="2609134"/>
-          </a:xfrm>
-          <a:prstGeom prst="rect">
-            <a:avLst/>
-          </a:prstGeom>
-        </p:spPr>
-      </p:pic>
-      <p:sp>
-        <p:nvSpPr>
-          <p:cNvPr id="8" name="Textfeld 7"/>
-          <p:cNvSpPr txBox="1"/>
-          <p:nvPr/>
-        </p:nvSpPr>
-        <p:spPr>
-          <a:xfrm>
-            <a:off x="11184004" y="6568223"/>
-            <a:ext cx="1465145" cy="307777"/>
-          </a:xfrm>
-          <a:prstGeom prst="rect">
-            <a:avLst/>
-          </a:prstGeom>
-          <a:noFill/>
-        </p:spPr>
-        <p:txBody>
-          <a:bodyPr wrap="none" rtlCol="0">
-            <a:spAutoFit/>
-          </a:bodyPr>
-          <a:lstStyle/>
-          <a:p>
-            <a:r>
-              <a:rPr lang="de-DE" sz="1400" dirty="0" smtClean="0"/>
-              <a:t>Quelle: </a:t>
-            </a:r>
-            <a:r>
-              <a:rPr lang="de-DE" sz="1400" dirty="0" err="1" smtClean="0"/>
-              <a:t>angular.io</a:t>
-            </a:r>
-            <a:endParaRPr lang="de-DE" sz="1400" dirty="0"/>
-          </a:p>
-        </p:txBody>
-      </p:sp>
     </p:spTree>
     <p:extLst>
       <p:ext uri="{BB962C8B-B14F-4D97-AF65-F5344CB8AC3E}">
-        <p14:creationId xmlns:p14="http://schemas.microsoft.com/office/powerpoint/2010/main" val="23653658"/>
+        <p14:creationId xmlns:p14="http://schemas.microsoft.com/office/powerpoint/2010/main" val="1657213088"/>
       </p:ext>
     </p:extLst>
   </p:cSld>
@@ -37888,7 +37804,7 @@
           <p:nvPr>
             <p:extLst>
               <p:ext uri="{D42A27DB-BD31-4B8C-83A1-F6EECF244321}">
-                <p14:modId xmlns:p14="http://schemas.microsoft.com/office/powerpoint/2010/main" val="826114501"/>
+                <p14:modId xmlns:p14="http://schemas.microsoft.com/office/powerpoint/2010/main" val="1628312812"/>
               </p:ext>
             </p:extLst>
           </p:nvPr>
@@ -37977,7 +37893,7 @@
     </p:spTree>
     <p:extLst>
       <p:ext uri="{BB962C8B-B14F-4D97-AF65-F5344CB8AC3E}">
-        <p14:creationId xmlns:p14="http://schemas.microsoft.com/office/powerpoint/2010/main" val="1669317563"/>
+        <p14:creationId xmlns:p14="http://schemas.microsoft.com/office/powerpoint/2010/main" val="1136829679"/>
       </p:ext>
     </p:extLst>
   </p:cSld>
@@ -38028,7 +37944,7 @@
           <a:p>
             <a:r>
               <a:rPr lang="de-DE" dirty="0" smtClean="0"/>
-              <a:t>Styling</a:t>
+              <a:t>Service</a:t>
             </a:r>
             <a:endParaRPr lang="de-DE" dirty="0"/>
           </a:p>
@@ -38044,7 +37960,12 @@
             <p:ph type="body" sz="quarter" idx="30"/>
           </p:nvPr>
         </p:nvSpPr>
-        <p:spPr/>
+        <p:spPr>
+          <a:xfrm>
+            <a:off x="381600" y="1569368"/>
+            <a:ext cx="7812000" cy="5050507"/>
+          </a:xfrm>
+        </p:spPr>
         <p:txBody>
           <a:bodyPr/>
           <a:lstStyle/>
@@ -38056,16 +37977,9 @@
             </a:pPr>
             <a:r>
               <a:rPr lang="de-DE" dirty="0" smtClean="0"/>
-              <a:t>HTML </a:t>
-            </a:r>
-            <a:r>
-              <a:rPr lang="mr-IN" dirty="0" smtClean="0"/>
-              <a:t>–</a:t>
-            </a:r>
-            <a:r>
-              <a:rPr lang="de-DE" dirty="0" smtClean="0"/>
-              <a:t> Beschreibung der Struktur</a:t>
-            </a:r>
+              <a:t>Service enthält Businesslogik</a:t>
+            </a:r>
+            <a:endParaRPr lang="de-DE" dirty="0"/>
           </a:p>
           <a:p>
             <a:pPr>
@@ -38075,15 +37989,7 @@
             </a:pPr>
             <a:r>
               <a:rPr lang="de-DE" dirty="0" smtClean="0"/>
-              <a:t>CSS </a:t>
-            </a:r>
-            <a:r>
-              <a:rPr lang="mr-IN" dirty="0" smtClean="0"/>
-              <a:t>–</a:t>
-            </a:r>
-            <a:r>
-              <a:rPr lang="de-DE" dirty="0" smtClean="0"/>
-              <a:t> Beschreibung des Layouts</a:t>
+              <a:t>Bietet Daten, Funktionen und Features anwendungsübergreifend an</a:t>
             </a:r>
           </a:p>
           <a:p>
@@ -38094,57 +38000,130 @@
             </a:pPr>
             <a:r>
               <a:rPr lang="de-DE" dirty="0" smtClean="0"/>
-              <a:t>JavaScript </a:t>
-            </a:r>
-            <a:r>
-              <a:rPr lang="mr-IN" dirty="0" smtClean="0"/>
-              <a:t>–</a:t>
+              <a:t>Ein Service wird per </a:t>
+            </a:r>
+            <a:r>
+              <a:rPr lang="de-DE" i="1" dirty="0" err="1" smtClean="0"/>
+              <a:t>Dependency</a:t>
+            </a:r>
+            <a:r>
+              <a:rPr lang="de-DE" i="1" dirty="0" smtClean="0"/>
+              <a:t> </a:t>
+            </a:r>
+            <a:r>
+              <a:rPr lang="de-DE" i="1" dirty="0" err="1" smtClean="0"/>
+              <a:t>Injection</a:t>
             </a:r>
             <a:r>
               <a:rPr lang="de-DE" dirty="0" smtClean="0"/>
-              <a:t> Für dynamische Aspekte</a:t>
-            </a:r>
-          </a:p>
-          <a:p>
-            <a:pPr>
+              <a:t> in eine Komponente injiziert</a:t>
+            </a:r>
+          </a:p>
+          <a:p>
+            <a:pPr lvl="0">
               <a:lnSpc>
                 <a:spcPct val="150000"/>
               </a:lnSpc>
             </a:pPr>
-            <a:endParaRPr lang="de-DE" dirty="0" smtClean="0"/>
-          </a:p>
-          <a:p>
-            <a:pPr>
+            <a:r>
+              <a:rPr lang="de-DE" dirty="0" smtClean="0"/>
+              <a:t>Ist ein </a:t>
+            </a:r>
+            <a:r>
+              <a:rPr lang="de-DE" dirty="0" err="1" smtClean="0"/>
+              <a:t>Singelton</a:t>
+            </a:r>
+            <a:endParaRPr lang="de-DE" dirty="0"/>
+          </a:p>
+          <a:p>
+            <a:pPr lvl="0">
               <a:lnSpc>
                 <a:spcPct val="150000"/>
               </a:lnSpc>
             </a:pPr>
-            <a:endParaRPr lang="de-DE" dirty="0"/>
-          </a:p>
-        </p:txBody>
-      </p:sp>
-      <p:sp>
-        <p:nvSpPr>
-          <p:cNvPr id="8" name="Textplatzhalter 7"/>
-          <p:cNvSpPr>
-            <a:spLocks noGrp="1"/>
-          </p:cNvSpPr>
-          <p:nvPr>
-            <p:ph type="body" sz="quarter" idx="31"/>
-          </p:nvPr>
-        </p:nvSpPr>
-        <p:spPr/>
-        <p:txBody>
-          <a:bodyPr/>
-          <a:lstStyle/>
-          <a:p>
+            <a:r>
+              <a:rPr lang="de-DE" dirty="0"/>
+              <a:t>Anlegen </a:t>
+            </a:r>
             <a:r>
               <a:rPr lang="de-DE" dirty="0" smtClean="0"/>
-              <a:t>Bootstrap als Style-Bibliothek</a:t>
-            </a:r>
-          </a:p>
-          <a:p>
-            <a:endParaRPr lang="de-DE" b="0" dirty="0"/>
+              <a:t>eines Services mittels </a:t>
+            </a:r>
+            <a:r>
+              <a:rPr lang="de-DE" dirty="0"/>
+              <a:t>CLI </a:t>
+            </a:r>
+          </a:p>
+          <a:p>
+            <a:pPr lvl="1">
+              <a:lnSpc>
+                <a:spcPct val="150000"/>
+              </a:lnSpc>
+            </a:pPr>
+            <a:r>
+              <a:rPr lang="de-DE" dirty="0" err="1">
+                <a:latin typeface="Consolas" charset="0"/>
+                <a:ea typeface="Consolas" charset="0"/>
+                <a:cs typeface="Consolas" charset="0"/>
+              </a:rPr>
+              <a:t>ng</a:t>
+            </a:r>
+            <a:r>
+              <a:rPr lang="de-DE" dirty="0">
+                <a:latin typeface="Consolas" charset="0"/>
+                <a:ea typeface="Consolas" charset="0"/>
+                <a:cs typeface="Consolas" charset="0"/>
+              </a:rPr>
+              <a:t> </a:t>
+            </a:r>
+            <a:r>
+              <a:rPr lang="de-DE" dirty="0" err="1">
+                <a:latin typeface="Consolas" charset="0"/>
+                <a:ea typeface="Consolas" charset="0"/>
+                <a:cs typeface="Consolas" charset="0"/>
+              </a:rPr>
+              <a:t>g</a:t>
+            </a:r>
+            <a:r>
+              <a:rPr lang="de-DE" dirty="0">
+                <a:latin typeface="Consolas" charset="0"/>
+                <a:ea typeface="Consolas" charset="0"/>
+                <a:cs typeface="Consolas" charset="0"/>
+              </a:rPr>
+              <a:t> </a:t>
+            </a:r>
+            <a:r>
+              <a:rPr lang="de-DE" dirty="0" err="1">
+                <a:latin typeface="Consolas" charset="0"/>
+                <a:ea typeface="Consolas" charset="0"/>
+                <a:cs typeface="Consolas" charset="0"/>
+              </a:rPr>
+              <a:t>service</a:t>
+            </a:r>
+            <a:r>
+              <a:rPr lang="de-DE" dirty="0">
+                <a:latin typeface="Consolas" charset="0"/>
+                <a:ea typeface="Consolas" charset="0"/>
+                <a:cs typeface="Consolas" charset="0"/>
+              </a:rPr>
+              <a:t> &lt;</a:t>
+            </a:r>
+            <a:r>
+              <a:rPr lang="de-DE" dirty="0" err="1">
+                <a:latin typeface="Consolas" charset="0"/>
+                <a:ea typeface="Consolas" charset="0"/>
+                <a:cs typeface="Consolas" charset="0"/>
+              </a:rPr>
+              <a:t>name</a:t>
+            </a:r>
+            <a:r>
+              <a:rPr lang="de-DE" dirty="0">
+                <a:latin typeface="Consolas" charset="0"/>
+                <a:ea typeface="Consolas" charset="0"/>
+                <a:cs typeface="Consolas" charset="0"/>
+              </a:rPr>
+              <a:t>&gt; </a:t>
+            </a:r>
           </a:p>
         </p:txBody>
       </p:sp>
@@ -38155,7 +38134,7 @@
             <a:spLocks noGrp="1"/>
           </p:cNvSpPr>
           <p:nvPr>
-            <p:ph type="dt" sz="half" idx="32"/>
+            <p:ph type="dt" sz="half" idx="31"/>
           </p:nvPr>
         </p:nvSpPr>
         <p:spPr/>
@@ -38179,7 +38158,7 @@
             <a:spLocks noGrp="1"/>
           </p:cNvSpPr>
           <p:nvPr>
-            <p:ph type="ftr" sz="quarter" idx="33"/>
+            <p:ph type="ftr" sz="quarter" idx="32"/>
           </p:nvPr>
         </p:nvSpPr>
         <p:spPr/>
@@ -38198,7 +38177,7 @@
             <a:spLocks noGrp="1"/>
           </p:cNvSpPr>
           <p:nvPr>
-            <p:ph type="sldNum" sz="quarter" idx="34"/>
+            <p:ph type="sldNum" sz="quarter" idx="33"/>
           </p:nvPr>
         </p:nvSpPr>
         <p:spPr/>
@@ -38219,10 +38198,68 @@
           </a:p>
         </p:txBody>
       </p:sp>
+      <p:pic>
+        <p:nvPicPr>
+          <p:cNvPr id="7" name="Bild 6"/>
+          <p:cNvPicPr>
+            <a:picLocks noChangeAspect="1"/>
+          </p:cNvPicPr>
+          <p:nvPr/>
+        </p:nvPicPr>
+        <p:blipFill>
+          <a:blip r:embed="rId2"/>
+          <a:stretch>
+            <a:fillRect/>
+          </a:stretch>
+        </p:blipFill>
+        <p:spPr>
+          <a:xfrm>
+            <a:off x="8549251" y="1387777"/>
+            <a:ext cx="3360565" cy="2609134"/>
+          </a:xfrm>
+          <a:prstGeom prst="rect">
+            <a:avLst/>
+          </a:prstGeom>
+        </p:spPr>
+      </p:pic>
+      <p:sp>
+        <p:nvSpPr>
+          <p:cNvPr id="8" name="Textfeld 7"/>
+          <p:cNvSpPr txBox="1"/>
+          <p:nvPr/>
+        </p:nvSpPr>
+        <p:spPr>
+          <a:xfrm>
+            <a:off x="11184004" y="6568223"/>
+            <a:ext cx="1465145" cy="307777"/>
+          </a:xfrm>
+          <a:prstGeom prst="rect">
+            <a:avLst/>
+          </a:prstGeom>
+          <a:noFill/>
+        </p:spPr>
+        <p:txBody>
+          <a:bodyPr wrap="none" rtlCol="0">
+            <a:spAutoFit/>
+          </a:bodyPr>
+          <a:lstStyle/>
+          <a:p>
+            <a:r>
+              <a:rPr lang="de-DE" sz="1400" dirty="0" smtClean="0"/>
+              <a:t>Quelle: </a:t>
+            </a:r>
+            <a:r>
+              <a:rPr lang="de-DE" sz="1400" dirty="0" err="1" smtClean="0"/>
+              <a:t>angular.io</a:t>
+            </a:r>
+            <a:endParaRPr lang="de-DE" sz="1400" dirty="0"/>
+          </a:p>
+        </p:txBody>
+      </p:sp>
     </p:spTree>
     <p:extLst>
       <p:ext uri="{BB962C8B-B14F-4D97-AF65-F5344CB8AC3E}">
-        <p14:creationId xmlns:p14="http://schemas.microsoft.com/office/powerpoint/2010/main" val="1835701039"/>
+        <p14:creationId xmlns:p14="http://schemas.microsoft.com/office/powerpoint/2010/main" val="23653658"/>
       </p:ext>
     </p:extLst>
   </p:cSld>
@@ -38306,7 +38343,7 @@
           <p:nvPr>
             <p:extLst>
               <p:ext uri="{D42A27DB-BD31-4B8C-83A1-F6EECF244321}">
-                <p14:modId xmlns:p14="http://schemas.microsoft.com/office/powerpoint/2010/main" val="1145639078"/>
+                <p14:modId xmlns:p14="http://schemas.microsoft.com/office/powerpoint/2010/main" val="826114501"/>
               </p:ext>
             </p:extLst>
           </p:nvPr>
@@ -38395,7 +38432,7 @@
     </p:spTree>
     <p:extLst>
       <p:ext uri="{BB962C8B-B14F-4D97-AF65-F5344CB8AC3E}">
-        <p14:creationId xmlns:p14="http://schemas.microsoft.com/office/powerpoint/2010/main" val="1024640452"/>
+        <p14:creationId xmlns:p14="http://schemas.microsoft.com/office/powerpoint/2010/main" val="1669317563"/>
       </p:ext>
     </p:extLst>
   </p:cSld>
@@ -38446,7 +38483,7 @@
           <a:p>
             <a:r>
               <a:rPr lang="de-DE" dirty="0" smtClean="0"/>
-              <a:t>Routing</a:t>
+              <a:t>Styling</a:t>
             </a:r>
             <a:endParaRPr lang="de-DE" dirty="0"/>
           </a:p>
@@ -38462,12 +38499,7 @@
             <p:ph type="body" sz="quarter" idx="30"/>
           </p:nvPr>
         </p:nvSpPr>
-        <p:spPr>
-          <a:xfrm>
-            <a:off x="381599" y="1569368"/>
-            <a:ext cx="12267549" cy="5050507"/>
-          </a:xfrm>
-        </p:spPr>
+        <p:spPr/>
         <p:txBody>
           <a:bodyPr/>
           <a:lstStyle/>
@@ -38478,42 +38510,17 @@
               </a:lnSpc>
             </a:pPr>
             <a:r>
-              <a:rPr lang="de-DE" dirty="0"/>
-              <a:t>Eigenständiges </a:t>
-            </a:r>
-            <a:r>
-              <a:rPr lang="de-DE" dirty="0" err="1"/>
-              <a:t>npm</a:t>
-            </a:r>
-            <a:r>
-              <a:rPr lang="de-DE" dirty="0"/>
-              <a:t>-Paket: </a:t>
-            </a:r>
-            <a:r>
-              <a:rPr lang="de-DE" dirty="0">
-                <a:latin typeface="Consolas" panose="020B0609020204030204" pitchFamily="49" charset="0"/>
-                <a:cs typeface="Consolas" panose="020B0609020204030204" pitchFamily="49" charset="0"/>
-              </a:rPr>
-              <a:t>@</a:t>
-            </a:r>
-            <a:r>
-              <a:rPr lang="de-DE" dirty="0" smtClean="0">
-                <a:latin typeface="Consolas" panose="020B0609020204030204" pitchFamily="49" charset="0"/>
-                <a:cs typeface="Consolas" panose="020B0609020204030204" pitchFamily="49" charset="0"/>
-              </a:rPr>
-              <a:t>angular/</a:t>
-            </a:r>
-            <a:r>
-              <a:rPr lang="de-DE" dirty="0" err="1" smtClean="0">
-                <a:latin typeface="Consolas" panose="020B0609020204030204" pitchFamily="49" charset="0"/>
-                <a:cs typeface="Consolas" panose="020B0609020204030204" pitchFamily="49" charset="0"/>
-              </a:rPr>
-              <a:t>router</a:t>
-            </a:r>
-            <a:endParaRPr lang="de-DE" dirty="0">
-              <a:latin typeface="Consolas" panose="020B0609020204030204" pitchFamily="49" charset="0"/>
-              <a:cs typeface="Consolas" panose="020B0609020204030204" pitchFamily="49" charset="0"/>
-            </a:endParaRPr>
+              <a:rPr lang="de-DE" dirty="0" smtClean="0"/>
+              <a:t>HTML </a:t>
+            </a:r>
+            <a:r>
+              <a:rPr lang="mr-IN" dirty="0" smtClean="0"/>
+              <a:t>–</a:t>
+            </a:r>
+            <a:r>
+              <a:rPr lang="de-DE" dirty="0" smtClean="0"/>
+              <a:t> Beschreibung der Struktur</a:t>
+            </a:r>
           </a:p>
           <a:p>
             <a:pPr>
@@ -38523,29 +38530,15 @@
             </a:pPr>
             <a:r>
               <a:rPr lang="de-DE" dirty="0" smtClean="0"/>
-              <a:t>Navigation im Browser</a:t>
-            </a:r>
-          </a:p>
-          <a:p>
-            <a:pPr lvl="1">
-              <a:lnSpc>
-                <a:spcPct val="150000"/>
-              </a:lnSpc>
-            </a:pPr>
+              <a:t>CSS </a:t>
+            </a:r>
+            <a:r>
+              <a:rPr lang="mr-IN" dirty="0" smtClean="0"/>
+              <a:t>–</a:t>
+            </a:r>
             <a:r>
               <a:rPr lang="de-DE" dirty="0" smtClean="0"/>
-              <a:t>In der Regel mittels Hyperlinks</a:t>
-            </a:r>
-          </a:p>
-          <a:p>
-            <a:pPr lvl="1">
-              <a:lnSpc>
-                <a:spcPct val="150000"/>
-              </a:lnSpc>
-            </a:pPr>
-            <a:r>
-              <a:rPr lang="de-DE" dirty="0" smtClean="0"/>
-              <a:t>Lesezeichen können gesetzt und geteilt werden</a:t>
+              <a:t> Beschreibung des Layouts</a:t>
             </a:r>
           </a:p>
           <a:p>
@@ -38556,75 +38549,57 @@
             </a:pPr>
             <a:r>
               <a:rPr lang="de-DE" dirty="0" smtClean="0"/>
-              <a:t>Angular Router ermöglicht die Navigation innerhalb der Anwendung</a:t>
-            </a:r>
-            <a:endParaRPr lang="de-DE" dirty="0"/>
-          </a:p>
-          <a:p>
-            <a:pPr lvl="1">
+              <a:t>JavaScript </a:t>
+            </a:r>
+            <a:r>
+              <a:rPr lang="mr-IN" dirty="0" smtClean="0"/>
+              <a:t>–</a:t>
+            </a:r>
+            <a:r>
+              <a:rPr lang="de-DE" dirty="0" smtClean="0"/>
+              <a:t> Für dynamische Aspekte</a:t>
+            </a:r>
+          </a:p>
+          <a:p>
+            <a:pPr>
               <a:lnSpc>
                 <a:spcPct val="150000"/>
               </a:lnSpc>
             </a:pPr>
-            <a:r>
-              <a:rPr lang="de-DE" dirty="0" smtClean="0"/>
-              <a:t>Server liefert die </a:t>
-            </a:r>
-            <a:r>
-              <a:rPr lang="de-DE" dirty="0" err="1" smtClean="0"/>
-              <a:t>index.html</a:t>
-            </a:r>
-            <a:r>
-              <a:rPr lang="de-DE" dirty="0" smtClean="0"/>
-              <a:t>, Angular analysiert den Rest der Route und löst diese auf</a:t>
-            </a:r>
-          </a:p>
-          <a:p>
-            <a:pPr lvl="1">
+            <a:endParaRPr lang="de-DE" dirty="0" smtClean="0"/>
+          </a:p>
+          <a:p>
+            <a:pPr>
               <a:lnSpc>
                 <a:spcPct val="150000"/>
               </a:lnSpc>
             </a:pPr>
+            <a:endParaRPr lang="de-DE" dirty="0"/>
+          </a:p>
+        </p:txBody>
+      </p:sp>
+      <p:sp>
+        <p:nvSpPr>
+          <p:cNvPr id="8" name="Textplatzhalter 7"/>
+          <p:cNvSpPr>
+            <a:spLocks noGrp="1"/>
+          </p:cNvSpPr>
+          <p:nvPr>
+            <p:ph type="body" sz="quarter" idx="31"/>
+          </p:nvPr>
+        </p:nvSpPr>
+        <p:spPr/>
+        <p:txBody>
+          <a:bodyPr/>
+          <a:lstStyle/>
+          <a:p>
             <a:r>
               <a:rPr lang="de-DE" dirty="0" smtClean="0"/>
-              <a:t>Klinkt sich in die </a:t>
-            </a:r>
-            <a:r>
-              <a:rPr lang="de-DE" dirty="0" err="1" smtClean="0">
-                <a:hlinkClick r:id="rId3"/>
-              </a:rPr>
-              <a:t>History</a:t>
-            </a:r>
-            <a:r>
-              <a:rPr lang="de-DE" dirty="0" smtClean="0">
-                <a:hlinkClick r:id="rId3"/>
-              </a:rPr>
-              <a:t>-API</a:t>
-            </a:r>
-            <a:r>
-              <a:rPr lang="de-DE" dirty="0" smtClean="0"/>
-              <a:t> des Browsers ein </a:t>
-            </a:r>
-          </a:p>
-          <a:p>
-            <a:pPr lvl="1">
-              <a:lnSpc>
-                <a:spcPct val="150000"/>
-              </a:lnSpc>
-            </a:pPr>
-            <a:r>
-              <a:rPr lang="de-DE" dirty="0" smtClean="0"/>
-              <a:t>Bildet das Navigationskonzept des Browsers für </a:t>
-            </a:r>
-            <a:r>
-              <a:rPr lang="de-DE" dirty="0" err="1" smtClean="0"/>
-              <a:t>SPA‘s</a:t>
-            </a:r>
-            <a:r>
-              <a:rPr lang="de-DE" dirty="0" smtClean="0"/>
-              <a:t> nach</a:t>
-            </a:r>
-            <a:endParaRPr lang="de-DE" dirty="0"/>
+              <a:t>Bootstrap als Style-Bibliothek</a:t>
+            </a:r>
+          </a:p>
+          <a:p>
+            <a:endParaRPr lang="de-DE" b="0" dirty="0"/>
           </a:p>
         </p:txBody>
       </p:sp>
@@ -38635,7 +38610,7 @@
             <a:spLocks noGrp="1"/>
           </p:cNvSpPr>
           <p:nvPr>
-            <p:ph type="dt" sz="half" idx="31"/>
+            <p:ph type="dt" sz="half" idx="32"/>
           </p:nvPr>
         </p:nvSpPr>
         <p:spPr/>
@@ -38659,7 +38634,7 @@
             <a:spLocks noGrp="1"/>
           </p:cNvSpPr>
           <p:nvPr>
-            <p:ph type="ftr" sz="quarter" idx="32"/>
+            <p:ph type="ftr" sz="quarter" idx="33"/>
           </p:nvPr>
         </p:nvSpPr>
         <p:spPr/>
@@ -38678,7 +38653,7 @@
             <a:spLocks noGrp="1"/>
           </p:cNvSpPr>
           <p:nvPr>
-            <p:ph type="sldNum" sz="quarter" idx="33"/>
+            <p:ph type="sldNum" sz="quarter" idx="34"/>
           </p:nvPr>
         </p:nvSpPr>
         <p:spPr/>
@@ -38702,7 +38677,7 @@
     </p:spTree>
     <p:extLst>
       <p:ext uri="{BB962C8B-B14F-4D97-AF65-F5344CB8AC3E}">
-        <p14:creationId xmlns:p14="http://schemas.microsoft.com/office/powerpoint/2010/main" val="1417935508"/>
+        <p14:creationId xmlns:p14="http://schemas.microsoft.com/office/powerpoint/2010/main" val="1835701039"/>
       </p:ext>
     </p:extLst>
   </p:cSld>
@@ -38786,7 +38761,7 @@
           <p:nvPr>
             <p:extLst>
               <p:ext uri="{D42A27DB-BD31-4B8C-83A1-F6EECF244321}">
-                <p14:modId xmlns:p14="http://schemas.microsoft.com/office/powerpoint/2010/main" val="1504102335"/>
+                <p14:modId xmlns:p14="http://schemas.microsoft.com/office/powerpoint/2010/main" val="1145639078"/>
               </p:ext>
             </p:extLst>
           </p:nvPr>
@@ -38875,7 +38850,7 @@
     </p:spTree>
     <p:extLst>
       <p:ext uri="{BB962C8B-B14F-4D97-AF65-F5344CB8AC3E}">
-        <p14:creationId xmlns:p14="http://schemas.microsoft.com/office/powerpoint/2010/main" val="970612792"/>
+        <p14:creationId xmlns:p14="http://schemas.microsoft.com/office/powerpoint/2010/main" val="1024640452"/>
       </p:ext>
     </p:extLst>
   </p:cSld>
@@ -38924,6 +38899,486 @@
           <a:bodyPr/>
           <a:lstStyle/>
           <a:p>
+            <a:r>
+              <a:rPr lang="de-DE" dirty="0" smtClean="0"/>
+              <a:t>Routing</a:t>
+            </a:r>
+            <a:endParaRPr lang="de-DE" dirty="0"/>
+          </a:p>
+        </p:txBody>
+      </p:sp>
+      <p:sp>
+        <p:nvSpPr>
+          <p:cNvPr id="3" name="Textplatzhalter 2"/>
+          <p:cNvSpPr>
+            <a:spLocks noGrp="1"/>
+          </p:cNvSpPr>
+          <p:nvPr>
+            <p:ph type="body" sz="quarter" idx="30"/>
+          </p:nvPr>
+        </p:nvSpPr>
+        <p:spPr>
+          <a:xfrm>
+            <a:off x="381599" y="1569368"/>
+            <a:ext cx="12267549" cy="5050507"/>
+          </a:xfrm>
+        </p:spPr>
+        <p:txBody>
+          <a:bodyPr/>
+          <a:lstStyle/>
+          <a:p>
+            <a:pPr>
+              <a:lnSpc>
+                <a:spcPct val="150000"/>
+              </a:lnSpc>
+            </a:pPr>
+            <a:r>
+              <a:rPr lang="de-DE" dirty="0"/>
+              <a:t>Eigenständiges </a:t>
+            </a:r>
+            <a:r>
+              <a:rPr lang="de-DE" dirty="0" err="1"/>
+              <a:t>npm</a:t>
+            </a:r>
+            <a:r>
+              <a:rPr lang="de-DE" dirty="0"/>
+              <a:t>-Paket: </a:t>
+            </a:r>
+            <a:r>
+              <a:rPr lang="de-DE" dirty="0">
+                <a:latin typeface="Consolas" panose="020B0609020204030204" pitchFamily="49" charset="0"/>
+                <a:cs typeface="Consolas" panose="020B0609020204030204" pitchFamily="49" charset="0"/>
+              </a:rPr>
+              <a:t>@</a:t>
+            </a:r>
+            <a:r>
+              <a:rPr lang="de-DE" dirty="0" smtClean="0">
+                <a:latin typeface="Consolas" panose="020B0609020204030204" pitchFamily="49" charset="0"/>
+                <a:cs typeface="Consolas" panose="020B0609020204030204" pitchFamily="49" charset="0"/>
+              </a:rPr>
+              <a:t>angular/</a:t>
+            </a:r>
+            <a:r>
+              <a:rPr lang="de-DE" dirty="0" err="1" smtClean="0">
+                <a:latin typeface="Consolas" panose="020B0609020204030204" pitchFamily="49" charset="0"/>
+                <a:cs typeface="Consolas" panose="020B0609020204030204" pitchFamily="49" charset="0"/>
+              </a:rPr>
+              <a:t>router</a:t>
+            </a:r>
+            <a:endParaRPr lang="de-DE" dirty="0">
+              <a:latin typeface="Consolas" panose="020B0609020204030204" pitchFamily="49" charset="0"/>
+              <a:cs typeface="Consolas" panose="020B0609020204030204" pitchFamily="49" charset="0"/>
+            </a:endParaRPr>
+          </a:p>
+          <a:p>
+            <a:pPr>
+              <a:lnSpc>
+                <a:spcPct val="150000"/>
+              </a:lnSpc>
+            </a:pPr>
+            <a:r>
+              <a:rPr lang="de-DE" dirty="0" smtClean="0"/>
+              <a:t>Navigation im Browser</a:t>
+            </a:r>
+          </a:p>
+          <a:p>
+            <a:pPr lvl="1">
+              <a:lnSpc>
+                <a:spcPct val="150000"/>
+              </a:lnSpc>
+            </a:pPr>
+            <a:r>
+              <a:rPr lang="de-DE" dirty="0" smtClean="0"/>
+              <a:t>In der Regel mittels Hyperlinks</a:t>
+            </a:r>
+          </a:p>
+          <a:p>
+            <a:pPr lvl="1">
+              <a:lnSpc>
+                <a:spcPct val="150000"/>
+              </a:lnSpc>
+            </a:pPr>
+            <a:r>
+              <a:rPr lang="de-DE" dirty="0" smtClean="0"/>
+              <a:t>Lesezeichen können gesetzt und geteilt werden</a:t>
+            </a:r>
+          </a:p>
+          <a:p>
+            <a:pPr>
+              <a:lnSpc>
+                <a:spcPct val="150000"/>
+              </a:lnSpc>
+            </a:pPr>
+            <a:r>
+              <a:rPr lang="de-DE" dirty="0" smtClean="0"/>
+              <a:t>Angular Router ermöglicht die Navigation innerhalb der Anwendung</a:t>
+            </a:r>
+            <a:endParaRPr lang="de-DE" dirty="0"/>
+          </a:p>
+          <a:p>
+            <a:pPr lvl="1">
+              <a:lnSpc>
+                <a:spcPct val="150000"/>
+              </a:lnSpc>
+            </a:pPr>
+            <a:r>
+              <a:rPr lang="de-DE" dirty="0" smtClean="0"/>
+              <a:t>Server liefert die </a:t>
+            </a:r>
+            <a:r>
+              <a:rPr lang="de-DE" dirty="0" err="1" smtClean="0"/>
+              <a:t>index.html</a:t>
+            </a:r>
+            <a:r>
+              <a:rPr lang="de-DE" dirty="0" smtClean="0"/>
+              <a:t>, Angular analysiert den Rest der Route und löst diese auf</a:t>
+            </a:r>
+          </a:p>
+          <a:p>
+            <a:pPr lvl="1">
+              <a:lnSpc>
+                <a:spcPct val="150000"/>
+              </a:lnSpc>
+            </a:pPr>
+            <a:r>
+              <a:rPr lang="de-DE" dirty="0" smtClean="0"/>
+              <a:t>Klinkt sich in die </a:t>
+            </a:r>
+            <a:r>
+              <a:rPr lang="de-DE" dirty="0" err="1" smtClean="0">
+                <a:hlinkClick r:id="rId3"/>
+              </a:rPr>
+              <a:t>History</a:t>
+            </a:r>
+            <a:r>
+              <a:rPr lang="de-DE" dirty="0" smtClean="0">
+                <a:hlinkClick r:id="rId3"/>
+              </a:rPr>
+              <a:t>-API</a:t>
+            </a:r>
+            <a:r>
+              <a:rPr lang="de-DE" dirty="0" smtClean="0"/>
+              <a:t> des Browsers ein </a:t>
+            </a:r>
+          </a:p>
+          <a:p>
+            <a:pPr lvl="1">
+              <a:lnSpc>
+                <a:spcPct val="150000"/>
+              </a:lnSpc>
+            </a:pPr>
+            <a:r>
+              <a:rPr lang="de-DE" dirty="0" smtClean="0"/>
+              <a:t>Bildet das Navigationskonzept des Browsers für </a:t>
+            </a:r>
+            <a:r>
+              <a:rPr lang="de-DE" dirty="0" err="1" smtClean="0"/>
+              <a:t>SPA‘s</a:t>
+            </a:r>
+            <a:r>
+              <a:rPr lang="de-DE" dirty="0" smtClean="0"/>
+              <a:t> nach</a:t>
+            </a:r>
+            <a:endParaRPr lang="de-DE" dirty="0"/>
+          </a:p>
+        </p:txBody>
+      </p:sp>
+      <p:sp>
+        <p:nvSpPr>
+          <p:cNvPr id="4" name="Datumsplatzhalter 3"/>
+          <p:cNvSpPr>
+            <a:spLocks noGrp="1"/>
+          </p:cNvSpPr>
+          <p:nvPr>
+            <p:ph type="dt" sz="half" idx="31"/>
+          </p:nvPr>
+        </p:nvSpPr>
+        <p:spPr/>
+        <p:txBody>
+          <a:bodyPr/>
+          <a:lstStyle/>
+          <a:p>
+            <a:fld id="{17C2562E-359A-3C42-BBEF-E02CE97BECB1}" type="datetimeFigureOut">
+              <a:rPr lang="de-DE" smtClean="0"/>
+              <a:pPr/>
+              <a:t>19.10.17</a:t>
+            </a:fld>
+            <a:endParaRPr lang="de-DE" dirty="0"/>
+          </a:p>
+        </p:txBody>
+      </p:sp>
+      <p:sp>
+        <p:nvSpPr>
+          <p:cNvPr id="5" name="Fußzeilenplatzhalter 4"/>
+          <p:cNvSpPr>
+            <a:spLocks noGrp="1"/>
+          </p:cNvSpPr>
+          <p:nvPr>
+            <p:ph type="ftr" sz="quarter" idx="32"/>
+          </p:nvPr>
+        </p:nvSpPr>
+        <p:spPr/>
+        <p:txBody>
+          <a:bodyPr/>
+          <a:lstStyle/>
+          <a:p>
+            <a:endParaRPr lang="de-DE" dirty="0"/>
+          </a:p>
+        </p:txBody>
+      </p:sp>
+      <p:sp>
+        <p:nvSpPr>
+          <p:cNvPr id="6" name="Foliennummernplatzhalter 5"/>
+          <p:cNvSpPr>
+            <a:spLocks noGrp="1"/>
+          </p:cNvSpPr>
+          <p:nvPr>
+            <p:ph type="sldNum" sz="quarter" idx="33"/>
+          </p:nvPr>
+        </p:nvSpPr>
+        <p:spPr/>
+        <p:txBody>
+          <a:bodyPr/>
+          <a:lstStyle/>
+          <a:p>
+            <a:r>
+              <a:rPr lang="de-DE"/>
+              <a:t>Seite </a:t>
+            </a:r>
+            <a:fld id="{38661448-4A48-D446-A2DB-27E795148D92}" type="slidenum">
+              <a:rPr lang="de-DE" smtClean="0"/>
+              <a:pPr/>
+              <a:t>25</a:t>
+            </a:fld>
+            <a:endParaRPr lang="de-DE" dirty="0"/>
+          </a:p>
+        </p:txBody>
+      </p:sp>
+    </p:spTree>
+    <p:extLst>
+      <p:ext uri="{BB962C8B-B14F-4D97-AF65-F5344CB8AC3E}">
+        <p14:creationId xmlns:p14="http://schemas.microsoft.com/office/powerpoint/2010/main" val="1417935508"/>
+      </p:ext>
+    </p:extLst>
+  </p:cSld>
+  <p:clrMapOvr>
+    <a:masterClrMapping/>
+  </p:clrMapOvr>
+  <p:timing>
+    <p:tnLst>
+      <p:par>
+        <p:cTn id="1" dur="indefinite" restart="never" nodeType="tmRoot"/>
+      </p:par>
+    </p:tnLst>
+  </p:timing>
+</p:sld>
+</file>
+
+<file path=ppt/slides/slide26.xml><?xml version="1.0" encoding="utf-8"?>
+<p:sld xmlns:a="http://schemas.openxmlformats.org/drawingml/2006/main" xmlns:r="http://schemas.openxmlformats.org/officeDocument/2006/relationships" xmlns:p="http://schemas.openxmlformats.org/presentationml/2006/main">
+  <p:cSld>
+    <p:spTree>
+      <p:nvGrpSpPr>
+        <p:cNvPr id="1" name=""/>
+        <p:cNvGrpSpPr/>
+        <p:nvPr/>
+      </p:nvGrpSpPr>
+      <p:grpSpPr>
+        <a:xfrm>
+          <a:off x="0" y="0"/>
+          <a:ext cx="0" cy="0"/>
+          <a:chOff x="0" y="0"/>
+          <a:chExt cx="0" cy="0"/>
+        </a:xfrm>
+      </p:grpSpPr>
+      <p:sp>
+        <p:nvSpPr>
+          <p:cNvPr id="2" name="Titel 1"/>
+          <p:cNvSpPr>
+            <a:spLocks noGrp="1"/>
+          </p:cNvSpPr>
+          <p:nvPr>
+            <p:ph type="title"/>
+          </p:nvPr>
+        </p:nvSpPr>
+        <p:spPr>
+          <a:solidFill>
+            <a:schemeClr val="accent2"/>
+          </a:solidFill>
+        </p:spPr>
+        <p:txBody>
+          <a:bodyPr/>
+          <a:lstStyle/>
+          <a:p>
+            <a:r>
+              <a:rPr lang="de-DE" dirty="0" smtClean="0">
+                <a:solidFill>
+                  <a:schemeClr val="bg1"/>
+                </a:solidFill>
+              </a:rPr>
+              <a:t>Live </a:t>
+            </a:r>
+            <a:r>
+              <a:rPr lang="de-DE" dirty="0" err="1" smtClean="0">
+                <a:solidFill>
+                  <a:schemeClr val="bg1"/>
+                </a:solidFill>
+              </a:rPr>
+              <a:t>Coding</a:t>
+            </a:r>
+            <a:endParaRPr lang="de-DE" dirty="0">
+              <a:solidFill>
+                <a:schemeClr val="bg1"/>
+              </a:solidFill>
+            </a:endParaRPr>
+          </a:p>
+        </p:txBody>
+      </p:sp>
+      <p:graphicFrame>
+        <p:nvGraphicFramePr>
+          <p:cNvPr id="7" name="Diagramm 6"/>
+          <p:cNvGraphicFramePr/>
+          <p:nvPr>
+            <p:extLst>
+              <p:ext uri="{D42A27DB-BD31-4B8C-83A1-F6EECF244321}">
+                <p14:modId xmlns:p14="http://schemas.microsoft.com/office/powerpoint/2010/main" val="1504102335"/>
+              </p:ext>
+            </p:extLst>
+          </p:nvPr>
+        </p:nvGraphicFramePr>
+        <p:xfrm>
+          <a:off x="381600" y="1569368"/>
+          <a:ext cx="12267600" cy="5050507"/>
+        </p:xfrm>
+        <a:graphic>
+          <a:graphicData uri="http://schemas.openxmlformats.org/drawingml/2006/diagram">
+            <dgm:relIds xmlns:dgm="http://schemas.openxmlformats.org/drawingml/2006/diagram" xmlns:r="http://schemas.openxmlformats.org/officeDocument/2006/relationships" r:dm="rId2" r:lo="rId3" r:qs="rId4" r:cs="rId5"/>
+          </a:graphicData>
+        </a:graphic>
+      </p:graphicFrame>
+      <p:sp>
+        <p:nvSpPr>
+          <p:cNvPr id="4" name="Datumsplatzhalter 3"/>
+          <p:cNvSpPr>
+            <a:spLocks noGrp="1"/>
+          </p:cNvSpPr>
+          <p:nvPr>
+            <p:ph type="dt" sz="half" idx="31"/>
+          </p:nvPr>
+        </p:nvSpPr>
+        <p:spPr/>
+        <p:txBody>
+          <a:bodyPr/>
+          <a:lstStyle/>
+          <a:p>
+            <a:fld id="{17C2562E-359A-3C42-BBEF-E02CE97BECB1}" type="datetimeFigureOut">
+              <a:rPr lang="de-DE" smtClean="0"/>
+              <a:pPr/>
+              <a:t>19.10.17</a:t>
+            </a:fld>
+            <a:endParaRPr lang="de-DE" dirty="0"/>
+          </a:p>
+        </p:txBody>
+      </p:sp>
+      <p:sp>
+        <p:nvSpPr>
+          <p:cNvPr id="5" name="Fußzeilenplatzhalter 4"/>
+          <p:cNvSpPr>
+            <a:spLocks noGrp="1"/>
+          </p:cNvSpPr>
+          <p:nvPr>
+            <p:ph type="ftr" sz="quarter" idx="32"/>
+          </p:nvPr>
+        </p:nvSpPr>
+        <p:spPr/>
+        <p:txBody>
+          <a:bodyPr/>
+          <a:lstStyle/>
+          <a:p>
+            <a:endParaRPr lang="de-DE" dirty="0"/>
+          </a:p>
+        </p:txBody>
+      </p:sp>
+      <p:sp>
+        <p:nvSpPr>
+          <p:cNvPr id="6" name="Foliennummernplatzhalter 5"/>
+          <p:cNvSpPr>
+            <a:spLocks noGrp="1"/>
+          </p:cNvSpPr>
+          <p:nvPr>
+            <p:ph type="sldNum" sz="quarter" idx="33"/>
+          </p:nvPr>
+        </p:nvSpPr>
+        <p:spPr/>
+        <p:txBody>
+          <a:bodyPr/>
+          <a:lstStyle/>
+          <a:p>
+            <a:r>
+              <a:rPr lang="de-DE"/>
+              <a:t>Seite </a:t>
+            </a:r>
+            <a:fld id="{38661448-4A48-D446-A2DB-27E795148D92}" type="slidenum">
+              <a:rPr lang="de-DE" smtClean="0"/>
+              <a:pPr/>
+              <a:t>26</a:t>
+            </a:fld>
+            <a:endParaRPr lang="de-DE" dirty="0"/>
+          </a:p>
+        </p:txBody>
+      </p:sp>
+    </p:spTree>
+    <p:extLst>
+      <p:ext uri="{BB962C8B-B14F-4D97-AF65-F5344CB8AC3E}">
+        <p14:creationId xmlns:p14="http://schemas.microsoft.com/office/powerpoint/2010/main" val="970612792"/>
+      </p:ext>
+    </p:extLst>
+  </p:cSld>
+  <p:clrMapOvr>
+    <a:masterClrMapping/>
+  </p:clrMapOvr>
+  <p:timing>
+    <p:tnLst>
+      <p:par>
+        <p:cTn id="1" dur="indefinite" restart="never" nodeType="tmRoot"/>
+      </p:par>
+    </p:tnLst>
+  </p:timing>
+</p:sld>
+</file>
+
+<file path=ppt/slides/slide27.xml><?xml version="1.0" encoding="utf-8"?>
+<p:sld xmlns:a="http://schemas.openxmlformats.org/drawingml/2006/main" xmlns:r="http://schemas.openxmlformats.org/officeDocument/2006/relationships" xmlns:p="http://schemas.openxmlformats.org/presentationml/2006/main">
+  <p:cSld>
+    <p:spTree>
+      <p:nvGrpSpPr>
+        <p:cNvPr id="1" name=""/>
+        <p:cNvGrpSpPr/>
+        <p:nvPr/>
+      </p:nvGrpSpPr>
+      <p:grpSpPr>
+        <a:xfrm>
+          <a:off x="0" y="0"/>
+          <a:ext cx="0" cy="0"/>
+          <a:chOff x="0" y="0"/>
+          <a:chExt cx="0" cy="0"/>
+        </a:xfrm>
+      </p:grpSpPr>
+      <p:sp>
+        <p:nvSpPr>
+          <p:cNvPr id="2" name="Titel 1"/>
+          <p:cNvSpPr>
+            <a:spLocks noGrp="1"/>
+          </p:cNvSpPr>
+          <p:nvPr>
+            <p:ph type="title"/>
+          </p:nvPr>
+        </p:nvSpPr>
+        <p:spPr/>
+        <p:txBody>
+          <a:bodyPr/>
+          <a:lstStyle/>
+          <a:p>
             <a:endParaRPr lang="de-DE" dirty="0"/>
           </a:p>
         </p:txBody>
@@ -39023,7 +39478,7 @@
             <a:fld id="{38661448-4A48-D446-A2DB-27E795148D92}" type="slidenum">
               <a:rPr lang="de-DE" smtClean="0"/>
               <a:pPr/>
-              <a:t>25</a:t>
+              <a:t>27</a:t>
             </a:fld>
             <a:endParaRPr lang="de-DE" dirty="0"/>
           </a:p>
@@ -39261,7 +39716,7 @@
           <p:cNvPr id="5" name="Datumsplatzhalter 4">
             <a:extLst>
               <a:ext uri="{FF2B5EF4-FFF2-40B4-BE49-F238E27FC236}">
-                <a16:creationId xmlns:a16="http://schemas.microsoft.com/office/drawing/2014/main" xmlns="" id="{D471591C-E430-45E7-A587-2CEC0AF88DA0}"/>
+                <a16:creationId xmlns="" xmlns:a16="http://schemas.microsoft.com/office/drawing/2014/main" id="{D471591C-E430-45E7-A587-2CEC0AF88DA0}"/>
               </a:ext>
             </a:extLst>
           </p:cNvPr>
@@ -39290,7 +39745,7 @@
           <p:cNvPr id="6" name="Fußzeilenplatzhalter 5">
             <a:extLst>
               <a:ext uri="{FF2B5EF4-FFF2-40B4-BE49-F238E27FC236}">
-                <a16:creationId xmlns:a16="http://schemas.microsoft.com/office/drawing/2014/main" xmlns="" id="{B488671B-A101-43AC-84F6-1F2F8515424C}"/>
+                <a16:creationId xmlns="" xmlns:a16="http://schemas.microsoft.com/office/drawing/2014/main" id="{B488671B-A101-43AC-84F6-1F2F8515424C}"/>
               </a:ext>
             </a:extLst>
           </p:cNvPr>
@@ -39315,7 +39770,7 @@
           <p:cNvPr id="7" name="Foliennummernplatzhalter 6">
             <a:extLst>
               <a:ext uri="{FF2B5EF4-FFF2-40B4-BE49-F238E27FC236}">
-                <a16:creationId xmlns:a16="http://schemas.microsoft.com/office/drawing/2014/main" xmlns="" id="{8E977D85-C22B-4016-AC2C-F3FDCE1BCBEB}"/>
+                <a16:creationId xmlns="" xmlns:a16="http://schemas.microsoft.com/office/drawing/2014/main" id="{8E977D85-C22B-4016-AC2C-F3FDCE1BCBEB}"/>
               </a:ext>
             </a:extLst>
           </p:cNvPr>

--- a/docs/Angular-Workshop-20.10.pptx
+++ b/docs/Angular-Workshop-20.10.pptx
@@ -6267,8 +6267,8 @@
   <dgm:cxnLst>
     <dgm:cxn modelId="{B0721CA3-19A8-D04D-857E-407EB9BC671A}" type="presOf" srcId="{9E409708-FC7B-604D-AE00-C59A3BC6C774}" destId="{AC19049A-FF2E-864B-A995-C88CCE14464E}" srcOrd="0" destOrd="0" presId="urn:microsoft.com/office/officeart/2005/8/layout/process1"/>
     <dgm:cxn modelId="{E198D6D4-91AD-F643-8652-6843F8F235B1}" srcId="{82BD223D-4D97-664B-8FA2-F811E68132B9}" destId="{9E409708-FC7B-604D-AE00-C59A3BC6C774}" srcOrd="0" destOrd="0" parTransId="{AF54B174-D1EC-FF4E-9C8F-E68F41ABE717}" sibTransId="{EE7B1B78-2CB7-C647-875E-937A240D7736}"/>
+    <dgm:cxn modelId="{9AD13F03-FA98-2546-A1F6-086D6D749FC5}" srcId="{82BD223D-4D97-664B-8FA2-F811E68132B9}" destId="{9F5FBEB5-0D91-6442-BAE6-3C8FE451890E}" srcOrd="1" destOrd="0" parTransId="{44185C10-A566-584D-8792-6F8CDA31CFEF}" sibTransId="{D96BFFC3-C37B-F740-8CDD-799CDA9C29AF}"/>
     <dgm:cxn modelId="{E033EC1A-0A6B-414C-BA47-A69CB3DDC2D8}" type="presOf" srcId="{EE7B1B78-2CB7-C647-875E-937A240D7736}" destId="{26BA574D-A9C9-D847-8AAF-A8F48018C2C1}" srcOrd="1" destOrd="0" presId="urn:microsoft.com/office/officeart/2005/8/layout/process1"/>
-    <dgm:cxn modelId="{9AD13F03-FA98-2546-A1F6-086D6D749FC5}" srcId="{82BD223D-4D97-664B-8FA2-F811E68132B9}" destId="{9F5FBEB5-0D91-6442-BAE6-3C8FE451890E}" srcOrd="1" destOrd="0" parTransId="{44185C10-A566-584D-8792-6F8CDA31CFEF}" sibTransId="{D96BFFC3-C37B-F740-8CDD-799CDA9C29AF}"/>
     <dgm:cxn modelId="{E6A75DB5-821C-E345-A783-C1FE436C1B5F}" type="presOf" srcId="{EE7B1B78-2CB7-C647-875E-937A240D7736}" destId="{30EAC814-8F64-D74A-9EBA-0CBC6BE058AA}" srcOrd="0" destOrd="0" presId="urn:microsoft.com/office/officeart/2005/8/layout/process1"/>
     <dgm:cxn modelId="{1B0CBD2C-F6A5-BE47-AA25-80FF0DBC223D}" type="presOf" srcId="{82BD223D-4D97-664B-8FA2-F811E68132B9}" destId="{5C4E5A0B-1B12-EC4C-BCB7-F3E190AFE040}" srcOrd="0" destOrd="0" presId="urn:microsoft.com/office/officeart/2005/8/layout/process1"/>
     <dgm:cxn modelId="{32CD821A-B520-014C-9995-1247839A1615}" type="presOf" srcId="{9F5FBEB5-0D91-6442-BAE6-3C8FE451890E}" destId="{942B2FD4-F953-1241-B452-E01505D35646}" srcOrd="0" destOrd="0" presId="urn:microsoft.com/office/officeart/2005/8/layout/process1"/>
@@ -19633,7 +19633,7 @@
           <a:noFill/>
           <a:extLst>
             <a:ext uri="{909E8E84-426E-40dd-AFC4-6F175D3DCCD1}">
-              <a14:hiddenFill xmlns="" xmlns:a14="http://schemas.microsoft.com/office/drawing/2010/main">
+              <a14:hiddenFill xmlns:a14="http://schemas.microsoft.com/office/drawing/2010/main" xmlns="">
                 <a:solidFill>
                   <a:srgbClr val="FFFFFF"/>
                 </a:solidFill>
@@ -19833,7 +19833,7 @@
           <p:cNvPr id="2" name="Datumsplatzhalter 1">
             <a:extLst>
               <a:ext uri="{FF2B5EF4-FFF2-40B4-BE49-F238E27FC236}">
-                <a16:creationId xmlns="" xmlns:a16="http://schemas.microsoft.com/office/drawing/2014/main" id="{0EE9CECA-FE53-4E0D-AD22-D4AB49ECF809}"/>
+                <a16:creationId xmlns:a16="http://schemas.microsoft.com/office/drawing/2014/main" xmlns="" id="{0EE9CECA-FE53-4E0D-AD22-D4AB49ECF809}"/>
               </a:ext>
             </a:extLst>
           </p:cNvPr>
@@ -19863,7 +19863,7 @@
           <p:cNvPr id="7" name="Fußzeilenplatzhalter 6">
             <a:extLst>
               <a:ext uri="{FF2B5EF4-FFF2-40B4-BE49-F238E27FC236}">
-                <a16:creationId xmlns="" xmlns:a16="http://schemas.microsoft.com/office/drawing/2014/main" id="{C07A299E-41A7-4A08-81FA-6FBA6806F0A5}"/>
+                <a16:creationId xmlns:a16="http://schemas.microsoft.com/office/drawing/2014/main" xmlns="" id="{C07A299E-41A7-4A08-81FA-6FBA6806F0A5}"/>
               </a:ext>
             </a:extLst>
           </p:cNvPr>
@@ -19888,7 +19888,7 @@
           <p:cNvPr id="8" name="Foliennummernplatzhalter 7">
             <a:extLst>
               <a:ext uri="{FF2B5EF4-FFF2-40B4-BE49-F238E27FC236}">
-                <a16:creationId xmlns="" xmlns:a16="http://schemas.microsoft.com/office/drawing/2014/main" id="{9151A28C-FF21-4CC9-B28E-CF780807FE34}"/>
+                <a16:creationId xmlns:a16="http://schemas.microsoft.com/office/drawing/2014/main" xmlns="" id="{9151A28C-FF21-4CC9-B28E-CF780807FE34}"/>
               </a:ext>
             </a:extLst>
           </p:cNvPr>
@@ -20143,7 +20143,7 @@
           <p:cNvPr id="3" name="Datumsplatzhalter 2">
             <a:extLst>
               <a:ext uri="{FF2B5EF4-FFF2-40B4-BE49-F238E27FC236}">
-                <a16:creationId xmlns="" xmlns:a16="http://schemas.microsoft.com/office/drawing/2014/main" id="{3D332A91-9158-4543-9295-8484F133E109}"/>
+                <a16:creationId xmlns:a16="http://schemas.microsoft.com/office/drawing/2014/main" xmlns="" id="{3D332A91-9158-4543-9295-8484F133E109}"/>
               </a:ext>
             </a:extLst>
           </p:cNvPr>
@@ -20173,7 +20173,7 @@
           <p:cNvPr id="7" name="Fußzeilenplatzhalter 6">
             <a:extLst>
               <a:ext uri="{FF2B5EF4-FFF2-40B4-BE49-F238E27FC236}">
-                <a16:creationId xmlns="" xmlns:a16="http://schemas.microsoft.com/office/drawing/2014/main" id="{C426E4CE-7F9D-4A7E-A795-EDD7185E3A7A}"/>
+                <a16:creationId xmlns:a16="http://schemas.microsoft.com/office/drawing/2014/main" xmlns="" id="{C426E4CE-7F9D-4A7E-A795-EDD7185E3A7A}"/>
               </a:ext>
             </a:extLst>
           </p:cNvPr>
@@ -20198,7 +20198,7 @@
           <p:cNvPr id="8" name="Foliennummernplatzhalter 7">
             <a:extLst>
               <a:ext uri="{FF2B5EF4-FFF2-40B4-BE49-F238E27FC236}">
-                <a16:creationId xmlns="" xmlns:a16="http://schemas.microsoft.com/office/drawing/2014/main" id="{73459CEF-058C-4C7D-9907-D7A5E4B23A28}"/>
+                <a16:creationId xmlns:a16="http://schemas.microsoft.com/office/drawing/2014/main" xmlns="" id="{73459CEF-058C-4C7D-9907-D7A5E4B23A28}"/>
               </a:ext>
             </a:extLst>
           </p:cNvPr>
@@ -20446,7 +20446,7 @@
           <p:cNvPr id="2" name="Datumsplatzhalter 1">
             <a:extLst>
               <a:ext uri="{FF2B5EF4-FFF2-40B4-BE49-F238E27FC236}">
-                <a16:creationId xmlns="" xmlns:a16="http://schemas.microsoft.com/office/drawing/2014/main" id="{64A9B900-82AE-4D1E-B11E-155C1B825004}"/>
+                <a16:creationId xmlns:a16="http://schemas.microsoft.com/office/drawing/2014/main" xmlns="" id="{64A9B900-82AE-4D1E-B11E-155C1B825004}"/>
               </a:ext>
             </a:extLst>
           </p:cNvPr>
@@ -20476,7 +20476,7 @@
           <p:cNvPr id="7" name="Fußzeilenplatzhalter 6">
             <a:extLst>
               <a:ext uri="{FF2B5EF4-FFF2-40B4-BE49-F238E27FC236}">
-                <a16:creationId xmlns="" xmlns:a16="http://schemas.microsoft.com/office/drawing/2014/main" id="{41953AE8-A571-4BCE-AF9C-CC7A649DD8C5}"/>
+                <a16:creationId xmlns:a16="http://schemas.microsoft.com/office/drawing/2014/main" xmlns="" id="{41953AE8-A571-4BCE-AF9C-CC7A649DD8C5}"/>
               </a:ext>
             </a:extLst>
           </p:cNvPr>
@@ -20501,7 +20501,7 @@
           <p:cNvPr id="8" name="Foliennummernplatzhalter 7">
             <a:extLst>
               <a:ext uri="{FF2B5EF4-FFF2-40B4-BE49-F238E27FC236}">
-                <a16:creationId xmlns="" xmlns:a16="http://schemas.microsoft.com/office/drawing/2014/main" id="{6DCAD949-98D9-4F76-BE67-6629B37422CB}"/>
+                <a16:creationId xmlns:a16="http://schemas.microsoft.com/office/drawing/2014/main" xmlns="" id="{6DCAD949-98D9-4F76-BE67-6629B37422CB}"/>
               </a:ext>
             </a:extLst>
           </p:cNvPr>
@@ -20602,7 +20602,7 @@
           <p:cNvPr id="2" name="Datumsplatzhalter 1">
             <a:extLst>
               <a:ext uri="{FF2B5EF4-FFF2-40B4-BE49-F238E27FC236}">
-                <a16:creationId xmlns="" xmlns:a16="http://schemas.microsoft.com/office/drawing/2014/main" id="{0F48F7B5-AF2D-4886-B660-ACFD0F3CA06C}"/>
+                <a16:creationId xmlns:a16="http://schemas.microsoft.com/office/drawing/2014/main" xmlns="" id="{0F48F7B5-AF2D-4886-B660-ACFD0F3CA06C}"/>
               </a:ext>
             </a:extLst>
           </p:cNvPr>
@@ -20632,7 +20632,7 @@
           <p:cNvPr id="7" name="Fußzeilenplatzhalter 6">
             <a:extLst>
               <a:ext uri="{FF2B5EF4-FFF2-40B4-BE49-F238E27FC236}">
-                <a16:creationId xmlns="" xmlns:a16="http://schemas.microsoft.com/office/drawing/2014/main" id="{C01D3F89-6DF4-4DC1-ABFC-4B69E0299624}"/>
+                <a16:creationId xmlns:a16="http://schemas.microsoft.com/office/drawing/2014/main" xmlns="" id="{C01D3F89-6DF4-4DC1-ABFC-4B69E0299624}"/>
               </a:ext>
             </a:extLst>
           </p:cNvPr>
@@ -20657,7 +20657,7 @@
           <p:cNvPr id="8" name="Foliennummernplatzhalter 7">
             <a:extLst>
               <a:ext uri="{FF2B5EF4-FFF2-40B4-BE49-F238E27FC236}">
-                <a16:creationId xmlns="" xmlns:a16="http://schemas.microsoft.com/office/drawing/2014/main" id="{BFD42FBE-0754-4285-A3CE-566D22A33C59}"/>
+                <a16:creationId xmlns:a16="http://schemas.microsoft.com/office/drawing/2014/main" xmlns="" id="{BFD42FBE-0754-4285-A3CE-566D22A33C59}"/>
               </a:ext>
             </a:extLst>
           </p:cNvPr>
@@ -20898,7 +20898,7 @@
           <p:cNvPr id="3" name="Datumsplatzhalter 2">
             <a:extLst>
               <a:ext uri="{FF2B5EF4-FFF2-40B4-BE49-F238E27FC236}">
-                <a16:creationId xmlns="" xmlns:a16="http://schemas.microsoft.com/office/drawing/2014/main" id="{434AC82E-1F55-4D6D-B12A-7355E3927B04}"/>
+                <a16:creationId xmlns:a16="http://schemas.microsoft.com/office/drawing/2014/main" xmlns="" id="{434AC82E-1F55-4D6D-B12A-7355E3927B04}"/>
               </a:ext>
             </a:extLst>
           </p:cNvPr>
@@ -20928,7 +20928,7 @@
           <p:cNvPr id="7" name="Fußzeilenplatzhalter 6">
             <a:extLst>
               <a:ext uri="{FF2B5EF4-FFF2-40B4-BE49-F238E27FC236}">
-                <a16:creationId xmlns="" xmlns:a16="http://schemas.microsoft.com/office/drawing/2014/main" id="{95F90759-2A54-4A06-B304-DFA3C45AF309}"/>
+                <a16:creationId xmlns:a16="http://schemas.microsoft.com/office/drawing/2014/main" xmlns="" id="{95F90759-2A54-4A06-B304-DFA3C45AF309}"/>
               </a:ext>
             </a:extLst>
           </p:cNvPr>
@@ -20953,7 +20953,7 @@
           <p:cNvPr id="8" name="Foliennummernplatzhalter 7">
             <a:extLst>
               <a:ext uri="{FF2B5EF4-FFF2-40B4-BE49-F238E27FC236}">
-                <a16:creationId xmlns="" xmlns:a16="http://schemas.microsoft.com/office/drawing/2014/main" id="{AAA489C6-E63E-4078-89A4-7CC1709D7206}"/>
+                <a16:creationId xmlns:a16="http://schemas.microsoft.com/office/drawing/2014/main" xmlns="" id="{AAA489C6-E63E-4078-89A4-7CC1709D7206}"/>
               </a:ext>
             </a:extLst>
           </p:cNvPr>
@@ -21235,7 +21235,7 @@
           <p:cNvPr id="3" name="Datumsplatzhalter 2">
             <a:extLst>
               <a:ext uri="{FF2B5EF4-FFF2-40B4-BE49-F238E27FC236}">
-                <a16:creationId xmlns="" xmlns:a16="http://schemas.microsoft.com/office/drawing/2014/main" id="{24A5A6B0-652D-48FC-AF73-17BD8D217D8E}"/>
+                <a16:creationId xmlns:a16="http://schemas.microsoft.com/office/drawing/2014/main" xmlns="" id="{24A5A6B0-652D-48FC-AF73-17BD8D217D8E}"/>
               </a:ext>
             </a:extLst>
           </p:cNvPr>
@@ -21265,7 +21265,7 @@
           <p:cNvPr id="7" name="Fußzeilenplatzhalter 6">
             <a:extLst>
               <a:ext uri="{FF2B5EF4-FFF2-40B4-BE49-F238E27FC236}">
-                <a16:creationId xmlns="" xmlns:a16="http://schemas.microsoft.com/office/drawing/2014/main" id="{239BA7E1-F103-432E-BC27-0127D2228DA4}"/>
+                <a16:creationId xmlns:a16="http://schemas.microsoft.com/office/drawing/2014/main" xmlns="" id="{239BA7E1-F103-432E-BC27-0127D2228DA4}"/>
               </a:ext>
             </a:extLst>
           </p:cNvPr>
@@ -21290,7 +21290,7 @@
           <p:cNvPr id="9" name="Foliennummernplatzhalter 8">
             <a:extLst>
               <a:ext uri="{FF2B5EF4-FFF2-40B4-BE49-F238E27FC236}">
-                <a16:creationId xmlns="" xmlns:a16="http://schemas.microsoft.com/office/drawing/2014/main" id="{E398A7F9-A765-46A7-B1D7-8FF6247ED6E8}"/>
+                <a16:creationId xmlns:a16="http://schemas.microsoft.com/office/drawing/2014/main" xmlns="" id="{E398A7F9-A765-46A7-B1D7-8FF6247ED6E8}"/>
               </a:ext>
             </a:extLst>
           </p:cNvPr>
@@ -21711,7 +21711,7 @@
           <p:cNvPr id="3" name="Datumsplatzhalter 2">
             <a:extLst>
               <a:ext uri="{FF2B5EF4-FFF2-40B4-BE49-F238E27FC236}">
-                <a16:creationId xmlns="" xmlns:a16="http://schemas.microsoft.com/office/drawing/2014/main" id="{E251BDE8-F6CD-4379-B02C-D58055E91CB7}"/>
+                <a16:creationId xmlns:a16="http://schemas.microsoft.com/office/drawing/2014/main" xmlns="" id="{E251BDE8-F6CD-4379-B02C-D58055E91CB7}"/>
               </a:ext>
             </a:extLst>
           </p:cNvPr>
@@ -21741,7 +21741,7 @@
           <p:cNvPr id="7" name="Fußzeilenplatzhalter 6">
             <a:extLst>
               <a:ext uri="{FF2B5EF4-FFF2-40B4-BE49-F238E27FC236}">
-                <a16:creationId xmlns="" xmlns:a16="http://schemas.microsoft.com/office/drawing/2014/main" id="{F684EDD4-7234-4CF4-A5B8-FCC6419FE199}"/>
+                <a16:creationId xmlns:a16="http://schemas.microsoft.com/office/drawing/2014/main" xmlns="" id="{F684EDD4-7234-4CF4-A5B8-FCC6419FE199}"/>
               </a:ext>
             </a:extLst>
           </p:cNvPr>
@@ -21766,7 +21766,7 @@
           <p:cNvPr id="8" name="Foliennummernplatzhalter 7">
             <a:extLst>
               <a:ext uri="{FF2B5EF4-FFF2-40B4-BE49-F238E27FC236}">
-                <a16:creationId xmlns="" xmlns:a16="http://schemas.microsoft.com/office/drawing/2014/main" id="{81EB7AF2-AEA0-439E-B5DA-DF760778341F}"/>
+                <a16:creationId xmlns:a16="http://schemas.microsoft.com/office/drawing/2014/main" xmlns="" id="{81EB7AF2-AEA0-439E-B5DA-DF760778341F}"/>
               </a:ext>
             </a:extLst>
           </p:cNvPr>
@@ -22094,7 +22094,7 @@
           <p:cNvPr id="3" name="Datumsplatzhalter 2">
             <a:extLst>
               <a:ext uri="{FF2B5EF4-FFF2-40B4-BE49-F238E27FC236}">
-                <a16:creationId xmlns="" xmlns:a16="http://schemas.microsoft.com/office/drawing/2014/main" id="{C2E5ECD2-BEB5-47D1-A89E-69496048A8D5}"/>
+                <a16:creationId xmlns:a16="http://schemas.microsoft.com/office/drawing/2014/main" xmlns="" id="{C2E5ECD2-BEB5-47D1-A89E-69496048A8D5}"/>
               </a:ext>
             </a:extLst>
           </p:cNvPr>
@@ -22124,7 +22124,7 @@
           <p:cNvPr id="7" name="Fußzeilenplatzhalter 6">
             <a:extLst>
               <a:ext uri="{FF2B5EF4-FFF2-40B4-BE49-F238E27FC236}">
-                <a16:creationId xmlns="" xmlns:a16="http://schemas.microsoft.com/office/drawing/2014/main" id="{8DADA64D-3A7A-4438-9197-BD2830657223}"/>
+                <a16:creationId xmlns:a16="http://schemas.microsoft.com/office/drawing/2014/main" xmlns="" id="{8DADA64D-3A7A-4438-9197-BD2830657223}"/>
               </a:ext>
             </a:extLst>
           </p:cNvPr>
@@ -22149,7 +22149,7 @@
           <p:cNvPr id="9" name="Foliennummernplatzhalter 8">
             <a:extLst>
               <a:ext uri="{FF2B5EF4-FFF2-40B4-BE49-F238E27FC236}">
-                <a16:creationId xmlns="" xmlns:a16="http://schemas.microsoft.com/office/drawing/2014/main" id="{3D8A091A-178E-435F-9EA9-84BA66D378CC}"/>
+                <a16:creationId xmlns:a16="http://schemas.microsoft.com/office/drawing/2014/main" xmlns="" id="{3D8A091A-178E-435F-9EA9-84BA66D378CC}"/>
               </a:ext>
             </a:extLst>
           </p:cNvPr>
@@ -22780,7 +22780,7 @@
           <p:cNvPr id="6" name="Datumsplatzhalter 5">
             <a:extLst>
               <a:ext uri="{FF2B5EF4-FFF2-40B4-BE49-F238E27FC236}">
-                <a16:creationId xmlns="" xmlns:a16="http://schemas.microsoft.com/office/drawing/2014/main" id="{E75B6010-F5BB-4F22-8221-D75D21F6EB55}"/>
+                <a16:creationId xmlns:a16="http://schemas.microsoft.com/office/drawing/2014/main" xmlns="" id="{E75B6010-F5BB-4F22-8221-D75D21F6EB55}"/>
               </a:ext>
             </a:extLst>
           </p:cNvPr>
@@ -22810,7 +22810,7 @@
           <p:cNvPr id="7" name="Fußzeilenplatzhalter 6">
             <a:extLst>
               <a:ext uri="{FF2B5EF4-FFF2-40B4-BE49-F238E27FC236}">
-                <a16:creationId xmlns="" xmlns:a16="http://schemas.microsoft.com/office/drawing/2014/main" id="{26547C97-5C9B-4C14-8D49-A5E83DFFB45A}"/>
+                <a16:creationId xmlns:a16="http://schemas.microsoft.com/office/drawing/2014/main" xmlns="" id="{26547C97-5C9B-4C14-8D49-A5E83DFFB45A}"/>
               </a:ext>
             </a:extLst>
           </p:cNvPr>
@@ -22835,7 +22835,7 @@
           <p:cNvPr id="11" name="Foliennummernplatzhalter 10">
             <a:extLst>
               <a:ext uri="{FF2B5EF4-FFF2-40B4-BE49-F238E27FC236}">
-                <a16:creationId xmlns="" xmlns:a16="http://schemas.microsoft.com/office/drawing/2014/main" id="{98B57AAA-67F4-4EFE-A062-411C04E4F8A2}"/>
+                <a16:creationId xmlns:a16="http://schemas.microsoft.com/office/drawing/2014/main" xmlns="" id="{98B57AAA-67F4-4EFE-A062-411C04E4F8A2}"/>
               </a:ext>
             </a:extLst>
           </p:cNvPr>
@@ -23374,7 +23374,7 @@
           <p:cNvPr id="5" name="Datumsplatzhalter 4">
             <a:extLst>
               <a:ext uri="{FF2B5EF4-FFF2-40B4-BE49-F238E27FC236}">
-                <a16:creationId xmlns="" xmlns:a16="http://schemas.microsoft.com/office/drawing/2014/main" id="{0C7C8404-609B-40A1-85F0-0C1D3C5C6357}"/>
+                <a16:creationId xmlns:a16="http://schemas.microsoft.com/office/drawing/2014/main" xmlns="" id="{0C7C8404-609B-40A1-85F0-0C1D3C5C6357}"/>
               </a:ext>
             </a:extLst>
           </p:cNvPr>
@@ -23404,7 +23404,7 @@
           <p:cNvPr id="8" name="Fußzeilenplatzhalter 7">
             <a:extLst>
               <a:ext uri="{FF2B5EF4-FFF2-40B4-BE49-F238E27FC236}">
-                <a16:creationId xmlns="" xmlns:a16="http://schemas.microsoft.com/office/drawing/2014/main" id="{3C29D00E-B305-494B-A605-238A832848F3}"/>
+                <a16:creationId xmlns:a16="http://schemas.microsoft.com/office/drawing/2014/main" xmlns="" id="{3C29D00E-B305-494B-A605-238A832848F3}"/>
               </a:ext>
             </a:extLst>
           </p:cNvPr>
@@ -23429,7 +23429,7 @@
           <p:cNvPr id="9" name="Foliennummernplatzhalter 8">
             <a:extLst>
               <a:ext uri="{FF2B5EF4-FFF2-40B4-BE49-F238E27FC236}">
-                <a16:creationId xmlns="" xmlns:a16="http://schemas.microsoft.com/office/drawing/2014/main" id="{7FC7C27A-51A6-4577-BAAE-22B90EFD1D16}"/>
+                <a16:creationId xmlns:a16="http://schemas.microsoft.com/office/drawing/2014/main" xmlns="" id="{7FC7C27A-51A6-4577-BAAE-22B90EFD1D16}"/>
               </a:ext>
             </a:extLst>
           </p:cNvPr>
@@ -24198,7 +24198,7 @@
           <p:cNvPr id="5" name="Datumsplatzhalter 4">
             <a:extLst>
               <a:ext uri="{FF2B5EF4-FFF2-40B4-BE49-F238E27FC236}">
-                <a16:creationId xmlns="" xmlns:a16="http://schemas.microsoft.com/office/drawing/2014/main" id="{33D616DE-E3B4-4D35-BB61-A1FFAD7A5AAF}"/>
+                <a16:creationId xmlns:a16="http://schemas.microsoft.com/office/drawing/2014/main" xmlns="" id="{33D616DE-E3B4-4D35-BB61-A1FFAD7A5AAF}"/>
               </a:ext>
             </a:extLst>
           </p:cNvPr>
@@ -24228,7 +24228,7 @@
           <p:cNvPr id="7" name="Fußzeilenplatzhalter 6">
             <a:extLst>
               <a:ext uri="{FF2B5EF4-FFF2-40B4-BE49-F238E27FC236}">
-                <a16:creationId xmlns="" xmlns:a16="http://schemas.microsoft.com/office/drawing/2014/main" id="{009571DE-76C3-4B92-A98C-31AD1C84E96F}"/>
+                <a16:creationId xmlns:a16="http://schemas.microsoft.com/office/drawing/2014/main" xmlns="" id="{009571DE-76C3-4B92-A98C-31AD1C84E96F}"/>
               </a:ext>
             </a:extLst>
           </p:cNvPr>
@@ -24253,7 +24253,7 @@
           <p:cNvPr id="10" name="Foliennummernplatzhalter 9">
             <a:extLst>
               <a:ext uri="{FF2B5EF4-FFF2-40B4-BE49-F238E27FC236}">
-                <a16:creationId xmlns="" xmlns:a16="http://schemas.microsoft.com/office/drawing/2014/main" id="{A873DEEA-A3E3-4201-A6F9-C92D0EB9E730}"/>
+                <a16:creationId xmlns:a16="http://schemas.microsoft.com/office/drawing/2014/main" xmlns="" id="{A873DEEA-A3E3-4201-A6F9-C92D0EB9E730}"/>
               </a:ext>
             </a:extLst>
           </p:cNvPr>
@@ -24678,7 +24678,7 @@
           <p:cNvPr id="6" name="Datumsplatzhalter 5">
             <a:extLst>
               <a:ext uri="{FF2B5EF4-FFF2-40B4-BE49-F238E27FC236}">
-                <a16:creationId xmlns="" xmlns:a16="http://schemas.microsoft.com/office/drawing/2014/main" id="{BE1F9E44-CCA9-4032-B773-94D7E2DF8ED5}"/>
+                <a16:creationId xmlns:a16="http://schemas.microsoft.com/office/drawing/2014/main" xmlns="" id="{BE1F9E44-CCA9-4032-B773-94D7E2DF8ED5}"/>
               </a:ext>
             </a:extLst>
           </p:cNvPr>
@@ -24708,7 +24708,7 @@
           <p:cNvPr id="7" name="Fußzeilenplatzhalter 6">
             <a:extLst>
               <a:ext uri="{FF2B5EF4-FFF2-40B4-BE49-F238E27FC236}">
-                <a16:creationId xmlns="" xmlns:a16="http://schemas.microsoft.com/office/drawing/2014/main" id="{4D3B4066-4E5D-4AAB-A33C-01B8A1CAA20D}"/>
+                <a16:creationId xmlns:a16="http://schemas.microsoft.com/office/drawing/2014/main" xmlns="" id="{4D3B4066-4E5D-4AAB-A33C-01B8A1CAA20D}"/>
               </a:ext>
             </a:extLst>
           </p:cNvPr>
@@ -24733,7 +24733,7 @@
           <p:cNvPr id="8" name="Foliennummernplatzhalter 7">
             <a:extLst>
               <a:ext uri="{FF2B5EF4-FFF2-40B4-BE49-F238E27FC236}">
-                <a16:creationId xmlns="" xmlns:a16="http://schemas.microsoft.com/office/drawing/2014/main" id="{52AE4811-CB7B-4E63-92A7-E2967B6AEBEE}"/>
+                <a16:creationId xmlns:a16="http://schemas.microsoft.com/office/drawing/2014/main" xmlns="" id="{52AE4811-CB7B-4E63-92A7-E2967B6AEBEE}"/>
               </a:ext>
             </a:extLst>
           </p:cNvPr>
@@ -25520,7 +25520,7 @@
           <p:cNvPr id="5" name="Datumsplatzhalter 4">
             <a:extLst>
               <a:ext uri="{FF2B5EF4-FFF2-40B4-BE49-F238E27FC236}">
-                <a16:creationId xmlns="" xmlns:a16="http://schemas.microsoft.com/office/drawing/2014/main" id="{7AEDF8C5-F6FB-4119-B6A3-908B246DAB0B}"/>
+                <a16:creationId xmlns:a16="http://schemas.microsoft.com/office/drawing/2014/main" xmlns="" id="{7AEDF8C5-F6FB-4119-B6A3-908B246DAB0B}"/>
               </a:ext>
             </a:extLst>
           </p:cNvPr>
@@ -25550,7 +25550,7 @@
           <p:cNvPr id="7" name="Fußzeilenplatzhalter 6">
             <a:extLst>
               <a:ext uri="{FF2B5EF4-FFF2-40B4-BE49-F238E27FC236}">
-                <a16:creationId xmlns="" xmlns:a16="http://schemas.microsoft.com/office/drawing/2014/main" id="{4CCDEB9D-85DD-4CF0-96C7-BA711D11F2BE}"/>
+                <a16:creationId xmlns:a16="http://schemas.microsoft.com/office/drawing/2014/main" xmlns="" id="{4CCDEB9D-85DD-4CF0-96C7-BA711D11F2BE}"/>
               </a:ext>
             </a:extLst>
           </p:cNvPr>
@@ -25575,7 +25575,7 @@
           <p:cNvPr id="9" name="Foliennummernplatzhalter 8">
             <a:extLst>
               <a:ext uri="{FF2B5EF4-FFF2-40B4-BE49-F238E27FC236}">
-                <a16:creationId xmlns="" xmlns:a16="http://schemas.microsoft.com/office/drawing/2014/main" id="{418E80D9-3450-43BD-94A9-22C9BF91B1C0}"/>
+                <a16:creationId xmlns:a16="http://schemas.microsoft.com/office/drawing/2014/main" xmlns="" id="{418E80D9-3450-43BD-94A9-22C9BF91B1C0}"/>
               </a:ext>
             </a:extLst>
           </p:cNvPr>
@@ -26321,7 +26321,7 @@
           <p:cNvPr id="3" name="Datumsplatzhalter 2">
             <a:extLst>
               <a:ext uri="{FF2B5EF4-FFF2-40B4-BE49-F238E27FC236}">
-                <a16:creationId xmlns="" xmlns:a16="http://schemas.microsoft.com/office/drawing/2014/main" id="{25D8C277-6F42-4B11-AB90-EBE3A1238A85}"/>
+                <a16:creationId xmlns:a16="http://schemas.microsoft.com/office/drawing/2014/main" xmlns="" id="{25D8C277-6F42-4B11-AB90-EBE3A1238A85}"/>
               </a:ext>
             </a:extLst>
           </p:cNvPr>
@@ -26351,7 +26351,7 @@
           <p:cNvPr id="4" name="Fußzeilenplatzhalter 3">
             <a:extLst>
               <a:ext uri="{FF2B5EF4-FFF2-40B4-BE49-F238E27FC236}">
-                <a16:creationId xmlns="" xmlns:a16="http://schemas.microsoft.com/office/drawing/2014/main" id="{4815A052-9443-41A9-9F46-0AA437EEDDA5}"/>
+                <a16:creationId xmlns:a16="http://schemas.microsoft.com/office/drawing/2014/main" xmlns="" id="{4815A052-9443-41A9-9F46-0AA437EEDDA5}"/>
               </a:ext>
             </a:extLst>
           </p:cNvPr>
@@ -26376,7 +26376,7 @@
           <p:cNvPr id="5" name="Foliennummernplatzhalter 4">
             <a:extLst>
               <a:ext uri="{FF2B5EF4-FFF2-40B4-BE49-F238E27FC236}">
-                <a16:creationId xmlns="" xmlns:a16="http://schemas.microsoft.com/office/drawing/2014/main" id="{5F7C50D9-9DEA-4EFD-ACE3-677BBD4DEB55}"/>
+                <a16:creationId xmlns:a16="http://schemas.microsoft.com/office/drawing/2014/main" xmlns="" id="{5F7C50D9-9DEA-4EFD-ACE3-677BBD4DEB55}"/>
               </a:ext>
             </a:extLst>
           </p:cNvPr>
@@ -26842,7 +26842,7 @@
           <p:cNvPr id="5" name="Datumsplatzhalter 4">
             <a:extLst>
               <a:ext uri="{FF2B5EF4-FFF2-40B4-BE49-F238E27FC236}">
-                <a16:creationId xmlns="" xmlns:a16="http://schemas.microsoft.com/office/drawing/2014/main" id="{6B4135B1-E114-41F0-9C64-3A26186B834F}"/>
+                <a16:creationId xmlns:a16="http://schemas.microsoft.com/office/drawing/2014/main" xmlns="" id="{6B4135B1-E114-41F0-9C64-3A26186B834F}"/>
               </a:ext>
             </a:extLst>
           </p:cNvPr>
@@ -26872,7 +26872,7 @@
           <p:cNvPr id="7" name="Fußzeilenplatzhalter 6">
             <a:extLst>
               <a:ext uri="{FF2B5EF4-FFF2-40B4-BE49-F238E27FC236}">
-                <a16:creationId xmlns="" xmlns:a16="http://schemas.microsoft.com/office/drawing/2014/main" id="{84D81854-B37F-4ADF-A34F-BF0CCA2926F2}"/>
+                <a16:creationId xmlns:a16="http://schemas.microsoft.com/office/drawing/2014/main" xmlns="" id="{84D81854-B37F-4ADF-A34F-BF0CCA2926F2}"/>
               </a:ext>
             </a:extLst>
           </p:cNvPr>
@@ -26897,7 +26897,7 @@
           <p:cNvPr id="9" name="Foliennummernplatzhalter 8">
             <a:extLst>
               <a:ext uri="{FF2B5EF4-FFF2-40B4-BE49-F238E27FC236}">
-                <a16:creationId xmlns="" xmlns:a16="http://schemas.microsoft.com/office/drawing/2014/main" id="{2EE17D9C-06FE-45C8-B312-4C5617C49000}"/>
+                <a16:creationId xmlns:a16="http://schemas.microsoft.com/office/drawing/2014/main" xmlns="" id="{2EE17D9C-06FE-45C8-B312-4C5617C49000}"/>
               </a:ext>
             </a:extLst>
           </p:cNvPr>
@@ -27322,7 +27322,7 @@
           <p:cNvPr id="10" name="Datumsplatzhalter 9">
             <a:extLst>
               <a:ext uri="{FF2B5EF4-FFF2-40B4-BE49-F238E27FC236}">
-                <a16:creationId xmlns="" xmlns:a16="http://schemas.microsoft.com/office/drawing/2014/main" id="{F92E0490-C295-4C99-B9D1-6310B9164EDD}"/>
+                <a16:creationId xmlns:a16="http://schemas.microsoft.com/office/drawing/2014/main" xmlns="" id="{F92E0490-C295-4C99-B9D1-6310B9164EDD}"/>
               </a:ext>
             </a:extLst>
           </p:cNvPr>
@@ -27352,7 +27352,7 @@
           <p:cNvPr id="11" name="Fußzeilenplatzhalter 10">
             <a:extLst>
               <a:ext uri="{FF2B5EF4-FFF2-40B4-BE49-F238E27FC236}">
-                <a16:creationId xmlns="" xmlns:a16="http://schemas.microsoft.com/office/drawing/2014/main" id="{DD98C48F-3C69-4703-B4CC-632DDDDB497C}"/>
+                <a16:creationId xmlns:a16="http://schemas.microsoft.com/office/drawing/2014/main" xmlns="" id="{DD98C48F-3C69-4703-B4CC-632DDDDB497C}"/>
               </a:ext>
             </a:extLst>
           </p:cNvPr>
@@ -27377,7 +27377,7 @@
           <p:cNvPr id="15" name="Foliennummernplatzhalter 14">
             <a:extLst>
               <a:ext uri="{FF2B5EF4-FFF2-40B4-BE49-F238E27FC236}">
-                <a16:creationId xmlns="" xmlns:a16="http://schemas.microsoft.com/office/drawing/2014/main" id="{1968527D-44A1-407F-99A6-2ACAB46FBD28}"/>
+                <a16:creationId xmlns:a16="http://schemas.microsoft.com/office/drawing/2014/main" xmlns="" id="{1968527D-44A1-407F-99A6-2ACAB46FBD28}"/>
               </a:ext>
             </a:extLst>
           </p:cNvPr>
@@ -28164,7 +28164,7 @@
           <p:cNvPr id="5" name="Datumsplatzhalter 4">
             <a:extLst>
               <a:ext uri="{FF2B5EF4-FFF2-40B4-BE49-F238E27FC236}">
-                <a16:creationId xmlns="" xmlns:a16="http://schemas.microsoft.com/office/drawing/2014/main" id="{8AFAB162-0FDB-4A37-A4FD-CBFC89474486}"/>
+                <a16:creationId xmlns:a16="http://schemas.microsoft.com/office/drawing/2014/main" xmlns="" id="{8AFAB162-0FDB-4A37-A4FD-CBFC89474486}"/>
               </a:ext>
             </a:extLst>
           </p:cNvPr>
@@ -28194,7 +28194,7 @@
           <p:cNvPr id="7" name="Fußzeilenplatzhalter 6">
             <a:extLst>
               <a:ext uri="{FF2B5EF4-FFF2-40B4-BE49-F238E27FC236}">
-                <a16:creationId xmlns="" xmlns:a16="http://schemas.microsoft.com/office/drawing/2014/main" id="{46B12C25-0691-43C5-8596-6B8AD0039874}"/>
+                <a16:creationId xmlns:a16="http://schemas.microsoft.com/office/drawing/2014/main" xmlns="" id="{46B12C25-0691-43C5-8596-6B8AD0039874}"/>
               </a:ext>
             </a:extLst>
           </p:cNvPr>
@@ -28219,7 +28219,7 @@
           <p:cNvPr id="9" name="Foliennummernplatzhalter 8">
             <a:extLst>
               <a:ext uri="{FF2B5EF4-FFF2-40B4-BE49-F238E27FC236}">
-                <a16:creationId xmlns="" xmlns:a16="http://schemas.microsoft.com/office/drawing/2014/main" id="{7C5C2594-4A54-4AE0-88EE-FB17FDD4570C}"/>
+                <a16:creationId xmlns:a16="http://schemas.microsoft.com/office/drawing/2014/main" xmlns="" id="{7C5C2594-4A54-4AE0-88EE-FB17FDD4570C}"/>
               </a:ext>
             </a:extLst>
           </p:cNvPr>
@@ -28965,7 +28965,7 @@
           <p:cNvPr id="5" name="Datumsplatzhalter 4">
             <a:extLst>
               <a:ext uri="{FF2B5EF4-FFF2-40B4-BE49-F238E27FC236}">
-                <a16:creationId xmlns="" xmlns:a16="http://schemas.microsoft.com/office/drawing/2014/main" id="{D1D6952B-45CB-46FF-9F9B-1F98CC255417}"/>
+                <a16:creationId xmlns:a16="http://schemas.microsoft.com/office/drawing/2014/main" xmlns="" id="{D1D6952B-45CB-46FF-9F9B-1F98CC255417}"/>
               </a:ext>
             </a:extLst>
           </p:cNvPr>
@@ -28995,7 +28995,7 @@
           <p:cNvPr id="7" name="Fußzeilenplatzhalter 6">
             <a:extLst>
               <a:ext uri="{FF2B5EF4-FFF2-40B4-BE49-F238E27FC236}">
-                <a16:creationId xmlns="" xmlns:a16="http://schemas.microsoft.com/office/drawing/2014/main" id="{3C08D0C6-0E40-46E2-9D6C-74181D953DFE}"/>
+                <a16:creationId xmlns:a16="http://schemas.microsoft.com/office/drawing/2014/main" xmlns="" id="{3C08D0C6-0E40-46E2-9D6C-74181D953DFE}"/>
               </a:ext>
             </a:extLst>
           </p:cNvPr>
@@ -29020,7 +29020,7 @@
           <p:cNvPr id="8" name="Foliennummernplatzhalter 7">
             <a:extLst>
               <a:ext uri="{FF2B5EF4-FFF2-40B4-BE49-F238E27FC236}">
-                <a16:creationId xmlns="" xmlns:a16="http://schemas.microsoft.com/office/drawing/2014/main" id="{EA500A2A-E0AD-4AD6-AB58-61BF900F0E2C}"/>
+                <a16:creationId xmlns:a16="http://schemas.microsoft.com/office/drawing/2014/main" xmlns="" id="{EA500A2A-E0AD-4AD6-AB58-61BF900F0E2C}"/>
               </a:ext>
             </a:extLst>
           </p:cNvPr>
@@ -29124,7 +29124,7 @@
           <p:cNvPr id="5" name="Datumsplatzhalter 4">
             <a:extLst>
               <a:ext uri="{FF2B5EF4-FFF2-40B4-BE49-F238E27FC236}">
-                <a16:creationId xmlns="" xmlns:a16="http://schemas.microsoft.com/office/drawing/2014/main" id="{A181F7F8-D379-4070-8216-3B81228BAEC6}"/>
+                <a16:creationId xmlns:a16="http://schemas.microsoft.com/office/drawing/2014/main" xmlns="" id="{A181F7F8-D379-4070-8216-3B81228BAEC6}"/>
               </a:ext>
             </a:extLst>
           </p:cNvPr>
@@ -29154,7 +29154,7 @@
           <p:cNvPr id="7" name="Fußzeilenplatzhalter 6">
             <a:extLst>
               <a:ext uri="{FF2B5EF4-FFF2-40B4-BE49-F238E27FC236}">
-                <a16:creationId xmlns="" xmlns:a16="http://schemas.microsoft.com/office/drawing/2014/main" id="{D8E0E4FD-5CC1-4D23-A3E8-7DAB1134A4FA}"/>
+                <a16:creationId xmlns:a16="http://schemas.microsoft.com/office/drawing/2014/main" xmlns="" id="{D8E0E4FD-5CC1-4D23-A3E8-7DAB1134A4FA}"/>
               </a:ext>
             </a:extLst>
           </p:cNvPr>
@@ -29179,7 +29179,7 @@
           <p:cNvPr id="8" name="Foliennummernplatzhalter 7">
             <a:extLst>
               <a:ext uri="{FF2B5EF4-FFF2-40B4-BE49-F238E27FC236}">
-                <a16:creationId xmlns="" xmlns:a16="http://schemas.microsoft.com/office/drawing/2014/main" id="{6D72C792-B02A-4A44-BF65-9B261DE5D43D}"/>
+                <a16:creationId xmlns:a16="http://schemas.microsoft.com/office/drawing/2014/main" xmlns="" id="{6D72C792-B02A-4A44-BF65-9B261DE5D43D}"/>
               </a:ext>
             </a:extLst>
           </p:cNvPr>
@@ -29576,7 +29576,7 @@
           <p:cNvPr id="2" name="Datumsplatzhalter 1">
             <a:extLst>
               <a:ext uri="{FF2B5EF4-FFF2-40B4-BE49-F238E27FC236}">
-                <a16:creationId xmlns="" xmlns:a16="http://schemas.microsoft.com/office/drawing/2014/main" id="{B1E6CA30-BA19-47F1-BFEE-B5E43CCEC731}"/>
+                <a16:creationId xmlns:a16="http://schemas.microsoft.com/office/drawing/2014/main" xmlns="" id="{B1E6CA30-BA19-47F1-BFEE-B5E43CCEC731}"/>
               </a:ext>
             </a:extLst>
           </p:cNvPr>
@@ -29606,7 +29606,7 @@
           <p:cNvPr id="14" name="Fußzeilenplatzhalter 13">
             <a:extLst>
               <a:ext uri="{FF2B5EF4-FFF2-40B4-BE49-F238E27FC236}">
-                <a16:creationId xmlns="" xmlns:a16="http://schemas.microsoft.com/office/drawing/2014/main" id="{06236A5B-AF48-4E5C-BD02-27BC73328D88}"/>
+                <a16:creationId xmlns:a16="http://schemas.microsoft.com/office/drawing/2014/main" xmlns="" id="{06236A5B-AF48-4E5C-BD02-27BC73328D88}"/>
               </a:ext>
             </a:extLst>
           </p:cNvPr>
@@ -29631,7 +29631,7 @@
           <p:cNvPr id="15" name="Foliennummernplatzhalter 14">
             <a:extLst>
               <a:ext uri="{FF2B5EF4-FFF2-40B4-BE49-F238E27FC236}">
-                <a16:creationId xmlns="" xmlns:a16="http://schemas.microsoft.com/office/drawing/2014/main" id="{6C539E6F-C163-4DFD-A93D-F463843C6D4E}"/>
+                <a16:creationId xmlns:a16="http://schemas.microsoft.com/office/drawing/2014/main" xmlns="" id="{6C539E6F-C163-4DFD-A93D-F463843C6D4E}"/>
               </a:ext>
             </a:extLst>
           </p:cNvPr>
@@ -29947,7 +29947,7 @@
           <p:cNvPr id="7" name="Datumsplatzhalter 6">
             <a:extLst>
               <a:ext uri="{FF2B5EF4-FFF2-40B4-BE49-F238E27FC236}">
-                <a16:creationId xmlns="" xmlns:a16="http://schemas.microsoft.com/office/drawing/2014/main" id="{E9F2D5EB-EB07-4AC4-94D4-FA6BD7E87398}"/>
+                <a16:creationId xmlns:a16="http://schemas.microsoft.com/office/drawing/2014/main" xmlns="" id="{E9F2D5EB-EB07-4AC4-94D4-FA6BD7E87398}"/>
               </a:ext>
             </a:extLst>
           </p:cNvPr>
@@ -29977,7 +29977,7 @@
           <p:cNvPr id="8" name="Fußzeilenplatzhalter 7">
             <a:extLst>
               <a:ext uri="{FF2B5EF4-FFF2-40B4-BE49-F238E27FC236}">
-                <a16:creationId xmlns="" xmlns:a16="http://schemas.microsoft.com/office/drawing/2014/main" id="{947F1BF2-5B5A-4E3F-9A69-A7FC06CEE6DA}"/>
+                <a16:creationId xmlns:a16="http://schemas.microsoft.com/office/drawing/2014/main" xmlns="" id="{947F1BF2-5B5A-4E3F-9A69-A7FC06CEE6DA}"/>
               </a:ext>
             </a:extLst>
           </p:cNvPr>
@@ -30002,7 +30002,7 @@
           <p:cNvPr id="9" name="Foliennummernplatzhalter 8">
             <a:extLst>
               <a:ext uri="{FF2B5EF4-FFF2-40B4-BE49-F238E27FC236}">
-                <a16:creationId xmlns="" xmlns:a16="http://schemas.microsoft.com/office/drawing/2014/main" id="{B0D6E36A-E68C-4CFF-A1B3-ADE80884E18E}"/>
+                <a16:creationId xmlns:a16="http://schemas.microsoft.com/office/drawing/2014/main" xmlns="" id="{B0D6E36A-E68C-4CFF-A1B3-ADE80884E18E}"/>
               </a:ext>
             </a:extLst>
           </p:cNvPr>
@@ -30093,7 +30093,7 @@
           <a:noFill/>
           <a:extLst>
             <a:ext uri="{909E8E84-426E-40dd-AFC4-6F175D3DCCD1}">
-              <a14:hiddenFill xmlns="" xmlns:a14="http://schemas.microsoft.com/office/drawing/2010/main">
+              <a14:hiddenFill xmlns:a14="http://schemas.microsoft.com/office/drawing/2010/main" xmlns="">
                 <a:solidFill>
                   <a:srgbClr val="FFFFFF"/>
                 </a:solidFill>
@@ -30173,7 +30173,7 @@
           <a:noFill/>
           <a:extLst>
             <a:ext uri="{909E8E84-426E-40dd-AFC4-6F175D3DCCD1}">
-              <a14:hiddenFill xmlns="" xmlns:a14="http://schemas.microsoft.com/office/drawing/2010/main">
+              <a14:hiddenFill xmlns:a14="http://schemas.microsoft.com/office/drawing/2010/main" xmlns="">
                 <a:solidFill>
                   <a:srgbClr val="FFFFFF"/>
                 </a:solidFill>
@@ -30476,7 +30476,7 @@
           <p:cNvPr id="5" name="Datumsplatzhalter 4">
             <a:extLst>
               <a:ext uri="{FF2B5EF4-FFF2-40B4-BE49-F238E27FC236}">
-                <a16:creationId xmlns="" xmlns:a16="http://schemas.microsoft.com/office/drawing/2014/main" id="{368DD9D8-7FE8-48F0-AE91-AE98EA3DCA20}"/>
+                <a16:creationId xmlns:a16="http://schemas.microsoft.com/office/drawing/2014/main" xmlns="" id="{368DD9D8-7FE8-48F0-AE91-AE98EA3DCA20}"/>
               </a:ext>
             </a:extLst>
           </p:cNvPr>
@@ -30506,7 +30506,7 @@
           <p:cNvPr id="7" name="Fußzeilenplatzhalter 6">
             <a:extLst>
               <a:ext uri="{FF2B5EF4-FFF2-40B4-BE49-F238E27FC236}">
-                <a16:creationId xmlns="" xmlns:a16="http://schemas.microsoft.com/office/drawing/2014/main" id="{DD743ADB-89F1-48B5-A397-7FB83734730F}"/>
+                <a16:creationId xmlns:a16="http://schemas.microsoft.com/office/drawing/2014/main" xmlns="" id="{DD743ADB-89F1-48B5-A397-7FB83734730F}"/>
               </a:ext>
             </a:extLst>
           </p:cNvPr>
@@ -30531,7 +30531,7 @@
           <p:cNvPr id="8" name="Foliennummernplatzhalter 7">
             <a:extLst>
               <a:ext uri="{FF2B5EF4-FFF2-40B4-BE49-F238E27FC236}">
-                <a16:creationId xmlns="" xmlns:a16="http://schemas.microsoft.com/office/drawing/2014/main" id="{E9AACC46-EA1E-4E6F-8F9D-AC4B57F09904}"/>
+                <a16:creationId xmlns:a16="http://schemas.microsoft.com/office/drawing/2014/main" xmlns="" id="{E9AACC46-EA1E-4E6F-8F9D-AC4B57F09904}"/>
               </a:ext>
             </a:extLst>
           </p:cNvPr>
@@ -30838,7 +30838,7 @@
           <p:cNvPr id="6" name="Datumsplatzhalter 5">
             <a:extLst>
               <a:ext uri="{FF2B5EF4-FFF2-40B4-BE49-F238E27FC236}">
-                <a16:creationId xmlns="" xmlns:a16="http://schemas.microsoft.com/office/drawing/2014/main" id="{39EC82D5-F468-46F1-8BE2-F62E4D04C5CD}"/>
+                <a16:creationId xmlns:a16="http://schemas.microsoft.com/office/drawing/2014/main" xmlns="" id="{39EC82D5-F468-46F1-8BE2-F62E4D04C5CD}"/>
               </a:ext>
             </a:extLst>
           </p:cNvPr>
@@ -30868,7 +30868,7 @@
           <p:cNvPr id="7" name="Fußzeilenplatzhalter 6">
             <a:extLst>
               <a:ext uri="{FF2B5EF4-FFF2-40B4-BE49-F238E27FC236}">
-                <a16:creationId xmlns="" xmlns:a16="http://schemas.microsoft.com/office/drawing/2014/main" id="{32A29AE2-1FA8-458C-9BDD-E35CA69A9340}"/>
+                <a16:creationId xmlns:a16="http://schemas.microsoft.com/office/drawing/2014/main" xmlns="" id="{32A29AE2-1FA8-458C-9BDD-E35CA69A9340}"/>
               </a:ext>
             </a:extLst>
           </p:cNvPr>
@@ -30893,7 +30893,7 @@
           <p:cNvPr id="8" name="Foliennummernplatzhalter 7">
             <a:extLst>
               <a:ext uri="{FF2B5EF4-FFF2-40B4-BE49-F238E27FC236}">
-                <a16:creationId xmlns="" xmlns:a16="http://schemas.microsoft.com/office/drawing/2014/main" id="{DC4135BE-88E8-4C4B-B3FF-FC61855E0C9F}"/>
+                <a16:creationId xmlns:a16="http://schemas.microsoft.com/office/drawing/2014/main" xmlns="" id="{DC4135BE-88E8-4C4B-B3FF-FC61855E0C9F}"/>
               </a:ext>
             </a:extLst>
           </p:cNvPr>
@@ -31204,7 +31204,7 @@
           <p:cNvPr id="5" name="Datumsplatzhalter 4">
             <a:extLst>
               <a:ext uri="{FF2B5EF4-FFF2-40B4-BE49-F238E27FC236}">
-                <a16:creationId xmlns="" xmlns:a16="http://schemas.microsoft.com/office/drawing/2014/main" id="{42621BA8-D298-4AAA-B27E-2D5702596736}"/>
+                <a16:creationId xmlns:a16="http://schemas.microsoft.com/office/drawing/2014/main" xmlns="" id="{42621BA8-D298-4AAA-B27E-2D5702596736}"/>
               </a:ext>
             </a:extLst>
           </p:cNvPr>
@@ -31234,7 +31234,7 @@
           <p:cNvPr id="6" name="Fußzeilenplatzhalter 5">
             <a:extLst>
               <a:ext uri="{FF2B5EF4-FFF2-40B4-BE49-F238E27FC236}">
-                <a16:creationId xmlns="" xmlns:a16="http://schemas.microsoft.com/office/drawing/2014/main" id="{59687A69-8E9C-4168-AA2A-7D487587D19D}"/>
+                <a16:creationId xmlns:a16="http://schemas.microsoft.com/office/drawing/2014/main" xmlns="" id="{59687A69-8E9C-4168-AA2A-7D487587D19D}"/>
               </a:ext>
             </a:extLst>
           </p:cNvPr>
@@ -31259,7 +31259,7 @@
           <p:cNvPr id="7" name="Foliennummernplatzhalter 6">
             <a:extLst>
               <a:ext uri="{FF2B5EF4-FFF2-40B4-BE49-F238E27FC236}">
-                <a16:creationId xmlns="" xmlns:a16="http://schemas.microsoft.com/office/drawing/2014/main" id="{536244A4-4C24-4CD2-82E9-C547A6F8C84B}"/>
+                <a16:creationId xmlns:a16="http://schemas.microsoft.com/office/drawing/2014/main" xmlns="" id="{536244A4-4C24-4CD2-82E9-C547A6F8C84B}"/>
               </a:ext>
             </a:extLst>
           </p:cNvPr>
@@ -31563,7 +31563,7 @@
           <p:cNvPr id="6" name="Datumsplatzhalter 5">
             <a:extLst>
               <a:ext uri="{FF2B5EF4-FFF2-40B4-BE49-F238E27FC236}">
-                <a16:creationId xmlns="" xmlns:a16="http://schemas.microsoft.com/office/drawing/2014/main" id="{BF6F2AC7-7673-45B2-B727-C8AE32F0AB56}"/>
+                <a16:creationId xmlns:a16="http://schemas.microsoft.com/office/drawing/2014/main" xmlns="" id="{BF6F2AC7-7673-45B2-B727-C8AE32F0AB56}"/>
               </a:ext>
             </a:extLst>
           </p:cNvPr>
@@ -31593,7 +31593,7 @@
           <p:cNvPr id="7" name="Fußzeilenplatzhalter 6">
             <a:extLst>
               <a:ext uri="{FF2B5EF4-FFF2-40B4-BE49-F238E27FC236}">
-                <a16:creationId xmlns="" xmlns:a16="http://schemas.microsoft.com/office/drawing/2014/main" id="{92A772BA-DCE7-4C4E-83BA-CF4FFCC183EE}"/>
+                <a16:creationId xmlns:a16="http://schemas.microsoft.com/office/drawing/2014/main" xmlns="" id="{92A772BA-DCE7-4C4E-83BA-CF4FFCC183EE}"/>
               </a:ext>
             </a:extLst>
           </p:cNvPr>
@@ -31618,7 +31618,7 @@
           <p:cNvPr id="8" name="Foliennummernplatzhalter 7">
             <a:extLst>
               <a:ext uri="{FF2B5EF4-FFF2-40B4-BE49-F238E27FC236}">
-                <a16:creationId xmlns="" xmlns:a16="http://schemas.microsoft.com/office/drawing/2014/main" id="{E51D4D1D-A3D0-476F-93F4-F41207D05396}"/>
+                <a16:creationId xmlns:a16="http://schemas.microsoft.com/office/drawing/2014/main" xmlns="" id="{E51D4D1D-A3D0-476F-93F4-F41207D05396}"/>
               </a:ext>
             </a:extLst>
           </p:cNvPr>
@@ -31918,7 +31918,7 @@
           <p:cNvPr id="4" name="Datumsplatzhalter 3">
             <a:extLst>
               <a:ext uri="{FF2B5EF4-FFF2-40B4-BE49-F238E27FC236}">
-                <a16:creationId xmlns="" xmlns:a16="http://schemas.microsoft.com/office/drawing/2014/main" id="{37D39D12-6498-4172-8CA5-163DBEBBD0CB}"/>
+                <a16:creationId xmlns:a16="http://schemas.microsoft.com/office/drawing/2014/main" xmlns="" id="{37D39D12-6498-4172-8CA5-163DBEBBD0CB}"/>
               </a:ext>
             </a:extLst>
           </p:cNvPr>
@@ -31948,7 +31948,7 @@
           <p:cNvPr id="7" name="Fußzeilenplatzhalter 6">
             <a:extLst>
               <a:ext uri="{FF2B5EF4-FFF2-40B4-BE49-F238E27FC236}">
-                <a16:creationId xmlns="" xmlns:a16="http://schemas.microsoft.com/office/drawing/2014/main" id="{F310451D-2AF2-4222-AA5C-04DDCF6CA55F}"/>
+                <a16:creationId xmlns:a16="http://schemas.microsoft.com/office/drawing/2014/main" xmlns="" id="{F310451D-2AF2-4222-AA5C-04DDCF6CA55F}"/>
               </a:ext>
             </a:extLst>
           </p:cNvPr>
@@ -31973,7 +31973,7 @@
           <p:cNvPr id="8" name="Foliennummernplatzhalter 7">
             <a:extLst>
               <a:ext uri="{FF2B5EF4-FFF2-40B4-BE49-F238E27FC236}">
-                <a16:creationId xmlns="" xmlns:a16="http://schemas.microsoft.com/office/drawing/2014/main" id="{8546ADD4-A434-4A15-B639-BB0897136588}"/>
+                <a16:creationId xmlns:a16="http://schemas.microsoft.com/office/drawing/2014/main" xmlns="" id="{8546ADD4-A434-4A15-B639-BB0897136588}"/>
               </a:ext>
             </a:extLst>
           </p:cNvPr>
@@ -32212,7 +32212,7 @@
           <p:cNvPr id="2" name="Datumsplatzhalter 1">
             <a:extLst>
               <a:ext uri="{FF2B5EF4-FFF2-40B4-BE49-F238E27FC236}">
-                <a16:creationId xmlns="" xmlns:a16="http://schemas.microsoft.com/office/drawing/2014/main" id="{A19FBC2B-4138-47A7-96C3-6075667C774D}"/>
+                <a16:creationId xmlns:a16="http://schemas.microsoft.com/office/drawing/2014/main" xmlns="" id="{A19FBC2B-4138-47A7-96C3-6075667C774D}"/>
               </a:ext>
             </a:extLst>
           </p:cNvPr>
@@ -32242,7 +32242,7 @@
           <p:cNvPr id="8" name="Fußzeilenplatzhalter 7">
             <a:extLst>
               <a:ext uri="{FF2B5EF4-FFF2-40B4-BE49-F238E27FC236}">
-                <a16:creationId xmlns="" xmlns:a16="http://schemas.microsoft.com/office/drawing/2014/main" id="{193B0760-28CB-4559-9AEF-4866F2FCE0E4}"/>
+                <a16:creationId xmlns:a16="http://schemas.microsoft.com/office/drawing/2014/main" xmlns="" id="{193B0760-28CB-4559-9AEF-4866F2FCE0E4}"/>
               </a:ext>
             </a:extLst>
           </p:cNvPr>
@@ -32267,7 +32267,7 @@
           <p:cNvPr id="11" name="Foliennummernplatzhalter 10">
             <a:extLst>
               <a:ext uri="{FF2B5EF4-FFF2-40B4-BE49-F238E27FC236}">
-                <a16:creationId xmlns="" xmlns:a16="http://schemas.microsoft.com/office/drawing/2014/main" id="{A263DBAA-5BAE-421E-BCAE-39992A39B610}"/>
+                <a16:creationId xmlns:a16="http://schemas.microsoft.com/office/drawing/2014/main" xmlns="" id="{A263DBAA-5BAE-421E-BCAE-39992A39B610}"/>
               </a:ext>
             </a:extLst>
           </p:cNvPr>
@@ -33173,7 +33173,7 @@
           <p:cNvPr id="11" name="Titel 1">
             <a:extLst>
               <a:ext uri="{FF2B5EF4-FFF2-40B4-BE49-F238E27FC236}">
-                <a16:creationId xmlns="" xmlns:a16="http://schemas.microsoft.com/office/drawing/2014/main" id="{251058B0-31BE-410A-BE50-41D5389B0AAB}"/>
+                <a16:creationId xmlns:a16="http://schemas.microsoft.com/office/drawing/2014/main" xmlns="" id="{251058B0-31BE-410A-BE50-41D5389B0AAB}"/>
               </a:ext>
             </a:extLst>
           </p:cNvPr>
@@ -34638,7 +34638,7 @@
           <p:cNvPr id="2" name="Textplatzhalter 1">
             <a:extLst>
               <a:ext uri="{FF2B5EF4-FFF2-40B4-BE49-F238E27FC236}">
-                <a16:creationId xmlns="" xmlns:a16="http://schemas.microsoft.com/office/drawing/2014/main" id="{45003885-0277-4A8A-9B32-2C0872306E13}"/>
+                <a16:creationId xmlns:a16="http://schemas.microsoft.com/office/drawing/2014/main" xmlns="" id="{45003885-0277-4A8A-9B32-2C0872306E13}"/>
               </a:ext>
             </a:extLst>
           </p:cNvPr>
@@ -34678,7 +34678,7 @@
           <p:cNvPr id="3" name="Titel 2">
             <a:extLst>
               <a:ext uri="{FF2B5EF4-FFF2-40B4-BE49-F238E27FC236}">
-                <a16:creationId xmlns="" xmlns:a16="http://schemas.microsoft.com/office/drawing/2014/main" id="{EA92ABC8-8A1F-45BA-8C5F-D5DEF58C8920}"/>
+                <a16:creationId xmlns:a16="http://schemas.microsoft.com/office/drawing/2014/main" xmlns="" id="{EA92ABC8-8A1F-45BA-8C5F-D5DEF58C8920}"/>
               </a:ext>
             </a:extLst>
           </p:cNvPr>
@@ -36479,8 +36479,8 @@
         </p:blipFill>
         <p:spPr bwMode="auto">
           <a:xfrm>
-            <a:off x="5026622" y="1226969"/>
-            <a:ext cx="7622577" cy="5392906"/>
+            <a:off x="5530467" y="1583434"/>
+            <a:ext cx="7118732" cy="5036440"/>
           </a:xfrm>
           <a:prstGeom prst="rect">
             <a:avLst/>
@@ -36550,20 +36550,21 @@
           <a:p>
             <a:r>
               <a:rPr lang="de-DE" dirty="0" smtClean="0"/>
-              <a:t>Twitter: </a:t>
-            </a:r>
-            <a:r>
-              <a:rPr lang="mr-IN" dirty="0" smtClean="0"/>
-              <a:t>…</a:t>
+              <a:t>Twitter</a:t>
             </a:r>
             <a:endParaRPr lang="de-DE" dirty="0" smtClean="0"/>
           </a:p>
           <a:p>
-            <a:r>
-              <a:rPr lang="mr-IN" dirty="0" smtClean="0"/>
-              <a:t>…</a:t>
-            </a:r>
-            <a:endParaRPr lang="de-DE" smtClean="0"/>
+            <a:pPr lvl="1"/>
+            <a:r>
+              <a:rPr lang="de-DE" dirty="0" smtClean="0"/>
+              <a:t>@</a:t>
+            </a:r>
+            <a:r>
+              <a:rPr lang="de-DE" dirty="0" err="1" smtClean="0"/>
+              <a:t>SCC_at_DATEV</a:t>
+            </a:r>
+            <a:endParaRPr lang="de-DE" dirty="0" smtClean="0"/>
           </a:p>
           <a:p>
             <a:endParaRPr lang="de-DE" dirty="0" smtClean="0"/>
@@ -36583,55 +36584,20 @@
             </a:r>
           </a:p>
           <a:p>
-            <a:r>
-              <a:rPr lang="de-DE" dirty="0"/>
-              <a:t> </a:t>
+            <a:pPr lvl="1"/>
+            <a:r>
+              <a:rPr lang="de-DE" dirty="0" smtClean="0">
+                <a:hlinkClick r:id="rId3"/>
+              </a:rPr>
+              <a:t>https</a:t>
             </a:r>
             <a:r>
               <a:rPr lang="de-DE" dirty="0">
                 <a:hlinkClick r:id="rId3"/>
               </a:rPr>
-              <a:t>https://ti.to/gdcr-nuernberg/2017</a:t>
+              <a:t>://ti.to/gdcr-nuernberg/2017</a:t>
             </a:r>
             <a:endParaRPr lang="de-DE" dirty="0"/>
-          </a:p>
-        </p:txBody>
-      </p:sp>
-      <p:sp>
-        <p:nvSpPr>
-          <p:cNvPr id="10" name="Textplatzhalter 9"/>
-          <p:cNvSpPr>
-            <a:spLocks noGrp="1"/>
-          </p:cNvSpPr>
-          <p:nvPr>
-            <p:ph type="body" sz="quarter" idx="34"/>
-          </p:nvPr>
-        </p:nvSpPr>
-        <p:spPr/>
-        <p:txBody>
-          <a:bodyPr/>
-          <a:lstStyle/>
-          <a:p>
-            <a:endParaRPr lang="de-DE"/>
-          </a:p>
-        </p:txBody>
-      </p:sp>
-      <p:sp>
-        <p:nvSpPr>
-          <p:cNvPr id="11" name="Textplatzhalter 10"/>
-          <p:cNvSpPr>
-            <a:spLocks noGrp="1"/>
-          </p:cNvSpPr>
-          <p:nvPr>
-            <p:ph type="body" sz="quarter" idx="35"/>
-          </p:nvPr>
-        </p:nvSpPr>
-        <p:spPr/>
-        <p:txBody>
-          <a:bodyPr/>
-          <a:lstStyle/>
-          <a:p>
-            <a:endParaRPr lang="de-DE"/>
           </a:p>
         </p:txBody>
       </p:sp>
@@ -39668,45 +39634,6 @@
               </a:rPr>
               <a:t>Link</a:t>
             </a:r>
-            <a:endParaRPr lang="de-DE" dirty="0" smtClean="0"/>
-          </a:p>
-          <a:p>
-            <a:pPr>
-              <a:lnSpc>
-                <a:spcPct val="150000"/>
-              </a:lnSpc>
-            </a:pPr>
-            <a:r>
-              <a:rPr lang="de-DE" dirty="0" smtClean="0"/>
-              <a:t>Software </a:t>
-            </a:r>
-            <a:r>
-              <a:rPr lang="de-DE" dirty="0" err="1" smtClean="0"/>
-              <a:t>Craftsmanship</a:t>
-            </a:r>
-            <a:r>
-              <a:rPr lang="de-DE" dirty="0"/>
-              <a:t> Community (</a:t>
-            </a:r>
-            <a:r>
-              <a:rPr lang="de-DE" dirty="0">
-                <a:hlinkClick r:id="rId4"/>
-              </a:rPr>
-              <a:t>https://</a:t>
-            </a:r>
-            <a:r>
-              <a:rPr lang="de-DE" dirty="0" smtClean="0">
-                <a:hlinkClick r:id="rId4"/>
-              </a:rPr>
-              <a:t>ti.to/gdcr-nuernberg/2017)</a:t>
-            </a:r>
-            <a:r>
-              <a:rPr lang="de-DE" dirty="0" smtClean="0"/>
-              <a:t> </a:t>
-            </a:r>
-            <a:endParaRPr lang="de-DE" dirty="0"/>
-          </a:p>
-          <a:p>
             <a:endParaRPr lang="de-DE" dirty="0"/>
           </a:p>
         </p:txBody>
@@ -39716,7 +39643,7 @@
           <p:cNvPr id="5" name="Datumsplatzhalter 4">
             <a:extLst>
               <a:ext uri="{FF2B5EF4-FFF2-40B4-BE49-F238E27FC236}">
-                <a16:creationId xmlns="" xmlns:a16="http://schemas.microsoft.com/office/drawing/2014/main" id="{D471591C-E430-45E7-A587-2CEC0AF88DA0}"/>
+                <a16:creationId xmlns:a16="http://schemas.microsoft.com/office/drawing/2014/main" xmlns="" id="{D471591C-E430-45E7-A587-2CEC0AF88DA0}"/>
               </a:ext>
             </a:extLst>
           </p:cNvPr>
@@ -39745,7 +39672,7 @@
           <p:cNvPr id="6" name="Fußzeilenplatzhalter 5">
             <a:extLst>
               <a:ext uri="{FF2B5EF4-FFF2-40B4-BE49-F238E27FC236}">
-                <a16:creationId xmlns="" xmlns:a16="http://schemas.microsoft.com/office/drawing/2014/main" id="{B488671B-A101-43AC-84F6-1F2F8515424C}"/>
+                <a16:creationId xmlns:a16="http://schemas.microsoft.com/office/drawing/2014/main" xmlns="" id="{B488671B-A101-43AC-84F6-1F2F8515424C}"/>
               </a:ext>
             </a:extLst>
           </p:cNvPr>
@@ -39770,7 +39697,7 @@
           <p:cNvPr id="7" name="Foliennummernplatzhalter 6">
             <a:extLst>
               <a:ext uri="{FF2B5EF4-FFF2-40B4-BE49-F238E27FC236}">
-                <a16:creationId xmlns="" xmlns:a16="http://schemas.microsoft.com/office/drawing/2014/main" id="{8E977D85-C22B-4016-AC2C-F3FDCE1BCBEB}"/>
+                <a16:creationId xmlns:a16="http://schemas.microsoft.com/office/drawing/2014/main" xmlns="" id="{8E977D85-C22B-4016-AC2C-F3FDCE1BCBEB}"/>
               </a:ext>
             </a:extLst>
           </p:cNvPr>

--- a/docs/Angular-Workshop-20.10.pptx
+++ b/docs/Angular-Workshop-20.10.pptx
@@ -19,8 +19,8 @@
     <p:sldId id="259" r:id="rId7"/>
     <p:sldId id="262" r:id="rId8"/>
     <p:sldId id="287" r:id="rId9"/>
-    <p:sldId id="268" r:id="rId10"/>
-    <p:sldId id="282" r:id="rId11"/>
+    <p:sldId id="282" r:id="rId10"/>
+    <p:sldId id="268" r:id="rId11"/>
     <p:sldId id="280" r:id="rId12"/>
     <p:sldId id="281" r:id="rId13"/>
     <p:sldId id="267" r:id="rId14"/>
@@ -4698,10 +4698,9 @@
         <a:lstStyle/>
         <a:p>
           <a:r>
-            <a:rPr lang="de-DE" dirty="0" smtClean="0"/>
+            <a:rPr lang="de-DE" dirty="0"/>
             <a:t>Erstellen der Anwendung</a:t>
           </a:r>
-          <a:endParaRPr lang="de-DE" dirty="0"/>
         </a:p>
       </dgm:t>
     </dgm:pt>
@@ -4735,10 +4734,9 @@
         <a:lstStyle/>
         <a:p>
           <a:r>
-            <a:rPr lang="de-DE" dirty="0" smtClean="0"/>
+            <a:rPr lang="de-DE" dirty="0"/>
             <a:t>Kennenlernen</a:t>
           </a:r>
-          <a:endParaRPr lang="de-DE" dirty="0"/>
         </a:p>
       </dgm:t>
     </dgm:pt>
@@ -4772,10 +4770,9 @@
         <a:lstStyle/>
         <a:p>
           <a:r>
-            <a:rPr lang="de-DE" dirty="0" smtClean="0"/>
+            <a:rPr lang="de-DE" dirty="0"/>
             <a:t>Erste Anpassungen</a:t>
           </a:r>
-          <a:endParaRPr lang="de-DE" dirty="0"/>
         </a:p>
       </dgm:t>
     </dgm:pt>
@@ -4817,35 +4814,14 @@
         </dgm:presLayoutVars>
       </dgm:prSet>
       <dgm:spPr/>
-      <dgm:t>
-        <a:bodyPr/>
-        <a:lstStyle/>
-        <a:p>
-          <a:endParaRPr lang="de-DE"/>
-        </a:p>
-      </dgm:t>
     </dgm:pt>
     <dgm:pt modelId="{30EAC814-8F64-D74A-9EBA-0CBC6BE058AA}" type="pres">
       <dgm:prSet presAssocID="{EE7B1B78-2CB7-C647-875E-937A240D7736}" presName="sibTrans" presStyleLbl="sibTrans2D1" presStyleIdx="0" presStyleCnt="2"/>
       <dgm:spPr/>
-      <dgm:t>
-        <a:bodyPr/>
-        <a:lstStyle/>
-        <a:p>
-          <a:endParaRPr lang="de-DE"/>
-        </a:p>
-      </dgm:t>
     </dgm:pt>
     <dgm:pt modelId="{26BA574D-A9C9-D847-8AAF-A8F48018C2C1}" type="pres">
       <dgm:prSet presAssocID="{EE7B1B78-2CB7-C647-875E-937A240D7736}" presName="connectorText" presStyleLbl="sibTrans2D1" presStyleIdx="0" presStyleCnt="2"/>
       <dgm:spPr/>
-      <dgm:t>
-        <a:bodyPr/>
-        <a:lstStyle/>
-        <a:p>
-          <a:endParaRPr lang="de-DE"/>
-        </a:p>
-      </dgm:t>
     </dgm:pt>
     <dgm:pt modelId="{942B2FD4-F953-1241-B452-E01505D35646}" type="pres">
       <dgm:prSet presAssocID="{9F5FBEB5-0D91-6442-BAE6-3C8FE451890E}" presName="node" presStyleLbl="node1" presStyleIdx="1" presStyleCnt="3">
@@ -4854,35 +4830,14 @@
         </dgm:presLayoutVars>
       </dgm:prSet>
       <dgm:spPr/>
-      <dgm:t>
-        <a:bodyPr/>
-        <a:lstStyle/>
-        <a:p>
-          <a:endParaRPr lang="de-DE"/>
-        </a:p>
-      </dgm:t>
     </dgm:pt>
     <dgm:pt modelId="{61D01FBA-AE9A-8140-B034-5E107AF8B06D}" type="pres">
       <dgm:prSet presAssocID="{D96BFFC3-C37B-F740-8CDD-799CDA9C29AF}" presName="sibTrans" presStyleLbl="sibTrans2D1" presStyleIdx="1" presStyleCnt="2"/>
       <dgm:spPr/>
-      <dgm:t>
-        <a:bodyPr/>
-        <a:lstStyle/>
-        <a:p>
-          <a:endParaRPr lang="de-DE"/>
-        </a:p>
-      </dgm:t>
     </dgm:pt>
     <dgm:pt modelId="{36003D2E-E2F1-4C4D-80A6-3A3280BC15B9}" type="pres">
       <dgm:prSet presAssocID="{D96BFFC3-C37B-F740-8CDD-799CDA9C29AF}" presName="connectorText" presStyleLbl="sibTrans2D1" presStyleIdx="1" presStyleCnt="2"/>
       <dgm:spPr/>
-      <dgm:t>
-        <a:bodyPr/>
-        <a:lstStyle/>
-        <a:p>
-          <a:endParaRPr lang="de-DE"/>
-        </a:p>
-      </dgm:t>
     </dgm:pt>
     <dgm:pt modelId="{48E1AD6C-04E3-5047-8B6E-169C4DE6C0BD}" type="pres">
       <dgm:prSet presAssocID="{54AAB197-8266-0B4E-83D2-C0A636856F54}" presName="node" presStyleLbl="node1" presStyleIdx="2" presStyleCnt="3">
@@ -4891,27 +4846,20 @@
         </dgm:presLayoutVars>
       </dgm:prSet>
       <dgm:spPr/>
-      <dgm:t>
-        <a:bodyPr/>
-        <a:lstStyle/>
-        <a:p>
-          <a:endParaRPr lang="de-DE"/>
-        </a:p>
-      </dgm:t>
     </dgm:pt>
   </dgm:ptLst>
   <dgm:cxnLst>
-    <dgm:cxn modelId="{2BCEAEFF-A9FB-5C48-85FF-B123F8BCA8D1}" srcId="{82BD223D-4D97-664B-8FA2-F811E68132B9}" destId="{54AAB197-8266-0B4E-83D2-C0A636856F54}" srcOrd="2" destOrd="0" parTransId="{5B1EBB87-FA02-2E4E-9C97-ED4DD0AE3921}" sibTransId="{EE6869A3-EE4E-D54B-B05E-1DD13DD15896}"/>
-    <dgm:cxn modelId="{E9D68197-C1CA-8B49-8D4D-676507B04581}" type="presOf" srcId="{D96BFFC3-C37B-F740-8CDD-799CDA9C29AF}" destId="{61D01FBA-AE9A-8140-B034-5E107AF8B06D}" srcOrd="0" destOrd="0" presId="urn:microsoft.com/office/officeart/2005/8/layout/process1"/>
-    <dgm:cxn modelId="{E198D6D4-91AD-F643-8652-6843F8F235B1}" srcId="{82BD223D-4D97-664B-8FA2-F811E68132B9}" destId="{9E409708-FC7B-604D-AE00-C59A3BC6C774}" srcOrd="0" destOrd="0" parTransId="{AF54B174-D1EC-FF4E-9C8F-E68F41ABE717}" sibTransId="{EE7B1B78-2CB7-C647-875E-937A240D7736}"/>
+    <dgm:cxn modelId="{9AD13F03-FA98-2546-A1F6-086D6D749FC5}" srcId="{82BD223D-4D97-664B-8FA2-F811E68132B9}" destId="{9F5FBEB5-0D91-6442-BAE6-3C8FE451890E}" srcOrd="1" destOrd="0" parTransId="{44185C10-A566-584D-8792-6F8CDA31CFEF}" sibTransId="{D96BFFC3-C37B-F740-8CDD-799CDA9C29AF}"/>
+    <dgm:cxn modelId="{204D2F3A-2AAF-5543-9E98-BBE69FD4AAAD}" type="presOf" srcId="{EE7B1B78-2CB7-C647-875E-937A240D7736}" destId="{26BA574D-A9C9-D847-8AAF-A8F48018C2C1}" srcOrd="1" destOrd="0" presId="urn:microsoft.com/office/officeart/2005/8/layout/process1"/>
     <dgm:cxn modelId="{EEE44545-27AE-DB46-8FAC-C89225478C81}" type="presOf" srcId="{82BD223D-4D97-664B-8FA2-F811E68132B9}" destId="{5C4E5A0B-1B12-EC4C-BCB7-F3E190AFE040}" srcOrd="0" destOrd="0" presId="urn:microsoft.com/office/officeart/2005/8/layout/process1"/>
     <dgm:cxn modelId="{26D22B50-1593-D448-A022-672B7A73BE42}" type="presOf" srcId="{D96BFFC3-C37B-F740-8CDD-799CDA9C29AF}" destId="{36003D2E-E2F1-4C4D-80A6-3A3280BC15B9}" srcOrd="1" destOrd="0" presId="urn:microsoft.com/office/officeart/2005/8/layout/process1"/>
-    <dgm:cxn modelId="{204D2F3A-2AAF-5543-9E98-BBE69FD4AAAD}" type="presOf" srcId="{EE7B1B78-2CB7-C647-875E-937A240D7736}" destId="{26BA574D-A9C9-D847-8AAF-A8F48018C2C1}" srcOrd="1" destOrd="0" presId="urn:microsoft.com/office/officeart/2005/8/layout/process1"/>
+    <dgm:cxn modelId="{83288D85-DC7F-8240-8739-38606E06B1EB}" type="presOf" srcId="{9E409708-FC7B-604D-AE00-C59A3BC6C774}" destId="{AC19049A-FF2E-864B-A995-C88CCE14464E}" srcOrd="0" destOrd="0" presId="urn:microsoft.com/office/officeart/2005/8/layout/process1"/>
+    <dgm:cxn modelId="{E9D68197-C1CA-8B49-8D4D-676507B04581}" type="presOf" srcId="{D96BFFC3-C37B-F740-8CDD-799CDA9C29AF}" destId="{61D01FBA-AE9A-8140-B034-5E107AF8B06D}" srcOrd="0" destOrd="0" presId="urn:microsoft.com/office/officeart/2005/8/layout/process1"/>
+    <dgm:cxn modelId="{4CBE26AE-37BC-EB4A-A9FB-CCA57C75737F}" type="presOf" srcId="{9F5FBEB5-0D91-6442-BAE6-3C8FE451890E}" destId="{942B2FD4-F953-1241-B452-E01505D35646}" srcOrd="0" destOrd="0" presId="urn:microsoft.com/office/officeart/2005/8/layout/process1"/>
     <dgm:cxn modelId="{0B5C2FB2-34A3-FD4E-944C-B6AD6041D706}" type="presOf" srcId="{EE7B1B78-2CB7-C647-875E-937A240D7736}" destId="{30EAC814-8F64-D74A-9EBA-0CBC6BE058AA}" srcOrd="0" destOrd="0" presId="urn:microsoft.com/office/officeart/2005/8/layout/process1"/>
+    <dgm:cxn modelId="{E198D6D4-91AD-F643-8652-6843F8F235B1}" srcId="{82BD223D-4D97-664B-8FA2-F811E68132B9}" destId="{9E409708-FC7B-604D-AE00-C59A3BC6C774}" srcOrd="0" destOrd="0" parTransId="{AF54B174-D1EC-FF4E-9C8F-E68F41ABE717}" sibTransId="{EE7B1B78-2CB7-C647-875E-937A240D7736}"/>
     <dgm:cxn modelId="{F0DD8BDB-048F-5445-A773-92BA998E4A49}" type="presOf" srcId="{54AAB197-8266-0B4E-83D2-C0A636856F54}" destId="{48E1AD6C-04E3-5047-8B6E-169C4DE6C0BD}" srcOrd="0" destOrd="0" presId="urn:microsoft.com/office/officeart/2005/8/layout/process1"/>
-    <dgm:cxn modelId="{4CBE26AE-37BC-EB4A-A9FB-CCA57C75737F}" type="presOf" srcId="{9F5FBEB5-0D91-6442-BAE6-3C8FE451890E}" destId="{942B2FD4-F953-1241-B452-E01505D35646}" srcOrd="0" destOrd="0" presId="urn:microsoft.com/office/officeart/2005/8/layout/process1"/>
-    <dgm:cxn modelId="{83288D85-DC7F-8240-8739-38606E06B1EB}" type="presOf" srcId="{9E409708-FC7B-604D-AE00-C59A3BC6C774}" destId="{AC19049A-FF2E-864B-A995-C88CCE14464E}" srcOrd="0" destOrd="0" presId="urn:microsoft.com/office/officeart/2005/8/layout/process1"/>
-    <dgm:cxn modelId="{9AD13F03-FA98-2546-A1F6-086D6D749FC5}" srcId="{82BD223D-4D97-664B-8FA2-F811E68132B9}" destId="{9F5FBEB5-0D91-6442-BAE6-3C8FE451890E}" srcOrd="1" destOrd="0" parTransId="{44185C10-A566-584D-8792-6F8CDA31CFEF}" sibTransId="{D96BFFC3-C37B-F740-8CDD-799CDA9C29AF}"/>
+    <dgm:cxn modelId="{2BCEAEFF-A9FB-5C48-85FF-B123F8BCA8D1}" srcId="{82BD223D-4D97-664B-8FA2-F811E68132B9}" destId="{54AAB197-8266-0B4E-83D2-C0A636856F54}" srcOrd="2" destOrd="0" parTransId="{5B1EBB87-FA02-2E4E-9C97-ED4DD0AE3921}" sibTransId="{EE6869A3-EE4E-D54B-B05E-1DD13DD15896}"/>
     <dgm:cxn modelId="{78543FD6-8257-884F-93D8-C543EE4956F6}" type="presParOf" srcId="{5C4E5A0B-1B12-EC4C-BCB7-F3E190AFE040}" destId="{AC19049A-FF2E-864B-A995-C88CCE14464E}" srcOrd="0" destOrd="0" presId="urn:microsoft.com/office/officeart/2005/8/layout/process1"/>
     <dgm:cxn modelId="{04F4235A-244F-8A46-9CD6-E8510748FBEA}" type="presParOf" srcId="{5C4E5A0B-1B12-EC4C-BCB7-F3E190AFE040}" destId="{30EAC814-8F64-D74A-9EBA-0CBC6BE058AA}" srcOrd="1" destOrd="0" presId="urn:microsoft.com/office/officeart/2005/8/layout/process1"/>
     <dgm:cxn modelId="{B1F1B014-CF98-3544-9AAB-1881CB2B9BAD}" type="presParOf" srcId="{30EAC814-8F64-D74A-9EBA-0CBC6BE058AA}" destId="{26BA574D-A9C9-D847-8AAF-A8F48018C2C1}" srcOrd="0" destOrd="0" presId="urn:microsoft.com/office/officeart/2005/8/layout/process1"/>
@@ -4945,18 +4893,17 @@
         <a:lstStyle/>
         <a:p>
           <a:r>
-            <a:rPr lang="de-DE" dirty="0" smtClean="0"/>
+            <a:rPr lang="de-DE" dirty="0"/>
             <a:t>Erstellen der Komponente „</a:t>
           </a:r>
           <a:r>
-            <a:rPr lang="de-DE" dirty="0" err="1" smtClean="0"/>
+            <a:rPr lang="de-DE" dirty="0" err="1"/>
             <a:t>home</a:t>
           </a:r>
           <a:r>
-            <a:rPr lang="de-DE" dirty="0" smtClean="0"/>
+            <a:rPr lang="de-DE" dirty="0"/>
             <a:t>“</a:t>
           </a:r>
-          <a:endParaRPr lang="de-DE" dirty="0"/>
         </a:p>
       </dgm:t>
     </dgm:pt>
@@ -4990,11 +4937,11 @@
         <a:lstStyle/>
         <a:p>
           <a:r>
-            <a:rPr lang="de-DE" dirty="0" smtClean="0"/>
+            <a:rPr lang="de-DE" dirty="0"/>
             <a:t>Auslagern von HTML nach </a:t>
           </a:r>
           <a:r>
-            <a:rPr lang="de-DE" dirty="0" err="1" smtClean="0"/>
+            <a:rPr lang="de-DE" dirty="0" err="1"/>
             <a:t>home</a:t>
           </a:r>
           <a:endParaRPr lang="de-DE" dirty="0"/>
@@ -5031,10 +4978,9 @@
         <a:lstStyle/>
         <a:p>
           <a:r>
-            <a:rPr lang="de-DE" dirty="0" smtClean="0"/>
+            <a:rPr lang="de-DE" dirty="0"/>
             <a:t>Einbinden in die Anwendung</a:t>
           </a:r>
-          <a:endParaRPr lang="de-DE" dirty="0"/>
         </a:p>
       </dgm:t>
     </dgm:pt>
@@ -5076,35 +5022,14 @@
         </dgm:presLayoutVars>
       </dgm:prSet>
       <dgm:spPr/>
-      <dgm:t>
-        <a:bodyPr/>
-        <a:lstStyle/>
-        <a:p>
-          <a:endParaRPr lang="de-DE"/>
-        </a:p>
-      </dgm:t>
     </dgm:pt>
     <dgm:pt modelId="{30EAC814-8F64-D74A-9EBA-0CBC6BE058AA}" type="pres">
       <dgm:prSet presAssocID="{EE7B1B78-2CB7-C647-875E-937A240D7736}" presName="sibTrans" presStyleLbl="sibTrans2D1" presStyleIdx="0" presStyleCnt="2"/>
       <dgm:spPr/>
-      <dgm:t>
-        <a:bodyPr/>
-        <a:lstStyle/>
-        <a:p>
-          <a:endParaRPr lang="de-DE"/>
-        </a:p>
-      </dgm:t>
     </dgm:pt>
     <dgm:pt modelId="{26BA574D-A9C9-D847-8AAF-A8F48018C2C1}" type="pres">
       <dgm:prSet presAssocID="{EE7B1B78-2CB7-C647-875E-937A240D7736}" presName="connectorText" presStyleLbl="sibTrans2D1" presStyleIdx="0" presStyleCnt="2"/>
       <dgm:spPr/>
-      <dgm:t>
-        <a:bodyPr/>
-        <a:lstStyle/>
-        <a:p>
-          <a:endParaRPr lang="de-DE"/>
-        </a:p>
-      </dgm:t>
     </dgm:pt>
     <dgm:pt modelId="{942B2FD4-F953-1241-B452-E01505D35646}" type="pres">
       <dgm:prSet presAssocID="{9F5FBEB5-0D91-6442-BAE6-3C8FE451890E}" presName="node" presStyleLbl="node1" presStyleIdx="1" presStyleCnt="3">
@@ -5113,35 +5038,14 @@
         </dgm:presLayoutVars>
       </dgm:prSet>
       <dgm:spPr/>
-      <dgm:t>
-        <a:bodyPr/>
-        <a:lstStyle/>
-        <a:p>
-          <a:endParaRPr lang="de-DE"/>
-        </a:p>
-      </dgm:t>
     </dgm:pt>
     <dgm:pt modelId="{61D01FBA-AE9A-8140-B034-5E107AF8B06D}" type="pres">
       <dgm:prSet presAssocID="{D96BFFC3-C37B-F740-8CDD-799CDA9C29AF}" presName="sibTrans" presStyleLbl="sibTrans2D1" presStyleIdx="1" presStyleCnt="2"/>
       <dgm:spPr/>
-      <dgm:t>
-        <a:bodyPr/>
-        <a:lstStyle/>
-        <a:p>
-          <a:endParaRPr lang="de-DE"/>
-        </a:p>
-      </dgm:t>
     </dgm:pt>
     <dgm:pt modelId="{36003D2E-E2F1-4C4D-80A6-3A3280BC15B9}" type="pres">
       <dgm:prSet presAssocID="{D96BFFC3-C37B-F740-8CDD-799CDA9C29AF}" presName="connectorText" presStyleLbl="sibTrans2D1" presStyleIdx="1" presStyleCnt="2"/>
       <dgm:spPr/>
-      <dgm:t>
-        <a:bodyPr/>
-        <a:lstStyle/>
-        <a:p>
-          <a:endParaRPr lang="de-DE"/>
-        </a:p>
-      </dgm:t>
     </dgm:pt>
     <dgm:pt modelId="{48E1AD6C-04E3-5047-8B6E-169C4DE6C0BD}" type="pres">
       <dgm:prSet presAssocID="{54AAB197-8266-0B4E-83D2-C0A636856F54}" presName="node" presStyleLbl="node1" presStyleIdx="2" presStyleCnt="3">
@@ -5150,27 +5054,20 @@
         </dgm:presLayoutVars>
       </dgm:prSet>
       <dgm:spPr/>
-      <dgm:t>
-        <a:bodyPr/>
-        <a:lstStyle/>
-        <a:p>
-          <a:endParaRPr lang="de-DE"/>
-        </a:p>
-      </dgm:t>
     </dgm:pt>
   </dgm:ptLst>
   <dgm:cxnLst>
+    <dgm:cxn modelId="{9AD13F03-FA98-2546-A1F6-086D6D749FC5}" srcId="{82BD223D-4D97-664B-8FA2-F811E68132B9}" destId="{9F5FBEB5-0D91-6442-BAE6-3C8FE451890E}" srcOrd="1" destOrd="0" parTransId="{44185C10-A566-584D-8792-6F8CDA31CFEF}" sibTransId="{D96BFFC3-C37B-F740-8CDD-799CDA9C29AF}"/>
+    <dgm:cxn modelId="{69805F36-919C-904F-B7BA-6F556E7CE6A4}" type="presOf" srcId="{9F5FBEB5-0D91-6442-BAE6-3C8FE451890E}" destId="{942B2FD4-F953-1241-B452-E01505D35646}" srcOrd="0" destOrd="0" presId="urn:microsoft.com/office/officeart/2005/8/layout/process1"/>
+    <dgm:cxn modelId="{3F0BBB61-DEB1-0D4B-8CE4-04D6A26FB54F}" type="presOf" srcId="{82BD223D-4D97-664B-8FA2-F811E68132B9}" destId="{5C4E5A0B-1B12-EC4C-BCB7-F3E190AFE040}" srcOrd="0" destOrd="0" presId="urn:microsoft.com/office/officeart/2005/8/layout/process1"/>
+    <dgm:cxn modelId="{76F02889-CC7F-0F4E-93D0-368883CD7297}" type="presOf" srcId="{D96BFFC3-C37B-F740-8CDD-799CDA9C29AF}" destId="{61D01FBA-AE9A-8140-B034-5E107AF8B06D}" srcOrd="0" destOrd="0" presId="urn:microsoft.com/office/officeart/2005/8/layout/process1"/>
+    <dgm:cxn modelId="{415BE8A2-96CF-9F43-8B38-1AB3649795FE}" type="presOf" srcId="{EE7B1B78-2CB7-C647-875E-937A240D7736}" destId="{30EAC814-8F64-D74A-9EBA-0CBC6BE058AA}" srcOrd="0" destOrd="0" presId="urn:microsoft.com/office/officeart/2005/8/layout/process1"/>
+    <dgm:cxn modelId="{DC2960B5-B00C-4243-BDA1-BCD292550A07}" type="presOf" srcId="{D96BFFC3-C37B-F740-8CDD-799CDA9C29AF}" destId="{36003D2E-E2F1-4C4D-80A6-3A3280BC15B9}" srcOrd="1" destOrd="0" presId="urn:microsoft.com/office/officeart/2005/8/layout/process1"/>
+    <dgm:cxn modelId="{2BEB67B7-48B3-FD4E-863C-14ADF2D587B2}" type="presOf" srcId="{9E409708-FC7B-604D-AE00-C59A3BC6C774}" destId="{AC19049A-FF2E-864B-A995-C88CCE14464E}" srcOrd="0" destOrd="0" presId="urn:microsoft.com/office/officeart/2005/8/layout/process1"/>
+    <dgm:cxn modelId="{E198D6D4-91AD-F643-8652-6843F8F235B1}" srcId="{82BD223D-4D97-664B-8FA2-F811E68132B9}" destId="{9E409708-FC7B-604D-AE00-C59A3BC6C774}" srcOrd="0" destOrd="0" parTransId="{AF54B174-D1EC-FF4E-9C8F-E68F41ABE717}" sibTransId="{EE7B1B78-2CB7-C647-875E-937A240D7736}"/>
+    <dgm:cxn modelId="{43C40EE3-4A95-6743-9906-8E96AD14C7FC}" type="presOf" srcId="{54AAB197-8266-0B4E-83D2-C0A636856F54}" destId="{48E1AD6C-04E3-5047-8B6E-169C4DE6C0BD}" srcOrd="0" destOrd="0" presId="urn:microsoft.com/office/officeart/2005/8/layout/process1"/>
+    <dgm:cxn modelId="{832028F2-2484-2347-9176-3AAC5BBBD59F}" type="presOf" srcId="{EE7B1B78-2CB7-C647-875E-937A240D7736}" destId="{26BA574D-A9C9-D847-8AAF-A8F48018C2C1}" srcOrd="1" destOrd="0" presId="urn:microsoft.com/office/officeart/2005/8/layout/process1"/>
     <dgm:cxn modelId="{2BCEAEFF-A9FB-5C48-85FF-B123F8BCA8D1}" srcId="{82BD223D-4D97-664B-8FA2-F811E68132B9}" destId="{54AAB197-8266-0B4E-83D2-C0A636856F54}" srcOrd="2" destOrd="0" parTransId="{5B1EBB87-FA02-2E4E-9C97-ED4DD0AE3921}" sibTransId="{EE6869A3-EE4E-D54B-B05E-1DD13DD15896}"/>
-    <dgm:cxn modelId="{69805F36-919C-904F-B7BA-6F556E7CE6A4}" type="presOf" srcId="{9F5FBEB5-0D91-6442-BAE6-3C8FE451890E}" destId="{942B2FD4-F953-1241-B452-E01505D35646}" srcOrd="0" destOrd="0" presId="urn:microsoft.com/office/officeart/2005/8/layout/process1"/>
-    <dgm:cxn modelId="{E198D6D4-91AD-F643-8652-6843F8F235B1}" srcId="{82BD223D-4D97-664B-8FA2-F811E68132B9}" destId="{9E409708-FC7B-604D-AE00-C59A3BC6C774}" srcOrd="0" destOrd="0" parTransId="{AF54B174-D1EC-FF4E-9C8F-E68F41ABE717}" sibTransId="{EE7B1B78-2CB7-C647-875E-937A240D7736}"/>
-    <dgm:cxn modelId="{2BEB67B7-48B3-FD4E-863C-14ADF2D587B2}" type="presOf" srcId="{9E409708-FC7B-604D-AE00-C59A3BC6C774}" destId="{AC19049A-FF2E-864B-A995-C88CCE14464E}" srcOrd="0" destOrd="0" presId="urn:microsoft.com/office/officeart/2005/8/layout/process1"/>
-    <dgm:cxn modelId="{415BE8A2-96CF-9F43-8B38-1AB3649795FE}" type="presOf" srcId="{EE7B1B78-2CB7-C647-875E-937A240D7736}" destId="{30EAC814-8F64-D74A-9EBA-0CBC6BE058AA}" srcOrd="0" destOrd="0" presId="urn:microsoft.com/office/officeart/2005/8/layout/process1"/>
-    <dgm:cxn modelId="{832028F2-2484-2347-9176-3AAC5BBBD59F}" type="presOf" srcId="{EE7B1B78-2CB7-C647-875E-937A240D7736}" destId="{26BA574D-A9C9-D847-8AAF-A8F48018C2C1}" srcOrd="1" destOrd="0" presId="urn:microsoft.com/office/officeart/2005/8/layout/process1"/>
-    <dgm:cxn modelId="{43C40EE3-4A95-6743-9906-8E96AD14C7FC}" type="presOf" srcId="{54AAB197-8266-0B4E-83D2-C0A636856F54}" destId="{48E1AD6C-04E3-5047-8B6E-169C4DE6C0BD}" srcOrd="0" destOrd="0" presId="urn:microsoft.com/office/officeart/2005/8/layout/process1"/>
-    <dgm:cxn modelId="{DC2960B5-B00C-4243-BDA1-BCD292550A07}" type="presOf" srcId="{D96BFFC3-C37B-F740-8CDD-799CDA9C29AF}" destId="{36003D2E-E2F1-4C4D-80A6-3A3280BC15B9}" srcOrd="1" destOrd="0" presId="urn:microsoft.com/office/officeart/2005/8/layout/process1"/>
-    <dgm:cxn modelId="{76F02889-CC7F-0F4E-93D0-368883CD7297}" type="presOf" srcId="{D96BFFC3-C37B-F740-8CDD-799CDA9C29AF}" destId="{61D01FBA-AE9A-8140-B034-5E107AF8B06D}" srcOrd="0" destOrd="0" presId="urn:microsoft.com/office/officeart/2005/8/layout/process1"/>
-    <dgm:cxn modelId="{3F0BBB61-DEB1-0D4B-8CE4-04D6A26FB54F}" type="presOf" srcId="{82BD223D-4D97-664B-8FA2-F811E68132B9}" destId="{5C4E5A0B-1B12-EC4C-BCB7-F3E190AFE040}" srcOrd="0" destOrd="0" presId="urn:microsoft.com/office/officeart/2005/8/layout/process1"/>
-    <dgm:cxn modelId="{9AD13F03-FA98-2546-A1F6-086D6D749FC5}" srcId="{82BD223D-4D97-664B-8FA2-F811E68132B9}" destId="{9F5FBEB5-0D91-6442-BAE6-3C8FE451890E}" srcOrd="1" destOrd="0" parTransId="{44185C10-A566-584D-8792-6F8CDA31CFEF}" sibTransId="{D96BFFC3-C37B-F740-8CDD-799CDA9C29AF}"/>
     <dgm:cxn modelId="{3559C9F1-5C8F-354A-9E01-1DE9FF22BE2A}" type="presParOf" srcId="{5C4E5A0B-1B12-EC4C-BCB7-F3E190AFE040}" destId="{AC19049A-FF2E-864B-A995-C88CCE14464E}" srcOrd="0" destOrd="0" presId="urn:microsoft.com/office/officeart/2005/8/layout/process1"/>
     <dgm:cxn modelId="{9D5BD0CC-4547-7E44-835B-D74A13C1989F}" type="presParOf" srcId="{5C4E5A0B-1B12-EC4C-BCB7-F3E190AFE040}" destId="{30EAC814-8F64-D74A-9EBA-0CBC6BE058AA}" srcOrd="1" destOrd="0" presId="urn:microsoft.com/office/officeart/2005/8/layout/process1"/>
     <dgm:cxn modelId="{7FC1D771-BB8A-7742-9ADA-6471C3344A30}" type="presParOf" srcId="{30EAC814-8F64-D74A-9EBA-0CBC6BE058AA}" destId="{26BA574D-A9C9-D847-8AAF-A8F48018C2C1}" srcOrd="0" destOrd="0" presId="urn:microsoft.com/office/officeart/2005/8/layout/process1"/>
@@ -5204,18 +5101,17 @@
         <a:lstStyle/>
         <a:p>
           <a:r>
-            <a:rPr lang="de-DE" dirty="0" smtClean="0"/>
+            <a:rPr lang="de-DE" dirty="0"/>
             <a:t>Erstellen der Komponente „</a:t>
           </a:r>
           <a:r>
-            <a:rPr lang="de-DE" dirty="0" err="1" smtClean="0"/>
+            <a:rPr lang="de-DE" dirty="0" err="1"/>
             <a:t>guest-book</a:t>
           </a:r>
           <a:r>
-            <a:rPr lang="de-DE" dirty="0" smtClean="0"/>
+            <a:rPr lang="de-DE" dirty="0"/>
             <a:t>“</a:t>
           </a:r>
-          <a:endParaRPr lang="de-DE" dirty="0"/>
         </a:p>
       </dgm:t>
     </dgm:pt>
@@ -5249,10 +5145,9 @@
         <a:lstStyle/>
         <a:p>
           <a:r>
-            <a:rPr lang="de-DE" dirty="0" smtClean="0"/>
+            <a:rPr lang="de-DE" dirty="0"/>
             <a:t>Einbinden in die Anwendung</a:t>
           </a:r>
-          <a:endParaRPr lang="de-DE" dirty="0"/>
         </a:p>
       </dgm:t>
     </dgm:pt>
@@ -5286,18 +5181,17 @@
         <a:lstStyle/>
         <a:p>
           <a:r>
-            <a:rPr lang="de-DE" dirty="0" smtClean="0"/>
+            <a:rPr lang="de-DE" dirty="0"/>
             <a:t>Erstellen der Komponente „</a:t>
           </a:r>
           <a:r>
-            <a:rPr lang="de-DE" dirty="0" err="1" smtClean="0"/>
+            <a:rPr lang="de-DE" dirty="0" err="1"/>
             <a:t>guest</a:t>
           </a:r>
           <a:r>
-            <a:rPr lang="de-DE" dirty="0" smtClean="0"/>
+            <a:rPr lang="de-DE" dirty="0"/>
             <a:t>-list“</a:t>
           </a:r>
-          <a:endParaRPr lang="de-DE" dirty="0"/>
         </a:p>
       </dgm:t>
     </dgm:pt>
@@ -5331,18 +5225,17 @@
         <a:lstStyle/>
         <a:p>
           <a:r>
-            <a:rPr lang="de-DE" dirty="0" smtClean="0"/>
+            <a:rPr lang="de-DE" dirty="0"/>
             <a:t>Auslagern des HTML nach </a:t>
           </a:r>
           <a:r>
-            <a:rPr lang="de-DE" dirty="0" err="1" smtClean="0"/>
+            <a:rPr lang="de-DE" dirty="0" err="1"/>
             <a:t>guest</a:t>
           </a:r>
           <a:r>
-            <a:rPr lang="de-DE" dirty="0" smtClean="0"/>
+            <a:rPr lang="de-DE" dirty="0"/>
             <a:t>-list</a:t>
           </a:r>
-          <a:endParaRPr lang="de-DE" dirty="0"/>
         </a:p>
       </dgm:t>
     </dgm:pt>
@@ -5376,11 +5269,11 @@
         <a:lstStyle/>
         <a:p>
           <a:r>
-            <a:rPr lang="de-DE" dirty="0" smtClean="0"/>
+            <a:rPr lang="de-DE" dirty="0"/>
             <a:t>Einbinden in die Komponente </a:t>
           </a:r>
           <a:r>
-            <a:rPr lang="de-DE" dirty="0" err="1" smtClean="0"/>
+            <a:rPr lang="de-DE" dirty="0" err="1"/>
             <a:t>guest-book</a:t>
           </a:r>
           <a:endParaRPr lang="de-DE" dirty="0"/>
@@ -5425,35 +5318,14 @@
         </dgm:presLayoutVars>
       </dgm:prSet>
       <dgm:spPr/>
-      <dgm:t>
-        <a:bodyPr/>
-        <a:lstStyle/>
-        <a:p>
-          <a:endParaRPr lang="de-DE"/>
-        </a:p>
-      </dgm:t>
     </dgm:pt>
     <dgm:pt modelId="{30EAC814-8F64-D74A-9EBA-0CBC6BE058AA}" type="pres">
       <dgm:prSet presAssocID="{EE7B1B78-2CB7-C647-875E-937A240D7736}" presName="sibTrans" presStyleLbl="sibTrans2D1" presStyleIdx="0" presStyleCnt="4"/>
       <dgm:spPr/>
-      <dgm:t>
-        <a:bodyPr/>
-        <a:lstStyle/>
-        <a:p>
-          <a:endParaRPr lang="de-DE"/>
-        </a:p>
-      </dgm:t>
     </dgm:pt>
     <dgm:pt modelId="{26BA574D-A9C9-D847-8AAF-A8F48018C2C1}" type="pres">
       <dgm:prSet presAssocID="{EE7B1B78-2CB7-C647-875E-937A240D7736}" presName="connectorText" presStyleLbl="sibTrans2D1" presStyleIdx="0" presStyleCnt="4"/>
       <dgm:spPr/>
-      <dgm:t>
-        <a:bodyPr/>
-        <a:lstStyle/>
-        <a:p>
-          <a:endParaRPr lang="de-DE"/>
-        </a:p>
-      </dgm:t>
     </dgm:pt>
     <dgm:pt modelId="{942B2FD4-F953-1241-B452-E01505D35646}" type="pres">
       <dgm:prSet presAssocID="{9F5FBEB5-0D91-6442-BAE6-3C8FE451890E}" presName="node" presStyleLbl="node1" presStyleIdx="1" presStyleCnt="5">
@@ -5462,35 +5334,14 @@
         </dgm:presLayoutVars>
       </dgm:prSet>
       <dgm:spPr/>
-      <dgm:t>
-        <a:bodyPr/>
-        <a:lstStyle/>
-        <a:p>
-          <a:endParaRPr lang="de-DE"/>
-        </a:p>
-      </dgm:t>
     </dgm:pt>
     <dgm:pt modelId="{61D01FBA-AE9A-8140-B034-5E107AF8B06D}" type="pres">
       <dgm:prSet presAssocID="{D96BFFC3-C37B-F740-8CDD-799CDA9C29AF}" presName="sibTrans" presStyleLbl="sibTrans2D1" presStyleIdx="1" presStyleCnt="4"/>
       <dgm:spPr/>
-      <dgm:t>
-        <a:bodyPr/>
-        <a:lstStyle/>
-        <a:p>
-          <a:endParaRPr lang="de-DE"/>
-        </a:p>
-      </dgm:t>
     </dgm:pt>
     <dgm:pt modelId="{36003D2E-E2F1-4C4D-80A6-3A3280BC15B9}" type="pres">
       <dgm:prSet presAssocID="{D96BFFC3-C37B-F740-8CDD-799CDA9C29AF}" presName="connectorText" presStyleLbl="sibTrans2D1" presStyleIdx="1" presStyleCnt="4"/>
       <dgm:spPr/>
-      <dgm:t>
-        <a:bodyPr/>
-        <a:lstStyle/>
-        <a:p>
-          <a:endParaRPr lang="de-DE"/>
-        </a:p>
-      </dgm:t>
     </dgm:pt>
     <dgm:pt modelId="{48E1AD6C-04E3-5047-8B6E-169C4DE6C0BD}" type="pres">
       <dgm:prSet presAssocID="{54AAB197-8266-0B4E-83D2-C0A636856F54}" presName="node" presStyleLbl="node1" presStyleIdx="2" presStyleCnt="5">
@@ -5499,35 +5350,14 @@
         </dgm:presLayoutVars>
       </dgm:prSet>
       <dgm:spPr/>
-      <dgm:t>
-        <a:bodyPr/>
-        <a:lstStyle/>
-        <a:p>
-          <a:endParaRPr lang="de-DE"/>
-        </a:p>
-      </dgm:t>
     </dgm:pt>
     <dgm:pt modelId="{0AD4DF4A-E0D6-074E-8C5C-EC60A69D5CD5}" type="pres">
       <dgm:prSet presAssocID="{EE6869A3-EE4E-D54B-B05E-1DD13DD15896}" presName="sibTrans" presStyleLbl="sibTrans2D1" presStyleIdx="2" presStyleCnt="4"/>
       <dgm:spPr/>
-      <dgm:t>
-        <a:bodyPr/>
-        <a:lstStyle/>
-        <a:p>
-          <a:endParaRPr lang="de-DE"/>
-        </a:p>
-      </dgm:t>
     </dgm:pt>
     <dgm:pt modelId="{B2447F15-FA32-1347-AF28-173890CF07D0}" type="pres">
       <dgm:prSet presAssocID="{EE6869A3-EE4E-D54B-B05E-1DD13DD15896}" presName="connectorText" presStyleLbl="sibTrans2D1" presStyleIdx="2" presStyleCnt="4"/>
       <dgm:spPr/>
-      <dgm:t>
-        <a:bodyPr/>
-        <a:lstStyle/>
-        <a:p>
-          <a:endParaRPr lang="de-DE"/>
-        </a:p>
-      </dgm:t>
     </dgm:pt>
     <dgm:pt modelId="{C72C48AC-E55D-9140-B4CF-F284B256CE46}" type="pres">
       <dgm:prSet presAssocID="{31CB1F73-FDD4-4249-9ACC-6BAC469E2FBB}" presName="node" presStyleLbl="node1" presStyleIdx="3" presStyleCnt="5">
@@ -5536,35 +5366,14 @@
         </dgm:presLayoutVars>
       </dgm:prSet>
       <dgm:spPr/>
-      <dgm:t>
-        <a:bodyPr/>
-        <a:lstStyle/>
-        <a:p>
-          <a:endParaRPr lang="de-DE"/>
-        </a:p>
-      </dgm:t>
     </dgm:pt>
     <dgm:pt modelId="{C0778852-E178-8D45-B49B-75D931FC40CB}" type="pres">
       <dgm:prSet presAssocID="{730EE106-A639-0B49-A10D-12585A85B535}" presName="sibTrans" presStyleLbl="sibTrans2D1" presStyleIdx="3" presStyleCnt="4"/>
       <dgm:spPr/>
-      <dgm:t>
-        <a:bodyPr/>
-        <a:lstStyle/>
-        <a:p>
-          <a:endParaRPr lang="de-DE"/>
-        </a:p>
-      </dgm:t>
     </dgm:pt>
     <dgm:pt modelId="{5FE60D9B-3EEA-7F45-B860-500441313F74}" type="pres">
       <dgm:prSet presAssocID="{730EE106-A639-0B49-A10D-12585A85B535}" presName="connectorText" presStyleLbl="sibTrans2D1" presStyleIdx="3" presStyleCnt="4"/>
       <dgm:spPr/>
-      <dgm:t>
-        <a:bodyPr/>
-        <a:lstStyle/>
-        <a:p>
-          <a:endParaRPr lang="de-DE"/>
-        </a:p>
-      </dgm:t>
     </dgm:pt>
     <dgm:pt modelId="{CE1BF210-B0C1-0C45-B643-E2A51ACDB5A4}" type="pres">
       <dgm:prSet presAssocID="{4A355F56-BC59-D340-9D26-878E3214B76A}" presName="node" presStyleLbl="node1" presStyleIdx="4" presStyleCnt="5">
@@ -5573,35 +5382,28 @@
         </dgm:presLayoutVars>
       </dgm:prSet>
       <dgm:spPr/>
-      <dgm:t>
-        <a:bodyPr/>
-        <a:lstStyle/>
-        <a:p>
-          <a:endParaRPr lang="de-DE"/>
-        </a:p>
-      </dgm:t>
     </dgm:pt>
   </dgm:ptLst>
   <dgm:cxnLst>
-    <dgm:cxn modelId="{2BCEAEFF-A9FB-5C48-85FF-B123F8BCA8D1}" srcId="{82BD223D-4D97-664B-8FA2-F811E68132B9}" destId="{54AAB197-8266-0B4E-83D2-C0A636856F54}" srcOrd="2" destOrd="0" parTransId="{5B1EBB87-FA02-2E4E-9C97-ED4DD0AE3921}" sibTransId="{EE6869A3-EE4E-D54B-B05E-1DD13DD15896}"/>
+    <dgm:cxn modelId="{9AD13F03-FA98-2546-A1F6-086D6D749FC5}" srcId="{82BD223D-4D97-664B-8FA2-F811E68132B9}" destId="{9F5FBEB5-0D91-6442-BAE6-3C8FE451890E}" srcOrd="1" destOrd="0" parTransId="{44185C10-A566-584D-8792-6F8CDA31CFEF}" sibTransId="{D96BFFC3-C37B-F740-8CDD-799CDA9C29AF}"/>
+    <dgm:cxn modelId="{2802DF12-F683-B141-BE60-CB3DEEA1EEEC}" type="presOf" srcId="{D96BFFC3-C37B-F740-8CDD-799CDA9C29AF}" destId="{61D01FBA-AE9A-8140-B034-5E107AF8B06D}" srcOrd="0" destOrd="0" presId="urn:microsoft.com/office/officeart/2005/8/layout/process1"/>
+    <dgm:cxn modelId="{1EB75F14-D39E-EB46-A1C2-3A1E91137228}" type="presOf" srcId="{82BD223D-4D97-664B-8FA2-F811E68132B9}" destId="{5C4E5A0B-1B12-EC4C-BCB7-F3E190AFE040}" srcOrd="0" destOrd="0" presId="urn:microsoft.com/office/officeart/2005/8/layout/process1"/>
+    <dgm:cxn modelId="{7DAFAF27-675B-BF4E-9067-F3219584E4C2}" type="presOf" srcId="{9F5FBEB5-0D91-6442-BAE6-3C8FE451890E}" destId="{942B2FD4-F953-1241-B452-E01505D35646}" srcOrd="0" destOrd="0" presId="urn:microsoft.com/office/officeart/2005/8/layout/process1"/>
+    <dgm:cxn modelId="{4E77594F-B6F3-3146-B27F-9CE80AE1F09A}" type="presOf" srcId="{730EE106-A639-0B49-A10D-12585A85B535}" destId="{C0778852-E178-8D45-B49B-75D931FC40CB}" srcOrd="0" destOrd="0" presId="urn:microsoft.com/office/officeart/2005/8/layout/process1"/>
+    <dgm:cxn modelId="{1F493379-F789-6B4C-BA30-60D769F546F1}" type="presOf" srcId="{54AAB197-8266-0B4E-83D2-C0A636856F54}" destId="{48E1AD6C-04E3-5047-8B6E-169C4DE6C0BD}" srcOrd="0" destOrd="0" presId="urn:microsoft.com/office/officeart/2005/8/layout/process1"/>
+    <dgm:cxn modelId="{2E32F27B-67BC-BF47-9CDB-8C9FF1808A3A}" type="presOf" srcId="{EE7B1B78-2CB7-C647-875E-937A240D7736}" destId="{30EAC814-8F64-D74A-9EBA-0CBC6BE058AA}" srcOrd="0" destOrd="0" presId="urn:microsoft.com/office/officeart/2005/8/layout/process1"/>
+    <dgm:cxn modelId="{E606397D-2620-B84D-BAE9-1F11829AFD46}" type="presOf" srcId="{EE6869A3-EE4E-D54B-B05E-1DD13DD15896}" destId="{0AD4DF4A-E0D6-074E-8C5C-EC60A69D5CD5}" srcOrd="0" destOrd="0" presId="urn:microsoft.com/office/officeart/2005/8/layout/process1"/>
+    <dgm:cxn modelId="{A5F2F987-D69F-844E-83D1-BCC022A941D1}" type="presOf" srcId="{D96BFFC3-C37B-F740-8CDD-799CDA9C29AF}" destId="{36003D2E-E2F1-4C4D-80A6-3A3280BC15B9}" srcOrd="1" destOrd="0" presId="urn:microsoft.com/office/officeart/2005/8/layout/process1"/>
     <dgm:cxn modelId="{F07B818B-B6C5-E64E-A8AB-C17509C2C8BA}" srcId="{82BD223D-4D97-664B-8FA2-F811E68132B9}" destId="{4A355F56-BC59-D340-9D26-878E3214B76A}" srcOrd="4" destOrd="0" parTransId="{3ACC4126-0A33-B243-886D-FE1B29822403}" sibTransId="{5286A1E3-3A87-2849-91D5-6D2FFAC8FAA4}"/>
-    <dgm:cxn modelId="{E606397D-2620-B84D-BAE9-1F11829AFD46}" type="presOf" srcId="{EE6869A3-EE4E-D54B-B05E-1DD13DD15896}" destId="{0AD4DF4A-E0D6-074E-8C5C-EC60A69D5CD5}" srcOrd="0" destOrd="0" presId="urn:microsoft.com/office/officeart/2005/8/layout/process1"/>
-    <dgm:cxn modelId="{AB48EADB-57A3-7443-A755-307E8AD763F9}" type="presOf" srcId="{4A355F56-BC59-D340-9D26-878E3214B76A}" destId="{CE1BF210-B0C1-0C45-B643-E2A51ACDB5A4}" srcOrd="0" destOrd="0" presId="urn:microsoft.com/office/officeart/2005/8/layout/process1"/>
-    <dgm:cxn modelId="{E198D6D4-91AD-F643-8652-6843F8F235B1}" srcId="{82BD223D-4D97-664B-8FA2-F811E68132B9}" destId="{9E409708-FC7B-604D-AE00-C59A3BC6C774}" srcOrd="0" destOrd="0" parTransId="{AF54B174-D1EC-FF4E-9C8F-E68F41ABE717}" sibTransId="{EE7B1B78-2CB7-C647-875E-937A240D7736}"/>
-    <dgm:cxn modelId="{4E77594F-B6F3-3146-B27F-9CE80AE1F09A}" type="presOf" srcId="{730EE106-A639-0B49-A10D-12585A85B535}" destId="{C0778852-E178-8D45-B49B-75D931FC40CB}" srcOrd="0" destOrd="0" presId="urn:microsoft.com/office/officeart/2005/8/layout/process1"/>
-    <dgm:cxn modelId="{37CDF3F7-3279-8E46-A1EC-4783E3ACA65C}" type="presOf" srcId="{31CB1F73-FDD4-4249-9ACC-6BAC469E2FBB}" destId="{C72C48AC-E55D-9140-B4CF-F284B256CE46}" srcOrd="0" destOrd="0" presId="urn:microsoft.com/office/officeart/2005/8/layout/process1"/>
-    <dgm:cxn modelId="{A5F2F987-D69F-844E-83D1-BCC022A941D1}" type="presOf" srcId="{D96BFFC3-C37B-F740-8CDD-799CDA9C29AF}" destId="{36003D2E-E2F1-4C4D-80A6-3A3280BC15B9}" srcOrd="1" destOrd="0" presId="urn:microsoft.com/office/officeart/2005/8/layout/process1"/>
-    <dgm:cxn modelId="{1F493379-F789-6B4C-BA30-60D769F546F1}" type="presOf" srcId="{54AAB197-8266-0B4E-83D2-C0A636856F54}" destId="{48E1AD6C-04E3-5047-8B6E-169C4DE6C0BD}" srcOrd="0" destOrd="0" presId="urn:microsoft.com/office/officeart/2005/8/layout/process1"/>
-    <dgm:cxn modelId="{1EB75F14-D39E-EB46-A1C2-3A1E91137228}" type="presOf" srcId="{82BD223D-4D97-664B-8FA2-F811E68132B9}" destId="{5C4E5A0B-1B12-EC4C-BCB7-F3E190AFE040}" srcOrd="0" destOrd="0" presId="urn:microsoft.com/office/officeart/2005/8/layout/process1"/>
     <dgm:cxn modelId="{62536BAF-6EA3-584E-A5F7-24EF17C15217}" srcId="{82BD223D-4D97-664B-8FA2-F811E68132B9}" destId="{31CB1F73-FDD4-4249-9ACC-6BAC469E2FBB}" srcOrd="3" destOrd="0" parTransId="{70D48A33-06DE-D04C-B220-2420D7BB86CF}" sibTransId="{730EE106-A639-0B49-A10D-12585A85B535}"/>
     <dgm:cxn modelId="{FD07EFB2-B072-F843-9F0D-D3FEBBCC6891}" type="presOf" srcId="{9E409708-FC7B-604D-AE00-C59A3BC6C774}" destId="{AC19049A-FF2E-864B-A995-C88CCE14464E}" srcOrd="0" destOrd="0" presId="urn:microsoft.com/office/officeart/2005/8/layout/process1"/>
     <dgm:cxn modelId="{E760BEC1-6B4E-AF41-85DE-E4F285D35B6B}" type="presOf" srcId="{EE6869A3-EE4E-D54B-B05E-1DD13DD15896}" destId="{B2447F15-FA32-1347-AF28-173890CF07D0}" srcOrd="1" destOrd="0" presId="urn:microsoft.com/office/officeart/2005/8/layout/process1"/>
-    <dgm:cxn modelId="{2E32F27B-67BC-BF47-9CDB-8C9FF1808A3A}" type="presOf" srcId="{EE7B1B78-2CB7-C647-875E-937A240D7736}" destId="{30EAC814-8F64-D74A-9EBA-0CBC6BE058AA}" srcOrd="0" destOrd="0" presId="urn:microsoft.com/office/officeart/2005/8/layout/process1"/>
+    <dgm:cxn modelId="{08210ACA-5EE5-7840-AEB6-FA93404CA335}" type="presOf" srcId="{730EE106-A639-0B49-A10D-12585A85B535}" destId="{5FE60D9B-3EEA-7F45-B860-500441313F74}" srcOrd="1" destOrd="0" presId="urn:microsoft.com/office/officeart/2005/8/layout/process1"/>
+    <dgm:cxn modelId="{E198D6D4-91AD-F643-8652-6843F8F235B1}" srcId="{82BD223D-4D97-664B-8FA2-F811E68132B9}" destId="{9E409708-FC7B-604D-AE00-C59A3BC6C774}" srcOrd="0" destOrd="0" parTransId="{AF54B174-D1EC-FF4E-9C8F-E68F41ABE717}" sibTransId="{EE7B1B78-2CB7-C647-875E-937A240D7736}"/>
+    <dgm:cxn modelId="{AB48EADB-57A3-7443-A755-307E8AD763F9}" type="presOf" srcId="{4A355F56-BC59-D340-9D26-878E3214B76A}" destId="{CE1BF210-B0C1-0C45-B643-E2A51ACDB5A4}" srcOrd="0" destOrd="0" presId="urn:microsoft.com/office/officeart/2005/8/layout/process1"/>
     <dgm:cxn modelId="{7341F2E6-127A-4E44-A259-6B1AACD4487E}" type="presOf" srcId="{EE7B1B78-2CB7-C647-875E-937A240D7736}" destId="{26BA574D-A9C9-D847-8AAF-A8F48018C2C1}" srcOrd="1" destOrd="0" presId="urn:microsoft.com/office/officeart/2005/8/layout/process1"/>
-    <dgm:cxn modelId="{7DAFAF27-675B-BF4E-9067-F3219584E4C2}" type="presOf" srcId="{9F5FBEB5-0D91-6442-BAE6-3C8FE451890E}" destId="{942B2FD4-F953-1241-B452-E01505D35646}" srcOrd="0" destOrd="0" presId="urn:microsoft.com/office/officeart/2005/8/layout/process1"/>
-    <dgm:cxn modelId="{2802DF12-F683-B141-BE60-CB3DEEA1EEEC}" type="presOf" srcId="{D96BFFC3-C37B-F740-8CDD-799CDA9C29AF}" destId="{61D01FBA-AE9A-8140-B034-5E107AF8B06D}" srcOrd="0" destOrd="0" presId="urn:microsoft.com/office/officeart/2005/8/layout/process1"/>
-    <dgm:cxn modelId="{08210ACA-5EE5-7840-AEB6-FA93404CA335}" type="presOf" srcId="{730EE106-A639-0B49-A10D-12585A85B535}" destId="{5FE60D9B-3EEA-7F45-B860-500441313F74}" srcOrd="1" destOrd="0" presId="urn:microsoft.com/office/officeart/2005/8/layout/process1"/>
-    <dgm:cxn modelId="{9AD13F03-FA98-2546-A1F6-086D6D749FC5}" srcId="{82BD223D-4D97-664B-8FA2-F811E68132B9}" destId="{9F5FBEB5-0D91-6442-BAE6-3C8FE451890E}" srcOrd="1" destOrd="0" parTransId="{44185C10-A566-584D-8792-6F8CDA31CFEF}" sibTransId="{D96BFFC3-C37B-F740-8CDD-799CDA9C29AF}"/>
+    <dgm:cxn modelId="{37CDF3F7-3279-8E46-A1EC-4783E3ACA65C}" type="presOf" srcId="{31CB1F73-FDD4-4249-9ACC-6BAC469E2FBB}" destId="{C72C48AC-E55D-9140-B4CF-F284B256CE46}" srcOrd="0" destOrd="0" presId="urn:microsoft.com/office/officeart/2005/8/layout/process1"/>
+    <dgm:cxn modelId="{2BCEAEFF-A9FB-5C48-85FF-B123F8BCA8D1}" srcId="{82BD223D-4D97-664B-8FA2-F811E68132B9}" destId="{54AAB197-8266-0B4E-83D2-C0A636856F54}" srcOrd="2" destOrd="0" parTransId="{5B1EBB87-FA02-2E4E-9C97-ED4DD0AE3921}" sibTransId="{EE6869A3-EE4E-D54B-B05E-1DD13DD15896}"/>
     <dgm:cxn modelId="{EC929195-EDB4-0841-8BFE-8E2AC6860829}" type="presParOf" srcId="{5C4E5A0B-1B12-EC4C-BCB7-F3E190AFE040}" destId="{AC19049A-FF2E-864B-A995-C88CCE14464E}" srcOrd="0" destOrd="0" presId="urn:microsoft.com/office/officeart/2005/8/layout/process1"/>
     <dgm:cxn modelId="{221F53CB-23B7-EC4F-825F-359AD86AB9A7}" type="presParOf" srcId="{5C4E5A0B-1B12-EC4C-BCB7-F3E190AFE040}" destId="{30EAC814-8F64-D74A-9EBA-0CBC6BE058AA}" srcOrd="1" destOrd="0" presId="urn:microsoft.com/office/officeart/2005/8/layout/process1"/>
     <dgm:cxn modelId="{636D27AA-FF62-BE45-9CDC-1D55EB2DC1D7}" type="presParOf" srcId="{30EAC814-8F64-D74A-9EBA-0CBC6BE058AA}" destId="{26BA574D-A9C9-D847-8AAF-A8F48018C2C1}" srcOrd="0" destOrd="0" presId="urn:microsoft.com/office/officeart/2005/8/layout/process1"/>
@@ -5641,18 +5443,17 @@
         <a:lstStyle/>
         <a:p>
           <a:r>
-            <a:rPr lang="de-DE" dirty="0" smtClean="0"/>
+            <a:rPr lang="de-DE" dirty="0"/>
             <a:t>Erstellen des Service „</a:t>
           </a:r>
           <a:r>
-            <a:rPr lang="de-DE" dirty="0" err="1" smtClean="0"/>
+            <a:rPr lang="de-DE" dirty="0" err="1"/>
             <a:t>guest-book.service</a:t>
           </a:r>
           <a:r>
-            <a:rPr lang="de-DE" dirty="0" smtClean="0"/>
+            <a:rPr lang="de-DE" dirty="0"/>
             <a:t>“</a:t>
           </a:r>
-          <a:endParaRPr lang="de-DE" dirty="0"/>
         </a:p>
       </dgm:t>
     </dgm:pt>
@@ -5686,10 +5487,9 @@
         <a:lstStyle/>
         <a:p>
           <a:r>
-            <a:rPr lang="de-DE" dirty="0" smtClean="0"/>
+            <a:rPr lang="de-DE" dirty="0"/>
             <a:t>Einbinden in die Anwendung</a:t>
           </a:r>
-          <a:endParaRPr lang="de-DE" dirty="0"/>
         </a:p>
       </dgm:t>
     </dgm:pt>
@@ -5723,10 +5523,9 @@
         <a:lstStyle/>
         <a:p>
           <a:r>
-            <a:rPr lang="de-DE" dirty="0" smtClean="0"/>
+            <a:rPr lang="de-DE" dirty="0"/>
             <a:t>Verwendung des Service</a:t>
           </a:r>
-          <a:endParaRPr lang="de-DE" dirty="0"/>
         </a:p>
       </dgm:t>
     </dgm:pt>
@@ -5760,10 +5559,9 @@
         <a:lstStyle/>
         <a:p>
           <a:r>
-            <a:rPr lang="de-DE" dirty="0" smtClean="0"/>
+            <a:rPr lang="de-DE" dirty="0"/>
             <a:t>Auslagern der Businesslogik in den Service</a:t>
           </a:r>
-          <a:endParaRPr lang="de-DE" dirty="0"/>
         </a:p>
       </dgm:t>
     </dgm:pt>
@@ -5798,35 +5596,14 @@
         </dgm:presLayoutVars>
       </dgm:prSet>
       <dgm:spPr/>
-      <dgm:t>
-        <a:bodyPr/>
-        <a:lstStyle/>
-        <a:p>
-          <a:endParaRPr lang="de-DE"/>
-        </a:p>
-      </dgm:t>
     </dgm:pt>
     <dgm:pt modelId="{30EAC814-8F64-D74A-9EBA-0CBC6BE058AA}" type="pres">
       <dgm:prSet presAssocID="{EE7B1B78-2CB7-C647-875E-937A240D7736}" presName="sibTrans" presStyleLbl="sibTrans2D1" presStyleIdx="0" presStyleCnt="3"/>
       <dgm:spPr/>
-      <dgm:t>
-        <a:bodyPr/>
-        <a:lstStyle/>
-        <a:p>
-          <a:endParaRPr lang="de-DE"/>
-        </a:p>
-      </dgm:t>
     </dgm:pt>
     <dgm:pt modelId="{26BA574D-A9C9-D847-8AAF-A8F48018C2C1}" type="pres">
       <dgm:prSet presAssocID="{EE7B1B78-2CB7-C647-875E-937A240D7736}" presName="connectorText" presStyleLbl="sibTrans2D1" presStyleIdx="0" presStyleCnt="3"/>
       <dgm:spPr/>
-      <dgm:t>
-        <a:bodyPr/>
-        <a:lstStyle/>
-        <a:p>
-          <a:endParaRPr lang="de-DE"/>
-        </a:p>
-      </dgm:t>
     </dgm:pt>
     <dgm:pt modelId="{942B2FD4-F953-1241-B452-E01505D35646}" type="pres">
       <dgm:prSet presAssocID="{9F5FBEB5-0D91-6442-BAE6-3C8FE451890E}" presName="node" presStyleLbl="node1" presStyleIdx="1" presStyleCnt="4">
@@ -5835,35 +5612,14 @@
         </dgm:presLayoutVars>
       </dgm:prSet>
       <dgm:spPr/>
-      <dgm:t>
-        <a:bodyPr/>
-        <a:lstStyle/>
-        <a:p>
-          <a:endParaRPr lang="de-DE"/>
-        </a:p>
-      </dgm:t>
     </dgm:pt>
     <dgm:pt modelId="{61D01FBA-AE9A-8140-B034-5E107AF8B06D}" type="pres">
       <dgm:prSet presAssocID="{D96BFFC3-C37B-F740-8CDD-799CDA9C29AF}" presName="sibTrans" presStyleLbl="sibTrans2D1" presStyleIdx="1" presStyleCnt="3"/>
       <dgm:spPr/>
-      <dgm:t>
-        <a:bodyPr/>
-        <a:lstStyle/>
-        <a:p>
-          <a:endParaRPr lang="de-DE"/>
-        </a:p>
-      </dgm:t>
     </dgm:pt>
     <dgm:pt modelId="{36003D2E-E2F1-4C4D-80A6-3A3280BC15B9}" type="pres">
       <dgm:prSet presAssocID="{D96BFFC3-C37B-F740-8CDD-799CDA9C29AF}" presName="connectorText" presStyleLbl="sibTrans2D1" presStyleIdx="1" presStyleCnt="3"/>
       <dgm:spPr/>
-      <dgm:t>
-        <a:bodyPr/>
-        <a:lstStyle/>
-        <a:p>
-          <a:endParaRPr lang="de-DE"/>
-        </a:p>
-      </dgm:t>
     </dgm:pt>
     <dgm:pt modelId="{2D682FDA-6E7F-4A43-8A70-4A764CE24742}" type="pres">
       <dgm:prSet presAssocID="{D485B35D-896C-DA49-AEA4-E274D4DDB368}" presName="node" presStyleLbl="node1" presStyleIdx="2" presStyleCnt="4">
@@ -5872,35 +5628,14 @@
         </dgm:presLayoutVars>
       </dgm:prSet>
       <dgm:spPr/>
-      <dgm:t>
-        <a:bodyPr/>
-        <a:lstStyle/>
-        <a:p>
-          <a:endParaRPr lang="de-DE"/>
-        </a:p>
-      </dgm:t>
     </dgm:pt>
     <dgm:pt modelId="{78019554-895E-1248-B21B-5CD6309654E4}" type="pres">
       <dgm:prSet presAssocID="{98D865C2-7249-0546-A289-4BA2617820E6}" presName="sibTrans" presStyleLbl="sibTrans2D1" presStyleIdx="2" presStyleCnt="3"/>
       <dgm:spPr/>
-      <dgm:t>
-        <a:bodyPr/>
-        <a:lstStyle/>
-        <a:p>
-          <a:endParaRPr lang="de-DE"/>
-        </a:p>
-      </dgm:t>
     </dgm:pt>
     <dgm:pt modelId="{17A53E92-4269-D049-A101-E669C1A6D0BA}" type="pres">
       <dgm:prSet presAssocID="{98D865C2-7249-0546-A289-4BA2617820E6}" presName="connectorText" presStyleLbl="sibTrans2D1" presStyleIdx="2" presStyleCnt="3"/>
       <dgm:spPr/>
-      <dgm:t>
-        <a:bodyPr/>
-        <a:lstStyle/>
-        <a:p>
-          <a:endParaRPr lang="de-DE"/>
-        </a:p>
-      </dgm:t>
     </dgm:pt>
     <dgm:pt modelId="{48E1AD6C-04E3-5047-8B6E-169C4DE6C0BD}" type="pres">
       <dgm:prSet presAssocID="{54AAB197-8266-0B4E-83D2-C0A636856F54}" presName="node" presStyleLbl="node1" presStyleIdx="3" presStyleCnt="4">
@@ -5909,31 +5644,24 @@
         </dgm:presLayoutVars>
       </dgm:prSet>
       <dgm:spPr/>
-      <dgm:t>
-        <a:bodyPr/>
-        <a:lstStyle/>
-        <a:p>
-          <a:endParaRPr lang="de-DE"/>
-        </a:p>
-      </dgm:t>
     </dgm:pt>
   </dgm:ptLst>
   <dgm:cxnLst>
+    <dgm:cxn modelId="{F4B23D00-6711-944D-8D20-31EE18CD607F}" type="presOf" srcId="{98D865C2-7249-0546-A289-4BA2617820E6}" destId="{78019554-895E-1248-B21B-5CD6309654E4}" srcOrd="0" destOrd="0" presId="urn:microsoft.com/office/officeart/2005/8/layout/process1"/>
+    <dgm:cxn modelId="{9AD13F03-FA98-2546-A1F6-086D6D749FC5}" srcId="{82BD223D-4D97-664B-8FA2-F811E68132B9}" destId="{9F5FBEB5-0D91-6442-BAE6-3C8FE451890E}" srcOrd="1" destOrd="0" parTransId="{44185C10-A566-584D-8792-6F8CDA31CFEF}" sibTransId="{D96BFFC3-C37B-F740-8CDD-799CDA9C29AF}"/>
+    <dgm:cxn modelId="{2563B04A-08A4-A648-8EF7-123C712C2CD0}" type="presOf" srcId="{D96BFFC3-C37B-F740-8CDD-799CDA9C29AF}" destId="{36003D2E-E2F1-4C4D-80A6-3A3280BC15B9}" srcOrd="1" destOrd="0" presId="urn:microsoft.com/office/officeart/2005/8/layout/process1"/>
+    <dgm:cxn modelId="{EC73EC4B-5CB1-C747-BBCA-53FD4000BA85}" type="presOf" srcId="{54AAB197-8266-0B4E-83D2-C0A636856F54}" destId="{48E1AD6C-04E3-5047-8B6E-169C4DE6C0BD}" srcOrd="0" destOrd="0" presId="urn:microsoft.com/office/officeart/2005/8/layout/process1"/>
+    <dgm:cxn modelId="{6B2B184E-1680-4244-8570-78F51F565DE1}" type="presOf" srcId="{9E409708-FC7B-604D-AE00-C59A3BC6C774}" destId="{AC19049A-FF2E-864B-A995-C88CCE14464E}" srcOrd="0" destOrd="0" presId="urn:microsoft.com/office/officeart/2005/8/layout/process1"/>
+    <dgm:cxn modelId="{09218870-4562-3746-B611-E3A55E4B78FA}" type="presOf" srcId="{9F5FBEB5-0D91-6442-BAE6-3C8FE451890E}" destId="{942B2FD4-F953-1241-B452-E01505D35646}" srcOrd="0" destOrd="0" presId="urn:microsoft.com/office/officeart/2005/8/layout/process1"/>
+    <dgm:cxn modelId="{81C7B384-6DE4-594F-B553-60CE583DD7A1}" srcId="{82BD223D-4D97-664B-8FA2-F811E68132B9}" destId="{D485B35D-896C-DA49-AEA4-E274D4DDB368}" srcOrd="2" destOrd="0" parTransId="{F00B634A-EC19-AB43-9C55-25F6154F2E01}" sibTransId="{98D865C2-7249-0546-A289-4BA2617820E6}"/>
+    <dgm:cxn modelId="{7DB42488-BE7C-3344-BA7C-7137057D492C}" type="presOf" srcId="{EE7B1B78-2CB7-C647-875E-937A240D7736}" destId="{26BA574D-A9C9-D847-8AAF-A8F48018C2C1}" srcOrd="1" destOrd="0" presId="urn:microsoft.com/office/officeart/2005/8/layout/process1"/>
+    <dgm:cxn modelId="{E2308D9B-C318-7A47-BD25-D5AD8211465F}" type="presOf" srcId="{D96BFFC3-C37B-F740-8CDD-799CDA9C29AF}" destId="{61D01FBA-AE9A-8140-B034-5E107AF8B06D}" srcOrd="0" destOrd="0" presId="urn:microsoft.com/office/officeart/2005/8/layout/process1"/>
+    <dgm:cxn modelId="{626BC39B-8003-7848-BACF-4013CF507C46}" type="presOf" srcId="{EE7B1B78-2CB7-C647-875E-937A240D7736}" destId="{30EAC814-8F64-D74A-9EBA-0CBC6BE058AA}" srcOrd="0" destOrd="0" presId="urn:microsoft.com/office/officeart/2005/8/layout/process1"/>
+    <dgm:cxn modelId="{E198D6D4-91AD-F643-8652-6843F8F235B1}" srcId="{82BD223D-4D97-664B-8FA2-F811E68132B9}" destId="{9E409708-FC7B-604D-AE00-C59A3BC6C774}" srcOrd="0" destOrd="0" parTransId="{AF54B174-D1EC-FF4E-9C8F-E68F41ABE717}" sibTransId="{EE7B1B78-2CB7-C647-875E-937A240D7736}"/>
+    <dgm:cxn modelId="{5365C2D6-3123-7B47-B212-501916D3CA42}" type="presOf" srcId="{82BD223D-4D97-664B-8FA2-F811E68132B9}" destId="{5C4E5A0B-1B12-EC4C-BCB7-F3E190AFE040}" srcOrd="0" destOrd="0" presId="urn:microsoft.com/office/officeart/2005/8/layout/process1"/>
+    <dgm:cxn modelId="{4D13A3EA-2847-3646-8608-9827840068A1}" type="presOf" srcId="{98D865C2-7249-0546-A289-4BA2617820E6}" destId="{17A53E92-4269-D049-A101-E669C1A6D0BA}" srcOrd="1" destOrd="0" presId="urn:microsoft.com/office/officeart/2005/8/layout/process1"/>
+    <dgm:cxn modelId="{ECF68DED-B918-1A4D-B28F-3EC8D3653DF8}" type="presOf" srcId="{D485B35D-896C-DA49-AEA4-E274D4DDB368}" destId="{2D682FDA-6E7F-4A43-8A70-4A764CE24742}" srcOrd="0" destOrd="0" presId="urn:microsoft.com/office/officeart/2005/8/layout/process1"/>
     <dgm:cxn modelId="{2BCEAEFF-A9FB-5C48-85FF-B123F8BCA8D1}" srcId="{82BD223D-4D97-664B-8FA2-F811E68132B9}" destId="{54AAB197-8266-0B4E-83D2-C0A636856F54}" srcOrd="3" destOrd="0" parTransId="{5B1EBB87-FA02-2E4E-9C97-ED4DD0AE3921}" sibTransId="{EE6869A3-EE4E-D54B-B05E-1DD13DD15896}"/>
-    <dgm:cxn modelId="{81C7B384-6DE4-594F-B553-60CE583DD7A1}" srcId="{82BD223D-4D97-664B-8FA2-F811E68132B9}" destId="{D485B35D-896C-DA49-AEA4-E274D4DDB368}" srcOrd="2" destOrd="0" parTransId="{F00B634A-EC19-AB43-9C55-25F6154F2E01}" sibTransId="{98D865C2-7249-0546-A289-4BA2617820E6}"/>
-    <dgm:cxn modelId="{E198D6D4-91AD-F643-8652-6843F8F235B1}" srcId="{82BD223D-4D97-664B-8FA2-F811E68132B9}" destId="{9E409708-FC7B-604D-AE00-C59A3BC6C774}" srcOrd="0" destOrd="0" parTransId="{AF54B174-D1EC-FF4E-9C8F-E68F41ABE717}" sibTransId="{EE7B1B78-2CB7-C647-875E-937A240D7736}"/>
-    <dgm:cxn modelId="{626BC39B-8003-7848-BACF-4013CF507C46}" type="presOf" srcId="{EE7B1B78-2CB7-C647-875E-937A240D7736}" destId="{30EAC814-8F64-D74A-9EBA-0CBC6BE058AA}" srcOrd="0" destOrd="0" presId="urn:microsoft.com/office/officeart/2005/8/layout/process1"/>
-    <dgm:cxn modelId="{4D13A3EA-2847-3646-8608-9827840068A1}" type="presOf" srcId="{98D865C2-7249-0546-A289-4BA2617820E6}" destId="{17A53E92-4269-D049-A101-E669C1A6D0BA}" srcOrd="1" destOrd="0" presId="urn:microsoft.com/office/officeart/2005/8/layout/process1"/>
-    <dgm:cxn modelId="{F4B23D00-6711-944D-8D20-31EE18CD607F}" type="presOf" srcId="{98D865C2-7249-0546-A289-4BA2617820E6}" destId="{78019554-895E-1248-B21B-5CD6309654E4}" srcOrd="0" destOrd="0" presId="urn:microsoft.com/office/officeart/2005/8/layout/process1"/>
-    <dgm:cxn modelId="{E2308D9B-C318-7A47-BD25-D5AD8211465F}" type="presOf" srcId="{D96BFFC3-C37B-F740-8CDD-799CDA9C29AF}" destId="{61D01FBA-AE9A-8140-B034-5E107AF8B06D}" srcOrd="0" destOrd="0" presId="urn:microsoft.com/office/officeart/2005/8/layout/process1"/>
-    <dgm:cxn modelId="{EC73EC4B-5CB1-C747-BBCA-53FD4000BA85}" type="presOf" srcId="{54AAB197-8266-0B4E-83D2-C0A636856F54}" destId="{48E1AD6C-04E3-5047-8B6E-169C4DE6C0BD}" srcOrd="0" destOrd="0" presId="urn:microsoft.com/office/officeart/2005/8/layout/process1"/>
-    <dgm:cxn modelId="{09218870-4562-3746-B611-E3A55E4B78FA}" type="presOf" srcId="{9F5FBEB5-0D91-6442-BAE6-3C8FE451890E}" destId="{942B2FD4-F953-1241-B452-E01505D35646}" srcOrd="0" destOrd="0" presId="urn:microsoft.com/office/officeart/2005/8/layout/process1"/>
-    <dgm:cxn modelId="{6B2B184E-1680-4244-8570-78F51F565DE1}" type="presOf" srcId="{9E409708-FC7B-604D-AE00-C59A3BC6C774}" destId="{AC19049A-FF2E-864B-A995-C88CCE14464E}" srcOrd="0" destOrd="0" presId="urn:microsoft.com/office/officeart/2005/8/layout/process1"/>
-    <dgm:cxn modelId="{2563B04A-08A4-A648-8EF7-123C712C2CD0}" type="presOf" srcId="{D96BFFC3-C37B-F740-8CDD-799CDA9C29AF}" destId="{36003D2E-E2F1-4C4D-80A6-3A3280BC15B9}" srcOrd="1" destOrd="0" presId="urn:microsoft.com/office/officeart/2005/8/layout/process1"/>
-    <dgm:cxn modelId="{5365C2D6-3123-7B47-B212-501916D3CA42}" type="presOf" srcId="{82BD223D-4D97-664B-8FA2-F811E68132B9}" destId="{5C4E5A0B-1B12-EC4C-BCB7-F3E190AFE040}" srcOrd="0" destOrd="0" presId="urn:microsoft.com/office/officeart/2005/8/layout/process1"/>
-    <dgm:cxn modelId="{9AD13F03-FA98-2546-A1F6-086D6D749FC5}" srcId="{82BD223D-4D97-664B-8FA2-F811E68132B9}" destId="{9F5FBEB5-0D91-6442-BAE6-3C8FE451890E}" srcOrd="1" destOrd="0" parTransId="{44185C10-A566-584D-8792-6F8CDA31CFEF}" sibTransId="{D96BFFC3-C37B-F740-8CDD-799CDA9C29AF}"/>
-    <dgm:cxn modelId="{ECF68DED-B918-1A4D-B28F-3EC8D3653DF8}" type="presOf" srcId="{D485B35D-896C-DA49-AEA4-E274D4DDB368}" destId="{2D682FDA-6E7F-4A43-8A70-4A764CE24742}" srcOrd="0" destOrd="0" presId="urn:microsoft.com/office/officeart/2005/8/layout/process1"/>
-    <dgm:cxn modelId="{7DB42488-BE7C-3344-BA7C-7137057D492C}" type="presOf" srcId="{EE7B1B78-2CB7-C647-875E-937A240D7736}" destId="{26BA574D-A9C9-D847-8AAF-A8F48018C2C1}" srcOrd="1" destOrd="0" presId="urn:microsoft.com/office/officeart/2005/8/layout/process1"/>
     <dgm:cxn modelId="{653116DA-45E0-F740-85EC-9A8B6796BB0F}" type="presParOf" srcId="{5C4E5A0B-1B12-EC4C-BCB7-F3E190AFE040}" destId="{AC19049A-FF2E-864B-A995-C88CCE14464E}" srcOrd="0" destOrd="0" presId="urn:microsoft.com/office/officeart/2005/8/layout/process1"/>
     <dgm:cxn modelId="{4B1C97D8-10DC-0D40-BBE1-E24628D2442F}" type="presParOf" srcId="{5C4E5A0B-1B12-EC4C-BCB7-F3E190AFE040}" destId="{30EAC814-8F64-D74A-9EBA-0CBC6BE058AA}" srcOrd="1" destOrd="0" presId="urn:microsoft.com/office/officeart/2005/8/layout/process1"/>
     <dgm:cxn modelId="{F41F64AF-4C2E-3E47-A2ED-EE018ED6D450}" type="presParOf" srcId="{30EAC814-8F64-D74A-9EBA-0CBC6BE058AA}" destId="{26BA574D-A9C9-D847-8AAF-A8F48018C2C1}" srcOrd="0" destOrd="0" presId="urn:microsoft.com/office/officeart/2005/8/layout/process1"/>
@@ -5970,10 +5698,9 @@
         <a:lstStyle/>
         <a:p>
           <a:r>
-            <a:rPr lang="de-DE" dirty="0" smtClean="0"/>
+            <a:rPr lang="de-DE" dirty="0"/>
             <a:t>Anbinden von Bootstrap</a:t>
           </a:r>
-          <a:endParaRPr lang="de-DE" dirty="0"/>
         </a:p>
       </dgm:t>
     </dgm:pt>
@@ -6007,10 +5734,9 @@
         <a:lstStyle/>
         <a:p>
           <a:r>
-            <a:rPr lang="de-DE" dirty="0" smtClean="0"/>
+            <a:rPr lang="de-DE" dirty="0"/>
             <a:t>Eigene Styles hinzufügen</a:t>
           </a:r>
-          <a:endParaRPr lang="de-DE" dirty="0"/>
         </a:p>
       </dgm:t>
     </dgm:pt>
@@ -6052,35 +5778,14 @@
         </dgm:presLayoutVars>
       </dgm:prSet>
       <dgm:spPr/>
-      <dgm:t>
-        <a:bodyPr/>
-        <a:lstStyle/>
-        <a:p>
-          <a:endParaRPr lang="de-DE"/>
-        </a:p>
-      </dgm:t>
     </dgm:pt>
     <dgm:pt modelId="{30EAC814-8F64-D74A-9EBA-0CBC6BE058AA}" type="pres">
       <dgm:prSet presAssocID="{EE7B1B78-2CB7-C647-875E-937A240D7736}" presName="sibTrans" presStyleLbl="sibTrans2D1" presStyleIdx="0" presStyleCnt="1"/>
       <dgm:spPr/>
-      <dgm:t>
-        <a:bodyPr/>
-        <a:lstStyle/>
-        <a:p>
-          <a:endParaRPr lang="de-DE"/>
-        </a:p>
-      </dgm:t>
     </dgm:pt>
     <dgm:pt modelId="{26BA574D-A9C9-D847-8AAF-A8F48018C2C1}" type="pres">
       <dgm:prSet presAssocID="{EE7B1B78-2CB7-C647-875E-937A240D7736}" presName="connectorText" presStyleLbl="sibTrans2D1" presStyleIdx="0" presStyleCnt="1"/>
       <dgm:spPr/>
-      <dgm:t>
-        <a:bodyPr/>
-        <a:lstStyle/>
-        <a:p>
-          <a:endParaRPr lang="de-DE"/>
-        </a:p>
-      </dgm:t>
     </dgm:pt>
     <dgm:pt modelId="{F3798565-47D6-9C41-8AE7-D9D9868DAAE8}" type="pres">
       <dgm:prSet presAssocID="{71D68F48-EF39-0D4B-9727-81BBE7C36DFA}" presName="node" presStyleLbl="node1" presStyleIdx="1" presStyleCnt="2">
@@ -6089,23 +5794,16 @@
         </dgm:presLayoutVars>
       </dgm:prSet>
       <dgm:spPr/>
-      <dgm:t>
-        <a:bodyPr/>
-        <a:lstStyle/>
-        <a:p>
-          <a:endParaRPr lang="de-DE"/>
-        </a:p>
-      </dgm:t>
     </dgm:pt>
   </dgm:ptLst>
   <dgm:cxnLst>
-    <dgm:cxn modelId="{3BD5FD7F-ACAD-2444-B596-B7307DC983E4}" type="presOf" srcId="{EE7B1B78-2CB7-C647-875E-937A240D7736}" destId="{30EAC814-8F64-D74A-9EBA-0CBC6BE058AA}" srcOrd="0" destOrd="0" presId="urn:microsoft.com/office/officeart/2005/8/layout/process1"/>
+    <dgm:cxn modelId="{C1FB551E-AA5C-5F42-992A-765D9395B3F3}" type="presOf" srcId="{71D68F48-EF39-0D4B-9727-81BBE7C36DFA}" destId="{F3798565-47D6-9C41-8AE7-D9D9868DAAE8}" srcOrd="0" destOrd="0" presId="urn:microsoft.com/office/officeart/2005/8/layout/process1"/>
+    <dgm:cxn modelId="{C864D32C-D202-D649-84A6-DF938C126F4D}" type="presOf" srcId="{EE7B1B78-2CB7-C647-875E-937A240D7736}" destId="{26BA574D-A9C9-D847-8AAF-A8F48018C2C1}" srcOrd="1" destOrd="0" presId="urn:microsoft.com/office/officeart/2005/8/layout/process1"/>
     <dgm:cxn modelId="{382F1465-D27C-FD49-9140-08DA3B39E4DF}" srcId="{82BD223D-4D97-664B-8FA2-F811E68132B9}" destId="{71D68F48-EF39-0D4B-9727-81BBE7C36DFA}" srcOrd="1" destOrd="0" parTransId="{98EAC6FD-7FB1-F24A-8C95-19E6E4834FF9}" sibTransId="{223C2E35-3AE7-F640-AE72-FAF240D76888}"/>
-    <dgm:cxn modelId="{C864D32C-D202-D649-84A6-DF938C126F4D}" type="presOf" srcId="{EE7B1B78-2CB7-C647-875E-937A240D7736}" destId="{26BA574D-A9C9-D847-8AAF-A8F48018C2C1}" srcOrd="1" destOrd="0" presId="urn:microsoft.com/office/officeart/2005/8/layout/process1"/>
     <dgm:cxn modelId="{2274EC66-D9A7-7D44-A799-6CA5B5A963AC}" type="presOf" srcId="{9E409708-FC7B-604D-AE00-C59A3BC6C774}" destId="{AC19049A-FF2E-864B-A995-C88CCE14464E}" srcOrd="0" destOrd="0" presId="urn:microsoft.com/office/officeart/2005/8/layout/process1"/>
     <dgm:cxn modelId="{A9BCD256-481B-3844-887A-D74D5A833AAF}" type="presOf" srcId="{82BD223D-4D97-664B-8FA2-F811E68132B9}" destId="{5C4E5A0B-1B12-EC4C-BCB7-F3E190AFE040}" srcOrd="0" destOrd="0" presId="urn:microsoft.com/office/officeart/2005/8/layout/process1"/>
+    <dgm:cxn modelId="{3BD5FD7F-ACAD-2444-B596-B7307DC983E4}" type="presOf" srcId="{EE7B1B78-2CB7-C647-875E-937A240D7736}" destId="{30EAC814-8F64-D74A-9EBA-0CBC6BE058AA}" srcOrd="0" destOrd="0" presId="urn:microsoft.com/office/officeart/2005/8/layout/process1"/>
     <dgm:cxn modelId="{E198D6D4-91AD-F643-8652-6843F8F235B1}" srcId="{82BD223D-4D97-664B-8FA2-F811E68132B9}" destId="{9E409708-FC7B-604D-AE00-C59A3BC6C774}" srcOrd="0" destOrd="0" parTransId="{AF54B174-D1EC-FF4E-9C8F-E68F41ABE717}" sibTransId="{EE7B1B78-2CB7-C647-875E-937A240D7736}"/>
-    <dgm:cxn modelId="{C1FB551E-AA5C-5F42-992A-765D9395B3F3}" type="presOf" srcId="{71D68F48-EF39-0D4B-9727-81BBE7C36DFA}" destId="{F3798565-47D6-9C41-8AE7-D9D9868DAAE8}" srcOrd="0" destOrd="0" presId="urn:microsoft.com/office/officeart/2005/8/layout/process1"/>
     <dgm:cxn modelId="{455F0944-5EEE-C143-81E6-A819CE682C15}" type="presParOf" srcId="{5C4E5A0B-1B12-EC4C-BCB7-F3E190AFE040}" destId="{AC19049A-FF2E-864B-A995-C88CCE14464E}" srcOrd="0" destOrd="0" presId="urn:microsoft.com/office/officeart/2005/8/layout/process1"/>
     <dgm:cxn modelId="{165A46C4-BCD6-2C44-8F17-15A217E5C55B}" type="presParOf" srcId="{5C4E5A0B-1B12-EC4C-BCB7-F3E190AFE040}" destId="{30EAC814-8F64-D74A-9EBA-0CBC6BE058AA}" srcOrd="1" destOrd="0" presId="urn:microsoft.com/office/officeart/2005/8/layout/process1"/>
     <dgm:cxn modelId="{74002F84-C358-884D-8F39-FEEBB52F7F4E}" type="presParOf" srcId="{30EAC814-8F64-D74A-9EBA-0CBC6BE058AA}" destId="{26BA574D-A9C9-D847-8AAF-A8F48018C2C1}" srcOrd="0" destOrd="0" presId="urn:microsoft.com/office/officeart/2005/8/layout/process1"/>
@@ -6136,10 +5834,9 @@
         <a:lstStyle/>
         <a:p>
           <a:r>
-            <a:rPr lang="de-DE" dirty="0" smtClean="0"/>
+            <a:rPr lang="de-DE" dirty="0"/>
             <a:t>Definition von Routen</a:t>
           </a:r>
-          <a:endParaRPr lang="de-DE" dirty="0"/>
         </a:p>
       </dgm:t>
     </dgm:pt>
@@ -6173,10 +5870,9 @@
         <a:lstStyle/>
         <a:p>
           <a:r>
-            <a:rPr lang="de-DE" dirty="0" smtClean="0"/>
+            <a:rPr lang="de-DE" dirty="0"/>
             <a:t>Verwendung der Routing</a:t>
           </a:r>
-          <a:endParaRPr lang="de-DE" dirty="0"/>
         </a:p>
       </dgm:t>
     </dgm:pt>
@@ -6218,35 +5914,14 @@
         </dgm:presLayoutVars>
       </dgm:prSet>
       <dgm:spPr/>
-      <dgm:t>
-        <a:bodyPr/>
-        <a:lstStyle/>
-        <a:p>
-          <a:endParaRPr lang="de-DE"/>
-        </a:p>
-      </dgm:t>
     </dgm:pt>
     <dgm:pt modelId="{30EAC814-8F64-D74A-9EBA-0CBC6BE058AA}" type="pres">
       <dgm:prSet presAssocID="{EE7B1B78-2CB7-C647-875E-937A240D7736}" presName="sibTrans" presStyleLbl="sibTrans2D1" presStyleIdx="0" presStyleCnt="1"/>
       <dgm:spPr/>
-      <dgm:t>
-        <a:bodyPr/>
-        <a:lstStyle/>
-        <a:p>
-          <a:endParaRPr lang="de-DE"/>
-        </a:p>
-      </dgm:t>
     </dgm:pt>
     <dgm:pt modelId="{26BA574D-A9C9-D847-8AAF-A8F48018C2C1}" type="pres">
       <dgm:prSet presAssocID="{EE7B1B78-2CB7-C647-875E-937A240D7736}" presName="connectorText" presStyleLbl="sibTrans2D1" presStyleIdx="0" presStyleCnt="1"/>
       <dgm:spPr/>
-      <dgm:t>
-        <a:bodyPr/>
-        <a:lstStyle/>
-        <a:p>
-          <a:endParaRPr lang="de-DE"/>
-        </a:p>
-      </dgm:t>
     </dgm:pt>
     <dgm:pt modelId="{942B2FD4-F953-1241-B452-E01505D35646}" type="pres">
       <dgm:prSet presAssocID="{9F5FBEB5-0D91-6442-BAE6-3C8FE451890E}" presName="node" presStyleLbl="node1" presStyleIdx="1" presStyleCnt="2">
@@ -6255,23 +5930,16 @@
         </dgm:presLayoutVars>
       </dgm:prSet>
       <dgm:spPr/>
-      <dgm:t>
-        <a:bodyPr/>
-        <a:lstStyle/>
-        <a:p>
-          <a:endParaRPr lang="de-DE"/>
-        </a:p>
-      </dgm:t>
     </dgm:pt>
   </dgm:ptLst>
   <dgm:cxnLst>
+    <dgm:cxn modelId="{9AD13F03-FA98-2546-A1F6-086D6D749FC5}" srcId="{82BD223D-4D97-664B-8FA2-F811E68132B9}" destId="{9F5FBEB5-0D91-6442-BAE6-3C8FE451890E}" srcOrd="1" destOrd="0" parTransId="{44185C10-A566-584D-8792-6F8CDA31CFEF}" sibTransId="{D96BFFC3-C37B-F740-8CDD-799CDA9C29AF}"/>
+    <dgm:cxn modelId="{32CD821A-B520-014C-9995-1247839A1615}" type="presOf" srcId="{9F5FBEB5-0D91-6442-BAE6-3C8FE451890E}" destId="{942B2FD4-F953-1241-B452-E01505D35646}" srcOrd="0" destOrd="0" presId="urn:microsoft.com/office/officeart/2005/8/layout/process1"/>
+    <dgm:cxn modelId="{E033EC1A-0A6B-414C-BA47-A69CB3DDC2D8}" type="presOf" srcId="{EE7B1B78-2CB7-C647-875E-937A240D7736}" destId="{26BA574D-A9C9-D847-8AAF-A8F48018C2C1}" srcOrd="1" destOrd="0" presId="urn:microsoft.com/office/officeart/2005/8/layout/process1"/>
+    <dgm:cxn modelId="{1B0CBD2C-F6A5-BE47-AA25-80FF0DBC223D}" type="presOf" srcId="{82BD223D-4D97-664B-8FA2-F811E68132B9}" destId="{5C4E5A0B-1B12-EC4C-BCB7-F3E190AFE040}" srcOrd="0" destOrd="0" presId="urn:microsoft.com/office/officeart/2005/8/layout/process1"/>
     <dgm:cxn modelId="{B0721CA3-19A8-D04D-857E-407EB9BC671A}" type="presOf" srcId="{9E409708-FC7B-604D-AE00-C59A3BC6C774}" destId="{AC19049A-FF2E-864B-A995-C88CCE14464E}" srcOrd="0" destOrd="0" presId="urn:microsoft.com/office/officeart/2005/8/layout/process1"/>
+    <dgm:cxn modelId="{E6A75DB5-821C-E345-A783-C1FE436C1B5F}" type="presOf" srcId="{EE7B1B78-2CB7-C647-875E-937A240D7736}" destId="{30EAC814-8F64-D74A-9EBA-0CBC6BE058AA}" srcOrd="0" destOrd="0" presId="urn:microsoft.com/office/officeart/2005/8/layout/process1"/>
     <dgm:cxn modelId="{E198D6D4-91AD-F643-8652-6843F8F235B1}" srcId="{82BD223D-4D97-664B-8FA2-F811E68132B9}" destId="{9E409708-FC7B-604D-AE00-C59A3BC6C774}" srcOrd="0" destOrd="0" parTransId="{AF54B174-D1EC-FF4E-9C8F-E68F41ABE717}" sibTransId="{EE7B1B78-2CB7-C647-875E-937A240D7736}"/>
-    <dgm:cxn modelId="{9AD13F03-FA98-2546-A1F6-086D6D749FC5}" srcId="{82BD223D-4D97-664B-8FA2-F811E68132B9}" destId="{9F5FBEB5-0D91-6442-BAE6-3C8FE451890E}" srcOrd="1" destOrd="0" parTransId="{44185C10-A566-584D-8792-6F8CDA31CFEF}" sibTransId="{D96BFFC3-C37B-F740-8CDD-799CDA9C29AF}"/>
-    <dgm:cxn modelId="{E033EC1A-0A6B-414C-BA47-A69CB3DDC2D8}" type="presOf" srcId="{EE7B1B78-2CB7-C647-875E-937A240D7736}" destId="{26BA574D-A9C9-D847-8AAF-A8F48018C2C1}" srcOrd="1" destOrd="0" presId="urn:microsoft.com/office/officeart/2005/8/layout/process1"/>
-    <dgm:cxn modelId="{E6A75DB5-821C-E345-A783-C1FE436C1B5F}" type="presOf" srcId="{EE7B1B78-2CB7-C647-875E-937A240D7736}" destId="{30EAC814-8F64-D74A-9EBA-0CBC6BE058AA}" srcOrd="0" destOrd="0" presId="urn:microsoft.com/office/officeart/2005/8/layout/process1"/>
-    <dgm:cxn modelId="{1B0CBD2C-F6A5-BE47-AA25-80FF0DBC223D}" type="presOf" srcId="{82BD223D-4D97-664B-8FA2-F811E68132B9}" destId="{5C4E5A0B-1B12-EC4C-BCB7-F3E190AFE040}" srcOrd="0" destOrd="0" presId="urn:microsoft.com/office/officeart/2005/8/layout/process1"/>
-    <dgm:cxn modelId="{32CD821A-B520-014C-9995-1247839A1615}" type="presOf" srcId="{9F5FBEB5-0D91-6442-BAE6-3C8FE451890E}" destId="{942B2FD4-F953-1241-B452-E01505D35646}" srcOrd="0" destOrd="0" presId="urn:microsoft.com/office/officeart/2005/8/layout/process1"/>
     <dgm:cxn modelId="{A4352B15-D4C4-FC49-93A5-8ECF0236F8FE}" type="presParOf" srcId="{5C4E5A0B-1B12-EC4C-BCB7-F3E190AFE040}" destId="{AC19049A-FF2E-864B-A995-C88CCE14464E}" srcOrd="0" destOrd="0" presId="urn:microsoft.com/office/officeart/2005/8/layout/process1"/>
     <dgm:cxn modelId="{76B2E135-3E91-D646-96A5-12475035BBCD}" type="presParOf" srcId="{5C4E5A0B-1B12-EC4C-BCB7-F3E190AFE040}" destId="{30EAC814-8F64-D74A-9EBA-0CBC6BE058AA}" srcOrd="1" destOrd="0" presId="urn:microsoft.com/office/officeart/2005/8/layout/process1"/>
     <dgm:cxn modelId="{F19A6B13-7B8B-F549-9914-C9DC6C60AA94}" type="presParOf" srcId="{30EAC814-8F64-D74A-9EBA-0CBC6BE058AA}" destId="{26BA574D-A9C9-D847-8AAF-A8F48018C2C1}" srcOrd="0" destOrd="0" presId="urn:microsoft.com/office/officeart/2005/8/layout/process1"/>
@@ -6376,7 +6044,7 @@
         </a:bodyPr>
         <a:lstStyle/>
         <a:p>
-          <a:pPr lvl="0" algn="ctr" defTabSz="1689100">
+          <a:pPr marL="0" lvl="0" indent="0" algn="ctr" defTabSz="1689100">
             <a:lnSpc>
               <a:spcPct val="90000"/>
             </a:lnSpc>
@@ -6386,12 +6054,12 @@
             <a:spcAft>
               <a:spcPct val="35000"/>
             </a:spcAft>
+            <a:buNone/>
           </a:pPr>
           <a:r>
-            <a:rPr lang="de-DE" sz="3800" kern="1200" dirty="0" smtClean="0"/>
+            <a:rPr lang="de-DE" sz="3800" kern="1200" dirty="0"/>
             <a:t>Erstellen der Anwendung</a:t>
           </a:r>
-          <a:endParaRPr lang="de-DE" sz="3800" kern="1200" dirty="0"/>
         </a:p>
       </dsp:txBody>
       <dsp:txXfrm>
@@ -6484,7 +6152,7 @@
         </a:bodyPr>
         <a:lstStyle/>
         <a:p>
-          <a:pPr lvl="0" algn="ctr" defTabSz="1377950">
+          <a:pPr marL="0" lvl="0" indent="0" algn="ctr" defTabSz="1377950">
             <a:lnSpc>
               <a:spcPct val="90000"/>
             </a:lnSpc>
@@ -6494,6 +6162,7 @@
             <a:spcAft>
               <a:spcPct val="35000"/>
             </a:spcAft>
+            <a:buNone/>
           </a:pPr>
           <a:endParaRPr lang="de-DE" sz="3100" kern="1200"/>
         </a:p>
@@ -6584,7 +6253,7 @@
         </a:bodyPr>
         <a:lstStyle/>
         <a:p>
-          <a:pPr lvl="0" algn="ctr" defTabSz="1689100">
+          <a:pPr marL="0" lvl="0" indent="0" algn="ctr" defTabSz="1689100">
             <a:lnSpc>
               <a:spcPct val="90000"/>
             </a:lnSpc>
@@ -6594,12 +6263,12 @@
             <a:spcAft>
               <a:spcPct val="35000"/>
             </a:spcAft>
+            <a:buNone/>
           </a:pPr>
           <a:r>
-            <a:rPr lang="de-DE" sz="3800" kern="1200" dirty="0" smtClean="0"/>
+            <a:rPr lang="de-DE" sz="3800" kern="1200" dirty="0"/>
             <a:t>Kennenlernen</a:t>
           </a:r>
-          <a:endParaRPr lang="de-DE" sz="3800" kern="1200" dirty="0"/>
         </a:p>
       </dsp:txBody>
       <dsp:txXfrm>
@@ -6692,7 +6361,7 @@
         </a:bodyPr>
         <a:lstStyle/>
         <a:p>
-          <a:pPr lvl="0" algn="ctr" defTabSz="1377950">
+          <a:pPr marL="0" lvl="0" indent="0" algn="ctr" defTabSz="1377950">
             <a:lnSpc>
               <a:spcPct val="90000"/>
             </a:lnSpc>
@@ -6702,6 +6371,7 @@
             <a:spcAft>
               <a:spcPct val="35000"/>
             </a:spcAft>
+            <a:buNone/>
           </a:pPr>
           <a:endParaRPr lang="de-DE" sz="3100" kern="1200"/>
         </a:p>
@@ -6792,7 +6462,7 @@
         </a:bodyPr>
         <a:lstStyle/>
         <a:p>
-          <a:pPr lvl="0" algn="ctr" defTabSz="1689100">
+          <a:pPr marL="0" lvl="0" indent="0" algn="ctr" defTabSz="1689100">
             <a:lnSpc>
               <a:spcPct val="90000"/>
             </a:lnSpc>
@@ -6802,12 +6472,12 @@
             <a:spcAft>
               <a:spcPct val="35000"/>
             </a:spcAft>
+            <a:buNone/>
           </a:pPr>
           <a:r>
-            <a:rPr lang="de-DE" sz="3800" kern="1200" dirty="0" smtClean="0"/>
+            <a:rPr lang="de-DE" sz="3800" kern="1200" dirty="0"/>
             <a:t>Erste Anpassungen</a:t>
           </a:r>
-          <a:endParaRPr lang="de-DE" sz="3800" kern="1200" dirty="0"/>
         </a:p>
       </dsp:txBody>
       <dsp:txXfrm>
@@ -6908,7 +6578,7 @@
         </a:bodyPr>
         <a:lstStyle/>
         <a:p>
-          <a:pPr lvl="0" algn="ctr" defTabSz="1600200">
+          <a:pPr marL="0" lvl="0" indent="0" algn="ctr" defTabSz="1600200">
             <a:lnSpc>
               <a:spcPct val="90000"/>
             </a:lnSpc>
@@ -6918,20 +6588,20 @@
             <a:spcAft>
               <a:spcPct val="35000"/>
             </a:spcAft>
+            <a:buNone/>
           </a:pPr>
           <a:r>
-            <a:rPr lang="de-DE" sz="3600" kern="1200" dirty="0" smtClean="0"/>
+            <a:rPr lang="de-DE" sz="3600" kern="1200" dirty="0"/>
             <a:t>Erstellen der Komponente „</a:t>
           </a:r>
           <a:r>
-            <a:rPr lang="de-DE" sz="3600" kern="1200" dirty="0" err="1" smtClean="0"/>
+            <a:rPr lang="de-DE" sz="3600" kern="1200" dirty="0" err="1"/>
             <a:t>home</a:t>
           </a:r>
           <a:r>
-            <a:rPr lang="de-DE" sz="3600" kern="1200" dirty="0" smtClean="0"/>
+            <a:rPr lang="de-DE" sz="3600" kern="1200" dirty="0"/>
             <a:t>“</a:t>
           </a:r>
-          <a:endParaRPr lang="de-DE" sz="3600" kern="1200" dirty="0"/>
         </a:p>
       </dsp:txBody>
       <dsp:txXfrm>
@@ -7024,7 +6694,7 @@
         </a:bodyPr>
         <a:lstStyle/>
         <a:p>
-          <a:pPr lvl="0" algn="ctr" defTabSz="1289050">
+          <a:pPr marL="0" lvl="0" indent="0" algn="ctr" defTabSz="1289050">
             <a:lnSpc>
               <a:spcPct val="90000"/>
             </a:lnSpc>
@@ -7034,6 +6704,7 @@
             <a:spcAft>
               <a:spcPct val="35000"/>
             </a:spcAft>
+            <a:buNone/>
           </a:pPr>
           <a:endParaRPr lang="de-DE" sz="2900" kern="1200"/>
         </a:p>
@@ -7124,7 +6795,7 @@
         </a:bodyPr>
         <a:lstStyle/>
         <a:p>
-          <a:pPr lvl="0" algn="ctr" defTabSz="1600200">
+          <a:pPr marL="0" lvl="0" indent="0" algn="ctr" defTabSz="1600200">
             <a:lnSpc>
               <a:spcPct val="90000"/>
             </a:lnSpc>
@@ -7134,13 +6805,14 @@
             <a:spcAft>
               <a:spcPct val="35000"/>
             </a:spcAft>
+            <a:buNone/>
           </a:pPr>
           <a:r>
-            <a:rPr lang="de-DE" sz="3600" kern="1200" dirty="0" smtClean="0"/>
+            <a:rPr lang="de-DE" sz="3600" kern="1200" dirty="0"/>
             <a:t>Auslagern von HTML nach </a:t>
           </a:r>
           <a:r>
-            <a:rPr lang="de-DE" sz="3600" kern="1200" dirty="0" err="1" smtClean="0"/>
+            <a:rPr lang="de-DE" sz="3600" kern="1200" dirty="0" err="1"/>
             <a:t>home</a:t>
           </a:r>
           <a:endParaRPr lang="de-DE" sz="3600" kern="1200" dirty="0"/>
@@ -7236,7 +6908,7 @@
         </a:bodyPr>
         <a:lstStyle/>
         <a:p>
-          <a:pPr lvl="0" algn="ctr" defTabSz="1289050">
+          <a:pPr marL="0" lvl="0" indent="0" algn="ctr" defTabSz="1289050">
             <a:lnSpc>
               <a:spcPct val="90000"/>
             </a:lnSpc>
@@ -7246,6 +6918,7 @@
             <a:spcAft>
               <a:spcPct val="35000"/>
             </a:spcAft>
+            <a:buNone/>
           </a:pPr>
           <a:endParaRPr lang="de-DE" sz="2900" kern="1200"/>
         </a:p>
@@ -7336,7 +7009,7 @@
         </a:bodyPr>
         <a:lstStyle/>
         <a:p>
-          <a:pPr lvl="0" algn="ctr" defTabSz="1600200">
+          <a:pPr marL="0" lvl="0" indent="0" algn="ctr" defTabSz="1600200">
             <a:lnSpc>
               <a:spcPct val="90000"/>
             </a:lnSpc>
@@ -7346,12 +7019,12 @@
             <a:spcAft>
               <a:spcPct val="35000"/>
             </a:spcAft>
+            <a:buNone/>
           </a:pPr>
           <a:r>
-            <a:rPr lang="de-DE" sz="3600" kern="1200" dirty="0" smtClean="0"/>
+            <a:rPr lang="de-DE" sz="3600" kern="1200" dirty="0"/>
             <a:t>Einbinden in die Anwendung</a:t>
           </a:r>
-          <a:endParaRPr lang="de-DE" sz="3600" kern="1200" dirty="0"/>
         </a:p>
       </dsp:txBody>
       <dsp:txXfrm>
@@ -7452,7 +7125,7 @@
         </a:bodyPr>
         <a:lstStyle/>
         <a:p>
-          <a:pPr lvl="0" algn="ctr" defTabSz="844550">
+          <a:pPr marL="0" lvl="0" indent="0" algn="ctr" defTabSz="844550">
             <a:lnSpc>
               <a:spcPct val="90000"/>
             </a:lnSpc>
@@ -7462,20 +7135,20 @@
             <a:spcAft>
               <a:spcPct val="35000"/>
             </a:spcAft>
+            <a:buNone/>
           </a:pPr>
           <a:r>
-            <a:rPr lang="de-DE" sz="1900" kern="1200" dirty="0" smtClean="0"/>
+            <a:rPr lang="de-DE" sz="1900" kern="1200" dirty="0"/>
             <a:t>Erstellen der Komponente „</a:t>
           </a:r>
           <a:r>
-            <a:rPr lang="de-DE" sz="1900" kern="1200" dirty="0" err="1" smtClean="0"/>
+            <a:rPr lang="de-DE" sz="1900" kern="1200" dirty="0" err="1"/>
             <a:t>guest-book</a:t>
           </a:r>
           <a:r>
-            <a:rPr lang="de-DE" sz="1900" kern="1200" dirty="0" smtClean="0"/>
+            <a:rPr lang="de-DE" sz="1900" kern="1200" dirty="0"/>
             <a:t>“</a:t>
           </a:r>
-          <a:endParaRPr lang="de-DE" sz="1900" kern="1200" dirty="0"/>
         </a:p>
       </dsp:txBody>
       <dsp:txXfrm>
@@ -7568,7 +7241,7 @@
         </a:bodyPr>
         <a:lstStyle/>
         <a:p>
-          <a:pPr lvl="0" algn="ctr" defTabSz="711200">
+          <a:pPr marL="0" lvl="0" indent="0" algn="ctr" defTabSz="711200">
             <a:lnSpc>
               <a:spcPct val="90000"/>
             </a:lnSpc>
@@ -7578,6 +7251,7 @@
             <a:spcAft>
               <a:spcPct val="35000"/>
             </a:spcAft>
+            <a:buNone/>
           </a:pPr>
           <a:endParaRPr lang="de-DE" sz="1600" kern="1200"/>
         </a:p>
@@ -7668,7 +7342,7 @@
         </a:bodyPr>
         <a:lstStyle/>
         <a:p>
-          <a:pPr lvl="0" algn="ctr" defTabSz="844550">
+          <a:pPr marL="0" lvl="0" indent="0" algn="ctr" defTabSz="844550">
             <a:lnSpc>
               <a:spcPct val="90000"/>
             </a:lnSpc>
@@ -7678,12 +7352,12 @@
             <a:spcAft>
               <a:spcPct val="35000"/>
             </a:spcAft>
+            <a:buNone/>
           </a:pPr>
           <a:r>
-            <a:rPr lang="de-DE" sz="1900" kern="1200" dirty="0" smtClean="0"/>
+            <a:rPr lang="de-DE" sz="1900" kern="1200" dirty="0"/>
             <a:t>Einbinden in die Anwendung</a:t>
           </a:r>
-          <a:endParaRPr lang="de-DE" sz="1900" kern="1200" dirty="0"/>
         </a:p>
       </dsp:txBody>
       <dsp:txXfrm>
@@ -7776,7 +7450,7 @@
         </a:bodyPr>
         <a:lstStyle/>
         <a:p>
-          <a:pPr lvl="0" algn="ctr" defTabSz="711200">
+          <a:pPr marL="0" lvl="0" indent="0" algn="ctr" defTabSz="711200">
             <a:lnSpc>
               <a:spcPct val="90000"/>
             </a:lnSpc>
@@ -7786,6 +7460,7 @@
             <a:spcAft>
               <a:spcPct val="35000"/>
             </a:spcAft>
+            <a:buNone/>
           </a:pPr>
           <a:endParaRPr lang="de-DE" sz="1600" kern="1200"/>
         </a:p>
@@ -7876,7 +7551,7 @@
         </a:bodyPr>
         <a:lstStyle/>
         <a:p>
-          <a:pPr lvl="0" algn="ctr" defTabSz="844550">
+          <a:pPr marL="0" lvl="0" indent="0" algn="ctr" defTabSz="844550">
             <a:lnSpc>
               <a:spcPct val="90000"/>
             </a:lnSpc>
@@ -7886,20 +7561,20 @@
             <a:spcAft>
               <a:spcPct val="35000"/>
             </a:spcAft>
+            <a:buNone/>
           </a:pPr>
           <a:r>
-            <a:rPr lang="de-DE" sz="1900" kern="1200" dirty="0" smtClean="0"/>
+            <a:rPr lang="de-DE" sz="1900" kern="1200" dirty="0"/>
             <a:t>Erstellen der Komponente „</a:t>
           </a:r>
           <a:r>
-            <a:rPr lang="de-DE" sz="1900" kern="1200" dirty="0" err="1" smtClean="0"/>
+            <a:rPr lang="de-DE" sz="1900" kern="1200" dirty="0" err="1"/>
             <a:t>guest</a:t>
           </a:r>
           <a:r>
-            <a:rPr lang="de-DE" sz="1900" kern="1200" dirty="0" smtClean="0"/>
+            <a:rPr lang="de-DE" sz="1900" kern="1200" dirty="0"/>
             <a:t>-list“</a:t>
           </a:r>
-          <a:endParaRPr lang="de-DE" sz="1900" kern="1200" dirty="0"/>
         </a:p>
       </dsp:txBody>
       <dsp:txXfrm>
@@ -7992,7 +7667,7 @@
         </a:bodyPr>
         <a:lstStyle/>
         <a:p>
-          <a:pPr lvl="0" algn="ctr" defTabSz="711200">
+          <a:pPr marL="0" lvl="0" indent="0" algn="ctr" defTabSz="711200">
             <a:lnSpc>
               <a:spcPct val="90000"/>
             </a:lnSpc>
@@ -8002,6 +7677,7 @@
             <a:spcAft>
               <a:spcPct val="35000"/>
             </a:spcAft>
+            <a:buNone/>
           </a:pPr>
           <a:endParaRPr lang="de-DE" sz="1600" kern="1200"/>
         </a:p>
@@ -8092,7 +7768,7 @@
         </a:bodyPr>
         <a:lstStyle/>
         <a:p>
-          <a:pPr lvl="0" algn="ctr" defTabSz="844550">
+          <a:pPr marL="0" lvl="0" indent="0" algn="ctr" defTabSz="844550">
             <a:lnSpc>
               <a:spcPct val="90000"/>
             </a:lnSpc>
@@ -8102,20 +7778,20 @@
             <a:spcAft>
               <a:spcPct val="35000"/>
             </a:spcAft>
+            <a:buNone/>
           </a:pPr>
           <a:r>
-            <a:rPr lang="de-DE" sz="1900" kern="1200" dirty="0" smtClean="0"/>
+            <a:rPr lang="de-DE" sz="1900" kern="1200" dirty="0"/>
             <a:t>Auslagern des HTML nach </a:t>
           </a:r>
           <a:r>
-            <a:rPr lang="de-DE" sz="1900" kern="1200" dirty="0" err="1" smtClean="0"/>
+            <a:rPr lang="de-DE" sz="1900" kern="1200" dirty="0" err="1"/>
             <a:t>guest</a:t>
           </a:r>
           <a:r>
-            <a:rPr lang="de-DE" sz="1900" kern="1200" dirty="0" smtClean="0"/>
+            <a:rPr lang="de-DE" sz="1900" kern="1200" dirty="0"/>
             <a:t>-list</a:t>
           </a:r>
-          <a:endParaRPr lang="de-DE" sz="1900" kern="1200" dirty="0"/>
         </a:p>
       </dsp:txBody>
       <dsp:txXfrm>
@@ -8208,7 +7884,7 @@
         </a:bodyPr>
         <a:lstStyle/>
         <a:p>
-          <a:pPr lvl="0" algn="ctr" defTabSz="711200">
+          <a:pPr marL="0" lvl="0" indent="0" algn="ctr" defTabSz="711200">
             <a:lnSpc>
               <a:spcPct val="90000"/>
             </a:lnSpc>
@@ -8218,6 +7894,7 @@
             <a:spcAft>
               <a:spcPct val="35000"/>
             </a:spcAft>
+            <a:buNone/>
           </a:pPr>
           <a:endParaRPr lang="de-DE" sz="1600" kern="1200"/>
         </a:p>
@@ -8308,7 +7985,7 @@
         </a:bodyPr>
         <a:lstStyle/>
         <a:p>
-          <a:pPr lvl="0" algn="ctr" defTabSz="844550">
+          <a:pPr marL="0" lvl="0" indent="0" algn="ctr" defTabSz="844550">
             <a:lnSpc>
               <a:spcPct val="90000"/>
             </a:lnSpc>
@@ -8318,13 +7995,14 @@
             <a:spcAft>
               <a:spcPct val="35000"/>
             </a:spcAft>
+            <a:buNone/>
           </a:pPr>
           <a:r>
-            <a:rPr lang="de-DE" sz="1900" kern="1200" dirty="0" smtClean="0"/>
+            <a:rPr lang="de-DE" sz="1900" kern="1200" dirty="0"/>
             <a:t>Einbinden in die Komponente </a:t>
           </a:r>
           <a:r>
-            <a:rPr lang="de-DE" sz="1900" kern="1200" dirty="0" err="1" smtClean="0"/>
+            <a:rPr lang="de-DE" sz="1900" kern="1200" dirty="0" err="1"/>
             <a:t>guest-book</a:t>
           </a:r>
           <a:endParaRPr lang="de-DE" sz="1900" kern="1200" dirty="0"/>
@@ -8428,7 +8106,7 @@
         </a:bodyPr>
         <a:lstStyle/>
         <a:p>
-          <a:pPr lvl="0" algn="ctr" defTabSz="1155700">
+          <a:pPr marL="0" lvl="0" indent="0" algn="ctr" defTabSz="1155700">
             <a:lnSpc>
               <a:spcPct val="90000"/>
             </a:lnSpc>
@@ -8438,20 +8116,20 @@
             <a:spcAft>
               <a:spcPct val="35000"/>
             </a:spcAft>
+            <a:buNone/>
           </a:pPr>
           <a:r>
-            <a:rPr lang="de-DE" sz="2600" kern="1200" dirty="0" smtClean="0"/>
+            <a:rPr lang="de-DE" sz="2600" kern="1200" dirty="0"/>
             <a:t>Erstellen des Service „</a:t>
           </a:r>
           <a:r>
-            <a:rPr lang="de-DE" sz="2600" kern="1200" dirty="0" err="1" smtClean="0"/>
+            <a:rPr lang="de-DE" sz="2600" kern="1200" dirty="0" err="1"/>
             <a:t>guest-book.service</a:t>
           </a:r>
           <a:r>
-            <a:rPr lang="de-DE" sz="2600" kern="1200" dirty="0" smtClean="0"/>
+            <a:rPr lang="de-DE" sz="2600" kern="1200" dirty="0"/>
             <a:t>“</a:t>
           </a:r>
-          <a:endParaRPr lang="de-DE" sz="2600" kern="1200" dirty="0"/>
         </a:p>
       </dsp:txBody>
       <dsp:txXfrm>
@@ -8544,7 +8222,7 @@
         </a:bodyPr>
         <a:lstStyle/>
         <a:p>
-          <a:pPr lvl="0" algn="ctr" defTabSz="933450">
+          <a:pPr marL="0" lvl="0" indent="0" algn="ctr" defTabSz="933450">
             <a:lnSpc>
               <a:spcPct val="90000"/>
             </a:lnSpc>
@@ -8554,6 +8232,7 @@
             <a:spcAft>
               <a:spcPct val="35000"/>
             </a:spcAft>
+            <a:buNone/>
           </a:pPr>
           <a:endParaRPr lang="de-DE" sz="2100" kern="1200"/>
         </a:p>
@@ -8644,7 +8323,7 @@
         </a:bodyPr>
         <a:lstStyle/>
         <a:p>
-          <a:pPr lvl="0" algn="ctr" defTabSz="1155700">
+          <a:pPr marL="0" lvl="0" indent="0" algn="ctr" defTabSz="1155700">
             <a:lnSpc>
               <a:spcPct val="90000"/>
             </a:lnSpc>
@@ -8654,12 +8333,12 @@
             <a:spcAft>
               <a:spcPct val="35000"/>
             </a:spcAft>
+            <a:buNone/>
           </a:pPr>
           <a:r>
-            <a:rPr lang="de-DE" sz="2600" kern="1200" dirty="0" smtClean="0"/>
+            <a:rPr lang="de-DE" sz="2600" kern="1200" dirty="0"/>
             <a:t>Einbinden in die Anwendung</a:t>
           </a:r>
-          <a:endParaRPr lang="de-DE" sz="2600" kern="1200" dirty="0"/>
         </a:p>
       </dsp:txBody>
       <dsp:txXfrm>
@@ -8752,7 +8431,7 @@
         </a:bodyPr>
         <a:lstStyle/>
         <a:p>
-          <a:pPr lvl="0" algn="ctr" defTabSz="933450">
+          <a:pPr marL="0" lvl="0" indent="0" algn="ctr" defTabSz="933450">
             <a:lnSpc>
               <a:spcPct val="90000"/>
             </a:lnSpc>
@@ -8762,6 +8441,7 @@
             <a:spcAft>
               <a:spcPct val="35000"/>
             </a:spcAft>
+            <a:buNone/>
           </a:pPr>
           <a:endParaRPr lang="de-DE" sz="2100" kern="1200"/>
         </a:p>
@@ -8852,7 +8532,7 @@
         </a:bodyPr>
         <a:lstStyle/>
         <a:p>
-          <a:pPr lvl="0" algn="ctr" defTabSz="1155700">
+          <a:pPr marL="0" lvl="0" indent="0" algn="ctr" defTabSz="1155700">
             <a:lnSpc>
               <a:spcPct val="90000"/>
             </a:lnSpc>
@@ -8862,12 +8542,12 @@
             <a:spcAft>
               <a:spcPct val="35000"/>
             </a:spcAft>
+            <a:buNone/>
           </a:pPr>
           <a:r>
-            <a:rPr lang="de-DE" sz="2600" kern="1200" dirty="0" smtClean="0"/>
+            <a:rPr lang="de-DE" sz="2600" kern="1200" dirty="0"/>
             <a:t>Auslagern der Businesslogik in den Service</a:t>
           </a:r>
-          <a:endParaRPr lang="de-DE" sz="2600" kern="1200" dirty="0"/>
         </a:p>
       </dsp:txBody>
       <dsp:txXfrm>
@@ -8960,7 +8640,7 @@
         </a:bodyPr>
         <a:lstStyle/>
         <a:p>
-          <a:pPr lvl="0" algn="ctr" defTabSz="933450">
+          <a:pPr marL="0" lvl="0" indent="0" algn="ctr" defTabSz="933450">
             <a:lnSpc>
               <a:spcPct val="90000"/>
             </a:lnSpc>
@@ -8970,6 +8650,7 @@
             <a:spcAft>
               <a:spcPct val="35000"/>
             </a:spcAft>
+            <a:buNone/>
           </a:pPr>
           <a:endParaRPr lang="de-DE" sz="2100" kern="1200"/>
         </a:p>
@@ -9060,7 +8741,7 @@
         </a:bodyPr>
         <a:lstStyle/>
         <a:p>
-          <a:pPr lvl="0" algn="ctr" defTabSz="1155700">
+          <a:pPr marL="0" lvl="0" indent="0" algn="ctr" defTabSz="1155700">
             <a:lnSpc>
               <a:spcPct val="90000"/>
             </a:lnSpc>
@@ -9070,12 +8751,12 @@
             <a:spcAft>
               <a:spcPct val="35000"/>
             </a:spcAft>
+            <a:buNone/>
           </a:pPr>
           <a:r>
-            <a:rPr lang="de-DE" sz="2600" kern="1200" dirty="0" smtClean="0"/>
+            <a:rPr lang="de-DE" sz="2600" kern="1200" dirty="0"/>
             <a:t>Verwendung des Service</a:t>
           </a:r>
-          <a:endParaRPr lang="de-DE" sz="2600" kern="1200" dirty="0"/>
         </a:p>
       </dsp:txBody>
       <dsp:txXfrm>
@@ -9176,7 +8857,7 @@
         </a:bodyPr>
         <a:lstStyle/>
         <a:p>
-          <a:pPr lvl="0" algn="ctr" defTabSz="2755900">
+          <a:pPr marL="0" lvl="0" indent="0" algn="ctr" defTabSz="2755900">
             <a:lnSpc>
               <a:spcPct val="90000"/>
             </a:lnSpc>
@@ -9186,12 +8867,12 @@
             <a:spcAft>
               <a:spcPct val="35000"/>
             </a:spcAft>
+            <a:buNone/>
           </a:pPr>
           <a:r>
-            <a:rPr lang="de-DE" sz="6200" kern="1200" dirty="0" smtClean="0"/>
+            <a:rPr lang="de-DE" sz="6200" kern="1200" dirty="0"/>
             <a:t>Anbinden von Bootstrap</a:t>
           </a:r>
-          <a:endParaRPr lang="de-DE" sz="6200" kern="1200" dirty="0"/>
         </a:p>
       </dsp:txBody>
       <dsp:txXfrm>
@@ -9284,7 +8965,7 @@
         </a:bodyPr>
         <a:lstStyle/>
         <a:p>
-          <a:pPr lvl="0" algn="ctr" defTabSz="2222500">
+          <a:pPr marL="0" lvl="0" indent="0" algn="ctr" defTabSz="2222500">
             <a:lnSpc>
               <a:spcPct val="90000"/>
             </a:lnSpc>
@@ -9294,6 +8975,7 @@
             <a:spcAft>
               <a:spcPct val="35000"/>
             </a:spcAft>
+            <a:buNone/>
           </a:pPr>
           <a:endParaRPr lang="de-DE" sz="5000" kern="1200"/>
         </a:p>
@@ -9384,7 +9066,7 @@
         </a:bodyPr>
         <a:lstStyle/>
         <a:p>
-          <a:pPr lvl="0" algn="ctr" defTabSz="2755900">
+          <a:pPr marL="0" lvl="0" indent="0" algn="ctr" defTabSz="2755900">
             <a:lnSpc>
               <a:spcPct val="90000"/>
             </a:lnSpc>
@@ -9394,12 +9076,12 @@
             <a:spcAft>
               <a:spcPct val="35000"/>
             </a:spcAft>
+            <a:buNone/>
           </a:pPr>
           <a:r>
-            <a:rPr lang="de-DE" sz="6200" kern="1200" dirty="0" smtClean="0"/>
+            <a:rPr lang="de-DE" sz="6200" kern="1200" dirty="0"/>
             <a:t>Eigene Styles hinzufügen</a:t>
           </a:r>
-          <a:endParaRPr lang="de-DE" sz="6200" kern="1200" dirty="0"/>
         </a:p>
       </dsp:txBody>
       <dsp:txXfrm>
@@ -9500,7 +9182,7 @@
         </a:bodyPr>
         <a:lstStyle/>
         <a:p>
-          <a:pPr lvl="0" algn="ctr" defTabSz="2889250">
+          <a:pPr marL="0" lvl="0" indent="0" algn="ctr" defTabSz="2889250">
             <a:lnSpc>
               <a:spcPct val="90000"/>
             </a:lnSpc>
@@ -9510,12 +9192,12 @@
             <a:spcAft>
               <a:spcPct val="35000"/>
             </a:spcAft>
+            <a:buNone/>
           </a:pPr>
           <a:r>
-            <a:rPr lang="de-DE" sz="6500" kern="1200" dirty="0" smtClean="0"/>
+            <a:rPr lang="de-DE" sz="6500" kern="1200" dirty="0"/>
             <a:t>Definition von Routen</a:t>
           </a:r>
-          <a:endParaRPr lang="de-DE" sz="6500" kern="1200" dirty="0"/>
         </a:p>
       </dsp:txBody>
       <dsp:txXfrm>
@@ -9608,7 +9290,7 @@
         </a:bodyPr>
         <a:lstStyle/>
         <a:p>
-          <a:pPr lvl="0" algn="ctr" defTabSz="2400300">
+          <a:pPr marL="0" lvl="0" indent="0" algn="ctr" defTabSz="2400300">
             <a:lnSpc>
               <a:spcPct val="90000"/>
             </a:lnSpc>
@@ -9618,6 +9300,7 @@
             <a:spcAft>
               <a:spcPct val="35000"/>
             </a:spcAft>
+            <a:buNone/>
           </a:pPr>
           <a:endParaRPr lang="de-DE" sz="5400" kern="1200"/>
         </a:p>
@@ -9708,7 +9391,7 @@
         </a:bodyPr>
         <a:lstStyle/>
         <a:p>
-          <a:pPr lvl="0" algn="ctr" defTabSz="2889250">
+          <a:pPr marL="0" lvl="0" indent="0" algn="ctr" defTabSz="2889250">
             <a:lnSpc>
               <a:spcPct val="90000"/>
             </a:lnSpc>
@@ -9718,12 +9401,12 @@
             <a:spcAft>
               <a:spcPct val="35000"/>
             </a:spcAft>
+            <a:buNone/>
           </a:pPr>
           <a:r>
-            <a:rPr lang="de-DE" sz="6500" kern="1200" dirty="0" smtClean="0"/>
+            <a:rPr lang="de-DE" sz="6500" kern="1200" dirty="0"/>
             <a:t>Verwendung der Routing</a:t>
           </a:r>
-          <a:endParaRPr lang="de-DE" sz="6500" kern="1200" dirty="0"/>
         </a:p>
       </dsp:txBody>
       <dsp:txXfrm>
@@ -16902,7 +16585,7 @@
                 <a:latin typeface="Segoe UI" pitchFamily="34" charset="0"/>
               </a:rPr>
               <a:pPr/>
-              <a:t>19.10.17</a:t>
+              <a:t>19.10.2017</a:t>
             </a:fld>
             <a:endParaRPr lang="de-DE" dirty="0">
               <a:latin typeface="Segoe UI" pitchFamily="34" charset="0"/>
@@ -17081,7 +16764,7 @@
             <a:fld id="{D2E1CCC5-01B8-284F-B77B-84D835A7601B}" type="datetimeFigureOut">
               <a:rPr lang="de-DE" smtClean="0"/>
               <a:pPr/>
-              <a:t>19.10.17</a:t>
+              <a:t>19.10.2017</a:t>
             </a:fld>
             <a:endParaRPr lang="de-DE" dirty="0"/>
           </a:p>
@@ -18022,7 +17705,7 @@
           <a:lstStyle/>
           <a:p>
             <a:r>
-              <a:rPr lang="de-DE" sz="1700" b="0" i="0" kern="1200" dirty="0" smtClean="0">
+              <a:rPr lang="de-DE" sz="1700" b="0" i="0" kern="1200" dirty="0">
                 <a:solidFill>
                   <a:schemeClr val="tx1"/>
                 </a:solidFill>
@@ -18034,7 +17717,7 @@
               <a:t>The </a:t>
             </a:r>
             <a:r>
-              <a:rPr lang="de-DE" sz="1700" b="1" i="0" kern="1200" dirty="0" err="1" smtClean="0">
+              <a:rPr lang="de-DE" sz="1700" b="1" i="0" kern="1200" dirty="0" err="1">
                 <a:solidFill>
                   <a:schemeClr val="tx1"/>
                 </a:solidFill>
@@ -18046,7 +17729,7 @@
               <a:t>History</a:t>
             </a:r>
             <a:r>
-              <a:rPr lang="de-DE" sz="1700" b="0" i="0" kern="1200" dirty="0" smtClean="0">
+              <a:rPr lang="de-DE" sz="1700" b="0" i="0" kern="1200" dirty="0">
                 <a:solidFill>
                   <a:schemeClr val="tx1"/>
                 </a:solidFill>
@@ -18058,7 +17741,7 @@
               <a:t> </a:t>
             </a:r>
             <a:r>
-              <a:rPr lang="de-DE" sz="1700" b="0" i="0" kern="1200" dirty="0" err="1" smtClean="0">
+              <a:rPr lang="de-DE" sz="1700" b="0" i="0" kern="1200" dirty="0" err="1">
                 <a:solidFill>
                   <a:schemeClr val="tx1"/>
                 </a:solidFill>
@@ -18070,7 +17753,7 @@
               <a:t>interface</a:t>
             </a:r>
             <a:r>
-              <a:rPr lang="de-DE" sz="1700" b="0" i="0" kern="1200" dirty="0" smtClean="0">
+              <a:rPr lang="de-DE" sz="1700" b="0" i="0" kern="1200" dirty="0">
                 <a:solidFill>
                   <a:schemeClr val="tx1"/>
                 </a:solidFill>
@@ -18082,7 +17765,7 @@
               <a:t> </a:t>
             </a:r>
             <a:r>
-              <a:rPr lang="de-DE" sz="1700" b="0" i="0" kern="1200" dirty="0" err="1" smtClean="0">
+              <a:rPr lang="de-DE" sz="1700" b="0" i="0" kern="1200" dirty="0" err="1">
                 <a:solidFill>
                   <a:schemeClr val="tx1"/>
                 </a:solidFill>
@@ -18094,7 +17777,7 @@
               <a:t>allows</a:t>
             </a:r>
             <a:r>
-              <a:rPr lang="de-DE" sz="1700" b="0" i="0" kern="1200" dirty="0" smtClean="0">
+              <a:rPr lang="de-DE" sz="1700" b="0" i="0" kern="1200" dirty="0">
                 <a:solidFill>
                   <a:schemeClr val="tx1"/>
                 </a:solidFill>
@@ -18106,7 +17789,7 @@
               <a:t> </a:t>
             </a:r>
             <a:r>
-              <a:rPr lang="de-DE" sz="1700" b="0" i="0" kern="1200" dirty="0" err="1" smtClean="0">
+              <a:rPr lang="de-DE" sz="1700" b="0" i="0" kern="1200" dirty="0" err="1">
                 <a:solidFill>
                   <a:schemeClr val="tx1"/>
                 </a:solidFill>
@@ -18118,7 +17801,7 @@
               <a:t>manipulation</a:t>
             </a:r>
             <a:r>
-              <a:rPr lang="de-DE" sz="1700" b="0" i="0" kern="1200" dirty="0" smtClean="0">
+              <a:rPr lang="de-DE" sz="1700" b="0" i="0" kern="1200" dirty="0">
                 <a:solidFill>
                   <a:schemeClr val="tx1"/>
                 </a:solidFill>
@@ -18130,7 +17813,7 @@
               <a:t> </a:t>
             </a:r>
             <a:r>
-              <a:rPr lang="de-DE" sz="1700" b="0" i="0" kern="1200" dirty="0" err="1" smtClean="0">
+              <a:rPr lang="de-DE" sz="1700" b="0" i="0" kern="1200" dirty="0" err="1">
                 <a:solidFill>
                   <a:schemeClr val="tx1"/>
                 </a:solidFill>
@@ -18142,7 +17825,7 @@
               <a:t>of</a:t>
             </a:r>
             <a:r>
-              <a:rPr lang="de-DE" sz="1700" b="0" i="0" kern="1200" dirty="0" smtClean="0">
+              <a:rPr lang="de-DE" sz="1700" b="0" i="0" kern="1200" dirty="0">
                 <a:solidFill>
                   <a:schemeClr val="tx1"/>
                 </a:solidFill>
@@ -18154,7 +17837,7 @@
               <a:t> </a:t>
             </a:r>
             <a:r>
-              <a:rPr lang="de-DE" sz="1700" b="0" i="0" kern="1200" dirty="0" err="1" smtClean="0">
+              <a:rPr lang="de-DE" sz="1700" b="0" i="0" kern="1200" dirty="0" err="1">
                 <a:solidFill>
                   <a:schemeClr val="tx1"/>
                 </a:solidFill>
@@ -18166,7 +17849,7 @@
               <a:t>the</a:t>
             </a:r>
             <a:r>
-              <a:rPr lang="de-DE" sz="1700" b="0" i="0" kern="1200" dirty="0" smtClean="0">
+              <a:rPr lang="de-DE" sz="1700" b="0" i="0" kern="1200" dirty="0">
                 <a:solidFill>
                   <a:schemeClr val="tx1"/>
                 </a:solidFill>
@@ -18178,7 +17861,7 @@
               <a:t> </a:t>
             </a:r>
             <a:r>
-              <a:rPr lang="de-DE" sz="1700" b="0" i="0" kern="1200" dirty="0" err="1" smtClean="0">
+              <a:rPr lang="de-DE" sz="1700" b="0" i="0" kern="1200" dirty="0" err="1">
                 <a:solidFill>
                   <a:schemeClr val="tx1"/>
                 </a:solidFill>
@@ -18190,7 +17873,7 @@
               <a:t>browser</a:t>
             </a:r>
             <a:r>
-              <a:rPr lang="de-DE" sz="1700" b="0" i="0" kern="1200" dirty="0" smtClean="0">
+              <a:rPr lang="de-DE" sz="1700" b="0" i="0" kern="1200" dirty="0">
                 <a:solidFill>
                   <a:schemeClr val="tx1"/>
                 </a:solidFill>
@@ -18202,7 +17885,7 @@
               <a:t> </a:t>
             </a:r>
             <a:r>
-              <a:rPr lang="de-DE" sz="1700" b="0" i="1" kern="1200" dirty="0" err="1" smtClean="0">
+              <a:rPr lang="de-DE" sz="1700" b="0" i="1" kern="1200" dirty="0" err="1">
                 <a:solidFill>
                   <a:schemeClr val="tx1"/>
                 </a:solidFill>
@@ -18214,7 +17897,7 @@
               <a:t>session</a:t>
             </a:r>
             <a:r>
-              <a:rPr lang="de-DE" sz="1700" b="0" i="1" kern="1200" dirty="0" smtClean="0">
+              <a:rPr lang="de-DE" sz="1700" b="0" i="1" kern="1200" dirty="0">
                 <a:solidFill>
                   <a:schemeClr val="tx1"/>
                 </a:solidFill>
@@ -18226,7 +17909,7 @@
               <a:t> </a:t>
             </a:r>
             <a:r>
-              <a:rPr lang="de-DE" sz="1700" b="0" i="1" kern="1200" dirty="0" err="1" smtClean="0">
+              <a:rPr lang="de-DE" sz="1700" b="0" i="1" kern="1200" dirty="0" err="1">
                 <a:solidFill>
                   <a:schemeClr val="tx1"/>
                 </a:solidFill>
@@ -18238,7 +17921,7 @@
               <a:t>history</a:t>
             </a:r>
             <a:r>
-              <a:rPr lang="de-DE" sz="1700" b="0" i="0" kern="1200" dirty="0" smtClean="0">
+              <a:rPr lang="de-DE" sz="1700" b="0" i="0" kern="1200" dirty="0">
                 <a:solidFill>
                   <a:schemeClr val="tx1"/>
                 </a:solidFill>
@@ -18250,7 +17933,7 @@
               <a:t>, </a:t>
             </a:r>
             <a:r>
-              <a:rPr lang="de-DE" sz="1700" b="0" i="0" kern="1200" dirty="0" err="1" smtClean="0">
+              <a:rPr lang="de-DE" sz="1700" b="0" i="0" kern="1200" dirty="0" err="1">
                 <a:solidFill>
                   <a:schemeClr val="tx1"/>
                 </a:solidFill>
@@ -18262,7 +17945,7 @@
               <a:t>that</a:t>
             </a:r>
             <a:r>
-              <a:rPr lang="de-DE" sz="1700" b="0" i="0" kern="1200" dirty="0" smtClean="0">
+              <a:rPr lang="de-DE" sz="1700" b="0" i="0" kern="1200" dirty="0">
                 <a:solidFill>
                   <a:schemeClr val="tx1"/>
                 </a:solidFill>
@@ -18274,7 +17957,7 @@
               <a:t> </a:t>
             </a:r>
             <a:r>
-              <a:rPr lang="de-DE" sz="1700" b="0" i="0" kern="1200" dirty="0" err="1" smtClean="0">
+              <a:rPr lang="de-DE" sz="1700" b="0" i="0" kern="1200" dirty="0" err="1">
                 <a:solidFill>
                   <a:schemeClr val="tx1"/>
                 </a:solidFill>
@@ -18286,7 +17969,7 @@
               <a:t>is</a:t>
             </a:r>
             <a:r>
-              <a:rPr lang="de-DE" sz="1700" b="0" i="0" kern="1200" dirty="0" smtClean="0">
+              <a:rPr lang="de-DE" sz="1700" b="0" i="0" kern="1200" dirty="0">
                 <a:solidFill>
                   <a:schemeClr val="tx1"/>
                 </a:solidFill>
@@ -18298,7 +17981,7 @@
               <a:t> </a:t>
             </a:r>
             <a:r>
-              <a:rPr lang="de-DE" sz="1700" b="0" i="0" kern="1200" dirty="0" err="1" smtClean="0">
+              <a:rPr lang="de-DE" sz="1700" b="0" i="0" kern="1200" dirty="0" err="1">
                 <a:solidFill>
                   <a:schemeClr val="tx1"/>
                 </a:solidFill>
@@ -18310,7 +17993,7 @@
               <a:t>the</a:t>
             </a:r>
             <a:r>
-              <a:rPr lang="de-DE" sz="1700" b="0" i="0" kern="1200" dirty="0" smtClean="0">
+              <a:rPr lang="de-DE" sz="1700" b="0" i="0" kern="1200" dirty="0">
                 <a:solidFill>
                   <a:schemeClr val="tx1"/>
                 </a:solidFill>
@@ -18322,7 +18005,7 @@
               <a:t> </a:t>
             </a:r>
             <a:r>
-              <a:rPr lang="de-DE" sz="1700" b="0" i="0" kern="1200" dirty="0" err="1" smtClean="0">
+              <a:rPr lang="de-DE" sz="1700" b="0" i="0" kern="1200" dirty="0" err="1">
                 <a:solidFill>
                   <a:schemeClr val="tx1"/>
                 </a:solidFill>
@@ -18334,7 +18017,7 @@
               <a:t>pages</a:t>
             </a:r>
             <a:r>
-              <a:rPr lang="de-DE" sz="1700" b="0" i="0" kern="1200" dirty="0" smtClean="0">
+              <a:rPr lang="de-DE" sz="1700" b="0" i="0" kern="1200" dirty="0">
                 <a:solidFill>
                   <a:schemeClr val="tx1"/>
                 </a:solidFill>
@@ -18346,7 +18029,7 @@
               <a:t> </a:t>
             </a:r>
             <a:r>
-              <a:rPr lang="de-DE" sz="1700" b="0" i="0" kern="1200" dirty="0" err="1" smtClean="0">
+              <a:rPr lang="de-DE" sz="1700" b="0" i="0" kern="1200" dirty="0" err="1">
                 <a:solidFill>
                   <a:schemeClr val="tx1"/>
                 </a:solidFill>
@@ -18358,7 +18041,7 @@
               <a:t>visited</a:t>
             </a:r>
             <a:r>
-              <a:rPr lang="de-DE" sz="1700" b="0" i="0" kern="1200" dirty="0" smtClean="0">
+              <a:rPr lang="de-DE" sz="1700" b="0" i="0" kern="1200" dirty="0">
                 <a:solidFill>
                   <a:schemeClr val="tx1"/>
                 </a:solidFill>
@@ -18370,7 +18053,7 @@
               <a:t> in </a:t>
             </a:r>
             <a:r>
-              <a:rPr lang="de-DE" sz="1700" b="0" i="0" kern="1200" dirty="0" err="1" smtClean="0">
+              <a:rPr lang="de-DE" sz="1700" b="0" i="0" kern="1200" dirty="0" err="1">
                 <a:solidFill>
                   <a:schemeClr val="tx1"/>
                 </a:solidFill>
@@ -18382,7 +18065,7 @@
               <a:t>the</a:t>
             </a:r>
             <a:r>
-              <a:rPr lang="de-DE" sz="1700" b="0" i="0" kern="1200" dirty="0" smtClean="0">
+              <a:rPr lang="de-DE" sz="1700" b="0" i="0" kern="1200" dirty="0">
                 <a:solidFill>
                   <a:schemeClr val="tx1"/>
                 </a:solidFill>
@@ -18394,7 +18077,7 @@
               <a:t> </a:t>
             </a:r>
             <a:r>
-              <a:rPr lang="de-DE" sz="1700" b="0" i="0" kern="1200" dirty="0" err="1" smtClean="0">
+              <a:rPr lang="de-DE" sz="1700" b="0" i="0" kern="1200" dirty="0" err="1">
                 <a:solidFill>
                   <a:schemeClr val="tx1"/>
                 </a:solidFill>
@@ -18406,7 +18089,7 @@
               <a:t>tab</a:t>
             </a:r>
             <a:r>
-              <a:rPr lang="de-DE" sz="1700" b="0" i="0" kern="1200" dirty="0" smtClean="0">
+              <a:rPr lang="de-DE" sz="1700" b="0" i="0" kern="1200" dirty="0">
                 <a:solidFill>
                   <a:schemeClr val="tx1"/>
                 </a:solidFill>
@@ -18418,7 +18101,7 @@
               <a:t> </a:t>
             </a:r>
             <a:r>
-              <a:rPr lang="de-DE" sz="1700" b="0" i="0" kern="1200" dirty="0" err="1" smtClean="0">
+              <a:rPr lang="de-DE" sz="1700" b="0" i="0" kern="1200" dirty="0" err="1">
                 <a:solidFill>
                   <a:schemeClr val="tx1"/>
                 </a:solidFill>
@@ -18430,7 +18113,7 @@
               <a:t>or</a:t>
             </a:r>
             <a:r>
-              <a:rPr lang="de-DE" sz="1700" b="0" i="0" kern="1200" dirty="0" smtClean="0">
+              <a:rPr lang="de-DE" sz="1700" b="0" i="0" kern="1200" dirty="0">
                 <a:solidFill>
                   <a:schemeClr val="tx1"/>
                 </a:solidFill>
@@ -18442,7 +18125,7 @@
               <a:t> </a:t>
             </a:r>
             <a:r>
-              <a:rPr lang="de-DE" sz="1700" b="0" i="0" kern="1200" dirty="0" err="1" smtClean="0">
+              <a:rPr lang="de-DE" sz="1700" b="0" i="0" kern="1200" dirty="0" err="1">
                 <a:solidFill>
                   <a:schemeClr val="tx1"/>
                 </a:solidFill>
@@ -18454,7 +18137,7 @@
               <a:t>frame</a:t>
             </a:r>
             <a:r>
-              <a:rPr lang="de-DE" sz="1700" b="0" i="0" kern="1200" dirty="0" smtClean="0">
+              <a:rPr lang="de-DE" sz="1700" b="0" i="0" kern="1200" dirty="0">
                 <a:solidFill>
                   <a:schemeClr val="tx1"/>
                 </a:solidFill>
@@ -18466,7 +18149,7 @@
               <a:t> </a:t>
             </a:r>
             <a:r>
-              <a:rPr lang="de-DE" sz="1700" b="0" i="0" kern="1200" dirty="0" err="1" smtClean="0">
+              <a:rPr lang="de-DE" sz="1700" b="0" i="0" kern="1200" dirty="0" err="1">
                 <a:solidFill>
                   <a:schemeClr val="tx1"/>
                 </a:solidFill>
@@ -18478,7 +18161,7 @@
               <a:t>that</a:t>
             </a:r>
             <a:r>
-              <a:rPr lang="de-DE" sz="1700" b="0" i="0" kern="1200" dirty="0" smtClean="0">
+              <a:rPr lang="de-DE" sz="1700" b="0" i="0" kern="1200" dirty="0">
                 <a:solidFill>
                   <a:schemeClr val="tx1"/>
                 </a:solidFill>
@@ -18490,7 +18173,7 @@
               <a:t> </a:t>
             </a:r>
             <a:r>
-              <a:rPr lang="de-DE" sz="1700" b="0" i="0" kern="1200" dirty="0" err="1" smtClean="0">
+              <a:rPr lang="de-DE" sz="1700" b="0" i="0" kern="1200" dirty="0" err="1">
                 <a:solidFill>
                   <a:schemeClr val="tx1"/>
                 </a:solidFill>
@@ -18502,7 +18185,7 @@
               <a:t>the</a:t>
             </a:r>
             <a:r>
-              <a:rPr lang="de-DE" sz="1700" b="0" i="0" kern="1200" dirty="0" smtClean="0">
+              <a:rPr lang="de-DE" sz="1700" b="0" i="0" kern="1200" dirty="0">
                 <a:solidFill>
                   <a:schemeClr val="tx1"/>
                 </a:solidFill>
@@ -18514,7 +18197,7 @@
               <a:t> </a:t>
             </a:r>
             <a:r>
-              <a:rPr lang="de-DE" sz="1700" b="0" i="0" kern="1200" dirty="0" err="1" smtClean="0">
+              <a:rPr lang="de-DE" sz="1700" b="0" i="0" kern="1200" dirty="0" err="1">
                 <a:solidFill>
                   <a:schemeClr val="tx1"/>
                 </a:solidFill>
@@ -18526,7 +18209,7 @@
               <a:t>current</a:t>
             </a:r>
             <a:r>
-              <a:rPr lang="de-DE" sz="1700" b="0" i="0" kern="1200" dirty="0" smtClean="0">
+              <a:rPr lang="de-DE" sz="1700" b="0" i="0" kern="1200" dirty="0">
                 <a:solidFill>
                   <a:schemeClr val="tx1"/>
                 </a:solidFill>
@@ -18538,7 +18221,7 @@
               <a:t> </a:t>
             </a:r>
             <a:r>
-              <a:rPr lang="de-DE" sz="1700" b="0" i="0" kern="1200" dirty="0" err="1" smtClean="0">
+              <a:rPr lang="de-DE" sz="1700" b="0" i="0" kern="1200" dirty="0" err="1">
                 <a:solidFill>
                   <a:schemeClr val="tx1"/>
                 </a:solidFill>
@@ -18550,7 +18233,7 @@
               <a:t>page</a:t>
             </a:r>
             <a:r>
-              <a:rPr lang="de-DE" sz="1700" b="0" i="0" kern="1200" dirty="0" smtClean="0">
+              <a:rPr lang="de-DE" sz="1700" b="0" i="0" kern="1200" dirty="0">
                 <a:solidFill>
                   <a:schemeClr val="tx1"/>
                 </a:solidFill>
@@ -18562,7 +18245,7 @@
               <a:t> </a:t>
             </a:r>
             <a:r>
-              <a:rPr lang="de-DE" sz="1700" b="0" i="0" kern="1200" dirty="0" err="1" smtClean="0">
+              <a:rPr lang="de-DE" sz="1700" b="0" i="0" kern="1200" dirty="0" err="1">
                 <a:solidFill>
                   <a:schemeClr val="tx1"/>
                 </a:solidFill>
@@ -18574,7 +18257,7 @@
               <a:t>is</a:t>
             </a:r>
             <a:r>
-              <a:rPr lang="de-DE" sz="1700" b="0" i="0" kern="1200" dirty="0" smtClean="0">
+              <a:rPr lang="de-DE" sz="1700" b="0" i="0" kern="1200" dirty="0">
                 <a:solidFill>
                   <a:schemeClr val="tx1"/>
                 </a:solidFill>
@@ -18586,7 +18269,7 @@
               <a:t> </a:t>
             </a:r>
             <a:r>
-              <a:rPr lang="de-DE" sz="1700" b="0" i="0" kern="1200" dirty="0" err="1" smtClean="0">
+              <a:rPr lang="de-DE" sz="1700" b="0" i="0" kern="1200" dirty="0" err="1">
                 <a:solidFill>
                   <a:schemeClr val="tx1"/>
                 </a:solidFill>
@@ -18598,7 +18281,7 @@
               <a:t>loaded</a:t>
             </a:r>
             <a:r>
-              <a:rPr lang="de-DE" sz="1700" b="0" i="0" kern="1200" dirty="0" smtClean="0">
+              <a:rPr lang="de-DE" sz="1700" b="0" i="0" kern="1200" dirty="0">
                 <a:solidFill>
                   <a:schemeClr val="tx1"/>
                 </a:solidFill>
@@ -18610,7 +18293,7 @@
               <a:t> in. (Quelle:</a:t>
             </a:r>
             <a:r>
-              <a:rPr lang="de-DE" sz="1700" b="0" i="0" kern="1200" baseline="0" dirty="0" smtClean="0">
+              <a:rPr lang="de-DE" sz="1700" b="0" i="0" kern="1200" baseline="0" dirty="0">
                 <a:solidFill>
                   <a:schemeClr val="tx1"/>
                 </a:solidFill>
@@ -18622,7 +18305,7 @@
               <a:t> https://</a:t>
             </a:r>
             <a:r>
-              <a:rPr lang="de-DE" sz="1700" b="0" i="0" kern="1200" baseline="0" dirty="0" err="1" smtClean="0">
+              <a:rPr lang="de-DE" sz="1700" b="0" i="0" kern="1200" baseline="0" dirty="0" err="1">
                 <a:solidFill>
                   <a:schemeClr val="tx1"/>
                 </a:solidFill>
@@ -18634,7 +18317,7 @@
               <a:t>developer.mozilla.org</a:t>
             </a:r>
             <a:r>
-              <a:rPr lang="de-DE" sz="1700" b="0" i="0" kern="1200" baseline="0" dirty="0" smtClean="0">
+              <a:rPr lang="de-DE" sz="1700" b="0" i="0" kern="1200" baseline="0" dirty="0">
                 <a:solidFill>
                   <a:schemeClr val="tx1"/>
                 </a:solidFill>
@@ -18646,7 +18329,7 @@
               <a:t>/de/</a:t>
             </a:r>
             <a:r>
-              <a:rPr lang="de-DE" sz="1700" b="0" i="0" kern="1200" baseline="0" dirty="0" err="1" smtClean="0">
+              <a:rPr lang="de-DE" sz="1700" b="0" i="0" kern="1200" baseline="0" dirty="0" err="1">
                 <a:solidFill>
                   <a:schemeClr val="tx1"/>
                 </a:solidFill>
@@ -18658,7 +18341,7 @@
               <a:t>docs</a:t>
             </a:r>
             <a:r>
-              <a:rPr lang="de-DE" sz="1700" b="0" i="0" kern="1200" baseline="0" dirty="0" smtClean="0">
+              <a:rPr lang="de-DE" sz="1700" b="0" i="0" kern="1200" baseline="0" dirty="0">
                 <a:solidFill>
                   <a:schemeClr val="tx1"/>
                 </a:solidFill>
@@ -18670,7 +18353,7 @@
               <a:t>/Web/API/</a:t>
             </a:r>
             <a:r>
-              <a:rPr lang="de-DE" sz="1700" b="0" i="0" kern="1200" baseline="0" dirty="0" err="1" smtClean="0">
+              <a:rPr lang="de-DE" sz="1700" b="0" i="0" kern="1200" baseline="0" dirty="0" err="1">
                 <a:solidFill>
                   <a:schemeClr val="tx1"/>
                 </a:solidFill>
@@ -18682,7 +18365,7 @@
               <a:t>History</a:t>
             </a:r>
             <a:r>
-              <a:rPr lang="de-DE" sz="1700" b="0" i="0" kern="1200" baseline="0" dirty="0" smtClean="0">
+              <a:rPr lang="de-DE" sz="1700" b="0" i="0" kern="1200" baseline="0" dirty="0">
                 <a:solidFill>
                   <a:schemeClr val="tx1"/>
                 </a:solidFill>
@@ -18779,7 +18462,7 @@
           <a:lstStyle/>
           <a:p>
             <a:r>
-              <a:rPr lang="de-DE" sz="1700" b="0" i="0" kern="1200" dirty="0" smtClean="0">
+              <a:rPr lang="de-DE" sz="1700" b="0" i="0" kern="1200" dirty="0">
                 <a:solidFill>
                   <a:schemeClr val="tx1"/>
                 </a:solidFill>
@@ -18791,7 +18474,7 @@
               <a:t>The </a:t>
             </a:r>
             <a:r>
-              <a:rPr lang="de-DE" sz="1700" b="1" i="0" kern="1200" dirty="0" err="1" smtClean="0">
+              <a:rPr lang="de-DE" sz="1700" b="1" i="0" kern="1200" dirty="0" err="1">
                 <a:solidFill>
                   <a:schemeClr val="tx1"/>
                 </a:solidFill>
@@ -18803,7 +18486,7 @@
               <a:t>History</a:t>
             </a:r>
             <a:r>
-              <a:rPr lang="de-DE" sz="1700" b="0" i="0" kern="1200" dirty="0" smtClean="0">
+              <a:rPr lang="de-DE" sz="1700" b="0" i="0" kern="1200" dirty="0">
                 <a:solidFill>
                   <a:schemeClr val="tx1"/>
                 </a:solidFill>
@@ -18815,7 +18498,7 @@
               <a:t> </a:t>
             </a:r>
             <a:r>
-              <a:rPr lang="de-DE" sz="1700" b="0" i="0" kern="1200" dirty="0" err="1" smtClean="0">
+              <a:rPr lang="de-DE" sz="1700" b="0" i="0" kern="1200" dirty="0" err="1">
                 <a:solidFill>
                   <a:schemeClr val="tx1"/>
                 </a:solidFill>
@@ -18827,7 +18510,7 @@
               <a:t>interface</a:t>
             </a:r>
             <a:r>
-              <a:rPr lang="de-DE" sz="1700" b="0" i="0" kern="1200" dirty="0" smtClean="0">
+              <a:rPr lang="de-DE" sz="1700" b="0" i="0" kern="1200" dirty="0">
                 <a:solidFill>
                   <a:schemeClr val="tx1"/>
                 </a:solidFill>
@@ -18839,7 +18522,7 @@
               <a:t> </a:t>
             </a:r>
             <a:r>
-              <a:rPr lang="de-DE" sz="1700" b="0" i="0" kern="1200" dirty="0" err="1" smtClean="0">
+              <a:rPr lang="de-DE" sz="1700" b="0" i="0" kern="1200" dirty="0" err="1">
                 <a:solidFill>
                   <a:schemeClr val="tx1"/>
                 </a:solidFill>
@@ -18851,7 +18534,7 @@
               <a:t>allows</a:t>
             </a:r>
             <a:r>
-              <a:rPr lang="de-DE" sz="1700" b="0" i="0" kern="1200" dirty="0" smtClean="0">
+              <a:rPr lang="de-DE" sz="1700" b="0" i="0" kern="1200" dirty="0">
                 <a:solidFill>
                   <a:schemeClr val="tx1"/>
                 </a:solidFill>
@@ -18863,7 +18546,7 @@
               <a:t> </a:t>
             </a:r>
             <a:r>
-              <a:rPr lang="de-DE" sz="1700" b="0" i="0" kern="1200" dirty="0" err="1" smtClean="0">
+              <a:rPr lang="de-DE" sz="1700" b="0" i="0" kern="1200" dirty="0" err="1">
                 <a:solidFill>
                   <a:schemeClr val="tx1"/>
                 </a:solidFill>
@@ -18875,7 +18558,7 @@
               <a:t>manipulation</a:t>
             </a:r>
             <a:r>
-              <a:rPr lang="de-DE" sz="1700" b="0" i="0" kern="1200" dirty="0" smtClean="0">
+              <a:rPr lang="de-DE" sz="1700" b="0" i="0" kern="1200" dirty="0">
                 <a:solidFill>
                   <a:schemeClr val="tx1"/>
                 </a:solidFill>
@@ -18887,7 +18570,7 @@
               <a:t> </a:t>
             </a:r>
             <a:r>
-              <a:rPr lang="de-DE" sz="1700" b="0" i="0" kern="1200" dirty="0" err="1" smtClean="0">
+              <a:rPr lang="de-DE" sz="1700" b="0" i="0" kern="1200" dirty="0" err="1">
                 <a:solidFill>
                   <a:schemeClr val="tx1"/>
                 </a:solidFill>
@@ -18899,7 +18582,7 @@
               <a:t>of</a:t>
             </a:r>
             <a:r>
-              <a:rPr lang="de-DE" sz="1700" b="0" i="0" kern="1200" dirty="0" smtClean="0">
+              <a:rPr lang="de-DE" sz="1700" b="0" i="0" kern="1200" dirty="0">
                 <a:solidFill>
                   <a:schemeClr val="tx1"/>
                 </a:solidFill>
@@ -18911,7 +18594,7 @@
               <a:t> </a:t>
             </a:r>
             <a:r>
-              <a:rPr lang="de-DE" sz="1700" b="0" i="0" kern="1200" dirty="0" err="1" smtClean="0">
+              <a:rPr lang="de-DE" sz="1700" b="0" i="0" kern="1200" dirty="0" err="1">
                 <a:solidFill>
                   <a:schemeClr val="tx1"/>
                 </a:solidFill>
@@ -18923,7 +18606,7 @@
               <a:t>the</a:t>
             </a:r>
             <a:r>
-              <a:rPr lang="de-DE" sz="1700" b="0" i="0" kern="1200" dirty="0" smtClean="0">
+              <a:rPr lang="de-DE" sz="1700" b="0" i="0" kern="1200" dirty="0">
                 <a:solidFill>
                   <a:schemeClr val="tx1"/>
                 </a:solidFill>
@@ -18935,7 +18618,7 @@
               <a:t> </a:t>
             </a:r>
             <a:r>
-              <a:rPr lang="de-DE" sz="1700" b="0" i="0" kern="1200" dirty="0" err="1" smtClean="0">
+              <a:rPr lang="de-DE" sz="1700" b="0" i="0" kern="1200" dirty="0" err="1">
                 <a:solidFill>
                   <a:schemeClr val="tx1"/>
                 </a:solidFill>
@@ -18947,7 +18630,7 @@
               <a:t>browser</a:t>
             </a:r>
             <a:r>
-              <a:rPr lang="de-DE" sz="1700" b="0" i="0" kern="1200" dirty="0" smtClean="0">
+              <a:rPr lang="de-DE" sz="1700" b="0" i="0" kern="1200" dirty="0">
                 <a:solidFill>
                   <a:schemeClr val="tx1"/>
                 </a:solidFill>
@@ -18959,7 +18642,7 @@
               <a:t> </a:t>
             </a:r>
             <a:r>
-              <a:rPr lang="de-DE" sz="1700" b="0" i="1" kern="1200" dirty="0" err="1" smtClean="0">
+              <a:rPr lang="de-DE" sz="1700" b="0" i="1" kern="1200" dirty="0" err="1">
                 <a:solidFill>
                   <a:schemeClr val="tx1"/>
                 </a:solidFill>
@@ -18971,7 +18654,7 @@
               <a:t>session</a:t>
             </a:r>
             <a:r>
-              <a:rPr lang="de-DE" sz="1700" b="0" i="1" kern="1200" dirty="0" smtClean="0">
+              <a:rPr lang="de-DE" sz="1700" b="0" i="1" kern="1200" dirty="0">
                 <a:solidFill>
                   <a:schemeClr val="tx1"/>
                 </a:solidFill>
@@ -18983,7 +18666,7 @@
               <a:t> </a:t>
             </a:r>
             <a:r>
-              <a:rPr lang="de-DE" sz="1700" b="0" i="1" kern="1200" dirty="0" err="1" smtClean="0">
+              <a:rPr lang="de-DE" sz="1700" b="0" i="1" kern="1200" dirty="0" err="1">
                 <a:solidFill>
                   <a:schemeClr val="tx1"/>
                 </a:solidFill>
@@ -18995,7 +18678,7 @@
               <a:t>history</a:t>
             </a:r>
             <a:r>
-              <a:rPr lang="de-DE" sz="1700" b="0" i="0" kern="1200" dirty="0" smtClean="0">
+              <a:rPr lang="de-DE" sz="1700" b="0" i="0" kern="1200" dirty="0">
                 <a:solidFill>
                   <a:schemeClr val="tx1"/>
                 </a:solidFill>
@@ -19007,7 +18690,7 @@
               <a:t>, </a:t>
             </a:r>
             <a:r>
-              <a:rPr lang="de-DE" sz="1700" b="0" i="0" kern="1200" dirty="0" err="1" smtClean="0">
+              <a:rPr lang="de-DE" sz="1700" b="0" i="0" kern="1200" dirty="0" err="1">
                 <a:solidFill>
                   <a:schemeClr val="tx1"/>
                 </a:solidFill>
@@ -19019,7 +18702,7 @@
               <a:t>that</a:t>
             </a:r>
             <a:r>
-              <a:rPr lang="de-DE" sz="1700" b="0" i="0" kern="1200" dirty="0" smtClean="0">
+              <a:rPr lang="de-DE" sz="1700" b="0" i="0" kern="1200" dirty="0">
                 <a:solidFill>
                   <a:schemeClr val="tx1"/>
                 </a:solidFill>
@@ -19031,7 +18714,7 @@
               <a:t> </a:t>
             </a:r>
             <a:r>
-              <a:rPr lang="de-DE" sz="1700" b="0" i="0" kern="1200" dirty="0" err="1" smtClean="0">
+              <a:rPr lang="de-DE" sz="1700" b="0" i="0" kern="1200" dirty="0" err="1">
                 <a:solidFill>
                   <a:schemeClr val="tx1"/>
                 </a:solidFill>
@@ -19043,7 +18726,7 @@
               <a:t>is</a:t>
             </a:r>
             <a:r>
-              <a:rPr lang="de-DE" sz="1700" b="0" i="0" kern="1200" dirty="0" smtClean="0">
+              <a:rPr lang="de-DE" sz="1700" b="0" i="0" kern="1200" dirty="0">
                 <a:solidFill>
                   <a:schemeClr val="tx1"/>
                 </a:solidFill>
@@ -19055,7 +18738,7 @@
               <a:t> </a:t>
             </a:r>
             <a:r>
-              <a:rPr lang="de-DE" sz="1700" b="0" i="0" kern="1200" dirty="0" err="1" smtClean="0">
+              <a:rPr lang="de-DE" sz="1700" b="0" i="0" kern="1200" dirty="0" err="1">
                 <a:solidFill>
                   <a:schemeClr val="tx1"/>
                 </a:solidFill>
@@ -19067,7 +18750,7 @@
               <a:t>the</a:t>
             </a:r>
             <a:r>
-              <a:rPr lang="de-DE" sz="1700" b="0" i="0" kern="1200" dirty="0" smtClean="0">
+              <a:rPr lang="de-DE" sz="1700" b="0" i="0" kern="1200" dirty="0">
                 <a:solidFill>
                   <a:schemeClr val="tx1"/>
                 </a:solidFill>
@@ -19079,7 +18762,7 @@
               <a:t> </a:t>
             </a:r>
             <a:r>
-              <a:rPr lang="de-DE" sz="1700" b="0" i="0" kern="1200" dirty="0" err="1" smtClean="0">
+              <a:rPr lang="de-DE" sz="1700" b="0" i="0" kern="1200" dirty="0" err="1">
                 <a:solidFill>
                   <a:schemeClr val="tx1"/>
                 </a:solidFill>
@@ -19091,7 +18774,7 @@
               <a:t>pages</a:t>
             </a:r>
             <a:r>
-              <a:rPr lang="de-DE" sz="1700" b="0" i="0" kern="1200" dirty="0" smtClean="0">
+              <a:rPr lang="de-DE" sz="1700" b="0" i="0" kern="1200" dirty="0">
                 <a:solidFill>
                   <a:schemeClr val="tx1"/>
                 </a:solidFill>
@@ -19103,7 +18786,7 @@
               <a:t> </a:t>
             </a:r>
             <a:r>
-              <a:rPr lang="de-DE" sz="1700" b="0" i="0" kern="1200" dirty="0" err="1" smtClean="0">
+              <a:rPr lang="de-DE" sz="1700" b="0" i="0" kern="1200" dirty="0" err="1">
                 <a:solidFill>
                   <a:schemeClr val="tx1"/>
                 </a:solidFill>
@@ -19115,7 +18798,7 @@
               <a:t>visited</a:t>
             </a:r>
             <a:r>
-              <a:rPr lang="de-DE" sz="1700" b="0" i="0" kern="1200" dirty="0" smtClean="0">
+              <a:rPr lang="de-DE" sz="1700" b="0" i="0" kern="1200" dirty="0">
                 <a:solidFill>
                   <a:schemeClr val="tx1"/>
                 </a:solidFill>
@@ -19127,7 +18810,7 @@
               <a:t> in </a:t>
             </a:r>
             <a:r>
-              <a:rPr lang="de-DE" sz="1700" b="0" i="0" kern="1200" dirty="0" err="1" smtClean="0">
+              <a:rPr lang="de-DE" sz="1700" b="0" i="0" kern="1200" dirty="0" err="1">
                 <a:solidFill>
                   <a:schemeClr val="tx1"/>
                 </a:solidFill>
@@ -19139,7 +18822,7 @@
               <a:t>the</a:t>
             </a:r>
             <a:r>
-              <a:rPr lang="de-DE" sz="1700" b="0" i="0" kern="1200" dirty="0" smtClean="0">
+              <a:rPr lang="de-DE" sz="1700" b="0" i="0" kern="1200" dirty="0">
                 <a:solidFill>
                   <a:schemeClr val="tx1"/>
                 </a:solidFill>
@@ -19151,7 +18834,7 @@
               <a:t> </a:t>
             </a:r>
             <a:r>
-              <a:rPr lang="de-DE" sz="1700" b="0" i="0" kern="1200" dirty="0" err="1" smtClean="0">
+              <a:rPr lang="de-DE" sz="1700" b="0" i="0" kern="1200" dirty="0" err="1">
                 <a:solidFill>
                   <a:schemeClr val="tx1"/>
                 </a:solidFill>
@@ -19163,7 +18846,7 @@
               <a:t>tab</a:t>
             </a:r>
             <a:r>
-              <a:rPr lang="de-DE" sz="1700" b="0" i="0" kern="1200" dirty="0" smtClean="0">
+              <a:rPr lang="de-DE" sz="1700" b="0" i="0" kern="1200" dirty="0">
                 <a:solidFill>
                   <a:schemeClr val="tx1"/>
                 </a:solidFill>
@@ -19175,7 +18858,7 @@
               <a:t> </a:t>
             </a:r>
             <a:r>
-              <a:rPr lang="de-DE" sz="1700" b="0" i="0" kern="1200" dirty="0" err="1" smtClean="0">
+              <a:rPr lang="de-DE" sz="1700" b="0" i="0" kern="1200" dirty="0" err="1">
                 <a:solidFill>
                   <a:schemeClr val="tx1"/>
                 </a:solidFill>
@@ -19187,7 +18870,7 @@
               <a:t>or</a:t>
             </a:r>
             <a:r>
-              <a:rPr lang="de-DE" sz="1700" b="0" i="0" kern="1200" dirty="0" smtClean="0">
+              <a:rPr lang="de-DE" sz="1700" b="0" i="0" kern="1200" dirty="0">
                 <a:solidFill>
                   <a:schemeClr val="tx1"/>
                 </a:solidFill>
@@ -19199,7 +18882,7 @@
               <a:t> </a:t>
             </a:r>
             <a:r>
-              <a:rPr lang="de-DE" sz="1700" b="0" i="0" kern="1200" dirty="0" err="1" smtClean="0">
+              <a:rPr lang="de-DE" sz="1700" b="0" i="0" kern="1200" dirty="0" err="1">
                 <a:solidFill>
                   <a:schemeClr val="tx1"/>
                 </a:solidFill>
@@ -19211,7 +18894,7 @@
               <a:t>frame</a:t>
             </a:r>
             <a:r>
-              <a:rPr lang="de-DE" sz="1700" b="0" i="0" kern="1200" dirty="0" smtClean="0">
+              <a:rPr lang="de-DE" sz="1700" b="0" i="0" kern="1200" dirty="0">
                 <a:solidFill>
                   <a:schemeClr val="tx1"/>
                 </a:solidFill>
@@ -19223,7 +18906,7 @@
               <a:t> </a:t>
             </a:r>
             <a:r>
-              <a:rPr lang="de-DE" sz="1700" b="0" i="0" kern="1200" dirty="0" err="1" smtClean="0">
+              <a:rPr lang="de-DE" sz="1700" b="0" i="0" kern="1200" dirty="0" err="1">
                 <a:solidFill>
                   <a:schemeClr val="tx1"/>
                 </a:solidFill>
@@ -19235,7 +18918,7 @@
               <a:t>that</a:t>
             </a:r>
             <a:r>
-              <a:rPr lang="de-DE" sz="1700" b="0" i="0" kern="1200" dirty="0" smtClean="0">
+              <a:rPr lang="de-DE" sz="1700" b="0" i="0" kern="1200" dirty="0">
                 <a:solidFill>
                   <a:schemeClr val="tx1"/>
                 </a:solidFill>
@@ -19247,7 +18930,7 @@
               <a:t> </a:t>
             </a:r>
             <a:r>
-              <a:rPr lang="de-DE" sz="1700" b="0" i="0" kern="1200" dirty="0" err="1" smtClean="0">
+              <a:rPr lang="de-DE" sz="1700" b="0" i="0" kern="1200" dirty="0" err="1">
                 <a:solidFill>
                   <a:schemeClr val="tx1"/>
                 </a:solidFill>
@@ -19259,7 +18942,7 @@
               <a:t>the</a:t>
             </a:r>
             <a:r>
-              <a:rPr lang="de-DE" sz="1700" b="0" i="0" kern="1200" dirty="0" smtClean="0">
+              <a:rPr lang="de-DE" sz="1700" b="0" i="0" kern="1200" dirty="0">
                 <a:solidFill>
                   <a:schemeClr val="tx1"/>
                 </a:solidFill>
@@ -19271,7 +18954,7 @@
               <a:t> </a:t>
             </a:r>
             <a:r>
-              <a:rPr lang="de-DE" sz="1700" b="0" i="0" kern="1200" dirty="0" err="1" smtClean="0">
+              <a:rPr lang="de-DE" sz="1700" b="0" i="0" kern="1200" dirty="0" err="1">
                 <a:solidFill>
                   <a:schemeClr val="tx1"/>
                 </a:solidFill>
@@ -19283,7 +18966,7 @@
               <a:t>current</a:t>
             </a:r>
             <a:r>
-              <a:rPr lang="de-DE" sz="1700" b="0" i="0" kern="1200" dirty="0" smtClean="0">
+              <a:rPr lang="de-DE" sz="1700" b="0" i="0" kern="1200" dirty="0">
                 <a:solidFill>
                   <a:schemeClr val="tx1"/>
                 </a:solidFill>
@@ -19295,7 +18978,7 @@
               <a:t> </a:t>
             </a:r>
             <a:r>
-              <a:rPr lang="de-DE" sz="1700" b="0" i="0" kern="1200" dirty="0" err="1" smtClean="0">
+              <a:rPr lang="de-DE" sz="1700" b="0" i="0" kern="1200" dirty="0" err="1">
                 <a:solidFill>
                   <a:schemeClr val="tx1"/>
                 </a:solidFill>
@@ -19307,7 +18990,7 @@
               <a:t>page</a:t>
             </a:r>
             <a:r>
-              <a:rPr lang="de-DE" sz="1700" b="0" i="0" kern="1200" dirty="0" smtClean="0">
+              <a:rPr lang="de-DE" sz="1700" b="0" i="0" kern="1200" dirty="0">
                 <a:solidFill>
                   <a:schemeClr val="tx1"/>
                 </a:solidFill>
@@ -19319,7 +19002,7 @@
               <a:t> </a:t>
             </a:r>
             <a:r>
-              <a:rPr lang="de-DE" sz="1700" b="0" i="0" kern="1200" dirty="0" err="1" smtClean="0">
+              <a:rPr lang="de-DE" sz="1700" b="0" i="0" kern="1200" dirty="0" err="1">
                 <a:solidFill>
                   <a:schemeClr val="tx1"/>
                 </a:solidFill>
@@ -19331,7 +19014,7 @@
               <a:t>is</a:t>
             </a:r>
             <a:r>
-              <a:rPr lang="de-DE" sz="1700" b="0" i="0" kern="1200" dirty="0" smtClean="0">
+              <a:rPr lang="de-DE" sz="1700" b="0" i="0" kern="1200" dirty="0">
                 <a:solidFill>
                   <a:schemeClr val="tx1"/>
                 </a:solidFill>
@@ -19343,7 +19026,7 @@
               <a:t> </a:t>
             </a:r>
             <a:r>
-              <a:rPr lang="de-DE" sz="1700" b="0" i="0" kern="1200" dirty="0" err="1" smtClean="0">
+              <a:rPr lang="de-DE" sz="1700" b="0" i="0" kern="1200" dirty="0" err="1">
                 <a:solidFill>
                   <a:schemeClr val="tx1"/>
                 </a:solidFill>
@@ -19355,7 +19038,7 @@
               <a:t>loaded</a:t>
             </a:r>
             <a:r>
-              <a:rPr lang="de-DE" sz="1700" b="0" i="0" kern="1200" dirty="0" smtClean="0">
+              <a:rPr lang="de-DE" sz="1700" b="0" i="0" kern="1200" dirty="0">
                 <a:solidFill>
                   <a:schemeClr val="tx1"/>
                 </a:solidFill>
@@ -19367,7 +19050,7 @@
               <a:t> in. (Quelle:</a:t>
             </a:r>
             <a:r>
-              <a:rPr lang="de-DE" sz="1700" b="0" i="0" kern="1200" baseline="0" dirty="0" smtClean="0">
+              <a:rPr lang="de-DE" sz="1700" b="0" i="0" kern="1200" baseline="0" dirty="0">
                 <a:solidFill>
                   <a:schemeClr val="tx1"/>
                 </a:solidFill>
@@ -19379,7 +19062,7 @@
               <a:t> https://</a:t>
             </a:r>
             <a:r>
-              <a:rPr lang="de-DE" sz="1700" b="0" i="0" kern="1200" baseline="0" dirty="0" err="1" smtClean="0">
+              <a:rPr lang="de-DE" sz="1700" b="0" i="0" kern="1200" baseline="0" dirty="0" err="1">
                 <a:solidFill>
                   <a:schemeClr val="tx1"/>
                 </a:solidFill>
@@ -19391,7 +19074,7 @@
               <a:t>developer.mozilla.org</a:t>
             </a:r>
             <a:r>
-              <a:rPr lang="de-DE" sz="1700" b="0" i="0" kern="1200" baseline="0" dirty="0" smtClean="0">
+              <a:rPr lang="de-DE" sz="1700" b="0" i="0" kern="1200" baseline="0" dirty="0">
                 <a:solidFill>
                   <a:schemeClr val="tx1"/>
                 </a:solidFill>
@@ -19403,7 +19086,7 @@
               <a:t>/de/</a:t>
             </a:r>
             <a:r>
-              <a:rPr lang="de-DE" sz="1700" b="0" i="0" kern="1200" baseline="0" dirty="0" err="1" smtClean="0">
+              <a:rPr lang="de-DE" sz="1700" b="0" i="0" kern="1200" baseline="0" dirty="0" err="1">
                 <a:solidFill>
                   <a:schemeClr val="tx1"/>
                 </a:solidFill>
@@ -19415,7 +19098,7 @@
               <a:t>docs</a:t>
             </a:r>
             <a:r>
-              <a:rPr lang="de-DE" sz="1700" b="0" i="0" kern="1200" baseline="0" dirty="0" smtClean="0">
+              <a:rPr lang="de-DE" sz="1700" b="0" i="0" kern="1200" baseline="0" dirty="0">
                 <a:solidFill>
                   <a:schemeClr val="tx1"/>
                 </a:solidFill>
@@ -19427,7 +19110,7 @@
               <a:t>/Web/API/</a:t>
             </a:r>
             <a:r>
-              <a:rPr lang="de-DE" sz="1700" b="0" i="0" kern="1200" baseline="0" dirty="0" err="1" smtClean="0">
+              <a:rPr lang="de-DE" sz="1700" b="0" i="0" kern="1200" baseline="0" dirty="0" err="1">
                 <a:solidFill>
                   <a:schemeClr val="tx1"/>
                 </a:solidFill>
@@ -19439,7 +19122,7 @@
               <a:t>History</a:t>
             </a:r>
             <a:r>
-              <a:rPr lang="de-DE" sz="1700" b="0" i="0" kern="1200" baseline="0" dirty="0" smtClean="0">
+              <a:rPr lang="de-DE" sz="1700" b="0" i="0" kern="1200" baseline="0" dirty="0">
                 <a:solidFill>
                   <a:schemeClr val="tx1"/>
                 </a:solidFill>
@@ -19833,7 +19516,7 @@
           <p:cNvPr id="2" name="Datumsplatzhalter 1">
             <a:extLst>
               <a:ext uri="{FF2B5EF4-FFF2-40B4-BE49-F238E27FC236}">
-                <a16:creationId xmlns:a16="http://schemas.microsoft.com/office/drawing/2014/main" xmlns="" id="{0EE9CECA-FE53-4E0D-AD22-D4AB49ECF809}"/>
+                <a16:creationId xmlns:a16="http://schemas.microsoft.com/office/drawing/2014/main" id="{0EE9CECA-FE53-4E0D-AD22-D4AB49ECF809}"/>
               </a:ext>
             </a:extLst>
           </p:cNvPr>
@@ -19852,7 +19535,7 @@
             <a:fld id="{17C2562E-359A-3C42-BBEF-E02CE97BECB1}" type="datetimeFigureOut">
               <a:rPr lang="de-DE" smtClean="0"/>
               <a:pPr/>
-              <a:t>19.10.17</a:t>
+              <a:t>19.10.2017</a:t>
             </a:fld>
             <a:endParaRPr lang="de-DE" dirty="0"/>
           </a:p>
@@ -19863,7 +19546,7 @@
           <p:cNvPr id="7" name="Fußzeilenplatzhalter 6">
             <a:extLst>
               <a:ext uri="{FF2B5EF4-FFF2-40B4-BE49-F238E27FC236}">
-                <a16:creationId xmlns:a16="http://schemas.microsoft.com/office/drawing/2014/main" xmlns="" id="{C07A299E-41A7-4A08-81FA-6FBA6806F0A5}"/>
+                <a16:creationId xmlns:a16="http://schemas.microsoft.com/office/drawing/2014/main" id="{C07A299E-41A7-4A08-81FA-6FBA6806F0A5}"/>
               </a:ext>
             </a:extLst>
           </p:cNvPr>
@@ -19888,7 +19571,7 @@
           <p:cNvPr id="8" name="Foliennummernplatzhalter 7">
             <a:extLst>
               <a:ext uri="{FF2B5EF4-FFF2-40B4-BE49-F238E27FC236}">
-                <a16:creationId xmlns:a16="http://schemas.microsoft.com/office/drawing/2014/main" xmlns="" id="{9151A28C-FF21-4CC9-B28E-CF780807FE34}"/>
+                <a16:creationId xmlns:a16="http://schemas.microsoft.com/office/drawing/2014/main" id="{9151A28C-FF21-4CC9-B28E-CF780807FE34}"/>
               </a:ext>
             </a:extLst>
           </p:cNvPr>
@@ -20143,7 +19826,7 @@
           <p:cNvPr id="3" name="Datumsplatzhalter 2">
             <a:extLst>
               <a:ext uri="{FF2B5EF4-FFF2-40B4-BE49-F238E27FC236}">
-                <a16:creationId xmlns:a16="http://schemas.microsoft.com/office/drawing/2014/main" xmlns="" id="{3D332A91-9158-4543-9295-8484F133E109}"/>
+                <a16:creationId xmlns:a16="http://schemas.microsoft.com/office/drawing/2014/main" id="{3D332A91-9158-4543-9295-8484F133E109}"/>
               </a:ext>
             </a:extLst>
           </p:cNvPr>
@@ -20162,7 +19845,7 @@
             <a:fld id="{17C2562E-359A-3C42-BBEF-E02CE97BECB1}" type="datetimeFigureOut">
               <a:rPr lang="de-DE" smtClean="0"/>
               <a:pPr/>
-              <a:t>19.10.17</a:t>
+              <a:t>19.10.2017</a:t>
             </a:fld>
             <a:endParaRPr lang="de-DE" dirty="0"/>
           </a:p>
@@ -20173,7 +19856,7 @@
           <p:cNvPr id="7" name="Fußzeilenplatzhalter 6">
             <a:extLst>
               <a:ext uri="{FF2B5EF4-FFF2-40B4-BE49-F238E27FC236}">
-                <a16:creationId xmlns:a16="http://schemas.microsoft.com/office/drawing/2014/main" xmlns="" id="{C426E4CE-7F9D-4A7E-A795-EDD7185E3A7A}"/>
+                <a16:creationId xmlns:a16="http://schemas.microsoft.com/office/drawing/2014/main" id="{C426E4CE-7F9D-4A7E-A795-EDD7185E3A7A}"/>
               </a:ext>
             </a:extLst>
           </p:cNvPr>
@@ -20198,7 +19881,7 @@
           <p:cNvPr id="8" name="Foliennummernplatzhalter 7">
             <a:extLst>
               <a:ext uri="{FF2B5EF4-FFF2-40B4-BE49-F238E27FC236}">
-                <a16:creationId xmlns:a16="http://schemas.microsoft.com/office/drawing/2014/main" xmlns="" id="{73459CEF-058C-4C7D-9907-D7A5E4B23A28}"/>
+                <a16:creationId xmlns:a16="http://schemas.microsoft.com/office/drawing/2014/main" id="{73459CEF-058C-4C7D-9907-D7A5E4B23A28}"/>
               </a:ext>
             </a:extLst>
           </p:cNvPr>
@@ -20446,7 +20129,7 @@
           <p:cNvPr id="2" name="Datumsplatzhalter 1">
             <a:extLst>
               <a:ext uri="{FF2B5EF4-FFF2-40B4-BE49-F238E27FC236}">
-                <a16:creationId xmlns:a16="http://schemas.microsoft.com/office/drawing/2014/main" xmlns="" id="{64A9B900-82AE-4D1E-B11E-155C1B825004}"/>
+                <a16:creationId xmlns:a16="http://schemas.microsoft.com/office/drawing/2014/main" id="{64A9B900-82AE-4D1E-B11E-155C1B825004}"/>
               </a:ext>
             </a:extLst>
           </p:cNvPr>
@@ -20465,7 +20148,7 @@
             <a:fld id="{17C2562E-359A-3C42-BBEF-E02CE97BECB1}" type="datetimeFigureOut">
               <a:rPr lang="de-DE" smtClean="0"/>
               <a:pPr/>
-              <a:t>19.10.17</a:t>
+              <a:t>19.10.2017</a:t>
             </a:fld>
             <a:endParaRPr lang="de-DE" dirty="0"/>
           </a:p>
@@ -20476,7 +20159,7 @@
           <p:cNvPr id="7" name="Fußzeilenplatzhalter 6">
             <a:extLst>
               <a:ext uri="{FF2B5EF4-FFF2-40B4-BE49-F238E27FC236}">
-                <a16:creationId xmlns:a16="http://schemas.microsoft.com/office/drawing/2014/main" xmlns="" id="{41953AE8-A571-4BCE-AF9C-CC7A649DD8C5}"/>
+                <a16:creationId xmlns:a16="http://schemas.microsoft.com/office/drawing/2014/main" id="{41953AE8-A571-4BCE-AF9C-CC7A649DD8C5}"/>
               </a:ext>
             </a:extLst>
           </p:cNvPr>
@@ -20501,7 +20184,7 @@
           <p:cNvPr id="8" name="Foliennummernplatzhalter 7">
             <a:extLst>
               <a:ext uri="{FF2B5EF4-FFF2-40B4-BE49-F238E27FC236}">
-                <a16:creationId xmlns:a16="http://schemas.microsoft.com/office/drawing/2014/main" xmlns="" id="{6DCAD949-98D9-4F76-BE67-6629B37422CB}"/>
+                <a16:creationId xmlns:a16="http://schemas.microsoft.com/office/drawing/2014/main" id="{6DCAD949-98D9-4F76-BE67-6629B37422CB}"/>
               </a:ext>
             </a:extLst>
           </p:cNvPr>
@@ -20602,7 +20285,7 @@
           <p:cNvPr id="2" name="Datumsplatzhalter 1">
             <a:extLst>
               <a:ext uri="{FF2B5EF4-FFF2-40B4-BE49-F238E27FC236}">
-                <a16:creationId xmlns:a16="http://schemas.microsoft.com/office/drawing/2014/main" xmlns="" id="{0F48F7B5-AF2D-4886-B660-ACFD0F3CA06C}"/>
+                <a16:creationId xmlns:a16="http://schemas.microsoft.com/office/drawing/2014/main" id="{0F48F7B5-AF2D-4886-B660-ACFD0F3CA06C}"/>
               </a:ext>
             </a:extLst>
           </p:cNvPr>
@@ -20621,7 +20304,7 @@
             <a:fld id="{17C2562E-359A-3C42-BBEF-E02CE97BECB1}" type="datetimeFigureOut">
               <a:rPr lang="de-DE" smtClean="0"/>
               <a:pPr/>
-              <a:t>19.10.17</a:t>
+              <a:t>19.10.2017</a:t>
             </a:fld>
             <a:endParaRPr lang="de-DE" dirty="0"/>
           </a:p>
@@ -20632,7 +20315,7 @@
           <p:cNvPr id="7" name="Fußzeilenplatzhalter 6">
             <a:extLst>
               <a:ext uri="{FF2B5EF4-FFF2-40B4-BE49-F238E27FC236}">
-                <a16:creationId xmlns:a16="http://schemas.microsoft.com/office/drawing/2014/main" xmlns="" id="{C01D3F89-6DF4-4DC1-ABFC-4B69E0299624}"/>
+                <a16:creationId xmlns:a16="http://schemas.microsoft.com/office/drawing/2014/main" id="{C01D3F89-6DF4-4DC1-ABFC-4B69E0299624}"/>
               </a:ext>
             </a:extLst>
           </p:cNvPr>
@@ -20657,7 +20340,7 @@
           <p:cNvPr id="8" name="Foliennummernplatzhalter 7">
             <a:extLst>
               <a:ext uri="{FF2B5EF4-FFF2-40B4-BE49-F238E27FC236}">
-                <a16:creationId xmlns:a16="http://schemas.microsoft.com/office/drawing/2014/main" xmlns="" id="{BFD42FBE-0754-4285-A3CE-566D22A33C59}"/>
+                <a16:creationId xmlns:a16="http://schemas.microsoft.com/office/drawing/2014/main" id="{BFD42FBE-0754-4285-A3CE-566D22A33C59}"/>
               </a:ext>
             </a:extLst>
           </p:cNvPr>
@@ -20898,7 +20581,7 @@
           <p:cNvPr id="3" name="Datumsplatzhalter 2">
             <a:extLst>
               <a:ext uri="{FF2B5EF4-FFF2-40B4-BE49-F238E27FC236}">
-                <a16:creationId xmlns:a16="http://schemas.microsoft.com/office/drawing/2014/main" xmlns="" id="{434AC82E-1F55-4D6D-B12A-7355E3927B04}"/>
+                <a16:creationId xmlns:a16="http://schemas.microsoft.com/office/drawing/2014/main" id="{434AC82E-1F55-4D6D-B12A-7355E3927B04}"/>
               </a:ext>
             </a:extLst>
           </p:cNvPr>
@@ -20917,7 +20600,7 @@
             <a:fld id="{17C2562E-359A-3C42-BBEF-E02CE97BECB1}" type="datetimeFigureOut">
               <a:rPr lang="de-DE" smtClean="0"/>
               <a:pPr/>
-              <a:t>19.10.17</a:t>
+              <a:t>19.10.2017</a:t>
             </a:fld>
             <a:endParaRPr lang="de-DE" dirty="0"/>
           </a:p>
@@ -20928,7 +20611,7 @@
           <p:cNvPr id="7" name="Fußzeilenplatzhalter 6">
             <a:extLst>
               <a:ext uri="{FF2B5EF4-FFF2-40B4-BE49-F238E27FC236}">
-                <a16:creationId xmlns:a16="http://schemas.microsoft.com/office/drawing/2014/main" xmlns="" id="{95F90759-2A54-4A06-B304-DFA3C45AF309}"/>
+                <a16:creationId xmlns:a16="http://schemas.microsoft.com/office/drawing/2014/main" id="{95F90759-2A54-4A06-B304-DFA3C45AF309}"/>
               </a:ext>
             </a:extLst>
           </p:cNvPr>
@@ -20953,7 +20636,7 @@
           <p:cNvPr id="8" name="Foliennummernplatzhalter 7">
             <a:extLst>
               <a:ext uri="{FF2B5EF4-FFF2-40B4-BE49-F238E27FC236}">
-                <a16:creationId xmlns:a16="http://schemas.microsoft.com/office/drawing/2014/main" xmlns="" id="{AAA489C6-E63E-4078-89A4-7CC1709D7206}"/>
+                <a16:creationId xmlns:a16="http://schemas.microsoft.com/office/drawing/2014/main" id="{AAA489C6-E63E-4078-89A4-7CC1709D7206}"/>
               </a:ext>
             </a:extLst>
           </p:cNvPr>
@@ -21235,7 +20918,7 @@
           <p:cNvPr id="3" name="Datumsplatzhalter 2">
             <a:extLst>
               <a:ext uri="{FF2B5EF4-FFF2-40B4-BE49-F238E27FC236}">
-                <a16:creationId xmlns:a16="http://schemas.microsoft.com/office/drawing/2014/main" xmlns="" id="{24A5A6B0-652D-48FC-AF73-17BD8D217D8E}"/>
+                <a16:creationId xmlns:a16="http://schemas.microsoft.com/office/drawing/2014/main" id="{24A5A6B0-652D-48FC-AF73-17BD8D217D8E}"/>
               </a:ext>
             </a:extLst>
           </p:cNvPr>
@@ -21254,7 +20937,7 @@
             <a:fld id="{17C2562E-359A-3C42-BBEF-E02CE97BECB1}" type="datetimeFigureOut">
               <a:rPr lang="de-DE" smtClean="0"/>
               <a:pPr/>
-              <a:t>19.10.17</a:t>
+              <a:t>19.10.2017</a:t>
             </a:fld>
             <a:endParaRPr lang="de-DE" dirty="0"/>
           </a:p>
@@ -21265,7 +20948,7 @@
           <p:cNvPr id="7" name="Fußzeilenplatzhalter 6">
             <a:extLst>
               <a:ext uri="{FF2B5EF4-FFF2-40B4-BE49-F238E27FC236}">
-                <a16:creationId xmlns:a16="http://schemas.microsoft.com/office/drawing/2014/main" xmlns="" id="{239BA7E1-F103-432E-BC27-0127D2228DA4}"/>
+                <a16:creationId xmlns:a16="http://schemas.microsoft.com/office/drawing/2014/main" id="{239BA7E1-F103-432E-BC27-0127D2228DA4}"/>
               </a:ext>
             </a:extLst>
           </p:cNvPr>
@@ -21290,7 +20973,7 @@
           <p:cNvPr id="9" name="Foliennummernplatzhalter 8">
             <a:extLst>
               <a:ext uri="{FF2B5EF4-FFF2-40B4-BE49-F238E27FC236}">
-                <a16:creationId xmlns:a16="http://schemas.microsoft.com/office/drawing/2014/main" xmlns="" id="{E398A7F9-A765-46A7-B1D7-8FF6247ED6E8}"/>
+                <a16:creationId xmlns:a16="http://schemas.microsoft.com/office/drawing/2014/main" id="{E398A7F9-A765-46A7-B1D7-8FF6247ED6E8}"/>
               </a:ext>
             </a:extLst>
           </p:cNvPr>
@@ -21711,7 +21394,7 @@
           <p:cNvPr id="3" name="Datumsplatzhalter 2">
             <a:extLst>
               <a:ext uri="{FF2B5EF4-FFF2-40B4-BE49-F238E27FC236}">
-                <a16:creationId xmlns:a16="http://schemas.microsoft.com/office/drawing/2014/main" xmlns="" id="{E251BDE8-F6CD-4379-B02C-D58055E91CB7}"/>
+                <a16:creationId xmlns:a16="http://schemas.microsoft.com/office/drawing/2014/main" id="{E251BDE8-F6CD-4379-B02C-D58055E91CB7}"/>
               </a:ext>
             </a:extLst>
           </p:cNvPr>
@@ -21730,7 +21413,7 @@
             <a:fld id="{17C2562E-359A-3C42-BBEF-E02CE97BECB1}" type="datetimeFigureOut">
               <a:rPr lang="de-DE" smtClean="0"/>
               <a:pPr/>
-              <a:t>19.10.17</a:t>
+              <a:t>19.10.2017</a:t>
             </a:fld>
             <a:endParaRPr lang="de-DE" dirty="0"/>
           </a:p>
@@ -21741,7 +21424,7 @@
           <p:cNvPr id="7" name="Fußzeilenplatzhalter 6">
             <a:extLst>
               <a:ext uri="{FF2B5EF4-FFF2-40B4-BE49-F238E27FC236}">
-                <a16:creationId xmlns:a16="http://schemas.microsoft.com/office/drawing/2014/main" xmlns="" id="{F684EDD4-7234-4CF4-A5B8-FCC6419FE199}"/>
+                <a16:creationId xmlns:a16="http://schemas.microsoft.com/office/drawing/2014/main" id="{F684EDD4-7234-4CF4-A5B8-FCC6419FE199}"/>
               </a:ext>
             </a:extLst>
           </p:cNvPr>
@@ -21766,7 +21449,7 @@
           <p:cNvPr id="8" name="Foliennummernplatzhalter 7">
             <a:extLst>
               <a:ext uri="{FF2B5EF4-FFF2-40B4-BE49-F238E27FC236}">
-                <a16:creationId xmlns:a16="http://schemas.microsoft.com/office/drawing/2014/main" xmlns="" id="{81EB7AF2-AEA0-439E-B5DA-DF760778341F}"/>
+                <a16:creationId xmlns:a16="http://schemas.microsoft.com/office/drawing/2014/main" id="{81EB7AF2-AEA0-439E-B5DA-DF760778341F}"/>
               </a:ext>
             </a:extLst>
           </p:cNvPr>
@@ -22094,7 +21777,7 @@
           <p:cNvPr id="3" name="Datumsplatzhalter 2">
             <a:extLst>
               <a:ext uri="{FF2B5EF4-FFF2-40B4-BE49-F238E27FC236}">
-                <a16:creationId xmlns:a16="http://schemas.microsoft.com/office/drawing/2014/main" xmlns="" id="{C2E5ECD2-BEB5-47D1-A89E-69496048A8D5}"/>
+                <a16:creationId xmlns:a16="http://schemas.microsoft.com/office/drawing/2014/main" id="{C2E5ECD2-BEB5-47D1-A89E-69496048A8D5}"/>
               </a:ext>
             </a:extLst>
           </p:cNvPr>
@@ -22113,7 +21796,7 @@
             <a:fld id="{17C2562E-359A-3C42-BBEF-E02CE97BECB1}" type="datetimeFigureOut">
               <a:rPr lang="de-DE" smtClean="0"/>
               <a:pPr/>
-              <a:t>19.10.17</a:t>
+              <a:t>19.10.2017</a:t>
             </a:fld>
             <a:endParaRPr lang="de-DE" dirty="0"/>
           </a:p>
@@ -22124,7 +21807,7 @@
           <p:cNvPr id="7" name="Fußzeilenplatzhalter 6">
             <a:extLst>
               <a:ext uri="{FF2B5EF4-FFF2-40B4-BE49-F238E27FC236}">
-                <a16:creationId xmlns:a16="http://schemas.microsoft.com/office/drawing/2014/main" xmlns="" id="{8DADA64D-3A7A-4438-9197-BD2830657223}"/>
+                <a16:creationId xmlns:a16="http://schemas.microsoft.com/office/drawing/2014/main" id="{8DADA64D-3A7A-4438-9197-BD2830657223}"/>
               </a:ext>
             </a:extLst>
           </p:cNvPr>
@@ -22149,7 +21832,7 @@
           <p:cNvPr id="9" name="Foliennummernplatzhalter 8">
             <a:extLst>
               <a:ext uri="{FF2B5EF4-FFF2-40B4-BE49-F238E27FC236}">
-                <a16:creationId xmlns:a16="http://schemas.microsoft.com/office/drawing/2014/main" xmlns="" id="{3D8A091A-178E-435F-9EA9-84BA66D378CC}"/>
+                <a16:creationId xmlns:a16="http://schemas.microsoft.com/office/drawing/2014/main" id="{3D8A091A-178E-435F-9EA9-84BA66D378CC}"/>
               </a:ext>
             </a:extLst>
           </p:cNvPr>
@@ -22780,7 +22463,7 @@
           <p:cNvPr id="6" name="Datumsplatzhalter 5">
             <a:extLst>
               <a:ext uri="{FF2B5EF4-FFF2-40B4-BE49-F238E27FC236}">
-                <a16:creationId xmlns:a16="http://schemas.microsoft.com/office/drawing/2014/main" xmlns="" id="{E75B6010-F5BB-4F22-8221-D75D21F6EB55}"/>
+                <a16:creationId xmlns:a16="http://schemas.microsoft.com/office/drawing/2014/main" id="{E75B6010-F5BB-4F22-8221-D75D21F6EB55}"/>
               </a:ext>
             </a:extLst>
           </p:cNvPr>
@@ -22799,7 +22482,7 @@
             <a:fld id="{17C2562E-359A-3C42-BBEF-E02CE97BECB1}" type="datetimeFigureOut">
               <a:rPr lang="de-DE" smtClean="0"/>
               <a:pPr/>
-              <a:t>19.10.17</a:t>
+              <a:t>19.10.2017</a:t>
             </a:fld>
             <a:endParaRPr lang="de-DE" dirty="0"/>
           </a:p>
@@ -22810,7 +22493,7 @@
           <p:cNvPr id="7" name="Fußzeilenplatzhalter 6">
             <a:extLst>
               <a:ext uri="{FF2B5EF4-FFF2-40B4-BE49-F238E27FC236}">
-                <a16:creationId xmlns:a16="http://schemas.microsoft.com/office/drawing/2014/main" xmlns="" id="{26547C97-5C9B-4C14-8D49-A5E83DFFB45A}"/>
+                <a16:creationId xmlns:a16="http://schemas.microsoft.com/office/drawing/2014/main" id="{26547C97-5C9B-4C14-8D49-A5E83DFFB45A}"/>
               </a:ext>
             </a:extLst>
           </p:cNvPr>
@@ -22835,7 +22518,7 @@
           <p:cNvPr id="11" name="Foliennummernplatzhalter 10">
             <a:extLst>
               <a:ext uri="{FF2B5EF4-FFF2-40B4-BE49-F238E27FC236}">
-                <a16:creationId xmlns:a16="http://schemas.microsoft.com/office/drawing/2014/main" xmlns="" id="{98B57AAA-67F4-4EFE-A062-411C04E4F8A2}"/>
+                <a16:creationId xmlns:a16="http://schemas.microsoft.com/office/drawing/2014/main" id="{98B57AAA-67F4-4EFE-A062-411C04E4F8A2}"/>
               </a:ext>
             </a:extLst>
           </p:cNvPr>
@@ -23374,7 +23057,7 @@
           <p:cNvPr id="5" name="Datumsplatzhalter 4">
             <a:extLst>
               <a:ext uri="{FF2B5EF4-FFF2-40B4-BE49-F238E27FC236}">
-                <a16:creationId xmlns:a16="http://schemas.microsoft.com/office/drawing/2014/main" xmlns="" id="{0C7C8404-609B-40A1-85F0-0C1D3C5C6357}"/>
+                <a16:creationId xmlns:a16="http://schemas.microsoft.com/office/drawing/2014/main" id="{0C7C8404-609B-40A1-85F0-0C1D3C5C6357}"/>
               </a:ext>
             </a:extLst>
           </p:cNvPr>
@@ -23393,7 +23076,7 @@
             <a:fld id="{17C2562E-359A-3C42-BBEF-E02CE97BECB1}" type="datetimeFigureOut">
               <a:rPr lang="de-DE" smtClean="0"/>
               <a:pPr/>
-              <a:t>19.10.17</a:t>
+              <a:t>19.10.2017</a:t>
             </a:fld>
             <a:endParaRPr lang="de-DE" dirty="0"/>
           </a:p>
@@ -23404,7 +23087,7 @@
           <p:cNvPr id="8" name="Fußzeilenplatzhalter 7">
             <a:extLst>
               <a:ext uri="{FF2B5EF4-FFF2-40B4-BE49-F238E27FC236}">
-                <a16:creationId xmlns:a16="http://schemas.microsoft.com/office/drawing/2014/main" xmlns="" id="{3C29D00E-B305-494B-A605-238A832848F3}"/>
+                <a16:creationId xmlns:a16="http://schemas.microsoft.com/office/drawing/2014/main" id="{3C29D00E-B305-494B-A605-238A832848F3}"/>
               </a:ext>
             </a:extLst>
           </p:cNvPr>
@@ -23429,7 +23112,7 @@
           <p:cNvPr id="9" name="Foliennummernplatzhalter 8">
             <a:extLst>
               <a:ext uri="{FF2B5EF4-FFF2-40B4-BE49-F238E27FC236}">
-                <a16:creationId xmlns:a16="http://schemas.microsoft.com/office/drawing/2014/main" xmlns="" id="{7FC7C27A-51A6-4577-BAAE-22B90EFD1D16}"/>
+                <a16:creationId xmlns:a16="http://schemas.microsoft.com/office/drawing/2014/main" id="{7FC7C27A-51A6-4577-BAAE-22B90EFD1D16}"/>
               </a:ext>
             </a:extLst>
           </p:cNvPr>
@@ -24198,7 +23881,7 @@
           <p:cNvPr id="5" name="Datumsplatzhalter 4">
             <a:extLst>
               <a:ext uri="{FF2B5EF4-FFF2-40B4-BE49-F238E27FC236}">
-                <a16:creationId xmlns:a16="http://schemas.microsoft.com/office/drawing/2014/main" xmlns="" id="{33D616DE-E3B4-4D35-BB61-A1FFAD7A5AAF}"/>
+                <a16:creationId xmlns:a16="http://schemas.microsoft.com/office/drawing/2014/main" id="{33D616DE-E3B4-4D35-BB61-A1FFAD7A5AAF}"/>
               </a:ext>
             </a:extLst>
           </p:cNvPr>
@@ -24217,7 +23900,7 @@
             <a:fld id="{17C2562E-359A-3C42-BBEF-E02CE97BECB1}" type="datetimeFigureOut">
               <a:rPr lang="de-DE" smtClean="0"/>
               <a:pPr/>
-              <a:t>19.10.17</a:t>
+              <a:t>19.10.2017</a:t>
             </a:fld>
             <a:endParaRPr lang="de-DE" dirty="0"/>
           </a:p>
@@ -24228,7 +23911,7 @@
           <p:cNvPr id="7" name="Fußzeilenplatzhalter 6">
             <a:extLst>
               <a:ext uri="{FF2B5EF4-FFF2-40B4-BE49-F238E27FC236}">
-                <a16:creationId xmlns:a16="http://schemas.microsoft.com/office/drawing/2014/main" xmlns="" id="{009571DE-76C3-4B92-A98C-31AD1C84E96F}"/>
+                <a16:creationId xmlns:a16="http://schemas.microsoft.com/office/drawing/2014/main" id="{009571DE-76C3-4B92-A98C-31AD1C84E96F}"/>
               </a:ext>
             </a:extLst>
           </p:cNvPr>
@@ -24253,7 +23936,7 @@
           <p:cNvPr id="10" name="Foliennummernplatzhalter 9">
             <a:extLst>
               <a:ext uri="{FF2B5EF4-FFF2-40B4-BE49-F238E27FC236}">
-                <a16:creationId xmlns:a16="http://schemas.microsoft.com/office/drawing/2014/main" xmlns="" id="{A873DEEA-A3E3-4201-A6F9-C92D0EB9E730}"/>
+                <a16:creationId xmlns:a16="http://schemas.microsoft.com/office/drawing/2014/main" id="{A873DEEA-A3E3-4201-A6F9-C92D0EB9E730}"/>
               </a:ext>
             </a:extLst>
           </p:cNvPr>
@@ -24678,7 +24361,7 @@
           <p:cNvPr id="6" name="Datumsplatzhalter 5">
             <a:extLst>
               <a:ext uri="{FF2B5EF4-FFF2-40B4-BE49-F238E27FC236}">
-                <a16:creationId xmlns:a16="http://schemas.microsoft.com/office/drawing/2014/main" xmlns="" id="{BE1F9E44-CCA9-4032-B773-94D7E2DF8ED5}"/>
+                <a16:creationId xmlns:a16="http://schemas.microsoft.com/office/drawing/2014/main" id="{BE1F9E44-CCA9-4032-B773-94D7E2DF8ED5}"/>
               </a:ext>
             </a:extLst>
           </p:cNvPr>
@@ -24697,7 +24380,7 @@
             <a:fld id="{17C2562E-359A-3C42-BBEF-E02CE97BECB1}" type="datetimeFigureOut">
               <a:rPr lang="de-DE" smtClean="0"/>
               <a:pPr/>
-              <a:t>19.10.17</a:t>
+              <a:t>19.10.2017</a:t>
             </a:fld>
             <a:endParaRPr lang="de-DE" dirty="0"/>
           </a:p>
@@ -24708,7 +24391,7 @@
           <p:cNvPr id="7" name="Fußzeilenplatzhalter 6">
             <a:extLst>
               <a:ext uri="{FF2B5EF4-FFF2-40B4-BE49-F238E27FC236}">
-                <a16:creationId xmlns:a16="http://schemas.microsoft.com/office/drawing/2014/main" xmlns="" id="{4D3B4066-4E5D-4AAB-A33C-01B8A1CAA20D}"/>
+                <a16:creationId xmlns:a16="http://schemas.microsoft.com/office/drawing/2014/main" id="{4D3B4066-4E5D-4AAB-A33C-01B8A1CAA20D}"/>
               </a:ext>
             </a:extLst>
           </p:cNvPr>
@@ -24733,7 +24416,7 @@
           <p:cNvPr id="8" name="Foliennummernplatzhalter 7">
             <a:extLst>
               <a:ext uri="{FF2B5EF4-FFF2-40B4-BE49-F238E27FC236}">
-                <a16:creationId xmlns:a16="http://schemas.microsoft.com/office/drawing/2014/main" xmlns="" id="{52AE4811-CB7B-4E63-92A7-E2967B6AEBEE}"/>
+                <a16:creationId xmlns:a16="http://schemas.microsoft.com/office/drawing/2014/main" id="{52AE4811-CB7B-4E63-92A7-E2967B6AEBEE}"/>
               </a:ext>
             </a:extLst>
           </p:cNvPr>
@@ -25520,7 +25203,7 @@
           <p:cNvPr id="5" name="Datumsplatzhalter 4">
             <a:extLst>
               <a:ext uri="{FF2B5EF4-FFF2-40B4-BE49-F238E27FC236}">
-                <a16:creationId xmlns:a16="http://schemas.microsoft.com/office/drawing/2014/main" xmlns="" id="{7AEDF8C5-F6FB-4119-B6A3-908B246DAB0B}"/>
+                <a16:creationId xmlns:a16="http://schemas.microsoft.com/office/drawing/2014/main" id="{7AEDF8C5-F6FB-4119-B6A3-908B246DAB0B}"/>
               </a:ext>
             </a:extLst>
           </p:cNvPr>
@@ -25539,7 +25222,7 @@
             <a:fld id="{17C2562E-359A-3C42-BBEF-E02CE97BECB1}" type="datetimeFigureOut">
               <a:rPr lang="de-DE" smtClean="0"/>
               <a:pPr/>
-              <a:t>19.10.17</a:t>
+              <a:t>19.10.2017</a:t>
             </a:fld>
             <a:endParaRPr lang="de-DE" dirty="0"/>
           </a:p>
@@ -25550,7 +25233,7 @@
           <p:cNvPr id="7" name="Fußzeilenplatzhalter 6">
             <a:extLst>
               <a:ext uri="{FF2B5EF4-FFF2-40B4-BE49-F238E27FC236}">
-                <a16:creationId xmlns:a16="http://schemas.microsoft.com/office/drawing/2014/main" xmlns="" id="{4CCDEB9D-85DD-4CF0-96C7-BA711D11F2BE}"/>
+                <a16:creationId xmlns:a16="http://schemas.microsoft.com/office/drawing/2014/main" id="{4CCDEB9D-85DD-4CF0-96C7-BA711D11F2BE}"/>
               </a:ext>
             </a:extLst>
           </p:cNvPr>
@@ -25575,7 +25258,7 @@
           <p:cNvPr id="9" name="Foliennummernplatzhalter 8">
             <a:extLst>
               <a:ext uri="{FF2B5EF4-FFF2-40B4-BE49-F238E27FC236}">
-                <a16:creationId xmlns:a16="http://schemas.microsoft.com/office/drawing/2014/main" xmlns="" id="{418E80D9-3450-43BD-94A9-22C9BF91B1C0}"/>
+                <a16:creationId xmlns:a16="http://schemas.microsoft.com/office/drawing/2014/main" id="{418E80D9-3450-43BD-94A9-22C9BF91B1C0}"/>
               </a:ext>
             </a:extLst>
           </p:cNvPr>
@@ -26321,7 +26004,7 @@
           <p:cNvPr id="3" name="Datumsplatzhalter 2">
             <a:extLst>
               <a:ext uri="{FF2B5EF4-FFF2-40B4-BE49-F238E27FC236}">
-                <a16:creationId xmlns:a16="http://schemas.microsoft.com/office/drawing/2014/main" xmlns="" id="{25D8C277-6F42-4B11-AB90-EBE3A1238A85}"/>
+                <a16:creationId xmlns:a16="http://schemas.microsoft.com/office/drawing/2014/main" id="{25D8C277-6F42-4B11-AB90-EBE3A1238A85}"/>
               </a:ext>
             </a:extLst>
           </p:cNvPr>
@@ -26340,7 +26023,7 @@
             <a:fld id="{17C2562E-359A-3C42-BBEF-E02CE97BECB1}" type="datetimeFigureOut">
               <a:rPr lang="de-DE" smtClean="0"/>
               <a:pPr/>
-              <a:t>19.10.17</a:t>
+              <a:t>19.10.2017</a:t>
             </a:fld>
             <a:endParaRPr lang="de-DE" dirty="0"/>
           </a:p>
@@ -26351,7 +26034,7 @@
           <p:cNvPr id="4" name="Fußzeilenplatzhalter 3">
             <a:extLst>
               <a:ext uri="{FF2B5EF4-FFF2-40B4-BE49-F238E27FC236}">
-                <a16:creationId xmlns:a16="http://schemas.microsoft.com/office/drawing/2014/main" xmlns="" id="{4815A052-9443-41A9-9F46-0AA437EEDDA5}"/>
+                <a16:creationId xmlns:a16="http://schemas.microsoft.com/office/drawing/2014/main" id="{4815A052-9443-41A9-9F46-0AA437EEDDA5}"/>
               </a:ext>
             </a:extLst>
           </p:cNvPr>
@@ -26376,7 +26059,7 @@
           <p:cNvPr id="5" name="Foliennummernplatzhalter 4">
             <a:extLst>
               <a:ext uri="{FF2B5EF4-FFF2-40B4-BE49-F238E27FC236}">
-                <a16:creationId xmlns:a16="http://schemas.microsoft.com/office/drawing/2014/main" xmlns="" id="{5F7C50D9-9DEA-4EFD-ACE3-677BBD4DEB55}"/>
+                <a16:creationId xmlns:a16="http://schemas.microsoft.com/office/drawing/2014/main" id="{5F7C50D9-9DEA-4EFD-ACE3-677BBD4DEB55}"/>
               </a:ext>
             </a:extLst>
           </p:cNvPr>
@@ -26842,7 +26525,7 @@
           <p:cNvPr id="5" name="Datumsplatzhalter 4">
             <a:extLst>
               <a:ext uri="{FF2B5EF4-FFF2-40B4-BE49-F238E27FC236}">
-                <a16:creationId xmlns:a16="http://schemas.microsoft.com/office/drawing/2014/main" xmlns="" id="{6B4135B1-E114-41F0-9C64-3A26186B834F}"/>
+                <a16:creationId xmlns:a16="http://schemas.microsoft.com/office/drawing/2014/main" id="{6B4135B1-E114-41F0-9C64-3A26186B834F}"/>
               </a:ext>
             </a:extLst>
           </p:cNvPr>
@@ -26861,7 +26544,7 @@
             <a:fld id="{17C2562E-359A-3C42-BBEF-E02CE97BECB1}" type="datetimeFigureOut">
               <a:rPr lang="de-DE" smtClean="0"/>
               <a:pPr/>
-              <a:t>19.10.17</a:t>
+              <a:t>19.10.2017</a:t>
             </a:fld>
             <a:endParaRPr lang="de-DE" dirty="0"/>
           </a:p>
@@ -26872,7 +26555,7 @@
           <p:cNvPr id="7" name="Fußzeilenplatzhalter 6">
             <a:extLst>
               <a:ext uri="{FF2B5EF4-FFF2-40B4-BE49-F238E27FC236}">
-                <a16:creationId xmlns:a16="http://schemas.microsoft.com/office/drawing/2014/main" xmlns="" id="{84D81854-B37F-4ADF-A34F-BF0CCA2926F2}"/>
+                <a16:creationId xmlns:a16="http://schemas.microsoft.com/office/drawing/2014/main" id="{84D81854-B37F-4ADF-A34F-BF0CCA2926F2}"/>
               </a:ext>
             </a:extLst>
           </p:cNvPr>
@@ -26897,7 +26580,7 @@
           <p:cNvPr id="9" name="Foliennummernplatzhalter 8">
             <a:extLst>
               <a:ext uri="{FF2B5EF4-FFF2-40B4-BE49-F238E27FC236}">
-                <a16:creationId xmlns:a16="http://schemas.microsoft.com/office/drawing/2014/main" xmlns="" id="{2EE17D9C-06FE-45C8-B312-4C5617C49000}"/>
+                <a16:creationId xmlns:a16="http://schemas.microsoft.com/office/drawing/2014/main" id="{2EE17D9C-06FE-45C8-B312-4C5617C49000}"/>
               </a:ext>
             </a:extLst>
           </p:cNvPr>
@@ -27322,7 +27005,7 @@
           <p:cNvPr id="10" name="Datumsplatzhalter 9">
             <a:extLst>
               <a:ext uri="{FF2B5EF4-FFF2-40B4-BE49-F238E27FC236}">
-                <a16:creationId xmlns:a16="http://schemas.microsoft.com/office/drawing/2014/main" xmlns="" id="{F92E0490-C295-4C99-B9D1-6310B9164EDD}"/>
+                <a16:creationId xmlns:a16="http://schemas.microsoft.com/office/drawing/2014/main" id="{F92E0490-C295-4C99-B9D1-6310B9164EDD}"/>
               </a:ext>
             </a:extLst>
           </p:cNvPr>
@@ -27341,7 +27024,7 @@
             <a:fld id="{17C2562E-359A-3C42-BBEF-E02CE97BECB1}" type="datetimeFigureOut">
               <a:rPr lang="de-DE" smtClean="0"/>
               <a:pPr/>
-              <a:t>19.10.17</a:t>
+              <a:t>19.10.2017</a:t>
             </a:fld>
             <a:endParaRPr lang="de-DE" dirty="0"/>
           </a:p>
@@ -27352,7 +27035,7 @@
           <p:cNvPr id="11" name="Fußzeilenplatzhalter 10">
             <a:extLst>
               <a:ext uri="{FF2B5EF4-FFF2-40B4-BE49-F238E27FC236}">
-                <a16:creationId xmlns:a16="http://schemas.microsoft.com/office/drawing/2014/main" xmlns="" id="{DD98C48F-3C69-4703-B4CC-632DDDDB497C}"/>
+                <a16:creationId xmlns:a16="http://schemas.microsoft.com/office/drawing/2014/main" id="{DD98C48F-3C69-4703-B4CC-632DDDDB497C}"/>
               </a:ext>
             </a:extLst>
           </p:cNvPr>
@@ -27377,7 +27060,7 @@
           <p:cNvPr id="15" name="Foliennummernplatzhalter 14">
             <a:extLst>
               <a:ext uri="{FF2B5EF4-FFF2-40B4-BE49-F238E27FC236}">
-                <a16:creationId xmlns:a16="http://schemas.microsoft.com/office/drawing/2014/main" xmlns="" id="{1968527D-44A1-407F-99A6-2ACAB46FBD28}"/>
+                <a16:creationId xmlns:a16="http://schemas.microsoft.com/office/drawing/2014/main" id="{1968527D-44A1-407F-99A6-2ACAB46FBD28}"/>
               </a:ext>
             </a:extLst>
           </p:cNvPr>
@@ -28164,7 +27847,7 @@
           <p:cNvPr id="5" name="Datumsplatzhalter 4">
             <a:extLst>
               <a:ext uri="{FF2B5EF4-FFF2-40B4-BE49-F238E27FC236}">
-                <a16:creationId xmlns:a16="http://schemas.microsoft.com/office/drawing/2014/main" xmlns="" id="{8AFAB162-0FDB-4A37-A4FD-CBFC89474486}"/>
+                <a16:creationId xmlns:a16="http://schemas.microsoft.com/office/drawing/2014/main" id="{8AFAB162-0FDB-4A37-A4FD-CBFC89474486}"/>
               </a:ext>
             </a:extLst>
           </p:cNvPr>
@@ -28183,7 +27866,7 @@
             <a:fld id="{17C2562E-359A-3C42-BBEF-E02CE97BECB1}" type="datetimeFigureOut">
               <a:rPr lang="de-DE" smtClean="0"/>
               <a:pPr/>
-              <a:t>19.10.17</a:t>
+              <a:t>19.10.2017</a:t>
             </a:fld>
             <a:endParaRPr lang="de-DE" dirty="0"/>
           </a:p>
@@ -28194,7 +27877,7 @@
           <p:cNvPr id="7" name="Fußzeilenplatzhalter 6">
             <a:extLst>
               <a:ext uri="{FF2B5EF4-FFF2-40B4-BE49-F238E27FC236}">
-                <a16:creationId xmlns:a16="http://schemas.microsoft.com/office/drawing/2014/main" xmlns="" id="{46B12C25-0691-43C5-8596-6B8AD0039874}"/>
+                <a16:creationId xmlns:a16="http://schemas.microsoft.com/office/drawing/2014/main" id="{46B12C25-0691-43C5-8596-6B8AD0039874}"/>
               </a:ext>
             </a:extLst>
           </p:cNvPr>
@@ -28219,7 +27902,7 @@
           <p:cNvPr id="9" name="Foliennummernplatzhalter 8">
             <a:extLst>
               <a:ext uri="{FF2B5EF4-FFF2-40B4-BE49-F238E27FC236}">
-                <a16:creationId xmlns:a16="http://schemas.microsoft.com/office/drawing/2014/main" xmlns="" id="{7C5C2594-4A54-4AE0-88EE-FB17FDD4570C}"/>
+                <a16:creationId xmlns:a16="http://schemas.microsoft.com/office/drawing/2014/main" id="{7C5C2594-4A54-4AE0-88EE-FB17FDD4570C}"/>
               </a:ext>
             </a:extLst>
           </p:cNvPr>
@@ -28965,7 +28648,7 @@
           <p:cNvPr id="5" name="Datumsplatzhalter 4">
             <a:extLst>
               <a:ext uri="{FF2B5EF4-FFF2-40B4-BE49-F238E27FC236}">
-                <a16:creationId xmlns:a16="http://schemas.microsoft.com/office/drawing/2014/main" xmlns="" id="{D1D6952B-45CB-46FF-9F9B-1F98CC255417}"/>
+                <a16:creationId xmlns:a16="http://schemas.microsoft.com/office/drawing/2014/main" id="{D1D6952B-45CB-46FF-9F9B-1F98CC255417}"/>
               </a:ext>
             </a:extLst>
           </p:cNvPr>
@@ -28984,7 +28667,7 @@
             <a:fld id="{17C2562E-359A-3C42-BBEF-E02CE97BECB1}" type="datetimeFigureOut">
               <a:rPr lang="de-DE" smtClean="0"/>
               <a:pPr/>
-              <a:t>19.10.17</a:t>
+              <a:t>19.10.2017</a:t>
             </a:fld>
             <a:endParaRPr lang="de-DE" dirty="0"/>
           </a:p>
@@ -28995,7 +28678,7 @@
           <p:cNvPr id="7" name="Fußzeilenplatzhalter 6">
             <a:extLst>
               <a:ext uri="{FF2B5EF4-FFF2-40B4-BE49-F238E27FC236}">
-                <a16:creationId xmlns:a16="http://schemas.microsoft.com/office/drawing/2014/main" xmlns="" id="{3C08D0C6-0E40-46E2-9D6C-74181D953DFE}"/>
+                <a16:creationId xmlns:a16="http://schemas.microsoft.com/office/drawing/2014/main" id="{3C08D0C6-0E40-46E2-9D6C-74181D953DFE}"/>
               </a:ext>
             </a:extLst>
           </p:cNvPr>
@@ -29020,7 +28703,7 @@
           <p:cNvPr id="8" name="Foliennummernplatzhalter 7">
             <a:extLst>
               <a:ext uri="{FF2B5EF4-FFF2-40B4-BE49-F238E27FC236}">
-                <a16:creationId xmlns:a16="http://schemas.microsoft.com/office/drawing/2014/main" xmlns="" id="{EA500A2A-E0AD-4AD6-AB58-61BF900F0E2C}"/>
+                <a16:creationId xmlns:a16="http://schemas.microsoft.com/office/drawing/2014/main" id="{EA500A2A-E0AD-4AD6-AB58-61BF900F0E2C}"/>
               </a:ext>
             </a:extLst>
           </p:cNvPr>
@@ -29124,7 +28807,7 @@
           <p:cNvPr id="5" name="Datumsplatzhalter 4">
             <a:extLst>
               <a:ext uri="{FF2B5EF4-FFF2-40B4-BE49-F238E27FC236}">
-                <a16:creationId xmlns:a16="http://schemas.microsoft.com/office/drawing/2014/main" xmlns="" id="{A181F7F8-D379-4070-8216-3B81228BAEC6}"/>
+                <a16:creationId xmlns:a16="http://schemas.microsoft.com/office/drawing/2014/main" id="{A181F7F8-D379-4070-8216-3B81228BAEC6}"/>
               </a:ext>
             </a:extLst>
           </p:cNvPr>
@@ -29143,7 +28826,7 @@
             <a:fld id="{17C2562E-359A-3C42-BBEF-E02CE97BECB1}" type="datetimeFigureOut">
               <a:rPr lang="de-DE" smtClean="0"/>
               <a:pPr/>
-              <a:t>19.10.17</a:t>
+              <a:t>19.10.2017</a:t>
             </a:fld>
             <a:endParaRPr lang="de-DE" dirty="0"/>
           </a:p>
@@ -29154,7 +28837,7 @@
           <p:cNvPr id="7" name="Fußzeilenplatzhalter 6">
             <a:extLst>
               <a:ext uri="{FF2B5EF4-FFF2-40B4-BE49-F238E27FC236}">
-                <a16:creationId xmlns:a16="http://schemas.microsoft.com/office/drawing/2014/main" xmlns="" id="{D8E0E4FD-5CC1-4D23-A3E8-7DAB1134A4FA}"/>
+                <a16:creationId xmlns:a16="http://schemas.microsoft.com/office/drawing/2014/main" id="{D8E0E4FD-5CC1-4D23-A3E8-7DAB1134A4FA}"/>
               </a:ext>
             </a:extLst>
           </p:cNvPr>
@@ -29179,7 +28862,7 @@
           <p:cNvPr id="8" name="Foliennummernplatzhalter 7">
             <a:extLst>
               <a:ext uri="{FF2B5EF4-FFF2-40B4-BE49-F238E27FC236}">
-                <a16:creationId xmlns:a16="http://schemas.microsoft.com/office/drawing/2014/main" xmlns="" id="{6D72C792-B02A-4A44-BF65-9B261DE5D43D}"/>
+                <a16:creationId xmlns:a16="http://schemas.microsoft.com/office/drawing/2014/main" id="{6D72C792-B02A-4A44-BF65-9B261DE5D43D}"/>
               </a:ext>
             </a:extLst>
           </p:cNvPr>
@@ -29300,10 +28983,6 @@
                 <a:spcPts val="600"/>
               </a:spcBef>
             </a:pPr>
-            <a:r>
-              <a:rPr lang="de-DE" sz="2000" dirty="0"/>
-              <a:t/>
-            </a:r>
             <a:br>
               <a:rPr lang="de-DE" sz="2000" dirty="0"/>
             </a:br>
@@ -29520,17 +29199,9 @@
               <a:rPr lang="de-DE" sz="2000" noProof="0" dirty="0"/>
               <a:t>dateveg</a:t>
             </a:r>
-            <a:r>
-              <a:rPr lang="de-DE" sz="2000" dirty="0"/>
-              <a:t/>
-            </a:r>
             <a:br>
               <a:rPr lang="de-DE" sz="2000" dirty="0"/>
             </a:br>
-            <a:r>
-              <a:rPr lang="de-DE" sz="2000" dirty="0"/>
-              <a:t/>
-            </a:r>
             <a:br>
               <a:rPr lang="de-DE" sz="2000" dirty="0"/>
             </a:br>
@@ -29576,7 +29247,7 @@
           <p:cNvPr id="2" name="Datumsplatzhalter 1">
             <a:extLst>
               <a:ext uri="{FF2B5EF4-FFF2-40B4-BE49-F238E27FC236}">
-                <a16:creationId xmlns:a16="http://schemas.microsoft.com/office/drawing/2014/main" xmlns="" id="{B1E6CA30-BA19-47F1-BFEE-B5E43CCEC731}"/>
+                <a16:creationId xmlns:a16="http://schemas.microsoft.com/office/drawing/2014/main" id="{B1E6CA30-BA19-47F1-BFEE-B5E43CCEC731}"/>
               </a:ext>
             </a:extLst>
           </p:cNvPr>
@@ -29595,7 +29266,7 @@
             <a:fld id="{17C2562E-359A-3C42-BBEF-E02CE97BECB1}" type="datetimeFigureOut">
               <a:rPr lang="de-DE" smtClean="0"/>
               <a:pPr/>
-              <a:t>19.10.17</a:t>
+              <a:t>19.10.2017</a:t>
             </a:fld>
             <a:endParaRPr lang="de-DE" dirty="0"/>
           </a:p>
@@ -29606,7 +29277,7 @@
           <p:cNvPr id="14" name="Fußzeilenplatzhalter 13">
             <a:extLst>
               <a:ext uri="{FF2B5EF4-FFF2-40B4-BE49-F238E27FC236}">
-                <a16:creationId xmlns:a16="http://schemas.microsoft.com/office/drawing/2014/main" xmlns="" id="{06236A5B-AF48-4E5C-BD02-27BC73328D88}"/>
+                <a16:creationId xmlns:a16="http://schemas.microsoft.com/office/drawing/2014/main" id="{06236A5B-AF48-4E5C-BD02-27BC73328D88}"/>
               </a:ext>
             </a:extLst>
           </p:cNvPr>
@@ -29631,7 +29302,7 @@
           <p:cNvPr id="15" name="Foliennummernplatzhalter 14">
             <a:extLst>
               <a:ext uri="{FF2B5EF4-FFF2-40B4-BE49-F238E27FC236}">
-                <a16:creationId xmlns:a16="http://schemas.microsoft.com/office/drawing/2014/main" xmlns="" id="{6C539E6F-C163-4DFD-A93D-F463843C6D4E}"/>
+                <a16:creationId xmlns:a16="http://schemas.microsoft.com/office/drawing/2014/main" id="{6C539E6F-C163-4DFD-A93D-F463843C6D4E}"/>
               </a:ext>
             </a:extLst>
           </p:cNvPr>
@@ -29947,7 +29618,7 @@
           <p:cNvPr id="7" name="Datumsplatzhalter 6">
             <a:extLst>
               <a:ext uri="{FF2B5EF4-FFF2-40B4-BE49-F238E27FC236}">
-                <a16:creationId xmlns:a16="http://schemas.microsoft.com/office/drawing/2014/main" xmlns="" id="{E9F2D5EB-EB07-4AC4-94D4-FA6BD7E87398}"/>
+                <a16:creationId xmlns:a16="http://schemas.microsoft.com/office/drawing/2014/main" id="{E9F2D5EB-EB07-4AC4-94D4-FA6BD7E87398}"/>
               </a:ext>
             </a:extLst>
           </p:cNvPr>
@@ -29966,7 +29637,7 @@
             <a:fld id="{17C2562E-359A-3C42-BBEF-E02CE97BECB1}" type="datetimeFigureOut">
               <a:rPr lang="de-DE" smtClean="0"/>
               <a:pPr/>
-              <a:t>19.10.17</a:t>
+              <a:t>19.10.2017</a:t>
             </a:fld>
             <a:endParaRPr lang="de-DE" dirty="0"/>
           </a:p>
@@ -29977,7 +29648,7 @@
           <p:cNvPr id="8" name="Fußzeilenplatzhalter 7">
             <a:extLst>
               <a:ext uri="{FF2B5EF4-FFF2-40B4-BE49-F238E27FC236}">
-                <a16:creationId xmlns:a16="http://schemas.microsoft.com/office/drawing/2014/main" xmlns="" id="{947F1BF2-5B5A-4E3F-9A69-A7FC06CEE6DA}"/>
+                <a16:creationId xmlns:a16="http://schemas.microsoft.com/office/drawing/2014/main" id="{947F1BF2-5B5A-4E3F-9A69-A7FC06CEE6DA}"/>
               </a:ext>
             </a:extLst>
           </p:cNvPr>
@@ -30002,7 +29673,7 @@
           <p:cNvPr id="9" name="Foliennummernplatzhalter 8">
             <a:extLst>
               <a:ext uri="{FF2B5EF4-FFF2-40B4-BE49-F238E27FC236}">
-                <a16:creationId xmlns:a16="http://schemas.microsoft.com/office/drawing/2014/main" xmlns="" id="{B0D6E36A-E68C-4CFF-A1B3-ADE80884E18E}"/>
+                <a16:creationId xmlns:a16="http://schemas.microsoft.com/office/drawing/2014/main" id="{B0D6E36A-E68C-4CFF-A1B3-ADE80884E18E}"/>
               </a:ext>
             </a:extLst>
           </p:cNvPr>
@@ -30476,7 +30147,7 @@
           <p:cNvPr id="5" name="Datumsplatzhalter 4">
             <a:extLst>
               <a:ext uri="{FF2B5EF4-FFF2-40B4-BE49-F238E27FC236}">
-                <a16:creationId xmlns:a16="http://schemas.microsoft.com/office/drawing/2014/main" xmlns="" id="{368DD9D8-7FE8-48F0-AE91-AE98EA3DCA20}"/>
+                <a16:creationId xmlns:a16="http://schemas.microsoft.com/office/drawing/2014/main" id="{368DD9D8-7FE8-48F0-AE91-AE98EA3DCA20}"/>
               </a:ext>
             </a:extLst>
           </p:cNvPr>
@@ -30495,7 +30166,7 @@
             <a:fld id="{17C2562E-359A-3C42-BBEF-E02CE97BECB1}" type="datetimeFigureOut">
               <a:rPr lang="de-DE" smtClean="0"/>
               <a:pPr/>
-              <a:t>19.10.17</a:t>
+              <a:t>19.10.2017</a:t>
             </a:fld>
             <a:endParaRPr lang="de-DE" dirty="0"/>
           </a:p>
@@ -30506,7 +30177,7 @@
           <p:cNvPr id="7" name="Fußzeilenplatzhalter 6">
             <a:extLst>
               <a:ext uri="{FF2B5EF4-FFF2-40B4-BE49-F238E27FC236}">
-                <a16:creationId xmlns:a16="http://schemas.microsoft.com/office/drawing/2014/main" xmlns="" id="{DD743ADB-89F1-48B5-A397-7FB83734730F}"/>
+                <a16:creationId xmlns:a16="http://schemas.microsoft.com/office/drawing/2014/main" id="{DD743ADB-89F1-48B5-A397-7FB83734730F}"/>
               </a:ext>
             </a:extLst>
           </p:cNvPr>
@@ -30531,7 +30202,7 @@
           <p:cNvPr id="8" name="Foliennummernplatzhalter 7">
             <a:extLst>
               <a:ext uri="{FF2B5EF4-FFF2-40B4-BE49-F238E27FC236}">
-                <a16:creationId xmlns:a16="http://schemas.microsoft.com/office/drawing/2014/main" xmlns="" id="{E9AACC46-EA1E-4E6F-8F9D-AC4B57F09904}"/>
+                <a16:creationId xmlns:a16="http://schemas.microsoft.com/office/drawing/2014/main" id="{E9AACC46-EA1E-4E6F-8F9D-AC4B57F09904}"/>
               </a:ext>
             </a:extLst>
           </p:cNvPr>
@@ -30838,7 +30509,7 @@
           <p:cNvPr id="6" name="Datumsplatzhalter 5">
             <a:extLst>
               <a:ext uri="{FF2B5EF4-FFF2-40B4-BE49-F238E27FC236}">
-                <a16:creationId xmlns:a16="http://schemas.microsoft.com/office/drawing/2014/main" xmlns="" id="{39EC82D5-F468-46F1-8BE2-F62E4D04C5CD}"/>
+                <a16:creationId xmlns:a16="http://schemas.microsoft.com/office/drawing/2014/main" id="{39EC82D5-F468-46F1-8BE2-F62E4D04C5CD}"/>
               </a:ext>
             </a:extLst>
           </p:cNvPr>
@@ -30857,7 +30528,7 @@
             <a:fld id="{17C2562E-359A-3C42-BBEF-E02CE97BECB1}" type="datetimeFigureOut">
               <a:rPr lang="de-DE" smtClean="0"/>
               <a:pPr/>
-              <a:t>19.10.17</a:t>
+              <a:t>19.10.2017</a:t>
             </a:fld>
             <a:endParaRPr lang="de-DE" dirty="0"/>
           </a:p>
@@ -30868,7 +30539,7 @@
           <p:cNvPr id="7" name="Fußzeilenplatzhalter 6">
             <a:extLst>
               <a:ext uri="{FF2B5EF4-FFF2-40B4-BE49-F238E27FC236}">
-                <a16:creationId xmlns:a16="http://schemas.microsoft.com/office/drawing/2014/main" xmlns="" id="{32A29AE2-1FA8-458C-9BDD-E35CA69A9340}"/>
+                <a16:creationId xmlns:a16="http://schemas.microsoft.com/office/drawing/2014/main" id="{32A29AE2-1FA8-458C-9BDD-E35CA69A9340}"/>
               </a:ext>
             </a:extLst>
           </p:cNvPr>
@@ -30893,7 +30564,7 @@
           <p:cNvPr id="8" name="Foliennummernplatzhalter 7">
             <a:extLst>
               <a:ext uri="{FF2B5EF4-FFF2-40B4-BE49-F238E27FC236}">
-                <a16:creationId xmlns:a16="http://schemas.microsoft.com/office/drawing/2014/main" xmlns="" id="{DC4135BE-88E8-4C4B-B3FF-FC61855E0C9F}"/>
+                <a16:creationId xmlns:a16="http://schemas.microsoft.com/office/drawing/2014/main" id="{DC4135BE-88E8-4C4B-B3FF-FC61855E0C9F}"/>
               </a:ext>
             </a:extLst>
           </p:cNvPr>
@@ -31204,7 +30875,7 @@
           <p:cNvPr id="5" name="Datumsplatzhalter 4">
             <a:extLst>
               <a:ext uri="{FF2B5EF4-FFF2-40B4-BE49-F238E27FC236}">
-                <a16:creationId xmlns:a16="http://schemas.microsoft.com/office/drawing/2014/main" xmlns="" id="{42621BA8-D298-4AAA-B27E-2D5702596736}"/>
+                <a16:creationId xmlns:a16="http://schemas.microsoft.com/office/drawing/2014/main" id="{42621BA8-D298-4AAA-B27E-2D5702596736}"/>
               </a:ext>
             </a:extLst>
           </p:cNvPr>
@@ -31223,7 +30894,7 @@
             <a:fld id="{17C2562E-359A-3C42-BBEF-E02CE97BECB1}" type="datetimeFigureOut">
               <a:rPr lang="de-DE" smtClean="0"/>
               <a:pPr/>
-              <a:t>19.10.17</a:t>
+              <a:t>19.10.2017</a:t>
             </a:fld>
             <a:endParaRPr lang="de-DE" dirty="0"/>
           </a:p>
@@ -31234,7 +30905,7 @@
           <p:cNvPr id="6" name="Fußzeilenplatzhalter 5">
             <a:extLst>
               <a:ext uri="{FF2B5EF4-FFF2-40B4-BE49-F238E27FC236}">
-                <a16:creationId xmlns:a16="http://schemas.microsoft.com/office/drawing/2014/main" xmlns="" id="{59687A69-8E9C-4168-AA2A-7D487587D19D}"/>
+                <a16:creationId xmlns:a16="http://schemas.microsoft.com/office/drawing/2014/main" id="{59687A69-8E9C-4168-AA2A-7D487587D19D}"/>
               </a:ext>
             </a:extLst>
           </p:cNvPr>
@@ -31259,7 +30930,7 @@
           <p:cNvPr id="7" name="Foliennummernplatzhalter 6">
             <a:extLst>
               <a:ext uri="{FF2B5EF4-FFF2-40B4-BE49-F238E27FC236}">
-                <a16:creationId xmlns:a16="http://schemas.microsoft.com/office/drawing/2014/main" xmlns="" id="{536244A4-4C24-4CD2-82E9-C547A6F8C84B}"/>
+                <a16:creationId xmlns:a16="http://schemas.microsoft.com/office/drawing/2014/main" id="{536244A4-4C24-4CD2-82E9-C547A6F8C84B}"/>
               </a:ext>
             </a:extLst>
           </p:cNvPr>
@@ -31563,7 +31234,7 @@
           <p:cNvPr id="6" name="Datumsplatzhalter 5">
             <a:extLst>
               <a:ext uri="{FF2B5EF4-FFF2-40B4-BE49-F238E27FC236}">
-                <a16:creationId xmlns:a16="http://schemas.microsoft.com/office/drawing/2014/main" xmlns="" id="{BF6F2AC7-7673-45B2-B727-C8AE32F0AB56}"/>
+                <a16:creationId xmlns:a16="http://schemas.microsoft.com/office/drawing/2014/main" id="{BF6F2AC7-7673-45B2-B727-C8AE32F0AB56}"/>
               </a:ext>
             </a:extLst>
           </p:cNvPr>
@@ -31582,7 +31253,7 @@
             <a:fld id="{17C2562E-359A-3C42-BBEF-E02CE97BECB1}" type="datetimeFigureOut">
               <a:rPr lang="de-DE" smtClean="0"/>
               <a:pPr/>
-              <a:t>19.10.17</a:t>
+              <a:t>19.10.2017</a:t>
             </a:fld>
             <a:endParaRPr lang="de-DE" dirty="0"/>
           </a:p>
@@ -31593,7 +31264,7 @@
           <p:cNvPr id="7" name="Fußzeilenplatzhalter 6">
             <a:extLst>
               <a:ext uri="{FF2B5EF4-FFF2-40B4-BE49-F238E27FC236}">
-                <a16:creationId xmlns:a16="http://schemas.microsoft.com/office/drawing/2014/main" xmlns="" id="{92A772BA-DCE7-4C4E-83BA-CF4FFCC183EE}"/>
+                <a16:creationId xmlns:a16="http://schemas.microsoft.com/office/drawing/2014/main" id="{92A772BA-DCE7-4C4E-83BA-CF4FFCC183EE}"/>
               </a:ext>
             </a:extLst>
           </p:cNvPr>
@@ -31618,7 +31289,7 @@
           <p:cNvPr id="8" name="Foliennummernplatzhalter 7">
             <a:extLst>
               <a:ext uri="{FF2B5EF4-FFF2-40B4-BE49-F238E27FC236}">
-                <a16:creationId xmlns:a16="http://schemas.microsoft.com/office/drawing/2014/main" xmlns="" id="{E51D4D1D-A3D0-476F-93F4-F41207D05396}"/>
+                <a16:creationId xmlns:a16="http://schemas.microsoft.com/office/drawing/2014/main" id="{E51D4D1D-A3D0-476F-93F4-F41207D05396}"/>
               </a:ext>
             </a:extLst>
           </p:cNvPr>
@@ -31918,7 +31589,7 @@
           <p:cNvPr id="4" name="Datumsplatzhalter 3">
             <a:extLst>
               <a:ext uri="{FF2B5EF4-FFF2-40B4-BE49-F238E27FC236}">
-                <a16:creationId xmlns:a16="http://schemas.microsoft.com/office/drawing/2014/main" xmlns="" id="{37D39D12-6498-4172-8CA5-163DBEBBD0CB}"/>
+                <a16:creationId xmlns:a16="http://schemas.microsoft.com/office/drawing/2014/main" id="{37D39D12-6498-4172-8CA5-163DBEBBD0CB}"/>
               </a:ext>
             </a:extLst>
           </p:cNvPr>
@@ -31937,7 +31608,7 @@
             <a:fld id="{17C2562E-359A-3C42-BBEF-E02CE97BECB1}" type="datetimeFigureOut">
               <a:rPr lang="de-DE" smtClean="0"/>
               <a:pPr/>
-              <a:t>19.10.17</a:t>
+              <a:t>19.10.2017</a:t>
             </a:fld>
             <a:endParaRPr lang="de-DE" dirty="0"/>
           </a:p>
@@ -31948,7 +31619,7 @@
           <p:cNvPr id="7" name="Fußzeilenplatzhalter 6">
             <a:extLst>
               <a:ext uri="{FF2B5EF4-FFF2-40B4-BE49-F238E27FC236}">
-                <a16:creationId xmlns:a16="http://schemas.microsoft.com/office/drawing/2014/main" xmlns="" id="{F310451D-2AF2-4222-AA5C-04DDCF6CA55F}"/>
+                <a16:creationId xmlns:a16="http://schemas.microsoft.com/office/drawing/2014/main" id="{F310451D-2AF2-4222-AA5C-04DDCF6CA55F}"/>
               </a:ext>
             </a:extLst>
           </p:cNvPr>
@@ -31973,7 +31644,7 @@
           <p:cNvPr id="8" name="Foliennummernplatzhalter 7">
             <a:extLst>
               <a:ext uri="{FF2B5EF4-FFF2-40B4-BE49-F238E27FC236}">
-                <a16:creationId xmlns:a16="http://schemas.microsoft.com/office/drawing/2014/main" xmlns="" id="{8546ADD4-A434-4A15-B639-BB0897136588}"/>
+                <a16:creationId xmlns:a16="http://schemas.microsoft.com/office/drawing/2014/main" id="{8546ADD4-A434-4A15-B639-BB0897136588}"/>
               </a:ext>
             </a:extLst>
           </p:cNvPr>
@@ -32212,7 +31883,7 @@
           <p:cNvPr id="2" name="Datumsplatzhalter 1">
             <a:extLst>
               <a:ext uri="{FF2B5EF4-FFF2-40B4-BE49-F238E27FC236}">
-                <a16:creationId xmlns:a16="http://schemas.microsoft.com/office/drawing/2014/main" xmlns="" id="{A19FBC2B-4138-47A7-96C3-6075667C774D}"/>
+                <a16:creationId xmlns:a16="http://schemas.microsoft.com/office/drawing/2014/main" id="{A19FBC2B-4138-47A7-96C3-6075667C774D}"/>
               </a:ext>
             </a:extLst>
           </p:cNvPr>
@@ -32231,7 +31902,7 @@
             <a:fld id="{17C2562E-359A-3C42-BBEF-E02CE97BECB1}" type="datetimeFigureOut">
               <a:rPr lang="de-DE" smtClean="0"/>
               <a:pPr/>
-              <a:t>19.10.17</a:t>
+              <a:t>19.10.2017</a:t>
             </a:fld>
             <a:endParaRPr lang="de-DE" dirty="0"/>
           </a:p>
@@ -32242,7 +31913,7 @@
           <p:cNvPr id="8" name="Fußzeilenplatzhalter 7">
             <a:extLst>
               <a:ext uri="{FF2B5EF4-FFF2-40B4-BE49-F238E27FC236}">
-                <a16:creationId xmlns:a16="http://schemas.microsoft.com/office/drawing/2014/main" xmlns="" id="{193B0760-28CB-4559-9AEF-4866F2FCE0E4}"/>
+                <a16:creationId xmlns:a16="http://schemas.microsoft.com/office/drawing/2014/main" id="{193B0760-28CB-4559-9AEF-4866F2FCE0E4}"/>
               </a:ext>
             </a:extLst>
           </p:cNvPr>
@@ -32267,7 +31938,7 @@
           <p:cNvPr id="11" name="Foliennummernplatzhalter 10">
             <a:extLst>
               <a:ext uri="{FF2B5EF4-FFF2-40B4-BE49-F238E27FC236}">
-                <a16:creationId xmlns:a16="http://schemas.microsoft.com/office/drawing/2014/main" xmlns="" id="{A263DBAA-5BAE-421E-BCAE-39992A39B610}"/>
+                <a16:creationId xmlns:a16="http://schemas.microsoft.com/office/drawing/2014/main" id="{A263DBAA-5BAE-421E-BCAE-39992A39B610}"/>
               </a:ext>
             </a:extLst>
           </p:cNvPr>
@@ -32474,7 +32145,7 @@
             <a:fld id="{17C2562E-359A-3C42-BBEF-E02CE97BECB1}" type="datetimeFigureOut">
               <a:rPr lang="de-DE" smtClean="0"/>
               <a:pPr/>
-              <a:t>19.10.17</a:t>
+              <a:t>19.10.2017</a:t>
             </a:fld>
             <a:endParaRPr lang="de-DE" dirty="0"/>
           </a:p>
@@ -33049,7 +32720,7 @@
             <a:fld id="{17C2562E-359A-3C42-BBEF-E02CE97BECB1}" type="datetimeFigureOut">
               <a:rPr lang="de-DE" smtClean="0"/>
               <a:pPr/>
-              <a:t>19.10.17</a:t>
+              <a:t>19.10.2017</a:t>
             </a:fld>
             <a:endParaRPr lang="de-DE" dirty="0"/>
           </a:p>
@@ -33173,7 +32844,7 @@
           <p:cNvPr id="11" name="Titel 1">
             <a:extLst>
               <a:ext uri="{FF2B5EF4-FFF2-40B4-BE49-F238E27FC236}">
-                <a16:creationId xmlns:a16="http://schemas.microsoft.com/office/drawing/2014/main" xmlns="" id="{251058B0-31BE-410A-BE50-41D5389B0AAB}"/>
+                <a16:creationId xmlns:a16="http://schemas.microsoft.com/office/drawing/2014/main" id="{251058B0-31BE-410A-BE50-41D5389B0AAB}"/>
               </a:ext>
             </a:extLst>
           </p:cNvPr>
@@ -34638,7 +34309,7 @@
           <p:cNvPr id="2" name="Textplatzhalter 1">
             <a:extLst>
               <a:ext uri="{FF2B5EF4-FFF2-40B4-BE49-F238E27FC236}">
-                <a16:creationId xmlns:a16="http://schemas.microsoft.com/office/drawing/2014/main" xmlns="" id="{45003885-0277-4A8A-9B32-2C0872306E13}"/>
+                <a16:creationId xmlns:a16="http://schemas.microsoft.com/office/drawing/2014/main" id="{45003885-0277-4A8A-9B32-2C0872306E13}"/>
               </a:ext>
             </a:extLst>
           </p:cNvPr>
@@ -34678,7 +34349,7 @@
           <p:cNvPr id="3" name="Titel 2">
             <a:extLst>
               <a:ext uri="{FF2B5EF4-FFF2-40B4-BE49-F238E27FC236}">
-                <a16:creationId xmlns:a16="http://schemas.microsoft.com/office/drawing/2014/main" xmlns="" id="{EA92ABC8-8A1F-45BA-8C5F-D5DEF58C8920}"/>
+                <a16:creationId xmlns:a16="http://schemas.microsoft.com/office/drawing/2014/main" id="{EA92ABC8-8A1F-45BA-8C5F-D5DEF58C8920}"/>
               </a:ext>
             </a:extLst>
           </p:cNvPr>
@@ -34719,13 +34390,6 @@
   <p:clrMapOvr>
     <a:masterClrMapping/>
   </p:clrMapOvr>
-  <p:timing>
-    <p:tnLst>
-      <p:par>
-        <p:cTn id="1" dur="indefinite" restart="never" nodeType="tmRoot"/>
-      </p:par>
-    </p:tnLst>
-  </p:timing>
 </p:sld>
 </file>
 
@@ -34763,7 +34427,7 @@
           <a:p>
             <a:r>
               <a:rPr lang="de-DE" dirty="0"/>
-              <a:t>Angular @DATEV</a:t>
+              <a:t>Angular @DATEV – Die Anfänge</a:t>
             </a:r>
           </a:p>
         </p:txBody>
@@ -34780,130 +34444,141 @@
         </p:nvSpPr>
         <p:spPr/>
         <p:txBody>
-          <a:bodyPr/>
+          <a:bodyPr vert="horz" lIns="129600" tIns="45720" rIns="91440" bIns="45720" rtlCol="0" anchor="t">
+            <a:noAutofit/>
+          </a:bodyPr>
           <a:lstStyle/>
           <a:p>
-            <a:pPr>
+            <a:pPr marL="360045" indent="-360045">
               <a:lnSpc>
                 <a:spcPct val="150000"/>
               </a:lnSpc>
             </a:pPr>
             <a:r>
               <a:rPr lang="de-DE" dirty="0"/>
-              <a:t>Anfänge</a:t>
-            </a:r>
-          </a:p>
-          <a:p>
-            <a:pPr lvl="1">
+              <a:t>Ende 2015 musste ein Nachfolger für damals eingesetzte, veraltete Framework gefunden werden</a:t>
+            </a:r>
+          </a:p>
+          <a:p>
+            <a:pPr marL="360045" indent="-360045">
+              <a:lnSpc>
+                <a:spcPct val="150000"/>
+              </a:lnSpc>
+              <a:buSzPct val="64999"/>
+            </a:pPr>
+            <a:r>
+              <a:rPr lang="de-DE" dirty="0"/>
+              <a:t>Erste Version: Angular2 Alpha 36</a:t>
+            </a:r>
+          </a:p>
+          <a:p>
+            <a:pPr marL="360045" indent="-360045">
+              <a:lnSpc>
+                <a:spcPct val="150000"/>
+              </a:lnSpc>
+              <a:buSzPct val="64999"/>
+            </a:pPr>
+            <a:r>
+              <a:rPr lang="de-DE" dirty="0"/>
+              <a:t>Hürden bei der Einführung</a:t>
+            </a:r>
+          </a:p>
+          <a:p>
+            <a:pPr marL="719455" lvl="1" indent="-359410">
+              <a:lnSpc>
+                <a:spcPct val="150000"/>
+              </a:lnSpc>
+              <a:buSzPct val="64999"/>
+            </a:pPr>
+            <a:r>
+              <a:rPr lang="de-DE" dirty="0"/>
+              <a:t>Wenig Dokumentation -&gt; Learning-</a:t>
+            </a:r>
+            <a:r>
+              <a:rPr lang="de-DE" dirty="0" err="1"/>
+              <a:t>by</a:t>
+            </a:r>
+            <a:r>
+              <a:rPr lang="de-DE" dirty="0"/>
+              <a:t>-Debugging</a:t>
+            </a:r>
+          </a:p>
+          <a:p>
+            <a:pPr marL="719455" lvl="1" indent="-359410">
+              <a:lnSpc>
+                <a:spcPct val="150000"/>
+              </a:lnSpc>
+              <a:buSzPct val="64999"/>
+            </a:pPr>
+            <a:r>
+              <a:rPr lang="de-DE" dirty="0"/>
+              <a:t>Luftspalt in der DATEV wegen Datenschutz und </a:t>
+            </a:r>
+            <a:r>
+              <a:rPr lang="mr-IN" dirty="0"/>
+              <a:t>–</a:t>
+            </a:r>
+            <a:r>
+              <a:rPr lang="de-DE" dirty="0" err="1"/>
+              <a:t>sicherheit</a:t>
+            </a:r>
+          </a:p>
+          <a:p>
+            <a:pPr marL="719455" lvl="1" indent="-359410">
+              <a:lnSpc>
+                <a:spcPct val="150000"/>
+              </a:lnSpc>
+              <a:buSzPct val="64999"/>
+            </a:pPr>
+            <a:r>
+              <a:rPr lang="de-DE" dirty="0"/>
+              <a:t>Anfängliche hohe Komplexität und viel </a:t>
+            </a:r>
+            <a:r>
+              <a:rPr lang="de-DE" dirty="0" err="1"/>
+              <a:t>BreakingChanges</a:t>
+            </a:r>
+          </a:p>
+          <a:p>
+            <a:pPr marL="719455" lvl="1" indent="-359410">
+              <a:lnSpc>
+                <a:spcPct val="150000"/>
+              </a:lnSpc>
+              <a:buSzPct val="64999"/>
+            </a:pPr>
+            <a:r>
+              <a:rPr lang="de-DE" dirty="0"/>
+              <a:t>Große Defizite im Vergleich zum bis dato eingesetztem Framework</a:t>
+            </a:r>
+          </a:p>
+          <a:p>
+            <a:pPr marL="1079500" lvl="2" indent="-359410">
+              <a:lnSpc>
+                <a:spcPct val="150000"/>
+              </a:lnSpc>
+              <a:buSzPct val="64999"/>
+            </a:pPr>
+            <a:endParaRPr lang="de-DE" dirty="0"/>
+          </a:p>
+          <a:p>
+            <a:pPr marL="1079500" lvl="2" indent="-359410">
               <a:lnSpc>
                 <a:spcPct val="150000"/>
               </a:lnSpc>
             </a:pPr>
-            <a:r>
-              <a:rPr lang="de-DE" dirty="0"/>
-              <a:t>Wenig Erfahrung mit </a:t>
-            </a:r>
-            <a:r>
-              <a:rPr lang="de-DE" dirty="0" err="1"/>
-              <a:t>AngularJS</a:t>
-            </a:r>
-            <a:r>
-              <a:rPr lang="de-DE" dirty="0"/>
-              <a:t>/Angular</a:t>
-            </a:r>
-          </a:p>
-          <a:p>
-            <a:pPr lvl="1">
+            <a:endParaRPr lang="de-DE" dirty="0"/>
+          </a:p>
+          <a:p>
+            <a:pPr marL="719455" lvl="1" indent="-359410">
               <a:lnSpc>
                 <a:spcPct val="150000"/>
               </a:lnSpc>
+              <a:buSzPct val="64999"/>
             </a:pPr>
-            <a:r>
-              <a:rPr lang="de-DE" dirty="0"/>
-              <a:t>Erste Version: </a:t>
-            </a:r>
-            <a:r>
-              <a:rPr lang="de-DE" dirty="0" smtClean="0"/>
-              <a:t>Angular2 </a:t>
-            </a:r>
-            <a:r>
-              <a:rPr lang="de-DE" dirty="0"/>
-              <a:t>Alpha 36</a:t>
-            </a:r>
-          </a:p>
-          <a:p>
-            <a:pPr lvl="1">
-              <a:lnSpc>
-                <a:spcPct val="150000"/>
-              </a:lnSpc>
-            </a:pPr>
-            <a:r>
-              <a:rPr lang="de-DE" dirty="0"/>
-              <a:t>Lernprozess durch Debugging</a:t>
-            </a:r>
-          </a:p>
-          <a:p>
-            <a:pPr>
-              <a:lnSpc>
-                <a:spcPct val="150000"/>
-              </a:lnSpc>
-            </a:pPr>
-            <a:r>
-              <a:rPr lang="de-DE" dirty="0"/>
-              <a:t>Hürden bei der Einführung</a:t>
-            </a:r>
-          </a:p>
-          <a:p>
-            <a:pPr lvl="1">
-              <a:lnSpc>
-                <a:spcPct val="150000"/>
-              </a:lnSpc>
-            </a:pPr>
-            <a:r>
-              <a:rPr lang="de-DE" dirty="0"/>
-              <a:t>Luftspalt in der DATEV wegen Datenschutz und </a:t>
-            </a:r>
-            <a:r>
-              <a:rPr lang="mr-IN" dirty="0"/>
-              <a:t>–</a:t>
-            </a:r>
-            <a:r>
-              <a:rPr lang="de-DE" dirty="0" err="1"/>
-              <a:t>sicherheit</a:t>
-            </a:r>
             <a:endParaRPr lang="de-DE" dirty="0"/>
           </a:p>
           <a:p>
-            <a:pPr lvl="1">
-              <a:lnSpc>
-                <a:spcPct val="150000"/>
-              </a:lnSpc>
-            </a:pPr>
-            <a:r>
-              <a:rPr lang="de-DE" dirty="0"/>
-              <a:t>Anfängliche Entwicklung sehr schwierig und umständlich</a:t>
-            </a:r>
-          </a:p>
-          <a:p>
-            <a:pPr lvl="1">
-              <a:lnSpc>
-                <a:spcPct val="150000"/>
-              </a:lnSpc>
-            </a:pPr>
-            <a:r>
-              <a:rPr lang="de-DE" dirty="0"/>
-              <a:t>Keine direkte Kommunikation zur </a:t>
-            </a:r>
-            <a:r>
-              <a:rPr lang="de-DE" dirty="0" err="1"/>
-              <a:t>npm</a:t>
-            </a:r>
-            <a:r>
-              <a:rPr lang="de-DE" dirty="0"/>
-              <a:t>-Registry</a:t>
-            </a:r>
-          </a:p>
-          <a:p>
+            <a:pPr marL="360045" indent="-360045"/>
             <a:endParaRPr lang="de-DE" dirty="0"/>
           </a:p>
         </p:txBody>
@@ -34926,7 +34601,7 @@
             <a:fld id="{17C2562E-359A-3C42-BBEF-E02CE97BECB1}" type="datetimeFigureOut">
               <a:rPr lang="de-DE" smtClean="0"/>
               <a:pPr/>
-              <a:t>19.10.17</a:t>
+              <a:t>19.10.2017</a:t>
             </a:fld>
             <a:endParaRPr lang="de-DE" dirty="0"/>
           </a:p>
@@ -34989,13 +34664,6 @@
   <p:clrMapOvr>
     <a:masterClrMapping/>
   </p:clrMapOvr>
-  <p:timing>
-    <p:tnLst>
-      <p:par>
-        <p:cTn id="1" dur="indefinite" restart="never" nodeType="tmRoot"/>
-      </p:par>
-    </p:tnLst>
-  </p:timing>
 </p:sld>
 </file>
 
@@ -35033,8 +34701,11 @@
           <a:p>
             <a:r>
               <a:rPr lang="de-DE" dirty="0"/>
-              <a:t>Angular @DATEV</a:t>
-            </a:r>
+              <a:t>Angular @DATEV - Aktuelle Entwicklungssituation</a:t>
+            </a:r>
+          </a:p>
+          <a:p>
+            <a:endParaRPr lang="de-DE" dirty="0"/>
           </a:p>
         </p:txBody>
       </p:sp>
@@ -35055,80 +34726,64 @@
           </a:xfrm>
         </p:spPr>
         <p:txBody>
-          <a:bodyPr/>
+          <a:bodyPr vert="horz" lIns="129600" tIns="45720" rIns="91440" bIns="45720" rtlCol="0" anchor="t">
+            <a:noAutofit/>
+          </a:bodyPr>
           <a:lstStyle/>
           <a:p>
-            <a:pPr>
+            <a:pPr marL="360045" indent="-360045">
               <a:lnSpc>
                 <a:spcPct val="150000"/>
               </a:lnSpc>
             </a:pPr>
             <a:r>
               <a:rPr lang="de-DE" dirty="0"/>
-              <a:t>Aktuelle Entwicklungssituation</a:t>
-            </a:r>
-          </a:p>
-          <a:p>
-            <a:pPr lvl="1">
+              <a:t>Nutzung einer eigenen </a:t>
+            </a:r>
+            <a:r>
+              <a:rPr lang="de-DE" dirty="0" err="1"/>
+              <a:t>npm</a:t>
+            </a:r>
+            <a:r>
+              <a:rPr lang="de-DE" dirty="0"/>
+              <a:t>-Registry, die mit npmjs.com kommunizieren kann</a:t>
+            </a:r>
+            <a:endParaRPr lang="de-DE"/>
+          </a:p>
+          <a:p>
+            <a:pPr marL="719455" lvl="1" indent="-359410">
               <a:lnSpc>
                 <a:spcPct val="150000"/>
               </a:lnSpc>
             </a:pPr>
             <a:r>
               <a:rPr lang="de-DE" dirty="0"/>
-              <a:t>Nutzung einer eigenen </a:t>
-            </a:r>
-            <a:r>
-              <a:rPr lang="de-DE" dirty="0" err="1"/>
-              <a:t>npm</a:t>
-            </a:r>
-            <a:r>
-              <a:rPr lang="de-DE" dirty="0"/>
-              <a:t>-Registry, die mit </a:t>
-            </a:r>
-            <a:r>
-              <a:rPr lang="de-DE" dirty="0" err="1"/>
-              <a:t>npmjs.com</a:t>
-            </a:r>
-            <a:r>
-              <a:rPr lang="de-DE" dirty="0"/>
-              <a:t> kommunizieren kann</a:t>
-            </a:r>
-          </a:p>
-          <a:p>
-            <a:pPr lvl="1">
+              <a:t>Entwicklung von Angular-Komponenten im Modus Inner-Source</a:t>
+            </a:r>
+          </a:p>
+          <a:p>
+            <a:pPr marL="719455" lvl="1" indent="-359410">
               <a:lnSpc>
                 <a:spcPct val="150000"/>
               </a:lnSpc>
             </a:pPr>
             <a:r>
               <a:rPr lang="de-DE" dirty="0"/>
-              <a:t>Entwicklung von Angular-Komponenten im Modus Inner-Source</a:t>
-            </a:r>
-          </a:p>
-          <a:p>
-            <a:pPr lvl="1">
+              <a:t>Angemeldete Community-Mitglieder: 82 </a:t>
+            </a:r>
+            <a:r>
+              <a:rPr lang="de-DE" b="1" dirty="0"/>
+              <a:t>↗</a:t>
+            </a:r>
+          </a:p>
+          <a:p>
+            <a:pPr marL="719455" lvl="1" indent="-359410">
               <a:lnSpc>
                 <a:spcPct val="150000"/>
               </a:lnSpc>
             </a:pPr>
             <a:r>
               <a:rPr lang="de-DE" dirty="0"/>
-              <a:t>Angemeldete Community-Mitglieder: 82 </a:t>
-            </a:r>
-            <a:r>
-              <a:rPr lang="de-DE" b="1" dirty="0"/>
-              <a:t>↗</a:t>
-            </a:r>
-          </a:p>
-          <a:p>
-            <a:pPr lvl="1">
-              <a:lnSpc>
-                <a:spcPct val="150000"/>
-              </a:lnSpc>
-            </a:pPr>
-            <a:r>
-              <a:rPr lang="de-DE" dirty="0"/>
               <a:t>Tatsächliche </a:t>
             </a:r>
             <a:r>
@@ -35151,7 +34806,7 @@
             </a:r>
           </a:p>
           <a:p>
-            <a:pPr lvl="1">
+            <a:pPr marL="719455" lvl="1" indent="-359410">
               <a:lnSpc>
                 <a:spcPct val="150000"/>
               </a:lnSpc>
@@ -35185,7 +34840,7 @@
             <a:fld id="{17C2562E-359A-3C42-BBEF-E02CE97BECB1}" type="datetimeFigureOut">
               <a:rPr lang="de-DE" smtClean="0"/>
               <a:pPr/>
-              <a:t>19.10.17</a:t>
+              <a:t>19.10.2017</a:t>
             </a:fld>
             <a:endParaRPr lang="de-DE" dirty="0"/>
           </a:p>
@@ -35260,7 +34915,7 @@
         </p:blipFill>
         <p:spPr>
           <a:xfrm>
-            <a:off x="9454728" y="0"/>
+            <a:off x="9394962" y="1295400"/>
             <a:ext cx="3545477" cy="4464496"/>
           </a:xfrm>
           <a:prstGeom prst="rect">
@@ -35278,13 +34933,6 @@
   <p:clrMapOvr>
     <a:masterClrMapping/>
   </p:clrMapOvr>
-  <p:timing>
-    <p:tnLst>
-      <p:par>
-        <p:cTn id="1" dur="indefinite" restart="never" nodeType="tmRoot"/>
-      </p:par>
-    </p:tnLst>
-  </p:timing>
 </p:sld>
 </file>
 
@@ -35321,10 +34969,9 @@
           <a:lstStyle/>
           <a:p>
             <a:r>
-              <a:rPr lang="de-DE" dirty="0" smtClean="0"/>
+              <a:rPr lang="de-DE" dirty="0"/>
               <a:t>Angular-CLI</a:t>
             </a:r>
-            <a:endParaRPr lang="de-DE" dirty="0"/>
           </a:p>
         </p:txBody>
       </p:sp>
@@ -35503,7 +35150,7 @@
             <a:fld id="{17C2562E-359A-3C42-BBEF-E02CE97BECB1}" type="datetimeFigureOut">
               <a:rPr lang="de-DE" smtClean="0"/>
               <a:pPr/>
-              <a:t>19.10.17</a:t>
+              <a:t>19.10.2017</a:t>
             </a:fld>
             <a:endParaRPr lang="de-DE" dirty="0"/>
           </a:p>
@@ -35566,13 +35213,6 @@
   <p:clrMapOvr>
     <a:masterClrMapping/>
   </p:clrMapOvr>
-  <p:timing>
-    <p:tnLst>
-      <p:par>
-        <p:cTn id="1" dur="indefinite" restart="never" nodeType="tmRoot"/>
-      </p:par>
-    </p:tnLst>
-  </p:timing>
 </p:sld>
 </file>
 
@@ -35613,7 +35253,7 @@
           <a:lstStyle/>
           <a:p>
             <a:r>
-              <a:rPr lang="de-DE" dirty="0" smtClean="0">
+              <a:rPr lang="de-DE" dirty="0">
                 <a:solidFill>
                   <a:schemeClr val="bg1"/>
                 </a:solidFill>
@@ -35621,7 +35261,7 @@
               <a:t>Live </a:t>
             </a:r>
             <a:r>
-              <a:rPr lang="de-DE" dirty="0" err="1" smtClean="0">
+              <a:rPr lang="de-DE" dirty="0" err="1">
                 <a:solidFill>
                   <a:schemeClr val="bg1"/>
                 </a:solidFill>
@@ -35676,7 +35316,7 @@
             <a:fld id="{17C2562E-359A-3C42-BBEF-E02CE97BECB1}" type="datetimeFigureOut">
               <a:rPr lang="de-DE" smtClean="0"/>
               <a:pPr/>
-              <a:t>19.10.17</a:t>
+              <a:t>19.10.2017</a:t>
             </a:fld>
             <a:endParaRPr lang="de-DE" dirty="0"/>
           </a:p>
@@ -35739,13 +35379,6 @@
   <p:clrMapOvr>
     <a:masterClrMapping/>
   </p:clrMapOvr>
-  <p:timing>
-    <p:tnLst>
-      <p:par>
-        <p:cTn id="1" dur="indefinite" restart="never" nodeType="tmRoot"/>
-      </p:par>
-    </p:tnLst>
-  </p:timing>
 </p:sld>
 </file>
 
@@ -35782,10 +35415,9 @@
           <a:lstStyle/>
           <a:p>
             <a:r>
-              <a:rPr lang="de-DE" dirty="0" smtClean="0"/>
+              <a:rPr lang="de-DE" dirty="0"/>
               <a:t>Komponenten</a:t>
             </a:r>
-            <a:endParaRPr lang="de-DE" dirty="0"/>
           </a:p>
         </p:txBody>
       </p:sp>
@@ -35925,7 +35557,7 @@
             <a:fld id="{17C2562E-359A-3C42-BBEF-E02CE97BECB1}" type="datetimeFigureOut">
               <a:rPr lang="de-DE" smtClean="0"/>
               <a:pPr/>
-              <a:t>19.10.17</a:t>
+              <a:t>19.10.2017</a:t>
             </a:fld>
             <a:endParaRPr lang="de-DE" dirty="0"/>
           </a:p>
@@ -36062,11 +35694,11 @@
           <a:lstStyle/>
           <a:p>
             <a:r>
-              <a:rPr lang="de-DE" sz="1400" dirty="0" smtClean="0"/>
+              <a:rPr lang="de-DE" sz="1400" dirty="0"/>
               <a:t>Quelle: </a:t>
             </a:r>
             <a:r>
-              <a:rPr lang="de-DE" sz="1400" dirty="0" err="1" smtClean="0"/>
+              <a:rPr lang="de-DE" sz="1400" dirty="0" err="1"/>
               <a:t>angular.io</a:t>
             </a:r>
             <a:endParaRPr lang="de-DE" sz="1400" dirty="0"/>
@@ -36083,13 +35715,6 @@
   <p:clrMapOvr>
     <a:masterClrMapping/>
   </p:clrMapOvr>
-  <p:timing>
-    <p:tnLst>
-      <p:par>
-        <p:cTn id="1" dur="indefinite" restart="never" nodeType="tmRoot"/>
-      </p:par>
-    </p:tnLst>
-  </p:timing>
 </p:sld>
 </file>
 
@@ -36130,7 +35755,7 @@
           <a:lstStyle/>
           <a:p>
             <a:r>
-              <a:rPr lang="de-DE" dirty="0" smtClean="0">
+              <a:rPr lang="de-DE" dirty="0">
                 <a:solidFill>
                   <a:schemeClr val="bg1"/>
                 </a:solidFill>
@@ -36138,7 +35763,7 @@
               <a:t>Live </a:t>
             </a:r>
             <a:r>
-              <a:rPr lang="de-DE" dirty="0" err="1" smtClean="0">
+              <a:rPr lang="de-DE" dirty="0" err="1">
                 <a:solidFill>
                   <a:schemeClr val="bg1"/>
                 </a:solidFill>
@@ -36193,7 +35818,7 @@
             <a:fld id="{17C2562E-359A-3C42-BBEF-E02CE97BECB1}" type="datetimeFigureOut">
               <a:rPr lang="de-DE" smtClean="0"/>
               <a:pPr/>
-              <a:t>19.10.17</a:t>
+              <a:t>19.10.2017</a:t>
             </a:fld>
             <a:endParaRPr lang="de-DE" dirty="0"/>
           </a:p>
@@ -36256,13 +35881,6 @@
   <p:clrMapOvr>
     <a:masterClrMapping/>
   </p:clrMapOvr>
-  <p:timing>
-    <p:tnLst>
-      <p:par>
-        <p:cTn id="1" dur="indefinite" restart="never" nodeType="tmRoot"/>
-      </p:par>
-    </p:tnLst>
-  </p:timing>
 </p:sld>
 </file>
 
@@ -36321,7 +35939,7 @@
               <a:buNone/>
             </a:pPr>
             <a:r>
-              <a:rPr lang="de-DE" sz="6600" dirty="0" smtClean="0">
+              <a:rPr lang="de-DE" sz="6600" dirty="0">
                 <a:solidFill>
                   <a:schemeClr val="tx2"/>
                 </a:solidFill>
@@ -36330,7 +35948,7 @@
               <a:t>Pause </a:t>
             </a:r>
             <a:r>
-              <a:rPr lang="de-DE" sz="6600" dirty="0" smtClean="0">
+              <a:rPr lang="de-DE" sz="6600" dirty="0">
                 <a:solidFill>
                   <a:schemeClr val="tx2"/>
                 </a:solidFill>
@@ -36366,7 +35984,7 @@
             <a:fld id="{17C2562E-359A-3C42-BBEF-E02CE97BECB1}" type="datetimeFigureOut">
               <a:rPr lang="de-DE" smtClean="0"/>
               <a:pPr/>
-              <a:t>19.10.17</a:t>
+              <a:t>19.10.2017</a:t>
             </a:fld>
             <a:endParaRPr lang="de-DE" dirty="0"/>
           </a:p>
@@ -36429,13 +36047,6 @@
   <p:clrMapOvr>
     <a:masterClrMapping/>
   </p:clrMapOvr>
-  <p:timing>
-    <p:tnLst>
-      <p:par>
-        <p:cTn id="1" dur="indefinite" restart="never" nodeType="tmRoot"/>
-      </p:par>
-    </p:tnLst>
-  </p:timing>
 </p:sld>
 </file>
 
@@ -36513,18 +36124,17 @@
           <a:lstStyle/>
           <a:p>
             <a:r>
-              <a:rPr lang="de-DE" dirty="0" smtClean="0"/>
+              <a:rPr lang="de-DE" dirty="0"/>
               <a:t>Software </a:t>
             </a:r>
             <a:r>
-              <a:rPr lang="de-DE" dirty="0" err="1" smtClean="0"/>
+              <a:rPr lang="de-DE" dirty="0" err="1"/>
               <a:t>Craftsmanship</a:t>
             </a:r>
             <a:r>
-              <a:rPr lang="de-DE" dirty="0" smtClean="0"/>
+              <a:rPr lang="de-DE" dirty="0"/>
               <a:t> Community</a:t>
             </a:r>
-            <a:endParaRPr lang="de-DE" dirty="0"/>
           </a:p>
         </p:txBody>
       </p:sp>
@@ -36549,53 +36159,46 @@
           <a:lstStyle/>
           <a:p>
             <a:r>
-              <a:rPr lang="de-DE" dirty="0" smtClean="0"/>
+              <a:rPr lang="de-DE" dirty="0"/>
               <a:t>Twitter</a:t>
             </a:r>
-            <a:endParaRPr lang="de-DE" dirty="0" smtClean="0"/>
           </a:p>
           <a:p>
             <a:pPr lvl="1"/>
             <a:r>
-              <a:rPr lang="de-DE" dirty="0" smtClean="0"/>
+              <a:rPr lang="de-DE" dirty="0"/>
               <a:t>@</a:t>
             </a:r>
             <a:r>
-              <a:rPr lang="de-DE" dirty="0" err="1" smtClean="0"/>
+              <a:rPr lang="de-DE" dirty="0" err="1"/>
               <a:t>SCC_at_DATEV</a:t>
             </a:r>
-            <a:endParaRPr lang="de-DE" dirty="0" smtClean="0"/>
-          </a:p>
-          <a:p>
-            <a:endParaRPr lang="de-DE" dirty="0" smtClean="0"/>
-          </a:p>
-          <a:p>
-            <a:r>
-              <a:rPr lang="de-DE" dirty="0" smtClean="0"/>
+            <a:endParaRPr lang="de-DE" dirty="0"/>
+          </a:p>
+          <a:p>
+            <a:endParaRPr lang="de-DE" dirty="0"/>
+          </a:p>
+          <a:p>
+            <a:r>
+              <a:rPr lang="de-DE" dirty="0"/>
               <a:t>Global Day </a:t>
             </a:r>
             <a:r>
-              <a:rPr lang="de-DE" dirty="0" err="1" smtClean="0"/>
+              <a:rPr lang="de-DE" dirty="0" err="1"/>
               <a:t>of</a:t>
             </a:r>
             <a:r>
-              <a:rPr lang="de-DE" dirty="0" smtClean="0"/>
+              <a:rPr lang="de-DE" dirty="0"/>
               <a:t> Code Retreat </a:t>
             </a:r>
           </a:p>
           <a:p>
             <a:pPr lvl="1"/>
-            <a:r>
-              <a:rPr lang="de-DE" dirty="0" smtClean="0">
-                <a:hlinkClick r:id="rId3"/>
-              </a:rPr>
-              <a:t>https</a:t>
-            </a:r>
             <a:r>
               <a:rPr lang="de-DE" dirty="0">
                 <a:hlinkClick r:id="rId3"/>
               </a:rPr>
-              <a:t>://ti.to/gdcr-nuernberg/2017</a:t>
+              <a:t>https://ti.to/gdcr-nuernberg/2017</a:t>
             </a:r>
             <a:endParaRPr lang="de-DE" dirty="0"/>
           </a:p>
@@ -36619,7 +36222,7 @@
             <a:fld id="{17C2562E-359A-3C42-BBEF-E02CE97BECB1}" type="datetimeFigureOut">
               <a:rPr lang="de-DE" smtClean="0"/>
               <a:pPr/>
-              <a:t>19.10.17</a:t>
+              <a:t>19.10.2017</a:t>
             </a:fld>
             <a:endParaRPr lang="de-DE" dirty="0"/>
           </a:p>
@@ -36660,7 +36263,7 @@
           <a:lstStyle/>
           <a:p>
             <a:r>
-              <a:rPr lang="de-DE" smtClean="0"/>
+              <a:rPr lang="de-DE"/>
               <a:t>Seite </a:t>
             </a:r>
             <a:fld id="{38661448-4A48-D446-A2DB-27E795148D92}" type="slidenum">
@@ -36718,10 +36321,9 @@
           <a:lstStyle/>
           <a:p>
             <a:r>
-              <a:rPr lang="de-DE" dirty="0" smtClean="0"/>
+              <a:rPr lang="de-DE" dirty="0"/>
               <a:t>Formulare</a:t>
             </a:r>
-            <a:endParaRPr lang="de-DE" dirty="0"/>
           </a:p>
         </p:txBody>
       </p:sp>
@@ -36866,15 +36468,9 @@
               <a:rPr lang="de-DE" dirty="0">
                 <a:hlinkClick r:id="rId2"/>
               </a:rPr>
-              <a:t>https://</a:t>
-            </a:r>
-            <a:r>
-              <a:rPr lang="de-DE" dirty="0" smtClean="0">
-                <a:hlinkClick r:id="rId2"/>
-              </a:rPr>
-              <a:t>github.com/aawada78/angular-workshop.git</a:t>
-            </a:r>
-            <a:endParaRPr lang="de-DE" dirty="0" smtClean="0"/>
+              <a:t>https://github.com/aawada78/angular-workshop.git</a:t>
+            </a:r>
+            <a:endParaRPr lang="de-DE" dirty="0"/>
           </a:p>
           <a:p>
             <a:pPr>
@@ -36904,7 +36500,7 @@
             <a:fld id="{17C2562E-359A-3C42-BBEF-E02CE97BECB1}" type="datetimeFigureOut">
               <a:rPr lang="de-DE" smtClean="0"/>
               <a:pPr/>
-              <a:t>19.10.17</a:t>
+              <a:t>19.10.2017</a:t>
             </a:fld>
             <a:endParaRPr lang="de-DE" dirty="0"/>
           </a:p>
@@ -36967,13 +36563,6 @@
   <p:clrMapOvr>
     <a:masterClrMapping/>
   </p:clrMapOvr>
-  <p:timing>
-    <p:tnLst>
-      <p:par>
-        <p:cTn id="1" dur="indefinite" restart="never" nodeType="tmRoot"/>
-      </p:par>
-    </p:tnLst>
-  </p:timing>
 </p:sld>
 </file>
 
@@ -37010,20 +36599,16 @@
           <a:lstStyle/>
           <a:p>
             <a:r>
-              <a:rPr lang="de-DE" dirty="0" smtClean="0"/>
+              <a:rPr lang="de-DE" dirty="0"/>
               <a:t>Formulare - Template-</a:t>
             </a:r>
             <a:r>
-              <a:rPr lang="de-DE" dirty="0" err="1" smtClean="0"/>
+              <a:rPr lang="de-DE" dirty="0" err="1"/>
               <a:t>Driven</a:t>
             </a:r>
             <a:r>
-              <a:rPr lang="de-DE" dirty="0" smtClean="0"/>
-              <a:t> </a:t>
-            </a:r>
-            <a:r>
-              <a:rPr lang="de-DE" dirty="0"/>
-              <a:t>Forms</a:t>
+              <a:rPr lang="de-DE" dirty="0"/>
+              <a:t> Forms</a:t>
             </a:r>
           </a:p>
         </p:txBody>
@@ -37219,7 +36804,7 @@
             <a:fld id="{17C2562E-359A-3C42-BBEF-E02CE97BECB1}" type="datetimeFigureOut">
               <a:rPr lang="de-DE" smtClean="0"/>
               <a:pPr/>
-              <a:t>19.10.17</a:t>
+              <a:t>19.10.2017</a:t>
             </a:fld>
             <a:endParaRPr lang="de-DE" dirty="0"/>
           </a:p>
@@ -37282,13 +36867,6 @@
   <p:clrMapOvr>
     <a:masterClrMapping/>
   </p:clrMapOvr>
-  <p:timing>
-    <p:tnLst>
-      <p:par>
-        <p:cTn id="1" dur="indefinite" restart="never" nodeType="tmRoot"/>
-      </p:par>
-    </p:tnLst>
-  </p:timing>
 </p:sld>
 </file>
 
@@ -37492,10 +37070,9 @@
               </a:lnSpc>
             </a:pPr>
             <a:r>
-              <a:rPr lang="de-DE" dirty="0" smtClean="0"/>
+              <a:rPr lang="de-DE" dirty="0"/>
               <a:t>Architekt</a:t>
             </a:r>
-            <a:endParaRPr lang="de-DE" dirty="0"/>
           </a:p>
           <a:p>
             <a:pPr>
@@ -37548,13 +37125,7 @@
               <a:rPr lang="de-DE" dirty="0">
                 <a:hlinkClick r:id="rId3"/>
               </a:rPr>
-              <a:t>p</a:t>
-            </a:r>
-            <a:r>
-              <a:rPr lang="de-DE" dirty="0" smtClean="0">
-                <a:hlinkClick r:id="rId3"/>
-              </a:rPr>
-              <a:t>atrick.rupp@datev.de</a:t>
+              <a:t>patrick.rupp@datev.de</a:t>
             </a:r>
             <a:endParaRPr lang="de-DE" dirty="0"/>
           </a:p>
@@ -37578,7 +37149,7 @@
             <a:fld id="{17C2562E-359A-3C42-BBEF-E02CE97BECB1}" type="datetimeFigureOut">
               <a:rPr lang="de-DE" smtClean="0"/>
               <a:pPr/>
-              <a:t>19.10.17</a:t>
+              <a:t>19.10.2017</a:t>
             </a:fld>
             <a:endParaRPr lang="de-DE" dirty="0"/>
           </a:p>
@@ -37693,13 +37264,6 @@
   <p:clrMapOvr>
     <a:masterClrMapping/>
   </p:clrMapOvr>
-  <p:timing>
-    <p:tnLst>
-      <p:par>
-        <p:cTn id="1" dur="indefinite" restart="never" nodeType="tmRoot"/>
-      </p:par>
-    </p:tnLst>
-  </p:timing>
 </p:sld>
 </file>
 
@@ -37740,7 +37304,7 @@
           <a:lstStyle/>
           <a:p>
             <a:r>
-              <a:rPr lang="de-DE" dirty="0" smtClean="0">
+              <a:rPr lang="de-DE" dirty="0">
                 <a:solidFill>
                   <a:schemeClr val="bg1"/>
                 </a:solidFill>
@@ -37748,7 +37312,7 @@
               <a:t>Live </a:t>
             </a:r>
             <a:r>
-              <a:rPr lang="de-DE" dirty="0" err="1" smtClean="0">
+              <a:rPr lang="de-DE" dirty="0" err="1">
                 <a:solidFill>
                   <a:schemeClr val="bg1"/>
                 </a:solidFill>
@@ -37803,7 +37367,7 @@
             <a:fld id="{17C2562E-359A-3C42-BBEF-E02CE97BECB1}" type="datetimeFigureOut">
               <a:rPr lang="de-DE" smtClean="0"/>
               <a:pPr/>
-              <a:t>19.10.17</a:t>
+              <a:t>19.10.2017</a:t>
             </a:fld>
             <a:endParaRPr lang="de-DE" dirty="0"/>
           </a:p>
@@ -37866,13 +37430,6 @@
   <p:clrMapOvr>
     <a:masterClrMapping/>
   </p:clrMapOvr>
-  <p:timing>
-    <p:tnLst>
-      <p:par>
-        <p:cTn id="1" dur="indefinite" restart="never" nodeType="tmRoot"/>
-      </p:par>
-    </p:tnLst>
-  </p:timing>
 </p:sld>
 </file>
 
@@ -37909,10 +37466,9 @@
           <a:lstStyle/>
           <a:p>
             <a:r>
-              <a:rPr lang="de-DE" dirty="0" smtClean="0"/>
+              <a:rPr lang="de-DE" dirty="0"/>
               <a:t>Service</a:t>
             </a:r>
-            <a:endParaRPr lang="de-DE" dirty="0"/>
           </a:p>
         </p:txBody>
       </p:sp>
@@ -37942,10 +37498,9 @@
               </a:lnSpc>
             </a:pPr>
             <a:r>
-              <a:rPr lang="de-DE" dirty="0" smtClean="0"/>
+              <a:rPr lang="de-DE" dirty="0"/>
               <a:t>Service enthält Businesslogik</a:t>
             </a:r>
-            <a:endParaRPr lang="de-DE" dirty="0"/>
           </a:p>
           <a:p>
             <a:pPr>
@@ -37954,7 +37509,7 @@
               </a:lnSpc>
             </a:pPr>
             <a:r>
-              <a:rPr lang="de-DE" dirty="0" smtClean="0"/>
+              <a:rPr lang="de-DE" dirty="0"/>
               <a:t>Bietet Daten, Funktionen und Features anwendungsübergreifend an</a:t>
             </a:r>
           </a:p>
@@ -37965,23 +37520,23 @@
               </a:lnSpc>
             </a:pPr>
             <a:r>
-              <a:rPr lang="de-DE" dirty="0" smtClean="0"/>
+              <a:rPr lang="de-DE" dirty="0"/>
               <a:t>Ein Service wird per </a:t>
             </a:r>
             <a:r>
-              <a:rPr lang="de-DE" i="1" dirty="0" err="1" smtClean="0"/>
+              <a:rPr lang="de-DE" i="1" dirty="0" err="1"/>
               <a:t>Dependency</a:t>
             </a:r>
             <a:r>
-              <a:rPr lang="de-DE" i="1" dirty="0" smtClean="0"/>
+              <a:rPr lang="de-DE" i="1" dirty="0"/>
               <a:t> </a:t>
             </a:r>
             <a:r>
-              <a:rPr lang="de-DE" i="1" dirty="0" err="1" smtClean="0"/>
+              <a:rPr lang="de-DE" i="1" dirty="0" err="1"/>
               <a:t>Injection</a:t>
             </a:r>
             <a:r>
-              <a:rPr lang="de-DE" dirty="0" smtClean="0"/>
+              <a:rPr lang="de-DE" dirty="0"/>
               <a:t> in eine Komponente injiziert</a:t>
             </a:r>
           </a:p>
@@ -37992,11 +37547,11 @@
               </a:lnSpc>
             </a:pPr>
             <a:r>
-              <a:rPr lang="de-DE" dirty="0" smtClean="0"/>
+              <a:rPr lang="de-DE" dirty="0"/>
               <a:t>Ist ein </a:t>
             </a:r>
             <a:r>
-              <a:rPr lang="de-DE" dirty="0" err="1" smtClean="0"/>
+              <a:rPr lang="de-DE" dirty="0" err="1"/>
               <a:t>Singelton</a:t>
             </a:r>
             <a:endParaRPr lang="de-DE" dirty="0"/>
@@ -38009,15 +37564,7 @@
             </a:pPr>
             <a:r>
               <a:rPr lang="de-DE" dirty="0"/>
-              <a:t>Anlegen </a:t>
-            </a:r>
-            <a:r>
-              <a:rPr lang="de-DE" dirty="0" smtClean="0"/>
-              <a:t>eines Services mittels </a:t>
-            </a:r>
-            <a:r>
-              <a:rPr lang="de-DE" dirty="0"/>
-              <a:t>CLI </a:t>
+              <a:t>Anlegen eines Services mittels CLI </a:t>
             </a:r>
           </a:p>
           <a:p>
@@ -38111,7 +37658,7 @@
             <a:fld id="{17C2562E-359A-3C42-BBEF-E02CE97BECB1}" type="datetimeFigureOut">
               <a:rPr lang="de-DE" smtClean="0"/>
               <a:pPr/>
-              <a:t>19.10.17</a:t>
+              <a:t>19.10.2017</a:t>
             </a:fld>
             <a:endParaRPr lang="de-DE" dirty="0"/>
           </a:p>
@@ -38211,11 +37758,11 @@
           <a:lstStyle/>
           <a:p>
             <a:r>
-              <a:rPr lang="de-DE" sz="1400" dirty="0" smtClean="0"/>
+              <a:rPr lang="de-DE" sz="1400" dirty="0"/>
               <a:t>Quelle: </a:t>
             </a:r>
             <a:r>
-              <a:rPr lang="de-DE" sz="1400" dirty="0" err="1" smtClean="0"/>
+              <a:rPr lang="de-DE" sz="1400" dirty="0" err="1"/>
               <a:t>angular.io</a:t>
             </a:r>
             <a:endParaRPr lang="de-DE" sz="1400" dirty="0"/>
@@ -38232,13 +37779,6 @@
   <p:clrMapOvr>
     <a:masterClrMapping/>
   </p:clrMapOvr>
-  <p:timing>
-    <p:tnLst>
-      <p:par>
-        <p:cTn id="1" dur="indefinite" restart="never" nodeType="tmRoot"/>
-      </p:par>
-    </p:tnLst>
-  </p:timing>
 </p:sld>
 </file>
 
@@ -38279,7 +37819,7 @@
           <a:lstStyle/>
           <a:p>
             <a:r>
-              <a:rPr lang="de-DE" dirty="0" smtClean="0">
+              <a:rPr lang="de-DE" dirty="0">
                 <a:solidFill>
                   <a:schemeClr val="bg1"/>
                 </a:solidFill>
@@ -38287,7 +37827,7 @@
               <a:t>Live </a:t>
             </a:r>
             <a:r>
-              <a:rPr lang="de-DE" dirty="0" err="1" smtClean="0">
+              <a:rPr lang="de-DE" dirty="0" err="1">
                 <a:solidFill>
                   <a:schemeClr val="bg1"/>
                 </a:solidFill>
@@ -38342,7 +37882,7 @@
             <a:fld id="{17C2562E-359A-3C42-BBEF-E02CE97BECB1}" type="datetimeFigureOut">
               <a:rPr lang="de-DE" smtClean="0"/>
               <a:pPr/>
-              <a:t>19.10.17</a:t>
+              <a:t>19.10.2017</a:t>
             </a:fld>
             <a:endParaRPr lang="de-DE" dirty="0"/>
           </a:p>
@@ -38405,13 +37945,6 @@
   <p:clrMapOvr>
     <a:masterClrMapping/>
   </p:clrMapOvr>
-  <p:timing>
-    <p:tnLst>
-      <p:par>
-        <p:cTn id="1" dur="indefinite" restart="never" nodeType="tmRoot"/>
-      </p:par>
-    </p:tnLst>
-  </p:timing>
 </p:sld>
 </file>
 
@@ -38448,10 +37981,9 @@
           <a:lstStyle/>
           <a:p>
             <a:r>
-              <a:rPr lang="de-DE" dirty="0" smtClean="0"/>
+              <a:rPr lang="de-DE" dirty="0"/>
               <a:t>Styling</a:t>
             </a:r>
-            <a:endParaRPr lang="de-DE" dirty="0"/>
           </a:p>
         </p:txBody>
       </p:sp>
@@ -38476,15 +38008,15 @@
               </a:lnSpc>
             </a:pPr>
             <a:r>
-              <a:rPr lang="de-DE" dirty="0" smtClean="0"/>
+              <a:rPr lang="de-DE" dirty="0"/>
               <a:t>HTML </a:t>
             </a:r>
             <a:r>
-              <a:rPr lang="mr-IN" dirty="0" smtClean="0"/>
+              <a:rPr lang="mr-IN" dirty="0"/>
               <a:t>–</a:t>
             </a:r>
             <a:r>
-              <a:rPr lang="de-DE" dirty="0" smtClean="0"/>
+              <a:rPr lang="de-DE" dirty="0"/>
               <a:t> Beschreibung der Struktur</a:t>
             </a:r>
           </a:p>
@@ -38495,15 +38027,15 @@
               </a:lnSpc>
             </a:pPr>
             <a:r>
-              <a:rPr lang="de-DE" dirty="0" smtClean="0"/>
+              <a:rPr lang="de-DE" dirty="0"/>
               <a:t>CSS </a:t>
             </a:r>
             <a:r>
-              <a:rPr lang="mr-IN" dirty="0" smtClean="0"/>
+              <a:rPr lang="mr-IN" dirty="0"/>
               <a:t>–</a:t>
             </a:r>
             <a:r>
-              <a:rPr lang="de-DE" dirty="0" smtClean="0"/>
+              <a:rPr lang="de-DE" dirty="0"/>
               <a:t> Beschreibung des Layouts</a:t>
             </a:r>
           </a:p>
@@ -38514,15 +38046,15 @@
               </a:lnSpc>
             </a:pPr>
             <a:r>
-              <a:rPr lang="de-DE" dirty="0" smtClean="0"/>
+              <a:rPr lang="de-DE" dirty="0"/>
               <a:t>JavaScript </a:t>
             </a:r>
             <a:r>
-              <a:rPr lang="mr-IN" dirty="0" smtClean="0"/>
+              <a:rPr lang="mr-IN" dirty="0"/>
               <a:t>–</a:t>
             </a:r>
             <a:r>
-              <a:rPr lang="de-DE" dirty="0" smtClean="0"/>
+              <a:rPr lang="de-DE" dirty="0"/>
               <a:t> Für dynamische Aspekte</a:t>
             </a:r>
           </a:p>
@@ -38532,7 +38064,7 @@
                 <a:spcPct val="150000"/>
               </a:lnSpc>
             </a:pPr>
-            <a:endParaRPr lang="de-DE" dirty="0" smtClean="0"/>
+            <a:endParaRPr lang="de-DE" dirty="0"/>
           </a:p>
           <a:p>
             <a:pPr>
@@ -38560,7 +38092,7 @@
           <a:lstStyle/>
           <a:p>
             <a:r>
-              <a:rPr lang="de-DE" dirty="0" smtClean="0"/>
+              <a:rPr lang="de-DE" dirty="0"/>
               <a:t>Bootstrap als Style-Bibliothek</a:t>
             </a:r>
           </a:p>
@@ -38587,7 +38119,7 @@
             <a:fld id="{17C2562E-359A-3C42-BBEF-E02CE97BECB1}" type="datetimeFigureOut">
               <a:rPr lang="de-DE" smtClean="0"/>
               <a:pPr/>
-              <a:t>19.10.17</a:t>
+              <a:t>19.10.2017</a:t>
             </a:fld>
             <a:endParaRPr lang="de-DE" dirty="0"/>
           </a:p>
@@ -38650,13 +38182,6 @@
   <p:clrMapOvr>
     <a:masterClrMapping/>
   </p:clrMapOvr>
-  <p:timing>
-    <p:tnLst>
-      <p:par>
-        <p:cTn id="1" dur="indefinite" restart="never" nodeType="tmRoot"/>
-      </p:par>
-    </p:tnLst>
-  </p:timing>
 </p:sld>
 </file>
 
@@ -38697,7 +38222,7 @@
           <a:lstStyle/>
           <a:p>
             <a:r>
-              <a:rPr lang="de-DE" dirty="0" smtClean="0">
+              <a:rPr lang="de-DE" dirty="0">
                 <a:solidFill>
                   <a:schemeClr val="bg1"/>
                 </a:solidFill>
@@ -38705,7 +38230,7 @@
               <a:t>Live </a:t>
             </a:r>
             <a:r>
-              <a:rPr lang="de-DE" dirty="0" err="1" smtClean="0">
+              <a:rPr lang="de-DE" dirty="0" err="1">
                 <a:solidFill>
                   <a:schemeClr val="bg1"/>
                 </a:solidFill>
@@ -38760,7 +38285,7 @@
             <a:fld id="{17C2562E-359A-3C42-BBEF-E02CE97BECB1}" type="datetimeFigureOut">
               <a:rPr lang="de-DE" smtClean="0"/>
               <a:pPr/>
-              <a:t>19.10.17</a:t>
+              <a:t>19.10.2017</a:t>
             </a:fld>
             <a:endParaRPr lang="de-DE" dirty="0"/>
           </a:p>
@@ -38823,13 +38348,6 @@
   <p:clrMapOvr>
     <a:masterClrMapping/>
   </p:clrMapOvr>
-  <p:timing>
-    <p:tnLst>
-      <p:par>
-        <p:cTn id="1" dur="indefinite" restart="never" nodeType="tmRoot"/>
-      </p:par>
-    </p:tnLst>
-  </p:timing>
 </p:sld>
 </file>
 
@@ -38866,10 +38384,9 @@
           <a:lstStyle/>
           <a:p>
             <a:r>
-              <a:rPr lang="de-DE" dirty="0" smtClean="0"/>
+              <a:rPr lang="de-DE" dirty="0"/>
               <a:t>Routing</a:t>
             </a:r>
-            <a:endParaRPr lang="de-DE" dirty="0"/>
           </a:p>
         </p:txBody>
       </p:sp>
@@ -38915,17 +38432,10 @@
                 <a:latin typeface="Consolas" panose="020B0609020204030204" pitchFamily="49" charset="0"/>
                 <a:cs typeface="Consolas" panose="020B0609020204030204" pitchFamily="49" charset="0"/>
               </a:rPr>
-              <a:t>@</a:t>
-            </a:r>
-            <a:r>
-              <a:rPr lang="de-DE" dirty="0" smtClean="0">
-                <a:latin typeface="Consolas" panose="020B0609020204030204" pitchFamily="49" charset="0"/>
-                <a:cs typeface="Consolas" panose="020B0609020204030204" pitchFamily="49" charset="0"/>
-              </a:rPr>
-              <a:t>angular/</a:t>
-            </a:r>
-            <a:r>
-              <a:rPr lang="de-DE" dirty="0" err="1" smtClean="0">
+              <a:t>@angular/</a:t>
+            </a:r>
+            <a:r>
+              <a:rPr lang="de-DE" dirty="0" err="1">
                 <a:latin typeface="Consolas" panose="020B0609020204030204" pitchFamily="49" charset="0"/>
                 <a:cs typeface="Consolas" panose="020B0609020204030204" pitchFamily="49" charset="0"/>
               </a:rPr>
@@ -38943,7 +38453,7 @@
               </a:lnSpc>
             </a:pPr>
             <a:r>
-              <a:rPr lang="de-DE" dirty="0" smtClean="0"/>
+              <a:rPr lang="de-DE" dirty="0"/>
               <a:t>Navigation im Browser</a:t>
             </a:r>
           </a:p>
@@ -38954,7 +38464,7 @@
               </a:lnSpc>
             </a:pPr>
             <a:r>
-              <a:rPr lang="de-DE" dirty="0" smtClean="0"/>
+              <a:rPr lang="de-DE" dirty="0"/>
               <a:t>In der Regel mittels Hyperlinks</a:t>
             </a:r>
           </a:p>
@@ -38965,7 +38475,7 @@
               </a:lnSpc>
             </a:pPr>
             <a:r>
-              <a:rPr lang="de-DE" dirty="0" smtClean="0"/>
+              <a:rPr lang="de-DE" dirty="0"/>
               <a:t>Lesezeichen können gesetzt und geteilt werden</a:t>
             </a:r>
           </a:p>
@@ -38976,10 +38486,9 @@
               </a:lnSpc>
             </a:pPr>
             <a:r>
-              <a:rPr lang="de-DE" dirty="0" smtClean="0"/>
+              <a:rPr lang="de-DE" dirty="0"/>
               <a:t>Angular Router ermöglicht die Navigation innerhalb der Anwendung</a:t>
             </a:r>
-            <a:endParaRPr lang="de-DE" dirty="0"/>
           </a:p>
           <a:p>
             <a:pPr lvl="1">
@@ -38988,15 +38497,15 @@
               </a:lnSpc>
             </a:pPr>
             <a:r>
-              <a:rPr lang="de-DE" dirty="0" smtClean="0"/>
+              <a:rPr lang="de-DE" dirty="0"/>
               <a:t>Server liefert die </a:t>
             </a:r>
             <a:r>
-              <a:rPr lang="de-DE" dirty="0" err="1" smtClean="0"/>
+              <a:rPr lang="de-DE" dirty="0" err="1"/>
               <a:t>index.html</a:t>
             </a:r>
             <a:r>
-              <a:rPr lang="de-DE" dirty="0" smtClean="0"/>
+              <a:rPr lang="de-DE" dirty="0"/>
               <a:t>, Angular analysiert den Rest der Route und löst diese auf</a:t>
             </a:r>
           </a:p>
@@ -39007,23 +38516,23 @@
               </a:lnSpc>
             </a:pPr>
             <a:r>
-              <a:rPr lang="de-DE" dirty="0" smtClean="0"/>
+              <a:rPr lang="de-DE" dirty="0"/>
               <a:t>Klinkt sich in die </a:t>
             </a:r>
             <a:r>
-              <a:rPr lang="de-DE" dirty="0" err="1" smtClean="0">
+              <a:rPr lang="de-DE" dirty="0" err="1">
                 <a:hlinkClick r:id="rId3"/>
               </a:rPr>
               <a:t>History</a:t>
             </a:r>
             <a:r>
-              <a:rPr lang="de-DE" dirty="0" smtClean="0">
+              <a:rPr lang="de-DE" dirty="0">
                 <a:hlinkClick r:id="rId3"/>
               </a:rPr>
               <a:t>-API</a:t>
             </a:r>
             <a:r>
-              <a:rPr lang="de-DE" dirty="0" smtClean="0"/>
+              <a:rPr lang="de-DE" dirty="0"/>
               <a:t> des Browsers ein </a:t>
             </a:r>
           </a:p>
@@ -39034,18 +38543,17 @@
               </a:lnSpc>
             </a:pPr>
             <a:r>
-              <a:rPr lang="de-DE" dirty="0" smtClean="0"/>
+              <a:rPr lang="de-DE" dirty="0"/>
               <a:t>Bildet das Navigationskonzept des Browsers für </a:t>
             </a:r>
             <a:r>
-              <a:rPr lang="de-DE" dirty="0" err="1" smtClean="0"/>
+              <a:rPr lang="de-DE" dirty="0" err="1"/>
               <a:t>SPA‘s</a:t>
             </a:r>
             <a:r>
-              <a:rPr lang="de-DE" dirty="0" smtClean="0"/>
+              <a:rPr lang="de-DE" dirty="0"/>
               <a:t> nach</a:t>
             </a:r>
-            <a:endParaRPr lang="de-DE" dirty="0"/>
           </a:p>
         </p:txBody>
       </p:sp>
@@ -39067,7 +38575,7 @@
             <a:fld id="{17C2562E-359A-3C42-BBEF-E02CE97BECB1}" type="datetimeFigureOut">
               <a:rPr lang="de-DE" smtClean="0"/>
               <a:pPr/>
-              <a:t>19.10.17</a:t>
+              <a:t>19.10.2017</a:t>
             </a:fld>
             <a:endParaRPr lang="de-DE" dirty="0"/>
           </a:p>
@@ -39130,13 +38638,6 @@
   <p:clrMapOvr>
     <a:masterClrMapping/>
   </p:clrMapOvr>
-  <p:timing>
-    <p:tnLst>
-      <p:par>
-        <p:cTn id="1" dur="indefinite" restart="never" nodeType="tmRoot"/>
-      </p:par>
-    </p:tnLst>
-  </p:timing>
 </p:sld>
 </file>
 
@@ -39177,7 +38678,7 @@
           <a:lstStyle/>
           <a:p>
             <a:r>
-              <a:rPr lang="de-DE" dirty="0" smtClean="0">
+              <a:rPr lang="de-DE" dirty="0">
                 <a:solidFill>
                   <a:schemeClr val="bg1"/>
                 </a:solidFill>
@@ -39185,7 +38686,7 @@
               <a:t>Live </a:t>
             </a:r>
             <a:r>
-              <a:rPr lang="de-DE" dirty="0" err="1" smtClean="0">
+              <a:rPr lang="de-DE" dirty="0" err="1">
                 <a:solidFill>
                   <a:schemeClr val="bg1"/>
                 </a:solidFill>
@@ -39240,7 +38741,7 @@
             <a:fld id="{17C2562E-359A-3C42-BBEF-E02CE97BECB1}" type="datetimeFigureOut">
               <a:rPr lang="de-DE" smtClean="0"/>
               <a:pPr/>
-              <a:t>19.10.17</a:t>
+              <a:t>19.10.2017</a:t>
             </a:fld>
             <a:endParaRPr lang="de-DE" dirty="0"/>
           </a:p>
@@ -39303,13 +38804,6 @@
   <p:clrMapOvr>
     <a:masterClrMapping/>
   </p:clrMapOvr>
-  <p:timing>
-    <p:tnLst>
-      <p:par>
-        <p:cTn id="1" dur="indefinite" restart="never" nodeType="tmRoot"/>
-      </p:par>
-    </p:tnLst>
-  </p:timing>
 </p:sld>
 </file>
 
@@ -39397,7 +38891,7 @@
             <a:fld id="{17C2562E-359A-3C42-BBEF-E02CE97BECB1}" type="datetimeFigureOut">
               <a:rPr lang="de-DE" smtClean="0"/>
               <a:pPr/>
-              <a:t>19.10.17</a:t>
+              <a:t>19.10.2017</a:t>
             </a:fld>
             <a:endParaRPr lang="de-DE" dirty="0"/>
           </a:p>
@@ -39460,13 +38954,6 @@
   <p:clrMapOvr>
     <a:masterClrMapping/>
   </p:clrMapOvr>
-  <p:timing>
-    <p:tnLst>
-      <p:par>
-        <p:cTn id="1" dur="indefinite" restart="never" nodeType="tmRoot"/>
-      </p:par>
-    </p:tnLst>
-  </p:timing>
 </p:sld>
 </file>
 
@@ -39583,11 +39070,7 @@
             </a:pPr>
             <a:r>
               <a:rPr lang="de-DE" dirty="0"/>
-              <a:t>Ende 18:15 </a:t>
-            </a:r>
-            <a:r>
-              <a:rPr lang="de-DE" dirty="0" smtClean="0"/>
-              <a:t>Uhr</a:t>
+              <a:t>Ende 18:15 Uhr</a:t>
             </a:r>
           </a:p>
           <a:p>
@@ -39597,22 +39080,16 @@
               </a:lnSpc>
             </a:pPr>
             <a:r>
-              <a:rPr lang="de-DE" dirty="0" smtClean="0"/>
+              <a:rPr lang="de-DE" dirty="0"/>
               <a:t>Praxisbeispiel: </a:t>
             </a:r>
             <a:r>
               <a:rPr lang="de-DE" dirty="0">
                 <a:hlinkClick r:id="rId2"/>
               </a:rPr>
-              <a:t>https://</a:t>
-            </a:r>
-            <a:r>
-              <a:rPr lang="de-DE" dirty="0" smtClean="0">
-                <a:hlinkClick r:id="rId2"/>
-              </a:rPr>
-              <a:t>github.com/aawada78/angular-workshop.git</a:t>
-            </a:r>
-            <a:endParaRPr lang="de-DE" dirty="0" smtClean="0"/>
+              <a:t>https://github.com/aawada78/angular-workshop.git</a:t>
+            </a:r>
+            <a:endParaRPr lang="de-DE" dirty="0"/>
           </a:p>
           <a:p>
             <a:pPr>
@@ -39621,15 +39098,11 @@
               </a:lnSpc>
             </a:pPr>
             <a:r>
-              <a:rPr lang="de-DE" dirty="0" smtClean="0"/>
-              <a:t>Workshop Folien: </a:t>
-            </a:r>
-            <a:r>
-              <a:rPr lang="de-DE" dirty="0"/>
-              <a:t> </a:t>
-            </a:r>
-            <a:r>
-              <a:rPr lang="de-DE" dirty="0" smtClean="0">
+              <a:rPr lang="de-DE" dirty="0"/>
+              <a:t>Workshop Folien:  </a:t>
+            </a:r>
+            <a:r>
+              <a:rPr lang="de-DE" dirty="0">
                 <a:hlinkClick r:id="rId3"/>
               </a:rPr>
               <a:t>Link</a:t>
@@ -39643,7 +39116,7 @@
           <p:cNvPr id="5" name="Datumsplatzhalter 4">
             <a:extLst>
               <a:ext uri="{FF2B5EF4-FFF2-40B4-BE49-F238E27FC236}">
-                <a16:creationId xmlns:a16="http://schemas.microsoft.com/office/drawing/2014/main" xmlns="" id="{D471591C-E430-45E7-A587-2CEC0AF88DA0}"/>
+                <a16:creationId xmlns:a16="http://schemas.microsoft.com/office/drawing/2014/main" id="{D471591C-E430-45E7-A587-2CEC0AF88DA0}"/>
               </a:ext>
             </a:extLst>
           </p:cNvPr>
@@ -39661,7 +39134,7 @@
           <a:p>
             <a:fld id="{D3ADFBD6-4690-496C-B9C9-0BEF0B938F74}" type="datetime1">
               <a:rPr lang="de-DE" smtClean="0"/>
-              <a:t>19.10.17</a:t>
+              <a:t>19.10.2017</a:t>
             </a:fld>
             <a:endParaRPr lang="de-DE" dirty="0"/>
           </a:p>
@@ -39672,7 +39145,7 @@
           <p:cNvPr id="6" name="Fußzeilenplatzhalter 5">
             <a:extLst>
               <a:ext uri="{FF2B5EF4-FFF2-40B4-BE49-F238E27FC236}">
-                <a16:creationId xmlns:a16="http://schemas.microsoft.com/office/drawing/2014/main" xmlns="" id="{B488671B-A101-43AC-84F6-1F2F8515424C}"/>
+                <a16:creationId xmlns:a16="http://schemas.microsoft.com/office/drawing/2014/main" id="{B488671B-A101-43AC-84F6-1F2F8515424C}"/>
               </a:ext>
             </a:extLst>
           </p:cNvPr>
@@ -39697,7 +39170,7 @@
           <p:cNvPr id="7" name="Foliennummernplatzhalter 6">
             <a:extLst>
               <a:ext uri="{FF2B5EF4-FFF2-40B4-BE49-F238E27FC236}">
-                <a16:creationId xmlns:a16="http://schemas.microsoft.com/office/drawing/2014/main" xmlns="" id="{8E977D85-C22B-4016-AC2C-F3FDCE1BCBEB}"/>
+                <a16:creationId xmlns:a16="http://schemas.microsoft.com/office/drawing/2014/main" id="{8E977D85-C22B-4016-AC2C-F3FDCE1BCBEB}"/>
               </a:ext>
             </a:extLst>
           </p:cNvPr>
@@ -39736,13 +39209,6 @@
   <p:clrMapOvr>
     <a:masterClrMapping/>
   </p:clrMapOvr>
-  <p:timing>
-    <p:tnLst>
-      <p:par>
-        <p:cTn id="1" dur="indefinite" restart="never" nodeType="tmRoot"/>
-      </p:par>
-    </p:tnLst>
-  </p:timing>
 </p:sld>
 </file>
 
@@ -39811,7 +39277,7 @@
               </a:lnSpc>
             </a:pPr>
             <a:r>
-              <a:rPr lang="de-DE" dirty="0" smtClean="0"/>
+              <a:rPr lang="de-DE" dirty="0"/>
               <a:t>Guest Book</a:t>
             </a:r>
           </a:p>
@@ -39822,7 +39288,7 @@
               </a:lnSpc>
             </a:pPr>
             <a:r>
-              <a:rPr lang="de-DE" dirty="0" smtClean="0"/>
+              <a:rPr lang="de-DE" dirty="0"/>
               <a:t>Angular</a:t>
             </a:r>
           </a:p>
@@ -39833,16 +39299,8 @@
               </a:lnSpc>
             </a:pPr>
             <a:r>
-              <a:rPr lang="de-DE" dirty="0" smtClean="0"/>
-              <a:t>Angular </a:t>
-            </a:r>
-            <a:r>
-              <a:rPr lang="de-DE" dirty="0"/>
-              <a:t>@</a:t>
-            </a:r>
-            <a:r>
-              <a:rPr lang="de-DE" dirty="0" smtClean="0"/>
-              <a:t>DATEV</a:t>
+              <a:rPr lang="de-DE" dirty="0"/>
+              <a:t>Angular @DATEV</a:t>
             </a:r>
           </a:p>
           <a:p>
@@ -39852,7 +39310,7 @@
               </a:lnSpc>
             </a:pPr>
             <a:r>
-              <a:rPr lang="de-DE" dirty="0" err="1" smtClean="0"/>
+              <a:rPr lang="de-DE" dirty="0" err="1"/>
               <a:t>Doing</a:t>
             </a:r>
             <a:endParaRPr lang="de-DE" dirty="0"/>
@@ -39864,10 +39322,9 @@
               </a:lnSpc>
             </a:pPr>
             <a:r>
-              <a:rPr lang="de-DE" dirty="0" smtClean="0"/>
+              <a:rPr lang="de-DE" dirty="0"/>
               <a:t>Angular-CLI</a:t>
             </a:r>
-            <a:endParaRPr lang="de-DE" dirty="0"/>
           </a:p>
           <a:p>
             <a:pPr lvl="1">
@@ -39876,10 +39333,9 @@
               </a:lnSpc>
             </a:pPr>
             <a:r>
-              <a:rPr lang="de-DE" dirty="0" smtClean="0"/>
+              <a:rPr lang="de-DE" dirty="0"/>
               <a:t>Komponenten</a:t>
             </a:r>
-            <a:endParaRPr lang="de-DE" dirty="0"/>
           </a:p>
           <a:p>
             <a:pPr lvl="1">
@@ -39888,7 +39344,7 @@
               </a:lnSpc>
             </a:pPr>
             <a:r>
-              <a:rPr lang="de-DE" dirty="0" smtClean="0"/>
+              <a:rPr lang="de-DE" dirty="0"/>
               <a:t>Formulare</a:t>
             </a:r>
           </a:p>
@@ -39899,7 +39355,7 @@
               </a:lnSpc>
             </a:pPr>
             <a:r>
-              <a:rPr lang="de-DE" dirty="0" smtClean="0"/>
+              <a:rPr lang="de-DE" dirty="0"/>
               <a:t>Services</a:t>
             </a:r>
           </a:p>
@@ -39942,7 +39398,7 @@
             <a:fld id="{17C2562E-359A-3C42-BBEF-E02CE97BECB1}" type="datetimeFigureOut">
               <a:rPr lang="de-DE" smtClean="0"/>
               <a:pPr/>
-              <a:t>19.10.17</a:t>
+              <a:t>19.10.2017</a:t>
             </a:fld>
             <a:endParaRPr lang="de-DE" dirty="0"/>
           </a:p>
@@ -40005,13 +39461,6 @@
   <p:clrMapOvr>
     <a:masterClrMapping/>
   </p:clrMapOvr>
-  <p:timing>
-    <p:tnLst>
-      <p:par>
-        <p:cTn id="1" dur="indefinite" restart="never" nodeType="tmRoot"/>
-      </p:par>
-    </p:tnLst>
-  </p:timing>
 </p:sld>
 </file>
 
@@ -40048,10 +39497,9 @@
           <a:lstStyle/>
           <a:p>
             <a:r>
-              <a:rPr lang="de-DE" dirty="0" smtClean="0"/>
+              <a:rPr lang="de-DE" dirty="0"/>
               <a:t>Guest Book</a:t>
             </a:r>
-            <a:endParaRPr lang="de-DE" dirty="0"/>
           </a:p>
         </p:txBody>
       </p:sp>
@@ -40073,7 +39521,7 @@
             <a:fld id="{17C2562E-359A-3C42-BBEF-E02CE97BECB1}" type="datetimeFigureOut">
               <a:rPr lang="de-DE" smtClean="0"/>
               <a:pPr/>
-              <a:t>19.10.17</a:t>
+              <a:t>19.10.2017</a:t>
             </a:fld>
             <a:endParaRPr lang="de-DE" dirty="0"/>
           </a:p>
@@ -40202,13 +39650,6 @@
   <p:clrMapOvr>
     <a:masterClrMapping/>
   </p:clrMapOvr>
-  <p:timing>
-    <p:tnLst>
-      <p:par>
-        <p:cTn id="1" dur="indefinite" restart="never" nodeType="tmRoot"/>
-      </p:par>
-    </p:tnLst>
-  </p:timing>
 </p:sld>
 </file>
 
@@ -40246,6 +39687,302 @@
           <a:p>
             <a:r>
               <a:rPr lang="de-DE" dirty="0"/>
+              <a:t>Exkurs: </a:t>
+            </a:r>
+            <a:r>
+              <a:rPr lang="de-DE" b="1" u="sng" dirty="0"/>
+              <a:t>S</a:t>
+            </a:r>
+            <a:r>
+              <a:rPr lang="de-DE" dirty="0"/>
+              <a:t>ingle </a:t>
+            </a:r>
+            <a:r>
+              <a:rPr lang="de-DE" b="1" u="sng" dirty="0"/>
+              <a:t>P</a:t>
+            </a:r>
+            <a:r>
+              <a:rPr lang="de-DE" dirty="0"/>
+              <a:t>age </a:t>
+            </a:r>
+            <a:r>
+              <a:rPr lang="de-DE" b="1" u="sng" dirty="0" err="1"/>
+              <a:t>A</a:t>
+            </a:r>
+            <a:r>
+              <a:rPr lang="de-DE" dirty="0" err="1"/>
+              <a:t>pplication</a:t>
+            </a:r>
+          </a:p>
+        </p:txBody>
+      </p:sp>
+      <p:sp>
+        <p:nvSpPr>
+          <p:cNvPr id="3" name="Textplatzhalter 2"/>
+          <p:cNvSpPr>
+            <a:spLocks noGrp="1"/>
+          </p:cNvSpPr>
+          <p:nvPr>
+            <p:ph type="body" sz="quarter" idx="30"/>
+          </p:nvPr>
+        </p:nvSpPr>
+        <p:spPr/>
+        <p:txBody>
+          <a:bodyPr vert="horz" lIns="129600" tIns="45720" rIns="91440" bIns="45720" rtlCol="0" anchor="t">
+            <a:noAutofit/>
+          </a:bodyPr>
+          <a:lstStyle/>
+          <a:p>
+            <a:pPr marL="360045" indent="-360045"/>
+            <a:endParaRPr lang="de-DE" dirty="0"/>
+          </a:p>
+          <a:p>
+            <a:pPr marL="360045" indent="-360045"/>
+            <a:r>
+              <a:rPr lang="de-DE" dirty="0"/>
+              <a:t>Client-zentrierter Entwicklungsansatz</a:t>
+            </a:r>
+          </a:p>
+          <a:p>
+            <a:pPr marL="360045" indent="-360045"/>
+            <a:endParaRPr lang="de-DE" dirty="0"/>
+          </a:p>
+          <a:p>
+            <a:pPr marL="360045" indent="-360045"/>
+            <a:r>
+              <a:rPr lang="de-DE" dirty="0"/>
+              <a:t>Webanwendungen bestehend aus einer Seite</a:t>
+            </a:r>
+          </a:p>
+          <a:p>
+            <a:pPr marL="360045" indent="-360045"/>
+            <a:endParaRPr lang="de-DE" dirty="0"/>
+          </a:p>
+          <a:p>
+            <a:pPr marL="360045" indent="-360045"/>
+            <a:r>
+              <a:rPr lang="de-DE" dirty="0"/>
+              <a:t>Inhalte werden dynamisch nachgeladen</a:t>
+            </a:r>
+          </a:p>
+          <a:p>
+            <a:pPr marL="360045" indent="-360045"/>
+            <a:endParaRPr lang="de-DE" dirty="0"/>
+          </a:p>
+          <a:p>
+            <a:pPr marL="360045" indent="-360045"/>
+            <a:r>
+              <a:rPr lang="de-DE" dirty="0"/>
+              <a:t>Reduzierung der Serverlast, Statusinformationen nur am Client</a:t>
+            </a:r>
+          </a:p>
+          <a:p>
+            <a:pPr marL="360045" indent="-360045"/>
+            <a:endParaRPr lang="de-DE" dirty="0"/>
+          </a:p>
+          <a:p>
+            <a:pPr marL="360045" indent="-360045"/>
+            <a:r>
+              <a:rPr lang="de-DE" dirty="0" err="1"/>
+              <a:t>WebClient</a:t>
+            </a:r>
+            <a:r>
+              <a:rPr lang="de-DE" dirty="0"/>
+              <a:t> ist selbständig und kann z.B. eine Offline-Unterstützung anbieten</a:t>
+            </a:r>
+          </a:p>
+        </p:txBody>
+      </p:sp>
+      <p:sp>
+        <p:nvSpPr>
+          <p:cNvPr id="4" name="Datumsplatzhalter 3"/>
+          <p:cNvSpPr>
+            <a:spLocks noGrp="1"/>
+          </p:cNvSpPr>
+          <p:nvPr>
+            <p:ph type="dt" sz="half" idx="31"/>
+          </p:nvPr>
+        </p:nvSpPr>
+        <p:spPr/>
+        <p:txBody>
+          <a:bodyPr/>
+          <a:lstStyle/>
+          <a:p>
+            <a:fld id="{17C2562E-359A-3C42-BBEF-E02CE97BECB1}" type="datetimeFigureOut">
+              <a:rPr lang="de-DE" smtClean="0"/>
+              <a:pPr/>
+              <a:t>19.10.2017</a:t>
+            </a:fld>
+            <a:endParaRPr lang="de-DE" dirty="0"/>
+          </a:p>
+        </p:txBody>
+      </p:sp>
+      <p:sp>
+        <p:nvSpPr>
+          <p:cNvPr id="5" name="Fußzeilenplatzhalter 4"/>
+          <p:cNvSpPr>
+            <a:spLocks noGrp="1"/>
+          </p:cNvSpPr>
+          <p:nvPr>
+            <p:ph type="ftr" sz="quarter" idx="32"/>
+          </p:nvPr>
+        </p:nvSpPr>
+        <p:spPr/>
+        <p:txBody>
+          <a:bodyPr/>
+          <a:lstStyle/>
+          <a:p>
+            <a:endParaRPr lang="de-DE" dirty="0"/>
+          </a:p>
+        </p:txBody>
+      </p:sp>
+      <p:sp>
+        <p:nvSpPr>
+          <p:cNvPr id="6" name="Foliennummernplatzhalter 5"/>
+          <p:cNvSpPr>
+            <a:spLocks noGrp="1"/>
+          </p:cNvSpPr>
+          <p:nvPr>
+            <p:ph type="sldNum" sz="quarter" idx="33"/>
+          </p:nvPr>
+        </p:nvSpPr>
+        <p:spPr/>
+        <p:txBody>
+          <a:bodyPr/>
+          <a:lstStyle/>
+          <a:p>
+            <a:r>
+              <a:rPr lang="de-DE"/>
+              <a:t>Seite </a:t>
+            </a:r>
+            <a:fld id="{38661448-4A48-D446-A2DB-27E795148D92}" type="slidenum">
+              <a:rPr lang="de-DE" smtClean="0"/>
+              <a:pPr/>
+              <a:t>6</a:t>
+            </a:fld>
+            <a:endParaRPr lang="de-DE" dirty="0"/>
+          </a:p>
+        </p:txBody>
+      </p:sp>
+      <p:pic>
+        <p:nvPicPr>
+          <p:cNvPr id="8" name="Grafik 8">
+            <a:extLst>
+              <a:ext uri="{FF2B5EF4-FFF2-40B4-BE49-F238E27FC236}">
+                <a16:creationId xmlns:a16="http://schemas.microsoft.com/office/drawing/2014/main" id="{7CF3AEDB-FAEB-4721-8ACE-7522ACB7DC22}"/>
+              </a:ext>
+            </a:extLst>
+          </p:cNvPr>
+          <p:cNvPicPr>
+            <a:picLocks noChangeAspect="1"/>
+          </p:cNvPicPr>
+          <p:nvPr/>
+        </p:nvPicPr>
+        <p:blipFill>
+          <a:blip r:embed="rId2"/>
+          <a:stretch>
+            <a:fillRect/>
+          </a:stretch>
+        </p:blipFill>
+        <p:spPr>
+          <a:xfrm>
+            <a:off x="7299325" y="1143000"/>
+            <a:ext cx="5560289" cy="2912955"/>
+          </a:xfrm>
+          <a:prstGeom prst="rect">
+            <a:avLst/>
+          </a:prstGeom>
+        </p:spPr>
+      </p:pic>
+      <p:sp>
+        <p:nvSpPr>
+          <p:cNvPr id="11" name="Textfeld 10">
+            <a:extLst>
+              <a:ext uri="{FF2B5EF4-FFF2-40B4-BE49-F238E27FC236}">
+                <a16:creationId xmlns:a16="http://schemas.microsoft.com/office/drawing/2014/main" id="{E75A7EFF-4B3E-4C10-9F74-6849362D15CF}"/>
+              </a:ext>
+            </a:extLst>
+          </p:cNvPr>
+          <p:cNvSpPr txBox="1"/>
+          <p:nvPr/>
+        </p:nvSpPr>
+        <p:spPr>
+          <a:xfrm>
+            <a:off x="2828335" y="6581775"/>
+            <a:ext cx="10177914" cy="307777"/>
+          </a:xfrm>
+          <a:prstGeom prst="rect">
+            <a:avLst/>
+          </a:prstGeom>
+          <a:noFill/>
+        </p:spPr>
+        <p:txBody>
+          <a:bodyPr wrap="none" rtlCol="0" anchor="t">
+            <a:spAutoFit/>
+          </a:bodyPr>
+          <a:lstStyle/>
+          <a:p>
+            <a:r>
+              <a:rPr lang="de-DE" sz="1400" dirty="0"/>
+              <a:t>Quelle:</a:t>
+            </a:r>
+            <a:r>
+              <a:rPr lang="de-DE" sz="1400" dirty="0">
+                <a:cs typeface="Segoe UI"/>
+              </a:rPr>
+              <a:t> http://www.c-sharpcorner.com/uploadfile/rahul4_saxena/single-page-application-spa-using-angularjs-web-api-and-m/</a:t>
+            </a:r>
+            <a:endParaRPr lang="de-DE" sz="1400" dirty="0"/>
+          </a:p>
+        </p:txBody>
+      </p:sp>
+    </p:spTree>
+    <p:extLst>
+      <p:ext uri="{BB962C8B-B14F-4D97-AF65-F5344CB8AC3E}">
+        <p14:creationId xmlns:p14="http://schemas.microsoft.com/office/powerpoint/2010/main" val="1522609857"/>
+      </p:ext>
+    </p:extLst>
+  </p:cSld>
+  <p:clrMapOvr>
+    <a:masterClrMapping/>
+  </p:clrMapOvr>
+</p:sld>
+</file>
+
+<file path=ppt/slides/slide7.xml><?xml version="1.0" encoding="utf-8"?>
+<p:sld xmlns:a="http://schemas.openxmlformats.org/drawingml/2006/main" xmlns:r="http://schemas.openxmlformats.org/officeDocument/2006/relationships" xmlns:p="http://schemas.openxmlformats.org/presentationml/2006/main">
+  <p:cSld>
+    <p:spTree>
+      <p:nvGrpSpPr>
+        <p:cNvPr id="1" name=""/>
+        <p:cNvGrpSpPr/>
+        <p:nvPr/>
+      </p:nvGrpSpPr>
+      <p:grpSpPr>
+        <a:xfrm>
+          <a:off x="0" y="0"/>
+          <a:ext cx="0" cy="0"/>
+          <a:chOff x="0" y="0"/>
+          <a:chExt cx="0" cy="0"/>
+        </a:xfrm>
+      </p:grpSpPr>
+      <p:sp>
+        <p:nvSpPr>
+          <p:cNvPr id="2" name="Titel 1"/>
+          <p:cNvSpPr>
+            <a:spLocks noGrp="1"/>
+          </p:cNvSpPr>
+          <p:nvPr>
+            <p:ph type="title"/>
+          </p:nvPr>
+        </p:nvSpPr>
+        <p:spPr/>
+        <p:txBody>
+          <a:bodyPr/>
+          <a:lstStyle/>
+          <a:p>
+            <a:r>
+              <a:rPr lang="de-DE" dirty="0"/>
               <a:t>Angular</a:t>
             </a:r>
           </a:p>
@@ -40382,10 +40119,9 @@
               <a:t>Dart</a:t>
             </a:r>
             <a:r>
-              <a:rPr lang="de-DE" dirty="0" smtClean="0"/>
+              <a:rPr lang="de-DE" dirty="0"/>
               <a:t>)</a:t>
             </a:r>
-            <a:endParaRPr lang="de-DE" dirty="0"/>
           </a:p>
           <a:p>
             <a:pPr>
@@ -40395,13 +40131,8 @@
             </a:pPr>
             <a:r>
               <a:rPr lang="de-DE" dirty="0"/>
-              <a:t>Aktuelle Release Version </a:t>
-            </a:r>
-            <a:r>
-              <a:rPr lang="de-DE" dirty="0" smtClean="0"/>
-              <a:t>4.4.6</a:t>
-            </a:r>
-            <a:endParaRPr lang="de-DE" dirty="0"/>
+              <a:t>Aktuelle Release Version 4.4.6</a:t>
+            </a:r>
           </a:p>
         </p:txBody>
       </p:sp>
@@ -40423,7 +40154,7 @@
             <a:fld id="{17C2562E-359A-3C42-BBEF-E02CE97BECB1}" type="datetimeFigureOut">
               <a:rPr lang="de-DE" smtClean="0"/>
               <a:pPr/>
-              <a:t>19.10.17</a:t>
+              <a:t>19.10.2017</a:t>
             </a:fld>
             <a:endParaRPr lang="de-DE" dirty="0"/>
           </a:p>
@@ -40470,7 +40201,7 @@
             <a:fld id="{38661448-4A48-D446-A2DB-27E795148D92}" type="slidenum">
               <a:rPr lang="de-DE" smtClean="0"/>
               <a:pPr/>
-              <a:t>6</a:t>
+              <a:t>7</a:t>
             </a:fld>
             <a:endParaRPr lang="de-DE" dirty="0"/>
           </a:p>
@@ -40527,276 +40258,6 @@
   <p:clrMapOvr>
     <a:masterClrMapping/>
   </p:clrMapOvr>
-  <p:timing>
-    <p:tnLst>
-      <p:par>
-        <p:cTn id="1" dur="indefinite" restart="never" nodeType="tmRoot"/>
-      </p:par>
-    </p:tnLst>
-  </p:timing>
-</p:sld>
-</file>
-
-<file path=ppt/slides/slide7.xml><?xml version="1.0" encoding="utf-8"?>
-<p:sld xmlns:a="http://schemas.openxmlformats.org/drawingml/2006/main" xmlns:r="http://schemas.openxmlformats.org/officeDocument/2006/relationships" xmlns:p="http://schemas.openxmlformats.org/presentationml/2006/main">
-  <p:cSld>
-    <p:spTree>
-      <p:nvGrpSpPr>
-        <p:cNvPr id="1" name=""/>
-        <p:cNvGrpSpPr/>
-        <p:nvPr/>
-      </p:nvGrpSpPr>
-      <p:grpSpPr>
-        <a:xfrm>
-          <a:off x="0" y="0"/>
-          <a:ext cx="0" cy="0"/>
-          <a:chOff x="0" y="0"/>
-          <a:chExt cx="0" cy="0"/>
-        </a:xfrm>
-      </p:grpSpPr>
-      <p:sp>
-        <p:nvSpPr>
-          <p:cNvPr id="2" name="Titel 1"/>
-          <p:cNvSpPr>
-            <a:spLocks noGrp="1"/>
-          </p:cNvSpPr>
-          <p:nvPr>
-            <p:ph type="title"/>
-          </p:nvPr>
-        </p:nvSpPr>
-        <p:spPr/>
-        <p:txBody>
-          <a:bodyPr/>
-          <a:lstStyle/>
-          <a:p>
-            <a:r>
-              <a:rPr lang="de-DE" dirty="0"/>
-              <a:t>Angular - SPA</a:t>
-            </a:r>
-          </a:p>
-        </p:txBody>
-      </p:sp>
-      <p:sp>
-        <p:nvSpPr>
-          <p:cNvPr id="3" name="Textplatzhalter 2"/>
-          <p:cNvSpPr>
-            <a:spLocks noGrp="1"/>
-          </p:cNvSpPr>
-          <p:nvPr>
-            <p:ph type="body" sz="quarter" idx="30"/>
-          </p:nvPr>
-        </p:nvSpPr>
-        <p:spPr/>
-        <p:txBody>
-          <a:bodyPr/>
-          <a:lstStyle/>
-          <a:p>
-            <a:r>
-              <a:rPr lang="de-DE" b="1" dirty="0"/>
-              <a:t>S</a:t>
-            </a:r>
-            <a:r>
-              <a:rPr lang="de-DE" dirty="0"/>
-              <a:t>ingle </a:t>
-            </a:r>
-            <a:r>
-              <a:rPr lang="de-DE" b="1" dirty="0"/>
-              <a:t>P</a:t>
-            </a:r>
-            <a:r>
-              <a:rPr lang="de-DE" dirty="0"/>
-              <a:t>age </a:t>
-            </a:r>
-            <a:r>
-              <a:rPr lang="de-DE" b="1" dirty="0" err="1"/>
-              <a:t>A</a:t>
-            </a:r>
-            <a:r>
-              <a:rPr lang="de-DE" dirty="0" err="1"/>
-              <a:t>pplication</a:t>
-            </a:r>
-            <a:endParaRPr lang="de-DE" dirty="0"/>
-          </a:p>
-          <a:p>
-            <a:endParaRPr lang="de-DE" dirty="0"/>
-          </a:p>
-          <a:p>
-            <a:r>
-              <a:rPr lang="de-DE" dirty="0"/>
-              <a:t>Webanwendungen bestehend aus einer Seite</a:t>
-            </a:r>
-          </a:p>
-          <a:p>
-            <a:endParaRPr lang="de-DE" dirty="0"/>
-          </a:p>
-          <a:p>
-            <a:r>
-              <a:rPr lang="de-DE" dirty="0"/>
-              <a:t>Inhalte werden dynamisch nachgeladen</a:t>
-            </a:r>
-          </a:p>
-          <a:p>
-            <a:endParaRPr lang="de-DE" dirty="0"/>
-          </a:p>
-          <a:p>
-            <a:r>
-              <a:rPr lang="de-DE" dirty="0"/>
-              <a:t>Client-zentrierter Entwicklungsansatz</a:t>
-            </a:r>
-          </a:p>
-          <a:p>
-            <a:endParaRPr lang="de-DE" dirty="0"/>
-          </a:p>
-          <a:p>
-            <a:r>
-              <a:rPr lang="de-DE" dirty="0"/>
-              <a:t>Reduzierung der Serverlast</a:t>
-            </a:r>
-          </a:p>
-          <a:p>
-            <a:endParaRPr lang="de-DE" dirty="0"/>
-          </a:p>
-          <a:p>
-            <a:r>
-              <a:rPr lang="de-DE" dirty="0" err="1"/>
-              <a:t>WebClient</a:t>
-            </a:r>
-            <a:r>
-              <a:rPr lang="de-DE" dirty="0"/>
-              <a:t> ist selbständig und kann z.B. eine Offline-Unterstützung anbieten</a:t>
-            </a:r>
-          </a:p>
-        </p:txBody>
-      </p:sp>
-      <p:sp>
-        <p:nvSpPr>
-          <p:cNvPr id="4" name="Datumsplatzhalter 3"/>
-          <p:cNvSpPr>
-            <a:spLocks noGrp="1"/>
-          </p:cNvSpPr>
-          <p:nvPr>
-            <p:ph type="dt" sz="half" idx="31"/>
-          </p:nvPr>
-        </p:nvSpPr>
-        <p:spPr/>
-        <p:txBody>
-          <a:bodyPr/>
-          <a:lstStyle/>
-          <a:p>
-            <a:fld id="{17C2562E-359A-3C42-BBEF-E02CE97BECB1}" type="datetimeFigureOut">
-              <a:rPr lang="de-DE" smtClean="0"/>
-              <a:pPr/>
-              <a:t>19.10.17</a:t>
-            </a:fld>
-            <a:endParaRPr lang="de-DE" dirty="0"/>
-          </a:p>
-        </p:txBody>
-      </p:sp>
-      <p:sp>
-        <p:nvSpPr>
-          <p:cNvPr id="5" name="Fußzeilenplatzhalter 4"/>
-          <p:cNvSpPr>
-            <a:spLocks noGrp="1"/>
-          </p:cNvSpPr>
-          <p:nvPr>
-            <p:ph type="ftr" sz="quarter" idx="32"/>
-          </p:nvPr>
-        </p:nvSpPr>
-        <p:spPr/>
-        <p:txBody>
-          <a:bodyPr/>
-          <a:lstStyle/>
-          <a:p>
-            <a:endParaRPr lang="de-DE" dirty="0"/>
-          </a:p>
-        </p:txBody>
-      </p:sp>
-      <p:sp>
-        <p:nvSpPr>
-          <p:cNvPr id="6" name="Foliennummernplatzhalter 5"/>
-          <p:cNvSpPr>
-            <a:spLocks noGrp="1"/>
-          </p:cNvSpPr>
-          <p:nvPr>
-            <p:ph type="sldNum" sz="quarter" idx="33"/>
-          </p:nvPr>
-        </p:nvSpPr>
-        <p:spPr/>
-        <p:txBody>
-          <a:bodyPr/>
-          <a:lstStyle/>
-          <a:p>
-            <a:r>
-              <a:rPr lang="de-DE"/>
-              <a:t>Seite </a:t>
-            </a:r>
-            <a:fld id="{38661448-4A48-D446-A2DB-27E795148D92}" type="slidenum">
-              <a:rPr lang="de-DE" smtClean="0"/>
-              <a:pPr/>
-              <a:t>7</a:t>
-            </a:fld>
-            <a:endParaRPr lang="de-DE" dirty="0"/>
-          </a:p>
-        </p:txBody>
-      </p:sp>
-      <p:pic>
-        <p:nvPicPr>
-          <p:cNvPr id="7" name="Picture 2" descr="D:\Users\t01966a\Pictures\angular.png"/>
-          <p:cNvPicPr>
-            <a:picLocks noChangeAspect="1" noChangeArrowheads="1"/>
-          </p:cNvPicPr>
-          <p:nvPr/>
-        </p:nvPicPr>
-        <p:blipFill>
-          <a:blip r:embed="rId2">
-            <a:extLst>
-              <a:ext uri="{28A0092B-C50C-407E-A947-70E740481C1C}">
-                <a14:useLocalDpi xmlns:a14="http://schemas.microsoft.com/office/drawing/2010/main" val="0"/>
-              </a:ext>
-            </a:extLst>
-          </a:blip>
-          <a:srcRect/>
-          <a:stretch>
-            <a:fillRect/>
-          </a:stretch>
-        </p:blipFill>
-        <p:spPr bwMode="auto">
-          <a:xfrm>
-            <a:off x="10111342" y="1065312"/>
-            <a:ext cx="2232248" cy="2232248"/>
-          </a:xfrm>
-          <a:prstGeom prst="rect">
-            <a:avLst/>
-          </a:prstGeom>
-          <a:noFill/>
-          <a:extLst>
-            <a:ext uri="{909E8E84-426E-40DD-AFC4-6F175D3DCCD1}">
-              <a14:hiddenFill xmlns:a14="http://schemas.microsoft.com/office/drawing/2010/main">
-                <a:solidFill>
-                  <a:srgbClr val="FFFFFF"/>
-                </a:solidFill>
-              </a14:hiddenFill>
-            </a:ext>
-          </a:extLst>
-        </p:spPr>
-      </p:pic>
-    </p:spTree>
-    <p:extLst>
-      <p:ext uri="{BB962C8B-B14F-4D97-AF65-F5344CB8AC3E}">
-        <p14:creationId xmlns:p14="http://schemas.microsoft.com/office/powerpoint/2010/main" val="1522609857"/>
-      </p:ext>
-    </p:extLst>
-  </p:cSld>
-  <p:clrMapOvr>
-    <a:masterClrMapping/>
-  </p:clrMapOvr>
-  <p:timing>
-    <p:tnLst>
-      <p:par>
-        <p:cTn id="1" dur="indefinite" restart="never" nodeType="tmRoot"/>
-      </p:par>
-    </p:tnLst>
-  </p:timing>
 </p:sld>
 </file>
 
@@ -40878,7 +40339,7 @@
             <a:fld id="{17C2562E-359A-3C42-BBEF-E02CE97BECB1}" type="datetimeFigureOut">
               <a:rPr lang="de-DE" smtClean="0"/>
               <a:pPr/>
-              <a:t>19.10.17</a:t>
+              <a:t>19.10.2017</a:t>
             </a:fld>
             <a:endParaRPr lang="de-DE" dirty="0"/>
           </a:p>
@@ -41062,14 +40523,9 @@
           <a:lstStyle/>
           <a:p>
             <a:r>
-              <a:rPr lang="de-DE" sz="1400" dirty="0" smtClean="0"/>
-              <a:t>Quelle: </a:t>
-            </a:r>
-            <a:r>
-              <a:rPr lang="de-DE" sz="1400" dirty="0" err="1" smtClean="0"/>
-              <a:t>angular.io</a:t>
-            </a:r>
-            <a:endParaRPr lang="de-DE" sz="1400" dirty="0"/>
+              <a:rPr lang="de-DE" sz="1400" dirty="0"/>
+              <a:t>Quelle: angular.io</a:t>
+            </a:r>
           </a:p>
         </p:txBody>
       </p:sp>
@@ -41083,13 +40539,6 @@
   <p:clrMapOvr>
     <a:masterClrMapping/>
   </p:clrMapOvr>
-  <p:timing>
-    <p:tnLst>
-      <p:par>
-        <p:cTn id="1" dur="indefinite" restart="never" nodeType="tmRoot"/>
-      </p:par>
-    </p:tnLst>
-  </p:timing>
 </p:sld>
 </file>
 
@@ -41158,7 +40607,7 @@
             <a:fld id="{17C2562E-359A-3C42-BBEF-E02CE97BECB1}" type="datetimeFigureOut">
               <a:rPr lang="de-DE" smtClean="0"/>
               <a:pPr/>
-              <a:t>19.10.17</a:t>
+              <a:t>19.10.2017</a:t>
             </a:fld>
             <a:endParaRPr lang="de-DE" dirty="0"/>
           </a:p>
@@ -41295,11 +40744,11 @@
           <a:lstStyle/>
           <a:p>
             <a:r>
-              <a:rPr lang="de-DE" sz="1400" dirty="0" smtClean="0"/>
+              <a:rPr lang="de-DE" sz="1400" dirty="0"/>
               <a:t>Quelle: </a:t>
             </a:r>
             <a:r>
-              <a:rPr lang="de-DE" sz="1400" dirty="0" err="1" smtClean="0"/>
+              <a:rPr lang="de-DE" sz="1400" dirty="0" err="1"/>
               <a:t>angular.io</a:t>
             </a:r>
             <a:endParaRPr lang="de-DE" sz="1400" dirty="0"/>
@@ -41316,13 +40765,6 @@
   <p:clrMapOvr>
     <a:masterClrMapping/>
   </p:clrMapOvr>
-  <p:timing>
-    <p:tnLst>
-      <p:par>
-        <p:cTn id="1" dur="indefinite" restart="never" nodeType="tmRoot"/>
-      </p:par>
-    </p:tnLst>
-  </p:timing>
 </p:sld>
 </file>
 

--- a/docs/Angular-Workshop-20.10.pptx
+++ b/docs/Angular-Workshop-20.10.pptx
@@ -19316,7 +19316,7 @@
           <a:noFill/>
           <a:extLst>
             <a:ext uri="{909E8E84-426E-40dd-AFC4-6F175D3DCCD1}">
-              <a14:hiddenFill xmlns:a14="http://schemas.microsoft.com/office/drawing/2010/main" xmlns="">
+              <a14:hiddenFill xmlns="" xmlns:a14="http://schemas.microsoft.com/office/drawing/2010/main">
                 <a:solidFill>
                   <a:srgbClr val="FFFFFF"/>
                 </a:solidFill>
@@ -29764,7 +29764,7 @@
           <a:noFill/>
           <a:extLst>
             <a:ext uri="{909E8E84-426E-40dd-AFC4-6F175D3DCCD1}">
-              <a14:hiddenFill xmlns:a14="http://schemas.microsoft.com/office/drawing/2010/main" xmlns="">
+              <a14:hiddenFill xmlns="" xmlns:a14="http://schemas.microsoft.com/office/drawing/2010/main">
                 <a:solidFill>
                   <a:srgbClr val="FFFFFF"/>
                 </a:solidFill>
@@ -29844,7 +29844,7 @@
           <a:noFill/>
           <a:extLst>
             <a:ext uri="{909E8E84-426E-40dd-AFC4-6F175D3DCCD1}">
-              <a14:hiddenFill xmlns:a14="http://schemas.microsoft.com/office/drawing/2010/main" xmlns="">
+              <a14:hiddenFill xmlns="" xmlns:a14="http://schemas.microsoft.com/office/drawing/2010/main">
                 <a:solidFill>
                   <a:srgbClr val="FFFFFF"/>
                 </a:solidFill>
@@ -34703,9 +34703,6 @@
               <a:rPr lang="de-DE" dirty="0"/>
               <a:t>Angular @DATEV - Aktuelle Entwicklungssituation</a:t>
             </a:r>
-          </a:p>
-          <a:p>
-            <a:endParaRPr lang="de-DE" dirty="0"/>
           </a:p>
         </p:txBody>
       </p:sp>

--- a/docs/Angular-Workshop-20.10.pptx
+++ b/docs/Angular-Workshop-20.10.pptx
@@ -4814,14 +4814,35 @@
         </dgm:presLayoutVars>
       </dgm:prSet>
       <dgm:spPr/>
+      <dgm:t>
+        <a:bodyPr/>
+        <a:lstStyle/>
+        <a:p>
+          <a:endParaRPr lang="de-DE"/>
+        </a:p>
+      </dgm:t>
     </dgm:pt>
     <dgm:pt modelId="{30EAC814-8F64-D74A-9EBA-0CBC6BE058AA}" type="pres">
       <dgm:prSet presAssocID="{EE7B1B78-2CB7-C647-875E-937A240D7736}" presName="sibTrans" presStyleLbl="sibTrans2D1" presStyleIdx="0" presStyleCnt="2"/>
       <dgm:spPr/>
+      <dgm:t>
+        <a:bodyPr/>
+        <a:lstStyle/>
+        <a:p>
+          <a:endParaRPr lang="de-DE"/>
+        </a:p>
+      </dgm:t>
     </dgm:pt>
     <dgm:pt modelId="{26BA574D-A9C9-D847-8AAF-A8F48018C2C1}" type="pres">
       <dgm:prSet presAssocID="{EE7B1B78-2CB7-C647-875E-937A240D7736}" presName="connectorText" presStyleLbl="sibTrans2D1" presStyleIdx="0" presStyleCnt="2"/>
       <dgm:spPr/>
+      <dgm:t>
+        <a:bodyPr/>
+        <a:lstStyle/>
+        <a:p>
+          <a:endParaRPr lang="de-DE"/>
+        </a:p>
+      </dgm:t>
     </dgm:pt>
     <dgm:pt modelId="{942B2FD4-F953-1241-B452-E01505D35646}" type="pres">
       <dgm:prSet presAssocID="{9F5FBEB5-0D91-6442-BAE6-3C8FE451890E}" presName="node" presStyleLbl="node1" presStyleIdx="1" presStyleCnt="3">
@@ -4830,14 +4851,35 @@
         </dgm:presLayoutVars>
       </dgm:prSet>
       <dgm:spPr/>
+      <dgm:t>
+        <a:bodyPr/>
+        <a:lstStyle/>
+        <a:p>
+          <a:endParaRPr lang="de-DE"/>
+        </a:p>
+      </dgm:t>
     </dgm:pt>
     <dgm:pt modelId="{61D01FBA-AE9A-8140-B034-5E107AF8B06D}" type="pres">
       <dgm:prSet presAssocID="{D96BFFC3-C37B-F740-8CDD-799CDA9C29AF}" presName="sibTrans" presStyleLbl="sibTrans2D1" presStyleIdx="1" presStyleCnt="2"/>
       <dgm:spPr/>
+      <dgm:t>
+        <a:bodyPr/>
+        <a:lstStyle/>
+        <a:p>
+          <a:endParaRPr lang="de-DE"/>
+        </a:p>
+      </dgm:t>
     </dgm:pt>
     <dgm:pt modelId="{36003D2E-E2F1-4C4D-80A6-3A3280BC15B9}" type="pres">
       <dgm:prSet presAssocID="{D96BFFC3-C37B-F740-8CDD-799CDA9C29AF}" presName="connectorText" presStyleLbl="sibTrans2D1" presStyleIdx="1" presStyleCnt="2"/>
       <dgm:spPr/>
+      <dgm:t>
+        <a:bodyPr/>
+        <a:lstStyle/>
+        <a:p>
+          <a:endParaRPr lang="de-DE"/>
+        </a:p>
+      </dgm:t>
     </dgm:pt>
     <dgm:pt modelId="{48E1AD6C-04E3-5047-8B6E-169C4DE6C0BD}" type="pres">
       <dgm:prSet presAssocID="{54AAB197-8266-0B4E-83D2-C0A636856F54}" presName="node" presStyleLbl="node1" presStyleIdx="2" presStyleCnt="3">
@@ -4846,20 +4888,27 @@
         </dgm:presLayoutVars>
       </dgm:prSet>
       <dgm:spPr/>
+      <dgm:t>
+        <a:bodyPr/>
+        <a:lstStyle/>
+        <a:p>
+          <a:endParaRPr lang="de-DE"/>
+        </a:p>
+      </dgm:t>
     </dgm:pt>
   </dgm:ptLst>
   <dgm:cxnLst>
-    <dgm:cxn modelId="{9AD13F03-FA98-2546-A1F6-086D6D749FC5}" srcId="{82BD223D-4D97-664B-8FA2-F811E68132B9}" destId="{9F5FBEB5-0D91-6442-BAE6-3C8FE451890E}" srcOrd="1" destOrd="0" parTransId="{44185C10-A566-584D-8792-6F8CDA31CFEF}" sibTransId="{D96BFFC3-C37B-F740-8CDD-799CDA9C29AF}"/>
-    <dgm:cxn modelId="{204D2F3A-2AAF-5543-9E98-BBE69FD4AAAD}" type="presOf" srcId="{EE7B1B78-2CB7-C647-875E-937A240D7736}" destId="{26BA574D-A9C9-D847-8AAF-A8F48018C2C1}" srcOrd="1" destOrd="0" presId="urn:microsoft.com/office/officeart/2005/8/layout/process1"/>
+    <dgm:cxn modelId="{2BCEAEFF-A9FB-5C48-85FF-B123F8BCA8D1}" srcId="{82BD223D-4D97-664B-8FA2-F811E68132B9}" destId="{54AAB197-8266-0B4E-83D2-C0A636856F54}" srcOrd="2" destOrd="0" parTransId="{5B1EBB87-FA02-2E4E-9C97-ED4DD0AE3921}" sibTransId="{EE6869A3-EE4E-D54B-B05E-1DD13DD15896}"/>
+    <dgm:cxn modelId="{E9D68197-C1CA-8B49-8D4D-676507B04581}" type="presOf" srcId="{D96BFFC3-C37B-F740-8CDD-799CDA9C29AF}" destId="{61D01FBA-AE9A-8140-B034-5E107AF8B06D}" srcOrd="0" destOrd="0" presId="urn:microsoft.com/office/officeart/2005/8/layout/process1"/>
+    <dgm:cxn modelId="{E198D6D4-91AD-F643-8652-6843F8F235B1}" srcId="{82BD223D-4D97-664B-8FA2-F811E68132B9}" destId="{9E409708-FC7B-604D-AE00-C59A3BC6C774}" srcOrd="0" destOrd="0" parTransId="{AF54B174-D1EC-FF4E-9C8F-E68F41ABE717}" sibTransId="{EE7B1B78-2CB7-C647-875E-937A240D7736}"/>
     <dgm:cxn modelId="{EEE44545-27AE-DB46-8FAC-C89225478C81}" type="presOf" srcId="{82BD223D-4D97-664B-8FA2-F811E68132B9}" destId="{5C4E5A0B-1B12-EC4C-BCB7-F3E190AFE040}" srcOrd="0" destOrd="0" presId="urn:microsoft.com/office/officeart/2005/8/layout/process1"/>
     <dgm:cxn modelId="{26D22B50-1593-D448-A022-672B7A73BE42}" type="presOf" srcId="{D96BFFC3-C37B-F740-8CDD-799CDA9C29AF}" destId="{36003D2E-E2F1-4C4D-80A6-3A3280BC15B9}" srcOrd="1" destOrd="0" presId="urn:microsoft.com/office/officeart/2005/8/layout/process1"/>
+    <dgm:cxn modelId="{204D2F3A-2AAF-5543-9E98-BBE69FD4AAAD}" type="presOf" srcId="{EE7B1B78-2CB7-C647-875E-937A240D7736}" destId="{26BA574D-A9C9-D847-8AAF-A8F48018C2C1}" srcOrd="1" destOrd="0" presId="urn:microsoft.com/office/officeart/2005/8/layout/process1"/>
+    <dgm:cxn modelId="{0B5C2FB2-34A3-FD4E-944C-B6AD6041D706}" type="presOf" srcId="{EE7B1B78-2CB7-C647-875E-937A240D7736}" destId="{30EAC814-8F64-D74A-9EBA-0CBC6BE058AA}" srcOrd="0" destOrd="0" presId="urn:microsoft.com/office/officeart/2005/8/layout/process1"/>
+    <dgm:cxn modelId="{F0DD8BDB-048F-5445-A773-92BA998E4A49}" type="presOf" srcId="{54AAB197-8266-0B4E-83D2-C0A636856F54}" destId="{48E1AD6C-04E3-5047-8B6E-169C4DE6C0BD}" srcOrd="0" destOrd="0" presId="urn:microsoft.com/office/officeart/2005/8/layout/process1"/>
+    <dgm:cxn modelId="{4CBE26AE-37BC-EB4A-A9FB-CCA57C75737F}" type="presOf" srcId="{9F5FBEB5-0D91-6442-BAE6-3C8FE451890E}" destId="{942B2FD4-F953-1241-B452-E01505D35646}" srcOrd="0" destOrd="0" presId="urn:microsoft.com/office/officeart/2005/8/layout/process1"/>
     <dgm:cxn modelId="{83288D85-DC7F-8240-8739-38606E06B1EB}" type="presOf" srcId="{9E409708-FC7B-604D-AE00-C59A3BC6C774}" destId="{AC19049A-FF2E-864B-A995-C88CCE14464E}" srcOrd="0" destOrd="0" presId="urn:microsoft.com/office/officeart/2005/8/layout/process1"/>
-    <dgm:cxn modelId="{E9D68197-C1CA-8B49-8D4D-676507B04581}" type="presOf" srcId="{D96BFFC3-C37B-F740-8CDD-799CDA9C29AF}" destId="{61D01FBA-AE9A-8140-B034-5E107AF8B06D}" srcOrd="0" destOrd="0" presId="urn:microsoft.com/office/officeart/2005/8/layout/process1"/>
-    <dgm:cxn modelId="{4CBE26AE-37BC-EB4A-A9FB-CCA57C75737F}" type="presOf" srcId="{9F5FBEB5-0D91-6442-BAE6-3C8FE451890E}" destId="{942B2FD4-F953-1241-B452-E01505D35646}" srcOrd="0" destOrd="0" presId="urn:microsoft.com/office/officeart/2005/8/layout/process1"/>
-    <dgm:cxn modelId="{0B5C2FB2-34A3-FD4E-944C-B6AD6041D706}" type="presOf" srcId="{EE7B1B78-2CB7-C647-875E-937A240D7736}" destId="{30EAC814-8F64-D74A-9EBA-0CBC6BE058AA}" srcOrd="0" destOrd="0" presId="urn:microsoft.com/office/officeart/2005/8/layout/process1"/>
-    <dgm:cxn modelId="{E198D6D4-91AD-F643-8652-6843F8F235B1}" srcId="{82BD223D-4D97-664B-8FA2-F811E68132B9}" destId="{9E409708-FC7B-604D-AE00-C59A3BC6C774}" srcOrd="0" destOrd="0" parTransId="{AF54B174-D1EC-FF4E-9C8F-E68F41ABE717}" sibTransId="{EE7B1B78-2CB7-C647-875E-937A240D7736}"/>
-    <dgm:cxn modelId="{F0DD8BDB-048F-5445-A773-92BA998E4A49}" type="presOf" srcId="{54AAB197-8266-0B4E-83D2-C0A636856F54}" destId="{48E1AD6C-04E3-5047-8B6E-169C4DE6C0BD}" srcOrd="0" destOrd="0" presId="urn:microsoft.com/office/officeart/2005/8/layout/process1"/>
-    <dgm:cxn modelId="{2BCEAEFF-A9FB-5C48-85FF-B123F8BCA8D1}" srcId="{82BD223D-4D97-664B-8FA2-F811E68132B9}" destId="{54AAB197-8266-0B4E-83D2-C0A636856F54}" srcOrd="2" destOrd="0" parTransId="{5B1EBB87-FA02-2E4E-9C97-ED4DD0AE3921}" sibTransId="{EE6869A3-EE4E-D54B-B05E-1DD13DD15896}"/>
+    <dgm:cxn modelId="{9AD13F03-FA98-2546-A1F6-086D6D749FC5}" srcId="{82BD223D-4D97-664B-8FA2-F811E68132B9}" destId="{9F5FBEB5-0D91-6442-BAE6-3C8FE451890E}" srcOrd="1" destOrd="0" parTransId="{44185C10-A566-584D-8792-6F8CDA31CFEF}" sibTransId="{D96BFFC3-C37B-F740-8CDD-799CDA9C29AF}"/>
     <dgm:cxn modelId="{78543FD6-8257-884F-93D8-C543EE4956F6}" type="presParOf" srcId="{5C4E5A0B-1B12-EC4C-BCB7-F3E190AFE040}" destId="{AC19049A-FF2E-864B-A995-C88CCE14464E}" srcOrd="0" destOrd="0" presId="urn:microsoft.com/office/officeart/2005/8/layout/process1"/>
     <dgm:cxn modelId="{04F4235A-244F-8A46-9CD6-E8510748FBEA}" type="presParOf" srcId="{5C4E5A0B-1B12-EC4C-BCB7-F3E190AFE040}" destId="{30EAC814-8F64-D74A-9EBA-0CBC6BE058AA}" srcOrd="1" destOrd="0" presId="urn:microsoft.com/office/officeart/2005/8/layout/process1"/>
     <dgm:cxn modelId="{B1F1B014-CF98-3544-9AAB-1881CB2B9BAD}" type="presParOf" srcId="{30EAC814-8F64-D74A-9EBA-0CBC6BE058AA}" destId="{26BA574D-A9C9-D847-8AAF-A8F48018C2C1}" srcOrd="0" destOrd="0" presId="urn:microsoft.com/office/officeart/2005/8/layout/process1"/>
@@ -5022,14 +5071,35 @@
         </dgm:presLayoutVars>
       </dgm:prSet>
       <dgm:spPr/>
+      <dgm:t>
+        <a:bodyPr/>
+        <a:lstStyle/>
+        <a:p>
+          <a:endParaRPr lang="de-DE"/>
+        </a:p>
+      </dgm:t>
     </dgm:pt>
     <dgm:pt modelId="{30EAC814-8F64-D74A-9EBA-0CBC6BE058AA}" type="pres">
       <dgm:prSet presAssocID="{EE7B1B78-2CB7-C647-875E-937A240D7736}" presName="sibTrans" presStyleLbl="sibTrans2D1" presStyleIdx="0" presStyleCnt="2"/>
       <dgm:spPr/>
+      <dgm:t>
+        <a:bodyPr/>
+        <a:lstStyle/>
+        <a:p>
+          <a:endParaRPr lang="de-DE"/>
+        </a:p>
+      </dgm:t>
     </dgm:pt>
     <dgm:pt modelId="{26BA574D-A9C9-D847-8AAF-A8F48018C2C1}" type="pres">
       <dgm:prSet presAssocID="{EE7B1B78-2CB7-C647-875E-937A240D7736}" presName="connectorText" presStyleLbl="sibTrans2D1" presStyleIdx="0" presStyleCnt="2"/>
       <dgm:spPr/>
+      <dgm:t>
+        <a:bodyPr/>
+        <a:lstStyle/>
+        <a:p>
+          <a:endParaRPr lang="de-DE"/>
+        </a:p>
+      </dgm:t>
     </dgm:pt>
     <dgm:pt modelId="{942B2FD4-F953-1241-B452-E01505D35646}" type="pres">
       <dgm:prSet presAssocID="{9F5FBEB5-0D91-6442-BAE6-3C8FE451890E}" presName="node" presStyleLbl="node1" presStyleIdx="1" presStyleCnt="3">
@@ -5038,14 +5108,35 @@
         </dgm:presLayoutVars>
       </dgm:prSet>
       <dgm:spPr/>
+      <dgm:t>
+        <a:bodyPr/>
+        <a:lstStyle/>
+        <a:p>
+          <a:endParaRPr lang="de-DE"/>
+        </a:p>
+      </dgm:t>
     </dgm:pt>
     <dgm:pt modelId="{61D01FBA-AE9A-8140-B034-5E107AF8B06D}" type="pres">
       <dgm:prSet presAssocID="{D96BFFC3-C37B-F740-8CDD-799CDA9C29AF}" presName="sibTrans" presStyleLbl="sibTrans2D1" presStyleIdx="1" presStyleCnt="2"/>
       <dgm:spPr/>
+      <dgm:t>
+        <a:bodyPr/>
+        <a:lstStyle/>
+        <a:p>
+          <a:endParaRPr lang="de-DE"/>
+        </a:p>
+      </dgm:t>
     </dgm:pt>
     <dgm:pt modelId="{36003D2E-E2F1-4C4D-80A6-3A3280BC15B9}" type="pres">
       <dgm:prSet presAssocID="{D96BFFC3-C37B-F740-8CDD-799CDA9C29AF}" presName="connectorText" presStyleLbl="sibTrans2D1" presStyleIdx="1" presStyleCnt="2"/>
       <dgm:spPr/>
+      <dgm:t>
+        <a:bodyPr/>
+        <a:lstStyle/>
+        <a:p>
+          <a:endParaRPr lang="de-DE"/>
+        </a:p>
+      </dgm:t>
     </dgm:pt>
     <dgm:pt modelId="{48E1AD6C-04E3-5047-8B6E-169C4DE6C0BD}" type="pres">
       <dgm:prSet presAssocID="{54AAB197-8266-0B4E-83D2-C0A636856F54}" presName="node" presStyleLbl="node1" presStyleIdx="2" presStyleCnt="3">
@@ -5054,20 +5145,27 @@
         </dgm:presLayoutVars>
       </dgm:prSet>
       <dgm:spPr/>
+      <dgm:t>
+        <a:bodyPr/>
+        <a:lstStyle/>
+        <a:p>
+          <a:endParaRPr lang="de-DE"/>
+        </a:p>
+      </dgm:t>
     </dgm:pt>
   </dgm:ptLst>
   <dgm:cxnLst>
+    <dgm:cxn modelId="{2BCEAEFF-A9FB-5C48-85FF-B123F8BCA8D1}" srcId="{82BD223D-4D97-664B-8FA2-F811E68132B9}" destId="{54AAB197-8266-0B4E-83D2-C0A636856F54}" srcOrd="2" destOrd="0" parTransId="{5B1EBB87-FA02-2E4E-9C97-ED4DD0AE3921}" sibTransId="{EE6869A3-EE4E-D54B-B05E-1DD13DD15896}"/>
+    <dgm:cxn modelId="{69805F36-919C-904F-B7BA-6F556E7CE6A4}" type="presOf" srcId="{9F5FBEB5-0D91-6442-BAE6-3C8FE451890E}" destId="{942B2FD4-F953-1241-B452-E01505D35646}" srcOrd="0" destOrd="0" presId="urn:microsoft.com/office/officeart/2005/8/layout/process1"/>
+    <dgm:cxn modelId="{E198D6D4-91AD-F643-8652-6843F8F235B1}" srcId="{82BD223D-4D97-664B-8FA2-F811E68132B9}" destId="{9E409708-FC7B-604D-AE00-C59A3BC6C774}" srcOrd="0" destOrd="0" parTransId="{AF54B174-D1EC-FF4E-9C8F-E68F41ABE717}" sibTransId="{EE7B1B78-2CB7-C647-875E-937A240D7736}"/>
+    <dgm:cxn modelId="{2BEB67B7-48B3-FD4E-863C-14ADF2D587B2}" type="presOf" srcId="{9E409708-FC7B-604D-AE00-C59A3BC6C774}" destId="{AC19049A-FF2E-864B-A995-C88CCE14464E}" srcOrd="0" destOrd="0" presId="urn:microsoft.com/office/officeart/2005/8/layout/process1"/>
+    <dgm:cxn modelId="{415BE8A2-96CF-9F43-8B38-1AB3649795FE}" type="presOf" srcId="{EE7B1B78-2CB7-C647-875E-937A240D7736}" destId="{30EAC814-8F64-D74A-9EBA-0CBC6BE058AA}" srcOrd="0" destOrd="0" presId="urn:microsoft.com/office/officeart/2005/8/layout/process1"/>
+    <dgm:cxn modelId="{832028F2-2484-2347-9176-3AAC5BBBD59F}" type="presOf" srcId="{EE7B1B78-2CB7-C647-875E-937A240D7736}" destId="{26BA574D-A9C9-D847-8AAF-A8F48018C2C1}" srcOrd="1" destOrd="0" presId="urn:microsoft.com/office/officeart/2005/8/layout/process1"/>
+    <dgm:cxn modelId="{43C40EE3-4A95-6743-9906-8E96AD14C7FC}" type="presOf" srcId="{54AAB197-8266-0B4E-83D2-C0A636856F54}" destId="{48E1AD6C-04E3-5047-8B6E-169C4DE6C0BD}" srcOrd="0" destOrd="0" presId="urn:microsoft.com/office/officeart/2005/8/layout/process1"/>
+    <dgm:cxn modelId="{DC2960B5-B00C-4243-BDA1-BCD292550A07}" type="presOf" srcId="{D96BFFC3-C37B-F740-8CDD-799CDA9C29AF}" destId="{36003D2E-E2F1-4C4D-80A6-3A3280BC15B9}" srcOrd="1" destOrd="0" presId="urn:microsoft.com/office/officeart/2005/8/layout/process1"/>
+    <dgm:cxn modelId="{76F02889-CC7F-0F4E-93D0-368883CD7297}" type="presOf" srcId="{D96BFFC3-C37B-F740-8CDD-799CDA9C29AF}" destId="{61D01FBA-AE9A-8140-B034-5E107AF8B06D}" srcOrd="0" destOrd="0" presId="urn:microsoft.com/office/officeart/2005/8/layout/process1"/>
+    <dgm:cxn modelId="{3F0BBB61-DEB1-0D4B-8CE4-04D6A26FB54F}" type="presOf" srcId="{82BD223D-4D97-664B-8FA2-F811E68132B9}" destId="{5C4E5A0B-1B12-EC4C-BCB7-F3E190AFE040}" srcOrd="0" destOrd="0" presId="urn:microsoft.com/office/officeart/2005/8/layout/process1"/>
     <dgm:cxn modelId="{9AD13F03-FA98-2546-A1F6-086D6D749FC5}" srcId="{82BD223D-4D97-664B-8FA2-F811E68132B9}" destId="{9F5FBEB5-0D91-6442-BAE6-3C8FE451890E}" srcOrd="1" destOrd="0" parTransId="{44185C10-A566-584D-8792-6F8CDA31CFEF}" sibTransId="{D96BFFC3-C37B-F740-8CDD-799CDA9C29AF}"/>
-    <dgm:cxn modelId="{69805F36-919C-904F-B7BA-6F556E7CE6A4}" type="presOf" srcId="{9F5FBEB5-0D91-6442-BAE6-3C8FE451890E}" destId="{942B2FD4-F953-1241-B452-E01505D35646}" srcOrd="0" destOrd="0" presId="urn:microsoft.com/office/officeart/2005/8/layout/process1"/>
-    <dgm:cxn modelId="{3F0BBB61-DEB1-0D4B-8CE4-04D6A26FB54F}" type="presOf" srcId="{82BD223D-4D97-664B-8FA2-F811E68132B9}" destId="{5C4E5A0B-1B12-EC4C-BCB7-F3E190AFE040}" srcOrd="0" destOrd="0" presId="urn:microsoft.com/office/officeart/2005/8/layout/process1"/>
-    <dgm:cxn modelId="{76F02889-CC7F-0F4E-93D0-368883CD7297}" type="presOf" srcId="{D96BFFC3-C37B-F740-8CDD-799CDA9C29AF}" destId="{61D01FBA-AE9A-8140-B034-5E107AF8B06D}" srcOrd="0" destOrd="0" presId="urn:microsoft.com/office/officeart/2005/8/layout/process1"/>
-    <dgm:cxn modelId="{415BE8A2-96CF-9F43-8B38-1AB3649795FE}" type="presOf" srcId="{EE7B1B78-2CB7-C647-875E-937A240D7736}" destId="{30EAC814-8F64-D74A-9EBA-0CBC6BE058AA}" srcOrd="0" destOrd="0" presId="urn:microsoft.com/office/officeart/2005/8/layout/process1"/>
-    <dgm:cxn modelId="{DC2960B5-B00C-4243-BDA1-BCD292550A07}" type="presOf" srcId="{D96BFFC3-C37B-F740-8CDD-799CDA9C29AF}" destId="{36003D2E-E2F1-4C4D-80A6-3A3280BC15B9}" srcOrd="1" destOrd="0" presId="urn:microsoft.com/office/officeart/2005/8/layout/process1"/>
-    <dgm:cxn modelId="{2BEB67B7-48B3-FD4E-863C-14ADF2D587B2}" type="presOf" srcId="{9E409708-FC7B-604D-AE00-C59A3BC6C774}" destId="{AC19049A-FF2E-864B-A995-C88CCE14464E}" srcOrd="0" destOrd="0" presId="urn:microsoft.com/office/officeart/2005/8/layout/process1"/>
-    <dgm:cxn modelId="{E198D6D4-91AD-F643-8652-6843F8F235B1}" srcId="{82BD223D-4D97-664B-8FA2-F811E68132B9}" destId="{9E409708-FC7B-604D-AE00-C59A3BC6C774}" srcOrd="0" destOrd="0" parTransId="{AF54B174-D1EC-FF4E-9C8F-E68F41ABE717}" sibTransId="{EE7B1B78-2CB7-C647-875E-937A240D7736}"/>
-    <dgm:cxn modelId="{43C40EE3-4A95-6743-9906-8E96AD14C7FC}" type="presOf" srcId="{54AAB197-8266-0B4E-83D2-C0A636856F54}" destId="{48E1AD6C-04E3-5047-8B6E-169C4DE6C0BD}" srcOrd="0" destOrd="0" presId="urn:microsoft.com/office/officeart/2005/8/layout/process1"/>
-    <dgm:cxn modelId="{832028F2-2484-2347-9176-3AAC5BBBD59F}" type="presOf" srcId="{EE7B1B78-2CB7-C647-875E-937A240D7736}" destId="{26BA574D-A9C9-D847-8AAF-A8F48018C2C1}" srcOrd="1" destOrd="0" presId="urn:microsoft.com/office/officeart/2005/8/layout/process1"/>
-    <dgm:cxn modelId="{2BCEAEFF-A9FB-5C48-85FF-B123F8BCA8D1}" srcId="{82BD223D-4D97-664B-8FA2-F811E68132B9}" destId="{54AAB197-8266-0B4E-83D2-C0A636856F54}" srcOrd="2" destOrd="0" parTransId="{5B1EBB87-FA02-2E4E-9C97-ED4DD0AE3921}" sibTransId="{EE6869A3-EE4E-D54B-B05E-1DD13DD15896}"/>
     <dgm:cxn modelId="{3559C9F1-5C8F-354A-9E01-1DE9FF22BE2A}" type="presParOf" srcId="{5C4E5A0B-1B12-EC4C-BCB7-F3E190AFE040}" destId="{AC19049A-FF2E-864B-A995-C88CCE14464E}" srcOrd="0" destOrd="0" presId="urn:microsoft.com/office/officeart/2005/8/layout/process1"/>
     <dgm:cxn modelId="{9D5BD0CC-4547-7E44-835B-D74A13C1989F}" type="presParOf" srcId="{5C4E5A0B-1B12-EC4C-BCB7-F3E190AFE040}" destId="{30EAC814-8F64-D74A-9EBA-0CBC6BE058AA}" srcOrd="1" destOrd="0" presId="urn:microsoft.com/office/officeart/2005/8/layout/process1"/>
     <dgm:cxn modelId="{7FC1D771-BB8A-7742-9ADA-6471C3344A30}" type="presParOf" srcId="{30EAC814-8F64-D74A-9EBA-0CBC6BE058AA}" destId="{26BA574D-A9C9-D847-8AAF-A8F48018C2C1}" srcOrd="0" destOrd="0" presId="urn:microsoft.com/office/officeart/2005/8/layout/process1"/>
@@ -5318,14 +5416,35 @@
         </dgm:presLayoutVars>
       </dgm:prSet>
       <dgm:spPr/>
+      <dgm:t>
+        <a:bodyPr/>
+        <a:lstStyle/>
+        <a:p>
+          <a:endParaRPr lang="de-DE"/>
+        </a:p>
+      </dgm:t>
     </dgm:pt>
     <dgm:pt modelId="{30EAC814-8F64-D74A-9EBA-0CBC6BE058AA}" type="pres">
       <dgm:prSet presAssocID="{EE7B1B78-2CB7-C647-875E-937A240D7736}" presName="sibTrans" presStyleLbl="sibTrans2D1" presStyleIdx="0" presStyleCnt="4"/>
       <dgm:spPr/>
+      <dgm:t>
+        <a:bodyPr/>
+        <a:lstStyle/>
+        <a:p>
+          <a:endParaRPr lang="de-DE"/>
+        </a:p>
+      </dgm:t>
     </dgm:pt>
     <dgm:pt modelId="{26BA574D-A9C9-D847-8AAF-A8F48018C2C1}" type="pres">
       <dgm:prSet presAssocID="{EE7B1B78-2CB7-C647-875E-937A240D7736}" presName="connectorText" presStyleLbl="sibTrans2D1" presStyleIdx="0" presStyleCnt="4"/>
       <dgm:spPr/>
+      <dgm:t>
+        <a:bodyPr/>
+        <a:lstStyle/>
+        <a:p>
+          <a:endParaRPr lang="de-DE"/>
+        </a:p>
+      </dgm:t>
     </dgm:pt>
     <dgm:pt modelId="{942B2FD4-F953-1241-B452-E01505D35646}" type="pres">
       <dgm:prSet presAssocID="{9F5FBEB5-0D91-6442-BAE6-3C8FE451890E}" presName="node" presStyleLbl="node1" presStyleIdx="1" presStyleCnt="5">
@@ -5334,14 +5453,35 @@
         </dgm:presLayoutVars>
       </dgm:prSet>
       <dgm:spPr/>
+      <dgm:t>
+        <a:bodyPr/>
+        <a:lstStyle/>
+        <a:p>
+          <a:endParaRPr lang="de-DE"/>
+        </a:p>
+      </dgm:t>
     </dgm:pt>
     <dgm:pt modelId="{61D01FBA-AE9A-8140-B034-5E107AF8B06D}" type="pres">
       <dgm:prSet presAssocID="{D96BFFC3-C37B-F740-8CDD-799CDA9C29AF}" presName="sibTrans" presStyleLbl="sibTrans2D1" presStyleIdx="1" presStyleCnt="4"/>
       <dgm:spPr/>
+      <dgm:t>
+        <a:bodyPr/>
+        <a:lstStyle/>
+        <a:p>
+          <a:endParaRPr lang="de-DE"/>
+        </a:p>
+      </dgm:t>
     </dgm:pt>
     <dgm:pt modelId="{36003D2E-E2F1-4C4D-80A6-3A3280BC15B9}" type="pres">
       <dgm:prSet presAssocID="{D96BFFC3-C37B-F740-8CDD-799CDA9C29AF}" presName="connectorText" presStyleLbl="sibTrans2D1" presStyleIdx="1" presStyleCnt="4"/>
       <dgm:spPr/>
+      <dgm:t>
+        <a:bodyPr/>
+        <a:lstStyle/>
+        <a:p>
+          <a:endParaRPr lang="de-DE"/>
+        </a:p>
+      </dgm:t>
     </dgm:pt>
     <dgm:pt modelId="{48E1AD6C-04E3-5047-8B6E-169C4DE6C0BD}" type="pres">
       <dgm:prSet presAssocID="{54AAB197-8266-0B4E-83D2-C0A636856F54}" presName="node" presStyleLbl="node1" presStyleIdx="2" presStyleCnt="5">
@@ -5350,14 +5490,35 @@
         </dgm:presLayoutVars>
       </dgm:prSet>
       <dgm:spPr/>
+      <dgm:t>
+        <a:bodyPr/>
+        <a:lstStyle/>
+        <a:p>
+          <a:endParaRPr lang="de-DE"/>
+        </a:p>
+      </dgm:t>
     </dgm:pt>
     <dgm:pt modelId="{0AD4DF4A-E0D6-074E-8C5C-EC60A69D5CD5}" type="pres">
       <dgm:prSet presAssocID="{EE6869A3-EE4E-D54B-B05E-1DD13DD15896}" presName="sibTrans" presStyleLbl="sibTrans2D1" presStyleIdx="2" presStyleCnt="4"/>
       <dgm:spPr/>
+      <dgm:t>
+        <a:bodyPr/>
+        <a:lstStyle/>
+        <a:p>
+          <a:endParaRPr lang="de-DE"/>
+        </a:p>
+      </dgm:t>
     </dgm:pt>
     <dgm:pt modelId="{B2447F15-FA32-1347-AF28-173890CF07D0}" type="pres">
       <dgm:prSet presAssocID="{EE6869A3-EE4E-D54B-B05E-1DD13DD15896}" presName="connectorText" presStyleLbl="sibTrans2D1" presStyleIdx="2" presStyleCnt="4"/>
       <dgm:spPr/>
+      <dgm:t>
+        <a:bodyPr/>
+        <a:lstStyle/>
+        <a:p>
+          <a:endParaRPr lang="de-DE"/>
+        </a:p>
+      </dgm:t>
     </dgm:pt>
     <dgm:pt modelId="{C72C48AC-E55D-9140-B4CF-F284B256CE46}" type="pres">
       <dgm:prSet presAssocID="{31CB1F73-FDD4-4249-9ACC-6BAC469E2FBB}" presName="node" presStyleLbl="node1" presStyleIdx="3" presStyleCnt="5">
@@ -5366,14 +5527,35 @@
         </dgm:presLayoutVars>
       </dgm:prSet>
       <dgm:spPr/>
+      <dgm:t>
+        <a:bodyPr/>
+        <a:lstStyle/>
+        <a:p>
+          <a:endParaRPr lang="de-DE"/>
+        </a:p>
+      </dgm:t>
     </dgm:pt>
     <dgm:pt modelId="{C0778852-E178-8D45-B49B-75D931FC40CB}" type="pres">
       <dgm:prSet presAssocID="{730EE106-A639-0B49-A10D-12585A85B535}" presName="sibTrans" presStyleLbl="sibTrans2D1" presStyleIdx="3" presStyleCnt="4"/>
       <dgm:spPr/>
+      <dgm:t>
+        <a:bodyPr/>
+        <a:lstStyle/>
+        <a:p>
+          <a:endParaRPr lang="de-DE"/>
+        </a:p>
+      </dgm:t>
     </dgm:pt>
     <dgm:pt modelId="{5FE60D9B-3EEA-7F45-B860-500441313F74}" type="pres">
       <dgm:prSet presAssocID="{730EE106-A639-0B49-A10D-12585A85B535}" presName="connectorText" presStyleLbl="sibTrans2D1" presStyleIdx="3" presStyleCnt="4"/>
       <dgm:spPr/>
+      <dgm:t>
+        <a:bodyPr/>
+        <a:lstStyle/>
+        <a:p>
+          <a:endParaRPr lang="de-DE"/>
+        </a:p>
+      </dgm:t>
     </dgm:pt>
     <dgm:pt modelId="{CE1BF210-B0C1-0C45-B643-E2A51ACDB5A4}" type="pres">
       <dgm:prSet presAssocID="{4A355F56-BC59-D340-9D26-878E3214B76A}" presName="node" presStyleLbl="node1" presStyleIdx="4" presStyleCnt="5">
@@ -5382,28 +5564,35 @@
         </dgm:presLayoutVars>
       </dgm:prSet>
       <dgm:spPr/>
+      <dgm:t>
+        <a:bodyPr/>
+        <a:lstStyle/>
+        <a:p>
+          <a:endParaRPr lang="de-DE"/>
+        </a:p>
+      </dgm:t>
     </dgm:pt>
   </dgm:ptLst>
   <dgm:cxnLst>
-    <dgm:cxn modelId="{9AD13F03-FA98-2546-A1F6-086D6D749FC5}" srcId="{82BD223D-4D97-664B-8FA2-F811E68132B9}" destId="{9F5FBEB5-0D91-6442-BAE6-3C8FE451890E}" srcOrd="1" destOrd="0" parTransId="{44185C10-A566-584D-8792-6F8CDA31CFEF}" sibTransId="{D96BFFC3-C37B-F740-8CDD-799CDA9C29AF}"/>
-    <dgm:cxn modelId="{2802DF12-F683-B141-BE60-CB3DEEA1EEEC}" type="presOf" srcId="{D96BFFC3-C37B-F740-8CDD-799CDA9C29AF}" destId="{61D01FBA-AE9A-8140-B034-5E107AF8B06D}" srcOrd="0" destOrd="0" presId="urn:microsoft.com/office/officeart/2005/8/layout/process1"/>
+    <dgm:cxn modelId="{2BCEAEFF-A9FB-5C48-85FF-B123F8BCA8D1}" srcId="{82BD223D-4D97-664B-8FA2-F811E68132B9}" destId="{54AAB197-8266-0B4E-83D2-C0A636856F54}" srcOrd="2" destOrd="0" parTransId="{5B1EBB87-FA02-2E4E-9C97-ED4DD0AE3921}" sibTransId="{EE6869A3-EE4E-D54B-B05E-1DD13DD15896}"/>
+    <dgm:cxn modelId="{F07B818B-B6C5-E64E-A8AB-C17509C2C8BA}" srcId="{82BD223D-4D97-664B-8FA2-F811E68132B9}" destId="{4A355F56-BC59-D340-9D26-878E3214B76A}" srcOrd="4" destOrd="0" parTransId="{3ACC4126-0A33-B243-886D-FE1B29822403}" sibTransId="{5286A1E3-3A87-2849-91D5-6D2FFAC8FAA4}"/>
+    <dgm:cxn modelId="{E606397D-2620-B84D-BAE9-1F11829AFD46}" type="presOf" srcId="{EE6869A3-EE4E-D54B-B05E-1DD13DD15896}" destId="{0AD4DF4A-E0D6-074E-8C5C-EC60A69D5CD5}" srcOrd="0" destOrd="0" presId="urn:microsoft.com/office/officeart/2005/8/layout/process1"/>
+    <dgm:cxn modelId="{AB48EADB-57A3-7443-A755-307E8AD763F9}" type="presOf" srcId="{4A355F56-BC59-D340-9D26-878E3214B76A}" destId="{CE1BF210-B0C1-0C45-B643-E2A51ACDB5A4}" srcOrd="0" destOrd="0" presId="urn:microsoft.com/office/officeart/2005/8/layout/process1"/>
+    <dgm:cxn modelId="{E198D6D4-91AD-F643-8652-6843F8F235B1}" srcId="{82BD223D-4D97-664B-8FA2-F811E68132B9}" destId="{9E409708-FC7B-604D-AE00-C59A3BC6C774}" srcOrd="0" destOrd="0" parTransId="{AF54B174-D1EC-FF4E-9C8F-E68F41ABE717}" sibTransId="{EE7B1B78-2CB7-C647-875E-937A240D7736}"/>
+    <dgm:cxn modelId="{4E77594F-B6F3-3146-B27F-9CE80AE1F09A}" type="presOf" srcId="{730EE106-A639-0B49-A10D-12585A85B535}" destId="{C0778852-E178-8D45-B49B-75D931FC40CB}" srcOrd="0" destOrd="0" presId="urn:microsoft.com/office/officeart/2005/8/layout/process1"/>
+    <dgm:cxn modelId="{37CDF3F7-3279-8E46-A1EC-4783E3ACA65C}" type="presOf" srcId="{31CB1F73-FDD4-4249-9ACC-6BAC469E2FBB}" destId="{C72C48AC-E55D-9140-B4CF-F284B256CE46}" srcOrd="0" destOrd="0" presId="urn:microsoft.com/office/officeart/2005/8/layout/process1"/>
+    <dgm:cxn modelId="{A5F2F987-D69F-844E-83D1-BCC022A941D1}" type="presOf" srcId="{D96BFFC3-C37B-F740-8CDD-799CDA9C29AF}" destId="{36003D2E-E2F1-4C4D-80A6-3A3280BC15B9}" srcOrd="1" destOrd="0" presId="urn:microsoft.com/office/officeart/2005/8/layout/process1"/>
+    <dgm:cxn modelId="{1F493379-F789-6B4C-BA30-60D769F546F1}" type="presOf" srcId="{54AAB197-8266-0B4E-83D2-C0A636856F54}" destId="{48E1AD6C-04E3-5047-8B6E-169C4DE6C0BD}" srcOrd="0" destOrd="0" presId="urn:microsoft.com/office/officeart/2005/8/layout/process1"/>
     <dgm:cxn modelId="{1EB75F14-D39E-EB46-A1C2-3A1E91137228}" type="presOf" srcId="{82BD223D-4D97-664B-8FA2-F811E68132B9}" destId="{5C4E5A0B-1B12-EC4C-BCB7-F3E190AFE040}" srcOrd="0" destOrd="0" presId="urn:microsoft.com/office/officeart/2005/8/layout/process1"/>
-    <dgm:cxn modelId="{7DAFAF27-675B-BF4E-9067-F3219584E4C2}" type="presOf" srcId="{9F5FBEB5-0D91-6442-BAE6-3C8FE451890E}" destId="{942B2FD4-F953-1241-B452-E01505D35646}" srcOrd="0" destOrd="0" presId="urn:microsoft.com/office/officeart/2005/8/layout/process1"/>
-    <dgm:cxn modelId="{4E77594F-B6F3-3146-B27F-9CE80AE1F09A}" type="presOf" srcId="{730EE106-A639-0B49-A10D-12585A85B535}" destId="{C0778852-E178-8D45-B49B-75D931FC40CB}" srcOrd="0" destOrd="0" presId="urn:microsoft.com/office/officeart/2005/8/layout/process1"/>
-    <dgm:cxn modelId="{1F493379-F789-6B4C-BA30-60D769F546F1}" type="presOf" srcId="{54AAB197-8266-0B4E-83D2-C0A636856F54}" destId="{48E1AD6C-04E3-5047-8B6E-169C4DE6C0BD}" srcOrd="0" destOrd="0" presId="urn:microsoft.com/office/officeart/2005/8/layout/process1"/>
-    <dgm:cxn modelId="{2E32F27B-67BC-BF47-9CDB-8C9FF1808A3A}" type="presOf" srcId="{EE7B1B78-2CB7-C647-875E-937A240D7736}" destId="{30EAC814-8F64-D74A-9EBA-0CBC6BE058AA}" srcOrd="0" destOrd="0" presId="urn:microsoft.com/office/officeart/2005/8/layout/process1"/>
-    <dgm:cxn modelId="{E606397D-2620-B84D-BAE9-1F11829AFD46}" type="presOf" srcId="{EE6869A3-EE4E-D54B-B05E-1DD13DD15896}" destId="{0AD4DF4A-E0D6-074E-8C5C-EC60A69D5CD5}" srcOrd="0" destOrd="0" presId="urn:microsoft.com/office/officeart/2005/8/layout/process1"/>
-    <dgm:cxn modelId="{A5F2F987-D69F-844E-83D1-BCC022A941D1}" type="presOf" srcId="{D96BFFC3-C37B-F740-8CDD-799CDA9C29AF}" destId="{36003D2E-E2F1-4C4D-80A6-3A3280BC15B9}" srcOrd="1" destOrd="0" presId="urn:microsoft.com/office/officeart/2005/8/layout/process1"/>
-    <dgm:cxn modelId="{F07B818B-B6C5-E64E-A8AB-C17509C2C8BA}" srcId="{82BD223D-4D97-664B-8FA2-F811E68132B9}" destId="{4A355F56-BC59-D340-9D26-878E3214B76A}" srcOrd="4" destOrd="0" parTransId="{3ACC4126-0A33-B243-886D-FE1B29822403}" sibTransId="{5286A1E3-3A87-2849-91D5-6D2FFAC8FAA4}"/>
     <dgm:cxn modelId="{62536BAF-6EA3-584E-A5F7-24EF17C15217}" srcId="{82BD223D-4D97-664B-8FA2-F811E68132B9}" destId="{31CB1F73-FDD4-4249-9ACC-6BAC469E2FBB}" srcOrd="3" destOrd="0" parTransId="{70D48A33-06DE-D04C-B220-2420D7BB86CF}" sibTransId="{730EE106-A639-0B49-A10D-12585A85B535}"/>
     <dgm:cxn modelId="{FD07EFB2-B072-F843-9F0D-D3FEBBCC6891}" type="presOf" srcId="{9E409708-FC7B-604D-AE00-C59A3BC6C774}" destId="{AC19049A-FF2E-864B-A995-C88CCE14464E}" srcOrd="0" destOrd="0" presId="urn:microsoft.com/office/officeart/2005/8/layout/process1"/>
     <dgm:cxn modelId="{E760BEC1-6B4E-AF41-85DE-E4F285D35B6B}" type="presOf" srcId="{EE6869A3-EE4E-D54B-B05E-1DD13DD15896}" destId="{B2447F15-FA32-1347-AF28-173890CF07D0}" srcOrd="1" destOrd="0" presId="urn:microsoft.com/office/officeart/2005/8/layout/process1"/>
+    <dgm:cxn modelId="{2E32F27B-67BC-BF47-9CDB-8C9FF1808A3A}" type="presOf" srcId="{EE7B1B78-2CB7-C647-875E-937A240D7736}" destId="{30EAC814-8F64-D74A-9EBA-0CBC6BE058AA}" srcOrd="0" destOrd="0" presId="urn:microsoft.com/office/officeart/2005/8/layout/process1"/>
+    <dgm:cxn modelId="{7341F2E6-127A-4E44-A259-6B1AACD4487E}" type="presOf" srcId="{EE7B1B78-2CB7-C647-875E-937A240D7736}" destId="{26BA574D-A9C9-D847-8AAF-A8F48018C2C1}" srcOrd="1" destOrd="0" presId="urn:microsoft.com/office/officeart/2005/8/layout/process1"/>
+    <dgm:cxn modelId="{7DAFAF27-675B-BF4E-9067-F3219584E4C2}" type="presOf" srcId="{9F5FBEB5-0D91-6442-BAE6-3C8FE451890E}" destId="{942B2FD4-F953-1241-B452-E01505D35646}" srcOrd="0" destOrd="0" presId="urn:microsoft.com/office/officeart/2005/8/layout/process1"/>
+    <dgm:cxn modelId="{2802DF12-F683-B141-BE60-CB3DEEA1EEEC}" type="presOf" srcId="{D96BFFC3-C37B-F740-8CDD-799CDA9C29AF}" destId="{61D01FBA-AE9A-8140-B034-5E107AF8B06D}" srcOrd="0" destOrd="0" presId="urn:microsoft.com/office/officeart/2005/8/layout/process1"/>
     <dgm:cxn modelId="{08210ACA-5EE5-7840-AEB6-FA93404CA335}" type="presOf" srcId="{730EE106-A639-0B49-A10D-12585A85B535}" destId="{5FE60D9B-3EEA-7F45-B860-500441313F74}" srcOrd="1" destOrd="0" presId="urn:microsoft.com/office/officeart/2005/8/layout/process1"/>
-    <dgm:cxn modelId="{E198D6D4-91AD-F643-8652-6843F8F235B1}" srcId="{82BD223D-4D97-664B-8FA2-F811E68132B9}" destId="{9E409708-FC7B-604D-AE00-C59A3BC6C774}" srcOrd="0" destOrd="0" parTransId="{AF54B174-D1EC-FF4E-9C8F-E68F41ABE717}" sibTransId="{EE7B1B78-2CB7-C647-875E-937A240D7736}"/>
-    <dgm:cxn modelId="{AB48EADB-57A3-7443-A755-307E8AD763F9}" type="presOf" srcId="{4A355F56-BC59-D340-9D26-878E3214B76A}" destId="{CE1BF210-B0C1-0C45-B643-E2A51ACDB5A4}" srcOrd="0" destOrd="0" presId="urn:microsoft.com/office/officeart/2005/8/layout/process1"/>
-    <dgm:cxn modelId="{7341F2E6-127A-4E44-A259-6B1AACD4487E}" type="presOf" srcId="{EE7B1B78-2CB7-C647-875E-937A240D7736}" destId="{26BA574D-A9C9-D847-8AAF-A8F48018C2C1}" srcOrd="1" destOrd="0" presId="urn:microsoft.com/office/officeart/2005/8/layout/process1"/>
-    <dgm:cxn modelId="{37CDF3F7-3279-8E46-A1EC-4783E3ACA65C}" type="presOf" srcId="{31CB1F73-FDD4-4249-9ACC-6BAC469E2FBB}" destId="{C72C48AC-E55D-9140-B4CF-F284B256CE46}" srcOrd="0" destOrd="0" presId="urn:microsoft.com/office/officeart/2005/8/layout/process1"/>
-    <dgm:cxn modelId="{2BCEAEFF-A9FB-5C48-85FF-B123F8BCA8D1}" srcId="{82BD223D-4D97-664B-8FA2-F811E68132B9}" destId="{54AAB197-8266-0B4E-83D2-C0A636856F54}" srcOrd="2" destOrd="0" parTransId="{5B1EBB87-FA02-2E4E-9C97-ED4DD0AE3921}" sibTransId="{EE6869A3-EE4E-D54B-B05E-1DD13DD15896}"/>
+    <dgm:cxn modelId="{9AD13F03-FA98-2546-A1F6-086D6D749FC5}" srcId="{82BD223D-4D97-664B-8FA2-F811E68132B9}" destId="{9F5FBEB5-0D91-6442-BAE6-3C8FE451890E}" srcOrd="1" destOrd="0" parTransId="{44185C10-A566-584D-8792-6F8CDA31CFEF}" sibTransId="{D96BFFC3-C37B-F740-8CDD-799CDA9C29AF}"/>
     <dgm:cxn modelId="{EC929195-EDB4-0841-8BFE-8E2AC6860829}" type="presParOf" srcId="{5C4E5A0B-1B12-EC4C-BCB7-F3E190AFE040}" destId="{AC19049A-FF2E-864B-A995-C88CCE14464E}" srcOrd="0" destOrd="0" presId="urn:microsoft.com/office/officeart/2005/8/layout/process1"/>
     <dgm:cxn modelId="{221F53CB-23B7-EC4F-825F-359AD86AB9A7}" type="presParOf" srcId="{5C4E5A0B-1B12-EC4C-BCB7-F3E190AFE040}" destId="{30EAC814-8F64-D74A-9EBA-0CBC6BE058AA}" srcOrd="1" destOrd="0" presId="urn:microsoft.com/office/officeart/2005/8/layout/process1"/>
     <dgm:cxn modelId="{636D27AA-FF62-BE45-9CDC-1D55EB2DC1D7}" type="presParOf" srcId="{30EAC814-8F64-D74A-9EBA-0CBC6BE058AA}" destId="{26BA574D-A9C9-D847-8AAF-A8F48018C2C1}" srcOrd="0" destOrd="0" presId="urn:microsoft.com/office/officeart/2005/8/layout/process1"/>
@@ -5596,14 +5785,35 @@
         </dgm:presLayoutVars>
       </dgm:prSet>
       <dgm:spPr/>
+      <dgm:t>
+        <a:bodyPr/>
+        <a:lstStyle/>
+        <a:p>
+          <a:endParaRPr lang="de-DE"/>
+        </a:p>
+      </dgm:t>
     </dgm:pt>
     <dgm:pt modelId="{30EAC814-8F64-D74A-9EBA-0CBC6BE058AA}" type="pres">
       <dgm:prSet presAssocID="{EE7B1B78-2CB7-C647-875E-937A240D7736}" presName="sibTrans" presStyleLbl="sibTrans2D1" presStyleIdx="0" presStyleCnt="3"/>
       <dgm:spPr/>
+      <dgm:t>
+        <a:bodyPr/>
+        <a:lstStyle/>
+        <a:p>
+          <a:endParaRPr lang="de-DE"/>
+        </a:p>
+      </dgm:t>
     </dgm:pt>
     <dgm:pt modelId="{26BA574D-A9C9-D847-8AAF-A8F48018C2C1}" type="pres">
       <dgm:prSet presAssocID="{EE7B1B78-2CB7-C647-875E-937A240D7736}" presName="connectorText" presStyleLbl="sibTrans2D1" presStyleIdx="0" presStyleCnt="3"/>
       <dgm:spPr/>
+      <dgm:t>
+        <a:bodyPr/>
+        <a:lstStyle/>
+        <a:p>
+          <a:endParaRPr lang="de-DE"/>
+        </a:p>
+      </dgm:t>
     </dgm:pt>
     <dgm:pt modelId="{942B2FD4-F953-1241-B452-E01505D35646}" type="pres">
       <dgm:prSet presAssocID="{9F5FBEB5-0D91-6442-BAE6-3C8FE451890E}" presName="node" presStyleLbl="node1" presStyleIdx="1" presStyleCnt="4">
@@ -5612,14 +5822,35 @@
         </dgm:presLayoutVars>
       </dgm:prSet>
       <dgm:spPr/>
+      <dgm:t>
+        <a:bodyPr/>
+        <a:lstStyle/>
+        <a:p>
+          <a:endParaRPr lang="de-DE"/>
+        </a:p>
+      </dgm:t>
     </dgm:pt>
     <dgm:pt modelId="{61D01FBA-AE9A-8140-B034-5E107AF8B06D}" type="pres">
       <dgm:prSet presAssocID="{D96BFFC3-C37B-F740-8CDD-799CDA9C29AF}" presName="sibTrans" presStyleLbl="sibTrans2D1" presStyleIdx="1" presStyleCnt="3"/>
       <dgm:spPr/>
+      <dgm:t>
+        <a:bodyPr/>
+        <a:lstStyle/>
+        <a:p>
+          <a:endParaRPr lang="de-DE"/>
+        </a:p>
+      </dgm:t>
     </dgm:pt>
     <dgm:pt modelId="{36003D2E-E2F1-4C4D-80A6-3A3280BC15B9}" type="pres">
       <dgm:prSet presAssocID="{D96BFFC3-C37B-F740-8CDD-799CDA9C29AF}" presName="connectorText" presStyleLbl="sibTrans2D1" presStyleIdx="1" presStyleCnt="3"/>
       <dgm:spPr/>
+      <dgm:t>
+        <a:bodyPr/>
+        <a:lstStyle/>
+        <a:p>
+          <a:endParaRPr lang="de-DE"/>
+        </a:p>
+      </dgm:t>
     </dgm:pt>
     <dgm:pt modelId="{2D682FDA-6E7F-4A43-8A70-4A764CE24742}" type="pres">
       <dgm:prSet presAssocID="{D485B35D-896C-DA49-AEA4-E274D4DDB368}" presName="node" presStyleLbl="node1" presStyleIdx="2" presStyleCnt="4">
@@ -5628,14 +5859,35 @@
         </dgm:presLayoutVars>
       </dgm:prSet>
       <dgm:spPr/>
+      <dgm:t>
+        <a:bodyPr/>
+        <a:lstStyle/>
+        <a:p>
+          <a:endParaRPr lang="de-DE"/>
+        </a:p>
+      </dgm:t>
     </dgm:pt>
     <dgm:pt modelId="{78019554-895E-1248-B21B-5CD6309654E4}" type="pres">
       <dgm:prSet presAssocID="{98D865C2-7249-0546-A289-4BA2617820E6}" presName="sibTrans" presStyleLbl="sibTrans2D1" presStyleIdx="2" presStyleCnt="3"/>
       <dgm:spPr/>
+      <dgm:t>
+        <a:bodyPr/>
+        <a:lstStyle/>
+        <a:p>
+          <a:endParaRPr lang="de-DE"/>
+        </a:p>
+      </dgm:t>
     </dgm:pt>
     <dgm:pt modelId="{17A53E92-4269-D049-A101-E669C1A6D0BA}" type="pres">
       <dgm:prSet presAssocID="{98D865C2-7249-0546-A289-4BA2617820E6}" presName="connectorText" presStyleLbl="sibTrans2D1" presStyleIdx="2" presStyleCnt="3"/>
       <dgm:spPr/>
+      <dgm:t>
+        <a:bodyPr/>
+        <a:lstStyle/>
+        <a:p>
+          <a:endParaRPr lang="de-DE"/>
+        </a:p>
+      </dgm:t>
     </dgm:pt>
     <dgm:pt modelId="{48E1AD6C-04E3-5047-8B6E-169C4DE6C0BD}" type="pres">
       <dgm:prSet presAssocID="{54AAB197-8266-0B4E-83D2-C0A636856F54}" presName="node" presStyleLbl="node1" presStyleIdx="3" presStyleCnt="4">
@@ -5644,24 +5896,31 @@
         </dgm:presLayoutVars>
       </dgm:prSet>
       <dgm:spPr/>
+      <dgm:t>
+        <a:bodyPr/>
+        <a:lstStyle/>
+        <a:p>
+          <a:endParaRPr lang="de-DE"/>
+        </a:p>
+      </dgm:t>
     </dgm:pt>
   </dgm:ptLst>
   <dgm:cxnLst>
+    <dgm:cxn modelId="{2BCEAEFF-A9FB-5C48-85FF-B123F8BCA8D1}" srcId="{82BD223D-4D97-664B-8FA2-F811E68132B9}" destId="{54AAB197-8266-0B4E-83D2-C0A636856F54}" srcOrd="3" destOrd="0" parTransId="{5B1EBB87-FA02-2E4E-9C97-ED4DD0AE3921}" sibTransId="{EE6869A3-EE4E-D54B-B05E-1DD13DD15896}"/>
+    <dgm:cxn modelId="{81C7B384-6DE4-594F-B553-60CE583DD7A1}" srcId="{82BD223D-4D97-664B-8FA2-F811E68132B9}" destId="{D485B35D-896C-DA49-AEA4-E274D4DDB368}" srcOrd="2" destOrd="0" parTransId="{F00B634A-EC19-AB43-9C55-25F6154F2E01}" sibTransId="{98D865C2-7249-0546-A289-4BA2617820E6}"/>
+    <dgm:cxn modelId="{E198D6D4-91AD-F643-8652-6843F8F235B1}" srcId="{82BD223D-4D97-664B-8FA2-F811E68132B9}" destId="{9E409708-FC7B-604D-AE00-C59A3BC6C774}" srcOrd="0" destOrd="0" parTransId="{AF54B174-D1EC-FF4E-9C8F-E68F41ABE717}" sibTransId="{EE7B1B78-2CB7-C647-875E-937A240D7736}"/>
+    <dgm:cxn modelId="{626BC39B-8003-7848-BACF-4013CF507C46}" type="presOf" srcId="{EE7B1B78-2CB7-C647-875E-937A240D7736}" destId="{30EAC814-8F64-D74A-9EBA-0CBC6BE058AA}" srcOrd="0" destOrd="0" presId="urn:microsoft.com/office/officeart/2005/8/layout/process1"/>
+    <dgm:cxn modelId="{4D13A3EA-2847-3646-8608-9827840068A1}" type="presOf" srcId="{98D865C2-7249-0546-A289-4BA2617820E6}" destId="{17A53E92-4269-D049-A101-E669C1A6D0BA}" srcOrd="1" destOrd="0" presId="urn:microsoft.com/office/officeart/2005/8/layout/process1"/>
     <dgm:cxn modelId="{F4B23D00-6711-944D-8D20-31EE18CD607F}" type="presOf" srcId="{98D865C2-7249-0546-A289-4BA2617820E6}" destId="{78019554-895E-1248-B21B-5CD6309654E4}" srcOrd="0" destOrd="0" presId="urn:microsoft.com/office/officeart/2005/8/layout/process1"/>
+    <dgm:cxn modelId="{E2308D9B-C318-7A47-BD25-D5AD8211465F}" type="presOf" srcId="{D96BFFC3-C37B-F740-8CDD-799CDA9C29AF}" destId="{61D01FBA-AE9A-8140-B034-5E107AF8B06D}" srcOrd="0" destOrd="0" presId="urn:microsoft.com/office/officeart/2005/8/layout/process1"/>
+    <dgm:cxn modelId="{EC73EC4B-5CB1-C747-BBCA-53FD4000BA85}" type="presOf" srcId="{54AAB197-8266-0B4E-83D2-C0A636856F54}" destId="{48E1AD6C-04E3-5047-8B6E-169C4DE6C0BD}" srcOrd="0" destOrd="0" presId="urn:microsoft.com/office/officeart/2005/8/layout/process1"/>
+    <dgm:cxn modelId="{09218870-4562-3746-B611-E3A55E4B78FA}" type="presOf" srcId="{9F5FBEB5-0D91-6442-BAE6-3C8FE451890E}" destId="{942B2FD4-F953-1241-B452-E01505D35646}" srcOrd="0" destOrd="0" presId="urn:microsoft.com/office/officeart/2005/8/layout/process1"/>
+    <dgm:cxn modelId="{6B2B184E-1680-4244-8570-78F51F565DE1}" type="presOf" srcId="{9E409708-FC7B-604D-AE00-C59A3BC6C774}" destId="{AC19049A-FF2E-864B-A995-C88CCE14464E}" srcOrd="0" destOrd="0" presId="urn:microsoft.com/office/officeart/2005/8/layout/process1"/>
+    <dgm:cxn modelId="{2563B04A-08A4-A648-8EF7-123C712C2CD0}" type="presOf" srcId="{D96BFFC3-C37B-F740-8CDD-799CDA9C29AF}" destId="{36003D2E-E2F1-4C4D-80A6-3A3280BC15B9}" srcOrd="1" destOrd="0" presId="urn:microsoft.com/office/officeart/2005/8/layout/process1"/>
+    <dgm:cxn modelId="{5365C2D6-3123-7B47-B212-501916D3CA42}" type="presOf" srcId="{82BD223D-4D97-664B-8FA2-F811E68132B9}" destId="{5C4E5A0B-1B12-EC4C-BCB7-F3E190AFE040}" srcOrd="0" destOrd="0" presId="urn:microsoft.com/office/officeart/2005/8/layout/process1"/>
     <dgm:cxn modelId="{9AD13F03-FA98-2546-A1F6-086D6D749FC5}" srcId="{82BD223D-4D97-664B-8FA2-F811E68132B9}" destId="{9F5FBEB5-0D91-6442-BAE6-3C8FE451890E}" srcOrd="1" destOrd="0" parTransId="{44185C10-A566-584D-8792-6F8CDA31CFEF}" sibTransId="{D96BFFC3-C37B-F740-8CDD-799CDA9C29AF}"/>
-    <dgm:cxn modelId="{2563B04A-08A4-A648-8EF7-123C712C2CD0}" type="presOf" srcId="{D96BFFC3-C37B-F740-8CDD-799CDA9C29AF}" destId="{36003D2E-E2F1-4C4D-80A6-3A3280BC15B9}" srcOrd="1" destOrd="0" presId="urn:microsoft.com/office/officeart/2005/8/layout/process1"/>
-    <dgm:cxn modelId="{EC73EC4B-5CB1-C747-BBCA-53FD4000BA85}" type="presOf" srcId="{54AAB197-8266-0B4E-83D2-C0A636856F54}" destId="{48E1AD6C-04E3-5047-8B6E-169C4DE6C0BD}" srcOrd="0" destOrd="0" presId="urn:microsoft.com/office/officeart/2005/8/layout/process1"/>
-    <dgm:cxn modelId="{6B2B184E-1680-4244-8570-78F51F565DE1}" type="presOf" srcId="{9E409708-FC7B-604D-AE00-C59A3BC6C774}" destId="{AC19049A-FF2E-864B-A995-C88CCE14464E}" srcOrd="0" destOrd="0" presId="urn:microsoft.com/office/officeart/2005/8/layout/process1"/>
-    <dgm:cxn modelId="{09218870-4562-3746-B611-E3A55E4B78FA}" type="presOf" srcId="{9F5FBEB5-0D91-6442-BAE6-3C8FE451890E}" destId="{942B2FD4-F953-1241-B452-E01505D35646}" srcOrd="0" destOrd="0" presId="urn:microsoft.com/office/officeart/2005/8/layout/process1"/>
-    <dgm:cxn modelId="{81C7B384-6DE4-594F-B553-60CE583DD7A1}" srcId="{82BD223D-4D97-664B-8FA2-F811E68132B9}" destId="{D485B35D-896C-DA49-AEA4-E274D4DDB368}" srcOrd="2" destOrd="0" parTransId="{F00B634A-EC19-AB43-9C55-25F6154F2E01}" sibTransId="{98D865C2-7249-0546-A289-4BA2617820E6}"/>
+    <dgm:cxn modelId="{ECF68DED-B918-1A4D-B28F-3EC8D3653DF8}" type="presOf" srcId="{D485B35D-896C-DA49-AEA4-E274D4DDB368}" destId="{2D682FDA-6E7F-4A43-8A70-4A764CE24742}" srcOrd="0" destOrd="0" presId="urn:microsoft.com/office/officeart/2005/8/layout/process1"/>
     <dgm:cxn modelId="{7DB42488-BE7C-3344-BA7C-7137057D492C}" type="presOf" srcId="{EE7B1B78-2CB7-C647-875E-937A240D7736}" destId="{26BA574D-A9C9-D847-8AAF-A8F48018C2C1}" srcOrd="1" destOrd="0" presId="urn:microsoft.com/office/officeart/2005/8/layout/process1"/>
-    <dgm:cxn modelId="{E2308D9B-C318-7A47-BD25-D5AD8211465F}" type="presOf" srcId="{D96BFFC3-C37B-F740-8CDD-799CDA9C29AF}" destId="{61D01FBA-AE9A-8140-B034-5E107AF8B06D}" srcOrd="0" destOrd="0" presId="urn:microsoft.com/office/officeart/2005/8/layout/process1"/>
-    <dgm:cxn modelId="{626BC39B-8003-7848-BACF-4013CF507C46}" type="presOf" srcId="{EE7B1B78-2CB7-C647-875E-937A240D7736}" destId="{30EAC814-8F64-D74A-9EBA-0CBC6BE058AA}" srcOrd="0" destOrd="0" presId="urn:microsoft.com/office/officeart/2005/8/layout/process1"/>
-    <dgm:cxn modelId="{E198D6D4-91AD-F643-8652-6843F8F235B1}" srcId="{82BD223D-4D97-664B-8FA2-F811E68132B9}" destId="{9E409708-FC7B-604D-AE00-C59A3BC6C774}" srcOrd="0" destOrd="0" parTransId="{AF54B174-D1EC-FF4E-9C8F-E68F41ABE717}" sibTransId="{EE7B1B78-2CB7-C647-875E-937A240D7736}"/>
-    <dgm:cxn modelId="{5365C2D6-3123-7B47-B212-501916D3CA42}" type="presOf" srcId="{82BD223D-4D97-664B-8FA2-F811E68132B9}" destId="{5C4E5A0B-1B12-EC4C-BCB7-F3E190AFE040}" srcOrd="0" destOrd="0" presId="urn:microsoft.com/office/officeart/2005/8/layout/process1"/>
-    <dgm:cxn modelId="{4D13A3EA-2847-3646-8608-9827840068A1}" type="presOf" srcId="{98D865C2-7249-0546-A289-4BA2617820E6}" destId="{17A53E92-4269-D049-A101-E669C1A6D0BA}" srcOrd="1" destOrd="0" presId="urn:microsoft.com/office/officeart/2005/8/layout/process1"/>
-    <dgm:cxn modelId="{ECF68DED-B918-1A4D-B28F-3EC8D3653DF8}" type="presOf" srcId="{D485B35D-896C-DA49-AEA4-E274D4DDB368}" destId="{2D682FDA-6E7F-4A43-8A70-4A764CE24742}" srcOrd="0" destOrd="0" presId="urn:microsoft.com/office/officeart/2005/8/layout/process1"/>
-    <dgm:cxn modelId="{2BCEAEFF-A9FB-5C48-85FF-B123F8BCA8D1}" srcId="{82BD223D-4D97-664B-8FA2-F811E68132B9}" destId="{54AAB197-8266-0B4E-83D2-C0A636856F54}" srcOrd="3" destOrd="0" parTransId="{5B1EBB87-FA02-2E4E-9C97-ED4DD0AE3921}" sibTransId="{EE6869A3-EE4E-D54B-B05E-1DD13DD15896}"/>
     <dgm:cxn modelId="{653116DA-45E0-F740-85EC-9A8B6796BB0F}" type="presParOf" srcId="{5C4E5A0B-1B12-EC4C-BCB7-F3E190AFE040}" destId="{AC19049A-FF2E-864B-A995-C88CCE14464E}" srcOrd="0" destOrd="0" presId="urn:microsoft.com/office/officeart/2005/8/layout/process1"/>
     <dgm:cxn modelId="{4B1C97D8-10DC-0D40-BBE1-E24628D2442F}" type="presParOf" srcId="{5C4E5A0B-1B12-EC4C-BCB7-F3E190AFE040}" destId="{30EAC814-8F64-D74A-9EBA-0CBC6BE058AA}" srcOrd="1" destOrd="0" presId="urn:microsoft.com/office/officeart/2005/8/layout/process1"/>
     <dgm:cxn modelId="{F41F64AF-4C2E-3E47-A2ED-EE018ED6D450}" type="presParOf" srcId="{30EAC814-8F64-D74A-9EBA-0CBC6BE058AA}" destId="{26BA574D-A9C9-D847-8AAF-A8F48018C2C1}" srcOrd="0" destOrd="0" presId="urn:microsoft.com/office/officeart/2005/8/layout/process1"/>
@@ -5778,14 +6037,35 @@
         </dgm:presLayoutVars>
       </dgm:prSet>
       <dgm:spPr/>
+      <dgm:t>
+        <a:bodyPr/>
+        <a:lstStyle/>
+        <a:p>
+          <a:endParaRPr lang="de-DE"/>
+        </a:p>
+      </dgm:t>
     </dgm:pt>
     <dgm:pt modelId="{30EAC814-8F64-D74A-9EBA-0CBC6BE058AA}" type="pres">
       <dgm:prSet presAssocID="{EE7B1B78-2CB7-C647-875E-937A240D7736}" presName="sibTrans" presStyleLbl="sibTrans2D1" presStyleIdx="0" presStyleCnt="1"/>
       <dgm:spPr/>
+      <dgm:t>
+        <a:bodyPr/>
+        <a:lstStyle/>
+        <a:p>
+          <a:endParaRPr lang="de-DE"/>
+        </a:p>
+      </dgm:t>
     </dgm:pt>
     <dgm:pt modelId="{26BA574D-A9C9-D847-8AAF-A8F48018C2C1}" type="pres">
       <dgm:prSet presAssocID="{EE7B1B78-2CB7-C647-875E-937A240D7736}" presName="connectorText" presStyleLbl="sibTrans2D1" presStyleIdx="0" presStyleCnt="1"/>
       <dgm:spPr/>
+      <dgm:t>
+        <a:bodyPr/>
+        <a:lstStyle/>
+        <a:p>
+          <a:endParaRPr lang="de-DE"/>
+        </a:p>
+      </dgm:t>
     </dgm:pt>
     <dgm:pt modelId="{F3798565-47D6-9C41-8AE7-D9D9868DAAE8}" type="pres">
       <dgm:prSet presAssocID="{71D68F48-EF39-0D4B-9727-81BBE7C36DFA}" presName="node" presStyleLbl="node1" presStyleIdx="1" presStyleCnt="2">
@@ -5794,16 +6074,23 @@
         </dgm:presLayoutVars>
       </dgm:prSet>
       <dgm:spPr/>
+      <dgm:t>
+        <a:bodyPr/>
+        <a:lstStyle/>
+        <a:p>
+          <a:endParaRPr lang="de-DE"/>
+        </a:p>
+      </dgm:t>
     </dgm:pt>
   </dgm:ptLst>
   <dgm:cxnLst>
-    <dgm:cxn modelId="{C1FB551E-AA5C-5F42-992A-765D9395B3F3}" type="presOf" srcId="{71D68F48-EF39-0D4B-9727-81BBE7C36DFA}" destId="{F3798565-47D6-9C41-8AE7-D9D9868DAAE8}" srcOrd="0" destOrd="0" presId="urn:microsoft.com/office/officeart/2005/8/layout/process1"/>
+    <dgm:cxn modelId="{3BD5FD7F-ACAD-2444-B596-B7307DC983E4}" type="presOf" srcId="{EE7B1B78-2CB7-C647-875E-937A240D7736}" destId="{30EAC814-8F64-D74A-9EBA-0CBC6BE058AA}" srcOrd="0" destOrd="0" presId="urn:microsoft.com/office/officeart/2005/8/layout/process1"/>
+    <dgm:cxn modelId="{382F1465-D27C-FD49-9140-08DA3B39E4DF}" srcId="{82BD223D-4D97-664B-8FA2-F811E68132B9}" destId="{71D68F48-EF39-0D4B-9727-81BBE7C36DFA}" srcOrd="1" destOrd="0" parTransId="{98EAC6FD-7FB1-F24A-8C95-19E6E4834FF9}" sibTransId="{223C2E35-3AE7-F640-AE72-FAF240D76888}"/>
     <dgm:cxn modelId="{C864D32C-D202-D649-84A6-DF938C126F4D}" type="presOf" srcId="{EE7B1B78-2CB7-C647-875E-937A240D7736}" destId="{26BA574D-A9C9-D847-8AAF-A8F48018C2C1}" srcOrd="1" destOrd="0" presId="urn:microsoft.com/office/officeart/2005/8/layout/process1"/>
-    <dgm:cxn modelId="{382F1465-D27C-FD49-9140-08DA3B39E4DF}" srcId="{82BD223D-4D97-664B-8FA2-F811E68132B9}" destId="{71D68F48-EF39-0D4B-9727-81BBE7C36DFA}" srcOrd="1" destOrd="0" parTransId="{98EAC6FD-7FB1-F24A-8C95-19E6E4834FF9}" sibTransId="{223C2E35-3AE7-F640-AE72-FAF240D76888}"/>
     <dgm:cxn modelId="{2274EC66-D9A7-7D44-A799-6CA5B5A963AC}" type="presOf" srcId="{9E409708-FC7B-604D-AE00-C59A3BC6C774}" destId="{AC19049A-FF2E-864B-A995-C88CCE14464E}" srcOrd="0" destOrd="0" presId="urn:microsoft.com/office/officeart/2005/8/layout/process1"/>
     <dgm:cxn modelId="{A9BCD256-481B-3844-887A-D74D5A833AAF}" type="presOf" srcId="{82BD223D-4D97-664B-8FA2-F811E68132B9}" destId="{5C4E5A0B-1B12-EC4C-BCB7-F3E190AFE040}" srcOrd="0" destOrd="0" presId="urn:microsoft.com/office/officeart/2005/8/layout/process1"/>
-    <dgm:cxn modelId="{3BD5FD7F-ACAD-2444-B596-B7307DC983E4}" type="presOf" srcId="{EE7B1B78-2CB7-C647-875E-937A240D7736}" destId="{30EAC814-8F64-D74A-9EBA-0CBC6BE058AA}" srcOrd="0" destOrd="0" presId="urn:microsoft.com/office/officeart/2005/8/layout/process1"/>
     <dgm:cxn modelId="{E198D6D4-91AD-F643-8652-6843F8F235B1}" srcId="{82BD223D-4D97-664B-8FA2-F811E68132B9}" destId="{9E409708-FC7B-604D-AE00-C59A3BC6C774}" srcOrd="0" destOrd="0" parTransId="{AF54B174-D1EC-FF4E-9C8F-E68F41ABE717}" sibTransId="{EE7B1B78-2CB7-C647-875E-937A240D7736}"/>
+    <dgm:cxn modelId="{C1FB551E-AA5C-5F42-992A-765D9395B3F3}" type="presOf" srcId="{71D68F48-EF39-0D4B-9727-81BBE7C36DFA}" destId="{F3798565-47D6-9C41-8AE7-D9D9868DAAE8}" srcOrd="0" destOrd="0" presId="urn:microsoft.com/office/officeart/2005/8/layout/process1"/>
     <dgm:cxn modelId="{455F0944-5EEE-C143-81E6-A819CE682C15}" type="presParOf" srcId="{5C4E5A0B-1B12-EC4C-BCB7-F3E190AFE040}" destId="{AC19049A-FF2E-864B-A995-C88CCE14464E}" srcOrd="0" destOrd="0" presId="urn:microsoft.com/office/officeart/2005/8/layout/process1"/>
     <dgm:cxn modelId="{165A46C4-BCD6-2C44-8F17-15A217E5C55B}" type="presParOf" srcId="{5C4E5A0B-1B12-EC4C-BCB7-F3E190AFE040}" destId="{30EAC814-8F64-D74A-9EBA-0CBC6BE058AA}" srcOrd="1" destOrd="0" presId="urn:microsoft.com/office/officeart/2005/8/layout/process1"/>
     <dgm:cxn modelId="{74002F84-C358-884D-8F39-FEEBB52F7F4E}" type="presParOf" srcId="{30EAC814-8F64-D74A-9EBA-0CBC6BE058AA}" destId="{26BA574D-A9C9-D847-8AAF-A8F48018C2C1}" srcOrd="0" destOrd="0" presId="urn:microsoft.com/office/officeart/2005/8/layout/process1"/>
@@ -5914,14 +6201,35 @@
         </dgm:presLayoutVars>
       </dgm:prSet>
       <dgm:spPr/>
+      <dgm:t>
+        <a:bodyPr/>
+        <a:lstStyle/>
+        <a:p>
+          <a:endParaRPr lang="de-DE"/>
+        </a:p>
+      </dgm:t>
     </dgm:pt>
     <dgm:pt modelId="{30EAC814-8F64-D74A-9EBA-0CBC6BE058AA}" type="pres">
       <dgm:prSet presAssocID="{EE7B1B78-2CB7-C647-875E-937A240D7736}" presName="sibTrans" presStyleLbl="sibTrans2D1" presStyleIdx="0" presStyleCnt="1"/>
       <dgm:spPr/>
+      <dgm:t>
+        <a:bodyPr/>
+        <a:lstStyle/>
+        <a:p>
+          <a:endParaRPr lang="de-DE"/>
+        </a:p>
+      </dgm:t>
     </dgm:pt>
     <dgm:pt modelId="{26BA574D-A9C9-D847-8AAF-A8F48018C2C1}" type="pres">
       <dgm:prSet presAssocID="{EE7B1B78-2CB7-C647-875E-937A240D7736}" presName="connectorText" presStyleLbl="sibTrans2D1" presStyleIdx="0" presStyleCnt="1"/>
       <dgm:spPr/>
+      <dgm:t>
+        <a:bodyPr/>
+        <a:lstStyle/>
+        <a:p>
+          <a:endParaRPr lang="de-DE"/>
+        </a:p>
+      </dgm:t>
     </dgm:pt>
     <dgm:pt modelId="{942B2FD4-F953-1241-B452-E01505D35646}" type="pres">
       <dgm:prSet presAssocID="{9F5FBEB5-0D91-6442-BAE6-3C8FE451890E}" presName="node" presStyleLbl="node1" presStyleIdx="1" presStyleCnt="2">
@@ -5930,16 +6238,23 @@
         </dgm:presLayoutVars>
       </dgm:prSet>
       <dgm:spPr/>
+      <dgm:t>
+        <a:bodyPr/>
+        <a:lstStyle/>
+        <a:p>
+          <a:endParaRPr lang="de-DE"/>
+        </a:p>
+      </dgm:t>
     </dgm:pt>
   </dgm:ptLst>
   <dgm:cxnLst>
+    <dgm:cxn modelId="{B0721CA3-19A8-D04D-857E-407EB9BC671A}" type="presOf" srcId="{9E409708-FC7B-604D-AE00-C59A3BC6C774}" destId="{AC19049A-FF2E-864B-A995-C88CCE14464E}" srcOrd="0" destOrd="0" presId="urn:microsoft.com/office/officeart/2005/8/layout/process1"/>
     <dgm:cxn modelId="{9AD13F03-FA98-2546-A1F6-086D6D749FC5}" srcId="{82BD223D-4D97-664B-8FA2-F811E68132B9}" destId="{9F5FBEB5-0D91-6442-BAE6-3C8FE451890E}" srcOrd="1" destOrd="0" parTransId="{44185C10-A566-584D-8792-6F8CDA31CFEF}" sibTransId="{D96BFFC3-C37B-F740-8CDD-799CDA9C29AF}"/>
-    <dgm:cxn modelId="{32CD821A-B520-014C-9995-1247839A1615}" type="presOf" srcId="{9F5FBEB5-0D91-6442-BAE6-3C8FE451890E}" destId="{942B2FD4-F953-1241-B452-E01505D35646}" srcOrd="0" destOrd="0" presId="urn:microsoft.com/office/officeart/2005/8/layout/process1"/>
+    <dgm:cxn modelId="{E198D6D4-91AD-F643-8652-6843F8F235B1}" srcId="{82BD223D-4D97-664B-8FA2-F811E68132B9}" destId="{9E409708-FC7B-604D-AE00-C59A3BC6C774}" srcOrd="0" destOrd="0" parTransId="{AF54B174-D1EC-FF4E-9C8F-E68F41ABE717}" sibTransId="{EE7B1B78-2CB7-C647-875E-937A240D7736}"/>
     <dgm:cxn modelId="{E033EC1A-0A6B-414C-BA47-A69CB3DDC2D8}" type="presOf" srcId="{EE7B1B78-2CB7-C647-875E-937A240D7736}" destId="{26BA574D-A9C9-D847-8AAF-A8F48018C2C1}" srcOrd="1" destOrd="0" presId="urn:microsoft.com/office/officeart/2005/8/layout/process1"/>
     <dgm:cxn modelId="{1B0CBD2C-F6A5-BE47-AA25-80FF0DBC223D}" type="presOf" srcId="{82BD223D-4D97-664B-8FA2-F811E68132B9}" destId="{5C4E5A0B-1B12-EC4C-BCB7-F3E190AFE040}" srcOrd="0" destOrd="0" presId="urn:microsoft.com/office/officeart/2005/8/layout/process1"/>
-    <dgm:cxn modelId="{B0721CA3-19A8-D04D-857E-407EB9BC671A}" type="presOf" srcId="{9E409708-FC7B-604D-AE00-C59A3BC6C774}" destId="{AC19049A-FF2E-864B-A995-C88CCE14464E}" srcOrd="0" destOrd="0" presId="urn:microsoft.com/office/officeart/2005/8/layout/process1"/>
     <dgm:cxn modelId="{E6A75DB5-821C-E345-A783-C1FE436C1B5F}" type="presOf" srcId="{EE7B1B78-2CB7-C647-875E-937A240D7736}" destId="{30EAC814-8F64-D74A-9EBA-0CBC6BE058AA}" srcOrd="0" destOrd="0" presId="urn:microsoft.com/office/officeart/2005/8/layout/process1"/>
-    <dgm:cxn modelId="{E198D6D4-91AD-F643-8652-6843F8F235B1}" srcId="{82BD223D-4D97-664B-8FA2-F811E68132B9}" destId="{9E409708-FC7B-604D-AE00-C59A3BC6C774}" srcOrd="0" destOrd="0" parTransId="{AF54B174-D1EC-FF4E-9C8F-E68F41ABE717}" sibTransId="{EE7B1B78-2CB7-C647-875E-937A240D7736}"/>
+    <dgm:cxn modelId="{32CD821A-B520-014C-9995-1247839A1615}" type="presOf" srcId="{9F5FBEB5-0D91-6442-BAE6-3C8FE451890E}" destId="{942B2FD4-F953-1241-B452-E01505D35646}" srcOrd="0" destOrd="0" presId="urn:microsoft.com/office/officeart/2005/8/layout/process1"/>
     <dgm:cxn modelId="{A4352B15-D4C4-FC49-93A5-8ECF0236F8FE}" type="presParOf" srcId="{5C4E5A0B-1B12-EC4C-BCB7-F3E190AFE040}" destId="{AC19049A-FF2E-864B-A995-C88CCE14464E}" srcOrd="0" destOrd="0" presId="urn:microsoft.com/office/officeart/2005/8/layout/process1"/>
     <dgm:cxn modelId="{76B2E135-3E91-D646-96A5-12475035BBCD}" type="presParOf" srcId="{5C4E5A0B-1B12-EC4C-BCB7-F3E190AFE040}" destId="{30EAC814-8F64-D74A-9EBA-0CBC6BE058AA}" srcOrd="1" destOrd="0" presId="urn:microsoft.com/office/officeart/2005/8/layout/process1"/>
     <dgm:cxn modelId="{F19A6B13-7B8B-F549-9914-C9DC6C60AA94}" type="presParOf" srcId="{30EAC814-8F64-D74A-9EBA-0CBC6BE058AA}" destId="{26BA574D-A9C9-D847-8AAF-A8F48018C2C1}" srcOrd="0" destOrd="0" presId="urn:microsoft.com/office/officeart/2005/8/layout/process1"/>
@@ -6044,7 +6359,7 @@
         </a:bodyPr>
         <a:lstStyle/>
         <a:p>
-          <a:pPr marL="0" lvl="0" indent="0" algn="ctr" defTabSz="1689100">
+          <a:pPr lvl="0" algn="ctr" defTabSz="1689100">
             <a:lnSpc>
               <a:spcPct val="90000"/>
             </a:lnSpc>
@@ -6054,7 +6369,6 @@
             <a:spcAft>
               <a:spcPct val="35000"/>
             </a:spcAft>
-            <a:buNone/>
           </a:pPr>
           <a:r>
             <a:rPr lang="de-DE" sz="3800" kern="1200" dirty="0"/>
@@ -6152,7 +6466,7 @@
         </a:bodyPr>
         <a:lstStyle/>
         <a:p>
-          <a:pPr marL="0" lvl="0" indent="0" algn="ctr" defTabSz="1377950">
+          <a:pPr lvl="0" algn="ctr" defTabSz="1377950">
             <a:lnSpc>
               <a:spcPct val="90000"/>
             </a:lnSpc>
@@ -6162,7 +6476,6 @@
             <a:spcAft>
               <a:spcPct val="35000"/>
             </a:spcAft>
-            <a:buNone/>
           </a:pPr>
           <a:endParaRPr lang="de-DE" sz="3100" kern="1200"/>
         </a:p>
@@ -6253,7 +6566,7 @@
         </a:bodyPr>
         <a:lstStyle/>
         <a:p>
-          <a:pPr marL="0" lvl="0" indent="0" algn="ctr" defTabSz="1689100">
+          <a:pPr lvl="0" algn="ctr" defTabSz="1689100">
             <a:lnSpc>
               <a:spcPct val="90000"/>
             </a:lnSpc>
@@ -6263,7 +6576,6 @@
             <a:spcAft>
               <a:spcPct val="35000"/>
             </a:spcAft>
-            <a:buNone/>
           </a:pPr>
           <a:r>
             <a:rPr lang="de-DE" sz="3800" kern="1200" dirty="0"/>
@@ -6361,7 +6673,7 @@
         </a:bodyPr>
         <a:lstStyle/>
         <a:p>
-          <a:pPr marL="0" lvl="0" indent="0" algn="ctr" defTabSz="1377950">
+          <a:pPr lvl="0" algn="ctr" defTabSz="1377950">
             <a:lnSpc>
               <a:spcPct val="90000"/>
             </a:lnSpc>
@@ -6371,7 +6683,6 @@
             <a:spcAft>
               <a:spcPct val="35000"/>
             </a:spcAft>
-            <a:buNone/>
           </a:pPr>
           <a:endParaRPr lang="de-DE" sz="3100" kern="1200"/>
         </a:p>
@@ -6462,7 +6773,7 @@
         </a:bodyPr>
         <a:lstStyle/>
         <a:p>
-          <a:pPr marL="0" lvl="0" indent="0" algn="ctr" defTabSz="1689100">
+          <a:pPr lvl="0" algn="ctr" defTabSz="1689100">
             <a:lnSpc>
               <a:spcPct val="90000"/>
             </a:lnSpc>
@@ -6472,7 +6783,6 @@
             <a:spcAft>
               <a:spcPct val="35000"/>
             </a:spcAft>
-            <a:buNone/>
           </a:pPr>
           <a:r>
             <a:rPr lang="de-DE" sz="3800" kern="1200" dirty="0"/>
@@ -6578,7 +6888,7 @@
         </a:bodyPr>
         <a:lstStyle/>
         <a:p>
-          <a:pPr marL="0" lvl="0" indent="0" algn="ctr" defTabSz="1600200">
+          <a:pPr lvl="0" algn="ctr" defTabSz="1600200">
             <a:lnSpc>
               <a:spcPct val="90000"/>
             </a:lnSpc>
@@ -6588,7 +6898,6 @@
             <a:spcAft>
               <a:spcPct val="35000"/>
             </a:spcAft>
-            <a:buNone/>
           </a:pPr>
           <a:r>
             <a:rPr lang="de-DE" sz="3600" kern="1200" dirty="0"/>
@@ -6694,7 +7003,7 @@
         </a:bodyPr>
         <a:lstStyle/>
         <a:p>
-          <a:pPr marL="0" lvl="0" indent="0" algn="ctr" defTabSz="1289050">
+          <a:pPr lvl="0" algn="ctr" defTabSz="1289050">
             <a:lnSpc>
               <a:spcPct val="90000"/>
             </a:lnSpc>
@@ -6704,7 +7013,6 @@
             <a:spcAft>
               <a:spcPct val="35000"/>
             </a:spcAft>
-            <a:buNone/>
           </a:pPr>
           <a:endParaRPr lang="de-DE" sz="2900" kern="1200"/>
         </a:p>
@@ -6795,7 +7103,7 @@
         </a:bodyPr>
         <a:lstStyle/>
         <a:p>
-          <a:pPr marL="0" lvl="0" indent="0" algn="ctr" defTabSz="1600200">
+          <a:pPr lvl="0" algn="ctr" defTabSz="1600200">
             <a:lnSpc>
               <a:spcPct val="90000"/>
             </a:lnSpc>
@@ -6805,7 +7113,6 @@
             <a:spcAft>
               <a:spcPct val="35000"/>
             </a:spcAft>
-            <a:buNone/>
           </a:pPr>
           <a:r>
             <a:rPr lang="de-DE" sz="3600" kern="1200" dirty="0"/>
@@ -6908,7 +7215,7 @@
         </a:bodyPr>
         <a:lstStyle/>
         <a:p>
-          <a:pPr marL="0" lvl="0" indent="0" algn="ctr" defTabSz="1289050">
+          <a:pPr lvl="0" algn="ctr" defTabSz="1289050">
             <a:lnSpc>
               <a:spcPct val="90000"/>
             </a:lnSpc>
@@ -6918,7 +7225,6 @@
             <a:spcAft>
               <a:spcPct val="35000"/>
             </a:spcAft>
-            <a:buNone/>
           </a:pPr>
           <a:endParaRPr lang="de-DE" sz="2900" kern="1200"/>
         </a:p>
@@ -7009,7 +7315,7 @@
         </a:bodyPr>
         <a:lstStyle/>
         <a:p>
-          <a:pPr marL="0" lvl="0" indent="0" algn="ctr" defTabSz="1600200">
+          <a:pPr lvl="0" algn="ctr" defTabSz="1600200">
             <a:lnSpc>
               <a:spcPct val="90000"/>
             </a:lnSpc>
@@ -7019,7 +7325,6 @@
             <a:spcAft>
               <a:spcPct val="35000"/>
             </a:spcAft>
-            <a:buNone/>
           </a:pPr>
           <a:r>
             <a:rPr lang="de-DE" sz="3600" kern="1200" dirty="0"/>
@@ -7125,7 +7430,7 @@
         </a:bodyPr>
         <a:lstStyle/>
         <a:p>
-          <a:pPr marL="0" lvl="0" indent="0" algn="ctr" defTabSz="844550">
+          <a:pPr lvl="0" algn="ctr" defTabSz="844550">
             <a:lnSpc>
               <a:spcPct val="90000"/>
             </a:lnSpc>
@@ -7135,7 +7440,6 @@
             <a:spcAft>
               <a:spcPct val="35000"/>
             </a:spcAft>
-            <a:buNone/>
           </a:pPr>
           <a:r>
             <a:rPr lang="de-DE" sz="1900" kern="1200" dirty="0"/>
@@ -7241,7 +7545,7 @@
         </a:bodyPr>
         <a:lstStyle/>
         <a:p>
-          <a:pPr marL="0" lvl="0" indent="0" algn="ctr" defTabSz="711200">
+          <a:pPr lvl="0" algn="ctr" defTabSz="711200">
             <a:lnSpc>
               <a:spcPct val="90000"/>
             </a:lnSpc>
@@ -7251,7 +7555,6 @@
             <a:spcAft>
               <a:spcPct val="35000"/>
             </a:spcAft>
-            <a:buNone/>
           </a:pPr>
           <a:endParaRPr lang="de-DE" sz="1600" kern="1200"/>
         </a:p>
@@ -7342,7 +7645,7 @@
         </a:bodyPr>
         <a:lstStyle/>
         <a:p>
-          <a:pPr marL="0" lvl="0" indent="0" algn="ctr" defTabSz="844550">
+          <a:pPr lvl="0" algn="ctr" defTabSz="844550">
             <a:lnSpc>
               <a:spcPct val="90000"/>
             </a:lnSpc>
@@ -7352,7 +7655,6 @@
             <a:spcAft>
               <a:spcPct val="35000"/>
             </a:spcAft>
-            <a:buNone/>
           </a:pPr>
           <a:r>
             <a:rPr lang="de-DE" sz="1900" kern="1200" dirty="0"/>
@@ -7450,7 +7752,7 @@
         </a:bodyPr>
         <a:lstStyle/>
         <a:p>
-          <a:pPr marL="0" lvl="0" indent="0" algn="ctr" defTabSz="711200">
+          <a:pPr lvl="0" algn="ctr" defTabSz="711200">
             <a:lnSpc>
               <a:spcPct val="90000"/>
             </a:lnSpc>
@@ -7460,7 +7762,6 @@
             <a:spcAft>
               <a:spcPct val="35000"/>
             </a:spcAft>
-            <a:buNone/>
           </a:pPr>
           <a:endParaRPr lang="de-DE" sz="1600" kern="1200"/>
         </a:p>
@@ -7551,7 +7852,7 @@
         </a:bodyPr>
         <a:lstStyle/>
         <a:p>
-          <a:pPr marL="0" lvl="0" indent="0" algn="ctr" defTabSz="844550">
+          <a:pPr lvl="0" algn="ctr" defTabSz="844550">
             <a:lnSpc>
               <a:spcPct val="90000"/>
             </a:lnSpc>
@@ -7561,7 +7862,6 @@
             <a:spcAft>
               <a:spcPct val="35000"/>
             </a:spcAft>
-            <a:buNone/>
           </a:pPr>
           <a:r>
             <a:rPr lang="de-DE" sz="1900" kern="1200" dirty="0"/>
@@ -7667,7 +7967,7 @@
         </a:bodyPr>
         <a:lstStyle/>
         <a:p>
-          <a:pPr marL="0" lvl="0" indent="0" algn="ctr" defTabSz="711200">
+          <a:pPr lvl="0" algn="ctr" defTabSz="711200">
             <a:lnSpc>
               <a:spcPct val="90000"/>
             </a:lnSpc>
@@ -7677,7 +7977,6 @@
             <a:spcAft>
               <a:spcPct val="35000"/>
             </a:spcAft>
-            <a:buNone/>
           </a:pPr>
           <a:endParaRPr lang="de-DE" sz="1600" kern="1200"/>
         </a:p>
@@ -7768,7 +8067,7 @@
         </a:bodyPr>
         <a:lstStyle/>
         <a:p>
-          <a:pPr marL="0" lvl="0" indent="0" algn="ctr" defTabSz="844550">
+          <a:pPr lvl="0" algn="ctr" defTabSz="844550">
             <a:lnSpc>
               <a:spcPct val="90000"/>
             </a:lnSpc>
@@ -7778,7 +8077,6 @@
             <a:spcAft>
               <a:spcPct val="35000"/>
             </a:spcAft>
-            <a:buNone/>
           </a:pPr>
           <a:r>
             <a:rPr lang="de-DE" sz="1900" kern="1200" dirty="0"/>
@@ -7884,7 +8182,7 @@
         </a:bodyPr>
         <a:lstStyle/>
         <a:p>
-          <a:pPr marL="0" lvl="0" indent="0" algn="ctr" defTabSz="711200">
+          <a:pPr lvl="0" algn="ctr" defTabSz="711200">
             <a:lnSpc>
               <a:spcPct val="90000"/>
             </a:lnSpc>
@@ -7894,7 +8192,6 @@
             <a:spcAft>
               <a:spcPct val="35000"/>
             </a:spcAft>
-            <a:buNone/>
           </a:pPr>
           <a:endParaRPr lang="de-DE" sz="1600" kern="1200"/>
         </a:p>
@@ -7985,7 +8282,7 @@
         </a:bodyPr>
         <a:lstStyle/>
         <a:p>
-          <a:pPr marL="0" lvl="0" indent="0" algn="ctr" defTabSz="844550">
+          <a:pPr lvl="0" algn="ctr" defTabSz="844550">
             <a:lnSpc>
               <a:spcPct val="90000"/>
             </a:lnSpc>
@@ -7995,7 +8292,6 @@
             <a:spcAft>
               <a:spcPct val="35000"/>
             </a:spcAft>
-            <a:buNone/>
           </a:pPr>
           <a:r>
             <a:rPr lang="de-DE" sz="1900" kern="1200" dirty="0"/>
@@ -8106,7 +8402,7 @@
         </a:bodyPr>
         <a:lstStyle/>
         <a:p>
-          <a:pPr marL="0" lvl="0" indent="0" algn="ctr" defTabSz="1155700">
+          <a:pPr lvl="0" algn="ctr" defTabSz="1155700">
             <a:lnSpc>
               <a:spcPct val="90000"/>
             </a:lnSpc>
@@ -8116,7 +8412,6 @@
             <a:spcAft>
               <a:spcPct val="35000"/>
             </a:spcAft>
-            <a:buNone/>
           </a:pPr>
           <a:r>
             <a:rPr lang="de-DE" sz="2600" kern="1200" dirty="0"/>
@@ -8222,7 +8517,7 @@
         </a:bodyPr>
         <a:lstStyle/>
         <a:p>
-          <a:pPr marL="0" lvl="0" indent="0" algn="ctr" defTabSz="933450">
+          <a:pPr lvl="0" algn="ctr" defTabSz="933450">
             <a:lnSpc>
               <a:spcPct val="90000"/>
             </a:lnSpc>
@@ -8232,7 +8527,6 @@
             <a:spcAft>
               <a:spcPct val="35000"/>
             </a:spcAft>
-            <a:buNone/>
           </a:pPr>
           <a:endParaRPr lang="de-DE" sz="2100" kern="1200"/>
         </a:p>
@@ -8323,7 +8617,7 @@
         </a:bodyPr>
         <a:lstStyle/>
         <a:p>
-          <a:pPr marL="0" lvl="0" indent="0" algn="ctr" defTabSz="1155700">
+          <a:pPr lvl="0" algn="ctr" defTabSz="1155700">
             <a:lnSpc>
               <a:spcPct val="90000"/>
             </a:lnSpc>
@@ -8333,7 +8627,6 @@
             <a:spcAft>
               <a:spcPct val="35000"/>
             </a:spcAft>
-            <a:buNone/>
           </a:pPr>
           <a:r>
             <a:rPr lang="de-DE" sz="2600" kern="1200" dirty="0"/>
@@ -8431,7 +8724,7 @@
         </a:bodyPr>
         <a:lstStyle/>
         <a:p>
-          <a:pPr marL="0" lvl="0" indent="0" algn="ctr" defTabSz="933450">
+          <a:pPr lvl="0" algn="ctr" defTabSz="933450">
             <a:lnSpc>
               <a:spcPct val="90000"/>
             </a:lnSpc>
@@ -8441,7 +8734,6 @@
             <a:spcAft>
               <a:spcPct val="35000"/>
             </a:spcAft>
-            <a:buNone/>
           </a:pPr>
           <a:endParaRPr lang="de-DE" sz="2100" kern="1200"/>
         </a:p>
@@ -8532,7 +8824,7 @@
         </a:bodyPr>
         <a:lstStyle/>
         <a:p>
-          <a:pPr marL="0" lvl="0" indent="0" algn="ctr" defTabSz="1155700">
+          <a:pPr lvl="0" algn="ctr" defTabSz="1155700">
             <a:lnSpc>
               <a:spcPct val="90000"/>
             </a:lnSpc>
@@ -8542,7 +8834,6 @@
             <a:spcAft>
               <a:spcPct val="35000"/>
             </a:spcAft>
-            <a:buNone/>
           </a:pPr>
           <a:r>
             <a:rPr lang="de-DE" sz="2600" kern="1200" dirty="0"/>
@@ -8640,7 +8931,7 @@
         </a:bodyPr>
         <a:lstStyle/>
         <a:p>
-          <a:pPr marL="0" lvl="0" indent="0" algn="ctr" defTabSz="933450">
+          <a:pPr lvl="0" algn="ctr" defTabSz="933450">
             <a:lnSpc>
               <a:spcPct val="90000"/>
             </a:lnSpc>
@@ -8650,7 +8941,6 @@
             <a:spcAft>
               <a:spcPct val="35000"/>
             </a:spcAft>
-            <a:buNone/>
           </a:pPr>
           <a:endParaRPr lang="de-DE" sz="2100" kern="1200"/>
         </a:p>
@@ -8741,7 +9031,7 @@
         </a:bodyPr>
         <a:lstStyle/>
         <a:p>
-          <a:pPr marL="0" lvl="0" indent="0" algn="ctr" defTabSz="1155700">
+          <a:pPr lvl="0" algn="ctr" defTabSz="1155700">
             <a:lnSpc>
               <a:spcPct val="90000"/>
             </a:lnSpc>
@@ -8751,7 +9041,6 @@
             <a:spcAft>
               <a:spcPct val="35000"/>
             </a:spcAft>
-            <a:buNone/>
           </a:pPr>
           <a:r>
             <a:rPr lang="de-DE" sz="2600" kern="1200" dirty="0"/>
@@ -8857,7 +9146,7 @@
         </a:bodyPr>
         <a:lstStyle/>
         <a:p>
-          <a:pPr marL="0" lvl="0" indent="0" algn="ctr" defTabSz="2755900">
+          <a:pPr lvl="0" algn="ctr" defTabSz="2755900">
             <a:lnSpc>
               <a:spcPct val="90000"/>
             </a:lnSpc>
@@ -8867,7 +9156,6 @@
             <a:spcAft>
               <a:spcPct val="35000"/>
             </a:spcAft>
-            <a:buNone/>
           </a:pPr>
           <a:r>
             <a:rPr lang="de-DE" sz="6200" kern="1200" dirty="0"/>
@@ -8965,7 +9253,7 @@
         </a:bodyPr>
         <a:lstStyle/>
         <a:p>
-          <a:pPr marL="0" lvl="0" indent="0" algn="ctr" defTabSz="2222500">
+          <a:pPr lvl="0" algn="ctr" defTabSz="2222500">
             <a:lnSpc>
               <a:spcPct val="90000"/>
             </a:lnSpc>
@@ -8975,7 +9263,6 @@
             <a:spcAft>
               <a:spcPct val="35000"/>
             </a:spcAft>
-            <a:buNone/>
           </a:pPr>
           <a:endParaRPr lang="de-DE" sz="5000" kern="1200"/>
         </a:p>
@@ -9066,7 +9353,7 @@
         </a:bodyPr>
         <a:lstStyle/>
         <a:p>
-          <a:pPr marL="0" lvl="0" indent="0" algn="ctr" defTabSz="2755900">
+          <a:pPr lvl="0" algn="ctr" defTabSz="2755900">
             <a:lnSpc>
               <a:spcPct val="90000"/>
             </a:lnSpc>
@@ -9076,7 +9363,6 @@
             <a:spcAft>
               <a:spcPct val="35000"/>
             </a:spcAft>
-            <a:buNone/>
           </a:pPr>
           <a:r>
             <a:rPr lang="de-DE" sz="6200" kern="1200" dirty="0"/>
@@ -9182,7 +9468,7 @@
         </a:bodyPr>
         <a:lstStyle/>
         <a:p>
-          <a:pPr marL="0" lvl="0" indent="0" algn="ctr" defTabSz="2889250">
+          <a:pPr lvl="0" algn="ctr" defTabSz="2889250">
             <a:lnSpc>
               <a:spcPct val="90000"/>
             </a:lnSpc>
@@ -9192,7 +9478,6 @@
             <a:spcAft>
               <a:spcPct val="35000"/>
             </a:spcAft>
-            <a:buNone/>
           </a:pPr>
           <a:r>
             <a:rPr lang="de-DE" sz="6500" kern="1200" dirty="0"/>
@@ -9290,7 +9575,7 @@
         </a:bodyPr>
         <a:lstStyle/>
         <a:p>
-          <a:pPr marL="0" lvl="0" indent="0" algn="ctr" defTabSz="2400300">
+          <a:pPr lvl="0" algn="ctr" defTabSz="2400300">
             <a:lnSpc>
               <a:spcPct val="90000"/>
             </a:lnSpc>
@@ -9300,7 +9585,6 @@
             <a:spcAft>
               <a:spcPct val="35000"/>
             </a:spcAft>
-            <a:buNone/>
           </a:pPr>
           <a:endParaRPr lang="de-DE" sz="5400" kern="1200"/>
         </a:p>
@@ -9391,7 +9675,7 @@
         </a:bodyPr>
         <a:lstStyle/>
         <a:p>
-          <a:pPr marL="0" lvl="0" indent="0" algn="ctr" defTabSz="2889250">
+          <a:pPr lvl="0" algn="ctr" defTabSz="2889250">
             <a:lnSpc>
               <a:spcPct val="90000"/>
             </a:lnSpc>
@@ -9401,7 +9685,6 @@
             <a:spcAft>
               <a:spcPct val="35000"/>
             </a:spcAft>
-            <a:buNone/>
           </a:pPr>
           <a:r>
             <a:rPr lang="de-DE" sz="6500" kern="1200" dirty="0"/>
@@ -16585,7 +16868,7 @@
                 <a:latin typeface="Segoe UI" pitchFamily="34" charset="0"/>
               </a:rPr>
               <a:pPr/>
-              <a:t>19.10.2017</a:t>
+              <a:t>19.10.17</a:t>
             </a:fld>
             <a:endParaRPr lang="de-DE" dirty="0">
               <a:latin typeface="Segoe UI" pitchFamily="34" charset="0"/>
@@ -16764,7 +17047,7 @@
             <a:fld id="{D2E1CCC5-01B8-284F-B77B-84D835A7601B}" type="datetimeFigureOut">
               <a:rPr lang="de-DE" smtClean="0"/>
               <a:pPr/>
-              <a:t>19.10.2017</a:t>
+              <a:t>19.10.17</a:t>
             </a:fld>
             <a:endParaRPr lang="de-DE" dirty="0"/>
           </a:p>
@@ -19316,7 +19599,7 @@
           <a:noFill/>
           <a:extLst>
             <a:ext uri="{909E8E84-426E-40dd-AFC4-6F175D3DCCD1}">
-              <a14:hiddenFill xmlns="" xmlns:a14="http://schemas.microsoft.com/office/drawing/2010/main">
+              <a14:hiddenFill xmlns:a14="http://schemas.microsoft.com/office/drawing/2010/main" xmlns="">
                 <a:solidFill>
                   <a:srgbClr val="FFFFFF"/>
                 </a:solidFill>
@@ -19516,7 +19799,7 @@
           <p:cNvPr id="2" name="Datumsplatzhalter 1">
             <a:extLst>
               <a:ext uri="{FF2B5EF4-FFF2-40B4-BE49-F238E27FC236}">
-                <a16:creationId xmlns:a16="http://schemas.microsoft.com/office/drawing/2014/main" id="{0EE9CECA-FE53-4E0D-AD22-D4AB49ECF809}"/>
+                <a16:creationId xmlns:a16="http://schemas.microsoft.com/office/drawing/2014/main" xmlns="" id="{0EE9CECA-FE53-4E0D-AD22-D4AB49ECF809}"/>
               </a:ext>
             </a:extLst>
           </p:cNvPr>
@@ -19535,7 +19818,7 @@
             <a:fld id="{17C2562E-359A-3C42-BBEF-E02CE97BECB1}" type="datetimeFigureOut">
               <a:rPr lang="de-DE" smtClean="0"/>
               <a:pPr/>
-              <a:t>19.10.2017</a:t>
+              <a:t>19.10.17</a:t>
             </a:fld>
             <a:endParaRPr lang="de-DE" dirty="0"/>
           </a:p>
@@ -19546,7 +19829,7 @@
           <p:cNvPr id="7" name="Fußzeilenplatzhalter 6">
             <a:extLst>
               <a:ext uri="{FF2B5EF4-FFF2-40B4-BE49-F238E27FC236}">
-                <a16:creationId xmlns:a16="http://schemas.microsoft.com/office/drawing/2014/main" id="{C07A299E-41A7-4A08-81FA-6FBA6806F0A5}"/>
+                <a16:creationId xmlns:a16="http://schemas.microsoft.com/office/drawing/2014/main" xmlns="" id="{C07A299E-41A7-4A08-81FA-6FBA6806F0A5}"/>
               </a:ext>
             </a:extLst>
           </p:cNvPr>
@@ -19571,7 +19854,7 @@
           <p:cNvPr id="8" name="Foliennummernplatzhalter 7">
             <a:extLst>
               <a:ext uri="{FF2B5EF4-FFF2-40B4-BE49-F238E27FC236}">
-                <a16:creationId xmlns:a16="http://schemas.microsoft.com/office/drawing/2014/main" id="{9151A28C-FF21-4CC9-B28E-CF780807FE34}"/>
+                <a16:creationId xmlns:a16="http://schemas.microsoft.com/office/drawing/2014/main" xmlns="" id="{9151A28C-FF21-4CC9-B28E-CF780807FE34}"/>
               </a:ext>
             </a:extLst>
           </p:cNvPr>
@@ -19826,7 +20109,7 @@
           <p:cNvPr id="3" name="Datumsplatzhalter 2">
             <a:extLst>
               <a:ext uri="{FF2B5EF4-FFF2-40B4-BE49-F238E27FC236}">
-                <a16:creationId xmlns:a16="http://schemas.microsoft.com/office/drawing/2014/main" id="{3D332A91-9158-4543-9295-8484F133E109}"/>
+                <a16:creationId xmlns:a16="http://schemas.microsoft.com/office/drawing/2014/main" xmlns="" id="{3D332A91-9158-4543-9295-8484F133E109}"/>
               </a:ext>
             </a:extLst>
           </p:cNvPr>
@@ -19845,7 +20128,7 @@
             <a:fld id="{17C2562E-359A-3C42-BBEF-E02CE97BECB1}" type="datetimeFigureOut">
               <a:rPr lang="de-DE" smtClean="0"/>
               <a:pPr/>
-              <a:t>19.10.2017</a:t>
+              <a:t>19.10.17</a:t>
             </a:fld>
             <a:endParaRPr lang="de-DE" dirty="0"/>
           </a:p>
@@ -19856,7 +20139,7 @@
           <p:cNvPr id="7" name="Fußzeilenplatzhalter 6">
             <a:extLst>
               <a:ext uri="{FF2B5EF4-FFF2-40B4-BE49-F238E27FC236}">
-                <a16:creationId xmlns:a16="http://schemas.microsoft.com/office/drawing/2014/main" id="{C426E4CE-7F9D-4A7E-A795-EDD7185E3A7A}"/>
+                <a16:creationId xmlns:a16="http://schemas.microsoft.com/office/drawing/2014/main" xmlns="" id="{C426E4CE-7F9D-4A7E-A795-EDD7185E3A7A}"/>
               </a:ext>
             </a:extLst>
           </p:cNvPr>
@@ -19881,7 +20164,7 @@
           <p:cNvPr id="8" name="Foliennummernplatzhalter 7">
             <a:extLst>
               <a:ext uri="{FF2B5EF4-FFF2-40B4-BE49-F238E27FC236}">
-                <a16:creationId xmlns:a16="http://schemas.microsoft.com/office/drawing/2014/main" id="{73459CEF-058C-4C7D-9907-D7A5E4B23A28}"/>
+                <a16:creationId xmlns:a16="http://schemas.microsoft.com/office/drawing/2014/main" xmlns="" id="{73459CEF-058C-4C7D-9907-D7A5E4B23A28}"/>
               </a:ext>
             </a:extLst>
           </p:cNvPr>
@@ -20129,7 +20412,7 @@
           <p:cNvPr id="2" name="Datumsplatzhalter 1">
             <a:extLst>
               <a:ext uri="{FF2B5EF4-FFF2-40B4-BE49-F238E27FC236}">
-                <a16:creationId xmlns:a16="http://schemas.microsoft.com/office/drawing/2014/main" id="{64A9B900-82AE-4D1E-B11E-155C1B825004}"/>
+                <a16:creationId xmlns:a16="http://schemas.microsoft.com/office/drawing/2014/main" xmlns="" id="{64A9B900-82AE-4D1E-B11E-155C1B825004}"/>
               </a:ext>
             </a:extLst>
           </p:cNvPr>
@@ -20148,7 +20431,7 @@
             <a:fld id="{17C2562E-359A-3C42-BBEF-E02CE97BECB1}" type="datetimeFigureOut">
               <a:rPr lang="de-DE" smtClean="0"/>
               <a:pPr/>
-              <a:t>19.10.2017</a:t>
+              <a:t>19.10.17</a:t>
             </a:fld>
             <a:endParaRPr lang="de-DE" dirty="0"/>
           </a:p>
@@ -20159,7 +20442,7 @@
           <p:cNvPr id="7" name="Fußzeilenplatzhalter 6">
             <a:extLst>
               <a:ext uri="{FF2B5EF4-FFF2-40B4-BE49-F238E27FC236}">
-                <a16:creationId xmlns:a16="http://schemas.microsoft.com/office/drawing/2014/main" id="{41953AE8-A571-4BCE-AF9C-CC7A649DD8C5}"/>
+                <a16:creationId xmlns:a16="http://schemas.microsoft.com/office/drawing/2014/main" xmlns="" id="{41953AE8-A571-4BCE-AF9C-CC7A649DD8C5}"/>
               </a:ext>
             </a:extLst>
           </p:cNvPr>
@@ -20184,7 +20467,7 @@
           <p:cNvPr id="8" name="Foliennummernplatzhalter 7">
             <a:extLst>
               <a:ext uri="{FF2B5EF4-FFF2-40B4-BE49-F238E27FC236}">
-                <a16:creationId xmlns:a16="http://schemas.microsoft.com/office/drawing/2014/main" id="{6DCAD949-98D9-4F76-BE67-6629B37422CB}"/>
+                <a16:creationId xmlns:a16="http://schemas.microsoft.com/office/drawing/2014/main" xmlns="" id="{6DCAD949-98D9-4F76-BE67-6629B37422CB}"/>
               </a:ext>
             </a:extLst>
           </p:cNvPr>
@@ -20285,7 +20568,7 @@
           <p:cNvPr id="2" name="Datumsplatzhalter 1">
             <a:extLst>
               <a:ext uri="{FF2B5EF4-FFF2-40B4-BE49-F238E27FC236}">
-                <a16:creationId xmlns:a16="http://schemas.microsoft.com/office/drawing/2014/main" id="{0F48F7B5-AF2D-4886-B660-ACFD0F3CA06C}"/>
+                <a16:creationId xmlns:a16="http://schemas.microsoft.com/office/drawing/2014/main" xmlns="" id="{0F48F7B5-AF2D-4886-B660-ACFD0F3CA06C}"/>
               </a:ext>
             </a:extLst>
           </p:cNvPr>
@@ -20304,7 +20587,7 @@
             <a:fld id="{17C2562E-359A-3C42-BBEF-E02CE97BECB1}" type="datetimeFigureOut">
               <a:rPr lang="de-DE" smtClean="0"/>
               <a:pPr/>
-              <a:t>19.10.2017</a:t>
+              <a:t>19.10.17</a:t>
             </a:fld>
             <a:endParaRPr lang="de-DE" dirty="0"/>
           </a:p>
@@ -20315,7 +20598,7 @@
           <p:cNvPr id="7" name="Fußzeilenplatzhalter 6">
             <a:extLst>
               <a:ext uri="{FF2B5EF4-FFF2-40B4-BE49-F238E27FC236}">
-                <a16:creationId xmlns:a16="http://schemas.microsoft.com/office/drawing/2014/main" id="{C01D3F89-6DF4-4DC1-ABFC-4B69E0299624}"/>
+                <a16:creationId xmlns:a16="http://schemas.microsoft.com/office/drawing/2014/main" xmlns="" id="{C01D3F89-6DF4-4DC1-ABFC-4B69E0299624}"/>
               </a:ext>
             </a:extLst>
           </p:cNvPr>
@@ -20340,7 +20623,7 @@
           <p:cNvPr id="8" name="Foliennummernplatzhalter 7">
             <a:extLst>
               <a:ext uri="{FF2B5EF4-FFF2-40B4-BE49-F238E27FC236}">
-                <a16:creationId xmlns:a16="http://schemas.microsoft.com/office/drawing/2014/main" id="{BFD42FBE-0754-4285-A3CE-566D22A33C59}"/>
+                <a16:creationId xmlns:a16="http://schemas.microsoft.com/office/drawing/2014/main" xmlns="" id="{BFD42FBE-0754-4285-A3CE-566D22A33C59}"/>
               </a:ext>
             </a:extLst>
           </p:cNvPr>
@@ -20581,7 +20864,7 @@
           <p:cNvPr id="3" name="Datumsplatzhalter 2">
             <a:extLst>
               <a:ext uri="{FF2B5EF4-FFF2-40B4-BE49-F238E27FC236}">
-                <a16:creationId xmlns:a16="http://schemas.microsoft.com/office/drawing/2014/main" id="{434AC82E-1F55-4D6D-B12A-7355E3927B04}"/>
+                <a16:creationId xmlns:a16="http://schemas.microsoft.com/office/drawing/2014/main" xmlns="" id="{434AC82E-1F55-4D6D-B12A-7355E3927B04}"/>
               </a:ext>
             </a:extLst>
           </p:cNvPr>
@@ -20600,7 +20883,7 @@
             <a:fld id="{17C2562E-359A-3C42-BBEF-E02CE97BECB1}" type="datetimeFigureOut">
               <a:rPr lang="de-DE" smtClean="0"/>
               <a:pPr/>
-              <a:t>19.10.2017</a:t>
+              <a:t>19.10.17</a:t>
             </a:fld>
             <a:endParaRPr lang="de-DE" dirty="0"/>
           </a:p>
@@ -20611,7 +20894,7 @@
           <p:cNvPr id="7" name="Fußzeilenplatzhalter 6">
             <a:extLst>
               <a:ext uri="{FF2B5EF4-FFF2-40B4-BE49-F238E27FC236}">
-                <a16:creationId xmlns:a16="http://schemas.microsoft.com/office/drawing/2014/main" id="{95F90759-2A54-4A06-B304-DFA3C45AF309}"/>
+                <a16:creationId xmlns:a16="http://schemas.microsoft.com/office/drawing/2014/main" xmlns="" id="{95F90759-2A54-4A06-B304-DFA3C45AF309}"/>
               </a:ext>
             </a:extLst>
           </p:cNvPr>
@@ -20636,7 +20919,7 @@
           <p:cNvPr id="8" name="Foliennummernplatzhalter 7">
             <a:extLst>
               <a:ext uri="{FF2B5EF4-FFF2-40B4-BE49-F238E27FC236}">
-                <a16:creationId xmlns:a16="http://schemas.microsoft.com/office/drawing/2014/main" id="{AAA489C6-E63E-4078-89A4-7CC1709D7206}"/>
+                <a16:creationId xmlns:a16="http://schemas.microsoft.com/office/drawing/2014/main" xmlns="" id="{AAA489C6-E63E-4078-89A4-7CC1709D7206}"/>
               </a:ext>
             </a:extLst>
           </p:cNvPr>
@@ -20918,7 +21201,7 @@
           <p:cNvPr id="3" name="Datumsplatzhalter 2">
             <a:extLst>
               <a:ext uri="{FF2B5EF4-FFF2-40B4-BE49-F238E27FC236}">
-                <a16:creationId xmlns:a16="http://schemas.microsoft.com/office/drawing/2014/main" id="{24A5A6B0-652D-48FC-AF73-17BD8D217D8E}"/>
+                <a16:creationId xmlns:a16="http://schemas.microsoft.com/office/drawing/2014/main" xmlns="" id="{24A5A6B0-652D-48FC-AF73-17BD8D217D8E}"/>
               </a:ext>
             </a:extLst>
           </p:cNvPr>
@@ -20937,7 +21220,7 @@
             <a:fld id="{17C2562E-359A-3C42-BBEF-E02CE97BECB1}" type="datetimeFigureOut">
               <a:rPr lang="de-DE" smtClean="0"/>
               <a:pPr/>
-              <a:t>19.10.2017</a:t>
+              <a:t>19.10.17</a:t>
             </a:fld>
             <a:endParaRPr lang="de-DE" dirty="0"/>
           </a:p>
@@ -20948,7 +21231,7 @@
           <p:cNvPr id="7" name="Fußzeilenplatzhalter 6">
             <a:extLst>
               <a:ext uri="{FF2B5EF4-FFF2-40B4-BE49-F238E27FC236}">
-                <a16:creationId xmlns:a16="http://schemas.microsoft.com/office/drawing/2014/main" id="{239BA7E1-F103-432E-BC27-0127D2228DA4}"/>
+                <a16:creationId xmlns:a16="http://schemas.microsoft.com/office/drawing/2014/main" xmlns="" id="{239BA7E1-F103-432E-BC27-0127D2228DA4}"/>
               </a:ext>
             </a:extLst>
           </p:cNvPr>
@@ -20973,7 +21256,7 @@
           <p:cNvPr id="9" name="Foliennummernplatzhalter 8">
             <a:extLst>
               <a:ext uri="{FF2B5EF4-FFF2-40B4-BE49-F238E27FC236}">
-                <a16:creationId xmlns:a16="http://schemas.microsoft.com/office/drawing/2014/main" id="{E398A7F9-A765-46A7-B1D7-8FF6247ED6E8}"/>
+                <a16:creationId xmlns:a16="http://schemas.microsoft.com/office/drawing/2014/main" xmlns="" id="{E398A7F9-A765-46A7-B1D7-8FF6247ED6E8}"/>
               </a:ext>
             </a:extLst>
           </p:cNvPr>
@@ -21394,7 +21677,7 @@
           <p:cNvPr id="3" name="Datumsplatzhalter 2">
             <a:extLst>
               <a:ext uri="{FF2B5EF4-FFF2-40B4-BE49-F238E27FC236}">
-                <a16:creationId xmlns:a16="http://schemas.microsoft.com/office/drawing/2014/main" id="{E251BDE8-F6CD-4379-B02C-D58055E91CB7}"/>
+                <a16:creationId xmlns:a16="http://schemas.microsoft.com/office/drawing/2014/main" xmlns="" id="{E251BDE8-F6CD-4379-B02C-D58055E91CB7}"/>
               </a:ext>
             </a:extLst>
           </p:cNvPr>
@@ -21413,7 +21696,7 @@
             <a:fld id="{17C2562E-359A-3C42-BBEF-E02CE97BECB1}" type="datetimeFigureOut">
               <a:rPr lang="de-DE" smtClean="0"/>
               <a:pPr/>
-              <a:t>19.10.2017</a:t>
+              <a:t>19.10.17</a:t>
             </a:fld>
             <a:endParaRPr lang="de-DE" dirty="0"/>
           </a:p>
@@ -21424,7 +21707,7 @@
           <p:cNvPr id="7" name="Fußzeilenplatzhalter 6">
             <a:extLst>
               <a:ext uri="{FF2B5EF4-FFF2-40B4-BE49-F238E27FC236}">
-                <a16:creationId xmlns:a16="http://schemas.microsoft.com/office/drawing/2014/main" id="{F684EDD4-7234-4CF4-A5B8-FCC6419FE199}"/>
+                <a16:creationId xmlns:a16="http://schemas.microsoft.com/office/drawing/2014/main" xmlns="" id="{F684EDD4-7234-4CF4-A5B8-FCC6419FE199}"/>
               </a:ext>
             </a:extLst>
           </p:cNvPr>
@@ -21449,7 +21732,7 @@
           <p:cNvPr id="8" name="Foliennummernplatzhalter 7">
             <a:extLst>
               <a:ext uri="{FF2B5EF4-FFF2-40B4-BE49-F238E27FC236}">
-                <a16:creationId xmlns:a16="http://schemas.microsoft.com/office/drawing/2014/main" id="{81EB7AF2-AEA0-439E-B5DA-DF760778341F}"/>
+                <a16:creationId xmlns:a16="http://schemas.microsoft.com/office/drawing/2014/main" xmlns="" id="{81EB7AF2-AEA0-439E-B5DA-DF760778341F}"/>
               </a:ext>
             </a:extLst>
           </p:cNvPr>
@@ -21777,7 +22060,7 @@
           <p:cNvPr id="3" name="Datumsplatzhalter 2">
             <a:extLst>
               <a:ext uri="{FF2B5EF4-FFF2-40B4-BE49-F238E27FC236}">
-                <a16:creationId xmlns:a16="http://schemas.microsoft.com/office/drawing/2014/main" id="{C2E5ECD2-BEB5-47D1-A89E-69496048A8D5}"/>
+                <a16:creationId xmlns:a16="http://schemas.microsoft.com/office/drawing/2014/main" xmlns="" id="{C2E5ECD2-BEB5-47D1-A89E-69496048A8D5}"/>
               </a:ext>
             </a:extLst>
           </p:cNvPr>
@@ -21796,7 +22079,7 @@
             <a:fld id="{17C2562E-359A-3C42-BBEF-E02CE97BECB1}" type="datetimeFigureOut">
               <a:rPr lang="de-DE" smtClean="0"/>
               <a:pPr/>
-              <a:t>19.10.2017</a:t>
+              <a:t>19.10.17</a:t>
             </a:fld>
             <a:endParaRPr lang="de-DE" dirty="0"/>
           </a:p>
@@ -21807,7 +22090,7 @@
           <p:cNvPr id="7" name="Fußzeilenplatzhalter 6">
             <a:extLst>
               <a:ext uri="{FF2B5EF4-FFF2-40B4-BE49-F238E27FC236}">
-                <a16:creationId xmlns:a16="http://schemas.microsoft.com/office/drawing/2014/main" id="{8DADA64D-3A7A-4438-9197-BD2830657223}"/>
+                <a16:creationId xmlns:a16="http://schemas.microsoft.com/office/drawing/2014/main" xmlns="" id="{8DADA64D-3A7A-4438-9197-BD2830657223}"/>
               </a:ext>
             </a:extLst>
           </p:cNvPr>
@@ -21832,7 +22115,7 @@
           <p:cNvPr id="9" name="Foliennummernplatzhalter 8">
             <a:extLst>
               <a:ext uri="{FF2B5EF4-FFF2-40B4-BE49-F238E27FC236}">
-                <a16:creationId xmlns:a16="http://schemas.microsoft.com/office/drawing/2014/main" id="{3D8A091A-178E-435F-9EA9-84BA66D378CC}"/>
+                <a16:creationId xmlns:a16="http://schemas.microsoft.com/office/drawing/2014/main" xmlns="" id="{3D8A091A-178E-435F-9EA9-84BA66D378CC}"/>
               </a:ext>
             </a:extLst>
           </p:cNvPr>
@@ -22463,7 +22746,7 @@
           <p:cNvPr id="6" name="Datumsplatzhalter 5">
             <a:extLst>
               <a:ext uri="{FF2B5EF4-FFF2-40B4-BE49-F238E27FC236}">
-                <a16:creationId xmlns:a16="http://schemas.microsoft.com/office/drawing/2014/main" id="{E75B6010-F5BB-4F22-8221-D75D21F6EB55}"/>
+                <a16:creationId xmlns:a16="http://schemas.microsoft.com/office/drawing/2014/main" xmlns="" id="{E75B6010-F5BB-4F22-8221-D75D21F6EB55}"/>
               </a:ext>
             </a:extLst>
           </p:cNvPr>
@@ -22482,7 +22765,7 @@
             <a:fld id="{17C2562E-359A-3C42-BBEF-E02CE97BECB1}" type="datetimeFigureOut">
               <a:rPr lang="de-DE" smtClean="0"/>
               <a:pPr/>
-              <a:t>19.10.2017</a:t>
+              <a:t>19.10.17</a:t>
             </a:fld>
             <a:endParaRPr lang="de-DE" dirty="0"/>
           </a:p>
@@ -22493,7 +22776,7 @@
           <p:cNvPr id="7" name="Fußzeilenplatzhalter 6">
             <a:extLst>
               <a:ext uri="{FF2B5EF4-FFF2-40B4-BE49-F238E27FC236}">
-                <a16:creationId xmlns:a16="http://schemas.microsoft.com/office/drawing/2014/main" id="{26547C97-5C9B-4C14-8D49-A5E83DFFB45A}"/>
+                <a16:creationId xmlns:a16="http://schemas.microsoft.com/office/drawing/2014/main" xmlns="" id="{26547C97-5C9B-4C14-8D49-A5E83DFFB45A}"/>
               </a:ext>
             </a:extLst>
           </p:cNvPr>
@@ -22518,7 +22801,7 @@
           <p:cNvPr id="11" name="Foliennummernplatzhalter 10">
             <a:extLst>
               <a:ext uri="{FF2B5EF4-FFF2-40B4-BE49-F238E27FC236}">
-                <a16:creationId xmlns:a16="http://schemas.microsoft.com/office/drawing/2014/main" id="{98B57AAA-67F4-4EFE-A062-411C04E4F8A2}"/>
+                <a16:creationId xmlns:a16="http://schemas.microsoft.com/office/drawing/2014/main" xmlns="" id="{98B57AAA-67F4-4EFE-A062-411C04E4F8A2}"/>
               </a:ext>
             </a:extLst>
           </p:cNvPr>
@@ -23057,7 +23340,7 @@
           <p:cNvPr id="5" name="Datumsplatzhalter 4">
             <a:extLst>
               <a:ext uri="{FF2B5EF4-FFF2-40B4-BE49-F238E27FC236}">
-                <a16:creationId xmlns:a16="http://schemas.microsoft.com/office/drawing/2014/main" id="{0C7C8404-609B-40A1-85F0-0C1D3C5C6357}"/>
+                <a16:creationId xmlns:a16="http://schemas.microsoft.com/office/drawing/2014/main" xmlns="" id="{0C7C8404-609B-40A1-85F0-0C1D3C5C6357}"/>
               </a:ext>
             </a:extLst>
           </p:cNvPr>
@@ -23076,7 +23359,7 @@
             <a:fld id="{17C2562E-359A-3C42-BBEF-E02CE97BECB1}" type="datetimeFigureOut">
               <a:rPr lang="de-DE" smtClean="0"/>
               <a:pPr/>
-              <a:t>19.10.2017</a:t>
+              <a:t>19.10.17</a:t>
             </a:fld>
             <a:endParaRPr lang="de-DE" dirty="0"/>
           </a:p>
@@ -23087,7 +23370,7 @@
           <p:cNvPr id="8" name="Fußzeilenplatzhalter 7">
             <a:extLst>
               <a:ext uri="{FF2B5EF4-FFF2-40B4-BE49-F238E27FC236}">
-                <a16:creationId xmlns:a16="http://schemas.microsoft.com/office/drawing/2014/main" id="{3C29D00E-B305-494B-A605-238A832848F3}"/>
+                <a16:creationId xmlns:a16="http://schemas.microsoft.com/office/drawing/2014/main" xmlns="" id="{3C29D00E-B305-494B-A605-238A832848F3}"/>
               </a:ext>
             </a:extLst>
           </p:cNvPr>
@@ -23112,7 +23395,7 @@
           <p:cNvPr id="9" name="Foliennummernplatzhalter 8">
             <a:extLst>
               <a:ext uri="{FF2B5EF4-FFF2-40B4-BE49-F238E27FC236}">
-                <a16:creationId xmlns:a16="http://schemas.microsoft.com/office/drawing/2014/main" id="{7FC7C27A-51A6-4577-BAAE-22B90EFD1D16}"/>
+                <a16:creationId xmlns:a16="http://schemas.microsoft.com/office/drawing/2014/main" xmlns="" id="{7FC7C27A-51A6-4577-BAAE-22B90EFD1D16}"/>
               </a:ext>
             </a:extLst>
           </p:cNvPr>
@@ -23881,7 +24164,7 @@
           <p:cNvPr id="5" name="Datumsplatzhalter 4">
             <a:extLst>
               <a:ext uri="{FF2B5EF4-FFF2-40B4-BE49-F238E27FC236}">
-                <a16:creationId xmlns:a16="http://schemas.microsoft.com/office/drawing/2014/main" id="{33D616DE-E3B4-4D35-BB61-A1FFAD7A5AAF}"/>
+                <a16:creationId xmlns:a16="http://schemas.microsoft.com/office/drawing/2014/main" xmlns="" id="{33D616DE-E3B4-4D35-BB61-A1FFAD7A5AAF}"/>
               </a:ext>
             </a:extLst>
           </p:cNvPr>
@@ -23900,7 +24183,7 @@
             <a:fld id="{17C2562E-359A-3C42-BBEF-E02CE97BECB1}" type="datetimeFigureOut">
               <a:rPr lang="de-DE" smtClean="0"/>
               <a:pPr/>
-              <a:t>19.10.2017</a:t>
+              <a:t>19.10.17</a:t>
             </a:fld>
             <a:endParaRPr lang="de-DE" dirty="0"/>
           </a:p>
@@ -23911,7 +24194,7 @@
           <p:cNvPr id="7" name="Fußzeilenplatzhalter 6">
             <a:extLst>
               <a:ext uri="{FF2B5EF4-FFF2-40B4-BE49-F238E27FC236}">
-                <a16:creationId xmlns:a16="http://schemas.microsoft.com/office/drawing/2014/main" id="{009571DE-76C3-4B92-A98C-31AD1C84E96F}"/>
+                <a16:creationId xmlns:a16="http://schemas.microsoft.com/office/drawing/2014/main" xmlns="" id="{009571DE-76C3-4B92-A98C-31AD1C84E96F}"/>
               </a:ext>
             </a:extLst>
           </p:cNvPr>
@@ -23936,7 +24219,7 @@
           <p:cNvPr id="10" name="Foliennummernplatzhalter 9">
             <a:extLst>
               <a:ext uri="{FF2B5EF4-FFF2-40B4-BE49-F238E27FC236}">
-                <a16:creationId xmlns:a16="http://schemas.microsoft.com/office/drawing/2014/main" id="{A873DEEA-A3E3-4201-A6F9-C92D0EB9E730}"/>
+                <a16:creationId xmlns:a16="http://schemas.microsoft.com/office/drawing/2014/main" xmlns="" id="{A873DEEA-A3E3-4201-A6F9-C92D0EB9E730}"/>
               </a:ext>
             </a:extLst>
           </p:cNvPr>
@@ -24361,7 +24644,7 @@
           <p:cNvPr id="6" name="Datumsplatzhalter 5">
             <a:extLst>
               <a:ext uri="{FF2B5EF4-FFF2-40B4-BE49-F238E27FC236}">
-                <a16:creationId xmlns:a16="http://schemas.microsoft.com/office/drawing/2014/main" id="{BE1F9E44-CCA9-4032-B773-94D7E2DF8ED5}"/>
+                <a16:creationId xmlns:a16="http://schemas.microsoft.com/office/drawing/2014/main" xmlns="" id="{BE1F9E44-CCA9-4032-B773-94D7E2DF8ED5}"/>
               </a:ext>
             </a:extLst>
           </p:cNvPr>
@@ -24380,7 +24663,7 @@
             <a:fld id="{17C2562E-359A-3C42-BBEF-E02CE97BECB1}" type="datetimeFigureOut">
               <a:rPr lang="de-DE" smtClean="0"/>
               <a:pPr/>
-              <a:t>19.10.2017</a:t>
+              <a:t>19.10.17</a:t>
             </a:fld>
             <a:endParaRPr lang="de-DE" dirty="0"/>
           </a:p>
@@ -24391,7 +24674,7 @@
           <p:cNvPr id="7" name="Fußzeilenplatzhalter 6">
             <a:extLst>
               <a:ext uri="{FF2B5EF4-FFF2-40B4-BE49-F238E27FC236}">
-                <a16:creationId xmlns:a16="http://schemas.microsoft.com/office/drawing/2014/main" id="{4D3B4066-4E5D-4AAB-A33C-01B8A1CAA20D}"/>
+                <a16:creationId xmlns:a16="http://schemas.microsoft.com/office/drawing/2014/main" xmlns="" id="{4D3B4066-4E5D-4AAB-A33C-01B8A1CAA20D}"/>
               </a:ext>
             </a:extLst>
           </p:cNvPr>
@@ -24416,7 +24699,7 @@
           <p:cNvPr id="8" name="Foliennummernplatzhalter 7">
             <a:extLst>
               <a:ext uri="{FF2B5EF4-FFF2-40B4-BE49-F238E27FC236}">
-                <a16:creationId xmlns:a16="http://schemas.microsoft.com/office/drawing/2014/main" id="{52AE4811-CB7B-4E63-92A7-E2967B6AEBEE}"/>
+                <a16:creationId xmlns:a16="http://schemas.microsoft.com/office/drawing/2014/main" xmlns="" id="{52AE4811-CB7B-4E63-92A7-E2967B6AEBEE}"/>
               </a:ext>
             </a:extLst>
           </p:cNvPr>
@@ -25203,7 +25486,7 @@
           <p:cNvPr id="5" name="Datumsplatzhalter 4">
             <a:extLst>
               <a:ext uri="{FF2B5EF4-FFF2-40B4-BE49-F238E27FC236}">
-                <a16:creationId xmlns:a16="http://schemas.microsoft.com/office/drawing/2014/main" id="{7AEDF8C5-F6FB-4119-B6A3-908B246DAB0B}"/>
+                <a16:creationId xmlns:a16="http://schemas.microsoft.com/office/drawing/2014/main" xmlns="" id="{7AEDF8C5-F6FB-4119-B6A3-908B246DAB0B}"/>
               </a:ext>
             </a:extLst>
           </p:cNvPr>
@@ -25222,7 +25505,7 @@
             <a:fld id="{17C2562E-359A-3C42-BBEF-E02CE97BECB1}" type="datetimeFigureOut">
               <a:rPr lang="de-DE" smtClean="0"/>
               <a:pPr/>
-              <a:t>19.10.2017</a:t>
+              <a:t>19.10.17</a:t>
             </a:fld>
             <a:endParaRPr lang="de-DE" dirty="0"/>
           </a:p>
@@ -25233,7 +25516,7 @@
           <p:cNvPr id="7" name="Fußzeilenplatzhalter 6">
             <a:extLst>
               <a:ext uri="{FF2B5EF4-FFF2-40B4-BE49-F238E27FC236}">
-                <a16:creationId xmlns:a16="http://schemas.microsoft.com/office/drawing/2014/main" id="{4CCDEB9D-85DD-4CF0-96C7-BA711D11F2BE}"/>
+                <a16:creationId xmlns:a16="http://schemas.microsoft.com/office/drawing/2014/main" xmlns="" id="{4CCDEB9D-85DD-4CF0-96C7-BA711D11F2BE}"/>
               </a:ext>
             </a:extLst>
           </p:cNvPr>
@@ -25258,7 +25541,7 @@
           <p:cNvPr id="9" name="Foliennummernplatzhalter 8">
             <a:extLst>
               <a:ext uri="{FF2B5EF4-FFF2-40B4-BE49-F238E27FC236}">
-                <a16:creationId xmlns:a16="http://schemas.microsoft.com/office/drawing/2014/main" id="{418E80D9-3450-43BD-94A9-22C9BF91B1C0}"/>
+                <a16:creationId xmlns:a16="http://schemas.microsoft.com/office/drawing/2014/main" xmlns="" id="{418E80D9-3450-43BD-94A9-22C9BF91B1C0}"/>
               </a:ext>
             </a:extLst>
           </p:cNvPr>
@@ -26004,7 +26287,7 @@
           <p:cNvPr id="3" name="Datumsplatzhalter 2">
             <a:extLst>
               <a:ext uri="{FF2B5EF4-FFF2-40B4-BE49-F238E27FC236}">
-                <a16:creationId xmlns:a16="http://schemas.microsoft.com/office/drawing/2014/main" id="{25D8C277-6F42-4B11-AB90-EBE3A1238A85}"/>
+                <a16:creationId xmlns:a16="http://schemas.microsoft.com/office/drawing/2014/main" xmlns="" id="{25D8C277-6F42-4B11-AB90-EBE3A1238A85}"/>
               </a:ext>
             </a:extLst>
           </p:cNvPr>
@@ -26023,7 +26306,7 @@
             <a:fld id="{17C2562E-359A-3C42-BBEF-E02CE97BECB1}" type="datetimeFigureOut">
               <a:rPr lang="de-DE" smtClean="0"/>
               <a:pPr/>
-              <a:t>19.10.2017</a:t>
+              <a:t>19.10.17</a:t>
             </a:fld>
             <a:endParaRPr lang="de-DE" dirty="0"/>
           </a:p>
@@ -26034,7 +26317,7 @@
           <p:cNvPr id="4" name="Fußzeilenplatzhalter 3">
             <a:extLst>
               <a:ext uri="{FF2B5EF4-FFF2-40B4-BE49-F238E27FC236}">
-                <a16:creationId xmlns:a16="http://schemas.microsoft.com/office/drawing/2014/main" id="{4815A052-9443-41A9-9F46-0AA437EEDDA5}"/>
+                <a16:creationId xmlns:a16="http://schemas.microsoft.com/office/drawing/2014/main" xmlns="" id="{4815A052-9443-41A9-9F46-0AA437EEDDA5}"/>
               </a:ext>
             </a:extLst>
           </p:cNvPr>
@@ -26059,7 +26342,7 @@
           <p:cNvPr id="5" name="Foliennummernplatzhalter 4">
             <a:extLst>
               <a:ext uri="{FF2B5EF4-FFF2-40B4-BE49-F238E27FC236}">
-                <a16:creationId xmlns:a16="http://schemas.microsoft.com/office/drawing/2014/main" id="{5F7C50D9-9DEA-4EFD-ACE3-677BBD4DEB55}"/>
+                <a16:creationId xmlns:a16="http://schemas.microsoft.com/office/drawing/2014/main" xmlns="" id="{5F7C50D9-9DEA-4EFD-ACE3-677BBD4DEB55}"/>
               </a:ext>
             </a:extLst>
           </p:cNvPr>
@@ -26525,7 +26808,7 @@
           <p:cNvPr id="5" name="Datumsplatzhalter 4">
             <a:extLst>
               <a:ext uri="{FF2B5EF4-FFF2-40B4-BE49-F238E27FC236}">
-                <a16:creationId xmlns:a16="http://schemas.microsoft.com/office/drawing/2014/main" id="{6B4135B1-E114-41F0-9C64-3A26186B834F}"/>
+                <a16:creationId xmlns:a16="http://schemas.microsoft.com/office/drawing/2014/main" xmlns="" id="{6B4135B1-E114-41F0-9C64-3A26186B834F}"/>
               </a:ext>
             </a:extLst>
           </p:cNvPr>
@@ -26544,7 +26827,7 @@
             <a:fld id="{17C2562E-359A-3C42-BBEF-E02CE97BECB1}" type="datetimeFigureOut">
               <a:rPr lang="de-DE" smtClean="0"/>
               <a:pPr/>
-              <a:t>19.10.2017</a:t>
+              <a:t>19.10.17</a:t>
             </a:fld>
             <a:endParaRPr lang="de-DE" dirty="0"/>
           </a:p>
@@ -26555,7 +26838,7 @@
           <p:cNvPr id="7" name="Fußzeilenplatzhalter 6">
             <a:extLst>
               <a:ext uri="{FF2B5EF4-FFF2-40B4-BE49-F238E27FC236}">
-                <a16:creationId xmlns:a16="http://schemas.microsoft.com/office/drawing/2014/main" id="{84D81854-B37F-4ADF-A34F-BF0CCA2926F2}"/>
+                <a16:creationId xmlns:a16="http://schemas.microsoft.com/office/drawing/2014/main" xmlns="" id="{84D81854-B37F-4ADF-A34F-BF0CCA2926F2}"/>
               </a:ext>
             </a:extLst>
           </p:cNvPr>
@@ -26580,7 +26863,7 @@
           <p:cNvPr id="9" name="Foliennummernplatzhalter 8">
             <a:extLst>
               <a:ext uri="{FF2B5EF4-FFF2-40B4-BE49-F238E27FC236}">
-                <a16:creationId xmlns:a16="http://schemas.microsoft.com/office/drawing/2014/main" id="{2EE17D9C-06FE-45C8-B312-4C5617C49000}"/>
+                <a16:creationId xmlns:a16="http://schemas.microsoft.com/office/drawing/2014/main" xmlns="" id="{2EE17D9C-06FE-45C8-B312-4C5617C49000}"/>
               </a:ext>
             </a:extLst>
           </p:cNvPr>
@@ -27005,7 +27288,7 @@
           <p:cNvPr id="10" name="Datumsplatzhalter 9">
             <a:extLst>
               <a:ext uri="{FF2B5EF4-FFF2-40B4-BE49-F238E27FC236}">
-                <a16:creationId xmlns:a16="http://schemas.microsoft.com/office/drawing/2014/main" id="{F92E0490-C295-4C99-B9D1-6310B9164EDD}"/>
+                <a16:creationId xmlns:a16="http://schemas.microsoft.com/office/drawing/2014/main" xmlns="" id="{F92E0490-C295-4C99-B9D1-6310B9164EDD}"/>
               </a:ext>
             </a:extLst>
           </p:cNvPr>
@@ -27024,7 +27307,7 @@
             <a:fld id="{17C2562E-359A-3C42-BBEF-E02CE97BECB1}" type="datetimeFigureOut">
               <a:rPr lang="de-DE" smtClean="0"/>
               <a:pPr/>
-              <a:t>19.10.2017</a:t>
+              <a:t>19.10.17</a:t>
             </a:fld>
             <a:endParaRPr lang="de-DE" dirty="0"/>
           </a:p>
@@ -27035,7 +27318,7 @@
           <p:cNvPr id="11" name="Fußzeilenplatzhalter 10">
             <a:extLst>
               <a:ext uri="{FF2B5EF4-FFF2-40B4-BE49-F238E27FC236}">
-                <a16:creationId xmlns:a16="http://schemas.microsoft.com/office/drawing/2014/main" id="{DD98C48F-3C69-4703-B4CC-632DDDDB497C}"/>
+                <a16:creationId xmlns:a16="http://schemas.microsoft.com/office/drawing/2014/main" xmlns="" id="{DD98C48F-3C69-4703-B4CC-632DDDDB497C}"/>
               </a:ext>
             </a:extLst>
           </p:cNvPr>
@@ -27060,7 +27343,7 @@
           <p:cNvPr id="15" name="Foliennummernplatzhalter 14">
             <a:extLst>
               <a:ext uri="{FF2B5EF4-FFF2-40B4-BE49-F238E27FC236}">
-                <a16:creationId xmlns:a16="http://schemas.microsoft.com/office/drawing/2014/main" id="{1968527D-44A1-407F-99A6-2ACAB46FBD28}"/>
+                <a16:creationId xmlns:a16="http://schemas.microsoft.com/office/drawing/2014/main" xmlns="" id="{1968527D-44A1-407F-99A6-2ACAB46FBD28}"/>
               </a:ext>
             </a:extLst>
           </p:cNvPr>
@@ -27847,7 +28130,7 @@
           <p:cNvPr id="5" name="Datumsplatzhalter 4">
             <a:extLst>
               <a:ext uri="{FF2B5EF4-FFF2-40B4-BE49-F238E27FC236}">
-                <a16:creationId xmlns:a16="http://schemas.microsoft.com/office/drawing/2014/main" id="{8AFAB162-0FDB-4A37-A4FD-CBFC89474486}"/>
+                <a16:creationId xmlns:a16="http://schemas.microsoft.com/office/drawing/2014/main" xmlns="" id="{8AFAB162-0FDB-4A37-A4FD-CBFC89474486}"/>
               </a:ext>
             </a:extLst>
           </p:cNvPr>
@@ -27866,7 +28149,7 @@
             <a:fld id="{17C2562E-359A-3C42-BBEF-E02CE97BECB1}" type="datetimeFigureOut">
               <a:rPr lang="de-DE" smtClean="0"/>
               <a:pPr/>
-              <a:t>19.10.2017</a:t>
+              <a:t>19.10.17</a:t>
             </a:fld>
             <a:endParaRPr lang="de-DE" dirty="0"/>
           </a:p>
@@ -27877,7 +28160,7 @@
           <p:cNvPr id="7" name="Fußzeilenplatzhalter 6">
             <a:extLst>
               <a:ext uri="{FF2B5EF4-FFF2-40B4-BE49-F238E27FC236}">
-                <a16:creationId xmlns:a16="http://schemas.microsoft.com/office/drawing/2014/main" id="{46B12C25-0691-43C5-8596-6B8AD0039874}"/>
+                <a16:creationId xmlns:a16="http://schemas.microsoft.com/office/drawing/2014/main" xmlns="" id="{46B12C25-0691-43C5-8596-6B8AD0039874}"/>
               </a:ext>
             </a:extLst>
           </p:cNvPr>
@@ -27902,7 +28185,7 @@
           <p:cNvPr id="9" name="Foliennummernplatzhalter 8">
             <a:extLst>
               <a:ext uri="{FF2B5EF4-FFF2-40B4-BE49-F238E27FC236}">
-                <a16:creationId xmlns:a16="http://schemas.microsoft.com/office/drawing/2014/main" id="{7C5C2594-4A54-4AE0-88EE-FB17FDD4570C}"/>
+                <a16:creationId xmlns:a16="http://schemas.microsoft.com/office/drawing/2014/main" xmlns="" id="{7C5C2594-4A54-4AE0-88EE-FB17FDD4570C}"/>
               </a:ext>
             </a:extLst>
           </p:cNvPr>
@@ -28648,7 +28931,7 @@
           <p:cNvPr id="5" name="Datumsplatzhalter 4">
             <a:extLst>
               <a:ext uri="{FF2B5EF4-FFF2-40B4-BE49-F238E27FC236}">
-                <a16:creationId xmlns:a16="http://schemas.microsoft.com/office/drawing/2014/main" id="{D1D6952B-45CB-46FF-9F9B-1F98CC255417}"/>
+                <a16:creationId xmlns:a16="http://schemas.microsoft.com/office/drawing/2014/main" xmlns="" id="{D1D6952B-45CB-46FF-9F9B-1F98CC255417}"/>
               </a:ext>
             </a:extLst>
           </p:cNvPr>
@@ -28667,7 +28950,7 @@
             <a:fld id="{17C2562E-359A-3C42-BBEF-E02CE97BECB1}" type="datetimeFigureOut">
               <a:rPr lang="de-DE" smtClean="0"/>
               <a:pPr/>
-              <a:t>19.10.2017</a:t>
+              <a:t>19.10.17</a:t>
             </a:fld>
             <a:endParaRPr lang="de-DE" dirty="0"/>
           </a:p>
@@ -28678,7 +28961,7 @@
           <p:cNvPr id="7" name="Fußzeilenplatzhalter 6">
             <a:extLst>
               <a:ext uri="{FF2B5EF4-FFF2-40B4-BE49-F238E27FC236}">
-                <a16:creationId xmlns:a16="http://schemas.microsoft.com/office/drawing/2014/main" id="{3C08D0C6-0E40-46E2-9D6C-74181D953DFE}"/>
+                <a16:creationId xmlns:a16="http://schemas.microsoft.com/office/drawing/2014/main" xmlns="" id="{3C08D0C6-0E40-46E2-9D6C-74181D953DFE}"/>
               </a:ext>
             </a:extLst>
           </p:cNvPr>
@@ -28703,7 +28986,7 @@
           <p:cNvPr id="8" name="Foliennummernplatzhalter 7">
             <a:extLst>
               <a:ext uri="{FF2B5EF4-FFF2-40B4-BE49-F238E27FC236}">
-                <a16:creationId xmlns:a16="http://schemas.microsoft.com/office/drawing/2014/main" id="{EA500A2A-E0AD-4AD6-AB58-61BF900F0E2C}"/>
+                <a16:creationId xmlns:a16="http://schemas.microsoft.com/office/drawing/2014/main" xmlns="" id="{EA500A2A-E0AD-4AD6-AB58-61BF900F0E2C}"/>
               </a:ext>
             </a:extLst>
           </p:cNvPr>
@@ -28807,7 +29090,7 @@
           <p:cNvPr id="5" name="Datumsplatzhalter 4">
             <a:extLst>
               <a:ext uri="{FF2B5EF4-FFF2-40B4-BE49-F238E27FC236}">
-                <a16:creationId xmlns:a16="http://schemas.microsoft.com/office/drawing/2014/main" id="{A181F7F8-D379-4070-8216-3B81228BAEC6}"/>
+                <a16:creationId xmlns:a16="http://schemas.microsoft.com/office/drawing/2014/main" xmlns="" id="{A181F7F8-D379-4070-8216-3B81228BAEC6}"/>
               </a:ext>
             </a:extLst>
           </p:cNvPr>
@@ -28826,7 +29109,7 @@
             <a:fld id="{17C2562E-359A-3C42-BBEF-E02CE97BECB1}" type="datetimeFigureOut">
               <a:rPr lang="de-DE" smtClean="0"/>
               <a:pPr/>
-              <a:t>19.10.2017</a:t>
+              <a:t>19.10.17</a:t>
             </a:fld>
             <a:endParaRPr lang="de-DE" dirty="0"/>
           </a:p>
@@ -28837,7 +29120,7 @@
           <p:cNvPr id="7" name="Fußzeilenplatzhalter 6">
             <a:extLst>
               <a:ext uri="{FF2B5EF4-FFF2-40B4-BE49-F238E27FC236}">
-                <a16:creationId xmlns:a16="http://schemas.microsoft.com/office/drawing/2014/main" id="{D8E0E4FD-5CC1-4D23-A3E8-7DAB1134A4FA}"/>
+                <a16:creationId xmlns:a16="http://schemas.microsoft.com/office/drawing/2014/main" xmlns="" id="{D8E0E4FD-5CC1-4D23-A3E8-7DAB1134A4FA}"/>
               </a:ext>
             </a:extLst>
           </p:cNvPr>
@@ -28862,7 +29145,7 @@
           <p:cNvPr id="8" name="Foliennummernplatzhalter 7">
             <a:extLst>
               <a:ext uri="{FF2B5EF4-FFF2-40B4-BE49-F238E27FC236}">
-                <a16:creationId xmlns:a16="http://schemas.microsoft.com/office/drawing/2014/main" id="{6D72C792-B02A-4A44-BF65-9B261DE5D43D}"/>
+                <a16:creationId xmlns:a16="http://schemas.microsoft.com/office/drawing/2014/main" xmlns="" id="{6D72C792-B02A-4A44-BF65-9B261DE5D43D}"/>
               </a:ext>
             </a:extLst>
           </p:cNvPr>
@@ -28983,6 +29266,10 @@
                 <a:spcPts val="600"/>
               </a:spcBef>
             </a:pPr>
+            <a:r>
+              <a:rPr lang="de-DE" sz="2000" dirty="0"/>
+              <a:t/>
+            </a:r>
             <a:br>
               <a:rPr lang="de-DE" sz="2000" dirty="0"/>
             </a:br>
@@ -29199,9 +29486,17 @@
               <a:rPr lang="de-DE" sz="2000" noProof="0" dirty="0"/>
               <a:t>dateveg</a:t>
             </a:r>
+            <a:r>
+              <a:rPr lang="de-DE" sz="2000" dirty="0"/>
+              <a:t/>
+            </a:r>
             <a:br>
               <a:rPr lang="de-DE" sz="2000" dirty="0"/>
             </a:br>
+            <a:r>
+              <a:rPr lang="de-DE" sz="2000" dirty="0"/>
+              <a:t/>
+            </a:r>
             <a:br>
               <a:rPr lang="de-DE" sz="2000" dirty="0"/>
             </a:br>
@@ -29247,7 +29542,7 @@
           <p:cNvPr id="2" name="Datumsplatzhalter 1">
             <a:extLst>
               <a:ext uri="{FF2B5EF4-FFF2-40B4-BE49-F238E27FC236}">
-                <a16:creationId xmlns:a16="http://schemas.microsoft.com/office/drawing/2014/main" id="{B1E6CA30-BA19-47F1-BFEE-B5E43CCEC731}"/>
+                <a16:creationId xmlns:a16="http://schemas.microsoft.com/office/drawing/2014/main" xmlns="" id="{B1E6CA30-BA19-47F1-BFEE-B5E43CCEC731}"/>
               </a:ext>
             </a:extLst>
           </p:cNvPr>
@@ -29266,7 +29561,7 @@
             <a:fld id="{17C2562E-359A-3C42-BBEF-E02CE97BECB1}" type="datetimeFigureOut">
               <a:rPr lang="de-DE" smtClean="0"/>
               <a:pPr/>
-              <a:t>19.10.2017</a:t>
+              <a:t>19.10.17</a:t>
             </a:fld>
             <a:endParaRPr lang="de-DE" dirty="0"/>
           </a:p>
@@ -29277,7 +29572,7 @@
           <p:cNvPr id="14" name="Fußzeilenplatzhalter 13">
             <a:extLst>
               <a:ext uri="{FF2B5EF4-FFF2-40B4-BE49-F238E27FC236}">
-                <a16:creationId xmlns:a16="http://schemas.microsoft.com/office/drawing/2014/main" id="{06236A5B-AF48-4E5C-BD02-27BC73328D88}"/>
+                <a16:creationId xmlns:a16="http://schemas.microsoft.com/office/drawing/2014/main" xmlns="" id="{06236A5B-AF48-4E5C-BD02-27BC73328D88}"/>
               </a:ext>
             </a:extLst>
           </p:cNvPr>
@@ -29302,7 +29597,7 @@
           <p:cNvPr id="15" name="Foliennummernplatzhalter 14">
             <a:extLst>
               <a:ext uri="{FF2B5EF4-FFF2-40B4-BE49-F238E27FC236}">
-                <a16:creationId xmlns:a16="http://schemas.microsoft.com/office/drawing/2014/main" id="{6C539E6F-C163-4DFD-A93D-F463843C6D4E}"/>
+                <a16:creationId xmlns:a16="http://schemas.microsoft.com/office/drawing/2014/main" xmlns="" id="{6C539E6F-C163-4DFD-A93D-F463843C6D4E}"/>
               </a:ext>
             </a:extLst>
           </p:cNvPr>
@@ -29618,7 +29913,7 @@
           <p:cNvPr id="7" name="Datumsplatzhalter 6">
             <a:extLst>
               <a:ext uri="{FF2B5EF4-FFF2-40B4-BE49-F238E27FC236}">
-                <a16:creationId xmlns:a16="http://schemas.microsoft.com/office/drawing/2014/main" id="{E9F2D5EB-EB07-4AC4-94D4-FA6BD7E87398}"/>
+                <a16:creationId xmlns:a16="http://schemas.microsoft.com/office/drawing/2014/main" xmlns="" id="{E9F2D5EB-EB07-4AC4-94D4-FA6BD7E87398}"/>
               </a:ext>
             </a:extLst>
           </p:cNvPr>
@@ -29637,7 +29932,7 @@
             <a:fld id="{17C2562E-359A-3C42-BBEF-E02CE97BECB1}" type="datetimeFigureOut">
               <a:rPr lang="de-DE" smtClean="0"/>
               <a:pPr/>
-              <a:t>19.10.2017</a:t>
+              <a:t>19.10.17</a:t>
             </a:fld>
             <a:endParaRPr lang="de-DE" dirty="0"/>
           </a:p>
@@ -29648,7 +29943,7 @@
           <p:cNvPr id="8" name="Fußzeilenplatzhalter 7">
             <a:extLst>
               <a:ext uri="{FF2B5EF4-FFF2-40B4-BE49-F238E27FC236}">
-                <a16:creationId xmlns:a16="http://schemas.microsoft.com/office/drawing/2014/main" id="{947F1BF2-5B5A-4E3F-9A69-A7FC06CEE6DA}"/>
+                <a16:creationId xmlns:a16="http://schemas.microsoft.com/office/drawing/2014/main" xmlns="" id="{947F1BF2-5B5A-4E3F-9A69-A7FC06CEE6DA}"/>
               </a:ext>
             </a:extLst>
           </p:cNvPr>
@@ -29673,7 +29968,7 @@
           <p:cNvPr id="9" name="Foliennummernplatzhalter 8">
             <a:extLst>
               <a:ext uri="{FF2B5EF4-FFF2-40B4-BE49-F238E27FC236}">
-                <a16:creationId xmlns:a16="http://schemas.microsoft.com/office/drawing/2014/main" id="{B0D6E36A-E68C-4CFF-A1B3-ADE80884E18E}"/>
+                <a16:creationId xmlns:a16="http://schemas.microsoft.com/office/drawing/2014/main" xmlns="" id="{B0D6E36A-E68C-4CFF-A1B3-ADE80884E18E}"/>
               </a:ext>
             </a:extLst>
           </p:cNvPr>
@@ -29764,7 +30059,7 @@
           <a:noFill/>
           <a:extLst>
             <a:ext uri="{909E8E84-426E-40dd-AFC4-6F175D3DCCD1}">
-              <a14:hiddenFill xmlns="" xmlns:a14="http://schemas.microsoft.com/office/drawing/2010/main">
+              <a14:hiddenFill xmlns:a14="http://schemas.microsoft.com/office/drawing/2010/main" xmlns="">
                 <a:solidFill>
                   <a:srgbClr val="FFFFFF"/>
                 </a:solidFill>
@@ -29844,7 +30139,7 @@
           <a:noFill/>
           <a:extLst>
             <a:ext uri="{909E8E84-426E-40dd-AFC4-6F175D3DCCD1}">
-              <a14:hiddenFill xmlns="" xmlns:a14="http://schemas.microsoft.com/office/drawing/2010/main">
+              <a14:hiddenFill xmlns:a14="http://schemas.microsoft.com/office/drawing/2010/main" xmlns="">
                 <a:solidFill>
                   <a:srgbClr val="FFFFFF"/>
                 </a:solidFill>
@@ -30147,7 +30442,7 @@
           <p:cNvPr id="5" name="Datumsplatzhalter 4">
             <a:extLst>
               <a:ext uri="{FF2B5EF4-FFF2-40B4-BE49-F238E27FC236}">
-                <a16:creationId xmlns:a16="http://schemas.microsoft.com/office/drawing/2014/main" id="{368DD9D8-7FE8-48F0-AE91-AE98EA3DCA20}"/>
+                <a16:creationId xmlns:a16="http://schemas.microsoft.com/office/drawing/2014/main" xmlns="" id="{368DD9D8-7FE8-48F0-AE91-AE98EA3DCA20}"/>
               </a:ext>
             </a:extLst>
           </p:cNvPr>
@@ -30166,7 +30461,7 @@
             <a:fld id="{17C2562E-359A-3C42-BBEF-E02CE97BECB1}" type="datetimeFigureOut">
               <a:rPr lang="de-DE" smtClean="0"/>
               <a:pPr/>
-              <a:t>19.10.2017</a:t>
+              <a:t>19.10.17</a:t>
             </a:fld>
             <a:endParaRPr lang="de-DE" dirty="0"/>
           </a:p>
@@ -30177,7 +30472,7 @@
           <p:cNvPr id="7" name="Fußzeilenplatzhalter 6">
             <a:extLst>
               <a:ext uri="{FF2B5EF4-FFF2-40B4-BE49-F238E27FC236}">
-                <a16:creationId xmlns:a16="http://schemas.microsoft.com/office/drawing/2014/main" id="{DD743ADB-89F1-48B5-A397-7FB83734730F}"/>
+                <a16:creationId xmlns:a16="http://schemas.microsoft.com/office/drawing/2014/main" xmlns="" id="{DD743ADB-89F1-48B5-A397-7FB83734730F}"/>
               </a:ext>
             </a:extLst>
           </p:cNvPr>
@@ -30202,7 +30497,7 @@
           <p:cNvPr id="8" name="Foliennummernplatzhalter 7">
             <a:extLst>
               <a:ext uri="{FF2B5EF4-FFF2-40B4-BE49-F238E27FC236}">
-                <a16:creationId xmlns:a16="http://schemas.microsoft.com/office/drawing/2014/main" id="{E9AACC46-EA1E-4E6F-8F9D-AC4B57F09904}"/>
+                <a16:creationId xmlns:a16="http://schemas.microsoft.com/office/drawing/2014/main" xmlns="" id="{E9AACC46-EA1E-4E6F-8F9D-AC4B57F09904}"/>
               </a:ext>
             </a:extLst>
           </p:cNvPr>
@@ -30509,7 +30804,7 @@
           <p:cNvPr id="6" name="Datumsplatzhalter 5">
             <a:extLst>
               <a:ext uri="{FF2B5EF4-FFF2-40B4-BE49-F238E27FC236}">
-                <a16:creationId xmlns:a16="http://schemas.microsoft.com/office/drawing/2014/main" id="{39EC82D5-F468-46F1-8BE2-F62E4D04C5CD}"/>
+                <a16:creationId xmlns:a16="http://schemas.microsoft.com/office/drawing/2014/main" xmlns="" id="{39EC82D5-F468-46F1-8BE2-F62E4D04C5CD}"/>
               </a:ext>
             </a:extLst>
           </p:cNvPr>
@@ -30528,7 +30823,7 @@
             <a:fld id="{17C2562E-359A-3C42-BBEF-E02CE97BECB1}" type="datetimeFigureOut">
               <a:rPr lang="de-DE" smtClean="0"/>
               <a:pPr/>
-              <a:t>19.10.2017</a:t>
+              <a:t>19.10.17</a:t>
             </a:fld>
             <a:endParaRPr lang="de-DE" dirty="0"/>
           </a:p>
@@ -30539,7 +30834,7 @@
           <p:cNvPr id="7" name="Fußzeilenplatzhalter 6">
             <a:extLst>
               <a:ext uri="{FF2B5EF4-FFF2-40B4-BE49-F238E27FC236}">
-                <a16:creationId xmlns:a16="http://schemas.microsoft.com/office/drawing/2014/main" id="{32A29AE2-1FA8-458C-9BDD-E35CA69A9340}"/>
+                <a16:creationId xmlns:a16="http://schemas.microsoft.com/office/drawing/2014/main" xmlns="" id="{32A29AE2-1FA8-458C-9BDD-E35CA69A9340}"/>
               </a:ext>
             </a:extLst>
           </p:cNvPr>
@@ -30564,7 +30859,7 @@
           <p:cNvPr id="8" name="Foliennummernplatzhalter 7">
             <a:extLst>
               <a:ext uri="{FF2B5EF4-FFF2-40B4-BE49-F238E27FC236}">
-                <a16:creationId xmlns:a16="http://schemas.microsoft.com/office/drawing/2014/main" id="{DC4135BE-88E8-4C4B-B3FF-FC61855E0C9F}"/>
+                <a16:creationId xmlns:a16="http://schemas.microsoft.com/office/drawing/2014/main" xmlns="" id="{DC4135BE-88E8-4C4B-B3FF-FC61855E0C9F}"/>
               </a:ext>
             </a:extLst>
           </p:cNvPr>
@@ -30875,7 +31170,7 @@
           <p:cNvPr id="5" name="Datumsplatzhalter 4">
             <a:extLst>
               <a:ext uri="{FF2B5EF4-FFF2-40B4-BE49-F238E27FC236}">
-                <a16:creationId xmlns:a16="http://schemas.microsoft.com/office/drawing/2014/main" id="{42621BA8-D298-4AAA-B27E-2D5702596736}"/>
+                <a16:creationId xmlns:a16="http://schemas.microsoft.com/office/drawing/2014/main" xmlns="" id="{42621BA8-D298-4AAA-B27E-2D5702596736}"/>
               </a:ext>
             </a:extLst>
           </p:cNvPr>
@@ -30894,7 +31189,7 @@
             <a:fld id="{17C2562E-359A-3C42-BBEF-E02CE97BECB1}" type="datetimeFigureOut">
               <a:rPr lang="de-DE" smtClean="0"/>
               <a:pPr/>
-              <a:t>19.10.2017</a:t>
+              <a:t>19.10.17</a:t>
             </a:fld>
             <a:endParaRPr lang="de-DE" dirty="0"/>
           </a:p>
@@ -30905,7 +31200,7 @@
           <p:cNvPr id="6" name="Fußzeilenplatzhalter 5">
             <a:extLst>
               <a:ext uri="{FF2B5EF4-FFF2-40B4-BE49-F238E27FC236}">
-                <a16:creationId xmlns:a16="http://schemas.microsoft.com/office/drawing/2014/main" id="{59687A69-8E9C-4168-AA2A-7D487587D19D}"/>
+                <a16:creationId xmlns:a16="http://schemas.microsoft.com/office/drawing/2014/main" xmlns="" id="{59687A69-8E9C-4168-AA2A-7D487587D19D}"/>
               </a:ext>
             </a:extLst>
           </p:cNvPr>
@@ -30930,7 +31225,7 @@
           <p:cNvPr id="7" name="Foliennummernplatzhalter 6">
             <a:extLst>
               <a:ext uri="{FF2B5EF4-FFF2-40B4-BE49-F238E27FC236}">
-                <a16:creationId xmlns:a16="http://schemas.microsoft.com/office/drawing/2014/main" id="{536244A4-4C24-4CD2-82E9-C547A6F8C84B}"/>
+                <a16:creationId xmlns:a16="http://schemas.microsoft.com/office/drawing/2014/main" xmlns="" id="{536244A4-4C24-4CD2-82E9-C547A6F8C84B}"/>
               </a:ext>
             </a:extLst>
           </p:cNvPr>
@@ -31234,7 +31529,7 @@
           <p:cNvPr id="6" name="Datumsplatzhalter 5">
             <a:extLst>
               <a:ext uri="{FF2B5EF4-FFF2-40B4-BE49-F238E27FC236}">
-                <a16:creationId xmlns:a16="http://schemas.microsoft.com/office/drawing/2014/main" id="{BF6F2AC7-7673-45B2-B727-C8AE32F0AB56}"/>
+                <a16:creationId xmlns:a16="http://schemas.microsoft.com/office/drawing/2014/main" xmlns="" id="{BF6F2AC7-7673-45B2-B727-C8AE32F0AB56}"/>
               </a:ext>
             </a:extLst>
           </p:cNvPr>
@@ -31253,7 +31548,7 @@
             <a:fld id="{17C2562E-359A-3C42-BBEF-E02CE97BECB1}" type="datetimeFigureOut">
               <a:rPr lang="de-DE" smtClean="0"/>
               <a:pPr/>
-              <a:t>19.10.2017</a:t>
+              <a:t>19.10.17</a:t>
             </a:fld>
             <a:endParaRPr lang="de-DE" dirty="0"/>
           </a:p>
@@ -31264,7 +31559,7 @@
           <p:cNvPr id="7" name="Fußzeilenplatzhalter 6">
             <a:extLst>
               <a:ext uri="{FF2B5EF4-FFF2-40B4-BE49-F238E27FC236}">
-                <a16:creationId xmlns:a16="http://schemas.microsoft.com/office/drawing/2014/main" id="{92A772BA-DCE7-4C4E-83BA-CF4FFCC183EE}"/>
+                <a16:creationId xmlns:a16="http://schemas.microsoft.com/office/drawing/2014/main" xmlns="" id="{92A772BA-DCE7-4C4E-83BA-CF4FFCC183EE}"/>
               </a:ext>
             </a:extLst>
           </p:cNvPr>
@@ -31289,7 +31584,7 @@
           <p:cNvPr id="8" name="Foliennummernplatzhalter 7">
             <a:extLst>
               <a:ext uri="{FF2B5EF4-FFF2-40B4-BE49-F238E27FC236}">
-                <a16:creationId xmlns:a16="http://schemas.microsoft.com/office/drawing/2014/main" id="{E51D4D1D-A3D0-476F-93F4-F41207D05396}"/>
+                <a16:creationId xmlns:a16="http://schemas.microsoft.com/office/drawing/2014/main" xmlns="" id="{E51D4D1D-A3D0-476F-93F4-F41207D05396}"/>
               </a:ext>
             </a:extLst>
           </p:cNvPr>
@@ -31589,7 +31884,7 @@
           <p:cNvPr id="4" name="Datumsplatzhalter 3">
             <a:extLst>
               <a:ext uri="{FF2B5EF4-FFF2-40B4-BE49-F238E27FC236}">
-                <a16:creationId xmlns:a16="http://schemas.microsoft.com/office/drawing/2014/main" id="{37D39D12-6498-4172-8CA5-163DBEBBD0CB}"/>
+                <a16:creationId xmlns:a16="http://schemas.microsoft.com/office/drawing/2014/main" xmlns="" id="{37D39D12-6498-4172-8CA5-163DBEBBD0CB}"/>
               </a:ext>
             </a:extLst>
           </p:cNvPr>
@@ -31608,7 +31903,7 @@
             <a:fld id="{17C2562E-359A-3C42-BBEF-E02CE97BECB1}" type="datetimeFigureOut">
               <a:rPr lang="de-DE" smtClean="0"/>
               <a:pPr/>
-              <a:t>19.10.2017</a:t>
+              <a:t>19.10.17</a:t>
             </a:fld>
             <a:endParaRPr lang="de-DE" dirty="0"/>
           </a:p>
@@ -31619,7 +31914,7 @@
           <p:cNvPr id="7" name="Fußzeilenplatzhalter 6">
             <a:extLst>
               <a:ext uri="{FF2B5EF4-FFF2-40B4-BE49-F238E27FC236}">
-                <a16:creationId xmlns:a16="http://schemas.microsoft.com/office/drawing/2014/main" id="{F310451D-2AF2-4222-AA5C-04DDCF6CA55F}"/>
+                <a16:creationId xmlns:a16="http://schemas.microsoft.com/office/drawing/2014/main" xmlns="" id="{F310451D-2AF2-4222-AA5C-04DDCF6CA55F}"/>
               </a:ext>
             </a:extLst>
           </p:cNvPr>
@@ -31644,7 +31939,7 @@
           <p:cNvPr id="8" name="Foliennummernplatzhalter 7">
             <a:extLst>
               <a:ext uri="{FF2B5EF4-FFF2-40B4-BE49-F238E27FC236}">
-                <a16:creationId xmlns:a16="http://schemas.microsoft.com/office/drawing/2014/main" id="{8546ADD4-A434-4A15-B639-BB0897136588}"/>
+                <a16:creationId xmlns:a16="http://schemas.microsoft.com/office/drawing/2014/main" xmlns="" id="{8546ADD4-A434-4A15-B639-BB0897136588}"/>
               </a:ext>
             </a:extLst>
           </p:cNvPr>
@@ -31883,7 +32178,7 @@
           <p:cNvPr id="2" name="Datumsplatzhalter 1">
             <a:extLst>
               <a:ext uri="{FF2B5EF4-FFF2-40B4-BE49-F238E27FC236}">
-                <a16:creationId xmlns:a16="http://schemas.microsoft.com/office/drawing/2014/main" id="{A19FBC2B-4138-47A7-96C3-6075667C774D}"/>
+                <a16:creationId xmlns:a16="http://schemas.microsoft.com/office/drawing/2014/main" xmlns="" id="{A19FBC2B-4138-47A7-96C3-6075667C774D}"/>
               </a:ext>
             </a:extLst>
           </p:cNvPr>
@@ -31902,7 +32197,7 @@
             <a:fld id="{17C2562E-359A-3C42-BBEF-E02CE97BECB1}" type="datetimeFigureOut">
               <a:rPr lang="de-DE" smtClean="0"/>
               <a:pPr/>
-              <a:t>19.10.2017</a:t>
+              <a:t>19.10.17</a:t>
             </a:fld>
             <a:endParaRPr lang="de-DE" dirty="0"/>
           </a:p>
@@ -31913,7 +32208,7 @@
           <p:cNvPr id="8" name="Fußzeilenplatzhalter 7">
             <a:extLst>
               <a:ext uri="{FF2B5EF4-FFF2-40B4-BE49-F238E27FC236}">
-                <a16:creationId xmlns:a16="http://schemas.microsoft.com/office/drawing/2014/main" id="{193B0760-28CB-4559-9AEF-4866F2FCE0E4}"/>
+                <a16:creationId xmlns:a16="http://schemas.microsoft.com/office/drawing/2014/main" xmlns="" id="{193B0760-28CB-4559-9AEF-4866F2FCE0E4}"/>
               </a:ext>
             </a:extLst>
           </p:cNvPr>
@@ -31938,7 +32233,7 @@
           <p:cNvPr id="11" name="Foliennummernplatzhalter 10">
             <a:extLst>
               <a:ext uri="{FF2B5EF4-FFF2-40B4-BE49-F238E27FC236}">
-                <a16:creationId xmlns:a16="http://schemas.microsoft.com/office/drawing/2014/main" id="{A263DBAA-5BAE-421E-BCAE-39992A39B610}"/>
+                <a16:creationId xmlns:a16="http://schemas.microsoft.com/office/drawing/2014/main" xmlns="" id="{A263DBAA-5BAE-421E-BCAE-39992A39B610}"/>
               </a:ext>
             </a:extLst>
           </p:cNvPr>
@@ -32145,7 +32440,7 @@
             <a:fld id="{17C2562E-359A-3C42-BBEF-E02CE97BECB1}" type="datetimeFigureOut">
               <a:rPr lang="de-DE" smtClean="0"/>
               <a:pPr/>
-              <a:t>19.10.2017</a:t>
+              <a:t>19.10.17</a:t>
             </a:fld>
             <a:endParaRPr lang="de-DE" dirty="0"/>
           </a:p>
@@ -32720,7 +33015,7 @@
             <a:fld id="{17C2562E-359A-3C42-BBEF-E02CE97BECB1}" type="datetimeFigureOut">
               <a:rPr lang="de-DE" smtClean="0"/>
               <a:pPr/>
-              <a:t>19.10.2017</a:t>
+              <a:t>19.10.17</a:t>
             </a:fld>
             <a:endParaRPr lang="de-DE" dirty="0"/>
           </a:p>
@@ -32844,7 +33139,7 @@
           <p:cNvPr id="11" name="Titel 1">
             <a:extLst>
               <a:ext uri="{FF2B5EF4-FFF2-40B4-BE49-F238E27FC236}">
-                <a16:creationId xmlns:a16="http://schemas.microsoft.com/office/drawing/2014/main" id="{251058B0-31BE-410A-BE50-41D5389B0AAB}"/>
+                <a16:creationId xmlns:a16="http://schemas.microsoft.com/office/drawing/2014/main" xmlns="" id="{251058B0-31BE-410A-BE50-41D5389B0AAB}"/>
               </a:ext>
             </a:extLst>
           </p:cNvPr>
@@ -34309,7 +34604,7 @@
           <p:cNvPr id="2" name="Textplatzhalter 1">
             <a:extLst>
               <a:ext uri="{FF2B5EF4-FFF2-40B4-BE49-F238E27FC236}">
-                <a16:creationId xmlns:a16="http://schemas.microsoft.com/office/drawing/2014/main" id="{45003885-0277-4A8A-9B32-2C0872306E13}"/>
+                <a16:creationId xmlns:a16="http://schemas.microsoft.com/office/drawing/2014/main" xmlns="" id="{45003885-0277-4A8A-9B32-2C0872306E13}"/>
               </a:ext>
             </a:extLst>
           </p:cNvPr>
@@ -34349,7 +34644,7 @@
           <p:cNvPr id="3" name="Titel 2">
             <a:extLst>
               <a:ext uri="{FF2B5EF4-FFF2-40B4-BE49-F238E27FC236}">
-                <a16:creationId xmlns:a16="http://schemas.microsoft.com/office/drawing/2014/main" id="{EA92ABC8-8A1F-45BA-8C5F-D5DEF58C8920}"/>
+                <a16:creationId xmlns:a16="http://schemas.microsoft.com/office/drawing/2014/main" xmlns="" id="{EA92ABC8-8A1F-45BA-8C5F-D5DEF58C8920}"/>
               </a:ext>
             </a:extLst>
           </p:cNvPr>
@@ -34449,38 +34744,52 @@
           </a:bodyPr>
           <a:lstStyle/>
           <a:p>
-            <a:pPr marL="360045" indent="-360045">
+            <a:pPr>
               <a:lnSpc>
                 <a:spcPct val="150000"/>
               </a:lnSpc>
             </a:pPr>
             <a:r>
               <a:rPr lang="de-DE" dirty="0"/>
-              <a:t>Ende 2015 musste ein Nachfolger für damals eingesetzte, veraltete Framework gefunden werden</a:t>
-            </a:r>
-          </a:p>
-          <a:p>
-            <a:pPr marL="360045" indent="-360045">
+              <a:t>Ende 2015 musste ein Nachfolger für damals eingesetzte, veraltete Framework gefunden </a:t>
+            </a:r>
+            <a:r>
+              <a:rPr lang="de-DE" dirty="0" smtClean="0"/>
+              <a:t>werden</a:t>
+            </a:r>
+          </a:p>
+          <a:p>
+            <a:pPr>
               <a:lnSpc>
                 <a:spcPct val="150000"/>
               </a:lnSpc>
-              <a:buSzPct val="64999"/>
             </a:pPr>
             <a:r>
-              <a:rPr lang="de-DE" dirty="0"/>
-              <a:t>Erste Version: Angular2 Alpha 36</a:t>
-            </a:r>
-          </a:p>
-          <a:p>
-            <a:pPr marL="360045" indent="-360045">
+              <a:rPr lang="de-DE" dirty="0" smtClean="0"/>
+              <a:t>Erste </a:t>
+            </a:r>
+            <a:r>
+              <a:rPr lang="de-DE" dirty="0"/>
+              <a:t>Version: Angular2 Alpha </a:t>
+            </a:r>
+            <a:r>
+              <a:rPr lang="de-DE" dirty="0" smtClean="0"/>
+              <a:t>36</a:t>
+            </a:r>
+          </a:p>
+          <a:p>
+            <a:pPr>
               <a:lnSpc>
                 <a:spcPct val="150000"/>
               </a:lnSpc>
-              <a:buSzPct val="64999"/>
             </a:pPr>
             <a:r>
-              <a:rPr lang="de-DE" dirty="0"/>
-              <a:t>Hürden bei der Einführung</a:t>
+              <a:rPr lang="de-DE" dirty="0" smtClean="0"/>
+              <a:t>Hürden </a:t>
+            </a:r>
+            <a:r>
+              <a:rPr lang="de-DE" dirty="0"/>
+              <a:t>bei der Einführung</a:t>
             </a:r>
           </a:p>
           <a:p>
@@ -34535,9 +34844,18 @@
               <a:t>Anfängliche hohe Komplexität und viel </a:t>
             </a:r>
             <a:r>
-              <a:rPr lang="de-DE" dirty="0" err="1"/>
-              <a:t>BreakingChanges</a:t>
-            </a:r>
+              <a:rPr lang="de-DE" dirty="0" err="1" smtClean="0"/>
+              <a:t>Breaking</a:t>
+            </a:r>
+            <a:r>
+              <a:rPr lang="de-DE" dirty="0" smtClean="0"/>
+              <a:t> </a:t>
+            </a:r>
+            <a:r>
+              <a:rPr lang="de-DE" dirty="0" err="1" smtClean="0"/>
+              <a:t>Changes</a:t>
+            </a:r>
+            <a:endParaRPr lang="de-DE" dirty="0"/>
           </a:p>
           <a:p>
             <a:pPr marL="719455" lvl="1" indent="-359410">
@@ -34548,7 +34866,15 @@
             </a:pPr>
             <a:r>
               <a:rPr lang="de-DE" dirty="0"/>
-              <a:t>Große Defizite im Vergleich zum bis dato eingesetztem Framework</a:t>
+              <a:t>Große Defizite im Vergleich zum bis dato </a:t>
+            </a:r>
+            <a:r>
+              <a:rPr lang="de-DE" dirty="0" smtClean="0"/>
+              <a:t>eingesetzten </a:t>
+            </a:r>
+            <a:r>
+              <a:rPr lang="de-DE" dirty="0"/>
+              <a:t>Framework</a:t>
             </a:r>
           </a:p>
           <a:p>
@@ -34601,7 +34927,7 @@
             <a:fld id="{17C2562E-359A-3C42-BBEF-E02CE97BECB1}" type="datetimeFigureOut">
               <a:rPr lang="de-DE" smtClean="0"/>
               <a:pPr/>
-              <a:t>19.10.2017</a:t>
+              <a:t>19.10.17</a:t>
             </a:fld>
             <a:endParaRPr lang="de-DE" dirty="0"/>
           </a:p>
@@ -34745,10 +35071,9 @@
               <a:rPr lang="de-DE" dirty="0"/>
               <a:t>-Registry, die mit npmjs.com kommunizieren kann</a:t>
             </a:r>
-            <a:endParaRPr lang="de-DE"/>
-          </a:p>
-          <a:p>
-            <a:pPr marL="719455" lvl="1" indent="-359410">
+          </a:p>
+          <a:p>
+            <a:pPr marL="359818" indent="-359410">
               <a:lnSpc>
                 <a:spcPct val="150000"/>
               </a:lnSpc>
@@ -34759,7 +35084,7 @@
             </a:r>
           </a:p>
           <a:p>
-            <a:pPr marL="719455" lvl="1" indent="-359410">
+            <a:pPr marL="359818" indent="-359410">
               <a:lnSpc>
                 <a:spcPct val="150000"/>
               </a:lnSpc>
@@ -34774,7 +35099,7 @@
             </a:r>
           </a:p>
           <a:p>
-            <a:pPr marL="719455" lvl="1" indent="-359410">
+            <a:pPr marL="359818" indent="-359410">
               <a:lnSpc>
                 <a:spcPct val="150000"/>
               </a:lnSpc>
@@ -34803,7 +35128,7 @@
             </a:r>
           </a:p>
           <a:p>
-            <a:pPr marL="719455" lvl="1" indent="-359410">
+            <a:pPr marL="359818" indent="-359410">
               <a:lnSpc>
                 <a:spcPct val="150000"/>
               </a:lnSpc>
@@ -34837,7 +35162,7 @@
             <a:fld id="{17C2562E-359A-3C42-BBEF-E02CE97BECB1}" type="datetimeFigureOut">
               <a:rPr lang="de-DE" smtClean="0"/>
               <a:pPr/>
-              <a:t>19.10.2017</a:t>
+              <a:t>19.10.17</a:t>
             </a:fld>
             <a:endParaRPr lang="de-DE" dirty="0"/>
           </a:p>
@@ -35147,7 +35472,7 @@
             <a:fld id="{17C2562E-359A-3C42-BBEF-E02CE97BECB1}" type="datetimeFigureOut">
               <a:rPr lang="de-DE" smtClean="0"/>
               <a:pPr/>
-              <a:t>19.10.2017</a:t>
+              <a:t>19.10.17</a:t>
             </a:fld>
             <a:endParaRPr lang="de-DE" dirty="0"/>
           </a:p>
@@ -35313,7 +35638,7 @@
             <a:fld id="{17C2562E-359A-3C42-BBEF-E02CE97BECB1}" type="datetimeFigureOut">
               <a:rPr lang="de-DE" smtClean="0"/>
               <a:pPr/>
-              <a:t>19.10.2017</a:t>
+              <a:t>19.10.17</a:t>
             </a:fld>
             <a:endParaRPr lang="de-DE" dirty="0"/>
           </a:p>
@@ -35554,7 +35879,7 @@
             <a:fld id="{17C2562E-359A-3C42-BBEF-E02CE97BECB1}" type="datetimeFigureOut">
               <a:rPr lang="de-DE" smtClean="0"/>
               <a:pPr/>
-              <a:t>19.10.2017</a:t>
+              <a:t>19.10.17</a:t>
             </a:fld>
             <a:endParaRPr lang="de-DE" dirty="0"/>
           </a:p>
@@ -35815,7 +36140,7 @@
             <a:fld id="{17C2562E-359A-3C42-BBEF-E02CE97BECB1}" type="datetimeFigureOut">
               <a:rPr lang="de-DE" smtClean="0"/>
               <a:pPr/>
-              <a:t>19.10.2017</a:t>
+              <a:t>19.10.17</a:t>
             </a:fld>
             <a:endParaRPr lang="de-DE" dirty="0"/>
           </a:p>
@@ -35981,7 +36306,7 @@
             <a:fld id="{17C2562E-359A-3C42-BBEF-E02CE97BECB1}" type="datetimeFigureOut">
               <a:rPr lang="de-DE" smtClean="0"/>
               <a:pPr/>
-              <a:t>19.10.2017</a:t>
+              <a:t>19.10.17</a:t>
             </a:fld>
             <a:endParaRPr lang="de-DE" dirty="0"/>
           </a:p>
@@ -36219,7 +36544,7 @@
             <a:fld id="{17C2562E-359A-3C42-BBEF-E02CE97BECB1}" type="datetimeFigureOut">
               <a:rPr lang="de-DE" smtClean="0"/>
               <a:pPr/>
-              <a:t>19.10.2017</a:t>
+              <a:t>19.10.17</a:t>
             </a:fld>
             <a:endParaRPr lang="de-DE" dirty="0"/>
           </a:p>
@@ -36497,7 +36822,7 @@
             <a:fld id="{17C2562E-359A-3C42-BBEF-E02CE97BECB1}" type="datetimeFigureOut">
               <a:rPr lang="de-DE" smtClean="0"/>
               <a:pPr/>
-              <a:t>19.10.2017</a:t>
+              <a:t>19.10.17</a:t>
             </a:fld>
             <a:endParaRPr lang="de-DE" dirty="0"/>
           </a:p>
@@ -36801,7 +37126,7 @@
             <a:fld id="{17C2562E-359A-3C42-BBEF-E02CE97BECB1}" type="datetimeFigureOut">
               <a:rPr lang="de-DE" smtClean="0"/>
               <a:pPr/>
-              <a:t>19.10.2017</a:t>
+              <a:t>19.10.17</a:t>
             </a:fld>
             <a:endParaRPr lang="de-DE" dirty="0"/>
           </a:p>
@@ -37146,7 +37471,7 @@
             <a:fld id="{17C2562E-359A-3C42-BBEF-E02CE97BECB1}" type="datetimeFigureOut">
               <a:rPr lang="de-DE" smtClean="0"/>
               <a:pPr/>
-              <a:t>19.10.2017</a:t>
+              <a:t>19.10.17</a:t>
             </a:fld>
             <a:endParaRPr lang="de-DE" dirty="0"/>
           </a:p>
@@ -37364,7 +37689,7 @@
             <a:fld id="{17C2562E-359A-3C42-BBEF-E02CE97BECB1}" type="datetimeFigureOut">
               <a:rPr lang="de-DE" smtClean="0"/>
               <a:pPr/>
-              <a:t>19.10.2017</a:t>
+              <a:t>19.10.17</a:t>
             </a:fld>
             <a:endParaRPr lang="de-DE" dirty="0"/>
           </a:p>
@@ -37655,7 +37980,7 @@
             <a:fld id="{17C2562E-359A-3C42-BBEF-E02CE97BECB1}" type="datetimeFigureOut">
               <a:rPr lang="de-DE" smtClean="0"/>
               <a:pPr/>
-              <a:t>19.10.2017</a:t>
+              <a:t>19.10.17</a:t>
             </a:fld>
             <a:endParaRPr lang="de-DE" dirty="0"/>
           </a:p>
@@ -37879,7 +38204,7 @@
             <a:fld id="{17C2562E-359A-3C42-BBEF-E02CE97BECB1}" type="datetimeFigureOut">
               <a:rPr lang="de-DE" smtClean="0"/>
               <a:pPr/>
-              <a:t>19.10.2017</a:t>
+              <a:t>19.10.17</a:t>
             </a:fld>
             <a:endParaRPr lang="de-DE" dirty="0"/>
           </a:p>
@@ -38116,7 +38441,7 @@
             <a:fld id="{17C2562E-359A-3C42-BBEF-E02CE97BECB1}" type="datetimeFigureOut">
               <a:rPr lang="de-DE" smtClean="0"/>
               <a:pPr/>
-              <a:t>19.10.2017</a:t>
+              <a:t>19.10.17</a:t>
             </a:fld>
             <a:endParaRPr lang="de-DE" dirty="0"/>
           </a:p>
@@ -38282,7 +38607,7 @@
             <a:fld id="{17C2562E-359A-3C42-BBEF-E02CE97BECB1}" type="datetimeFigureOut">
               <a:rPr lang="de-DE" smtClean="0"/>
               <a:pPr/>
-              <a:t>19.10.2017</a:t>
+              <a:t>19.10.17</a:t>
             </a:fld>
             <a:endParaRPr lang="de-DE" dirty="0"/>
           </a:p>
@@ -38572,7 +38897,7 @@
             <a:fld id="{17C2562E-359A-3C42-BBEF-E02CE97BECB1}" type="datetimeFigureOut">
               <a:rPr lang="de-DE" smtClean="0"/>
               <a:pPr/>
-              <a:t>19.10.2017</a:t>
+              <a:t>19.10.17</a:t>
             </a:fld>
             <a:endParaRPr lang="de-DE" dirty="0"/>
           </a:p>
@@ -38738,7 +39063,7 @@
             <a:fld id="{17C2562E-359A-3C42-BBEF-E02CE97BECB1}" type="datetimeFigureOut">
               <a:rPr lang="de-DE" smtClean="0"/>
               <a:pPr/>
-              <a:t>19.10.2017</a:t>
+              <a:t>19.10.17</a:t>
             </a:fld>
             <a:endParaRPr lang="de-DE" dirty="0"/>
           </a:p>
@@ -38888,7 +39213,7 @@
             <a:fld id="{17C2562E-359A-3C42-BBEF-E02CE97BECB1}" type="datetimeFigureOut">
               <a:rPr lang="de-DE" smtClean="0"/>
               <a:pPr/>
-              <a:t>19.10.2017</a:t>
+              <a:t>19.10.17</a:t>
             </a:fld>
             <a:endParaRPr lang="de-DE" dirty="0"/>
           </a:p>
@@ -39113,7 +39438,7 @@
           <p:cNvPr id="5" name="Datumsplatzhalter 4">
             <a:extLst>
               <a:ext uri="{FF2B5EF4-FFF2-40B4-BE49-F238E27FC236}">
-                <a16:creationId xmlns:a16="http://schemas.microsoft.com/office/drawing/2014/main" id="{D471591C-E430-45E7-A587-2CEC0AF88DA0}"/>
+                <a16:creationId xmlns:a16="http://schemas.microsoft.com/office/drawing/2014/main" xmlns="" id="{D471591C-E430-45E7-A587-2CEC0AF88DA0}"/>
               </a:ext>
             </a:extLst>
           </p:cNvPr>
@@ -39131,7 +39456,7 @@
           <a:p>
             <a:fld id="{D3ADFBD6-4690-496C-B9C9-0BEF0B938F74}" type="datetime1">
               <a:rPr lang="de-DE" smtClean="0"/>
-              <a:t>19.10.2017</a:t>
+              <a:t>19.10.17</a:t>
             </a:fld>
             <a:endParaRPr lang="de-DE" dirty="0"/>
           </a:p>
@@ -39142,7 +39467,7 @@
           <p:cNvPr id="6" name="Fußzeilenplatzhalter 5">
             <a:extLst>
               <a:ext uri="{FF2B5EF4-FFF2-40B4-BE49-F238E27FC236}">
-                <a16:creationId xmlns:a16="http://schemas.microsoft.com/office/drawing/2014/main" id="{B488671B-A101-43AC-84F6-1F2F8515424C}"/>
+                <a16:creationId xmlns:a16="http://schemas.microsoft.com/office/drawing/2014/main" xmlns="" id="{B488671B-A101-43AC-84F6-1F2F8515424C}"/>
               </a:ext>
             </a:extLst>
           </p:cNvPr>
@@ -39167,7 +39492,7 @@
           <p:cNvPr id="7" name="Foliennummernplatzhalter 6">
             <a:extLst>
               <a:ext uri="{FF2B5EF4-FFF2-40B4-BE49-F238E27FC236}">
-                <a16:creationId xmlns:a16="http://schemas.microsoft.com/office/drawing/2014/main" id="{8E977D85-C22B-4016-AC2C-F3FDCE1BCBEB}"/>
+                <a16:creationId xmlns:a16="http://schemas.microsoft.com/office/drawing/2014/main" xmlns="" id="{8E977D85-C22B-4016-AC2C-F3FDCE1BCBEB}"/>
               </a:ext>
             </a:extLst>
           </p:cNvPr>
@@ -39395,7 +39720,7 @@
             <a:fld id="{17C2562E-359A-3C42-BBEF-E02CE97BECB1}" type="datetimeFigureOut">
               <a:rPr lang="de-DE" smtClean="0"/>
               <a:pPr/>
-              <a:t>19.10.2017</a:t>
+              <a:t>19.10.17</a:t>
             </a:fld>
             <a:endParaRPr lang="de-DE" dirty="0"/>
           </a:p>
@@ -39518,7 +39843,7 @@
             <a:fld id="{17C2562E-359A-3C42-BBEF-E02CE97BECB1}" type="datetimeFigureOut">
               <a:rPr lang="de-DE" smtClean="0"/>
               <a:pPr/>
-              <a:t>19.10.2017</a:t>
+              <a:t>19.10.17</a:t>
             </a:fld>
             <a:endParaRPr lang="de-DE" dirty="0"/>
           </a:p>
@@ -39808,7 +40133,7 @@
             <a:fld id="{17C2562E-359A-3C42-BBEF-E02CE97BECB1}" type="datetimeFigureOut">
               <a:rPr lang="de-DE" smtClean="0"/>
               <a:pPr/>
-              <a:t>19.10.2017</a:t>
+              <a:t>19.10.17</a:t>
             </a:fld>
             <a:endParaRPr lang="de-DE" dirty="0"/>
           </a:p>
@@ -39866,7 +40191,7 @@
           <p:cNvPr id="8" name="Grafik 8">
             <a:extLst>
               <a:ext uri="{FF2B5EF4-FFF2-40B4-BE49-F238E27FC236}">
-                <a16:creationId xmlns:a16="http://schemas.microsoft.com/office/drawing/2014/main" id="{7CF3AEDB-FAEB-4721-8ACE-7522ACB7DC22}"/>
+                <a16:creationId xmlns:a16="http://schemas.microsoft.com/office/drawing/2014/main" xmlns="" id="{7CF3AEDB-FAEB-4721-8ACE-7522ACB7DC22}"/>
               </a:ext>
             </a:extLst>
           </p:cNvPr>
@@ -39896,7 +40221,7 @@
           <p:cNvPr id="11" name="Textfeld 10">
             <a:extLst>
               <a:ext uri="{FF2B5EF4-FFF2-40B4-BE49-F238E27FC236}">
-                <a16:creationId xmlns:a16="http://schemas.microsoft.com/office/drawing/2014/main" id="{E75A7EFF-4B3E-4C10-9F74-6849362D15CF}"/>
+                <a16:creationId xmlns:a16="http://schemas.microsoft.com/office/drawing/2014/main" xmlns="" id="{E75A7EFF-4B3E-4C10-9F74-6849362D15CF}"/>
               </a:ext>
             </a:extLst>
           </p:cNvPr>
@@ -40151,7 +40476,7 @@
             <a:fld id="{17C2562E-359A-3C42-BBEF-E02CE97BECB1}" type="datetimeFigureOut">
               <a:rPr lang="de-DE" smtClean="0"/>
               <a:pPr/>
-              <a:t>19.10.2017</a:t>
+              <a:t>19.10.17</a:t>
             </a:fld>
             <a:endParaRPr lang="de-DE" dirty="0"/>
           </a:p>
@@ -40336,7 +40661,7 @@
             <a:fld id="{17C2562E-359A-3C42-BBEF-E02CE97BECB1}" type="datetimeFigureOut">
               <a:rPr lang="de-DE" smtClean="0"/>
               <a:pPr/>
-              <a:t>19.10.2017</a:t>
+              <a:t>19.10.17</a:t>
             </a:fld>
             <a:endParaRPr lang="de-DE" dirty="0"/>
           </a:p>
@@ -40604,7 +40929,7 @@
             <a:fld id="{17C2562E-359A-3C42-BBEF-E02CE97BECB1}" type="datetimeFigureOut">
               <a:rPr lang="de-DE" smtClean="0"/>
               <a:pPr/>
-              <a:t>19.10.2017</a:t>
+              <a:t>19.10.17</a:t>
             </a:fld>
             <a:endParaRPr lang="de-DE" dirty="0"/>
           </a:p>

--- a/docs/Angular-Workshop-20.10.pptx
+++ b/docs/Angular-Workshop-20.10.pptx
@@ -8,10 +8,10 @@
     <p:sldMasterId id="2147483721" r:id="rId4"/>
   </p:sldMasterIdLst>
   <p:notesMasterIdLst>
-    <p:notesMasterId r:id="rId32"/>
+    <p:notesMasterId r:id="rId33"/>
   </p:notesMasterIdLst>
   <p:handoutMasterIdLst>
-    <p:handoutMasterId r:id="rId33"/>
+    <p:handoutMasterId r:id="rId34"/>
   </p:handoutMasterIdLst>
   <p:sldIdLst>
     <p:sldId id="256" r:id="rId5"/>
@@ -40,7 +40,8 @@
     <p:sldId id="291" r:id="rId28"/>
     <p:sldId id="292" r:id="rId29"/>
     <p:sldId id="293" r:id="rId30"/>
-    <p:sldId id="279" r:id="rId31"/>
+    <p:sldId id="296" r:id="rId31"/>
+    <p:sldId id="279" r:id="rId32"/>
   </p:sldIdLst>
   <p:sldSz cx="13004800" cy="7315200"/>
   <p:notesSz cx="6858000" cy="9144000"/>
@@ -6250,8 +6251,8 @@
   <dgm:cxnLst>
     <dgm:cxn modelId="{B0721CA3-19A8-D04D-857E-407EB9BC671A}" type="presOf" srcId="{9E409708-FC7B-604D-AE00-C59A3BC6C774}" destId="{AC19049A-FF2E-864B-A995-C88CCE14464E}" srcOrd="0" destOrd="0" presId="urn:microsoft.com/office/officeart/2005/8/layout/process1"/>
     <dgm:cxn modelId="{9AD13F03-FA98-2546-A1F6-086D6D749FC5}" srcId="{82BD223D-4D97-664B-8FA2-F811E68132B9}" destId="{9F5FBEB5-0D91-6442-BAE6-3C8FE451890E}" srcOrd="1" destOrd="0" parTransId="{44185C10-A566-584D-8792-6F8CDA31CFEF}" sibTransId="{D96BFFC3-C37B-F740-8CDD-799CDA9C29AF}"/>
+    <dgm:cxn modelId="{E033EC1A-0A6B-414C-BA47-A69CB3DDC2D8}" type="presOf" srcId="{EE7B1B78-2CB7-C647-875E-937A240D7736}" destId="{26BA574D-A9C9-D847-8AAF-A8F48018C2C1}" srcOrd="1" destOrd="0" presId="urn:microsoft.com/office/officeart/2005/8/layout/process1"/>
     <dgm:cxn modelId="{E198D6D4-91AD-F643-8652-6843F8F235B1}" srcId="{82BD223D-4D97-664B-8FA2-F811E68132B9}" destId="{9E409708-FC7B-604D-AE00-C59A3BC6C774}" srcOrd="0" destOrd="0" parTransId="{AF54B174-D1EC-FF4E-9C8F-E68F41ABE717}" sibTransId="{EE7B1B78-2CB7-C647-875E-937A240D7736}"/>
-    <dgm:cxn modelId="{E033EC1A-0A6B-414C-BA47-A69CB3DDC2D8}" type="presOf" srcId="{EE7B1B78-2CB7-C647-875E-937A240D7736}" destId="{26BA574D-A9C9-D847-8AAF-A8F48018C2C1}" srcOrd="1" destOrd="0" presId="urn:microsoft.com/office/officeart/2005/8/layout/process1"/>
     <dgm:cxn modelId="{1B0CBD2C-F6A5-BE47-AA25-80FF0DBC223D}" type="presOf" srcId="{82BD223D-4D97-664B-8FA2-F811E68132B9}" destId="{5C4E5A0B-1B12-EC4C-BCB7-F3E190AFE040}" srcOrd="0" destOrd="0" presId="urn:microsoft.com/office/officeart/2005/8/layout/process1"/>
     <dgm:cxn modelId="{E6A75DB5-821C-E345-A783-C1FE436C1B5F}" type="presOf" srcId="{EE7B1B78-2CB7-C647-875E-937A240D7736}" destId="{30EAC814-8F64-D74A-9EBA-0CBC6BE058AA}" srcOrd="0" destOrd="0" presId="urn:microsoft.com/office/officeart/2005/8/layout/process1"/>
     <dgm:cxn modelId="{32CD821A-B520-014C-9995-1247839A1615}" type="presOf" srcId="{9F5FBEB5-0D91-6442-BAE6-3C8FE451890E}" destId="{942B2FD4-F953-1241-B452-E01505D35646}" srcOrd="0" destOrd="0" presId="urn:microsoft.com/office/officeart/2005/8/layout/process1"/>
@@ -6278,523 +6279,6 @@
       <dsp:cNvGrpSpPr/>
     </dsp:nvGrpSpPr>
     <dsp:grpSpPr/>
-    <dsp:sp modelId="{AC19049A-FF2E-864B-A995-C88CCE14464E}">
-      <dsp:nvSpPr>
-        <dsp:cNvPr id="0" name=""/>
-        <dsp:cNvSpPr/>
-      </dsp:nvSpPr>
-      <dsp:spPr>
-        <a:xfrm>
-          <a:off x="10782" y="1558461"/>
-          <a:ext cx="3222641" cy="1933584"/>
-        </a:xfrm>
-        <a:prstGeom prst="roundRect">
-          <a:avLst>
-            <a:gd name="adj" fmla="val 10000"/>
-          </a:avLst>
-        </a:prstGeom>
-        <a:gradFill rotWithShape="0">
-          <a:gsLst>
-            <a:gs pos="0">
-              <a:schemeClr val="dk2">
-                <a:hueOff val="0"/>
-                <a:satOff val="0"/>
-                <a:lumOff val="0"/>
-                <a:alphaOff val="0"/>
-                <a:shade val="51000"/>
-                <a:satMod val="130000"/>
-              </a:schemeClr>
-            </a:gs>
-            <a:gs pos="80000">
-              <a:schemeClr val="dk2">
-                <a:hueOff val="0"/>
-                <a:satOff val="0"/>
-                <a:lumOff val="0"/>
-                <a:alphaOff val="0"/>
-                <a:shade val="93000"/>
-                <a:satMod val="130000"/>
-              </a:schemeClr>
-            </a:gs>
-            <a:gs pos="100000">
-              <a:schemeClr val="dk2">
-                <a:hueOff val="0"/>
-                <a:satOff val="0"/>
-                <a:lumOff val="0"/>
-                <a:alphaOff val="0"/>
-                <a:shade val="94000"/>
-                <a:satMod val="135000"/>
-              </a:schemeClr>
-            </a:gs>
-          </a:gsLst>
-          <a:lin ang="16200000" scaled="0"/>
-        </a:gradFill>
-        <a:ln>
-          <a:noFill/>
-        </a:ln>
-        <a:effectLst>
-          <a:outerShdw blurRad="40000" dist="23000" dir="5400000" rotWithShape="0">
-            <a:srgbClr val="000000">
-              <a:alpha val="35000"/>
-            </a:srgbClr>
-          </a:outerShdw>
-        </a:effectLst>
-      </dsp:spPr>
-      <dsp:style>
-        <a:lnRef idx="0">
-          <a:scrgbClr r="0" g="0" b="0"/>
-        </a:lnRef>
-        <a:fillRef idx="3">
-          <a:scrgbClr r="0" g="0" b="0"/>
-        </a:fillRef>
-        <a:effectRef idx="2">
-          <a:scrgbClr r="0" g="0" b="0"/>
-        </a:effectRef>
-        <a:fontRef idx="minor">
-          <a:schemeClr val="lt1"/>
-        </a:fontRef>
-      </dsp:style>
-      <dsp:txBody>
-        <a:bodyPr spcFirstLastPara="0" vert="horz" wrap="square" lIns="144780" tIns="144780" rIns="144780" bIns="144780" numCol="1" spcCol="1270" anchor="ctr" anchorCtr="0">
-          <a:noAutofit/>
-        </a:bodyPr>
-        <a:lstStyle/>
-        <a:p>
-          <a:pPr lvl="0" algn="ctr" defTabSz="1689100">
-            <a:lnSpc>
-              <a:spcPct val="90000"/>
-            </a:lnSpc>
-            <a:spcBef>
-              <a:spcPct val="0"/>
-            </a:spcBef>
-            <a:spcAft>
-              <a:spcPct val="35000"/>
-            </a:spcAft>
-          </a:pPr>
-          <a:r>
-            <a:rPr lang="de-DE" sz="3800" kern="1200" dirty="0"/>
-            <a:t>Erstellen der Anwendung</a:t>
-          </a:r>
-        </a:p>
-      </dsp:txBody>
-      <dsp:txXfrm>
-        <a:off x="67415" y="1615094"/>
-        <a:ext cx="3109375" cy="1820318"/>
-      </dsp:txXfrm>
-    </dsp:sp>
-    <dsp:sp modelId="{30EAC814-8F64-D74A-9EBA-0CBC6BE058AA}">
-      <dsp:nvSpPr>
-        <dsp:cNvPr id="0" name=""/>
-        <dsp:cNvSpPr/>
-      </dsp:nvSpPr>
-      <dsp:spPr>
-        <a:xfrm>
-          <a:off x="3555687" y="2125646"/>
-          <a:ext cx="683199" cy="799214"/>
-        </a:xfrm>
-        <a:prstGeom prst="rightArrow">
-          <a:avLst>
-            <a:gd name="adj1" fmla="val 60000"/>
-            <a:gd name="adj2" fmla="val 50000"/>
-          </a:avLst>
-        </a:prstGeom>
-        <a:gradFill rotWithShape="0">
-          <a:gsLst>
-            <a:gs pos="0">
-              <a:schemeClr val="dk2">
-                <a:tint val="60000"/>
-                <a:hueOff val="0"/>
-                <a:satOff val="0"/>
-                <a:lumOff val="0"/>
-                <a:alphaOff val="0"/>
-                <a:shade val="51000"/>
-                <a:satMod val="130000"/>
-              </a:schemeClr>
-            </a:gs>
-            <a:gs pos="80000">
-              <a:schemeClr val="dk2">
-                <a:tint val="60000"/>
-                <a:hueOff val="0"/>
-                <a:satOff val="0"/>
-                <a:lumOff val="0"/>
-                <a:alphaOff val="0"/>
-                <a:shade val="93000"/>
-                <a:satMod val="130000"/>
-              </a:schemeClr>
-            </a:gs>
-            <a:gs pos="100000">
-              <a:schemeClr val="dk2">
-                <a:tint val="60000"/>
-                <a:hueOff val="0"/>
-                <a:satOff val="0"/>
-                <a:lumOff val="0"/>
-                <a:alphaOff val="0"/>
-                <a:shade val="94000"/>
-                <a:satMod val="135000"/>
-              </a:schemeClr>
-            </a:gs>
-          </a:gsLst>
-          <a:lin ang="16200000" scaled="0"/>
-        </a:gradFill>
-        <a:ln>
-          <a:noFill/>
-        </a:ln>
-        <a:effectLst>
-          <a:outerShdw blurRad="40000" dist="23000" dir="5400000" rotWithShape="0">
-            <a:srgbClr val="000000">
-              <a:alpha val="35000"/>
-            </a:srgbClr>
-          </a:outerShdw>
-        </a:effectLst>
-      </dsp:spPr>
-      <dsp:style>
-        <a:lnRef idx="0">
-          <a:scrgbClr r="0" g="0" b="0"/>
-        </a:lnRef>
-        <a:fillRef idx="3">
-          <a:scrgbClr r="0" g="0" b="0"/>
-        </a:fillRef>
-        <a:effectRef idx="2">
-          <a:scrgbClr r="0" g="0" b="0"/>
-        </a:effectRef>
-        <a:fontRef idx="minor">
-          <a:schemeClr val="lt1"/>
-        </a:fontRef>
-      </dsp:style>
-      <dsp:txBody>
-        <a:bodyPr spcFirstLastPara="0" vert="horz" wrap="square" lIns="0" tIns="0" rIns="0" bIns="0" numCol="1" spcCol="1270" anchor="ctr" anchorCtr="0">
-          <a:noAutofit/>
-        </a:bodyPr>
-        <a:lstStyle/>
-        <a:p>
-          <a:pPr lvl="0" algn="ctr" defTabSz="1377950">
-            <a:lnSpc>
-              <a:spcPct val="90000"/>
-            </a:lnSpc>
-            <a:spcBef>
-              <a:spcPct val="0"/>
-            </a:spcBef>
-            <a:spcAft>
-              <a:spcPct val="35000"/>
-            </a:spcAft>
-          </a:pPr>
-          <a:endParaRPr lang="de-DE" sz="3100" kern="1200"/>
-        </a:p>
-      </dsp:txBody>
-      <dsp:txXfrm>
-        <a:off x="3555687" y="2285489"/>
-        <a:ext cx="478239" cy="479528"/>
-      </dsp:txXfrm>
-    </dsp:sp>
-    <dsp:sp modelId="{942B2FD4-F953-1241-B452-E01505D35646}">
-      <dsp:nvSpPr>
-        <dsp:cNvPr id="0" name=""/>
-        <dsp:cNvSpPr/>
-      </dsp:nvSpPr>
-      <dsp:spPr>
-        <a:xfrm>
-          <a:off x="4522479" y="1558461"/>
-          <a:ext cx="3222641" cy="1933584"/>
-        </a:xfrm>
-        <a:prstGeom prst="roundRect">
-          <a:avLst>
-            <a:gd name="adj" fmla="val 10000"/>
-          </a:avLst>
-        </a:prstGeom>
-        <a:gradFill rotWithShape="0">
-          <a:gsLst>
-            <a:gs pos="0">
-              <a:schemeClr val="dk2">
-                <a:hueOff val="0"/>
-                <a:satOff val="0"/>
-                <a:lumOff val="0"/>
-                <a:alphaOff val="0"/>
-                <a:shade val="51000"/>
-                <a:satMod val="130000"/>
-              </a:schemeClr>
-            </a:gs>
-            <a:gs pos="80000">
-              <a:schemeClr val="dk2">
-                <a:hueOff val="0"/>
-                <a:satOff val="0"/>
-                <a:lumOff val="0"/>
-                <a:alphaOff val="0"/>
-                <a:shade val="93000"/>
-                <a:satMod val="130000"/>
-              </a:schemeClr>
-            </a:gs>
-            <a:gs pos="100000">
-              <a:schemeClr val="dk2">
-                <a:hueOff val="0"/>
-                <a:satOff val="0"/>
-                <a:lumOff val="0"/>
-                <a:alphaOff val="0"/>
-                <a:shade val="94000"/>
-                <a:satMod val="135000"/>
-              </a:schemeClr>
-            </a:gs>
-          </a:gsLst>
-          <a:lin ang="16200000" scaled="0"/>
-        </a:gradFill>
-        <a:ln>
-          <a:noFill/>
-        </a:ln>
-        <a:effectLst>
-          <a:outerShdw blurRad="40000" dist="23000" dir="5400000" rotWithShape="0">
-            <a:srgbClr val="000000">
-              <a:alpha val="35000"/>
-            </a:srgbClr>
-          </a:outerShdw>
-        </a:effectLst>
-      </dsp:spPr>
-      <dsp:style>
-        <a:lnRef idx="0">
-          <a:scrgbClr r="0" g="0" b="0"/>
-        </a:lnRef>
-        <a:fillRef idx="3">
-          <a:scrgbClr r="0" g="0" b="0"/>
-        </a:fillRef>
-        <a:effectRef idx="2">
-          <a:scrgbClr r="0" g="0" b="0"/>
-        </a:effectRef>
-        <a:fontRef idx="minor">
-          <a:schemeClr val="lt1"/>
-        </a:fontRef>
-      </dsp:style>
-      <dsp:txBody>
-        <a:bodyPr spcFirstLastPara="0" vert="horz" wrap="square" lIns="144780" tIns="144780" rIns="144780" bIns="144780" numCol="1" spcCol="1270" anchor="ctr" anchorCtr="0">
-          <a:noAutofit/>
-        </a:bodyPr>
-        <a:lstStyle/>
-        <a:p>
-          <a:pPr lvl="0" algn="ctr" defTabSz="1689100">
-            <a:lnSpc>
-              <a:spcPct val="90000"/>
-            </a:lnSpc>
-            <a:spcBef>
-              <a:spcPct val="0"/>
-            </a:spcBef>
-            <a:spcAft>
-              <a:spcPct val="35000"/>
-            </a:spcAft>
-          </a:pPr>
-          <a:r>
-            <a:rPr lang="de-DE" sz="3800" kern="1200" dirty="0"/>
-            <a:t>Kennenlernen</a:t>
-          </a:r>
-        </a:p>
-      </dsp:txBody>
-      <dsp:txXfrm>
-        <a:off x="4579112" y="1615094"/>
-        <a:ext cx="3109375" cy="1820318"/>
-      </dsp:txXfrm>
-    </dsp:sp>
-    <dsp:sp modelId="{61D01FBA-AE9A-8140-B034-5E107AF8B06D}">
-      <dsp:nvSpPr>
-        <dsp:cNvPr id="0" name=""/>
-        <dsp:cNvSpPr/>
-      </dsp:nvSpPr>
-      <dsp:spPr>
-        <a:xfrm>
-          <a:off x="8067384" y="2125646"/>
-          <a:ext cx="683199" cy="799214"/>
-        </a:xfrm>
-        <a:prstGeom prst="rightArrow">
-          <a:avLst>
-            <a:gd name="adj1" fmla="val 60000"/>
-            <a:gd name="adj2" fmla="val 50000"/>
-          </a:avLst>
-        </a:prstGeom>
-        <a:gradFill rotWithShape="0">
-          <a:gsLst>
-            <a:gs pos="0">
-              <a:schemeClr val="dk2">
-                <a:tint val="60000"/>
-                <a:hueOff val="0"/>
-                <a:satOff val="0"/>
-                <a:lumOff val="0"/>
-                <a:alphaOff val="0"/>
-                <a:shade val="51000"/>
-                <a:satMod val="130000"/>
-              </a:schemeClr>
-            </a:gs>
-            <a:gs pos="80000">
-              <a:schemeClr val="dk2">
-                <a:tint val="60000"/>
-                <a:hueOff val="0"/>
-                <a:satOff val="0"/>
-                <a:lumOff val="0"/>
-                <a:alphaOff val="0"/>
-                <a:shade val="93000"/>
-                <a:satMod val="130000"/>
-              </a:schemeClr>
-            </a:gs>
-            <a:gs pos="100000">
-              <a:schemeClr val="dk2">
-                <a:tint val="60000"/>
-                <a:hueOff val="0"/>
-                <a:satOff val="0"/>
-                <a:lumOff val="0"/>
-                <a:alphaOff val="0"/>
-                <a:shade val="94000"/>
-                <a:satMod val="135000"/>
-              </a:schemeClr>
-            </a:gs>
-          </a:gsLst>
-          <a:lin ang="16200000" scaled="0"/>
-        </a:gradFill>
-        <a:ln>
-          <a:noFill/>
-        </a:ln>
-        <a:effectLst>
-          <a:outerShdw blurRad="40000" dist="23000" dir="5400000" rotWithShape="0">
-            <a:srgbClr val="000000">
-              <a:alpha val="35000"/>
-            </a:srgbClr>
-          </a:outerShdw>
-        </a:effectLst>
-      </dsp:spPr>
-      <dsp:style>
-        <a:lnRef idx="0">
-          <a:scrgbClr r="0" g="0" b="0"/>
-        </a:lnRef>
-        <a:fillRef idx="3">
-          <a:scrgbClr r="0" g="0" b="0"/>
-        </a:fillRef>
-        <a:effectRef idx="2">
-          <a:scrgbClr r="0" g="0" b="0"/>
-        </a:effectRef>
-        <a:fontRef idx="minor">
-          <a:schemeClr val="lt1"/>
-        </a:fontRef>
-      </dsp:style>
-      <dsp:txBody>
-        <a:bodyPr spcFirstLastPara="0" vert="horz" wrap="square" lIns="0" tIns="0" rIns="0" bIns="0" numCol="1" spcCol="1270" anchor="ctr" anchorCtr="0">
-          <a:noAutofit/>
-        </a:bodyPr>
-        <a:lstStyle/>
-        <a:p>
-          <a:pPr lvl="0" algn="ctr" defTabSz="1377950">
-            <a:lnSpc>
-              <a:spcPct val="90000"/>
-            </a:lnSpc>
-            <a:spcBef>
-              <a:spcPct val="0"/>
-            </a:spcBef>
-            <a:spcAft>
-              <a:spcPct val="35000"/>
-            </a:spcAft>
-          </a:pPr>
-          <a:endParaRPr lang="de-DE" sz="3100" kern="1200"/>
-        </a:p>
-      </dsp:txBody>
-      <dsp:txXfrm>
-        <a:off x="8067384" y="2285489"/>
-        <a:ext cx="478239" cy="479528"/>
-      </dsp:txXfrm>
-    </dsp:sp>
-    <dsp:sp modelId="{48E1AD6C-04E3-5047-8B6E-169C4DE6C0BD}">
-      <dsp:nvSpPr>
-        <dsp:cNvPr id="0" name=""/>
-        <dsp:cNvSpPr/>
-      </dsp:nvSpPr>
-      <dsp:spPr>
-        <a:xfrm>
-          <a:off x="9034176" y="1558461"/>
-          <a:ext cx="3222641" cy="1933584"/>
-        </a:xfrm>
-        <a:prstGeom prst="roundRect">
-          <a:avLst>
-            <a:gd name="adj" fmla="val 10000"/>
-          </a:avLst>
-        </a:prstGeom>
-        <a:gradFill rotWithShape="0">
-          <a:gsLst>
-            <a:gs pos="0">
-              <a:schemeClr val="dk2">
-                <a:hueOff val="0"/>
-                <a:satOff val="0"/>
-                <a:lumOff val="0"/>
-                <a:alphaOff val="0"/>
-                <a:shade val="51000"/>
-                <a:satMod val="130000"/>
-              </a:schemeClr>
-            </a:gs>
-            <a:gs pos="80000">
-              <a:schemeClr val="dk2">
-                <a:hueOff val="0"/>
-                <a:satOff val="0"/>
-                <a:lumOff val="0"/>
-                <a:alphaOff val="0"/>
-                <a:shade val="93000"/>
-                <a:satMod val="130000"/>
-              </a:schemeClr>
-            </a:gs>
-            <a:gs pos="100000">
-              <a:schemeClr val="dk2">
-                <a:hueOff val="0"/>
-                <a:satOff val="0"/>
-                <a:lumOff val="0"/>
-                <a:alphaOff val="0"/>
-                <a:shade val="94000"/>
-                <a:satMod val="135000"/>
-              </a:schemeClr>
-            </a:gs>
-          </a:gsLst>
-          <a:lin ang="16200000" scaled="0"/>
-        </a:gradFill>
-        <a:ln>
-          <a:noFill/>
-        </a:ln>
-        <a:effectLst>
-          <a:outerShdw blurRad="40000" dist="23000" dir="5400000" rotWithShape="0">
-            <a:srgbClr val="000000">
-              <a:alpha val="35000"/>
-            </a:srgbClr>
-          </a:outerShdw>
-        </a:effectLst>
-      </dsp:spPr>
-      <dsp:style>
-        <a:lnRef idx="0">
-          <a:scrgbClr r="0" g="0" b="0"/>
-        </a:lnRef>
-        <a:fillRef idx="3">
-          <a:scrgbClr r="0" g="0" b="0"/>
-        </a:fillRef>
-        <a:effectRef idx="2">
-          <a:scrgbClr r="0" g="0" b="0"/>
-        </a:effectRef>
-        <a:fontRef idx="minor">
-          <a:schemeClr val="lt1"/>
-        </a:fontRef>
-      </dsp:style>
-      <dsp:txBody>
-        <a:bodyPr spcFirstLastPara="0" vert="horz" wrap="square" lIns="144780" tIns="144780" rIns="144780" bIns="144780" numCol="1" spcCol="1270" anchor="ctr" anchorCtr="0">
-          <a:noAutofit/>
-        </a:bodyPr>
-        <a:lstStyle/>
-        <a:p>
-          <a:pPr lvl="0" algn="ctr" defTabSz="1689100">
-            <a:lnSpc>
-              <a:spcPct val="90000"/>
-            </a:lnSpc>
-            <a:spcBef>
-              <a:spcPct val="0"/>
-            </a:spcBef>
-            <a:spcAft>
-              <a:spcPct val="35000"/>
-            </a:spcAft>
-          </a:pPr>
-          <a:r>
-            <a:rPr lang="de-DE" sz="3800" kern="1200" dirty="0"/>
-            <a:t>Erste Anpassungen</a:t>
-          </a:r>
-        </a:p>
-      </dsp:txBody>
-      <dsp:txXfrm>
-        <a:off x="9090809" y="1615094"/>
-        <a:ext cx="3109375" cy="1820318"/>
-      </dsp:txXfrm>
-    </dsp:sp>
   </dsp:spTree>
 </dsp:drawing>
 </file>
@@ -6807,536 +6291,6 @@
       <dsp:cNvGrpSpPr/>
     </dsp:nvGrpSpPr>
     <dsp:grpSpPr/>
-    <dsp:sp modelId="{AC19049A-FF2E-864B-A995-C88CCE14464E}">
-      <dsp:nvSpPr>
-        <dsp:cNvPr id="0" name=""/>
-        <dsp:cNvSpPr/>
-      </dsp:nvSpPr>
-      <dsp:spPr>
-        <a:xfrm>
-          <a:off x="10782" y="1558461"/>
-          <a:ext cx="3222641" cy="1933584"/>
-        </a:xfrm>
-        <a:prstGeom prst="roundRect">
-          <a:avLst>
-            <a:gd name="adj" fmla="val 10000"/>
-          </a:avLst>
-        </a:prstGeom>
-        <a:gradFill rotWithShape="0">
-          <a:gsLst>
-            <a:gs pos="0">
-              <a:schemeClr val="dk2">
-                <a:hueOff val="0"/>
-                <a:satOff val="0"/>
-                <a:lumOff val="0"/>
-                <a:alphaOff val="0"/>
-                <a:shade val="51000"/>
-                <a:satMod val="130000"/>
-              </a:schemeClr>
-            </a:gs>
-            <a:gs pos="80000">
-              <a:schemeClr val="dk2">
-                <a:hueOff val="0"/>
-                <a:satOff val="0"/>
-                <a:lumOff val="0"/>
-                <a:alphaOff val="0"/>
-                <a:shade val="93000"/>
-                <a:satMod val="130000"/>
-              </a:schemeClr>
-            </a:gs>
-            <a:gs pos="100000">
-              <a:schemeClr val="dk2">
-                <a:hueOff val="0"/>
-                <a:satOff val="0"/>
-                <a:lumOff val="0"/>
-                <a:alphaOff val="0"/>
-                <a:shade val="94000"/>
-                <a:satMod val="135000"/>
-              </a:schemeClr>
-            </a:gs>
-          </a:gsLst>
-          <a:lin ang="16200000" scaled="0"/>
-        </a:gradFill>
-        <a:ln>
-          <a:noFill/>
-        </a:ln>
-        <a:effectLst>
-          <a:outerShdw blurRad="40000" dist="23000" dir="5400000" rotWithShape="0">
-            <a:srgbClr val="000000">
-              <a:alpha val="35000"/>
-            </a:srgbClr>
-          </a:outerShdw>
-        </a:effectLst>
-      </dsp:spPr>
-      <dsp:style>
-        <a:lnRef idx="0">
-          <a:scrgbClr r="0" g="0" b="0"/>
-        </a:lnRef>
-        <a:fillRef idx="3">
-          <a:scrgbClr r="0" g="0" b="0"/>
-        </a:fillRef>
-        <a:effectRef idx="2">
-          <a:scrgbClr r="0" g="0" b="0"/>
-        </a:effectRef>
-        <a:fontRef idx="minor">
-          <a:schemeClr val="lt1"/>
-        </a:fontRef>
-      </dsp:style>
-      <dsp:txBody>
-        <a:bodyPr spcFirstLastPara="0" vert="horz" wrap="square" lIns="137160" tIns="137160" rIns="137160" bIns="137160" numCol="1" spcCol="1270" anchor="ctr" anchorCtr="0">
-          <a:noAutofit/>
-        </a:bodyPr>
-        <a:lstStyle/>
-        <a:p>
-          <a:pPr lvl="0" algn="ctr" defTabSz="1600200">
-            <a:lnSpc>
-              <a:spcPct val="90000"/>
-            </a:lnSpc>
-            <a:spcBef>
-              <a:spcPct val="0"/>
-            </a:spcBef>
-            <a:spcAft>
-              <a:spcPct val="35000"/>
-            </a:spcAft>
-          </a:pPr>
-          <a:r>
-            <a:rPr lang="de-DE" sz="3600" kern="1200" dirty="0"/>
-            <a:t>Erstellen der Komponente „</a:t>
-          </a:r>
-          <a:r>
-            <a:rPr lang="de-DE" sz="3600" kern="1200" dirty="0" err="1"/>
-            <a:t>home</a:t>
-          </a:r>
-          <a:r>
-            <a:rPr lang="de-DE" sz="3600" kern="1200" dirty="0"/>
-            <a:t>“</a:t>
-          </a:r>
-        </a:p>
-      </dsp:txBody>
-      <dsp:txXfrm>
-        <a:off x="67415" y="1615094"/>
-        <a:ext cx="3109375" cy="1820318"/>
-      </dsp:txXfrm>
-    </dsp:sp>
-    <dsp:sp modelId="{30EAC814-8F64-D74A-9EBA-0CBC6BE058AA}">
-      <dsp:nvSpPr>
-        <dsp:cNvPr id="0" name=""/>
-        <dsp:cNvSpPr/>
-      </dsp:nvSpPr>
-      <dsp:spPr>
-        <a:xfrm>
-          <a:off x="3555687" y="2125646"/>
-          <a:ext cx="683199" cy="799214"/>
-        </a:xfrm>
-        <a:prstGeom prst="rightArrow">
-          <a:avLst>
-            <a:gd name="adj1" fmla="val 60000"/>
-            <a:gd name="adj2" fmla="val 50000"/>
-          </a:avLst>
-        </a:prstGeom>
-        <a:gradFill rotWithShape="0">
-          <a:gsLst>
-            <a:gs pos="0">
-              <a:schemeClr val="dk2">
-                <a:tint val="60000"/>
-                <a:hueOff val="0"/>
-                <a:satOff val="0"/>
-                <a:lumOff val="0"/>
-                <a:alphaOff val="0"/>
-                <a:shade val="51000"/>
-                <a:satMod val="130000"/>
-              </a:schemeClr>
-            </a:gs>
-            <a:gs pos="80000">
-              <a:schemeClr val="dk2">
-                <a:tint val="60000"/>
-                <a:hueOff val="0"/>
-                <a:satOff val="0"/>
-                <a:lumOff val="0"/>
-                <a:alphaOff val="0"/>
-                <a:shade val="93000"/>
-                <a:satMod val="130000"/>
-              </a:schemeClr>
-            </a:gs>
-            <a:gs pos="100000">
-              <a:schemeClr val="dk2">
-                <a:tint val="60000"/>
-                <a:hueOff val="0"/>
-                <a:satOff val="0"/>
-                <a:lumOff val="0"/>
-                <a:alphaOff val="0"/>
-                <a:shade val="94000"/>
-                <a:satMod val="135000"/>
-              </a:schemeClr>
-            </a:gs>
-          </a:gsLst>
-          <a:lin ang="16200000" scaled="0"/>
-        </a:gradFill>
-        <a:ln>
-          <a:noFill/>
-        </a:ln>
-        <a:effectLst>
-          <a:outerShdw blurRad="40000" dist="23000" dir="5400000" rotWithShape="0">
-            <a:srgbClr val="000000">
-              <a:alpha val="35000"/>
-            </a:srgbClr>
-          </a:outerShdw>
-        </a:effectLst>
-      </dsp:spPr>
-      <dsp:style>
-        <a:lnRef idx="0">
-          <a:scrgbClr r="0" g="0" b="0"/>
-        </a:lnRef>
-        <a:fillRef idx="3">
-          <a:scrgbClr r="0" g="0" b="0"/>
-        </a:fillRef>
-        <a:effectRef idx="2">
-          <a:scrgbClr r="0" g="0" b="0"/>
-        </a:effectRef>
-        <a:fontRef idx="minor">
-          <a:schemeClr val="lt1"/>
-        </a:fontRef>
-      </dsp:style>
-      <dsp:txBody>
-        <a:bodyPr spcFirstLastPara="0" vert="horz" wrap="square" lIns="0" tIns="0" rIns="0" bIns="0" numCol="1" spcCol="1270" anchor="ctr" anchorCtr="0">
-          <a:noAutofit/>
-        </a:bodyPr>
-        <a:lstStyle/>
-        <a:p>
-          <a:pPr lvl="0" algn="ctr" defTabSz="1289050">
-            <a:lnSpc>
-              <a:spcPct val="90000"/>
-            </a:lnSpc>
-            <a:spcBef>
-              <a:spcPct val="0"/>
-            </a:spcBef>
-            <a:spcAft>
-              <a:spcPct val="35000"/>
-            </a:spcAft>
-          </a:pPr>
-          <a:endParaRPr lang="de-DE" sz="2900" kern="1200"/>
-        </a:p>
-      </dsp:txBody>
-      <dsp:txXfrm>
-        <a:off x="3555687" y="2285489"/>
-        <a:ext cx="478239" cy="479528"/>
-      </dsp:txXfrm>
-    </dsp:sp>
-    <dsp:sp modelId="{942B2FD4-F953-1241-B452-E01505D35646}">
-      <dsp:nvSpPr>
-        <dsp:cNvPr id="0" name=""/>
-        <dsp:cNvSpPr/>
-      </dsp:nvSpPr>
-      <dsp:spPr>
-        <a:xfrm>
-          <a:off x="4522479" y="1558461"/>
-          <a:ext cx="3222641" cy="1933584"/>
-        </a:xfrm>
-        <a:prstGeom prst="roundRect">
-          <a:avLst>
-            <a:gd name="adj" fmla="val 10000"/>
-          </a:avLst>
-        </a:prstGeom>
-        <a:gradFill rotWithShape="0">
-          <a:gsLst>
-            <a:gs pos="0">
-              <a:schemeClr val="dk2">
-                <a:hueOff val="0"/>
-                <a:satOff val="0"/>
-                <a:lumOff val="0"/>
-                <a:alphaOff val="0"/>
-                <a:shade val="51000"/>
-                <a:satMod val="130000"/>
-              </a:schemeClr>
-            </a:gs>
-            <a:gs pos="80000">
-              <a:schemeClr val="dk2">
-                <a:hueOff val="0"/>
-                <a:satOff val="0"/>
-                <a:lumOff val="0"/>
-                <a:alphaOff val="0"/>
-                <a:shade val="93000"/>
-                <a:satMod val="130000"/>
-              </a:schemeClr>
-            </a:gs>
-            <a:gs pos="100000">
-              <a:schemeClr val="dk2">
-                <a:hueOff val="0"/>
-                <a:satOff val="0"/>
-                <a:lumOff val="0"/>
-                <a:alphaOff val="0"/>
-                <a:shade val="94000"/>
-                <a:satMod val="135000"/>
-              </a:schemeClr>
-            </a:gs>
-          </a:gsLst>
-          <a:lin ang="16200000" scaled="0"/>
-        </a:gradFill>
-        <a:ln>
-          <a:noFill/>
-        </a:ln>
-        <a:effectLst>
-          <a:outerShdw blurRad="40000" dist="23000" dir="5400000" rotWithShape="0">
-            <a:srgbClr val="000000">
-              <a:alpha val="35000"/>
-            </a:srgbClr>
-          </a:outerShdw>
-        </a:effectLst>
-      </dsp:spPr>
-      <dsp:style>
-        <a:lnRef idx="0">
-          <a:scrgbClr r="0" g="0" b="0"/>
-        </a:lnRef>
-        <a:fillRef idx="3">
-          <a:scrgbClr r="0" g="0" b="0"/>
-        </a:fillRef>
-        <a:effectRef idx="2">
-          <a:scrgbClr r="0" g="0" b="0"/>
-        </a:effectRef>
-        <a:fontRef idx="minor">
-          <a:schemeClr val="lt1"/>
-        </a:fontRef>
-      </dsp:style>
-      <dsp:txBody>
-        <a:bodyPr spcFirstLastPara="0" vert="horz" wrap="square" lIns="137160" tIns="137160" rIns="137160" bIns="137160" numCol="1" spcCol="1270" anchor="ctr" anchorCtr="0">
-          <a:noAutofit/>
-        </a:bodyPr>
-        <a:lstStyle/>
-        <a:p>
-          <a:pPr lvl="0" algn="ctr" defTabSz="1600200">
-            <a:lnSpc>
-              <a:spcPct val="90000"/>
-            </a:lnSpc>
-            <a:spcBef>
-              <a:spcPct val="0"/>
-            </a:spcBef>
-            <a:spcAft>
-              <a:spcPct val="35000"/>
-            </a:spcAft>
-          </a:pPr>
-          <a:r>
-            <a:rPr lang="de-DE" sz="3600" kern="1200" dirty="0"/>
-            <a:t>Auslagern von HTML nach </a:t>
-          </a:r>
-          <a:r>
-            <a:rPr lang="de-DE" sz="3600" kern="1200" dirty="0" err="1"/>
-            <a:t>home</a:t>
-          </a:r>
-          <a:endParaRPr lang="de-DE" sz="3600" kern="1200" dirty="0"/>
-        </a:p>
-      </dsp:txBody>
-      <dsp:txXfrm>
-        <a:off x="4579112" y="1615094"/>
-        <a:ext cx="3109375" cy="1820318"/>
-      </dsp:txXfrm>
-    </dsp:sp>
-    <dsp:sp modelId="{61D01FBA-AE9A-8140-B034-5E107AF8B06D}">
-      <dsp:nvSpPr>
-        <dsp:cNvPr id="0" name=""/>
-        <dsp:cNvSpPr/>
-      </dsp:nvSpPr>
-      <dsp:spPr>
-        <a:xfrm>
-          <a:off x="8067384" y="2125646"/>
-          <a:ext cx="683199" cy="799214"/>
-        </a:xfrm>
-        <a:prstGeom prst="rightArrow">
-          <a:avLst>
-            <a:gd name="adj1" fmla="val 60000"/>
-            <a:gd name="adj2" fmla="val 50000"/>
-          </a:avLst>
-        </a:prstGeom>
-        <a:gradFill rotWithShape="0">
-          <a:gsLst>
-            <a:gs pos="0">
-              <a:schemeClr val="dk2">
-                <a:tint val="60000"/>
-                <a:hueOff val="0"/>
-                <a:satOff val="0"/>
-                <a:lumOff val="0"/>
-                <a:alphaOff val="0"/>
-                <a:shade val="51000"/>
-                <a:satMod val="130000"/>
-              </a:schemeClr>
-            </a:gs>
-            <a:gs pos="80000">
-              <a:schemeClr val="dk2">
-                <a:tint val="60000"/>
-                <a:hueOff val="0"/>
-                <a:satOff val="0"/>
-                <a:lumOff val="0"/>
-                <a:alphaOff val="0"/>
-                <a:shade val="93000"/>
-                <a:satMod val="130000"/>
-              </a:schemeClr>
-            </a:gs>
-            <a:gs pos="100000">
-              <a:schemeClr val="dk2">
-                <a:tint val="60000"/>
-                <a:hueOff val="0"/>
-                <a:satOff val="0"/>
-                <a:lumOff val="0"/>
-                <a:alphaOff val="0"/>
-                <a:shade val="94000"/>
-                <a:satMod val="135000"/>
-              </a:schemeClr>
-            </a:gs>
-          </a:gsLst>
-          <a:lin ang="16200000" scaled="0"/>
-        </a:gradFill>
-        <a:ln>
-          <a:noFill/>
-        </a:ln>
-        <a:effectLst>
-          <a:outerShdw blurRad="40000" dist="23000" dir="5400000" rotWithShape="0">
-            <a:srgbClr val="000000">
-              <a:alpha val="35000"/>
-            </a:srgbClr>
-          </a:outerShdw>
-        </a:effectLst>
-      </dsp:spPr>
-      <dsp:style>
-        <a:lnRef idx="0">
-          <a:scrgbClr r="0" g="0" b="0"/>
-        </a:lnRef>
-        <a:fillRef idx="3">
-          <a:scrgbClr r="0" g="0" b="0"/>
-        </a:fillRef>
-        <a:effectRef idx="2">
-          <a:scrgbClr r="0" g="0" b="0"/>
-        </a:effectRef>
-        <a:fontRef idx="minor">
-          <a:schemeClr val="lt1"/>
-        </a:fontRef>
-      </dsp:style>
-      <dsp:txBody>
-        <a:bodyPr spcFirstLastPara="0" vert="horz" wrap="square" lIns="0" tIns="0" rIns="0" bIns="0" numCol="1" spcCol="1270" anchor="ctr" anchorCtr="0">
-          <a:noAutofit/>
-        </a:bodyPr>
-        <a:lstStyle/>
-        <a:p>
-          <a:pPr lvl="0" algn="ctr" defTabSz="1289050">
-            <a:lnSpc>
-              <a:spcPct val="90000"/>
-            </a:lnSpc>
-            <a:spcBef>
-              <a:spcPct val="0"/>
-            </a:spcBef>
-            <a:spcAft>
-              <a:spcPct val="35000"/>
-            </a:spcAft>
-          </a:pPr>
-          <a:endParaRPr lang="de-DE" sz="2900" kern="1200"/>
-        </a:p>
-      </dsp:txBody>
-      <dsp:txXfrm>
-        <a:off x="8067384" y="2285489"/>
-        <a:ext cx="478239" cy="479528"/>
-      </dsp:txXfrm>
-    </dsp:sp>
-    <dsp:sp modelId="{48E1AD6C-04E3-5047-8B6E-169C4DE6C0BD}">
-      <dsp:nvSpPr>
-        <dsp:cNvPr id="0" name=""/>
-        <dsp:cNvSpPr/>
-      </dsp:nvSpPr>
-      <dsp:spPr>
-        <a:xfrm>
-          <a:off x="9034176" y="1558461"/>
-          <a:ext cx="3222641" cy="1933584"/>
-        </a:xfrm>
-        <a:prstGeom prst="roundRect">
-          <a:avLst>
-            <a:gd name="adj" fmla="val 10000"/>
-          </a:avLst>
-        </a:prstGeom>
-        <a:gradFill rotWithShape="0">
-          <a:gsLst>
-            <a:gs pos="0">
-              <a:schemeClr val="dk2">
-                <a:hueOff val="0"/>
-                <a:satOff val="0"/>
-                <a:lumOff val="0"/>
-                <a:alphaOff val="0"/>
-                <a:shade val="51000"/>
-                <a:satMod val="130000"/>
-              </a:schemeClr>
-            </a:gs>
-            <a:gs pos="80000">
-              <a:schemeClr val="dk2">
-                <a:hueOff val="0"/>
-                <a:satOff val="0"/>
-                <a:lumOff val="0"/>
-                <a:alphaOff val="0"/>
-                <a:shade val="93000"/>
-                <a:satMod val="130000"/>
-              </a:schemeClr>
-            </a:gs>
-            <a:gs pos="100000">
-              <a:schemeClr val="dk2">
-                <a:hueOff val="0"/>
-                <a:satOff val="0"/>
-                <a:lumOff val="0"/>
-                <a:alphaOff val="0"/>
-                <a:shade val="94000"/>
-                <a:satMod val="135000"/>
-              </a:schemeClr>
-            </a:gs>
-          </a:gsLst>
-          <a:lin ang="16200000" scaled="0"/>
-        </a:gradFill>
-        <a:ln>
-          <a:noFill/>
-        </a:ln>
-        <a:effectLst>
-          <a:outerShdw blurRad="40000" dist="23000" dir="5400000" rotWithShape="0">
-            <a:srgbClr val="000000">
-              <a:alpha val="35000"/>
-            </a:srgbClr>
-          </a:outerShdw>
-        </a:effectLst>
-      </dsp:spPr>
-      <dsp:style>
-        <a:lnRef idx="0">
-          <a:scrgbClr r="0" g="0" b="0"/>
-        </a:lnRef>
-        <a:fillRef idx="3">
-          <a:scrgbClr r="0" g="0" b="0"/>
-        </a:fillRef>
-        <a:effectRef idx="2">
-          <a:scrgbClr r="0" g="0" b="0"/>
-        </a:effectRef>
-        <a:fontRef idx="minor">
-          <a:schemeClr val="lt1"/>
-        </a:fontRef>
-      </dsp:style>
-      <dsp:txBody>
-        <a:bodyPr spcFirstLastPara="0" vert="horz" wrap="square" lIns="137160" tIns="137160" rIns="137160" bIns="137160" numCol="1" spcCol="1270" anchor="ctr" anchorCtr="0">
-          <a:noAutofit/>
-        </a:bodyPr>
-        <a:lstStyle/>
-        <a:p>
-          <a:pPr lvl="0" algn="ctr" defTabSz="1600200">
-            <a:lnSpc>
-              <a:spcPct val="90000"/>
-            </a:lnSpc>
-            <a:spcBef>
-              <a:spcPct val="0"/>
-            </a:spcBef>
-            <a:spcAft>
-              <a:spcPct val="35000"/>
-            </a:spcAft>
-          </a:pPr>
-          <a:r>
-            <a:rPr lang="de-DE" sz="3600" kern="1200" dirty="0"/>
-            <a:t>Einbinden in die Anwendung</a:t>
-          </a:r>
-        </a:p>
-      </dsp:txBody>
-      <dsp:txXfrm>
-        <a:off x="9090809" y="1615094"/>
-        <a:ext cx="3109375" cy="1820318"/>
-      </dsp:txXfrm>
-    </dsp:sp>
   </dsp:spTree>
 </dsp:drawing>
 </file>
@@ -7349,966 +6303,6 @@
       <dsp:cNvGrpSpPr/>
     </dsp:nvGrpSpPr>
     <dsp:grpSpPr/>
-    <dsp:sp modelId="{AC19049A-FF2E-864B-A995-C88CCE14464E}">
-      <dsp:nvSpPr>
-        <dsp:cNvPr id="0" name=""/>
-        <dsp:cNvSpPr/>
-      </dsp:nvSpPr>
-      <dsp:spPr>
-        <a:xfrm>
-          <a:off x="5990" y="1968179"/>
-          <a:ext cx="1856912" cy="1114147"/>
-        </a:xfrm>
-        <a:prstGeom prst="roundRect">
-          <a:avLst>
-            <a:gd name="adj" fmla="val 10000"/>
-          </a:avLst>
-        </a:prstGeom>
-        <a:gradFill rotWithShape="0">
-          <a:gsLst>
-            <a:gs pos="0">
-              <a:schemeClr val="dk2">
-                <a:hueOff val="0"/>
-                <a:satOff val="0"/>
-                <a:lumOff val="0"/>
-                <a:alphaOff val="0"/>
-                <a:shade val="51000"/>
-                <a:satMod val="130000"/>
-              </a:schemeClr>
-            </a:gs>
-            <a:gs pos="80000">
-              <a:schemeClr val="dk2">
-                <a:hueOff val="0"/>
-                <a:satOff val="0"/>
-                <a:lumOff val="0"/>
-                <a:alphaOff val="0"/>
-                <a:shade val="93000"/>
-                <a:satMod val="130000"/>
-              </a:schemeClr>
-            </a:gs>
-            <a:gs pos="100000">
-              <a:schemeClr val="dk2">
-                <a:hueOff val="0"/>
-                <a:satOff val="0"/>
-                <a:lumOff val="0"/>
-                <a:alphaOff val="0"/>
-                <a:shade val="94000"/>
-                <a:satMod val="135000"/>
-              </a:schemeClr>
-            </a:gs>
-          </a:gsLst>
-          <a:lin ang="16200000" scaled="0"/>
-        </a:gradFill>
-        <a:ln>
-          <a:noFill/>
-        </a:ln>
-        <a:effectLst>
-          <a:outerShdw blurRad="40000" dist="23000" dir="5400000" rotWithShape="0">
-            <a:srgbClr val="000000">
-              <a:alpha val="35000"/>
-            </a:srgbClr>
-          </a:outerShdw>
-        </a:effectLst>
-      </dsp:spPr>
-      <dsp:style>
-        <a:lnRef idx="0">
-          <a:scrgbClr r="0" g="0" b="0"/>
-        </a:lnRef>
-        <a:fillRef idx="3">
-          <a:scrgbClr r="0" g="0" b="0"/>
-        </a:fillRef>
-        <a:effectRef idx="2">
-          <a:scrgbClr r="0" g="0" b="0"/>
-        </a:effectRef>
-        <a:fontRef idx="minor">
-          <a:schemeClr val="lt1"/>
-        </a:fontRef>
-      </dsp:style>
-      <dsp:txBody>
-        <a:bodyPr spcFirstLastPara="0" vert="horz" wrap="square" lIns="72390" tIns="72390" rIns="72390" bIns="72390" numCol="1" spcCol="1270" anchor="ctr" anchorCtr="0">
-          <a:noAutofit/>
-        </a:bodyPr>
-        <a:lstStyle/>
-        <a:p>
-          <a:pPr lvl="0" algn="ctr" defTabSz="844550">
-            <a:lnSpc>
-              <a:spcPct val="90000"/>
-            </a:lnSpc>
-            <a:spcBef>
-              <a:spcPct val="0"/>
-            </a:spcBef>
-            <a:spcAft>
-              <a:spcPct val="35000"/>
-            </a:spcAft>
-          </a:pPr>
-          <a:r>
-            <a:rPr lang="de-DE" sz="1900" kern="1200" dirty="0"/>
-            <a:t>Erstellen der Komponente „</a:t>
-          </a:r>
-          <a:r>
-            <a:rPr lang="de-DE" sz="1900" kern="1200" dirty="0" err="1"/>
-            <a:t>guest-book</a:t>
-          </a:r>
-          <a:r>
-            <a:rPr lang="de-DE" sz="1900" kern="1200" dirty="0"/>
-            <a:t>“</a:t>
-          </a:r>
-        </a:p>
-      </dsp:txBody>
-      <dsp:txXfrm>
-        <a:off x="38622" y="2000811"/>
-        <a:ext cx="1791648" cy="1048883"/>
-      </dsp:txXfrm>
-    </dsp:sp>
-    <dsp:sp modelId="{30EAC814-8F64-D74A-9EBA-0CBC6BE058AA}">
-      <dsp:nvSpPr>
-        <dsp:cNvPr id="0" name=""/>
-        <dsp:cNvSpPr/>
-      </dsp:nvSpPr>
-      <dsp:spPr>
-        <a:xfrm>
-          <a:off x="2048593" y="2294996"/>
-          <a:ext cx="393665" cy="460514"/>
-        </a:xfrm>
-        <a:prstGeom prst="rightArrow">
-          <a:avLst>
-            <a:gd name="adj1" fmla="val 60000"/>
-            <a:gd name="adj2" fmla="val 50000"/>
-          </a:avLst>
-        </a:prstGeom>
-        <a:gradFill rotWithShape="0">
-          <a:gsLst>
-            <a:gs pos="0">
-              <a:schemeClr val="dk2">
-                <a:tint val="60000"/>
-                <a:hueOff val="0"/>
-                <a:satOff val="0"/>
-                <a:lumOff val="0"/>
-                <a:alphaOff val="0"/>
-                <a:shade val="51000"/>
-                <a:satMod val="130000"/>
-              </a:schemeClr>
-            </a:gs>
-            <a:gs pos="80000">
-              <a:schemeClr val="dk2">
-                <a:tint val="60000"/>
-                <a:hueOff val="0"/>
-                <a:satOff val="0"/>
-                <a:lumOff val="0"/>
-                <a:alphaOff val="0"/>
-                <a:shade val="93000"/>
-                <a:satMod val="130000"/>
-              </a:schemeClr>
-            </a:gs>
-            <a:gs pos="100000">
-              <a:schemeClr val="dk2">
-                <a:tint val="60000"/>
-                <a:hueOff val="0"/>
-                <a:satOff val="0"/>
-                <a:lumOff val="0"/>
-                <a:alphaOff val="0"/>
-                <a:shade val="94000"/>
-                <a:satMod val="135000"/>
-              </a:schemeClr>
-            </a:gs>
-          </a:gsLst>
-          <a:lin ang="16200000" scaled="0"/>
-        </a:gradFill>
-        <a:ln>
-          <a:noFill/>
-        </a:ln>
-        <a:effectLst>
-          <a:outerShdw blurRad="40000" dist="23000" dir="5400000" rotWithShape="0">
-            <a:srgbClr val="000000">
-              <a:alpha val="35000"/>
-            </a:srgbClr>
-          </a:outerShdw>
-        </a:effectLst>
-      </dsp:spPr>
-      <dsp:style>
-        <a:lnRef idx="0">
-          <a:scrgbClr r="0" g="0" b="0"/>
-        </a:lnRef>
-        <a:fillRef idx="3">
-          <a:scrgbClr r="0" g="0" b="0"/>
-        </a:fillRef>
-        <a:effectRef idx="2">
-          <a:scrgbClr r="0" g="0" b="0"/>
-        </a:effectRef>
-        <a:fontRef idx="minor">
-          <a:schemeClr val="lt1"/>
-        </a:fontRef>
-      </dsp:style>
-      <dsp:txBody>
-        <a:bodyPr spcFirstLastPara="0" vert="horz" wrap="square" lIns="0" tIns="0" rIns="0" bIns="0" numCol="1" spcCol="1270" anchor="ctr" anchorCtr="0">
-          <a:noAutofit/>
-        </a:bodyPr>
-        <a:lstStyle/>
-        <a:p>
-          <a:pPr lvl="0" algn="ctr" defTabSz="711200">
-            <a:lnSpc>
-              <a:spcPct val="90000"/>
-            </a:lnSpc>
-            <a:spcBef>
-              <a:spcPct val="0"/>
-            </a:spcBef>
-            <a:spcAft>
-              <a:spcPct val="35000"/>
-            </a:spcAft>
-          </a:pPr>
-          <a:endParaRPr lang="de-DE" sz="1600" kern="1200"/>
-        </a:p>
-      </dsp:txBody>
-      <dsp:txXfrm>
-        <a:off x="2048593" y="2387099"/>
-        <a:ext cx="275566" cy="276308"/>
-      </dsp:txXfrm>
-    </dsp:sp>
-    <dsp:sp modelId="{942B2FD4-F953-1241-B452-E01505D35646}">
-      <dsp:nvSpPr>
-        <dsp:cNvPr id="0" name=""/>
-        <dsp:cNvSpPr/>
-      </dsp:nvSpPr>
-      <dsp:spPr>
-        <a:xfrm>
-          <a:off x="2605666" y="1968179"/>
-          <a:ext cx="1856912" cy="1114147"/>
-        </a:xfrm>
-        <a:prstGeom prst="roundRect">
-          <a:avLst>
-            <a:gd name="adj" fmla="val 10000"/>
-          </a:avLst>
-        </a:prstGeom>
-        <a:gradFill rotWithShape="0">
-          <a:gsLst>
-            <a:gs pos="0">
-              <a:schemeClr val="dk2">
-                <a:hueOff val="0"/>
-                <a:satOff val="0"/>
-                <a:lumOff val="0"/>
-                <a:alphaOff val="0"/>
-                <a:shade val="51000"/>
-                <a:satMod val="130000"/>
-              </a:schemeClr>
-            </a:gs>
-            <a:gs pos="80000">
-              <a:schemeClr val="dk2">
-                <a:hueOff val="0"/>
-                <a:satOff val="0"/>
-                <a:lumOff val="0"/>
-                <a:alphaOff val="0"/>
-                <a:shade val="93000"/>
-                <a:satMod val="130000"/>
-              </a:schemeClr>
-            </a:gs>
-            <a:gs pos="100000">
-              <a:schemeClr val="dk2">
-                <a:hueOff val="0"/>
-                <a:satOff val="0"/>
-                <a:lumOff val="0"/>
-                <a:alphaOff val="0"/>
-                <a:shade val="94000"/>
-                <a:satMod val="135000"/>
-              </a:schemeClr>
-            </a:gs>
-          </a:gsLst>
-          <a:lin ang="16200000" scaled="0"/>
-        </a:gradFill>
-        <a:ln>
-          <a:noFill/>
-        </a:ln>
-        <a:effectLst>
-          <a:outerShdw blurRad="40000" dist="23000" dir="5400000" rotWithShape="0">
-            <a:srgbClr val="000000">
-              <a:alpha val="35000"/>
-            </a:srgbClr>
-          </a:outerShdw>
-        </a:effectLst>
-      </dsp:spPr>
-      <dsp:style>
-        <a:lnRef idx="0">
-          <a:scrgbClr r="0" g="0" b="0"/>
-        </a:lnRef>
-        <a:fillRef idx="3">
-          <a:scrgbClr r="0" g="0" b="0"/>
-        </a:fillRef>
-        <a:effectRef idx="2">
-          <a:scrgbClr r="0" g="0" b="0"/>
-        </a:effectRef>
-        <a:fontRef idx="minor">
-          <a:schemeClr val="lt1"/>
-        </a:fontRef>
-      </dsp:style>
-      <dsp:txBody>
-        <a:bodyPr spcFirstLastPara="0" vert="horz" wrap="square" lIns="72390" tIns="72390" rIns="72390" bIns="72390" numCol="1" spcCol="1270" anchor="ctr" anchorCtr="0">
-          <a:noAutofit/>
-        </a:bodyPr>
-        <a:lstStyle/>
-        <a:p>
-          <a:pPr lvl="0" algn="ctr" defTabSz="844550">
-            <a:lnSpc>
-              <a:spcPct val="90000"/>
-            </a:lnSpc>
-            <a:spcBef>
-              <a:spcPct val="0"/>
-            </a:spcBef>
-            <a:spcAft>
-              <a:spcPct val="35000"/>
-            </a:spcAft>
-          </a:pPr>
-          <a:r>
-            <a:rPr lang="de-DE" sz="1900" kern="1200" dirty="0"/>
-            <a:t>Einbinden in die Anwendung</a:t>
-          </a:r>
-        </a:p>
-      </dsp:txBody>
-      <dsp:txXfrm>
-        <a:off x="2638298" y="2000811"/>
-        <a:ext cx="1791648" cy="1048883"/>
-      </dsp:txXfrm>
-    </dsp:sp>
-    <dsp:sp modelId="{61D01FBA-AE9A-8140-B034-5E107AF8B06D}">
-      <dsp:nvSpPr>
-        <dsp:cNvPr id="0" name=""/>
-        <dsp:cNvSpPr/>
-      </dsp:nvSpPr>
-      <dsp:spPr>
-        <a:xfrm>
-          <a:off x="4648270" y="2294996"/>
-          <a:ext cx="393665" cy="460514"/>
-        </a:xfrm>
-        <a:prstGeom prst="rightArrow">
-          <a:avLst>
-            <a:gd name="adj1" fmla="val 60000"/>
-            <a:gd name="adj2" fmla="val 50000"/>
-          </a:avLst>
-        </a:prstGeom>
-        <a:gradFill rotWithShape="0">
-          <a:gsLst>
-            <a:gs pos="0">
-              <a:schemeClr val="dk2">
-                <a:tint val="60000"/>
-                <a:hueOff val="0"/>
-                <a:satOff val="0"/>
-                <a:lumOff val="0"/>
-                <a:alphaOff val="0"/>
-                <a:shade val="51000"/>
-                <a:satMod val="130000"/>
-              </a:schemeClr>
-            </a:gs>
-            <a:gs pos="80000">
-              <a:schemeClr val="dk2">
-                <a:tint val="60000"/>
-                <a:hueOff val="0"/>
-                <a:satOff val="0"/>
-                <a:lumOff val="0"/>
-                <a:alphaOff val="0"/>
-                <a:shade val="93000"/>
-                <a:satMod val="130000"/>
-              </a:schemeClr>
-            </a:gs>
-            <a:gs pos="100000">
-              <a:schemeClr val="dk2">
-                <a:tint val="60000"/>
-                <a:hueOff val="0"/>
-                <a:satOff val="0"/>
-                <a:lumOff val="0"/>
-                <a:alphaOff val="0"/>
-                <a:shade val="94000"/>
-                <a:satMod val="135000"/>
-              </a:schemeClr>
-            </a:gs>
-          </a:gsLst>
-          <a:lin ang="16200000" scaled="0"/>
-        </a:gradFill>
-        <a:ln>
-          <a:noFill/>
-        </a:ln>
-        <a:effectLst>
-          <a:outerShdw blurRad="40000" dist="23000" dir="5400000" rotWithShape="0">
-            <a:srgbClr val="000000">
-              <a:alpha val="35000"/>
-            </a:srgbClr>
-          </a:outerShdw>
-        </a:effectLst>
-      </dsp:spPr>
-      <dsp:style>
-        <a:lnRef idx="0">
-          <a:scrgbClr r="0" g="0" b="0"/>
-        </a:lnRef>
-        <a:fillRef idx="3">
-          <a:scrgbClr r="0" g="0" b="0"/>
-        </a:fillRef>
-        <a:effectRef idx="2">
-          <a:scrgbClr r="0" g="0" b="0"/>
-        </a:effectRef>
-        <a:fontRef idx="minor">
-          <a:schemeClr val="lt1"/>
-        </a:fontRef>
-      </dsp:style>
-      <dsp:txBody>
-        <a:bodyPr spcFirstLastPara="0" vert="horz" wrap="square" lIns="0" tIns="0" rIns="0" bIns="0" numCol="1" spcCol="1270" anchor="ctr" anchorCtr="0">
-          <a:noAutofit/>
-        </a:bodyPr>
-        <a:lstStyle/>
-        <a:p>
-          <a:pPr lvl="0" algn="ctr" defTabSz="711200">
-            <a:lnSpc>
-              <a:spcPct val="90000"/>
-            </a:lnSpc>
-            <a:spcBef>
-              <a:spcPct val="0"/>
-            </a:spcBef>
-            <a:spcAft>
-              <a:spcPct val="35000"/>
-            </a:spcAft>
-          </a:pPr>
-          <a:endParaRPr lang="de-DE" sz="1600" kern="1200"/>
-        </a:p>
-      </dsp:txBody>
-      <dsp:txXfrm>
-        <a:off x="4648270" y="2387099"/>
-        <a:ext cx="275566" cy="276308"/>
-      </dsp:txXfrm>
-    </dsp:sp>
-    <dsp:sp modelId="{48E1AD6C-04E3-5047-8B6E-169C4DE6C0BD}">
-      <dsp:nvSpPr>
-        <dsp:cNvPr id="0" name=""/>
-        <dsp:cNvSpPr/>
-      </dsp:nvSpPr>
-      <dsp:spPr>
-        <a:xfrm>
-          <a:off x="5205343" y="1968179"/>
-          <a:ext cx="1856912" cy="1114147"/>
-        </a:xfrm>
-        <a:prstGeom prst="roundRect">
-          <a:avLst>
-            <a:gd name="adj" fmla="val 10000"/>
-          </a:avLst>
-        </a:prstGeom>
-        <a:gradFill rotWithShape="0">
-          <a:gsLst>
-            <a:gs pos="0">
-              <a:schemeClr val="dk2">
-                <a:hueOff val="0"/>
-                <a:satOff val="0"/>
-                <a:lumOff val="0"/>
-                <a:alphaOff val="0"/>
-                <a:shade val="51000"/>
-                <a:satMod val="130000"/>
-              </a:schemeClr>
-            </a:gs>
-            <a:gs pos="80000">
-              <a:schemeClr val="dk2">
-                <a:hueOff val="0"/>
-                <a:satOff val="0"/>
-                <a:lumOff val="0"/>
-                <a:alphaOff val="0"/>
-                <a:shade val="93000"/>
-                <a:satMod val="130000"/>
-              </a:schemeClr>
-            </a:gs>
-            <a:gs pos="100000">
-              <a:schemeClr val="dk2">
-                <a:hueOff val="0"/>
-                <a:satOff val="0"/>
-                <a:lumOff val="0"/>
-                <a:alphaOff val="0"/>
-                <a:shade val="94000"/>
-                <a:satMod val="135000"/>
-              </a:schemeClr>
-            </a:gs>
-          </a:gsLst>
-          <a:lin ang="16200000" scaled="0"/>
-        </a:gradFill>
-        <a:ln>
-          <a:noFill/>
-        </a:ln>
-        <a:effectLst>
-          <a:outerShdw blurRad="40000" dist="23000" dir="5400000" rotWithShape="0">
-            <a:srgbClr val="000000">
-              <a:alpha val="35000"/>
-            </a:srgbClr>
-          </a:outerShdw>
-        </a:effectLst>
-      </dsp:spPr>
-      <dsp:style>
-        <a:lnRef idx="0">
-          <a:scrgbClr r="0" g="0" b="0"/>
-        </a:lnRef>
-        <a:fillRef idx="3">
-          <a:scrgbClr r="0" g="0" b="0"/>
-        </a:fillRef>
-        <a:effectRef idx="2">
-          <a:scrgbClr r="0" g="0" b="0"/>
-        </a:effectRef>
-        <a:fontRef idx="minor">
-          <a:schemeClr val="lt1"/>
-        </a:fontRef>
-      </dsp:style>
-      <dsp:txBody>
-        <a:bodyPr spcFirstLastPara="0" vert="horz" wrap="square" lIns="72390" tIns="72390" rIns="72390" bIns="72390" numCol="1" spcCol="1270" anchor="ctr" anchorCtr="0">
-          <a:noAutofit/>
-        </a:bodyPr>
-        <a:lstStyle/>
-        <a:p>
-          <a:pPr lvl="0" algn="ctr" defTabSz="844550">
-            <a:lnSpc>
-              <a:spcPct val="90000"/>
-            </a:lnSpc>
-            <a:spcBef>
-              <a:spcPct val="0"/>
-            </a:spcBef>
-            <a:spcAft>
-              <a:spcPct val="35000"/>
-            </a:spcAft>
-          </a:pPr>
-          <a:r>
-            <a:rPr lang="de-DE" sz="1900" kern="1200" dirty="0"/>
-            <a:t>Erstellen der Komponente „</a:t>
-          </a:r>
-          <a:r>
-            <a:rPr lang="de-DE" sz="1900" kern="1200" dirty="0" err="1"/>
-            <a:t>guest</a:t>
-          </a:r>
-          <a:r>
-            <a:rPr lang="de-DE" sz="1900" kern="1200" dirty="0"/>
-            <a:t>-list“</a:t>
-          </a:r>
-        </a:p>
-      </dsp:txBody>
-      <dsp:txXfrm>
-        <a:off x="5237975" y="2000811"/>
-        <a:ext cx="1791648" cy="1048883"/>
-      </dsp:txXfrm>
-    </dsp:sp>
-    <dsp:sp modelId="{0AD4DF4A-E0D6-074E-8C5C-EC60A69D5CD5}">
-      <dsp:nvSpPr>
-        <dsp:cNvPr id="0" name=""/>
-        <dsp:cNvSpPr/>
-      </dsp:nvSpPr>
-      <dsp:spPr>
-        <a:xfrm>
-          <a:off x="7247947" y="2294996"/>
-          <a:ext cx="393665" cy="460514"/>
-        </a:xfrm>
-        <a:prstGeom prst="rightArrow">
-          <a:avLst>
-            <a:gd name="adj1" fmla="val 60000"/>
-            <a:gd name="adj2" fmla="val 50000"/>
-          </a:avLst>
-        </a:prstGeom>
-        <a:gradFill rotWithShape="0">
-          <a:gsLst>
-            <a:gs pos="0">
-              <a:schemeClr val="dk2">
-                <a:tint val="60000"/>
-                <a:hueOff val="0"/>
-                <a:satOff val="0"/>
-                <a:lumOff val="0"/>
-                <a:alphaOff val="0"/>
-                <a:shade val="51000"/>
-                <a:satMod val="130000"/>
-              </a:schemeClr>
-            </a:gs>
-            <a:gs pos="80000">
-              <a:schemeClr val="dk2">
-                <a:tint val="60000"/>
-                <a:hueOff val="0"/>
-                <a:satOff val="0"/>
-                <a:lumOff val="0"/>
-                <a:alphaOff val="0"/>
-                <a:shade val="93000"/>
-                <a:satMod val="130000"/>
-              </a:schemeClr>
-            </a:gs>
-            <a:gs pos="100000">
-              <a:schemeClr val="dk2">
-                <a:tint val="60000"/>
-                <a:hueOff val="0"/>
-                <a:satOff val="0"/>
-                <a:lumOff val="0"/>
-                <a:alphaOff val="0"/>
-                <a:shade val="94000"/>
-                <a:satMod val="135000"/>
-              </a:schemeClr>
-            </a:gs>
-          </a:gsLst>
-          <a:lin ang="16200000" scaled="0"/>
-        </a:gradFill>
-        <a:ln>
-          <a:noFill/>
-        </a:ln>
-        <a:effectLst>
-          <a:outerShdw blurRad="40000" dist="23000" dir="5400000" rotWithShape="0">
-            <a:srgbClr val="000000">
-              <a:alpha val="35000"/>
-            </a:srgbClr>
-          </a:outerShdw>
-        </a:effectLst>
-      </dsp:spPr>
-      <dsp:style>
-        <a:lnRef idx="0">
-          <a:scrgbClr r="0" g="0" b="0"/>
-        </a:lnRef>
-        <a:fillRef idx="3">
-          <a:scrgbClr r="0" g="0" b="0"/>
-        </a:fillRef>
-        <a:effectRef idx="2">
-          <a:scrgbClr r="0" g="0" b="0"/>
-        </a:effectRef>
-        <a:fontRef idx="minor">
-          <a:schemeClr val="lt1"/>
-        </a:fontRef>
-      </dsp:style>
-      <dsp:txBody>
-        <a:bodyPr spcFirstLastPara="0" vert="horz" wrap="square" lIns="0" tIns="0" rIns="0" bIns="0" numCol="1" spcCol="1270" anchor="ctr" anchorCtr="0">
-          <a:noAutofit/>
-        </a:bodyPr>
-        <a:lstStyle/>
-        <a:p>
-          <a:pPr lvl="0" algn="ctr" defTabSz="711200">
-            <a:lnSpc>
-              <a:spcPct val="90000"/>
-            </a:lnSpc>
-            <a:spcBef>
-              <a:spcPct val="0"/>
-            </a:spcBef>
-            <a:spcAft>
-              <a:spcPct val="35000"/>
-            </a:spcAft>
-          </a:pPr>
-          <a:endParaRPr lang="de-DE" sz="1600" kern="1200"/>
-        </a:p>
-      </dsp:txBody>
-      <dsp:txXfrm>
-        <a:off x="7247947" y="2387099"/>
-        <a:ext cx="275566" cy="276308"/>
-      </dsp:txXfrm>
-    </dsp:sp>
-    <dsp:sp modelId="{C72C48AC-E55D-9140-B4CF-F284B256CE46}">
-      <dsp:nvSpPr>
-        <dsp:cNvPr id="0" name=""/>
-        <dsp:cNvSpPr/>
-      </dsp:nvSpPr>
-      <dsp:spPr>
-        <a:xfrm>
-          <a:off x="7805020" y="1968179"/>
-          <a:ext cx="1856912" cy="1114147"/>
-        </a:xfrm>
-        <a:prstGeom prst="roundRect">
-          <a:avLst>
-            <a:gd name="adj" fmla="val 10000"/>
-          </a:avLst>
-        </a:prstGeom>
-        <a:gradFill rotWithShape="0">
-          <a:gsLst>
-            <a:gs pos="0">
-              <a:schemeClr val="dk2">
-                <a:hueOff val="0"/>
-                <a:satOff val="0"/>
-                <a:lumOff val="0"/>
-                <a:alphaOff val="0"/>
-                <a:shade val="51000"/>
-                <a:satMod val="130000"/>
-              </a:schemeClr>
-            </a:gs>
-            <a:gs pos="80000">
-              <a:schemeClr val="dk2">
-                <a:hueOff val="0"/>
-                <a:satOff val="0"/>
-                <a:lumOff val="0"/>
-                <a:alphaOff val="0"/>
-                <a:shade val="93000"/>
-                <a:satMod val="130000"/>
-              </a:schemeClr>
-            </a:gs>
-            <a:gs pos="100000">
-              <a:schemeClr val="dk2">
-                <a:hueOff val="0"/>
-                <a:satOff val="0"/>
-                <a:lumOff val="0"/>
-                <a:alphaOff val="0"/>
-                <a:shade val="94000"/>
-                <a:satMod val="135000"/>
-              </a:schemeClr>
-            </a:gs>
-          </a:gsLst>
-          <a:lin ang="16200000" scaled="0"/>
-        </a:gradFill>
-        <a:ln>
-          <a:noFill/>
-        </a:ln>
-        <a:effectLst>
-          <a:outerShdw blurRad="40000" dist="23000" dir="5400000" rotWithShape="0">
-            <a:srgbClr val="000000">
-              <a:alpha val="35000"/>
-            </a:srgbClr>
-          </a:outerShdw>
-        </a:effectLst>
-      </dsp:spPr>
-      <dsp:style>
-        <a:lnRef idx="0">
-          <a:scrgbClr r="0" g="0" b="0"/>
-        </a:lnRef>
-        <a:fillRef idx="3">
-          <a:scrgbClr r="0" g="0" b="0"/>
-        </a:fillRef>
-        <a:effectRef idx="2">
-          <a:scrgbClr r="0" g="0" b="0"/>
-        </a:effectRef>
-        <a:fontRef idx="minor">
-          <a:schemeClr val="lt1"/>
-        </a:fontRef>
-      </dsp:style>
-      <dsp:txBody>
-        <a:bodyPr spcFirstLastPara="0" vert="horz" wrap="square" lIns="72390" tIns="72390" rIns="72390" bIns="72390" numCol="1" spcCol="1270" anchor="ctr" anchorCtr="0">
-          <a:noAutofit/>
-        </a:bodyPr>
-        <a:lstStyle/>
-        <a:p>
-          <a:pPr lvl="0" algn="ctr" defTabSz="844550">
-            <a:lnSpc>
-              <a:spcPct val="90000"/>
-            </a:lnSpc>
-            <a:spcBef>
-              <a:spcPct val="0"/>
-            </a:spcBef>
-            <a:spcAft>
-              <a:spcPct val="35000"/>
-            </a:spcAft>
-          </a:pPr>
-          <a:r>
-            <a:rPr lang="de-DE" sz="1900" kern="1200" dirty="0"/>
-            <a:t>Auslagern des HTML nach </a:t>
-          </a:r>
-          <a:r>
-            <a:rPr lang="de-DE" sz="1900" kern="1200" dirty="0" err="1"/>
-            <a:t>guest</a:t>
-          </a:r>
-          <a:r>
-            <a:rPr lang="de-DE" sz="1900" kern="1200" dirty="0"/>
-            <a:t>-list</a:t>
-          </a:r>
-        </a:p>
-      </dsp:txBody>
-      <dsp:txXfrm>
-        <a:off x="7837652" y="2000811"/>
-        <a:ext cx="1791648" cy="1048883"/>
-      </dsp:txXfrm>
-    </dsp:sp>
-    <dsp:sp modelId="{C0778852-E178-8D45-B49B-75D931FC40CB}">
-      <dsp:nvSpPr>
-        <dsp:cNvPr id="0" name=""/>
-        <dsp:cNvSpPr/>
-      </dsp:nvSpPr>
-      <dsp:spPr>
-        <a:xfrm>
-          <a:off x="9847624" y="2294996"/>
-          <a:ext cx="393665" cy="460514"/>
-        </a:xfrm>
-        <a:prstGeom prst="rightArrow">
-          <a:avLst>
-            <a:gd name="adj1" fmla="val 60000"/>
-            <a:gd name="adj2" fmla="val 50000"/>
-          </a:avLst>
-        </a:prstGeom>
-        <a:gradFill rotWithShape="0">
-          <a:gsLst>
-            <a:gs pos="0">
-              <a:schemeClr val="dk2">
-                <a:tint val="60000"/>
-                <a:hueOff val="0"/>
-                <a:satOff val="0"/>
-                <a:lumOff val="0"/>
-                <a:alphaOff val="0"/>
-                <a:shade val="51000"/>
-                <a:satMod val="130000"/>
-              </a:schemeClr>
-            </a:gs>
-            <a:gs pos="80000">
-              <a:schemeClr val="dk2">
-                <a:tint val="60000"/>
-                <a:hueOff val="0"/>
-                <a:satOff val="0"/>
-                <a:lumOff val="0"/>
-                <a:alphaOff val="0"/>
-                <a:shade val="93000"/>
-                <a:satMod val="130000"/>
-              </a:schemeClr>
-            </a:gs>
-            <a:gs pos="100000">
-              <a:schemeClr val="dk2">
-                <a:tint val="60000"/>
-                <a:hueOff val="0"/>
-                <a:satOff val="0"/>
-                <a:lumOff val="0"/>
-                <a:alphaOff val="0"/>
-                <a:shade val="94000"/>
-                <a:satMod val="135000"/>
-              </a:schemeClr>
-            </a:gs>
-          </a:gsLst>
-          <a:lin ang="16200000" scaled="0"/>
-        </a:gradFill>
-        <a:ln>
-          <a:noFill/>
-        </a:ln>
-        <a:effectLst>
-          <a:outerShdw blurRad="40000" dist="23000" dir="5400000" rotWithShape="0">
-            <a:srgbClr val="000000">
-              <a:alpha val="35000"/>
-            </a:srgbClr>
-          </a:outerShdw>
-        </a:effectLst>
-      </dsp:spPr>
-      <dsp:style>
-        <a:lnRef idx="0">
-          <a:scrgbClr r="0" g="0" b="0"/>
-        </a:lnRef>
-        <a:fillRef idx="3">
-          <a:scrgbClr r="0" g="0" b="0"/>
-        </a:fillRef>
-        <a:effectRef idx="2">
-          <a:scrgbClr r="0" g="0" b="0"/>
-        </a:effectRef>
-        <a:fontRef idx="minor">
-          <a:schemeClr val="lt1"/>
-        </a:fontRef>
-      </dsp:style>
-      <dsp:txBody>
-        <a:bodyPr spcFirstLastPara="0" vert="horz" wrap="square" lIns="0" tIns="0" rIns="0" bIns="0" numCol="1" spcCol="1270" anchor="ctr" anchorCtr="0">
-          <a:noAutofit/>
-        </a:bodyPr>
-        <a:lstStyle/>
-        <a:p>
-          <a:pPr lvl="0" algn="ctr" defTabSz="711200">
-            <a:lnSpc>
-              <a:spcPct val="90000"/>
-            </a:lnSpc>
-            <a:spcBef>
-              <a:spcPct val="0"/>
-            </a:spcBef>
-            <a:spcAft>
-              <a:spcPct val="35000"/>
-            </a:spcAft>
-          </a:pPr>
-          <a:endParaRPr lang="de-DE" sz="1600" kern="1200"/>
-        </a:p>
-      </dsp:txBody>
-      <dsp:txXfrm>
-        <a:off x="9847624" y="2387099"/>
-        <a:ext cx="275566" cy="276308"/>
-      </dsp:txXfrm>
-    </dsp:sp>
-    <dsp:sp modelId="{CE1BF210-B0C1-0C45-B643-E2A51ACDB5A4}">
-      <dsp:nvSpPr>
-        <dsp:cNvPr id="0" name=""/>
-        <dsp:cNvSpPr/>
-      </dsp:nvSpPr>
-      <dsp:spPr>
-        <a:xfrm>
-          <a:off x="10404697" y="1968179"/>
-          <a:ext cx="1856912" cy="1114147"/>
-        </a:xfrm>
-        <a:prstGeom prst="roundRect">
-          <a:avLst>
-            <a:gd name="adj" fmla="val 10000"/>
-          </a:avLst>
-        </a:prstGeom>
-        <a:gradFill rotWithShape="0">
-          <a:gsLst>
-            <a:gs pos="0">
-              <a:schemeClr val="dk2">
-                <a:hueOff val="0"/>
-                <a:satOff val="0"/>
-                <a:lumOff val="0"/>
-                <a:alphaOff val="0"/>
-                <a:shade val="51000"/>
-                <a:satMod val="130000"/>
-              </a:schemeClr>
-            </a:gs>
-            <a:gs pos="80000">
-              <a:schemeClr val="dk2">
-                <a:hueOff val="0"/>
-                <a:satOff val="0"/>
-                <a:lumOff val="0"/>
-                <a:alphaOff val="0"/>
-                <a:shade val="93000"/>
-                <a:satMod val="130000"/>
-              </a:schemeClr>
-            </a:gs>
-            <a:gs pos="100000">
-              <a:schemeClr val="dk2">
-                <a:hueOff val="0"/>
-                <a:satOff val="0"/>
-                <a:lumOff val="0"/>
-                <a:alphaOff val="0"/>
-                <a:shade val="94000"/>
-                <a:satMod val="135000"/>
-              </a:schemeClr>
-            </a:gs>
-          </a:gsLst>
-          <a:lin ang="16200000" scaled="0"/>
-        </a:gradFill>
-        <a:ln>
-          <a:noFill/>
-        </a:ln>
-        <a:effectLst>
-          <a:outerShdw blurRad="40000" dist="23000" dir="5400000" rotWithShape="0">
-            <a:srgbClr val="000000">
-              <a:alpha val="35000"/>
-            </a:srgbClr>
-          </a:outerShdw>
-        </a:effectLst>
-      </dsp:spPr>
-      <dsp:style>
-        <a:lnRef idx="0">
-          <a:scrgbClr r="0" g="0" b="0"/>
-        </a:lnRef>
-        <a:fillRef idx="3">
-          <a:scrgbClr r="0" g="0" b="0"/>
-        </a:fillRef>
-        <a:effectRef idx="2">
-          <a:scrgbClr r="0" g="0" b="0"/>
-        </a:effectRef>
-        <a:fontRef idx="minor">
-          <a:schemeClr val="lt1"/>
-        </a:fontRef>
-      </dsp:style>
-      <dsp:txBody>
-        <a:bodyPr spcFirstLastPara="0" vert="horz" wrap="square" lIns="72390" tIns="72390" rIns="72390" bIns="72390" numCol="1" spcCol="1270" anchor="ctr" anchorCtr="0">
-          <a:noAutofit/>
-        </a:bodyPr>
-        <a:lstStyle/>
-        <a:p>
-          <a:pPr lvl="0" algn="ctr" defTabSz="844550">
-            <a:lnSpc>
-              <a:spcPct val="90000"/>
-            </a:lnSpc>
-            <a:spcBef>
-              <a:spcPct val="0"/>
-            </a:spcBef>
-            <a:spcAft>
-              <a:spcPct val="35000"/>
-            </a:spcAft>
-          </a:pPr>
-          <a:r>
-            <a:rPr lang="de-DE" sz="1900" kern="1200" dirty="0"/>
-            <a:t>Einbinden in die Komponente </a:t>
-          </a:r>
-          <a:r>
-            <a:rPr lang="de-DE" sz="1900" kern="1200" dirty="0" err="1"/>
-            <a:t>guest-book</a:t>
-          </a:r>
-          <a:endParaRPr lang="de-DE" sz="1900" kern="1200" dirty="0"/>
-        </a:p>
-      </dsp:txBody>
-      <dsp:txXfrm>
-        <a:off x="10437329" y="2000811"/>
-        <a:ext cx="1791648" cy="1048883"/>
-      </dsp:txXfrm>
-    </dsp:sp>
   </dsp:spTree>
 </dsp:drawing>
 </file>
@@ -8321,743 +6315,23 @@
       <dsp:cNvGrpSpPr/>
     </dsp:nvGrpSpPr>
     <dsp:grpSpPr/>
-    <dsp:sp modelId="{AC19049A-FF2E-864B-A995-C88CCE14464E}">
-      <dsp:nvSpPr>
-        <dsp:cNvPr id="0" name=""/>
-        <dsp:cNvSpPr/>
-      </dsp:nvSpPr>
-      <dsp:spPr>
-        <a:xfrm>
-          <a:off x="5391" y="1818129"/>
-          <a:ext cx="2357080" cy="1414248"/>
-        </a:xfrm>
-        <a:prstGeom prst="roundRect">
-          <a:avLst>
-            <a:gd name="adj" fmla="val 10000"/>
-          </a:avLst>
-        </a:prstGeom>
-        <a:gradFill rotWithShape="0">
-          <a:gsLst>
-            <a:gs pos="0">
-              <a:schemeClr val="dk2">
-                <a:hueOff val="0"/>
-                <a:satOff val="0"/>
-                <a:lumOff val="0"/>
-                <a:alphaOff val="0"/>
-                <a:shade val="51000"/>
-                <a:satMod val="130000"/>
-              </a:schemeClr>
-            </a:gs>
-            <a:gs pos="80000">
-              <a:schemeClr val="dk2">
-                <a:hueOff val="0"/>
-                <a:satOff val="0"/>
-                <a:lumOff val="0"/>
-                <a:alphaOff val="0"/>
-                <a:shade val="93000"/>
-                <a:satMod val="130000"/>
-              </a:schemeClr>
-            </a:gs>
-            <a:gs pos="100000">
-              <a:schemeClr val="dk2">
-                <a:hueOff val="0"/>
-                <a:satOff val="0"/>
-                <a:lumOff val="0"/>
-                <a:alphaOff val="0"/>
-                <a:shade val="94000"/>
-                <a:satMod val="135000"/>
-              </a:schemeClr>
-            </a:gs>
-          </a:gsLst>
-          <a:lin ang="16200000" scaled="0"/>
-        </a:gradFill>
-        <a:ln>
-          <a:noFill/>
-        </a:ln>
-        <a:effectLst>
-          <a:outerShdw blurRad="40000" dist="23000" dir="5400000" rotWithShape="0">
-            <a:srgbClr val="000000">
-              <a:alpha val="35000"/>
-            </a:srgbClr>
-          </a:outerShdw>
-        </a:effectLst>
-      </dsp:spPr>
-      <dsp:style>
-        <a:lnRef idx="0">
-          <a:scrgbClr r="0" g="0" b="0"/>
-        </a:lnRef>
-        <a:fillRef idx="3">
-          <a:scrgbClr r="0" g="0" b="0"/>
-        </a:fillRef>
-        <a:effectRef idx="2">
-          <a:scrgbClr r="0" g="0" b="0"/>
-        </a:effectRef>
-        <a:fontRef idx="minor">
-          <a:schemeClr val="lt1"/>
-        </a:fontRef>
-      </dsp:style>
-      <dsp:txBody>
-        <a:bodyPr spcFirstLastPara="0" vert="horz" wrap="square" lIns="99060" tIns="99060" rIns="99060" bIns="99060" numCol="1" spcCol="1270" anchor="ctr" anchorCtr="0">
-          <a:noAutofit/>
-        </a:bodyPr>
-        <a:lstStyle/>
-        <a:p>
-          <a:pPr lvl="0" algn="ctr" defTabSz="1155700">
-            <a:lnSpc>
-              <a:spcPct val="90000"/>
-            </a:lnSpc>
-            <a:spcBef>
-              <a:spcPct val="0"/>
-            </a:spcBef>
-            <a:spcAft>
-              <a:spcPct val="35000"/>
-            </a:spcAft>
-          </a:pPr>
-          <a:r>
-            <a:rPr lang="de-DE" sz="2600" kern="1200" dirty="0"/>
-            <a:t>Erstellen des Service „</a:t>
-          </a:r>
-          <a:r>
-            <a:rPr lang="de-DE" sz="2600" kern="1200" dirty="0" err="1"/>
-            <a:t>guest-book.service</a:t>
-          </a:r>
-          <a:r>
-            <a:rPr lang="de-DE" sz="2600" kern="1200" dirty="0"/>
-            <a:t>“</a:t>
-          </a:r>
-        </a:p>
-      </dsp:txBody>
-      <dsp:txXfrm>
-        <a:off x="46813" y="1859551"/>
-        <a:ext cx="2274236" cy="1331404"/>
-      </dsp:txXfrm>
-    </dsp:sp>
-    <dsp:sp modelId="{30EAC814-8F64-D74A-9EBA-0CBC6BE058AA}">
-      <dsp:nvSpPr>
-        <dsp:cNvPr id="0" name=""/>
-        <dsp:cNvSpPr/>
-      </dsp:nvSpPr>
-      <dsp:spPr>
-        <a:xfrm>
-          <a:off x="2598179" y="2232975"/>
-          <a:ext cx="499701" cy="584555"/>
-        </a:xfrm>
-        <a:prstGeom prst="rightArrow">
-          <a:avLst>
-            <a:gd name="adj1" fmla="val 60000"/>
-            <a:gd name="adj2" fmla="val 50000"/>
-          </a:avLst>
-        </a:prstGeom>
-        <a:gradFill rotWithShape="0">
-          <a:gsLst>
-            <a:gs pos="0">
-              <a:schemeClr val="dk2">
-                <a:tint val="60000"/>
-                <a:hueOff val="0"/>
-                <a:satOff val="0"/>
-                <a:lumOff val="0"/>
-                <a:alphaOff val="0"/>
-                <a:shade val="51000"/>
-                <a:satMod val="130000"/>
-              </a:schemeClr>
-            </a:gs>
-            <a:gs pos="80000">
-              <a:schemeClr val="dk2">
-                <a:tint val="60000"/>
-                <a:hueOff val="0"/>
-                <a:satOff val="0"/>
-                <a:lumOff val="0"/>
-                <a:alphaOff val="0"/>
-                <a:shade val="93000"/>
-                <a:satMod val="130000"/>
-              </a:schemeClr>
-            </a:gs>
-            <a:gs pos="100000">
-              <a:schemeClr val="dk2">
-                <a:tint val="60000"/>
-                <a:hueOff val="0"/>
-                <a:satOff val="0"/>
-                <a:lumOff val="0"/>
-                <a:alphaOff val="0"/>
-                <a:shade val="94000"/>
-                <a:satMod val="135000"/>
-              </a:schemeClr>
-            </a:gs>
-          </a:gsLst>
-          <a:lin ang="16200000" scaled="0"/>
-        </a:gradFill>
-        <a:ln>
-          <a:noFill/>
-        </a:ln>
-        <a:effectLst>
-          <a:outerShdw blurRad="40000" dist="23000" dir="5400000" rotWithShape="0">
-            <a:srgbClr val="000000">
-              <a:alpha val="35000"/>
-            </a:srgbClr>
-          </a:outerShdw>
-        </a:effectLst>
-      </dsp:spPr>
-      <dsp:style>
-        <a:lnRef idx="0">
-          <a:scrgbClr r="0" g="0" b="0"/>
-        </a:lnRef>
-        <a:fillRef idx="3">
-          <a:scrgbClr r="0" g="0" b="0"/>
-        </a:fillRef>
-        <a:effectRef idx="2">
-          <a:scrgbClr r="0" g="0" b="0"/>
-        </a:effectRef>
-        <a:fontRef idx="minor">
-          <a:schemeClr val="lt1"/>
-        </a:fontRef>
-      </dsp:style>
-      <dsp:txBody>
-        <a:bodyPr spcFirstLastPara="0" vert="horz" wrap="square" lIns="0" tIns="0" rIns="0" bIns="0" numCol="1" spcCol="1270" anchor="ctr" anchorCtr="0">
-          <a:noAutofit/>
-        </a:bodyPr>
-        <a:lstStyle/>
-        <a:p>
-          <a:pPr lvl="0" algn="ctr" defTabSz="933450">
-            <a:lnSpc>
-              <a:spcPct val="90000"/>
-            </a:lnSpc>
-            <a:spcBef>
-              <a:spcPct val="0"/>
-            </a:spcBef>
-            <a:spcAft>
-              <a:spcPct val="35000"/>
-            </a:spcAft>
-          </a:pPr>
-          <a:endParaRPr lang="de-DE" sz="2100" kern="1200"/>
-        </a:p>
-      </dsp:txBody>
-      <dsp:txXfrm>
-        <a:off x="2598179" y="2349886"/>
-        <a:ext cx="349791" cy="350733"/>
-      </dsp:txXfrm>
-    </dsp:sp>
-    <dsp:sp modelId="{942B2FD4-F953-1241-B452-E01505D35646}">
-      <dsp:nvSpPr>
-        <dsp:cNvPr id="0" name=""/>
-        <dsp:cNvSpPr/>
-      </dsp:nvSpPr>
-      <dsp:spPr>
-        <a:xfrm>
-          <a:off x="3305303" y="1818129"/>
-          <a:ext cx="2357080" cy="1414248"/>
-        </a:xfrm>
-        <a:prstGeom prst="roundRect">
-          <a:avLst>
-            <a:gd name="adj" fmla="val 10000"/>
-          </a:avLst>
-        </a:prstGeom>
-        <a:gradFill rotWithShape="0">
-          <a:gsLst>
-            <a:gs pos="0">
-              <a:schemeClr val="dk2">
-                <a:hueOff val="0"/>
-                <a:satOff val="0"/>
-                <a:lumOff val="0"/>
-                <a:alphaOff val="0"/>
-                <a:shade val="51000"/>
-                <a:satMod val="130000"/>
-              </a:schemeClr>
-            </a:gs>
-            <a:gs pos="80000">
-              <a:schemeClr val="dk2">
-                <a:hueOff val="0"/>
-                <a:satOff val="0"/>
-                <a:lumOff val="0"/>
-                <a:alphaOff val="0"/>
-                <a:shade val="93000"/>
-                <a:satMod val="130000"/>
-              </a:schemeClr>
-            </a:gs>
-            <a:gs pos="100000">
-              <a:schemeClr val="dk2">
-                <a:hueOff val="0"/>
-                <a:satOff val="0"/>
-                <a:lumOff val="0"/>
-                <a:alphaOff val="0"/>
-                <a:shade val="94000"/>
-                <a:satMod val="135000"/>
-              </a:schemeClr>
-            </a:gs>
-          </a:gsLst>
-          <a:lin ang="16200000" scaled="0"/>
-        </a:gradFill>
-        <a:ln>
-          <a:noFill/>
-        </a:ln>
-        <a:effectLst>
-          <a:outerShdw blurRad="40000" dist="23000" dir="5400000" rotWithShape="0">
-            <a:srgbClr val="000000">
-              <a:alpha val="35000"/>
-            </a:srgbClr>
-          </a:outerShdw>
-        </a:effectLst>
-      </dsp:spPr>
-      <dsp:style>
-        <a:lnRef idx="0">
-          <a:scrgbClr r="0" g="0" b="0"/>
-        </a:lnRef>
-        <a:fillRef idx="3">
-          <a:scrgbClr r="0" g="0" b="0"/>
-        </a:fillRef>
-        <a:effectRef idx="2">
-          <a:scrgbClr r="0" g="0" b="0"/>
-        </a:effectRef>
-        <a:fontRef idx="minor">
-          <a:schemeClr val="lt1"/>
-        </a:fontRef>
-      </dsp:style>
-      <dsp:txBody>
-        <a:bodyPr spcFirstLastPara="0" vert="horz" wrap="square" lIns="99060" tIns="99060" rIns="99060" bIns="99060" numCol="1" spcCol="1270" anchor="ctr" anchorCtr="0">
-          <a:noAutofit/>
-        </a:bodyPr>
-        <a:lstStyle/>
-        <a:p>
-          <a:pPr lvl="0" algn="ctr" defTabSz="1155700">
-            <a:lnSpc>
-              <a:spcPct val="90000"/>
-            </a:lnSpc>
-            <a:spcBef>
-              <a:spcPct val="0"/>
-            </a:spcBef>
-            <a:spcAft>
-              <a:spcPct val="35000"/>
-            </a:spcAft>
-          </a:pPr>
-          <a:r>
-            <a:rPr lang="de-DE" sz="2600" kern="1200" dirty="0"/>
-            <a:t>Einbinden in die Anwendung</a:t>
-          </a:r>
-        </a:p>
-      </dsp:txBody>
-      <dsp:txXfrm>
-        <a:off x="3346725" y="1859551"/>
-        <a:ext cx="2274236" cy="1331404"/>
-      </dsp:txXfrm>
-    </dsp:sp>
-    <dsp:sp modelId="{61D01FBA-AE9A-8140-B034-5E107AF8B06D}">
-      <dsp:nvSpPr>
-        <dsp:cNvPr id="0" name=""/>
-        <dsp:cNvSpPr/>
-      </dsp:nvSpPr>
-      <dsp:spPr>
-        <a:xfrm>
-          <a:off x="5898091" y="2232975"/>
-          <a:ext cx="499701" cy="584555"/>
-        </a:xfrm>
-        <a:prstGeom prst="rightArrow">
-          <a:avLst>
-            <a:gd name="adj1" fmla="val 60000"/>
-            <a:gd name="adj2" fmla="val 50000"/>
-          </a:avLst>
-        </a:prstGeom>
-        <a:gradFill rotWithShape="0">
-          <a:gsLst>
-            <a:gs pos="0">
-              <a:schemeClr val="dk2">
-                <a:tint val="60000"/>
-                <a:hueOff val="0"/>
-                <a:satOff val="0"/>
-                <a:lumOff val="0"/>
-                <a:alphaOff val="0"/>
-                <a:shade val="51000"/>
-                <a:satMod val="130000"/>
-              </a:schemeClr>
-            </a:gs>
-            <a:gs pos="80000">
-              <a:schemeClr val="dk2">
-                <a:tint val="60000"/>
-                <a:hueOff val="0"/>
-                <a:satOff val="0"/>
-                <a:lumOff val="0"/>
-                <a:alphaOff val="0"/>
-                <a:shade val="93000"/>
-                <a:satMod val="130000"/>
-              </a:schemeClr>
-            </a:gs>
-            <a:gs pos="100000">
-              <a:schemeClr val="dk2">
-                <a:tint val="60000"/>
-                <a:hueOff val="0"/>
-                <a:satOff val="0"/>
-                <a:lumOff val="0"/>
-                <a:alphaOff val="0"/>
-                <a:shade val="94000"/>
-                <a:satMod val="135000"/>
-              </a:schemeClr>
-            </a:gs>
-          </a:gsLst>
-          <a:lin ang="16200000" scaled="0"/>
-        </a:gradFill>
-        <a:ln>
-          <a:noFill/>
-        </a:ln>
-        <a:effectLst>
-          <a:outerShdw blurRad="40000" dist="23000" dir="5400000" rotWithShape="0">
-            <a:srgbClr val="000000">
-              <a:alpha val="35000"/>
-            </a:srgbClr>
-          </a:outerShdw>
-        </a:effectLst>
-      </dsp:spPr>
-      <dsp:style>
-        <a:lnRef idx="0">
-          <a:scrgbClr r="0" g="0" b="0"/>
-        </a:lnRef>
-        <a:fillRef idx="3">
-          <a:scrgbClr r="0" g="0" b="0"/>
-        </a:fillRef>
-        <a:effectRef idx="2">
-          <a:scrgbClr r="0" g="0" b="0"/>
-        </a:effectRef>
-        <a:fontRef idx="minor">
-          <a:schemeClr val="lt1"/>
-        </a:fontRef>
-      </dsp:style>
-      <dsp:txBody>
-        <a:bodyPr spcFirstLastPara="0" vert="horz" wrap="square" lIns="0" tIns="0" rIns="0" bIns="0" numCol="1" spcCol="1270" anchor="ctr" anchorCtr="0">
-          <a:noAutofit/>
-        </a:bodyPr>
-        <a:lstStyle/>
-        <a:p>
-          <a:pPr lvl="0" algn="ctr" defTabSz="933450">
-            <a:lnSpc>
-              <a:spcPct val="90000"/>
-            </a:lnSpc>
-            <a:spcBef>
-              <a:spcPct val="0"/>
-            </a:spcBef>
-            <a:spcAft>
-              <a:spcPct val="35000"/>
-            </a:spcAft>
-          </a:pPr>
-          <a:endParaRPr lang="de-DE" sz="2100" kern="1200"/>
-        </a:p>
-      </dsp:txBody>
-      <dsp:txXfrm>
-        <a:off x="5898091" y="2349886"/>
-        <a:ext cx="349791" cy="350733"/>
-      </dsp:txXfrm>
-    </dsp:sp>
-    <dsp:sp modelId="{2D682FDA-6E7F-4A43-8A70-4A764CE24742}">
-      <dsp:nvSpPr>
-        <dsp:cNvPr id="0" name=""/>
-        <dsp:cNvSpPr/>
-      </dsp:nvSpPr>
-      <dsp:spPr>
-        <a:xfrm>
-          <a:off x="6605216" y="1818129"/>
-          <a:ext cx="2357080" cy="1414248"/>
-        </a:xfrm>
-        <a:prstGeom prst="roundRect">
-          <a:avLst>
-            <a:gd name="adj" fmla="val 10000"/>
-          </a:avLst>
-        </a:prstGeom>
-        <a:gradFill rotWithShape="0">
-          <a:gsLst>
-            <a:gs pos="0">
-              <a:schemeClr val="dk2">
-                <a:hueOff val="0"/>
-                <a:satOff val="0"/>
-                <a:lumOff val="0"/>
-                <a:alphaOff val="0"/>
-                <a:shade val="51000"/>
-                <a:satMod val="130000"/>
-              </a:schemeClr>
-            </a:gs>
-            <a:gs pos="80000">
-              <a:schemeClr val="dk2">
-                <a:hueOff val="0"/>
-                <a:satOff val="0"/>
-                <a:lumOff val="0"/>
-                <a:alphaOff val="0"/>
-                <a:shade val="93000"/>
-                <a:satMod val="130000"/>
-              </a:schemeClr>
-            </a:gs>
-            <a:gs pos="100000">
-              <a:schemeClr val="dk2">
-                <a:hueOff val="0"/>
-                <a:satOff val="0"/>
-                <a:lumOff val="0"/>
-                <a:alphaOff val="0"/>
-                <a:shade val="94000"/>
-                <a:satMod val="135000"/>
-              </a:schemeClr>
-            </a:gs>
-          </a:gsLst>
-          <a:lin ang="16200000" scaled="0"/>
-        </a:gradFill>
-        <a:ln>
-          <a:noFill/>
-        </a:ln>
-        <a:effectLst>
-          <a:outerShdw blurRad="40000" dist="23000" dir="5400000" rotWithShape="0">
-            <a:srgbClr val="000000">
-              <a:alpha val="35000"/>
-            </a:srgbClr>
-          </a:outerShdw>
-        </a:effectLst>
-      </dsp:spPr>
-      <dsp:style>
-        <a:lnRef idx="0">
-          <a:scrgbClr r="0" g="0" b="0"/>
-        </a:lnRef>
-        <a:fillRef idx="3">
-          <a:scrgbClr r="0" g="0" b="0"/>
-        </a:fillRef>
-        <a:effectRef idx="2">
-          <a:scrgbClr r="0" g="0" b="0"/>
-        </a:effectRef>
-        <a:fontRef idx="minor">
-          <a:schemeClr val="lt1"/>
-        </a:fontRef>
-      </dsp:style>
-      <dsp:txBody>
-        <a:bodyPr spcFirstLastPara="0" vert="horz" wrap="square" lIns="99060" tIns="99060" rIns="99060" bIns="99060" numCol="1" spcCol="1270" anchor="ctr" anchorCtr="0">
-          <a:noAutofit/>
-        </a:bodyPr>
-        <a:lstStyle/>
-        <a:p>
-          <a:pPr lvl="0" algn="ctr" defTabSz="1155700">
-            <a:lnSpc>
-              <a:spcPct val="90000"/>
-            </a:lnSpc>
-            <a:spcBef>
-              <a:spcPct val="0"/>
-            </a:spcBef>
-            <a:spcAft>
-              <a:spcPct val="35000"/>
-            </a:spcAft>
-          </a:pPr>
-          <a:r>
-            <a:rPr lang="de-DE" sz="2600" kern="1200" dirty="0"/>
-            <a:t>Auslagern der Businesslogik in den Service</a:t>
-          </a:r>
-        </a:p>
-      </dsp:txBody>
-      <dsp:txXfrm>
-        <a:off x="6646638" y="1859551"/>
-        <a:ext cx="2274236" cy="1331404"/>
-      </dsp:txXfrm>
-    </dsp:sp>
-    <dsp:sp modelId="{78019554-895E-1248-B21B-5CD6309654E4}">
-      <dsp:nvSpPr>
-        <dsp:cNvPr id="0" name=""/>
-        <dsp:cNvSpPr/>
-      </dsp:nvSpPr>
-      <dsp:spPr>
-        <a:xfrm>
-          <a:off x="9198004" y="2232975"/>
-          <a:ext cx="499701" cy="584555"/>
-        </a:xfrm>
-        <a:prstGeom prst="rightArrow">
-          <a:avLst>
-            <a:gd name="adj1" fmla="val 60000"/>
-            <a:gd name="adj2" fmla="val 50000"/>
-          </a:avLst>
-        </a:prstGeom>
-        <a:gradFill rotWithShape="0">
-          <a:gsLst>
-            <a:gs pos="0">
-              <a:schemeClr val="dk2">
-                <a:tint val="60000"/>
-                <a:hueOff val="0"/>
-                <a:satOff val="0"/>
-                <a:lumOff val="0"/>
-                <a:alphaOff val="0"/>
-                <a:shade val="51000"/>
-                <a:satMod val="130000"/>
-              </a:schemeClr>
-            </a:gs>
-            <a:gs pos="80000">
-              <a:schemeClr val="dk2">
-                <a:tint val="60000"/>
-                <a:hueOff val="0"/>
-                <a:satOff val="0"/>
-                <a:lumOff val="0"/>
-                <a:alphaOff val="0"/>
-                <a:shade val="93000"/>
-                <a:satMod val="130000"/>
-              </a:schemeClr>
-            </a:gs>
-            <a:gs pos="100000">
-              <a:schemeClr val="dk2">
-                <a:tint val="60000"/>
-                <a:hueOff val="0"/>
-                <a:satOff val="0"/>
-                <a:lumOff val="0"/>
-                <a:alphaOff val="0"/>
-                <a:shade val="94000"/>
-                <a:satMod val="135000"/>
-              </a:schemeClr>
-            </a:gs>
-          </a:gsLst>
-          <a:lin ang="16200000" scaled="0"/>
-        </a:gradFill>
-        <a:ln>
-          <a:noFill/>
-        </a:ln>
-        <a:effectLst>
-          <a:outerShdw blurRad="40000" dist="23000" dir="5400000" rotWithShape="0">
-            <a:srgbClr val="000000">
-              <a:alpha val="35000"/>
-            </a:srgbClr>
-          </a:outerShdw>
-        </a:effectLst>
-      </dsp:spPr>
-      <dsp:style>
-        <a:lnRef idx="0">
-          <a:scrgbClr r="0" g="0" b="0"/>
-        </a:lnRef>
-        <a:fillRef idx="3">
-          <a:scrgbClr r="0" g="0" b="0"/>
-        </a:fillRef>
-        <a:effectRef idx="2">
-          <a:scrgbClr r="0" g="0" b="0"/>
-        </a:effectRef>
-        <a:fontRef idx="minor">
-          <a:schemeClr val="lt1"/>
-        </a:fontRef>
-      </dsp:style>
-      <dsp:txBody>
-        <a:bodyPr spcFirstLastPara="0" vert="horz" wrap="square" lIns="0" tIns="0" rIns="0" bIns="0" numCol="1" spcCol="1270" anchor="ctr" anchorCtr="0">
-          <a:noAutofit/>
-        </a:bodyPr>
-        <a:lstStyle/>
-        <a:p>
-          <a:pPr lvl="0" algn="ctr" defTabSz="933450">
-            <a:lnSpc>
-              <a:spcPct val="90000"/>
-            </a:lnSpc>
-            <a:spcBef>
-              <a:spcPct val="0"/>
-            </a:spcBef>
-            <a:spcAft>
-              <a:spcPct val="35000"/>
-            </a:spcAft>
-          </a:pPr>
-          <a:endParaRPr lang="de-DE" sz="2100" kern="1200"/>
-        </a:p>
-      </dsp:txBody>
-      <dsp:txXfrm>
-        <a:off x="9198004" y="2349886"/>
-        <a:ext cx="349791" cy="350733"/>
-      </dsp:txXfrm>
-    </dsp:sp>
-    <dsp:sp modelId="{48E1AD6C-04E3-5047-8B6E-169C4DE6C0BD}">
-      <dsp:nvSpPr>
-        <dsp:cNvPr id="0" name=""/>
-        <dsp:cNvSpPr/>
-      </dsp:nvSpPr>
-      <dsp:spPr>
-        <a:xfrm>
-          <a:off x="9905128" y="1818129"/>
-          <a:ext cx="2357080" cy="1414248"/>
-        </a:xfrm>
-        <a:prstGeom prst="roundRect">
-          <a:avLst>
-            <a:gd name="adj" fmla="val 10000"/>
-          </a:avLst>
-        </a:prstGeom>
-        <a:gradFill rotWithShape="0">
-          <a:gsLst>
-            <a:gs pos="0">
-              <a:schemeClr val="dk2">
-                <a:hueOff val="0"/>
-                <a:satOff val="0"/>
-                <a:lumOff val="0"/>
-                <a:alphaOff val="0"/>
-                <a:shade val="51000"/>
-                <a:satMod val="130000"/>
-              </a:schemeClr>
-            </a:gs>
-            <a:gs pos="80000">
-              <a:schemeClr val="dk2">
-                <a:hueOff val="0"/>
-                <a:satOff val="0"/>
-                <a:lumOff val="0"/>
-                <a:alphaOff val="0"/>
-                <a:shade val="93000"/>
-                <a:satMod val="130000"/>
-              </a:schemeClr>
-            </a:gs>
-            <a:gs pos="100000">
-              <a:schemeClr val="dk2">
-                <a:hueOff val="0"/>
-                <a:satOff val="0"/>
-                <a:lumOff val="0"/>
-                <a:alphaOff val="0"/>
-                <a:shade val="94000"/>
-                <a:satMod val="135000"/>
-              </a:schemeClr>
-            </a:gs>
-          </a:gsLst>
-          <a:lin ang="16200000" scaled="0"/>
-        </a:gradFill>
-        <a:ln>
-          <a:noFill/>
-        </a:ln>
-        <a:effectLst>
-          <a:outerShdw blurRad="40000" dist="23000" dir="5400000" rotWithShape="0">
-            <a:srgbClr val="000000">
-              <a:alpha val="35000"/>
-            </a:srgbClr>
-          </a:outerShdw>
-        </a:effectLst>
-      </dsp:spPr>
-      <dsp:style>
-        <a:lnRef idx="0">
-          <a:scrgbClr r="0" g="0" b="0"/>
-        </a:lnRef>
-        <a:fillRef idx="3">
-          <a:scrgbClr r="0" g="0" b="0"/>
-        </a:fillRef>
-        <a:effectRef idx="2">
-          <a:scrgbClr r="0" g="0" b="0"/>
-        </a:effectRef>
-        <a:fontRef idx="minor">
-          <a:schemeClr val="lt1"/>
-        </a:fontRef>
-      </dsp:style>
-      <dsp:txBody>
-        <a:bodyPr spcFirstLastPara="0" vert="horz" wrap="square" lIns="99060" tIns="99060" rIns="99060" bIns="99060" numCol="1" spcCol="1270" anchor="ctr" anchorCtr="0">
-          <a:noAutofit/>
-        </a:bodyPr>
-        <a:lstStyle/>
-        <a:p>
-          <a:pPr lvl="0" algn="ctr" defTabSz="1155700">
-            <a:lnSpc>
-              <a:spcPct val="90000"/>
-            </a:lnSpc>
-            <a:spcBef>
-              <a:spcPct val="0"/>
-            </a:spcBef>
-            <a:spcAft>
-              <a:spcPct val="35000"/>
-            </a:spcAft>
-          </a:pPr>
-          <a:r>
-            <a:rPr lang="de-DE" sz="2600" kern="1200" dirty="0"/>
-            <a:t>Verwendung des Service</a:t>
-          </a:r>
-        </a:p>
-      </dsp:txBody>
-      <dsp:txXfrm>
-        <a:off x="9946550" y="1859551"/>
-        <a:ext cx="2274236" cy="1331404"/>
-      </dsp:txXfrm>
-    </dsp:sp>
   </dsp:spTree>
 </dsp:drawing>
 </file>
 
 <file path=ppt/diagrams/drawing5.xml><?xml version="1.0" encoding="utf-8"?>
+<dsp:drawing xmlns:dgm="http://schemas.openxmlformats.org/drawingml/2006/diagram" xmlns:dsp="http://schemas.microsoft.com/office/drawing/2008/diagram" xmlns:a="http://schemas.openxmlformats.org/drawingml/2006/main">
+  <dsp:spTree>
+    <dsp:nvGrpSpPr>
+      <dsp:cNvPr id="0" name=""/>
+      <dsp:cNvGrpSpPr/>
+    </dsp:nvGrpSpPr>
+    <dsp:grpSpPr/>
+  </dsp:spTree>
+</dsp:drawing>
+</file>
+
+<file path=ppt/diagrams/drawing6.xml><?xml version="1.0" encoding="utf-8"?>
 <dsp:drawing xmlns:dgm="http://schemas.openxmlformats.org/drawingml/2006/diagram" xmlns:dsp="http://schemas.microsoft.com/office/drawing/2008/diagram" xmlns:a="http://schemas.openxmlformats.org/drawingml/2006/main">
   <dsp:spTree>
     <dsp:nvGrpSpPr>
@@ -9159,7 +6433,7 @@
           </a:pPr>
           <a:r>
             <a:rPr lang="de-DE" sz="6200" kern="1200" dirty="0"/>
-            <a:t>Anbinden von Bootstrap</a:t>
+            <a:t>Definition von Routen</a:t>
           </a:r>
         </a:p>
       </dsp:txBody>
@@ -9272,7 +6546,7 @@
         <a:ext cx="758250" cy="760294"/>
       </dsp:txXfrm>
     </dsp:sp>
-    <dsp:sp modelId="{F3798565-47D6-9C41-8AE7-D9D9868DAAE8}">
+    <dsp:sp modelId="{942B2FD4-F953-1241-B452-E01505D35646}">
       <dsp:nvSpPr>
         <dsp:cNvPr id="0" name=""/>
         <dsp:cNvSpPr/>
@@ -9366,328 +6640,6 @@
           </a:pPr>
           <a:r>
             <a:rPr lang="de-DE" sz="6200" kern="1200" dirty="0"/>
-            <a:t>Eigene Styles hinzufügen</a:t>
-          </a:r>
-        </a:p>
-      </dsp:txBody>
-      <dsp:txXfrm>
-        <a:off x="7245491" y="1082193"/>
-        <a:ext cx="4929921" cy="2886119"/>
-      </dsp:txXfrm>
-    </dsp:sp>
-  </dsp:spTree>
-</dsp:drawing>
-</file>
-
-<file path=ppt/diagrams/drawing6.xml><?xml version="1.0" encoding="utf-8"?>
-<dsp:drawing xmlns:dgm="http://schemas.openxmlformats.org/drawingml/2006/diagram" xmlns:dsp="http://schemas.microsoft.com/office/drawing/2008/diagram" xmlns:a="http://schemas.openxmlformats.org/drawingml/2006/main">
-  <dsp:spTree>
-    <dsp:nvGrpSpPr>
-      <dsp:cNvPr id="0" name=""/>
-      <dsp:cNvGrpSpPr/>
-    </dsp:nvGrpSpPr>
-    <dsp:grpSpPr/>
-    <dsp:sp modelId="{AC19049A-FF2E-864B-A995-C88CCE14464E}">
-      <dsp:nvSpPr>
-        <dsp:cNvPr id="0" name=""/>
-        <dsp:cNvSpPr/>
-      </dsp:nvSpPr>
-      <dsp:spPr>
-        <a:xfrm>
-          <a:off x="2396" y="992402"/>
-          <a:ext cx="5109503" cy="3065701"/>
-        </a:xfrm>
-        <a:prstGeom prst="roundRect">
-          <a:avLst>
-            <a:gd name="adj" fmla="val 10000"/>
-          </a:avLst>
-        </a:prstGeom>
-        <a:gradFill rotWithShape="0">
-          <a:gsLst>
-            <a:gs pos="0">
-              <a:schemeClr val="dk2">
-                <a:hueOff val="0"/>
-                <a:satOff val="0"/>
-                <a:lumOff val="0"/>
-                <a:alphaOff val="0"/>
-                <a:shade val="51000"/>
-                <a:satMod val="130000"/>
-              </a:schemeClr>
-            </a:gs>
-            <a:gs pos="80000">
-              <a:schemeClr val="dk2">
-                <a:hueOff val="0"/>
-                <a:satOff val="0"/>
-                <a:lumOff val="0"/>
-                <a:alphaOff val="0"/>
-                <a:shade val="93000"/>
-                <a:satMod val="130000"/>
-              </a:schemeClr>
-            </a:gs>
-            <a:gs pos="100000">
-              <a:schemeClr val="dk2">
-                <a:hueOff val="0"/>
-                <a:satOff val="0"/>
-                <a:lumOff val="0"/>
-                <a:alphaOff val="0"/>
-                <a:shade val="94000"/>
-                <a:satMod val="135000"/>
-              </a:schemeClr>
-            </a:gs>
-          </a:gsLst>
-          <a:lin ang="16200000" scaled="0"/>
-        </a:gradFill>
-        <a:ln>
-          <a:noFill/>
-        </a:ln>
-        <a:effectLst>
-          <a:outerShdw blurRad="40000" dist="23000" dir="5400000" rotWithShape="0">
-            <a:srgbClr val="000000">
-              <a:alpha val="35000"/>
-            </a:srgbClr>
-          </a:outerShdw>
-        </a:effectLst>
-      </dsp:spPr>
-      <dsp:style>
-        <a:lnRef idx="0">
-          <a:scrgbClr r="0" g="0" b="0"/>
-        </a:lnRef>
-        <a:fillRef idx="3">
-          <a:scrgbClr r="0" g="0" b="0"/>
-        </a:fillRef>
-        <a:effectRef idx="2">
-          <a:scrgbClr r="0" g="0" b="0"/>
-        </a:effectRef>
-        <a:fontRef idx="minor">
-          <a:schemeClr val="lt1"/>
-        </a:fontRef>
-      </dsp:style>
-      <dsp:txBody>
-        <a:bodyPr spcFirstLastPara="0" vert="horz" wrap="square" lIns="247650" tIns="247650" rIns="247650" bIns="247650" numCol="1" spcCol="1270" anchor="ctr" anchorCtr="0">
-          <a:noAutofit/>
-        </a:bodyPr>
-        <a:lstStyle/>
-        <a:p>
-          <a:pPr lvl="0" algn="ctr" defTabSz="2889250">
-            <a:lnSpc>
-              <a:spcPct val="90000"/>
-            </a:lnSpc>
-            <a:spcBef>
-              <a:spcPct val="0"/>
-            </a:spcBef>
-            <a:spcAft>
-              <a:spcPct val="35000"/>
-            </a:spcAft>
-          </a:pPr>
-          <a:r>
-            <a:rPr lang="de-DE" sz="6500" kern="1200" dirty="0"/>
-            <a:t>Definition von Routen</a:t>
-          </a:r>
-        </a:p>
-      </dsp:txBody>
-      <dsp:txXfrm>
-        <a:off x="92187" y="1082193"/>
-        <a:ext cx="4929921" cy="2886119"/>
-      </dsp:txXfrm>
-    </dsp:sp>
-    <dsp:sp modelId="{30EAC814-8F64-D74A-9EBA-0CBC6BE058AA}">
-      <dsp:nvSpPr>
-        <dsp:cNvPr id="0" name=""/>
-        <dsp:cNvSpPr/>
-      </dsp:nvSpPr>
-      <dsp:spPr>
-        <a:xfrm>
-          <a:off x="5622849" y="1891675"/>
-          <a:ext cx="1083214" cy="1267156"/>
-        </a:xfrm>
-        <a:prstGeom prst="rightArrow">
-          <a:avLst>
-            <a:gd name="adj1" fmla="val 60000"/>
-            <a:gd name="adj2" fmla="val 50000"/>
-          </a:avLst>
-        </a:prstGeom>
-        <a:gradFill rotWithShape="0">
-          <a:gsLst>
-            <a:gs pos="0">
-              <a:schemeClr val="dk2">
-                <a:tint val="60000"/>
-                <a:hueOff val="0"/>
-                <a:satOff val="0"/>
-                <a:lumOff val="0"/>
-                <a:alphaOff val="0"/>
-                <a:shade val="51000"/>
-                <a:satMod val="130000"/>
-              </a:schemeClr>
-            </a:gs>
-            <a:gs pos="80000">
-              <a:schemeClr val="dk2">
-                <a:tint val="60000"/>
-                <a:hueOff val="0"/>
-                <a:satOff val="0"/>
-                <a:lumOff val="0"/>
-                <a:alphaOff val="0"/>
-                <a:shade val="93000"/>
-                <a:satMod val="130000"/>
-              </a:schemeClr>
-            </a:gs>
-            <a:gs pos="100000">
-              <a:schemeClr val="dk2">
-                <a:tint val="60000"/>
-                <a:hueOff val="0"/>
-                <a:satOff val="0"/>
-                <a:lumOff val="0"/>
-                <a:alphaOff val="0"/>
-                <a:shade val="94000"/>
-                <a:satMod val="135000"/>
-              </a:schemeClr>
-            </a:gs>
-          </a:gsLst>
-          <a:lin ang="16200000" scaled="0"/>
-        </a:gradFill>
-        <a:ln>
-          <a:noFill/>
-        </a:ln>
-        <a:effectLst>
-          <a:outerShdw blurRad="40000" dist="23000" dir="5400000" rotWithShape="0">
-            <a:srgbClr val="000000">
-              <a:alpha val="35000"/>
-            </a:srgbClr>
-          </a:outerShdw>
-        </a:effectLst>
-      </dsp:spPr>
-      <dsp:style>
-        <a:lnRef idx="0">
-          <a:scrgbClr r="0" g="0" b="0"/>
-        </a:lnRef>
-        <a:fillRef idx="3">
-          <a:scrgbClr r="0" g="0" b="0"/>
-        </a:fillRef>
-        <a:effectRef idx="2">
-          <a:scrgbClr r="0" g="0" b="0"/>
-        </a:effectRef>
-        <a:fontRef idx="minor">
-          <a:schemeClr val="lt1"/>
-        </a:fontRef>
-      </dsp:style>
-      <dsp:txBody>
-        <a:bodyPr spcFirstLastPara="0" vert="horz" wrap="square" lIns="0" tIns="0" rIns="0" bIns="0" numCol="1" spcCol="1270" anchor="ctr" anchorCtr="0">
-          <a:noAutofit/>
-        </a:bodyPr>
-        <a:lstStyle/>
-        <a:p>
-          <a:pPr lvl="0" algn="ctr" defTabSz="2400300">
-            <a:lnSpc>
-              <a:spcPct val="90000"/>
-            </a:lnSpc>
-            <a:spcBef>
-              <a:spcPct val="0"/>
-            </a:spcBef>
-            <a:spcAft>
-              <a:spcPct val="35000"/>
-            </a:spcAft>
-          </a:pPr>
-          <a:endParaRPr lang="de-DE" sz="5400" kern="1200"/>
-        </a:p>
-      </dsp:txBody>
-      <dsp:txXfrm>
-        <a:off x="5622849" y="2145106"/>
-        <a:ext cx="758250" cy="760294"/>
-      </dsp:txXfrm>
-    </dsp:sp>
-    <dsp:sp modelId="{942B2FD4-F953-1241-B452-E01505D35646}">
-      <dsp:nvSpPr>
-        <dsp:cNvPr id="0" name=""/>
-        <dsp:cNvSpPr/>
-      </dsp:nvSpPr>
-      <dsp:spPr>
-        <a:xfrm>
-          <a:off x="7155700" y="992402"/>
-          <a:ext cx="5109503" cy="3065701"/>
-        </a:xfrm>
-        <a:prstGeom prst="roundRect">
-          <a:avLst>
-            <a:gd name="adj" fmla="val 10000"/>
-          </a:avLst>
-        </a:prstGeom>
-        <a:gradFill rotWithShape="0">
-          <a:gsLst>
-            <a:gs pos="0">
-              <a:schemeClr val="dk2">
-                <a:hueOff val="0"/>
-                <a:satOff val="0"/>
-                <a:lumOff val="0"/>
-                <a:alphaOff val="0"/>
-                <a:shade val="51000"/>
-                <a:satMod val="130000"/>
-              </a:schemeClr>
-            </a:gs>
-            <a:gs pos="80000">
-              <a:schemeClr val="dk2">
-                <a:hueOff val="0"/>
-                <a:satOff val="0"/>
-                <a:lumOff val="0"/>
-                <a:alphaOff val="0"/>
-                <a:shade val="93000"/>
-                <a:satMod val="130000"/>
-              </a:schemeClr>
-            </a:gs>
-            <a:gs pos="100000">
-              <a:schemeClr val="dk2">
-                <a:hueOff val="0"/>
-                <a:satOff val="0"/>
-                <a:lumOff val="0"/>
-                <a:alphaOff val="0"/>
-                <a:shade val="94000"/>
-                <a:satMod val="135000"/>
-              </a:schemeClr>
-            </a:gs>
-          </a:gsLst>
-          <a:lin ang="16200000" scaled="0"/>
-        </a:gradFill>
-        <a:ln>
-          <a:noFill/>
-        </a:ln>
-        <a:effectLst>
-          <a:outerShdw blurRad="40000" dist="23000" dir="5400000" rotWithShape="0">
-            <a:srgbClr val="000000">
-              <a:alpha val="35000"/>
-            </a:srgbClr>
-          </a:outerShdw>
-        </a:effectLst>
-      </dsp:spPr>
-      <dsp:style>
-        <a:lnRef idx="0">
-          <a:scrgbClr r="0" g="0" b="0"/>
-        </a:lnRef>
-        <a:fillRef idx="3">
-          <a:scrgbClr r="0" g="0" b="0"/>
-        </a:fillRef>
-        <a:effectRef idx="2">
-          <a:scrgbClr r="0" g="0" b="0"/>
-        </a:effectRef>
-        <a:fontRef idx="minor">
-          <a:schemeClr val="lt1"/>
-        </a:fontRef>
-      </dsp:style>
-      <dsp:txBody>
-        <a:bodyPr spcFirstLastPara="0" vert="horz" wrap="square" lIns="247650" tIns="247650" rIns="247650" bIns="247650" numCol="1" spcCol="1270" anchor="ctr" anchorCtr="0">
-          <a:noAutofit/>
-        </a:bodyPr>
-        <a:lstStyle/>
-        <a:p>
-          <a:pPr lvl="0" algn="ctr" defTabSz="2889250">
-            <a:lnSpc>
-              <a:spcPct val="90000"/>
-            </a:lnSpc>
-            <a:spcBef>
-              <a:spcPct val="0"/>
-            </a:spcBef>
-            <a:spcAft>
-              <a:spcPct val="35000"/>
-            </a:spcAft>
-          </a:pPr>
-          <a:r>
-            <a:rPr lang="de-DE" sz="6500" kern="1200" dirty="0"/>
             <a:t>Verwendung der Routing</a:t>
           </a:r>
         </a:p>
@@ -16868,7 +13820,7 @@
                 <a:latin typeface="Segoe UI" pitchFamily="34" charset="0"/>
               </a:rPr>
               <a:pPr/>
-              <a:t>19.10.17</a:t>
+              <a:t>19.10.2017</a:t>
             </a:fld>
             <a:endParaRPr lang="de-DE" dirty="0">
               <a:latin typeface="Segoe UI" pitchFamily="34" charset="0"/>
@@ -17047,7 +13999,7 @@
             <a:fld id="{D2E1CCC5-01B8-284F-B77B-84D835A7601B}" type="datetimeFigureOut">
               <a:rPr lang="de-DE" smtClean="0"/>
               <a:pPr/>
-              <a:t>19.10.17</a:t>
+              <a:t>19.10.2017</a:t>
             </a:fld>
             <a:endParaRPr lang="de-DE" dirty="0"/>
           </a:p>
@@ -19599,7 +16551,7 @@
           <a:noFill/>
           <a:extLst>
             <a:ext uri="{909E8E84-426E-40dd-AFC4-6F175D3DCCD1}">
-              <a14:hiddenFill xmlns:a14="http://schemas.microsoft.com/office/drawing/2010/main" xmlns="">
+              <a14:hiddenFill xmlns="" xmlns:a14="http://schemas.microsoft.com/office/drawing/2010/main">
                 <a:solidFill>
                   <a:srgbClr val="FFFFFF"/>
                 </a:solidFill>
@@ -19617,7 +16569,7 @@
           <p:nvPr userDrawn="1"/>
         </p:nvPicPr>
         <p:blipFill rotWithShape="1">
-          <a:blip r:embed="rId3">
+          <a:blip r:embed="rId3" cstate="print">
             <a:extLst>
               <a:ext uri="{28A0092B-C50C-407E-A947-70E740481C1C}">
                 <a14:useLocalDpi xmlns:a14="http://schemas.microsoft.com/office/drawing/2010/main" val="0"/>
@@ -19799,7 +16751,7 @@
           <p:cNvPr id="2" name="Datumsplatzhalter 1">
             <a:extLst>
               <a:ext uri="{FF2B5EF4-FFF2-40B4-BE49-F238E27FC236}">
-                <a16:creationId xmlns:a16="http://schemas.microsoft.com/office/drawing/2014/main" xmlns="" id="{0EE9CECA-FE53-4E0D-AD22-D4AB49ECF809}"/>
+                <a16:creationId xmlns="" xmlns:a16="http://schemas.microsoft.com/office/drawing/2014/main" id="{0EE9CECA-FE53-4E0D-AD22-D4AB49ECF809}"/>
               </a:ext>
             </a:extLst>
           </p:cNvPr>
@@ -19818,7 +16770,7 @@
             <a:fld id="{17C2562E-359A-3C42-BBEF-E02CE97BECB1}" type="datetimeFigureOut">
               <a:rPr lang="de-DE" smtClean="0"/>
               <a:pPr/>
-              <a:t>19.10.17</a:t>
+              <a:t>19.10.2017</a:t>
             </a:fld>
             <a:endParaRPr lang="de-DE" dirty="0"/>
           </a:p>
@@ -19829,7 +16781,7 @@
           <p:cNvPr id="7" name="Fußzeilenplatzhalter 6">
             <a:extLst>
               <a:ext uri="{FF2B5EF4-FFF2-40B4-BE49-F238E27FC236}">
-                <a16:creationId xmlns:a16="http://schemas.microsoft.com/office/drawing/2014/main" xmlns="" id="{C07A299E-41A7-4A08-81FA-6FBA6806F0A5}"/>
+                <a16:creationId xmlns="" xmlns:a16="http://schemas.microsoft.com/office/drawing/2014/main" id="{C07A299E-41A7-4A08-81FA-6FBA6806F0A5}"/>
               </a:ext>
             </a:extLst>
           </p:cNvPr>
@@ -19854,7 +16806,7 @@
           <p:cNvPr id="8" name="Foliennummernplatzhalter 7">
             <a:extLst>
               <a:ext uri="{FF2B5EF4-FFF2-40B4-BE49-F238E27FC236}">
-                <a16:creationId xmlns:a16="http://schemas.microsoft.com/office/drawing/2014/main" xmlns="" id="{9151A28C-FF21-4CC9-B28E-CF780807FE34}"/>
+                <a16:creationId xmlns="" xmlns:a16="http://schemas.microsoft.com/office/drawing/2014/main" id="{9151A28C-FF21-4CC9-B28E-CF780807FE34}"/>
               </a:ext>
             </a:extLst>
           </p:cNvPr>
@@ -20109,7 +17061,7 @@
           <p:cNvPr id="3" name="Datumsplatzhalter 2">
             <a:extLst>
               <a:ext uri="{FF2B5EF4-FFF2-40B4-BE49-F238E27FC236}">
-                <a16:creationId xmlns:a16="http://schemas.microsoft.com/office/drawing/2014/main" xmlns="" id="{3D332A91-9158-4543-9295-8484F133E109}"/>
+                <a16:creationId xmlns="" xmlns:a16="http://schemas.microsoft.com/office/drawing/2014/main" id="{3D332A91-9158-4543-9295-8484F133E109}"/>
               </a:ext>
             </a:extLst>
           </p:cNvPr>
@@ -20128,7 +17080,7 @@
             <a:fld id="{17C2562E-359A-3C42-BBEF-E02CE97BECB1}" type="datetimeFigureOut">
               <a:rPr lang="de-DE" smtClean="0"/>
               <a:pPr/>
-              <a:t>19.10.17</a:t>
+              <a:t>19.10.2017</a:t>
             </a:fld>
             <a:endParaRPr lang="de-DE" dirty="0"/>
           </a:p>
@@ -20139,7 +17091,7 @@
           <p:cNvPr id="7" name="Fußzeilenplatzhalter 6">
             <a:extLst>
               <a:ext uri="{FF2B5EF4-FFF2-40B4-BE49-F238E27FC236}">
-                <a16:creationId xmlns:a16="http://schemas.microsoft.com/office/drawing/2014/main" xmlns="" id="{C426E4CE-7F9D-4A7E-A795-EDD7185E3A7A}"/>
+                <a16:creationId xmlns="" xmlns:a16="http://schemas.microsoft.com/office/drawing/2014/main" id="{C426E4CE-7F9D-4A7E-A795-EDD7185E3A7A}"/>
               </a:ext>
             </a:extLst>
           </p:cNvPr>
@@ -20164,7 +17116,7 @@
           <p:cNvPr id="8" name="Foliennummernplatzhalter 7">
             <a:extLst>
               <a:ext uri="{FF2B5EF4-FFF2-40B4-BE49-F238E27FC236}">
-                <a16:creationId xmlns:a16="http://schemas.microsoft.com/office/drawing/2014/main" xmlns="" id="{73459CEF-058C-4C7D-9907-D7A5E4B23A28}"/>
+                <a16:creationId xmlns="" xmlns:a16="http://schemas.microsoft.com/office/drawing/2014/main" id="{73459CEF-058C-4C7D-9907-D7A5E4B23A28}"/>
               </a:ext>
             </a:extLst>
           </p:cNvPr>
@@ -20412,7 +17364,7 @@
           <p:cNvPr id="2" name="Datumsplatzhalter 1">
             <a:extLst>
               <a:ext uri="{FF2B5EF4-FFF2-40B4-BE49-F238E27FC236}">
-                <a16:creationId xmlns:a16="http://schemas.microsoft.com/office/drawing/2014/main" xmlns="" id="{64A9B900-82AE-4D1E-B11E-155C1B825004}"/>
+                <a16:creationId xmlns="" xmlns:a16="http://schemas.microsoft.com/office/drawing/2014/main" id="{64A9B900-82AE-4D1E-B11E-155C1B825004}"/>
               </a:ext>
             </a:extLst>
           </p:cNvPr>
@@ -20431,7 +17383,7 @@
             <a:fld id="{17C2562E-359A-3C42-BBEF-E02CE97BECB1}" type="datetimeFigureOut">
               <a:rPr lang="de-DE" smtClean="0"/>
               <a:pPr/>
-              <a:t>19.10.17</a:t>
+              <a:t>19.10.2017</a:t>
             </a:fld>
             <a:endParaRPr lang="de-DE" dirty="0"/>
           </a:p>
@@ -20442,7 +17394,7 @@
           <p:cNvPr id="7" name="Fußzeilenplatzhalter 6">
             <a:extLst>
               <a:ext uri="{FF2B5EF4-FFF2-40B4-BE49-F238E27FC236}">
-                <a16:creationId xmlns:a16="http://schemas.microsoft.com/office/drawing/2014/main" xmlns="" id="{41953AE8-A571-4BCE-AF9C-CC7A649DD8C5}"/>
+                <a16:creationId xmlns="" xmlns:a16="http://schemas.microsoft.com/office/drawing/2014/main" id="{41953AE8-A571-4BCE-AF9C-CC7A649DD8C5}"/>
               </a:ext>
             </a:extLst>
           </p:cNvPr>
@@ -20467,7 +17419,7 @@
           <p:cNvPr id="8" name="Foliennummernplatzhalter 7">
             <a:extLst>
               <a:ext uri="{FF2B5EF4-FFF2-40B4-BE49-F238E27FC236}">
-                <a16:creationId xmlns:a16="http://schemas.microsoft.com/office/drawing/2014/main" xmlns="" id="{6DCAD949-98D9-4F76-BE67-6629B37422CB}"/>
+                <a16:creationId xmlns="" xmlns:a16="http://schemas.microsoft.com/office/drawing/2014/main" id="{6DCAD949-98D9-4F76-BE67-6629B37422CB}"/>
               </a:ext>
             </a:extLst>
           </p:cNvPr>
@@ -20568,7 +17520,7 @@
           <p:cNvPr id="2" name="Datumsplatzhalter 1">
             <a:extLst>
               <a:ext uri="{FF2B5EF4-FFF2-40B4-BE49-F238E27FC236}">
-                <a16:creationId xmlns:a16="http://schemas.microsoft.com/office/drawing/2014/main" xmlns="" id="{0F48F7B5-AF2D-4886-B660-ACFD0F3CA06C}"/>
+                <a16:creationId xmlns="" xmlns:a16="http://schemas.microsoft.com/office/drawing/2014/main" id="{0F48F7B5-AF2D-4886-B660-ACFD0F3CA06C}"/>
               </a:ext>
             </a:extLst>
           </p:cNvPr>
@@ -20587,7 +17539,7 @@
             <a:fld id="{17C2562E-359A-3C42-BBEF-E02CE97BECB1}" type="datetimeFigureOut">
               <a:rPr lang="de-DE" smtClean="0"/>
               <a:pPr/>
-              <a:t>19.10.17</a:t>
+              <a:t>19.10.2017</a:t>
             </a:fld>
             <a:endParaRPr lang="de-DE" dirty="0"/>
           </a:p>
@@ -20598,7 +17550,7 @@
           <p:cNvPr id="7" name="Fußzeilenplatzhalter 6">
             <a:extLst>
               <a:ext uri="{FF2B5EF4-FFF2-40B4-BE49-F238E27FC236}">
-                <a16:creationId xmlns:a16="http://schemas.microsoft.com/office/drawing/2014/main" xmlns="" id="{C01D3F89-6DF4-4DC1-ABFC-4B69E0299624}"/>
+                <a16:creationId xmlns="" xmlns:a16="http://schemas.microsoft.com/office/drawing/2014/main" id="{C01D3F89-6DF4-4DC1-ABFC-4B69E0299624}"/>
               </a:ext>
             </a:extLst>
           </p:cNvPr>
@@ -20623,7 +17575,7 @@
           <p:cNvPr id="8" name="Foliennummernplatzhalter 7">
             <a:extLst>
               <a:ext uri="{FF2B5EF4-FFF2-40B4-BE49-F238E27FC236}">
-                <a16:creationId xmlns:a16="http://schemas.microsoft.com/office/drawing/2014/main" xmlns="" id="{BFD42FBE-0754-4285-A3CE-566D22A33C59}"/>
+                <a16:creationId xmlns="" xmlns:a16="http://schemas.microsoft.com/office/drawing/2014/main" id="{BFD42FBE-0754-4285-A3CE-566D22A33C59}"/>
               </a:ext>
             </a:extLst>
           </p:cNvPr>
@@ -20864,7 +17816,7 @@
           <p:cNvPr id="3" name="Datumsplatzhalter 2">
             <a:extLst>
               <a:ext uri="{FF2B5EF4-FFF2-40B4-BE49-F238E27FC236}">
-                <a16:creationId xmlns:a16="http://schemas.microsoft.com/office/drawing/2014/main" xmlns="" id="{434AC82E-1F55-4D6D-B12A-7355E3927B04}"/>
+                <a16:creationId xmlns="" xmlns:a16="http://schemas.microsoft.com/office/drawing/2014/main" id="{434AC82E-1F55-4D6D-B12A-7355E3927B04}"/>
               </a:ext>
             </a:extLst>
           </p:cNvPr>
@@ -20883,7 +17835,7 @@
             <a:fld id="{17C2562E-359A-3C42-BBEF-E02CE97BECB1}" type="datetimeFigureOut">
               <a:rPr lang="de-DE" smtClean="0"/>
               <a:pPr/>
-              <a:t>19.10.17</a:t>
+              <a:t>19.10.2017</a:t>
             </a:fld>
             <a:endParaRPr lang="de-DE" dirty="0"/>
           </a:p>
@@ -20894,7 +17846,7 @@
           <p:cNvPr id="7" name="Fußzeilenplatzhalter 6">
             <a:extLst>
               <a:ext uri="{FF2B5EF4-FFF2-40B4-BE49-F238E27FC236}">
-                <a16:creationId xmlns:a16="http://schemas.microsoft.com/office/drawing/2014/main" xmlns="" id="{95F90759-2A54-4A06-B304-DFA3C45AF309}"/>
+                <a16:creationId xmlns="" xmlns:a16="http://schemas.microsoft.com/office/drawing/2014/main" id="{95F90759-2A54-4A06-B304-DFA3C45AF309}"/>
               </a:ext>
             </a:extLst>
           </p:cNvPr>
@@ -20919,7 +17871,7 @@
           <p:cNvPr id="8" name="Foliennummernplatzhalter 7">
             <a:extLst>
               <a:ext uri="{FF2B5EF4-FFF2-40B4-BE49-F238E27FC236}">
-                <a16:creationId xmlns:a16="http://schemas.microsoft.com/office/drawing/2014/main" xmlns="" id="{AAA489C6-E63E-4078-89A4-7CC1709D7206}"/>
+                <a16:creationId xmlns="" xmlns:a16="http://schemas.microsoft.com/office/drawing/2014/main" id="{AAA489C6-E63E-4078-89A4-7CC1709D7206}"/>
               </a:ext>
             </a:extLst>
           </p:cNvPr>
@@ -21201,7 +18153,7 @@
           <p:cNvPr id="3" name="Datumsplatzhalter 2">
             <a:extLst>
               <a:ext uri="{FF2B5EF4-FFF2-40B4-BE49-F238E27FC236}">
-                <a16:creationId xmlns:a16="http://schemas.microsoft.com/office/drawing/2014/main" xmlns="" id="{24A5A6B0-652D-48FC-AF73-17BD8D217D8E}"/>
+                <a16:creationId xmlns="" xmlns:a16="http://schemas.microsoft.com/office/drawing/2014/main" id="{24A5A6B0-652D-48FC-AF73-17BD8D217D8E}"/>
               </a:ext>
             </a:extLst>
           </p:cNvPr>
@@ -21220,7 +18172,7 @@
             <a:fld id="{17C2562E-359A-3C42-BBEF-E02CE97BECB1}" type="datetimeFigureOut">
               <a:rPr lang="de-DE" smtClean="0"/>
               <a:pPr/>
-              <a:t>19.10.17</a:t>
+              <a:t>19.10.2017</a:t>
             </a:fld>
             <a:endParaRPr lang="de-DE" dirty="0"/>
           </a:p>
@@ -21231,7 +18183,7 @@
           <p:cNvPr id="7" name="Fußzeilenplatzhalter 6">
             <a:extLst>
               <a:ext uri="{FF2B5EF4-FFF2-40B4-BE49-F238E27FC236}">
-                <a16:creationId xmlns:a16="http://schemas.microsoft.com/office/drawing/2014/main" xmlns="" id="{239BA7E1-F103-432E-BC27-0127D2228DA4}"/>
+                <a16:creationId xmlns="" xmlns:a16="http://schemas.microsoft.com/office/drawing/2014/main" id="{239BA7E1-F103-432E-BC27-0127D2228DA4}"/>
               </a:ext>
             </a:extLst>
           </p:cNvPr>
@@ -21256,7 +18208,7 @@
           <p:cNvPr id="9" name="Foliennummernplatzhalter 8">
             <a:extLst>
               <a:ext uri="{FF2B5EF4-FFF2-40B4-BE49-F238E27FC236}">
-                <a16:creationId xmlns:a16="http://schemas.microsoft.com/office/drawing/2014/main" xmlns="" id="{E398A7F9-A765-46A7-B1D7-8FF6247ED6E8}"/>
+                <a16:creationId xmlns="" xmlns:a16="http://schemas.microsoft.com/office/drawing/2014/main" id="{E398A7F9-A765-46A7-B1D7-8FF6247ED6E8}"/>
               </a:ext>
             </a:extLst>
           </p:cNvPr>
@@ -21677,7 +18629,7 @@
           <p:cNvPr id="3" name="Datumsplatzhalter 2">
             <a:extLst>
               <a:ext uri="{FF2B5EF4-FFF2-40B4-BE49-F238E27FC236}">
-                <a16:creationId xmlns:a16="http://schemas.microsoft.com/office/drawing/2014/main" xmlns="" id="{E251BDE8-F6CD-4379-B02C-D58055E91CB7}"/>
+                <a16:creationId xmlns="" xmlns:a16="http://schemas.microsoft.com/office/drawing/2014/main" id="{E251BDE8-F6CD-4379-B02C-D58055E91CB7}"/>
               </a:ext>
             </a:extLst>
           </p:cNvPr>
@@ -21696,7 +18648,7 @@
             <a:fld id="{17C2562E-359A-3C42-BBEF-E02CE97BECB1}" type="datetimeFigureOut">
               <a:rPr lang="de-DE" smtClean="0"/>
               <a:pPr/>
-              <a:t>19.10.17</a:t>
+              <a:t>19.10.2017</a:t>
             </a:fld>
             <a:endParaRPr lang="de-DE" dirty="0"/>
           </a:p>
@@ -21707,7 +18659,7 @@
           <p:cNvPr id="7" name="Fußzeilenplatzhalter 6">
             <a:extLst>
               <a:ext uri="{FF2B5EF4-FFF2-40B4-BE49-F238E27FC236}">
-                <a16:creationId xmlns:a16="http://schemas.microsoft.com/office/drawing/2014/main" xmlns="" id="{F684EDD4-7234-4CF4-A5B8-FCC6419FE199}"/>
+                <a16:creationId xmlns="" xmlns:a16="http://schemas.microsoft.com/office/drawing/2014/main" id="{F684EDD4-7234-4CF4-A5B8-FCC6419FE199}"/>
               </a:ext>
             </a:extLst>
           </p:cNvPr>
@@ -21732,7 +18684,7 @@
           <p:cNvPr id="8" name="Foliennummernplatzhalter 7">
             <a:extLst>
               <a:ext uri="{FF2B5EF4-FFF2-40B4-BE49-F238E27FC236}">
-                <a16:creationId xmlns:a16="http://schemas.microsoft.com/office/drawing/2014/main" xmlns="" id="{81EB7AF2-AEA0-439E-B5DA-DF760778341F}"/>
+                <a16:creationId xmlns="" xmlns:a16="http://schemas.microsoft.com/office/drawing/2014/main" id="{81EB7AF2-AEA0-439E-B5DA-DF760778341F}"/>
               </a:ext>
             </a:extLst>
           </p:cNvPr>
@@ -22060,7 +19012,7 @@
           <p:cNvPr id="3" name="Datumsplatzhalter 2">
             <a:extLst>
               <a:ext uri="{FF2B5EF4-FFF2-40B4-BE49-F238E27FC236}">
-                <a16:creationId xmlns:a16="http://schemas.microsoft.com/office/drawing/2014/main" xmlns="" id="{C2E5ECD2-BEB5-47D1-A89E-69496048A8D5}"/>
+                <a16:creationId xmlns="" xmlns:a16="http://schemas.microsoft.com/office/drawing/2014/main" id="{C2E5ECD2-BEB5-47D1-A89E-69496048A8D5}"/>
               </a:ext>
             </a:extLst>
           </p:cNvPr>
@@ -22079,7 +19031,7 @@
             <a:fld id="{17C2562E-359A-3C42-BBEF-E02CE97BECB1}" type="datetimeFigureOut">
               <a:rPr lang="de-DE" smtClean="0"/>
               <a:pPr/>
-              <a:t>19.10.17</a:t>
+              <a:t>19.10.2017</a:t>
             </a:fld>
             <a:endParaRPr lang="de-DE" dirty="0"/>
           </a:p>
@@ -22090,7 +19042,7 @@
           <p:cNvPr id="7" name="Fußzeilenplatzhalter 6">
             <a:extLst>
               <a:ext uri="{FF2B5EF4-FFF2-40B4-BE49-F238E27FC236}">
-                <a16:creationId xmlns:a16="http://schemas.microsoft.com/office/drawing/2014/main" xmlns="" id="{8DADA64D-3A7A-4438-9197-BD2830657223}"/>
+                <a16:creationId xmlns="" xmlns:a16="http://schemas.microsoft.com/office/drawing/2014/main" id="{8DADA64D-3A7A-4438-9197-BD2830657223}"/>
               </a:ext>
             </a:extLst>
           </p:cNvPr>
@@ -22115,7 +19067,7 @@
           <p:cNvPr id="9" name="Foliennummernplatzhalter 8">
             <a:extLst>
               <a:ext uri="{FF2B5EF4-FFF2-40B4-BE49-F238E27FC236}">
-                <a16:creationId xmlns:a16="http://schemas.microsoft.com/office/drawing/2014/main" xmlns="" id="{3D8A091A-178E-435F-9EA9-84BA66D378CC}"/>
+                <a16:creationId xmlns="" xmlns:a16="http://schemas.microsoft.com/office/drawing/2014/main" id="{3D8A091A-178E-435F-9EA9-84BA66D378CC}"/>
               </a:ext>
             </a:extLst>
           </p:cNvPr>
@@ -22746,7 +19698,7 @@
           <p:cNvPr id="6" name="Datumsplatzhalter 5">
             <a:extLst>
               <a:ext uri="{FF2B5EF4-FFF2-40B4-BE49-F238E27FC236}">
-                <a16:creationId xmlns:a16="http://schemas.microsoft.com/office/drawing/2014/main" xmlns="" id="{E75B6010-F5BB-4F22-8221-D75D21F6EB55}"/>
+                <a16:creationId xmlns="" xmlns:a16="http://schemas.microsoft.com/office/drawing/2014/main" id="{E75B6010-F5BB-4F22-8221-D75D21F6EB55}"/>
               </a:ext>
             </a:extLst>
           </p:cNvPr>
@@ -22765,7 +19717,7 @@
             <a:fld id="{17C2562E-359A-3C42-BBEF-E02CE97BECB1}" type="datetimeFigureOut">
               <a:rPr lang="de-DE" smtClean="0"/>
               <a:pPr/>
-              <a:t>19.10.17</a:t>
+              <a:t>19.10.2017</a:t>
             </a:fld>
             <a:endParaRPr lang="de-DE" dirty="0"/>
           </a:p>
@@ -22776,7 +19728,7 @@
           <p:cNvPr id="7" name="Fußzeilenplatzhalter 6">
             <a:extLst>
               <a:ext uri="{FF2B5EF4-FFF2-40B4-BE49-F238E27FC236}">
-                <a16:creationId xmlns:a16="http://schemas.microsoft.com/office/drawing/2014/main" xmlns="" id="{26547C97-5C9B-4C14-8D49-A5E83DFFB45A}"/>
+                <a16:creationId xmlns="" xmlns:a16="http://schemas.microsoft.com/office/drawing/2014/main" id="{26547C97-5C9B-4C14-8D49-A5E83DFFB45A}"/>
               </a:ext>
             </a:extLst>
           </p:cNvPr>
@@ -22801,7 +19753,7 @@
           <p:cNvPr id="11" name="Foliennummernplatzhalter 10">
             <a:extLst>
               <a:ext uri="{FF2B5EF4-FFF2-40B4-BE49-F238E27FC236}">
-                <a16:creationId xmlns:a16="http://schemas.microsoft.com/office/drawing/2014/main" xmlns="" id="{98B57AAA-67F4-4EFE-A062-411C04E4F8A2}"/>
+                <a16:creationId xmlns="" xmlns:a16="http://schemas.microsoft.com/office/drawing/2014/main" id="{98B57AAA-67F4-4EFE-A062-411C04E4F8A2}"/>
               </a:ext>
             </a:extLst>
           </p:cNvPr>
@@ -23340,7 +20292,7 @@
           <p:cNvPr id="5" name="Datumsplatzhalter 4">
             <a:extLst>
               <a:ext uri="{FF2B5EF4-FFF2-40B4-BE49-F238E27FC236}">
-                <a16:creationId xmlns:a16="http://schemas.microsoft.com/office/drawing/2014/main" xmlns="" id="{0C7C8404-609B-40A1-85F0-0C1D3C5C6357}"/>
+                <a16:creationId xmlns="" xmlns:a16="http://schemas.microsoft.com/office/drawing/2014/main" id="{0C7C8404-609B-40A1-85F0-0C1D3C5C6357}"/>
               </a:ext>
             </a:extLst>
           </p:cNvPr>
@@ -23359,7 +20311,7 @@
             <a:fld id="{17C2562E-359A-3C42-BBEF-E02CE97BECB1}" type="datetimeFigureOut">
               <a:rPr lang="de-DE" smtClean="0"/>
               <a:pPr/>
-              <a:t>19.10.17</a:t>
+              <a:t>19.10.2017</a:t>
             </a:fld>
             <a:endParaRPr lang="de-DE" dirty="0"/>
           </a:p>
@@ -23370,7 +20322,7 @@
           <p:cNvPr id="8" name="Fußzeilenplatzhalter 7">
             <a:extLst>
               <a:ext uri="{FF2B5EF4-FFF2-40B4-BE49-F238E27FC236}">
-                <a16:creationId xmlns:a16="http://schemas.microsoft.com/office/drawing/2014/main" xmlns="" id="{3C29D00E-B305-494B-A605-238A832848F3}"/>
+                <a16:creationId xmlns="" xmlns:a16="http://schemas.microsoft.com/office/drawing/2014/main" id="{3C29D00E-B305-494B-A605-238A832848F3}"/>
               </a:ext>
             </a:extLst>
           </p:cNvPr>
@@ -23395,7 +20347,7 @@
           <p:cNvPr id="9" name="Foliennummernplatzhalter 8">
             <a:extLst>
               <a:ext uri="{FF2B5EF4-FFF2-40B4-BE49-F238E27FC236}">
-                <a16:creationId xmlns:a16="http://schemas.microsoft.com/office/drawing/2014/main" xmlns="" id="{7FC7C27A-51A6-4577-BAAE-22B90EFD1D16}"/>
+                <a16:creationId xmlns="" xmlns:a16="http://schemas.microsoft.com/office/drawing/2014/main" id="{7FC7C27A-51A6-4577-BAAE-22B90EFD1D16}"/>
               </a:ext>
             </a:extLst>
           </p:cNvPr>
@@ -24164,7 +21116,7 @@
           <p:cNvPr id="5" name="Datumsplatzhalter 4">
             <a:extLst>
               <a:ext uri="{FF2B5EF4-FFF2-40B4-BE49-F238E27FC236}">
-                <a16:creationId xmlns:a16="http://schemas.microsoft.com/office/drawing/2014/main" xmlns="" id="{33D616DE-E3B4-4D35-BB61-A1FFAD7A5AAF}"/>
+                <a16:creationId xmlns="" xmlns:a16="http://schemas.microsoft.com/office/drawing/2014/main" id="{33D616DE-E3B4-4D35-BB61-A1FFAD7A5AAF}"/>
               </a:ext>
             </a:extLst>
           </p:cNvPr>
@@ -24183,7 +21135,7 @@
             <a:fld id="{17C2562E-359A-3C42-BBEF-E02CE97BECB1}" type="datetimeFigureOut">
               <a:rPr lang="de-DE" smtClean="0"/>
               <a:pPr/>
-              <a:t>19.10.17</a:t>
+              <a:t>19.10.2017</a:t>
             </a:fld>
             <a:endParaRPr lang="de-DE" dirty="0"/>
           </a:p>
@@ -24194,7 +21146,7 @@
           <p:cNvPr id="7" name="Fußzeilenplatzhalter 6">
             <a:extLst>
               <a:ext uri="{FF2B5EF4-FFF2-40B4-BE49-F238E27FC236}">
-                <a16:creationId xmlns:a16="http://schemas.microsoft.com/office/drawing/2014/main" xmlns="" id="{009571DE-76C3-4B92-A98C-31AD1C84E96F}"/>
+                <a16:creationId xmlns="" xmlns:a16="http://schemas.microsoft.com/office/drawing/2014/main" id="{009571DE-76C3-4B92-A98C-31AD1C84E96F}"/>
               </a:ext>
             </a:extLst>
           </p:cNvPr>
@@ -24219,7 +21171,7 @@
           <p:cNvPr id="10" name="Foliennummernplatzhalter 9">
             <a:extLst>
               <a:ext uri="{FF2B5EF4-FFF2-40B4-BE49-F238E27FC236}">
-                <a16:creationId xmlns:a16="http://schemas.microsoft.com/office/drawing/2014/main" xmlns="" id="{A873DEEA-A3E3-4201-A6F9-C92D0EB9E730}"/>
+                <a16:creationId xmlns="" xmlns:a16="http://schemas.microsoft.com/office/drawing/2014/main" id="{A873DEEA-A3E3-4201-A6F9-C92D0EB9E730}"/>
               </a:ext>
             </a:extLst>
           </p:cNvPr>
@@ -24644,7 +21596,7 @@
           <p:cNvPr id="6" name="Datumsplatzhalter 5">
             <a:extLst>
               <a:ext uri="{FF2B5EF4-FFF2-40B4-BE49-F238E27FC236}">
-                <a16:creationId xmlns:a16="http://schemas.microsoft.com/office/drawing/2014/main" xmlns="" id="{BE1F9E44-CCA9-4032-B773-94D7E2DF8ED5}"/>
+                <a16:creationId xmlns="" xmlns:a16="http://schemas.microsoft.com/office/drawing/2014/main" id="{BE1F9E44-CCA9-4032-B773-94D7E2DF8ED5}"/>
               </a:ext>
             </a:extLst>
           </p:cNvPr>
@@ -24663,7 +21615,7 @@
             <a:fld id="{17C2562E-359A-3C42-BBEF-E02CE97BECB1}" type="datetimeFigureOut">
               <a:rPr lang="de-DE" smtClean="0"/>
               <a:pPr/>
-              <a:t>19.10.17</a:t>
+              <a:t>19.10.2017</a:t>
             </a:fld>
             <a:endParaRPr lang="de-DE" dirty="0"/>
           </a:p>
@@ -24674,7 +21626,7 @@
           <p:cNvPr id="7" name="Fußzeilenplatzhalter 6">
             <a:extLst>
               <a:ext uri="{FF2B5EF4-FFF2-40B4-BE49-F238E27FC236}">
-                <a16:creationId xmlns:a16="http://schemas.microsoft.com/office/drawing/2014/main" xmlns="" id="{4D3B4066-4E5D-4AAB-A33C-01B8A1CAA20D}"/>
+                <a16:creationId xmlns="" xmlns:a16="http://schemas.microsoft.com/office/drawing/2014/main" id="{4D3B4066-4E5D-4AAB-A33C-01B8A1CAA20D}"/>
               </a:ext>
             </a:extLst>
           </p:cNvPr>
@@ -24699,7 +21651,7 @@
           <p:cNvPr id="8" name="Foliennummernplatzhalter 7">
             <a:extLst>
               <a:ext uri="{FF2B5EF4-FFF2-40B4-BE49-F238E27FC236}">
-                <a16:creationId xmlns:a16="http://schemas.microsoft.com/office/drawing/2014/main" xmlns="" id="{52AE4811-CB7B-4E63-92A7-E2967B6AEBEE}"/>
+                <a16:creationId xmlns="" xmlns:a16="http://schemas.microsoft.com/office/drawing/2014/main" id="{52AE4811-CB7B-4E63-92A7-E2967B6AEBEE}"/>
               </a:ext>
             </a:extLst>
           </p:cNvPr>
@@ -25486,7 +22438,7 @@
           <p:cNvPr id="5" name="Datumsplatzhalter 4">
             <a:extLst>
               <a:ext uri="{FF2B5EF4-FFF2-40B4-BE49-F238E27FC236}">
-                <a16:creationId xmlns:a16="http://schemas.microsoft.com/office/drawing/2014/main" xmlns="" id="{7AEDF8C5-F6FB-4119-B6A3-908B246DAB0B}"/>
+                <a16:creationId xmlns="" xmlns:a16="http://schemas.microsoft.com/office/drawing/2014/main" id="{7AEDF8C5-F6FB-4119-B6A3-908B246DAB0B}"/>
               </a:ext>
             </a:extLst>
           </p:cNvPr>
@@ -25505,7 +22457,7 @@
             <a:fld id="{17C2562E-359A-3C42-BBEF-E02CE97BECB1}" type="datetimeFigureOut">
               <a:rPr lang="de-DE" smtClean="0"/>
               <a:pPr/>
-              <a:t>19.10.17</a:t>
+              <a:t>19.10.2017</a:t>
             </a:fld>
             <a:endParaRPr lang="de-DE" dirty="0"/>
           </a:p>
@@ -25516,7 +22468,7 @@
           <p:cNvPr id="7" name="Fußzeilenplatzhalter 6">
             <a:extLst>
               <a:ext uri="{FF2B5EF4-FFF2-40B4-BE49-F238E27FC236}">
-                <a16:creationId xmlns:a16="http://schemas.microsoft.com/office/drawing/2014/main" xmlns="" id="{4CCDEB9D-85DD-4CF0-96C7-BA711D11F2BE}"/>
+                <a16:creationId xmlns="" xmlns:a16="http://schemas.microsoft.com/office/drawing/2014/main" id="{4CCDEB9D-85DD-4CF0-96C7-BA711D11F2BE}"/>
               </a:ext>
             </a:extLst>
           </p:cNvPr>
@@ -25541,7 +22493,7 @@
           <p:cNvPr id="9" name="Foliennummernplatzhalter 8">
             <a:extLst>
               <a:ext uri="{FF2B5EF4-FFF2-40B4-BE49-F238E27FC236}">
-                <a16:creationId xmlns:a16="http://schemas.microsoft.com/office/drawing/2014/main" xmlns="" id="{418E80D9-3450-43BD-94A9-22C9BF91B1C0}"/>
+                <a16:creationId xmlns="" xmlns:a16="http://schemas.microsoft.com/office/drawing/2014/main" id="{418E80D9-3450-43BD-94A9-22C9BF91B1C0}"/>
               </a:ext>
             </a:extLst>
           </p:cNvPr>
@@ -26287,7 +23239,7 @@
           <p:cNvPr id="3" name="Datumsplatzhalter 2">
             <a:extLst>
               <a:ext uri="{FF2B5EF4-FFF2-40B4-BE49-F238E27FC236}">
-                <a16:creationId xmlns:a16="http://schemas.microsoft.com/office/drawing/2014/main" xmlns="" id="{25D8C277-6F42-4B11-AB90-EBE3A1238A85}"/>
+                <a16:creationId xmlns="" xmlns:a16="http://schemas.microsoft.com/office/drawing/2014/main" id="{25D8C277-6F42-4B11-AB90-EBE3A1238A85}"/>
               </a:ext>
             </a:extLst>
           </p:cNvPr>
@@ -26306,7 +23258,7 @@
             <a:fld id="{17C2562E-359A-3C42-BBEF-E02CE97BECB1}" type="datetimeFigureOut">
               <a:rPr lang="de-DE" smtClean="0"/>
               <a:pPr/>
-              <a:t>19.10.17</a:t>
+              <a:t>19.10.2017</a:t>
             </a:fld>
             <a:endParaRPr lang="de-DE" dirty="0"/>
           </a:p>
@@ -26317,7 +23269,7 @@
           <p:cNvPr id="4" name="Fußzeilenplatzhalter 3">
             <a:extLst>
               <a:ext uri="{FF2B5EF4-FFF2-40B4-BE49-F238E27FC236}">
-                <a16:creationId xmlns:a16="http://schemas.microsoft.com/office/drawing/2014/main" xmlns="" id="{4815A052-9443-41A9-9F46-0AA437EEDDA5}"/>
+                <a16:creationId xmlns="" xmlns:a16="http://schemas.microsoft.com/office/drawing/2014/main" id="{4815A052-9443-41A9-9F46-0AA437EEDDA5}"/>
               </a:ext>
             </a:extLst>
           </p:cNvPr>
@@ -26342,7 +23294,7 @@
           <p:cNvPr id="5" name="Foliennummernplatzhalter 4">
             <a:extLst>
               <a:ext uri="{FF2B5EF4-FFF2-40B4-BE49-F238E27FC236}">
-                <a16:creationId xmlns:a16="http://schemas.microsoft.com/office/drawing/2014/main" xmlns="" id="{5F7C50D9-9DEA-4EFD-ACE3-677BBD4DEB55}"/>
+                <a16:creationId xmlns="" xmlns:a16="http://schemas.microsoft.com/office/drawing/2014/main" id="{5F7C50D9-9DEA-4EFD-ACE3-677BBD4DEB55}"/>
               </a:ext>
             </a:extLst>
           </p:cNvPr>
@@ -26808,7 +23760,7 @@
           <p:cNvPr id="5" name="Datumsplatzhalter 4">
             <a:extLst>
               <a:ext uri="{FF2B5EF4-FFF2-40B4-BE49-F238E27FC236}">
-                <a16:creationId xmlns:a16="http://schemas.microsoft.com/office/drawing/2014/main" xmlns="" id="{6B4135B1-E114-41F0-9C64-3A26186B834F}"/>
+                <a16:creationId xmlns="" xmlns:a16="http://schemas.microsoft.com/office/drawing/2014/main" id="{6B4135B1-E114-41F0-9C64-3A26186B834F}"/>
               </a:ext>
             </a:extLst>
           </p:cNvPr>
@@ -26827,7 +23779,7 @@
             <a:fld id="{17C2562E-359A-3C42-BBEF-E02CE97BECB1}" type="datetimeFigureOut">
               <a:rPr lang="de-DE" smtClean="0"/>
               <a:pPr/>
-              <a:t>19.10.17</a:t>
+              <a:t>19.10.2017</a:t>
             </a:fld>
             <a:endParaRPr lang="de-DE" dirty="0"/>
           </a:p>
@@ -26838,7 +23790,7 @@
           <p:cNvPr id="7" name="Fußzeilenplatzhalter 6">
             <a:extLst>
               <a:ext uri="{FF2B5EF4-FFF2-40B4-BE49-F238E27FC236}">
-                <a16:creationId xmlns:a16="http://schemas.microsoft.com/office/drawing/2014/main" xmlns="" id="{84D81854-B37F-4ADF-A34F-BF0CCA2926F2}"/>
+                <a16:creationId xmlns="" xmlns:a16="http://schemas.microsoft.com/office/drawing/2014/main" id="{84D81854-B37F-4ADF-A34F-BF0CCA2926F2}"/>
               </a:ext>
             </a:extLst>
           </p:cNvPr>
@@ -26863,7 +23815,7 @@
           <p:cNvPr id="9" name="Foliennummernplatzhalter 8">
             <a:extLst>
               <a:ext uri="{FF2B5EF4-FFF2-40B4-BE49-F238E27FC236}">
-                <a16:creationId xmlns:a16="http://schemas.microsoft.com/office/drawing/2014/main" xmlns="" id="{2EE17D9C-06FE-45C8-B312-4C5617C49000}"/>
+                <a16:creationId xmlns="" xmlns:a16="http://schemas.microsoft.com/office/drawing/2014/main" id="{2EE17D9C-06FE-45C8-B312-4C5617C49000}"/>
               </a:ext>
             </a:extLst>
           </p:cNvPr>
@@ -27288,7 +24240,7 @@
           <p:cNvPr id="10" name="Datumsplatzhalter 9">
             <a:extLst>
               <a:ext uri="{FF2B5EF4-FFF2-40B4-BE49-F238E27FC236}">
-                <a16:creationId xmlns:a16="http://schemas.microsoft.com/office/drawing/2014/main" xmlns="" id="{F92E0490-C295-4C99-B9D1-6310B9164EDD}"/>
+                <a16:creationId xmlns="" xmlns:a16="http://schemas.microsoft.com/office/drawing/2014/main" id="{F92E0490-C295-4C99-B9D1-6310B9164EDD}"/>
               </a:ext>
             </a:extLst>
           </p:cNvPr>
@@ -27307,7 +24259,7 @@
             <a:fld id="{17C2562E-359A-3C42-BBEF-E02CE97BECB1}" type="datetimeFigureOut">
               <a:rPr lang="de-DE" smtClean="0"/>
               <a:pPr/>
-              <a:t>19.10.17</a:t>
+              <a:t>19.10.2017</a:t>
             </a:fld>
             <a:endParaRPr lang="de-DE" dirty="0"/>
           </a:p>
@@ -27318,7 +24270,7 @@
           <p:cNvPr id="11" name="Fußzeilenplatzhalter 10">
             <a:extLst>
               <a:ext uri="{FF2B5EF4-FFF2-40B4-BE49-F238E27FC236}">
-                <a16:creationId xmlns:a16="http://schemas.microsoft.com/office/drawing/2014/main" xmlns="" id="{DD98C48F-3C69-4703-B4CC-632DDDDB497C}"/>
+                <a16:creationId xmlns="" xmlns:a16="http://schemas.microsoft.com/office/drawing/2014/main" id="{DD98C48F-3C69-4703-B4CC-632DDDDB497C}"/>
               </a:ext>
             </a:extLst>
           </p:cNvPr>
@@ -27343,7 +24295,7 @@
           <p:cNvPr id="15" name="Foliennummernplatzhalter 14">
             <a:extLst>
               <a:ext uri="{FF2B5EF4-FFF2-40B4-BE49-F238E27FC236}">
-                <a16:creationId xmlns:a16="http://schemas.microsoft.com/office/drawing/2014/main" xmlns="" id="{1968527D-44A1-407F-99A6-2ACAB46FBD28}"/>
+                <a16:creationId xmlns="" xmlns:a16="http://schemas.microsoft.com/office/drawing/2014/main" id="{1968527D-44A1-407F-99A6-2ACAB46FBD28}"/>
               </a:ext>
             </a:extLst>
           </p:cNvPr>
@@ -28130,7 +25082,7 @@
           <p:cNvPr id="5" name="Datumsplatzhalter 4">
             <a:extLst>
               <a:ext uri="{FF2B5EF4-FFF2-40B4-BE49-F238E27FC236}">
-                <a16:creationId xmlns:a16="http://schemas.microsoft.com/office/drawing/2014/main" xmlns="" id="{8AFAB162-0FDB-4A37-A4FD-CBFC89474486}"/>
+                <a16:creationId xmlns="" xmlns:a16="http://schemas.microsoft.com/office/drawing/2014/main" id="{8AFAB162-0FDB-4A37-A4FD-CBFC89474486}"/>
               </a:ext>
             </a:extLst>
           </p:cNvPr>
@@ -28149,7 +25101,7 @@
             <a:fld id="{17C2562E-359A-3C42-BBEF-E02CE97BECB1}" type="datetimeFigureOut">
               <a:rPr lang="de-DE" smtClean="0"/>
               <a:pPr/>
-              <a:t>19.10.17</a:t>
+              <a:t>19.10.2017</a:t>
             </a:fld>
             <a:endParaRPr lang="de-DE" dirty="0"/>
           </a:p>
@@ -28160,7 +25112,7 @@
           <p:cNvPr id="7" name="Fußzeilenplatzhalter 6">
             <a:extLst>
               <a:ext uri="{FF2B5EF4-FFF2-40B4-BE49-F238E27FC236}">
-                <a16:creationId xmlns:a16="http://schemas.microsoft.com/office/drawing/2014/main" xmlns="" id="{46B12C25-0691-43C5-8596-6B8AD0039874}"/>
+                <a16:creationId xmlns="" xmlns:a16="http://schemas.microsoft.com/office/drawing/2014/main" id="{46B12C25-0691-43C5-8596-6B8AD0039874}"/>
               </a:ext>
             </a:extLst>
           </p:cNvPr>
@@ -28185,7 +25137,7 @@
           <p:cNvPr id="9" name="Foliennummernplatzhalter 8">
             <a:extLst>
               <a:ext uri="{FF2B5EF4-FFF2-40B4-BE49-F238E27FC236}">
-                <a16:creationId xmlns:a16="http://schemas.microsoft.com/office/drawing/2014/main" xmlns="" id="{7C5C2594-4A54-4AE0-88EE-FB17FDD4570C}"/>
+                <a16:creationId xmlns="" xmlns:a16="http://schemas.microsoft.com/office/drawing/2014/main" id="{7C5C2594-4A54-4AE0-88EE-FB17FDD4570C}"/>
               </a:ext>
             </a:extLst>
           </p:cNvPr>
@@ -28931,7 +25883,7 @@
           <p:cNvPr id="5" name="Datumsplatzhalter 4">
             <a:extLst>
               <a:ext uri="{FF2B5EF4-FFF2-40B4-BE49-F238E27FC236}">
-                <a16:creationId xmlns:a16="http://schemas.microsoft.com/office/drawing/2014/main" xmlns="" id="{D1D6952B-45CB-46FF-9F9B-1F98CC255417}"/>
+                <a16:creationId xmlns="" xmlns:a16="http://schemas.microsoft.com/office/drawing/2014/main" id="{D1D6952B-45CB-46FF-9F9B-1F98CC255417}"/>
               </a:ext>
             </a:extLst>
           </p:cNvPr>
@@ -28950,7 +25902,7 @@
             <a:fld id="{17C2562E-359A-3C42-BBEF-E02CE97BECB1}" type="datetimeFigureOut">
               <a:rPr lang="de-DE" smtClean="0"/>
               <a:pPr/>
-              <a:t>19.10.17</a:t>
+              <a:t>19.10.2017</a:t>
             </a:fld>
             <a:endParaRPr lang="de-DE" dirty="0"/>
           </a:p>
@@ -28961,7 +25913,7 @@
           <p:cNvPr id="7" name="Fußzeilenplatzhalter 6">
             <a:extLst>
               <a:ext uri="{FF2B5EF4-FFF2-40B4-BE49-F238E27FC236}">
-                <a16:creationId xmlns:a16="http://schemas.microsoft.com/office/drawing/2014/main" xmlns="" id="{3C08D0C6-0E40-46E2-9D6C-74181D953DFE}"/>
+                <a16:creationId xmlns="" xmlns:a16="http://schemas.microsoft.com/office/drawing/2014/main" id="{3C08D0C6-0E40-46E2-9D6C-74181D953DFE}"/>
               </a:ext>
             </a:extLst>
           </p:cNvPr>
@@ -28986,7 +25938,7 @@
           <p:cNvPr id="8" name="Foliennummernplatzhalter 7">
             <a:extLst>
               <a:ext uri="{FF2B5EF4-FFF2-40B4-BE49-F238E27FC236}">
-                <a16:creationId xmlns:a16="http://schemas.microsoft.com/office/drawing/2014/main" xmlns="" id="{EA500A2A-E0AD-4AD6-AB58-61BF900F0E2C}"/>
+                <a16:creationId xmlns="" xmlns:a16="http://schemas.microsoft.com/office/drawing/2014/main" id="{EA500A2A-E0AD-4AD6-AB58-61BF900F0E2C}"/>
               </a:ext>
             </a:extLst>
           </p:cNvPr>
@@ -29090,7 +26042,7 @@
           <p:cNvPr id="5" name="Datumsplatzhalter 4">
             <a:extLst>
               <a:ext uri="{FF2B5EF4-FFF2-40B4-BE49-F238E27FC236}">
-                <a16:creationId xmlns:a16="http://schemas.microsoft.com/office/drawing/2014/main" xmlns="" id="{A181F7F8-D379-4070-8216-3B81228BAEC6}"/>
+                <a16:creationId xmlns="" xmlns:a16="http://schemas.microsoft.com/office/drawing/2014/main" id="{A181F7F8-D379-4070-8216-3B81228BAEC6}"/>
               </a:ext>
             </a:extLst>
           </p:cNvPr>
@@ -29109,7 +26061,7 @@
             <a:fld id="{17C2562E-359A-3C42-BBEF-E02CE97BECB1}" type="datetimeFigureOut">
               <a:rPr lang="de-DE" smtClean="0"/>
               <a:pPr/>
-              <a:t>19.10.17</a:t>
+              <a:t>19.10.2017</a:t>
             </a:fld>
             <a:endParaRPr lang="de-DE" dirty="0"/>
           </a:p>
@@ -29120,7 +26072,7 @@
           <p:cNvPr id="7" name="Fußzeilenplatzhalter 6">
             <a:extLst>
               <a:ext uri="{FF2B5EF4-FFF2-40B4-BE49-F238E27FC236}">
-                <a16:creationId xmlns:a16="http://schemas.microsoft.com/office/drawing/2014/main" xmlns="" id="{D8E0E4FD-5CC1-4D23-A3E8-7DAB1134A4FA}"/>
+                <a16:creationId xmlns="" xmlns:a16="http://schemas.microsoft.com/office/drawing/2014/main" id="{D8E0E4FD-5CC1-4D23-A3E8-7DAB1134A4FA}"/>
               </a:ext>
             </a:extLst>
           </p:cNvPr>
@@ -29145,7 +26097,7 @@
           <p:cNvPr id="8" name="Foliennummernplatzhalter 7">
             <a:extLst>
               <a:ext uri="{FF2B5EF4-FFF2-40B4-BE49-F238E27FC236}">
-                <a16:creationId xmlns:a16="http://schemas.microsoft.com/office/drawing/2014/main" xmlns="" id="{6D72C792-B02A-4A44-BF65-9B261DE5D43D}"/>
+                <a16:creationId xmlns="" xmlns:a16="http://schemas.microsoft.com/office/drawing/2014/main" id="{6D72C792-B02A-4A44-BF65-9B261DE5D43D}"/>
               </a:ext>
             </a:extLst>
           </p:cNvPr>
@@ -29542,7 +26494,7 @@
           <p:cNvPr id="2" name="Datumsplatzhalter 1">
             <a:extLst>
               <a:ext uri="{FF2B5EF4-FFF2-40B4-BE49-F238E27FC236}">
-                <a16:creationId xmlns:a16="http://schemas.microsoft.com/office/drawing/2014/main" xmlns="" id="{B1E6CA30-BA19-47F1-BFEE-B5E43CCEC731}"/>
+                <a16:creationId xmlns="" xmlns:a16="http://schemas.microsoft.com/office/drawing/2014/main" id="{B1E6CA30-BA19-47F1-BFEE-B5E43CCEC731}"/>
               </a:ext>
             </a:extLst>
           </p:cNvPr>
@@ -29561,7 +26513,7 @@
             <a:fld id="{17C2562E-359A-3C42-BBEF-E02CE97BECB1}" type="datetimeFigureOut">
               <a:rPr lang="de-DE" smtClean="0"/>
               <a:pPr/>
-              <a:t>19.10.17</a:t>
+              <a:t>19.10.2017</a:t>
             </a:fld>
             <a:endParaRPr lang="de-DE" dirty="0"/>
           </a:p>
@@ -29572,7 +26524,7 @@
           <p:cNvPr id="14" name="Fußzeilenplatzhalter 13">
             <a:extLst>
               <a:ext uri="{FF2B5EF4-FFF2-40B4-BE49-F238E27FC236}">
-                <a16:creationId xmlns:a16="http://schemas.microsoft.com/office/drawing/2014/main" xmlns="" id="{06236A5B-AF48-4E5C-BD02-27BC73328D88}"/>
+                <a16:creationId xmlns="" xmlns:a16="http://schemas.microsoft.com/office/drawing/2014/main" id="{06236A5B-AF48-4E5C-BD02-27BC73328D88}"/>
               </a:ext>
             </a:extLst>
           </p:cNvPr>
@@ -29597,7 +26549,7 @@
           <p:cNvPr id="15" name="Foliennummernplatzhalter 14">
             <a:extLst>
               <a:ext uri="{FF2B5EF4-FFF2-40B4-BE49-F238E27FC236}">
-                <a16:creationId xmlns:a16="http://schemas.microsoft.com/office/drawing/2014/main" xmlns="" id="{6C539E6F-C163-4DFD-A93D-F463843C6D4E}"/>
+                <a16:creationId xmlns="" xmlns:a16="http://schemas.microsoft.com/office/drawing/2014/main" id="{6C539E6F-C163-4DFD-A93D-F463843C6D4E}"/>
               </a:ext>
             </a:extLst>
           </p:cNvPr>
@@ -29913,7 +26865,7 @@
           <p:cNvPr id="7" name="Datumsplatzhalter 6">
             <a:extLst>
               <a:ext uri="{FF2B5EF4-FFF2-40B4-BE49-F238E27FC236}">
-                <a16:creationId xmlns:a16="http://schemas.microsoft.com/office/drawing/2014/main" xmlns="" id="{E9F2D5EB-EB07-4AC4-94D4-FA6BD7E87398}"/>
+                <a16:creationId xmlns="" xmlns:a16="http://schemas.microsoft.com/office/drawing/2014/main" id="{E9F2D5EB-EB07-4AC4-94D4-FA6BD7E87398}"/>
               </a:ext>
             </a:extLst>
           </p:cNvPr>
@@ -29932,7 +26884,7 @@
             <a:fld id="{17C2562E-359A-3C42-BBEF-E02CE97BECB1}" type="datetimeFigureOut">
               <a:rPr lang="de-DE" smtClean="0"/>
               <a:pPr/>
-              <a:t>19.10.17</a:t>
+              <a:t>19.10.2017</a:t>
             </a:fld>
             <a:endParaRPr lang="de-DE" dirty="0"/>
           </a:p>
@@ -29943,7 +26895,7 @@
           <p:cNvPr id="8" name="Fußzeilenplatzhalter 7">
             <a:extLst>
               <a:ext uri="{FF2B5EF4-FFF2-40B4-BE49-F238E27FC236}">
-                <a16:creationId xmlns:a16="http://schemas.microsoft.com/office/drawing/2014/main" xmlns="" id="{947F1BF2-5B5A-4E3F-9A69-A7FC06CEE6DA}"/>
+                <a16:creationId xmlns="" xmlns:a16="http://schemas.microsoft.com/office/drawing/2014/main" id="{947F1BF2-5B5A-4E3F-9A69-A7FC06CEE6DA}"/>
               </a:ext>
             </a:extLst>
           </p:cNvPr>
@@ -29968,7 +26920,7 @@
           <p:cNvPr id="9" name="Foliennummernplatzhalter 8">
             <a:extLst>
               <a:ext uri="{FF2B5EF4-FFF2-40B4-BE49-F238E27FC236}">
-                <a16:creationId xmlns:a16="http://schemas.microsoft.com/office/drawing/2014/main" xmlns="" id="{B0D6E36A-E68C-4CFF-A1B3-ADE80884E18E}"/>
+                <a16:creationId xmlns="" xmlns:a16="http://schemas.microsoft.com/office/drawing/2014/main" id="{B0D6E36A-E68C-4CFF-A1B3-ADE80884E18E}"/>
               </a:ext>
             </a:extLst>
           </p:cNvPr>
@@ -30059,7 +27011,7 @@
           <a:noFill/>
           <a:extLst>
             <a:ext uri="{909E8E84-426E-40dd-AFC4-6F175D3DCCD1}">
-              <a14:hiddenFill xmlns:a14="http://schemas.microsoft.com/office/drawing/2010/main" xmlns="">
+              <a14:hiddenFill xmlns="" xmlns:a14="http://schemas.microsoft.com/office/drawing/2010/main">
                 <a:solidFill>
                   <a:srgbClr val="FFFFFF"/>
                 </a:solidFill>
@@ -30139,7 +27091,7 @@
           <a:noFill/>
           <a:extLst>
             <a:ext uri="{909E8E84-426E-40dd-AFC4-6F175D3DCCD1}">
-              <a14:hiddenFill xmlns:a14="http://schemas.microsoft.com/office/drawing/2010/main" xmlns="">
+              <a14:hiddenFill xmlns="" xmlns:a14="http://schemas.microsoft.com/office/drawing/2010/main">
                 <a:solidFill>
                   <a:srgbClr val="FFFFFF"/>
                 </a:solidFill>
@@ -30442,7 +27394,7 @@
           <p:cNvPr id="5" name="Datumsplatzhalter 4">
             <a:extLst>
               <a:ext uri="{FF2B5EF4-FFF2-40B4-BE49-F238E27FC236}">
-                <a16:creationId xmlns:a16="http://schemas.microsoft.com/office/drawing/2014/main" xmlns="" id="{368DD9D8-7FE8-48F0-AE91-AE98EA3DCA20}"/>
+                <a16:creationId xmlns="" xmlns:a16="http://schemas.microsoft.com/office/drawing/2014/main" id="{368DD9D8-7FE8-48F0-AE91-AE98EA3DCA20}"/>
               </a:ext>
             </a:extLst>
           </p:cNvPr>
@@ -30461,7 +27413,7 @@
             <a:fld id="{17C2562E-359A-3C42-BBEF-E02CE97BECB1}" type="datetimeFigureOut">
               <a:rPr lang="de-DE" smtClean="0"/>
               <a:pPr/>
-              <a:t>19.10.17</a:t>
+              <a:t>19.10.2017</a:t>
             </a:fld>
             <a:endParaRPr lang="de-DE" dirty="0"/>
           </a:p>
@@ -30472,7 +27424,7 @@
           <p:cNvPr id="7" name="Fußzeilenplatzhalter 6">
             <a:extLst>
               <a:ext uri="{FF2B5EF4-FFF2-40B4-BE49-F238E27FC236}">
-                <a16:creationId xmlns:a16="http://schemas.microsoft.com/office/drawing/2014/main" xmlns="" id="{DD743ADB-89F1-48B5-A397-7FB83734730F}"/>
+                <a16:creationId xmlns="" xmlns:a16="http://schemas.microsoft.com/office/drawing/2014/main" id="{DD743ADB-89F1-48B5-A397-7FB83734730F}"/>
               </a:ext>
             </a:extLst>
           </p:cNvPr>
@@ -30497,7 +27449,7 @@
           <p:cNvPr id="8" name="Foliennummernplatzhalter 7">
             <a:extLst>
               <a:ext uri="{FF2B5EF4-FFF2-40B4-BE49-F238E27FC236}">
-                <a16:creationId xmlns:a16="http://schemas.microsoft.com/office/drawing/2014/main" xmlns="" id="{E9AACC46-EA1E-4E6F-8F9D-AC4B57F09904}"/>
+                <a16:creationId xmlns="" xmlns:a16="http://schemas.microsoft.com/office/drawing/2014/main" id="{E9AACC46-EA1E-4E6F-8F9D-AC4B57F09904}"/>
               </a:ext>
             </a:extLst>
           </p:cNvPr>
@@ -30804,7 +27756,7 @@
           <p:cNvPr id="6" name="Datumsplatzhalter 5">
             <a:extLst>
               <a:ext uri="{FF2B5EF4-FFF2-40B4-BE49-F238E27FC236}">
-                <a16:creationId xmlns:a16="http://schemas.microsoft.com/office/drawing/2014/main" xmlns="" id="{39EC82D5-F468-46F1-8BE2-F62E4D04C5CD}"/>
+                <a16:creationId xmlns="" xmlns:a16="http://schemas.microsoft.com/office/drawing/2014/main" id="{39EC82D5-F468-46F1-8BE2-F62E4D04C5CD}"/>
               </a:ext>
             </a:extLst>
           </p:cNvPr>
@@ -30823,7 +27775,7 @@
             <a:fld id="{17C2562E-359A-3C42-BBEF-E02CE97BECB1}" type="datetimeFigureOut">
               <a:rPr lang="de-DE" smtClean="0"/>
               <a:pPr/>
-              <a:t>19.10.17</a:t>
+              <a:t>19.10.2017</a:t>
             </a:fld>
             <a:endParaRPr lang="de-DE" dirty="0"/>
           </a:p>
@@ -30834,7 +27786,7 @@
           <p:cNvPr id="7" name="Fußzeilenplatzhalter 6">
             <a:extLst>
               <a:ext uri="{FF2B5EF4-FFF2-40B4-BE49-F238E27FC236}">
-                <a16:creationId xmlns:a16="http://schemas.microsoft.com/office/drawing/2014/main" xmlns="" id="{32A29AE2-1FA8-458C-9BDD-E35CA69A9340}"/>
+                <a16:creationId xmlns="" xmlns:a16="http://schemas.microsoft.com/office/drawing/2014/main" id="{32A29AE2-1FA8-458C-9BDD-E35CA69A9340}"/>
               </a:ext>
             </a:extLst>
           </p:cNvPr>
@@ -30859,7 +27811,7 @@
           <p:cNvPr id="8" name="Foliennummernplatzhalter 7">
             <a:extLst>
               <a:ext uri="{FF2B5EF4-FFF2-40B4-BE49-F238E27FC236}">
-                <a16:creationId xmlns:a16="http://schemas.microsoft.com/office/drawing/2014/main" xmlns="" id="{DC4135BE-88E8-4C4B-B3FF-FC61855E0C9F}"/>
+                <a16:creationId xmlns="" xmlns:a16="http://schemas.microsoft.com/office/drawing/2014/main" id="{DC4135BE-88E8-4C4B-B3FF-FC61855E0C9F}"/>
               </a:ext>
             </a:extLst>
           </p:cNvPr>
@@ -31170,7 +28122,7 @@
           <p:cNvPr id="5" name="Datumsplatzhalter 4">
             <a:extLst>
               <a:ext uri="{FF2B5EF4-FFF2-40B4-BE49-F238E27FC236}">
-                <a16:creationId xmlns:a16="http://schemas.microsoft.com/office/drawing/2014/main" xmlns="" id="{42621BA8-D298-4AAA-B27E-2D5702596736}"/>
+                <a16:creationId xmlns="" xmlns:a16="http://schemas.microsoft.com/office/drawing/2014/main" id="{42621BA8-D298-4AAA-B27E-2D5702596736}"/>
               </a:ext>
             </a:extLst>
           </p:cNvPr>
@@ -31189,7 +28141,7 @@
             <a:fld id="{17C2562E-359A-3C42-BBEF-E02CE97BECB1}" type="datetimeFigureOut">
               <a:rPr lang="de-DE" smtClean="0"/>
               <a:pPr/>
-              <a:t>19.10.17</a:t>
+              <a:t>19.10.2017</a:t>
             </a:fld>
             <a:endParaRPr lang="de-DE" dirty="0"/>
           </a:p>
@@ -31200,7 +28152,7 @@
           <p:cNvPr id="6" name="Fußzeilenplatzhalter 5">
             <a:extLst>
               <a:ext uri="{FF2B5EF4-FFF2-40B4-BE49-F238E27FC236}">
-                <a16:creationId xmlns:a16="http://schemas.microsoft.com/office/drawing/2014/main" xmlns="" id="{59687A69-8E9C-4168-AA2A-7D487587D19D}"/>
+                <a16:creationId xmlns="" xmlns:a16="http://schemas.microsoft.com/office/drawing/2014/main" id="{59687A69-8E9C-4168-AA2A-7D487587D19D}"/>
               </a:ext>
             </a:extLst>
           </p:cNvPr>
@@ -31225,7 +28177,7 @@
           <p:cNvPr id="7" name="Foliennummernplatzhalter 6">
             <a:extLst>
               <a:ext uri="{FF2B5EF4-FFF2-40B4-BE49-F238E27FC236}">
-                <a16:creationId xmlns:a16="http://schemas.microsoft.com/office/drawing/2014/main" xmlns="" id="{536244A4-4C24-4CD2-82E9-C547A6F8C84B}"/>
+                <a16:creationId xmlns="" xmlns:a16="http://schemas.microsoft.com/office/drawing/2014/main" id="{536244A4-4C24-4CD2-82E9-C547A6F8C84B}"/>
               </a:ext>
             </a:extLst>
           </p:cNvPr>
@@ -31529,7 +28481,7 @@
           <p:cNvPr id="6" name="Datumsplatzhalter 5">
             <a:extLst>
               <a:ext uri="{FF2B5EF4-FFF2-40B4-BE49-F238E27FC236}">
-                <a16:creationId xmlns:a16="http://schemas.microsoft.com/office/drawing/2014/main" xmlns="" id="{BF6F2AC7-7673-45B2-B727-C8AE32F0AB56}"/>
+                <a16:creationId xmlns="" xmlns:a16="http://schemas.microsoft.com/office/drawing/2014/main" id="{BF6F2AC7-7673-45B2-B727-C8AE32F0AB56}"/>
               </a:ext>
             </a:extLst>
           </p:cNvPr>
@@ -31548,7 +28500,7 @@
             <a:fld id="{17C2562E-359A-3C42-BBEF-E02CE97BECB1}" type="datetimeFigureOut">
               <a:rPr lang="de-DE" smtClean="0"/>
               <a:pPr/>
-              <a:t>19.10.17</a:t>
+              <a:t>19.10.2017</a:t>
             </a:fld>
             <a:endParaRPr lang="de-DE" dirty="0"/>
           </a:p>
@@ -31559,7 +28511,7 @@
           <p:cNvPr id="7" name="Fußzeilenplatzhalter 6">
             <a:extLst>
               <a:ext uri="{FF2B5EF4-FFF2-40B4-BE49-F238E27FC236}">
-                <a16:creationId xmlns:a16="http://schemas.microsoft.com/office/drawing/2014/main" xmlns="" id="{92A772BA-DCE7-4C4E-83BA-CF4FFCC183EE}"/>
+                <a16:creationId xmlns="" xmlns:a16="http://schemas.microsoft.com/office/drawing/2014/main" id="{92A772BA-DCE7-4C4E-83BA-CF4FFCC183EE}"/>
               </a:ext>
             </a:extLst>
           </p:cNvPr>
@@ -31584,7 +28536,7 @@
           <p:cNvPr id="8" name="Foliennummernplatzhalter 7">
             <a:extLst>
               <a:ext uri="{FF2B5EF4-FFF2-40B4-BE49-F238E27FC236}">
-                <a16:creationId xmlns:a16="http://schemas.microsoft.com/office/drawing/2014/main" xmlns="" id="{E51D4D1D-A3D0-476F-93F4-F41207D05396}"/>
+                <a16:creationId xmlns="" xmlns:a16="http://schemas.microsoft.com/office/drawing/2014/main" id="{E51D4D1D-A3D0-476F-93F4-F41207D05396}"/>
               </a:ext>
             </a:extLst>
           </p:cNvPr>
@@ -31884,7 +28836,7 @@
           <p:cNvPr id="4" name="Datumsplatzhalter 3">
             <a:extLst>
               <a:ext uri="{FF2B5EF4-FFF2-40B4-BE49-F238E27FC236}">
-                <a16:creationId xmlns:a16="http://schemas.microsoft.com/office/drawing/2014/main" xmlns="" id="{37D39D12-6498-4172-8CA5-163DBEBBD0CB}"/>
+                <a16:creationId xmlns="" xmlns:a16="http://schemas.microsoft.com/office/drawing/2014/main" id="{37D39D12-6498-4172-8CA5-163DBEBBD0CB}"/>
               </a:ext>
             </a:extLst>
           </p:cNvPr>
@@ -31903,7 +28855,7 @@
             <a:fld id="{17C2562E-359A-3C42-BBEF-E02CE97BECB1}" type="datetimeFigureOut">
               <a:rPr lang="de-DE" smtClean="0"/>
               <a:pPr/>
-              <a:t>19.10.17</a:t>
+              <a:t>19.10.2017</a:t>
             </a:fld>
             <a:endParaRPr lang="de-DE" dirty="0"/>
           </a:p>
@@ -31914,7 +28866,7 @@
           <p:cNvPr id="7" name="Fußzeilenplatzhalter 6">
             <a:extLst>
               <a:ext uri="{FF2B5EF4-FFF2-40B4-BE49-F238E27FC236}">
-                <a16:creationId xmlns:a16="http://schemas.microsoft.com/office/drawing/2014/main" xmlns="" id="{F310451D-2AF2-4222-AA5C-04DDCF6CA55F}"/>
+                <a16:creationId xmlns="" xmlns:a16="http://schemas.microsoft.com/office/drawing/2014/main" id="{F310451D-2AF2-4222-AA5C-04DDCF6CA55F}"/>
               </a:ext>
             </a:extLst>
           </p:cNvPr>
@@ -31939,7 +28891,7 @@
           <p:cNvPr id="8" name="Foliennummernplatzhalter 7">
             <a:extLst>
               <a:ext uri="{FF2B5EF4-FFF2-40B4-BE49-F238E27FC236}">
-                <a16:creationId xmlns:a16="http://schemas.microsoft.com/office/drawing/2014/main" xmlns="" id="{8546ADD4-A434-4A15-B639-BB0897136588}"/>
+                <a16:creationId xmlns="" xmlns:a16="http://schemas.microsoft.com/office/drawing/2014/main" id="{8546ADD4-A434-4A15-B639-BB0897136588}"/>
               </a:ext>
             </a:extLst>
           </p:cNvPr>
@@ -32178,7 +29130,7 @@
           <p:cNvPr id="2" name="Datumsplatzhalter 1">
             <a:extLst>
               <a:ext uri="{FF2B5EF4-FFF2-40B4-BE49-F238E27FC236}">
-                <a16:creationId xmlns:a16="http://schemas.microsoft.com/office/drawing/2014/main" xmlns="" id="{A19FBC2B-4138-47A7-96C3-6075667C774D}"/>
+                <a16:creationId xmlns="" xmlns:a16="http://schemas.microsoft.com/office/drawing/2014/main" id="{A19FBC2B-4138-47A7-96C3-6075667C774D}"/>
               </a:ext>
             </a:extLst>
           </p:cNvPr>
@@ -32197,7 +29149,7 @@
             <a:fld id="{17C2562E-359A-3C42-BBEF-E02CE97BECB1}" type="datetimeFigureOut">
               <a:rPr lang="de-DE" smtClean="0"/>
               <a:pPr/>
-              <a:t>19.10.17</a:t>
+              <a:t>19.10.2017</a:t>
             </a:fld>
             <a:endParaRPr lang="de-DE" dirty="0"/>
           </a:p>
@@ -32208,7 +29160,7 @@
           <p:cNvPr id="8" name="Fußzeilenplatzhalter 7">
             <a:extLst>
               <a:ext uri="{FF2B5EF4-FFF2-40B4-BE49-F238E27FC236}">
-                <a16:creationId xmlns:a16="http://schemas.microsoft.com/office/drawing/2014/main" xmlns="" id="{193B0760-28CB-4559-9AEF-4866F2FCE0E4}"/>
+                <a16:creationId xmlns="" xmlns:a16="http://schemas.microsoft.com/office/drawing/2014/main" id="{193B0760-28CB-4559-9AEF-4866F2FCE0E4}"/>
               </a:ext>
             </a:extLst>
           </p:cNvPr>
@@ -32233,7 +29185,7 @@
           <p:cNvPr id="11" name="Foliennummernplatzhalter 10">
             <a:extLst>
               <a:ext uri="{FF2B5EF4-FFF2-40B4-BE49-F238E27FC236}">
-                <a16:creationId xmlns:a16="http://schemas.microsoft.com/office/drawing/2014/main" xmlns="" id="{A263DBAA-5BAE-421E-BCAE-39992A39B610}"/>
+                <a16:creationId xmlns="" xmlns:a16="http://schemas.microsoft.com/office/drawing/2014/main" id="{A263DBAA-5BAE-421E-BCAE-39992A39B610}"/>
               </a:ext>
             </a:extLst>
           </p:cNvPr>
@@ -32440,7 +29392,7 @@
             <a:fld id="{17C2562E-359A-3C42-BBEF-E02CE97BECB1}" type="datetimeFigureOut">
               <a:rPr lang="de-DE" smtClean="0"/>
               <a:pPr/>
-              <a:t>19.10.17</a:t>
+              <a:t>19.10.2017</a:t>
             </a:fld>
             <a:endParaRPr lang="de-DE" dirty="0"/>
           </a:p>
@@ -33015,7 +29967,7 @@
             <a:fld id="{17C2562E-359A-3C42-BBEF-E02CE97BECB1}" type="datetimeFigureOut">
               <a:rPr lang="de-DE" smtClean="0"/>
               <a:pPr/>
-              <a:t>19.10.17</a:t>
+              <a:t>19.10.2017</a:t>
             </a:fld>
             <a:endParaRPr lang="de-DE" dirty="0"/>
           </a:p>
@@ -33139,7 +30091,7 @@
           <p:cNvPr id="11" name="Titel 1">
             <a:extLst>
               <a:ext uri="{FF2B5EF4-FFF2-40B4-BE49-F238E27FC236}">
-                <a16:creationId xmlns:a16="http://schemas.microsoft.com/office/drawing/2014/main" xmlns="" id="{251058B0-31BE-410A-BE50-41D5389B0AAB}"/>
+                <a16:creationId xmlns="" xmlns:a16="http://schemas.microsoft.com/office/drawing/2014/main" id="{251058B0-31BE-410A-BE50-41D5389B0AAB}"/>
               </a:ext>
             </a:extLst>
           </p:cNvPr>
@@ -34604,7 +31556,7 @@
           <p:cNvPr id="2" name="Textplatzhalter 1">
             <a:extLst>
               <a:ext uri="{FF2B5EF4-FFF2-40B4-BE49-F238E27FC236}">
-                <a16:creationId xmlns:a16="http://schemas.microsoft.com/office/drawing/2014/main" xmlns="" id="{45003885-0277-4A8A-9B32-2C0872306E13}"/>
+                <a16:creationId xmlns="" xmlns:a16="http://schemas.microsoft.com/office/drawing/2014/main" id="{45003885-0277-4A8A-9B32-2C0872306E13}"/>
               </a:ext>
             </a:extLst>
           </p:cNvPr>
@@ -34644,7 +31596,7 @@
           <p:cNvPr id="3" name="Titel 2">
             <a:extLst>
               <a:ext uri="{FF2B5EF4-FFF2-40B4-BE49-F238E27FC236}">
-                <a16:creationId xmlns:a16="http://schemas.microsoft.com/office/drawing/2014/main" xmlns="" id="{EA92ABC8-8A1F-45BA-8C5F-D5DEF58C8920}"/>
+                <a16:creationId xmlns="" xmlns:a16="http://schemas.microsoft.com/office/drawing/2014/main" id="{EA92ABC8-8A1F-45BA-8C5F-D5DEF58C8920}"/>
               </a:ext>
             </a:extLst>
           </p:cNvPr>
@@ -34927,7 +31879,7 @@
             <a:fld id="{17C2562E-359A-3C42-BBEF-E02CE97BECB1}" type="datetimeFigureOut">
               <a:rPr lang="de-DE" smtClean="0"/>
               <a:pPr/>
-              <a:t>19.10.17</a:t>
+              <a:t>19.10.2017</a:t>
             </a:fld>
             <a:endParaRPr lang="de-DE" dirty="0"/>
           </a:p>
@@ -35162,7 +32114,7 @@
             <a:fld id="{17C2562E-359A-3C42-BBEF-E02CE97BECB1}" type="datetimeFigureOut">
               <a:rPr lang="de-DE" smtClean="0"/>
               <a:pPr/>
-              <a:t>19.10.17</a:t>
+              <a:t>19.10.2017</a:t>
             </a:fld>
             <a:endParaRPr lang="de-DE" dirty="0"/>
           </a:p>
@@ -35472,7 +32424,7 @@
             <a:fld id="{17C2562E-359A-3C42-BBEF-E02CE97BECB1}" type="datetimeFigureOut">
               <a:rPr lang="de-DE" smtClean="0"/>
               <a:pPr/>
-              <a:t>19.10.17</a:t>
+              <a:t>19.10.2017</a:t>
             </a:fld>
             <a:endParaRPr lang="de-DE" dirty="0"/>
           </a:p>
@@ -35638,7 +32590,7 @@
             <a:fld id="{17C2562E-359A-3C42-BBEF-E02CE97BECB1}" type="datetimeFigureOut">
               <a:rPr lang="de-DE" smtClean="0"/>
               <a:pPr/>
-              <a:t>19.10.17</a:t>
+              <a:t>19.10.2017</a:t>
             </a:fld>
             <a:endParaRPr lang="de-DE" dirty="0"/>
           </a:p>
@@ -35879,7 +32831,7 @@
             <a:fld id="{17C2562E-359A-3C42-BBEF-E02CE97BECB1}" type="datetimeFigureOut">
               <a:rPr lang="de-DE" smtClean="0"/>
               <a:pPr/>
-              <a:t>19.10.17</a:t>
+              <a:t>19.10.2017</a:t>
             </a:fld>
             <a:endParaRPr lang="de-DE" dirty="0"/>
           </a:p>
@@ -36140,7 +33092,7 @@
             <a:fld id="{17C2562E-359A-3C42-BBEF-E02CE97BECB1}" type="datetimeFigureOut">
               <a:rPr lang="de-DE" smtClean="0"/>
               <a:pPr/>
-              <a:t>19.10.17</a:t>
+              <a:t>19.10.2017</a:t>
             </a:fld>
             <a:endParaRPr lang="de-DE" dirty="0"/>
           </a:p>
@@ -36306,7 +33258,7 @@
             <a:fld id="{17C2562E-359A-3C42-BBEF-E02CE97BECB1}" type="datetimeFigureOut">
               <a:rPr lang="de-DE" smtClean="0"/>
               <a:pPr/>
-              <a:t>19.10.17</a:t>
+              <a:t>19.10.2017</a:t>
             </a:fld>
             <a:endParaRPr lang="de-DE" dirty="0"/>
           </a:p>
@@ -36544,7 +33496,7 @@
             <a:fld id="{17C2562E-359A-3C42-BBEF-E02CE97BECB1}" type="datetimeFigureOut">
               <a:rPr lang="de-DE" smtClean="0"/>
               <a:pPr/>
-              <a:t>19.10.17</a:t>
+              <a:t>19.10.2017</a:t>
             </a:fld>
             <a:endParaRPr lang="de-DE" dirty="0"/>
           </a:p>
@@ -36822,7 +33774,7 @@
             <a:fld id="{17C2562E-359A-3C42-BBEF-E02CE97BECB1}" type="datetimeFigureOut">
               <a:rPr lang="de-DE" smtClean="0"/>
               <a:pPr/>
-              <a:t>19.10.17</a:t>
+              <a:t>19.10.2017</a:t>
             </a:fld>
             <a:endParaRPr lang="de-DE" dirty="0"/>
           </a:p>
@@ -37126,7 +34078,7 @@
             <a:fld id="{17C2562E-359A-3C42-BBEF-E02CE97BECB1}" type="datetimeFigureOut">
               <a:rPr lang="de-DE" smtClean="0"/>
               <a:pPr/>
-              <a:t>19.10.17</a:t>
+              <a:t>19.10.2017</a:t>
             </a:fld>
             <a:endParaRPr lang="de-DE" dirty="0"/>
           </a:p>
@@ -37471,7 +34423,7 @@
             <a:fld id="{17C2562E-359A-3C42-BBEF-E02CE97BECB1}" type="datetimeFigureOut">
               <a:rPr lang="de-DE" smtClean="0"/>
               <a:pPr/>
-              <a:t>19.10.17</a:t>
+              <a:t>19.10.2017</a:t>
             </a:fld>
             <a:endParaRPr lang="de-DE" dirty="0"/>
           </a:p>
@@ -37689,7 +34641,7 @@
             <a:fld id="{17C2562E-359A-3C42-BBEF-E02CE97BECB1}" type="datetimeFigureOut">
               <a:rPr lang="de-DE" smtClean="0"/>
               <a:pPr/>
-              <a:t>19.10.17</a:t>
+              <a:t>19.10.2017</a:t>
             </a:fld>
             <a:endParaRPr lang="de-DE" dirty="0"/>
           </a:p>
@@ -37980,7 +34932,7 @@
             <a:fld id="{17C2562E-359A-3C42-BBEF-E02CE97BECB1}" type="datetimeFigureOut">
               <a:rPr lang="de-DE" smtClean="0"/>
               <a:pPr/>
-              <a:t>19.10.17</a:t>
+              <a:t>19.10.2017</a:t>
             </a:fld>
             <a:endParaRPr lang="de-DE" dirty="0"/>
           </a:p>
@@ -38204,7 +35156,7 @@
             <a:fld id="{17C2562E-359A-3C42-BBEF-E02CE97BECB1}" type="datetimeFigureOut">
               <a:rPr lang="de-DE" smtClean="0"/>
               <a:pPr/>
-              <a:t>19.10.17</a:t>
+              <a:t>19.10.2017</a:t>
             </a:fld>
             <a:endParaRPr lang="de-DE" dirty="0"/>
           </a:p>
@@ -38441,7 +35393,7 @@
             <a:fld id="{17C2562E-359A-3C42-BBEF-E02CE97BECB1}" type="datetimeFigureOut">
               <a:rPr lang="de-DE" smtClean="0"/>
               <a:pPr/>
-              <a:t>19.10.17</a:t>
+              <a:t>19.10.2017</a:t>
             </a:fld>
             <a:endParaRPr lang="de-DE" dirty="0"/>
           </a:p>
@@ -38607,7 +35559,7 @@
             <a:fld id="{17C2562E-359A-3C42-BBEF-E02CE97BECB1}" type="datetimeFigureOut">
               <a:rPr lang="de-DE" smtClean="0"/>
               <a:pPr/>
-              <a:t>19.10.17</a:t>
+              <a:t>19.10.2017</a:t>
             </a:fld>
             <a:endParaRPr lang="de-DE" dirty="0"/>
           </a:p>
@@ -38897,7 +35849,7 @@
             <a:fld id="{17C2562E-359A-3C42-BBEF-E02CE97BECB1}" type="datetimeFigureOut">
               <a:rPr lang="de-DE" smtClean="0"/>
               <a:pPr/>
-              <a:t>19.10.17</a:t>
+              <a:t>19.10.2017</a:t>
             </a:fld>
             <a:endParaRPr lang="de-DE" dirty="0"/>
           </a:p>
@@ -39063,7 +36015,7 @@
             <a:fld id="{17C2562E-359A-3C42-BBEF-E02CE97BECB1}" type="datetimeFigureOut">
               <a:rPr lang="de-DE" smtClean="0"/>
               <a:pPr/>
-              <a:t>19.10.17</a:t>
+              <a:t>19.10.2017</a:t>
             </a:fld>
             <a:endParaRPr lang="de-DE" dirty="0"/>
           </a:p>
@@ -39130,6 +36082,253 @@
 </file>
 
 <file path=ppt/slides/slide27.xml><?xml version="1.0" encoding="utf-8"?>
+<p:sld xmlns:a="http://schemas.openxmlformats.org/drawingml/2006/main" xmlns:r="http://schemas.openxmlformats.org/officeDocument/2006/relationships" xmlns:p="http://schemas.openxmlformats.org/presentationml/2006/main" show="0">
+  <p:cSld>
+    <p:spTree>
+      <p:nvGrpSpPr>
+        <p:cNvPr id="1" name=""/>
+        <p:cNvGrpSpPr/>
+        <p:nvPr/>
+      </p:nvGrpSpPr>
+      <p:grpSpPr>
+        <a:xfrm>
+          <a:off x="0" y="0"/>
+          <a:ext cx="0" cy="0"/>
+          <a:chOff x="0" y="0"/>
+          <a:chExt cx="0" cy="0"/>
+        </a:xfrm>
+      </p:grpSpPr>
+      <p:sp>
+        <p:nvSpPr>
+          <p:cNvPr id="2" name="Titel 1"/>
+          <p:cNvSpPr>
+            <a:spLocks noGrp="1"/>
+          </p:cNvSpPr>
+          <p:nvPr>
+            <p:ph type="title"/>
+          </p:nvPr>
+        </p:nvSpPr>
+        <p:spPr>
+          <a:solidFill>
+            <a:schemeClr val="accent2"/>
+          </a:solidFill>
+        </p:spPr>
+        <p:txBody>
+          <a:bodyPr/>
+          <a:lstStyle/>
+          <a:p>
+            <a:r>
+              <a:rPr lang="de-DE" dirty="0">
+                <a:solidFill>
+                  <a:schemeClr val="bg1"/>
+                </a:solidFill>
+              </a:rPr>
+              <a:t>Live </a:t>
+            </a:r>
+            <a:r>
+              <a:rPr lang="de-DE" dirty="0" err="1" smtClean="0">
+                <a:solidFill>
+                  <a:schemeClr val="bg1"/>
+                </a:solidFill>
+              </a:rPr>
+              <a:t>Coding</a:t>
+            </a:r>
+            <a:r>
+              <a:rPr lang="de-DE" dirty="0" smtClean="0">
+                <a:solidFill>
+                  <a:schemeClr val="bg1"/>
+                </a:solidFill>
+              </a:rPr>
+              <a:t> – Daten von </a:t>
+            </a:r>
+            <a:r>
+              <a:rPr lang="de-DE" dirty="0" smtClean="0">
+                <a:solidFill>
+                  <a:schemeClr val="bg1"/>
+                </a:solidFill>
+                <a:hlinkClick r:id="rId2"/>
+              </a:rPr>
+              <a:t>www.swapi.org</a:t>
+            </a:r>
+            <a:r>
+              <a:rPr lang="de-DE" dirty="0" smtClean="0">
+                <a:solidFill>
+                  <a:schemeClr val="bg1"/>
+                </a:solidFill>
+              </a:rPr>
+              <a:t> laden</a:t>
+            </a:r>
+            <a:endParaRPr lang="de-DE" dirty="0">
+              <a:solidFill>
+                <a:schemeClr val="bg1"/>
+              </a:solidFill>
+            </a:endParaRPr>
+          </a:p>
+        </p:txBody>
+      </p:sp>
+      <p:sp>
+        <p:nvSpPr>
+          <p:cNvPr id="4" name="Datumsplatzhalter 3"/>
+          <p:cNvSpPr>
+            <a:spLocks noGrp="1"/>
+          </p:cNvSpPr>
+          <p:nvPr>
+            <p:ph type="dt" sz="half" idx="31"/>
+          </p:nvPr>
+        </p:nvSpPr>
+        <p:spPr/>
+        <p:txBody>
+          <a:bodyPr/>
+          <a:lstStyle/>
+          <a:p>
+            <a:fld id="{17C2562E-359A-3C42-BBEF-E02CE97BECB1}" type="datetimeFigureOut">
+              <a:rPr lang="de-DE" smtClean="0"/>
+              <a:pPr/>
+              <a:t>19.10.2017</a:t>
+            </a:fld>
+            <a:endParaRPr lang="de-DE" dirty="0"/>
+          </a:p>
+        </p:txBody>
+      </p:sp>
+      <p:sp>
+        <p:nvSpPr>
+          <p:cNvPr id="5" name="Fußzeilenplatzhalter 4"/>
+          <p:cNvSpPr>
+            <a:spLocks noGrp="1"/>
+          </p:cNvSpPr>
+          <p:nvPr>
+            <p:ph type="ftr" sz="quarter" idx="32"/>
+          </p:nvPr>
+        </p:nvSpPr>
+        <p:spPr/>
+        <p:txBody>
+          <a:bodyPr/>
+          <a:lstStyle/>
+          <a:p>
+            <a:endParaRPr lang="de-DE" dirty="0"/>
+          </a:p>
+        </p:txBody>
+      </p:sp>
+      <p:sp>
+        <p:nvSpPr>
+          <p:cNvPr id="6" name="Foliennummernplatzhalter 5"/>
+          <p:cNvSpPr>
+            <a:spLocks noGrp="1"/>
+          </p:cNvSpPr>
+          <p:nvPr>
+            <p:ph type="sldNum" sz="quarter" idx="33"/>
+          </p:nvPr>
+        </p:nvSpPr>
+        <p:spPr/>
+        <p:txBody>
+          <a:bodyPr/>
+          <a:lstStyle/>
+          <a:p>
+            <a:r>
+              <a:rPr lang="de-DE"/>
+              <a:t>Seite </a:t>
+            </a:r>
+            <a:fld id="{38661448-4A48-D446-A2DB-27E795148D92}" type="slidenum">
+              <a:rPr lang="de-DE" smtClean="0"/>
+              <a:pPr/>
+              <a:t>27</a:t>
+            </a:fld>
+            <a:endParaRPr lang="de-DE" dirty="0"/>
+          </a:p>
+        </p:txBody>
+      </p:sp>
+      <p:sp>
+        <p:nvSpPr>
+          <p:cNvPr id="3" name="Textfeld 2"/>
+          <p:cNvSpPr txBox="1"/>
+          <p:nvPr/>
+        </p:nvSpPr>
+        <p:spPr>
+          <a:xfrm>
+            <a:off x="5644675" y="6325497"/>
+            <a:ext cx="7165488" cy="307777"/>
+          </a:xfrm>
+          <a:prstGeom prst="rect">
+            <a:avLst/>
+          </a:prstGeom>
+          <a:noFill/>
+        </p:spPr>
+        <p:txBody>
+          <a:bodyPr wrap="none" rtlCol="0">
+            <a:spAutoFit/>
+          </a:bodyPr>
+          <a:lstStyle/>
+          <a:p>
+            <a:r>
+              <a:rPr lang="de-DE" sz="1400" dirty="0"/>
+              <a:t>Quelle: https://www.phactual.com/wp-content/uploads/2014/11/star-wars-1024x640.jpg</a:t>
+            </a:r>
+          </a:p>
+        </p:txBody>
+      </p:sp>
+      <p:pic>
+        <p:nvPicPr>
+          <p:cNvPr id="1028" name="Picture 4" descr="https://www.phactual.com/wp-content/uploads/2014/11/star-wars-1024x640.jpg"/>
+          <p:cNvPicPr>
+            <a:picLocks noChangeAspect="1" noChangeArrowheads="1"/>
+          </p:cNvPicPr>
+          <p:nvPr/>
+        </p:nvPicPr>
+        <p:blipFill>
+          <a:blip r:embed="rId3">
+            <a:extLst>
+              <a:ext uri="{28A0092B-C50C-407E-A947-70E740481C1C}">
+                <a14:useLocalDpi xmlns:a14="http://schemas.microsoft.com/office/drawing/2010/main" val="0"/>
+              </a:ext>
+            </a:extLst>
+          </a:blip>
+          <a:srcRect/>
+          <a:stretch>
+            <a:fillRect/>
+          </a:stretch>
+        </p:blipFill>
+        <p:spPr bwMode="auto">
+          <a:xfrm>
+            <a:off x="2658021" y="1503837"/>
+            <a:ext cx="7714655" cy="4821660"/>
+          </a:xfrm>
+          <a:prstGeom prst="rect">
+            <a:avLst/>
+          </a:prstGeom>
+          <a:noFill/>
+          <a:extLst>
+            <a:ext uri="{909E8E84-426E-40DD-AFC4-6F175D3DCCD1}">
+              <a14:hiddenFill xmlns:a14="http://schemas.microsoft.com/office/drawing/2010/main">
+                <a:solidFill>
+                  <a:srgbClr val="FFFFFF"/>
+                </a:solidFill>
+              </a14:hiddenFill>
+            </a:ext>
+          </a:extLst>
+        </p:spPr>
+      </p:pic>
+    </p:spTree>
+    <p:extLst>
+      <p:ext uri="{BB962C8B-B14F-4D97-AF65-F5344CB8AC3E}">
+        <p14:creationId xmlns:p14="http://schemas.microsoft.com/office/powerpoint/2010/main" val="1113322747"/>
+      </p:ext>
+    </p:extLst>
+  </p:cSld>
+  <p:clrMapOvr>
+    <a:masterClrMapping/>
+  </p:clrMapOvr>
+  <mc:AlternateContent xmlns:mc="http://schemas.openxmlformats.org/markup-compatibility/2006">
+    <mc:Choice xmlns:p14="http://schemas.microsoft.com/office/powerpoint/2010/main" Requires="p14">
+      <p:transition spd="slow" p14:dur="2000"/>
+    </mc:Choice>
+    <mc:Fallback>
+      <p:transition spd="slow"/>
+    </mc:Fallback>
+  </mc:AlternateContent>
+</p:sld>
+</file>
+
+<file path=ppt/slides/slide28.xml><?xml version="1.0" encoding="utf-8"?>
 <p:sld xmlns:a="http://schemas.openxmlformats.org/drawingml/2006/main" xmlns:r="http://schemas.openxmlformats.org/officeDocument/2006/relationships" xmlns:p="http://schemas.openxmlformats.org/presentationml/2006/main">
   <p:cSld>
     <p:spTree>
@@ -39213,7 +36412,7 @@
             <a:fld id="{17C2562E-359A-3C42-BBEF-E02CE97BECB1}" type="datetimeFigureOut">
               <a:rPr lang="de-DE" smtClean="0"/>
               <a:pPr/>
-              <a:t>19.10.17</a:t>
+              <a:t>19.10.2017</a:t>
             </a:fld>
             <a:endParaRPr lang="de-DE" dirty="0"/>
           </a:p>
@@ -39260,7 +36459,7 @@
             <a:fld id="{38661448-4A48-D446-A2DB-27E795148D92}" type="slidenum">
               <a:rPr lang="de-DE" smtClean="0"/>
               <a:pPr/>
-              <a:t>27</a:t>
+              <a:t>28</a:t>
             </a:fld>
             <a:endParaRPr lang="de-DE" dirty="0"/>
           </a:p>
@@ -39438,7 +36637,7 @@
           <p:cNvPr id="5" name="Datumsplatzhalter 4">
             <a:extLst>
               <a:ext uri="{FF2B5EF4-FFF2-40B4-BE49-F238E27FC236}">
-                <a16:creationId xmlns:a16="http://schemas.microsoft.com/office/drawing/2014/main" xmlns="" id="{D471591C-E430-45E7-A587-2CEC0AF88DA0}"/>
+                <a16:creationId xmlns="" xmlns:a16="http://schemas.microsoft.com/office/drawing/2014/main" id="{D471591C-E430-45E7-A587-2CEC0AF88DA0}"/>
               </a:ext>
             </a:extLst>
           </p:cNvPr>
@@ -39456,7 +36655,7 @@
           <a:p>
             <a:fld id="{D3ADFBD6-4690-496C-B9C9-0BEF0B938F74}" type="datetime1">
               <a:rPr lang="de-DE" smtClean="0"/>
-              <a:t>19.10.17</a:t>
+              <a:t>19.10.2017</a:t>
             </a:fld>
             <a:endParaRPr lang="de-DE" dirty="0"/>
           </a:p>
@@ -39467,7 +36666,7 @@
           <p:cNvPr id="6" name="Fußzeilenplatzhalter 5">
             <a:extLst>
               <a:ext uri="{FF2B5EF4-FFF2-40B4-BE49-F238E27FC236}">
-                <a16:creationId xmlns:a16="http://schemas.microsoft.com/office/drawing/2014/main" xmlns="" id="{B488671B-A101-43AC-84F6-1F2F8515424C}"/>
+                <a16:creationId xmlns="" xmlns:a16="http://schemas.microsoft.com/office/drawing/2014/main" id="{B488671B-A101-43AC-84F6-1F2F8515424C}"/>
               </a:ext>
             </a:extLst>
           </p:cNvPr>
@@ -39492,7 +36691,7 @@
           <p:cNvPr id="7" name="Foliennummernplatzhalter 6">
             <a:extLst>
               <a:ext uri="{FF2B5EF4-FFF2-40B4-BE49-F238E27FC236}">
-                <a16:creationId xmlns:a16="http://schemas.microsoft.com/office/drawing/2014/main" xmlns="" id="{8E977D85-C22B-4016-AC2C-F3FDCE1BCBEB}"/>
+                <a16:creationId xmlns="" xmlns:a16="http://schemas.microsoft.com/office/drawing/2014/main" id="{8E977D85-C22B-4016-AC2C-F3FDCE1BCBEB}"/>
               </a:ext>
             </a:extLst>
           </p:cNvPr>
@@ -39720,7 +36919,7 @@
             <a:fld id="{17C2562E-359A-3C42-BBEF-E02CE97BECB1}" type="datetimeFigureOut">
               <a:rPr lang="de-DE" smtClean="0"/>
               <a:pPr/>
-              <a:t>19.10.17</a:t>
+              <a:t>19.10.2017</a:t>
             </a:fld>
             <a:endParaRPr lang="de-DE" dirty="0"/>
           </a:p>
@@ -39843,7 +37042,7 @@
             <a:fld id="{17C2562E-359A-3C42-BBEF-E02CE97BECB1}" type="datetimeFigureOut">
               <a:rPr lang="de-DE" smtClean="0"/>
               <a:pPr/>
-              <a:t>19.10.17</a:t>
+              <a:t>19.10.2017</a:t>
             </a:fld>
             <a:endParaRPr lang="de-DE" dirty="0"/>
           </a:p>
@@ -40133,7 +37332,7 @@
             <a:fld id="{17C2562E-359A-3C42-BBEF-E02CE97BECB1}" type="datetimeFigureOut">
               <a:rPr lang="de-DE" smtClean="0"/>
               <a:pPr/>
-              <a:t>19.10.17</a:t>
+              <a:t>19.10.2017</a:t>
             </a:fld>
             <a:endParaRPr lang="de-DE" dirty="0"/>
           </a:p>
@@ -40191,7 +37390,7 @@
           <p:cNvPr id="8" name="Grafik 8">
             <a:extLst>
               <a:ext uri="{FF2B5EF4-FFF2-40B4-BE49-F238E27FC236}">
-                <a16:creationId xmlns:a16="http://schemas.microsoft.com/office/drawing/2014/main" xmlns="" id="{7CF3AEDB-FAEB-4721-8ACE-7522ACB7DC22}"/>
+                <a16:creationId xmlns="" xmlns:a16="http://schemas.microsoft.com/office/drawing/2014/main" id="{7CF3AEDB-FAEB-4721-8ACE-7522ACB7DC22}"/>
               </a:ext>
             </a:extLst>
           </p:cNvPr>
@@ -40221,7 +37420,7 @@
           <p:cNvPr id="11" name="Textfeld 10">
             <a:extLst>
               <a:ext uri="{FF2B5EF4-FFF2-40B4-BE49-F238E27FC236}">
-                <a16:creationId xmlns:a16="http://schemas.microsoft.com/office/drawing/2014/main" xmlns="" id="{E75A7EFF-4B3E-4C10-9F74-6849362D15CF}"/>
+                <a16:creationId xmlns="" xmlns:a16="http://schemas.microsoft.com/office/drawing/2014/main" id="{E75A7EFF-4B3E-4C10-9F74-6849362D15CF}"/>
               </a:ext>
             </a:extLst>
           </p:cNvPr>
@@ -40476,7 +37675,7 @@
             <a:fld id="{17C2562E-359A-3C42-BBEF-E02CE97BECB1}" type="datetimeFigureOut">
               <a:rPr lang="de-DE" smtClean="0"/>
               <a:pPr/>
-              <a:t>19.10.17</a:t>
+              <a:t>19.10.2017</a:t>
             </a:fld>
             <a:endParaRPr lang="de-DE" dirty="0"/>
           </a:p>
@@ -40661,7 +37860,7 @@
             <a:fld id="{17C2562E-359A-3C42-BBEF-E02CE97BECB1}" type="datetimeFigureOut">
               <a:rPr lang="de-DE" smtClean="0"/>
               <a:pPr/>
-              <a:t>19.10.17</a:t>
+              <a:t>19.10.2017</a:t>
             </a:fld>
             <a:endParaRPr lang="de-DE" dirty="0"/>
           </a:p>
@@ -40929,7 +38128,7 @@
             <a:fld id="{17C2562E-359A-3C42-BBEF-E02CE97BECB1}" type="datetimeFigureOut">
               <a:rPr lang="de-DE" smtClean="0"/>
               <a:pPr/>
-              <a:t>19.10.17</a:t>
+              <a:t>19.10.2017</a:t>
             </a:fld>
             <a:endParaRPr lang="de-DE" dirty="0"/>
           </a:p>

--- a/docs/Angular-Workshop-20.10.pptx
+++ b/docs/Angular-Workshop-20.10.pptx
@@ -6251,8 +6251,8 @@
   <dgm:cxnLst>
     <dgm:cxn modelId="{B0721CA3-19A8-D04D-857E-407EB9BC671A}" type="presOf" srcId="{9E409708-FC7B-604D-AE00-C59A3BC6C774}" destId="{AC19049A-FF2E-864B-A995-C88CCE14464E}" srcOrd="0" destOrd="0" presId="urn:microsoft.com/office/officeart/2005/8/layout/process1"/>
     <dgm:cxn modelId="{9AD13F03-FA98-2546-A1F6-086D6D749FC5}" srcId="{82BD223D-4D97-664B-8FA2-F811E68132B9}" destId="{9F5FBEB5-0D91-6442-BAE6-3C8FE451890E}" srcOrd="1" destOrd="0" parTransId="{44185C10-A566-584D-8792-6F8CDA31CFEF}" sibTransId="{D96BFFC3-C37B-F740-8CDD-799CDA9C29AF}"/>
+    <dgm:cxn modelId="{E198D6D4-91AD-F643-8652-6843F8F235B1}" srcId="{82BD223D-4D97-664B-8FA2-F811E68132B9}" destId="{9E409708-FC7B-604D-AE00-C59A3BC6C774}" srcOrd="0" destOrd="0" parTransId="{AF54B174-D1EC-FF4E-9C8F-E68F41ABE717}" sibTransId="{EE7B1B78-2CB7-C647-875E-937A240D7736}"/>
     <dgm:cxn modelId="{E033EC1A-0A6B-414C-BA47-A69CB3DDC2D8}" type="presOf" srcId="{EE7B1B78-2CB7-C647-875E-937A240D7736}" destId="{26BA574D-A9C9-D847-8AAF-A8F48018C2C1}" srcOrd="1" destOrd="0" presId="urn:microsoft.com/office/officeart/2005/8/layout/process1"/>
-    <dgm:cxn modelId="{E198D6D4-91AD-F643-8652-6843F8F235B1}" srcId="{82BD223D-4D97-664B-8FA2-F811E68132B9}" destId="{9E409708-FC7B-604D-AE00-C59A3BC6C774}" srcOrd="0" destOrd="0" parTransId="{AF54B174-D1EC-FF4E-9C8F-E68F41ABE717}" sibTransId="{EE7B1B78-2CB7-C647-875E-937A240D7736}"/>
     <dgm:cxn modelId="{1B0CBD2C-F6A5-BE47-AA25-80FF0DBC223D}" type="presOf" srcId="{82BD223D-4D97-664B-8FA2-F811E68132B9}" destId="{5C4E5A0B-1B12-EC4C-BCB7-F3E190AFE040}" srcOrd="0" destOrd="0" presId="urn:microsoft.com/office/officeart/2005/8/layout/process1"/>
     <dgm:cxn modelId="{E6A75DB5-821C-E345-A783-C1FE436C1B5F}" type="presOf" srcId="{EE7B1B78-2CB7-C647-875E-937A240D7736}" destId="{30EAC814-8F64-D74A-9EBA-0CBC6BE058AA}" srcOrd="0" destOrd="0" presId="urn:microsoft.com/office/officeart/2005/8/layout/process1"/>
     <dgm:cxn modelId="{32CD821A-B520-014C-9995-1247839A1615}" type="presOf" srcId="{9F5FBEB5-0D91-6442-BAE6-3C8FE451890E}" destId="{942B2FD4-F953-1241-B452-E01505D35646}" srcOrd="0" destOrd="0" presId="urn:microsoft.com/office/officeart/2005/8/layout/process1"/>
@@ -6279,6 +6279,523 @@
       <dsp:cNvGrpSpPr/>
     </dsp:nvGrpSpPr>
     <dsp:grpSpPr/>
+    <dsp:sp modelId="{AC19049A-FF2E-864B-A995-C88CCE14464E}">
+      <dsp:nvSpPr>
+        <dsp:cNvPr id="0" name=""/>
+        <dsp:cNvSpPr/>
+      </dsp:nvSpPr>
+      <dsp:spPr>
+        <a:xfrm>
+          <a:off x="10782" y="1558461"/>
+          <a:ext cx="3222641" cy="1933584"/>
+        </a:xfrm>
+        <a:prstGeom prst="roundRect">
+          <a:avLst>
+            <a:gd name="adj" fmla="val 10000"/>
+          </a:avLst>
+        </a:prstGeom>
+        <a:gradFill rotWithShape="0">
+          <a:gsLst>
+            <a:gs pos="0">
+              <a:schemeClr val="dk2">
+                <a:hueOff val="0"/>
+                <a:satOff val="0"/>
+                <a:lumOff val="0"/>
+                <a:alphaOff val="0"/>
+                <a:shade val="51000"/>
+                <a:satMod val="130000"/>
+              </a:schemeClr>
+            </a:gs>
+            <a:gs pos="80000">
+              <a:schemeClr val="dk2">
+                <a:hueOff val="0"/>
+                <a:satOff val="0"/>
+                <a:lumOff val="0"/>
+                <a:alphaOff val="0"/>
+                <a:shade val="93000"/>
+                <a:satMod val="130000"/>
+              </a:schemeClr>
+            </a:gs>
+            <a:gs pos="100000">
+              <a:schemeClr val="dk2">
+                <a:hueOff val="0"/>
+                <a:satOff val="0"/>
+                <a:lumOff val="0"/>
+                <a:alphaOff val="0"/>
+                <a:shade val="94000"/>
+                <a:satMod val="135000"/>
+              </a:schemeClr>
+            </a:gs>
+          </a:gsLst>
+          <a:lin ang="16200000" scaled="0"/>
+        </a:gradFill>
+        <a:ln>
+          <a:noFill/>
+        </a:ln>
+        <a:effectLst>
+          <a:outerShdw blurRad="40000" dist="23000" dir="5400000" rotWithShape="0">
+            <a:srgbClr val="000000">
+              <a:alpha val="35000"/>
+            </a:srgbClr>
+          </a:outerShdw>
+        </a:effectLst>
+      </dsp:spPr>
+      <dsp:style>
+        <a:lnRef idx="0">
+          <a:scrgbClr r="0" g="0" b="0"/>
+        </a:lnRef>
+        <a:fillRef idx="3">
+          <a:scrgbClr r="0" g="0" b="0"/>
+        </a:fillRef>
+        <a:effectRef idx="2">
+          <a:scrgbClr r="0" g="0" b="0"/>
+        </a:effectRef>
+        <a:fontRef idx="minor">
+          <a:schemeClr val="lt1"/>
+        </a:fontRef>
+      </dsp:style>
+      <dsp:txBody>
+        <a:bodyPr spcFirstLastPara="0" vert="horz" wrap="square" lIns="144780" tIns="144780" rIns="144780" bIns="144780" numCol="1" spcCol="1270" anchor="ctr" anchorCtr="0">
+          <a:noAutofit/>
+        </a:bodyPr>
+        <a:lstStyle/>
+        <a:p>
+          <a:pPr lvl="0" algn="ctr" defTabSz="1689100">
+            <a:lnSpc>
+              <a:spcPct val="90000"/>
+            </a:lnSpc>
+            <a:spcBef>
+              <a:spcPct val="0"/>
+            </a:spcBef>
+            <a:spcAft>
+              <a:spcPct val="35000"/>
+            </a:spcAft>
+          </a:pPr>
+          <a:r>
+            <a:rPr lang="de-DE" sz="3800" kern="1200" dirty="0"/>
+            <a:t>Erstellen der Anwendung</a:t>
+          </a:r>
+        </a:p>
+      </dsp:txBody>
+      <dsp:txXfrm>
+        <a:off x="67415" y="1615094"/>
+        <a:ext cx="3109375" cy="1820318"/>
+      </dsp:txXfrm>
+    </dsp:sp>
+    <dsp:sp modelId="{30EAC814-8F64-D74A-9EBA-0CBC6BE058AA}">
+      <dsp:nvSpPr>
+        <dsp:cNvPr id="0" name=""/>
+        <dsp:cNvSpPr/>
+      </dsp:nvSpPr>
+      <dsp:spPr>
+        <a:xfrm>
+          <a:off x="3555687" y="2125646"/>
+          <a:ext cx="683199" cy="799214"/>
+        </a:xfrm>
+        <a:prstGeom prst="rightArrow">
+          <a:avLst>
+            <a:gd name="adj1" fmla="val 60000"/>
+            <a:gd name="adj2" fmla="val 50000"/>
+          </a:avLst>
+        </a:prstGeom>
+        <a:gradFill rotWithShape="0">
+          <a:gsLst>
+            <a:gs pos="0">
+              <a:schemeClr val="dk2">
+                <a:tint val="60000"/>
+                <a:hueOff val="0"/>
+                <a:satOff val="0"/>
+                <a:lumOff val="0"/>
+                <a:alphaOff val="0"/>
+                <a:shade val="51000"/>
+                <a:satMod val="130000"/>
+              </a:schemeClr>
+            </a:gs>
+            <a:gs pos="80000">
+              <a:schemeClr val="dk2">
+                <a:tint val="60000"/>
+                <a:hueOff val="0"/>
+                <a:satOff val="0"/>
+                <a:lumOff val="0"/>
+                <a:alphaOff val="0"/>
+                <a:shade val="93000"/>
+                <a:satMod val="130000"/>
+              </a:schemeClr>
+            </a:gs>
+            <a:gs pos="100000">
+              <a:schemeClr val="dk2">
+                <a:tint val="60000"/>
+                <a:hueOff val="0"/>
+                <a:satOff val="0"/>
+                <a:lumOff val="0"/>
+                <a:alphaOff val="0"/>
+                <a:shade val="94000"/>
+                <a:satMod val="135000"/>
+              </a:schemeClr>
+            </a:gs>
+          </a:gsLst>
+          <a:lin ang="16200000" scaled="0"/>
+        </a:gradFill>
+        <a:ln>
+          <a:noFill/>
+        </a:ln>
+        <a:effectLst>
+          <a:outerShdw blurRad="40000" dist="23000" dir="5400000" rotWithShape="0">
+            <a:srgbClr val="000000">
+              <a:alpha val="35000"/>
+            </a:srgbClr>
+          </a:outerShdw>
+        </a:effectLst>
+      </dsp:spPr>
+      <dsp:style>
+        <a:lnRef idx="0">
+          <a:scrgbClr r="0" g="0" b="0"/>
+        </a:lnRef>
+        <a:fillRef idx="3">
+          <a:scrgbClr r="0" g="0" b="0"/>
+        </a:fillRef>
+        <a:effectRef idx="2">
+          <a:scrgbClr r="0" g="0" b="0"/>
+        </a:effectRef>
+        <a:fontRef idx="minor">
+          <a:schemeClr val="lt1"/>
+        </a:fontRef>
+      </dsp:style>
+      <dsp:txBody>
+        <a:bodyPr spcFirstLastPara="0" vert="horz" wrap="square" lIns="0" tIns="0" rIns="0" bIns="0" numCol="1" spcCol="1270" anchor="ctr" anchorCtr="0">
+          <a:noAutofit/>
+        </a:bodyPr>
+        <a:lstStyle/>
+        <a:p>
+          <a:pPr lvl="0" algn="ctr" defTabSz="1377950">
+            <a:lnSpc>
+              <a:spcPct val="90000"/>
+            </a:lnSpc>
+            <a:spcBef>
+              <a:spcPct val="0"/>
+            </a:spcBef>
+            <a:spcAft>
+              <a:spcPct val="35000"/>
+            </a:spcAft>
+          </a:pPr>
+          <a:endParaRPr lang="de-DE" sz="3100" kern="1200"/>
+        </a:p>
+      </dsp:txBody>
+      <dsp:txXfrm>
+        <a:off x="3555687" y="2285489"/>
+        <a:ext cx="478239" cy="479528"/>
+      </dsp:txXfrm>
+    </dsp:sp>
+    <dsp:sp modelId="{942B2FD4-F953-1241-B452-E01505D35646}">
+      <dsp:nvSpPr>
+        <dsp:cNvPr id="0" name=""/>
+        <dsp:cNvSpPr/>
+      </dsp:nvSpPr>
+      <dsp:spPr>
+        <a:xfrm>
+          <a:off x="4522479" y="1558461"/>
+          <a:ext cx="3222641" cy="1933584"/>
+        </a:xfrm>
+        <a:prstGeom prst="roundRect">
+          <a:avLst>
+            <a:gd name="adj" fmla="val 10000"/>
+          </a:avLst>
+        </a:prstGeom>
+        <a:gradFill rotWithShape="0">
+          <a:gsLst>
+            <a:gs pos="0">
+              <a:schemeClr val="dk2">
+                <a:hueOff val="0"/>
+                <a:satOff val="0"/>
+                <a:lumOff val="0"/>
+                <a:alphaOff val="0"/>
+                <a:shade val="51000"/>
+                <a:satMod val="130000"/>
+              </a:schemeClr>
+            </a:gs>
+            <a:gs pos="80000">
+              <a:schemeClr val="dk2">
+                <a:hueOff val="0"/>
+                <a:satOff val="0"/>
+                <a:lumOff val="0"/>
+                <a:alphaOff val="0"/>
+                <a:shade val="93000"/>
+                <a:satMod val="130000"/>
+              </a:schemeClr>
+            </a:gs>
+            <a:gs pos="100000">
+              <a:schemeClr val="dk2">
+                <a:hueOff val="0"/>
+                <a:satOff val="0"/>
+                <a:lumOff val="0"/>
+                <a:alphaOff val="0"/>
+                <a:shade val="94000"/>
+                <a:satMod val="135000"/>
+              </a:schemeClr>
+            </a:gs>
+          </a:gsLst>
+          <a:lin ang="16200000" scaled="0"/>
+        </a:gradFill>
+        <a:ln>
+          <a:noFill/>
+        </a:ln>
+        <a:effectLst>
+          <a:outerShdw blurRad="40000" dist="23000" dir="5400000" rotWithShape="0">
+            <a:srgbClr val="000000">
+              <a:alpha val="35000"/>
+            </a:srgbClr>
+          </a:outerShdw>
+        </a:effectLst>
+      </dsp:spPr>
+      <dsp:style>
+        <a:lnRef idx="0">
+          <a:scrgbClr r="0" g="0" b="0"/>
+        </a:lnRef>
+        <a:fillRef idx="3">
+          <a:scrgbClr r="0" g="0" b="0"/>
+        </a:fillRef>
+        <a:effectRef idx="2">
+          <a:scrgbClr r="0" g="0" b="0"/>
+        </a:effectRef>
+        <a:fontRef idx="minor">
+          <a:schemeClr val="lt1"/>
+        </a:fontRef>
+      </dsp:style>
+      <dsp:txBody>
+        <a:bodyPr spcFirstLastPara="0" vert="horz" wrap="square" lIns="144780" tIns="144780" rIns="144780" bIns="144780" numCol="1" spcCol="1270" anchor="ctr" anchorCtr="0">
+          <a:noAutofit/>
+        </a:bodyPr>
+        <a:lstStyle/>
+        <a:p>
+          <a:pPr lvl="0" algn="ctr" defTabSz="1689100">
+            <a:lnSpc>
+              <a:spcPct val="90000"/>
+            </a:lnSpc>
+            <a:spcBef>
+              <a:spcPct val="0"/>
+            </a:spcBef>
+            <a:spcAft>
+              <a:spcPct val="35000"/>
+            </a:spcAft>
+          </a:pPr>
+          <a:r>
+            <a:rPr lang="de-DE" sz="3800" kern="1200" dirty="0"/>
+            <a:t>Kennenlernen</a:t>
+          </a:r>
+        </a:p>
+      </dsp:txBody>
+      <dsp:txXfrm>
+        <a:off x="4579112" y="1615094"/>
+        <a:ext cx="3109375" cy="1820318"/>
+      </dsp:txXfrm>
+    </dsp:sp>
+    <dsp:sp modelId="{61D01FBA-AE9A-8140-B034-5E107AF8B06D}">
+      <dsp:nvSpPr>
+        <dsp:cNvPr id="0" name=""/>
+        <dsp:cNvSpPr/>
+      </dsp:nvSpPr>
+      <dsp:spPr>
+        <a:xfrm>
+          <a:off x="8067384" y="2125646"/>
+          <a:ext cx="683199" cy="799214"/>
+        </a:xfrm>
+        <a:prstGeom prst="rightArrow">
+          <a:avLst>
+            <a:gd name="adj1" fmla="val 60000"/>
+            <a:gd name="adj2" fmla="val 50000"/>
+          </a:avLst>
+        </a:prstGeom>
+        <a:gradFill rotWithShape="0">
+          <a:gsLst>
+            <a:gs pos="0">
+              <a:schemeClr val="dk2">
+                <a:tint val="60000"/>
+                <a:hueOff val="0"/>
+                <a:satOff val="0"/>
+                <a:lumOff val="0"/>
+                <a:alphaOff val="0"/>
+                <a:shade val="51000"/>
+                <a:satMod val="130000"/>
+              </a:schemeClr>
+            </a:gs>
+            <a:gs pos="80000">
+              <a:schemeClr val="dk2">
+                <a:tint val="60000"/>
+                <a:hueOff val="0"/>
+                <a:satOff val="0"/>
+                <a:lumOff val="0"/>
+                <a:alphaOff val="0"/>
+                <a:shade val="93000"/>
+                <a:satMod val="130000"/>
+              </a:schemeClr>
+            </a:gs>
+            <a:gs pos="100000">
+              <a:schemeClr val="dk2">
+                <a:tint val="60000"/>
+                <a:hueOff val="0"/>
+                <a:satOff val="0"/>
+                <a:lumOff val="0"/>
+                <a:alphaOff val="0"/>
+                <a:shade val="94000"/>
+                <a:satMod val="135000"/>
+              </a:schemeClr>
+            </a:gs>
+          </a:gsLst>
+          <a:lin ang="16200000" scaled="0"/>
+        </a:gradFill>
+        <a:ln>
+          <a:noFill/>
+        </a:ln>
+        <a:effectLst>
+          <a:outerShdw blurRad="40000" dist="23000" dir="5400000" rotWithShape="0">
+            <a:srgbClr val="000000">
+              <a:alpha val="35000"/>
+            </a:srgbClr>
+          </a:outerShdw>
+        </a:effectLst>
+      </dsp:spPr>
+      <dsp:style>
+        <a:lnRef idx="0">
+          <a:scrgbClr r="0" g="0" b="0"/>
+        </a:lnRef>
+        <a:fillRef idx="3">
+          <a:scrgbClr r="0" g="0" b="0"/>
+        </a:fillRef>
+        <a:effectRef idx="2">
+          <a:scrgbClr r="0" g="0" b="0"/>
+        </a:effectRef>
+        <a:fontRef idx="minor">
+          <a:schemeClr val="lt1"/>
+        </a:fontRef>
+      </dsp:style>
+      <dsp:txBody>
+        <a:bodyPr spcFirstLastPara="0" vert="horz" wrap="square" lIns="0" tIns="0" rIns="0" bIns="0" numCol="1" spcCol="1270" anchor="ctr" anchorCtr="0">
+          <a:noAutofit/>
+        </a:bodyPr>
+        <a:lstStyle/>
+        <a:p>
+          <a:pPr lvl="0" algn="ctr" defTabSz="1377950">
+            <a:lnSpc>
+              <a:spcPct val="90000"/>
+            </a:lnSpc>
+            <a:spcBef>
+              <a:spcPct val="0"/>
+            </a:spcBef>
+            <a:spcAft>
+              <a:spcPct val="35000"/>
+            </a:spcAft>
+          </a:pPr>
+          <a:endParaRPr lang="de-DE" sz="3100" kern="1200"/>
+        </a:p>
+      </dsp:txBody>
+      <dsp:txXfrm>
+        <a:off x="8067384" y="2285489"/>
+        <a:ext cx="478239" cy="479528"/>
+      </dsp:txXfrm>
+    </dsp:sp>
+    <dsp:sp modelId="{48E1AD6C-04E3-5047-8B6E-169C4DE6C0BD}">
+      <dsp:nvSpPr>
+        <dsp:cNvPr id="0" name=""/>
+        <dsp:cNvSpPr/>
+      </dsp:nvSpPr>
+      <dsp:spPr>
+        <a:xfrm>
+          <a:off x="9034176" y="1558461"/>
+          <a:ext cx="3222641" cy="1933584"/>
+        </a:xfrm>
+        <a:prstGeom prst="roundRect">
+          <a:avLst>
+            <a:gd name="adj" fmla="val 10000"/>
+          </a:avLst>
+        </a:prstGeom>
+        <a:gradFill rotWithShape="0">
+          <a:gsLst>
+            <a:gs pos="0">
+              <a:schemeClr val="dk2">
+                <a:hueOff val="0"/>
+                <a:satOff val="0"/>
+                <a:lumOff val="0"/>
+                <a:alphaOff val="0"/>
+                <a:shade val="51000"/>
+                <a:satMod val="130000"/>
+              </a:schemeClr>
+            </a:gs>
+            <a:gs pos="80000">
+              <a:schemeClr val="dk2">
+                <a:hueOff val="0"/>
+                <a:satOff val="0"/>
+                <a:lumOff val="0"/>
+                <a:alphaOff val="0"/>
+                <a:shade val="93000"/>
+                <a:satMod val="130000"/>
+              </a:schemeClr>
+            </a:gs>
+            <a:gs pos="100000">
+              <a:schemeClr val="dk2">
+                <a:hueOff val="0"/>
+                <a:satOff val="0"/>
+                <a:lumOff val="0"/>
+                <a:alphaOff val="0"/>
+                <a:shade val="94000"/>
+                <a:satMod val="135000"/>
+              </a:schemeClr>
+            </a:gs>
+          </a:gsLst>
+          <a:lin ang="16200000" scaled="0"/>
+        </a:gradFill>
+        <a:ln>
+          <a:noFill/>
+        </a:ln>
+        <a:effectLst>
+          <a:outerShdw blurRad="40000" dist="23000" dir="5400000" rotWithShape="0">
+            <a:srgbClr val="000000">
+              <a:alpha val="35000"/>
+            </a:srgbClr>
+          </a:outerShdw>
+        </a:effectLst>
+      </dsp:spPr>
+      <dsp:style>
+        <a:lnRef idx="0">
+          <a:scrgbClr r="0" g="0" b="0"/>
+        </a:lnRef>
+        <a:fillRef idx="3">
+          <a:scrgbClr r="0" g="0" b="0"/>
+        </a:fillRef>
+        <a:effectRef idx="2">
+          <a:scrgbClr r="0" g="0" b="0"/>
+        </a:effectRef>
+        <a:fontRef idx="minor">
+          <a:schemeClr val="lt1"/>
+        </a:fontRef>
+      </dsp:style>
+      <dsp:txBody>
+        <a:bodyPr spcFirstLastPara="0" vert="horz" wrap="square" lIns="144780" tIns="144780" rIns="144780" bIns="144780" numCol="1" spcCol="1270" anchor="ctr" anchorCtr="0">
+          <a:noAutofit/>
+        </a:bodyPr>
+        <a:lstStyle/>
+        <a:p>
+          <a:pPr lvl="0" algn="ctr" defTabSz="1689100">
+            <a:lnSpc>
+              <a:spcPct val="90000"/>
+            </a:lnSpc>
+            <a:spcBef>
+              <a:spcPct val="0"/>
+            </a:spcBef>
+            <a:spcAft>
+              <a:spcPct val="35000"/>
+            </a:spcAft>
+          </a:pPr>
+          <a:r>
+            <a:rPr lang="de-DE" sz="3800" kern="1200" dirty="0"/>
+            <a:t>Erste Anpassungen</a:t>
+          </a:r>
+        </a:p>
+      </dsp:txBody>
+      <dsp:txXfrm>
+        <a:off x="9090809" y="1615094"/>
+        <a:ext cx="3109375" cy="1820318"/>
+      </dsp:txXfrm>
+    </dsp:sp>
   </dsp:spTree>
 </dsp:drawing>
 </file>
@@ -6291,6 +6808,536 @@
       <dsp:cNvGrpSpPr/>
     </dsp:nvGrpSpPr>
     <dsp:grpSpPr/>
+    <dsp:sp modelId="{AC19049A-FF2E-864B-A995-C88CCE14464E}">
+      <dsp:nvSpPr>
+        <dsp:cNvPr id="0" name=""/>
+        <dsp:cNvSpPr/>
+      </dsp:nvSpPr>
+      <dsp:spPr>
+        <a:xfrm>
+          <a:off x="10782" y="1558461"/>
+          <a:ext cx="3222641" cy="1933584"/>
+        </a:xfrm>
+        <a:prstGeom prst="roundRect">
+          <a:avLst>
+            <a:gd name="adj" fmla="val 10000"/>
+          </a:avLst>
+        </a:prstGeom>
+        <a:gradFill rotWithShape="0">
+          <a:gsLst>
+            <a:gs pos="0">
+              <a:schemeClr val="dk2">
+                <a:hueOff val="0"/>
+                <a:satOff val="0"/>
+                <a:lumOff val="0"/>
+                <a:alphaOff val="0"/>
+                <a:shade val="51000"/>
+                <a:satMod val="130000"/>
+              </a:schemeClr>
+            </a:gs>
+            <a:gs pos="80000">
+              <a:schemeClr val="dk2">
+                <a:hueOff val="0"/>
+                <a:satOff val="0"/>
+                <a:lumOff val="0"/>
+                <a:alphaOff val="0"/>
+                <a:shade val="93000"/>
+                <a:satMod val="130000"/>
+              </a:schemeClr>
+            </a:gs>
+            <a:gs pos="100000">
+              <a:schemeClr val="dk2">
+                <a:hueOff val="0"/>
+                <a:satOff val="0"/>
+                <a:lumOff val="0"/>
+                <a:alphaOff val="0"/>
+                <a:shade val="94000"/>
+                <a:satMod val="135000"/>
+              </a:schemeClr>
+            </a:gs>
+          </a:gsLst>
+          <a:lin ang="16200000" scaled="0"/>
+        </a:gradFill>
+        <a:ln>
+          <a:noFill/>
+        </a:ln>
+        <a:effectLst>
+          <a:outerShdw blurRad="40000" dist="23000" dir="5400000" rotWithShape="0">
+            <a:srgbClr val="000000">
+              <a:alpha val="35000"/>
+            </a:srgbClr>
+          </a:outerShdw>
+        </a:effectLst>
+      </dsp:spPr>
+      <dsp:style>
+        <a:lnRef idx="0">
+          <a:scrgbClr r="0" g="0" b="0"/>
+        </a:lnRef>
+        <a:fillRef idx="3">
+          <a:scrgbClr r="0" g="0" b="0"/>
+        </a:fillRef>
+        <a:effectRef idx="2">
+          <a:scrgbClr r="0" g="0" b="0"/>
+        </a:effectRef>
+        <a:fontRef idx="minor">
+          <a:schemeClr val="lt1"/>
+        </a:fontRef>
+      </dsp:style>
+      <dsp:txBody>
+        <a:bodyPr spcFirstLastPara="0" vert="horz" wrap="square" lIns="137160" tIns="137160" rIns="137160" bIns="137160" numCol="1" spcCol="1270" anchor="ctr" anchorCtr="0">
+          <a:noAutofit/>
+        </a:bodyPr>
+        <a:lstStyle/>
+        <a:p>
+          <a:pPr lvl="0" algn="ctr" defTabSz="1600200">
+            <a:lnSpc>
+              <a:spcPct val="90000"/>
+            </a:lnSpc>
+            <a:spcBef>
+              <a:spcPct val="0"/>
+            </a:spcBef>
+            <a:spcAft>
+              <a:spcPct val="35000"/>
+            </a:spcAft>
+          </a:pPr>
+          <a:r>
+            <a:rPr lang="de-DE" sz="3600" kern="1200" dirty="0"/>
+            <a:t>Erstellen der Komponente „</a:t>
+          </a:r>
+          <a:r>
+            <a:rPr lang="de-DE" sz="3600" kern="1200" dirty="0" err="1"/>
+            <a:t>home</a:t>
+          </a:r>
+          <a:r>
+            <a:rPr lang="de-DE" sz="3600" kern="1200" dirty="0"/>
+            <a:t>“</a:t>
+          </a:r>
+        </a:p>
+      </dsp:txBody>
+      <dsp:txXfrm>
+        <a:off x="67415" y="1615094"/>
+        <a:ext cx="3109375" cy="1820318"/>
+      </dsp:txXfrm>
+    </dsp:sp>
+    <dsp:sp modelId="{30EAC814-8F64-D74A-9EBA-0CBC6BE058AA}">
+      <dsp:nvSpPr>
+        <dsp:cNvPr id="0" name=""/>
+        <dsp:cNvSpPr/>
+      </dsp:nvSpPr>
+      <dsp:spPr>
+        <a:xfrm>
+          <a:off x="3555687" y="2125646"/>
+          <a:ext cx="683199" cy="799214"/>
+        </a:xfrm>
+        <a:prstGeom prst="rightArrow">
+          <a:avLst>
+            <a:gd name="adj1" fmla="val 60000"/>
+            <a:gd name="adj2" fmla="val 50000"/>
+          </a:avLst>
+        </a:prstGeom>
+        <a:gradFill rotWithShape="0">
+          <a:gsLst>
+            <a:gs pos="0">
+              <a:schemeClr val="dk2">
+                <a:tint val="60000"/>
+                <a:hueOff val="0"/>
+                <a:satOff val="0"/>
+                <a:lumOff val="0"/>
+                <a:alphaOff val="0"/>
+                <a:shade val="51000"/>
+                <a:satMod val="130000"/>
+              </a:schemeClr>
+            </a:gs>
+            <a:gs pos="80000">
+              <a:schemeClr val="dk2">
+                <a:tint val="60000"/>
+                <a:hueOff val="0"/>
+                <a:satOff val="0"/>
+                <a:lumOff val="0"/>
+                <a:alphaOff val="0"/>
+                <a:shade val="93000"/>
+                <a:satMod val="130000"/>
+              </a:schemeClr>
+            </a:gs>
+            <a:gs pos="100000">
+              <a:schemeClr val="dk2">
+                <a:tint val="60000"/>
+                <a:hueOff val="0"/>
+                <a:satOff val="0"/>
+                <a:lumOff val="0"/>
+                <a:alphaOff val="0"/>
+                <a:shade val="94000"/>
+                <a:satMod val="135000"/>
+              </a:schemeClr>
+            </a:gs>
+          </a:gsLst>
+          <a:lin ang="16200000" scaled="0"/>
+        </a:gradFill>
+        <a:ln>
+          <a:noFill/>
+        </a:ln>
+        <a:effectLst>
+          <a:outerShdw blurRad="40000" dist="23000" dir="5400000" rotWithShape="0">
+            <a:srgbClr val="000000">
+              <a:alpha val="35000"/>
+            </a:srgbClr>
+          </a:outerShdw>
+        </a:effectLst>
+      </dsp:spPr>
+      <dsp:style>
+        <a:lnRef idx="0">
+          <a:scrgbClr r="0" g="0" b="0"/>
+        </a:lnRef>
+        <a:fillRef idx="3">
+          <a:scrgbClr r="0" g="0" b="0"/>
+        </a:fillRef>
+        <a:effectRef idx="2">
+          <a:scrgbClr r="0" g="0" b="0"/>
+        </a:effectRef>
+        <a:fontRef idx="minor">
+          <a:schemeClr val="lt1"/>
+        </a:fontRef>
+      </dsp:style>
+      <dsp:txBody>
+        <a:bodyPr spcFirstLastPara="0" vert="horz" wrap="square" lIns="0" tIns="0" rIns="0" bIns="0" numCol="1" spcCol="1270" anchor="ctr" anchorCtr="0">
+          <a:noAutofit/>
+        </a:bodyPr>
+        <a:lstStyle/>
+        <a:p>
+          <a:pPr lvl="0" algn="ctr" defTabSz="1289050">
+            <a:lnSpc>
+              <a:spcPct val="90000"/>
+            </a:lnSpc>
+            <a:spcBef>
+              <a:spcPct val="0"/>
+            </a:spcBef>
+            <a:spcAft>
+              <a:spcPct val="35000"/>
+            </a:spcAft>
+          </a:pPr>
+          <a:endParaRPr lang="de-DE" sz="2900" kern="1200"/>
+        </a:p>
+      </dsp:txBody>
+      <dsp:txXfrm>
+        <a:off x="3555687" y="2285489"/>
+        <a:ext cx="478239" cy="479528"/>
+      </dsp:txXfrm>
+    </dsp:sp>
+    <dsp:sp modelId="{942B2FD4-F953-1241-B452-E01505D35646}">
+      <dsp:nvSpPr>
+        <dsp:cNvPr id="0" name=""/>
+        <dsp:cNvSpPr/>
+      </dsp:nvSpPr>
+      <dsp:spPr>
+        <a:xfrm>
+          <a:off x="4522479" y="1558461"/>
+          <a:ext cx="3222641" cy="1933584"/>
+        </a:xfrm>
+        <a:prstGeom prst="roundRect">
+          <a:avLst>
+            <a:gd name="adj" fmla="val 10000"/>
+          </a:avLst>
+        </a:prstGeom>
+        <a:gradFill rotWithShape="0">
+          <a:gsLst>
+            <a:gs pos="0">
+              <a:schemeClr val="dk2">
+                <a:hueOff val="0"/>
+                <a:satOff val="0"/>
+                <a:lumOff val="0"/>
+                <a:alphaOff val="0"/>
+                <a:shade val="51000"/>
+                <a:satMod val="130000"/>
+              </a:schemeClr>
+            </a:gs>
+            <a:gs pos="80000">
+              <a:schemeClr val="dk2">
+                <a:hueOff val="0"/>
+                <a:satOff val="0"/>
+                <a:lumOff val="0"/>
+                <a:alphaOff val="0"/>
+                <a:shade val="93000"/>
+                <a:satMod val="130000"/>
+              </a:schemeClr>
+            </a:gs>
+            <a:gs pos="100000">
+              <a:schemeClr val="dk2">
+                <a:hueOff val="0"/>
+                <a:satOff val="0"/>
+                <a:lumOff val="0"/>
+                <a:alphaOff val="0"/>
+                <a:shade val="94000"/>
+                <a:satMod val="135000"/>
+              </a:schemeClr>
+            </a:gs>
+          </a:gsLst>
+          <a:lin ang="16200000" scaled="0"/>
+        </a:gradFill>
+        <a:ln>
+          <a:noFill/>
+        </a:ln>
+        <a:effectLst>
+          <a:outerShdw blurRad="40000" dist="23000" dir="5400000" rotWithShape="0">
+            <a:srgbClr val="000000">
+              <a:alpha val="35000"/>
+            </a:srgbClr>
+          </a:outerShdw>
+        </a:effectLst>
+      </dsp:spPr>
+      <dsp:style>
+        <a:lnRef idx="0">
+          <a:scrgbClr r="0" g="0" b="0"/>
+        </a:lnRef>
+        <a:fillRef idx="3">
+          <a:scrgbClr r="0" g="0" b="0"/>
+        </a:fillRef>
+        <a:effectRef idx="2">
+          <a:scrgbClr r="0" g="0" b="0"/>
+        </a:effectRef>
+        <a:fontRef idx="minor">
+          <a:schemeClr val="lt1"/>
+        </a:fontRef>
+      </dsp:style>
+      <dsp:txBody>
+        <a:bodyPr spcFirstLastPara="0" vert="horz" wrap="square" lIns="137160" tIns="137160" rIns="137160" bIns="137160" numCol="1" spcCol="1270" anchor="ctr" anchorCtr="0">
+          <a:noAutofit/>
+        </a:bodyPr>
+        <a:lstStyle/>
+        <a:p>
+          <a:pPr lvl="0" algn="ctr" defTabSz="1600200">
+            <a:lnSpc>
+              <a:spcPct val="90000"/>
+            </a:lnSpc>
+            <a:spcBef>
+              <a:spcPct val="0"/>
+            </a:spcBef>
+            <a:spcAft>
+              <a:spcPct val="35000"/>
+            </a:spcAft>
+          </a:pPr>
+          <a:r>
+            <a:rPr lang="de-DE" sz="3600" kern="1200" dirty="0"/>
+            <a:t>Auslagern von HTML nach </a:t>
+          </a:r>
+          <a:r>
+            <a:rPr lang="de-DE" sz="3600" kern="1200" dirty="0" err="1"/>
+            <a:t>home</a:t>
+          </a:r>
+          <a:endParaRPr lang="de-DE" sz="3600" kern="1200" dirty="0"/>
+        </a:p>
+      </dsp:txBody>
+      <dsp:txXfrm>
+        <a:off x="4579112" y="1615094"/>
+        <a:ext cx="3109375" cy="1820318"/>
+      </dsp:txXfrm>
+    </dsp:sp>
+    <dsp:sp modelId="{61D01FBA-AE9A-8140-B034-5E107AF8B06D}">
+      <dsp:nvSpPr>
+        <dsp:cNvPr id="0" name=""/>
+        <dsp:cNvSpPr/>
+      </dsp:nvSpPr>
+      <dsp:spPr>
+        <a:xfrm>
+          <a:off x="8067384" y="2125646"/>
+          <a:ext cx="683199" cy="799214"/>
+        </a:xfrm>
+        <a:prstGeom prst="rightArrow">
+          <a:avLst>
+            <a:gd name="adj1" fmla="val 60000"/>
+            <a:gd name="adj2" fmla="val 50000"/>
+          </a:avLst>
+        </a:prstGeom>
+        <a:gradFill rotWithShape="0">
+          <a:gsLst>
+            <a:gs pos="0">
+              <a:schemeClr val="dk2">
+                <a:tint val="60000"/>
+                <a:hueOff val="0"/>
+                <a:satOff val="0"/>
+                <a:lumOff val="0"/>
+                <a:alphaOff val="0"/>
+                <a:shade val="51000"/>
+                <a:satMod val="130000"/>
+              </a:schemeClr>
+            </a:gs>
+            <a:gs pos="80000">
+              <a:schemeClr val="dk2">
+                <a:tint val="60000"/>
+                <a:hueOff val="0"/>
+                <a:satOff val="0"/>
+                <a:lumOff val="0"/>
+                <a:alphaOff val="0"/>
+                <a:shade val="93000"/>
+                <a:satMod val="130000"/>
+              </a:schemeClr>
+            </a:gs>
+            <a:gs pos="100000">
+              <a:schemeClr val="dk2">
+                <a:tint val="60000"/>
+                <a:hueOff val="0"/>
+                <a:satOff val="0"/>
+                <a:lumOff val="0"/>
+                <a:alphaOff val="0"/>
+                <a:shade val="94000"/>
+                <a:satMod val="135000"/>
+              </a:schemeClr>
+            </a:gs>
+          </a:gsLst>
+          <a:lin ang="16200000" scaled="0"/>
+        </a:gradFill>
+        <a:ln>
+          <a:noFill/>
+        </a:ln>
+        <a:effectLst>
+          <a:outerShdw blurRad="40000" dist="23000" dir="5400000" rotWithShape="0">
+            <a:srgbClr val="000000">
+              <a:alpha val="35000"/>
+            </a:srgbClr>
+          </a:outerShdw>
+        </a:effectLst>
+      </dsp:spPr>
+      <dsp:style>
+        <a:lnRef idx="0">
+          <a:scrgbClr r="0" g="0" b="0"/>
+        </a:lnRef>
+        <a:fillRef idx="3">
+          <a:scrgbClr r="0" g="0" b="0"/>
+        </a:fillRef>
+        <a:effectRef idx="2">
+          <a:scrgbClr r="0" g="0" b="0"/>
+        </a:effectRef>
+        <a:fontRef idx="minor">
+          <a:schemeClr val="lt1"/>
+        </a:fontRef>
+      </dsp:style>
+      <dsp:txBody>
+        <a:bodyPr spcFirstLastPara="0" vert="horz" wrap="square" lIns="0" tIns="0" rIns="0" bIns="0" numCol="1" spcCol="1270" anchor="ctr" anchorCtr="0">
+          <a:noAutofit/>
+        </a:bodyPr>
+        <a:lstStyle/>
+        <a:p>
+          <a:pPr lvl="0" algn="ctr" defTabSz="1289050">
+            <a:lnSpc>
+              <a:spcPct val="90000"/>
+            </a:lnSpc>
+            <a:spcBef>
+              <a:spcPct val="0"/>
+            </a:spcBef>
+            <a:spcAft>
+              <a:spcPct val="35000"/>
+            </a:spcAft>
+          </a:pPr>
+          <a:endParaRPr lang="de-DE" sz="2900" kern="1200"/>
+        </a:p>
+      </dsp:txBody>
+      <dsp:txXfrm>
+        <a:off x="8067384" y="2285489"/>
+        <a:ext cx="478239" cy="479528"/>
+      </dsp:txXfrm>
+    </dsp:sp>
+    <dsp:sp modelId="{48E1AD6C-04E3-5047-8B6E-169C4DE6C0BD}">
+      <dsp:nvSpPr>
+        <dsp:cNvPr id="0" name=""/>
+        <dsp:cNvSpPr/>
+      </dsp:nvSpPr>
+      <dsp:spPr>
+        <a:xfrm>
+          <a:off x="9034176" y="1558461"/>
+          <a:ext cx="3222641" cy="1933584"/>
+        </a:xfrm>
+        <a:prstGeom prst="roundRect">
+          <a:avLst>
+            <a:gd name="adj" fmla="val 10000"/>
+          </a:avLst>
+        </a:prstGeom>
+        <a:gradFill rotWithShape="0">
+          <a:gsLst>
+            <a:gs pos="0">
+              <a:schemeClr val="dk2">
+                <a:hueOff val="0"/>
+                <a:satOff val="0"/>
+                <a:lumOff val="0"/>
+                <a:alphaOff val="0"/>
+                <a:shade val="51000"/>
+                <a:satMod val="130000"/>
+              </a:schemeClr>
+            </a:gs>
+            <a:gs pos="80000">
+              <a:schemeClr val="dk2">
+                <a:hueOff val="0"/>
+                <a:satOff val="0"/>
+                <a:lumOff val="0"/>
+                <a:alphaOff val="0"/>
+                <a:shade val="93000"/>
+                <a:satMod val="130000"/>
+              </a:schemeClr>
+            </a:gs>
+            <a:gs pos="100000">
+              <a:schemeClr val="dk2">
+                <a:hueOff val="0"/>
+                <a:satOff val="0"/>
+                <a:lumOff val="0"/>
+                <a:alphaOff val="0"/>
+                <a:shade val="94000"/>
+                <a:satMod val="135000"/>
+              </a:schemeClr>
+            </a:gs>
+          </a:gsLst>
+          <a:lin ang="16200000" scaled="0"/>
+        </a:gradFill>
+        <a:ln>
+          <a:noFill/>
+        </a:ln>
+        <a:effectLst>
+          <a:outerShdw blurRad="40000" dist="23000" dir="5400000" rotWithShape="0">
+            <a:srgbClr val="000000">
+              <a:alpha val="35000"/>
+            </a:srgbClr>
+          </a:outerShdw>
+        </a:effectLst>
+      </dsp:spPr>
+      <dsp:style>
+        <a:lnRef idx="0">
+          <a:scrgbClr r="0" g="0" b="0"/>
+        </a:lnRef>
+        <a:fillRef idx="3">
+          <a:scrgbClr r="0" g="0" b="0"/>
+        </a:fillRef>
+        <a:effectRef idx="2">
+          <a:scrgbClr r="0" g="0" b="0"/>
+        </a:effectRef>
+        <a:fontRef idx="minor">
+          <a:schemeClr val="lt1"/>
+        </a:fontRef>
+      </dsp:style>
+      <dsp:txBody>
+        <a:bodyPr spcFirstLastPara="0" vert="horz" wrap="square" lIns="137160" tIns="137160" rIns="137160" bIns="137160" numCol="1" spcCol="1270" anchor="ctr" anchorCtr="0">
+          <a:noAutofit/>
+        </a:bodyPr>
+        <a:lstStyle/>
+        <a:p>
+          <a:pPr lvl="0" algn="ctr" defTabSz="1600200">
+            <a:lnSpc>
+              <a:spcPct val="90000"/>
+            </a:lnSpc>
+            <a:spcBef>
+              <a:spcPct val="0"/>
+            </a:spcBef>
+            <a:spcAft>
+              <a:spcPct val="35000"/>
+            </a:spcAft>
+          </a:pPr>
+          <a:r>
+            <a:rPr lang="de-DE" sz="3600" kern="1200" dirty="0"/>
+            <a:t>Einbinden in die Anwendung</a:t>
+          </a:r>
+        </a:p>
+      </dsp:txBody>
+      <dsp:txXfrm>
+        <a:off x="9090809" y="1615094"/>
+        <a:ext cx="3109375" cy="1820318"/>
+      </dsp:txXfrm>
+    </dsp:sp>
   </dsp:spTree>
 </dsp:drawing>
 </file>
@@ -6303,6 +7350,966 @@
       <dsp:cNvGrpSpPr/>
     </dsp:nvGrpSpPr>
     <dsp:grpSpPr/>
+    <dsp:sp modelId="{AC19049A-FF2E-864B-A995-C88CCE14464E}">
+      <dsp:nvSpPr>
+        <dsp:cNvPr id="0" name=""/>
+        <dsp:cNvSpPr/>
+      </dsp:nvSpPr>
+      <dsp:spPr>
+        <a:xfrm>
+          <a:off x="5990" y="1968179"/>
+          <a:ext cx="1856912" cy="1114147"/>
+        </a:xfrm>
+        <a:prstGeom prst="roundRect">
+          <a:avLst>
+            <a:gd name="adj" fmla="val 10000"/>
+          </a:avLst>
+        </a:prstGeom>
+        <a:gradFill rotWithShape="0">
+          <a:gsLst>
+            <a:gs pos="0">
+              <a:schemeClr val="dk2">
+                <a:hueOff val="0"/>
+                <a:satOff val="0"/>
+                <a:lumOff val="0"/>
+                <a:alphaOff val="0"/>
+                <a:shade val="51000"/>
+                <a:satMod val="130000"/>
+              </a:schemeClr>
+            </a:gs>
+            <a:gs pos="80000">
+              <a:schemeClr val="dk2">
+                <a:hueOff val="0"/>
+                <a:satOff val="0"/>
+                <a:lumOff val="0"/>
+                <a:alphaOff val="0"/>
+                <a:shade val="93000"/>
+                <a:satMod val="130000"/>
+              </a:schemeClr>
+            </a:gs>
+            <a:gs pos="100000">
+              <a:schemeClr val="dk2">
+                <a:hueOff val="0"/>
+                <a:satOff val="0"/>
+                <a:lumOff val="0"/>
+                <a:alphaOff val="0"/>
+                <a:shade val="94000"/>
+                <a:satMod val="135000"/>
+              </a:schemeClr>
+            </a:gs>
+          </a:gsLst>
+          <a:lin ang="16200000" scaled="0"/>
+        </a:gradFill>
+        <a:ln>
+          <a:noFill/>
+        </a:ln>
+        <a:effectLst>
+          <a:outerShdw blurRad="40000" dist="23000" dir="5400000" rotWithShape="0">
+            <a:srgbClr val="000000">
+              <a:alpha val="35000"/>
+            </a:srgbClr>
+          </a:outerShdw>
+        </a:effectLst>
+      </dsp:spPr>
+      <dsp:style>
+        <a:lnRef idx="0">
+          <a:scrgbClr r="0" g="0" b="0"/>
+        </a:lnRef>
+        <a:fillRef idx="3">
+          <a:scrgbClr r="0" g="0" b="0"/>
+        </a:fillRef>
+        <a:effectRef idx="2">
+          <a:scrgbClr r="0" g="0" b="0"/>
+        </a:effectRef>
+        <a:fontRef idx="minor">
+          <a:schemeClr val="lt1"/>
+        </a:fontRef>
+      </dsp:style>
+      <dsp:txBody>
+        <a:bodyPr spcFirstLastPara="0" vert="horz" wrap="square" lIns="72390" tIns="72390" rIns="72390" bIns="72390" numCol="1" spcCol="1270" anchor="ctr" anchorCtr="0">
+          <a:noAutofit/>
+        </a:bodyPr>
+        <a:lstStyle/>
+        <a:p>
+          <a:pPr lvl="0" algn="ctr" defTabSz="844550">
+            <a:lnSpc>
+              <a:spcPct val="90000"/>
+            </a:lnSpc>
+            <a:spcBef>
+              <a:spcPct val="0"/>
+            </a:spcBef>
+            <a:spcAft>
+              <a:spcPct val="35000"/>
+            </a:spcAft>
+          </a:pPr>
+          <a:r>
+            <a:rPr lang="de-DE" sz="1900" kern="1200" dirty="0"/>
+            <a:t>Erstellen der Komponente „</a:t>
+          </a:r>
+          <a:r>
+            <a:rPr lang="de-DE" sz="1900" kern="1200" dirty="0" err="1"/>
+            <a:t>guest-book</a:t>
+          </a:r>
+          <a:r>
+            <a:rPr lang="de-DE" sz="1900" kern="1200" dirty="0"/>
+            <a:t>“</a:t>
+          </a:r>
+        </a:p>
+      </dsp:txBody>
+      <dsp:txXfrm>
+        <a:off x="38622" y="2000811"/>
+        <a:ext cx="1791648" cy="1048883"/>
+      </dsp:txXfrm>
+    </dsp:sp>
+    <dsp:sp modelId="{30EAC814-8F64-D74A-9EBA-0CBC6BE058AA}">
+      <dsp:nvSpPr>
+        <dsp:cNvPr id="0" name=""/>
+        <dsp:cNvSpPr/>
+      </dsp:nvSpPr>
+      <dsp:spPr>
+        <a:xfrm>
+          <a:off x="2048593" y="2294996"/>
+          <a:ext cx="393665" cy="460514"/>
+        </a:xfrm>
+        <a:prstGeom prst="rightArrow">
+          <a:avLst>
+            <a:gd name="adj1" fmla="val 60000"/>
+            <a:gd name="adj2" fmla="val 50000"/>
+          </a:avLst>
+        </a:prstGeom>
+        <a:gradFill rotWithShape="0">
+          <a:gsLst>
+            <a:gs pos="0">
+              <a:schemeClr val="dk2">
+                <a:tint val="60000"/>
+                <a:hueOff val="0"/>
+                <a:satOff val="0"/>
+                <a:lumOff val="0"/>
+                <a:alphaOff val="0"/>
+                <a:shade val="51000"/>
+                <a:satMod val="130000"/>
+              </a:schemeClr>
+            </a:gs>
+            <a:gs pos="80000">
+              <a:schemeClr val="dk2">
+                <a:tint val="60000"/>
+                <a:hueOff val="0"/>
+                <a:satOff val="0"/>
+                <a:lumOff val="0"/>
+                <a:alphaOff val="0"/>
+                <a:shade val="93000"/>
+                <a:satMod val="130000"/>
+              </a:schemeClr>
+            </a:gs>
+            <a:gs pos="100000">
+              <a:schemeClr val="dk2">
+                <a:tint val="60000"/>
+                <a:hueOff val="0"/>
+                <a:satOff val="0"/>
+                <a:lumOff val="0"/>
+                <a:alphaOff val="0"/>
+                <a:shade val="94000"/>
+                <a:satMod val="135000"/>
+              </a:schemeClr>
+            </a:gs>
+          </a:gsLst>
+          <a:lin ang="16200000" scaled="0"/>
+        </a:gradFill>
+        <a:ln>
+          <a:noFill/>
+        </a:ln>
+        <a:effectLst>
+          <a:outerShdw blurRad="40000" dist="23000" dir="5400000" rotWithShape="0">
+            <a:srgbClr val="000000">
+              <a:alpha val="35000"/>
+            </a:srgbClr>
+          </a:outerShdw>
+        </a:effectLst>
+      </dsp:spPr>
+      <dsp:style>
+        <a:lnRef idx="0">
+          <a:scrgbClr r="0" g="0" b="0"/>
+        </a:lnRef>
+        <a:fillRef idx="3">
+          <a:scrgbClr r="0" g="0" b="0"/>
+        </a:fillRef>
+        <a:effectRef idx="2">
+          <a:scrgbClr r="0" g="0" b="0"/>
+        </a:effectRef>
+        <a:fontRef idx="minor">
+          <a:schemeClr val="lt1"/>
+        </a:fontRef>
+      </dsp:style>
+      <dsp:txBody>
+        <a:bodyPr spcFirstLastPara="0" vert="horz" wrap="square" lIns="0" tIns="0" rIns="0" bIns="0" numCol="1" spcCol="1270" anchor="ctr" anchorCtr="0">
+          <a:noAutofit/>
+        </a:bodyPr>
+        <a:lstStyle/>
+        <a:p>
+          <a:pPr lvl="0" algn="ctr" defTabSz="711200">
+            <a:lnSpc>
+              <a:spcPct val="90000"/>
+            </a:lnSpc>
+            <a:spcBef>
+              <a:spcPct val="0"/>
+            </a:spcBef>
+            <a:spcAft>
+              <a:spcPct val="35000"/>
+            </a:spcAft>
+          </a:pPr>
+          <a:endParaRPr lang="de-DE" sz="1600" kern="1200"/>
+        </a:p>
+      </dsp:txBody>
+      <dsp:txXfrm>
+        <a:off x="2048593" y="2387099"/>
+        <a:ext cx="275566" cy="276308"/>
+      </dsp:txXfrm>
+    </dsp:sp>
+    <dsp:sp modelId="{942B2FD4-F953-1241-B452-E01505D35646}">
+      <dsp:nvSpPr>
+        <dsp:cNvPr id="0" name=""/>
+        <dsp:cNvSpPr/>
+      </dsp:nvSpPr>
+      <dsp:spPr>
+        <a:xfrm>
+          <a:off x="2605666" y="1968179"/>
+          <a:ext cx="1856912" cy="1114147"/>
+        </a:xfrm>
+        <a:prstGeom prst="roundRect">
+          <a:avLst>
+            <a:gd name="adj" fmla="val 10000"/>
+          </a:avLst>
+        </a:prstGeom>
+        <a:gradFill rotWithShape="0">
+          <a:gsLst>
+            <a:gs pos="0">
+              <a:schemeClr val="dk2">
+                <a:hueOff val="0"/>
+                <a:satOff val="0"/>
+                <a:lumOff val="0"/>
+                <a:alphaOff val="0"/>
+                <a:shade val="51000"/>
+                <a:satMod val="130000"/>
+              </a:schemeClr>
+            </a:gs>
+            <a:gs pos="80000">
+              <a:schemeClr val="dk2">
+                <a:hueOff val="0"/>
+                <a:satOff val="0"/>
+                <a:lumOff val="0"/>
+                <a:alphaOff val="0"/>
+                <a:shade val="93000"/>
+                <a:satMod val="130000"/>
+              </a:schemeClr>
+            </a:gs>
+            <a:gs pos="100000">
+              <a:schemeClr val="dk2">
+                <a:hueOff val="0"/>
+                <a:satOff val="0"/>
+                <a:lumOff val="0"/>
+                <a:alphaOff val="0"/>
+                <a:shade val="94000"/>
+                <a:satMod val="135000"/>
+              </a:schemeClr>
+            </a:gs>
+          </a:gsLst>
+          <a:lin ang="16200000" scaled="0"/>
+        </a:gradFill>
+        <a:ln>
+          <a:noFill/>
+        </a:ln>
+        <a:effectLst>
+          <a:outerShdw blurRad="40000" dist="23000" dir="5400000" rotWithShape="0">
+            <a:srgbClr val="000000">
+              <a:alpha val="35000"/>
+            </a:srgbClr>
+          </a:outerShdw>
+        </a:effectLst>
+      </dsp:spPr>
+      <dsp:style>
+        <a:lnRef idx="0">
+          <a:scrgbClr r="0" g="0" b="0"/>
+        </a:lnRef>
+        <a:fillRef idx="3">
+          <a:scrgbClr r="0" g="0" b="0"/>
+        </a:fillRef>
+        <a:effectRef idx="2">
+          <a:scrgbClr r="0" g="0" b="0"/>
+        </a:effectRef>
+        <a:fontRef idx="minor">
+          <a:schemeClr val="lt1"/>
+        </a:fontRef>
+      </dsp:style>
+      <dsp:txBody>
+        <a:bodyPr spcFirstLastPara="0" vert="horz" wrap="square" lIns="72390" tIns="72390" rIns="72390" bIns="72390" numCol="1" spcCol="1270" anchor="ctr" anchorCtr="0">
+          <a:noAutofit/>
+        </a:bodyPr>
+        <a:lstStyle/>
+        <a:p>
+          <a:pPr lvl="0" algn="ctr" defTabSz="844550">
+            <a:lnSpc>
+              <a:spcPct val="90000"/>
+            </a:lnSpc>
+            <a:spcBef>
+              <a:spcPct val="0"/>
+            </a:spcBef>
+            <a:spcAft>
+              <a:spcPct val="35000"/>
+            </a:spcAft>
+          </a:pPr>
+          <a:r>
+            <a:rPr lang="de-DE" sz="1900" kern="1200" dirty="0"/>
+            <a:t>Einbinden in die Anwendung</a:t>
+          </a:r>
+        </a:p>
+      </dsp:txBody>
+      <dsp:txXfrm>
+        <a:off x="2638298" y="2000811"/>
+        <a:ext cx="1791648" cy="1048883"/>
+      </dsp:txXfrm>
+    </dsp:sp>
+    <dsp:sp modelId="{61D01FBA-AE9A-8140-B034-5E107AF8B06D}">
+      <dsp:nvSpPr>
+        <dsp:cNvPr id="0" name=""/>
+        <dsp:cNvSpPr/>
+      </dsp:nvSpPr>
+      <dsp:spPr>
+        <a:xfrm>
+          <a:off x="4648270" y="2294996"/>
+          <a:ext cx="393665" cy="460514"/>
+        </a:xfrm>
+        <a:prstGeom prst="rightArrow">
+          <a:avLst>
+            <a:gd name="adj1" fmla="val 60000"/>
+            <a:gd name="adj2" fmla="val 50000"/>
+          </a:avLst>
+        </a:prstGeom>
+        <a:gradFill rotWithShape="0">
+          <a:gsLst>
+            <a:gs pos="0">
+              <a:schemeClr val="dk2">
+                <a:tint val="60000"/>
+                <a:hueOff val="0"/>
+                <a:satOff val="0"/>
+                <a:lumOff val="0"/>
+                <a:alphaOff val="0"/>
+                <a:shade val="51000"/>
+                <a:satMod val="130000"/>
+              </a:schemeClr>
+            </a:gs>
+            <a:gs pos="80000">
+              <a:schemeClr val="dk2">
+                <a:tint val="60000"/>
+                <a:hueOff val="0"/>
+                <a:satOff val="0"/>
+                <a:lumOff val="0"/>
+                <a:alphaOff val="0"/>
+                <a:shade val="93000"/>
+                <a:satMod val="130000"/>
+              </a:schemeClr>
+            </a:gs>
+            <a:gs pos="100000">
+              <a:schemeClr val="dk2">
+                <a:tint val="60000"/>
+                <a:hueOff val="0"/>
+                <a:satOff val="0"/>
+                <a:lumOff val="0"/>
+                <a:alphaOff val="0"/>
+                <a:shade val="94000"/>
+                <a:satMod val="135000"/>
+              </a:schemeClr>
+            </a:gs>
+          </a:gsLst>
+          <a:lin ang="16200000" scaled="0"/>
+        </a:gradFill>
+        <a:ln>
+          <a:noFill/>
+        </a:ln>
+        <a:effectLst>
+          <a:outerShdw blurRad="40000" dist="23000" dir="5400000" rotWithShape="0">
+            <a:srgbClr val="000000">
+              <a:alpha val="35000"/>
+            </a:srgbClr>
+          </a:outerShdw>
+        </a:effectLst>
+      </dsp:spPr>
+      <dsp:style>
+        <a:lnRef idx="0">
+          <a:scrgbClr r="0" g="0" b="0"/>
+        </a:lnRef>
+        <a:fillRef idx="3">
+          <a:scrgbClr r="0" g="0" b="0"/>
+        </a:fillRef>
+        <a:effectRef idx="2">
+          <a:scrgbClr r="0" g="0" b="0"/>
+        </a:effectRef>
+        <a:fontRef idx="minor">
+          <a:schemeClr val="lt1"/>
+        </a:fontRef>
+      </dsp:style>
+      <dsp:txBody>
+        <a:bodyPr spcFirstLastPara="0" vert="horz" wrap="square" lIns="0" tIns="0" rIns="0" bIns="0" numCol="1" spcCol="1270" anchor="ctr" anchorCtr="0">
+          <a:noAutofit/>
+        </a:bodyPr>
+        <a:lstStyle/>
+        <a:p>
+          <a:pPr lvl="0" algn="ctr" defTabSz="711200">
+            <a:lnSpc>
+              <a:spcPct val="90000"/>
+            </a:lnSpc>
+            <a:spcBef>
+              <a:spcPct val="0"/>
+            </a:spcBef>
+            <a:spcAft>
+              <a:spcPct val="35000"/>
+            </a:spcAft>
+          </a:pPr>
+          <a:endParaRPr lang="de-DE" sz="1600" kern="1200"/>
+        </a:p>
+      </dsp:txBody>
+      <dsp:txXfrm>
+        <a:off x="4648270" y="2387099"/>
+        <a:ext cx="275566" cy="276308"/>
+      </dsp:txXfrm>
+    </dsp:sp>
+    <dsp:sp modelId="{48E1AD6C-04E3-5047-8B6E-169C4DE6C0BD}">
+      <dsp:nvSpPr>
+        <dsp:cNvPr id="0" name=""/>
+        <dsp:cNvSpPr/>
+      </dsp:nvSpPr>
+      <dsp:spPr>
+        <a:xfrm>
+          <a:off x="5205343" y="1968179"/>
+          <a:ext cx="1856912" cy="1114147"/>
+        </a:xfrm>
+        <a:prstGeom prst="roundRect">
+          <a:avLst>
+            <a:gd name="adj" fmla="val 10000"/>
+          </a:avLst>
+        </a:prstGeom>
+        <a:gradFill rotWithShape="0">
+          <a:gsLst>
+            <a:gs pos="0">
+              <a:schemeClr val="dk2">
+                <a:hueOff val="0"/>
+                <a:satOff val="0"/>
+                <a:lumOff val="0"/>
+                <a:alphaOff val="0"/>
+                <a:shade val="51000"/>
+                <a:satMod val="130000"/>
+              </a:schemeClr>
+            </a:gs>
+            <a:gs pos="80000">
+              <a:schemeClr val="dk2">
+                <a:hueOff val="0"/>
+                <a:satOff val="0"/>
+                <a:lumOff val="0"/>
+                <a:alphaOff val="0"/>
+                <a:shade val="93000"/>
+                <a:satMod val="130000"/>
+              </a:schemeClr>
+            </a:gs>
+            <a:gs pos="100000">
+              <a:schemeClr val="dk2">
+                <a:hueOff val="0"/>
+                <a:satOff val="0"/>
+                <a:lumOff val="0"/>
+                <a:alphaOff val="0"/>
+                <a:shade val="94000"/>
+                <a:satMod val="135000"/>
+              </a:schemeClr>
+            </a:gs>
+          </a:gsLst>
+          <a:lin ang="16200000" scaled="0"/>
+        </a:gradFill>
+        <a:ln>
+          <a:noFill/>
+        </a:ln>
+        <a:effectLst>
+          <a:outerShdw blurRad="40000" dist="23000" dir="5400000" rotWithShape="0">
+            <a:srgbClr val="000000">
+              <a:alpha val="35000"/>
+            </a:srgbClr>
+          </a:outerShdw>
+        </a:effectLst>
+      </dsp:spPr>
+      <dsp:style>
+        <a:lnRef idx="0">
+          <a:scrgbClr r="0" g="0" b="0"/>
+        </a:lnRef>
+        <a:fillRef idx="3">
+          <a:scrgbClr r="0" g="0" b="0"/>
+        </a:fillRef>
+        <a:effectRef idx="2">
+          <a:scrgbClr r="0" g="0" b="0"/>
+        </a:effectRef>
+        <a:fontRef idx="minor">
+          <a:schemeClr val="lt1"/>
+        </a:fontRef>
+      </dsp:style>
+      <dsp:txBody>
+        <a:bodyPr spcFirstLastPara="0" vert="horz" wrap="square" lIns="72390" tIns="72390" rIns="72390" bIns="72390" numCol="1" spcCol="1270" anchor="ctr" anchorCtr="0">
+          <a:noAutofit/>
+        </a:bodyPr>
+        <a:lstStyle/>
+        <a:p>
+          <a:pPr lvl="0" algn="ctr" defTabSz="844550">
+            <a:lnSpc>
+              <a:spcPct val="90000"/>
+            </a:lnSpc>
+            <a:spcBef>
+              <a:spcPct val="0"/>
+            </a:spcBef>
+            <a:spcAft>
+              <a:spcPct val="35000"/>
+            </a:spcAft>
+          </a:pPr>
+          <a:r>
+            <a:rPr lang="de-DE" sz="1900" kern="1200" dirty="0"/>
+            <a:t>Erstellen der Komponente „</a:t>
+          </a:r>
+          <a:r>
+            <a:rPr lang="de-DE" sz="1900" kern="1200" dirty="0" err="1"/>
+            <a:t>guest</a:t>
+          </a:r>
+          <a:r>
+            <a:rPr lang="de-DE" sz="1900" kern="1200" dirty="0"/>
+            <a:t>-list“</a:t>
+          </a:r>
+        </a:p>
+      </dsp:txBody>
+      <dsp:txXfrm>
+        <a:off x="5237975" y="2000811"/>
+        <a:ext cx="1791648" cy="1048883"/>
+      </dsp:txXfrm>
+    </dsp:sp>
+    <dsp:sp modelId="{0AD4DF4A-E0D6-074E-8C5C-EC60A69D5CD5}">
+      <dsp:nvSpPr>
+        <dsp:cNvPr id="0" name=""/>
+        <dsp:cNvSpPr/>
+      </dsp:nvSpPr>
+      <dsp:spPr>
+        <a:xfrm>
+          <a:off x="7247947" y="2294996"/>
+          <a:ext cx="393665" cy="460514"/>
+        </a:xfrm>
+        <a:prstGeom prst="rightArrow">
+          <a:avLst>
+            <a:gd name="adj1" fmla="val 60000"/>
+            <a:gd name="adj2" fmla="val 50000"/>
+          </a:avLst>
+        </a:prstGeom>
+        <a:gradFill rotWithShape="0">
+          <a:gsLst>
+            <a:gs pos="0">
+              <a:schemeClr val="dk2">
+                <a:tint val="60000"/>
+                <a:hueOff val="0"/>
+                <a:satOff val="0"/>
+                <a:lumOff val="0"/>
+                <a:alphaOff val="0"/>
+                <a:shade val="51000"/>
+                <a:satMod val="130000"/>
+              </a:schemeClr>
+            </a:gs>
+            <a:gs pos="80000">
+              <a:schemeClr val="dk2">
+                <a:tint val="60000"/>
+                <a:hueOff val="0"/>
+                <a:satOff val="0"/>
+                <a:lumOff val="0"/>
+                <a:alphaOff val="0"/>
+                <a:shade val="93000"/>
+                <a:satMod val="130000"/>
+              </a:schemeClr>
+            </a:gs>
+            <a:gs pos="100000">
+              <a:schemeClr val="dk2">
+                <a:tint val="60000"/>
+                <a:hueOff val="0"/>
+                <a:satOff val="0"/>
+                <a:lumOff val="0"/>
+                <a:alphaOff val="0"/>
+                <a:shade val="94000"/>
+                <a:satMod val="135000"/>
+              </a:schemeClr>
+            </a:gs>
+          </a:gsLst>
+          <a:lin ang="16200000" scaled="0"/>
+        </a:gradFill>
+        <a:ln>
+          <a:noFill/>
+        </a:ln>
+        <a:effectLst>
+          <a:outerShdw blurRad="40000" dist="23000" dir="5400000" rotWithShape="0">
+            <a:srgbClr val="000000">
+              <a:alpha val="35000"/>
+            </a:srgbClr>
+          </a:outerShdw>
+        </a:effectLst>
+      </dsp:spPr>
+      <dsp:style>
+        <a:lnRef idx="0">
+          <a:scrgbClr r="0" g="0" b="0"/>
+        </a:lnRef>
+        <a:fillRef idx="3">
+          <a:scrgbClr r="0" g="0" b="0"/>
+        </a:fillRef>
+        <a:effectRef idx="2">
+          <a:scrgbClr r="0" g="0" b="0"/>
+        </a:effectRef>
+        <a:fontRef idx="minor">
+          <a:schemeClr val="lt1"/>
+        </a:fontRef>
+      </dsp:style>
+      <dsp:txBody>
+        <a:bodyPr spcFirstLastPara="0" vert="horz" wrap="square" lIns="0" tIns="0" rIns="0" bIns="0" numCol="1" spcCol="1270" anchor="ctr" anchorCtr="0">
+          <a:noAutofit/>
+        </a:bodyPr>
+        <a:lstStyle/>
+        <a:p>
+          <a:pPr lvl="0" algn="ctr" defTabSz="711200">
+            <a:lnSpc>
+              <a:spcPct val="90000"/>
+            </a:lnSpc>
+            <a:spcBef>
+              <a:spcPct val="0"/>
+            </a:spcBef>
+            <a:spcAft>
+              <a:spcPct val="35000"/>
+            </a:spcAft>
+          </a:pPr>
+          <a:endParaRPr lang="de-DE" sz="1600" kern="1200"/>
+        </a:p>
+      </dsp:txBody>
+      <dsp:txXfrm>
+        <a:off x="7247947" y="2387099"/>
+        <a:ext cx="275566" cy="276308"/>
+      </dsp:txXfrm>
+    </dsp:sp>
+    <dsp:sp modelId="{C72C48AC-E55D-9140-B4CF-F284B256CE46}">
+      <dsp:nvSpPr>
+        <dsp:cNvPr id="0" name=""/>
+        <dsp:cNvSpPr/>
+      </dsp:nvSpPr>
+      <dsp:spPr>
+        <a:xfrm>
+          <a:off x="7805020" y="1968179"/>
+          <a:ext cx="1856912" cy="1114147"/>
+        </a:xfrm>
+        <a:prstGeom prst="roundRect">
+          <a:avLst>
+            <a:gd name="adj" fmla="val 10000"/>
+          </a:avLst>
+        </a:prstGeom>
+        <a:gradFill rotWithShape="0">
+          <a:gsLst>
+            <a:gs pos="0">
+              <a:schemeClr val="dk2">
+                <a:hueOff val="0"/>
+                <a:satOff val="0"/>
+                <a:lumOff val="0"/>
+                <a:alphaOff val="0"/>
+                <a:shade val="51000"/>
+                <a:satMod val="130000"/>
+              </a:schemeClr>
+            </a:gs>
+            <a:gs pos="80000">
+              <a:schemeClr val="dk2">
+                <a:hueOff val="0"/>
+                <a:satOff val="0"/>
+                <a:lumOff val="0"/>
+                <a:alphaOff val="0"/>
+                <a:shade val="93000"/>
+                <a:satMod val="130000"/>
+              </a:schemeClr>
+            </a:gs>
+            <a:gs pos="100000">
+              <a:schemeClr val="dk2">
+                <a:hueOff val="0"/>
+                <a:satOff val="0"/>
+                <a:lumOff val="0"/>
+                <a:alphaOff val="0"/>
+                <a:shade val="94000"/>
+                <a:satMod val="135000"/>
+              </a:schemeClr>
+            </a:gs>
+          </a:gsLst>
+          <a:lin ang="16200000" scaled="0"/>
+        </a:gradFill>
+        <a:ln>
+          <a:noFill/>
+        </a:ln>
+        <a:effectLst>
+          <a:outerShdw blurRad="40000" dist="23000" dir="5400000" rotWithShape="0">
+            <a:srgbClr val="000000">
+              <a:alpha val="35000"/>
+            </a:srgbClr>
+          </a:outerShdw>
+        </a:effectLst>
+      </dsp:spPr>
+      <dsp:style>
+        <a:lnRef idx="0">
+          <a:scrgbClr r="0" g="0" b="0"/>
+        </a:lnRef>
+        <a:fillRef idx="3">
+          <a:scrgbClr r="0" g="0" b="0"/>
+        </a:fillRef>
+        <a:effectRef idx="2">
+          <a:scrgbClr r="0" g="0" b="0"/>
+        </a:effectRef>
+        <a:fontRef idx="minor">
+          <a:schemeClr val="lt1"/>
+        </a:fontRef>
+      </dsp:style>
+      <dsp:txBody>
+        <a:bodyPr spcFirstLastPara="0" vert="horz" wrap="square" lIns="72390" tIns="72390" rIns="72390" bIns="72390" numCol="1" spcCol="1270" anchor="ctr" anchorCtr="0">
+          <a:noAutofit/>
+        </a:bodyPr>
+        <a:lstStyle/>
+        <a:p>
+          <a:pPr lvl="0" algn="ctr" defTabSz="844550">
+            <a:lnSpc>
+              <a:spcPct val="90000"/>
+            </a:lnSpc>
+            <a:spcBef>
+              <a:spcPct val="0"/>
+            </a:spcBef>
+            <a:spcAft>
+              <a:spcPct val="35000"/>
+            </a:spcAft>
+          </a:pPr>
+          <a:r>
+            <a:rPr lang="de-DE" sz="1900" kern="1200" dirty="0"/>
+            <a:t>Auslagern des HTML nach </a:t>
+          </a:r>
+          <a:r>
+            <a:rPr lang="de-DE" sz="1900" kern="1200" dirty="0" err="1"/>
+            <a:t>guest</a:t>
+          </a:r>
+          <a:r>
+            <a:rPr lang="de-DE" sz="1900" kern="1200" dirty="0"/>
+            <a:t>-list</a:t>
+          </a:r>
+        </a:p>
+      </dsp:txBody>
+      <dsp:txXfrm>
+        <a:off x="7837652" y="2000811"/>
+        <a:ext cx="1791648" cy="1048883"/>
+      </dsp:txXfrm>
+    </dsp:sp>
+    <dsp:sp modelId="{C0778852-E178-8D45-B49B-75D931FC40CB}">
+      <dsp:nvSpPr>
+        <dsp:cNvPr id="0" name=""/>
+        <dsp:cNvSpPr/>
+      </dsp:nvSpPr>
+      <dsp:spPr>
+        <a:xfrm>
+          <a:off x="9847624" y="2294996"/>
+          <a:ext cx="393665" cy="460514"/>
+        </a:xfrm>
+        <a:prstGeom prst="rightArrow">
+          <a:avLst>
+            <a:gd name="adj1" fmla="val 60000"/>
+            <a:gd name="adj2" fmla="val 50000"/>
+          </a:avLst>
+        </a:prstGeom>
+        <a:gradFill rotWithShape="0">
+          <a:gsLst>
+            <a:gs pos="0">
+              <a:schemeClr val="dk2">
+                <a:tint val="60000"/>
+                <a:hueOff val="0"/>
+                <a:satOff val="0"/>
+                <a:lumOff val="0"/>
+                <a:alphaOff val="0"/>
+                <a:shade val="51000"/>
+                <a:satMod val="130000"/>
+              </a:schemeClr>
+            </a:gs>
+            <a:gs pos="80000">
+              <a:schemeClr val="dk2">
+                <a:tint val="60000"/>
+                <a:hueOff val="0"/>
+                <a:satOff val="0"/>
+                <a:lumOff val="0"/>
+                <a:alphaOff val="0"/>
+                <a:shade val="93000"/>
+                <a:satMod val="130000"/>
+              </a:schemeClr>
+            </a:gs>
+            <a:gs pos="100000">
+              <a:schemeClr val="dk2">
+                <a:tint val="60000"/>
+                <a:hueOff val="0"/>
+                <a:satOff val="0"/>
+                <a:lumOff val="0"/>
+                <a:alphaOff val="0"/>
+                <a:shade val="94000"/>
+                <a:satMod val="135000"/>
+              </a:schemeClr>
+            </a:gs>
+          </a:gsLst>
+          <a:lin ang="16200000" scaled="0"/>
+        </a:gradFill>
+        <a:ln>
+          <a:noFill/>
+        </a:ln>
+        <a:effectLst>
+          <a:outerShdw blurRad="40000" dist="23000" dir="5400000" rotWithShape="0">
+            <a:srgbClr val="000000">
+              <a:alpha val="35000"/>
+            </a:srgbClr>
+          </a:outerShdw>
+        </a:effectLst>
+      </dsp:spPr>
+      <dsp:style>
+        <a:lnRef idx="0">
+          <a:scrgbClr r="0" g="0" b="0"/>
+        </a:lnRef>
+        <a:fillRef idx="3">
+          <a:scrgbClr r="0" g="0" b="0"/>
+        </a:fillRef>
+        <a:effectRef idx="2">
+          <a:scrgbClr r="0" g="0" b="0"/>
+        </a:effectRef>
+        <a:fontRef idx="minor">
+          <a:schemeClr val="lt1"/>
+        </a:fontRef>
+      </dsp:style>
+      <dsp:txBody>
+        <a:bodyPr spcFirstLastPara="0" vert="horz" wrap="square" lIns="0" tIns="0" rIns="0" bIns="0" numCol="1" spcCol="1270" anchor="ctr" anchorCtr="0">
+          <a:noAutofit/>
+        </a:bodyPr>
+        <a:lstStyle/>
+        <a:p>
+          <a:pPr lvl="0" algn="ctr" defTabSz="711200">
+            <a:lnSpc>
+              <a:spcPct val="90000"/>
+            </a:lnSpc>
+            <a:spcBef>
+              <a:spcPct val="0"/>
+            </a:spcBef>
+            <a:spcAft>
+              <a:spcPct val="35000"/>
+            </a:spcAft>
+          </a:pPr>
+          <a:endParaRPr lang="de-DE" sz="1600" kern="1200"/>
+        </a:p>
+      </dsp:txBody>
+      <dsp:txXfrm>
+        <a:off x="9847624" y="2387099"/>
+        <a:ext cx="275566" cy="276308"/>
+      </dsp:txXfrm>
+    </dsp:sp>
+    <dsp:sp modelId="{CE1BF210-B0C1-0C45-B643-E2A51ACDB5A4}">
+      <dsp:nvSpPr>
+        <dsp:cNvPr id="0" name=""/>
+        <dsp:cNvSpPr/>
+      </dsp:nvSpPr>
+      <dsp:spPr>
+        <a:xfrm>
+          <a:off x="10404697" y="1968179"/>
+          <a:ext cx="1856912" cy="1114147"/>
+        </a:xfrm>
+        <a:prstGeom prst="roundRect">
+          <a:avLst>
+            <a:gd name="adj" fmla="val 10000"/>
+          </a:avLst>
+        </a:prstGeom>
+        <a:gradFill rotWithShape="0">
+          <a:gsLst>
+            <a:gs pos="0">
+              <a:schemeClr val="dk2">
+                <a:hueOff val="0"/>
+                <a:satOff val="0"/>
+                <a:lumOff val="0"/>
+                <a:alphaOff val="0"/>
+                <a:shade val="51000"/>
+                <a:satMod val="130000"/>
+              </a:schemeClr>
+            </a:gs>
+            <a:gs pos="80000">
+              <a:schemeClr val="dk2">
+                <a:hueOff val="0"/>
+                <a:satOff val="0"/>
+                <a:lumOff val="0"/>
+                <a:alphaOff val="0"/>
+                <a:shade val="93000"/>
+                <a:satMod val="130000"/>
+              </a:schemeClr>
+            </a:gs>
+            <a:gs pos="100000">
+              <a:schemeClr val="dk2">
+                <a:hueOff val="0"/>
+                <a:satOff val="0"/>
+                <a:lumOff val="0"/>
+                <a:alphaOff val="0"/>
+                <a:shade val="94000"/>
+                <a:satMod val="135000"/>
+              </a:schemeClr>
+            </a:gs>
+          </a:gsLst>
+          <a:lin ang="16200000" scaled="0"/>
+        </a:gradFill>
+        <a:ln>
+          <a:noFill/>
+        </a:ln>
+        <a:effectLst>
+          <a:outerShdw blurRad="40000" dist="23000" dir="5400000" rotWithShape="0">
+            <a:srgbClr val="000000">
+              <a:alpha val="35000"/>
+            </a:srgbClr>
+          </a:outerShdw>
+        </a:effectLst>
+      </dsp:spPr>
+      <dsp:style>
+        <a:lnRef idx="0">
+          <a:scrgbClr r="0" g="0" b="0"/>
+        </a:lnRef>
+        <a:fillRef idx="3">
+          <a:scrgbClr r="0" g="0" b="0"/>
+        </a:fillRef>
+        <a:effectRef idx="2">
+          <a:scrgbClr r="0" g="0" b="0"/>
+        </a:effectRef>
+        <a:fontRef idx="minor">
+          <a:schemeClr val="lt1"/>
+        </a:fontRef>
+      </dsp:style>
+      <dsp:txBody>
+        <a:bodyPr spcFirstLastPara="0" vert="horz" wrap="square" lIns="72390" tIns="72390" rIns="72390" bIns="72390" numCol="1" spcCol="1270" anchor="ctr" anchorCtr="0">
+          <a:noAutofit/>
+        </a:bodyPr>
+        <a:lstStyle/>
+        <a:p>
+          <a:pPr lvl="0" algn="ctr" defTabSz="844550">
+            <a:lnSpc>
+              <a:spcPct val="90000"/>
+            </a:lnSpc>
+            <a:spcBef>
+              <a:spcPct val="0"/>
+            </a:spcBef>
+            <a:spcAft>
+              <a:spcPct val="35000"/>
+            </a:spcAft>
+          </a:pPr>
+          <a:r>
+            <a:rPr lang="de-DE" sz="1900" kern="1200" dirty="0"/>
+            <a:t>Einbinden in die Komponente </a:t>
+          </a:r>
+          <a:r>
+            <a:rPr lang="de-DE" sz="1900" kern="1200" dirty="0" err="1"/>
+            <a:t>guest-book</a:t>
+          </a:r>
+          <a:endParaRPr lang="de-DE" sz="1900" kern="1200" dirty="0"/>
+        </a:p>
+      </dsp:txBody>
+      <dsp:txXfrm>
+        <a:off x="10437329" y="2000811"/>
+        <a:ext cx="1791648" cy="1048883"/>
+      </dsp:txXfrm>
+    </dsp:sp>
   </dsp:spTree>
 </dsp:drawing>
 </file>
@@ -6315,23 +8322,743 @@
       <dsp:cNvGrpSpPr/>
     </dsp:nvGrpSpPr>
     <dsp:grpSpPr/>
+    <dsp:sp modelId="{AC19049A-FF2E-864B-A995-C88CCE14464E}">
+      <dsp:nvSpPr>
+        <dsp:cNvPr id="0" name=""/>
+        <dsp:cNvSpPr/>
+      </dsp:nvSpPr>
+      <dsp:spPr>
+        <a:xfrm>
+          <a:off x="5391" y="1818129"/>
+          <a:ext cx="2357080" cy="1414248"/>
+        </a:xfrm>
+        <a:prstGeom prst="roundRect">
+          <a:avLst>
+            <a:gd name="adj" fmla="val 10000"/>
+          </a:avLst>
+        </a:prstGeom>
+        <a:gradFill rotWithShape="0">
+          <a:gsLst>
+            <a:gs pos="0">
+              <a:schemeClr val="dk2">
+                <a:hueOff val="0"/>
+                <a:satOff val="0"/>
+                <a:lumOff val="0"/>
+                <a:alphaOff val="0"/>
+                <a:shade val="51000"/>
+                <a:satMod val="130000"/>
+              </a:schemeClr>
+            </a:gs>
+            <a:gs pos="80000">
+              <a:schemeClr val="dk2">
+                <a:hueOff val="0"/>
+                <a:satOff val="0"/>
+                <a:lumOff val="0"/>
+                <a:alphaOff val="0"/>
+                <a:shade val="93000"/>
+                <a:satMod val="130000"/>
+              </a:schemeClr>
+            </a:gs>
+            <a:gs pos="100000">
+              <a:schemeClr val="dk2">
+                <a:hueOff val="0"/>
+                <a:satOff val="0"/>
+                <a:lumOff val="0"/>
+                <a:alphaOff val="0"/>
+                <a:shade val="94000"/>
+                <a:satMod val="135000"/>
+              </a:schemeClr>
+            </a:gs>
+          </a:gsLst>
+          <a:lin ang="16200000" scaled="0"/>
+        </a:gradFill>
+        <a:ln>
+          <a:noFill/>
+        </a:ln>
+        <a:effectLst>
+          <a:outerShdw blurRad="40000" dist="23000" dir="5400000" rotWithShape="0">
+            <a:srgbClr val="000000">
+              <a:alpha val="35000"/>
+            </a:srgbClr>
+          </a:outerShdw>
+        </a:effectLst>
+      </dsp:spPr>
+      <dsp:style>
+        <a:lnRef idx="0">
+          <a:scrgbClr r="0" g="0" b="0"/>
+        </a:lnRef>
+        <a:fillRef idx="3">
+          <a:scrgbClr r="0" g="0" b="0"/>
+        </a:fillRef>
+        <a:effectRef idx="2">
+          <a:scrgbClr r="0" g="0" b="0"/>
+        </a:effectRef>
+        <a:fontRef idx="minor">
+          <a:schemeClr val="lt1"/>
+        </a:fontRef>
+      </dsp:style>
+      <dsp:txBody>
+        <a:bodyPr spcFirstLastPara="0" vert="horz" wrap="square" lIns="99060" tIns="99060" rIns="99060" bIns="99060" numCol="1" spcCol="1270" anchor="ctr" anchorCtr="0">
+          <a:noAutofit/>
+        </a:bodyPr>
+        <a:lstStyle/>
+        <a:p>
+          <a:pPr lvl="0" algn="ctr" defTabSz="1155700">
+            <a:lnSpc>
+              <a:spcPct val="90000"/>
+            </a:lnSpc>
+            <a:spcBef>
+              <a:spcPct val="0"/>
+            </a:spcBef>
+            <a:spcAft>
+              <a:spcPct val="35000"/>
+            </a:spcAft>
+          </a:pPr>
+          <a:r>
+            <a:rPr lang="de-DE" sz="2600" kern="1200" dirty="0"/>
+            <a:t>Erstellen des Service „</a:t>
+          </a:r>
+          <a:r>
+            <a:rPr lang="de-DE" sz="2600" kern="1200" dirty="0" err="1"/>
+            <a:t>guest-book.service</a:t>
+          </a:r>
+          <a:r>
+            <a:rPr lang="de-DE" sz="2600" kern="1200" dirty="0"/>
+            <a:t>“</a:t>
+          </a:r>
+        </a:p>
+      </dsp:txBody>
+      <dsp:txXfrm>
+        <a:off x="46813" y="1859551"/>
+        <a:ext cx="2274236" cy="1331404"/>
+      </dsp:txXfrm>
+    </dsp:sp>
+    <dsp:sp modelId="{30EAC814-8F64-D74A-9EBA-0CBC6BE058AA}">
+      <dsp:nvSpPr>
+        <dsp:cNvPr id="0" name=""/>
+        <dsp:cNvSpPr/>
+      </dsp:nvSpPr>
+      <dsp:spPr>
+        <a:xfrm>
+          <a:off x="2598179" y="2232975"/>
+          <a:ext cx="499701" cy="584555"/>
+        </a:xfrm>
+        <a:prstGeom prst="rightArrow">
+          <a:avLst>
+            <a:gd name="adj1" fmla="val 60000"/>
+            <a:gd name="adj2" fmla="val 50000"/>
+          </a:avLst>
+        </a:prstGeom>
+        <a:gradFill rotWithShape="0">
+          <a:gsLst>
+            <a:gs pos="0">
+              <a:schemeClr val="dk2">
+                <a:tint val="60000"/>
+                <a:hueOff val="0"/>
+                <a:satOff val="0"/>
+                <a:lumOff val="0"/>
+                <a:alphaOff val="0"/>
+                <a:shade val="51000"/>
+                <a:satMod val="130000"/>
+              </a:schemeClr>
+            </a:gs>
+            <a:gs pos="80000">
+              <a:schemeClr val="dk2">
+                <a:tint val="60000"/>
+                <a:hueOff val="0"/>
+                <a:satOff val="0"/>
+                <a:lumOff val="0"/>
+                <a:alphaOff val="0"/>
+                <a:shade val="93000"/>
+                <a:satMod val="130000"/>
+              </a:schemeClr>
+            </a:gs>
+            <a:gs pos="100000">
+              <a:schemeClr val="dk2">
+                <a:tint val="60000"/>
+                <a:hueOff val="0"/>
+                <a:satOff val="0"/>
+                <a:lumOff val="0"/>
+                <a:alphaOff val="0"/>
+                <a:shade val="94000"/>
+                <a:satMod val="135000"/>
+              </a:schemeClr>
+            </a:gs>
+          </a:gsLst>
+          <a:lin ang="16200000" scaled="0"/>
+        </a:gradFill>
+        <a:ln>
+          <a:noFill/>
+        </a:ln>
+        <a:effectLst>
+          <a:outerShdw blurRad="40000" dist="23000" dir="5400000" rotWithShape="0">
+            <a:srgbClr val="000000">
+              <a:alpha val="35000"/>
+            </a:srgbClr>
+          </a:outerShdw>
+        </a:effectLst>
+      </dsp:spPr>
+      <dsp:style>
+        <a:lnRef idx="0">
+          <a:scrgbClr r="0" g="0" b="0"/>
+        </a:lnRef>
+        <a:fillRef idx="3">
+          <a:scrgbClr r="0" g="0" b="0"/>
+        </a:fillRef>
+        <a:effectRef idx="2">
+          <a:scrgbClr r="0" g="0" b="0"/>
+        </a:effectRef>
+        <a:fontRef idx="minor">
+          <a:schemeClr val="lt1"/>
+        </a:fontRef>
+      </dsp:style>
+      <dsp:txBody>
+        <a:bodyPr spcFirstLastPara="0" vert="horz" wrap="square" lIns="0" tIns="0" rIns="0" bIns="0" numCol="1" spcCol="1270" anchor="ctr" anchorCtr="0">
+          <a:noAutofit/>
+        </a:bodyPr>
+        <a:lstStyle/>
+        <a:p>
+          <a:pPr lvl="0" algn="ctr" defTabSz="933450">
+            <a:lnSpc>
+              <a:spcPct val="90000"/>
+            </a:lnSpc>
+            <a:spcBef>
+              <a:spcPct val="0"/>
+            </a:spcBef>
+            <a:spcAft>
+              <a:spcPct val="35000"/>
+            </a:spcAft>
+          </a:pPr>
+          <a:endParaRPr lang="de-DE" sz="2100" kern="1200"/>
+        </a:p>
+      </dsp:txBody>
+      <dsp:txXfrm>
+        <a:off x="2598179" y="2349886"/>
+        <a:ext cx="349791" cy="350733"/>
+      </dsp:txXfrm>
+    </dsp:sp>
+    <dsp:sp modelId="{942B2FD4-F953-1241-B452-E01505D35646}">
+      <dsp:nvSpPr>
+        <dsp:cNvPr id="0" name=""/>
+        <dsp:cNvSpPr/>
+      </dsp:nvSpPr>
+      <dsp:spPr>
+        <a:xfrm>
+          <a:off x="3305303" y="1818129"/>
+          <a:ext cx="2357080" cy="1414248"/>
+        </a:xfrm>
+        <a:prstGeom prst="roundRect">
+          <a:avLst>
+            <a:gd name="adj" fmla="val 10000"/>
+          </a:avLst>
+        </a:prstGeom>
+        <a:gradFill rotWithShape="0">
+          <a:gsLst>
+            <a:gs pos="0">
+              <a:schemeClr val="dk2">
+                <a:hueOff val="0"/>
+                <a:satOff val="0"/>
+                <a:lumOff val="0"/>
+                <a:alphaOff val="0"/>
+                <a:shade val="51000"/>
+                <a:satMod val="130000"/>
+              </a:schemeClr>
+            </a:gs>
+            <a:gs pos="80000">
+              <a:schemeClr val="dk2">
+                <a:hueOff val="0"/>
+                <a:satOff val="0"/>
+                <a:lumOff val="0"/>
+                <a:alphaOff val="0"/>
+                <a:shade val="93000"/>
+                <a:satMod val="130000"/>
+              </a:schemeClr>
+            </a:gs>
+            <a:gs pos="100000">
+              <a:schemeClr val="dk2">
+                <a:hueOff val="0"/>
+                <a:satOff val="0"/>
+                <a:lumOff val="0"/>
+                <a:alphaOff val="0"/>
+                <a:shade val="94000"/>
+                <a:satMod val="135000"/>
+              </a:schemeClr>
+            </a:gs>
+          </a:gsLst>
+          <a:lin ang="16200000" scaled="0"/>
+        </a:gradFill>
+        <a:ln>
+          <a:noFill/>
+        </a:ln>
+        <a:effectLst>
+          <a:outerShdw blurRad="40000" dist="23000" dir="5400000" rotWithShape="0">
+            <a:srgbClr val="000000">
+              <a:alpha val="35000"/>
+            </a:srgbClr>
+          </a:outerShdw>
+        </a:effectLst>
+      </dsp:spPr>
+      <dsp:style>
+        <a:lnRef idx="0">
+          <a:scrgbClr r="0" g="0" b="0"/>
+        </a:lnRef>
+        <a:fillRef idx="3">
+          <a:scrgbClr r="0" g="0" b="0"/>
+        </a:fillRef>
+        <a:effectRef idx="2">
+          <a:scrgbClr r="0" g="0" b="0"/>
+        </a:effectRef>
+        <a:fontRef idx="minor">
+          <a:schemeClr val="lt1"/>
+        </a:fontRef>
+      </dsp:style>
+      <dsp:txBody>
+        <a:bodyPr spcFirstLastPara="0" vert="horz" wrap="square" lIns="99060" tIns="99060" rIns="99060" bIns="99060" numCol="1" spcCol="1270" anchor="ctr" anchorCtr="0">
+          <a:noAutofit/>
+        </a:bodyPr>
+        <a:lstStyle/>
+        <a:p>
+          <a:pPr lvl="0" algn="ctr" defTabSz="1155700">
+            <a:lnSpc>
+              <a:spcPct val="90000"/>
+            </a:lnSpc>
+            <a:spcBef>
+              <a:spcPct val="0"/>
+            </a:spcBef>
+            <a:spcAft>
+              <a:spcPct val="35000"/>
+            </a:spcAft>
+          </a:pPr>
+          <a:r>
+            <a:rPr lang="de-DE" sz="2600" kern="1200" dirty="0"/>
+            <a:t>Einbinden in die Anwendung</a:t>
+          </a:r>
+        </a:p>
+      </dsp:txBody>
+      <dsp:txXfrm>
+        <a:off x="3346725" y="1859551"/>
+        <a:ext cx="2274236" cy="1331404"/>
+      </dsp:txXfrm>
+    </dsp:sp>
+    <dsp:sp modelId="{61D01FBA-AE9A-8140-B034-5E107AF8B06D}">
+      <dsp:nvSpPr>
+        <dsp:cNvPr id="0" name=""/>
+        <dsp:cNvSpPr/>
+      </dsp:nvSpPr>
+      <dsp:spPr>
+        <a:xfrm>
+          <a:off x="5898091" y="2232975"/>
+          <a:ext cx="499701" cy="584555"/>
+        </a:xfrm>
+        <a:prstGeom prst="rightArrow">
+          <a:avLst>
+            <a:gd name="adj1" fmla="val 60000"/>
+            <a:gd name="adj2" fmla="val 50000"/>
+          </a:avLst>
+        </a:prstGeom>
+        <a:gradFill rotWithShape="0">
+          <a:gsLst>
+            <a:gs pos="0">
+              <a:schemeClr val="dk2">
+                <a:tint val="60000"/>
+                <a:hueOff val="0"/>
+                <a:satOff val="0"/>
+                <a:lumOff val="0"/>
+                <a:alphaOff val="0"/>
+                <a:shade val="51000"/>
+                <a:satMod val="130000"/>
+              </a:schemeClr>
+            </a:gs>
+            <a:gs pos="80000">
+              <a:schemeClr val="dk2">
+                <a:tint val="60000"/>
+                <a:hueOff val="0"/>
+                <a:satOff val="0"/>
+                <a:lumOff val="0"/>
+                <a:alphaOff val="0"/>
+                <a:shade val="93000"/>
+                <a:satMod val="130000"/>
+              </a:schemeClr>
+            </a:gs>
+            <a:gs pos="100000">
+              <a:schemeClr val="dk2">
+                <a:tint val="60000"/>
+                <a:hueOff val="0"/>
+                <a:satOff val="0"/>
+                <a:lumOff val="0"/>
+                <a:alphaOff val="0"/>
+                <a:shade val="94000"/>
+                <a:satMod val="135000"/>
+              </a:schemeClr>
+            </a:gs>
+          </a:gsLst>
+          <a:lin ang="16200000" scaled="0"/>
+        </a:gradFill>
+        <a:ln>
+          <a:noFill/>
+        </a:ln>
+        <a:effectLst>
+          <a:outerShdw blurRad="40000" dist="23000" dir="5400000" rotWithShape="0">
+            <a:srgbClr val="000000">
+              <a:alpha val="35000"/>
+            </a:srgbClr>
+          </a:outerShdw>
+        </a:effectLst>
+      </dsp:spPr>
+      <dsp:style>
+        <a:lnRef idx="0">
+          <a:scrgbClr r="0" g="0" b="0"/>
+        </a:lnRef>
+        <a:fillRef idx="3">
+          <a:scrgbClr r="0" g="0" b="0"/>
+        </a:fillRef>
+        <a:effectRef idx="2">
+          <a:scrgbClr r="0" g="0" b="0"/>
+        </a:effectRef>
+        <a:fontRef idx="minor">
+          <a:schemeClr val="lt1"/>
+        </a:fontRef>
+      </dsp:style>
+      <dsp:txBody>
+        <a:bodyPr spcFirstLastPara="0" vert="horz" wrap="square" lIns="0" tIns="0" rIns="0" bIns="0" numCol="1" spcCol="1270" anchor="ctr" anchorCtr="0">
+          <a:noAutofit/>
+        </a:bodyPr>
+        <a:lstStyle/>
+        <a:p>
+          <a:pPr lvl="0" algn="ctr" defTabSz="933450">
+            <a:lnSpc>
+              <a:spcPct val="90000"/>
+            </a:lnSpc>
+            <a:spcBef>
+              <a:spcPct val="0"/>
+            </a:spcBef>
+            <a:spcAft>
+              <a:spcPct val="35000"/>
+            </a:spcAft>
+          </a:pPr>
+          <a:endParaRPr lang="de-DE" sz="2100" kern="1200"/>
+        </a:p>
+      </dsp:txBody>
+      <dsp:txXfrm>
+        <a:off x="5898091" y="2349886"/>
+        <a:ext cx="349791" cy="350733"/>
+      </dsp:txXfrm>
+    </dsp:sp>
+    <dsp:sp modelId="{2D682FDA-6E7F-4A43-8A70-4A764CE24742}">
+      <dsp:nvSpPr>
+        <dsp:cNvPr id="0" name=""/>
+        <dsp:cNvSpPr/>
+      </dsp:nvSpPr>
+      <dsp:spPr>
+        <a:xfrm>
+          <a:off x="6605216" y="1818129"/>
+          <a:ext cx="2357080" cy="1414248"/>
+        </a:xfrm>
+        <a:prstGeom prst="roundRect">
+          <a:avLst>
+            <a:gd name="adj" fmla="val 10000"/>
+          </a:avLst>
+        </a:prstGeom>
+        <a:gradFill rotWithShape="0">
+          <a:gsLst>
+            <a:gs pos="0">
+              <a:schemeClr val="dk2">
+                <a:hueOff val="0"/>
+                <a:satOff val="0"/>
+                <a:lumOff val="0"/>
+                <a:alphaOff val="0"/>
+                <a:shade val="51000"/>
+                <a:satMod val="130000"/>
+              </a:schemeClr>
+            </a:gs>
+            <a:gs pos="80000">
+              <a:schemeClr val="dk2">
+                <a:hueOff val="0"/>
+                <a:satOff val="0"/>
+                <a:lumOff val="0"/>
+                <a:alphaOff val="0"/>
+                <a:shade val="93000"/>
+                <a:satMod val="130000"/>
+              </a:schemeClr>
+            </a:gs>
+            <a:gs pos="100000">
+              <a:schemeClr val="dk2">
+                <a:hueOff val="0"/>
+                <a:satOff val="0"/>
+                <a:lumOff val="0"/>
+                <a:alphaOff val="0"/>
+                <a:shade val="94000"/>
+                <a:satMod val="135000"/>
+              </a:schemeClr>
+            </a:gs>
+          </a:gsLst>
+          <a:lin ang="16200000" scaled="0"/>
+        </a:gradFill>
+        <a:ln>
+          <a:noFill/>
+        </a:ln>
+        <a:effectLst>
+          <a:outerShdw blurRad="40000" dist="23000" dir="5400000" rotWithShape="0">
+            <a:srgbClr val="000000">
+              <a:alpha val="35000"/>
+            </a:srgbClr>
+          </a:outerShdw>
+        </a:effectLst>
+      </dsp:spPr>
+      <dsp:style>
+        <a:lnRef idx="0">
+          <a:scrgbClr r="0" g="0" b="0"/>
+        </a:lnRef>
+        <a:fillRef idx="3">
+          <a:scrgbClr r="0" g="0" b="0"/>
+        </a:fillRef>
+        <a:effectRef idx="2">
+          <a:scrgbClr r="0" g="0" b="0"/>
+        </a:effectRef>
+        <a:fontRef idx="minor">
+          <a:schemeClr val="lt1"/>
+        </a:fontRef>
+      </dsp:style>
+      <dsp:txBody>
+        <a:bodyPr spcFirstLastPara="0" vert="horz" wrap="square" lIns="99060" tIns="99060" rIns="99060" bIns="99060" numCol="1" spcCol="1270" anchor="ctr" anchorCtr="0">
+          <a:noAutofit/>
+        </a:bodyPr>
+        <a:lstStyle/>
+        <a:p>
+          <a:pPr lvl="0" algn="ctr" defTabSz="1155700">
+            <a:lnSpc>
+              <a:spcPct val="90000"/>
+            </a:lnSpc>
+            <a:spcBef>
+              <a:spcPct val="0"/>
+            </a:spcBef>
+            <a:spcAft>
+              <a:spcPct val="35000"/>
+            </a:spcAft>
+          </a:pPr>
+          <a:r>
+            <a:rPr lang="de-DE" sz="2600" kern="1200" dirty="0"/>
+            <a:t>Auslagern der Businesslogik in den Service</a:t>
+          </a:r>
+        </a:p>
+      </dsp:txBody>
+      <dsp:txXfrm>
+        <a:off x="6646638" y="1859551"/>
+        <a:ext cx="2274236" cy="1331404"/>
+      </dsp:txXfrm>
+    </dsp:sp>
+    <dsp:sp modelId="{78019554-895E-1248-B21B-5CD6309654E4}">
+      <dsp:nvSpPr>
+        <dsp:cNvPr id="0" name=""/>
+        <dsp:cNvSpPr/>
+      </dsp:nvSpPr>
+      <dsp:spPr>
+        <a:xfrm>
+          <a:off x="9198004" y="2232975"/>
+          <a:ext cx="499701" cy="584555"/>
+        </a:xfrm>
+        <a:prstGeom prst="rightArrow">
+          <a:avLst>
+            <a:gd name="adj1" fmla="val 60000"/>
+            <a:gd name="adj2" fmla="val 50000"/>
+          </a:avLst>
+        </a:prstGeom>
+        <a:gradFill rotWithShape="0">
+          <a:gsLst>
+            <a:gs pos="0">
+              <a:schemeClr val="dk2">
+                <a:tint val="60000"/>
+                <a:hueOff val="0"/>
+                <a:satOff val="0"/>
+                <a:lumOff val="0"/>
+                <a:alphaOff val="0"/>
+                <a:shade val="51000"/>
+                <a:satMod val="130000"/>
+              </a:schemeClr>
+            </a:gs>
+            <a:gs pos="80000">
+              <a:schemeClr val="dk2">
+                <a:tint val="60000"/>
+                <a:hueOff val="0"/>
+                <a:satOff val="0"/>
+                <a:lumOff val="0"/>
+                <a:alphaOff val="0"/>
+                <a:shade val="93000"/>
+                <a:satMod val="130000"/>
+              </a:schemeClr>
+            </a:gs>
+            <a:gs pos="100000">
+              <a:schemeClr val="dk2">
+                <a:tint val="60000"/>
+                <a:hueOff val="0"/>
+                <a:satOff val="0"/>
+                <a:lumOff val="0"/>
+                <a:alphaOff val="0"/>
+                <a:shade val="94000"/>
+                <a:satMod val="135000"/>
+              </a:schemeClr>
+            </a:gs>
+          </a:gsLst>
+          <a:lin ang="16200000" scaled="0"/>
+        </a:gradFill>
+        <a:ln>
+          <a:noFill/>
+        </a:ln>
+        <a:effectLst>
+          <a:outerShdw blurRad="40000" dist="23000" dir="5400000" rotWithShape="0">
+            <a:srgbClr val="000000">
+              <a:alpha val="35000"/>
+            </a:srgbClr>
+          </a:outerShdw>
+        </a:effectLst>
+      </dsp:spPr>
+      <dsp:style>
+        <a:lnRef idx="0">
+          <a:scrgbClr r="0" g="0" b="0"/>
+        </a:lnRef>
+        <a:fillRef idx="3">
+          <a:scrgbClr r="0" g="0" b="0"/>
+        </a:fillRef>
+        <a:effectRef idx="2">
+          <a:scrgbClr r="0" g="0" b="0"/>
+        </a:effectRef>
+        <a:fontRef idx="minor">
+          <a:schemeClr val="lt1"/>
+        </a:fontRef>
+      </dsp:style>
+      <dsp:txBody>
+        <a:bodyPr spcFirstLastPara="0" vert="horz" wrap="square" lIns="0" tIns="0" rIns="0" bIns="0" numCol="1" spcCol="1270" anchor="ctr" anchorCtr="0">
+          <a:noAutofit/>
+        </a:bodyPr>
+        <a:lstStyle/>
+        <a:p>
+          <a:pPr lvl="0" algn="ctr" defTabSz="933450">
+            <a:lnSpc>
+              <a:spcPct val="90000"/>
+            </a:lnSpc>
+            <a:spcBef>
+              <a:spcPct val="0"/>
+            </a:spcBef>
+            <a:spcAft>
+              <a:spcPct val="35000"/>
+            </a:spcAft>
+          </a:pPr>
+          <a:endParaRPr lang="de-DE" sz="2100" kern="1200"/>
+        </a:p>
+      </dsp:txBody>
+      <dsp:txXfrm>
+        <a:off x="9198004" y="2349886"/>
+        <a:ext cx="349791" cy="350733"/>
+      </dsp:txXfrm>
+    </dsp:sp>
+    <dsp:sp modelId="{48E1AD6C-04E3-5047-8B6E-169C4DE6C0BD}">
+      <dsp:nvSpPr>
+        <dsp:cNvPr id="0" name=""/>
+        <dsp:cNvSpPr/>
+      </dsp:nvSpPr>
+      <dsp:spPr>
+        <a:xfrm>
+          <a:off x="9905128" y="1818129"/>
+          <a:ext cx="2357080" cy="1414248"/>
+        </a:xfrm>
+        <a:prstGeom prst="roundRect">
+          <a:avLst>
+            <a:gd name="adj" fmla="val 10000"/>
+          </a:avLst>
+        </a:prstGeom>
+        <a:gradFill rotWithShape="0">
+          <a:gsLst>
+            <a:gs pos="0">
+              <a:schemeClr val="dk2">
+                <a:hueOff val="0"/>
+                <a:satOff val="0"/>
+                <a:lumOff val="0"/>
+                <a:alphaOff val="0"/>
+                <a:shade val="51000"/>
+                <a:satMod val="130000"/>
+              </a:schemeClr>
+            </a:gs>
+            <a:gs pos="80000">
+              <a:schemeClr val="dk2">
+                <a:hueOff val="0"/>
+                <a:satOff val="0"/>
+                <a:lumOff val="0"/>
+                <a:alphaOff val="0"/>
+                <a:shade val="93000"/>
+                <a:satMod val="130000"/>
+              </a:schemeClr>
+            </a:gs>
+            <a:gs pos="100000">
+              <a:schemeClr val="dk2">
+                <a:hueOff val="0"/>
+                <a:satOff val="0"/>
+                <a:lumOff val="0"/>
+                <a:alphaOff val="0"/>
+                <a:shade val="94000"/>
+                <a:satMod val="135000"/>
+              </a:schemeClr>
+            </a:gs>
+          </a:gsLst>
+          <a:lin ang="16200000" scaled="0"/>
+        </a:gradFill>
+        <a:ln>
+          <a:noFill/>
+        </a:ln>
+        <a:effectLst>
+          <a:outerShdw blurRad="40000" dist="23000" dir="5400000" rotWithShape="0">
+            <a:srgbClr val="000000">
+              <a:alpha val="35000"/>
+            </a:srgbClr>
+          </a:outerShdw>
+        </a:effectLst>
+      </dsp:spPr>
+      <dsp:style>
+        <a:lnRef idx="0">
+          <a:scrgbClr r="0" g="0" b="0"/>
+        </a:lnRef>
+        <a:fillRef idx="3">
+          <a:scrgbClr r="0" g="0" b="0"/>
+        </a:fillRef>
+        <a:effectRef idx="2">
+          <a:scrgbClr r="0" g="0" b="0"/>
+        </a:effectRef>
+        <a:fontRef idx="minor">
+          <a:schemeClr val="lt1"/>
+        </a:fontRef>
+      </dsp:style>
+      <dsp:txBody>
+        <a:bodyPr spcFirstLastPara="0" vert="horz" wrap="square" lIns="99060" tIns="99060" rIns="99060" bIns="99060" numCol="1" spcCol="1270" anchor="ctr" anchorCtr="0">
+          <a:noAutofit/>
+        </a:bodyPr>
+        <a:lstStyle/>
+        <a:p>
+          <a:pPr lvl="0" algn="ctr" defTabSz="1155700">
+            <a:lnSpc>
+              <a:spcPct val="90000"/>
+            </a:lnSpc>
+            <a:spcBef>
+              <a:spcPct val="0"/>
+            </a:spcBef>
+            <a:spcAft>
+              <a:spcPct val="35000"/>
+            </a:spcAft>
+          </a:pPr>
+          <a:r>
+            <a:rPr lang="de-DE" sz="2600" kern="1200" dirty="0"/>
+            <a:t>Verwendung des Service</a:t>
+          </a:r>
+        </a:p>
+      </dsp:txBody>
+      <dsp:txXfrm>
+        <a:off x="9946550" y="1859551"/>
+        <a:ext cx="2274236" cy="1331404"/>
+      </dsp:txXfrm>
+    </dsp:sp>
   </dsp:spTree>
 </dsp:drawing>
 </file>
 
 <file path=ppt/diagrams/drawing5.xml><?xml version="1.0" encoding="utf-8"?>
-<dsp:drawing xmlns:dgm="http://schemas.openxmlformats.org/drawingml/2006/diagram" xmlns:dsp="http://schemas.microsoft.com/office/drawing/2008/diagram" xmlns:a="http://schemas.openxmlformats.org/drawingml/2006/main">
-  <dsp:spTree>
-    <dsp:nvGrpSpPr>
-      <dsp:cNvPr id="0" name=""/>
-      <dsp:cNvGrpSpPr/>
-    </dsp:nvGrpSpPr>
-    <dsp:grpSpPr/>
-  </dsp:spTree>
-</dsp:drawing>
-</file>
-
-<file path=ppt/diagrams/drawing6.xml><?xml version="1.0" encoding="utf-8"?>
 <dsp:drawing xmlns:dgm="http://schemas.openxmlformats.org/drawingml/2006/diagram" xmlns:dsp="http://schemas.microsoft.com/office/drawing/2008/diagram" xmlns:a="http://schemas.openxmlformats.org/drawingml/2006/main">
   <dsp:spTree>
     <dsp:nvGrpSpPr>
@@ -6433,7 +9160,7 @@
           </a:pPr>
           <a:r>
             <a:rPr lang="de-DE" sz="6200" kern="1200" dirty="0"/>
-            <a:t>Definition von Routen</a:t>
+            <a:t>Anbinden von Bootstrap</a:t>
           </a:r>
         </a:p>
       </dsp:txBody>
@@ -6546,7 +9273,7 @@
         <a:ext cx="758250" cy="760294"/>
       </dsp:txXfrm>
     </dsp:sp>
-    <dsp:sp modelId="{942B2FD4-F953-1241-B452-E01505D35646}">
+    <dsp:sp modelId="{F3798565-47D6-9C41-8AE7-D9D9868DAAE8}">
       <dsp:nvSpPr>
         <dsp:cNvPr id="0" name=""/>
         <dsp:cNvSpPr/>
@@ -6640,6 +9367,328 @@
           </a:pPr>
           <a:r>
             <a:rPr lang="de-DE" sz="6200" kern="1200" dirty="0"/>
+            <a:t>Eigene Styles hinzufügen</a:t>
+          </a:r>
+        </a:p>
+      </dsp:txBody>
+      <dsp:txXfrm>
+        <a:off x="7245491" y="1082193"/>
+        <a:ext cx="4929921" cy="2886119"/>
+      </dsp:txXfrm>
+    </dsp:sp>
+  </dsp:spTree>
+</dsp:drawing>
+</file>
+
+<file path=ppt/diagrams/drawing6.xml><?xml version="1.0" encoding="utf-8"?>
+<dsp:drawing xmlns:dgm="http://schemas.openxmlformats.org/drawingml/2006/diagram" xmlns:dsp="http://schemas.microsoft.com/office/drawing/2008/diagram" xmlns:a="http://schemas.openxmlformats.org/drawingml/2006/main">
+  <dsp:spTree>
+    <dsp:nvGrpSpPr>
+      <dsp:cNvPr id="0" name=""/>
+      <dsp:cNvGrpSpPr/>
+    </dsp:nvGrpSpPr>
+    <dsp:grpSpPr/>
+    <dsp:sp modelId="{AC19049A-FF2E-864B-A995-C88CCE14464E}">
+      <dsp:nvSpPr>
+        <dsp:cNvPr id="0" name=""/>
+        <dsp:cNvSpPr/>
+      </dsp:nvSpPr>
+      <dsp:spPr>
+        <a:xfrm>
+          <a:off x="2396" y="992402"/>
+          <a:ext cx="5109503" cy="3065701"/>
+        </a:xfrm>
+        <a:prstGeom prst="roundRect">
+          <a:avLst>
+            <a:gd name="adj" fmla="val 10000"/>
+          </a:avLst>
+        </a:prstGeom>
+        <a:gradFill rotWithShape="0">
+          <a:gsLst>
+            <a:gs pos="0">
+              <a:schemeClr val="dk2">
+                <a:hueOff val="0"/>
+                <a:satOff val="0"/>
+                <a:lumOff val="0"/>
+                <a:alphaOff val="0"/>
+                <a:shade val="51000"/>
+                <a:satMod val="130000"/>
+              </a:schemeClr>
+            </a:gs>
+            <a:gs pos="80000">
+              <a:schemeClr val="dk2">
+                <a:hueOff val="0"/>
+                <a:satOff val="0"/>
+                <a:lumOff val="0"/>
+                <a:alphaOff val="0"/>
+                <a:shade val="93000"/>
+                <a:satMod val="130000"/>
+              </a:schemeClr>
+            </a:gs>
+            <a:gs pos="100000">
+              <a:schemeClr val="dk2">
+                <a:hueOff val="0"/>
+                <a:satOff val="0"/>
+                <a:lumOff val="0"/>
+                <a:alphaOff val="0"/>
+                <a:shade val="94000"/>
+                <a:satMod val="135000"/>
+              </a:schemeClr>
+            </a:gs>
+          </a:gsLst>
+          <a:lin ang="16200000" scaled="0"/>
+        </a:gradFill>
+        <a:ln>
+          <a:noFill/>
+        </a:ln>
+        <a:effectLst>
+          <a:outerShdw blurRad="40000" dist="23000" dir="5400000" rotWithShape="0">
+            <a:srgbClr val="000000">
+              <a:alpha val="35000"/>
+            </a:srgbClr>
+          </a:outerShdw>
+        </a:effectLst>
+      </dsp:spPr>
+      <dsp:style>
+        <a:lnRef idx="0">
+          <a:scrgbClr r="0" g="0" b="0"/>
+        </a:lnRef>
+        <a:fillRef idx="3">
+          <a:scrgbClr r="0" g="0" b="0"/>
+        </a:fillRef>
+        <a:effectRef idx="2">
+          <a:scrgbClr r="0" g="0" b="0"/>
+        </a:effectRef>
+        <a:fontRef idx="minor">
+          <a:schemeClr val="lt1"/>
+        </a:fontRef>
+      </dsp:style>
+      <dsp:txBody>
+        <a:bodyPr spcFirstLastPara="0" vert="horz" wrap="square" lIns="247650" tIns="247650" rIns="247650" bIns="247650" numCol="1" spcCol="1270" anchor="ctr" anchorCtr="0">
+          <a:noAutofit/>
+        </a:bodyPr>
+        <a:lstStyle/>
+        <a:p>
+          <a:pPr lvl="0" algn="ctr" defTabSz="2889250">
+            <a:lnSpc>
+              <a:spcPct val="90000"/>
+            </a:lnSpc>
+            <a:spcBef>
+              <a:spcPct val="0"/>
+            </a:spcBef>
+            <a:spcAft>
+              <a:spcPct val="35000"/>
+            </a:spcAft>
+          </a:pPr>
+          <a:r>
+            <a:rPr lang="de-DE" sz="6500" kern="1200" dirty="0"/>
+            <a:t>Definition von Routen</a:t>
+          </a:r>
+        </a:p>
+      </dsp:txBody>
+      <dsp:txXfrm>
+        <a:off x="92187" y="1082193"/>
+        <a:ext cx="4929921" cy="2886119"/>
+      </dsp:txXfrm>
+    </dsp:sp>
+    <dsp:sp modelId="{30EAC814-8F64-D74A-9EBA-0CBC6BE058AA}">
+      <dsp:nvSpPr>
+        <dsp:cNvPr id="0" name=""/>
+        <dsp:cNvSpPr/>
+      </dsp:nvSpPr>
+      <dsp:spPr>
+        <a:xfrm>
+          <a:off x="5622849" y="1891675"/>
+          <a:ext cx="1083214" cy="1267156"/>
+        </a:xfrm>
+        <a:prstGeom prst="rightArrow">
+          <a:avLst>
+            <a:gd name="adj1" fmla="val 60000"/>
+            <a:gd name="adj2" fmla="val 50000"/>
+          </a:avLst>
+        </a:prstGeom>
+        <a:gradFill rotWithShape="0">
+          <a:gsLst>
+            <a:gs pos="0">
+              <a:schemeClr val="dk2">
+                <a:tint val="60000"/>
+                <a:hueOff val="0"/>
+                <a:satOff val="0"/>
+                <a:lumOff val="0"/>
+                <a:alphaOff val="0"/>
+                <a:shade val="51000"/>
+                <a:satMod val="130000"/>
+              </a:schemeClr>
+            </a:gs>
+            <a:gs pos="80000">
+              <a:schemeClr val="dk2">
+                <a:tint val="60000"/>
+                <a:hueOff val="0"/>
+                <a:satOff val="0"/>
+                <a:lumOff val="0"/>
+                <a:alphaOff val="0"/>
+                <a:shade val="93000"/>
+                <a:satMod val="130000"/>
+              </a:schemeClr>
+            </a:gs>
+            <a:gs pos="100000">
+              <a:schemeClr val="dk2">
+                <a:tint val="60000"/>
+                <a:hueOff val="0"/>
+                <a:satOff val="0"/>
+                <a:lumOff val="0"/>
+                <a:alphaOff val="0"/>
+                <a:shade val="94000"/>
+                <a:satMod val="135000"/>
+              </a:schemeClr>
+            </a:gs>
+          </a:gsLst>
+          <a:lin ang="16200000" scaled="0"/>
+        </a:gradFill>
+        <a:ln>
+          <a:noFill/>
+        </a:ln>
+        <a:effectLst>
+          <a:outerShdw blurRad="40000" dist="23000" dir="5400000" rotWithShape="0">
+            <a:srgbClr val="000000">
+              <a:alpha val="35000"/>
+            </a:srgbClr>
+          </a:outerShdw>
+        </a:effectLst>
+      </dsp:spPr>
+      <dsp:style>
+        <a:lnRef idx="0">
+          <a:scrgbClr r="0" g="0" b="0"/>
+        </a:lnRef>
+        <a:fillRef idx="3">
+          <a:scrgbClr r="0" g="0" b="0"/>
+        </a:fillRef>
+        <a:effectRef idx="2">
+          <a:scrgbClr r="0" g="0" b="0"/>
+        </a:effectRef>
+        <a:fontRef idx="minor">
+          <a:schemeClr val="lt1"/>
+        </a:fontRef>
+      </dsp:style>
+      <dsp:txBody>
+        <a:bodyPr spcFirstLastPara="0" vert="horz" wrap="square" lIns="0" tIns="0" rIns="0" bIns="0" numCol="1" spcCol="1270" anchor="ctr" anchorCtr="0">
+          <a:noAutofit/>
+        </a:bodyPr>
+        <a:lstStyle/>
+        <a:p>
+          <a:pPr lvl="0" algn="ctr" defTabSz="2400300">
+            <a:lnSpc>
+              <a:spcPct val="90000"/>
+            </a:lnSpc>
+            <a:spcBef>
+              <a:spcPct val="0"/>
+            </a:spcBef>
+            <a:spcAft>
+              <a:spcPct val="35000"/>
+            </a:spcAft>
+          </a:pPr>
+          <a:endParaRPr lang="de-DE" sz="5400" kern="1200"/>
+        </a:p>
+      </dsp:txBody>
+      <dsp:txXfrm>
+        <a:off x="5622849" y="2145106"/>
+        <a:ext cx="758250" cy="760294"/>
+      </dsp:txXfrm>
+    </dsp:sp>
+    <dsp:sp modelId="{942B2FD4-F953-1241-B452-E01505D35646}">
+      <dsp:nvSpPr>
+        <dsp:cNvPr id="0" name=""/>
+        <dsp:cNvSpPr/>
+      </dsp:nvSpPr>
+      <dsp:spPr>
+        <a:xfrm>
+          <a:off x="7155700" y="992402"/>
+          <a:ext cx="5109503" cy="3065701"/>
+        </a:xfrm>
+        <a:prstGeom prst="roundRect">
+          <a:avLst>
+            <a:gd name="adj" fmla="val 10000"/>
+          </a:avLst>
+        </a:prstGeom>
+        <a:gradFill rotWithShape="0">
+          <a:gsLst>
+            <a:gs pos="0">
+              <a:schemeClr val="dk2">
+                <a:hueOff val="0"/>
+                <a:satOff val="0"/>
+                <a:lumOff val="0"/>
+                <a:alphaOff val="0"/>
+                <a:shade val="51000"/>
+                <a:satMod val="130000"/>
+              </a:schemeClr>
+            </a:gs>
+            <a:gs pos="80000">
+              <a:schemeClr val="dk2">
+                <a:hueOff val="0"/>
+                <a:satOff val="0"/>
+                <a:lumOff val="0"/>
+                <a:alphaOff val="0"/>
+                <a:shade val="93000"/>
+                <a:satMod val="130000"/>
+              </a:schemeClr>
+            </a:gs>
+            <a:gs pos="100000">
+              <a:schemeClr val="dk2">
+                <a:hueOff val="0"/>
+                <a:satOff val="0"/>
+                <a:lumOff val="0"/>
+                <a:alphaOff val="0"/>
+                <a:shade val="94000"/>
+                <a:satMod val="135000"/>
+              </a:schemeClr>
+            </a:gs>
+          </a:gsLst>
+          <a:lin ang="16200000" scaled="0"/>
+        </a:gradFill>
+        <a:ln>
+          <a:noFill/>
+        </a:ln>
+        <a:effectLst>
+          <a:outerShdw blurRad="40000" dist="23000" dir="5400000" rotWithShape="0">
+            <a:srgbClr val="000000">
+              <a:alpha val="35000"/>
+            </a:srgbClr>
+          </a:outerShdw>
+        </a:effectLst>
+      </dsp:spPr>
+      <dsp:style>
+        <a:lnRef idx="0">
+          <a:scrgbClr r="0" g="0" b="0"/>
+        </a:lnRef>
+        <a:fillRef idx="3">
+          <a:scrgbClr r="0" g="0" b="0"/>
+        </a:fillRef>
+        <a:effectRef idx="2">
+          <a:scrgbClr r="0" g="0" b="0"/>
+        </a:effectRef>
+        <a:fontRef idx="minor">
+          <a:schemeClr val="lt1"/>
+        </a:fontRef>
+      </dsp:style>
+      <dsp:txBody>
+        <a:bodyPr spcFirstLastPara="0" vert="horz" wrap="square" lIns="247650" tIns="247650" rIns="247650" bIns="247650" numCol="1" spcCol="1270" anchor="ctr" anchorCtr="0">
+          <a:noAutofit/>
+        </a:bodyPr>
+        <a:lstStyle/>
+        <a:p>
+          <a:pPr lvl="0" algn="ctr" defTabSz="2889250">
+            <a:lnSpc>
+              <a:spcPct val="90000"/>
+            </a:lnSpc>
+            <a:spcBef>
+              <a:spcPct val="0"/>
+            </a:spcBef>
+            <a:spcAft>
+              <a:spcPct val="35000"/>
+            </a:spcAft>
+          </a:pPr>
+          <a:r>
+            <a:rPr lang="de-DE" sz="6500" kern="1200" dirty="0"/>
             <a:t>Verwendung der Routing</a:t>
           </a:r>
         </a:p>
@@ -13820,7 +16869,7 @@
                 <a:latin typeface="Segoe UI" pitchFamily="34" charset="0"/>
               </a:rPr>
               <a:pPr/>
-              <a:t>19.10.2017</a:t>
+              <a:t>20.10.17</a:t>
             </a:fld>
             <a:endParaRPr lang="de-DE" dirty="0">
               <a:latin typeface="Segoe UI" pitchFamily="34" charset="0"/>
@@ -13999,7 +17048,7 @@
             <a:fld id="{D2E1CCC5-01B8-284F-B77B-84D835A7601B}" type="datetimeFigureOut">
               <a:rPr lang="de-DE" smtClean="0"/>
               <a:pPr/>
-              <a:t>19.10.2017</a:t>
+              <a:t>20.10.17</a:t>
             </a:fld>
             <a:endParaRPr lang="de-DE" dirty="0"/>
           </a:p>
@@ -14315,239 +17364,81 @@
         <p:spPr/>
         <p:txBody>
           <a:bodyPr>
-            <a:normAutofit fontScale="85000" lnSpcReduction="20000"/>
+            <a:normAutofit lnSpcReduction="10000"/>
           </a:bodyPr>
           <a:lstStyle/>
           <a:p>
+            <a:r>
+              <a:rPr lang="de-DE" dirty="0" smtClean="0"/>
+              <a:t>Fragen:</a:t>
+            </a:r>
+            <a:endParaRPr lang="de-DE" sz="3200" dirty="0" smtClean="0"/>
+          </a:p>
+          <a:p>
+            <a:endParaRPr lang="de-DE" sz="3200" dirty="0" smtClean="0"/>
+          </a:p>
+          <a:p>
             <a:pPr marL="285750" indent="-285750">
-              <a:buFont typeface="Arial" panose="020B0604020202020204" pitchFamily="34" charset="0"/>
-              <a:buChar char="•"/>
+              <a:buFontTx/>
+              <a:buChar char="-"/>
             </a:pPr>
             <a:r>
-              <a:rPr lang="de-DE" dirty="0" err="1"/>
-              <a:t>Crossplatform</a:t>
-            </a:r>
-            <a:endParaRPr lang="de-DE" dirty="0"/>
-          </a:p>
-          <a:p>
-            <a:pPr marL="935980" lvl="1" indent="-285750">
-              <a:buFont typeface="Arial" panose="020B0604020202020204" pitchFamily="34" charset="0"/>
-              <a:buChar char="•"/>
+              <a:rPr lang="de-DE" sz="3200" dirty="0" smtClean="0"/>
+              <a:t>Wer hat bereits</a:t>
+            </a:r>
+            <a:r>
+              <a:rPr lang="de-DE" sz="3200" baseline="0" dirty="0" smtClean="0"/>
+              <a:t> eine HTML Seite erstellt</a:t>
+            </a:r>
+          </a:p>
+          <a:p>
+            <a:pPr marL="285750" indent="-285750">
+              <a:buFontTx/>
+              <a:buChar char="-"/>
             </a:pPr>
             <a:r>
-              <a:rPr lang="de-DE" dirty="0"/>
-              <a:t>Progressive Web Apps</a:t>
-            </a:r>
-            <a:br>
-              <a:rPr lang="de-DE" dirty="0"/>
-            </a:br>
-            <a:r>
-              <a:rPr lang="de-DE" dirty="0" err="1"/>
-              <a:t>FatClient</a:t>
-            </a:r>
-            <a:r>
-              <a:rPr lang="de-DE" baseline="0" dirty="0"/>
-              <a:t> Experience auf Basis von Webtechnologien, </a:t>
-            </a:r>
-            <a:r>
-              <a:rPr lang="de-DE" baseline="0" dirty="0" err="1"/>
-              <a:t>hochperformant</a:t>
-            </a:r>
-            <a:r>
-              <a:rPr lang="de-DE" baseline="0" dirty="0"/>
-              <a:t> und ohne Installation</a:t>
-            </a:r>
-            <a:endParaRPr lang="de-DE" dirty="0"/>
-          </a:p>
-          <a:p>
-            <a:pPr marL="935980" lvl="1" indent="-285750">
-              <a:buFont typeface="Arial" panose="020B0604020202020204" pitchFamily="34" charset="0"/>
-              <a:buChar char="•"/>
+              <a:rPr lang="de-DE" sz="3200" baseline="0" dirty="0" smtClean="0"/>
+              <a:t>Kennt jemand CSS/LESS/SCSS?</a:t>
+            </a:r>
+          </a:p>
+          <a:p>
+            <a:pPr marL="285750" indent="-285750">
+              <a:buFontTx/>
+              <a:buChar char="-"/>
             </a:pPr>
             <a:r>
-              <a:rPr lang="de-DE" dirty="0"/>
-              <a:t>Native</a:t>
-            </a:r>
-            <a:br>
-              <a:rPr lang="de-DE" dirty="0"/>
-            </a:br>
-            <a:r>
-              <a:rPr lang="de-DE" dirty="0"/>
-              <a:t>Native Apps durch Verwendung entsprechender</a:t>
-            </a:r>
-            <a:r>
-              <a:rPr lang="de-DE" baseline="0" dirty="0"/>
-              <a:t> UI-Frameworks (bspw. IONIC)</a:t>
-            </a:r>
-            <a:endParaRPr lang="de-DE" dirty="0"/>
-          </a:p>
-          <a:p>
-            <a:pPr marL="935980" lvl="1" indent="-285750">
-              <a:buFont typeface="Arial" panose="020B0604020202020204" pitchFamily="34" charset="0"/>
-              <a:buChar char="•"/>
+              <a:rPr lang="de-DE" sz="3200" dirty="0" smtClean="0"/>
+              <a:t>JavaScript/</a:t>
+            </a:r>
+            <a:r>
+              <a:rPr lang="de-DE" sz="3200" dirty="0" err="1" smtClean="0"/>
+              <a:t>Typescript</a:t>
+            </a:r>
+            <a:r>
+              <a:rPr lang="de-DE" sz="3200" dirty="0" smtClean="0"/>
+              <a:t>?</a:t>
+            </a:r>
+          </a:p>
+          <a:p>
+            <a:pPr marL="285750" indent="-285750">
+              <a:buFontTx/>
+              <a:buChar char="-"/>
             </a:pPr>
             <a:r>
-              <a:rPr lang="de-DE" dirty="0"/>
-              <a:t>Desktop</a:t>
-            </a:r>
-            <a:br>
-              <a:rPr lang="de-DE" dirty="0"/>
-            </a:br>
-            <a:r>
-              <a:rPr lang="de-DE" dirty="0" err="1"/>
-              <a:t>Beriebssystemunabhängige</a:t>
-            </a:r>
-            <a:r>
-              <a:rPr lang="de-DE" baseline="0" dirty="0"/>
-              <a:t> Clients, „lernen fürs Web“</a:t>
-            </a:r>
-          </a:p>
-          <a:p>
-            <a:pPr marL="285750" lvl="0" indent="-285750">
-              <a:buFont typeface="Arial" panose="020B0604020202020204" pitchFamily="34" charset="0"/>
-              <a:buChar char="•"/>
+              <a:rPr lang="de-DE" sz="3200" dirty="0" smtClean="0"/>
+              <a:t>Angular?</a:t>
+            </a:r>
+          </a:p>
+          <a:p>
+            <a:pPr marL="285750" indent="-285750">
+              <a:buFontTx/>
+              <a:buChar char="-"/>
             </a:pPr>
-            <a:endParaRPr lang="de-DE" baseline="0" dirty="0"/>
-          </a:p>
-          <a:p>
-            <a:pPr marL="285750" indent="-285750">
-              <a:buFont typeface="Arial" panose="020B0604020202020204" pitchFamily="34" charset="0"/>
-              <a:buChar char="•"/>
-            </a:pPr>
-            <a:r>
-              <a:rPr lang="de-DE" dirty="0"/>
-              <a:t>Speed</a:t>
-            </a:r>
-            <a:r>
-              <a:rPr lang="de-DE" baseline="0" dirty="0"/>
-              <a:t> und Performance</a:t>
-            </a:r>
-          </a:p>
-          <a:p>
-            <a:pPr marL="935980" lvl="1" indent="-285750">
-              <a:buFont typeface="Arial" panose="020B0604020202020204" pitchFamily="34" charset="0"/>
-              <a:buChar char="•"/>
-            </a:pPr>
-            <a:r>
-              <a:rPr lang="de-DE" baseline="0" dirty="0"/>
-              <a:t>Code </a:t>
-            </a:r>
-            <a:r>
-              <a:rPr lang="de-DE" baseline="0" dirty="0" err="1"/>
-              <a:t>generation</a:t>
-            </a:r>
-            <a:endParaRPr lang="de-DE" baseline="0" dirty="0"/>
-          </a:p>
-          <a:p>
-            <a:pPr marL="935980" lvl="1" indent="-285750">
-              <a:buFont typeface="Arial" panose="020B0604020202020204" pitchFamily="34" charset="0"/>
-              <a:buChar char="•"/>
-            </a:pPr>
-            <a:r>
-              <a:rPr lang="de-DE" baseline="0" dirty="0" err="1"/>
-              <a:t>Automatic</a:t>
-            </a:r>
-            <a:r>
-              <a:rPr lang="de-DE" baseline="0" dirty="0"/>
-              <a:t> Code </a:t>
-            </a:r>
-            <a:r>
-              <a:rPr lang="de-DE" baseline="0" dirty="0" err="1"/>
-              <a:t>splitting</a:t>
-            </a:r>
-            <a:endParaRPr lang="de-DE" baseline="0" dirty="0"/>
-          </a:p>
-          <a:p>
-            <a:pPr marL="935980" lvl="1" indent="-285750">
-              <a:buFont typeface="Arial" panose="020B0604020202020204" pitchFamily="34" charset="0"/>
-              <a:buChar char="•"/>
-            </a:pPr>
-            <a:endParaRPr lang="de-DE" baseline="0" dirty="0"/>
-          </a:p>
-          <a:p>
-            <a:pPr marL="285750" lvl="0" indent="-285750">
-              <a:buFont typeface="Arial" panose="020B0604020202020204" pitchFamily="34" charset="0"/>
-              <a:buChar char="•"/>
-            </a:pPr>
-            <a:r>
-              <a:rPr lang="de-DE" baseline="0" dirty="0" err="1"/>
-              <a:t>Productivity</a:t>
-            </a:r>
-            <a:endParaRPr lang="de-DE" baseline="0" dirty="0"/>
-          </a:p>
-          <a:p>
-            <a:pPr marL="935980" lvl="1" indent="-285750">
-              <a:buFont typeface="Arial" panose="020B0604020202020204" pitchFamily="34" charset="0"/>
-              <a:buChar char="•"/>
-            </a:pPr>
-            <a:r>
-              <a:rPr lang="de-DE" baseline="0" dirty="0"/>
-              <a:t>Templates</a:t>
-            </a:r>
-          </a:p>
-          <a:p>
-            <a:pPr marL="935980" lvl="1" indent="-285750">
-              <a:buFont typeface="Arial" panose="020B0604020202020204" pitchFamily="34" charset="0"/>
-              <a:buChar char="•"/>
-            </a:pPr>
-            <a:r>
-              <a:rPr lang="de-DE" baseline="0" dirty="0"/>
-              <a:t>CLI</a:t>
-            </a:r>
-          </a:p>
-          <a:p>
-            <a:pPr marL="935980" lvl="1" indent="-285750">
-              <a:buFont typeface="Arial" panose="020B0604020202020204" pitchFamily="34" charset="0"/>
-              <a:buChar char="•"/>
-            </a:pPr>
-            <a:r>
-              <a:rPr lang="de-DE" baseline="0" dirty="0" err="1"/>
-              <a:t>DIE‘s</a:t>
-            </a:r>
-            <a:endParaRPr lang="de-DE" baseline="0" dirty="0"/>
-          </a:p>
-          <a:p>
-            <a:pPr marL="285750" lvl="0" indent="-285750">
-              <a:buFont typeface="Arial" panose="020B0604020202020204" pitchFamily="34" charset="0"/>
-              <a:buChar char="•"/>
-            </a:pPr>
-            <a:endParaRPr lang="de-DE" baseline="0" dirty="0"/>
-          </a:p>
-          <a:p>
-            <a:pPr marL="285750" lvl="0" indent="-285750">
-              <a:buFont typeface="Arial" panose="020B0604020202020204" pitchFamily="34" charset="0"/>
-              <a:buChar char="•"/>
-            </a:pPr>
-            <a:r>
-              <a:rPr lang="de-DE" baseline="0" dirty="0" err="1"/>
-              <a:t>Full</a:t>
-            </a:r>
-            <a:r>
-              <a:rPr lang="de-DE" baseline="0" dirty="0"/>
-              <a:t> Development Story</a:t>
-            </a:r>
-          </a:p>
-          <a:p>
-            <a:pPr marL="935980" lvl="1" indent="-285750">
-              <a:buFont typeface="Arial" panose="020B0604020202020204" pitchFamily="34" charset="0"/>
-              <a:buChar char="•"/>
-            </a:pPr>
-            <a:r>
-              <a:rPr lang="de-DE" baseline="0" dirty="0" err="1"/>
-              <a:t>Testing</a:t>
-            </a:r>
-            <a:r>
-              <a:rPr lang="de-DE" baseline="0" dirty="0"/>
-              <a:t> -&gt; Animation -&gt; </a:t>
-            </a:r>
-            <a:r>
-              <a:rPr lang="de-DE" baseline="0" dirty="0" err="1"/>
-              <a:t>Accessibitlity</a:t>
-            </a:r>
-            <a:endParaRPr lang="de-DE" dirty="0"/>
-          </a:p>
-          <a:p>
-            <a:endParaRPr lang="de-DE" dirty="0"/>
+            <a:r>
+              <a:rPr lang="de-DE" sz="3200" dirty="0" smtClean="0"/>
+              <a:t>Hat bei allen die Vorbereitung und Einrichtung geklappt? </a:t>
+            </a:r>
+            <a:endParaRPr lang="de-DE" sz="3200" dirty="0"/>
           </a:p>
         </p:txBody>
       </p:sp>
@@ -14569,7 +17460,7 @@
             <a:fld id="{C873CC87-18E6-904B-91DF-7AB1BE26DDED}" type="slidenum">
               <a:rPr lang="de-DE" smtClean="0"/>
               <a:pPr/>
-              <a:t>8</a:t>
+              <a:t>3</a:t>
             </a:fld>
             <a:endParaRPr lang="de-DE" dirty="0"/>
           </a:p>
@@ -14578,7 +17469,7 @@
     </p:spTree>
     <p:extLst>
       <p:ext uri="{BB962C8B-B14F-4D97-AF65-F5344CB8AC3E}">
-        <p14:creationId xmlns:p14="http://schemas.microsoft.com/office/powerpoint/2010/main" val="197883459"/>
+        <p14:creationId xmlns:p14="http://schemas.microsoft.com/office/powerpoint/2010/main" val="1234494394"/>
       </p:ext>
     </p:extLst>
   </p:cSld>
@@ -14632,113 +17523,6 @@
           <a:bodyPr/>
           <a:lstStyle/>
           <a:p>
-            <a:pPr marL="285750" indent="-285750">
-              <a:buFont typeface="Arial" panose="020B0604020202020204" pitchFamily="34" charset="0"/>
-              <a:buChar char="•"/>
-            </a:pPr>
-            <a:r>
-              <a:rPr lang="de-DE" dirty="0"/>
-              <a:t>Modularisierung</a:t>
-            </a:r>
-            <a:br>
-              <a:rPr lang="de-DE" dirty="0"/>
-            </a:br>
-            <a:r>
-              <a:rPr lang="de-DE" dirty="0"/>
-              <a:t>konsequent durchgezogen</a:t>
-            </a:r>
-          </a:p>
-          <a:p>
-            <a:pPr marL="285750" indent="-285750">
-              <a:buFont typeface="Arial" panose="020B0604020202020204" pitchFamily="34" charset="0"/>
-              <a:buChar char="•"/>
-            </a:pPr>
-            <a:r>
-              <a:rPr lang="de-DE" dirty="0" err="1"/>
-              <a:t>DataBinding</a:t>
-            </a:r>
-            <a:endParaRPr lang="de-DE" dirty="0"/>
-          </a:p>
-          <a:p>
-            <a:pPr marL="285750" indent="-285750">
-              <a:buFont typeface="Arial" panose="020B0604020202020204" pitchFamily="34" charset="0"/>
-              <a:buChar char="•"/>
-            </a:pPr>
-            <a:r>
-              <a:rPr lang="de-DE" dirty="0" err="1"/>
-              <a:t>DependencyInjection</a:t>
-            </a:r>
-            <a:endParaRPr lang="de-DE" dirty="0"/>
-          </a:p>
-          <a:p>
-            <a:pPr marL="285750" indent="-285750">
-              <a:buFont typeface="Arial" panose="020B0604020202020204" pitchFamily="34" charset="0"/>
-              <a:buChar char="•"/>
-            </a:pPr>
-            <a:r>
-              <a:rPr lang="de-DE" dirty="0"/>
-              <a:t>Im</a:t>
-            </a:r>
-            <a:r>
-              <a:rPr lang="de-DE" baseline="0" dirty="0"/>
-              <a:t> großen und ganzen nur 3 Stereotypen</a:t>
-            </a:r>
-          </a:p>
-          <a:p>
-            <a:pPr marL="935980" lvl="1" indent="-285750">
-              <a:buFont typeface="Arial" panose="020B0604020202020204" pitchFamily="34" charset="0"/>
-              <a:buChar char="•"/>
-            </a:pPr>
-            <a:r>
-              <a:rPr lang="de-DE" baseline="0" dirty="0"/>
-              <a:t>Services (keine UI, reine Algorithmen)</a:t>
-            </a:r>
-          </a:p>
-          <a:p>
-            <a:pPr marL="935980" lvl="1" indent="-285750">
-              <a:buFont typeface="Arial" panose="020B0604020202020204" pitchFamily="34" charset="0"/>
-              <a:buChar char="•"/>
-            </a:pPr>
-            <a:r>
-              <a:rPr lang="de-DE" baseline="0" dirty="0" err="1"/>
-              <a:t>Component</a:t>
-            </a:r>
-            <a:r>
-              <a:rPr lang="de-DE" baseline="0" dirty="0"/>
-              <a:t> (ein eigenes </a:t>
-            </a:r>
-            <a:r>
-              <a:rPr lang="de-DE" baseline="0" dirty="0" err="1"/>
-              <a:t>Markupelment</a:t>
-            </a:r>
-            <a:r>
-              <a:rPr lang="de-DE" baseline="0" dirty="0"/>
-              <a:t>, eigenes Template, verknüpft über Binding und Events)</a:t>
-            </a:r>
-          </a:p>
-          <a:p>
-            <a:pPr marL="935980" lvl="1" indent="-285750">
-              <a:buFont typeface="Arial" panose="020B0604020202020204" pitchFamily="34" charset="0"/>
-              <a:buChar char="•"/>
-            </a:pPr>
-            <a:r>
-              <a:rPr lang="de-DE" baseline="0" dirty="0" err="1"/>
-              <a:t>Directive</a:t>
-            </a:r>
-            <a:r>
-              <a:rPr lang="de-DE" baseline="0" dirty="0"/>
-              <a:t> (erweitert </a:t>
-            </a:r>
-            <a:r>
-              <a:rPr lang="de-DE" baseline="0" dirty="0" err="1"/>
-              <a:t>bestehnde</a:t>
-            </a:r>
-            <a:r>
-              <a:rPr lang="de-DE" baseline="0" dirty="0"/>
-              <a:t> Markupelemente um Verhalten)</a:t>
-            </a:r>
-          </a:p>
-          <a:p>
             <a:endParaRPr lang="de-DE" dirty="0"/>
           </a:p>
         </p:txBody>
@@ -14761,7 +17545,7 @@
             <a:fld id="{C873CC87-18E6-904B-91DF-7AB1BE26DDED}" type="slidenum">
               <a:rPr lang="de-DE" smtClean="0"/>
               <a:pPr/>
-              <a:t>9</a:t>
+              <a:t>4</a:t>
             </a:fld>
             <a:endParaRPr lang="de-DE" dirty="0"/>
           </a:p>
@@ -14770,7 +17554,7 @@
     </p:spTree>
     <p:extLst>
       <p:ext uri="{BB962C8B-B14F-4D97-AF65-F5344CB8AC3E}">
-        <p14:creationId xmlns:p14="http://schemas.microsoft.com/office/powerpoint/2010/main" val="1662212926"/>
+        <p14:creationId xmlns:p14="http://schemas.microsoft.com/office/powerpoint/2010/main" val="1443605860"/>
       </p:ext>
     </p:extLst>
   </p:cSld>
@@ -14821,39 +17605,239 @@
         </p:nvSpPr>
         <p:spPr/>
         <p:txBody>
-          <a:bodyPr/>
+          <a:bodyPr>
+            <a:normAutofit fontScale="85000" lnSpcReduction="20000"/>
+          </a:bodyPr>
           <a:lstStyle/>
           <a:p>
             <a:pPr marL="285750" indent="-285750">
-              <a:buFontTx/>
-              <a:buChar char="-"/>
+              <a:buFont typeface="Arial" panose="020B0604020202020204" pitchFamily="34" charset="0"/>
+              <a:buChar char="•"/>
             </a:pPr>
             <a:r>
               <a:rPr lang="de-DE" dirty="0" err="1"/>
-              <a:t>Scaffolding</a:t>
-            </a:r>
-            <a:r>
-              <a:rPr lang="de-DE" dirty="0"/>
-              <a:t> </a:t>
-            </a:r>
-            <a:r>
-              <a:rPr lang="de-DE" dirty="0">
-                <a:sym typeface="Wingdings"/>
-              </a:rPr>
-              <a:t> Erstellung</a:t>
-            </a:r>
-            <a:r>
-              <a:rPr lang="de-DE" baseline="0" dirty="0">
-                <a:sym typeface="Wingdings"/>
-              </a:rPr>
-              <a:t> eines Gerüsts</a:t>
-            </a:r>
+              <a:t>Crossplatform</a:t>
+            </a:r>
+            <a:endParaRPr lang="de-DE" dirty="0"/>
+          </a:p>
+          <a:p>
+            <a:pPr marL="935980" lvl="1" indent="-285750">
+              <a:buFont typeface="Arial" panose="020B0604020202020204" pitchFamily="34" charset="0"/>
+              <a:buChar char="•"/>
+            </a:pPr>
+            <a:r>
+              <a:rPr lang="de-DE" dirty="0"/>
+              <a:t>Progressive Web Apps</a:t>
+            </a:r>
+            <a:br>
+              <a:rPr lang="de-DE" dirty="0"/>
+            </a:br>
+            <a:r>
+              <a:rPr lang="de-DE" dirty="0" err="1"/>
+              <a:t>FatClient</a:t>
+            </a:r>
+            <a:r>
+              <a:rPr lang="de-DE" baseline="0" dirty="0"/>
+              <a:t> Experience auf Basis von Webtechnologien, </a:t>
+            </a:r>
+            <a:r>
+              <a:rPr lang="de-DE" baseline="0" dirty="0" err="1"/>
+              <a:t>hochperformant</a:t>
+            </a:r>
+            <a:r>
+              <a:rPr lang="de-DE" baseline="0" dirty="0"/>
+              <a:t> und ohne Installation</a:t>
+            </a:r>
+            <a:endParaRPr lang="de-DE" dirty="0"/>
+          </a:p>
+          <a:p>
+            <a:pPr marL="935980" lvl="1" indent="-285750">
+              <a:buFont typeface="Arial" panose="020B0604020202020204" pitchFamily="34" charset="0"/>
+              <a:buChar char="•"/>
+            </a:pPr>
+            <a:r>
+              <a:rPr lang="de-DE" dirty="0"/>
+              <a:t>Native</a:t>
+            </a:r>
+            <a:br>
+              <a:rPr lang="de-DE" dirty="0"/>
+            </a:br>
+            <a:r>
+              <a:rPr lang="de-DE" dirty="0"/>
+              <a:t>Native Apps durch Verwendung entsprechender</a:t>
+            </a:r>
+            <a:r>
+              <a:rPr lang="de-DE" baseline="0" dirty="0"/>
+              <a:t> UI-Frameworks (bspw. IONIC)</a:t>
+            </a:r>
+            <a:endParaRPr lang="de-DE" dirty="0"/>
+          </a:p>
+          <a:p>
+            <a:pPr marL="935980" lvl="1" indent="-285750">
+              <a:buFont typeface="Arial" panose="020B0604020202020204" pitchFamily="34" charset="0"/>
+              <a:buChar char="•"/>
+            </a:pPr>
+            <a:r>
+              <a:rPr lang="de-DE" dirty="0"/>
+              <a:t>Desktop</a:t>
+            </a:r>
+            <a:br>
+              <a:rPr lang="de-DE" dirty="0"/>
+            </a:br>
+            <a:r>
+              <a:rPr lang="de-DE" dirty="0" err="1"/>
+              <a:t>Beriebssystemunabhängige</a:t>
+            </a:r>
+            <a:r>
+              <a:rPr lang="de-DE" baseline="0" dirty="0"/>
+              <a:t> Clients, „lernen fürs Web“</a:t>
+            </a:r>
+          </a:p>
+          <a:p>
+            <a:pPr marL="285750" lvl="0" indent="-285750">
+              <a:buFont typeface="Arial" panose="020B0604020202020204" pitchFamily="34" charset="0"/>
+              <a:buChar char="•"/>
+            </a:pPr>
+            <a:endParaRPr lang="de-DE" baseline="0" dirty="0"/>
           </a:p>
           <a:p>
             <a:pPr marL="285750" indent="-285750">
-              <a:buFontTx/>
-              <a:buChar char="-"/>
+              <a:buFont typeface="Arial" panose="020B0604020202020204" pitchFamily="34" charset="0"/>
+              <a:buChar char="•"/>
             </a:pPr>
+            <a:r>
+              <a:rPr lang="de-DE" dirty="0"/>
+              <a:t>Speed</a:t>
+            </a:r>
+            <a:r>
+              <a:rPr lang="de-DE" baseline="0" dirty="0"/>
+              <a:t> und Performance</a:t>
+            </a:r>
+          </a:p>
+          <a:p>
+            <a:pPr marL="935980" lvl="1" indent="-285750">
+              <a:buFont typeface="Arial" panose="020B0604020202020204" pitchFamily="34" charset="0"/>
+              <a:buChar char="•"/>
+            </a:pPr>
+            <a:r>
+              <a:rPr lang="de-DE" baseline="0" dirty="0"/>
+              <a:t>Code </a:t>
+            </a:r>
+            <a:r>
+              <a:rPr lang="de-DE" baseline="0" dirty="0" err="1"/>
+              <a:t>generation</a:t>
+            </a:r>
+            <a:endParaRPr lang="de-DE" baseline="0" dirty="0"/>
+          </a:p>
+          <a:p>
+            <a:pPr marL="935980" lvl="1" indent="-285750">
+              <a:buFont typeface="Arial" panose="020B0604020202020204" pitchFamily="34" charset="0"/>
+              <a:buChar char="•"/>
+            </a:pPr>
+            <a:r>
+              <a:rPr lang="de-DE" baseline="0" dirty="0" err="1"/>
+              <a:t>Automatic</a:t>
+            </a:r>
+            <a:r>
+              <a:rPr lang="de-DE" baseline="0" dirty="0"/>
+              <a:t> Code </a:t>
+            </a:r>
+            <a:r>
+              <a:rPr lang="de-DE" baseline="0" dirty="0" err="1"/>
+              <a:t>splitting</a:t>
+            </a:r>
+            <a:endParaRPr lang="de-DE" baseline="0" dirty="0"/>
+          </a:p>
+          <a:p>
+            <a:pPr marL="935980" lvl="1" indent="-285750">
+              <a:buFont typeface="Arial" panose="020B0604020202020204" pitchFamily="34" charset="0"/>
+              <a:buChar char="•"/>
+            </a:pPr>
+            <a:endParaRPr lang="de-DE" baseline="0" dirty="0"/>
+          </a:p>
+          <a:p>
+            <a:pPr marL="285750" lvl="0" indent="-285750">
+              <a:buFont typeface="Arial" panose="020B0604020202020204" pitchFamily="34" charset="0"/>
+              <a:buChar char="•"/>
+            </a:pPr>
+            <a:r>
+              <a:rPr lang="de-DE" baseline="0" dirty="0" err="1"/>
+              <a:t>Productivity</a:t>
+            </a:r>
+            <a:endParaRPr lang="de-DE" baseline="0" dirty="0"/>
+          </a:p>
+          <a:p>
+            <a:pPr marL="935980" lvl="1" indent="-285750">
+              <a:buFont typeface="Arial" panose="020B0604020202020204" pitchFamily="34" charset="0"/>
+              <a:buChar char="•"/>
+            </a:pPr>
+            <a:r>
+              <a:rPr lang="de-DE" baseline="0" dirty="0"/>
+              <a:t>Templates</a:t>
+            </a:r>
+          </a:p>
+          <a:p>
+            <a:pPr marL="935980" lvl="1" indent="-285750">
+              <a:buFont typeface="Arial" panose="020B0604020202020204" pitchFamily="34" charset="0"/>
+              <a:buChar char="•"/>
+            </a:pPr>
+            <a:r>
+              <a:rPr lang="de-DE" baseline="0" dirty="0"/>
+              <a:t>CLI</a:t>
+            </a:r>
+          </a:p>
+          <a:p>
+            <a:pPr marL="935980" lvl="1" indent="-285750">
+              <a:buFont typeface="Arial" panose="020B0604020202020204" pitchFamily="34" charset="0"/>
+              <a:buChar char="•"/>
+            </a:pPr>
+            <a:r>
+              <a:rPr lang="de-DE" baseline="0" dirty="0" err="1"/>
+              <a:t>DIE‘s</a:t>
+            </a:r>
+            <a:endParaRPr lang="de-DE" baseline="0" dirty="0"/>
+          </a:p>
+          <a:p>
+            <a:pPr marL="285750" lvl="0" indent="-285750">
+              <a:buFont typeface="Arial" panose="020B0604020202020204" pitchFamily="34" charset="0"/>
+              <a:buChar char="•"/>
+            </a:pPr>
+            <a:endParaRPr lang="de-DE" baseline="0" dirty="0"/>
+          </a:p>
+          <a:p>
+            <a:pPr marL="285750" lvl="0" indent="-285750">
+              <a:buFont typeface="Arial" panose="020B0604020202020204" pitchFamily="34" charset="0"/>
+              <a:buChar char="•"/>
+            </a:pPr>
+            <a:r>
+              <a:rPr lang="de-DE" baseline="0" dirty="0" err="1"/>
+              <a:t>Full</a:t>
+            </a:r>
+            <a:r>
+              <a:rPr lang="de-DE" baseline="0" dirty="0"/>
+              <a:t> Development Story</a:t>
+            </a:r>
+          </a:p>
+          <a:p>
+            <a:pPr marL="935980" lvl="1" indent="-285750">
+              <a:buFont typeface="Arial" panose="020B0604020202020204" pitchFamily="34" charset="0"/>
+              <a:buChar char="•"/>
+            </a:pPr>
+            <a:r>
+              <a:rPr lang="de-DE" baseline="0" dirty="0" err="1"/>
+              <a:t>Testing</a:t>
+            </a:r>
+            <a:r>
+              <a:rPr lang="de-DE" baseline="0" dirty="0"/>
+              <a:t> -&gt; Animation -&gt; </a:t>
+            </a:r>
+            <a:r>
+              <a:rPr lang="de-DE" baseline="0" dirty="0" err="1"/>
+              <a:t>Accessibitlity</a:t>
+            </a:r>
+            <a:endParaRPr lang="de-DE" dirty="0"/>
+          </a:p>
+          <a:p>
             <a:endParaRPr lang="de-DE" dirty="0"/>
           </a:p>
         </p:txBody>
@@ -14876,7 +17860,7 @@
             <a:fld id="{C873CC87-18E6-904B-91DF-7AB1BE26DDED}" type="slidenum">
               <a:rPr lang="de-DE" smtClean="0"/>
               <a:pPr/>
-              <a:t>12</a:t>
+              <a:t>8</a:t>
             </a:fld>
             <a:endParaRPr lang="de-DE" dirty="0"/>
           </a:p>
@@ -14885,7 +17869,7 @@
     </p:spTree>
     <p:extLst>
       <p:ext uri="{BB962C8B-B14F-4D97-AF65-F5344CB8AC3E}">
-        <p14:creationId xmlns:p14="http://schemas.microsoft.com/office/powerpoint/2010/main" val="770615301"/>
+        <p14:creationId xmlns:p14="http://schemas.microsoft.com/office/powerpoint/2010/main" val="197883459"/>
       </p:ext>
     </p:extLst>
   </p:cSld>
@@ -14939,678 +17923,113 @@
           <a:bodyPr/>
           <a:lstStyle/>
           <a:p>
-            <a:r>
-              <a:rPr lang="de-DE" sz="1700" b="0" i="0" kern="1200" dirty="0">
-                <a:solidFill>
-                  <a:schemeClr val="tx1"/>
-                </a:solidFill>
-                <a:effectLst/>
-                <a:latin typeface="Segoe UI" pitchFamily="34" charset="0"/>
-                <a:ea typeface="+mn-ea"/>
-                <a:cs typeface="+mn-cs"/>
-              </a:rPr>
-              <a:t>The </a:t>
-            </a:r>
-            <a:r>
-              <a:rPr lang="de-DE" sz="1700" b="1" i="0" kern="1200" dirty="0" err="1">
-                <a:solidFill>
-                  <a:schemeClr val="tx1"/>
-                </a:solidFill>
-                <a:effectLst/>
-                <a:latin typeface="Segoe UI" pitchFamily="34" charset="0"/>
-                <a:ea typeface="+mn-ea"/>
-                <a:cs typeface="+mn-cs"/>
-              </a:rPr>
-              <a:t>History</a:t>
-            </a:r>
-            <a:r>
-              <a:rPr lang="de-DE" sz="1700" b="0" i="0" kern="1200" dirty="0">
-                <a:solidFill>
-                  <a:schemeClr val="tx1"/>
-                </a:solidFill>
-                <a:effectLst/>
-                <a:latin typeface="Segoe UI" pitchFamily="34" charset="0"/>
-                <a:ea typeface="+mn-ea"/>
-                <a:cs typeface="+mn-cs"/>
-              </a:rPr>
-              <a:t> </a:t>
-            </a:r>
-            <a:r>
-              <a:rPr lang="de-DE" sz="1700" b="0" i="0" kern="1200" dirty="0" err="1">
-                <a:solidFill>
-                  <a:schemeClr val="tx1"/>
-                </a:solidFill>
-                <a:effectLst/>
-                <a:latin typeface="Segoe UI" pitchFamily="34" charset="0"/>
-                <a:ea typeface="+mn-ea"/>
-                <a:cs typeface="+mn-cs"/>
-              </a:rPr>
-              <a:t>interface</a:t>
-            </a:r>
-            <a:r>
-              <a:rPr lang="de-DE" sz="1700" b="0" i="0" kern="1200" dirty="0">
-                <a:solidFill>
-                  <a:schemeClr val="tx1"/>
-                </a:solidFill>
-                <a:effectLst/>
-                <a:latin typeface="Segoe UI" pitchFamily="34" charset="0"/>
-                <a:ea typeface="+mn-ea"/>
-                <a:cs typeface="+mn-cs"/>
-              </a:rPr>
-              <a:t> </a:t>
-            </a:r>
-            <a:r>
-              <a:rPr lang="de-DE" sz="1700" b="0" i="0" kern="1200" dirty="0" err="1">
-                <a:solidFill>
-                  <a:schemeClr val="tx1"/>
-                </a:solidFill>
-                <a:effectLst/>
-                <a:latin typeface="Segoe UI" pitchFamily="34" charset="0"/>
-                <a:ea typeface="+mn-ea"/>
-                <a:cs typeface="+mn-cs"/>
-              </a:rPr>
-              <a:t>allows</a:t>
-            </a:r>
-            <a:r>
-              <a:rPr lang="de-DE" sz="1700" b="0" i="0" kern="1200" dirty="0">
-                <a:solidFill>
-                  <a:schemeClr val="tx1"/>
-                </a:solidFill>
-                <a:effectLst/>
-                <a:latin typeface="Segoe UI" pitchFamily="34" charset="0"/>
-                <a:ea typeface="+mn-ea"/>
-                <a:cs typeface="+mn-cs"/>
-              </a:rPr>
-              <a:t> </a:t>
-            </a:r>
-            <a:r>
-              <a:rPr lang="de-DE" sz="1700" b="0" i="0" kern="1200" dirty="0" err="1">
-                <a:solidFill>
-                  <a:schemeClr val="tx1"/>
-                </a:solidFill>
-                <a:effectLst/>
-                <a:latin typeface="Segoe UI" pitchFamily="34" charset="0"/>
-                <a:ea typeface="+mn-ea"/>
-                <a:cs typeface="+mn-cs"/>
-              </a:rPr>
-              <a:t>manipulation</a:t>
-            </a:r>
-            <a:r>
-              <a:rPr lang="de-DE" sz="1700" b="0" i="0" kern="1200" dirty="0">
-                <a:solidFill>
-                  <a:schemeClr val="tx1"/>
-                </a:solidFill>
-                <a:effectLst/>
-                <a:latin typeface="Segoe UI" pitchFamily="34" charset="0"/>
-                <a:ea typeface="+mn-ea"/>
-                <a:cs typeface="+mn-cs"/>
-              </a:rPr>
-              <a:t> </a:t>
-            </a:r>
-            <a:r>
-              <a:rPr lang="de-DE" sz="1700" b="0" i="0" kern="1200" dirty="0" err="1">
-                <a:solidFill>
-                  <a:schemeClr val="tx1"/>
-                </a:solidFill>
-                <a:effectLst/>
-                <a:latin typeface="Segoe UI" pitchFamily="34" charset="0"/>
-                <a:ea typeface="+mn-ea"/>
-                <a:cs typeface="+mn-cs"/>
-              </a:rPr>
-              <a:t>of</a:t>
-            </a:r>
-            <a:r>
-              <a:rPr lang="de-DE" sz="1700" b="0" i="0" kern="1200" dirty="0">
-                <a:solidFill>
-                  <a:schemeClr val="tx1"/>
-                </a:solidFill>
-                <a:effectLst/>
-                <a:latin typeface="Segoe UI" pitchFamily="34" charset="0"/>
-                <a:ea typeface="+mn-ea"/>
-                <a:cs typeface="+mn-cs"/>
-              </a:rPr>
-              <a:t> </a:t>
-            </a:r>
-            <a:r>
-              <a:rPr lang="de-DE" sz="1700" b="0" i="0" kern="1200" dirty="0" err="1">
-                <a:solidFill>
-                  <a:schemeClr val="tx1"/>
-                </a:solidFill>
-                <a:effectLst/>
-                <a:latin typeface="Segoe UI" pitchFamily="34" charset="0"/>
-                <a:ea typeface="+mn-ea"/>
-                <a:cs typeface="+mn-cs"/>
-              </a:rPr>
-              <a:t>the</a:t>
-            </a:r>
-            <a:r>
-              <a:rPr lang="de-DE" sz="1700" b="0" i="0" kern="1200" dirty="0">
-                <a:solidFill>
-                  <a:schemeClr val="tx1"/>
-                </a:solidFill>
-                <a:effectLst/>
-                <a:latin typeface="Segoe UI" pitchFamily="34" charset="0"/>
-                <a:ea typeface="+mn-ea"/>
-                <a:cs typeface="+mn-cs"/>
-              </a:rPr>
-              <a:t> </a:t>
-            </a:r>
-            <a:r>
-              <a:rPr lang="de-DE" sz="1700" b="0" i="0" kern="1200" dirty="0" err="1">
-                <a:solidFill>
-                  <a:schemeClr val="tx1"/>
-                </a:solidFill>
-                <a:effectLst/>
-                <a:latin typeface="Segoe UI" pitchFamily="34" charset="0"/>
-                <a:ea typeface="+mn-ea"/>
-                <a:cs typeface="+mn-cs"/>
-              </a:rPr>
-              <a:t>browser</a:t>
-            </a:r>
-            <a:r>
-              <a:rPr lang="de-DE" sz="1700" b="0" i="0" kern="1200" dirty="0">
-                <a:solidFill>
-                  <a:schemeClr val="tx1"/>
-                </a:solidFill>
-                <a:effectLst/>
-                <a:latin typeface="Segoe UI" pitchFamily="34" charset="0"/>
-                <a:ea typeface="+mn-ea"/>
-                <a:cs typeface="+mn-cs"/>
-              </a:rPr>
-              <a:t> </a:t>
-            </a:r>
-            <a:r>
-              <a:rPr lang="de-DE" sz="1700" b="0" i="1" kern="1200" dirty="0" err="1">
-                <a:solidFill>
-                  <a:schemeClr val="tx1"/>
-                </a:solidFill>
-                <a:effectLst/>
-                <a:latin typeface="Segoe UI" pitchFamily="34" charset="0"/>
-                <a:ea typeface="+mn-ea"/>
-                <a:cs typeface="+mn-cs"/>
-              </a:rPr>
-              <a:t>session</a:t>
-            </a:r>
-            <a:r>
-              <a:rPr lang="de-DE" sz="1700" b="0" i="1" kern="1200" dirty="0">
-                <a:solidFill>
-                  <a:schemeClr val="tx1"/>
-                </a:solidFill>
-                <a:effectLst/>
-                <a:latin typeface="Segoe UI" pitchFamily="34" charset="0"/>
-                <a:ea typeface="+mn-ea"/>
-                <a:cs typeface="+mn-cs"/>
-              </a:rPr>
-              <a:t> </a:t>
-            </a:r>
-            <a:r>
-              <a:rPr lang="de-DE" sz="1700" b="0" i="1" kern="1200" dirty="0" err="1">
-                <a:solidFill>
-                  <a:schemeClr val="tx1"/>
-                </a:solidFill>
-                <a:effectLst/>
-                <a:latin typeface="Segoe UI" pitchFamily="34" charset="0"/>
-                <a:ea typeface="+mn-ea"/>
-                <a:cs typeface="+mn-cs"/>
-              </a:rPr>
-              <a:t>history</a:t>
-            </a:r>
-            <a:r>
-              <a:rPr lang="de-DE" sz="1700" b="0" i="0" kern="1200" dirty="0">
-                <a:solidFill>
-                  <a:schemeClr val="tx1"/>
-                </a:solidFill>
-                <a:effectLst/>
-                <a:latin typeface="Segoe UI" pitchFamily="34" charset="0"/>
-                <a:ea typeface="+mn-ea"/>
-                <a:cs typeface="+mn-cs"/>
-              </a:rPr>
-              <a:t>, </a:t>
-            </a:r>
-            <a:r>
-              <a:rPr lang="de-DE" sz="1700" b="0" i="0" kern="1200" dirty="0" err="1">
-                <a:solidFill>
-                  <a:schemeClr val="tx1"/>
-                </a:solidFill>
-                <a:effectLst/>
-                <a:latin typeface="Segoe UI" pitchFamily="34" charset="0"/>
-                <a:ea typeface="+mn-ea"/>
-                <a:cs typeface="+mn-cs"/>
-              </a:rPr>
-              <a:t>that</a:t>
-            </a:r>
-            <a:r>
-              <a:rPr lang="de-DE" sz="1700" b="0" i="0" kern="1200" dirty="0">
-                <a:solidFill>
-                  <a:schemeClr val="tx1"/>
-                </a:solidFill>
-                <a:effectLst/>
-                <a:latin typeface="Segoe UI" pitchFamily="34" charset="0"/>
-                <a:ea typeface="+mn-ea"/>
-                <a:cs typeface="+mn-cs"/>
-              </a:rPr>
-              <a:t> </a:t>
-            </a:r>
-            <a:r>
-              <a:rPr lang="de-DE" sz="1700" b="0" i="0" kern="1200" dirty="0" err="1">
-                <a:solidFill>
-                  <a:schemeClr val="tx1"/>
-                </a:solidFill>
-                <a:effectLst/>
-                <a:latin typeface="Segoe UI" pitchFamily="34" charset="0"/>
-                <a:ea typeface="+mn-ea"/>
-                <a:cs typeface="+mn-cs"/>
-              </a:rPr>
-              <a:t>is</a:t>
-            </a:r>
-            <a:r>
-              <a:rPr lang="de-DE" sz="1700" b="0" i="0" kern="1200" dirty="0">
-                <a:solidFill>
-                  <a:schemeClr val="tx1"/>
-                </a:solidFill>
-                <a:effectLst/>
-                <a:latin typeface="Segoe UI" pitchFamily="34" charset="0"/>
-                <a:ea typeface="+mn-ea"/>
-                <a:cs typeface="+mn-cs"/>
-              </a:rPr>
-              <a:t> </a:t>
-            </a:r>
-            <a:r>
-              <a:rPr lang="de-DE" sz="1700" b="0" i="0" kern="1200" dirty="0" err="1">
-                <a:solidFill>
-                  <a:schemeClr val="tx1"/>
-                </a:solidFill>
-                <a:effectLst/>
-                <a:latin typeface="Segoe UI" pitchFamily="34" charset="0"/>
-                <a:ea typeface="+mn-ea"/>
-                <a:cs typeface="+mn-cs"/>
-              </a:rPr>
-              <a:t>the</a:t>
-            </a:r>
-            <a:r>
-              <a:rPr lang="de-DE" sz="1700" b="0" i="0" kern="1200" dirty="0">
-                <a:solidFill>
-                  <a:schemeClr val="tx1"/>
-                </a:solidFill>
-                <a:effectLst/>
-                <a:latin typeface="Segoe UI" pitchFamily="34" charset="0"/>
-                <a:ea typeface="+mn-ea"/>
-                <a:cs typeface="+mn-cs"/>
-              </a:rPr>
-              <a:t> </a:t>
-            </a:r>
-            <a:r>
-              <a:rPr lang="de-DE" sz="1700" b="0" i="0" kern="1200" dirty="0" err="1">
-                <a:solidFill>
-                  <a:schemeClr val="tx1"/>
-                </a:solidFill>
-                <a:effectLst/>
-                <a:latin typeface="Segoe UI" pitchFamily="34" charset="0"/>
-                <a:ea typeface="+mn-ea"/>
-                <a:cs typeface="+mn-cs"/>
-              </a:rPr>
-              <a:t>pages</a:t>
-            </a:r>
-            <a:r>
-              <a:rPr lang="de-DE" sz="1700" b="0" i="0" kern="1200" dirty="0">
-                <a:solidFill>
-                  <a:schemeClr val="tx1"/>
-                </a:solidFill>
-                <a:effectLst/>
-                <a:latin typeface="Segoe UI" pitchFamily="34" charset="0"/>
-                <a:ea typeface="+mn-ea"/>
-                <a:cs typeface="+mn-cs"/>
-              </a:rPr>
-              <a:t> </a:t>
-            </a:r>
-            <a:r>
-              <a:rPr lang="de-DE" sz="1700" b="0" i="0" kern="1200" dirty="0" err="1">
-                <a:solidFill>
-                  <a:schemeClr val="tx1"/>
-                </a:solidFill>
-                <a:effectLst/>
-                <a:latin typeface="Segoe UI" pitchFamily="34" charset="0"/>
-                <a:ea typeface="+mn-ea"/>
-                <a:cs typeface="+mn-cs"/>
-              </a:rPr>
-              <a:t>visited</a:t>
-            </a:r>
-            <a:r>
-              <a:rPr lang="de-DE" sz="1700" b="0" i="0" kern="1200" dirty="0">
-                <a:solidFill>
-                  <a:schemeClr val="tx1"/>
-                </a:solidFill>
-                <a:effectLst/>
-                <a:latin typeface="Segoe UI" pitchFamily="34" charset="0"/>
-                <a:ea typeface="+mn-ea"/>
-                <a:cs typeface="+mn-cs"/>
-              </a:rPr>
-              <a:t> in </a:t>
-            </a:r>
-            <a:r>
-              <a:rPr lang="de-DE" sz="1700" b="0" i="0" kern="1200" dirty="0" err="1">
-                <a:solidFill>
-                  <a:schemeClr val="tx1"/>
-                </a:solidFill>
-                <a:effectLst/>
-                <a:latin typeface="Segoe UI" pitchFamily="34" charset="0"/>
-                <a:ea typeface="+mn-ea"/>
-                <a:cs typeface="+mn-cs"/>
-              </a:rPr>
-              <a:t>the</a:t>
-            </a:r>
-            <a:r>
-              <a:rPr lang="de-DE" sz="1700" b="0" i="0" kern="1200" dirty="0">
-                <a:solidFill>
-                  <a:schemeClr val="tx1"/>
-                </a:solidFill>
-                <a:effectLst/>
-                <a:latin typeface="Segoe UI" pitchFamily="34" charset="0"/>
-                <a:ea typeface="+mn-ea"/>
-                <a:cs typeface="+mn-cs"/>
-              </a:rPr>
-              <a:t> </a:t>
-            </a:r>
-            <a:r>
-              <a:rPr lang="de-DE" sz="1700" b="0" i="0" kern="1200" dirty="0" err="1">
-                <a:solidFill>
-                  <a:schemeClr val="tx1"/>
-                </a:solidFill>
-                <a:effectLst/>
-                <a:latin typeface="Segoe UI" pitchFamily="34" charset="0"/>
-                <a:ea typeface="+mn-ea"/>
-                <a:cs typeface="+mn-cs"/>
-              </a:rPr>
-              <a:t>tab</a:t>
-            </a:r>
-            <a:r>
-              <a:rPr lang="de-DE" sz="1700" b="0" i="0" kern="1200" dirty="0">
-                <a:solidFill>
-                  <a:schemeClr val="tx1"/>
-                </a:solidFill>
-                <a:effectLst/>
-                <a:latin typeface="Segoe UI" pitchFamily="34" charset="0"/>
-                <a:ea typeface="+mn-ea"/>
-                <a:cs typeface="+mn-cs"/>
-              </a:rPr>
-              <a:t> </a:t>
-            </a:r>
-            <a:r>
-              <a:rPr lang="de-DE" sz="1700" b="0" i="0" kern="1200" dirty="0" err="1">
-                <a:solidFill>
-                  <a:schemeClr val="tx1"/>
-                </a:solidFill>
-                <a:effectLst/>
-                <a:latin typeface="Segoe UI" pitchFamily="34" charset="0"/>
-                <a:ea typeface="+mn-ea"/>
-                <a:cs typeface="+mn-cs"/>
-              </a:rPr>
-              <a:t>or</a:t>
-            </a:r>
-            <a:r>
-              <a:rPr lang="de-DE" sz="1700" b="0" i="0" kern="1200" dirty="0">
-                <a:solidFill>
-                  <a:schemeClr val="tx1"/>
-                </a:solidFill>
-                <a:effectLst/>
-                <a:latin typeface="Segoe UI" pitchFamily="34" charset="0"/>
-                <a:ea typeface="+mn-ea"/>
-                <a:cs typeface="+mn-cs"/>
-              </a:rPr>
-              <a:t> </a:t>
-            </a:r>
-            <a:r>
-              <a:rPr lang="de-DE" sz="1700" b="0" i="0" kern="1200" dirty="0" err="1">
-                <a:solidFill>
-                  <a:schemeClr val="tx1"/>
-                </a:solidFill>
-                <a:effectLst/>
-                <a:latin typeface="Segoe UI" pitchFamily="34" charset="0"/>
-                <a:ea typeface="+mn-ea"/>
-                <a:cs typeface="+mn-cs"/>
-              </a:rPr>
-              <a:t>frame</a:t>
-            </a:r>
-            <a:r>
-              <a:rPr lang="de-DE" sz="1700" b="0" i="0" kern="1200" dirty="0">
-                <a:solidFill>
-                  <a:schemeClr val="tx1"/>
-                </a:solidFill>
-                <a:effectLst/>
-                <a:latin typeface="Segoe UI" pitchFamily="34" charset="0"/>
-                <a:ea typeface="+mn-ea"/>
-                <a:cs typeface="+mn-cs"/>
-              </a:rPr>
-              <a:t> </a:t>
-            </a:r>
-            <a:r>
-              <a:rPr lang="de-DE" sz="1700" b="0" i="0" kern="1200" dirty="0" err="1">
-                <a:solidFill>
-                  <a:schemeClr val="tx1"/>
-                </a:solidFill>
-                <a:effectLst/>
-                <a:latin typeface="Segoe UI" pitchFamily="34" charset="0"/>
-                <a:ea typeface="+mn-ea"/>
-                <a:cs typeface="+mn-cs"/>
-              </a:rPr>
-              <a:t>that</a:t>
-            </a:r>
-            <a:r>
-              <a:rPr lang="de-DE" sz="1700" b="0" i="0" kern="1200" dirty="0">
-                <a:solidFill>
-                  <a:schemeClr val="tx1"/>
-                </a:solidFill>
-                <a:effectLst/>
-                <a:latin typeface="Segoe UI" pitchFamily="34" charset="0"/>
-                <a:ea typeface="+mn-ea"/>
-                <a:cs typeface="+mn-cs"/>
-              </a:rPr>
-              <a:t> </a:t>
-            </a:r>
-            <a:r>
-              <a:rPr lang="de-DE" sz="1700" b="0" i="0" kern="1200" dirty="0" err="1">
-                <a:solidFill>
-                  <a:schemeClr val="tx1"/>
-                </a:solidFill>
-                <a:effectLst/>
-                <a:latin typeface="Segoe UI" pitchFamily="34" charset="0"/>
-                <a:ea typeface="+mn-ea"/>
-                <a:cs typeface="+mn-cs"/>
-              </a:rPr>
-              <a:t>the</a:t>
-            </a:r>
-            <a:r>
-              <a:rPr lang="de-DE" sz="1700" b="0" i="0" kern="1200" dirty="0">
-                <a:solidFill>
-                  <a:schemeClr val="tx1"/>
-                </a:solidFill>
-                <a:effectLst/>
-                <a:latin typeface="Segoe UI" pitchFamily="34" charset="0"/>
-                <a:ea typeface="+mn-ea"/>
-                <a:cs typeface="+mn-cs"/>
-              </a:rPr>
-              <a:t> </a:t>
-            </a:r>
-            <a:r>
-              <a:rPr lang="de-DE" sz="1700" b="0" i="0" kern="1200" dirty="0" err="1">
-                <a:solidFill>
-                  <a:schemeClr val="tx1"/>
-                </a:solidFill>
-                <a:effectLst/>
-                <a:latin typeface="Segoe UI" pitchFamily="34" charset="0"/>
-                <a:ea typeface="+mn-ea"/>
-                <a:cs typeface="+mn-cs"/>
-              </a:rPr>
-              <a:t>current</a:t>
-            </a:r>
-            <a:r>
-              <a:rPr lang="de-DE" sz="1700" b="0" i="0" kern="1200" dirty="0">
-                <a:solidFill>
-                  <a:schemeClr val="tx1"/>
-                </a:solidFill>
-                <a:effectLst/>
-                <a:latin typeface="Segoe UI" pitchFamily="34" charset="0"/>
-                <a:ea typeface="+mn-ea"/>
-                <a:cs typeface="+mn-cs"/>
-              </a:rPr>
-              <a:t> </a:t>
-            </a:r>
-            <a:r>
-              <a:rPr lang="de-DE" sz="1700" b="0" i="0" kern="1200" dirty="0" err="1">
-                <a:solidFill>
-                  <a:schemeClr val="tx1"/>
-                </a:solidFill>
-                <a:effectLst/>
-                <a:latin typeface="Segoe UI" pitchFamily="34" charset="0"/>
-                <a:ea typeface="+mn-ea"/>
-                <a:cs typeface="+mn-cs"/>
-              </a:rPr>
-              <a:t>page</a:t>
-            </a:r>
-            <a:r>
-              <a:rPr lang="de-DE" sz="1700" b="0" i="0" kern="1200" dirty="0">
-                <a:solidFill>
-                  <a:schemeClr val="tx1"/>
-                </a:solidFill>
-                <a:effectLst/>
-                <a:latin typeface="Segoe UI" pitchFamily="34" charset="0"/>
-                <a:ea typeface="+mn-ea"/>
-                <a:cs typeface="+mn-cs"/>
-              </a:rPr>
-              <a:t> </a:t>
-            </a:r>
-            <a:r>
-              <a:rPr lang="de-DE" sz="1700" b="0" i="0" kern="1200" dirty="0" err="1">
-                <a:solidFill>
-                  <a:schemeClr val="tx1"/>
-                </a:solidFill>
-                <a:effectLst/>
-                <a:latin typeface="Segoe UI" pitchFamily="34" charset="0"/>
-                <a:ea typeface="+mn-ea"/>
-                <a:cs typeface="+mn-cs"/>
-              </a:rPr>
-              <a:t>is</a:t>
-            </a:r>
-            <a:r>
-              <a:rPr lang="de-DE" sz="1700" b="0" i="0" kern="1200" dirty="0">
-                <a:solidFill>
-                  <a:schemeClr val="tx1"/>
-                </a:solidFill>
-                <a:effectLst/>
-                <a:latin typeface="Segoe UI" pitchFamily="34" charset="0"/>
-                <a:ea typeface="+mn-ea"/>
-                <a:cs typeface="+mn-cs"/>
-              </a:rPr>
-              <a:t> </a:t>
-            </a:r>
-            <a:r>
-              <a:rPr lang="de-DE" sz="1700" b="0" i="0" kern="1200" dirty="0" err="1">
-                <a:solidFill>
-                  <a:schemeClr val="tx1"/>
-                </a:solidFill>
-                <a:effectLst/>
-                <a:latin typeface="Segoe UI" pitchFamily="34" charset="0"/>
-                <a:ea typeface="+mn-ea"/>
-                <a:cs typeface="+mn-cs"/>
-              </a:rPr>
-              <a:t>loaded</a:t>
-            </a:r>
-            <a:r>
-              <a:rPr lang="de-DE" sz="1700" b="0" i="0" kern="1200" dirty="0">
-                <a:solidFill>
-                  <a:schemeClr val="tx1"/>
-                </a:solidFill>
-                <a:effectLst/>
-                <a:latin typeface="Segoe UI" pitchFamily="34" charset="0"/>
-                <a:ea typeface="+mn-ea"/>
-                <a:cs typeface="+mn-cs"/>
-              </a:rPr>
-              <a:t> in. (Quelle:</a:t>
-            </a:r>
-            <a:r>
-              <a:rPr lang="de-DE" sz="1700" b="0" i="0" kern="1200" baseline="0" dirty="0">
-                <a:solidFill>
-                  <a:schemeClr val="tx1"/>
-                </a:solidFill>
-                <a:effectLst/>
-                <a:latin typeface="Segoe UI" pitchFamily="34" charset="0"/>
-                <a:ea typeface="+mn-ea"/>
-                <a:cs typeface="+mn-cs"/>
-              </a:rPr>
-              <a:t> https://</a:t>
-            </a:r>
-            <a:r>
-              <a:rPr lang="de-DE" sz="1700" b="0" i="0" kern="1200" baseline="0" dirty="0" err="1">
-                <a:solidFill>
-                  <a:schemeClr val="tx1"/>
-                </a:solidFill>
-                <a:effectLst/>
-                <a:latin typeface="Segoe UI" pitchFamily="34" charset="0"/>
-                <a:ea typeface="+mn-ea"/>
-                <a:cs typeface="+mn-cs"/>
-              </a:rPr>
-              <a:t>developer.mozilla.org</a:t>
-            </a:r>
-            <a:r>
-              <a:rPr lang="de-DE" sz="1700" b="0" i="0" kern="1200" baseline="0" dirty="0">
-                <a:solidFill>
-                  <a:schemeClr val="tx1"/>
-                </a:solidFill>
-                <a:effectLst/>
-                <a:latin typeface="Segoe UI" pitchFamily="34" charset="0"/>
-                <a:ea typeface="+mn-ea"/>
-                <a:cs typeface="+mn-cs"/>
-              </a:rPr>
-              <a:t>/de/</a:t>
-            </a:r>
-            <a:r>
-              <a:rPr lang="de-DE" sz="1700" b="0" i="0" kern="1200" baseline="0" dirty="0" err="1">
-                <a:solidFill>
-                  <a:schemeClr val="tx1"/>
-                </a:solidFill>
-                <a:effectLst/>
-                <a:latin typeface="Segoe UI" pitchFamily="34" charset="0"/>
-                <a:ea typeface="+mn-ea"/>
-                <a:cs typeface="+mn-cs"/>
-              </a:rPr>
-              <a:t>docs</a:t>
-            </a:r>
-            <a:r>
-              <a:rPr lang="de-DE" sz="1700" b="0" i="0" kern="1200" baseline="0" dirty="0">
-                <a:solidFill>
-                  <a:schemeClr val="tx1"/>
-                </a:solidFill>
-                <a:effectLst/>
-                <a:latin typeface="Segoe UI" pitchFamily="34" charset="0"/>
-                <a:ea typeface="+mn-ea"/>
-                <a:cs typeface="+mn-cs"/>
-              </a:rPr>
-              <a:t>/Web/API/</a:t>
-            </a:r>
-            <a:r>
-              <a:rPr lang="de-DE" sz="1700" b="0" i="0" kern="1200" baseline="0" dirty="0" err="1">
-                <a:solidFill>
-                  <a:schemeClr val="tx1"/>
-                </a:solidFill>
-                <a:effectLst/>
-                <a:latin typeface="Segoe UI" pitchFamily="34" charset="0"/>
-                <a:ea typeface="+mn-ea"/>
-                <a:cs typeface="+mn-cs"/>
-              </a:rPr>
-              <a:t>History</a:t>
-            </a:r>
-            <a:r>
-              <a:rPr lang="de-DE" sz="1700" b="0" i="0" kern="1200" baseline="0" dirty="0">
-                <a:solidFill>
-                  <a:schemeClr val="tx1"/>
-                </a:solidFill>
-                <a:effectLst/>
-                <a:latin typeface="Segoe UI" pitchFamily="34" charset="0"/>
-                <a:ea typeface="+mn-ea"/>
-                <a:cs typeface="+mn-cs"/>
-              </a:rPr>
-              <a:t>)</a:t>
-            </a:r>
+            <a:pPr marL="285750" indent="-285750">
+              <a:buFont typeface="Arial" panose="020B0604020202020204" pitchFamily="34" charset="0"/>
+              <a:buChar char="•"/>
+            </a:pPr>
+            <a:r>
+              <a:rPr lang="de-DE" dirty="0"/>
+              <a:t>Modularisierung</a:t>
+            </a:r>
+            <a:br>
+              <a:rPr lang="de-DE" dirty="0"/>
+            </a:br>
+            <a:r>
+              <a:rPr lang="de-DE" dirty="0"/>
+              <a:t>konsequent durchgezogen</a:t>
+            </a:r>
+          </a:p>
+          <a:p>
+            <a:pPr marL="285750" indent="-285750">
+              <a:buFont typeface="Arial" panose="020B0604020202020204" pitchFamily="34" charset="0"/>
+              <a:buChar char="•"/>
+            </a:pPr>
+            <a:r>
+              <a:rPr lang="de-DE" dirty="0" err="1"/>
+              <a:t>DataBinding</a:t>
+            </a:r>
+            <a:endParaRPr lang="de-DE" dirty="0"/>
+          </a:p>
+          <a:p>
+            <a:pPr marL="285750" indent="-285750">
+              <a:buFont typeface="Arial" panose="020B0604020202020204" pitchFamily="34" charset="0"/>
+              <a:buChar char="•"/>
+            </a:pPr>
+            <a:r>
+              <a:rPr lang="de-DE" dirty="0" err="1"/>
+              <a:t>DependencyInjection</a:t>
+            </a:r>
+            <a:endParaRPr lang="de-DE" dirty="0"/>
+          </a:p>
+          <a:p>
+            <a:pPr marL="285750" indent="-285750">
+              <a:buFont typeface="Arial" panose="020B0604020202020204" pitchFamily="34" charset="0"/>
+              <a:buChar char="•"/>
+            </a:pPr>
+            <a:r>
+              <a:rPr lang="de-DE" dirty="0"/>
+              <a:t>Im</a:t>
+            </a:r>
+            <a:r>
+              <a:rPr lang="de-DE" baseline="0" dirty="0"/>
+              <a:t> großen und ganzen nur 3 Stereotypen</a:t>
+            </a:r>
+          </a:p>
+          <a:p>
+            <a:pPr marL="935980" lvl="1" indent="-285750">
+              <a:buFont typeface="Arial" panose="020B0604020202020204" pitchFamily="34" charset="0"/>
+              <a:buChar char="•"/>
+            </a:pPr>
+            <a:r>
+              <a:rPr lang="de-DE" baseline="0" dirty="0"/>
+              <a:t>Services (keine UI, reine Algorithmen)</a:t>
+            </a:r>
+          </a:p>
+          <a:p>
+            <a:pPr marL="935980" lvl="1" indent="-285750">
+              <a:buFont typeface="Arial" panose="020B0604020202020204" pitchFamily="34" charset="0"/>
+              <a:buChar char="•"/>
+            </a:pPr>
+            <a:r>
+              <a:rPr lang="de-DE" baseline="0" dirty="0" err="1"/>
+              <a:t>Component</a:t>
+            </a:r>
+            <a:r>
+              <a:rPr lang="de-DE" baseline="0" dirty="0"/>
+              <a:t> (ein eigenes </a:t>
+            </a:r>
+            <a:r>
+              <a:rPr lang="de-DE" baseline="0" dirty="0" err="1"/>
+              <a:t>Markupelment</a:t>
+            </a:r>
+            <a:r>
+              <a:rPr lang="de-DE" baseline="0" dirty="0"/>
+              <a:t>, eigenes Template, verknüpft über Binding und Events)</a:t>
+            </a:r>
+          </a:p>
+          <a:p>
+            <a:pPr marL="935980" lvl="1" indent="-285750">
+              <a:buFont typeface="Arial" panose="020B0604020202020204" pitchFamily="34" charset="0"/>
+              <a:buChar char="•"/>
+            </a:pPr>
+            <a:r>
+              <a:rPr lang="de-DE" baseline="0" dirty="0" err="1"/>
+              <a:t>Directive</a:t>
+            </a:r>
+            <a:r>
+              <a:rPr lang="de-DE" baseline="0" dirty="0"/>
+              <a:t> (erweitert </a:t>
+            </a:r>
+            <a:r>
+              <a:rPr lang="de-DE" baseline="0" dirty="0" err="1"/>
+              <a:t>bestehnde</a:t>
+            </a:r>
+            <a:r>
+              <a:rPr lang="de-DE" baseline="0" dirty="0"/>
+              <a:t> Markupelemente um Verhalten)</a:t>
+            </a:r>
+          </a:p>
+          <a:p>
             <a:endParaRPr lang="de-DE" dirty="0"/>
           </a:p>
         </p:txBody>
@@ -15633,6 +18052,878 @@
             <a:fld id="{C873CC87-18E6-904B-91DF-7AB1BE26DDED}" type="slidenum">
               <a:rPr lang="de-DE" smtClean="0"/>
               <a:pPr/>
+              <a:t>9</a:t>
+            </a:fld>
+            <a:endParaRPr lang="de-DE" dirty="0"/>
+          </a:p>
+        </p:txBody>
+      </p:sp>
+    </p:spTree>
+    <p:extLst>
+      <p:ext uri="{BB962C8B-B14F-4D97-AF65-F5344CB8AC3E}">
+        <p14:creationId xmlns:p14="http://schemas.microsoft.com/office/powerpoint/2010/main" val="1662212926"/>
+      </p:ext>
+    </p:extLst>
+  </p:cSld>
+  <p:clrMapOvr>
+    <a:masterClrMapping/>
+  </p:clrMapOvr>
+</p:notes>
+</file>
+
+<file path=ppt/notesSlides/notesSlide5.xml><?xml version="1.0" encoding="utf-8"?>
+<p:notes xmlns:a="http://schemas.openxmlformats.org/drawingml/2006/main" xmlns:r="http://schemas.openxmlformats.org/officeDocument/2006/relationships" xmlns:p="http://schemas.openxmlformats.org/presentationml/2006/main">
+  <p:cSld>
+    <p:spTree>
+      <p:nvGrpSpPr>
+        <p:cNvPr id="1" name=""/>
+        <p:cNvGrpSpPr/>
+        <p:nvPr/>
+      </p:nvGrpSpPr>
+      <p:grpSpPr>
+        <a:xfrm>
+          <a:off x="0" y="0"/>
+          <a:ext cx="0" cy="0"/>
+          <a:chOff x="0" y="0"/>
+          <a:chExt cx="0" cy="0"/>
+        </a:xfrm>
+      </p:grpSpPr>
+      <p:sp>
+        <p:nvSpPr>
+          <p:cNvPr id="2" name="Folienbildplatzhalter 1"/>
+          <p:cNvSpPr>
+            <a:spLocks noGrp="1" noRot="1" noChangeAspect="1"/>
+          </p:cNvSpPr>
+          <p:nvPr>
+            <p:ph type="sldImg"/>
+          </p:nvPr>
+        </p:nvSpPr>
+        <p:spPr/>
+      </p:sp>
+      <p:sp>
+        <p:nvSpPr>
+          <p:cNvPr id="3" name="Notizenplatzhalter 2"/>
+          <p:cNvSpPr>
+            <a:spLocks noGrp="1"/>
+          </p:cNvSpPr>
+          <p:nvPr>
+            <p:ph type="body" idx="1"/>
+          </p:nvPr>
+        </p:nvSpPr>
+        <p:spPr/>
+        <p:txBody>
+          <a:bodyPr/>
+          <a:lstStyle/>
+          <a:p>
+            <a:pPr marL="285750" indent="-285750">
+              <a:buFontTx/>
+              <a:buChar char="-"/>
+            </a:pPr>
+            <a:r>
+              <a:rPr lang="de-DE" dirty="0" err="1"/>
+              <a:t>Scaffolding</a:t>
+            </a:r>
+            <a:r>
+              <a:rPr lang="de-DE" dirty="0"/>
+              <a:t> </a:t>
+            </a:r>
+            <a:r>
+              <a:rPr lang="de-DE" dirty="0">
+                <a:sym typeface="Wingdings"/>
+              </a:rPr>
+              <a:t> Erstellung</a:t>
+            </a:r>
+            <a:r>
+              <a:rPr lang="de-DE" baseline="0" dirty="0">
+                <a:sym typeface="Wingdings"/>
+              </a:rPr>
+              <a:t> eines Gerüsts</a:t>
+            </a:r>
+          </a:p>
+          <a:p>
+            <a:pPr marL="285750" indent="-285750">
+              <a:buFontTx/>
+              <a:buChar char="-"/>
+            </a:pPr>
+            <a:endParaRPr lang="de-DE" dirty="0"/>
+          </a:p>
+        </p:txBody>
+      </p:sp>
+      <p:sp>
+        <p:nvSpPr>
+          <p:cNvPr id="4" name="Foliennummernplatzhalter 3"/>
+          <p:cNvSpPr>
+            <a:spLocks noGrp="1"/>
+          </p:cNvSpPr>
+          <p:nvPr>
+            <p:ph type="sldNum" sz="quarter" idx="10"/>
+          </p:nvPr>
+        </p:nvSpPr>
+        <p:spPr/>
+        <p:txBody>
+          <a:bodyPr/>
+          <a:lstStyle/>
+          <a:p>
+            <a:fld id="{C873CC87-18E6-904B-91DF-7AB1BE26DDED}" type="slidenum">
+              <a:rPr lang="de-DE" smtClean="0"/>
+              <a:pPr/>
+              <a:t>12</a:t>
+            </a:fld>
+            <a:endParaRPr lang="de-DE" dirty="0"/>
+          </a:p>
+        </p:txBody>
+      </p:sp>
+    </p:spTree>
+    <p:extLst>
+      <p:ext uri="{BB962C8B-B14F-4D97-AF65-F5344CB8AC3E}">
+        <p14:creationId xmlns:p14="http://schemas.microsoft.com/office/powerpoint/2010/main" val="770615301"/>
+      </p:ext>
+    </p:extLst>
+  </p:cSld>
+  <p:clrMapOvr>
+    <a:masterClrMapping/>
+  </p:clrMapOvr>
+</p:notes>
+</file>
+
+<file path=ppt/notesSlides/notesSlide6.xml><?xml version="1.0" encoding="utf-8"?>
+<p:notes xmlns:a="http://schemas.openxmlformats.org/drawingml/2006/main" xmlns:r="http://schemas.openxmlformats.org/officeDocument/2006/relationships" xmlns:p="http://schemas.openxmlformats.org/presentationml/2006/main">
+  <p:cSld>
+    <p:spTree>
+      <p:nvGrpSpPr>
+        <p:cNvPr id="1" name=""/>
+        <p:cNvGrpSpPr/>
+        <p:nvPr/>
+      </p:nvGrpSpPr>
+      <p:grpSpPr>
+        <a:xfrm>
+          <a:off x="0" y="0"/>
+          <a:ext cx="0" cy="0"/>
+          <a:chOff x="0" y="0"/>
+          <a:chExt cx="0" cy="0"/>
+        </a:xfrm>
+      </p:grpSpPr>
+      <p:sp>
+        <p:nvSpPr>
+          <p:cNvPr id="2" name="Folienbildplatzhalter 1"/>
+          <p:cNvSpPr>
+            <a:spLocks noGrp="1" noRot="1" noChangeAspect="1"/>
+          </p:cNvSpPr>
+          <p:nvPr>
+            <p:ph type="sldImg"/>
+          </p:nvPr>
+        </p:nvSpPr>
+        <p:spPr/>
+      </p:sp>
+      <p:sp>
+        <p:nvSpPr>
+          <p:cNvPr id="3" name="Notizenplatzhalter 2"/>
+          <p:cNvSpPr>
+            <a:spLocks noGrp="1"/>
+          </p:cNvSpPr>
+          <p:nvPr>
+            <p:ph type="body" idx="1"/>
+          </p:nvPr>
+        </p:nvSpPr>
+        <p:spPr/>
+        <p:txBody>
+          <a:bodyPr/>
+          <a:lstStyle/>
+          <a:p>
+            <a:r>
+              <a:rPr lang="de-DE" sz="1700" b="0" i="0" kern="1200" dirty="0">
+                <a:solidFill>
+                  <a:schemeClr val="tx1"/>
+                </a:solidFill>
+                <a:effectLst/>
+                <a:latin typeface="Segoe UI" pitchFamily="34" charset="0"/>
+                <a:ea typeface="+mn-ea"/>
+                <a:cs typeface="+mn-cs"/>
+              </a:rPr>
+              <a:t>The </a:t>
+            </a:r>
+            <a:r>
+              <a:rPr lang="de-DE" sz="1700" b="1" i="0" kern="1200" dirty="0" err="1">
+                <a:solidFill>
+                  <a:schemeClr val="tx1"/>
+                </a:solidFill>
+                <a:effectLst/>
+                <a:latin typeface="Segoe UI" pitchFamily="34" charset="0"/>
+                <a:ea typeface="+mn-ea"/>
+                <a:cs typeface="+mn-cs"/>
+              </a:rPr>
+              <a:t>History</a:t>
+            </a:r>
+            <a:r>
+              <a:rPr lang="de-DE" sz="1700" b="0" i="0" kern="1200" dirty="0">
+                <a:solidFill>
+                  <a:schemeClr val="tx1"/>
+                </a:solidFill>
+                <a:effectLst/>
+                <a:latin typeface="Segoe UI" pitchFamily="34" charset="0"/>
+                <a:ea typeface="+mn-ea"/>
+                <a:cs typeface="+mn-cs"/>
+              </a:rPr>
+              <a:t> </a:t>
+            </a:r>
+            <a:r>
+              <a:rPr lang="de-DE" sz="1700" b="0" i="0" kern="1200" dirty="0" err="1">
+                <a:solidFill>
+                  <a:schemeClr val="tx1"/>
+                </a:solidFill>
+                <a:effectLst/>
+                <a:latin typeface="Segoe UI" pitchFamily="34" charset="0"/>
+                <a:ea typeface="+mn-ea"/>
+                <a:cs typeface="+mn-cs"/>
+              </a:rPr>
+              <a:t>interface</a:t>
+            </a:r>
+            <a:r>
+              <a:rPr lang="de-DE" sz="1700" b="0" i="0" kern="1200" dirty="0">
+                <a:solidFill>
+                  <a:schemeClr val="tx1"/>
+                </a:solidFill>
+                <a:effectLst/>
+                <a:latin typeface="Segoe UI" pitchFamily="34" charset="0"/>
+                <a:ea typeface="+mn-ea"/>
+                <a:cs typeface="+mn-cs"/>
+              </a:rPr>
+              <a:t> </a:t>
+            </a:r>
+            <a:r>
+              <a:rPr lang="de-DE" sz="1700" b="0" i="0" kern="1200" dirty="0" err="1">
+                <a:solidFill>
+                  <a:schemeClr val="tx1"/>
+                </a:solidFill>
+                <a:effectLst/>
+                <a:latin typeface="Segoe UI" pitchFamily="34" charset="0"/>
+                <a:ea typeface="+mn-ea"/>
+                <a:cs typeface="+mn-cs"/>
+              </a:rPr>
+              <a:t>allows</a:t>
+            </a:r>
+            <a:r>
+              <a:rPr lang="de-DE" sz="1700" b="0" i="0" kern="1200" dirty="0">
+                <a:solidFill>
+                  <a:schemeClr val="tx1"/>
+                </a:solidFill>
+                <a:effectLst/>
+                <a:latin typeface="Segoe UI" pitchFamily="34" charset="0"/>
+                <a:ea typeface="+mn-ea"/>
+                <a:cs typeface="+mn-cs"/>
+              </a:rPr>
+              <a:t> </a:t>
+            </a:r>
+            <a:r>
+              <a:rPr lang="de-DE" sz="1700" b="0" i="0" kern="1200" dirty="0" err="1">
+                <a:solidFill>
+                  <a:schemeClr val="tx1"/>
+                </a:solidFill>
+                <a:effectLst/>
+                <a:latin typeface="Segoe UI" pitchFamily="34" charset="0"/>
+                <a:ea typeface="+mn-ea"/>
+                <a:cs typeface="+mn-cs"/>
+              </a:rPr>
+              <a:t>manipulation</a:t>
+            </a:r>
+            <a:r>
+              <a:rPr lang="de-DE" sz="1700" b="0" i="0" kern="1200" dirty="0">
+                <a:solidFill>
+                  <a:schemeClr val="tx1"/>
+                </a:solidFill>
+                <a:effectLst/>
+                <a:latin typeface="Segoe UI" pitchFamily="34" charset="0"/>
+                <a:ea typeface="+mn-ea"/>
+                <a:cs typeface="+mn-cs"/>
+              </a:rPr>
+              <a:t> </a:t>
+            </a:r>
+            <a:r>
+              <a:rPr lang="de-DE" sz="1700" b="0" i="0" kern="1200" dirty="0" err="1">
+                <a:solidFill>
+                  <a:schemeClr val="tx1"/>
+                </a:solidFill>
+                <a:effectLst/>
+                <a:latin typeface="Segoe UI" pitchFamily="34" charset="0"/>
+                <a:ea typeface="+mn-ea"/>
+                <a:cs typeface="+mn-cs"/>
+              </a:rPr>
+              <a:t>of</a:t>
+            </a:r>
+            <a:r>
+              <a:rPr lang="de-DE" sz="1700" b="0" i="0" kern="1200" dirty="0">
+                <a:solidFill>
+                  <a:schemeClr val="tx1"/>
+                </a:solidFill>
+                <a:effectLst/>
+                <a:latin typeface="Segoe UI" pitchFamily="34" charset="0"/>
+                <a:ea typeface="+mn-ea"/>
+                <a:cs typeface="+mn-cs"/>
+              </a:rPr>
+              <a:t> </a:t>
+            </a:r>
+            <a:r>
+              <a:rPr lang="de-DE" sz="1700" b="0" i="0" kern="1200" dirty="0" err="1">
+                <a:solidFill>
+                  <a:schemeClr val="tx1"/>
+                </a:solidFill>
+                <a:effectLst/>
+                <a:latin typeface="Segoe UI" pitchFamily="34" charset="0"/>
+                <a:ea typeface="+mn-ea"/>
+                <a:cs typeface="+mn-cs"/>
+              </a:rPr>
+              <a:t>the</a:t>
+            </a:r>
+            <a:r>
+              <a:rPr lang="de-DE" sz="1700" b="0" i="0" kern="1200" dirty="0">
+                <a:solidFill>
+                  <a:schemeClr val="tx1"/>
+                </a:solidFill>
+                <a:effectLst/>
+                <a:latin typeface="Segoe UI" pitchFamily="34" charset="0"/>
+                <a:ea typeface="+mn-ea"/>
+                <a:cs typeface="+mn-cs"/>
+              </a:rPr>
+              <a:t> </a:t>
+            </a:r>
+            <a:r>
+              <a:rPr lang="de-DE" sz="1700" b="0" i="0" kern="1200" dirty="0" err="1">
+                <a:solidFill>
+                  <a:schemeClr val="tx1"/>
+                </a:solidFill>
+                <a:effectLst/>
+                <a:latin typeface="Segoe UI" pitchFamily="34" charset="0"/>
+                <a:ea typeface="+mn-ea"/>
+                <a:cs typeface="+mn-cs"/>
+              </a:rPr>
+              <a:t>browser</a:t>
+            </a:r>
+            <a:r>
+              <a:rPr lang="de-DE" sz="1700" b="0" i="0" kern="1200" dirty="0">
+                <a:solidFill>
+                  <a:schemeClr val="tx1"/>
+                </a:solidFill>
+                <a:effectLst/>
+                <a:latin typeface="Segoe UI" pitchFamily="34" charset="0"/>
+                <a:ea typeface="+mn-ea"/>
+                <a:cs typeface="+mn-cs"/>
+              </a:rPr>
+              <a:t> </a:t>
+            </a:r>
+            <a:r>
+              <a:rPr lang="de-DE" sz="1700" b="0" i="1" kern="1200" dirty="0" err="1">
+                <a:solidFill>
+                  <a:schemeClr val="tx1"/>
+                </a:solidFill>
+                <a:effectLst/>
+                <a:latin typeface="Segoe UI" pitchFamily="34" charset="0"/>
+                <a:ea typeface="+mn-ea"/>
+                <a:cs typeface="+mn-cs"/>
+              </a:rPr>
+              <a:t>session</a:t>
+            </a:r>
+            <a:r>
+              <a:rPr lang="de-DE" sz="1700" b="0" i="1" kern="1200" dirty="0">
+                <a:solidFill>
+                  <a:schemeClr val="tx1"/>
+                </a:solidFill>
+                <a:effectLst/>
+                <a:latin typeface="Segoe UI" pitchFamily="34" charset="0"/>
+                <a:ea typeface="+mn-ea"/>
+                <a:cs typeface="+mn-cs"/>
+              </a:rPr>
+              <a:t> </a:t>
+            </a:r>
+            <a:r>
+              <a:rPr lang="de-DE" sz="1700" b="0" i="1" kern="1200" dirty="0" err="1">
+                <a:solidFill>
+                  <a:schemeClr val="tx1"/>
+                </a:solidFill>
+                <a:effectLst/>
+                <a:latin typeface="Segoe UI" pitchFamily="34" charset="0"/>
+                <a:ea typeface="+mn-ea"/>
+                <a:cs typeface="+mn-cs"/>
+              </a:rPr>
+              <a:t>history</a:t>
+            </a:r>
+            <a:r>
+              <a:rPr lang="de-DE" sz="1700" b="0" i="0" kern="1200" dirty="0">
+                <a:solidFill>
+                  <a:schemeClr val="tx1"/>
+                </a:solidFill>
+                <a:effectLst/>
+                <a:latin typeface="Segoe UI" pitchFamily="34" charset="0"/>
+                <a:ea typeface="+mn-ea"/>
+                <a:cs typeface="+mn-cs"/>
+              </a:rPr>
+              <a:t>, </a:t>
+            </a:r>
+            <a:r>
+              <a:rPr lang="de-DE" sz="1700" b="0" i="0" kern="1200" dirty="0" err="1">
+                <a:solidFill>
+                  <a:schemeClr val="tx1"/>
+                </a:solidFill>
+                <a:effectLst/>
+                <a:latin typeface="Segoe UI" pitchFamily="34" charset="0"/>
+                <a:ea typeface="+mn-ea"/>
+                <a:cs typeface="+mn-cs"/>
+              </a:rPr>
+              <a:t>that</a:t>
+            </a:r>
+            <a:r>
+              <a:rPr lang="de-DE" sz="1700" b="0" i="0" kern="1200" dirty="0">
+                <a:solidFill>
+                  <a:schemeClr val="tx1"/>
+                </a:solidFill>
+                <a:effectLst/>
+                <a:latin typeface="Segoe UI" pitchFamily="34" charset="0"/>
+                <a:ea typeface="+mn-ea"/>
+                <a:cs typeface="+mn-cs"/>
+              </a:rPr>
+              <a:t> </a:t>
+            </a:r>
+            <a:r>
+              <a:rPr lang="de-DE" sz="1700" b="0" i="0" kern="1200" dirty="0" err="1">
+                <a:solidFill>
+                  <a:schemeClr val="tx1"/>
+                </a:solidFill>
+                <a:effectLst/>
+                <a:latin typeface="Segoe UI" pitchFamily="34" charset="0"/>
+                <a:ea typeface="+mn-ea"/>
+                <a:cs typeface="+mn-cs"/>
+              </a:rPr>
+              <a:t>is</a:t>
+            </a:r>
+            <a:r>
+              <a:rPr lang="de-DE" sz="1700" b="0" i="0" kern="1200" dirty="0">
+                <a:solidFill>
+                  <a:schemeClr val="tx1"/>
+                </a:solidFill>
+                <a:effectLst/>
+                <a:latin typeface="Segoe UI" pitchFamily="34" charset="0"/>
+                <a:ea typeface="+mn-ea"/>
+                <a:cs typeface="+mn-cs"/>
+              </a:rPr>
+              <a:t> </a:t>
+            </a:r>
+            <a:r>
+              <a:rPr lang="de-DE" sz="1700" b="0" i="0" kern="1200" dirty="0" err="1">
+                <a:solidFill>
+                  <a:schemeClr val="tx1"/>
+                </a:solidFill>
+                <a:effectLst/>
+                <a:latin typeface="Segoe UI" pitchFamily="34" charset="0"/>
+                <a:ea typeface="+mn-ea"/>
+                <a:cs typeface="+mn-cs"/>
+              </a:rPr>
+              <a:t>the</a:t>
+            </a:r>
+            <a:r>
+              <a:rPr lang="de-DE" sz="1700" b="0" i="0" kern="1200" dirty="0">
+                <a:solidFill>
+                  <a:schemeClr val="tx1"/>
+                </a:solidFill>
+                <a:effectLst/>
+                <a:latin typeface="Segoe UI" pitchFamily="34" charset="0"/>
+                <a:ea typeface="+mn-ea"/>
+                <a:cs typeface="+mn-cs"/>
+              </a:rPr>
+              <a:t> </a:t>
+            </a:r>
+            <a:r>
+              <a:rPr lang="de-DE" sz="1700" b="0" i="0" kern="1200" dirty="0" err="1">
+                <a:solidFill>
+                  <a:schemeClr val="tx1"/>
+                </a:solidFill>
+                <a:effectLst/>
+                <a:latin typeface="Segoe UI" pitchFamily="34" charset="0"/>
+                <a:ea typeface="+mn-ea"/>
+                <a:cs typeface="+mn-cs"/>
+              </a:rPr>
+              <a:t>pages</a:t>
+            </a:r>
+            <a:r>
+              <a:rPr lang="de-DE" sz="1700" b="0" i="0" kern="1200" dirty="0">
+                <a:solidFill>
+                  <a:schemeClr val="tx1"/>
+                </a:solidFill>
+                <a:effectLst/>
+                <a:latin typeface="Segoe UI" pitchFamily="34" charset="0"/>
+                <a:ea typeface="+mn-ea"/>
+                <a:cs typeface="+mn-cs"/>
+              </a:rPr>
+              <a:t> </a:t>
+            </a:r>
+            <a:r>
+              <a:rPr lang="de-DE" sz="1700" b="0" i="0" kern="1200" dirty="0" err="1">
+                <a:solidFill>
+                  <a:schemeClr val="tx1"/>
+                </a:solidFill>
+                <a:effectLst/>
+                <a:latin typeface="Segoe UI" pitchFamily="34" charset="0"/>
+                <a:ea typeface="+mn-ea"/>
+                <a:cs typeface="+mn-cs"/>
+              </a:rPr>
+              <a:t>visited</a:t>
+            </a:r>
+            <a:r>
+              <a:rPr lang="de-DE" sz="1700" b="0" i="0" kern="1200" dirty="0">
+                <a:solidFill>
+                  <a:schemeClr val="tx1"/>
+                </a:solidFill>
+                <a:effectLst/>
+                <a:latin typeface="Segoe UI" pitchFamily="34" charset="0"/>
+                <a:ea typeface="+mn-ea"/>
+                <a:cs typeface="+mn-cs"/>
+              </a:rPr>
+              <a:t> in </a:t>
+            </a:r>
+            <a:r>
+              <a:rPr lang="de-DE" sz="1700" b="0" i="0" kern="1200" dirty="0" err="1">
+                <a:solidFill>
+                  <a:schemeClr val="tx1"/>
+                </a:solidFill>
+                <a:effectLst/>
+                <a:latin typeface="Segoe UI" pitchFamily="34" charset="0"/>
+                <a:ea typeface="+mn-ea"/>
+                <a:cs typeface="+mn-cs"/>
+              </a:rPr>
+              <a:t>the</a:t>
+            </a:r>
+            <a:r>
+              <a:rPr lang="de-DE" sz="1700" b="0" i="0" kern="1200" dirty="0">
+                <a:solidFill>
+                  <a:schemeClr val="tx1"/>
+                </a:solidFill>
+                <a:effectLst/>
+                <a:latin typeface="Segoe UI" pitchFamily="34" charset="0"/>
+                <a:ea typeface="+mn-ea"/>
+                <a:cs typeface="+mn-cs"/>
+              </a:rPr>
+              <a:t> </a:t>
+            </a:r>
+            <a:r>
+              <a:rPr lang="de-DE" sz="1700" b="0" i="0" kern="1200" dirty="0" err="1">
+                <a:solidFill>
+                  <a:schemeClr val="tx1"/>
+                </a:solidFill>
+                <a:effectLst/>
+                <a:latin typeface="Segoe UI" pitchFamily="34" charset="0"/>
+                <a:ea typeface="+mn-ea"/>
+                <a:cs typeface="+mn-cs"/>
+              </a:rPr>
+              <a:t>tab</a:t>
+            </a:r>
+            <a:r>
+              <a:rPr lang="de-DE" sz="1700" b="0" i="0" kern="1200" dirty="0">
+                <a:solidFill>
+                  <a:schemeClr val="tx1"/>
+                </a:solidFill>
+                <a:effectLst/>
+                <a:latin typeface="Segoe UI" pitchFamily="34" charset="0"/>
+                <a:ea typeface="+mn-ea"/>
+                <a:cs typeface="+mn-cs"/>
+              </a:rPr>
+              <a:t> </a:t>
+            </a:r>
+            <a:r>
+              <a:rPr lang="de-DE" sz="1700" b="0" i="0" kern="1200" dirty="0" err="1">
+                <a:solidFill>
+                  <a:schemeClr val="tx1"/>
+                </a:solidFill>
+                <a:effectLst/>
+                <a:latin typeface="Segoe UI" pitchFamily="34" charset="0"/>
+                <a:ea typeface="+mn-ea"/>
+                <a:cs typeface="+mn-cs"/>
+              </a:rPr>
+              <a:t>or</a:t>
+            </a:r>
+            <a:r>
+              <a:rPr lang="de-DE" sz="1700" b="0" i="0" kern="1200" dirty="0">
+                <a:solidFill>
+                  <a:schemeClr val="tx1"/>
+                </a:solidFill>
+                <a:effectLst/>
+                <a:latin typeface="Segoe UI" pitchFamily="34" charset="0"/>
+                <a:ea typeface="+mn-ea"/>
+                <a:cs typeface="+mn-cs"/>
+              </a:rPr>
+              <a:t> </a:t>
+            </a:r>
+            <a:r>
+              <a:rPr lang="de-DE" sz="1700" b="0" i="0" kern="1200" dirty="0" err="1">
+                <a:solidFill>
+                  <a:schemeClr val="tx1"/>
+                </a:solidFill>
+                <a:effectLst/>
+                <a:latin typeface="Segoe UI" pitchFamily="34" charset="0"/>
+                <a:ea typeface="+mn-ea"/>
+                <a:cs typeface="+mn-cs"/>
+              </a:rPr>
+              <a:t>frame</a:t>
+            </a:r>
+            <a:r>
+              <a:rPr lang="de-DE" sz="1700" b="0" i="0" kern="1200" dirty="0">
+                <a:solidFill>
+                  <a:schemeClr val="tx1"/>
+                </a:solidFill>
+                <a:effectLst/>
+                <a:latin typeface="Segoe UI" pitchFamily="34" charset="0"/>
+                <a:ea typeface="+mn-ea"/>
+                <a:cs typeface="+mn-cs"/>
+              </a:rPr>
+              <a:t> </a:t>
+            </a:r>
+            <a:r>
+              <a:rPr lang="de-DE" sz="1700" b="0" i="0" kern="1200" dirty="0" err="1">
+                <a:solidFill>
+                  <a:schemeClr val="tx1"/>
+                </a:solidFill>
+                <a:effectLst/>
+                <a:latin typeface="Segoe UI" pitchFamily="34" charset="0"/>
+                <a:ea typeface="+mn-ea"/>
+                <a:cs typeface="+mn-cs"/>
+              </a:rPr>
+              <a:t>that</a:t>
+            </a:r>
+            <a:r>
+              <a:rPr lang="de-DE" sz="1700" b="0" i="0" kern="1200" dirty="0">
+                <a:solidFill>
+                  <a:schemeClr val="tx1"/>
+                </a:solidFill>
+                <a:effectLst/>
+                <a:latin typeface="Segoe UI" pitchFamily="34" charset="0"/>
+                <a:ea typeface="+mn-ea"/>
+                <a:cs typeface="+mn-cs"/>
+              </a:rPr>
+              <a:t> </a:t>
+            </a:r>
+            <a:r>
+              <a:rPr lang="de-DE" sz="1700" b="0" i="0" kern="1200" dirty="0" err="1">
+                <a:solidFill>
+                  <a:schemeClr val="tx1"/>
+                </a:solidFill>
+                <a:effectLst/>
+                <a:latin typeface="Segoe UI" pitchFamily="34" charset="0"/>
+                <a:ea typeface="+mn-ea"/>
+                <a:cs typeface="+mn-cs"/>
+              </a:rPr>
+              <a:t>the</a:t>
+            </a:r>
+            <a:r>
+              <a:rPr lang="de-DE" sz="1700" b="0" i="0" kern="1200" dirty="0">
+                <a:solidFill>
+                  <a:schemeClr val="tx1"/>
+                </a:solidFill>
+                <a:effectLst/>
+                <a:latin typeface="Segoe UI" pitchFamily="34" charset="0"/>
+                <a:ea typeface="+mn-ea"/>
+                <a:cs typeface="+mn-cs"/>
+              </a:rPr>
+              <a:t> </a:t>
+            </a:r>
+            <a:r>
+              <a:rPr lang="de-DE" sz="1700" b="0" i="0" kern="1200" dirty="0" err="1">
+                <a:solidFill>
+                  <a:schemeClr val="tx1"/>
+                </a:solidFill>
+                <a:effectLst/>
+                <a:latin typeface="Segoe UI" pitchFamily="34" charset="0"/>
+                <a:ea typeface="+mn-ea"/>
+                <a:cs typeface="+mn-cs"/>
+              </a:rPr>
+              <a:t>current</a:t>
+            </a:r>
+            <a:r>
+              <a:rPr lang="de-DE" sz="1700" b="0" i="0" kern="1200" dirty="0">
+                <a:solidFill>
+                  <a:schemeClr val="tx1"/>
+                </a:solidFill>
+                <a:effectLst/>
+                <a:latin typeface="Segoe UI" pitchFamily="34" charset="0"/>
+                <a:ea typeface="+mn-ea"/>
+                <a:cs typeface="+mn-cs"/>
+              </a:rPr>
+              <a:t> </a:t>
+            </a:r>
+            <a:r>
+              <a:rPr lang="de-DE" sz="1700" b="0" i="0" kern="1200" dirty="0" err="1">
+                <a:solidFill>
+                  <a:schemeClr val="tx1"/>
+                </a:solidFill>
+                <a:effectLst/>
+                <a:latin typeface="Segoe UI" pitchFamily="34" charset="0"/>
+                <a:ea typeface="+mn-ea"/>
+                <a:cs typeface="+mn-cs"/>
+              </a:rPr>
+              <a:t>page</a:t>
+            </a:r>
+            <a:r>
+              <a:rPr lang="de-DE" sz="1700" b="0" i="0" kern="1200" dirty="0">
+                <a:solidFill>
+                  <a:schemeClr val="tx1"/>
+                </a:solidFill>
+                <a:effectLst/>
+                <a:latin typeface="Segoe UI" pitchFamily="34" charset="0"/>
+                <a:ea typeface="+mn-ea"/>
+                <a:cs typeface="+mn-cs"/>
+              </a:rPr>
+              <a:t> </a:t>
+            </a:r>
+            <a:r>
+              <a:rPr lang="de-DE" sz="1700" b="0" i="0" kern="1200" dirty="0" err="1">
+                <a:solidFill>
+                  <a:schemeClr val="tx1"/>
+                </a:solidFill>
+                <a:effectLst/>
+                <a:latin typeface="Segoe UI" pitchFamily="34" charset="0"/>
+                <a:ea typeface="+mn-ea"/>
+                <a:cs typeface="+mn-cs"/>
+              </a:rPr>
+              <a:t>is</a:t>
+            </a:r>
+            <a:r>
+              <a:rPr lang="de-DE" sz="1700" b="0" i="0" kern="1200" dirty="0">
+                <a:solidFill>
+                  <a:schemeClr val="tx1"/>
+                </a:solidFill>
+                <a:effectLst/>
+                <a:latin typeface="Segoe UI" pitchFamily="34" charset="0"/>
+                <a:ea typeface="+mn-ea"/>
+                <a:cs typeface="+mn-cs"/>
+              </a:rPr>
+              <a:t> </a:t>
+            </a:r>
+            <a:r>
+              <a:rPr lang="de-DE" sz="1700" b="0" i="0" kern="1200" dirty="0" err="1">
+                <a:solidFill>
+                  <a:schemeClr val="tx1"/>
+                </a:solidFill>
+                <a:effectLst/>
+                <a:latin typeface="Segoe UI" pitchFamily="34" charset="0"/>
+                <a:ea typeface="+mn-ea"/>
+                <a:cs typeface="+mn-cs"/>
+              </a:rPr>
+              <a:t>loaded</a:t>
+            </a:r>
+            <a:r>
+              <a:rPr lang="de-DE" sz="1700" b="0" i="0" kern="1200" dirty="0">
+                <a:solidFill>
+                  <a:schemeClr val="tx1"/>
+                </a:solidFill>
+                <a:effectLst/>
+                <a:latin typeface="Segoe UI" pitchFamily="34" charset="0"/>
+                <a:ea typeface="+mn-ea"/>
+                <a:cs typeface="+mn-cs"/>
+              </a:rPr>
+              <a:t> in. (Quelle:</a:t>
+            </a:r>
+            <a:r>
+              <a:rPr lang="de-DE" sz="1700" b="0" i="0" kern="1200" baseline="0" dirty="0">
+                <a:solidFill>
+                  <a:schemeClr val="tx1"/>
+                </a:solidFill>
+                <a:effectLst/>
+                <a:latin typeface="Segoe UI" pitchFamily="34" charset="0"/>
+                <a:ea typeface="+mn-ea"/>
+                <a:cs typeface="+mn-cs"/>
+              </a:rPr>
+              <a:t> https://</a:t>
+            </a:r>
+            <a:r>
+              <a:rPr lang="de-DE" sz="1700" b="0" i="0" kern="1200" baseline="0" dirty="0" err="1">
+                <a:solidFill>
+                  <a:schemeClr val="tx1"/>
+                </a:solidFill>
+                <a:effectLst/>
+                <a:latin typeface="Segoe UI" pitchFamily="34" charset="0"/>
+                <a:ea typeface="+mn-ea"/>
+                <a:cs typeface="+mn-cs"/>
+              </a:rPr>
+              <a:t>developer.mozilla.org</a:t>
+            </a:r>
+            <a:r>
+              <a:rPr lang="de-DE" sz="1700" b="0" i="0" kern="1200" baseline="0" dirty="0">
+                <a:solidFill>
+                  <a:schemeClr val="tx1"/>
+                </a:solidFill>
+                <a:effectLst/>
+                <a:latin typeface="Segoe UI" pitchFamily="34" charset="0"/>
+                <a:ea typeface="+mn-ea"/>
+                <a:cs typeface="+mn-cs"/>
+              </a:rPr>
+              <a:t>/de/</a:t>
+            </a:r>
+            <a:r>
+              <a:rPr lang="de-DE" sz="1700" b="0" i="0" kern="1200" baseline="0" dirty="0" err="1">
+                <a:solidFill>
+                  <a:schemeClr val="tx1"/>
+                </a:solidFill>
+                <a:effectLst/>
+                <a:latin typeface="Segoe UI" pitchFamily="34" charset="0"/>
+                <a:ea typeface="+mn-ea"/>
+                <a:cs typeface="+mn-cs"/>
+              </a:rPr>
+              <a:t>docs</a:t>
+            </a:r>
+            <a:r>
+              <a:rPr lang="de-DE" sz="1700" b="0" i="0" kern="1200" baseline="0" dirty="0">
+                <a:solidFill>
+                  <a:schemeClr val="tx1"/>
+                </a:solidFill>
+                <a:effectLst/>
+                <a:latin typeface="Segoe UI" pitchFamily="34" charset="0"/>
+                <a:ea typeface="+mn-ea"/>
+                <a:cs typeface="+mn-cs"/>
+              </a:rPr>
+              <a:t>/Web/API/</a:t>
+            </a:r>
+            <a:r>
+              <a:rPr lang="de-DE" sz="1700" b="0" i="0" kern="1200" baseline="0" dirty="0" err="1">
+                <a:solidFill>
+                  <a:schemeClr val="tx1"/>
+                </a:solidFill>
+                <a:effectLst/>
+                <a:latin typeface="Segoe UI" pitchFamily="34" charset="0"/>
+                <a:ea typeface="+mn-ea"/>
+                <a:cs typeface="+mn-cs"/>
+              </a:rPr>
+              <a:t>History</a:t>
+            </a:r>
+            <a:r>
+              <a:rPr lang="de-DE" sz="1700" b="0" i="0" kern="1200" baseline="0" dirty="0">
+                <a:solidFill>
+                  <a:schemeClr val="tx1"/>
+                </a:solidFill>
+                <a:effectLst/>
+                <a:latin typeface="Segoe UI" pitchFamily="34" charset="0"/>
+                <a:ea typeface="+mn-ea"/>
+                <a:cs typeface="+mn-cs"/>
+              </a:rPr>
+              <a:t>)</a:t>
+            </a:r>
+            <a:endParaRPr lang="de-DE" dirty="0"/>
+          </a:p>
+        </p:txBody>
+      </p:sp>
+      <p:sp>
+        <p:nvSpPr>
+          <p:cNvPr id="4" name="Foliennummernplatzhalter 3"/>
+          <p:cNvSpPr>
+            <a:spLocks noGrp="1"/>
+          </p:cNvSpPr>
+          <p:nvPr>
+            <p:ph type="sldNum" sz="quarter" idx="10"/>
+          </p:nvPr>
+        </p:nvSpPr>
+        <p:spPr/>
+        <p:txBody>
+          <a:bodyPr/>
+          <a:lstStyle/>
+          <a:p>
+            <a:fld id="{C873CC87-18E6-904B-91DF-7AB1BE26DDED}" type="slidenum">
+              <a:rPr lang="de-DE" smtClean="0"/>
+              <a:pPr/>
               <a:t>23</a:t>
             </a:fld>
             <a:endParaRPr lang="de-DE" dirty="0"/>
@@ -15652,7 +18943,7 @@
 </p:notes>
 </file>
 
-<file path=ppt/notesSlides/notesSlide5.xml><?xml version="1.0" encoding="utf-8"?>
+<file path=ppt/notesSlides/notesSlide7.xml><?xml version="1.0" encoding="utf-8"?>
 <p:notes xmlns:a="http://schemas.openxmlformats.org/drawingml/2006/main" xmlns:r="http://schemas.openxmlformats.org/officeDocument/2006/relationships" xmlns:p="http://schemas.openxmlformats.org/presentationml/2006/main">
   <p:cSld>
     <p:spTree>
@@ -16551,7 +19842,7 @@
           <a:noFill/>
           <a:extLst>
             <a:ext uri="{909E8E84-426E-40dd-AFC4-6F175D3DCCD1}">
-              <a14:hiddenFill xmlns="" xmlns:a14="http://schemas.microsoft.com/office/drawing/2010/main">
+              <a14:hiddenFill xmlns:a14="http://schemas.microsoft.com/office/drawing/2010/main" xmlns="">
                 <a:solidFill>
                   <a:srgbClr val="FFFFFF"/>
                 </a:solidFill>
@@ -16751,7 +20042,7 @@
           <p:cNvPr id="2" name="Datumsplatzhalter 1">
             <a:extLst>
               <a:ext uri="{FF2B5EF4-FFF2-40B4-BE49-F238E27FC236}">
-                <a16:creationId xmlns="" xmlns:a16="http://schemas.microsoft.com/office/drawing/2014/main" id="{0EE9CECA-FE53-4E0D-AD22-D4AB49ECF809}"/>
+                <a16:creationId xmlns:a16="http://schemas.microsoft.com/office/drawing/2014/main" xmlns="" id="{0EE9CECA-FE53-4E0D-AD22-D4AB49ECF809}"/>
               </a:ext>
             </a:extLst>
           </p:cNvPr>
@@ -16770,7 +20061,7 @@
             <a:fld id="{17C2562E-359A-3C42-BBEF-E02CE97BECB1}" type="datetimeFigureOut">
               <a:rPr lang="de-DE" smtClean="0"/>
               <a:pPr/>
-              <a:t>19.10.2017</a:t>
+              <a:t>20.10.17</a:t>
             </a:fld>
             <a:endParaRPr lang="de-DE" dirty="0"/>
           </a:p>
@@ -16781,7 +20072,7 @@
           <p:cNvPr id="7" name="Fußzeilenplatzhalter 6">
             <a:extLst>
               <a:ext uri="{FF2B5EF4-FFF2-40B4-BE49-F238E27FC236}">
-                <a16:creationId xmlns="" xmlns:a16="http://schemas.microsoft.com/office/drawing/2014/main" id="{C07A299E-41A7-4A08-81FA-6FBA6806F0A5}"/>
+                <a16:creationId xmlns:a16="http://schemas.microsoft.com/office/drawing/2014/main" xmlns="" id="{C07A299E-41A7-4A08-81FA-6FBA6806F0A5}"/>
               </a:ext>
             </a:extLst>
           </p:cNvPr>
@@ -16806,7 +20097,7 @@
           <p:cNvPr id="8" name="Foliennummernplatzhalter 7">
             <a:extLst>
               <a:ext uri="{FF2B5EF4-FFF2-40B4-BE49-F238E27FC236}">
-                <a16:creationId xmlns="" xmlns:a16="http://schemas.microsoft.com/office/drawing/2014/main" id="{9151A28C-FF21-4CC9-B28E-CF780807FE34}"/>
+                <a16:creationId xmlns:a16="http://schemas.microsoft.com/office/drawing/2014/main" xmlns="" id="{9151A28C-FF21-4CC9-B28E-CF780807FE34}"/>
               </a:ext>
             </a:extLst>
           </p:cNvPr>
@@ -17061,7 +20352,7 @@
           <p:cNvPr id="3" name="Datumsplatzhalter 2">
             <a:extLst>
               <a:ext uri="{FF2B5EF4-FFF2-40B4-BE49-F238E27FC236}">
-                <a16:creationId xmlns="" xmlns:a16="http://schemas.microsoft.com/office/drawing/2014/main" id="{3D332A91-9158-4543-9295-8484F133E109}"/>
+                <a16:creationId xmlns:a16="http://schemas.microsoft.com/office/drawing/2014/main" xmlns="" id="{3D332A91-9158-4543-9295-8484F133E109}"/>
               </a:ext>
             </a:extLst>
           </p:cNvPr>
@@ -17080,7 +20371,7 @@
             <a:fld id="{17C2562E-359A-3C42-BBEF-E02CE97BECB1}" type="datetimeFigureOut">
               <a:rPr lang="de-DE" smtClean="0"/>
               <a:pPr/>
-              <a:t>19.10.2017</a:t>
+              <a:t>20.10.17</a:t>
             </a:fld>
             <a:endParaRPr lang="de-DE" dirty="0"/>
           </a:p>
@@ -17091,7 +20382,7 @@
           <p:cNvPr id="7" name="Fußzeilenplatzhalter 6">
             <a:extLst>
               <a:ext uri="{FF2B5EF4-FFF2-40B4-BE49-F238E27FC236}">
-                <a16:creationId xmlns="" xmlns:a16="http://schemas.microsoft.com/office/drawing/2014/main" id="{C426E4CE-7F9D-4A7E-A795-EDD7185E3A7A}"/>
+                <a16:creationId xmlns:a16="http://schemas.microsoft.com/office/drawing/2014/main" xmlns="" id="{C426E4CE-7F9D-4A7E-A795-EDD7185E3A7A}"/>
               </a:ext>
             </a:extLst>
           </p:cNvPr>
@@ -17116,7 +20407,7 @@
           <p:cNvPr id="8" name="Foliennummernplatzhalter 7">
             <a:extLst>
               <a:ext uri="{FF2B5EF4-FFF2-40B4-BE49-F238E27FC236}">
-                <a16:creationId xmlns="" xmlns:a16="http://schemas.microsoft.com/office/drawing/2014/main" id="{73459CEF-058C-4C7D-9907-D7A5E4B23A28}"/>
+                <a16:creationId xmlns:a16="http://schemas.microsoft.com/office/drawing/2014/main" xmlns="" id="{73459CEF-058C-4C7D-9907-D7A5E4B23A28}"/>
               </a:ext>
             </a:extLst>
           </p:cNvPr>
@@ -17364,7 +20655,7 @@
           <p:cNvPr id="2" name="Datumsplatzhalter 1">
             <a:extLst>
               <a:ext uri="{FF2B5EF4-FFF2-40B4-BE49-F238E27FC236}">
-                <a16:creationId xmlns="" xmlns:a16="http://schemas.microsoft.com/office/drawing/2014/main" id="{64A9B900-82AE-4D1E-B11E-155C1B825004}"/>
+                <a16:creationId xmlns:a16="http://schemas.microsoft.com/office/drawing/2014/main" xmlns="" id="{64A9B900-82AE-4D1E-B11E-155C1B825004}"/>
               </a:ext>
             </a:extLst>
           </p:cNvPr>
@@ -17383,7 +20674,7 @@
             <a:fld id="{17C2562E-359A-3C42-BBEF-E02CE97BECB1}" type="datetimeFigureOut">
               <a:rPr lang="de-DE" smtClean="0"/>
               <a:pPr/>
-              <a:t>19.10.2017</a:t>
+              <a:t>20.10.17</a:t>
             </a:fld>
             <a:endParaRPr lang="de-DE" dirty="0"/>
           </a:p>
@@ -17394,7 +20685,7 @@
           <p:cNvPr id="7" name="Fußzeilenplatzhalter 6">
             <a:extLst>
               <a:ext uri="{FF2B5EF4-FFF2-40B4-BE49-F238E27FC236}">
-                <a16:creationId xmlns="" xmlns:a16="http://schemas.microsoft.com/office/drawing/2014/main" id="{41953AE8-A571-4BCE-AF9C-CC7A649DD8C5}"/>
+                <a16:creationId xmlns:a16="http://schemas.microsoft.com/office/drawing/2014/main" xmlns="" id="{41953AE8-A571-4BCE-AF9C-CC7A649DD8C5}"/>
               </a:ext>
             </a:extLst>
           </p:cNvPr>
@@ -17419,7 +20710,7 @@
           <p:cNvPr id="8" name="Foliennummernplatzhalter 7">
             <a:extLst>
               <a:ext uri="{FF2B5EF4-FFF2-40B4-BE49-F238E27FC236}">
-                <a16:creationId xmlns="" xmlns:a16="http://schemas.microsoft.com/office/drawing/2014/main" id="{6DCAD949-98D9-4F76-BE67-6629B37422CB}"/>
+                <a16:creationId xmlns:a16="http://schemas.microsoft.com/office/drawing/2014/main" xmlns="" id="{6DCAD949-98D9-4F76-BE67-6629B37422CB}"/>
               </a:ext>
             </a:extLst>
           </p:cNvPr>
@@ -17520,7 +20811,7 @@
           <p:cNvPr id="2" name="Datumsplatzhalter 1">
             <a:extLst>
               <a:ext uri="{FF2B5EF4-FFF2-40B4-BE49-F238E27FC236}">
-                <a16:creationId xmlns="" xmlns:a16="http://schemas.microsoft.com/office/drawing/2014/main" id="{0F48F7B5-AF2D-4886-B660-ACFD0F3CA06C}"/>
+                <a16:creationId xmlns:a16="http://schemas.microsoft.com/office/drawing/2014/main" xmlns="" id="{0F48F7B5-AF2D-4886-B660-ACFD0F3CA06C}"/>
               </a:ext>
             </a:extLst>
           </p:cNvPr>
@@ -17539,7 +20830,7 @@
             <a:fld id="{17C2562E-359A-3C42-BBEF-E02CE97BECB1}" type="datetimeFigureOut">
               <a:rPr lang="de-DE" smtClean="0"/>
               <a:pPr/>
-              <a:t>19.10.2017</a:t>
+              <a:t>20.10.17</a:t>
             </a:fld>
             <a:endParaRPr lang="de-DE" dirty="0"/>
           </a:p>
@@ -17550,7 +20841,7 @@
           <p:cNvPr id="7" name="Fußzeilenplatzhalter 6">
             <a:extLst>
               <a:ext uri="{FF2B5EF4-FFF2-40B4-BE49-F238E27FC236}">
-                <a16:creationId xmlns="" xmlns:a16="http://schemas.microsoft.com/office/drawing/2014/main" id="{C01D3F89-6DF4-4DC1-ABFC-4B69E0299624}"/>
+                <a16:creationId xmlns:a16="http://schemas.microsoft.com/office/drawing/2014/main" xmlns="" id="{C01D3F89-6DF4-4DC1-ABFC-4B69E0299624}"/>
               </a:ext>
             </a:extLst>
           </p:cNvPr>
@@ -17575,7 +20866,7 @@
           <p:cNvPr id="8" name="Foliennummernplatzhalter 7">
             <a:extLst>
               <a:ext uri="{FF2B5EF4-FFF2-40B4-BE49-F238E27FC236}">
-                <a16:creationId xmlns="" xmlns:a16="http://schemas.microsoft.com/office/drawing/2014/main" id="{BFD42FBE-0754-4285-A3CE-566D22A33C59}"/>
+                <a16:creationId xmlns:a16="http://schemas.microsoft.com/office/drawing/2014/main" xmlns="" id="{BFD42FBE-0754-4285-A3CE-566D22A33C59}"/>
               </a:ext>
             </a:extLst>
           </p:cNvPr>
@@ -17816,7 +21107,7 @@
           <p:cNvPr id="3" name="Datumsplatzhalter 2">
             <a:extLst>
               <a:ext uri="{FF2B5EF4-FFF2-40B4-BE49-F238E27FC236}">
-                <a16:creationId xmlns="" xmlns:a16="http://schemas.microsoft.com/office/drawing/2014/main" id="{434AC82E-1F55-4D6D-B12A-7355E3927B04}"/>
+                <a16:creationId xmlns:a16="http://schemas.microsoft.com/office/drawing/2014/main" xmlns="" id="{434AC82E-1F55-4D6D-B12A-7355E3927B04}"/>
               </a:ext>
             </a:extLst>
           </p:cNvPr>
@@ -17835,7 +21126,7 @@
             <a:fld id="{17C2562E-359A-3C42-BBEF-E02CE97BECB1}" type="datetimeFigureOut">
               <a:rPr lang="de-DE" smtClean="0"/>
               <a:pPr/>
-              <a:t>19.10.2017</a:t>
+              <a:t>20.10.17</a:t>
             </a:fld>
             <a:endParaRPr lang="de-DE" dirty="0"/>
           </a:p>
@@ -17846,7 +21137,7 @@
           <p:cNvPr id="7" name="Fußzeilenplatzhalter 6">
             <a:extLst>
               <a:ext uri="{FF2B5EF4-FFF2-40B4-BE49-F238E27FC236}">
-                <a16:creationId xmlns="" xmlns:a16="http://schemas.microsoft.com/office/drawing/2014/main" id="{95F90759-2A54-4A06-B304-DFA3C45AF309}"/>
+                <a16:creationId xmlns:a16="http://schemas.microsoft.com/office/drawing/2014/main" xmlns="" id="{95F90759-2A54-4A06-B304-DFA3C45AF309}"/>
               </a:ext>
             </a:extLst>
           </p:cNvPr>
@@ -17871,7 +21162,7 @@
           <p:cNvPr id="8" name="Foliennummernplatzhalter 7">
             <a:extLst>
               <a:ext uri="{FF2B5EF4-FFF2-40B4-BE49-F238E27FC236}">
-                <a16:creationId xmlns="" xmlns:a16="http://schemas.microsoft.com/office/drawing/2014/main" id="{AAA489C6-E63E-4078-89A4-7CC1709D7206}"/>
+                <a16:creationId xmlns:a16="http://schemas.microsoft.com/office/drawing/2014/main" xmlns="" id="{AAA489C6-E63E-4078-89A4-7CC1709D7206}"/>
               </a:ext>
             </a:extLst>
           </p:cNvPr>
@@ -18153,7 +21444,7 @@
           <p:cNvPr id="3" name="Datumsplatzhalter 2">
             <a:extLst>
               <a:ext uri="{FF2B5EF4-FFF2-40B4-BE49-F238E27FC236}">
-                <a16:creationId xmlns="" xmlns:a16="http://schemas.microsoft.com/office/drawing/2014/main" id="{24A5A6B0-652D-48FC-AF73-17BD8D217D8E}"/>
+                <a16:creationId xmlns:a16="http://schemas.microsoft.com/office/drawing/2014/main" xmlns="" id="{24A5A6B0-652D-48FC-AF73-17BD8D217D8E}"/>
               </a:ext>
             </a:extLst>
           </p:cNvPr>
@@ -18172,7 +21463,7 @@
             <a:fld id="{17C2562E-359A-3C42-BBEF-E02CE97BECB1}" type="datetimeFigureOut">
               <a:rPr lang="de-DE" smtClean="0"/>
               <a:pPr/>
-              <a:t>19.10.2017</a:t>
+              <a:t>20.10.17</a:t>
             </a:fld>
             <a:endParaRPr lang="de-DE" dirty="0"/>
           </a:p>
@@ -18183,7 +21474,7 @@
           <p:cNvPr id="7" name="Fußzeilenplatzhalter 6">
             <a:extLst>
               <a:ext uri="{FF2B5EF4-FFF2-40B4-BE49-F238E27FC236}">
-                <a16:creationId xmlns="" xmlns:a16="http://schemas.microsoft.com/office/drawing/2014/main" id="{239BA7E1-F103-432E-BC27-0127D2228DA4}"/>
+                <a16:creationId xmlns:a16="http://schemas.microsoft.com/office/drawing/2014/main" xmlns="" id="{239BA7E1-F103-432E-BC27-0127D2228DA4}"/>
               </a:ext>
             </a:extLst>
           </p:cNvPr>
@@ -18208,7 +21499,7 @@
           <p:cNvPr id="9" name="Foliennummernplatzhalter 8">
             <a:extLst>
               <a:ext uri="{FF2B5EF4-FFF2-40B4-BE49-F238E27FC236}">
-                <a16:creationId xmlns="" xmlns:a16="http://schemas.microsoft.com/office/drawing/2014/main" id="{E398A7F9-A765-46A7-B1D7-8FF6247ED6E8}"/>
+                <a16:creationId xmlns:a16="http://schemas.microsoft.com/office/drawing/2014/main" xmlns="" id="{E398A7F9-A765-46A7-B1D7-8FF6247ED6E8}"/>
               </a:ext>
             </a:extLst>
           </p:cNvPr>
@@ -18629,7 +21920,7 @@
           <p:cNvPr id="3" name="Datumsplatzhalter 2">
             <a:extLst>
               <a:ext uri="{FF2B5EF4-FFF2-40B4-BE49-F238E27FC236}">
-                <a16:creationId xmlns="" xmlns:a16="http://schemas.microsoft.com/office/drawing/2014/main" id="{E251BDE8-F6CD-4379-B02C-D58055E91CB7}"/>
+                <a16:creationId xmlns:a16="http://schemas.microsoft.com/office/drawing/2014/main" xmlns="" id="{E251BDE8-F6CD-4379-B02C-D58055E91CB7}"/>
               </a:ext>
             </a:extLst>
           </p:cNvPr>
@@ -18648,7 +21939,7 @@
             <a:fld id="{17C2562E-359A-3C42-BBEF-E02CE97BECB1}" type="datetimeFigureOut">
               <a:rPr lang="de-DE" smtClean="0"/>
               <a:pPr/>
-              <a:t>19.10.2017</a:t>
+              <a:t>20.10.17</a:t>
             </a:fld>
             <a:endParaRPr lang="de-DE" dirty="0"/>
           </a:p>
@@ -18659,7 +21950,7 @@
           <p:cNvPr id="7" name="Fußzeilenplatzhalter 6">
             <a:extLst>
               <a:ext uri="{FF2B5EF4-FFF2-40B4-BE49-F238E27FC236}">
-                <a16:creationId xmlns="" xmlns:a16="http://schemas.microsoft.com/office/drawing/2014/main" id="{F684EDD4-7234-4CF4-A5B8-FCC6419FE199}"/>
+                <a16:creationId xmlns:a16="http://schemas.microsoft.com/office/drawing/2014/main" xmlns="" id="{F684EDD4-7234-4CF4-A5B8-FCC6419FE199}"/>
               </a:ext>
             </a:extLst>
           </p:cNvPr>
@@ -18684,7 +21975,7 @@
           <p:cNvPr id="8" name="Foliennummernplatzhalter 7">
             <a:extLst>
               <a:ext uri="{FF2B5EF4-FFF2-40B4-BE49-F238E27FC236}">
-                <a16:creationId xmlns="" xmlns:a16="http://schemas.microsoft.com/office/drawing/2014/main" id="{81EB7AF2-AEA0-439E-B5DA-DF760778341F}"/>
+                <a16:creationId xmlns:a16="http://schemas.microsoft.com/office/drawing/2014/main" xmlns="" id="{81EB7AF2-AEA0-439E-B5DA-DF760778341F}"/>
               </a:ext>
             </a:extLst>
           </p:cNvPr>
@@ -19012,7 +22303,7 @@
           <p:cNvPr id="3" name="Datumsplatzhalter 2">
             <a:extLst>
               <a:ext uri="{FF2B5EF4-FFF2-40B4-BE49-F238E27FC236}">
-                <a16:creationId xmlns="" xmlns:a16="http://schemas.microsoft.com/office/drawing/2014/main" id="{C2E5ECD2-BEB5-47D1-A89E-69496048A8D5}"/>
+                <a16:creationId xmlns:a16="http://schemas.microsoft.com/office/drawing/2014/main" xmlns="" id="{C2E5ECD2-BEB5-47D1-A89E-69496048A8D5}"/>
               </a:ext>
             </a:extLst>
           </p:cNvPr>
@@ -19031,7 +22322,7 @@
             <a:fld id="{17C2562E-359A-3C42-BBEF-E02CE97BECB1}" type="datetimeFigureOut">
               <a:rPr lang="de-DE" smtClean="0"/>
               <a:pPr/>
-              <a:t>19.10.2017</a:t>
+              <a:t>20.10.17</a:t>
             </a:fld>
             <a:endParaRPr lang="de-DE" dirty="0"/>
           </a:p>
@@ -19042,7 +22333,7 @@
           <p:cNvPr id="7" name="Fußzeilenplatzhalter 6">
             <a:extLst>
               <a:ext uri="{FF2B5EF4-FFF2-40B4-BE49-F238E27FC236}">
-                <a16:creationId xmlns="" xmlns:a16="http://schemas.microsoft.com/office/drawing/2014/main" id="{8DADA64D-3A7A-4438-9197-BD2830657223}"/>
+                <a16:creationId xmlns:a16="http://schemas.microsoft.com/office/drawing/2014/main" xmlns="" id="{8DADA64D-3A7A-4438-9197-BD2830657223}"/>
               </a:ext>
             </a:extLst>
           </p:cNvPr>
@@ -19067,7 +22358,7 @@
           <p:cNvPr id="9" name="Foliennummernplatzhalter 8">
             <a:extLst>
               <a:ext uri="{FF2B5EF4-FFF2-40B4-BE49-F238E27FC236}">
-                <a16:creationId xmlns="" xmlns:a16="http://schemas.microsoft.com/office/drawing/2014/main" id="{3D8A091A-178E-435F-9EA9-84BA66D378CC}"/>
+                <a16:creationId xmlns:a16="http://schemas.microsoft.com/office/drawing/2014/main" xmlns="" id="{3D8A091A-178E-435F-9EA9-84BA66D378CC}"/>
               </a:ext>
             </a:extLst>
           </p:cNvPr>
@@ -19698,7 +22989,7 @@
           <p:cNvPr id="6" name="Datumsplatzhalter 5">
             <a:extLst>
               <a:ext uri="{FF2B5EF4-FFF2-40B4-BE49-F238E27FC236}">
-                <a16:creationId xmlns="" xmlns:a16="http://schemas.microsoft.com/office/drawing/2014/main" id="{E75B6010-F5BB-4F22-8221-D75D21F6EB55}"/>
+                <a16:creationId xmlns:a16="http://schemas.microsoft.com/office/drawing/2014/main" xmlns="" id="{E75B6010-F5BB-4F22-8221-D75D21F6EB55}"/>
               </a:ext>
             </a:extLst>
           </p:cNvPr>
@@ -19717,7 +23008,7 @@
             <a:fld id="{17C2562E-359A-3C42-BBEF-E02CE97BECB1}" type="datetimeFigureOut">
               <a:rPr lang="de-DE" smtClean="0"/>
               <a:pPr/>
-              <a:t>19.10.2017</a:t>
+              <a:t>20.10.17</a:t>
             </a:fld>
             <a:endParaRPr lang="de-DE" dirty="0"/>
           </a:p>
@@ -19728,7 +23019,7 @@
           <p:cNvPr id="7" name="Fußzeilenplatzhalter 6">
             <a:extLst>
               <a:ext uri="{FF2B5EF4-FFF2-40B4-BE49-F238E27FC236}">
-                <a16:creationId xmlns="" xmlns:a16="http://schemas.microsoft.com/office/drawing/2014/main" id="{26547C97-5C9B-4C14-8D49-A5E83DFFB45A}"/>
+                <a16:creationId xmlns:a16="http://schemas.microsoft.com/office/drawing/2014/main" xmlns="" id="{26547C97-5C9B-4C14-8D49-A5E83DFFB45A}"/>
               </a:ext>
             </a:extLst>
           </p:cNvPr>
@@ -19753,7 +23044,7 @@
           <p:cNvPr id="11" name="Foliennummernplatzhalter 10">
             <a:extLst>
               <a:ext uri="{FF2B5EF4-FFF2-40B4-BE49-F238E27FC236}">
-                <a16:creationId xmlns="" xmlns:a16="http://schemas.microsoft.com/office/drawing/2014/main" id="{98B57AAA-67F4-4EFE-A062-411C04E4F8A2}"/>
+                <a16:creationId xmlns:a16="http://schemas.microsoft.com/office/drawing/2014/main" xmlns="" id="{98B57AAA-67F4-4EFE-A062-411C04E4F8A2}"/>
               </a:ext>
             </a:extLst>
           </p:cNvPr>
@@ -20292,7 +23583,7 @@
           <p:cNvPr id="5" name="Datumsplatzhalter 4">
             <a:extLst>
               <a:ext uri="{FF2B5EF4-FFF2-40B4-BE49-F238E27FC236}">
-                <a16:creationId xmlns="" xmlns:a16="http://schemas.microsoft.com/office/drawing/2014/main" id="{0C7C8404-609B-40A1-85F0-0C1D3C5C6357}"/>
+                <a16:creationId xmlns:a16="http://schemas.microsoft.com/office/drawing/2014/main" xmlns="" id="{0C7C8404-609B-40A1-85F0-0C1D3C5C6357}"/>
               </a:ext>
             </a:extLst>
           </p:cNvPr>
@@ -20311,7 +23602,7 @@
             <a:fld id="{17C2562E-359A-3C42-BBEF-E02CE97BECB1}" type="datetimeFigureOut">
               <a:rPr lang="de-DE" smtClean="0"/>
               <a:pPr/>
-              <a:t>19.10.2017</a:t>
+              <a:t>20.10.17</a:t>
             </a:fld>
             <a:endParaRPr lang="de-DE" dirty="0"/>
           </a:p>
@@ -20322,7 +23613,7 @@
           <p:cNvPr id="8" name="Fußzeilenplatzhalter 7">
             <a:extLst>
               <a:ext uri="{FF2B5EF4-FFF2-40B4-BE49-F238E27FC236}">
-                <a16:creationId xmlns="" xmlns:a16="http://schemas.microsoft.com/office/drawing/2014/main" id="{3C29D00E-B305-494B-A605-238A832848F3}"/>
+                <a16:creationId xmlns:a16="http://schemas.microsoft.com/office/drawing/2014/main" xmlns="" id="{3C29D00E-B305-494B-A605-238A832848F3}"/>
               </a:ext>
             </a:extLst>
           </p:cNvPr>
@@ -20347,7 +23638,7 @@
           <p:cNvPr id="9" name="Foliennummernplatzhalter 8">
             <a:extLst>
               <a:ext uri="{FF2B5EF4-FFF2-40B4-BE49-F238E27FC236}">
-                <a16:creationId xmlns="" xmlns:a16="http://schemas.microsoft.com/office/drawing/2014/main" id="{7FC7C27A-51A6-4577-BAAE-22B90EFD1D16}"/>
+                <a16:creationId xmlns:a16="http://schemas.microsoft.com/office/drawing/2014/main" xmlns="" id="{7FC7C27A-51A6-4577-BAAE-22B90EFD1D16}"/>
               </a:ext>
             </a:extLst>
           </p:cNvPr>
@@ -21116,7 +24407,7 @@
           <p:cNvPr id="5" name="Datumsplatzhalter 4">
             <a:extLst>
               <a:ext uri="{FF2B5EF4-FFF2-40B4-BE49-F238E27FC236}">
-                <a16:creationId xmlns="" xmlns:a16="http://schemas.microsoft.com/office/drawing/2014/main" id="{33D616DE-E3B4-4D35-BB61-A1FFAD7A5AAF}"/>
+                <a16:creationId xmlns:a16="http://schemas.microsoft.com/office/drawing/2014/main" xmlns="" id="{33D616DE-E3B4-4D35-BB61-A1FFAD7A5AAF}"/>
               </a:ext>
             </a:extLst>
           </p:cNvPr>
@@ -21135,7 +24426,7 @@
             <a:fld id="{17C2562E-359A-3C42-BBEF-E02CE97BECB1}" type="datetimeFigureOut">
               <a:rPr lang="de-DE" smtClean="0"/>
               <a:pPr/>
-              <a:t>19.10.2017</a:t>
+              <a:t>20.10.17</a:t>
             </a:fld>
             <a:endParaRPr lang="de-DE" dirty="0"/>
           </a:p>
@@ -21146,7 +24437,7 @@
           <p:cNvPr id="7" name="Fußzeilenplatzhalter 6">
             <a:extLst>
               <a:ext uri="{FF2B5EF4-FFF2-40B4-BE49-F238E27FC236}">
-                <a16:creationId xmlns="" xmlns:a16="http://schemas.microsoft.com/office/drawing/2014/main" id="{009571DE-76C3-4B92-A98C-31AD1C84E96F}"/>
+                <a16:creationId xmlns:a16="http://schemas.microsoft.com/office/drawing/2014/main" xmlns="" id="{009571DE-76C3-4B92-A98C-31AD1C84E96F}"/>
               </a:ext>
             </a:extLst>
           </p:cNvPr>
@@ -21171,7 +24462,7 @@
           <p:cNvPr id="10" name="Foliennummernplatzhalter 9">
             <a:extLst>
               <a:ext uri="{FF2B5EF4-FFF2-40B4-BE49-F238E27FC236}">
-                <a16:creationId xmlns="" xmlns:a16="http://schemas.microsoft.com/office/drawing/2014/main" id="{A873DEEA-A3E3-4201-A6F9-C92D0EB9E730}"/>
+                <a16:creationId xmlns:a16="http://schemas.microsoft.com/office/drawing/2014/main" xmlns="" id="{A873DEEA-A3E3-4201-A6F9-C92D0EB9E730}"/>
               </a:ext>
             </a:extLst>
           </p:cNvPr>
@@ -21596,7 +24887,7 @@
           <p:cNvPr id="6" name="Datumsplatzhalter 5">
             <a:extLst>
               <a:ext uri="{FF2B5EF4-FFF2-40B4-BE49-F238E27FC236}">
-                <a16:creationId xmlns="" xmlns:a16="http://schemas.microsoft.com/office/drawing/2014/main" id="{BE1F9E44-CCA9-4032-B773-94D7E2DF8ED5}"/>
+                <a16:creationId xmlns:a16="http://schemas.microsoft.com/office/drawing/2014/main" xmlns="" id="{BE1F9E44-CCA9-4032-B773-94D7E2DF8ED5}"/>
               </a:ext>
             </a:extLst>
           </p:cNvPr>
@@ -21615,7 +24906,7 @@
             <a:fld id="{17C2562E-359A-3C42-BBEF-E02CE97BECB1}" type="datetimeFigureOut">
               <a:rPr lang="de-DE" smtClean="0"/>
               <a:pPr/>
-              <a:t>19.10.2017</a:t>
+              <a:t>20.10.17</a:t>
             </a:fld>
             <a:endParaRPr lang="de-DE" dirty="0"/>
           </a:p>
@@ -21626,7 +24917,7 @@
           <p:cNvPr id="7" name="Fußzeilenplatzhalter 6">
             <a:extLst>
               <a:ext uri="{FF2B5EF4-FFF2-40B4-BE49-F238E27FC236}">
-                <a16:creationId xmlns="" xmlns:a16="http://schemas.microsoft.com/office/drawing/2014/main" id="{4D3B4066-4E5D-4AAB-A33C-01B8A1CAA20D}"/>
+                <a16:creationId xmlns:a16="http://schemas.microsoft.com/office/drawing/2014/main" xmlns="" id="{4D3B4066-4E5D-4AAB-A33C-01B8A1CAA20D}"/>
               </a:ext>
             </a:extLst>
           </p:cNvPr>
@@ -21651,7 +24942,7 @@
           <p:cNvPr id="8" name="Foliennummernplatzhalter 7">
             <a:extLst>
               <a:ext uri="{FF2B5EF4-FFF2-40B4-BE49-F238E27FC236}">
-                <a16:creationId xmlns="" xmlns:a16="http://schemas.microsoft.com/office/drawing/2014/main" id="{52AE4811-CB7B-4E63-92A7-E2967B6AEBEE}"/>
+                <a16:creationId xmlns:a16="http://schemas.microsoft.com/office/drawing/2014/main" xmlns="" id="{52AE4811-CB7B-4E63-92A7-E2967B6AEBEE}"/>
               </a:ext>
             </a:extLst>
           </p:cNvPr>
@@ -22438,7 +25729,7 @@
           <p:cNvPr id="5" name="Datumsplatzhalter 4">
             <a:extLst>
               <a:ext uri="{FF2B5EF4-FFF2-40B4-BE49-F238E27FC236}">
-                <a16:creationId xmlns="" xmlns:a16="http://schemas.microsoft.com/office/drawing/2014/main" id="{7AEDF8C5-F6FB-4119-B6A3-908B246DAB0B}"/>
+                <a16:creationId xmlns:a16="http://schemas.microsoft.com/office/drawing/2014/main" xmlns="" id="{7AEDF8C5-F6FB-4119-B6A3-908B246DAB0B}"/>
               </a:ext>
             </a:extLst>
           </p:cNvPr>
@@ -22457,7 +25748,7 @@
             <a:fld id="{17C2562E-359A-3C42-BBEF-E02CE97BECB1}" type="datetimeFigureOut">
               <a:rPr lang="de-DE" smtClean="0"/>
               <a:pPr/>
-              <a:t>19.10.2017</a:t>
+              <a:t>20.10.17</a:t>
             </a:fld>
             <a:endParaRPr lang="de-DE" dirty="0"/>
           </a:p>
@@ -22468,7 +25759,7 @@
           <p:cNvPr id="7" name="Fußzeilenplatzhalter 6">
             <a:extLst>
               <a:ext uri="{FF2B5EF4-FFF2-40B4-BE49-F238E27FC236}">
-                <a16:creationId xmlns="" xmlns:a16="http://schemas.microsoft.com/office/drawing/2014/main" id="{4CCDEB9D-85DD-4CF0-96C7-BA711D11F2BE}"/>
+                <a16:creationId xmlns:a16="http://schemas.microsoft.com/office/drawing/2014/main" xmlns="" id="{4CCDEB9D-85DD-4CF0-96C7-BA711D11F2BE}"/>
               </a:ext>
             </a:extLst>
           </p:cNvPr>
@@ -22493,7 +25784,7 @@
           <p:cNvPr id="9" name="Foliennummernplatzhalter 8">
             <a:extLst>
               <a:ext uri="{FF2B5EF4-FFF2-40B4-BE49-F238E27FC236}">
-                <a16:creationId xmlns="" xmlns:a16="http://schemas.microsoft.com/office/drawing/2014/main" id="{418E80D9-3450-43BD-94A9-22C9BF91B1C0}"/>
+                <a16:creationId xmlns:a16="http://schemas.microsoft.com/office/drawing/2014/main" xmlns="" id="{418E80D9-3450-43BD-94A9-22C9BF91B1C0}"/>
               </a:ext>
             </a:extLst>
           </p:cNvPr>
@@ -23239,7 +26530,7 @@
           <p:cNvPr id="3" name="Datumsplatzhalter 2">
             <a:extLst>
               <a:ext uri="{FF2B5EF4-FFF2-40B4-BE49-F238E27FC236}">
-                <a16:creationId xmlns="" xmlns:a16="http://schemas.microsoft.com/office/drawing/2014/main" id="{25D8C277-6F42-4B11-AB90-EBE3A1238A85}"/>
+                <a16:creationId xmlns:a16="http://schemas.microsoft.com/office/drawing/2014/main" xmlns="" id="{25D8C277-6F42-4B11-AB90-EBE3A1238A85}"/>
               </a:ext>
             </a:extLst>
           </p:cNvPr>
@@ -23258,7 +26549,7 @@
             <a:fld id="{17C2562E-359A-3C42-BBEF-E02CE97BECB1}" type="datetimeFigureOut">
               <a:rPr lang="de-DE" smtClean="0"/>
               <a:pPr/>
-              <a:t>19.10.2017</a:t>
+              <a:t>20.10.17</a:t>
             </a:fld>
             <a:endParaRPr lang="de-DE" dirty="0"/>
           </a:p>
@@ -23269,7 +26560,7 @@
           <p:cNvPr id="4" name="Fußzeilenplatzhalter 3">
             <a:extLst>
               <a:ext uri="{FF2B5EF4-FFF2-40B4-BE49-F238E27FC236}">
-                <a16:creationId xmlns="" xmlns:a16="http://schemas.microsoft.com/office/drawing/2014/main" id="{4815A052-9443-41A9-9F46-0AA437EEDDA5}"/>
+                <a16:creationId xmlns:a16="http://schemas.microsoft.com/office/drawing/2014/main" xmlns="" id="{4815A052-9443-41A9-9F46-0AA437EEDDA5}"/>
               </a:ext>
             </a:extLst>
           </p:cNvPr>
@@ -23294,7 +26585,7 @@
           <p:cNvPr id="5" name="Foliennummernplatzhalter 4">
             <a:extLst>
               <a:ext uri="{FF2B5EF4-FFF2-40B4-BE49-F238E27FC236}">
-                <a16:creationId xmlns="" xmlns:a16="http://schemas.microsoft.com/office/drawing/2014/main" id="{5F7C50D9-9DEA-4EFD-ACE3-677BBD4DEB55}"/>
+                <a16:creationId xmlns:a16="http://schemas.microsoft.com/office/drawing/2014/main" xmlns="" id="{5F7C50D9-9DEA-4EFD-ACE3-677BBD4DEB55}"/>
               </a:ext>
             </a:extLst>
           </p:cNvPr>
@@ -23760,7 +27051,7 @@
           <p:cNvPr id="5" name="Datumsplatzhalter 4">
             <a:extLst>
               <a:ext uri="{FF2B5EF4-FFF2-40B4-BE49-F238E27FC236}">
-                <a16:creationId xmlns="" xmlns:a16="http://schemas.microsoft.com/office/drawing/2014/main" id="{6B4135B1-E114-41F0-9C64-3A26186B834F}"/>
+                <a16:creationId xmlns:a16="http://schemas.microsoft.com/office/drawing/2014/main" xmlns="" id="{6B4135B1-E114-41F0-9C64-3A26186B834F}"/>
               </a:ext>
             </a:extLst>
           </p:cNvPr>
@@ -23779,7 +27070,7 @@
             <a:fld id="{17C2562E-359A-3C42-BBEF-E02CE97BECB1}" type="datetimeFigureOut">
               <a:rPr lang="de-DE" smtClean="0"/>
               <a:pPr/>
-              <a:t>19.10.2017</a:t>
+              <a:t>20.10.17</a:t>
             </a:fld>
             <a:endParaRPr lang="de-DE" dirty="0"/>
           </a:p>
@@ -23790,7 +27081,7 @@
           <p:cNvPr id="7" name="Fußzeilenplatzhalter 6">
             <a:extLst>
               <a:ext uri="{FF2B5EF4-FFF2-40B4-BE49-F238E27FC236}">
-                <a16:creationId xmlns="" xmlns:a16="http://schemas.microsoft.com/office/drawing/2014/main" id="{84D81854-B37F-4ADF-A34F-BF0CCA2926F2}"/>
+                <a16:creationId xmlns:a16="http://schemas.microsoft.com/office/drawing/2014/main" xmlns="" id="{84D81854-B37F-4ADF-A34F-BF0CCA2926F2}"/>
               </a:ext>
             </a:extLst>
           </p:cNvPr>
@@ -23815,7 +27106,7 @@
           <p:cNvPr id="9" name="Foliennummernplatzhalter 8">
             <a:extLst>
               <a:ext uri="{FF2B5EF4-FFF2-40B4-BE49-F238E27FC236}">
-                <a16:creationId xmlns="" xmlns:a16="http://schemas.microsoft.com/office/drawing/2014/main" id="{2EE17D9C-06FE-45C8-B312-4C5617C49000}"/>
+                <a16:creationId xmlns:a16="http://schemas.microsoft.com/office/drawing/2014/main" xmlns="" id="{2EE17D9C-06FE-45C8-B312-4C5617C49000}"/>
               </a:ext>
             </a:extLst>
           </p:cNvPr>
@@ -24240,7 +27531,7 @@
           <p:cNvPr id="10" name="Datumsplatzhalter 9">
             <a:extLst>
               <a:ext uri="{FF2B5EF4-FFF2-40B4-BE49-F238E27FC236}">
-                <a16:creationId xmlns="" xmlns:a16="http://schemas.microsoft.com/office/drawing/2014/main" id="{F92E0490-C295-4C99-B9D1-6310B9164EDD}"/>
+                <a16:creationId xmlns:a16="http://schemas.microsoft.com/office/drawing/2014/main" xmlns="" id="{F92E0490-C295-4C99-B9D1-6310B9164EDD}"/>
               </a:ext>
             </a:extLst>
           </p:cNvPr>
@@ -24259,7 +27550,7 @@
             <a:fld id="{17C2562E-359A-3C42-BBEF-E02CE97BECB1}" type="datetimeFigureOut">
               <a:rPr lang="de-DE" smtClean="0"/>
               <a:pPr/>
-              <a:t>19.10.2017</a:t>
+              <a:t>20.10.17</a:t>
             </a:fld>
             <a:endParaRPr lang="de-DE" dirty="0"/>
           </a:p>
@@ -24270,7 +27561,7 @@
           <p:cNvPr id="11" name="Fußzeilenplatzhalter 10">
             <a:extLst>
               <a:ext uri="{FF2B5EF4-FFF2-40B4-BE49-F238E27FC236}">
-                <a16:creationId xmlns="" xmlns:a16="http://schemas.microsoft.com/office/drawing/2014/main" id="{DD98C48F-3C69-4703-B4CC-632DDDDB497C}"/>
+                <a16:creationId xmlns:a16="http://schemas.microsoft.com/office/drawing/2014/main" xmlns="" id="{DD98C48F-3C69-4703-B4CC-632DDDDB497C}"/>
               </a:ext>
             </a:extLst>
           </p:cNvPr>
@@ -24295,7 +27586,7 @@
           <p:cNvPr id="15" name="Foliennummernplatzhalter 14">
             <a:extLst>
               <a:ext uri="{FF2B5EF4-FFF2-40B4-BE49-F238E27FC236}">
-                <a16:creationId xmlns="" xmlns:a16="http://schemas.microsoft.com/office/drawing/2014/main" id="{1968527D-44A1-407F-99A6-2ACAB46FBD28}"/>
+                <a16:creationId xmlns:a16="http://schemas.microsoft.com/office/drawing/2014/main" xmlns="" id="{1968527D-44A1-407F-99A6-2ACAB46FBD28}"/>
               </a:ext>
             </a:extLst>
           </p:cNvPr>
@@ -25082,7 +28373,7 @@
           <p:cNvPr id="5" name="Datumsplatzhalter 4">
             <a:extLst>
               <a:ext uri="{FF2B5EF4-FFF2-40B4-BE49-F238E27FC236}">
-                <a16:creationId xmlns="" xmlns:a16="http://schemas.microsoft.com/office/drawing/2014/main" id="{8AFAB162-0FDB-4A37-A4FD-CBFC89474486}"/>
+                <a16:creationId xmlns:a16="http://schemas.microsoft.com/office/drawing/2014/main" xmlns="" id="{8AFAB162-0FDB-4A37-A4FD-CBFC89474486}"/>
               </a:ext>
             </a:extLst>
           </p:cNvPr>
@@ -25101,7 +28392,7 @@
             <a:fld id="{17C2562E-359A-3C42-BBEF-E02CE97BECB1}" type="datetimeFigureOut">
               <a:rPr lang="de-DE" smtClean="0"/>
               <a:pPr/>
-              <a:t>19.10.2017</a:t>
+              <a:t>20.10.17</a:t>
             </a:fld>
             <a:endParaRPr lang="de-DE" dirty="0"/>
           </a:p>
@@ -25112,7 +28403,7 @@
           <p:cNvPr id="7" name="Fußzeilenplatzhalter 6">
             <a:extLst>
               <a:ext uri="{FF2B5EF4-FFF2-40B4-BE49-F238E27FC236}">
-                <a16:creationId xmlns="" xmlns:a16="http://schemas.microsoft.com/office/drawing/2014/main" id="{46B12C25-0691-43C5-8596-6B8AD0039874}"/>
+                <a16:creationId xmlns:a16="http://schemas.microsoft.com/office/drawing/2014/main" xmlns="" id="{46B12C25-0691-43C5-8596-6B8AD0039874}"/>
               </a:ext>
             </a:extLst>
           </p:cNvPr>
@@ -25137,7 +28428,7 @@
           <p:cNvPr id="9" name="Foliennummernplatzhalter 8">
             <a:extLst>
               <a:ext uri="{FF2B5EF4-FFF2-40B4-BE49-F238E27FC236}">
-                <a16:creationId xmlns="" xmlns:a16="http://schemas.microsoft.com/office/drawing/2014/main" id="{7C5C2594-4A54-4AE0-88EE-FB17FDD4570C}"/>
+                <a16:creationId xmlns:a16="http://schemas.microsoft.com/office/drawing/2014/main" xmlns="" id="{7C5C2594-4A54-4AE0-88EE-FB17FDD4570C}"/>
               </a:ext>
             </a:extLst>
           </p:cNvPr>
@@ -25883,7 +29174,7 @@
           <p:cNvPr id="5" name="Datumsplatzhalter 4">
             <a:extLst>
               <a:ext uri="{FF2B5EF4-FFF2-40B4-BE49-F238E27FC236}">
-                <a16:creationId xmlns="" xmlns:a16="http://schemas.microsoft.com/office/drawing/2014/main" id="{D1D6952B-45CB-46FF-9F9B-1F98CC255417}"/>
+                <a16:creationId xmlns:a16="http://schemas.microsoft.com/office/drawing/2014/main" xmlns="" id="{D1D6952B-45CB-46FF-9F9B-1F98CC255417}"/>
               </a:ext>
             </a:extLst>
           </p:cNvPr>
@@ -25902,7 +29193,7 @@
             <a:fld id="{17C2562E-359A-3C42-BBEF-E02CE97BECB1}" type="datetimeFigureOut">
               <a:rPr lang="de-DE" smtClean="0"/>
               <a:pPr/>
-              <a:t>19.10.2017</a:t>
+              <a:t>20.10.17</a:t>
             </a:fld>
             <a:endParaRPr lang="de-DE" dirty="0"/>
           </a:p>
@@ -25913,7 +29204,7 @@
           <p:cNvPr id="7" name="Fußzeilenplatzhalter 6">
             <a:extLst>
               <a:ext uri="{FF2B5EF4-FFF2-40B4-BE49-F238E27FC236}">
-                <a16:creationId xmlns="" xmlns:a16="http://schemas.microsoft.com/office/drawing/2014/main" id="{3C08D0C6-0E40-46E2-9D6C-74181D953DFE}"/>
+                <a16:creationId xmlns:a16="http://schemas.microsoft.com/office/drawing/2014/main" xmlns="" id="{3C08D0C6-0E40-46E2-9D6C-74181D953DFE}"/>
               </a:ext>
             </a:extLst>
           </p:cNvPr>
@@ -25938,7 +29229,7 @@
           <p:cNvPr id="8" name="Foliennummernplatzhalter 7">
             <a:extLst>
               <a:ext uri="{FF2B5EF4-FFF2-40B4-BE49-F238E27FC236}">
-                <a16:creationId xmlns="" xmlns:a16="http://schemas.microsoft.com/office/drawing/2014/main" id="{EA500A2A-E0AD-4AD6-AB58-61BF900F0E2C}"/>
+                <a16:creationId xmlns:a16="http://schemas.microsoft.com/office/drawing/2014/main" xmlns="" id="{EA500A2A-E0AD-4AD6-AB58-61BF900F0E2C}"/>
               </a:ext>
             </a:extLst>
           </p:cNvPr>
@@ -26042,7 +29333,7 @@
           <p:cNvPr id="5" name="Datumsplatzhalter 4">
             <a:extLst>
               <a:ext uri="{FF2B5EF4-FFF2-40B4-BE49-F238E27FC236}">
-                <a16:creationId xmlns="" xmlns:a16="http://schemas.microsoft.com/office/drawing/2014/main" id="{A181F7F8-D379-4070-8216-3B81228BAEC6}"/>
+                <a16:creationId xmlns:a16="http://schemas.microsoft.com/office/drawing/2014/main" xmlns="" id="{A181F7F8-D379-4070-8216-3B81228BAEC6}"/>
               </a:ext>
             </a:extLst>
           </p:cNvPr>
@@ -26061,7 +29352,7 @@
             <a:fld id="{17C2562E-359A-3C42-BBEF-E02CE97BECB1}" type="datetimeFigureOut">
               <a:rPr lang="de-DE" smtClean="0"/>
               <a:pPr/>
-              <a:t>19.10.2017</a:t>
+              <a:t>20.10.17</a:t>
             </a:fld>
             <a:endParaRPr lang="de-DE" dirty="0"/>
           </a:p>
@@ -26072,7 +29363,7 @@
           <p:cNvPr id="7" name="Fußzeilenplatzhalter 6">
             <a:extLst>
               <a:ext uri="{FF2B5EF4-FFF2-40B4-BE49-F238E27FC236}">
-                <a16:creationId xmlns="" xmlns:a16="http://schemas.microsoft.com/office/drawing/2014/main" id="{D8E0E4FD-5CC1-4D23-A3E8-7DAB1134A4FA}"/>
+                <a16:creationId xmlns:a16="http://schemas.microsoft.com/office/drawing/2014/main" xmlns="" id="{D8E0E4FD-5CC1-4D23-A3E8-7DAB1134A4FA}"/>
               </a:ext>
             </a:extLst>
           </p:cNvPr>
@@ -26097,7 +29388,7 @@
           <p:cNvPr id="8" name="Foliennummernplatzhalter 7">
             <a:extLst>
               <a:ext uri="{FF2B5EF4-FFF2-40B4-BE49-F238E27FC236}">
-                <a16:creationId xmlns="" xmlns:a16="http://schemas.microsoft.com/office/drawing/2014/main" id="{6D72C792-B02A-4A44-BF65-9B261DE5D43D}"/>
+                <a16:creationId xmlns:a16="http://schemas.microsoft.com/office/drawing/2014/main" xmlns="" id="{6D72C792-B02A-4A44-BF65-9B261DE5D43D}"/>
               </a:ext>
             </a:extLst>
           </p:cNvPr>
@@ -26494,7 +29785,7 @@
           <p:cNvPr id="2" name="Datumsplatzhalter 1">
             <a:extLst>
               <a:ext uri="{FF2B5EF4-FFF2-40B4-BE49-F238E27FC236}">
-                <a16:creationId xmlns="" xmlns:a16="http://schemas.microsoft.com/office/drawing/2014/main" id="{B1E6CA30-BA19-47F1-BFEE-B5E43CCEC731}"/>
+                <a16:creationId xmlns:a16="http://schemas.microsoft.com/office/drawing/2014/main" xmlns="" id="{B1E6CA30-BA19-47F1-BFEE-B5E43CCEC731}"/>
               </a:ext>
             </a:extLst>
           </p:cNvPr>
@@ -26513,7 +29804,7 @@
             <a:fld id="{17C2562E-359A-3C42-BBEF-E02CE97BECB1}" type="datetimeFigureOut">
               <a:rPr lang="de-DE" smtClean="0"/>
               <a:pPr/>
-              <a:t>19.10.2017</a:t>
+              <a:t>20.10.17</a:t>
             </a:fld>
             <a:endParaRPr lang="de-DE" dirty="0"/>
           </a:p>
@@ -26524,7 +29815,7 @@
           <p:cNvPr id="14" name="Fußzeilenplatzhalter 13">
             <a:extLst>
               <a:ext uri="{FF2B5EF4-FFF2-40B4-BE49-F238E27FC236}">
-                <a16:creationId xmlns="" xmlns:a16="http://schemas.microsoft.com/office/drawing/2014/main" id="{06236A5B-AF48-4E5C-BD02-27BC73328D88}"/>
+                <a16:creationId xmlns:a16="http://schemas.microsoft.com/office/drawing/2014/main" xmlns="" id="{06236A5B-AF48-4E5C-BD02-27BC73328D88}"/>
               </a:ext>
             </a:extLst>
           </p:cNvPr>
@@ -26549,7 +29840,7 @@
           <p:cNvPr id="15" name="Foliennummernplatzhalter 14">
             <a:extLst>
               <a:ext uri="{FF2B5EF4-FFF2-40B4-BE49-F238E27FC236}">
-                <a16:creationId xmlns="" xmlns:a16="http://schemas.microsoft.com/office/drawing/2014/main" id="{6C539E6F-C163-4DFD-A93D-F463843C6D4E}"/>
+                <a16:creationId xmlns:a16="http://schemas.microsoft.com/office/drawing/2014/main" xmlns="" id="{6C539E6F-C163-4DFD-A93D-F463843C6D4E}"/>
               </a:ext>
             </a:extLst>
           </p:cNvPr>
@@ -26865,7 +30156,7 @@
           <p:cNvPr id="7" name="Datumsplatzhalter 6">
             <a:extLst>
               <a:ext uri="{FF2B5EF4-FFF2-40B4-BE49-F238E27FC236}">
-                <a16:creationId xmlns="" xmlns:a16="http://schemas.microsoft.com/office/drawing/2014/main" id="{E9F2D5EB-EB07-4AC4-94D4-FA6BD7E87398}"/>
+                <a16:creationId xmlns:a16="http://schemas.microsoft.com/office/drawing/2014/main" xmlns="" id="{E9F2D5EB-EB07-4AC4-94D4-FA6BD7E87398}"/>
               </a:ext>
             </a:extLst>
           </p:cNvPr>
@@ -26884,7 +30175,7 @@
             <a:fld id="{17C2562E-359A-3C42-BBEF-E02CE97BECB1}" type="datetimeFigureOut">
               <a:rPr lang="de-DE" smtClean="0"/>
               <a:pPr/>
-              <a:t>19.10.2017</a:t>
+              <a:t>20.10.17</a:t>
             </a:fld>
             <a:endParaRPr lang="de-DE" dirty="0"/>
           </a:p>
@@ -26895,7 +30186,7 @@
           <p:cNvPr id="8" name="Fußzeilenplatzhalter 7">
             <a:extLst>
               <a:ext uri="{FF2B5EF4-FFF2-40B4-BE49-F238E27FC236}">
-                <a16:creationId xmlns="" xmlns:a16="http://schemas.microsoft.com/office/drawing/2014/main" id="{947F1BF2-5B5A-4E3F-9A69-A7FC06CEE6DA}"/>
+                <a16:creationId xmlns:a16="http://schemas.microsoft.com/office/drawing/2014/main" xmlns="" id="{947F1BF2-5B5A-4E3F-9A69-A7FC06CEE6DA}"/>
               </a:ext>
             </a:extLst>
           </p:cNvPr>
@@ -26920,7 +30211,7 @@
           <p:cNvPr id="9" name="Foliennummernplatzhalter 8">
             <a:extLst>
               <a:ext uri="{FF2B5EF4-FFF2-40B4-BE49-F238E27FC236}">
-                <a16:creationId xmlns="" xmlns:a16="http://schemas.microsoft.com/office/drawing/2014/main" id="{B0D6E36A-E68C-4CFF-A1B3-ADE80884E18E}"/>
+                <a16:creationId xmlns:a16="http://schemas.microsoft.com/office/drawing/2014/main" xmlns="" id="{B0D6E36A-E68C-4CFF-A1B3-ADE80884E18E}"/>
               </a:ext>
             </a:extLst>
           </p:cNvPr>
@@ -27011,7 +30302,7 @@
           <a:noFill/>
           <a:extLst>
             <a:ext uri="{909E8E84-426E-40dd-AFC4-6F175D3DCCD1}">
-              <a14:hiddenFill xmlns="" xmlns:a14="http://schemas.microsoft.com/office/drawing/2010/main">
+              <a14:hiddenFill xmlns:a14="http://schemas.microsoft.com/office/drawing/2010/main" xmlns="">
                 <a:solidFill>
                   <a:srgbClr val="FFFFFF"/>
                 </a:solidFill>
@@ -27091,7 +30382,7 @@
           <a:noFill/>
           <a:extLst>
             <a:ext uri="{909E8E84-426E-40dd-AFC4-6F175D3DCCD1}">
-              <a14:hiddenFill xmlns="" xmlns:a14="http://schemas.microsoft.com/office/drawing/2010/main">
+              <a14:hiddenFill xmlns:a14="http://schemas.microsoft.com/office/drawing/2010/main" xmlns="">
                 <a:solidFill>
                   <a:srgbClr val="FFFFFF"/>
                 </a:solidFill>
@@ -27394,7 +30685,7 @@
           <p:cNvPr id="5" name="Datumsplatzhalter 4">
             <a:extLst>
               <a:ext uri="{FF2B5EF4-FFF2-40B4-BE49-F238E27FC236}">
-                <a16:creationId xmlns="" xmlns:a16="http://schemas.microsoft.com/office/drawing/2014/main" id="{368DD9D8-7FE8-48F0-AE91-AE98EA3DCA20}"/>
+                <a16:creationId xmlns:a16="http://schemas.microsoft.com/office/drawing/2014/main" xmlns="" id="{368DD9D8-7FE8-48F0-AE91-AE98EA3DCA20}"/>
               </a:ext>
             </a:extLst>
           </p:cNvPr>
@@ -27413,7 +30704,7 @@
             <a:fld id="{17C2562E-359A-3C42-BBEF-E02CE97BECB1}" type="datetimeFigureOut">
               <a:rPr lang="de-DE" smtClean="0"/>
               <a:pPr/>
-              <a:t>19.10.2017</a:t>
+              <a:t>20.10.17</a:t>
             </a:fld>
             <a:endParaRPr lang="de-DE" dirty="0"/>
           </a:p>
@@ -27424,7 +30715,7 @@
           <p:cNvPr id="7" name="Fußzeilenplatzhalter 6">
             <a:extLst>
               <a:ext uri="{FF2B5EF4-FFF2-40B4-BE49-F238E27FC236}">
-                <a16:creationId xmlns="" xmlns:a16="http://schemas.microsoft.com/office/drawing/2014/main" id="{DD743ADB-89F1-48B5-A397-7FB83734730F}"/>
+                <a16:creationId xmlns:a16="http://schemas.microsoft.com/office/drawing/2014/main" xmlns="" id="{DD743ADB-89F1-48B5-A397-7FB83734730F}"/>
               </a:ext>
             </a:extLst>
           </p:cNvPr>
@@ -27449,7 +30740,7 @@
           <p:cNvPr id="8" name="Foliennummernplatzhalter 7">
             <a:extLst>
               <a:ext uri="{FF2B5EF4-FFF2-40B4-BE49-F238E27FC236}">
-                <a16:creationId xmlns="" xmlns:a16="http://schemas.microsoft.com/office/drawing/2014/main" id="{E9AACC46-EA1E-4E6F-8F9D-AC4B57F09904}"/>
+                <a16:creationId xmlns:a16="http://schemas.microsoft.com/office/drawing/2014/main" xmlns="" id="{E9AACC46-EA1E-4E6F-8F9D-AC4B57F09904}"/>
               </a:ext>
             </a:extLst>
           </p:cNvPr>
@@ -27756,7 +31047,7 @@
           <p:cNvPr id="6" name="Datumsplatzhalter 5">
             <a:extLst>
               <a:ext uri="{FF2B5EF4-FFF2-40B4-BE49-F238E27FC236}">
-                <a16:creationId xmlns="" xmlns:a16="http://schemas.microsoft.com/office/drawing/2014/main" id="{39EC82D5-F468-46F1-8BE2-F62E4D04C5CD}"/>
+                <a16:creationId xmlns:a16="http://schemas.microsoft.com/office/drawing/2014/main" xmlns="" id="{39EC82D5-F468-46F1-8BE2-F62E4D04C5CD}"/>
               </a:ext>
             </a:extLst>
           </p:cNvPr>
@@ -27775,7 +31066,7 @@
             <a:fld id="{17C2562E-359A-3C42-BBEF-E02CE97BECB1}" type="datetimeFigureOut">
               <a:rPr lang="de-DE" smtClean="0"/>
               <a:pPr/>
-              <a:t>19.10.2017</a:t>
+              <a:t>20.10.17</a:t>
             </a:fld>
             <a:endParaRPr lang="de-DE" dirty="0"/>
           </a:p>
@@ -27786,7 +31077,7 @@
           <p:cNvPr id="7" name="Fußzeilenplatzhalter 6">
             <a:extLst>
               <a:ext uri="{FF2B5EF4-FFF2-40B4-BE49-F238E27FC236}">
-                <a16:creationId xmlns="" xmlns:a16="http://schemas.microsoft.com/office/drawing/2014/main" id="{32A29AE2-1FA8-458C-9BDD-E35CA69A9340}"/>
+                <a16:creationId xmlns:a16="http://schemas.microsoft.com/office/drawing/2014/main" xmlns="" id="{32A29AE2-1FA8-458C-9BDD-E35CA69A9340}"/>
               </a:ext>
             </a:extLst>
           </p:cNvPr>
@@ -27811,7 +31102,7 @@
           <p:cNvPr id="8" name="Foliennummernplatzhalter 7">
             <a:extLst>
               <a:ext uri="{FF2B5EF4-FFF2-40B4-BE49-F238E27FC236}">
-                <a16:creationId xmlns="" xmlns:a16="http://schemas.microsoft.com/office/drawing/2014/main" id="{DC4135BE-88E8-4C4B-B3FF-FC61855E0C9F}"/>
+                <a16:creationId xmlns:a16="http://schemas.microsoft.com/office/drawing/2014/main" xmlns="" id="{DC4135BE-88E8-4C4B-B3FF-FC61855E0C9F}"/>
               </a:ext>
             </a:extLst>
           </p:cNvPr>
@@ -28122,7 +31413,7 @@
           <p:cNvPr id="5" name="Datumsplatzhalter 4">
             <a:extLst>
               <a:ext uri="{FF2B5EF4-FFF2-40B4-BE49-F238E27FC236}">
-                <a16:creationId xmlns="" xmlns:a16="http://schemas.microsoft.com/office/drawing/2014/main" id="{42621BA8-D298-4AAA-B27E-2D5702596736}"/>
+                <a16:creationId xmlns:a16="http://schemas.microsoft.com/office/drawing/2014/main" xmlns="" id="{42621BA8-D298-4AAA-B27E-2D5702596736}"/>
               </a:ext>
             </a:extLst>
           </p:cNvPr>
@@ -28141,7 +31432,7 @@
             <a:fld id="{17C2562E-359A-3C42-BBEF-E02CE97BECB1}" type="datetimeFigureOut">
               <a:rPr lang="de-DE" smtClean="0"/>
               <a:pPr/>
-              <a:t>19.10.2017</a:t>
+              <a:t>20.10.17</a:t>
             </a:fld>
             <a:endParaRPr lang="de-DE" dirty="0"/>
           </a:p>
@@ -28152,7 +31443,7 @@
           <p:cNvPr id="6" name="Fußzeilenplatzhalter 5">
             <a:extLst>
               <a:ext uri="{FF2B5EF4-FFF2-40B4-BE49-F238E27FC236}">
-                <a16:creationId xmlns="" xmlns:a16="http://schemas.microsoft.com/office/drawing/2014/main" id="{59687A69-8E9C-4168-AA2A-7D487587D19D}"/>
+                <a16:creationId xmlns:a16="http://schemas.microsoft.com/office/drawing/2014/main" xmlns="" id="{59687A69-8E9C-4168-AA2A-7D487587D19D}"/>
               </a:ext>
             </a:extLst>
           </p:cNvPr>
@@ -28177,7 +31468,7 @@
           <p:cNvPr id="7" name="Foliennummernplatzhalter 6">
             <a:extLst>
               <a:ext uri="{FF2B5EF4-FFF2-40B4-BE49-F238E27FC236}">
-                <a16:creationId xmlns="" xmlns:a16="http://schemas.microsoft.com/office/drawing/2014/main" id="{536244A4-4C24-4CD2-82E9-C547A6F8C84B}"/>
+                <a16:creationId xmlns:a16="http://schemas.microsoft.com/office/drawing/2014/main" xmlns="" id="{536244A4-4C24-4CD2-82E9-C547A6F8C84B}"/>
               </a:ext>
             </a:extLst>
           </p:cNvPr>
@@ -28481,7 +31772,7 @@
           <p:cNvPr id="6" name="Datumsplatzhalter 5">
             <a:extLst>
               <a:ext uri="{FF2B5EF4-FFF2-40B4-BE49-F238E27FC236}">
-                <a16:creationId xmlns="" xmlns:a16="http://schemas.microsoft.com/office/drawing/2014/main" id="{BF6F2AC7-7673-45B2-B727-C8AE32F0AB56}"/>
+                <a16:creationId xmlns:a16="http://schemas.microsoft.com/office/drawing/2014/main" xmlns="" id="{BF6F2AC7-7673-45B2-B727-C8AE32F0AB56}"/>
               </a:ext>
             </a:extLst>
           </p:cNvPr>
@@ -28500,7 +31791,7 @@
             <a:fld id="{17C2562E-359A-3C42-BBEF-E02CE97BECB1}" type="datetimeFigureOut">
               <a:rPr lang="de-DE" smtClean="0"/>
               <a:pPr/>
-              <a:t>19.10.2017</a:t>
+              <a:t>20.10.17</a:t>
             </a:fld>
             <a:endParaRPr lang="de-DE" dirty="0"/>
           </a:p>
@@ -28511,7 +31802,7 @@
           <p:cNvPr id="7" name="Fußzeilenplatzhalter 6">
             <a:extLst>
               <a:ext uri="{FF2B5EF4-FFF2-40B4-BE49-F238E27FC236}">
-                <a16:creationId xmlns="" xmlns:a16="http://schemas.microsoft.com/office/drawing/2014/main" id="{92A772BA-DCE7-4C4E-83BA-CF4FFCC183EE}"/>
+                <a16:creationId xmlns:a16="http://schemas.microsoft.com/office/drawing/2014/main" xmlns="" id="{92A772BA-DCE7-4C4E-83BA-CF4FFCC183EE}"/>
               </a:ext>
             </a:extLst>
           </p:cNvPr>
@@ -28536,7 +31827,7 @@
           <p:cNvPr id="8" name="Foliennummernplatzhalter 7">
             <a:extLst>
               <a:ext uri="{FF2B5EF4-FFF2-40B4-BE49-F238E27FC236}">
-                <a16:creationId xmlns="" xmlns:a16="http://schemas.microsoft.com/office/drawing/2014/main" id="{E51D4D1D-A3D0-476F-93F4-F41207D05396}"/>
+                <a16:creationId xmlns:a16="http://schemas.microsoft.com/office/drawing/2014/main" xmlns="" id="{E51D4D1D-A3D0-476F-93F4-F41207D05396}"/>
               </a:ext>
             </a:extLst>
           </p:cNvPr>
@@ -28836,7 +32127,7 @@
           <p:cNvPr id="4" name="Datumsplatzhalter 3">
             <a:extLst>
               <a:ext uri="{FF2B5EF4-FFF2-40B4-BE49-F238E27FC236}">
-                <a16:creationId xmlns="" xmlns:a16="http://schemas.microsoft.com/office/drawing/2014/main" id="{37D39D12-6498-4172-8CA5-163DBEBBD0CB}"/>
+                <a16:creationId xmlns:a16="http://schemas.microsoft.com/office/drawing/2014/main" xmlns="" id="{37D39D12-6498-4172-8CA5-163DBEBBD0CB}"/>
               </a:ext>
             </a:extLst>
           </p:cNvPr>
@@ -28855,7 +32146,7 @@
             <a:fld id="{17C2562E-359A-3C42-BBEF-E02CE97BECB1}" type="datetimeFigureOut">
               <a:rPr lang="de-DE" smtClean="0"/>
               <a:pPr/>
-              <a:t>19.10.2017</a:t>
+              <a:t>20.10.17</a:t>
             </a:fld>
             <a:endParaRPr lang="de-DE" dirty="0"/>
           </a:p>
@@ -28866,7 +32157,7 @@
           <p:cNvPr id="7" name="Fußzeilenplatzhalter 6">
             <a:extLst>
               <a:ext uri="{FF2B5EF4-FFF2-40B4-BE49-F238E27FC236}">
-                <a16:creationId xmlns="" xmlns:a16="http://schemas.microsoft.com/office/drawing/2014/main" id="{F310451D-2AF2-4222-AA5C-04DDCF6CA55F}"/>
+                <a16:creationId xmlns:a16="http://schemas.microsoft.com/office/drawing/2014/main" xmlns="" id="{F310451D-2AF2-4222-AA5C-04DDCF6CA55F}"/>
               </a:ext>
             </a:extLst>
           </p:cNvPr>
@@ -28891,7 +32182,7 @@
           <p:cNvPr id="8" name="Foliennummernplatzhalter 7">
             <a:extLst>
               <a:ext uri="{FF2B5EF4-FFF2-40B4-BE49-F238E27FC236}">
-                <a16:creationId xmlns="" xmlns:a16="http://schemas.microsoft.com/office/drawing/2014/main" id="{8546ADD4-A434-4A15-B639-BB0897136588}"/>
+                <a16:creationId xmlns:a16="http://schemas.microsoft.com/office/drawing/2014/main" xmlns="" id="{8546ADD4-A434-4A15-B639-BB0897136588}"/>
               </a:ext>
             </a:extLst>
           </p:cNvPr>
@@ -29130,7 +32421,7 @@
           <p:cNvPr id="2" name="Datumsplatzhalter 1">
             <a:extLst>
               <a:ext uri="{FF2B5EF4-FFF2-40B4-BE49-F238E27FC236}">
-                <a16:creationId xmlns="" xmlns:a16="http://schemas.microsoft.com/office/drawing/2014/main" id="{A19FBC2B-4138-47A7-96C3-6075667C774D}"/>
+                <a16:creationId xmlns:a16="http://schemas.microsoft.com/office/drawing/2014/main" xmlns="" id="{A19FBC2B-4138-47A7-96C3-6075667C774D}"/>
               </a:ext>
             </a:extLst>
           </p:cNvPr>
@@ -29149,7 +32440,7 @@
             <a:fld id="{17C2562E-359A-3C42-BBEF-E02CE97BECB1}" type="datetimeFigureOut">
               <a:rPr lang="de-DE" smtClean="0"/>
               <a:pPr/>
-              <a:t>19.10.2017</a:t>
+              <a:t>20.10.17</a:t>
             </a:fld>
             <a:endParaRPr lang="de-DE" dirty="0"/>
           </a:p>
@@ -29160,7 +32451,7 @@
           <p:cNvPr id="8" name="Fußzeilenplatzhalter 7">
             <a:extLst>
               <a:ext uri="{FF2B5EF4-FFF2-40B4-BE49-F238E27FC236}">
-                <a16:creationId xmlns="" xmlns:a16="http://schemas.microsoft.com/office/drawing/2014/main" id="{193B0760-28CB-4559-9AEF-4866F2FCE0E4}"/>
+                <a16:creationId xmlns:a16="http://schemas.microsoft.com/office/drawing/2014/main" xmlns="" id="{193B0760-28CB-4559-9AEF-4866F2FCE0E4}"/>
               </a:ext>
             </a:extLst>
           </p:cNvPr>
@@ -29185,7 +32476,7 @@
           <p:cNvPr id="11" name="Foliennummernplatzhalter 10">
             <a:extLst>
               <a:ext uri="{FF2B5EF4-FFF2-40B4-BE49-F238E27FC236}">
-                <a16:creationId xmlns="" xmlns:a16="http://schemas.microsoft.com/office/drawing/2014/main" id="{A263DBAA-5BAE-421E-BCAE-39992A39B610}"/>
+                <a16:creationId xmlns:a16="http://schemas.microsoft.com/office/drawing/2014/main" xmlns="" id="{A263DBAA-5BAE-421E-BCAE-39992A39B610}"/>
               </a:ext>
             </a:extLst>
           </p:cNvPr>
@@ -29392,7 +32683,7 @@
             <a:fld id="{17C2562E-359A-3C42-BBEF-E02CE97BECB1}" type="datetimeFigureOut">
               <a:rPr lang="de-DE" smtClean="0"/>
               <a:pPr/>
-              <a:t>19.10.2017</a:t>
+              <a:t>20.10.17</a:t>
             </a:fld>
             <a:endParaRPr lang="de-DE" dirty="0"/>
           </a:p>
@@ -29967,7 +33258,7 @@
             <a:fld id="{17C2562E-359A-3C42-BBEF-E02CE97BECB1}" type="datetimeFigureOut">
               <a:rPr lang="de-DE" smtClean="0"/>
               <a:pPr/>
-              <a:t>19.10.2017</a:t>
+              <a:t>20.10.17</a:t>
             </a:fld>
             <a:endParaRPr lang="de-DE" dirty="0"/>
           </a:p>
@@ -30091,7 +33382,7 @@
           <p:cNvPr id="11" name="Titel 1">
             <a:extLst>
               <a:ext uri="{FF2B5EF4-FFF2-40B4-BE49-F238E27FC236}">
-                <a16:creationId xmlns="" xmlns:a16="http://schemas.microsoft.com/office/drawing/2014/main" id="{251058B0-31BE-410A-BE50-41D5389B0AAB}"/>
+                <a16:creationId xmlns:a16="http://schemas.microsoft.com/office/drawing/2014/main" xmlns="" id="{251058B0-31BE-410A-BE50-41D5389B0AAB}"/>
               </a:ext>
             </a:extLst>
           </p:cNvPr>
@@ -31556,7 +34847,7 @@
           <p:cNvPr id="2" name="Textplatzhalter 1">
             <a:extLst>
               <a:ext uri="{FF2B5EF4-FFF2-40B4-BE49-F238E27FC236}">
-                <a16:creationId xmlns="" xmlns:a16="http://schemas.microsoft.com/office/drawing/2014/main" id="{45003885-0277-4A8A-9B32-2C0872306E13}"/>
+                <a16:creationId xmlns:a16="http://schemas.microsoft.com/office/drawing/2014/main" xmlns="" id="{45003885-0277-4A8A-9B32-2C0872306E13}"/>
               </a:ext>
             </a:extLst>
           </p:cNvPr>
@@ -31596,7 +34887,7 @@
           <p:cNvPr id="3" name="Titel 2">
             <a:extLst>
               <a:ext uri="{FF2B5EF4-FFF2-40B4-BE49-F238E27FC236}">
-                <a16:creationId xmlns="" xmlns:a16="http://schemas.microsoft.com/office/drawing/2014/main" id="{EA92ABC8-8A1F-45BA-8C5F-D5DEF58C8920}"/>
+                <a16:creationId xmlns:a16="http://schemas.microsoft.com/office/drawing/2014/main" xmlns="" id="{EA92ABC8-8A1F-45BA-8C5F-D5DEF58C8920}"/>
               </a:ext>
             </a:extLst>
           </p:cNvPr>
@@ -31637,6 +34928,13 @@
   <p:clrMapOvr>
     <a:masterClrMapping/>
   </p:clrMapOvr>
+  <p:timing>
+    <p:tnLst>
+      <p:par>
+        <p:cTn id="1" dur="indefinite" restart="never" nodeType="tmRoot"/>
+      </p:par>
+    </p:tnLst>
+  </p:timing>
 </p:sld>
 </file>
 
@@ -31879,7 +35177,7 @@
             <a:fld id="{17C2562E-359A-3C42-BBEF-E02CE97BECB1}" type="datetimeFigureOut">
               <a:rPr lang="de-DE" smtClean="0"/>
               <a:pPr/>
-              <a:t>19.10.2017</a:t>
+              <a:t>20.10.17</a:t>
             </a:fld>
             <a:endParaRPr lang="de-DE" dirty="0"/>
           </a:p>
@@ -31942,6 +35240,13 @@
   <p:clrMapOvr>
     <a:masterClrMapping/>
   </p:clrMapOvr>
+  <p:timing>
+    <p:tnLst>
+      <p:par>
+        <p:cTn id="1" dur="indefinite" restart="never" nodeType="tmRoot"/>
+      </p:par>
+    </p:tnLst>
+  </p:timing>
 </p:sld>
 </file>
 
@@ -32114,7 +35419,7 @@
             <a:fld id="{17C2562E-359A-3C42-BBEF-E02CE97BECB1}" type="datetimeFigureOut">
               <a:rPr lang="de-DE" smtClean="0"/>
               <a:pPr/>
-              <a:t>19.10.2017</a:t>
+              <a:t>20.10.17</a:t>
             </a:fld>
             <a:endParaRPr lang="de-DE" dirty="0"/>
           </a:p>
@@ -32207,6 +35512,13 @@
   <p:clrMapOvr>
     <a:masterClrMapping/>
   </p:clrMapOvr>
+  <p:timing>
+    <p:tnLst>
+      <p:par>
+        <p:cTn id="1" dur="indefinite" restart="never" nodeType="tmRoot"/>
+      </p:par>
+    </p:tnLst>
+  </p:timing>
 </p:sld>
 </file>
 
@@ -32424,7 +35736,7 @@
             <a:fld id="{17C2562E-359A-3C42-BBEF-E02CE97BECB1}" type="datetimeFigureOut">
               <a:rPr lang="de-DE" smtClean="0"/>
               <a:pPr/>
-              <a:t>19.10.2017</a:t>
+              <a:t>20.10.17</a:t>
             </a:fld>
             <a:endParaRPr lang="de-DE" dirty="0"/>
           </a:p>
@@ -32487,6 +35799,13 @@
   <p:clrMapOvr>
     <a:masterClrMapping/>
   </p:clrMapOvr>
+  <p:timing>
+    <p:tnLst>
+      <p:par>
+        <p:cTn id="1" dur="indefinite" restart="never" nodeType="tmRoot"/>
+      </p:par>
+    </p:tnLst>
+  </p:timing>
 </p:sld>
 </file>
 
@@ -32590,7 +35909,7 @@
             <a:fld id="{17C2562E-359A-3C42-BBEF-E02CE97BECB1}" type="datetimeFigureOut">
               <a:rPr lang="de-DE" smtClean="0"/>
               <a:pPr/>
-              <a:t>19.10.2017</a:t>
+              <a:t>20.10.17</a:t>
             </a:fld>
             <a:endParaRPr lang="de-DE" dirty="0"/>
           </a:p>
@@ -32653,6 +35972,13 @@
   <p:clrMapOvr>
     <a:masterClrMapping/>
   </p:clrMapOvr>
+  <p:timing>
+    <p:tnLst>
+      <p:par>
+        <p:cTn id="1" dur="indefinite" restart="never" nodeType="tmRoot"/>
+      </p:par>
+    </p:tnLst>
+  </p:timing>
 </p:sld>
 </file>
 
@@ -32831,7 +36157,7 @@
             <a:fld id="{17C2562E-359A-3C42-BBEF-E02CE97BECB1}" type="datetimeFigureOut">
               <a:rPr lang="de-DE" smtClean="0"/>
               <a:pPr/>
-              <a:t>19.10.2017</a:t>
+              <a:t>20.10.17</a:t>
             </a:fld>
             <a:endParaRPr lang="de-DE" dirty="0"/>
           </a:p>
@@ -32989,6 +36315,13 @@
   <p:clrMapOvr>
     <a:masterClrMapping/>
   </p:clrMapOvr>
+  <p:timing>
+    <p:tnLst>
+      <p:par>
+        <p:cTn id="1" dur="indefinite" restart="never" nodeType="tmRoot"/>
+      </p:par>
+    </p:tnLst>
+  </p:timing>
 </p:sld>
 </file>
 
@@ -33092,7 +36425,7 @@
             <a:fld id="{17C2562E-359A-3C42-BBEF-E02CE97BECB1}" type="datetimeFigureOut">
               <a:rPr lang="de-DE" smtClean="0"/>
               <a:pPr/>
-              <a:t>19.10.2017</a:t>
+              <a:t>20.10.17</a:t>
             </a:fld>
             <a:endParaRPr lang="de-DE" dirty="0"/>
           </a:p>
@@ -33155,6 +36488,13 @@
   <p:clrMapOvr>
     <a:masterClrMapping/>
   </p:clrMapOvr>
+  <p:timing>
+    <p:tnLst>
+      <p:par>
+        <p:cTn id="1" dur="indefinite" restart="never" nodeType="tmRoot"/>
+      </p:par>
+    </p:tnLst>
+  </p:timing>
 </p:sld>
 </file>
 
@@ -33258,7 +36598,7 @@
             <a:fld id="{17C2562E-359A-3C42-BBEF-E02CE97BECB1}" type="datetimeFigureOut">
               <a:rPr lang="de-DE" smtClean="0"/>
               <a:pPr/>
-              <a:t>19.10.2017</a:t>
+              <a:t>20.10.17</a:t>
             </a:fld>
             <a:endParaRPr lang="de-DE" dirty="0"/>
           </a:p>
@@ -33321,6 +36661,13 @@
   <p:clrMapOvr>
     <a:masterClrMapping/>
   </p:clrMapOvr>
+  <p:timing>
+    <p:tnLst>
+      <p:par>
+        <p:cTn id="1" dur="indefinite" restart="never" nodeType="tmRoot"/>
+      </p:par>
+    </p:tnLst>
+  </p:timing>
 </p:sld>
 </file>
 
@@ -33496,7 +36843,7 @@
             <a:fld id="{17C2562E-359A-3C42-BBEF-E02CE97BECB1}" type="datetimeFigureOut">
               <a:rPr lang="de-DE" smtClean="0"/>
               <a:pPr/>
-              <a:t>19.10.2017</a:t>
+              <a:t>20.10.17</a:t>
             </a:fld>
             <a:endParaRPr lang="de-DE" dirty="0"/>
           </a:p>
@@ -33559,6 +36906,13 @@
   <p:clrMapOvr>
     <a:masterClrMapping/>
   </p:clrMapOvr>
+  <p:timing>
+    <p:tnLst>
+      <p:par>
+        <p:cTn id="1" dur="indefinite" restart="never" nodeType="tmRoot"/>
+      </p:par>
+    </p:tnLst>
+  </p:timing>
 </p:sld>
 </file>
 
@@ -33774,7 +37128,7 @@
             <a:fld id="{17C2562E-359A-3C42-BBEF-E02CE97BECB1}" type="datetimeFigureOut">
               <a:rPr lang="de-DE" smtClean="0"/>
               <a:pPr/>
-              <a:t>19.10.2017</a:t>
+              <a:t>20.10.17</a:t>
             </a:fld>
             <a:endParaRPr lang="de-DE" dirty="0"/>
           </a:p>
@@ -33837,6 +37191,13 @@
   <p:clrMapOvr>
     <a:masterClrMapping/>
   </p:clrMapOvr>
+  <p:timing>
+    <p:tnLst>
+      <p:par>
+        <p:cTn id="1" dur="indefinite" restart="never" nodeType="tmRoot"/>
+      </p:par>
+    </p:tnLst>
+  </p:timing>
 </p:sld>
 </file>
 
@@ -34078,7 +37439,7 @@
             <a:fld id="{17C2562E-359A-3C42-BBEF-E02CE97BECB1}" type="datetimeFigureOut">
               <a:rPr lang="de-DE" smtClean="0"/>
               <a:pPr/>
-              <a:t>19.10.2017</a:t>
+              <a:t>20.10.17</a:t>
             </a:fld>
             <a:endParaRPr lang="de-DE" dirty="0"/>
           </a:p>
@@ -34141,6 +37502,13 @@
   <p:clrMapOvr>
     <a:masterClrMapping/>
   </p:clrMapOvr>
+  <p:timing>
+    <p:tnLst>
+      <p:par>
+        <p:cTn id="1" dur="indefinite" restart="never" nodeType="tmRoot"/>
+      </p:par>
+    </p:tnLst>
+  </p:timing>
 </p:sld>
 </file>
 
@@ -34423,7 +37791,7 @@
             <a:fld id="{17C2562E-359A-3C42-BBEF-E02CE97BECB1}" type="datetimeFigureOut">
               <a:rPr lang="de-DE" smtClean="0"/>
               <a:pPr/>
-              <a:t>19.10.2017</a:t>
+              <a:t>20.10.17</a:t>
             </a:fld>
             <a:endParaRPr lang="de-DE" dirty="0"/>
           </a:p>
@@ -34538,6 +37906,13 @@
   <p:clrMapOvr>
     <a:masterClrMapping/>
   </p:clrMapOvr>
+  <p:timing>
+    <p:tnLst>
+      <p:par>
+        <p:cTn id="1" dur="indefinite" restart="never" nodeType="tmRoot"/>
+      </p:par>
+    </p:tnLst>
+  </p:timing>
 </p:sld>
 </file>
 
@@ -34641,7 +38016,7 @@
             <a:fld id="{17C2562E-359A-3C42-BBEF-E02CE97BECB1}" type="datetimeFigureOut">
               <a:rPr lang="de-DE" smtClean="0"/>
               <a:pPr/>
-              <a:t>19.10.2017</a:t>
+              <a:t>20.10.17</a:t>
             </a:fld>
             <a:endParaRPr lang="de-DE" dirty="0"/>
           </a:p>
@@ -34704,6 +38079,13 @@
   <p:clrMapOvr>
     <a:masterClrMapping/>
   </p:clrMapOvr>
+  <p:timing>
+    <p:tnLst>
+      <p:par>
+        <p:cTn id="1" dur="indefinite" restart="never" nodeType="tmRoot"/>
+      </p:par>
+    </p:tnLst>
+  </p:timing>
 </p:sld>
 </file>
 
@@ -34932,7 +38314,7 @@
             <a:fld id="{17C2562E-359A-3C42-BBEF-E02CE97BECB1}" type="datetimeFigureOut">
               <a:rPr lang="de-DE" smtClean="0"/>
               <a:pPr/>
-              <a:t>19.10.2017</a:t>
+              <a:t>20.10.17</a:t>
             </a:fld>
             <a:endParaRPr lang="de-DE" dirty="0"/>
           </a:p>
@@ -35053,6 +38435,13 @@
   <p:clrMapOvr>
     <a:masterClrMapping/>
   </p:clrMapOvr>
+  <p:timing>
+    <p:tnLst>
+      <p:par>
+        <p:cTn id="1" dur="indefinite" restart="never" nodeType="tmRoot"/>
+      </p:par>
+    </p:tnLst>
+  </p:timing>
 </p:sld>
 </file>
 
@@ -35156,7 +38545,7 @@
             <a:fld id="{17C2562E-359A-3C42-BBEF-E02CE97BECB1}" type="datetimeFigureOut">
               <a:rPr lang="de-DE" smtClean="0"/>
               <a:pPr/>
-              <a:t>19.10.2017</a:t>
+              <a:t>20.10.17</a:t>
             </a:fld>
             <a:endParaRPr lang="de-DE" dirty="0"/>
           </a:p>
@@ -35219,6 +38608,13 @@
   <p:clrMapOvr>
     <a:masterClrMapping/>
   </p:clrMapOvr>
+  <p:timing>
+    <p:tnLst>
+      <p:par>
+        <p:cTn id="1" dur="indefinite" restart="never" nodeType="tmRoot"/>
+      </p:par>
+    </p:tnLst>
+  </p:timing>
 </p:sld>
 </file>
 
@@ -35393,7 +38789,7 @@
             <a:fld id="{17C2562E-359A-3C42-BBEF-E02CE97BECB1}" type="datetimeFigureOut">
               <a:rPr lang="de-DE" smtClean="0"/>
               <a:pPr/>
-              <a:t>19.10.2017</a:t>
+              <a:t>20.10.17</a:t>
             </a:fld>
             <a:endParaRPr lang="de-DE" dirty="0"/>
           </a:p>
@@ -35456,6 +38852,13 @@
   <p:clrMapOvr>
     <a:masterClrMapping/>
   </p:clrMapOvr>
+  <p:timing>
+    <p:tnLst>
+      <p:par>
+        <p:cTn id="1" dur="indefinite" restart="never" nodeType="tmRoot"/>
+      </p:par>
+    </p:tnLst>
+  </p:timing>
 </p:sld>
 </file>
 
@@ -35559,7 +38962,7 @@
             <a:fld id="{17C2562E-359A-3C42-BBEF-E02CE97BECB1}" type="datetimeFigureOut">
               <a:rPr lang="de-DE" smtClean="0"/>
               <a:pPr/>
-              <a:t>19.10.2017</a:t>
+              <a:t>20.10.17</a:t>
             </a:fld>
             <a:endParaRPr lang="de-DE" dirty="0"/>
           </a:p>
@@ -35622,6 +39025,13 @@
   <p:clrMapOvr>
     <a:masterClrMapping/>
   </p:clrMapOvr>
+  <p:timing>
+    <p:tnLst>
+      <p:par>
+        <p:cTn id="1" dur="indefinite" restart="never" nodeType="tmRoot"/>
+      </p:par>
+    </p:tnLst>
+  </p:timing>
 </p:sld>
 </file>
 
@@ -35849,7 +39259,7 @@
             <a:fld id="{17C2562E-359A-3C42-BBEF-E02CE97BECB1}" type="datetimeFigureOut">
               <a:rPr lang="de-DE" smtClean="0"/>
               <a:pPr/>
-              <a:t>19.10.2017</a:t>
+              <a:t>20.10.17</a:t>
             </a:fld>
             <a:endParaRPr lang="de-DE" dirty="0"/>
           </a:p>
@@ -35912,6 +39322,13 @@
   <p:clrMapOvr>
     <a:masterClrMapping/>
   </p:clrMapOvr>
+  <p:timing>
+    <p:tnLst>
+      <p:par>
+        <p:cTn id="1" dur="indefinite" restart="never" nodeType="tmRoot"/>
+      </p:par>
+    </p:tnLst>
+  </p:timing>
 </p:sld>
 </file>
 
@@ -36015,7 +39432,7 @@
             <a:fld id="{17C2562E-359A-3C42-BBEF-E02CE97BECB1}" type="datetimeFigureOut">
               <a:rPr lang="de-DE" smtClean="0"/>
               <a:pPr/>
-              <a:t>19.10.2017</a:t>
+              <a:t>20.10.17</a:t>
             </a:fld>
             <a:endParaRPr lang="de-DE" dirty="0"/>
           </a:p>
@@ -36078,6 +39495,13 @@
   <p:clrMapOvr>
     <a:masterClrMapping/>
   </p:clrMapOvr>
+  <p:timing>
+    <p:tnLst>
+      <p:par>
+        <p:cTn id="1" dur="indefinite" restart="never" nodeType="tmRoot"/>
+      </p:par>
+    </p:tnLst>
+  </p:timing>
 </p:sld>
 </file>
 
@@ -36184,7 +39608,7 @@
             <a:fld id="{17C2562E-359A-3C42-BBEF-E02CE97BECB1}" type="datetimeFigureOut">
               <a:rPr lang="de-DE" smtClean="0"/>
               <a:pPr/>
-              <a:t>19.10.2017</a:t>
+              <a:t>20.10.17</a:t>
             </a:fld>
             <a:endParaRPr lang="de-DE" dirty="0"/>
           </a:p>
@@ -36412,7 +39836,7 @@
             <a:fld id="{17C2562E-359A-3C42-BBEF-E02CE97BECB1}" type="datetimeFigureOut">
               <a:rPr lang="de-DE" smtClean="0"/>
               <a:pPr/>
-              <a:t>19.10.2017</a:t>
+              <a:t>20.10.17</a:t>
             </a:fld>
             <a:endParaRPr lang="de-DE" dirty="0"/>
           </a:p>
@@ -36475,6 +39899,13 @@
   <p:clrMapOvr>
     <a:masterClrMapping/>
   </p:clrMapOvr>
+  <p:timing>
+    <p:tnLst>
+      <p:par>
+        <p:cTn id="1" dur="indefinite" restart="never" nodeType="tmRoot"/>
+      </p:par>
+    </p:tnLst>
+  </p:timing>
 </p:sld>
 </file>
 
@@ -36606,7 +40037,7 @@
             </a:r>
             <a:r>
               <a:rPr lang="de-DE" dirty="0">
-                <a:hlinkClick r:id="rId2"/>
+                <a:hlinkClick r:id="rId3"/>
               </a:rPr>
               <a:t>https://github.com/aawada78/angular-workshop.git</a:t>
             </a:r>
@@ -36624,7 +40055,7 @@
             </a:r>
             <a:r>
               <a:rPr lang="de-DE" dirty="0">
-                <a:hlinkClick r:id="rId3"/>
+                <a:hlinkClick r:id="rId4"/>
               </a:rPr>
               <a:t>Link</a:t>
             </a:r>
@@ -36637,7 +40068,7 @@
           <p:cNvPr id="5" name="Datumsplatzhalter 4">
             <a:extLst>
               <a:ext uri="{FF2B5EF4-FFF2-40B4-BE49-F238E27FC236}">
-                <a16:creationId xmlns="" xmlns:a16="http://schemas.microsoft.com/office/drawing/2014/main" id="{D471591C-E430-45E7-A587-2CEC0AF88DA0}"/>
+                <a16:creationId xmlns:a16="http://schemas.microsoft.com/office/drawing/2014/main" xmlns="" id="{D471591C-E430-45E7-A587-2CEC0AF88DA0}"/>
               </a:ext>
             </a:extLst>
           </p:cNvPr>
@@ -36655,7 +40086,7 @@
           <a:p>
             <a:fld id="{D3ADFBD6-4690-496C-B9C9-0BEF0B938F74}" type="datetime1">
               <a:rPr lang="de-DE" smtClean="0"/>
-              <a:t>19.10.2017</a:t>
+              <a:t>20.10.17</a:t>
             </a:fld>
             <a:endParaRPr lang="de-DE" dirty="0"/>
           </a:p>
@@ -36666,7 +40097,7 @@
           <p:cNvPr id="6" name="Fußzeilenplatzhalter 5">
             <a:extLst>
               <a:ext uri="{FF2B5EF4-FFF2-40B4-BE49-F238E27FC236}">
-                <a16:creationId xmlns="" xmlns:a16="http://schemas.microsoft.com/office/drawing/2014/main" id="{B488671B-A101-43AC-84F6-1F2F8515424C}"/>
+                <a16:creationId xmlns:a16="http://schemas.microsoft.com/office/drawing/2014/main" xmlns="" id="{B488671B-A101-43AC-84F6-1F2F8515424C}"/>
               </a:ext>
             </a:extLst>
           </p:cNvPr>
@@ -36691,7 +40122,7 @@
           <p:cNvPr id="7" name="Foliennummernplatzhalter 6">
             <a:extLst>
               <a:ext uri="{FF2B5EF4-FFF2-40B4-BE49-F238E27FC236}">
-                <a16:creationId xmlns="" xmlns:a16="http://schemas.microsoft.com/office/drawing/2014/main" id="{8E977D85-C22B-4016-AC2C-F3FDCE1BCBEB}"/>
+                <a16:creationId xmlns:a16="http://schemas.microsoft.com/office/drawing/2014/main" xmlns="" id="{8E977D85-C22B-4016-AC2C-F3FDCE1BCBEB}"/>
               </a:ext>
             </a:extLst>
           </p:cNvPr>
@@ -36730,6 +40161,13 @@
   <p:clrMapOvr>
     <a:masterClrMapping/>
   </p:clrMapOvr>
+  <p:timing>
+    <p:tnLst>
+      <p:par>
+        <p:cTn id="1" dur="indefinite" restart="never" nodeType="tmRoot"/>
+      </p:par>
+    </p:tnLst>
+  </p:timing>
 </p:sld>
 </file>
 
@@ -36919,7 +40357,7 @@
             <a:fld id="{17C2562E-359A-3C42-BBEF-E02CE97BECB1}" type="datetimeFigureOut">
               <a:rPr lang="de-DE" smtClean="0"/>
               <a:pPr/>
-              <a:t>19.10.2017</a:t>
+              <a:t>20.10.17</a:t>
             </a:fld>
             <a:endParaRPr lang="de-DE" dirty="0"/>
           </a:p>
@@ -36982,6 +40420,13 @@
   <p:clrMapOvr>
     <a:masterClrMapping/>
   </p:clrMapOvr>
+  <p:timing>
+    <p:tnLst>
+      <p:par>
+        <p:cTn id="1" dur="indefinite" restart="never" nodeType="tmRoot"/>
+      </p:par>
+    </p:tnLst>
+  </p:timing>
 </p:sld>
 </file>
 
@@ -37042,7 +40487,7 @@
             <a:fld id="{17C2562E-359A-3C42-BBEF-E02CE97BECB1}" type="datetimeFigureOut">
               <a:rPr lang="de-DE" smtClean="0"/>
               <a:pPr/>
-              <a:t>19.10.2017</a:t>
+              <a:t>20.10.17</a:t>
             </a:fld>
             <a:endParaRPr lang="de-DE" dirty="0"/>
           </a:p>
@@ -37131,11 +40576,16 @@
         <p:spPr>
           <a:xfrm>
             <a:off x="1098259" y="1589415"/>
-            <a:ext cx="4674662" cy="5010411"/>
+            <a:ext cx="4674662" cy="5030460"/>
           </a:xfrm>
           <a:prstGeom prst="rect">
             <a:avLst/>
           </a:prstGeom>
+          <a:ln>
+            <a:solidFill>
+              <a:schemeClr val="tx1"/>
+            </a:solidFill>
+          </a:ln>
         </p:spPr>
       </p:pic>
       <p:pic>
@@ -37159,6 +40609,11 @@
           <a:prstGeom prst="rect">
             <a:avLst/>
           </a:prstGeom>
+          <a:ln>
+            <a:solidFill>
+              <a:schemeClr val="tx1"/>
+            </a:solidFill>
+          </a:ln>
         </p:spPr>
       </p:pic>
     </p:spTree>
@@ -37171,6 +40626,13 @@
   <p:clrMapOvr>
     <a:masterClrMapping/>
   </p:clrMapOvr>
+  <p:timing>
+    <p:tnLst>
+      <p:par>
+        <p:cTn id="1" dur="indefinite" restart="never" nodeType="tmRoot"/>
+      </p:par>
+    </p:tnLst>
+  </p:timing>
 </p:sld>
 </file>
 
@@ -37332,7 +40794,7 @@
             <a:fld id="{17C2562E-359A-3C42-BBEF-E02CE97BECB1}" type="datetimeFigureOut">
               <a:rPr lang="de-DE" smtClean="0"/>
               <a:pPr/>
-              <a:t>19.10.2017</a:t>
+              <a:t>20.10.17</a:t>
             </a:fld>
             <a:endParaRPr lang="de-DE" dirty="0"/>
           </a:p>
@@ -37390,7 +40852,7 @@
           <p:cNvPr id="8" name="Grafik 8">
             <a:extLst>
               <a:ext uri="{FF2B5EF4-FFF2-40B4-BE49-F238E27FC236}">
-                <a16:creationId xmlns="" xmlns:a16="http://schemas.microsoft.com/office/drawing/2014/main" id="{7CF3AEDB-FAEB-4721-8ACE-7522ACB7DC22}"/>
+                <a16:creationId xmlns:a16="http://schemas.microsoft.com/office/drawing/2014/main" xmlns="" id="{7CF3AEDB-FAEB-4721-8ACE-7522ACB7DC22}"/>
               </a:ext>
             </a:extLst>
           </p:cNvPr>
@@ -37420,7 +40882,7 @@
           <p:cNvPr id="11" name="Textfeld 10">
             <a:extLst>
               <a:ext uri="{FF2B5EF4-FFF2-40B4-BE49-F238E27FC236}">
-                <a16:creationId xmlns="" xmlns:a16="http://schemas.microsoft.com/office/drawing/2014/main" id="{E75A7EFF-4B3E-4C10-9F74-6849362D15CF}"/>
+                <a16:creationId xmlns:a16="http://schemas.microsoft.com/office/drawing/2014/main" xmlns="" id="{E75A7EFF-4B3E-4C10-9F74-6849362D15CF}"/>
               </a:ext>
             </a:extLst>
           </p:cNvPr>
@@ -37467,6 +40929,13 @@
   <p:clrMapOvr>
     <a:masterClrMapping/>
   </p:clrMapOvr>
+  <p:timing>
+    <p:tnLst>
+      <p:par>
+        <p:cTn id="1" dur="indefinite" restart="never" nodeType="tmRoot"/>
+      </p:par>
+    </p:tnLst>
+  </p:timing>
 </p:sld>
 </file>
 
@@ -37675,7 +41144,7 @@
             <a:fld id="{17C2562E-359A-3C42-BBEF-E02CE97BECB1}" type="datetimeFigureOut">
               <a:rPr lang="de-DE" smtClean="0"/>
               <a:pPr/>
-              <a:t>19.10.2017</a:t>
+              <a:t>20.10.17</a:t>
             </a:fld>
             <a:endParaRPr lang="de-DE" dirty="0"/>
           </a:p>
@@ -37779,6 +41248,13 @@
   <p:clrMapOvr>
     <a:masterClrMapping/>
   </p:clrMapOvr>
+  <p:timing>
+    <p:tnLst>
+      <p:par>
+        <p:cTn id="1" dur="indefinite" restart="never" nodeType="tmRoot"/>
+      </p:par>
+    </p:tnLst>
+  </p:timing>
 </p:sld>
 </file>
 
@@ -37860,7 +41336,7 @@
             <a:fld id="{17C2562E-359A-3C42-BBEF-E02CE97BECB1}" type="datetimeFigureOut">
               <a:rPr lang="de-DE" smtClean="0"/>
               <a:pPr/>
-              <a:t>19.10.2017</a:t>
+              <a:t>20.10.17</a:t>
             </a:fld>
             <a:endParaRPr lang="de-DE" dirty="0"/>
           </a:p>
@@ -38060,6 +41536,13 @@
   <p:clrMapOvr>
     <a:masterClrMapping/>
   </p:clrMapOvr>
+  <p:timing>
+    <p:tnLst>
+      <p:par>
+        <p:cTn id="1" dur="indefinite" restart="never" nodeType="tmRoot"/>
+      </p:par>
+    </p:tnLst>
+  </p:timing>
 </p:sld>
 </file>
 
@@ -38128,7 +41611,7 @@
             <a:fld id="{17C2562E-359A-3C42-BBEF-E02CE97BECB1}" type="datetimeFigureOut">
               <a:rPr lang="de-DE" smtClean="0"/>
               <a:pPr/>
-              <a:t>19.10.2017</a:t>
+              <a:t>20.10.17</a:t>
             </a:fld>
             <a:endParaRPr lang="de-DE" dirty="0"/>
           </a:p>
@@ -38286,6 +41769,13 @@
   <p:clrMapOvr>
     <a:masterClrMapping/>
   </p:clrMapOvr>
+  <p:timing>
+    <p:tnLst>
+      <p:par>
+        <p:cTn id="1" dur="indefinite" restart="never" nodeType="tmRoot"/>
+      </p:par>
+    </p:tnLst>
+  </p:timing>
 </p:sld>
 </file>
 

--- a/docs/Angular-Workshop-20.10.pptx
+++ b/docs/Angular-Workshop-20.10.pptx
@@ -6251,8 +6251,8 @@
   <dgm:cxnLst>
     <dgm:cxn modelId="{B0721CA3-19A8-D04D-857E-407EB9BC671A}" type="presOf" srcId="{9E409708-FC7B-604D-AE00-C59A3BC6C774}" destId="{AC19049A-FF2E-864B-A995-C88CCE14464E}" srcOrd="0" destOrd="0" presId="urn:microsoft.com/office/officeart/2005/8/layout/process1"/>
     <dgm:cxn modelId="{9AD13F03-FA98-2546-A1F6-086D6D749FC5}" srcId="{82BD223D-4D97-664B-8FA2-F811E68132B9}" destId="{9F5FBEB5-0D91-6442-BAE6-3C8FE451890E}" srcOrd="1" destOrd="0" parTransId="{44185C10-A566-584D-8792-6F8CDA31CFEF}" sibTransId="{D96BFFC3-C37B-F740-8CDD-799CDA9C29AF}"/>
+    <dgm:cxn modelId="{E033EC1A-0A6B-414C-BA47-A69CB3DDC2D8}" type="presOf" srcId="{EE7B1B78-2CB7-C647-875E-937A240D7736}" destId="{26BA574D-A9C9-D847-8AAF-A8F48018C2C1}" srcOrd="1" destOrd="0" presId="urn:microsoft.com/office/officeart/2005/8/layout/process1"/>
     <dgm:cxn modelId="{E198D6D4-91AD-F643-8652-6843F8F235B1}" srcId="{82BD223D-4D97-664B-8FA2-F811E68132B9}" destId="{9E409708-FC7B-604D-AE00-C59A3BC6C774}" srcOrd="0" destOrd="0" parTransId="{AF54B174-D1EC-FF4E-9C8F-E68F41ABE717}" sibTransId="{EE7B1B78-2CB7-C647-875E-937A240D7736}"/>
-    <dgm:cxn modelId="{E033EC1A-0A6B-414C-BA47-A69CB3DDC2D8}" type="presOf" srcId="{EE7B1B78-2CB7-C647-875E-937A240D7736}" destId="{26BA574D-A9C9-D847-8AAF-A8F48018C2C1}" srcOrd="1" destOrd="0" presId="urn:microsoft.com/office/officeart/2005/8/layout/process1"/>
     <dgm:cxn modelId="{1B0CBD2C-F6A5-BE47-AA25-80FF0DBC223D}" type="presOf" srcId="{82BD223D-4D97-664B-8FA2-F811E68132B9}" destId="{5C4E5A0B-1B12-EC4C-BCB7-F3E190AFE040}" srcOrd="0" destOrd="0" presId="urn:microsoft.com/office/officeart/2005/8/layout/process1"/>
     <dgm:cxn modelId="{E6A75DB5-821C-E345-A783-C1FE436C1B5F}" type="presOf" srcId="{EE7B1B78-2CB7-C647-875E-937A240D7736}" destId="{30EAC814-8F64-D74A-9EBA-0CBC6BE058AA}" srcOrd="0" destOrd="0" presId="urn:microsoft.com/office/officeart/2005/8/layout/process1"/>
     <dgm:cxn modelId="{32CD821A-B520-014C-9995-1247839A1615}" type="presOf" srcId="{9F5FBEB5-0D91-6442-BAE6-3C8FE451890E}" destId="{942B2FD4-F953-1241-B452-E01505D35646}" srcOrd="0" destOrd="0" presId="urn:microsoft.com/office/officeart/2005/8/layout/process1"/>
@@ -19842,7 +19842,7 @@
           <a:noFill/>
           <a:extLst>
             <a:ext uri="{909E8E84-426E-40dd-AFC4-6F175D3DCCD1}">
-              <a14:hiddenFill xmlns:a14="http://schemas.microsoft.com/office/drawing/2010/main" xmlns="">
+              <a14:hiddenFill xmlns="" xmlns:a14="http://schemas.microsoft.com/office/drawing/2010/main">
                 <a:solidFill>
                   <a:srgbClr val="FFFFFF"/>
                 </a:solidFill>
@@ -20042,7 +20042,7 @@
           <p:cNvPr id="2" name="Datumsplatzhalter 1">
             <a:extLst>
               <a:ext uri="{FF2B5EF4-FFF2-40B4-BE49-F238E27FC236}">
-                <a16:creationId xmlns:a16="http://schemas.microsoft.com/office/drawing/2014/main" xmlns="" id="{0EE9CECA-FE53-4E0D-AD22-D4AB49ECF809}"/>
+                <a16:creationId xmlns="" xmlns:a16="http://schemas.microsoft.com/office/drawing/2014/main" id="{0EE9CECA-FE53-4E0D-AD22-D4AB49ECF809}"/>
               </a:ext>
             </a:extLst>
           </p:cNvPr>
@@ -20072,7 +20072,7 @@
           <p:cNvPr id="7" name="Fußzeilenplatzhalter 6">
             <a:extLst>
               <a:ext uri="{FF2B5EF4-FFF2-40B4-BE49-F238E27FC236}">
-                <a16:creationId xmlns:a16="http://schemas.microsoft.com/office/drawing/2014/main" xmlns="" id="{C07A299E-41A7-4A08-81FA-6FBA6806F0A5}"/>
+                <a16:creationId xmlns="" xmlns:a16="http://schemas.microsoft.com/office/drawing/2014/main" id="{C07A299E-41A7-4A08-81FA-6FBA6806F0A5}"/>
               </a:ext>
             </a:extLst>
           </p:cNvPr>
@@ -20097,7 +20097,7 @@
           <p:cNvPr id="8" name="Foliennummernplatzhalter 7">
             <a:extLst>
               <a:ext uri="{FF2B5EF4-FFF2-40B4-BE49-F238E27FC236}">
-                <a16:creationId xmlns:a16="http://schemas.microsoft.com/office/drawing/2014/main" xmlns="" id="{9151A28C-FF21-4CC9-B28E-CF780807FE34}"/>
+                <a16:creationId xmlns="" xmlns:a16="http://schemas.microsoft.com/office/drawing/2014/main" id="{9151A28C-FF21-4CC9-B28E-CF780807FE34}"/>
               </a:ext>
             </a:extLst>
           </p:cNvPr>
@@ -20352,7 +20352,7 @@
           <p:cNvPr id="3" name="Datumsplatzhalter 2">
             <a:extLst>
               <a:ext uri="{FF2B5EF4-FFF2-40B4-BE49-F238E27FC236}">
-                <a16:creationId xmlns:a16="http://schemas.microsoft.com/office/drawing/2014/main" xmlns="" id="{3D332A91-9158-4543-9295-8484F133E109}"/>
+                <a16:creationId xmlns="" xmlns:a16="http://schemas.microsoft.com/office/drawing/2014/main" id="{3D332A91-9158-4543-9295-8484F133E109}"/>
               </a:ext>
             </a:extLst>
           </p:cNvPr>
@@ -20382,7 +20382,7 @@
           <p:cNvPr id="7" name="Fußzeilenplatzhalter 6">
             <a:extLst>
               <a:ext uri="{FF2B5EF4-FFF2-40B4-BE49-F238E27FC236}">
-                <a16:creationId xmlns:a16="http://schemas.microsoft.com/office/drawing/2014/main" xmlns="" id="{C426E4CE-7F9D-4A7E-A795-EDD7185E3A7A}"/>
+                <a16:creationId xmlns="" xmlns:a16="http://schemas.microsoft.com/office/drawing/2014/main" id="{C426E4CE-7F9D-4A7E-A795-EDD7185E3A7A}"/>
               </a:ext>
             </a:extLst>
           </p:cNvPr>
@@ -20407,7 +20407,7 @@
           <p:cNvPr id="8" name="Foliennummernplatzhalter 7">
             <a:extLst>
               <a:ext uri="{FF2B5EF4-FFF2-40B4-BE49-F238E27FC236}">
-                <a16:creationId xmlns:a16="http://schemas.microsoft.com/office/drawing/2014/main" xmlns="" id="{73459CEF-058C-4C7D-9907-D7A5E4B23A28}"/>
+                <a16:creationId xmlns="" xmlns:a16="http://schemas.microsoft.com/office/drawing/2014/main" id="{73459CEF-058C-4C7D-9907-D7A5E4B23A28}"/>
               </a:ext>
             </a:extLst>
           </p:cNvPr>
@@ -20655,7 +20655,7 @@
           <p:cNvPr id="2" name="Datumsplatzhalter 1">
             <a:extLst>
               <a:ext uri="{FF2B5EF4-FFF2-40B4-BE49-F238E27FC236}">
-                <a16:creationId xmlns:a16="http://schemas.microsoft.com/office/drawing/2014/main" xmlns="" id="{64A9B900-82AE-4D1E-B11E-155C1B825004}"/>
+                <a16:creationId xmlns="" xmlns:a16="http://schemas.microsoft.com/office/drawing/2014/main" id="{64A9B900-82AE-4D1E-B11E-155C1B825004}"/>
               </a:ext>
             </a:extLst>
           </p:cNvPr>
@@ -20685,7 +20685,7 @@
           <p:cNvPr id="7" name="Fußzeilenplatzhalter 6">
             <a:extLst>
               <a:ext uri="{FF2B5EF4-FFF2-40B4-BE49-F238E27FC236}">
-                <a16:creationId xmlns:a16="http://schemas.microsoft.com/office/drawing/2014/main" xmlns="" id="{41953AE8-A571-4BCE-AF9C-CC7A649DD8C5}"/>
+                <a16:creationId xmlns="" xmlns:a16="http://schemas.microsoft.com/office/drawing/2014/main" id="{41953AE8-A571-4BCE-AF9C-CC7A649DD8C5}"/>
               </a:ext>
             </a:extLst>
           </p:cNvPr>
@@ -20710,7 +20710,7 @@
           <p:cNvPr id="8" name="Foliennummernplatzhalter 7">
             <a:extLst>
               <a:ext uri="{FF2B5EF4-FFF2-40B4-BE49-F238E27FC236}">
-                <a16:creationId xmlns:a16="http://schemas.microsoft.com/office/drawing/2014/main" xmlns="" id="{6DCAD949-98D9-4F76-BE67-6629B37422CB}"/>
+                <a16:creationId xmlns="" xmlns:a16="http://schemas.microsoft.com/office/drawing/2014/main" id="{6DCAD949-98D9-4F76-BE67-6629B37422CB}"/>
               </a:ext>
             </a:extLst>
           </p:cNvPr>
@@ -20811,7 +20811,7 @@
           <p:cNvPr id="2" name="Datumsplatzhalter 1">
             <a:extLst>
               <a:ext uri="{FF2B5EF4-FFF2-40B4-BE49-F238E27FC236}">
-                <a16:creationId xmlns:a16="http://schemas.microsoft.com/office/drawing/2014/main" xmlns="" id="{0F48F7B5-AF2D-4886-B660-ACFD0F3CA06C}"/>
+                <a16:creationId xmlns="" xmlns:a16="http://schemas.microsoft.com/office/drawing/2014/main" id="{0F48F7B5-AF2D-4886-B660-ACFD0F3CA06C}"/>
               </a:ext>
             </a:extLst>
           </p:cNvPr>
@@ -20841,7 +20841,7 @@
           <p:cNvPr id="7" name="Fußzeilenplatzhalter 6">
             <a:extLst>
               <a:ext uri="{FF2B5EF4-FFF2-40B4-BE49-F238E27FC236}">
-                <a16:creationId xmlns:a16="http://schemas.microsoft.com/office/drawing/2014/main" xmlns="" id="{C01D3F89-6DF4-4DC1-ABFC-4B69E0299624}"/>
+                <a16:creationId xmlns="" xmlns:a16="http://schemas.microsoft.com/office/drawing/2014/main" id="{C01D3F89-6DF4-4DC1-ABFC-4B69E0299624}"/>
               </a:ext>
             </a:extLst>
           </p:cNvPr>
@@ -20866,7 +20866,7 @@
           <p:cNvPr id="8" name="Foliennummernplatzhalter 7">
             <a:extLst>
               <a:ext uri="{FF2B5EF4-FFF2-40B4-BE49-F238E27FC236}">
-                <a16:creationId xmlns:a16="http://schemas.microsoft.com/office/drawing/2014/main" xmlns="" id="{BFD42FBE-0754-4285-A3CE-566D22A33C59}"/>
+                <a16:creationId xmlns="" xmlns:a16="http://schemas.microsoft.com/office/drawing/2014/main" id="{BFD42FBE-0754-4285-A3CE-566D22A33C59}"/>
               </a:ext>
             </a:extLst>
           </p:cNvPr>
@@ -21107,7 +21107,7 @@
           <p:cNvPr id="3" name="Datumsplatzhalter 2">
             <a:extLst>
               <a:ext uri="{FF2B5EF4-FFF2-40B4-BE49-F238E27FC236}">
-                <a16:creationId xmlns:a16="http://schemas.microsoft.com/office/drawing/2014/main" xmlns="" id="{434AC82E-1F55-4D6D-B12A-7355E3927B04}"/>
+                <a16:creationId xmlns="" xmlns:a16="http://schemas.microsoft.com/office/drawing/2014/main" id="{434AC82E-1F55-4D6D-B12A-7355E3927B04}"/>
               </a:ext>
             </a:extLst>
           </p:cNvPr>
@@ -21137,7 +21137,7 @@
           <p:cNvPr id="7" name="Fußzeilenplatzhalter 6">
             <a:extLst>
               <a:ext uri="{FF2B5EF4-FFF2-40B4-BE49-F238E27FC236}">
-                <a16:creationId xmlns:a16="http://schemas.microsoft.com/office/drawing/2014/main" xmlns="" id="{95F90759-2A54-4A06-B304-DFA3C45AF309}"/>
+                <a16:creationId xmlns="" xmlns:a16="http://schemas.microsoft.com/office/drawing/2014/main" id="{95F90759-2A54-4A06-B304-DFA3C45AF309}"/>
               </a:ext>
             </a:extLst>
           </p:cNvPr>
@@ -21162,7 +21162,7 @@
           <p:cNvPr id="8" name="Foliennummernplatzhalter 7">
             <a:extLst>
               <a:ext uri="{FF2B5EF4-FFF2-40B4-BE49-F238E27FC236}">
-                <a16:creationId xmlns:a16="http://schemas.microsoft.com/office/drawing/2014/main" xmlns="" id="{AAA489C6-E63E-4078-89A4-7CC1709D7206}"/>
+                <a16:creationId xmlns="" xmlns:a16="http://schemas.microsoft.com/office/drawing/2014/main" id="{AAA489C6-E63E-4078-89A4-7CC1709D7206}"/>
               </a:ext>
             </a:extLst>
           </p:cNvPr>
@@ -21444,7 +21444,7 @@
           <p:cNvPr id="3" name="Datumsplatzhalter 2">
             <a:extLst>
               <a:ext uri="{FF2B5EF4-FFF2-40B4-BE49-F238E27FC236}">
-                <a16:creationId xmlns:a16="http://schemas.microsoft.com/office/drawing/2014/main" xmlns="" id="{24A5A6B0-652D-48FC-AF73-17BD8D217D8E}"/>
+                <a16:creationId xmlns="" xmlns:a16="http://schemas.microsoft.com/office/drawing/2014/main" id="{24A5A6B0-652D-48FC-AF73-17BD8D217D8E}"/>
               </a:ext>
             </a:extLst>
           </p:cNvPr>
@@ -21474,7 +21474,7 @@
           <p:cNvPr id="7" name="Fußzeilenplatzhalter 6">
             <a:extLst>
               <a:ext uri="{FF2B5EF4-FFF2-40B4-BE49-F238E27FC236}">
-                <a16:creationId xmlns:a16="http://schemas.microsoft.com/office/drawing/2014/main" xmlns="" id="{239BA7E1-F103-432E-BC27-0127D2228DA4}"/>
+                <a16:creationId xmlns="" xmlns:a16="http://schemas.microsoft.com/office/drawing/2014/main" id="{239BA7E1-F103-432E-BC27-0127D2228DA4}"/>
               </a:ext>
             </a:extLst>
           </p:cNvPr>
@@ -21499,7 +21499,7 @@
           <p:cNvPr id="9" name="Foliennummernplatzhalter 8">
             <a:extLst>
               <a:ext uri="{FF2B5EF4-FFF2-40B4-BE49-F238E27FC236}">
-                <a16:creationId xmlns:a16="http://schemas.microsoft.com/office/drawing/2014/main" xmlns="" id="{E398A7F9-A765-46A7-B1D7-8FF6247ED6E8}"/>
+                <a16:creationId xmlns="" xmlns:a16="http://schemas.microsoft.com/office/drawing/2014/main" id="{E398A7F9-A765-46A7-B1D7-8FF6247ED6E8}"/>
               </a:ext>
             </a:extLst>
           </p:cNvPr>
@@ -21920,7 +21920,7 @@
           <p:cNvPr id="3" name="Datumsplatzhalter 2">
             <a:extLst>
               <a:ext uri="{FF2B5EF4-FFF2-40B4-BE49-F238E27FC236}">
-                <a16:creationId xmlns:a16="http://schemas.microsoft.com/office/drawing/2014/main" xmlns="" id="{E251BDE8-F6CD-4379-B02C-D58055E91CB7}"/>
+                <a16:creationId xmlns="" xmlns:a16="http://schemas.microsoft.com/office/drawing/2014/main" id="{E251BDE8-F6CD-4379-B02C-D58055E91CB7}"/>
               </a:ext>
             </a:extLst>
           </p:cNvPr>
@@ -21950,7 +21950,7 @@
           <p:cNvPr id="7" name="Fußzeilenplatzhalter 6">
             <a:extLst>
               <a:ext uri="{FF2B5EF4-FFF2-40B4-BE49-F238E27FC236}">
-                <a16:creationId xmlns:a16="http://schemas.microsoft.com/office/drawing/2014/main" xmlns="" id="{F684EDD4-7234-4CF4-A5B8-FCC6419FE199}"/>
+                <a16:creationId xmlns="" xmlns:a16="http://schemas.microsoft.com/office/drawing/2014/main" id="{F684EDD4-7234-4CF4-A5B8-FCC6419FE199}"/>
               </a:ext>
             </a:extLst>
           </p:cNvPr>
@@ -21975,7 +21975,7 @@
           <p:cNvPr id="8" name="Foliennummernplatzhalter 7">
             <a:extLst>
               <a:ext uri="{FF2B5EF4-FFF2-40B4-BE49-F238E27FC236}">
-                <a16:creationId xmlns:a16="http://schemas.microsoft.com/office/drawing/2014/main" xmlns="" id="{81EB7AF2-AEA0-439E-B5DA-DF760778341F}"/>
+                <a16:creationId xmlns="" xmlns:a16="http://schemas.microsoft.com/office/drawing/2014/main" id="{81EB7AF2-AEA0-439E-B5DA-DF760778341F}"/>
               </a:ext>
             </a:extLst>
           </p:cNvPr>
@@ -22303,7 +22303,7 @@
           <p:cNvPr id="3" name="Datumsplatzhalter 2">
             <a:extLst>
               <a:ext uri="{FF2B5EF4-FFF2-40B4-BE49-F238E27FC236}">
-                <a16:creationId xmlns:a16="http://schemas.microsoft.com/office/drawing/2014/main" xmlns="" id="{C2E5ECD2-BEB5-47D1-A89E-69496048A8D5}"/>
+                <a16:creationId xmlns="" xmlns:a16="http://schemas.microsoft.com/office/drawing/2014/main" id="{C2E5ECD2-BEB5-47D1-A89E-69496048A8D5}"/>
               </a:ext>
             </a:extLst>
           </p:cNvPr>
@@ -22333,7 +22333,7 @@
           <p:cNvPr id="7" name="Fußzeilenplatzhalter 6">
             <a:extLst>
               <a:ext uri="{FF2B5EF4-FFF2-40B4-BE49-F238E27FC236}">
-                <a16:creationId xmlns:a16="http://schemas.microsoft.com/office/drawing/2014/main" xmlns="" id="{8DADA64D-3A7A-4438-9197-BD2830657223}"/>
+                <a16:creationId xmlns="" xmlns:a16="http://schemas.microsoft.com/office/drawing/2014/main" id="{8DADA64D-3A7A-4438-9197-BD2830657223}"/>
               </a:ext>
             </a:extLst>
           </p:cNvPr>
@@ -22358,7 +22358,7 @@
           <p:cNvPr id="9" name="Foliennummernplatzhalter 8">
             <a:extLst>
               <a:ext uri="{FF2B5EF4-FFF2-40B4-BE49-F238E27FC236}">
-                <a16:creationId xmlns:a16="http://schemas.microsoft.com/office/drawing/2014/main" xmlns="" id="{3D8A091A-178E-435F-9EA9-84BA66D378CC}"/>
+                <a16:creationId xmlns="" xmlns:a16="http://schemas.microsoft.com/office/drawing/2014/main" id="{3D8A091A-178E-435F-9EA9-84BA66D378CC}"/>
               </a:ext>
             </a:extLst>
           </p:cNvPr>
@@ -22989,7 +22989,7 @@
           <p:cNvPr id="6" name="Datumsplatzhalter 5">
             <a:extLst>
               <a:ext uri="{FF2B5EF4-FFF2-40B4-BE49-F238E27FC236}">
-                <a16:creationId xmlns:a16="http://schemas.microsoft.com/office/drawing/2014/main" xmlns="" id="{E75B6010-F5BB-4F22-8221-D75D21F6EB55}"/>
+                <a16:creationId xmlns="" xmlns:a16="http://schemas.microsoft.com/office/drawing/2014/main" id="{E75B6010-F5BB-4F22-8221-D75D21F6EB55}"/>
               </a:ext>
             </a:extLst>
           </p:cNvPr>
@@ -23019,7 +23019,7 @@
           <p:cNvPr id="7" name="Fußzeilenplatzhalter 6">
             <a:extLst>
               <a:ext uri="{FF2B5EF4-FFF2-40B4-BE49-F238E27FC236}">
-                <a16:creationId xmlns:a16="http://schemas.microsoft.com/office/drawing/2014/main" xmlns="" id="{26547C97-5C9B-4C14-8D49-A5E83DFFB45A}"/>
+                <a16:creationId xmlns="" xmlns:a16="http://schemas.microsoft.com/office/drawing/2014/main" id="{26547C97-5C9B-4C14-8D49-A5E83DFFB45A}"/>
               </a:ext>
             </a:extLst>
           </p:cNvPr>
@@ -23044,7 +23044,7 @@
           <p:cNvPr id="11" name="Foliennummernplatzhalter 10">
             <a:extLst>
               <a:ext uri="{FF2B5EF4-FFF2-40B4-BE49-F238E27FC236}">
-                <a16:creationId xmlns:a16="http://schemas.microsoft.com/office/drawing/2014/main" xmlns="" id="{98B57AAA-67F4-4EFE-A062-411C04E4F8A2}"/>
+                <a16:creationId xmlns="" xmlns:a16="http://schemas.microsoft.com/office/drawing/2014/main" id="{98B57AAA-67F4-4EFE-A062-411C04E4F8A2}"/>
               </a:ext>
             </a:extLst>
           </p:cNvPr>
@@ -23583,7 +23583,7 @@
           <p:cNvPr id="5" name="Datumsplatzhalter 4">
             <a:extLst>
               <a:ext uri="{FF2B5EF4-FFF2-40B4-BE49-F238E27FC236}">
-                <a16:creationId xmlns:a16="http://schemas.microsoft.com/office/drawing/2014/main" xmlns="" id="{0C7C8404-609B-40A1-85F0-0C1D3C5C6357}"/>
+                <a16:creationId xmlns="" xmlns:a16="http://schemas.microsoft.com/office/drawing/2014/main" id="{0C7C8404-609B-40A1-85F0-0C1D3C5C6357}"/>
               </a:ext>
             </a:extLst>
           </p:cNvPr>
@@ -23613,7 +23613,7 @@
           <p:cNvPr id="8" name="Fußzeilenplatzhalter 7">
             <a:extLst>
               <a:ext uri="{FF2B5EF4-FFF2-40B4-BE49-F238E27FC236}">
-                <a16:creationId xmlns:a16="http://schemas.microsoft.com/office/drawing/2014/main" xmlns="" id="{3C29D00E-B305-494B-A605-238A832848F3}"/>
+                <a16:creationId xmlns="" xmlns:a16="http://schemas.microsoft.com/office/drawing/2014/main" id="{3C29D00E-B305-494B-A605-238A832848F3}"/>
               </a:ext>
             </a:extLst>
           </p:cNvPr>
@@ -23638,7 +23638,7 @@
           <p:cNvPr id="9" name="Foliennummernplatzhalter 8">
             <a:extLst>
               <a:ext uri="{FF2B5EF4-FFF2-40B4-BE49-F238E27FC236}">
-                <a16:creationId xmlns:a16="http://schemas.microsoft.com/office/drawing/2014/main" xmlns="" id="{7FC7C27A-51A6-4577-BAAE-22B90EFD1D16}"/>
+                <a16:creationId xmlns="" xmlns:a16="http://schemas.microsoft.com/office/drawing/2014/main" id="{7FC7C27A-51A6-4577-BAAE-22B90EFD1D16}"/>
               </a:ext>
             </a:extLst>
           </p:cNvPr>
@@ -24407,7 +24407,7 @@
           <p:cNvPr id="5" name="Datumsplatzhalter 4">
             <a:extLst>
               <a:ext uri="{FF2B5EF4-FFF2-40B4-BE49-F238E27FC236}">
-                <a16:creationId xmlns:a16="http://schemas.microsoft.com/office/drawing/2014/main" xmlns="" id="{33D616DE-E3B4-4D35-BB61-A1FFAD7A5AAF}"/>
+                <a16:creationId xmlns="" xmlns:a16="http://schemas.microsoft.com/office/drawing/2014/main" id="{33D616DE-E3B4-4D35-BB61-A1FFAD7A5AAF}"/>
               </a:ext>
             </a:extLst>
           </p:cNvPr>
@@ -24437,7 +24437,7 @@
           <p:cNvPr id="7" name="Fußzeilenplatzhalter 6">
             <a:extLst>
               <a:ext uri="{FF2B5EF4-FFF2-40B4-BE49-F238E27FC236}">
-                <a16:creationId xmlns:a16="http://schemas.microsoft.com/office/drawing/2014/main" xmlns="" id="{009571DE-76C3-4B92-A98C-31AD1C84E96F}"/>
+                <a16:creationId xmlns="" xmlns:a16="http://schemas.microsoft.com/office/drawing/2014/main" id="{009571DE-76C3-4B92-A98C-31AD1C84E96F}"/>
               </a:ext>
             </a:extLst>
           </p:cNvPr>
@@ -24462,7 +24462,7 @@
           <p:cNvPr id="10" name="Foliennummernplatzhalter 9">
             <a:extLst>
               <a:ext uri="{FF2B5EF4-FFF2-40B4-BE49-F238E27FC236}">
-                <a16:creationId xmlns:a16="http://schemas.microsoft.com/office/drawing/2014/main" xmlns="" id="{A873DEEA-A3E3-4201-A6F9-C92D0EB9E730}"/>
+                <a16:creationId xmlns="" xmlns:a16="http://schemas.microsoft.com/office/drawing/2014/main" id="{A873DEEA-A3E3-4201-A6F9-C92D0EB9E730}"/>
               </a:ext>
             </a:extLst>
           </p:cNvPr>
@@ -24887,7 +24887,7 @@
           <p:cNvPr id="6" name="Datumsplatzhalter 5">
             <a:extLst>
               <a:ext uri="{FF2B5EF4-FFF2-40B4-BE49-F238E27FC236}">
-                <a16:creationId xmlns:a16="http://schemas.microsoft.com/office/drawing/2014/main" xmlns="" id="{BE1F9E44-CCA9-4032-B773-94D7E2DF8ED5}"/>
+                <a16:creationId xmlns="" xmlns:a16="http://schemas.microsoft.com/office/drawing/2014/main" id="{BE1F9E44-CCA9-4032-B773-94D7E2DF8ED5}"/>
               </a:ext>
             </a:extLst>
           </p:cNvPr>
@@ -24917,7 +24917,7 @@
           <p:cNvPr id="7" name="Fußzeilenplatzhalter 6">
             <a:extLst>
               <a:ext uri="{FF2B5EF4-FFF2-40B4-BE49-F238E27FC236}">
-                <a16:creationId xmlns:a16="http://schemas.microsoft.com/office/drawing/2014/main" xmlns="" id="{4D3B4066-4E5D-4AAB-A33C-01B8A1CAA20D}"/>
+                <a16:creationId xmlns="" xmlns:a16="http://schemas.microsoft.com/office/drawing/2014/main" id="{4D3B4066-4E5D-4AAB-A33C-01B8A1CAA20D}"/>
               </a:ext>
             </a:extLst>
           </p:cNvPr>
@@ -24942,7 +24942,7 @@
           <p:cNvPr id="8" name="Foliennummernplatzhalter 7">
             <a:extLst>
               <a:ext uri="{FF2B5EF4-FFF2-40B4-BE49-F238E27FC236}">
-                <a16:creationId xmlns:a16="http://schemas.microsoft.com/office/drawing/2014/main" xmlns="" id="{52AE4811-CB7B-4E63-92A7-E2967B6AEBEE}"/>
+                <a16:creationId xmlns="" xmlns:a16="http://schemas.microsoft.com/office/drawing/2014/main" id="{52AE4811-CB7B-4E63-92A7-E2967B6AEBEE}"/>
               </a:ext>
             </a:extLst>
           </p:cNvPr>
@@ -25729,7 +25729,7 @@
           <p:cNvPr id="5" name="Datumsplatzhalter 4">
             <a:extLst>
               <a:ext uri="{FF2B5EF4-FFF2-40B4-BE49-F238E27FC236}">
-                <a16:creationId xmlns:a16="http://schemas.microsoft.com/office/drawing/2014/main" xmlns="" id="{7AEDF8C5-F6FB-4119-B6A3-908B246DAB0B}"/>
+                <a16:creationId xmlns="" xmlns:a16="http://schemas.microsoft.com/office/drawing/2014/main" id="{7AEDF8C5-F6FB-4119-B6A3-908B246DAB0B}"/>
               </a:ext>
             </a:extLst>
           </p:cNvPr>
@@ -25759,7 +25759,7 @@
           <p:cNvPr id="7" name="Fußzeilenplatzhalter 6">
             <a:extLst>
               <a:ext uri="{FF2B5EF4-FFF2-40B4-BE49-F238E27FC236}">
-                <a16:creationId xmlns:a16="http://schemas.microsoft.com/office/drawing/2014/main" xmlns="" id="{4CCDEB9D-85DD-4CF0-96C7-BA711D11F2BE}"/>
+                <a16:creationId xmlns="" xmlns:a16="http://schemas.microsoft.com/office/drawing/2014/main" id="{4CCDEB9D-85DD-4CF0-96C7-BA711D11F2BE}"/>
               </a:ext>
             </a:extLst>
           </p:cNvPr>
@@ -25784,7 +25784,7 @@
           <p:cNvPr id="9" name="Foliennummernplatzhalter 8">
             <a:extLst>
               <a:ext uri="{FF2B5EF4-FFF2-40B4-BE49-F238E27FC236}">
-                <a16:creationId xmlns:a16="http://schemas.microsoft.com/office/drawing/2014/main" xmlns="" id="{418E80D9-3450-43BD-94A9-22C9BF91B1C0}"/>
+                <a16:creationId xmlns="" xmlns:a16="http://schemas.microsoft.com/office/drawing/2014/main" id="{418E80D9-3450-43BD-94A9-22C9BF91B1C0}"/>
               </a:ext>
             </a:extLst>
           </p:cNvPr>
@@ -26530,7 +26530,7 @@
           <p:cNvPr id="3" name="Datumsplatzhalter 2">
             <a:extLst>
               <a:ext uri="{FF2B5EF4-FFF2-40B4-BE49-F238E27FC236}">
-                <a16:creationId xmlns:a16="http://schemas.microsoft.com/office/drawing/2014/main" xmlns="" id="{25D8C277-6F42-4B11-AB90-EBE3A1238A85}"/>
+                <a16:creationId xmlns="" xmlns:a16="http://schemas.microsoft.com/office/drawing/2014/main" id="{25D8C277-6F42-4B11-AB90-EBE3A1238A85}"/>
               </a:ext>
             </a:extLst>
           </p:cNvPr>
@@ -26560,7 +26560,7 @@
           <p:cNvPr id="4" name="Fußzeilenplatzhalter 3">
             <a:extLst>
               <a:ext uri="{FF2B5EF4-FFF2-40B4-BE49-F238E27FC236}">
-                <a16:creationId xmlns:a16="http://schemas.microsoft.com/office/drawing/2014/main" xmlns="" id="{4815A052-9443-41A9-9F46-0AA437EEDDA5}"/>
+                <a16:creationId xmlns="" xmlns:a16="http://schemas.microsoft.com/office/drawing/2014/main" id="{4815A052-9443-41A9-9F46-0AA437EEDDA5}"/>
               </a:ext>
             </a:extLst>
           </p:cNvPr>
@@ -26585,7 +26585,7 @@
           <p:cNvPr id="5" name="Foliennummernplatzhalter 4">
             <a:extLst>
               <a:ext uri="{FF2B5EF4-FFF2-40B4-BE49-F238E27FC236}">
-                <a16:creationId xmlns:a16="http://schemas.microsoft.com/office/drawing/2014/main" xmlns="" id="{5F7C50D9-9DEA-4EFD-ACE3-677BBD4DEB55}"/>
+                <a16:creationId xmlns="" xmlns:a16="http://schemas.microsoft.com/office/drawing/2014/main" id="{5F7C50D9-9DEA-4EFD-ACE3-677BBD4DEB55}"/>
               </a:ext>
             </a:extLst>
           </p:cNvPr>
@@ -27051,7 +27051,7 @@
           <p:cNvPr id="5" name="Datumsplatzhalter 4">
             <a:extLst>
               <a:ext uri="{FF2B5EF4-FFF2-40B4-BE49-F238E27FC236}">
-                <a16:creationId xmlns:a16="http://schemas.microsoft.com/office/drawing/2014/main" xmlns="" id="{6B4135B1-E114-41F0-9C64-3A26186B834F}"/>
+                <a16:creationId xmlns="" xmlns:a16="http://schemas.microsoft.com/office/drawing/2014/main" id="{6B4135B1-E114-41F0-9C64-3A26186B834F}"/>
               </a:ext>
             </a:extLst>
           </p:cNvPr>
@@ -27081,7 +27081,7 @@
           <p:cNvPr id="7" name="Fußzeilenplatzhalter 6">
             <a:extLst>
               <a:ext uri="{FF2B5EF4-FFF2-40B4-BE49-F238E27FC236}">
-                <a16:creationId xmlns:a16="http://schemas.microsoft.com/office/drawing/2014/main" xmlns="" id="{84D81854-B37F-4ADF-A34F-BF0CCA2926F2}"/>
+                <a16:creationId xmlns="" xmlns:a16="http://schemas.microsoft.com/office/drawing/2014/main" id="{84D81854-B37F-4ADF-A34F-BF0CCA2926F2}"/>
               </a:ext>
             </a:extLst>
           </p:cNvPr>
@@ -27106,7 +27106,7 @@
           <p:cNvPr id="9" name="Foliennummernplatzhalter 8">
             <a:extLst>
               <a:ext uri="{FF2B5EF4-FFF2-40B4-BE49-F238E27FC236}">
-                <a16:creationId xmlns:a16="http://schemas.microsoft.com/office/drawing/2014/main" xmlns="" id="{2EE17D9C-06FE-45C8-B312-4C5617C49000}"/>
+                <a16:creationId xmlns="" xmlns:a16="http://schemas.microsoft.com/office/drawing/2014/main" id="{2EE17D9C-06FE-45C8-B312-4C5617C49000}"/>
               </a:ext>
             </a:extLst>
           </p:cNvPr>
@@ -27531,7 +27531,7 @@
           <p:cNvPr id="10" name="Datumsplatzhalter 9">
             <a:extLst>
               <a:ext uri="{FF2B5EF4-FFF2-40B4-BE49-F238E27FC236}">
-                <a16:creationId xmlns:a16="http://schemas.microsoft.com/office/drawing/2014/main" xmlns="" id="{F92E0490-C295-4C99-B9D1-6310B9164EDD}"/>
+                <a16:creationId xmlns="" xmlns:a16="http://schemas.microsoft.com/office/drawing/2014/main" id="{F92E0490-C295-4C99-B9D1-6310B9164EDD}"/>
               </a:ext>
             </a:extLst>
           </p:cNvPr>
@@ -27561,7 +27561,7 @@
           <p:cNvPr id="11" name="Fußzeilenplatzhalter 10">
             <a:extLst>
               <a:ext uri="{FF2B5EF4-FFF2-40B4-BE49-F238E27FC236}">
-                <a16:creationId xmlns:a16="http://schemas.microsoft.com/office/drawing/2014/main" xmlns="" id="{DD98C48F-3C69-4703-B4CC-632DDDDB497C}"/>
+                <a16:creationId xmlns="" xmlns:a16="http://schemas.microsoft.com/office/drawing/2014/main" id="{DD98C48F-3C69-4703-B4CC-632DDDDB497C}"/>
               </a:ext>
             </a:extLst>
           </p:cNvPr>
@@ -27586,7 +27586,7 @@
           <p:cNvPr id="15" name="Foliennummernplatzhalter 14">
             <a:extLst>
               <a:ext uri="{FF2B5EF4-FFF2-40B4-BE49-F238E27FC236}">
-                <a16:creationId xmlns:a16="http://schemas.microsoft.com/office/drawing/2014/main" xmlns="" id="{1968527D-44A1-407F-99A6-2ACAB46FBD28}"/>
+                <a16:creationId xmlns="" xmlns:a16="http://schemas.microsoft.com/office/drawing/2014/main" id="{1968527D-44A1-407F-99A6-2ACAB46FBD28}"/>
               </a:ext>
             </a:extLst>
           </p:cNvPr>
@@ -28373,7 +28373,7 @@
           <p:cNvPr id="5" name="Datumsplatzhalter 4">
             <a:extLst>
               <a:ext uri="{FF2B5EF4-FFF2-40B4-BE49-F238E27FC236}">
-                <a16:creationId xmlns:a16="http://schemas.microsoft.com/office/drawing/2014/main" xmlns="" id="{8AFAB162-0FDB-4A37-A4FD-CBFC89474486}"/>
+                <a16:creationId xmlns="" xmlns:a16="http://schemas.microsoft.com/office/drawing/2014/main" id="{8AFAB162-0FDB-4A37-A4FD-CBFC89474486}"/>
               </a:ext>
             </a:extLst>
           </p:cNvPr>
@@ -28403,7 +28403,7 @@
           <p:cNvPr id="7" name="Fußzeilenplatzhalter 6">
             <a:extLst>
               <a:ext uri="{FF2B5EF4-FFF2-40B4-BE49-F238E27FC236}">
-                <a16:creationId xmlns:a16="http://schemas.microsoft.com/office/drawing/2014/main" xmlns="" id="{46B12C25-0691-43C5-8596-6B8AD0039874}"/>
+                <a16:creationId xmlns="" xmlns:a16="http://schemas.microsoft.com/office/drawing/2014/main" id="{46B12C25-0691-43C5-8596-6B8AD0039874}"/>
               </a:ext>
             </a:extLst>
           </p:cNvPr>
@@ -28428,7 +28428,7 @@
           <p:cNvPr id="9" name="Foliennummernplatzhalter 8">
             <a:extLst>
               <a:ext uri="{FF2B5EF4-FFF2-40B4-BE49-F238E27FC236}">
-                <a16:creationId xmlns:a16="http://schemas.microsoft.com/office/drawing/2014/main" xmlns="" id="{7C5C2594-4A54-4AE0-88EE-FB17FDD4570C}"/>
+                <a16:creationId xmlns="" xmlns:a16="http://schemas.microsoft.com/office/drawing/2014/main" id="{7C5C2594-4A54-4AE0-88EE-FB17FDD4570C}"/>
               </a:ext>
             </a:extLst>
           </p:cNvPr>
@@ -29174,7 +29174,7 @@
           <p:cNvPr id="5" name="Datumsplatzhalter 4">
             <a:extLst>
               <a:ext uri="{FF2B5EF4-FFF2-40B4-BE49-F238E27FC236}">
-                <a16:creationId xmlns:a16="http://schemas.microsoft.com/office/drawing/2014/main" xmlns="" id="{D1D6952B-45CB-46FF-9F9B-1F98CC255417}"/>
+                <a16:creationId xmlns="" xmlns:a16="http://schemas.microsoft.com/office/drawing/2014/main" id="{D1D6952B-45CB-46FF-9F9B-1F98CC255417}"/>
               </a:ext>
             </a:extLst>
           </p:cNvPr>
@@ -29204,7 +29204,7 @@
           <p:cNvPr id="7" name="Fußzeilenplatzhalter 6">
             <a:extLst>
               <a:ext uri="{FF2B5EF4-FFF2-40B4-BE49-F238E27FC236}">
-                <a16:creationId xmlns:a16="http://schemas.microsoft.com/office/drawing/2014/main" xmlns="" id="{3C08D0C6-0E40-46E2-9D6C-74181D953DFE}"/>
+                <a16:creationId xmlns="" xmlns:a16="http://schemas.microsoft.com/office/drawing/2014/main" id="{3C08D0C6-0E40-46E2-9D6C-74181D953DFE}"/>
               </a:ext>
             </a:extLst>
           </p:cNvPr>
@@ -29229,7 +29229,7 @@
           <p:cNvPr id="8" name="Foliennummernplatzhalter 7">
             <a:extLst>
               <a:ext uri="{FF2B5EF4-FFF2-40B4-BE49-F238E27FC236}">
-                <a16:creationId xmlns:a16="http://schemas.microsoft.com/office/drawing/2014/main" xmlns="" id="{EA500A2A-E0AD-4AD6-AB58-61BF900F0E2C}"/>
+                <a16:creationId xmlns="" xmlns:a16="http://schemas.microsoft.com/office/drawing/2014/main" id="{EA500A2A-E0AD-4AD6-AB58-61BF900F0E2C}"/>
               </a:ext>
             </a:extLst>
           </p:cNvPr>
@@ -29333,7 +29333,7 @@
           <p:cNvPr id="5" name="Datumsplatzhalter 4">
             <a:extLst>
               <a:ext uri="{FF2B5EF4-FFF2-40B4-BE49-F238E27FC236}">
-                <a16:creationId xmlns:a16="http://schemas.microsoft.com/office/drawing/2014/main" xmlns="" id="{A181F7F8-D379-4070-8216-3B81228BAEC6}"/>
+                <a16:creationId xmlns="" xmlns:a16="http://schemas.microsoft.com/office/drawing/2014/main" id="{A181F7F8-D379-4070-8216-3B81228BAEC6}"/>
               </a:ext>
             </a:extLst>
           </p:cNvPr>
@@ -29363,7 +29363,7 @@
           <p:cNvPr id="7" name="Fußzeilenplatzhalter 6">
             <a:extLst>
               <a:ext uri="{FF2B5EF4-FFF2-40B4-BE49-F238E27FC236}">
-                <a16:creationId xmlns:a16="http://schemas.microsoft.com/office/drawing/2014/main" xmlns="" id="{D8E0E4FD-5CC1-4D23-A3E8-7DAB1134A4FA}"/>
+                <a16:creationId xmlns="" xmlns:a16="http://schemas.microsoft.com/office/drawing/2014/main" id="{D8E0E4FD-5CC1-4D23-A3E8-7DAB1134A4FA}"/>
               </a:ext>
             </a:extLst>
           </p:cNvPr>
@@ -29388,7 +29388,7 @@
           <p:cNvPr id="8" name="Foliennummernplatzhalter 7">
             <a:extLst>
               <a:ext uri="{FF2B5EF4-FFF2-40B4-BE49-F238E27FC236}">
-                <a16:creationId xmlns:a16="http://schemas.microsoft.com/office/drawing/2014/main" xmlns="" id="{6D72C792-B02A-4A44-BF65-9B261DE5D43D}"/>
+                <a16:creationId xmlns="" xmlns:a16="http://schemas.microsoft.com/office/drawing/2014/main" id="{6D72C792-B02A-4A44-BF65-9B261DE5D43D}"/>
               </a:ext>
             </a:extLst>
           </p:cNvPr>
@@ -29785,7 +29785,7 @@
           <p:cNvPr id="2" name="Datumsplatzhalter 1">
             <a:extLst>
               <a:ext uri="{FF2B5EF4-FFF2-40B4-BE49-F238E27FC236}">
-                <a16:creationId xmlns:a16="http://schemas.microsoft.com/office/drawing/2014/main" xmlns="" id="{B1E6CA30-BA19-47F1-BFEE-B5E43CCEC731}"/>
+                <a16:creationId xmlns="" xmlns:a16="http://schemas.microsoft.com/office/drawing/2014/main" id="{B1E6CA30-BA19-47F1-BFEE-B5E43CCEC731}"/>
               </a:ext>
             </a:extLst>
           </p:cNvPr>
@@ -29815,7 +29815,7 @@
           <p:cNvPr id="14" name="Fußzeilenplatzhalter 13">
             <a:extLst>
               <a:ext uri="{FF2B5EF4-FFF2-40B4-BE49-F238E27FC236}">
-                <a16:creationId xmlns:a16="http://schemas.microsoft.com/office/drawing/2014/main" xmlns="" id="{06236A5B-AF48-4E5C-BD02-27BC73328D88}"/>
+                <a16:creationId xmlns="" xmlns:a16="http://schemas.microsoft.com/office/drawing/2014/main" id="{06236A5B-AF48-4E5C-BD02-27BC73328D88}"/>
               </a:ext>
             </a:extLst>
           </p:cNvPr>
@@ -29840,7 +29840,7 @@
           <p:cNvPr id="15" name="Foliennummernplatzhalter 14">
             <a:extLst>
               <a:ext uri="{FF2B5EF4-FFF2-40B4-BE49-F238E27FC236}">
-                <a16:creationId xmlns:a16="http://schemas.microsoft.com/office/drawing/2014/main" xmlns="" id="{6C539E6F-C163-4DFD-A93D-F463843C6D4E}"/>
+                <a16:creationId xmlns="" xmlns:a16="http://schemas.microsoft.com/office/drawing/2014/main" id="{6C539E6F-C163-4DFD-A93D-F463843C6D4E}"/>
               </a:ext>
             </a:extLst>
           </p:cNvPr>
@@ -30156,7 +30156,7 @@
           <p:cNvPr id="7" name="Datumsplatzhalter 6">
             <a:extLst>
               <a:ext uri="{FF2B5EF4-FFF2-40B4-BE49-F238E27FC236}">
-                <a16:creationId xmlns:a16="http://schemas.microsoft.com/office/drawing/2014/main" xmlns="" id="{E9F2D5EB-EB07-4AC4-94D4-FA6BD7E87398}"/>
+                <a16:creationId xmlns="" xmlns:a16="http://schemas.microsoft.com/office/drawing/2014/main" id="{E9F2D5EB-EB07-4AC4-94D4-FA6BD7E87398}"/>
               </a:ext>
             </a:extLst>
           </p:cNvPr>
@@ -30186,7 +30186,7 @@
           <p:cNvPr id="8" name="Fußzeilenplatzhalter 7">
             <a:extLst>
               <a:ext uri="{FF2B5EF4-FFF2-40B4-BE49-F238E27FC236}">
-                <a16:creationId xmlns:a16="http://schemas.microsoft.com/office/drawing/2014/main" xmlns="" id="{947F1BF2-5B5A-4E3F-9A69-A7FC06CEE6DA}"/>
+                <a16:creationId xmlns="" xmlns:a16="http://schemas.microsoft.com/office/drawing/2014/main" id="{947F1BF2-5B5A-4E3F-9A69-A7FC06CEE6DA}"/>
               </a:ext>
             </a:extLst>
           </p:cNvPr>
@@ -30211,7 +30211,7 @@
           <p:cNvPr id="9" name="Foliennummernplatzhalter 8">
             <a:extLst>
               <a:ext uri="{FF2B5EF4-FFF2-40B4-BE49-F238E27FC236}">
-                <a16:creationId xmlns:a16="http://schemas.microsoft.com/office/drawing/2014/main" xmlns="" id="{B0D6E36A-E68C-4CFF-A1B3-ADE80884E18E}"/>
+                <a16:creationId xmlns="" xmlns:a16="http://schemas.microsoft.com/office/drawing/2014/main" id="{B0D6E36A-E68C-4CFF-A1B3-ADE80884E18E}"/>
               </a:ext>
             </a:extLst>
           </p:cNvPr>
@@ -30302,7 +30302,7 @@
           <a:noFill/>
           <a:extLst>
             <a:ext uri="{909E8E84-426E-40dd-AFC4-6F175D3DCCD1}">
-              <a14:hiddenFill xmlns:a14="http://schemas.microsoft.com/office/drawing/2010/main" xmlns="">
+              <a14:hiddenFill xmlns="" xmlns:a14="http://schemas.microsoft.com/office/drawing/2010/main">
                 <a:solidFill>
                   <a:srgbClr val="FFFFFF"/>
                 </a:solidFill>
@@ -30382,7 +30382,7 @@
           <a:noFill/>
           <a:extLst>
             <a:ext uri="{909E8E84-426E-40dd-AFC4-6F175D3DCCD1}">
-              <a14:hiddenFill xmlns:a14="http://schemas.microsoft.com/office/drawing/2010/main" xmlns="">
+              <a14:hiddenFill xmlns="" xmlns:a14="http://schemas.microsoft.com/office/drawing/2010/main">
                 <a:solidFill>
                   <a:srgbClr val="FFFFFF"/>
                 </a:solidFill>
@@ -30685,7 +30685,7 @@
           <p:cNvPr id="5" name="Datumsplatzhalter 4">
             <a:extLst>
               <a:ext uri="{FF2B5EF4-FFF2-40B4-BE49-F238E27FC236}">
-                <a16:creationId xmlns:a16="http://schemas.microsoft.com/office/drawing/2014/main" xmlns="" id="{368DD9D8-7FE8-48F0-AE91-AE98EA3DCA20}"/>
+                <a16:creationId xmlns="" xmlns:a16="http://schemas.microsoft.com/office/drawing/2014/main" id="{368DD9D8-7FE8-48F0-AE91-AE98EA3DCA20}"/>
               </a:ext>
             </a:extLst>
           </p:cNvPr>
@@ -30715,7 +30715,7 @@
           <p:cNvPr id="7" name="Fußzeilenplatzhalter 6">
             <a:extLst>
               <a:ext uri="{FF2B5EF4-FFF2-40B4-BE49-F238E27FC236}">
-                <a16:creationId xmlns:a16="http://schemas.microsoft.com/office/drawing/2014/main" xmlns="" id="{DD743ADB-89F1-48B5-A397-7FB83734730F}"/>
+                <a16:creationId xmlns="" xmlns:a16="http://schemas.microsoft.com/office/drawing/2014/main" id="{DD743ADB-89F1-48B5-A397-7FB83734730F}"/>
               </a:ext>
             </a:extLst>
           </p:cNvPr>
@@ -30740,7 +30740,7 @@
           <p:cNvPr id="8" name="Foliennummernplatzhalter 7">
             <a:extLst>
               <a:ext uri="{FF2B5EF4-FFF2-40B4-BE49-F238E27FC236}">
-                <a16:creationId xmlns:a16="http://schemas.microsoft.com/office/drawing/2014/main" xmlns="" id="{E9AACC46-EA1E-4E6F-8F9D-AC4B57F09904}"/>
+                <a16:creationId xmlns="" xmlns:a16="http://schemas.microsoft.com/office/drawing/2014/main" id="{E9AACC46-EA1E-4E6F-8F9D-AC4B57F09904}"/>
               </a:ext>
             </a:extLst>
           </p:cNvPr>
@@ -31047,7 +31047,7 @@
           <p:cNvPr id="6" name="Datumsplatzhalter 5">
             <a:extLst>
               <a:ext uri="{FF2B5EF4-FFF2-40B4-BE49-F238E27FC236}">
-                <a16:creationId xmlns:a16="http://schemas.microsoft.com/office/drawing/2014/main" xmlns="" id="{39EC82D5-F468-46F1-8BE2-F62E4D04C5CD}"/>
+                <a16:creationId xmlns="" xmlns:a16="http://schemas.microsoft.com/office/drawing/2014/main" id="{39EC82D5-F468-46F1-8BE2-F62E4D04C5CD}"/>
               </a:ext>
             </a:extLst>
           </p:cNvPr>
@@ -31077,7 +31077,7 @@
           <p:cNvPr id="7" name="Fußzeilenplatzhalter 6">
             <a:extLst>
               <a:ext uri="{FF2B5EF4-FFF2-40B4-BE49-F238E27FC236}">
-                <a16:creationId xmlns:a16="http://schemas.microsoft.com/office/drawing/2014/main" xmlns="" id="{32A29AE2-1FA8-458C-9BDD-E35CA69A9340}"/>
+                <a16:creationId xmlns="" xmlns:a16="http://schemas.microsoft.com/office/drawing/2014/main" id="{32A29AE2-1FA8-458C-9BDD-E35CA69A9340}"/>
               </a:ext>
             </a:extLst>
           </p:cNvPr>
@@ -31102,7 +31102,7 @@
           <p:cNvPr id="8" name="Foliennummernplatzhalter 7">
             <a:extLst>
               <a:ext uri="{FF2B5EF4-FFF2-40B4-BE49-F238E27FC236}">
-                <a16:creationId xmlns:a16="http://schemas.microsoft.com/office/drawing/2014/main" xmlns="" id="{DC4135BE-88E8-4C4B-B3FF-FC61855E0C9F}"/>
+                <a16:creationId xmlns="" xmlns:a16="http://schemas.microsoft.com/office/drawing/2014/main" id="{DC4135BE-88E8-4C4B-B3FF-FC61855E0C9F}"/>
               </a:ext>
             </a:extLst>
           </p:cNvPr>
@@ -31413,7 +31413,7 @@
           <p:cNvPr id="5" name="Datumsplatzhalter 4">
             <a:extLst>
               <a:ext uri="{FF2B5EF4-FFF2-40B4-BE49-F238E27FC236}">
-                <a16:creationId xmlns:a16="http://schemas.microsoft.com/office/drawing/2014/main" xmlns="" id="{42621BA8-D298-4AAA-B27E-2D5702596736}"/>
+                <a16:creationId xmlns="" xmlns:a16="http://schemas.microsoft.com/office/drawing/2014/main" id="{42621BA8-D298-4AAA-B27E-2D5702596736}"/>
               </a:ext>
             </a:extLst>
           </p:cNvPr>
@@ -31443,7 +31443,7 @@
           <p:cNvPr id="6" name="Fußzeilenplatzhalter 5">
             <a:extLst>
               <a:ext uri="{FF2B5EF4-FFF2-40B4-BE49-F238E27FC236}">
-                <a16:creationId xmlns:a16="http://schemas.microsoft.com/office/drawing/2014/main" xmlns="" id="{59687A69-8E9C-4168-AA2A-7D487587D19D}"/>
+                <a16:creationId xmlns="" xmlns:a16="http://schemas.microsoft.com/office/drawing/2014/main" id="{59687A69-8E9C-4168-AA2A-7D487587D19D}"/>
               </a:ext>
             </a:extLst>
           </p:cNvPr>
@@ -31468,7 +31468,7 @@
           <p:cNvPr id="7" name="Foliennummernplatzhalter 6">
             <a:extLst>
               <a:ext uri="{FF2B5EF4-FFF2-40B4-BE49-F238E27FC236}">
-                <a16:creationId xmlns:a16="http://schemas.microsoft.com/office/drawing/2014/main" xmlns="" id="{536244A4-4C24-4CD2-82E9-C547A6F8C84B}"/>
+                <a16:creationId xmlns="" xmlns:a16="http://schemas.microsoft.com/office/drawing/2014/main" id="{536244A4-4C24-4CD2-82E9-C547A6F8C84B}"/>
               </a:ext>
             </a:extLst>
           </p:cNvPr>
@@ -31772,7 +31772,7 @@
           <p:cNvPr id="6" name="Datumsplatzhalter 5">
             <a:extLst>
               <a:ext uri="{FF2B5EF4-FFF2-40B4-BE49-F238E27FC236}">
-                <a16:creationId xmlns:a16="http://schemas.microsoft.com/office/drawing/2014/main" xmlns="" id="{BF6F2AC7-7673-45B2-B727-C8AE32F0AB56}"/>
+                <a16:creationId xmlns="" xmlns:a16="http://schemas.microsoft.com/office/drawing/2014/main" id="{BF6F2AC7-7673-45B2-B727-C8AE32F0AB56}"/>
               </a:ext>
             </a:extLst>
           </p:cNvPr>
@@ -31802,7 +31802,7 @@
           <p:cNvPr id="7" name="Fußzeilenplatzhalter 6">
             <a:extLst>
               <a:ext uri="{FF2B5EF4-FFF2-40B4-BE49-F238E27FC236}">
-                <a16:creationId xmlns:a16="http://schemas.microsoft.com/office/drawing/2014/main" xmlns="" id="{92A772BA-DCE7-4C4E-83BA-CF4FFCC183EE}"/>
+                <a16:creationId xmlns="" xmlns:a16="http://schemas.microsoft.com/office/drawing/2014/main" id="{92A772BA-DCE7-4C4E-83BA-CF4FFCC183EE}"/>
               </a:ext>
             </a:extLst>
           </p:cNvPr>
@@ -31827,7 +31827,7 @@
           <p:cNvPr id="8" name="Foliennummernplatzhalter 7">
             <a:extLst>
               <a:ext uri="{FF2B5EF4-FFF2-40B4-BE49-F238E27FC236}">
-                <a16:creationId xmlns:a16="http://schemas.microsoft.com/office/drawing/2014/main" xmlns="" id="{E51D4D1D-A3D0-476F-93F4-F41207D05396}"/>
+                <a16:creationId xmlns="" xmlns:a16="http://schemas.microsoft.com/office/drawing/2014/main" id="{E51D4D1D-A3D0-476F-93F4-F41207D05396}"/>
               </a:ext>
             </a:extLst>
           </p:cNvPr>
@@ -32127,7 +32127,7 @@
           <p:cNvPr id="4" name="Datumsplatzhalter 3">
             <a:extLst>
               <a:ext uri="{FF2B5EF4-FFF2-40B4-BE49-F238E27FC236}">
-                <a16:creationId xmlns:a16="http://schemas.microsoft.com/office/drawing/2014/main" xmlns="" id="{37D39D12-6498-4172-8CA5-163DBEBBD0CB}"/>
+                <a16:creationId xmlns="" xmlns:a16="http://schemas.microsoft.com/office/drawing/2014/main" id="{37D39D12-6498-4172-8CA5-163DBEBBD0CB}"/>
               </a:ext>
             </a:extLst>
           </p:cNvPr>
@@ -32157,7 +32157,7 @@
           <p:cNvPr id="7" name="Fußzeilenplatzhalter 6">
             <a:extLst>
               <a:ext uri="{FF2B5EF4-FFF2-40B4-BE49-F238E27FC236}">
-                <a16:creationId xmlns:a16="http://schemas.microsoft.com/office/drawing/2014/main" xmlns="" id="{F310451D-2AF2-4222-AA5C-04DDCF6CA55F}"/>
+                <a16:creationId xmlns="" xmlns:a16="http://schemas.microsoft.com/office/drawing/2014/main" id="{F310451D-2AF2-4222-AA5C-04DDCF6CA55F}"/>
               </a:ext>
             </a:extLst>
           </p:cNvPr>
@@ -32182,7 +32182,7 @@
           <p:cNvPr id="8" name="Foliennummernplatzhalter 7">
             <a:extLst>
               <a:ext uri="{FF2B5EF4-FFF2-40B4-BE49-F238E27FC236}">
-                <a16:creationId xmlns:a16="http://schemas.microsoft.com/office/drawing/2014/main" xmlns="" id="{8546ADD4-A434-4A15-B639-BB0897136588}"/>
+                <a16:creationId xmlns="" xmlns:a16="http://schemas.microsoft.com/office/drawing/2014/main" id="{8546ADD4-A434-4A15-B639-BB0897136588}"/>
               </a:ext>
             </a:extLst>
           </p:cNvPr>
@@ -32421,7 +32421,7 @@
           <p:cNvPr id="2" name="Datumsplatzhalter 1">
             <a:extLst>
               <a:ext uri="{FF2B5EF4-FFF2-40B4-BE49-F238E27FC236}">
-                <a16:creationId xmlns:a16="http://schemas.microsoft.com/office/drawing/2014/main" xmlns="" id="{A19FBC2B-4138-47A7-96C3-6075667C774D}"/>
+                <a16:creationId xmlns="" xmlns:a16="http://schemas.microsoft.com/office/drawing/2014/main" id="{A19FBC2B-4138-47A7-96C3-6075667C774D}"/>
               </a:ext>
             </a:extLst>
           </p:cNvPr>
@@ -32451,7 +32451,7 @@
           <p:cNvPr id="8" name="Fußzeilenplatzhalter 7">
             <a:extLst>
               <a:ext uri="{FF2B5EF4-FFF2-40B4-BE49-F238E27FC236}">
-                <a16:creationId xmlns:a16="http://schemas.microsoft.com/office/drawing/2014/main" xmlns="" id="{193B0760-28CB-4559-9AEF-4866F2FCE0E4}"/>
+                <a16:creationId xmlns="" xmlns:a16="http://schemas.microsoft.com/office/drawing/2014/main" id="{193B0760-28CB-4559-9AEF-4866F2FCE0E4}"/>
               </a:ext>
             </a:extLst>
           </p:cNvPr>
@@ -32476,7 +32476,7 @@
           <p:cNvPr id="11" name="Foliennummernplatzhalter 10">
             <a:extLst>
               <a:ext uri="{FF2B5EF4-FFF2-40B4-BE49-F238E27FC236}">
-                <a16:creationId xmlns:a16="http://schemas.microsoft.com/office/drawing/2014/main" xmlns="" id="{A263DBAA-5BAE-421E-BCAE-39992A39B610}"/>
+                <a16:creationId xmlns="" xmlns:a16="http://schemas.microsoft.com/office/drawing/2014/main" id="{A263DBAA-5BAE-421E-BCAE-39992A39B610}"/>
               </a:ext>
             </a:extLst>
           </p:cNvPr>
@@ -33382,7 +33382,7 @@
           <p:cNvPr id="11" name="Titel 1">
             <a:extLst>
               <a:ext uri="{FF2B5EF4-FFF2-40B4-BE49-F238E27FC236}">
-                <a16:creationId xmlns:a16="http://schemas.microsoft.com/office/drawing/2014/main" xmlns="" id="{251058B0-31BE-410A-BE50-41D5389B0AAB}"/>
+                <a16:creationId xmlns="" xmlns:a16="http://schemas.microsoft.com/office/drawing/2014/main" id="{251058B0-31BE-410A-BE50-41D5389B0AAB}"/>
               </a:ext>
             </a:extLst>
           </p:cNvPr>
@@ -34847,7 +34847,7 @@
           <p:cNvPr id="2" name="Textplatzhalter 1">
             <a:extLst>
               <a:ext uri="{FF2B5EF4-FFF2-40B4-BE49-F238E27FC236}">
-                <a16:creationId xmlns:a16="http://schemas.microsoft.com/office/drawing/2014/main" xmlns="" id="{45003885-0277-4A8A-9B32-2C0872306E13}"/>
+                <a16:creationId xmlns="" xmlns:a16="http://schemas.microsoft.com/office/drawing/2014/main" id="{45003885-0277-4A8A-9B32-2C0872306E13}"/>
               </a:ext>
             </a:extLst>
           </p:cNvPr>
@@ -34887,7 +34887,7 @@
           <p:cNvPr id="3" name="Titel 2">
             <a:extLst>
               <a:ext uri="{FF2B5EF4-FFF2-40B4-BE49-F238E27FC236}">
-                <a16:creationId xmlns:a16="http://schemas.microsoft.com/office/drawing/2014/main" xmlns="" id="{EA92ABC8-8A1F-45BA-8C5F-D5DEF58C8920}"/>
+                <a16:creationId xmlns="" xmlns:a16="http://schemas.microsoft.com/office/drawing/2014/main" id="{EA92ABC8-8A1F-45BA-8C5F-D5DEF58C8920}"/>
               </a:ext>
             </a:extLst>
           </p:cNvPr>
@@ -35198,6 +35198,10 @@
           <a:bodyPr/>
           <a:lstStyle/>
           <a:p>
+            <a:r>
+              <a:rPr lang="de-DE" dirty="0"/>
+              <a:t>VK0</a:t>
+            </a:r>
             <a:endParaRPr lang="de-DE" dirty="0"/>
           </a:p>
         </p:txBody>
@@ -35440,6 +35444,10 @@
           <a:bodyPr/>
           <a:lstStyle/>
           <a:p>
+            <a:r>
+              <a:rPr lang="de-DE" dirty="0"/>
+              <a:t>VK0</a:t>
+            </a:r>
             <a:endParaRPr lang="de-DE" dirty="0"/>
           </a:p>
         </p:txBody>
@@ -35757,6 +35765,10 @@
           <a:bodyPr/>
           <a:lstStyle/>
           <a:p>
+            <a:r>
+              <a:rPr lang="de-DE" dirty="0"/>
+              <a:t>VK0</a:t>
+            </a:r>
             <a:endParaRPr lang="de-DE" dirty="0"/>
           </a:p>
         </p:txBody>
@@ -35930,6 +35942,10 @@
           <a:bodyPr/>
           <a:lstStyle/>
           <a:p>
+            <a:r>
+              <a:rPr lang="de-DE" dirty="0"/>
+              <a:t>VK0</a:t>
+            </a:r>
             <a:endParaRPr lang="de-DE" dirty="0"/>
           </a:p>
         </p:txBody>
@@ -36178,6 +36194,10 @@
           <a:bodyPr/>
           <a:lstStyle/>
           <a:p>
+            <a:r>
+              <a:rPr lang="de-DE" dirty="0"/>
+              <a:t>VK0</a:t>
+            </a:r>
             <a:endParaRPr lang="de-DE" dirty="0"/>
           </a:p>
         </p:txBody>
@@ -36446,6 +36466,10 @@
           <a:bodyPr/>
           <a:lstStyle/>
           <a:p>
+            <a:r>
+              <a:rPr lang="de-DE" dirty="0"/>
+              <a:t>VK0</a:t>
+            </a:r>
             <a:endParaRPr lang="de-DE" dirty="0"/>
           </a:p>
         </p:txBody>
@@ -36619,6 +36643,10 @@
           <a:bodyPr/>
           <a:lstStyle/>
           <a:p>
+            <a:r>
+              <a:rPr lang="de-DE" dirty="0"/>
+              <a:t>VK0</a:t>
+            </a:r>
             <a:endParaRPr lang="de-DE" dirty="0"/>
           </a:p>
         </p:txBody>
@@ -36864,6 +36892,10 @@
           <a:bodyPr/>
           <a:lstStyle/>
           <a:p>
+            <a:r>
+              <a:rPr lang="de-DE" dirty="0"/>
+              <a:t>VK0</a:t>
+            </a:r>
             <a:endParaRPr lang="de-DE" dirty="0"/>
           </a:p>
         </p:txBody>
@@ -37149,6 +37181,10 @@
           <a:bodyPr/>
           <a:lstStyle/>
           <a:p>
+            <a:r>
+              <a:rPr lang="de-DE" dirty="0"/>
+              <a:t>VK0</a:t>
+            </a:r>
             <a:endParaRPr lang="de-DE" dirty="0"/>
           </a:p>
         </p:txBody>
@@ -37460,6 +37496,10 @@
           <a:bodyPr/>
           <a:lstStyle/>
           <a:p>
+            <a:r>
+              <a:rPr lang="de-DE" dirty="0"/>
+              <a:t>VK0</a:t>
+            </a:r>
             <a:endParaRPr lang="de-DE" dirty="0"/>
           </a:p>
         </p:txBody>
@@ -37812,6 +37852,10 @@
           <a:bodyPr/>
           <a:lstStyle/>
           <a:p>
+            <a:r>
+              <a:rPr lang="de-DE" dirty="0" smtClean="0"/>
+              <a:t>VK0</a:t>
+            </a:r>
             <a:endParaRPr lang="de-DE" dirty="0"/>
           </a:p>
         </p:txBody>
@@ -38037,6 +38081,10 @@
           <a:bodyPr/>
           <a:lstStyle/>
           <a:p>
+            <a:r>
+              <a:rPr lang="de-DE" dirty="0"/>
+              <a:t>VK0</a:t>
+            </a:r>
             <a:endParaRPr lang="de-DE" dirty="0"/>
           </a:p>
         </p:txBody>
@@ -38335,6 +38383,10 @@
           <a:bodyPr/>
           <a:lstStyle/>
           <a:p>
+            <a:r>
+              <a:rPr lang="de-DE" dirty="0"/>
+              <a:t>VK0</a:t>
+            </a:r>
             <a:endParaRPr lang="de-DE" dirty="0"/>
           </a:p>
         </p:txBody>
@@ -38566,6 +38618,10 @@
           <a:bodyPr/>
           <a:lstStyle/>
           <a:p>
+            <a:r>
+              <a:rPr lang="de-DE" dirty="0"/>
+              <a:t>VK0</a:t>
+            </a:r>
             <a:endParaRPr lang="de-DE" dirty="0"/>
           </a:p>
         </p:txBody>
@@ -38810,6 +38866,10 @@
           <a:bodyPr/>
           <a:lstStyle/>
           <a:p>
+            <a:r>
+              <a:rPr lang="de-DE" dirty="0"/>
+              <a:t>VK0</a:t>
+            </a:r>
             <a:endParaRPr lang="de-DE" dirty="0"/>
           </a:p>
         </p:txBody>
@@ -38983,6 +39043,10 @@
           <a:bodyPr/>
           <a:lstStyle/>
           <a:p>
+            <a:r>
+              <a:rPr lang="de-DE" dirty="0"/>
+              <a:t>VK0</a:t>
+            </a:r>
             <a:endParaRPr lang="de-DE" dirty="0"/>
           </a:p>
         </p:txBody>
@@ -39280,6 +39344,10 @@
           <a:bodyPr/>
           <a:lstStyle/>
           <a:p>
+            <a:r>
+              <a:rPr lang="de-DE" dirty="0"/>
+              <a:t>VK0</a:t>
+            </a:r>
             <a:endParaRPr lang="de-DE" dirty="0"/>
           </a:p>
         </p:txBody>
@@ -39453,6 +39521,10 @@
           <a:bodyPr/>
           <a:lstStyle/>
           <a:p>
+            <a:r>
+              <a:rPr lang="de-DE" dirty="0"/>
+              <a:t>VK0</a:t>
+            </a:r>
             <a:endParaRPr lang="de-DE" dirty="0"/>
           </a:p>
         </p:txBody>
@@ -39629,6 +39701,10 @@
           <a:bodyPr/>
           <a:lstStyle/>
           <a:p>
+            <a:r>
+              <a:rPr lang="de-DE" dirty="0"/>
+              <a:t>VK0</a:t>
+            </a:r>
             <a:endParaRPr lang="de-DE" dirty="0"/>
           </a:p>
         </p:txBody>
@@ -39857,6 +39933,10 @@
           <a:bodyPr/>
           <a:lstStyle/>
           <a:p>
+            <a:r>
+              <a:rPr lang="de-DE" dirty="0"/>
+              <a:t>VK0</a:t>
+            </a:r>
             <a:endParaRPr lang="de-DE" dirty="0"/>
           </a:p>
         </p:txBody>
@@ -40068,7 +40148,7 @@
           <p:cNvPr id="5" name="Datumsplatzhalter 4">
             <a:extLst>
               <a:ext uri="{FF2B5EF4-FFF2-40B4-BE49-F238E27FC236}">
-                <a16:creationId xmlns:a16="http://schemas.microsoft.com/office/drawing/2014/main" xmlns="" id="{D471591C-E430-45E7-A587-2CEC0AF88DA0}"/>
+                <a16:creationId xmlns="" xmlns:a16="http://schemas.microsoft.com/office/drawing/2014/main" id="{D471591C-E430-45E7-A587-2CEC0AF88DA0}"/>
               </a:ext>
             </a:extLst>
           </p:cNvPr>
@@ -40097,7 +40177,7 @@
           <p:cNvPr id="6" name="Fußzeilenplatzhalter 5">
             <a:extLst>
               <a:ext uri="{FF2B5EF4-FFF2-40B4-BE49-F238E27FC236}">
-                <a16:creationId xmlns:a16="http://schemas.microsoft.com/office/drawing/2014/main" xmlns="" id="{B488671B-A101-43AC-84F6-1F2F8515424C}"/>
+                <a16:creationId xmlns="" xmlns:a16="http://schemas.microsoft.com/office/drawing/2014/main" id="{B488671B-A101-43AC-84F6-1F2F8515424C}"/>
               </a:ext>
             </a:extLst>
           </p:cNvPr>
@@ -40113,6 +40193,10 @@
           <a:bodyPr/>
           <a:lstStyle/>
           <a:p>
+            <a:r>
+              <a:rPr lang="de-DE" dirty="0" smtClean="0"/>
+              <a:t>VK0</a:t>
+            </a:r>
             <a:endParaRPr lang="de-DE" dirty="0"/>
           </a:p>
         </p:txBody>
@@ -40122,7 +40206,7 @@
           <p:cNvPr id="7" name="Foliennummernplatzhalter 6">
             <a:extLst>
               <a:ext uri="{FF2B5EF4-FFF2-40B4-BE49-F238E27FC236}">
-                <a16:creationId xmlns:a16="http://schemas.microsoft.com/office/drawing/2014/main" xmlns="" id="{8E977D85-C22B-4016-AC2C-F3FDCE1BCBEB}"/>
+                <a16:creationId xmlns="" xmlns:a16="http://schemas.microsoft.com/office/drawing/2014/main" id="{8E977D85-C22B-4016-AC2C-F3FDCE1BCBEB}"/>
               </a:ext>
             </a:extLst>
           </p:cNvPr>
@@ -40378,6 +40462,10 @@
           <a:bodyPr/>
           <a:lstStyle/>
           <a:p>
+            <a:r>
+              <a:rPr lang="de-DE" dirty="0"/>
+              <a:t>VK0</a:t>
+            </a:r>
             <a:endParaRPr lang="de-DE" dirty="0"/>
           </a:p>
         </p:txBody>
@@ -40508,6 +40596,10 @@
           <a:bodyPr/>
           <a:lstStyle/>
           <a:p>
+            <a:r>
+              <a:rPr lang="de-DE" dirty="0"/>
+              <a:t>VK0</a:t>
+            </a:r>
             <a:endParaRPr lang="de-DE" dirty="0"/>
           </a:p>
         </p:txBody>
@@ -40815,6 +40907,10 @@
           <a:bodyPr/>
           <a:lstStyle/>
           <a:p>
+            <a:r>
+              <a:rPr lang="de-DE" dirty="0"/>
+              <a:t>VK0</a:t>
+            </a:r>
             <a:endParaRPr lang="de-DE" dirty="0"/>
           </a:p>
         </p:txBody>
@@ -40852,7 +40948,7 @@
           <p:cNvPr id="8" name="Grafik 8">
             <a:extLst>
               <a:ext uri="{FF2B5EF4-FFF2-40B4-BE49-F238E27FC236}">
-                <a16:creationId xmlns:a16="http://schemas.microsoft.com/office/drawing/2014/main" xmlns="" id="{7CF3AEDB-FAEB-4721-8ACE-7522ACB7DC22}"/>
+                <a16:creationId xmlns="" xmlns:a16="http://schemas.microsoft.com/office/drawing/2014/main" id="{7CF3AEDB-FAEB-4721-8ACE-7522ACB7DC22}"/>
               </a:ext>
             </a:extLst>
           </p:cNvPr>
@@ -40882,7 +40978,7 @@
           <p:cNvPr id="11" name="Textfeld 10">
             <a:extLst>
               <a:ext uri="{FF2B5EF4-FFF2-40B4-BE49-F238E27FC236}">
-                <a16:creationId xmlns:a16="http://schemas.microsoft.com/office/drawing/2014/main" xmlns="" id="{E75A7EFF-4B3E-4C10-9F74-6849362D15CF}"/>
+                <a16:creationId xmlns="" xmlns:a16="http://schemas.microsoft.com/office/drawing/2014/main" id="{E75A7EFF-4B3E-4C10-9F74-6849362D15CF}"/>
               </a:ext>
             </a:extLst>
           </p:cNvPr>
@@ -41165,6 +41261,10 @@
           <a:bodyPr/>
           <a:lstStyle/>
           <a:p>
+            <a:r>
+              <a:rPr lang="de-DE" dirty="0"/>
+              <a:t>VK0</a:t>
+            </a:r>
             <a:endParaRPr lang="de-DE" dirty="0"/>
           </a:p>
         </p:txBody>
@@ -41357,6 +41457,10 @@
           <a:bodyPr/>
           <a:lstStyle/>
           <a:p>
+            <a:r>
+              <a:rPr lang="de-DE" dirty="0"/>
+              <a:t>VK0</a:t>
+            </a:r>
             <a:endParaRPr lang="de-DE" dirty="0"/>
           </a:p>
         </p:txBody>
@@ -41632,6 +41736,10 @@
           <a:bodyPr/>
           <a:lstStyle/>
           <a:p>
+            <a:r>
+              <a:rPr lang="de-DE" dirty="0"/>
+              <a:t>VK0</a:t>
+            </a:r>
             <a:endParaRPr lang="de-DE" dirty="0"/>
           </a:p>
         </p:txBody>

--- a/docs/Angular-Workshop-20.10.pptx
+++ b/docs/Angular-Workshop-20.10.pptx
@@ -37125,10 +37125,24 @@
               <a:t>Praxisbeispiel: </a:t>
             </a:r>
             <a:r>
-              <a:rPr lang="de-DE" dirty="0">
-                <a:hlinkClick r:id="rId2"/>
-              </a:rPr>
-              <a:t>https://github.com/aawada78/angular-workshop.git</a:t>
+              <a:rPr lang="de-DE" dirty="0"/>
+              <a:t>http://</a:t>
+            </a:r>
+            <a:r>
+              <a:rPr lang="de-DE" dirty="0" err="1"/>
+              <a:t>tinyurl.com</a:t>
+            </a:r>
+            <a:r>
+              <a:rPr lang="de-DE" dirty="0"/>
+              <a:t>/</a:t>
+            </a:r>
+            <a:r>
+              <a:rPr lang="de-DE" dirty="0" err="1"/>
+              <a:t>ng</a:t>
+            </a:r>
+            <a:r>
+              <a:rPr lang="de-DE" dirty="0"/>
+              <a:t>-workshop</a:t>
             </a:r>
             <a:endParaRPr lang="de-DE" dirty="0"/>
           </a:p>
@@ -40116,10 +40130,24 @@
               <a:t>Praxisbeispiel: </a:t>
             </a:r>
             <a:r>
-              <a:rPr lang="de-DE" dirty="0">
-                <a:hlinkClick r:id="rId3"/>
-              </a:rPr>
-              <a:t>https://github.com/aawada78/angular-workshop.git</a:t>
+              <a:rPr lang="de-DE" dirty="0" smtClean="0"/>
+              <a:t>http://</a:t>
+            </a:r>
+            <a:r>
+              <a:rPr lang="de-DE" dirty="0" err="1" smtClean="0"/>
+              <a:t>tinyurl.com</a:t>
+            </a:r>
+            <a:r>
+              <a:rPr lang="de-DE" dirty="0" smtClean="0"/>
+              <a:t>/</a:t>
+            </a:r>
+            <a:r>
+              <a:rPr lang="de-DE" dirty="0" err="1" smtClean="0"/>
+              <a:t>ng</a:t>
+            </a:r>
+            <a:r>
+              <a:rPr lang="de-DE" dirty="0" smtClean="0"/>
+              <a:t>-workshop</a:t>
             </a:r>
             <a:endParaRPr lang="de-DE" dirty="0"/>
           </a:p>
@@ -40135,7 +40163,7 @@
             </a:r>
             <a:r>
               <a:rPr lang="de-DE" dirty="0">
-                <a:hlinkClick r:id="rId4"/>
+                <a:hlinkClick r:id="rId3"/>
               </a:rPr>
               <a:t>Link</a:t>
             </a:r>

--- a/docs/Angular-Workshop-20.10.pptx
+++ b/docs/Angular-Workshop-20.10.pptx
@@ -27,10 +27,10 @@
     <p:sldId id="269" r:id="rId15"/>
     <p:sldId id="270" r:id="rId16"/>
     <p:sldId id="275" r:id="rId17"/>
-    <p:sldId id="271" r:id="rId18"/>
-    <p:sldId id="288" r:id="rId19"/>
-    <p:sldId id="295" r:id="rId20"/>
-    <p:sldId id="294" r:id="rId21"/>
+    <p:sldId id="295" r:id="rId18"/>
+    <p:sldId id="294" r:id="rId19"/>
+    <p:sldId id="271" r:id="rId20"/>
+    <p:sldId id="288" r:id="rId21"/>
     <p:sldId id="273" r:id="rId22"/>
     <p:sldId id="274" r:id="rId23"/>
     <p:sldId id="289" r:id="rId24"/>
@@ -36030,6 +36030,432 @@
           <a:bodyPr/>
           <a:lstStyle/>
           <a:p>
+            <a:endParaRPr lang="de-DE" dirty="0"/>
+          </a:p>
+        </p:txBody>
+      </p:sp>
+      <p:sp>
+        <p:nvSpPr>
+          <p:cNvPr id="3" name="Textplatzhalter 2"/>
+          <p:cNvSpPr>
+            <a:spLocks noGrp="1"/>
+          </p:cNvSpPr>
+          <p:nvPr>
+            <p:ph type="body" sz="quarter" idx="30"/>
+          </p:nvPr>
+        </p:nvSpPr>
+        <p:spPr/>
+        <p:txBody>
+          <a:bodyPr anchor="ctr"/>
+          <a:lstStyle/>
+          <a:p>
+            <a:pPr marL="0" indent="0" algn="ctr">
+              <a:buNone/>
+            </a:pPr>
+            <a:r>
+              <a:rPr lang="de-DE" sz="6600" dirty="0">
+                <a:solidFill>
+                  <a:schemeClr val="tx2"/>
+                </a:solidFill>
+                <a:latin typeface="+mj-lt"/>
+              </a:rPr>
+              <a:t>Pause </a:t>
+            </a:r>
+            <a:r>
+              <a:rPr lang="de-DE" sz="6600" dirty="0">
+                <a:solidFill>
+                  <a:schemeClr val="tx2"/>
+                </a:solidFill>
+                <a:latin typeface="+mj-lt"/>
+                <a:sym typeface="Wingdings"/>
+              </a:rPr>
+              <a:t></a:t>
+            </a:r>
+            <a:endParaRPr lang="de-DE" sz="6600" dirty="0">
+              <a:solidFill>
+                <a:schemeClr val="tx2"/>
+              </a:solidFill>
+              <a:latin typeface="+mj-lt"/>
+            </a:endParaRPr>
+          </a:p>
+        </p:txBody>
+      </p:sp>
+      <p:sp>
+        <p:nvSpPr>
+          <p:cNvPr id="4" name="Datumsplatzhalter 3"/>
+          <p:cNvSpPr>
+            <a:spLocks noGrp="1"/>
+          </p:cNvSpPr>
+          <p:nvPr>
+            <p:ph type="dt" sz="half" idx="31"/>
+          </p:nvPr>
+        </p:nvSpPr>
+        <p:spPr/>
+        <p:txBody>
+          <a:bodyPr/>
+          <a:lstStyle/>
+          <a:p>
+            <a:fld id="{17C2562E-359A-3C42-BBEF-E02CE97BECB1}" type="datetimeFigureOut">
+              <a:rPr lang="de-DE" smtClean="0"/>
+              <a:pPr/>
+              <a:t>20.10.17</a:t>
+            </a:fld>
+            <a:endParaRPr lang="de-DE" dirty="0"/>
+          </a:p>
+        </p:txBody>
+      </p:sp>
+      <p:sp>
+        <p:nvSpPr>
+          <p:cNvPr id="5" name="Fußzeilenplatzhalter 4"/>
+          <p:cNvSpPr>
+            <a:spLocks noGrp="1"/>
+          </p:cNvSpPr>
+          <p:nvPr>
+            <p:ph type="ftr" sz="quarter" idx="32"/>
+          </p:nvPr>
+        </p:nvSpPr>
+        <p:spPr/>
+        <p:txBody>
+          <a:bodyPr/>
+          <a:lstStyle/>
+          <a:p>
+            <a:r>
+              <a:rPr lang="de-DE" dirty="0"/>
+              <a:t>VK0</a:t>
+            </a:r>
+            <a:endParaRPr lang="de-DE" dirty="0"/>
+          </a:p>
+        </p:txBody>
+      </p:sp>
+      <p:sp>
+        <p:nvSpPr>
+          <p:cNvPr id="6" name="Foliennummernplatzhalter 5"/>
+          <p:cNvSpPr>
+            <a:spLocks noGrp="1"/>
+          </p:cNvSpPr>
+          <p:nvPr>
+            <p:ph type="sldNum" sz="quarter" idx="33"/>
+          </p:nvPr>
+        </p:nvSpPr>
+        <p:spPr/>
+        <p:txBody>
+          <a:bodyPr/>
+          <a:lstStyle/>
+          <a:p>
+            <a:r>
+              <a:rPr lang="de-DE"/>
+              <a:t>Seite </a:t>
+            </a:r>
+            <a:fld id="{38661448-4A48-D446-A2DB-27E795148D92}" type="slidenum">
+              <a:rPr lang="de-DE" smtClean="0"/>
+              <a:pPr/>
+              <a:t>14</a:t>
+            </a:fld>
+            <a:endParaRPr lang="de-DE" dirty="0"/>
+          </a:p>
+        </p:txBody>
+      </p:sp>
+    </p:spTree>
+    <p:extLst>
+      <p:ext uri="{BB962C8B-B14F-4D97-AF65-F5344CB8AC3E}">
+        <p14:creationId xmlns:p14="http://schemas.microsoft.com/office/powerpoint/2010/main" val="1026775767"/>
+      </p:ext>
+    </p:extLst>
+  </p:cSld>
+  <p:clrMapOvr>
+    <a:masterClrMapping/>
+  </p:clrMapOvr>
+  <p:timing>
+    <p:tnLst>
+      <p:par>
+        <p:cTn id="1" dur="indefinite" restart="never" nodeType="tmRoot"/>
+      </p:par>
+    </p:tnLst>
+  </p:timing>
+</p:sld>
+</file>
+
+<file path=ppt/slides/slide15.xml><?xml version="1.0" encoding="utf-8"?>
+<p:sld xmlns:a="http://schemas.openxmlformats.org/drawingml/2006/main" xmlns:r="http://schemas.openxmlformats.org/officeDocument/2006/relationships" xmlns:p="http://schemas.openxmlformats.org/presentationml/2006/main">
+  <p:cSld>
+    <p:spTree>
+      <p:nvGrpSpPr>
+        <p:cNvPr id="1" name=""/>
+        <p:cNvGrpSpPr/>
+        <p:nvPr/>
+      </p:nvGrpSpPr>
+      <p:grpSpPr>
+        <a:xfrm>
+          <a:off x="0" y="0"/>
+          <a:ext cx="0" cy="0"/>
+          <a:chOff x="0" y="0"/>
+          <a:chExt cx="0" cy="0"/>
+        </a:xfrm>
+      </p:grpSpPr>
+      <p:pic>
+        <p:nvPicPr>
+          <p:cNvPr id="1025" name="Picture 1" descr="age1image272"/>
+          <p:cNvPicPr>
+            <a:picLocks noChangeAspect="1" noChangeArrowheads="1"/>
+          </p:cNvPicPr>
+          <p:nvPr/>
+        </p:nvPicPr>
+        <p:blipFill>
+          <a:blip r:embed="rId2">
+            <a:extLst>
+              <a:ext uri="{28A0092B-C50C-407E-A947-70E740481C1C}">
+                <a14:useLocalDpi xmlns:a14="http://schemas.microsoft.com/office/drawing/2010/main" val="0"/>
+              </a:ext>
+            </a:extLst>
+          </a:blip>
+          <a:srcRect/>
+          <a:stretch>
+            <a:fillRect/>
+          </a:stretch>
+        </p:blipFill>
+        <p:spPr bwMode="auto">
+          <a:xfrm>
+            <a:off x="5530467" y="1583434"/>
+            <a:ext cx="7118732" cy="5036440"/>
+          </a:xfrm>
+          <a:prstGeom prst="rect">
+            <a:avLst/>
+          </a:prstGeom>
+          <a:noFill/>
+          <a:extLst>
+            <a:ext uri="{909E8E84-426E-40DD-AFC4-6F175D3DCCD1}">
+              <a14:hiddenFill xmlns:a14="http://schemas.microsoft.com/office/drawing/2010/main">
+                <a:solidFill>
+                  <a:srgbClr val="FFFFFF"/>
+                </a:solidFill>
+              </a14:hiddenFill>
+            </a:ext>
+          </a:extLst>
+        </p:spPr>
+      </p:pic>
+      <p:sp>
+        <p:nvSpPr>
+          <p:cNvPr id="2" name="Titel 1"/>
+          <p:cNvSpPr>
+            <a:spLocks noGrp="1"/>
+          </p:cNvSpPr>
+          <p:nvPr>
+            <p:ph type="title"/>
+          </p:nvPr>
+        </p:nvSpPr>
+        <p:spPr/>
+        <p:txBody>
+          <a:bodyPr/>
+          <a:lstStyle/>
+          <a:p>
+            <a:r>
+              <a:rPr lang="de-DE" dirty="0"/>
+              <a:t>Software </a:t>
+            </a:r>
+            <a:r>
+              <a:rPr lang="de-DE" dirty="0" err="1"/>
+              <a:t>Craftsmanship</a:t>
+            </a:r>
+            <a:r>
+              <a:rPr lang="de-DE" dirty="0"/>
+              <a:t> Community</a:t>
+            </a:r>
+          </a:p>
+        </p:txBody>
+      </p:sp>
+      <p:sp>
+        <p:nvSpPr>
+          <p:cNvPr id="8" name="Textplatzhalter 7"/>
+          <p:cNvSpPr>
+            <a:spLocks noGrp="1"/>
+          </p:cNvSpPr>
+          <p:nvPr>
+            <p:ph type="body" sz="quarter" idx="30"/>
+          </p:nvPr>
+        </p:nvSpPr>
+        <p:spPr>
+          <a:xfrm>
+            <a:off x="380990" y="1569368"/>
+            <a:ext cx="5601169" cy="5050507"/>
+          </a:xfrm>
+        </p:spPr>
+        <p:txBody>
+          <a:bodyPr/>
+          <a:lstStyle/>
+          <a:p>
+            <a:r>
+              <a:rPr lang="de-DE" dirty="0"/>
+              <a:t>Twitter</a:t>
+            </a:r>
+          </a:p>
+          <a:p>
+            <a:pPr lvl="1"/>
+            <a:r>
+              <a:rPr lang="de-DE" dirty="0"/>
+              <a:t>@</a:t>
+            </a:r>
+            <a:r>
+              <a:rPr lang="de-DE" dirty="0" err="1"/>
+              <a:t>SCC_at_DATEV</a:t>
+            </a:r>
+            <a:endParaRPr lang="de-DE" dirty="0"/>
+          </a:p>
+          <a:p>
+            <a:endParaRPr lang="de-DE" dirty="0"/>
+          </a:p>
+          <a:p>
+            <a:r>
+              <a:rPr lang="de-DE" dirty="0"/>
+              <a:t>Global Day </a:t>
+            </a:r>
+            <a:r>
+              <a:rPr lang="de-DE" dirty="0" err="1"/>
+              <a:t>of</a:t>
+            </a:r>
+            <a:r>
+              <a:rPr lang="de-DE" dirty="0"/>
+              <a:t> Code Retreat </a:t>
+            </a:r>
+          </a:p>
+          <a:p>
+            <a:pPr lvl="1"/>
+            <a:r>
+              <a:rPr lang="de-DE" dirty="0">
+                <a:hlinkClick r:id="rId3"/>
+              </a:rPr>
+              <a:t>https://ti.to/gdcr-nuernberg/2017</a:t>
+            </a:r>
+            <a:endParaRPr lang="de-DE" dirty="0"/>
+          </a:p>
+        </p:txBody>
+      </p:sp>
+      <p:sp>
+        <p:nvSpPr>
+          <p:cNvPr id="4" name="Datumsplatzhalter 3"/>
+          <p:cNvSpPr>
+            <a:spLocks noGrp="1"/>
+          </p:cNvSpPr>
+          <p:nvPr>
+            <p:ph type="dt" sz="half" idx="36"/>
+          </p:nvPr>
+        </p:nvSpPr>
+        <p:spPr/>
+        <p:txBody>
+          <a:bodyPr/>
+          <a:lstStyle/>
+          <a:p>
+            <a:fld id="{17C2562E-359A-3C42-BBEF-E02CE97BECB1}" type="datetimeFigureOut">
+              <a:rPr lang="de-DE" smtClean="0"/>
+              <a:pPr/>
+              <a:t>20.10.17</a:t>
+            </a:fld>
+            <a:endParaRPr lang="de-DE" dirty="0"/>
+          </a:p>
+        </p:txBody>
+      </p:sp>
+      <p:sp>
+        <p:nvSpPr>
+          <p:cNvPr id="5" name="Fußzeilenplatzhalter 4"/>
+          <p:cNvSpPr>
+            <a:spLocks noGrp="1"/>
+          </p:cNvSpPr>
+          <p:nvPr>
+            <p:ph type="ftr" sz="quarter" idx="37"/>
+          </p:nvPr>
+        </p:nvSpPr>
+        <p:spPr/>
+        <p:txBody>
+          <a:bodyPr/>
+          <a:lstStyle/>
+          <a:p>
+            <a:r>
+              <a:rPr lang="de-DE" dirty="0"/>
+              <a:t>VK0</a:t>
+            </a:r>
+            <a:endParaRPr lang="de-DE" dirty="0"/>
+          </a:p>
+        </p:txBody>
+      </p:sp>
+      <p:sp>
+        <p:nvSpPr>
+          <p:cNvPr id="6" name="Foliennummernplatzhalter 5"/>
+          <p:cNvSpPr>
+            <a:spLocks noGrp="1"/>
+          </p:cNvSpPr>
+          <p:nvPr>
+            <p:ph type="sldNum" sz="quarter" idx="38"/>
+          </p:nvPr>
+        </p:nvSpPr>
+        <p:spPr/>
+        <p:txBody>
+          <a:bodyPr/>
+          <a:lstStyle/>
+          <a:p>
+            <a:r>
+              <a:rPr lang="de-DE"/>
+              <a:t>Seite </a:t>
+            </a:r>
+            <a:fld id="{38661448-4A48-D446-A2DB-27E795148D92}" type="slidenum">
+              <a:rPr lang="de-DE" smtClean="0"/>
+              <a:pPr/>
+              <a:t>15</a:t>
+            </a:fld>
+            <a:endParaRPr lang="de-DE" dirty="0"/>
+          </a:p>
+        </p:txBody>
+      </p:sp>
+    </p:spTree>
+    <p:extLst>
+      <p:ext uri="{BB962C8B-B14F-4D97-AF65-F5344CB8AC3E}">
+        <p14:creationId xmlns:p14="http://schemas.microsoft.com/office/powerpoint/2010/main" val="1665678564"/>
+      </p:ext>
+    </p:extLst>
+  </p:cSld>
+  <p:clrMapOvr>
+    <a:masterClrMapping/>
+  </p:clrMapOvr>
+  <p:timing>
+    <p:tnLst>
+      <p:par>
+        <p:cTn id="1" dur="indefinite" restart="never" nodeType="tmRoot"/>
+      </p:par>
+    </p:tnLst>
+  </p:timing>
+</p:sld>
+</file>
+
+<file path=ppt/slides/slide16.xml><?xml version="1.0" encoding="utf-8"?>
+<p:sld xmlns:a="http://schemas.openxmlformats.org/drawingml/2006/main" xmlns:r="http://schemas.openxmlformats.org/officeDocument/2006/relationships" xmlns:p="http://schemas.openxmlformats.org/presentationml/2006/main">
+  <p:cSld>
+    <p:spTree>
+      <p:nvGrpSpPr>
+        <p:cNvPr id="1" name=""/>
+        <p:cNvGrpSpPr/>
+        <p:nvPr/>
+      </p:nvGrpSpPr>
+      <p:grpSpPr>
+        <a:xfrm>
+          <a:off x="0" y="0"/>
+          <a:ext cx="0" cy="0"/>
+          <a:chOff x="0" y="0"/>
+          <a:chExt cx="0" cy="0"/>
+        </a:xfrm>
+      </p:grpSpPr>
+      <p:sp>
+        <p:nvSpPr>
+          <p:cNvPr id="2" name="Titel 1"/>
+          <p:cNvSpPr>
+            <a:spLocks noGrp="1"/>
+          </p:cNvSpPr>
+          <p:nvPr>
+            <p:ph type="title"/>
+          </p:nvPr>
+        </p:nvSpPr>
+        <p:spPr/>
+        <p:txBody>
+          <a:bodyPr/>
+          <a:lstStyle/>
+          <a:p>
             <a:r>
               <a:rPr lang="de-DE" dirty="0"/>
               <a:t>Komponenten</a:t>
@@ -36224,7 +36650,7 @@
             <a:fld id="{38661448-4A48-D446-A2DB-27E795148D92}" type="slidenum">
               <a:rPr lang="de-DE" smtClean="0"/>
               <a:pPr/>
-              <a:t>14</a:t>
+              <a:t>16</a:t>
             </a:fld>
             <a:endParaRPr lang="de-DE" dirty="0"/>
           </a:p>
@@ -36345,7 +36771,7 @@
 </p:sld>
 </file>
 
-<file path=ppt/slides/slide15.xml><?xml version="1.0" encoding="utf-8"?>
+<file path=ppt/slides/slide17.xml><?xml version="1.0" encoding="utf-8"?>
 <p:sld xmlns:a="http://schemas.openxmlformats.org/drawingml/2006/main" xmlns:r="http://schemas.openxmlformats.org/officeDocument/2006/relationships" xmlns:p="http://schemas.openxmlformats.org/presentationml/2006/main">
   <p:cSld>
     <p:spTree>
@@ -36496,7 +36922,7 @@
             <a:fld id="{38661448-4A48-D446-A2DB-27E795148D92}" type="slidenum">
               <a:rPr lang="de-DE" smtClean="0"/>
               <a:pPr/>
-              <a:t>15</a:t>
+              <a:t>17</a:t>
             </a:fld>
             <a:endParaRPr lang="de-DE" dirty="0"/>
           </a:p>
@@ -36506,432 +36932,6 @@
     <p:extLst>
       <p:ext uri="{BB962C8B-B14F-4D97-AF65-F5344CB8AC3E}">
         <p14:creationId xmlns:p14="http://schemas.microsoft.com/office/powerpoint/2010/main" val="674529250"/>
-      </p:ext>
-    </p:extLst>
-  </p:cSld>
-  <p:clrMapOvr>
-    <a:masterClrMapping/>
-  </p:clrMapOvr>
-  <p:timing>
-    <p:tnLst>
-      <p:par>
-        <p:cTn id="1" dur="indefinite" restart="never" nodeType="tmRoot"/>
-      </p:par>
-    </p:tnLst>
-  </p:timing>
-</p:sld>
-</file>
-
-<file path=ppt/slides/slide16.xml><?xml version="1.0" encoding="utf-8"?>
-<p:sld xmlns:a="http://schemas.openxmlformats.org/drawingml/2006/main" xmlns:r="http://schemas.openxmlformats.org/officeDocument/2006/relationships" xmlns:p="http://schemas.openxmlformats.org/presentationml/2006/main">
-  <p:cSld>
-    <p:spTree>
-      <p:nvGrpSpPr>
-        <p:cNvPr id="1" name=""/>
-        <p:cNvGrpSpPr/>
-        <p:nvPr/>
-      </p:nvGrpSpPr>
-      <p:grpSpPr>
-        <a:xfrm>
-          <a:off x="0" y="0"/>
-          <a:ext cx="0" cy="0"/>
-          <a:chOff x="0" y="0"/>
-          <a:chExt cx="0" cy="0"/>
-        </a:xfrm>
-      </p:grpSpPr>
-      <p:sp>
-        <p:nvSpPr>
-          <p:cNvPr id="2" name="Titel 1"/>
-          <p:cNvSpPr>
-            <a:spLocks noGrp="1"/>
-          </p:cNvSpPr>
-          <p:nvPr>
-            <p:ph type="title"/>
-          </p:nvPr>
-        </p:nvSpPr>
-        <p:spPr/>
-        <p:txBody>
-          <a:bodyPr/>
-          <a:lstStyle/>
-          <a:p>
-            <a:endParaRPr lang="de-DE" dirty="0"/>
-          </a:p>
-        </p:txBody>
-      </p:sp>
-      <p:sp>
-        <p:nvSpPr>
-          <p:cNvPr id="3" name="Textplatzhalter 2"/>
-          <p:cNvSpPr>
-            <a:spLocks noGrp="1"/>
-          </p:cNvSpPr>
-          <p:nvPr>
-            <p:ph type="body" sz="quarter" idx="30"/>
-          </p:nvPr>
-        </p:nvSpPr>
-        <p:spPr/>
-        <p:txBody>
-          <a:bodyPr anchor="ctr"/>
-          <a:lstStyle/>
-          <a:p>
-            <a:pPr marL="0" indent="0" algn="ctr">
-              <a:buNone/>
-            </a:pPr>
-            <a:r>
-              <a:rPr lang="de-DE" sz="6600" dirty="0">
-                <a:solidFill>
-                  <a:schemeClr val="tx2"/>
-                </a:solidFill>
-                <a:latin typeface="+mj-lt"/>
-              </a:rPr>
-              <a:t>Pause </a:t>
-            </a:r>
-            <a:r>
-              <a:rPr lang="de-DE" sz="6600" dirty="0">
-                <a:solidFill>
-                  <a:schemeClr val="tx2"/>
-                </a:solidFill>
-                <a:latin typeface="+mj-lt"/>
-                <a:sym typeface="Wingdings"/>
-              </a:rPr>
-              <a:t></a:t>
-            </a:r>
-            <a:endParaRPr lang="de-DE" sz="6600" dirty="0">
-              <a:solidFill>
-                <a:schemeClr val="tx2"/>
-              </a:solidFill>
-              <a:latin typeface="+mj-lt"/>
-            </a:endParaRPr>
-          </a:p>
-        </p:txBody>
-      </p:sp>
-      <p:sp>
-        <p:nvSpPr>
-          <p:cNvPr id="4" name="Datumsplatzhalter 3"/>
-          <p:cNvSpPr>
-            <a:spLocks noGrp="1"/>
-          </p:cNvSpPr>
-          <p:nvPr>
-            <p:ph type="dt" sz="half" idx="31"/>
-          </p:nvPr>
-        </p:nvSpPr>
-        <p:spPr/>
-        <p:txBody>
-          <a:bodyPr/>
-          <a:lstStyle/>
-          <a:p>
-            <a:fld id="{17C2562E-359A-3C42-BBEF-E02CE97BECB1}" type="datetimeFigureOut">
-              <a:rPr lang="de-DE" smtClean="0"/>
-              <a:pPr/>
-              <a:t>20.10.17</a:t>
-            </a:fld>
-            <a:endParaRPr lang="de-DE" dirty="0"/>
-          </a:p>
-        </p:txBody>
-      </p:sp>
-      <p:sp>
-        <p:nvSpPr>
-          <p:cNvPr id="5" name="Fußzeilenplatzhalter 4"/>
-          <p:cNvSpPr>
-            <a:spLocks noGrp="1"/>
-          </p:cNvSpPr>
-          <p:nvPr>
-            <p:ph type="ftr" sz="quarter" idx="32"/>
-          </p:nvPr>
-        </p:nvSpPr>
-        <p:spPr/>
-        <p:txBody>
-          <a:bodyPr/>
-          <a:lstStyle/>
-          <a:p>
-            <a:r>
-              <a:rPr lang="de-DE" dirty="0"/>
-              <a:t>VK0</a:t>
-            </a:r>
-            <a:endParaRPr lang="de-DE" dirty="0"/>
-          </a:p>
-        </p:txBody>
-      </p:sp>
-      <p:sp>
-        <p:nvSpPr>
-          <p:cNvPr id="6" name="Foliennummernplatzhalter 5"/>
-          <p:cNvSpPr>
-            <a:spLocks noGrp="1"/>
-          </p:cNvSpPr>
-          <p:nvPr>
-            <p:ph type="sldNum" sz="quarter" idx="33"/>
-          </p:nvPr>
-        </p:nvSpPr>
-        <p:spPr/>
-        <p:txBody>
-          <a:bodyPr/>
-          <a:lstStyle/>
-          <a:p>
-            <a:r>
-              <a:rPr lang="de-DE"/>
-              <a:t>Seite </a:t>
-            </a:r>
-            <a:fld id="{38661448-4A48-D446-A2DB-27E795148D92}" type="slidenum">
-              <a:rPr lang="de-DE" smtClean="0"/>
-              <a:pPr/>
-              <a:t>16</a:t>
-            </a:fld>
-            <a:endParaRPr lang="de-DE" dirty="0"/>
-          </a:p>
-        </p:txBody>
-      </p:sp>
-    </p:spTree>
-    <p:extLst>
-      <p:ext uri="{BB962C8B-B14F-4D97-AF65-F5344CB8AC3E}">
-        <p14:creationId xmlns:p14="http://schemas.microsoft.com/office/powerpoint/2010/main" val="1026775767"/>
-      </p:ext>
-    </p:extLst>
-  </p:cSld>
-  <p:clrMapOvr>
-    <a:masterClrMapping/>
-  </p:clrMapOvr>
-  <p:timing>
-    <p:tnLst>
-      <p:par>
-        <p:cTn id="1" dur="indefinite" restart="never" nodeType="tmRoot"/>
-      </p:par>
-    </p:tnLst>
-  </p:timing>
-</p:sld>
-</file>
-
-<file path=ppt/slides/slide17.xml><?xml version="1.0" encoding="utf-8"?>
-<p:sld xmlns:a="http://schemas.openxmlformats.org/drawingml/2006/main" xmlns:r="http://schemas.openxmlformats.org/officeDocument/2006/relationships" xmlns:p="http://schemas.openxmlformats.org/presentationml/2006/main">
-  <p:cSld>
-    <p:spTree>
-      <p:nvGrpSpPr>
-        <p:cNvPr id="1" name=""/>
-        <p:cNvGrpSpPr/>
-        <p:nvPr/>
-      </p:nvGrpSpPr>
-      <p:grpSpPr>
-        <a:xfrm>
-          <a:off x="0" y="0"/>
-          <a:ext cx="0" cy="0"/>
-          <a:chOff x="0" y="0"/>
-          <a:chExt cx="0" cy="0"/>
-        </a:xfrm>
-      </p:grpSpPr>
-      <p:pic>
-        <p:nvPicPr>
-          <p:cNvPr id="1025" name="Picture 1" descr="age1image272"/>
-          <p:cNvPicPr>
-            <a:picLocks noChangeAspect="1" noChangeArrowheads="1"/>
-          </p:cNvPicPr>
-          <p:nvPr/>
-        </p:nvPicPr>
-        <p:blipFill>
-          <a:blip r:embed="rId2">
-            <a:extLst>
-              <a:ext uri="{28A0092B-C50C-407E-A947-70E740481C1C}">
-                <a14:useLocalDpi xmlns:a14="http://schemas.microsoft.com/office/drawing/2010/main" val="0"/>
-              </a:ext>
-            </a:extLst>
-          </a:blip>
-          <a:srcRect/>
-          <a:stretch>
-            <a:fillRect/>
-          </a:stretch>
-        </p:blipFill>
-        <p:spPr bwMode="auto">
-          <a:xfrm>
-            <a:off x="5530467" y="1583434"/>
-            <a:ext cx="7118732" cy="5036440"/>
-          </a:xfrm>
-          <a:prstGeom prst="rect">
-            <a:avLst/>
-          </a:prstGeom>
-          <a:noFill/>
-          <a:extLst>
-            <a:ext uri="{909E8E84-426E-40DD-AFC4-6F175D3DCCD1}">
-              <a14:hiddenFill xmlns:a14="http://schemas.microsoft.com/office/drawing/2010/main">
-                <a:solidFill>
-                  <a:srgbClr val="FFFFFF"/>
-                </a:solidFill>
-              </a14:hiddenFill>
-            </a:ext>
-          </a:extLst>
-        </p:spPr>
-      </p:pic>
-      <p:sp>
-        <p:nvSpPr>
-          <p:cNvPr id="2" name="Titel 1"/>
-          <p:cNvSpPr>
-            <a:spLocks noGrp="1"/>
-          </p:cNvSpPr>
-          <p:nvPr>
-            <p:ph type="title"/>
-          </p:nvPr>
-        </p:nvSpPr>
-        <p:spPr/>
-        <p:txBody>
-          <a:bodyPr/>
-          <a:lstStyle/>
-          <a:p>
-            <a:r>
-              <a:rPr lang="de-DE" dirty="0"/>
-              <a:t>Software </a:t>
-            </a:r>
-            <a:r>
-              <a:rPr lang="de-DE" dirty="0" err="1"/>
-              <a:t>Craftsmanship</a:t>
-            </a:r>
-            <a:r>
-              <a:rPr lang="de-DE" dirty="0"/>
-              <a:t> Community</a:t>
-            </a:r>
-          </a:p>
-        </p:txBody>
-      </p:sp>
-      <p:sp>
-        <p:nvSpPr>
-          <p:cNvPr id="8" name="Textplatzhalter 7"/>
-          <p:cNvSpPr>
-            <a:spLocks noGrp="1"/>
-          </p:cNvSpPr>
-          <p:nvPr>
-            <p:ph type="body" sz="quarter" idx="30"/>
-          </p:nvPr>
-        </p:nvSpPr>
-        <p:spPr>
-          <a:xfrm>
-            <a:off x="380990" y="1569368"/>
-            <a:ext cx="5601169" cy="5050507"/>
-          </a:xfrm>
-        </p:spPr>
-        <p:txBody>
-          <a:bodyPr/>
-          <a:lstStyle/>
-          <a:p>
-            <a:r>
-              <a:rPr lang="de-DE" dirty="0"/>
-              <a:t>Twitter</a:t>
-            </a:r>
-          </a:p>
-          <a:p>
-            <a:pPr lvl="1"/>
-            <a:r>
-              <a:rPr lang="de-DE" dirty="0"/>
-              <a:t>@</a:t>
-            </a:r>
-            <a:r>
-              <a:rPr lang="de-DE" dirty="0" err="1"/>
-              <a:t>SCC_at_DATEV</a:t>
-            </a:r>
-            <a:endParaRPr lang="de-DE" dirty="0"/>
-          </a:p>
-          <a:p>
-            <a:endParaRPr lang="de-DE" dirty="0"/>
-          </a:p>
-          <a:p>
-            <a:r>
-              <a:rPr lang="de-DE" dirty="0"/>
-              <a:t>Global Day </a:t>
-            </a:r>
-            <a:r>
-              <a:rPr lang="de-DE" dirty="0" err="1"/>
-              <a:t>of</a:t>
-            </a:r>
-            <a:r>
-              <a:rPr lang="de-DE" dirty="0"/>
-              <a:t> Code Retreat </a:t>
-            </a:r>
-          </a:p>
-          <a:p>
-            <a:pPr lvl="1"/>
-            <a:r>
-              <a:rPr lang="de-DE" dirty="0">
-                <a:hlinkClick r:id="rId3"/>
-              </a:rPr>
-              <a:t>https://ti.to/gdcr-nuernberg/2017</a:t>
-            </a:r>
-            <a:endParaRPr lang="de-DE" dirty="0"/>
-          </a:p>
-        </p:txBody>
-      </p:sp>
-      <p:sp>
-        <p:nvSpPr>
-          <p:cNvPr id="4" name="Datumsplatzhalter 3"/>
-          <p:cNvSpPr>
-            <a:spLocks noGrp="1"/>
-          </p:cNvSpPr>
-          <p:nvPr>
-            <p:ph type="dt" sz="half" idx="36"/>
-          </p:nvPr>
-        </p:nvSpPr>
-        <p:spPr/>
-        <p:txBody>
-          <a:bodyPr/>
-          <a:lstStyle/>
-          <a:p>
-            <a:fld id="{17C2562E-359A-3C42-BBEF-E02CE97BECB1}" type="datetimeFigureOut">
-              <a:rPr lang="de-DE" smtClean="0"/>
-              <a:pPr/>
-              <a:t>20.10.17</a:t>
-            </a:fld>
-            <a:endParaRPr lang="de-DE" dirty="0"/>
-          </a:p>
-        </p:txBody>
-      </p:sp>
-      <p:sp>
-        <p:nvSpPr>
-          <p:cNvPr id="5" name="Fußzeilenplatzhalter 4"/>
-          <p:cNvSpPr>
-            <a:spLocks noGrp="1"/>
-          </p:cNvSpPr>
-          <p:nvPr>
-            <p:ph type="ftr" sz="quarter" idx="37"/>
-          </p:nvPr>
-        </p:nvSpPr>
-        <p:spPr/>
-        <p:txBody>
-          <a:bodyPr/>
-          <a:lstStyle/>
-          <a:p>
-            <a:r>
-              <a:rPr lang="de-DE" dirty="0"/>
-              <a:t>VK0</a:t>
-            </a:r>
-            <a:endParaRPr lang="de-DE" dirty="0"/>
-          </a:p>
-        </p:txBody>
-      </p:sp>
-      <p:sp>
-        <p:nvSpPr>
-          <p:cNvPr id="6" name="Foliennummernplatzhalter 5"/>
-          <p:cNvSpPr>
-            <a:spLocks noGrp="1"/>
-          </p:cNvSpPr>
-          <p:nvPr>
-            <p:ph type="sldNum" sz="quarter" idx="38"/>
-          </p:nvPr>
-        </p:nvSpPr>
-        <p:spPr/>
-        <p:txBody>
-          <a:bodyPr/>
-          <a:lstStyle/>
-          <a:p>
-            <a:r>
-              <a:rPr lang="de-DE"/>
-              <a:t>Seite </a:t>
-            </a:r>
-            <a:fld id="{38661448-4A48-D446-A2DB-27E795148D92}" type="slidenum">
-              <a:rPr lang="de-DE" smtClean="0"/>
-              <a:pPr/>
-              <a:t>17</a:t>
-            </a:fld>
-            <a:endParaRPr lang="de-DE" dirty="0"/>
-          </a:p>
-        </p:txBody>
-      </p:sp>
-    </p:spTree>
-    <p:extLst>
-      <p:ext uri="{BB962C8B-B14F-4D97-AF65-F5344CB8AC3E}">
-        <p14:creationId xmlns:p14="http://schemas.microsoft.com/office/powerpoint/2010/main" val="1665678564"/>
       </p:ext>
     </p:extLst>
   </p:cSld>
